--- a/POETS - CodeMash 2017.pptx
+++ b/POETS - CodeMash 2017.pptx
@@ -5,7 +5,7 @@
     <p:sldMasterId id="2147483749" r:id="rId1"/>
   </p:sldMasterIdLst>
   <p:notesMasterIdLst>
-    <p:notesMasterId r:id="rId82"/>
+    <p:notesMasterId r:id="rId74"/>
   </p:notesMasterIdLst>
   <p:sldIdLst>
     <p:sldId id="395" r:id="rId2"/>
@@ -53,41 +53,33 @@
     <p:sldId id="427" r:id="rId44"/>
     <p:sldId id="428" r:id="rId45"/>
     <p:sldId id="429" r:id="rId46"/>
-    <p:sldId id="430" r:id="rId47"/>
-    <p:sldId id="425" r:id="rId48"/>
-    <p:sldId id="431" r:id="rId49"/>
-    <p:sldId id="432" r:id="rId50"/>
-    <p:sldId id="433" r:id="rId51"/>
-    <p:sldId id="435" r:id="rId52"/>
-    <p:sldId id="436" r:id="rId53"/>
-    <p:sldId id="434" r:id="rId54"/>
-    <p:sldId id="417" r:id="rId55"/>
+    <p:sldId id="438" r:id="rId47"/>
+    <p:sldId id="430" r:id="rId48"/>
+    <p:sldId id="425" r:id="rId49"/>
+    <p:sldId id="431" r:id="rId50"/>
+    <p:sldId id="432" r:id="rId51"/>
+    <p:sldId id="433" r:id="rId52"/>
+    <p:sldId id="435" r:id="rId53"/>
+    <p:sldId id="436" r:id="rId54"/>
+    <p:sldId id="434" r:id="rId55"/>
     <p:sldId id="406" r:id="rId56"/>
-    <p:sldId id="404" r:id="rId57"/>
-    <p:sldId id="327" r:id="rId58"/>
-    <p:sldId id="373" r:id="rId59"/>
-    <p:sldId id="341" r:id="rId60"/>
-    <p:sldId id="351" r:id="rId61"/>
-    <p:sldId id="316" r:id="rId62"/>
-    <p:sldId id="352" r:id="rId63"/>
-    <p:sldId id="335" r:id="rId64"/>
-    <p:sldId id="336" r:id="rId65"/>
-    <p:sldId id="389" r:id="rId66"/>
-    <p:sldId id="390" r:id="rId67"/>
-    <p:sldId id="391" r:id="rId68"/>
-    <p:sldId id="273" r:id="rId69"/>
-    <p:sldId id="272" r:id="rId70"/>
-    <p:sldId id="394" r:id="rId71"/>
-    <p:sldId id="379" r:id="rId72"/>
-    <p:sldId id="382" r:id="rId73"/>
-    <p:sldId id="380" r:id="rId74"/>
-    <p:sldId id="384" r:id="rId75"/>
-    <p:sldId id="385" r:id="rId76"/>
-    <p:sldId id="386" r:id="rId77"/>
-    <p:sldId id="343" r:id="rId78"/>
-    <p:sldId id="337" r:id="rId79"/>
-    <p:sldId id="374" r:id="rId80"/>
-    <p:sldId id="274" r:id="rId81"/>
+    <p:sldId id="389" r:id="rId57"/>
+    <p:sldId id="390" r:id="rId58"/>
+    <p:sldId id="391" r:id="rId59"/>
+    <p:sldId id="273" r:id="rId60"/>
+    <p:sldId id="417" r:id="rId61"/>
+    <p:sldId id="437" r:id="rId62"/>
+    <p:sldId id="380" r:id="rId63"/>
+    <p:sldId id="384" r:id="rId64"/>
+    <p:sldId id="385" r:id="rId65"/>
+    <p:sldId id="386" r:id="rId66"/>
+    <p:sldId id="343" r:id="rId67"/>
+    <p:sldId id="440" r:id="rId68"/>
+    <p:sldId id="441" r:id="rId69"/>
+    <p:sldId id="442" r:id="rId70"/>
+    <p:sldId id="443" r:id="rId71"/>
+    <p:sldId id="373" r:id="rId72"/>
+    <p:sldId id="274" r:id="rId73"/>
   </p:sldIdLst>
   <p:sldSz cx="12192000" cy="6858000"/>
   <p:notesSz cx="6858000" cy="9144000"/>
@@ -3062,98 +3054,6 @@
           <a:bodyPr/>
           <a:lstStyle/>
           <a:p>
-            <a:r>
-              <a:rPr lang="en-US" sz="1200" kern="1200" dirty="0" smtClean="0">
-                <a:solidFill>
-                  <a:schemeClr val="tx1"/>
-                </a:solidFill>
-                <a:effectLst/>
-                <a:latin typeface="+mn-lt"/>
-                <a:ea typeface="+mn-ea"/>
-                <a:cs typeface="+mn-cs"/>
-              </a:rPr>
-              <a:t>The first key to success, and the single most important thing you can do to improve your setup code, is to stop constructing test objects by hand. Instead, push object creation into some sort of helper method or object. </a:t>
-            </a:r>
-          </a:p>
-          <a:p>
-            <a:r>
-              <a:rPr lang="en-US" sz="1200" kern="1200" dirty="0" smtClean="0">
-                <a:solidFill>
-                  <a:schemeClr val="tx1"/>
-                </a:solidFill>
-                <a:effectLst/>
-                <a:latin typeface="+mn-lt"/>
-                <a:ea typeface="+mn-ea"/>
-                <a:cs typeface="+mn-cs"/>
-              </a:rPr>
-              <a:t>This gives you two benefits: </a:t>
-            </a:r>
-          </a:p>
-          <a:p>
-            <a:pPr lvl="0"/>
-            <a:r>
-              <a:rPr lang="en-US" sz="1200" kern="1200" dirty="0" smtClean="0">
-                <a:solidFill>
-                  <a:schemeClr val="tx1"/>
-                </a:solidFill>
-                <a:effectLst/>
-                <a:latin typeface="+mn-lt"/>
-                <a:ea typeface="+mn-ea"/>
-                <a:cs typeface="+mn-cs"/>
-              </a:rPr>
-              <a:t>It often shortens your setup code, making it easier to write and maintain</a:t>
-            </a:r>
-          </a:p>
-          <a:p>
-            <a:pPr lvl="0"/>
-            <a:r>
-              <a:rPr lang="en-US" sz="1200" kern="1200" dirty="0" smtClean="0">
-                <a:solidFill>
-                  <a:schemeClr val="tx1"/>
-                </a:solidFill>
-                <a:effectLst/>
-                <a:latin typeface="+mn-lt"/>
-                <a:ea typeface="+mn-ea"/>
-                <a:cs typeface="+mn-cs"/>
-              </a:rPr>
-              <a:t>It increases resiliency; if an object’s constructor changes, you potentially only need to update the helper method.</a:t>
-            </a:r>
-          </a:p>
-          <a:p>
-            <a:endParaRPr lang="en-US" dirty="0" smtClean="0"/>
-          </a:p>
-          <a:p>
-            <a:pPr marL="0" marR="0" lvl="0" indent="0" algn="l" defTabSz="914400" rtl="0" eaLnBrk="1" fontAlgn="auto" latinLnBrk="0" hangingPunct="1">
-              <a:lnSpc>
-                <a:spcPct val="100000"/>
-              </a:lnSpc>
-              <a:spcBef>
-                <a:spcPts val="0"/>
-              </a:spcBef>
-              <a:spcAft>
-                <a:spcPts val="0"/>
-              </a:spcAft>
-              <a:buClrTx/>
-              <a:buSzTx/>
-              <a:buFontTx/>
-              <a:buNone/>
-              <a:tabLst/>
-              <a:defRPr/>
-            </a:pPr>
-            <a:r>
-              <a:rPr lang="en-US" sz="1200" kern="1200" dirty="0" smtClean="0">
-                <a:solidFill>
-                  <a:schemeClr val="tx1"/>
-                </a:solidFill>
-                <a:effectLst/>
-                <a:latin typeface="+mn-lt"/>
-                <a:ea typeface="+mn-ea"/>
-                <a:cs typeface="+mn-cs"/>
-              </a:rPr>
-              <a:t>There are a couple of established patterns for handling object creation. </a:t>
-            </a:r>
-          </a:p>
-          <a:p>
             <a:pPr marL="0" marR="0" indent="0" algn="l" defTabSz="914400" rtl="0" eaLnBrk="1" fontAlgn="auto" latinLnBrk="0" hangingPunct="1">
               <a:lnSpc>
                 <a:spcPct val="100000"/>
@@ -6121,69 +6021,7 @@
           <a:bodyPr/>
           <a:lstStyle/>
           <a:p>
-            <a:r>
-              <a:rPr lang="en-US" sz="1200" kern="1200" dirty="0" smtClean="0">
-                <a:solidFill>
-                  <a:schemeClr val="tx1"/>
-                </a:solidFill>
-                <a:effectLst/>
-                <a:latin typeface="+mn-lt"/>
-                <a:ea typeface="+mn-ea"/>
-                <a:cs typeface="+mn-cs"/>
-              </a:rPr>
-              <a:t>I recommend the Test Helper pattern without reservation. There’s literally no good argument not to. But there are a few drawbacks to the Scenario pattern that you should consider.</a:t>
-            </a:r>
-          </a:p>
-          <a:p>
-            <a:r>
-              <a:rPr lang="en-US" sz="1200" kern="1200" dirty="0" smtClean="0">
-                <a:solidFill>
-                  <a:schemeClr val="tx1"/>
-                </a:solidFill>
-                <a:effectLst/>
-                <a:latin typeface="+mn-lt"/>
-                <a:ea typeface="+mn-ea"/>
-                <a:cs typeface="+mn-cs"/>
-              </a:rPr>
-              <a:t>First, you’ll need to figure out for yourself the correct balance between specialization and customization. If you create a large number of Scenarios, each highly specialized for a specific use case, then you’ll generally find that each individual is scenario easy to maintain over time, but you’ll end up creating a lot of them with chunks of duplicate logic. If you create a smaller number of general purpose Scenarios that can be highly customized via arguments then you’ll create fewer objects, but it may be hard to refactor a Scenario because it might be used in lots of different ways by lots of different tests.</a:t>
-            </a:r>
-          </a:p>
-          <a:p>
-            <a:r>
-              <a:rPr lang="en-US" sz="1200" kern="1200" dirty="0" smtClean="0">
-                <a:solidFill>
-                  <a:schemeClr val="tx1"/>
-                </a:solidFill>
-                <a:effectLst/>
-                <a:latin typeface="+mn-lt"/>
-                <a:ea typeface="+mn-ea"/>
-                <a:cs typeface="+mn-cs"/>
-              </a:rPr>
-              <a:t>That balance is hard to predict in advance. My rule of thumb is that if I’m only creating two or three objects in a test, I’ll usually just call the Test Helpers directly. But if I have more than that, AND I’m reusing that logic in more than two or three tests, I’ll extract out a Scenario. </a:t>
-            </a:r>
-          </a:p>
-          <a:p>
-            <a:r>
-              <a:rPr lang="en-US" sz="1200" kern="1200" dirty="0" smtClean="0">
-                <a:solidFill>
-                  <a:schemeClr val="tx1"/>
-                </a:solidFill>
-                <a:effectLst/>
-                <a:latin typeface="+mn-lt"/>
-                <a:ea typeface="+mn-ea"/>
-                <a:cs typeface="+mn-cs"/>
-              </a:rPr>
-              <a:t>Also, remember that Scenarios are helpful because they are facades that encapsulate and abstract the coordination of multiple objects at the same time. If you need a lot of Scenarios, that might be a code smell indicating that those facades would be more useful in the core app itself. For example, if we go back to that e-commerce scenario I just showed you, you could argue that a better design might be to create an object or service that encapsulates all of the information about a given Order, and then base your business rules on that abstraction instead. If you go that route then you may need fewer Scenarios in your unit tests, but they are still really handy when it comes to integration tests.</a:t>
-            </a:r>
-            <a:endParaRPr lang="en-US" sz="1200" kern="1200" dirty="0">
-              <a:solidFill>
-                <a:schemeClr val="tx1"/>
-              </a:solidFill>
-              <a:effectLst/>
-              <a:latin typeface="+mn-lt"/>
-              <a:ea typeface="+mn-ea"/>
-              <a:cs typeface="+mn-cs"/>
-            </a:endParaRPr>
+            <a:endParaRPr lang="en-US" dirty="0"/>
           </a:p>
         </p:txBody>
       </p:sp>
@@ -6213,7 +6051,7 @@
     </p:spTree>
     <p:extLst>
       <p:ext uri="{BB962C8B-B14F-4D97-AF65-F5344CB8AC3E}">
-        <p14:creationId xmlns:p14="http://schemas.microsoft.com/office/powerpoint/2010/main" val="2143862452"/>
+        <p14:creationId xmlns:p14="http://schemas.microsoft.com/office/powerpoint/2010/main" val="3611572895"/>
       </p:ext>
     </p:extLst>
   </p:cSld>
@@ -6277,7 +6115,7 @@
                 <a:ea typeface="+mn-ea"/>
                 <a:cs typeface="+mn-cs"/>
               </a:rPr>
-              <a:t>The fourth key to effective test data setup is to tell a story with your data.</a:t>
+              <a:t>I recommend the Test Helper pattern without reservation. There’s literally no good argument not to. But there are a few drawbacks to the Scenario pattern that you should consider.</a:t>
             </a:r>
           </a:p>
           <a:p>
@@ -6291,20 +6129,10 @@
                 <a:ea typeface="+mn-ea"/>
                 <a:cs typeface="+mn-cs"/>
               </a:rPr>
-              <a:t>At the core of their essence, tests are valuable because they help us understand our software. And in order to fully deliver that value, they have to be designed to effectively convey information when they are read. You could write the most </a:t>
-            </a:r>
-            <a:r>
-              <a:rPr lang="en-US" sz="1200" kern="1200" dirty="0" err="1" smtClean="0">
-                <a:solidFill>
-                  <a:schemeClr val="tx1"/>
-                </a:solidFill>
-                <a:effectLst/>
-                <a:latin typeface="+mn-lt"/>
-                <a:ea typeface="+mn-ea"/>
-                <a:cs typeface="+mn-cs"/>
-              </a:rPr>
-              <a:t>bassackwards</a:t>
-            </a:r>
+              <a:t>First, you’ll need to figure out for yourself the correct balance between specialization and customization. If you create a large number of Scenarios, each highly specialized for a specific use case, then you’ll generally find that each individual is scenario easy to maintain over time, but you’ll end up creating a lot of them with chunks of duplicate logic. If you create a smaller number of general purpose Scenarios that can be highly customized via arguments then you’ll create fewer objects, but it may be hard to refactor a Scenario because it might be used in lots of different ways by lots of different tests.</a:t>
+            </a:r>
+          </a:p>
+          <a:p>
             <a:r>
               <a:rPr lang="en-US" sz="1200" kern="1200" dirty="0" smtClean="0">
                 <a:solidFill>
@@ -6315,7 +6143,7 @@
                 <a:ea typeface="+mn-ea"/>
                 <a:cs typeface="+mn-cs"/>
               </a:rPr>
-              <a:t> and incoherent tests possible and the computer could still figure out what to do, and whether your assertions are true. But that won’t help your poor coworker who opens that file a month later and needs to make a change. CPU cycles are cheap; your coworker’s time is not.</a:t>
+              <a:t>That balance is hard to predict in advance. My rule of thumb is that if I’m only creating two or three objects in a test, I’ll usually just call the Test Helpers directly. But if I have more than that, AND I’m reusing that logic in more than two or three tests, I’ll extract out a Scenario. </a:t>
             </a:r>
           </a:p>
           <a:p>
@@ -6329,10 +6157,8 @@
                 <a:ea typeface="+mn-ea"/>
                 <a:cs typeface="+mn-cs"/>
               </a:rPr>
-              <a:t>When it comes to setup code, there are a few simple practices that I recommend you consider.</a:t>
-            </a:r>
-          </a:p>
-          <a:p>
+              <a:t>Also, remember that Scenarios are helpful because they are facades that encapsulate and abstract the coordination of multiple objects at the same time. If you need a lot of Scenarios, that might be a code smell indicating that those facades would be more useful in the core app itself. For example, if we go back to that e-commerce scenario I just showed you, you could argue that a better design might be to create an object or service that encapsulates all of the information about a given Order, and then base your business rules on that abstraction instead. If you go that route then you may need fewer Scenarios in your unit tests, but they are still really handy when it comes to integration tests.</a:t>
+            </a:r>
             <a:endParaRPr lang="en-US" sz="1200" kern="1200" dirty="0">
               <a:solidFill>
                 <a:schemeClr val="tx1"/>
@@ -6371,7 +6197,7 @@
     </p:spTree>
     <p:extLst>
       <p:ext uri="{BB962C8B-B14F-4D97-AF65-F5344CB8AC3E}">
-        <p14:creationId xmlns:p14="http://schemas.microsoft.com/office/powerpoint/2010/main" val="3116087620"/>
+        <p14:creationId xmlns:p14="http://schemas.microsoft.com/office/powerpoint/2010/main" val="2143862452"/>
       </p:ext>
     </p:extLst>
   </p:cSld>
@@ -6425,6 +6251,72 @@
           <a:bodyPr/>
           <a:lstStyle/>
           <a:p>
+            <a:r>
+              <a:rPr lang="en-US" sz="1200" kern="1200" dirty="0" smtClean="0">
+                <a:solidFill>
+                  <a:schemeClr val="tx1"/>
+                </a:solidFill>
+                <a:effectLst/>
+                <a:latin typeface="+mn-lt"/>
+                <a:ea typeface="+mn-ea"/>
+                <a:cs typeface="+mn-cs"/>
+              </a:rPr>
+              <a:t>The fourth key to effective test data setup is to tell a story with your data.</a:t>
+            </a:r>
+          </a:p>
+          <a:p>
+            <a:r>
+              <a:rPr lang="en-US" sz="1200" kern="1200" dirty="0" smtClean="0">
+                <a:solidFill>
+                  <a:schemeClr val="tx1"/>
+                </a:solidFill>
+                <a:effectLst/>
+                <a:latin typeface="+mn-lt"/>
+                <a:ea typeface="+mn-ea"/>
+                <a:cs typeface="+mn-cs"/>
+              </a:rPr>
+              <a:t>At the core of their essence, tests are valuable because they help us understand our software. And in order to fully deliver that value, they have to be designed to effectively convey information when they are read. You could write the most </a:t>
+            </a:r>
+            <a:r>
+              <a:rPr lang="en-US" sz="1200" kern="1200" dirty="0" err="1" smtClean="0">
+                <a:solidFill>
+                  <a:schemeClr val="tx1"/>
+                </a:solidFill>
+                <a:effectLst/>
+                <a:latin typeface="+mn-lt"/>
+                <a:ea typeface="+mn-ea"/>
+                <a:cs typeface="+mn-cs"/>
+              </a:rPr>
+              <a:t>bassackwards</a:t>
+            </a:r>
+            <a:r>
+              <a:rPr lang="en-US" sz="1200" kern="1200" dirty="0" smtClean="0">
+                <a:solidFill>
+                  <a:schemeClr val="tx1"/>
+                </a:solidFill>
+                <a:effectLst/>
+                <a:latin typeface="+mn-lt"/>
+                <a:ea typeface="+mn-ea"/>
+                <a:cs typeface="+mn-cs"/>
+              </a:rPr>
+              <a:t> and incoherent tests possible and the computer could still figure out what to do, and whether your assertions are true. But that won’t help your poor coworker who opens that file a month later and needs to make a change. CPU cycles are cheap; your coworker’s time is not.</a:t>
+            </a:r>
+          </a:p>
+          <a:p>
+            <a:r>
+              <a:rPr lang="en-US" sz="1200" kern="1200" dirty="0" smtClean="0">
+                <a:solidFill>
+                  <a:schemeClr val="tx1"/>
+                </a:solidFill>
+                <a:effectLst/>
+                <a:latin typeface="+mn-lt"/>
+                <a:ea typeface="+mn-ea"/>
+                <a:cs typeface="+mn-cs"/>
+              </a:rPr>
+              <a:t>When it comes to setup code, there are a few simple practices that I recommend you consider.</a:t>
+            </a:r>
+          </a:p>
+          <a:p>
             <a:endParaRPr lang="en-US" sz="1200" kern="1200" dirty="0">
               <a:solidFill>
                 <a:schemeClr val="tx1"/>
@@ -6463,7 +6355,7 @@
     </p:spTree>
     <p:extLst>
       <p:ext uri="{BB962C8B-B14F-4D97-AF65-F5344CB8AC3E}">
-        <p14:creationId xmlns:p14="http://schemas.microsoft.com/office/powerpoint/2010/main" val="2177537596"/>
+        <p14:creationId xmlns:p14="http://schemas.microsoft.com/office/powerpoint/2010/main" val="3116087620"/>
       </p:ext>
     </p:extLst>
   </p:cSld>
@@ -6555,7 +6447,7 @@
     </p:spTree>
     <p:extLst>
       <p:ext uri="{BB962C8B-B14F-4D97-AF65-F5344CB8AC3E}">
-        <p14:creationId xmlns:p14="http://schemas.microsoft.com/office/powerpoint/2010/main" val="2013156351"/>
+        <p14:creationId xmlns:p14="http://schemas.microsoft.com/office/powerpoint/2010/main" val="2177537596"/>
       </p:ext>
     </p:extLst>
   </p:cSld>
@@ -6735,7 +6627,7 @@
     </p:spTree>
     <p:extLst>
       <p:ext uri="{BB962C8B-B14F-4D97-AF65-F5344CB8AC3E}">
-        <p14:creationId xmlns:p14="http://schemas.microsoft.com/office/powerpoint/2010/main" val="590053394"/>
+        <p14:creationId xmlns:p14="http://schemas.microsoft.com/office/powerpoint/2010/main" val="2013156351"/>
       </p:ext>
     </p:extLst>
   </p:cSld>
@@ -6827,7 +6719,7 @@
     </p:spTree>
     <p:extLst>
       <p:ext uri="{BB962C8B-B14F-4D97-AF65-F5344CB8AC3E}">
-        <p14:creationId xmlns:p14="http://schemas.microsoft.com/office/powerpoint/2010/main" val="3948594667"/>
+        <p14:creationId xmlns:p14="http://schemas.microsoft.com/office/powerpoint/2010/main" val="590053394"/>
       </p:ext>
     </p:extLst>
   </p:cSld>
@@ -6919,7 +6811,7 @@
     </p:spTree>
     <p:extLst>
       <p:ext uri="{BB962C8B-B14F-4D97-AF65-F5344CB8AC3E}">
-        <p14:creationId xmlns:p14="http://schemas.microsoft.com/office/powerpoint/2010/main" val="85960143"/>
+        <p14:creationId xmlns:p14="http://schemas.microsoft.com/office/powerpoint/2010/main" val="3948594667"/>
       </p:ext>
     </p:extLst>
   </p:cSld>
@@ -7011,7 +6903,7 @@
     </p:spTree>
     <p:extLst>
       <p:ext uri="{BB962C8B-B14F-4D97-AF65-F5344CB8AC3E}">
-        <p14:creationId xmlns:p14="http://schemas.microsoft.com/office/powerpoint/2010/main" val="4279913926"/>
+        <p14:creationId xmlns:p14="http://schemas.microsoft.com/office/powerpoint/2010/main" val="85960143"/>
       </p:ext>
     </p:extLst>
   </p:cSld>
@@ -7103,7 +6995,7 @@
     </p:spTree>
     <p:extLst>
       <p:ext uri="{BB962C8B-B14F-4D97-AF65-F5344CB8AC3E}">
-        <p14:creationId xmlns:p14="http://schemas.microsoft.com/office/powerpoint/2010/main" val="1253590335"/>
+        <p14:creationId xmlns:p14="http://schemas.microsoft.com/office/powerpoint/2010/main" val="4279913926"/>
       </p:ext>
     </p:extLst>
   </p:cSld>
@@ -7249,209 +7141,21 @@
           <a:bodyPr/>
           <a:lstStyle/>
           <a:p>
-            <a:pPr marL="0" marR="0" indent="0" algn="l" defTabSz="914400" rtl="0" eaLnBrk="1" fontAlgn="auto" latinLnBrk="0" hangingPunct="1">
-              <a:lnSpc>
-                <a:spcPct val="100000"/>
-              </a:lnSpc>
-              <a:spcBef>
-                <a:spcPts val="0"/>
-              </a:spcBef>
-              <a:spcAft>
-                <a:spcPts val="0"/>
-              </a:spcAft>
-              <a:buClrTx/>
-              <a:buSzTx/>
-              <a:buFont typeface="Arial" panose="020B0604020202020204" pitchFamily="34" charset="0"/>
-              <a:buNone/>
-              <a:tabLst/>
-              <a:defRPr/>
-            </a:pPr>
-            <a:r>
-              <a:rPr lang="en-US" dirty="0" smtClean="0"/>
-              <a:t>Tests that are hard to write don't get written.</a:t>
-            </a:r>
-          </a:p>
-          <a:p>
-            <a:pPr marL="0" marR="0" indent="0" algn="l" defTabSz="914400" rtl="0" eaLnBrk="1" fontAlgn="auto" latinLnBrk="0" hangingPunct="1">
-              <a:lnSpc>
-                <a:spcPct val="100000"/>
-              </a:lnSpc>
-              <a:spcBef>
-                <a:spcPts val="0"/>
-              </a:spcBef>
-              <a:spcAft>
-                <a:spcPts val="0"/>
-              </a:spcAft>
-              <a:buClrTx/>
-              <a:buSzTx/>
-              <a:buFont typeface="Arial" panose="020B0604020202020204" pitchFamily="34" charset="0"/>
-              <a:buNone/>
-              <a:tabLst/>
-              <a:defRPr/>
-            </a:pPr>
-            <a:endParaRPr lang="en-US" dirty="0" smtClean="0"/>
-          </a:p>
-          <a:p>
-            <a:pPr marL="0" marR="0" indent="0" algn="l" defTabSz="914400" rtl="0" eaLnBrk="1" fontAlgn="auto" latinLnBrk="0" hangingPunct="1">
-              <a:lnSpc>
-                <a:spcPct val="100000"/>
-              </a:lnSpc>
-              <a:spcBef>
-                <a:spcPts val="0"/>
-              </a:spcBef>
-              <a:spcAft>
-                <a:spcPts val="0"/>
-              </a:spcAft>
-              <a:buClrTx/>
-              <a:buSzTx/>
-              <a:buFont typeface="Arial" panose="020B0604020202020204" pitchFamily="34" charset="0"/>
-              <a:buNone/>
-              <a:tabLst/>
-              <a:defRPr/>
-            </a:pPr>
-            <a:r>
-              <a:rPr lang="en-US" dirty="0" smtClean="0"/>
-              <a:t>So how</a:t>
-            </a:r>
-            <a:r>
-              <a:rPr lang="en-US" baseline="0" dirty="0" smtClean="0"/>
-              <a:t> do we write tests that</a:t>
-            </a:r>
-            <a:r>
-              <a:rPr lang="en-US" i="1" baseline="0" dirty="0" smtClean="0"/>
-              <a:t> don’t </a:t>
-            </a:r>
-            <a:r>
-              <a:rPr lang="en-US" i="0" baseline="0" dirty="0" smtClean="0"/>
-              <a:t>suck up all our time, money and energy?</a:t>
-            </a:r>
-          </a:p>
-          <a:p>
             <a:pPr marL="171450" indent="-171450">
               <a:buFont typeface="Arial" panose="020B0604020202020204" pitchFamily="34" charset="0"/>
               <a:buChar char="•"/>
             </a:pPr>
-            <a:endParaRPr lang="en-US" i="0" baseline="0" dirty="0" smtClean="0"/>
-          </a:p>
-          <a:p>
-            <a:pPr marL="171450" indent="-171450">
-              <a:buFont typeface="Arial" panose="020B0604020202020204" pitchFamily="34" charset="0"/>
-              <a:buChar char="•"/>
-            </a:pPr>
-            <a:r>
-              <a:rPr lang="en-US" i="0" baseline="0" dirty="0" smtClean="0"/>
-              <a:t>Start by identifying core principles of good setup code</a:t>
-            </a:r>
-            <a:br>
-              <a:rPr lang="en-US" i="0" baseline="0" dirty="0" smtClean="0"/>
-            </a:br>
-            <a:endParaRPr lang="en-US" i="0" baseline="0" dirty="0" smtClean="0"/>
-          </a:p>
-          <a:p>
-            <a:pPr marL="628650" lvl="1" indent="-171450">
-              <a:buFont typeface="Arial" panose="020B0604020202020204" pitchFamily="34" charset="0"/>
-              <a:buChar char="•"/>
-            </a:pPr>
-            <a:r>
-              <a:rPr lang="en-US" i="0" baseline="0" dirty="0" smtClean="0"/>
-              <a:t>Highly expressive – delve into what that means in a moment</a:t>
-            </a:r>
-            <a:br>
-              <a:rPr lang="en-US" i="0" baseline="0" dirty="0" smtClean="0"/>
-            </a:br>
-            <a:endParaRPr lang="en-US" i="0" baseline="0" dirty="0" smtClean="0"/>
-          </a:p>
-          <a:p>
-            <a:pPr marL="628650" lvl="1" indent="-171450">
-              <a:buFont typeface="Arial" panose="020B0604020202020204" pitchFamily="34" charset="0"/>
-              <a:buChar char="•"/>
-            </a:pPr>
-            <a:r>
-              <a:rPr lang="en-US" i="0" baseline="0" dirty="0" smtClean="0"/>
-              <a:t>Highlights what really matters</a:t>
-            </a:r>
-          </a:p>
-          <a:p>
-            <a:pPr marL="628650" lvl="1" indent="-171450">
-              <a:buFont typeface="Arial" panose="020B0604020202020204" pitchFamily="34" charset="0"/>
-              <a:buChar char="•"/>
-            </a:pPr>
-            <a:endParaRPr lang="en-US" i="0" baseline="0" dirty="0" smtClean="0"/>
-          </a:p>
-          <a:p>
-            <a:pPr marL="628650" lvl="1" indent="-171450">
-              <a:buFont typeface="Arial" panose="020B0604020202020204" pitchFamily="34" charset="0"/>
-              <a:buChar char="•"/>
-            </a:pPr>
-            <a:r>
-              <a:rPr lang="en-US" i="0" baseline="0" dirty="0" smtClean="0"/>
-              <a:t>Avoids inheritance for data reuse</a:t>
-            </a:r>
-            <a:br>
-              <a:rPr lang="en-US" i="0" baseline="0" dirty="0" smtClean="0"/>
-            </a:br>
-            <a:endParaRPr lang="en-US" i="0" baseline="0" dirty="0" smtClean="0"/>
-          </a:p>
-          <a:p>
-            <a:pPr marL="628650" lvl="1" indent="-171450">
-              <a:buFont typeface="Arial" panose="020B0604020202020204" pitchFamily="34" charset="0"/>
-              <a:buChar char="•"/>
-            </a:pPr>
-            <a:r>
-              <a:rPr lang="en-US" i="0" baseline="0" dirty="0" smtClean="0"/>
-              <a:t>Resilient - Doesn’t need constant upkeep as software changes</a:t>
-            </a:r>
-          </a:p>
-          <a:p>
-            <a:pPr marL="228600" indent="-228600">
-              <a:buAutoNum type="arabicParenR"/>
-            </a:pPr>
-            <a:endParaRPr lang="en-US" i="0" baseline="0" dirty="0" smtClean="0"/>
-          </a:p>
-          <a:p>
-            <a:pPr marL="0" indent="0">
-              <a:buNone/>
-            </a:pPr>
-            <a:r>
-              <a:rPr lang="en-US" b="1" i="0" baseline="0" dirty="0" smtClean="0"/>
-              <a:t>TRANSITION: </a:t>
-            </a:r>
-            <a:r>
-              <a:rPr lang="en-US" b="0" i="0" baseline="0" dirty="0" smtClean="0"/>
-              <a:t>Let’s look at those in more detail. </a:t>
-            </a:r>
-            <a:endParaRPr lang="en-US" b="1" i="0" baseline="0" dirty="0" smtClean="0"/>
-          </a:p>
-          <a:p>
-            <a:endParaRPr lang="en-US" i="0" baseline="0" dirty="0" smtClean="0"/>
-          </a:p>
-          <a:p>
-            <a:pPr marL="0" marR="0" indent="0" algn="l" defTabSz="914400" rtl="0" eaLnBrk="1" fontAlgn="auto" latinLnBrk="0" hangingPunct="1">
-              <a:lnSpc>
-                <a:spcPct val="100000"/>
-              </a:lnSpc>
-              <a:spcBef>
-                <a:spcPts val="0"/>
-              </a:spcBef>
-              <a:spcAft>
-                <a:spcPts val="0"/>
-              </a:spcAft>
-              <a:buClrTx/>
-              <a:buSzTx/>
-              <a:buFontTx/>
-              <a:buNone/>
-              <a:tabLst/>
-              <a:defRPr/>
-            </a:pPr>
-            <a:endParaRPr lang="en-US" sz="1200" kern="1200" dirty="0" smtClean="0">
-              <a:solidFill>
-                <a:schemeClr val="tx1"/>
-              </a:solidFill>
-              <a:effectLst/>
-              <a:latin typeface="+mn-lt"/>
-              <a:ea typeface="+mn-ea"/>
-              <a:cs typeface="+mn-cs"/>
-            </a:endParaRPr>
+            <a:r>
+              <a:rPr lang="en-US" b="0" dirty="0" smtClean="0"/>
+              <a:t>Here’s that nasty chunk of setup code I showed at the start</a:t>
+            </a:r>
+            <a:endParaRPr lang="en-US" b="0" baseline="0" dirty="0" smtClean="0"/>
+          </a:p>
+          <a:p>
+            <a:endParaRPr lang="en-US" b="1" dirty="0" smtClean="0"/>
+          </a:p>
+          <a:p>
+            <a:endParaRPr lang="en-US" dirty="0"/>
           </a:p>
         </p:txBody>
       </p:sp>
@@ -7481,7 +7185,7 @@
     </p:spTree>
     <p:extLst>
       <p:ext uri="{BB962C8B-B14F-4D97-AF65-F5344CB8AC3E}">
-        <p14:creationId xmlns:p14="http://schemas.microsoft.com/office/powerpoint/2010/main" val="2645803581"/>
+        <p14:creationId xmlns:p14="http://schemas.microsoft.com/office/powerpoint/2010/main" val="621233375"/>
       </p:ext>
     </p:extLst>
   </p:cSld>
@@ -7535,146 +7239,7 @@
           <a:bodyPr/>
           <a:lstStyle/>
           <a:p>
-            <a:pPr marL="171450" indent="-171450">
-              <a:buFont typeface="Arial" panose="020B0604020202020204" pitchFamily="34" charset="0"/>
-              <a:buChar char="•"/>
-            </a:pPr>
-            <a:r>
-              <a:rPr lang="en-US" dirty="0" smtClean="0"/>
-              <a:t>First,</a:t>
-            </a:r>
-            <a:r>
-              <a:rPr lang="en-US" baseline="0" dirty="0" smtClean="0"/>
-              <a:t> try to avoid creating objects that have properties equal to </a:t>
-            </a:r>
-            <a:r>
-              <a:rPr lang="en-US" i="1" baseline="0" dirty="0" smtClean="0"/>
-              <a:t>null </a:t>
-            </a:r>
-            <a:r>
-              <a:rPr lang="en-US" i="0" baseline="0" dirty="0" smtClean="0"/>
-              <a:t>or hardcoded values</a:t>
-            </a:r>
-            <a:br>
-              <a:rPr lang="en-US" i="0" baseline="0" dirty="0" smtClean="0"/>
-            </a:br>
-            <a:endParaRPr lang="en-US" i="1" baseline="0" dirty="0" smtClean="0"/>
-          </a:p>
-          <a:p>
-            <a:pPr marL="628650" lvl="1" indent="-171450">
-              <a:buFont typeface="Arial" panose="020B0604020202020204" pitchFamily="34" charset="0"/>
-              <a:buChar char="•"/>
-            </a:pPr>
-            <a:r>
-              <a:rPr lang="en-US" i="0" baseline="0" dirty="0" smtClean="0"/>
-              <a:t>Null can lead to errors</a:t>
-            </a:r>
-            <a:br>
-              <a:rPr lang="en-US" i="0" baseline="0" dirty="0" smtClean="0"/>
-            </a:br>
-            <a:endParaRPr lang="en-US" i="0" baseline="0" dirty="0" smtClean="0"/>
-          </a:p>
-          <a:p>
-            <a:pPr marL="628650" lvl="1" indent="-171450">
-              <a:buFont typeface="Arial" panose="020B0604020202020204" pitchFamily="34" charset="0"/>
-              <a:buChar char="•"/>
-            </a:pPr>
-            <a:r>
-              <a:rPr lang="en-US" i="0" baseline="0" dirty="0" smtClean="0"/>
-              <a:t>Hardcoded values can lead to “unexpected equality”</a:t>
-            </a:r>
-            <a:br>
-              <a:rPr lang="en-US" i="0" baseline="0" dirty="0" smtClean="0"/>
-            </a:br>
-            <a:endParaRPr lang="en-US" i="0" baseline="0" dirty="0" smtClean="0"/>
-          </a:p>
-          <a:p>
-            <a:pPr marL="628650" lvl="1" indent="-171450">
-              <a:buFont typeface="Arial" panose="020B0604020202020204" pitchFamily="34" charset="0"/>
-              <a:buChar char="•"/>
-            </a:pPr>
-            <a:r>
-              <a:rPr lang="en-US" i="0" baseline="0" dirty="0" smtClean="0"/>
-              <a:t>Example: create two Customers from the helper, then compare their email address. Should they be equal?</a:t>
-            </a:r>
-            <a:br>
-              <a:rPr lang="en-US" i="0" baseline="0" dirty="0" smtClean="0"/>
-            </a:br>
-            <a:endParaRPr lang="en-US" i="0" baseline="0" dirty="0" smtClean="0"/>
-          </a:p>
-          <a:p>
-            <a:pPr marL="171450" marR="0" lvl="0" indent="-171450" algn="l" defTabSz="914400" rtl="0" eaLnBrk="1" fontAlgn="auto" latinLnBrk="0" hangingPunct="1">
-              <a:lnSpc>
-                <a:spcPct val="100000"/>
-              </a:lnSpc>
-              <a:spcBef>
-                <a:spcPts val="0"/>
-              </a:spcBef>
-              <a:spcAft>
-                <a:spcPts val="0"/>
-              </a:spcAft>
-              <a:buClrTx/>
-              <a:buSzTx/>
-              <a:buFont typeface="Arial" panose="020B0604020202020204" pitchFamily="34" charset="0"/>
-              <a:buChar char="•"/>
-              <a:tabLst/>
-              <a:defRPr/>
-            </a:pPr>
-            <a:r>
-              <a:rPr lang="en-US" baseline="0" dirty="0" smtClean="0"/>
-              <a:t>Too many tests fail that should have passed, or vice versa, because of this </a:t>
-            </a:r>
-            <a:r>
-              <a:rPr lang="en-US" i="0" baseline="0" dirty="0" smtClean="0"/>
-              <a:t>unexpected </a:t>
-            </a:r>
-            <a:r>
-              <a:rPr lang="en-US" baseline="0" dirty="0" smtClean="0"/>
-              <a:t>equality</a:t>
-            </a:r>
-            <a:br>
-              <a:rPr lang="en-US" baseline="0" dirty="0" smtClean="0"/>
-            </a:br>
-            <a:endParaRPr lang="en-US" baseline="0" dirty="0" smtClean="0"/>
-          </a:p>
-          <a:p>
-            <a:pPr marL="171450" lvl="0" indent="-171450">
-              <a:buFont typeface="Arial" panose="020B0604020202020204" pitchFamily="34" charset="0"/>
-              <a:buChar char="•"/>
-            </a:pPr>
-            <a:r>
-              <a:rPr lang="en-US" dirty="0" smtClean="0"/>
-              <a:t>By default, MAKE THINGS UNIQUE </a:t>
-            </a:r>
-            <a:r>
-              <a:rPr lang="en-US" baseline="0" dirty="0" smtClean="0"/>
-              <a:t>– force </a:t>
-            </a:r>
-            <a:r>
-              <a:rPr lang="en-US" baseline="0" smtClean="0"/>
-              <a:t>callers to be </a:t>
-            </a:r>
-            <a:r>
-              <a:rPr lang="en-US" baseline="0" dirty="0" smtClean="0"/>
-              <a:t>explicit if they want things to be equal</a:t>
-            </a:r>
-            <a:br>
-              <a:rPr lang="en-US" baseline="0" dirty="0" smtClean="0"/>
-            </a:br>
-            <a:endParaRPr lang="en-US" baseline="0" dirty="0" smtClean="0"/>
-          </a:p>
-          <a:p>
-            <a:pPr marL="171450" lvl="0" indent="-171450">
-              <a:buFont typeface="Arial" panose="020B0604020202020204" pitchFamily="34" charset="0"/>
-              <a:buChar char="•"/>
-            </a:pPr>
-            <a:endParaRPr lang="en-US" baseline="0" dirty="0" smtClean="0"/>
-          </a:p>
-          <a:p>
-            <a:endParaRPr lang="en-US" i="0" baseline="0" dirty="0" smtClean="0"/>
-          </a:p>
-          <a:p>
-            <a:endParaRPr lang="en-US" i="0" baseline="0" dirty="0" smtClean="0"/>
+            <a:endParaRPr lang="en-US" dirty="0"/>
           </a:p>
         </p:txBody>
       </p:sp>
@@ -7704,7 +7269,7 @@
     </p:spTree>
     <p:extLst>
       <p:ext uri="{BB962C8B-B14F-4D97-AF65-F5344CB8AC3E}">
-        <p14:creationId xmlns:p14="http://schemas.microsoft.com/office/powerpoint/2010/main" val="1571868471"/>
+        <p14:creationId xmlns:p14="http://schemas.microsoft.com/office/powerpoint/2010/main" val="871096793"/>
       </p:ext>
     </p:extLst>
   </p:cSld>
@@ -7758,112 +7323,7 @@
           <a:bodyPr/>
           <a:lstStyle/>
           <a:p>
-            <a:pPr marL="171450" indent="-171450">
-              <a:buFont typeface="Arial" panose="020B0604020202020204" pitchFamily="34" charset="0"/>
-              <a:buChar char="•"/>
-            </a:pPr>
-            <a:r>
-              <a:rPr lang="en-US" b="0" i="0" baseline="0" dirty="0" smtClean="0"/>
-              <a:t>To create unique integers, I use a class I call the </a:t>
-            </a:r>
-            <a:r>
-              <a:rPr lang="en-US" b="1" i="0" baseline="0" dirty="0" err="1" smtClean="0"/>
-              <a:t>IdSequencer</a:t>
-            </a:r>
-            <a:r>
-              <a:rPr lang="en-US" b="1" i="0" baseline="0" dirty="0" smtClean="0"/>
-              <a:t/>
-            </a:r>
-            <a:br>
-              <a:rPr lang="en-US" b="1" i="0" baseline="0" dirty="0" smtClean="0"/>
-            </a:br>
-            <a:endParaRPr lang="en-US" b="1" i="0" baseline="0" dirty="0" smtClean="0"/>
-          </a:p>
-          <a:p>
-            <a:pPr marL="628650" lvl="1" indent="-171450">
-              <a:buFont typeface="Arial" panose="020B0604020202020204" pitchFamily="34" charset="0"/>
-              <a:buChar char="•"/>
-            </a:pPr>
-            <a:r>
-              <a:rPr lang="en-US" b="0" i="0" baseline="0" dirty="0" smtClean="0"/>
-              <a:t>Every time you call Next() it returns a new value</a:t>
-            </a:r>
-            <a:br>
-              <a:rPr lang="en-US" b="0" i="0" baseline="0" dirty="0" smtClean="0"/>
-            </a:br>
-            <a:endParaRPr lang="en-US" b="0" i="0" baseline="0" dirty="0" smtClean="0"/>
-          </a:p>
-          <a:p>
-            <a:pPr marL="628650" lvl="1" indent="-171450">
-              <a:buFont typeface="Arial" panose="020B0604020202020204" pitchFamily="34" charset="0"/>
-              <a:buChar char="•"/>
-            </a:pPr>
-            <a:r>
-              <a:rPr lang="en-US" b="0" i="0" baseline="0" dirty="0" smtClean="0"/>
-              <a:t>If we have time I’ll show you how it works – or hit the bit.ly link</a:t>
-            </a:r>
-            <a:br>
-              <a:rPr lang="en-US" b="0" i="0" baseline="0" dirty="0" smtClean="0"/>
-            </a:br>
-            <a:endParaRPr lang="en-US" b="0" i="0" baseline="0" dirty="0" smtClean="0"/>
-          </a:p>
-          <a:p>
-            <a:pPr marL="171450" lvl="0" indent="-171450">
-              <a:buFont typeface="Arial" panose="020B0604020202020204" pitchFamily="34" charset="0"/>
-              <a:buChar char="•"/>
-            </a:pPr>
-            <a:r>
-              <a:rPr lang="en-US" b="0" i="0" baseline="0" dirty="0" smtClean="0"/>
-              <a:t>I always assign unique integers to Id fields – callers can explicitly set up differently if they need to</a:t>
-            </a:r>
-            <a:br>
-              <a:rPr lang="en-US" b="0" i="0" baseline="0" dirty="0" smtClean="0"/>
-            </a:br>
-            <a:endParaRPr lang="en-US" b="0" i="0" baseline="0" dirty="0" smtClean="0"/>
-          </a:p>
-          <a:p>
-            <a:pPr marL="171450" lvl="0" indent="-171450">
-              <a:buFont typeface="Arial" panose="020B0604020202020204" pitchFamily="34" charset="0"/>
-              <a:buChar char="•"/>
-            </a:pPr>
-            <a:r>
-              <a:rPr lang="en-US" b="0" i="0" baseline="0" dirty="0" smtClean="0"/>
-              <a:t>I may or may not assign unique integers to other fields, it depends on what they are. </a:t>
-            </a:r>
-          </a:p>
-          <a:p>
-            <a:pPr marL="171450" lvl="0" indent="-171450">
-              <a:buFont typeface="Arial" panose="020B0604020202020204" pitchFamily="34" charset="0"/>
-              <a:buChar char="•"/>
-            </a:pPr>
-            <a:endParaRPr lang="en-US" b="0" i="0" baseline="0" dirty="0" smtClean="0"/>
-          </a:p>
-          <a:p>
-            <a:pPr marL="628650" lvl="1" indent="-171450">
-              <a:buFont typeface="Arial" panose="020B0604020202020204" pitchFamily="34" charset="0"/>
-              <a:buChar char="•"/>
-            </a:pPr>
-            <a:endParaRPr lang="en-US" b="0" i="0" baseline="0" dirty="0" smtClean="0"/>
-          </a:p>
-          <a:p>
-            <a:pPr marL="628650" lvl="1" indent="-171450">
-              <a:buFont typeface="Arial" panose="020B0604020202020204" pitchFamily="34" charset="0"/>
-              <a:buChar char="•"/>
-            </a:pPr>
-            <a:endParaRPr lang="en-US" b="0" i="0" baseline="0" dirty="0" smtClean="0"/>
-          </a:p>
-          <a:p>
-            <a:pPr marL="171450" lvl="0" indent="-171450">
-              <a:buFont typeface="Arial" panose="020B0604020202020204" pitchFamily="34" charset="0"/>
-              <a:buChar char="•"/>
-            </a:pPr>
-            <a:endParaRPr lang="en-US" b="0" i="0" baseline="0" dirty="0" smtClean="0"/>
-          </a:p>
-          <a:p>
-            <a:endParaRPr lang="en-US" b="0" i="0" baseline="0" dirty="0" smtClean="0"/>
-          </a:p>
-          <a:p>
-            <a:endParaRPr lang="en-US" b="1" i="0" baseline="0" dirty="0" smtClean="0"/>
+            <a:endParaRPr lang="en-US" dirty="0" smtClean="0"/>
           </a:p>
         </p:txBody>
       </p:sp>
@@ -7893,7 +7353,7 @@
     </p:spTree>
     <p:extLst>
       <p:ext uri="{BB962C8B-B14F-4D97-AF65-F5344CB8AC3E}">
-        <p14:creationId xmlns:p14="http://schemas.microsoft.com/office/powerpoint/2010/main" val="123619830"/>
+        <p14:creationId xmlns:p14="http://schemas.microsoft.com/office/powerpoint/2010/main" val="2885101328"/>
       </p:ext>
     </p:extLst>
   </p:cSld>
@@ -7947,170 +7407,110 @@
           <a:bodyPr/>
           <a:lstStyle/>
           <a:p>
+            <a:pPr marL="171450" marR="0" indent="-171450" algn="l" defTabSz="914400" rtl="0" eaLnBrk="1" fontAlgn="auto" latinLnBrk="0" hangingPunct="1">
+              <a:lnSpc>
+                <a:spcPct val="100000"/>
+              </a:lnSpc>
+              <a:spcBef>
+                <a:spcPts val="0"/>
+              </a:spcBef>
+              <a:spcAft>
+                <a:spcPts val="0"/>
+              </a:spcAft>
+              <a:buClrTx/>
+              <a:buSzTx/>
+              <a:buFont typeface="Arial" panose="020B0604020202020204" pitchFamily="34" charset="0"/>
+              <a:buChar char="•"/>
+              <a:tabLst/>
+              <a:defRPr/>
+            </a:pPr>
+            <a:r>
+              <a:rPr lang="en-US" b="0" i="0" baseline="0" dirty="0" smtClean="0"/>
+              <a:t>Here’s that same chunk of code, cleaned up</a:t>
+            </a:r>
+          </a:p>
+          <a:p>
+            <a:pPr marL="628650" marR="0" lvl="1" indent="-171450" algn="l" defTabSz="914400" rtl="0" eaLnBrk="1" fontAlgn="auto" latinLnBrk="0" hangingPunct="1">
+              <a:lnSpc>
+                <a:spcPct val="100000"/>
+              </a:lnSpc>
+              <a:spcBef>
+                <a:spcPts val="0"/>
+              </a:spcBef>
+              <a:spcAft>
+                <a:spcPts val="0"/>
+              </a:spcAft>
+              <a:buClrTx/>
+              <a:buSzTx/>
+              <a:buFont typeface="Arial" panose="020B0604020202020204" pitchFamily="34" charset="0"/>
+              <a:buChar char="•"/>
+              <a:tabLst/>
+              <a:defRPr/>
+            </a:pPr>
+            <a:r>
+              <a:rPr lang="en-US" b="0" i="0" baseline="0" dirty="0" smtClean="0"/>
+              <a:t>Determined many objects were irrelevant – pushed into helpers &amp; used defaults</a:t>
+            </a:r>
+          </a:p>
+          <a:p>
+            <a:pPr marL="628650" marR="0" lvl="1" indent="-171450" algn="l" defTabSz="914400" rtl="0" eaLnBrk="1" fontAlgn="auto" latinLnBrk="0" hangingPunct="1">
+              <a:lnSpc>
+                <a:spcPct val="100000"/>
+              </a:lnSpc>
+              <a:spcBef>
+                <a:spcPts val="0"/>
+              </a:spcBef>
+              <a:spcAft>
+                <a:spcPts val="0"/>
+              </a:spcAft>
+              <a:buClrTx/>
+              <a:buSzTx/>
+              <a:buFont typeface="Arial" panose="020B0604020202020204" pitchFamily="34" charset="0"/>
+              <a:buChar char="•"/>
+              <a:tabLst/>
+              <a:defRPr/>
+            </a:pPr>
+            <a:r>
+              <a:rPr lang="en-US" b="0" i="0" baseline="0" dirty="0" smtClean="0"/>
+              <a:t>Still creating a lot of objects, but something that’s manageable</a:t>
+            </a:r>
+          </a:p>
+          <a:p>
+            <a:pPr marL="171450" marR="0" indent="-171450" algn="l" defTabSz="914400" rtl="0" eaLnBrk="1" fontAlgn="auto" latinLnBrk="0" hangingPunct="1">
+              <a:lnSpc>
+                <a:spcPct val="100000"/>
+              </a:lnSpc>
+              <a:spcBef>
+                <a:spcPts val="0"/>
+              </a:spcBef>
+              <a:spcAft>
+                <a:spcPts val="0"/>
+              </a:spcAft>
+              <a:buClrTx/>
+              <a:buSzTx/>
+              <a:buFont typeface="Arial" panose="020B0604020202020204" pitchFamily="34" charset="0"/>
+              <a:buChar char="•"/>
+              <a:tabLst/>
+              <a:defRPr/>
+            </a:pPr>
+            <a:endParaRPr lang="en-US" b="0" i="0" baseline="0" dirty="0" smtClean="0"/>
+          </a:p>
+          <a:p>
             <a:pPr marL="171450" indent="-171450">
               <a:buFont typeface="Arial" panose="020B0604020202020204" pitchFamily="34" charset="0"/>
               <a:buChar char="•"/>
             </a:pPr>
             <a:r>
-              <a:rPr lang="en-US" dirty="0" smtClean="0"/>
-              <a:t>Generally</a:t>
-            </a:r>
-            <a:r>
               <a:rPr lang="en-US" baseline="0" dirty="0" smtClean="0"/>
-              <a:t> speaking, helpers have a single method called Create()</a:t>
-            </a:r>
-          </a:p>
-          <a:p>
-            <a:pPr marL="628650" lvl="1" indent="-171450">
-              <a:buFont typeface="Arial" panose="020B0604020202020204" pitchFamily="34" charset="0"/>
-              <a:buChar char="•"/>
-            </a:pPr>
-            <a:r>
-              <a:rPr lang="en-US" baseline="0" dirty="0" smtClean="0"/>
-              <a:t>Creates as generic an object as possible</a:t>
-            </a:r>
-          </a:p>
-          <a:p>
-            <a:pPr marL="628650" lvl="1" indent="-171450">
-              <a:buFont typeface="Arial" panose="020B0604020202020204" pitchFamily="34" charset="0"/>
-              <a:buChar char="•"/>
-            </a:pPr>
-            <a:r>
-              <a:rPr lang="en-US" baseline="0" dirty="0" smtClean="0"/>
-              <a:t>Whole point is that caller specifies what it cares about</a:t>
-            </a:r>
-            <a:endParaRPr lang="en-US" dirty="0" smtClean="0"/>
-          </a:p>
-          <a:p>
-            <a:endParaRPr lang="en-US" dirty="0" smtClean="0"/>
+              <a:t>Said it before and I’ll say it again; single most important thing is to build a good helper library</a:t>
+            </a:r>
           </a:p>
           <a:p>
             <a:pPr marL="171450" indent="-171450">
               <a:buFont typeface="Arial" panose="020B0604020202020204" pitchFamily="34" charset="0"/>
               <a:buChar char="•"/>
             </a:pPr>
-            <a:r>
-              <a:rPr lang="en-US" dirty="0" smtClean="0"/>
-              <a:t>In</a:t>
-            </a:r>
-            <a:r>
-              <a:rPr lang="en-US" baseline="0" dirty="0" smtClean="0"/>
-              <a:t> some cases, create specialized helpers like an Object Mother</a:t>
-            </a:r>
-          </a:p>
-          <a:p>
-            <a:pPr marL="628650" lvl="1" indent="-171450">
-              <a:buFont typeface="Arial" panose="020B0604020202020204" pitchFamily="34" charset="0"/>
-              <a:buChar char="•"/>
-            </a:pPr>
-            <a:r>
-              <a:rPr lang="en-US" baseline="0" dirty="0" smtClean="0"/>
-              <a:t>Consider if you notice patterns in your setup code</a:t>
-            </a:r>
-          </a:p>
-          <a:p>
-            <a:pPr marL="628650" lvl="1" indent="-171450">
-              <a:buFont typeface="Arial" panose="020B0604020202020204" pitchFamily="34" charset="0"/>
-              <a:buChar char="•"/>
-            </a:pPr>
-            <a:r>
-              <a:rPr lang="en-US" baseline="0" dirty="0" smtClean="0"/>
-              <a:t>For instance, same set of parameters being set at same time</a:t>
-            </a:r>
-          </a:p>
-          <a:p>
-            <a:pPr marL="628650" lvl="1" indent="-171450">
-              <a:buFont typeface="Arial" panose="020B0604020202020204" pitchFamily="34" charset="0"/>
-              <a:buChar char="•"/>
-            </a:pPr>
             <a:endParaRPr lang="en-US" baseline="0" dirty="0" smtClean="0"/>
-          </a:p>
-          <a:p>
-            <a:pPr marL="171450" lvl="0" indent="-171450">
-              <a:buFont typeface="Arial" panose="020B0604020202020204" pitchFamily="34" charset="0"/>
-              <a:buChar char="•"/>
-            </a:pPr>
-            <a:r>
-              <a:rPr lang="en-US" baseline="0" dirty="0" smtClean="0"/>
-              <a:t>This example shows a helper that creates an Order with multiple payment types. </a:t>
-            </a:r>
-          </a:p>
-          <a:p>
-            <a:pPr marL="628650" lvl="1" indent="-171450">
-              <a:buFont typeface="Arial" panose="020B0604020202020204" pitchFamily="34" charset="0"/>
-              <a:buChar char="•"/>
-            </a:pPr>
-            <a:r>
-              <a:rPr lang="en-US" baseline="0" dirty="0" smtClean="0"/>
-              <a:t>Less code than calling standard Create() method w/ lots of arguments</a:t>
-            </a:r>
-            <a:br>
-              <a:rPr lang="en-US" baseline="0" dirty="0" smtClean="0"/>
-            </a:br>
-            <a:endParaRPr lang="en-US" baseline="0" dirty="0" smtClean="0"/>
-          </a:p>
-          <a:p>
-            <a:pPr marL="628650" lvl="1" indent="-171450">
-              <a:buFont typeface="Arial" panose="020B0604020202020204" pitchFamily="34" charset="0"/>
-              <a:buChar char="•"/>
-            </a:pPr>
-            <a:r>
-              <a:rPr lang="en-US" baseline="0" dirty="0" smtClean="0"/>
-              <a:t>Easier to refactor related tests</a:t>
-            </a:r>
-            <a:br>
-              <a:rPr lang="en-US" baseline="0" dirty="0" smtClean="0"/>
-            </a:br>
-            <a:endParaRPr lang="en-US" baseline="0" dirty="0" smtClean="0"/>
-          </a:p>
-          <a:p>
-            <a:pPr marL="171450" lvl="0" indent="-171450">
-              <a:buFont typeface="Arial" panose="020B0604020202020204" pitchFamily="34" charset="0"/>
-              <a:buChar char="•"/>
-            </a:pPr>
-            <a:r>
-              <a:rPr lang="en-US" baseline="0" dirty="0" smtClean="0"/>
-              <a:t>Do this sparingly – same drawbacks as Object Mother</a:t>
-            </a:r>
-          </a:p>
-          <a:p>
-            <a:endParaRPr lang="en-US" baseline="0" dirty="0" smtClean="0"/>
-          </a:p>
-          <a:p>
-            <a:r>
-              <a:rPr lang="en-US" b="1" baseline="0" dirty="0" smtClean="0"/>
-              <a:t>Transition: </a:t>
-            </a:r>
-          </a:p>
-          <a:p>
-            <a:pPr marL="171450" indent="-171450">
-              <a:buFont typeface="Arial" panose="020B0604020202020204" pitchFamily="34" charset="0"/>
-              <a:buChar char="•"/>
-            </a:pPr>
-            <a:r>
-              <a:rPr lang="en-US" b="0" baseline="0" dirty="0" smtClean="0"/>
-              <a:t>After some experimentation, my team has settled on Test Helpers as our go-to pattern</a:t>
-            </a:r>
-          </a:p>
-          <a:p>
-            <a:pPr marL="628650" lvl="1" indent="-171450">
-              <a:buFont typeface="Arial" panose="020B0604020202020204" pitchFamily="34" charset="0"/>
-              <a:buChar char="•"/>
-            </a:pPr>
-            <a:r>
-              <a:rPr lang="en-US" b="0" baseline="0" dirty="0" smtClean="0"/>
-              <a:t>Flexible, easy to implement, and easy to extend for integration tests</a:t>
-            </a:r>
-          </a:p>
-          <a:p>
-            <a:pPr marL="628650" lvl="1" indent="-171450">
-              <a:buFont typeface="Arial" panose="020B0604020202020204" pitchFamily="34" charset="0"/>
-              <a:buChar char="•"/>
-            </a:pPr>
-            <a:r>
-              <a:rPr lang="en-US" b="0" baseline="0" dirty="0" smtClean="0"/>
-              <a:t>We’ll come back to that in a bit</a:t>
-            </a:r>
           </a:p>
         </p:txBody>
       </p:sp>
@@ -8140,7 +7540,7 @@
     </p:spTree>
     <p:extLst>
       <p:ext uri="{BB962C8B-B14F-4D97-AF65-F5344CB8AC3E}">
-        <p14:creationId xmlns:p14="http://schemas.microsoft.com/office/powerpoint/2010/main" val="1612281400"/>
+        <p14:creationId xmlns:p14="http://schemas.microsoft.com/office/powerpoint/2010/main" val="2408674174"/>
       </p:ext>
     </p:extLst>
   </p:cSld>
@@ -8284,136 +7684,15 @@
           <a:bodyPr/>
           <a:lstStyle/>
           <a:p>
-            <a:pPr marL="171450" indent="-171450">
-              <a:buFont typeface="Arial" panose="020B0604020202020204" pitchFamily="34" charset="0"/>
-              <a:buChar char="•"/>
-            </a:pPr>
-            <a:r>
-              <a:rPr lang="en-US" b="0" dirty="0" smtClean="0"/>
-              <a:t>Example:</a:t>
-            </a:r>
-            <a:r>
-              <a:rPr lang="en-US" b="0" baseline="0" dirty="0" smtClean="0"/>
-              <a:t> </a:t>
-            </a:r>
-            <a:r>
-              <a:rPr lang="en-US" b="0" dirty="0" smtClean="0"/>
-              <a:t>Test asserts that product reviews are sorted in a specific way</a:t>
-            </a:r>
-            <a:br>
-              <a:rPr lang="en-US" b="0" dirty="0" smtClean="0"/>
-            </a:br>
-            <a:endParaRPr lang="en-US" b="0" dirty="0" smtClean="0"/>
-          </a:p>
-          <a:p>
-            <a:pPr marL="171450" indent="-171450">
-              <a:buFont typeface="Arial" panose="020B0604020202020204" pitchFamily="34" charset="0"/>
-              <a:buChar char="•"/>
-            </a:pPr>
-            <a:r>
-              <a:rPr lang="en-US" b="0" dirty="0" smtClean="0"/>
-              <a:t>Setup</a:t>
-            </a:r>
-            <a:r>
-              <a:rPr lang="en-US" b="0" baseline="0" dirty="0" smtClean="0"/>
-              <a:t> intentionally adds data in reverse order than it should be output</a:t>
-            </a:r>
-          </a:p>
-          <a:p>
-            <a:pPr marL="628650" lvl="1" indent="-171450">
-              <a:buFont typeface="Arial" panose="020B0604020202020204" pitchFamily="34" charset="0"/>
-              <a:buChar char="•"/>
-            </a:pPr>
-            <a:r>
-              <a:rPr lang="en-US" b="0" baseline="0" dirty="0" smtClean="0"/>
-              <a:t>This arrangement is crucial – if we insert data in sorted order, how do we know the sorting code works?</a:t>
-            </a:r>
-          </a:p>
-          <a:p>
-            <a:pPr marL="628650" lvl="1" indent="-171450">
-              <a:buFont typeface="Arial" panose="020B0604020202020204" pitchFamily="34" charset="0"/>
-              <a:buChar char="•"/>
-            </a:pPr>
-            <a:r>
-              <a:rPr lang="en-US" b="0" baseline="0" dirty="0" smtClean="0"/>
-              <a:t>Comment draws attention to this significance</a:t>
-            </a:r>
-            <a:endParaRPr lang="en-US" b="0" dirty="0" smtClean="0"/>
-          </a:p>
-          <a:p>
-            <a:endParaRPr lang="en-US" b="0" i="0" baseline="0" dirty="0" smtClean="0"/>
-          </a:p>
-          <a:p>
-            <a:pPr marL="171450" indent="-171450">
-              <a:buFont typeface="Arial" panose="020B0604020202020204" pitchFamily="34" charset="0"/>
-              <a:buChar char="•"/>
-            </a:pPr>
-            <a:r>
-              <a:rPr lang="en-US" b="0" i="0" baseline="0" dirty="0" smtClean="0"/>
-              <a:t>Different rules about comments in test code than production</a:t>
-            </a:r>
-            <a:br>
-              <a:rPr lang="en-US" b="0" i="0" baseline="0" dirty="0" smtClean="0"/>
-            </a:br>
-            <a:endParaRPr lang="en-US" b="0" i="0" baseline="0" dirty="0" smtClean="0"/>
-          </a:p>
-          <a:p>
-            <a:pPr marL="628650" lvl="1" indent="-171450">
-              <a:buFont typeface="Arial" panose="020B0604020202020204" pitchFamily="34" charset="0"/>
-              <a:buChar char="•"/>
-            </a:pPr>
-            <a:r>
-              <a:rPr lang="en-US" b="0" i="0" baseline="0" dirty="0" smtClean="0"/>
-              <a:t>Production code strives to make comments unnecessary – extract method</a:t>
-            </a:r>
-            <a:br>
-              <a:rPr lang="en-US" b="0" i="0" baseline="0" dirty="0" smtClean="0"/>
-            </a:br>
-            <a:endParaRPr lang="en-US" b="0" i="0" baseline="0" dirty="0" smtClean="0"/>
-          </a:p>
-          <a:p>
-            <a:pPr marL="628650" lvl="1" indent="-171450">
-              <a:buFont typeface="Arial" panose="020B0604020202020204" pitchFamily="34" charset="0"/>
-              <a:buChar char="•"/>
-            </a:pPr>
-            <a:r>
-              <a:rPr lang="en-US" b="0" i="0" baseline="0" dirty="0" smtClean="0"/>
-              <a:t>Less likely to extract small, one-off methods in test code </a:t>
-            </a:r>
-          </a:p>
-          <a:p>
-            <a:pPr marL="1085850" lvl="2" indent="-171450">
-              <a:buFont typeface="Arial" panose="020B0604020202020204" pitchFamily="34" charset="0"/>
-              <a:buChar char="•"/>
-            </a:pPr>
-            <a:r>
-              <a:rPr lang="en-US" b="0" i="0" baseline="0" dirty="0" smtClean="0"/>
-              <a:t>Clutters the files</a:t>
-            </a:r>
-          </a:p>
-          <a:p>
-            <a:pPr marL="1085850" lvl="2" indent="-171450">
-              <a:buFont typeface="Arial" panose="020B0604020202020204" pitchFamily="34" charset="0"/>
-              <a:buChar char="•"/>
-            </a:pPr>
-            <a:r>
-              <a:rPr lang="en-US" b="0" i="0" baseline="0" dirty="0" smtClean="0"/>
-              <a:t>Hard to manage at scale</a:t>
-            </a:r>
-            <a:br>
-              <a:rPr lang="en-US" b="0" i="0" baseline="0" dirty="0" smtClean="0"/>
-            </a:br>
-            <a:endParaRPr lang="en-US" b="0" i="0" baseline="0" dirty="0" smtClean="0"/>
-          </a:p>
-          <a:p>
-            <a:pPr marL="628650" lvl="1" indent="-171450">
-              <a:buFont typeface="Arial" panose="020B0604020202020204" pitchFamily="34" charset="0"/>
-              <a:buChar char="•"/>
-            </a:pPr>
-            <a:r>
-              <a:rPr lang="en-US" b="0" i="0" baseline="0" dirty="0" smtClean="0"/>
-              <a:t>If setup code needs more than 1- or 2-line comment, extract to helper</a:t>
-            </a:r>
+            <a:endParaRPr lang="en-US" sz="1200" kern="1200" dirty="0">
+              <a:solidFill>
+                <a:schemeClr val="tx1"/>
+              </a:solidFill>
+              <a:effectLst/>
+              <a:latin typeface="+mn-lt"/>
+              <a:ea typeface="+mn-ea"/>
+              <a:cs typeface="+mn-cs"/>
+            </a:endParaRPr>
           </a:p>
         </p:txBody>
       </p:sp>
@@ -8443,7 +7722,7 @@
     </p:spTree>
     <p:extLst>
       <p:ext uri="{BB962C8B-B14F-4D97-AF65-F5344CB8AC3E}">
-        <p14:creationId xmlns:p14="http://schemas.microsoft.com/office/powerpoint/2010/main" val="3102069464"/>
+        <p14:creationId xmlns:p14="http://schemas.microsoft.com/office/powerpoint/2010/main" val="1253590335"/>
       </p:ext>
     </p:extLst>
   </p:cSld>
@@ -8497,41 +7776,15 @@
           <a:bodyPr/>
           <a:lstStyle/>
           <a:p>
-            <a:r>
-              <a:rPr lang="en-US" dirty="0" smtClean="0"/>
-              <a:t>This next principle is that “good setup code highlights what matters and downplays what doesn’t”. </a:t>
-            </a:r>
-          </a:p>
-          <a:p>
-            <a:endParaRPr lang="en-US" dirty="0" smtClean="0"/>
-          </a:p>
-          <a:p>
-            <a:pPr marL="171450" indent="-171450">
-              <a:buFont typeface="Arial" panose="020B0604020202020204" pitchFamily="34" charset="0"/>
-              <a:buChar char="•"/>
-            </a:pPr>
-            <a:r>
-              <a:rPr lang="en-US" dirty="0" smtClean="0"/>
-              <a:t>Goal is to clearly</a:t>
-            </a:r>
-            <a:r>
-              <a:rPr lang="en-US" baseline="0" dirty="0" smtClean="0"/>
-              <a:t> differentiate data that impact the test and data that don’t</a:t>
-            </a:r>
-            <a:br>
-              <a:rPr lang="en-US" baseline="0" dirty="0" smtClean="0"/>
-            </a:br>
-            <a:endParaRPr lang="en-US" baseline="0" dirty="0" smtClean="0"/>
-          </a:p>
-          <a:p>
-            <a:pPr marL="171450" indent="-171450">
-              <a:buFont typeface="Arial" panose="020B0604020202020204" pitchFamily="34" charset="0"/>
-              <a:buChar char="•"/>
-            </a:pPr>
-            <a:r>
-              <a:rPr lang="en-US" baseline="0" dirty="0" smtClean="0"/>
-              <a:t>Easier for programmers to read and maintain tests</a:t>
-            </a:r>
+            <a:endParaRPr lang="en-US" sz="1200" kern="1200" dirty="0">
+              <a:solidFill>
+                <a:schemeClr val="tx1"/>
+              </a:solidFill>
+              <a:effectLst/>
+              <a:latin typeface="+mn-lt"/>
+              <a:ea typeface="+mn-ea"/>
+              <a:cs typeface="+mn-cs"/>
+            </a:endParaRPr>
           </a:p>
         </p:txBody>
       </p:sp>
@@ -8561,7 +7814,7 @@
     </p:spTree>
     <p:extLst>
       <p:ext uri="{BB962C8B-B14F-4D97-AF65-F5344CB8AC3E}">
-        <p14:creationId xmlns:p14="http://schemas.microsoft.com/office/powerpoint/2010/main" val="2709446554"/>
+        <p14:creationId xmlns:p14="http://schemas.microsoft.com/office/powerpoint/2010/main" val="588328629"/>
       </p:ext>
     </p:extLst>
   </p:cSld>
@@ -8621,7 +7874,15 @@
             </a:pPr>
             <a:r>
               <a:rPr lang="en-US" b="0" baseline="0" dirty="0" smtClean="0"/>
-              <a:t>Replace key values with named constants</a:t>
+              <a:t>1</a:t>
+            </a:r>
+            <a:r>
+              <a:rPr lang="en-US" b="0" baseline="30000" dirty="0" smtClean="0"/>
+              <a:t>st</a:t>
+            </a:r>
+            <a:r>
+              <a:rPr lang="en-US" b="0" baseline="0" dirty="0" smtClean="0"/>
+              <a:t>, Save() is static &amp; takes ORM interface as an argument. </a:t>
             </a:r>
           </a:p>
           <a:p>
@@ -8638,85 +7899,62 @@
             </a:pPr>
             <a:r>
               <a:rPr lang="en-US" b="0" baseline="0" dirty="0" smtClean="0"/>
-              <a:t>Three benefits:</a:t>
-            </a:r>
-          </a:p>
-          <a:p>
-            <a:pPr marL="228600" indent="-228600">
-              <a:buAutoNum type="arabicParenR"/>
-            </a:pPr>
-            <a:r>
-              <a:rPr lang="en-US" b="0" baseline="0" dirty="0" smtClean="0"/>
-              <a:t>Draw attention to them and visually reinforces their importance</a:t>
-            </a:r>
-          </a:p>
-          <a:p>
-            <a:pPr marL="228600" indent="-228600">
-              <a:buAutoNum type="arabicParenR"/>
-            </a:pPr>
-            <a:r>
-              <a:rPr lang="en-US" b="0" baseline="0" dirty="0" smtClean="0"/>
-              <a:t>Makes the code read more like English</a:t>
-            </a:r>
-          </a:p>
-          <a:p>
-            <a:pPr marL="228600" indent="-228600">
-              <a:buAutoNum type="arabicParenR"/>
-            </a:pPr>
-            <a:r>
-              <a:rPr lang="en-US" b="0" baseline="0" dirty="0" smtClean="0"/>
-              <a:t>Makes it easier to spot differences between otherwise similar tests.</a:t>
-            </a:r>
-          </a:p>
-          <a:p>
-            <a:endParaRPr lang="en-US" b="0" baseline="0" dirty="0" smtClean="0"/>
-          </a:p>
-          <a:p>
-            <a:r>
-              <a:rPr lang="en-US" b="1" baseline="0" dirty="0" smtClean="0"/>
-              <a:t>TRANSITION: </a:t>
-            </a:r>
-            <a:br>
-              <a:rPr lang="en-US" b="1" baseline="0" dirty="0" smtClean="0"/>
-            </a:br>
-            <a:endParaRPr lang="en-US" b="1" baseline="0" dirty="0" smtClean="0"/>
+              <a:t>It’s certainly possible to use Dependency Injection</a:t>
+            </a:r>
           </a:p>
           <a:p>
             <a:pPr marL="171450" indent="-171450">
               <a:buFont typeface="Arial" panose="020B0604020202020204" pitchFamily="34" charset="0"/>
               <a:buChar char="•"/>
             </a:pPr>
+            <a:endParaRPr lang="en-US" b="0" baseline="0" dirty="0" smtClean="0"/>
+          </a:p>
+          <a:p>
+            <a:pPr marL="171450" marR="0" lvl="0" indent="-171450" algn="l" defTabSz="914400" rtl="0" eaLnBrk="1" fontAlgn="auto" latinLnBrk="0" hangingPunct="1">
+              <a:lnSpc>
+                <a:spcPct val="100000"/>
+              </a:lnSpc>
+              <a:spcBef>
+                <a:spcPts val="0"/>
+              </a:spcBef>
+              <a:spcAft>
+                <a:spcPts val="0"/>
+              </a:spcAft>
+              <a:buClrTx/>
+              <a:buSzTx/>
+              <a:buFont typeface="Arial" panose="020B0604020202020204" pitchFamily="34" charset="0"/>
+              <a:buChar char="•"/>
+              <a:tabLst/>
+              <a:defRPr/>
+            </a:pPr>
             <a:r>
               <a:rPr lang="en-US" b="0" baseline="0" dirty="0" smtClean="0"/>
-              <a:t>In this example, name communicates its </a:t>
-            </a:r>
-            <a:r>
-              <a:rPr lang="en-US" b="0" i="1" baseline="0" dirty="0" smtClean="0"/>
-              <a:t>value</a:t>
-            </a:r>
-            <a:br>
-              <a:rPr lang="en-US" b="0" i="1" baseline="0" dirty="0" smtClean="0"/>
-            </a:br>
-            <a:endParaRPr lang="en-US" b="0" i="0" baseline="0" dirty="0" smtClean="0"/>
-          </a:p>
-          <a:p>
-            <a:pPr marL="171450" indent="-171450">
+              <a:t>All the other helper methods are static – not worth effort for my team</a:t>
+            </a:r>
+          </a:p>
+          <a:p>
+            <a:pPr marL="171450" lvl="0" indent="-171450">
               <a:buFont typeface="Arial" panose="020B0604020202020204" pitchFamily="34" charset="0"/>
               <a:buChar char="•"/>
             </a:pPr>
-            <a:r>
-              <a:rPr lang="en-US" b="0" i="0" baseline="0" dirty="0" smtClean="0"/>
-              <a:t>Even more effective when name communicates its </a:t>
-            </a:r>
-            <a:r>
-              <a:rPr lang="en-US" b="0" i="1" baseline="0" dirty="0" smtClean="0"/>
-              <a:t>purpose </a:t>
-            </a:r>
-            <a:r>
-              <a:rPr lang="en-US" b="0" i="0" baseline="0" dirty="0" smtClean="0"/>
-              <a:t>in the test</a:t>
-            </a:r>
             <a:endParaRPr lang="en-US" b="0" baseline="0" dirty="0" smtClean="0"/>
+          </a:p>
+          <a:p>
+            <a:pPr marL="628650" lvl="1" indent="-171450">
+              <a:buFont typeface="Arial" panose="020B0604020202020204" pitchFamily="34" charset="0"/>
+              <a:buChar char="•"/>
+            </a:pPr>
+            <a:endParaRPr lang="en-US" b="0" baseline="0" dirty="0" smtClean="0"/>
+          </a:p>
+          <a:p>
+            <a:pPr marL="0" indent="0">
+              <a:buFont typeface="Arial" panose="020B0604020202020204" pitchFamily="34" charset="0"/>
+              <a:buNone/>
+            </a:pPr>
+            <a:r>
+              <a:rPr lang="en-US" b="0" baseline="0" dirty="0" smtClean="0"/>
+              <a:t>	</a:t>
+            </a:r>
           </a:p>
         </p:txBody>
       </p:sp>
@@ -8746,7 +7984,7 @@
     </p:spTree>
     <p:extLst>
       <p:ext uri="{BB962C8B-B14F-4D97-AF65-F5344CB8AC3E}">
-        <p14:creationId xmlns:p14="http://schemas.microsoft.com/office/powerpoint/2010/main" val="1098429636"/>
+        <p14:creationId xmlns:p14="http://schemas.microsoft.com/office/powerpoint/2010/main" val="140621823"/>
       </p:ext>
     </p:extLst>
   </p:cSld>
@@ -8806,7 +8044,7 @@
             </a:pPr>
             <a:r>
               <a:rPr lang="en-US" b="0" baseline="0" dirty="0" smtClean="0"/>
-              <a:t>In this example, the actual value is irrelevant</a:t>
+              <a:t>Next, note that we delegate to other helpers to save any of our dependent objects</a:t>
             </a:r>
           </a:p>
           <a:p>
@@ -8814,39 +8052,58 @@
               <a:buFont typeface="Arial" panose="020B0604020202020204" pitchFamily="34" charset="0"/>
               <a:buChar char="•"/>
             </a:pPr>
+            <a:endParaRPr lang="en-US" b="0" baseline="0" dirty="0" smtClean="0"/>
+          </a:p>
+          <a:p>
+            <a:pPr marL="628650" lvl="1" indent="-171450">
+              <a:buFont typeface="Arial" panose="020B0604020202020204" pitchFamily="34" charset="0"/>
+              <a:buChar char="•"/>
+            </a:pPr>
             <a:r>
               <a:rPr lang="en-US" b="0" baseline="0" dirty="0" smtClean="0"/>
-              <a:t>Note how the names of “original value” and “new value” give extra clarity to the assertion</a:t>
-            </a:r>
-          </a:p>
-          <a:p>
+              <a:t>Can’t save an Order unless it refers to a valid customer – save the Customer first</a:t>
+            </a:r>
+          </a:p>
+          <a:p>
+            <a:pPr marL="171450" indent="-171450">
+              <a:buFont typeface="Arial" panose="020B0604020202020204" pitchFamily="34" charset="0"/>
+              <a:buChar char="•"/>
+            </a:pPr>
             <a:endParaRPr lang="en-US" b="0" baseline="0" dirty="0" smtClean="0"/>
           </a:p>
           <a:p>
-            <a:r>
-              <a:rPr lang="en-US" b="1" baseline="0" dirty="0" smtClean="0"/>
-              <a:t>Pause</a:t>
-            </a:r>
-          </a:p>
-          <a:p>
+            <a:pPr marL="628650" lvl="1" indent="-171450">
+              <a:buFont typeface="Arial" panose="020B0604020202020204" pitchFamily="34" charset="0"/>
+              <a:buChar char="•"/>
+            </a:pPr>
+            <a:r>
+              <a:rPr lang="en-US" b="0" baseline="0" dirty="0" smtClean="0"/>
+              <a:t>Remember, each Test Helper deals w/ one object type only</a:t>
+            </a:r>
+          </a:p>
+          <a:p>
+            <a:pPr marL="171450" indent="-171450">
+              <a:buFont typeface="Arial" panose="020B0604020202020204" pitchFamily="34" charset="0"/>
+              <a:buChar char="•"/>
+            </a:pPr>
             <a:endParaRPr lang="en-US" b="0" baseline="0" dirty="0" smtClean="0"/>
           </a:p>
           <a:p>
-            <a:r>
-              <a:rPr lang="en-US" b="1" baseline="0" dirty="0" smtClean="0"/>
-              <a:t>Transition: </a:t>
-            </a:r>
+            <a:pPr marL="628650" lvl="1" indent="-171450">
+              <a:buFont typeface="Arial" panose="020B0604020202020204" pitchFamily="34" charset="0"/>
+              <a:buChar char="•"/>
+            </a:pPr>
+            <a:endParaRPr lang="en-US" b="0" baseline="0" dirty="0" smtClean="0"/>
+          </a:p>
+          <a:p>
+            <a:pPr marL="0" indent="0">
+              <a:buFont typeface="Arial" panose="020B0604020202020204" pitchFamily="34" charset="0"/>
+              <a:buNone/>
+            </a:pPr>
             <a:r>
               <a:rPr lang="en-US" b="0" baseline="0" dirty="0" smtClean="0"/>
-              <a:t>Of course, giving things good names applies everywhere, not just to constants.</a:t>
-            </a:r>
-            <a:endParaRPr lang="en-US" b="1" baseline="0" dirty="0" smtClean="0"/>
-          </a:p>
-          <a:p>
-            <a:endParaRPr lang="en-US" b="1" dirty="0" smtClean="0"/>
-          </a:p>
-          <a:p>
-            <a:endParaRPr lang="en-US" b="1" dirty="0"/>
+              <a:t>	</a:t>
+            </a:r>
           </a:p>
         </p:txBody>
       </p:sp>
@@ -8876,7 +8133,7 @@
     </p:spTree>
     <p:extLst>
       <p:ext uri="{BB962C8B-B14F-4D97-AF65-F5344CB8AC3E}">
-        <p14:creationId xmlns:p14="http://schemas.microsoft.com/office/powerpoint/2010/main" val="3451653454"/>
+        <p14:creationId xmlns:p14="http://schemas.microsoft.com/office/powerpoint/2010/main" val="884341304"/>
       </p:ext>
     </p:extLst>
   </p:cSld>
@@ -8935,23 +8192,49 @@
               <a:buChar char="•"/>
             </a:pPr>
             <a:r>
-              <a:rPr lang="en-US" baseline="0" dirty="0" smtClean="0"/>
-              <a:t>If contains multiple objects of same time, use names to differentiate them</a:t>
-            </a:r>
-            <a:br>
-              <a:rPr lang="en-US" baseline="0" dirty="0" smtClean="0"/>
-            </a:br>
-            <a:endParaRPr lang="en-US" baseline="0" dirty="0" smtClean="0"/>
+              <a:rPr lang="en-US" b="0" baseline="0" dirty="0" smtClean="0"/>
+              <a:t>Third, Save method is responsible for resetting any Id values that were assigned by the </a:t>
+            </a:r>
+            <a:r>
+              <a:rPr lang="en-US" b="0" baseline="0" dirty="0" err="1" smtClean="0"/>
+              <a:t>IdSequencer</a:t>
+            </a:r>
+            <a:r>
+              <a:rPr lang="en-US" b="0" baseline="0" dirty="0" smtClean="0"/>
+              <a:t> to 0</a:t>
+            </a:r>
           </a:p>
           <a:p>
             <a:pPr marL="171450" indent="-171450">
               <a:buFont typeface="Arial" panose="020B0604020202020204" pitchFamily="34" charset="0"/>
               <a:buChar char="•"/>
             </a:pPr>
-            <a:r>
-              <a:rPr lang="en-US" baseline="0" dirty="0" smtClean="0"/>
-              <a:t>Sounds obvious, but if I had a nickel for every time “customer 1” and “customer 2”…. </a:t>
-            </a:r>
+            <a:endParaRPr lang="en-US" b="0" baseline="0" dirty="0" smtClean="0"/>
+          </a:p>
+          <a:p>
+            <a:pPr marL="171450" indent="-171450">
+              <a:buFont typeface="Arial" panose="020B0604020202020204" pitchFamily="34" charset="0"/>
+              <a:buChar char="•"/>
+            </a:pPr>
+            <a:r>
+              <a:rPr lang="en-US" b="0" baseline="0" dirty="0" smtClean="0"/>
+              <a:t>We’re using </a:t>
+            </a:r>
+            <a:r>
+              <a:rPr lang="en-US" b="0" baseline="0" dirty="0" err="1" smtClean="0"/>
+              <a:t>Nhibernate</a:t>
+            </a:r>
+            <a:r>
+              <a:rPr lang="en-US" b="0" baseline="0" dirty="0" smtClean="0"/>
+              <a:t> in this example, and if we tell it to save an object that has a non-zero ID, it will issue an update</a:t>
+            </a:r>
+          </a:p>
+          <a:p>
+            <a:pPr marL="171450" indent="-171450">
+              <a:buFont typeface="Arial" panose="020B0604020202020204" pitchFamily="34" charset="0"/>
+              <a:buChar char="•"/>
+            </a:pPr>
+            <a:endParaRPr lang="en-US" b="0" baseline="0" dirty="0" smtClean="0"/>
           </a:p>
           <a:p>
             <a:pPr marL="628650" lvl="1" indent="-171450">
@@ -8959,95 +8242,58 @@
               <a:buChar char="•"/>
             </a:pPr>
             <a:r>
-              <a:rPr lang="en-US" baseline="0" dirty="0" smtClean="0"/>
-              <a:t>I’d have a lot of nickels.</a:t>
-            </a:r>
-            <a:br>
-              <a:rPr lang="en-US" baseline="0" dirty="0" smtClean="0"/>
-            </a:br>
-            <a:endParaRPr lang="en-US" baseline="0" dirty="0" smtClean="0"/>
-          </a:p>
-          <a:p>
-            <a:pPr marL="171450" indent="-171450">
+              <a:rPr lang="en-US" b="0" baseline="0" dirty="0" smtClean="0"/>
+              <a:t>Resetting the Id to zero forces it to do an insert, which is what we want</a:t>
+            </a:r>
+          </a:p>
+          <a:p>
+            <a:pPr marL="171450" lvl="0" indent="-171450">
               <a:buFont typeface="Arial" panose="020B0604020202020204" pitchFamily="34" charset="0"/>
               <a:buChar char="•"/>
             </a:pPr>
-            <a:r>
-              <a:rPr lang="en-US" baseline="0" dirty="0" smtClean="0"/>
-              <a:t>Tests should tell a story – easier to understand when actors have meaningful names.</a:t>
-            </a:r>
+            <a:endParaRPr lang="en-US" b="0" baseline="0" dirty="0" smtClean="0"/>
+          </a:p>
+          <a:p>
+            <a:pPr marL="171450" lvl="0" indent="-171450">
+              <a:buFont typeface="Arial" panose="020B0604020202020204" pitchFamily="34" charset="0"/>
+              <a:buChar char="•"/>
+            </a:pPr>
+            <a:r>
+              <a:rPr lang="en-US" b="0" baseline="0" dirty="0" smtClean="0"/>
+              <a:t>Note that we don’t need to reset ALL values that were assigned by the </a:t>
+            </a:r>
+            <a:r>
+              <a:rPr lang="en-US" b="0" baseline="0" dirty="0" err="1" smtClean="0"/>
+              <a:t>IdSequencer</a:t>
+            </a:r>
+            <a:r>
+              <a:rPr lang="en-US" b="0" baseline="0" dirty="0" smtClean="0"/>
+              <a:t>, only entity IDs</a:t>
+            </a:r>
+          </a:p>
+          <a:p>
+            <a:pPr marL="171450" lvl="0" indent="-171450">
+              <a:buFont typeface="Arial" panose="020B0604020202020204" pitchFamily="34" charset="0"/>
+              <a:buChar char="•"/>
+            </a:pPr>
+            <a:endParaRPr lang="en-US" b="0" baseline="0" dirty="0" smtClean="0"/>
           </a:p>
           <a:p>
             <a:pPr marL="628650" lvl="1" indent="-171450">
               <a:buFont typeface="Arial" panose="020B0604020202020204" pitchFamily="34" charset="0"/>
               <a:buChar char="•"/>
             </a:pPr>
-            <a:r>
-              <a:rPr lang="en-US" baseline="0" dirty="0" smtClean="0"/>
-              <a:t>Doesn’t take a lot of effort</a:t>
-            </a:r>
-          </a:p>
-          <a:p>
-            <a:pPr marL="628650" lvl="1" indent="-171450">
+            <a:endParaRPr lang="en-US" b="0" baseline="0" dirty="0" smtClean="0"/>
+          </a:p>
+          <a:p>
+            <a:pPr marL="0" indent="0">
               <a:buFont typeface="Arial" panose="020B0604020202020204" pitchFamily="34" charset="0"/>
-              <a:buChar char="•"/>
+              <a:buNone/>
             </a:pPr>
             <a:r>
-              <a:rPr lang="en-US" baseline="0" dirty="0" smtClean="0"/>
-              <a:t>Makes a big difference</a:t>
-            </a:r>
-          </a:p>
-          <a:p>
-            <a:pPr marL="628650" lvl="1" indent="-171450">
-              <a:buFont typeface="Arial" panose="020B0604020202020204" pitchFamily="34" charset="0"/>
-              <a:buChar char="•"/>
-            </a:pPr>
-            <a:r>
-              <a:rPr lang="en-US" baseline="0" dirty="0" smtClean="0"/>
-              <a:t>I hate coinage, don’t need any more nickels</a:t>
-            </a:r>
-          </a:p>
-          <a:p>
-            <a:endParaRPr lang="en-US" baseline="0" dirty="0" smtClean="0"/>
-          </a:p>
-          <a:p>
-            <a:r>
-              <a:rPr lang="en-US" b="1" baseline="0" dirty="0" smtClean="0"/>
-              <a:t>Transition: </a:t>
-            </a:r>
-            <a:br>
-              <a:rPr lang="en-US" b="1" baseline="0" dirty="0" smtClean="0"/>
-            </a:br>
-            <a:endParaRPr lang="en-US" b="1" baseline="0" dirty="0" smtClean="0"/>
-          </a:p>
-          <a:p>
-            <a:pPr marL="171450" indent="-171450">
-              <a:buFont typeface="Arial" panose="020B0604020202020204" pitchFamily="34" charset="0"/>
-              <a:buChar char="•"/>
-            </a:pPr>
-            <a:r>
               <a:rPr lang="en-US" b="0" baseline="0" dirty="0" smtClean="0"/>
-              <a:t>Important that meaningful data stands out</a:t>
-            </a:r>
-          </a:p>
-          <a:p>
-            <a:pPr marL="171450" indent="-171450">
-              <a:buFont typeface="Arial" panose="020B0604020202020204" pitchFamily="34" charset="0"/>
-              <a:buChar char="•"/>
-            </a:pPr>
-            <a:r>
-              <a:rPr lang="en-US" b="0" baseline="0" dirty="0" smtClean="0"/>
-              <a:t>Also important to downplay data that isn’t as meaningful</a:t>
-            </a:r>
-          </a:p>
-          <a:p>
-            <a:endParaRPr lang="en-US" b="1" baseline="0" dirty="0" smtClean="0"/>
-          </a:p>
-          <a:p>
-            <a:endParaRPr lang="en-US" b="0" baseline="0" dirty="0" smtClean="0"/>
-          </a:p>
-          <a:p>
-            <a:endParaRPr lang="en-US" b="1" dirty="0"/>
+              <a:t>	</a:t>
+            </a:r>
           </a:p>
         </p:txBody>
       </p:sp>
@@ -9077,7 +8323,7 @@
     </p:spTree>
     <p:extLst>
       <p:ext uri="{BB962C8B-B14F-4D97-AF65-F5344CB8AC3E}">
-        <p14:creationId xmlns:p14="http://schemas.microsoft.com/office/powerpoint/2010/main" val="1913254223"/>
+        <p14:creationId xmlns:p14="http://schemas.microsoft.com/office/powerpoint/2010/main" val="2717799063"/>
       </p:ext>
     </p:extLst>
   </p:cSld>
@@ -9136,16 +8382,138 @@
               <a:buChar char="•"/>
             </a:pPr>
             <a:r>
-              <a:rPr lang="en-US" b="0" dirty="0" smtClean="0"/>
-              <a:t>Here’s that nasty chunk of setup code I showed at the start</a:t>
-            </a:r>
+              <a:rPr lang="en-US" b="0" baseline="0" dirty="0" smtClean="0"/>
+              <a:t>Finally, we delegate to the ORM to insert or update the object</a:t>
+            </a:r>
+            <a:br>
+              <a:rPr lang="en-US" b="0" baseline="0" dirty="0" smtClean="0"/>
+            </a:br>
             <a:endParaRPr lang="en-US" b="0" baseline="0" dirty="0" smtClean="0"/>
           </a:p>
           <a:p>
-            <a:endParaRPr lang="en-US" b="1" dirty="0" smtClean="0"/>
-          </a:p>
-          <a:p>
-            <a:endParaRPr lang="en-US" dirty="0"/>
+            <a:pPr marL="171450" marR="0" indent="-171450" algn="l" defTabSz="914400" rtl="0" eaLnBrk="1" fontAlgn="auto" latinLnBrk="0" hangingPunct="1">
+              <a:lnSpc>
+                <a:spcPct val="100000"/>
+              </a:lnSpc>
+              <a:spcBef>
+                <a:spcPts val="0"/>
+              </a:spcBef>
+              <a:spcAft>
+                <a:spcPts val="0"/>
+              </a:spcAft>
+              <a:buClrTx/>
+              <a:buSzTx/>
+              <a:buFont typeface="Arial" panose="020B0604020202020204" pitchFamily="34" charset="0"/>
+              <a:buChar char="•"/>
+              <a:tabLst/>
+              <a:defRPr/>
+            </a:pPr>
+            <a:r>
+              <a:rPr lang="en-US" b="0" baseline="0" dirty="0" smtClean="0"/>
+              <a:t>Each helper should know how to save the objects that it creates</a:t>
+            </a:r>
+          </a:p>
+          <a:p>
+            <a:pPr marL="628650" lvl="1" indent="-171450">
+              <a:buFont typeface="Arial" panose="020B0604020202020204" pitchFamily="34" charset="0"/>
+              <a:buChar char="•"/>
+            </a:pPr>
+            <a:r>
+              <a:rPr lang="en-US" b="0" baseline="0" dirty="0" smtClean="0"/>
+              <a:t>The implementation of your Save methods will be driven by your Create methods – </a:t>
+            </a:r>
+          </a:p>
+          <a:p>
+            <a:pPr marL="628650" lvl="1" indent="-171450">
+              <a:buFont typeface="Arial" panose="020B0604020202020204" pitchFamily="34" charset="0"/>
+              <a:buChar char="•"/>
+            </a:pPr>
+            <a:r>
+              <a:rPr lang="en-US" b="0" baseline="0" dirty="0" smtClean="0"/>
+              <a:t>Does NOT need to handle any arbitrary object, only those configurations created by the helper</a:t>
+            </a:r>
+          </a:p>
+          <a:p>
+            <a:pPr marL="171450" lvl="0" indent="-171450">
+              <a:buFont typeface="Arial" panose="020B0604020202020204" pitchFamily="34" charset="0"/>
+              <a:buChar char="•"/>
+            </a:pPr>
+            <a:endParaRPr lang="en-US" b="0" baseline="0" dirty="0" smtClean="0"/>
+          </a:p>
+          <a:p>
+            <a:pPr marL="0" lvl="0" indent="0">
+              <a:buFont typeface="Arial" panose="020B0604020202020204" pitchFamily="34" charset="0"/>
+              <a:buNone/>
+            </a:pPr>
+            <a:r>
+              <a:rPr lang="en-US" b="1" baseline="0" dirty="0" smtClean="0"/>
+              <a:t>Transition</a:t>
+            </a:r>
+          </a:p>
+          <a:p>
+            <a:pPr marL="171450" lvl="0" indent="-171450">
+              <a:buFont typeface="Arial" panose="020B0604020202020204" pitchFamily="34" charset="0"/>
+              <a:buChar char="•"/>
+            </a:pPr>
+            <a:endParaRPr lang="en-US" b="0" baseline="0" dirty="0" smtClean="0"/>
+          </a:p>
+          <a:p>
+            <a:pPr marL="171450" indent="-171450">
+              <a:buFont typeface="Arial" panose="020B0604020202020204" pitchFamily="34" charset="0"/>
+              <a:buChar char="•"/>
+            </a:pPr>
+            <a:r>
+              <a:rPr lang="en-US" dirty="0" smtClean="0"/>
+              <a:t>Finally, we need to prevent this test data from lingering around when our test run is over</a:t>
+            </a:r>
+          </a:p>
+          <a:p>
+            <a:pPr marL="171450" indent="-171450">
+              <a:buFont typeface="Arial" panose="020B0604020202020204" pitchFamily="34" charset="0"/>
+              <a:buChar char="•"/>
+            </a:pPr>
+            <a:endParaRPr lang="en-US" dirty="0" smtClean="0"/>
+          </a:p>
+          <a:p>
+            <a:pPr marL="171450" indent="-171450">
+              <a:buFont typeface="Arial" panose="020B0604020202020204" pitchFamily="34" charset="0"/>
+              <a:buChar char="•"/>
+            </a:pPr>
+            <a:r>
+              <a:rPr lang="en-US" dirty="0" smtClean="0"/>
+              <a:t>One possibility is to reset the database to a known state at the start of each test run. This works, but I tend to run my unit tests against the same DB I use for local testing</a:t>
+            </a:r>
+          </a:p>
+          <a:p>
+            <a:pPr marL="628650" lvl="1" indent="-171450">
+              <a:buFont typeface="Arial" panose="020B0604020202020204" pitchFamily="34" charset="0"/>
+              <a:buChar char="•"/>
+            </a:pPr>
+            <a:r>
+              <a:rPr lang="en-US" dirty="0" smtClean="0"/>
+              <a:t>Don’t want data</a:t>
+            </a:r>
+            <a:r>
+              <a:rPr lang="en-US" baseline="0" dirty="0" smtClean="0"/>
+              <a:t> I’ve crafted by hand from being blown away by tests</a:t>
+            </a:r>
+          </a:p>
+          <a:p>
+            <a:pPr marL="628650" lvl="1" indent="-171450">
+              <a:buFont typeface="Arial" panose="020B0604020202020204" pitchFamily="34" charset="0"/>
+              <a:buChar char="•"/>
+            </a:pPr>
+            <a:r>
+              <a:rPr lang="en-US" baseline="0" dirty="0" smtClean="0"/>
+              <a:t>Don’t want to lose any schema changes I’ve made</a:t>
+            </a:r>
+          </a:p>
+          <a:p>
+            <a:pPr marL="171450" lvl="0" indent="-171450">
+              <a:buFont typeface="Arial" panose="020B0604020202020204" pitchFamily="34" charset="0"/>
+              <a:buChar char="•"/>
+            </a:pPr>
+            <a:endParaRPr lang="en-US" b="0" baseline="0" dirty="0" smtClean="0"/>
           </a:p>
         </p:txBody>
       </p:sp>
@@ -9175,7 +8543,7 @@
     </p:spTree>
     <p:extLst>
       <p:ext uri="{BB962C8B-B14F-4D97-AF65-F5344CB8AC3E}">
-        <p14:creationId xmlns:p14="http://schemas.microsoft.com/office/powerpoint/2010/main" val="621233375"/>
+        <p14:creationId xmlns:p14="http://schemas.microsoft.com/office/powerpoint/2010/main" val="2145290865"/>
       </p:ext>
     </p:extLst>
   </p:cSld>
@@ -9229,6 +8597,41 @@
           <a:bodyPr/>
           <a:lstStyle/>
           <a:p>
+            <a:pPr marL="171450" lvl="0" indent="-171450">
+              <a:buFont typeface="Arial" panose="020B0604020202020204" pitchFamily="34" charset="0"/>
+              <a:buChar char="•"/>
+            </a:pPr>
+            <a:r>
+              <a:rPr lang="en-US" baseline="0" dirty="0" smtClean="0"/>
+              <a:t>Another option is to wrap each test run in a database transaction, and then roll back that transaction when the test run is over</a:t>
+            </a:r>
+            <a:br>
+              <a:rPr lang="en-US" baseline="0" dirty="0" smtClean="0"/>
+            </a:br>
+            <a:endParaRPr lang="en-US" baseline="0" dirty="0" smtClean="0"/>
+          </a:p>
+          <a:p>
+            <a:pPr marL="171450" lvl="0" indent="-171450">
+              <a:buFont typeface="Arial" panose="020B0604020202020204" pitchFamily="34" charset="0"/>
+              <a:buChar char="•"/>
+            </a:pPr>
+            <a:r>
+              <a:rPr lang="en-US" baseline="0" dirty="0" smtClean="0"/>
+              <a:t>This is easy to do by adding an attribute to our data tests. The presence of this attribute automatically executes the test inside of a transaction, and then discards the transaction at the end.</a:t>
+            </a:r>
+          </a:p>
+          <a:p>
+            <a:pPr marL="171450" lvl="0" indent="-171450">
+              <a:buFont typeface="Arial" panose="020B0604020202020204" pitchFamily="34" charset="0"/>
+              <a:buChar char="•"/>
+            </a:pPr>
+            <a:endParaRPr lang="en-US" dirty="0" smtClean="0"/>
+          </a:p>
+          <a:p>
+            <a:pPr marL="171450" lvl="0" indent="-171450">
+              <a:buFont typeface="Arial" panose="020B0604020202020204" pitchFamily="34" charset="0"/>
+              <a:buChar char="•"/>
+            </a:pPr>
             <a:endParaRPr lang="en-US" dirty="0"/>
           </a:p>
         </p:txBody>
@@ -9259,7 +8662,7 @@
     </p:spTree>
     <p:extLst>
       <p:ext uri="{BB962C8B-B14F-4D97-AF65-F5344CB8AC3E}">
-        <p14:creationId xmlns:p14="http://schemas.microsoft.com/office/powerpoint/2010/main" val="871096793"/>
+        <p14:creationId xmlns:p14="http://schemas.microsoft.com/office/powerpoint/2010/main" val="3266683685"/>
       </p:ext>
     </p:extLst>
   </p:cSld>
@@ -9313,7 +8716,15 @@
           <a:bodyPr/>
           <a:lstStyle/>
           <a:p>
-            <a:endParaRPr lang="en-US" dirty="0" smtClean="0"/>
+            <a:endParaRPr lang="en-US" sz="1200" kern="1200" dirty="0" smtClean="0">
+              <a:solidFill>
+                <a:schemeClr val="tx1"/>
+              </a:solidFill>
+              <a:effectLst/>
+              <a:latin typeface="+mn-lt"/>
+              <a:ea typeface="+mn-ea"/>
+              <a:cs typeface="+mn-cs"/>
+            </a:endParaRPr>
           </a:p>
         </p:txBody>
       </p:sp>
@@ -9343,7 +8754,7 @@
     </p:spTree>
     <p:extLst>
       <p:ext uri="{BB962C8B-B14F-4D97-AF65-F5344CB8AC3E}">
-        <p14:creationId xmlns:p14="http://schemas.microsoft.com/office/powerpoint/2010/main" val="2885101328"/>
+        <p14:creationId xmlns:p14="http://schemas.microsoft.com/office/powerpoint/2010/main" val="4247744219"/>
       </p:ext>
     </p:extLst>
   </p:cSld>
@@ -9397,110 +8808,15 @@
           <a:bodyPr/>
           <a:lstStyle/>
           <a:p>
-            <a:pPr marL="171450" marR="0" indent="-171450" algn="l" defTabSz="914400" rtl="0" eaLnBrk="1" fontAlgn="auto" latinLnBrk="0" hangingPunct="1">
-              <a:lnSpc>
-                <a:spcPct val="100000"/>
-              </a:lnSpc>
-              <a:spcBef>
-                <a:spcPts val="0"/>
-              </a:spcBef>
-              <a:spcAft>
-                <a:spcPts val="0"/>
-              </a:spcAft>
-              <a:buClrTx/>
-              <a:buSzTx/>
-              <a:buFont typeface="Arial" panose="020B0604020202020204" pitchFamily="34" charset="0"/>
-              <a:buChar char="•"/>
-              <a:tabLst/>
-              <a:defRPr/>
-            </a:pPr>
-            <a:r>
-              <a:rPr lang="en-US" b="0" i="0" baseline="0" dirty="0" smtClean="0"/>
-              <a:t>Here’s that same chunk of code, cleaned up</a:t>
-            </a:r>
-          </a:p>
-          <a:p>
-            <a:pPr marL="628650" marR="0" lvl="1" indent="-171450" algn="l" defTabSz="914400" rtl="0" eaLnBrk="1" fontAlgn="auto" latinLnBrk="0" hangingPunct="1">
-              <a:lnSpc>
-                <a:spcPct val="100000"/>
-              </a:lnSpc>
-              <a:spcBef>
-                <a:spcPts val="0"/>
-              </a:spcBef>
-              <a:spcAft>
-                <a:spcPts val="0"/>
-              </a:spcAft>
-              <a:buClrTx/>
-              <a:buSzTx/>
-              <a:buFont typeface="Arial" panose="020B0604020202020204" pitchFamily="34" charset="0"/>
-              <a:buChar char="•"/>
-              <a:tabLst/>
-              <a:defRPr/>
-            </a:pPr>
-            <a:r>
-              <a:rPr lang="en-US" b="0" i="0" baseline="0" dirty="0" smtClean="0"/>
-              <a:t>Determined many objects were irrelevant – pushed into helpers &amp; used defaults</a:t>
-            </a:r>
-          </a:p>
-          <a:p>
-            <a:pPr marL="628650" marR="0" lvl="1" indent="-171450" algn="l" defTabSz="914400" rtl="0" eaLnBrk="1" fontAlgn="auto" latinLnBrk="0" hangingPunct="1">
-              <a:lnSpc>
-                <a:spcPct val="100000"/>
-              </a:lnSpc>
-              <a:spcBef>
-                <a:spcPts val="0"/>
-              </a:spcBef>
-              <a:spcAft>
-                <a:spcPts val="0"/>
-              </a:spcAft>
-              <a:buClrTx/>
-              <a:buSzTx/>
-              <a:buFont typeface="Arial" panose="020B0604020202020204" pitchFamily="34" charset="0"/>
-              <a:buChar char="•"/>
-              <a:tabLst/>
-              <a:defRPr/>
-            </a:pPr>
-            <a:r>
-              <a:rPr lang="en-US" b="0" i="0" baseline="0" dirty="0" smtClean="0"/>
-              <a:t>Still creating a lot of objects, but something that’s manageable</a:t>
-            </a:r>
-          </a:p>
-          <a:p>
-            <a:pPr marL="171450" marR="0" indent="-171450" algn="l" defTabSz="914400" rtl="0" eaLnBrk="1" fontAlgn="auto" latinLnBrk="0" hangingPunct="1">
-              <a:lnSpc>
-                <a:spcPct val="100000"/>
-              </a:lnSpc>
-              <a:spcBef>
-                <a:spcPts val="0"/>
-              </a:spcBef>
-              <a:spcAft>
-                <a:spcPts val="0"/>
-              </a:spcAft>
-              <a:buClrTx/>
-              <a:buSzTx/>
-              <a:buFont typeface="Arial" panose="020B0604020202020204" pitchFamily="34" charset="0"/>
-              <a:buChar char="•"/>
-              <a:tabLst/>
-              <a:defRPr/>
-            </a:pPr>
-            <a:endParaRPr lang="en-US" b="0" i="0" baseline="0" dirty="0" smtClean="0"/>
-          </a:p>
-          <a:p>
-            <a:pPr marL="171450" indent="-171450">
-              <a:buFont typeface="Arial" panose="020B0604020202020204" pitchFamily="34" charset="0"/>
-              <a:buChar char="•"/>
-            </a:pPr>
-            <a:r>
-              <a:rPr lang="en-US" baseline="0" dirty="0" smtClean="0"/>
-              <a:t>Said it before and I’ll say it again; single most important thing is to build a good helper library</a:t>
-            </a:r>
-          </a:p>
-          <a:p>
-            <a:pPr marL="171450" indent="-171450">
-              <a:buFont typeface="Arial" panose="020B0604020202020204" pitchFamily="34" charset="0"/>
-              <a:buChar char="•"/>
-            </a:pPr>
-            <a:endParaRPr lang="en-US" baseline="0" dirty="0" smtClean="0"/>
+            <a:endParaRPr lang="en-US" sz="1200" kern="1200" dirty="0" smtClean="0">
+              <a:solidFill>
+                <a:schemeClr val="tx1"/>
+              </a:solidFill>
+              <a:effectLst/>
+              <a:latin typeface="+mn-lt"/>
+              <a:ea typeface="+mn-ea"/>
+              <a:cs typeface="+mn-cs"/>
+            </a:endParaRPr>
           </a:p>
         </p:txBody>
       </p:sp>
@@ -9530,7 +8846,7 @@
     </p:spTree>
     <p:extLst>
       <p:ext uri="{BB962C8B-B14F-4D97-AF65-F5344CB8AC3E}">
-        <p14:creationId xmlns:p14="http://schemas.microsoft.com/office/powerpoint/2010/main" val="2408674174"/>
+        <p14:creationId xmlns:p14="http://schemas.microsoft.com/office/powerpoint/2010/main" val="4116676846"/>
       </p:ext>
     </p:extLst>
   </p:cSld>
@@ -9584,56 +8900,15 @@
           <a:bodyPr/>
           <a:lstStyle/>
           <a:p>
-            <a:pPr marL="171450" indent="-171450">
-              <a:buFont typeface="Arial" panose="020B0604020202020204" pitchFamily="34" charset="0"/>
-              <a:buChar char="•"/>
-            </a:pPr>
-            <a:r>
-              <a:rPr lang="en-US" dirty="0" smtClean="0"/>
-              <a:t>Until now,</a:t>
-            </a:r>
-            <a:r>
-              <a:rPr lang="en-US" baseline="0" dirty="0" smtClean="0"/>
-              <a:t> in-memory objects only</a:t>
-            </a:r>
-          </a:p>
-          <a:p>
-            <a:pPr marL="171450" indent="-171450">
-              <a:buFont typeface="Arial" panose="020B0604020202020204" pitchFamily="34" charset="0"/>
-              <a:buChar char="•"/>
-            </a:pPr>
-            <a:endParaRPr lang="en-US" baseline="0" dirty="0" smtClean="0"/>
-          </a:p>
-          <a:p>
-            <a:pPr marL="171450" indent="-171450">
-              <a:buFont typeface="Arial" panose="020B0604020202020204" pitchFamily="34" charset="0"/>
-              <a:buChar char="•"/>
-            </a:pPr>
-            <a:r>
-              <a:rPr lang="en-US" dirty="0" smtClean="0"/>
-              <a:t>Eventually,</a:t>
-            </a:r>
-            <a:r>
-              <a:rPr lang="en-US" baseline="0" dirty="0" smtClean="0"/>
-              <a:t> you’re going to want to save your test data to a database so that you can test your data access code, or so that you can automate some of your full-stack system tests.</a:t>
-            </a:r>
-          </a:p>
-          <a:p>
-            <a:pPr marL="171450" indent="-171450">
-              <a:buFont typeface="Arial" panose="020B0604020202020204" pitchFamily="34" charset="0"/>
-              <a:buChar char="•"/>
-            </a:pPr>
-            <a:endParaRPr lang="en-US" baseline="0" dirty="0" smtClean="0"/>
-          </a:p>
-          <a:p>
-            <a:pPr marL="171450" indent="-171450">
-              <a:buFont typeface="Arial" panose="020B0604020202020204" pitchFamily="34" charset="0"/>
-              <a:buChar char="•"/>
-            </a:pPr>
-            <a:r>
-              <a:rPr lang="en-US" baseline="0" dirty="0" smtClean="0"/>
-              <a:t>In this final section, I’ll show you how to use Test Helpers in integration tests</a:t>
-            </a:r>
+            <a:endParaRPr lang="en-US" sz="1200" kern="1200" dirty="0" smtClean="0">
+              <a:solidFill>
+                <a:schemeClr val="tx1"/>
+              </a:solidFill>
+              <a:effectLst/>
+              <a:latin typeface="+mn-lt"/>
+              <a:ea typeface="+mn-ea"/>
+              <a:cs typeface="+mn-cs"/>
+            </a:endParaRPr>
           </a:p>
         </p:txBody>
       </p:sp>
@@ -9663,7 +8938,7 @@
     </p:spTree>
     <p:extLst>
       <p:ext uri="{BB962C8B-B14F-4D97-AF65-F5344CB8AC3E}">
-        <p14:creationId xmlns:p14="http://schemas.microsoft.com/office/powerpoint/2010/main" val="841011351"/>
+        <p14:creationId xmlns:p14="http://schemas.microsoft.com/office/powerpoint/2010/main" val="1123677249"/>
       </p:ext>
     </p:extLst>
   </p:cSld>
@@ -9809,25 +9084,15 @@
           <a:bodyPr/>
           <a:lstStyle/>
           <a:p>
-            <a:pPr marL="171450" indent="-171450">
-              <a:buFont typeface="Arial" panose="020B0604020202020204" pitchFamily="34" charset="0"/>
-              <a:buChar char="•"/>
-            </a:pPr>
-            <a:endParaRPr lang="en-US" baseline="0" dirty="0" smtClean="0"/>
-          </a:p>
-          <a:p>
-            <a:pPr marL="171450" indent="-171450">
-              <a:buFont typeface="Arial" panose="020B0604020202020204" pitchFamily="34" charset="0"/>
-              <a:buChar char="•"/>
-            </a:pPr>
-            <a:r>
-              <a:rPr lang="en-US" baseline="0" dirty="0" smtClean="0"/>
-              <a:t>It would be really nice if we could use the same Test Helpers to create real data as in-memory data</a:t>
-            </a:r>
-            <a:endParaRPr lang="en-US" dirty="0" smtClean="0"/>
-          </a:p>
-          <a:p>
-            <a:endParaRPr lang="en-US" baseline="0" dirty="0" smtClean="0"/>
+            <a:endParaRPr lang="en-US" sz="1200" kern="1200" dirty="0" smtClean="0">
+              <a:solidFill>
+                <a:schemeClr val="tx1"/>
+              </a:solidFill>
+              <a:effectLst/>
+              <a:latin typeface="+mn-lt"/>
+              <a:ea typeface="+mn-ea"/>
+              <a:cs typeface="+mn-cs"/>
+            </a:endParaRPr>
           </a:p>
         </p:txBody>
       </p:sp>
@@ -9857,7 +9122,7 @@
     </p:spTree>
     <p:extLst>
       <p:ext uri="{BB962C8B-B14F-4D97-AF65-F5344CB8AC3E}">
-        <p14:creationId xmlns:p14="http://schemas.microsoft.com/office/powerpoint/2010/main" val="1718543344"/>
+        <p14:creationId xmlns:p14="http://schemas.microsoft.com/office/powerpoint/2010/main" val="2813022412"/>
       </p:ext>
     </p:extLst>
   </p:cSld>
@@ -9916,13 +9181,49 @@
               <a:buChar char="•"/>
             </a:pPr>
             <a:r>
-              <a:rPr lang="en-US" baseline="0" dirty="0" smtClean="0"/>
-              <a:t>Easier said than done. </a:t>
+              <a:rPr lang="en-US" b="0" i="0" baseline="0" dirty="0" smtClean="0"/>
+              <a:t>To create unique integers, I use a class I call the </a:t>
+            </a:r>
+            <a:r>
+              <a:rPr lang="en-US" b="1" i="0" baseline="0" dirty="0" err="1" smtClean="0"/>
+              <a:t>IdSequencer</a:t>
+            </a:r>
+            <a:r>
+              <a:rPr lang="en-US" b="1" i="0" baseline="0" dirty="0" smtClean="0"/>
+              <a:t/>
             </a:r>
             <a:br>
-              <a:rPr lang="en-US" baseline="0" dirty="0" smtClean="0"/>
+              <a:rPr lang="en-US" b="1" i="0" baseline="0" dirty="0" smtClean="0"/>
             </a:br>
-            <a:endParaRPr lang="en-US" baseline="0" dirty="0" smtClean="0"/>
+            <a:endParaRPr lang="en-US" b="1" i="0" baseline="0" dirty="0" smtClean="0"/>
+          </a:p>
+          <a:p>
+            <a:pPr marL="628650" lvl="1" indent="-171450">
+              <a:buFont typeface="Arial" panose="020B0604020202020204" pitchFamily="34" charset="0"/>
+              <a:buChar char="•"/>
+            </a:pPr>
+            <a:r>
+              <a:rPr lang="en-US" b="0" i="0" baseline="0" dirty="0" smtClean="0"/>
+              <a:t>Every time you call Next() it returns a new value</a:t>
+            </a:r>
+            <a:br>
+              <a:rPr lang="en-US" b="0" i="0" baseline="0" dirty="0" smtClean="0"/>
+            </a:br>
+            <a:endParaRPr lang="en-US" b="0" i="0" baseline="0" dirty="0" smtClean="0"/>
+          </a:p>
+          <a:p>
+            <a:pPr marL="628650" lvl="1" indent="-171450">
+              <a:buFont typeface="Arial" panose="020B0604020202020204" pitchFamily="34" charset="0"/>
+              <a:buChar char="•"/>
+            </a:pPr>
+            <a:r>
+              <a:rPr lang="en-US" b="0" i="0" baseline="0" dirty="0" smtClean="0"/>
+              <a:t>If we have time I’ll show you how it works – or hit the bit.ly link</a:t>
+            </a:r>
+            <a:br>
+              <a:rPr lang="en-US" b="0" i="0" baseline="0" dirty="0" smtClean="0"/>
+            </a:br>
+            <a:endParaRPr lang="en-US" b="0" i="0" baseline="0" dirty="0" smtClean="0"/>
           </a:p>
           <a:p>
             <a:pPr marL="171450" lvl="0" indent="-171450">
@@ -9930,116 +9231,57 @@
               <a:buChar char="•"/>
             </a:pPr>
             <a:r>
-              <a:rPr lang="en-US" baseline="0" dirty="0" smtClean="0"/>
-              <a:t>First, you have to deal with foreign keys. </a:t>
-            </a:r>
+              <a:rPr lang="en-US" b="0" i="0" baseline="0" dirty="0" smtClean="0"/>
+              <a:t>I always assign unique integers to Id fields – callers can explicitly set up differently if they need to</a:t>
+            </a:r>
+            <a:br>
+              <a:rPr lang="en-US" b="0" i="0" baseline="0" dirty="0" smtClean="0"/>
+            </a:br>
+            <a:endParaRPr lang="en-US" b="0" i="0" baseline="0" dirty="0" smtClean="0"/>
+          </a:p>
+          <a:p>
+            <a:pPr marL="171450" lvl="0" indent="-171450">
+              <a:buFont typeface="Arial" panose="020B0604020202020204" pitchFamily="34" charset="0"/>
+              <a:buChar char="•"/>
+            </a:pPr>
+            <a:r>
+              <a:rPr lang="en-US" b="0" i="0" baseline="0" dirty="0" smtClean="0"/>
+              <a:t>I may or may not assign unique integers to other fields, it depends on what they are. </a:t>
+            </a:r>
+          </a:p>
+          <a:p>
+            <a:pPr marL="171450" lvl="0" indent="-171450">
+              <a:buFont typeface="Arial" panose="020B0604020202020204" pitchFamily="34" charset="0"/>
+              <a:buChar char="•"/>
+            </a:pPr>
+            <a:endParaRPr lang="en-US" b="0" i="0" baseline="0" dirty="0" smtClean="0"/>
           </a:p>
           <a:p>
             <a:pPr marL="628650" lvl="1" indent="-171450">
               <a:buFont typeface="Arial" panose="020B0604020202020204" pitchFamily="34" charset="0"/>
               <a:buChar char="•"/>
             </a:pPr>
-            <a:r>
-              <a:rPr lang="en-US" baseline="0" dirty="0" smtClean="0"/>
-              <a:t>Can’t just new up a Customer and an Order in-memory, </a:t>
-            </a:r>
+            <a:endParaRPr lang="en-US" b="0" i="0" baseline="0" dirty="0" smtClean="0"/>
           </a:p>
           <a:p>
             <a:pPr marL="628650" lvl="1" indent="-171450">
               <a:buFont typeface="Arial" panose="020B0604020202020204" pitchFamily="34" charset="0"/>
               <a:buChar char="•"/>
             </a:pPr>
-            <a:r>
-              <a:rPr lang="en-US" baseline="0" dirty="0" smtClean="0"/>
-              <a:t>Have to new up entire object graph, save objects to the database in the correct sequence, and then update all the IDs</a:t>
-            </a:r>
-          </a:p>
-          <a:p>
-            <a:pPr marL="628650" lvl="1" indent="-171450">
+            <a:endParaRPr lang="en-US" b="0" i="0" baseline="0" dirty="0" smtClean="0"/>
+          </a:p>
+          <a:p>
+            <a:pPr marL="171450" lvl="0" indent="-171450">
               <a:buFont typeface="Arial" panose="020B0604020202020204" pitchFamily="34" charset="0"/>
               <a:buChar char="•"/>
             </a:pPr>
-            <a:r>
-              <a:rPr lang="en-US" baseline="0" dirty="0" smtClean="0"/>
-              <a:t>(This is a little bit easier if you assign primary keys in your application code, but my project uses good old-fashioned </a:t>
-            </a:r>
-            <a:r>
-              <a:rPr lang="en-US" baseline="0" dirty="0" err="1" smtClean="0"/>
-              <a:t>autonumber</a:t>
-            </a:r>
-            <a:r>
-              <a:rPr lang="en-US" baseline="0" dirty="0" smtClean="0"/>
-              <a:t> keys)</a:t>
-            </a:r>
-          </a:p>
-          <a:p>
-            <a:endParaRPr lang="en-US" baseline="0" dirty="0" smtClean="0"/>
-          </a:p>
-          <a:p>
-            <a:pPr marL="171450" indent="-171450">
-              <a:buFont typeface="Arial" panose="020B0604020202020204" pitchFamily="34" charset="0"/>
-              <a:buChar char="•"/>
-            </a:pPr>
-            <a:r>
-              <a:rPr lang="en-US" baseline="0" dirty="0" smtClean="0"/>
-              <a:t>Second, you have to deal with column constraints. </a:t>
-            </a:r>
-          </a:p>
-          <a:p>
-            <a:pPr marL="628650" lvl="1" indent="-171450">
-              <a:buFont typeface="Arial" panose="020B0604020202020204" pitchFamily="34" charset="0"/>
-              <a:buChar char="•"/>
-            </a:pPr>
-            <a:r>
-              <a:rPr lang="en-US" baseline="0" dirty="0" smtClean="0"/>
-              <a:t>Non-null columns</a:t>
-            </a:r>
-          </a:p>
-          <a:p>
-            <a:pPr marL="628650" lvl="1" indent="-171450">
-              <a:buFont typeface="Arial" panose="020B0604020202020204" pitchFamily="34" charset="0"/>
-              <a:buChar char="•"/>
-            </a:pPr>
-            <a:r>
-              <a:rPr lang="en-US" baseline="0" dirty="0" smtClean="0"/>
-              <a:t>Max length</a:t>
-            </a:r>
-            <a:br>
-              <a:rPr lang="en-US" baseline="0" dirty="0" smtClean="0"/>
-            </a:br>
-            <a:endParaRPr lang="en-US" baseline="0" dirty="0" smtClean="0"/>
-          </a:p>
-          <a:p>
-            <a:r>
-              <a:rPr lang="en-US" baseline="0" dirty="0" smtClean="0"/>
-              <a:t>* Lastly, clean up test data when the test run is over. </a:t>
-            </a:r>
-          </a:p>
-          <a:p>
-            <a:pPr marL="0" marR="0" indent="0" algn="l" defTabSz="914400" rtl="0" eaLnBrk="1" fontAlgn="auto" latinLnBrk="0" hangingPunct="1">
-              <a:lnSpc>
-                <a:spcPct val="100000"/>
-              </a:lnSpc>
-              <a:spcBef>
-                <a:spcPts val="0"/>
-              </a:spcBef>
-              <a:spcAft>
-                <a:spcPts val="0"/>
-              </a:spcAft>
-              <a:buClrTx/>
-              <a:buSzTx/>
-              <a:buFontTx/>
-              <a:buNone/>
-              <a:tabLst/>
-              <a:defRPr/>
-            </a:pPr>
-            <a:endParaRPr lang="en-US" b="0" baseline="0" dirty="0" smtClean="0"/>
-          </a:p>
-          <a:p>
-            <a:endParaRPr lang="en-US" baseline="0" dirty="0" smtClean="0"/>
-          </a:p>
-          <a:p>
-            <a:endParaRPr lang="en-US" dirty="0"/>
+            <a:endParaRPr lang="en-US" b="0" i="0" baseline="0" dirty="0" smtClean="0"/>
+          </a:p>
+          <a:p>
+            <a:endParaRPr lang="en-US" b="0" i="0" baseline="0" dirty="0" smtClean="0"/>
+          </a:p>
+          <a:p>
+            <a:endParaRPr lang="en-US" b="1" i="0" baseline="0" dirty="0" smtClean="0"/>
           </a:p>
         </p:txBody>
       </p:sp>
@@ -10069,7 +9311,7 @@
     </p:spTree>
     <p:extLst>
       <p:ext uri="{BB962C8B-B14F-4D97-AF65-F5344CB8AC3E}">
-        <p14:creationId xmlns:p14="http://schemas.microsoft.com/office/powerpoint/2010/main" val="26017146"/>
+        <p14:creationId xmlns:p14="http://schemas.microsoft.com/office/powerpoint/2010/main" val="123619830"/>
       </p:ext>
     </p:extLst>
   </p:cSld>
@@ -10123,171 +9365,132 @@
           <a:bodyPr/>
           <a:lstStyle/>
           <a:p>
-            <a:pPr marL="171450" marR="0" indent="-171450" algn="l" defTabSz="914400" rtl="0" eaLnBrk="1" fontAlgn="auto" latinLnBrk="0" hangingPunct="1">
-              <a:lnSpc>
-                <a:spcPct val="100000"/>
-              </a:lnSpc>
-              <a:spcBef>
-                <a:spcPts val="0"/>
-              </a:spcBef>
-              <a:spcAft>
-                <a:spcPts val="0"/>
-              </a:spcAft>
-              <a:buClrTx/>
-              <a:buSzTx/>
+            <a:r>
+              <a:rPr lang="en-US" dirty="0" smtClean="0"/>
+              <a:t>I’d like to wrap up with last piece</a:t>
+            </a:r>
+            <a:r>
+              <a:rPr lang="en-US" baseline="0" dirty="0" smtClean="0"/>
+              <a:t> of advice:</a:t>
+            </a:r>
+          </a:p>
+          <a:p>
+            <a:endParaRPr lang="en-US" baseline="0" dirty="0" smtClean="0"/>
+          </a:p>
+          <a:p>
+            <a:r>
+              <a:rPr lang="en-US" b="1" baseline="0" dirty="0" smtClean="0"/>
+              <a:t>CLICK</a:t>
+            </a:r>
+          </a:p>
+          <a:p>
+            <a:endParaRPr lang="en-US" baseline="0" dirty="0" smtClean="0"/>
+          </a:p>
+          <a:p>
+            <a:pPr marL="171450" indent="-171450">
               <a:buFont typeface="Arial" panose="020B0604020202020204" pitchFamily="34" charset="0"/>
               <a:buChar char="•"/>
-              <a:tabLst/>
-              <a:defRPr/>
             </a:pPr>
             <a:r>
-              <a:rPr lang="en-US" b="0" baseline="0" dirty="0" smtClean="0"/>
-              <a:t>These challenges are a pain, but they are manageable with a few extra additions to your Test Helper classes. </a:t>
+              <a:rPr lang="en-US" baseline="0" dirty="0" smtClean="0"/>
+              <a:t>If something is hard to test, it’s probably too complex. </a:t>
             </a:r>
             <a:br>
-              <a:rPr lang="en-US" b="0" baseline="0" dirty="0" smtClean="0"/>
+              <a:rPr lang="en-US" baseline="0" dirty="0" smtClean="0"/>
             </a:br>
-            <a:endParaRPr lang="en-US" b="0" baseline="0" dirty="0" smtClean="0"/>
-          </a:p>
-          <a:p>
-            <a:pPr marL="171450" marR="0" indent="-171450" algn="l" defTabSz="914400" rtl="0" eaLnBrk="1" fontAlgn="auto" latinLnBrk="0" hangingPunct="1">
-              <a:lnSpc>
-                <a:spcPct val="100000"/>
-              </a:lnSpc>
-              <a:spcBef>
-                <a:spcPts val="0"/>
-              </a:spcBef>
-              <a:spcAft>
-                <a:spcPts val="0"/>
-              </a:spcAft>
-              <a:buClrTx/>
-              <a:buSzTx/>
+            <a:endParaRPr lang="en-US" baseline="0" dirty="0" smtClean="0"/>
+          </a:p>
+          <a:p>
+            <a:pPr marL="171450" indent="-171450">
               <a:buFont typeface="Arial" panose="020B0604020202020204" pitchFamily="34" charset="0"/>
               <a:buChar char="•"/>
-              <a:tabLst/>
-              <a:defRPr/>
             </a:pPr>
             <a:r>
-              <a:rPr lang="en-US" b="0" baseline="0" dirty="0" smtClean="0"/>
-              <a:t>The solution we use is to add a </a:t>
-            </a:r>
-            <a:r>
-              <a:rPr lang="en-US" b="0" i="1" baseline="0" dirty="0" smtClean="0"/>
-              <a:t>Save</a:t>
-            </a:r>
-            <a:r>
-              <a:rPr lang="en-US" b="0" i="0" baseline="0" dirty="0" smtClean="0"/>
-              <a:t>() method to your Test Helpers</a:t>
+              <a:rPr lang="en-US" baseline="0" dirty="0" smtClean="0"/>
+              <a:t>Don’t be “clever” in your tests – change design to make cleverness unnecessary. </a:t>
             </a:r>
             <a:br>
-              <a:rPr lang="en-US" b="0" i="0" baseline="0" dirty="0" smtClean="0"/>
+              <a:rPr lang="en-US" baseline="0" dirty="0" smtClean="0"/>
             </a:br>
-            <a:endParaRPr lang="en-US" b="0" i="0" baseline="0" dirty="0" smtClean="0"/>
-          </a:p>
-          <a:p>
-            <a:pPr marL="171450" marR="0" indent="-171450" algn="l" defTabSz="914400" rtl="0" eaLnBrk="1" fontAlgn="auto" latinLnBrk="0" hangingPunct="1">
-              <a:lnSpc>
-                <a:spcPct val="100000"/>
-              </a:lnSpc>
-              <a:spcBef>
-                <a:spcPts val="0"/>
-              </a:spcBef>
-              <a:spcAft>
-                <a:spcPts val="0"/>
-              </a:spcAft>
-              <a:buClrTx/>
-              <a:buSzTx/>
+            <a:endParaRPr lang="en-US" baseline="0" dirty="0" smtClean="0"/>
+          </a:p>
+          <a:p>
+            <a:pPr marL="171450" indent="-171450">
               <a:buFont typeface="Arial" panose="020B0604020202020204" pitchFamily="34" charset="0"/>
               <a:buChar char="•"/>
-              <a:tabLst/>
-              <a:defRPr/>
             </a:pPr>
             <a:r>
-              <a:rPr lang="en-US" b="0" i="0" baseline="0" dirty="0" smtClean="0"/>
-              <a:t>Before I show you how that works, I want to mention a few things</a:t>
-            </a:r>
-          </a:p>
-          <a:p>
-            <a:pPr marL="628650" marR="0" lvl="1" indent="-171450" algn="l" defTabSz="914400" rtl="0" eaLnBrk="1" fontAlgn="auto" latinLnBrk="0" hangingPunct="1">
-              <a:lnSpc>
-                <a:spcPct val="100000"/>
-              </a:lnSpc>
-              <a:spcBef>
-                <a:spcPts val="0"/>
-              </a:spcBef>
-              <a:spcAft>
-                <a:spcPts val="0"/>
-              </a:spcAft>
-              <a:buClrTx/>
-              <a:buSzTx/>
+              <a:rPr lang="en-US" baseline="0" dirty="0" smtClean="0"/>
+              <a:t>Clean, simple, elegant are the keys to success</a:t>
+            </a:r>
+          </a:p>
+          <a:p>
+            <a:pPr marL="171450" indent="-171450">
               <a:buFont typeface="Arial" panose="020B0604020202020204" pitchFamily="34" charset="0"/>
               <a:buChar char="•"/>
-              <a:tabLst/>
-              <a:defRPr/>
             </a:pPr>
-            <a:r>
-              <a:rPr lang="en-US" b="0" i="0" baseline="0" dirty="0" smtClean="0"/>
-              <a:t>First, this feature assumes you’re using an ORM of some sort. If you’re NOT using an ORM then the concept still applies, but you’ll need to find a different implementation</a:t>
-            </a:r>
-          </a:p>
-          <a:p>
-            <a:pPr marL="628650" marR="0" lvl="1" indent="-171450" algn="l" defTabSz="914400" rtl="0" eaLnBrk="1" fontAlgn="auto" latinLnBrk="0" hangingPunct="1">
-              <a:lnSpc>
-                <a:spcPct val="100000"/>
-              </a:lnSpc>
-              <a:spcBef>
-                <a:spcPts val="0"/>
-              </a:spcBef>
-              <a:spcAft>
-                <a:spcPts val="0"/>
-              </a:spcAft>
-              <a:buClrTx/>
-              <a:buSzTx/>
+            <a:endParaRPr lang="en-US" baseline="0" dirty="0" smtClean="0"/>
+          </a:p>
+          <a:p>
+            <a:pPr marL="0" indent="0">
               <a:buFont typeface="Arial" panose="020B0604020202020204" pitchFamily="34" charset="0"/>
-              <a:buChar char="•"/>
-              <a:tabLst/>
-              <a:defRPr/>
+              <a:buNone/>
             </a:pPr>
             <a:r>
-              <a:rPr lang="en-US" b="0" i="0" baseline="0" dirty="0" smtClean="0"/>
-              <a:t>Second, these code samples are for </a:t>
-            </a:r>
-            <a:r>
-              <a:rPr lang="en-US" b="0" i="0" baseline="0" dirty="0" err="1" smtClean="0"/>
-              <a:t>Nhibernate</a:t>
-            </a:r>
-            <a:r>
-              <a:rPr lang="en-US" b="0" i="0" baseline="0" dirty="0" smtClean="0"/>
-              <a:t>. You’ll obviously need to modify them to work with Entity Framework or Active Record or whatever you’re using</a:t>
-            </a:r>
-            <a:br>
-              <a:rPr lang="en-US" b="0" i="0" baseline="0" dirty="0" smtClean="0"/>
-            </a:br>
-            <a:endParaRPr lang="en-US" b="0" i="0" baseline="0" dirty="0" smtClean="0"/>
-          </a:p>
-          <a:p>
-            <a:pPr marL="171450" marR="0" lvl="0" indent="-171450" algn="l" defTabSz="914400" rtl="0" eaLnBrk="1" fontAlgn="auto" latinLnBrk="0" hangingPunct="1">
-              <a:lnSpc>
-                <a:spcPct val="100000"/>
-              </a:lnSpc>
-              <a:spcBef>
-                <a:spcPts val="0"/>
-              </a:spcBef>
-              <a:spcAft>
-                <a:spcPts val="0"/>
-              </a:spcAft>
-              <a:buClrTx/>
-              <a:buSzTx/>
+              <a:rPr lang="en-US" b="1" baseline="0" dirty="0" smtClean="0"/>
+              <a:t>CLICK</a:t>
+            </a:r>
+            <a:r>
+              <a:rPr lang="en-US" b="0" baseline="0" dirty="0" smtClean="0"/>
+              <a:t>: You can download these materials from my </a:t>
+            </a:r>
+            <a:r>
+              <a:rPr lang="en-US" b="0" baseline="0" dirty="0" err="1" smtClean="0"/>
+              <a:t>Github</a:t>
+            </a:r>
+            <a:r>
+              <a:rPr lang="en-US" b="0" baseline="0" dirty="0" smtClean="0"/>
+              <a:t> account</a:t>
+            </a:r>
+          </a:p>
+          <a:p>
+            <a:pPr marL="0" indent="0">
               <a:buFont typeface="Arial" panose="020B0604020202020204" pitchFamily="34" charset="0"/>
-              <a:buChar char="•"/>
-              <a:tabLst/>
-              <a:defRPr/>
+              <a:buNone/>
             </a:pPr>
-            <a:r>
-              <a:rPr lang="en-US" b="0" i="0" baseline="0" dirty="0" smtClean="0"/>
-              <a:t>Let’s look at how the Save method is implemented in my helpers</a:t>
-            </a:r>
             <a:endParaRPr lang="en-US" b="0" baseline="0" dirty="0" smtClean="0"/>
+          </a:p>
+          <a:p>
+            <a:pPr marL="0" indent="0">
+              <a:buFont typeface="Arial" panose="020B0604020202020204" pitchFamily="34" charset="0"/>
+              <a:buNone/>
+            </a:pPr>
+            <a:r>
+              <a:rPr lang="en-US" b="1" baseline="0" dirty="0" smtClean="0"/>
+              <a:t>CLICK: </a:t>
+            </a:r>
+            <a:r>
+              <a:rPr lang="en-US" b="0" baseline="0" dirty="0" smtClean="0"/>
+              <a:t>If you have any questions or feedback of any sort, reach me on Twitter or email.</a:t>
+            </a:r>
+          </a:p>
+          <a:p>
+            <a:pPr marL="0" indent="0">
+              <a:buFont typeface="Arial" panose="020B0604020202020204" pitchFamily="34" charset="0"/>
+              <a:buNone/>
+            </a:pPr>
+            <a:endParaRPr lang="en-US" b="0" baseline="0" dirty="0" smtClean="0"/>
+          </a:p>
+          <a:p>
+            <a:pPr marL="0" indent="0">
+              <a:buFont typeface="Arial" panose="020B0604020202020204" pitchFamily="34" charset="0"/>
+              <a:buNone/>
+            </a:pPr>
+            <a:r>
+              <a:rPr lang="en-US" b="0" baseline="0" dirty="0" smtClean="0"/>
+              <a:t>THANK YOU!</a:t>
+            </a:r>
+            <a:endParaRPr lang="en-US" b="1" baseline="0" dirty="0" smtClean="0"/>
           </a:p>
         </p:txBody>
       </p:sp>
@@ -10317,1192 +9520,7 @@
     </p:spTree>
     <p:extLst>
       <p:ext uri="{BB962C8B-B14F-4D97-AF65-F5344CB8AC3E}">
-        <p14:creationId xmlns:p14="http://schemas.microsoft.com/office/powerpoint/2010/main" val="301426277"/>
-      </p:ext>
-    </p:extLst>
-  </p:cSld>
-  <p:clrMapOvr>
-    <a:masterClrMapping/>
-  </p:clrMapOvr>
-</p:notes>
-</file>
-
-<file path=ppt/notesSlides/notesSlide73.xml><?xml version="1.0" encoding="utf-8"?>
-<p:notes xmlns:a="http://schemas.openxmlformats.org/drawingml/2006/main" xmlns:r="http://schemas.openxmlformats.org/officeDocument/2006/relationships" xmlns:p="http://schemas.openxmlformats.org/presentationml/2006/main">
-  <p:cSld>
-    <p:spTree>
-      <p:nvGrpSpPr>
-        <p:cNvPr id="1" name=""/>
-        <p:cNvGrpSpPr/>
-        <p:nvPr/>
-      </p:nvGrpSpPr>
-      <p:grpSpPr>
-        <a:xfrm>
-          <a:off x="0" y="0"/>
-          <a:ext cx="0" cy="0"/>
-          <a:chOff x="0" y="0"/>
-          <a:chExt cx="0" cy="0"/>
-        </a:xfrm>
-      </p:grpSpPr>
-      <p:sp>
-        <p:nvSpPr>
-          <p:cNvPr id="2" name="Slide Image Placeholder 1"/>
-          <p:cNvSpPr>
-            <a:spLocks noGrp="1" noRot="1" noChangeAspect="1"/>
-          </p:cNvSpPr>
-          <p:nvPr>
-            <p:ph type="sldImg"/>
-          </p:nvPr>
-        </p:nvSpPr>
-        <p:spPr/>
-      </p:sp>
-      <p:sp>
-        <p:nvSpPr>
-          <p:cNvPr id="3" name="Notes Placeholder 2"/>
-          <p:cNvSpPr>
-            <a:spLocks noGrp="1"/>
-          </p:cNvSpPr>
-          <p:nvPr>
-            <p:ph type="body" idx="1"/>
-          </p:nvPr>
-        </p:nvSpPr>
-        <p:spPr/>
-        <p:txBody>
-          <a:bodyPr/>
-          <a:lstStyle/>
-          <a:p>
-            <a:pPr marL="171450" indent="-171450">
-              <a:buFont typeface="Arial" panose="020B0604020202020204" pitchFamily="34" charset="0"/>
-              <a:buChar char="•"/>
-            </a:pPr>
-            <a:r>
-              <a:rPr lang="en-US" b="0" baseline="0" dirty="0" smtClean="0"/>
-              <a:t>1</a:t>
-            </a:r>
-            <a:r>
-              <a:rPr lang="en-US" b="0" baseline="30000" dirty="0" smtClean="0"/>
-              <a:t>st</a:t>
-            </a:r>
-            <a:r>
-              <a:rPr lang="en-US" b="0" baseline="0" dirty="0" smtClean="0"/>
-              <a:t>, Save() is static &amp; takes ORM interface as an argument. </a:t>
-            </a:r>
-          </a:p>
-          <a:p>
-            <a:pPr marL="171450" indent="-171450">
-              <a:buFont typeface="Arial" panose="020B0604020202020204" pitchFamily="34" charset="0"/>
-              <a:buChar char="•"/>
-            </a:pPr>
-            <a:endParaRPr lang="en-US" b="0" baseline="0" dirty="0" smtClean="0"/>
-          </a:p>
-          <a:p>
-            <a:pPr marL="171450" indent="-171450">
-              <a:buFont typeface="Arial" panose="020B0604020202020204" pitchFamily="34" charset="0"/>
-              <a:buChar char="•"/>
-            </a:pPr>
-            <a:r>
-              <a:rPr lang="en-US" b="0" baseline="0" dirty="0" smtClean="0"/>
-              <a:t>It’s certainly possible to use Dependency Injection</a:t>
-            </a:r>
-          </a:p>
-          <a:p>
-            <a:pPr marL="171450" indent="-171450">
-              <a:buFont typeface="Arial" panose="020B0604020202020204" pitchFamily="34" charset="0"/>
-              <a:buChar char="•"/>
-            </a:pPr>
-            <a:endParaRPr lang="en-US" b="0" baseline="0" dirty="0" smtClean="0"/>
-          </a:p>
-          <a:p>
-            <a:pPr marL="171450" marR="0" lvl="0" indent="-171450" algn="l" defTabSz="914400" rtl="0" eaLnBrk="1" fontAlgn="auto" latinLnBrk="0" hangingPunct="1">
-              <a:lnSpc>
-                <a:spcPct val="100000"/>
-              </a:lnSpc>
-              <a:spcBef>
-                <a:spcPts val="0"/>
-              </a:spcBef>
-              <a:spcAft>
-                <a:spcPts val="0"/>
-              </a:spcAft>
-              <a:buClrTx/>
-              <a:buSzTx/>
-              <a:buFont typeface="Arial" panose="020B0604020202020204" pitchFamily="34" charset="0"/>
-              <a:buChar char="•"/>
-              <a:tabLst/>
-              <a:defRPr/>
-            </a:pPr>
-            <a:r>
-              <a:rPr lang="en-US" b="0" baseline="0" dirty="0" smtClean="0"/>
-              <a:t>All the other helper methods are static – not worth effort for my team</a:t>
-            </a:r>
-          </a:p>
-          <a:p>
-            <a:pPr marL="171450" lvl="0" indent="-171450">
-              <a:buFont typeface="Arial" panose="020B0604020202020204" pitchFamily="34" charset="0"/>
-              <a:buChar char="•"/>
-            </a:pPr>
-            <a:endParaRPr lang="en-US" b="0" baseline="0" dirty="0" smtClean="0"/>
-          </a:p>
-          <a:p>
-            <a:pPr marL="628650" lvl="1" indent="-171450">
-              <a:buFont typeface="Arial" panose="020B0604020202020204" pitchFamily="34" charset="0"/>
-              <a:buChar char="•"/>
-            </a:pPr>
-            <a:endParaRPr lang="en-US" b="0" baseline="0" dirty="0" smtClean="0"/>
-          </a:p>
-          <a:p>
-            <a:pPr marL="0" indent="0">
-              <a:buFont typeface="Arial" panose="020B0604020202020204" pitchFamily="34" charset="0"/>
-              <a:buNone/>
-            </a:pPr>
-            <a:r>
-              <a:rPr lang="en-US" b="0" baseline="0" dirty="0" smtClean="0"/>
-              <a:t>	</a:t>
-            </a:r>
-          </a:p>
-        </p:txBody>
-      </p:sp>
-      <p:sp>
-        <p:nvSpPr>
-          <p:cNvPr id="4" name="Slide Number Placeholder 3"/>
-          <p:cNvSpPr>
-            <a:spLocks noGrp="1"/>
-          </p:cNvSpPr>
-          <p:nvPr>
-            <p:ph type="sldNum" sz="quarter" idx="10"/>
-          </p:nvPr>
-        </p:nvSpPr>
-        <p:spPr/>
-        <p:txBody>
-          <a:bodyPr/>
-          <a:lstStyle/>
-          <a:p>
-            <a:fld id="{89029652-62E7-43D6-83B5-097D7B7AA5D8}" type="slidenum">
-              <a:rPr lang="en-US" smtClean="0"/>
-              <a:t>73</a:t>
-            </a:fld>
-            <a:endParaRPr lang="en-US"/>
-          </a:p>
-        </p:txBody>
-      </p:sp>
-    </p:spTree>
-    <p:extLst>
-      <p:ext uri="{BB962C8B-B14F-4D97-AF65-F5344CB8AC3E}">
-        <p14:creationId xmlns:p14="http://schemas.microsoft.com/office/powerpoint/2010/main" val="140621823"/>
-      </p:ext>
-    </p:extLst>
-  </p:cSld>
-  <p:clrMapOvr>
-    <a:masterClrMapping/>
-  </p:clrMapOvr>
-</p:notes>
-</file>
-
-<file path=ppt/notesSlides/notesSlide74.xml><?xml version="1.0" encoding="utf-8"?>
-<p:notes xmlns:a="http://schemas.openxmlformats.org/drawingml/2006/main" xmlns:r="http://schemas.openxmlformats.org/officeDocument/2006/relationships" xmlns:p="http://schemas.openxmlformats.org/presentationml/2006/main">
-  <p:cSld>
-    <p:spTree>
-      <p:nvGrpSpPr>
-        <p:cNvPr id="1" name=""/>
-        <p:cNvGrpSpPr/>
-        <p:nvPr/>
-      </p:nvGrpSpPr>
-      <p:grpSpPr>
-        <a:xfrm>
-          <a:off x="0" y="0"/>
-          <a:ext cx="0" cy="0"/>
-          <a:chOff x="0" y="0"/>
-          <a:chExt cx="0" cy="0"/>
-        </a:xfrm>
-      </p:grpSpPr>
-      <p:sp>
-        <p:nvSpPr>
-          <p:cNvPr id="2" name="Slide Image Placeholder 1"/>
-          <p:cNvSpPr>
-            <a:spLocks noGrp="1" noRot="1" noChangeAspect="1"/>
-          </p:cNvSpPr>
-          <p:nvPr>
-            <p:ph type="sldImg"/>
-          </p:nvPr>
-        </p:nvSpPr>
-        <p:spPr/>
-      </p:sp>
-      <p:sp>
-        <p:nvSpPr>
-          <p:cNvPr id="3" name="Notes Placeholder 2"/>
-          <p:cNvSpPr>
-            <a:spLocks noGrp="1"/>
-          </p:cNvSpPr>
-          <p:nvPr>
-            <p:ph type="body" idx="1"/>
-          </p:nvPr>
-        </p:nvSpPr>
-        <p:spPr/>
-        <p:txBody>
-          <a:bodyPr/>
-          <a:lstStyle/>
-          <a:p>
-            <a:pPr marL="171450" indent="-171450">
-              <a:buFont typeface="Arial" panose="020B0604020202020204" pitchFamily="34" charset="0"/>
-              <a:buChar char="•"/>
-            </a:pPr>
-            <a:r>
-              <a:rPr lang="en-US" b="0" baseline="0" dirty="0" smtClean="0"/>
-              <a:t>Next, note that we delegate to other helpers to save any of our dependent objects</a:t>
-            </a:r>
-          </a:p>
-          <a:p>
-            <a:pPr marL="171450" indent="-171450">
-              <a:buFont typeface="Arial" panose="020B0604020202020204" pitchFamily="34" charset="0"/>
-              <a:buChar char="•"/>
-            </a:pPr>
-            <a:endParaRPr lang="en-US" b="0" baseline="0" dirty="0" smtClean="0"/>
-          </a:p>
-          <a:p>
-            <a:pPr marL="628650" lvl="1" indent="-171450">
-              <a:buFont typeface="Arial" panose="020B0604020202020204" pitchFamily="34" charset="0"/>
-              <a:buChar char="•"/>
-            </a:pPr>
-            <a:r>
-              <a:rPr lang="en-US" b="0" baseline="0" dirty="0" smtClean="0"/>
-              <a:t>Can’t save an Order unless it refers to a valid customer – save the Customer first</a:t>
-            </a:r>
-          </a:p>
-          <a:p>
-            <a:pPr marL="171450" indent="-171450">
-              <a:buFont typeface="Arial" panose="020B0604020202020204" pitchFamily="34" charset="0"/>
-              <a:buChar char="•"/>
-            </a:pPr>
-            <a:endParaRPr lang="en-US" b="0" baseline="0" dirty="0" smtClean="0"/>
-          </a:p>
-          <a:p>
-            <a:pPr marL="628650" lvl="1" indent="-171450">
-              <a:buFont typeface="Arial" panose="020B0604020202020204" pitchFamily="34" charset="0"/>
-              <a:buChar char="•"/>
-            </a:pPr>
-            <a:r>
-              <a:rPr lang="en-US" b="0" baseline="0" dirty="0" smtClean="0"/>
-              <a:t>Remember, each Test Helper deals w/ one object type only</a:t>
-            </a:r>
-          </a:p>
-          <a:p>
-            <a:pPr marL="171450" indent="-171450">
-              <a:buFont typeface="Arial" panose="020B0604020202020204" pitchFamily="34" charset="0"/>
-              <a:buChar char="•"/>
-            </a:pPr>
-            <a:endParaRPr lang="en-US" b="0" baseline="0" dirty="0" smtClean="0"/>
-          </a:p>
-          <a:p>
-            <a:pPr marL="628650" lvl="1" indent="-171450">
-              <a:buFont typeface="Arial" panose="020B0604020202020204" pitchFamily="34" charset="0"/>
-              <a:buChar char="•"/>
-            </a:pPr>
-            <a:endParaRPr lang="en-US" b="0" baseline="0" dirty="0" smtClean="0"/>
-          </a:p>
-          <a:p>
-            <a:pPr marL="0" indent="0">
-              <a:buFont typeface="Arial" panose="020B0604020202020204" pitchFamily="34" charset="0"/>
-              <a:buNone/>
-            </a:pPr>
-            <a:r>
-              <a:rPr lang="en-US" b="0" baseline="0" dirty="0" smtClean="0"/>
-              <a:t>	</a:t>
-            </a:r>
-          </a:p>
-        </p:txBody>
-      </p:sp>
-      <p:sp>
-        <p:nvSpPr>
-          <p:cNvPr id="4" name="Slide Number Placeholder 3"/>
-          <p:cNvSpPr>
-            <a:spLocks noGrp="1"/>
-          </p:cNvSpPr>
-          <p:nvPr>
-            <p:ph type="sldNum" sz="quarter" idx="10"/>
-          </p:nvPr>
-        </p:nvSpPr>
-        <p:spPr/>
-        <p:txBody>
-          <a:bodyPr/>
-          <a:lstStyle/>
-          <a:p>
-            <a:fld id="{89029652-62E7-43D6-83B5-097D7B7AA5D8}" type="slidenum">
-              <a:rPr lang="en-US" smtClean="0"/>
-              <a:t>74</a:t>
-            </a:fld>
-            <a:endParaRPr lang="en-US"/>
-          </a:p>
-        </p:txBody>
-      </p:sp>
-    </p:spTree>
-    <p:extLst>
-      <p:ext uri="{BB962C8B-B14F-4D97-AF65-F5344CB8AC3E}">
-        <p14:creationId xmlns:p14="http://schemas.microsoft.com/office/powerpoint/2010/main" val="884341304"/>
-      </p:ext>
-    </p:extLst>
-  </p:cSld>
-  <p:clrMapOvr>
-    <a:masterClrMapping/>
-  </p:clrMapOvr>
-</p:notes>
-</file>
-
-<file path=ppt/notesSlides/notesSlide75.xml><?xml version="1.0" encoding="utf-8"?>
-<p:notes xmlns:a="http://schemas.openxmlformats.org/drawingml/2006/main" xmlns:r="http://schemas.openxmlformats.org/officeDocument/2006/relationships" xmlns:p="http://schemas.openxmlformats.org/presentationml/2006/main">
-  <p:cSld>
-    <p:spTree>
-      <p:nvGrpSpPr>
-        <p:cNvPr id="1" name=""/>
-        <p:cNvGrpSpPr/>
-        <p:nvPr/>
-      </p:nvGrpSpPr>
-      <p:grpSpPr>
-        <a:xfrm>
-          <a:off x="0" y="0"/>
-          <a:ext cx="0" cy="0"/>
-          <a:chOff x="0" y="0"/>
-          <a:chExt cx="0" cy="0"/>
-        </a:xfrm>
-      </p:grpSpPr>
-      <p:sp>
-        <p:nvSpPr>
-          <p:cNvPr id="2" name="Slide Image Placeholder 1"/>
-          <p:cNvSpPr>
-            <a:spLocks noGrp="1" noRot="1" noChangeAspect="1"/>
-          </p:cNvSpPr>
-          <p:nvPr>
-            <p:ph type="sldImg"/>
-          </p:nvPr>
-        </p:nvSpPr>
-        <p:spPr/>
-      </p:sp>
-      <p:sp>
-        <p:nvSpPr>
-          <p:cNvPr id="3" name="Notes Placeholder 2"/>
-          <p:cNvSpPr>
-            <a:spLocks noGrp="1"/>
-          </p:cNvSpPr>
-          <p:nvPr>
-            <p:ph type="body" idx="1"/>
-          </p:nvPr>
-        </p:nvSpPr>
-        <p:spPr/>
-        <p:txBody>
-          <a:bodyPr/>
-          <a:lstStyle/>
-          <a:p>
-            <a:pPr marL="171450" indent="-171450">
-              <a:buFont typeface="Arial" panose="020B0604020202020204" pitchFamily="34" charset="0"/>
-              <a:buChar char="•"/>
-            </a:pPr>
-            <a:r>
-              <a:rPr lang="en-US" b="0" baseline="0" dirty="0" smtClean="0"/>
-              <a:t>Third, Save method is responsible for resetting any Id values that were assigned by the </a:t>
-            </a:r>
-            <a:r>
-              <a:rPr lang="en-US" b="0" baseline="0" dirty="0" err="1" smtClean="0"/>
-              <a:t>IdSequencer</a:t>
-            </a:r>
-            <a:r>
-              <a:rPr lang="en-US" b="0" baseline="0" dirty="0" smtClean="0"/>
-              <a:t> to 0</a:t>
-            </a:r>
-          </a:p>
-          <a:p>
-            <a:pPr marL="171450" indent="-171450">
-              <a:buFont typeface="Arial" panose="020B0604020202020204" pitchFamily="34" charset="0"/>
-              <a:buChar char="•"/>
-            </a:pPr>
-            <a:endParaRPr lang="en-US" b="0" baseline="0" dirty="0" smtClean="0"/>
-          </a:p>
-          <a:p>
-            <a:pPr marL="171450" indent="-171450">
-              <a:buFont typeface="Arial" panose="020B0604020202020204" pitchFamily="34" charset="0"/>
-              <a:buChar char="•"/>
-            </a:pPr>
-            <a:r>
-              <a:rPr lang="en-US" b="0" baseline="0" dirty="0" smtClean="0"/>
-              <a:t>We’re using </a:t>
-            </a:r>
-            <a:r>
-              <a:rPr lang="en-US" b="0" baseline="0" dirty="0" err="1" smtClean="0"/>
-              <a:t>Nhibernate</a:t>
-            </a:r>
-            <a:r>
-              <a:rPr lang="en-US" b="0" baseline="0" dirty="0" smtClean="0"/>
-              <a:t> in this example, and if we tell it to save an object that has a non-zero ID, it will issue an update</a:t>
-            </a:r>
-          </a:p>
-          <a:p>
-            <a:pPr marL="171450" indent="-171450">
-              <a:buFont typeface="Arial" panose="020B0604020202020204" pitchFamily="34" charset="0"/>
-              <a:buChar char="•"/>
-            </a:pPr>
-            <a:endParaRPr lang="en-US" b="0" baseline="0" dirty="0" smtClean="0"/>
-          </a:p>
-          <a:p>
-            <a:pPr marL="628650" lvl="1" indent="-171450">
-              <a:buFont typeface="Arial" panose="020B0604020202020204" pitchFamily="34" charset="0"/>
-              <a:buChar char="•"/>
-            </a:pPr>
-            <a:r>
-              <a:rPr lang="en-US" b="0" baseline="0" dirty="0" smtClean="0"/>
-              <a:t>Resetting the Id to zero forces it to do an insert, which is what we want</a:t>
-            </a:r>
-          </a:p>
-          <a:p>
-            <a:pPr marL="171450" lvl="0" indent="-171450">
-              <a:buFont typeface="Arial" panose="020B0604020202020204" pitchFamily="34" charset="0"/>
-              <a:buChar char="•"/>
-            </a:pPr>
-            <a:endParaRPr lang="en-US" b="0" baseline="0" dirty="0" smtClean="0"/>
-          </a:p>
-          <a:p>
-            <a:pPr marL="171450" lvl="0" indent="-171450">
-              <a:buFont typeface="Arial" panose="020B0604020202020204" pitchFamily="34" charset="0"/>
-              <a:buChar char="•"/>
-            </a:pPr>
-            <a:r>
-              <a:rPr lang="en-US" b="0" baseline="0" dirty="0" smtClean="0"/>
-              <a:t>Note that we don’t need to reset ALL values that were assigned by the </a:t>
-            </a:r>
-            <a:r>
-              <a:rPr lang="en-US" b="0" baseline="0" dirty="0" err="1" smtClean="0"/>
-              <a:t>IdSequencer</a:t>
-            </a:r>
-            <a:r>
-              <a:rPr lang="en-US" b="0" baseline="0" dirty="0" smtClean="0"/>
-              <a:t>, only entity IDs</a:t>
-            </a:r>
-          </a:p>
-          <a:p>
-            <a:pPr marL="171450" lvl="0" indent="-171450">
-              <a:buFont typeface="Arial" panose="020B0604020202020204" pitchFamily="34" charset="0"/>
-              <a:buChar char="•"/>
-            </a:pPr>
-            <a:endParaRPr lang="en-US" b="0" baseline="0" dirty="0" smtClean="0"/>
-          </a:p>
-          <a:p>
-            <a:pPr marL="628650" lvl="1" indent="-171450">
-              <a:buFont typeface="Arial" panose="020B0604020202020204" pitchFamily="34" charset="0"/>
-              <a:buChar char="•"/>
-            </a:pPr>
-            <a:endParaRPr lang="en-US" b="0" baseline="0" dirty="0" smtClean="0"/>
-          </a:p>
-          <a:p>
-            <a:pPr marL="0" indent="0">
-              <a:buFont typeface="Arial" panose="020B0604020202020204" pitchFamily="34" charset="0"/>
-              <a:buNone/>
-            </a:pPr>
-            <a:r>
-              <a:rPr lang="en-US" b="0" baseline="0" dirty="0" smtClean="0"/>
-              <a:t>	</a:t>
-            </a:r>
-          </a:p>
-        </p:txBody>
-      </p:sp>
-      <p:sp>
-        <p:nvSpPr>
-          <p:cNvPr id="4" name="Slide Number Placeholder 3"/>
-          <p:cNvSpPr>
-            <a:spLocks noGrp="1"/>
-          </p:cNvSpPr>
-          <p:nvPr>
-            <p:ph type="sldNum" sz="quarter" idx="10"/>
-          </p:nvPr>
-        </p:nvSpPr>
-        <p:spPr/>
-        <p:txBody>
-          <a:bodyPr/>
-          <a:lstStyle/>
-          <a:p>
-            <a:fld id="{89029652-62E7-43D6-83B5-097D7B7AA5D8}" type="slidenum">
-              <a:rPr lang="en-US" smtClean="0"/>
-              <a:t>75</a:t>
-            </a:fld>
-            <a:endParaRPr lang="en-US"/>
-          </a:p>
-        </p:txBody>
-      </p:sp>
-    </p:spTree>
-    <p:extLst>
-      <p:ext uri="{BB962C8B-B14F-4D97-AF65-F5344CB8AC3E}">
-        <p14:creationId xmlns:p14="http://schemas.microsoft.com/office/powerpoint/2010/main" val="2717799063"/>
-      </p:ext>
-    </p:extLst>
-  </p:cSld>
-  <p:clrMapOvr>
-    <a:masterClrMapping/>
-  </p:clrMapOvr>
-</p:notes>
-</file>
-
-<file path=ppt/notesSlides/notesSlide76.xml><?xml version="1.0" encoding="utf-8"?>
-<p:notes xmlns:a="http://schemas.openxmlformats.org/drawingml/2006/main" xmlns:r="http://schemas.openxmlformats.org/officeDocument/2006/relationships" xmlns:p="http://schemas.openxmlformats.org/presentationml/2006/main">
-  <p:cSld>
-    <p:spTree>
-      <p:nvGrpSpPr>
-        <p:cNvPr id="1" name=""/>
-        <p:cNvGrpSpPr/>
-        <p:nvPr/>
-      </p:nvGrpSpPr>
-      <p:grpSpPr>
-        <a:xfrm>
-          <a:off x="0" y="0"/>
-          <a:ext cx="0" cy="0"/>
-          <a:chOff x="0" y="0"/>
-          <a:chExt cx="0" cy="0"/>
-        </a:xfrm>
-      </p:grpSpPr>
-      <p:sp>
-        <p:nvSpPr>
-          <p:cNvPr id="2" name="Slide Image Placeholder 1"/>
-          <p:cNvSpPr>
-            <a:spLocks noGrp="1" noRot="1" noChangeAspect="1"/>
-          </p:cNvSpPr>
-          <p:nvPr>
-            <p:ph type="sldImg"/>
-          </p:nvPr>
-        </p:nvSpPr>
-        <p:spPr/>
-      </p:sp>
-      <p:sp>
-        <p:nvSpPr>
-          <p:cNvPr id="3" name="Notes Placeholder 2"/>
-          <p:cNvSpPr>
-            <a:spLocks noGrp="1"/>
-          </p:cNvSpPr>
-          <p:nvPr>
-            <p:ph type="body" idx="1"/>
-          </p:nvPr>
-        </p:nvSpPr>
-        <p:spPr/>
-        <p:txBody>
-          <a:bodyPr/>
-          <a:lstStyle/>
-          <a:p>
-            <a:pPr marL="171450" indent="-171450">
-              <a:buFont typeface="Arial" panose="020B0604020202020204" pitchFamily="34" charset="0"/>
-              <a:buChar char="•"/>
-            </a:pPr>
-            <a:r>
-              <a:rPr lang="en-US" b="0" baseline="0" dirty="0" smtClean="0"/>
-              <a:t>Finally, we delegate to the ORM to insert or update the object</a:t>
-            </a:r>
-            <a:br>
-              <a:rPr lang="en-US" b="0" baseline="0" dirty="0" smtClean="0"/>
-            </a:br>
-            <a:endParaRPr lang="en-US" b="0" baseline="0" dirty="0" smtClean="0"/>
-          </a:p>
-          <a:p>
-            <a:pPr marL="171450" marR="0" indent="-171450" algn="l" defTabSz="914400" rtl="0" eaLnBrk="1" fontAlgn="auto" latinLnBrk="0" hangingPunct="1">
-              <a:lnSpc>
-                <a:spcPct val="100000"/>
-              </a:lnSpc>
-              <a:spcBef>
-                <a:spcPts val="0"/>
-              </a:spcBef>
-              <a:spcAft>
-                <a:spcPts val="0"/>
-              </a:spcAft>
-              <a:buClrTx/>
-              <a:buSzTx/>
-              <a:buFont typeface="Arial" panose="020B0604020202020204" pitchFamily="34" charset="0"/>
-              <a:buChar char="•"/>
-              <a:tabLst/>
-              <a:defRPr/>
-            </a:pPr>
-            <a:r>
-              <a:rPr lang="en-US" b="0" baseline="0" dirty="0" smtClean="0"/>
-              <a:t>Each helper should know how to save the objects that it creates</a:t>
-            </a:r>
-          </a:p>
-          <a:p>
-            <a:pPr marL="628650" lvl="1" indent="-171450">
-              <a:buFont typeface="Arial" panose="020B0604020202020204" pitchFamily="34" charset="0"/>
-              <a:buChar char="•"/>
-            </a:pPr>
-            <a:r>
-              <a:rPr lang="en-US" b="0" baseline="0" dirty="0" smtClean="0"/>
-              <a:t>The implementation of your Save methods will be driven by your Create methods – </a:t>
-            </a:r>
-          </a:p>
-          <a:p>
-            <a:pPr marL="628650" lvl="1" indent="-171450">
-              <a:buFont typeface="Arial" panose="020B0604020202020204" pitchFamily="34" charset="0"/>
-              <a:buChar char="•"/>
-            </a:pPr>
-            <a:r>
-              <a:rPr lang="en-US" b="0" baseline="0" dirty="0" smtClean="0"/>
-              <a:t>Does NOT need to handle any arbitrary object, only those configurations created by the helper</a:t>
-            </a:r>
-          </a:p>
-          <a:p>
-            <a:pPr marL="171450" lvl="0" indent="-171450">
-              <a:buFont typeface="Arial" panose="020B0604020202020204" pitchFamily="34" charset="0"/>
-              <a:buChar char="•"/>
-            </a:pPr>
-            <a:endParaRPr lang="en-US" b="0" baseline="0" dirty="0" smtClean="0"/>
-          </a:p>
-          <a:p>
-            <a:pPr marL="0" lvl="0" indent="0">
-              <a:buFont typeface="Arial" panose="020B0604020202020204" pitchFamily="34" charset="0"/>
-              <a:buNone/>
-            </a:pPr>
-            <a:r>
-              <a:rPr lang="en-US" b="1" baseline="0" dirty="0" smtClean="0"/>
-              <a:t>Transition</a:t>
-            </a:r>
-          </a:p>
-          <a:p>
-            <a:pPr marL="171450" lvl="0" indent="-171450">
-              <a:buFont typeface="Arial" panose="020B0604020202020204" pitchFamily="34" charset="0"/>
-              <a:buChar char="•"/>
-            </a:pPr>
-            <a:endParaRPr lang="en-US" b="0" baseline="0" dirty="0" smtClean="0"/>
-          </a:p>
-          <a:p>
-            <a:pPr marL="171450" indent="-171450">
-              <a:buFont typeface="Arial" panose="020B0604020202020204" pitchFamily="34" charset="0"/>
-              <a:buChar char="•"/>
-            </a:pPr>
-            <a:r>
-              <a:rPr lang="en-US" dirty="0" smtClean="0"/>
-              <a:t>Finally, we need to prevent this test data from lingering around when our test run is over</a:t>
-            </a:r>
-          </a:p>
-          <a:p>
-            <a:pPr marL="171450" indent="-171450">
-              <a:buFont typeface="Arial" panose="020B0604020202020204" pitchFamily="34" charset="0"/>
-              <a:buChar char="•"/>
-            </a:pPr>
-            <a:endParaRPr lang="en-US" dirty="0" smtClean="0"/>
-          </a:p>
-          <a:p>
-            <a:pPr marL="171450" indent="-171450">
-              <a:buFont typeface="Arial" panose="020B0604020202020204" pitchFamily="34" charset="0"/>
-              <a:buChar char="•"/>
-            </a:pPr>
-            <a:r>
-              <a:rPr lang="en-US" dirty="0" smtClean="0"/>
-              <a:t>One possibility is to reset the database to a known state at the start of each test run. This works, but I tend to run my unit tests against the same DB I use for local testing</a:t>
-            </a:r>
-          </a:p>
-          <a:p>
-            <a:pPr marL="628650" lvl="1" indent="-171450">
-              <a:buFont typeface="Arial" panose="020B0604020202020204" pitchFamily="34" charset="0"/>
-              <a:buChar char="•"/>
-            </a:pPr>
-            <a:r>
-              <a:rPr lang="en-US" dirty="0" smtClean="0"/>
-              <a:t>Don’t want data</a:t>
-            </a:r>
-            <a:r>
-              <a:rPr lang="en-US" baseline="0" dirty="0" smtClean="0"/>
-              <a:t> I’ve crafted by hand from being blown away by tests</a:t>
-            </a:r>
-          </a:p>
-          <a:p>
-            <a:pPr marL="628650" lvl="1" indent="-171450">
-              <a:buFont typeface="Arial" panose="020B0604020202020204" pitchFamily="34" charset="0"/>
-              <a:buChar char="•"/>
-            </a:pPr>
-            <a:r>
-              <a:rPr lang="en-US" baseline="0" dirty="0" smtClean="0"/>
-              <a:t>Don’t want to lose any schema changes I’ve made</a:t>
-            </a:r>
-          </a:p>
-          <a:p>
-            <a:pPr marL="171450" lvl="0" indent="-171450">
-              <a:buFont typeface="Arial" panose="020B0604020202020204" pitchFamily="34" charset="0"/>
-              <a:buChar char="•"/>
-            </a:pPr>
-            <a:endParaRPr lang="en-US" b="0" baseline="0" dirty="0" smtClean="0"/>
-          </a:p>
-        </p:txBody>
-      </p:sp>
-      <p:sp>
-        <p:nvSpPr>
-          <p:cNvPr id="4" name="Slide Number Placeholder 3"/>
-          <p:cNvSpPr>
-            <a:spLocks noGrp="1"/>
-          </p:cNvSpPr>
-          <p:nvPr>
-            <p:ph type="sldNum" sz="quarter" idx="10"/>
-          </p:nvPr>
-        </p:nvSpPr>
-        <p:spPr/>
-        <p:txBody>
-          <a:bodyPr/>
-          <a:lstStyle/>
-          <a:p>
-            <a:fld id="{89029652-62E7-43D6-83B5-097D7B7AA5D8}" type="slidenum">
-              <a:rPr lang="en-US" smtClean="0"/>
-              <a:t>76</a:t>
-            </a:fld>
-            <a:endParaRPr lang="en-US"/>
-          </a:p>
-        </p:txBody>
-      </p:sp>
-    </p:spTree>
-    <p:extLst>
-      <p:ext uri="{BB962C8B-B14F-4D97-AF65-F5344CB8AC3E}">
-        <p14:creationId xmlns:p14="http://schemas.microsoft.com/office/powerpoint/2010/main" val="2145290865"/>
-      </p:ext>
-    </p:extLst>
-  </p:cSld>
-  <p:clrMapOvr>
-    <a:masterClrMapping/>
-  </p:clrMapOvr>
-</p:notes>
-</file>
-
-<file path=ppt/notesSlides/notesSlide77.xml><?xml version="1.0" encoding="utf-8"?>
-<p:notes xmlns:a="http://schemas.openxmlformats.org/drawingml/2006/main" xmlns:r="http://schemas.openxmlformats.org/officeDocument/2006/relationships" xmlns:p="http://schemas.openxmlformats.org/presentationml/2006/main">
-  <p:cSld>
-    <p:spTree>
-      <p:nvGrpSpPr>
-        <p:cNvPr id="1" name=""/>
-        <p:cNvGrpSpPr/>
-        <p:nvPr/>
-      </p:nvGrpSpPr>
-      <p:grpSpPr>
-        <a:xfrm>
-          <a:off x="0" y="0"/>
-          <a:ext cx="0" cy="0"/>
-          <a:chOff x="0" y="0"/>
-          <a:chExt cx="0" cy="0"/>
-        </a:xfrm>
-      </p:grpSpPr>
-      <p:sp>
-        <p:nvSpPr>
-          <p:cNvPr id="2" name="Slide Image Placeholder 1"/>
-          <p:cNvSpPr>
-            <a:spLocks noGrp="1" noRot="1" noChangeAspect="1"/>
-          </p:cNvSpPr>
-          <p:nvPr>
-            <p:ph type="sldImg"/>
-          </p:nvPr>
-        </p:nvSpPr>
-        <p:spPr/>
-      </p:sp>
-      <p:sp>
-        <p:nvSpPr>
-          <p:cNvPr id="3" name="Notes Placeholder 2"/>
-          <p:cNvSpPr>
-            <a:spLocks noGrp="1"/>
-          </p:cNvSpPr>
-          <p:nvPr>
-            <p:ph type="body" idx="1"/>
-          </p:nvPr>
-        </p:nvSpPr>
-        <p:spPr/>
-        <p:txBody>
-          <a:bodyPr/>
-          <a:lstStyle/>
-          <a:p>
-            <a:pPr marL="171450" lvl="0" indent="-171450">
-              <a:buFont typeface="Arial" panose="020B0604020202020204" pitchFamily="34" charset="0"/>
-              <a:buChar char="•"/>
-            </a:pPr>
-            <a:r>
-              <a:rPr lang="en-US" baseline="0" dirty="0" smtClean="0"/>
-              <a:t>Another option is to wrap each test run in a database transaction, and then roll back that transaction when the test run is over</a:t>
-            </a:r>
-            <a:br>
-              <a:rPr lang="en-US" baseline="0" dirty="0" smtClean="0"/>
-            </a:br>
-            <a:endParaRPr lang="en-US" baseline="0" dirty="0" smtClean="0"/>
-          </a:p>
-          <a:p>
-            <a:pPr marL="171450" lvl="0" indent="-171450">
-              <a:buFont typeface="Arial" panose="020B0604020202020204" pitchFamily="34" charset="0"/>
-              <a:buChar char="•"/>
-            </a:pPr>
-            <a:r>
-              <a:rPr lang="en-US" baseline="0" dirty="0" smtClean="0"/>
-              <a:t>This is easy to do by adding an attribute to our data tests. The presence of this attribute automatically executes the test inside of a transaction, and then discards the transaction at the end.</a:t>
-            </a:r>
-          </a:p>
-          <a:p>
-            <a:pPr marL="171450" lvl="0" indent="-171450">
-              <a:buFont typeface="Arial" panose="020B0604020202020204" pitchFamily="34" charset="0"/>
-              <a:buChar char="•"/>
-            </a:pPr>
-            <a:endParaRPr lang="en-US" dirty="0" smtClean="0"/>
-          </a:p>
-          <a:p>
-            <a:pPr marL="171450" lvl="0" indent="-171450">
-              <a:buFont typeface="Arial" panose="020B0604020202020204" pitchFamily="34" charset="0"/>
-              <a:buChar char="•"/>
-            </a:pPr>
-            <a:endParaRPr lang="en-US" dirty="0"/>
-          </a:p>
-        </p:txBody>
-      </p:sp>
-      <p:sp>
-        <p:nvSpPr>
-          <p:cNvPr id="4" name="Slide Number Placeholder 3"/>
-          <p:cNvSpPr>
-            <a:spLocks noGrp="1"/>
-          </p:cNvSpPr>
-          <p:nvPr>
-            <p:ph type="sldNum" sz="quarter" idx="10"/>
-          </p:nvPr>
-        </p:nvSpPr>
-        <p:spPr/>
-        <p:txBody>
-          <a:bodyPr/>
-          <a:lstStyle/>
-          <a:p>
-            <a:fld id="{89029652-62E7-43D6-83B5-097D7B7AA5D8}" type="slidenum">
-              <a:rPr lang="en-US" smtClean="0"/>
-              <a:t>77</a:t>
-            </a:fld>
-            <a:endParaRPr lang="en-US"/>
-          </a:p>
-        </p:txBody>
-      </p:sp>
-    </p:spTree>
-    <p:extLst>
-      <p:ext uri="{BB962C8B-B14F-4D97-AF65-F5344CB8AC3E}">
-        <p14:creationId xmlns:p14="http://schemas.microsoft.com/office/powerpoint/2010/main" val="3266683685"/>
-      </p:ext>
-    </p:extLst>
-  </p:cSld>
-  <p:clrMapOvr>
-    <a:masterClrMapping/>
-  </p:clrMapOvr>
-</p:notes>
-</file>
-
-<file path=ppt/notesSlides/notesSlide78.xml><?xml version="1.0" encoding="utf-8"?>
-<p:notes xmlns:a="http://schemas.openxmlformats.org/drawingml/2006/main" xmlns:r="http://schemas.openxmlformats.org/officeDocument/2006/relationships" xmlns:p="http://schemas.openxmlformats.org/presentationml/2006/main">
-  <p:cSld>
-    <p:spTree>
-      <p:nvGrpSpPr>
-        <p:cNvPr id="1" name=""/>
-        <p:cNvGrpSpPr/>
-        <p:nvPr/>
-      </p:nvGrpSpPr>
-      <p:grpSpPr>
-        <a:xfrm>
-          <a:off x="0" y="0"/>
-          <a:ext cx="0" cy="0"/>
-          <a:chOff x="0" y="0"/>
-          <a:chExt cx="0" cy="0"/>
-        </a:xfrm>
-      </p:grpSpPr>
-      <p:sp>
-        <p:nvSpPr>
-          <p:cNvPr id="2" name="Slide Image Placeholder 1"/>
-          <p:cNvSpPr>
-            <a:spLocks noGrp="1" noRot="1" noChangeAspect="1"/>
-          </p:cNvSpPr>
-          <p:nvPr>
-            <p:ph type="sldImg"/>
-          </p:nvPr>
-        </p:nvSpPr>
-        <p:spPr/>
-      </p:sp>
-      <p:sp>
-        <p:nvSpPr>
-          <p:cNvPr id="3" name="Notes Placeholder 2"/>
-          <p:cNvSpPr>
-            <a:spLocks noGrp="1"/>
-          </p:cNvSpPr>
-          <p:nvPr>
-            <p:ph type="body" idx="1"/>
-          </p:nvPr>
-        </p:nvSpPr>
-        <p:spPr/>
-        <p:txBody>
-          <a:bodyPr/>
-          <a:lstStyle/>
-          <a:p>
-            <a:pPr marL="171450" indent="-171450">
-              <a:buFont typeface="Arial" panose="020B0604020202020204" pitchFamily="34" charset="0"/>
-              <a:buChar char="•"/>
-            </a:pPr>
-            <a:r>
-              <a:rPr lang="en-US" dirty="0" smtClean="0"/>
-              <a:t>Let’s recap</a:t>
-            </a:r>
-          </a:p>
-          <a:p>
-            <a:pPr marL="171450" indent="-171450">
-              <a:buFont typeface="Arial" panose="020B0604020202020204" pitchFamily="34" charset="0"/>
-              <a:buChar char="•"/>
-            </a:pPr>
-            <a:endParaRPr lang="en-US" dirty="0" smtClean="0"/>
-          </a:p>
-          <a:p>
-            <a:pPr marL="171450" indent="-171450">
-              <a:buFont typeface="Arial" panose="020B0604020202020204" pitchFamily="34" charset="0"/>
-              <a:buChar char="•"/>
-            </a:pPr>
-            <a:r>
-              <a:rPr lang="en-US" dirty="0" smtClean="0"/>
-              <a:t>Good setup code:</a:t>
-            </a:r>
-            <a:endParaRPr lang="en-US" dirty="0"/>
-          </a:p>
-          <a:p>
-            <a:pPr marL="228600" indent="-228600">
-              <a:buFont typeface="Arial" panose="020B0604020202020204" pitchFamily="34" charset="0"/>
-              <a:buAutoNum type="arabicParenR"/>
-            </a:pPr>
-            <a:r>
-              <a:rPr lang="en-US" baseline="0" dirty="0" smtClean="0"/>
-              <a:t>Is highly expressive</a:t>
-            </a:r>
-          </a:p>
-          <a:p>
-            <a:pPr marL="228600" indent="-228600">
-              <a:buFont typeface="Arial" panose="020B0604020202020204" pitchFamily="34" charset="0"/>
-              <a:buAutoNum type="arabicParenR"/>
-            </a:pPr>
-            <a:r>
-              <a:rPr lang="en-US" baseline="0" dirty="0" smtClean="0"/>
-              <a:t>Highlights what really matters</a:t>
-            </a:r>
-          </a:p>
-          <a:p>
-            <a:pPr marL="228600" indent="-228600">
-              <a:buFont typeface="Arial" panose="020B0604020202020204" pitchFamily="34" charset="0"/>
-              <a:buAutoNum type="arabicParenR"/>
-            </a:pPr>
-            <a:r>
-              <a:rPr lang="en-US" baseline="0" dirty="0" smtClean="0"/>
-              <a:t>Avoids inheritance for shared data</a:t>
-            </a:r>
-          </a:p>
-          <a:p>
-            <a:pPr marL="228600" indent="-228600">
-              <a:buFont typeface="Arial" panose="020B0604020202020204" pitchFamily="34" charset="0"/>
-              <a:buAutoNum type="arabicParenR"/>
-            </a:pPr>
-            <a:r>
-              <a:rPr lang="en-US" baseline="0" dirty="0" smtClean="0"/>
-              <a:t>Does not require a lot of upkeep</a:t>
-            </a:r>
-          </a:p>
-          <a:p>
-            <a:pPr marL="228600" indent="-228600">
-              <a:buFont typeface="Arial" panose="020B0604020202020204" pitchFamily="34" charset="0"/>
-              <a:buAutoNum type="arabicParenR"/>
-            </a:pPr>
-            <a:endParaRPr lang="en-US" baseline="0" dirty="0" smtClean="0"/>
-          </a:p>
-          <a:p>
-            <a:pPr marL="228600" indent="-228600">
-              <a:buFont typeface="Arial" panose="020B0604020202020204" pitchFamily="34" charset="0"/>
-              <a:buAutoNum type="arabicParenR"/>
-            </a:pPr>
-            <a:endParaRPr lang="en-US" dirty="0" smtClean="0"/>
-          </a:p>
-        </p:txBody>
-      </p:sp>
-      <p:sp>
-        <p:nvSpPr>
-          <p:cNvPr id="4" name="Slide Number Placeholder 3"/>
-          <p:cNvSpPr>
-            <a:spLocks noGrp="1"/>
-          </p:cNvSpPr>
-          <p:nvPr>
-            <p:ph type="sldNum" sz="quarter" idx="10"/>
-          </p:nvPr>
-        </p:nvSpPr>
-        <p:spPr/>
-        <p:txBody>
-          <a:bodyPr/>
-          <a:lstStyle/>
-          <a:p>
-            <a:fld id="{89029652-62E7-43D6-83B5-097D7B7AA5D8}" type="slidenum">
-              <a:rPr lang="en-US" smtClean="0"/>
-              <a:t>78</a:t>
-            </a:fld>
-            <a:endParaRPr lang="en-US"/>
-          </a:p>
-        </p:txBody>
-      </p:sp>
-    </p:spTree>
-    <p:extLst>
-      <p:ext uri="{BB962C8B-B14F-4D97-AF65-F5344CB8AC3E}">
-        <p14:creationId xmlns:p14="http://schemas.microsoft.com/office/powerpoint/2010/main" val="3652091062"/>
-      </p:ext>
-    </p:extLst>
-  </p:cSld>
-  <p:clrMapOvr>
-    <a:masterClrMapping/>
-  </p:clrMapOvr>
-</p:notes>
-</file>
-
-<file path=ppt/notesSlides/notesSlide79.xml><?xml version="1.0" encoding="utf-8"?>
-<p:notes xmlns:a="http://schemas.openxmlformats.org/drawingml/2006/main" xmlns:r="http://schemas.openxmlformats.org/officeDocument/2006/relationships" xmlns:p="http://schemas.openxmlformats.org/presentationml/2006/main">
-  <p:cSld>
-    <p:spTree>
-      <p:nvGrpSpPr>
-        <p:cNvPr id="1" name=""/>
-        <p:cNvGrpSpPr/>
-        <p:nvPr/>
-      </p:nvGrpSpPr>
-      <p:grpSpPr>
-        <a:xfrm>
-          <a:off x="0" y="0"/>
-          <a:ext cx="0" cy="0"/>
-          <a:chOff x="0" y="0"/>
-          <a:chExt cx="0" cy="0"/>
-        </a:xfrm>
-      </p:grpSpPr>
-      <p:sp>
-        <p:nvSpPr>
-          <p:cNvPr id="2" name="Slide Image Placeholder 1"/>
-          <p:cNvSpPr>
-            <a:spLocks noGrp="1" noRot="1" noChangeAspect="1"/>
-          </p:cNvSpPr>
-          <p:nvPr>
-            <p:ph type="sldImg"/>
-          </p:nvPr>
-        </p:nvSpPr>
-        <p:spPr/>
-      </p:sp>
-      <p:sp>
-        <p:nvSpPr>
-          <p:cNvPr id="3" name="Notes Placeholder 2"/>
-          <p:cNvSpPr>
-            <a:spLocks noGrp="1"/>
-          </p:cNvSpPr>
-          <p:nvPr>
-            <p:ph type="body" idx="1"/>
-          </p:nvPr>
-        </p:nvSpPr>
-        <p:spPr/>
-        <p:txBody>
-          <a:bodyPr/>
-          <a:lstStyle/>
-          <a:p>
-            <a:pPr marL="0" marR="0" indent="0" algn="l" defTabSz="914400" rtl="0" eaLnBrk="1" fontAlgn="auto" latinLnBrk="0" hangingPunct="1">
-              <a:lnSpc>
-                <a:spcPct val="100000"/>
-              </a:lnSpc>
-              <a:spcBef>
-                <a:spcPts val="0"/>
-              </a:spcBef>
-              <a:spcAft>
-                <a:spcPts val="0"/>
-              </a:spcAft>
-              <a:buClrTx/>
-              <a:buSzTx/>
-              <a:buFontTx/>
-              <a:buNone/>
-              <a:tabLst/>
-              <a:defRPr/>
-            </a:pPr>
-            <a:r>
-              <a:rPr lang="en-US" b="0" baseline="0" dirty="0" smtClean="0"/>
-              <a:t>And how do we achieve these goals?</a:t>
-            </a:r>
-          </a:p>
-          <a:p>
-            <a:pPr marL="0" marR="0" indent="0" algn="l" defTabSz="914400" rtl="0" eaLnBrk="1" fontAlgn="auto" latinLnBrk="0" hangingPunct="1">
-              <a:lnSpc>
-                <a:spcPct val="100000"/>
-              </a:lnSpc>
-              <a:spcBef>
-                <a:spcPts val="0"/>
-              </a:spcBef>
-              <a:spcAft>
-                <a:spcPts val="0"/>
-              </a:spcAft>
-              <a:buClrTx/>
-              <a:buSzTx/>
-              <a:buFontTx/>
-              <a:buNone/>
-              <a:tabLst/>
-              <a:defRPr/>
-            </a:pPr>
-            <a:endParaRPr lang="en-US" b="0" baseline="0" dirty="0" smtClean="0"/>
-          </a:p>
-          <a:p>
-            <a:pPr marL="228600" marR="0" indent="-228600" algn="l" defTabSz="914400" rtl="0" eaLnBrk="1" fontAlgn="auto" latinLnBrk="0" hangingPunct="1">
-              <a:lnSpc>
-                <a:spcPct val="100000"/>
-              </a:lnSpc>
-              <a:spcBef>
-                <a:spcPts val="0"/>
-              </a:spcBef>
-              <a:spcAft>
-                <a:spcPts val="0"/>
-              </a:spcAft>
-              <a:buClrTx/>
-              <a:buSzTx/>
-              <a:buFontTx/>
-              <a:buAutoNum type="arabicParenR"/>
-              <a:tabLst/>
-              <a:defRPr/>
-            </a:pPr>
-            <a:r>
-              <a:rPr lang="en-US" b="0" baseline="0" dirty="0" smtClean="0"/>
-              <a:t>Short, clean code</a:t>
-            </a:r>
-          </a:p>
-          <a:p>
-            <a:pPr marL="228600" marR="0" indent="-228600" algn="l" defTabSz="914400" rtl="0" eaLnBrk="1" fontAlgn="auto" latinLnBrk="0" hangingPunct="1">
-              <a:lnSpc>
-                <a:spcPct val="100000"/>
-              </a:lnSpc>
-              <a:spcBef>
-                <a:spcPts val="0"/>
-              </a:spcBef>
-              <a:spcAft>
-                <a:spcPts val="0"/>
-              </a:spcAft>
-              <a:buClrTx/>
-              <a:buSzTx/>
-              <a:buFontTx/>
-              <a:buAutoNum type="arabicParenR"/>
-              <a:tabLst/>
-              <a:defRPr/>
-            </a:pPr>
-            <a:r>
-              <a:rPr lang="en-US" b="0" baseline="0" dirty="0" smtClean="0"/>
-              <a:t>Use helpers for object creation</a:t>
-            </a:r>
-            <a:endParaRPr lang="en-US" b="1" baseline="0" dirty="0" smtClean="0"/>
-          </a:p>
-          <a:p>
-            <a:endParaRPr lang="en-US" dirty="0"/>
-          </a:p>
-        </p:txBody>
-      </p:sp>
-      <p:sp>
-        <p:nvSpPr>
-          <p:cNvPr id="4" name="Slide Number Placeholder 3"/>
-          <p:cNvSpPr>
-            <a:spLocks noGrp="1"/>
-          </p:cNvSpPr>
-          <p:nvPr>
-            <p:ph type="sldNum" sz="quarter" idx="10"/>
-          </p:nvPr>
-        </p:nvSpPr>
-        <p:spPr/>
-        <p:txBody>
-          <a:bodyPr/>
-          <a:lstStyle/>
-          <a:p>
-            <a:fld id="{89029652-62E7-43D6-83B5-097D7B7AA5D8}" type="slidenum">
-              <a:rPr lang="en-US" smtClean="0"/>
-              <a:t>79</a:t>
-            </a:fld>
-            <a:endParaRPr lang="en-US"/>
-          </a:p>
-        </p:txBody>
-      </p:sp>
-    </p:spTree>
-    <p:extLst>
-      <p:ext uri="{BB962C8B-B14F-4D97-AF65-F5344CB8AC3E}">
-        <p14:creationId xmlns:p14="http://schemas.microsoft.com/office/powerpoint/2010/main" val="3358127896"/>
+        <p14:creationId xmlns:p14="http://schemas.microsoft.com/office/powerpoint/2010/main" val="2786039914"/>
       </p:ext>
     </p:extLst>
   </p:cSld>
@@ -11591,215 +9609,6 @@
     <p:extLst>
       <p:ext uri="{BB962C8B-B14F-4D97-AF65-F5344CB8AC3E}">
         <p14:creationId xmlns:p14="http://schemas.microsoft.com/office/powerpoint/2010/main" val="127211821"/>
-      </p:ext>
-    </p:extLst>
-  </p:cSld>
-  <p:clrMapOvr>
-    <a:masterClrMapping/>
-  </p:clrMapOvr>
-</p:notes>
-</file>
-
-<file path=ppt/notesSlides/notesSlide80.xml><?xml version="1.0" encoding="utf-8"?>
-<p:notes xmlns:a="http://schemas.openxmlformats.org/drawingml/2006/main" xmlns:r="http://schemas.openxmlformats.org/officeDocument/2006/relationships" xmlns:p="http://schemas.openxmlformats.org/presentationml/2006/main">
-  <p:cSld>
-    <p:spTree>
-      <p:nvGrpSpPr>
-        <p:cNvPr id="1" name=""/>
-        <p:cNvGrpSpPr/>
-        <p:nvPr/>
-      </p:nvGrpSpPr>
-      <p:grpSpPr>
-        <a:xfrm>
-          <a:off x="0" y="0"/>
-          <a:ext cx="0" cy="0"/>
-          <a:chOff x="0" y="0"/>
-          <a:chExt cx="0" cy="0"/>
-        </a:xfrm>
-      </p:grpSpPr>
-      <p:sp>
-        <p:nvSpPr>
-          <p:cNvPr id="2" name="Slide Image Placeholder 1"/>
-          <p:cNvSpPr>
-            <a:spLocks noGrp="1" noRot="1" noChangeAspect="1"/>
-          </p:cNvSpPr>
-          <p:nvPr>
-            <p:ph type="sldImg"/>
-          </p:nvPr>
-        </p:nvSpPr>
-        <p:spPr/>
-      </p:sp>
-      <p:sp>
-        <p:nvSpPr>
-          <p:cNvPr id="3" name="Notes Placeholder 2"/>
-          <p:cNvSpPr>
-            <a:spLocks noGrp="1"/>
-          </p:cNvSpPr>
-          <p:nvPr>
-            <p:ph type="body" idx="1"/>
-          </p:nvPr>
-        </p:nvSpPr>
-        <p:spPr/>
-        <p:txBody>
-          <a:bodyPr/>
-          <a:lstStyle/>
-          <a:p>
-            <a:r>
-              <a:rPr lang="en-US" dirty="0" smtClean="0"/>
-              <a:t>I’d like to wrap up with last piece</a:t>
-            </a:r>
-            <a:r>
-              <a:rPr lang="en-US" baseline="0" dirty="0" smtClean="0"/>
-              <a:t> of advice:</a:t>
-            </a:r>
-          </a:p>
-          <a:p>
-            <a:endParaRPr lang="en-US" baseline="0" dirty="0" smtClean="0"/>
-          </a:p>
-          <a:p>
-            <a:r>
-              <a:rPr lang="en-US" b="1" baseline="0" dirty="0" smtClean="0"/>
-              <a:t>CLICK</a:t>
-            </a:r>
-          </a:p>
-          <a:p>
-            <a:endParaRPr lang="en-US" baseline="0" dirty="0" smtClean="0"/>
-          </a:p>
-          <a:p>
-            <a:pPr marL="171450" indent="-171450">
-              <a:buFont typeface="Arial" panose="020B0604020202020204" pitchFamily="34" charset="0"/>
-              <a:buChar char="•"/>
-            </a:pPr>
-            <a:r>
-              <a:rPr lang="en-US" baseline="0" dirty="0" smtClean="0"/>
-              <a:t>If something is hard to test, it’s probably too complex. </a:t>
-            </a:r>
-            <a:br>
-              <a:rPr lang="en-US" baseline="0" dirty="0" smtClean="0"/>
-            </a:br>
-            <a:endParaRPr lang="en-US" baseline="0" dirty="0" smtClean="0"/>
-          </a:p>
-          <a:p>
-            <a:pPr marL="171450" indent="-171450">
-              <a:buFont typeface="Arial" panose="020B0604020202020204" pitchFamily="34" charset="0"/>
-              <a:buChar char="•"/>
-            </a:pPr>
-            <a:r>
-              <a:rPr lang="en-US" baseline="0" dirty="0" smtClean="0"/>
-              <a:t>Don’t be “clever” in your tests – change design to make cleverness unnecessary. </a:t>
-            </a:r>
-            <a:br>
-              <a:rPr lang="en-US" baseline="0" dirty="0" smtClean="0"/>
-            </a:br>
-            <a:endParaRPr lang="en-US" baseline="0" dirty="0" smtClean="0"/>
-          </a:p>
-          <a:p>
-            <a:pPr marL="171450" indent="-171450">
-              <a:buFont typeface="Arial" panose="020B0604020202020204" pitchFamily="34" charset="0"/>
-              <a:buChar char="•"/>
-            </a:pPr>
-            <a:r>
-              <a:rPr lang="en-US" baseline="0" dirty="0" smtClean="0"/>
-              <a:t>Clean, simple, elegant are the keys to success</a:t>
-            </a:r>
-          </a:p>
-          <a:p>
-            <a:pPr marL="171450" indent="-171450">
-              <a:buFont typeface="Arial" panose="020B0604020202020204" pitchFamily="34" charset="0"/>
-              <a:buChar char="•"/>
-            </a:pPr>
-            <a:endParaRPr lang="en-US" baseline="0" dirty="0" smtClean="0"/>
-          </a:p>
-          <a:p>
-            <a:pPr marL="0" indent="0">
-              <a:buFont typeface="Arial" panose="020B0604020202020204" pitchFamily="34" charset="0"/>
-              <a:buNone/>
-            </a:pPr>
-            <a:r>
-              <a:rPr lang="en-US" b="1" baseline="0" dirty="0" smtClean="0"/>
-              <a:t>CLICK</a:t>
-            </a:r>
-            <a:r>
-              <a:rPr lang="en-US" b="0" baseline="0" dirty="0" smtClean="0"/>
-              <a:t>: You can download these materials from my </a:t>
-            </a:r>
-            <a:r>
-              <a:rPr lang="en-US" b="0" baseline="0" dirty="0" err="1" smtClean="0"/>
-              <a:t>Github</a:t>
-            </a:r>
-            <a:r>
-              <a:rPr lang="en-US" b="0" baseline="0" dirty="0" smtClean="0"/>
-              <a:t> account</a:t>
-            </a:r>
-          </a:p>
-          <a:p>
-            <a:pPr marL="0" indent="0">
-              <a:buFont typeface="Arial" panose="020B0604020202020204" pitchFamily="34" charset="0"/>
-              <a:buNone/>
-            </a:pPr>
-            <a:endParaRPr lang="en-US" b="0" baseline="0" dirty="0" smtClean="0"/>
-          </a:p>
-          <a:p>
-            <a:pPr marL="0" indent="0">
-              <a:buFont typeface="Arial" panose="020B0604020202020204" pitchFamily="34" charset="0"/>
-              <a:buNone/>
-            </a:pPr>
-            <a:r>
-              <a:rPr lang="en-US" b="1" baseline="0" dirty="0" smtClean="0"/>
-              <a:t>CLICK: </a:t>
-            </a:r>
-            <a:r>
-              <a:rPr lang="en-US" b="0" baseline="0" dirty="0" smtClean="0"/>
-              <a:t>If you have any questions or feedback of any sort, reach me on Twitter or email.</a:t>
-            </a:r>
-          </a:p>
-          <a:p>
-            <a:pPr marL="0" indent="0">
-              <a:buFont typeface="Arial" panose="020B0604020202020204" pitchFamily="34" charset="0"/>
-              <a:buNone/>
-            </a:pPr>
-            <a:endParaRPr lang="en-US" b="0" baseline="0" dirty="0" smtClean="0"/>
-          </a:p>
-          <a:p>
-            <a:pPr marL="0" indent="0">
-              <a:buFont typeface="Arial" panose="020B0604020202020204" pitchFamily="34" charset="0"/>
-              <a:buNone/>
-            </a:pPr>
-            <a:r>
-              <a:rPr lang="en-US" b="0" baseline="0" dirty="0" smtClean="0"/>
-              <a:t>THANK YOU!</a:t>
-            </a:r>
-            <a:endParaRPr lang="en-US" b="1" baseline="0" dirty="0" smtClean="0"/>
-          </a:p>
-        </p:txBody>
-      </p:sp>
-      <p:sp>
-        <p:nvSpPr>
-          <p:cNvPr id="4" name="Slide Number Placeholder 3"/>
-          <p:cNvSpPr>
-            <a:spLocks noGrp="1"/>
-          </p:cNvSpPr>
-          <p:nvPr>
-            <p:ph type="sldNum" sz="quarter" idx="10"/>
-          </p:nvPr>
-        </p:nvSpPr>
-        <p:spPr/>
-        <p:txBody>
-          <a:bodyPr/>
-          <a:lstStyle/>
-          <a:p>
-            <a:fld id="{89029652-62E7-43D6-83B5-097D7B7AA5D8}" type="slidenum">
-              <a:rPr lang="en-US" smtClean="0"/>
-              <a:t>80</a:t>
-            </a:fld>
-            <a:endParaRPr lang="en-US"/>
-          </a:p>
-        </p:txBody>
-      </p:sp>
-    </p:spTree>
-    <p:extLst>
-      <p:ext uri="{BB962C8B-B14F-4D97-AF65-F5344CB8AC3E}">
-        <p14:creationId xmlns:p14="http://schemas.microsoft.com/office/powerpoint/2010/main" val="2786039914"/>
       </p:ext>
     </p:extLst>
   </p:cSld>
@@ -20223,12 +18032,7 @@
             <p:ph idx="1"/>
           </p:nvPr>
         </p:nvSpPr>
-        <p:spPr>
-          <a:xfrm>
-            <a:off x="838199" y="1825625"/>
-            <a:ext cx="10621297" cy="4351338"/>
-          </a:xfrm>
-        </p:spPr>
+        <p:spPr/>
         <p:txBody>
           <a:bodyPr>
             <a:normAutofit/>
@@ -20239,38 +18043,19 @@
               <a:buNone/>
             </a:pPr>
             <a:r>
-              <a:rPr lang="en-US" sz="3600" dirty="0" smtClean="0"/>
-              <a:t>Drawbacks and warnings</a:t>
-            </a:r>
-            <a:br>
-              <a:rPr lang="en-US" sz="3600" dirty="0" smtClean="0"/>
-            </a:br>
-            <a:endParaRPr lang="en-US" sz="3600" dirty="0" smtClean="0"/>
-          </a:p>
-          <a:p>
-            <a:r>
-              <a:rPr lang="en-US" sz="3600" dirty="0" smtClean="0"/>
-              <a:t>Need </a:t>
-            </a:r>
-            <a:r>
-              <a:rPr lang="en-US" sz="3600" dirty="0" smtClean="0"/>
-              <a:t>balance between specialization &amp; </a:t>
-            </a:r>
-            <a:r>
-              <a:rPr lang="en-US" sz="3600" dirty="0" smtClean="0"/>
-              <a:t>customization</a:t>
-            </a:r>
-            <a:br>
-              <a:rPr lang="en-US" sz="3600" dirty="0" smtClean="0"/>
-            </a:br>
-            <a:endParaRPr lang="en-US" sz="3600" dirty="0" smtClean="0"/>
-          </a:p>
-          <a:p>
-            <a:r>
-              <a:rPr lang="en-US" sz="3600" dirty="0" smtClean="0"/>
-              <a:t>May indicate need for Façade pattern in core app</a:t>
-            </a:r>
-            <a:endParaRPr lang="en-US" sz="3600" dirty="0" smtClean="0"/>
+              <a:rPr lang="en-US" sz="4000" dirty="0"/>
+              <a:t>Extract complex setup into reusable </a:t>
+            </a:r>
+            <a:r>
+              <a:rPr lang="en-US" sz="4000" dirty="0" smtClean="0"/>
+              <a:t>pieces</a:t>
+            </a:r>
+          </a:p>
+          <a:p>
+            <a:pPr marL="0" indent="0">
+              <a:buNone/>
+            </a:pPr>
+            <a:endParaRPr lang="en-US" sz="3200" dirty="0"/>
           </a:p>
           <a:p>
             <a:pPr marL="0" indent="0">
@@ -20284,10 +18069,34 @@
           </a:p>
         </p:txBody>
       </p:sp>
+      <p:pic>
+        <p:nvPicPr>
+          <p:cNvPr id="4" name="Picture 3"/>
+          <p:cNvPicPr>
+            <a:picLocks noChangeAspect="1"/>
+          </p:cNvPicPr>
+          <p:nvPr/>
+        </p:nvPicPr>
+        <p:blipFill>
+          <a:blip r:embed="rId3"/>
+          <a:stretch>
+            <a:fillRect/>
+          </a:stretch>
+        </p:blipFill>
+        <p:spPr>
+          <a:xfrm>
+            <a:off x="838199" y="3414201"/>
+            <a:ext cx="9750201" cy="1850974"/>
+          </a:xfrm>
+          <a:prstGeom prst="rect">
+            <a:avLst/>
+          </a:prstGeom>
+        </p:spPr>
+      </p:pic>
     </p:spTree>
     <p:extLst>
       <p:ext uri="{BB962C8B-B14F-4D97-AF65-F5344CB8AC3E}">
-        <p14:creationId xmlns:p14="http://schemas.microsoft.com/office/powerpoint/2010/main" val="726345518"/>
+        <p14:creationId xmlns:p14="http://schemas.microsoft.com/office/powerpoint/2010/main" val="1423423888"/>
       </p:ext>
     </p:extLst>
   </p:cSld>
@@ -20333,8 +18142,8 @@
         </p:nvSpPr>
         <p:spPr>
           <a:xfrm>
-            <a:off x="486697" y="2217960"/>
-            <a:ext cx="11371007" cy="2088569"/>
+            <a:off x="838199" y="365125"/>
+            <a:ext cx="10857271" cy="1325563"/>
           </a:xfrm>
         </p:spPr>
         <p:txBody>
@@ -20343,37 +18152,79 @@
           </a:bodyPr>
           <a:lstStyle/>
           <a:p>
-            <a:pPr algn="ctr"/>
-            <a:r>
-              <a:rPr lang="en-US" sz="4800" u="sng" dirty="0" smtClean="0"/>
-              <a:t>Key Practice #4</a:t>
+            <a:r>
+              <a:rPr lang="en-US" sz="4800" dirty="0"/>
+              <a:t>Key #3: Use Scenarios to reuse setup logic</a:t>
+            </a:r>
+          </a:p>
+        </p:txBody>
+      </p:sp>
+      <p:sp>
+        <p:nvSpPr>
+          <p:cNvPr id="3" name="Content Placeholder 2"/>
+          <p:cNvSpPr>
+            <a:spLocks noGrp="1"/>
+          </p:cNvSpPr>
+          <p:nvPr>
+            <p:ph idx="1"/>
+          </p:nvPr>
+        </p:nvSpPr>
+        <p:spPr>
+          <a:xfrm>
+            <a:off x="838199" y="1825625"/>
+            <a:ext cx="10621297" cy="4351338"/>
+          </a:xfrm>
+        </p:spPr>
+        <p:txBody>
+          <a:bodyPr>
+            <a:normAutofit/>
+          </a:bodyPr>
+          <a:lstStyle/>
+          <a:p>
+            <a:pPr marL="0" indent="0">
+              <a:buNone/>
+            </a:pPr>
+            <a:r>
+              <a:rPr lang="en-US" sz="4000" dirty="0" smtClean="0"/>
+              <a:t>Drawbacks and warnings</a:t>
             </a:r>
             <a:br>
-              <a:rPr lang="en-US" sz="4800" u="sng" dirty="0" smtClean="0"/>
+              <a:rPr lang="en-US" sz="4000" dirty="0" smtClean="0"/>
             </a:br>
-            <a:r>
-              <a:rPr lang="en-US" sz="4800" u="sng" dirty="0" smtClean="0"/>
-              <a:t/>
+            <a:endParaRPr lang="en-US" sz="4000" dirty="0" smtClean="0"/>
+          </a:p>
+          <a:p>
+            <a:r>
+              <a:rPr lang="en-US" sz="3600" dirty="0" smtClean="0"/>
+              <a:t>Need balance between specialization &amp; customization</a:t>
             </a:r>
             <a:br>
-              <a:rPr lang="en-US" sz="4800" u="sng" dirty="0" smtClean="0"/>
+              <a:rPr lang="en-US" sz="3600" dirty="0" smtClean="0"/>
             </a:br>
-            <a:r>
-              <a:rPr lang="en-US" sz="4000" dirty="0" smtClean="0"/>
-              <a:t>Tell a </a:t>
-            </a:r>
-            <a:r>
-              <a:rPr lang="en-US" sz="4000" dirty="0" smtClean="0"/>
-              <a:t>story</a:t>
-            </a:r>
-            <a:endParaRPr lang="en-US" sz="4000" dirty="0"/>
+            <a:endParaRPr lang="en-US" sz="3600" dirty="0" smtClean="0"/>
+          </a:p>
+          <a:p>
+            <a:r>
+              <a:rPr lang="en-US" sz="3600" dirty="0" smtClean="0"/>
+              <a:t>May indicate need for Façade pattern in core app</a:t>
+            </a:r>
+          </a:p>
+          <a:p>
+            <a:pPr marL="0" indent="0">
+              <a:buNone/>
+            </a:pPr>
+            <a:endParaRPr lang="en-US" dirty="0"/>
+          </a:p>
+          <a:p>
+            <a:pPr lvl="1"/>
+            <a:endParaRPr lang="en-US" dirty="0"/>
           </a:p>
         </p:txBody>
       </p:sp>
     </p:spTree>
     <p:extLst>
       <p:ext uri="{BB962C8B-B14F-4D97-AF65-F5344CB8AC3E}">
-        <p14:creationId xmlns:p14="http://schemas.microsoft.com/office/powerpoint/2010/main" val="908458437"/>
+        <p14:creationId xmlns:p14="http://schemas.microsoft.com/office/powerpoint/2010/main" val="726345518"/>
       </p:ext>
     </p:extLst>
   </p:cSld>
@@ -20419,8 +18270,8 @@
         </p:nvSpPr>
         <p:spPr>
           <a:xfrm>
-            <a:off x="838199" y="365125"/>
-            <a:ext cx="10857271" cy="1325563"/>
+            <a:off x="486697" y="2217960"/>
+            <a:ext cx="11371007" cy="2088569"/>
           </a:xfrm>
         </p:spPr>
         <p:txBody>
@@ -20429,94 +18280,33 @@
           </a:bodyPr>
           <a:lstStyle/>
           <a:p>
-            <a:r>
-              <a:rPr lang="en-US" sz="4800" dirty="0"/>
-              <a:t>Key </a:t>
-            </a:r>
-            <a:r>
-              <a:rPr lang="en-US" sz="4800" dirty="0" smtClean="0"/>
-              <a:t>#4: Tell a story</a:t>
-            </a:r>
-            <a:endParaRPr lang="en-US" sz="4800" dirty="0"/>
-          </a:p>
-        </p:txBody>
-      </p:sp>
-      <p:sp>
-        <p:nvSpPr>
-          <p:cNvPr id="3" name="Content Placeholder 2"/>
-          <p:cNvSpPr>
-            <a:spLocks noGrp="1"/>
-          </p:cNvSpPr>
-          <p:nvPr>
-            <p:ph idx="1"/>
-          </p:nvPr>
-        </p:nvSpPr>
-        <p:spPr>
-          <a:xfrm>
-            <a:off x="838199" y="1825625"/>
-            <a:ext cx="10621297" cy="4351338"/>
-          </a:xfrm>
-        </p:spPr>
-        <p:txBody>
-          <a:bodyPr>
-            <a:normAutofit/>
-          </a:bodyPr>
-          <a:lstStyle/>
-          <a:p>
-            <a:pPr marL="0" indent="0">
-              <a:buNone/>
-            </a:pPr>
-            <a:r>
-              <a:rPr lang="en-US" sz="3600" dirty="0"/>
-              <a:t>Use names to convey meaning</a:t>
-            </a:r>
-          </a:p>
-          <a:p>
-            <a:pPr marL="0" indent="0">
-              <a:buNone/>
-            </a:pPr>
-            <a:endParaRPr lang="en-US" sz="3600" dirty="0" smtClean="0"/>
-          </a:p>
-          <a:p>
-            <a:pPr marL="0" indent="0">
-              <a:buNone/>
-            </a:pPr>
-            <a:endParaRPr lang="en-US" dirty="0"/>
-          </a:p>
-          <a:p>
-            <a:pPr lvl="1"/>
-            <a:endParaRPr lang="en-US" dirty="0"/>
-          </a:p>
-        </p:txBody>
-      </p:sp>
-      <p:pic>
-        <p:nvPicPr>
-          <p:cNvPr id="5" name="Picture 4"/>
-          <p:cNvPicPr>
-            <a:picLocks noChangeAspect="1"/>
-          </p:cNvPicPr>
-          <p:nvPr/>
-        </p:nvPicPr>
-        <p:blipFill>
-          <a:blip r:embed="rId3"/>
-          <a:stretch>
-            <a:fillRect/>
-          </a:stretch>
-        </p:blipFill>
-        <p:spPr>
-          <a:xfrm>
-            <a:off x="838198" y="2537848"/>
-            <a:ext cx="10308135" cy="4320151"/>
-          </a:xfrm>
-          <a:prstGeom prst="rect">
-            <a:avLst/>
-          </a:prstGeom>
-        </p:spPr>
-      </p:pic>
+            <a:pPr algn="ctr"/>
+            <a:r>
+              <a:rPr lang="en-US" sz="4800" u="sng" dirty="0" smtClean="0"/>
+              <a:t>Key Practice #4</a:t>
+            </a:r>
+            <a:br>
+              <a:rPr lang="en-US" sz="4800" u="sng" dirty="0" smtClean="0"/>
+            </a:br>
+            <a:r>
+              <a:rPr lang="en-US" sz="4800" u="sng" dirty="0" smtClean="0"/>
+              <a:t/>
+            </a:r>
+            <a:br>
+              <a:rPr lang="en-US" sz="4800" u="sng" dirty="0" smtClean="0"/>
+            </a:br>
+            <a:r>
+              <a:rPr lang="en-US" sz="4000" dirty="0" smtClean="0"/>
+              <a:t>Tell a story</a:t>
+            </a:r>
+            <a:endParaRPr lang="en-US" sz="4000" dirty="0"/>
+          </a:p>
+        </p:txBody>
+      </p:sp>
     </p:spTree>
     <p:extLst>
       <p:ext uri="{BB962C8B-B14F-4D97-AF65-F5344CB8AC3E}">
-        <p14:creationId xmlns:p14="http://schemas.microsoft.com/office/powerpoint/2010/main" val="3469407458"/>
+        <p14:creationId xmlns:p14="http://schemas.microsoft.com/office/powerpoint/2010/main" val="908458437"/>
       </p:ext>
     </p:extLst>
   </p:cSld>
@@ -20610,7 +18400,7 @@
               <a:buNone/>
             </a:pPr>
             <a:r>
-              <a:rPr lang="en-US" sz="3600" dirty="0"/>
+              <a:rPr lang="en-US" sz="4000" dirty="0"/>
               <a:t>Use names to convey meaning</a:t>
             </a:r>
           </a:p>
@@ -20634,7 +18424,7 @@
       </p:sp>
       <p:pic>
         <p:nvPicPr>
-          <p:cNvPr id="6" name="Picture 5"/>
+          <p:cNvPr id="5" name="Picture 4"/>
           <p:cNvPicPr>
             <a:picLocks noChangeAspect="1"/>
           </p:cNvPicPr>
@@ -20648,8 +18438,8 @@
         </p:blipFill>
         <p:spPr>
           <a:xfrm>
-            <a:off x="838199" y="3389018"/>
-            <a:ext cx="10784070" cy="2492912"/>
+            <a:off x="838198" y="2537848"/>
+            <a:ext cx="10308135" cy="4320151"/>
           </a:xfrm>
           <a:prstGeom prst="rect">
             <a:avLst/>
@@ -20659,7 +18449,7 @@
     </p:spTree>
     <p:extLst>
       <p:ext uri="{BB962C8B-B14F-4D97-AF65-F5344CB8AC3E}">
-        <p14:creationId xmlns:p14="http://schemas.microsoft.com/office/powerpoint/2010/main" val="3864711300"/>
+        <p14:creationId xmlns:p14="http://schemas.microsoft.com/office/powerpoint/2010/main" val="3469407458"/>
       </p:ext>
     </p:extLst>
   </p:cSld>
@@ -20814,7 +18604,150 @@
               <a:buNone/>
             </a:pPr>
             <a:r>
-              <a:rPr lang="en-US" sz="3600" dirty="0" smtClean="0"/>
+              <a:rPr lang="en-US" sz="4000" dirty="0"/>
+              <a:t>Use names to convey meaning</a:t>
+            </a:r>
+          </a:p>
+          <a:p>
+            <a:pPr marL="0" indent="0">
+              <a:buNone/>
+            </a:pPr>
+            <a:endParaRPr lang="en-US" sz="3600" dirty="0" smtClean="0"/>
+          </a:p>
+          <a:p>
+            <a:pPr marL="0" indent="0">
+              <a:buNone/>
+            </a:pPr>
+            <a:endParaRPr lang="en-US" dirty="0"/>
+          </a:p>
+          <a:p>
+            <a:pPr lvl="1"/>
+            <a:endParaRPr lang="en-US" dirty="0"/>
+          </a:p>
+        </p:txBody>
+      </p:sp>
+      <p:pic>
+        <p:nvPicPr>
+          <p:cNvPr id="6" name="Picture 5"/>
+          <p:cNvPicPr>
+            <a:picLocks noChangeAspect="1"/>
+          </p:cNvPicPr>
+          <p:nvPr/>
+        </p:nvPicPr>
+        <p:blipFill>
+          <a:blip r:embed="rId3"/>
+          <a:stretch>
+            <a:fillRect/>
+          </a:stretch>
+        </p:blipFill>
+        <p:spPr>
+          <a:xfrm>
+            <a:off x="838199" y="3389018"/>
+            <a:ext cx="10784070" cy="2492912"/>
+          </a:xfrm>
+          <a:prstGeom prst="rect">
+            <a:avLst/>
+          </a:prstGeom>
+        </p:spPr>
+      </p:pic>
+    </p:spTree>
+    <p:extLst>
+      <p:ext uri="{BB962C8B-B14F-4D97-AF65-F5344CB8AC3E}">
+        <p14:creationId xmlns:p14="http://schemas.microsoft.com/office/powerpoint/2010/main" val="3864711300"/>
+      </p:ext>
+    </p:extLst>
+  </p:cSld>
+  <p:clrMapOvr>
+    <a:masterClrMapping/>
+  </p:clrMapOvr>
+  <p:timing>
+    <p:tnLst>
+      <p:par>
+        <p:cTn id="1" dur="indefinite" restart="never" nodeType="tmRoot"/>
+      </p:par>
+    </p:tnLst>
+  </p:timing>
+</p:sld>
+</file>
+
+<file path=ppt/slides/slide51.xml><?xml version="1.0" encoding="utf-8"?>
+<p:sld xmlns:a="http://schemas.openxmlformats.org/drawingml/2006/main" xmlns:r="http://schemas.openxmlformats.org/officeDocument/2006/relationships" xmlns:p="http://schemas.openxmlformats.org/presentationml/2006/main">
+  <p:cSld>
+    <p:spTree>
+      <p:nvGrpSpPr>
+        <p:cNvPr id="1" name=""/>
+        <p:cNvGrpSpPr/>
+        <p:nvPr/>
+      </p:nvGrpSpPr>
+      <p:grpSpPr>
+        <a:xfrm>
+          <a:off x="0" y="0"/>
+          <a:ext cx="0" cy="0"/>
+          <a:chOff x="0" y="0"/>
+          <a:chExt cx="0" cy="0"/>
+        </a:xfrm>
+      </p:grpSpPr>
+      <p:sp>
+        <p:nvSpPr>
+          <p:cNvPr id="2" name="Title 1"/>
+          <p:cNvSpPr>
+            <a:spLocks noGrp="1"/>
+          </p:cNvSpPr>
+          <p:nvPr>
+            <p:ph type="title"/>
+          </p:nvPr>
+        </p:nvSpPr>
+        <p:spPr>
+          <a:xfrm>
+            <a:off x="838199" y="365125"/>
+            <a:ext cx="10857271" cy="1325563"/>
+          </a:xfrm>
+        </p:spPr>
+        <p:txBody>
+          <a:bodyPr>
+            <a:noAutofit/>
+          </a:bodyPr>
+          <a:lstStyle/>
+          <a:p>
+            <a:r>
+              <a:rPr lang="en-US" sz="4800" dirty="0"/>
+              <a:t>Key </a:t>
+            </a:r>
+            <a:r>
+              <a:rPr lang="en-US" sz="4800" dirty="0" smtClean="0"/>
+              <a:t>#4: Tell a story</a:t>
+            </a:r>
+            <a:endParaRPr lang="en-US" sz="4800" dirty="0"/>
+          </a:p>
+        </p:txBody>
+      </p:sp>
+      <p:sp>
+        <p:nvSpPr>
+          <p:cNvPr id="3" name="Content Placeholder 2"/>
+          <p:cNvSpPr>
+            <a:spLocks noGrp="1"/>
+          </p:cNvSpPr>
+          <p:nvPr>
+            <p:ph idx="1"/>
+          </p:nvPr>
+        </p:nvSpPr>
+        <p:spPr>
+          <a:xfrm>
+            <a:off x="838199" y="1825625"/>
+            <a:ext cx="10621297" cy="4351338"/>
+          </a:xfrm>
+        </p:spPr>
+        <p:txBody>
+          <a:bodyPr>
+            <a:normAutofit/>
+          </a:bodyPr>
+          <a:lstStyle/>
+          <a:p>
+            <a:pPr marL="0" indent="0">
+              <a:buNone/>
+            </a:pPr>
+            <a:r>
+              <a:rPr lang="en-US" sz="4000" dirty="0" smtClean="0"/>
               <a:t>Use names to convey meaning</a:t>
             </a:r>
           </a:p>
@@ -20880,157 +18813,6 @@
 </p:sld>
 </file>
 
-<file path=ppt/slides/slide51.xml><?xml version="1.0" encoding="utf-8"?>
-<p:sld xmlns:a="http://schemas.openxmlformats.org/drawingml/2006/main" xmlns:r="http://schemas.openxmlformats.org/officeDocument/2006/relationships" xmlns:p="http://schemas.openxmlformats.org/presentationml/2006/main">
-  <p:cSld>
-    <p:spTree>
-      <p:nvGrpSpPr>
-        <p:cNvPr id="1" name=""/>
-        <p:cNvGrpSpPr/>
-        <p:nvPr/>
-      </p:nvGrpSpPr>
-      <p:grpSpPr>
-        <a:xfrm>
-          <a:off x="0" y="0"/>
-          <a:ext cx="0" cy="0"/>
-          <a:chOff x="0" y="0"/>
-          <a:chExt cx="0" cy="0"/>
-        </a:xfrm>
-      </p:grpSpPr>
-      <p:sp>
-        <p:nvSpPr>
-          <p:cNvPr id="2" name="Title 1"/>
-          <p:cNvSpPr>
-            <a:spLocks noGrp="1"/>
-          </p:cNvSpPr>
-          <p:nvPr>
-            <p:ph type="title"/>
-          </p:nvPr>
-        </p:nvSpPr>
-        <p:spPr>
-          <a:xfrm>
-            <a:off x="838199" y="365125"/>
-            <a:ext cx="10857271" cy="1325563"/>
-          </a:xfrm>
-        </p:spPr>
-        <p:txBody>
-          <a:bodyPr>
-            <a:noAutofit/>
-          </a:bodyPr>
-          <a:lstStyle/>
-          <a:p>
-            <a:r>
-              <a:rPr lang="en-US" sz="4800" dirty="0"/>
-              <a:t>Key </a:t>
-            </a:r>
-            <a:r>
-              <a:rPr lang="en-US" sz="4800" dirty="0" smtClean="0"/>
-              <a:t>#4: Tell a story</a:t>
-            </a:r>
-            <a:endParaRPr lang="en-US" sz="4800" dirty="0"/>
-          </a:p>
-        </p:txBody>
-      </p:sp>
-      <p:sp>
-        <p:nvSpPr>
-          <p:cNvPr id="3" name="Content Placeholder 2"/>
-          <p:cNvSpPr>
-            <a:spLocks noGrp="1"/>
-          </p:cNvSpPr>
-          <p:nvPr>
-            <p:ph idx="1"/>
-          </p:nvPr>
-        </p:nvSpPr>
-        <p:spPr>
-          <a:xfrm>
-            <a:off x="838199" y="1825625"/>
-            <a:ext cx="10621297" cy="4351338"/>
-          </a:xfrm>
-        </p:spPr>
-        <p:txBody>
-          <a:bodyPr>
-            <a:normAutofit/>
-          </a:bodyPr>
-          <a:lstStyle/>
-          <a:p>
-            <a:pPr marL="0" indent="0">
-              <a:buNone/>
-            </a:pPr>
-            <a:r>
-              <a:rPr lang="en-US" sz="3600" dirty="0" smtClean="0"/>
-              <a:t>Use names to convey meaning</a:t>
-            </a:r>
-          </a:p>
-          <a:p>
-            <a:pPr marL="0" indent="0">
-              <a:buNone/>
-            </a:pPr>
-            <a:endParaRPr lang="en-US" sz="3600" dirty="0"/>
-          </a:p>
-          <a:p>
-            <a:pPr marL="0" indent="0">
-              <a:buNone/>
-            </a:pPr>
-            <a:r>
-              <a:rPr lang="en-US" sz="3600" dirty="0" smtClean="0">
-                <a:solidFill>
-                  <a:srgbClr val="FF0000"/>
-                </a:solidFill>
-              </a:rPr>
-              <a:t>TODO: the reviews added in reverse thing, </a:t>
-            </a:r>
-            <a:r>
-              <a:rPr lang="en-US" sz="3600" smtClean="0">
-                <a:solidFill>
-                  <a:srgbClr val="FF0000"/>
-                </a:solidFill>
-              </a:rPr>
-              <a:t>with inline dates</a:t>
-            </a:r>
-            <a:endParaRPr lang="en-US" sz="3600" dirty="0" smtClean="0">
-              <a:solidFill>
-                <a:srgbClr val="FF0000"/>
-              </a:solidFill>
-            </a:endParaRPr>
-          </a:p>
-          <a:p>
-            <a:pPr marL="0" indent="0">
-              <a:buNone/>
-            </a:pPr>
-            <a:endParaRPr lang="en-US" sz="3600" dirty="0" smtClean="0"/>
-          </a:p>
-          <a:p>
-            <a:pPr marL="0" indent="0">
-              <a:buNone/>
-            </a:pPr>
-            <a:endParaRPr lang="en-US" dirty="0"/>
-          </a:p>
-          <a:p>
-            <a:pPr lvl="1"/>
-            <a:endParaRPr lang="en-US" dirty="0"/>
-          </a:p>
-        </p:txBody>
-      </p:sp>
-    </p:spTree>
-    <p:extLst>
-      <p:ext uri="{BB962C8B-B14F-4D97-AF65-F5344CB8AC3E}">
-        <p14:creationId xmlns:p14="http://schemas.microsoft.com/office/powerpoint/2010/main" val="877839493"/>
-      </p:ext>
-    </p:extLst>
-  </p:cSld>
-  <p:clrMapOvr>
-    <a:masterClrMapping/>
-  </p:clrMapOvr>
-  <p:timing>
-    <p:tnLst>
-      <p:par>
-        <p:cTn id="1" dur="indefinite" restart="never" nodeType="tmRoot"/>
-      </p:par>
-    </p:tnLst>
-  </p:timing>
-</p:sld>
-</file>
-
 <file path=ppt/slides/slide52.xml><?xml version="1.0" encoding="utf-8"?>
 <p:sld xmlns:a="http://schemas.openxmlformats.org/drawingml/2006/main" xmlns:r="http://schemas.openxmlformats.org/officeDocument/2006/relationships" xmlns:p="http://schemas.openxmlformats.org/presentationml/2006/main">
   <p:cSld>
@@ -21108,7 +18890,7 @@
               <a:buNone/>
             </a:pPr>
             <a:r>
-              <a:rPr lang="en-US" sz="3600" dirty="0" smtClean="0"/>
+              <a:rPr lang="en-US" sz="4000" dirty="0" smtClean="0"/>
               <a:t>Use names to convey meaning</a:t>
             </a:r>
           </a:p>
@@ -21128,7 +18910,7 @@
                   <a:srgbClr val="FF0000"/>
                 </a:solidFill>
               </a:rPr>
-              <a:t>TODO: the reviews added in reverse thing, using named constants</a:t>
+              <a:t>TODO: the reviews added in reverse thing, with inline dates</a:t>
             </a:r>
           </a:p>
           <a:p>
@@ -21152,7 +18934,7 @@
     </p:spTree>
     <p:extLst>
       <p:ext uri="{BB962C8B-B14F-4D97-AF65-F5344CB8AC3E}">
-        <p14:creationId xmlns:p14="http://schemas.microsoft.com/office/powerpoint/2010/main" val="578085711"/>
+        <p14:creationId xmlns:p14="http://schemas.microsoft.com/office/powerpoint/2010/main" val="877839493"/>
       </p:ext>
     </p:extLst>
   </p:cSld>
@@ -21246,7 +19028,145 @@
               <a:buNone/>
             </a:pPr>
             <a:r>
-              <a:rPr lang="en-US" sz="3600" dirty="0" smtClean="0"/>
+              <a:rPr lang="en-US" sz="4000" dirty="0" smtClean="0"/>
+              <a:t>Use names to convey meaning</a:t>
+            </a:r>
+          </a:p>
+          <a:p>
+            <a:pPr marL="0" indent="0">
+              <a:buNone/>
+            </a:pPr>
+            <a:endParaRPr lang="en-US" sz="3600" dirty="0"/>
+          </a:p>
+          <a:p>
+            <a:pPr marL="0" indent="0">
+              <a:buNone/>
+            </a:pPr>
+            <a:r>
+              <a:rPr lang="en-US" sz="3600" dirty="0" smtClean="0">
+                <a:solidFill>
+                  <a:srgbClr val="FF0000"/>
+                </a:solidFill>
+              </a:rPr>
+              <a:t>TODO: the reviews added in reverse thing, using named constants</a:t>
+            </a:r>
+          </a:p>
+          <a:p>
+            <a:pPr marL="0" indent="0">
+              <a:buNone/>
+            </a:pPr>
+            <a:endParaRPr lang="en-US" sz="3600" dirty="0" smtClean="0"/>
+          </a:p>
+          <a:p>
+            <a:pPr marL="0" indent="0">
+              <a:buNone/>
+            </a:pPr>
+            <a:endParaRPr lang="en-US" dirty="0"/>
+          </a:p>
+          <a:p>
+            <a:pPr lvl="1"/>
+            <a:endParaRPr lang="en-US" dirty="0"/>
+          </a:p>
+        </p:txBody>
+      </p:sp>
+    </p:spTree>
+    <p:extLst>
+      <p:ext uri="{BB962C8B-B14F-4D97-AF65-F5344CB8AC3E}">
+        <p14:creationId xmlns:p14="http://schemas.microsoft.com/office/powerpoint/2010/main" val="578085711"/>
+      </p:ext>
+    </p:extLst>
+  </p:cSld>
+  <p:clrMapOvr>
+    <a:masterClrMapping/>
+  </p:clrMapOvr>
+  <p:timing>
+    <p:tnLst>
+      <p:par>
+        <p:cTn id="1" dur="indefinite" restart="never" nodeType="tmRoot"/>
+      </p:par>
+    </p:tnLst>
+  </p:timing>
+</p:sld>
+</file>
+
+<file path=ppt/slides/slide54.xml><?xml version="1.0" encoding="utf-8"?>
+<p:sld xmlns:a="http://schemas.openxmlformats.org/drawingml/2006/main" xmlns:r="http://schemas.openxmlformats.org/officeDocument/2006/relationships" xmlns:p="http://schemas.openxmlformats.org/presentationml/2006/main">
+  <p:cSld>
+    <p:spTree>
+      <p:nvGrpSpPr>
+        <p:cNvPr id="1" name=""/>
+        <p:cNvGrpSpPr/>
+        <p:nvPr/>
+      </p:nvGrpSpPr>
+      <p:grpSpPr>
+        <a:xfrm>
+          <a:off x="0" y="0"/>
+          <a:ext cx="0" cy="0"/>
+          <a:chOff x="0" y="0"/>
+          <a:chExt cx="0" cy="0"/>
+        </a:xfrm>
+      </p:grpSpPr>
+      <p:sp>
+        <p:nvSpPr>
+          <p:cNvPr id="2" name="Title 1"/>
+          <p:cNvSpPr>
+            <a:spLocks noGrp="1"/>
+          </p:cNvSpPr>
+          <p:nvPr>
+            <p:ph type="title"/>
+          </p:nvPr>
+        </p:nvSpPr>
+        <p:spPr>
+          <a:xfrm>
+            <a:off x="838199" y="365125"/>
+            <a:ext cx="10857271" cy="1325563"/>
+          </a:xfrm>
+        </p:spPr>
+        <p:txBody>
+          <a:bodyPr>
+            <a:noAutofit/>
+          </a:bodyPr>
+          <a:lstStyle/>
+          <a:p>
+            <a:r>
+              <a:rPr lang="en-US" sz="4800" dirty="0"/>
+              <a:t>Key </a:t>
+            </a:r>
+            <a:r>
+              <a:rPr lang="en-US" sz="4800" dirty="0" smtClean="0"/>
+              <a:t>#4: Tell a story</a:t>
+            </a:r>
+            <a:endParaRPr lang="en-US" sz="4800" dirty="0"/>
+          </a:p>
+        </p:txBody>
+      </p:sp>
+      <p:sp>
+        <p:nvSpPr>
+          <p:cNvPr id="3" name="Content Placeholder 2"/>
+          <p:cNvSpPr>
+            <a:spLocks noGrp="1"/>
+          </p:cNvSpPr>
+          <p:nvPr>
+            <p:ph idx="1"/>
+          </p:nvPr>
+        </p:nvSpPr>
+        <p:spPr>
+          <a:xfrm>
+            <a:off x="838199" y="1825625"/>
+            <a:ext cx="10621297" cy="4351338"/>
+          </a:xfrm>
+        </p:spPr>
+        <p:txBody>
+          <a:bodyPr>
+            <a:normAutofit/>
+          </a:bodyPr>
+          <a:lstStyle/>
+          <a:p>
+            <a:pPr marL="0" indent="0">
+              <a:buNone/>
+            </a:pPr>
+            <a:r>
+              <a:rPr lang="en-US" sz="4000" dirty="0" smtClean="0"/>
               <a:t>Consistent "dummy" values</a:t>
             </a:r>
           </a:p>
@@ -21318,74 +19238,6 @@
 </p:sld>
 </file>
 
-<file path=ppt/slides/slide54.xml><?xml version="1.0" encoding="utf-8"?>
-<p:sld xmlns:a="http://schemas.openxmlformats.org/drawingml/2006/main" xmlns:r="http://schemas.openxmlformats.org/officeDocument/2006/relationships" xmlns:p="http://schemas.openxmlformats.org/presentationml/2006/main">
-  <p:cSld>
-    <p:spTree>
-      <p:nvGrpSpPr>
-        <p:cNvPr id="1" name=""/>
-        <p:cNvGrpSpPr/>
-        <p:nvPr/>
-      </p:nvGrpSpPr>
-      <p:grpSpPr>
-        <a:xfrm>
-          <a:off x="0" y="0"/>
-          <a:ext cx="0" cy="0"/>
-          <a:chOff x="0" y="0"/>
-          <a:chExt cx="0" cy="0"/>
-        </a:xfrm>
-      </p:grpSpPr>
-      <p:sp>
-        <p:nvSpPr>
-          <p:cNvPr id="2" name="Title 1"/>
-          <p:cNvSpPr>
-            <a:spLocks noGrp="1"/>
-          </p:cNvSpPr>
-          <p:nvPr>
-            <p:ph type="title"/>
-          </p:nvPr>
-        </p:nvSpPr>
-        <p:spPr>
-          <a:xfrm>
-            <a:off x="905934" y="2380192"/>
-            <a:ext cx="10515600" cy="1325563"/>
-          </a:xfrm>
-        </p:spPr>
-        <p:txBody>
-          <a:bodyPr>
-            <a:normAutofit/>
-          </a:bodyPr>
-          <a:lstStyle/>
-          <a:p>
-            <a:pPr algn="ctr"/>
-            <a:r>
-              <a:rPr lang="en-US" sz="4800" dirty="0" smtClean="0"/>
-              <a:t>What about integration tests?</a:t>
-            </a:r>
-            <a:endParaRPr lang="en-US" sz="4800" dirty="0"/>
-          </a:p>
-        </p:txBody>
-      </p:sp>
-    </p:spTree>
-    <p:extLst>
-      <p:ext uri="{BB962C8B-B14F-4D97-AF65-F5344CB8AC3E}">
-        <p14:creationId xmlns:p14="http://schemas.microsoft.com/office/powerpoint/2010/main" val="414745154"/>
-      </p:ext>
-    </p:extLst>
-  </p:cSld>
-  <p:clrMapOvr>
-    <a:masterClrMapping/>
-  </p:clrMapOvr>
-  <p:timing>
-    <p:tnLst>
-      <p:par>
-        <p:cTn id="1" dur="indefinite" restart="never" nodeType="tmRoot"/>
-      </p:par>
-    </p:tnLst>
-  </p:timing>
-</p:sld>
-</file>
-
 <file path=ppt/slides/slide55.xml><?xml version="1.0" encoding="utf-8"?>
 <p:sld xmlns:a="http://schemas.openxmlformats.org/drawingml/2006/main" xmlns:r="http://schemas.openxmlformats.org/officeDocument/2006/relationships" xmlns:p="http://schemas.openxmlformats.org/presentationml/2006/main">
   <p:cSld>
@@ -21427,7 +19279,11 @@
           <a:p>
             <a:r>
               <a:rPr lang="en-US" sz="4800" dirty="0" smtClean="0"/>
-              <a:t>"Doing it right" – 4 keys to success</a:t>
+              <a:t>Recap </a:t>
+            </a:r>
+            <a:r>
+              <a:rPr lang="en-US" sz="4800" dirty="0" smtClean="0"/>
+              <a:t>– 4 keys to success</a:t>
             </a:r>
             <a:endParaRPr lang="en-US" sz="4800" dirty="0"/>
           </a:p>
@@ -21452,7 +19308,15 @@
           <a:p>
             <a:r>
               <a:rPr lang="en-US" sz="4000" dirty="0" smtClean="0"/>
-              <a:t>Stop creating objects by hand!</a:t>
+              <a:t>Stop creating objects by </a:t>
+            </a:r>
+            <a:r>
+              <a:rPr lang="en-US" sz="4000" dirty="0" smtClean="0"/>
+              <a:t>hand; use helpers</a:t>
+            </a:r>
+            <a:r>
+              <a:rPr lang="en-US" sz="4000" dirty="0" smtClean="0"/>
+              <a:t/>
             </a:r>
             <a:br>
               <a:rPr lang="en-US" sz="4000" dirty="0" smtClean="0"/>
@@ -21470,7 +19334,15 @@
             </a:r>
             <a:r>
               <a:rPr lang="en-US" sz="4000" dirty="0" smtClean="0"/>
-              <a:t>what matters</a:t>
+              <a:t>what </a:t>
+            </a:r>
+            <a:r>
+              <a:rPr lang="en-US" sz="4000" dirty="0" smtClean="0"/>
+              <a:t>matters</a:t>
+            </a:r>
+            <a:r>
+              <a:rPr lang="en-US" sz="4000" dirty="0" smtClean="0"/>
+              <a:t/>
             </a:r>
             <a:br>
               <a:rPr lang="en-US" sz="4000" dirty="0" smtClean="0"/>
@@ -21480,7 +19352,7 @@
           <a:p>
             <a:r>
               <a:rPr lang="en-US" sz="4000" dirty="0" smtClean="0"/>
-              <a:t>Tell a story</a:t>
+              <a:t>Use scenarios for complex setup / for reuse</a:t>
             </a:r>
             <a:br>
               <a:rPr lang="en-US" sz="4000" dirty="0" smtClean="0"/>
@@ -21496,8 +19368,9 @@
           <a:p>
             <a:r>
               <a:rPr lang="en-US" sz="4000" dirty="0" smtClean="0"/>
-              <a:t>Use scenarios for complex setup</a:t>
-            </a:r>
+              <a:t>Tell a story!</a:t>
+            </a:r>
+            <a:endParaRPr lang="en-US" sz="4000" dirty="0" smtClean="0"/>
           </a:p>
           <a:p>
             <a:endParaRPr lang="en-US" dirty="0"/>
@@ -21581,39 +19454,49 @@
             <p:ph type="title"/>
           </p:nvPr>
         </p:nvSpPr>
-        <p:spPr>
-          <a:xfrm>
-            <a:off x="905934" y="2380192"/>
-            <a:ext cx="10515600" cy="1325563"/>
-          </a:xfrm>
-        </p:spPr>
+        <p:spPr/>
         <p:txBody>
           <a:bodyPr>
             <a:normAutofit/>
           </a:bodyPr>
           <a:lstStyle/>
           <a:p>
-            <a:pPr algn="ctr"/>
-            <a:r>
-              <a:rPr lang="en-US" sz="6000" dirty="0" smtClean="0">
-                <a:solidFill>
-                  <a:srgbClr val="FF0000"/>
-                </a:solidFill>
-              </a:rPr>
-              <a:t>DIVIDER LINE</a:t>
-            </a:r>
-            <a:endParaRPr lang="en-US" sz="6000" dirty="0">
-              <a:solidFill>
-                <a:srgbClr val="FF0000"/>
-              </a:solidFill>
-            </a:endParaRPr>
-          </a:p>
-        </p:txBody>
-      </p:sp>
+            <a:r>
+              <a:rPr lang="en-US" sz="4800" dirty="0" smtClean="0"/>
+              <a:t>Order brought to chaos</a:t>
+            </a:r>
+            <a:endParaRPr lang="en-US" sz="4800" dirty="0"/>
+          </a:p>
+        </p:txBody>
+      </p:sp>
+      <p:pic>
+        <p:nvPicPr>
+          <p:cNvPr id="7" name="Picture 6"/>
+          <p:cNvPicPr>
+            <a:picLocks noChangeAspect="1"/>
+          </p:cNvPicPr>
+          <p:nvPr/>
+        </p:nvPicPr>
+        <p:blipFill>
+          <a:blip r:embed="rId3"/>
+          <a:stretch>
+            <a:fillRect/>
+          </a:stretch>
+        </p:blipFill>
+        <p:spPr>
+          <a:xfrm>
+            <a:off x="838200" y="1264178"/>
+            <a:ext cx="8201025" cy="5210175"/>
+          </a:xfrm>
+          <a:prstGeom prst="rect">
+            <a:avLst/>
+          </a:prstGeom>
+        </p:spPr>
+      </p:pic>
     </p:spTree>
     <p:extLst>
       <p:ext uri="{BB962C8B-B14F-4D97-AF65-F5344CB8AC3E}">
-        <p14:creationId xmlns:p14="http://schemas.microsoft.com/office/powerpoint/2010/main" val="650480989"/>
+        <p14:creationId xmlns:p14="http://schemas.microsoft.com/office/powerpoint/2010/main" val="598815440"/>
       </p:ext>
     </p:extLst>
   </p:cSld>
@@ -21647,61 +19530,34 @@
           <a:chExt cx="0" cy="0"/>
         </a:xfrm>
       </p:grpSpPr>
-      <p:sp>
-        <p:nvSpPr>
-          <p:cNvPr id="2" name="Title 1"/>
-          <p:cNvSpPr>
-            <a:spLocks noGrp="1"/>
-          </p:cNvSpPr>
-          <p:nvPr>
-            <p:ph type="title"/>
-          </p:nvPr>
-        </p:nvSpPr>
-        <p:spPr/>
-        <p:txBody>
-          <a:bodyPr>
-            <a:normAutofit/>
-          </a:bodyPr>
-          <a:lstStyle/>
-          <a:p>
-            <a:r>
-              <a:rPr lang="en-US" sz="4800" dirty="0"/>
-              <a:t>Patterns &amp; Practices – </a:t>
-            </a:r>
-            <a:r>
-              <a:rPr lang="en-US" sz="4800" dirty="0" smtClean="0"/>
-              <a:t>Test Helpers</a:t>
-            </a:r>
-            <a:endParaRPr lang="en-US" sz="4800" dirty="0"/>
-          </a:p>
-        </p:txBody>
-      </p:sp>
-      <p:sp>
-        <p:nvSpPr>
-          <p:cNvPr id="3" name="Content Placeholder 2"/>
-          <p:cNvSpPr>
-            <a:spLocks noGrp="1"/>
-          </p:cNvSpPr>
-          <p:nvPr>
-            <p:ph idx="1"/>
-          </p:nvPr>
-        </p:nvSpPr>
-        <p:spPr/>
-        <p:txBody>
-          <a:bodyPr/>
-          <a:lstStyle/>
-          <a:p>
-            <a:r>
-              <a:rPr lang="en-US" dirty="0" smtClean="0"/>
-              <a:t>Assign unique values – avoid “unexpected equality”</a:t>
-            </a:r>
-          </a:p>
-        </p:txBody>
-      </p:sp>
+      <p:pic>
+        <p:nvPicPr>
+          <p:cNvPr id="6" name="Picture 5"/>
+          <p:cNvPicPr>
+            <a:picLocks noChangeAspect="1"/>
+          </p:cNvPicPr>
+          <p:nvPr/>
+        </p:nvPicPr>
+        <p:blipFill>
+          <a:blip r:embed="rId3"/>
+          <a:stretch>
+            <a:fillRect/>
+          </a:stretch>
+        </p:blipFill>
+        <p:spPr>
+          <a:xfrm>
+            <a:off x="826381" y="318383"/>
+            <a:ext cx="7400925" cy="5724525"/>
+          </a:xfrm>
+          <a:prstGeom prst="rect">
+            <a:avLst/>
+          </a:prstGeom>
+        </p:spPr>
+      </p:pic>
     </p:spTree>
     <p:extLst>
       <p:ext uri="{BB962C8B-B14F-4D97-AF65-F5344CB8AC3E}">
-        <p14:creationId xmlns:p14="http://schemas.microsoft.com/office/powerpoint/2010/main" val="2113537775"/>
+        <p14:creationId xmlns:p14="http://schemas.microsoft.com/office/powerpoint/2010/main" val="1062604478"/>
       </p:ext>
     </p:extLst>
   </p:cSld>
@@ -21735,141 +19591,24 @@
           <a:chExt cx="0" cy="0"/>
         </a:xfrm>
       </p:grpSpPr>
-      <p:sp>
-        <p:nvSpPr>
-          <p:cNvPr id="2" name="Title 1"/>
-          <p:cNvSpPr>
-            <a:spLocks noGrp="1"/>
-          </p:cNvSpPr>
-          <p:nvPr>
-            <p:ph type="title"/>
-          </p:nvPr>
-        </p:nvSpPr>
-        <p:spPr/>
-        <p:txBody>
-          <a:bodyPr>
-            <a:normAutofit/>
-          </a:bodyPr>
-          <a:lstStyle/>
-          <a:p>
-            <a:r>
-              <a:rPr lang="en-US" sz="4800" dirty="0"/>
-              <a:t>Patterns &amp; Practices – </a:t>
-            </a:r>
-            <a:r>
-              <a:rPr lang="en-US" sz="4800" dirty="0" smtClean="0"/>
-              <a:t>Test Helpers</a:t>
-            </a:r>
-            <a:endParaRPr lang="en-US" sz="4800" dirty="0"/>
-          </a:p>
-        </p:txBody>
-      </p:sp>
-      <p:sp>
-        <p:nvSpPr>
-          <p:cNvPr id="3" name="Content Placeholder 2"/>
-          <p:cNvSpPr>
-            <a:spLocks noGrp="1"/>
-          </p:cNvSpPr>
-          <p:nvPr>
-            <p:ph idx="1"/>
-          </p:nvPr>
-        </p:nvSpPr>
-        <p:spPr/>
-        <p:txBody>
-          <a:bodyPr/>
-          <a:lstStyle/>
-          <a:p>
-            <a:r>
-              <a:rPr lang="en-US" dirty="0"/>
-              <a:t>Assign unique values – avoid “unexpected equality”</a:t>
-            </a:r>
-          </a:p>
-          <a:p>
-            <a:pPr lvl="1"/>
-            <a:r>
-              <a:rPr lang="en-US" b="1" dirty="0" err="1" smtClean="0">
-                <a:solidFill>
-                  <a:schemeClr val="bg1">
-                    <a:lumMod val="65000"/>
-                  </a:schemeClr>
-                </a:solidFill>
-              </a:rPr>
-              <a:t>ShortGuid</a:t>
-            </a:r>
-            <a:r>
-              <a:rPr lang="en-US" dirty="0" smtClean="0">
-                <a:solidFill>
-                  <a:schemeClr val="bg1">
-                    <a:lumMod val="65000"/>
-                  </a:schemeClr>
-                </a:solidFill>
-              </a:rPr>
-              <a:t> for short, unique strings (</a:t>
-            </a:r>
-            <a:r>
-              <a:rPr lang="en-US" dirty="0" smtClean="0">
-                <a:solidFill>
-                  <a:schemeClr val="bg1">
-                    <a:lumMod val="65000"/>
-                  </a:schemeClr>
-                </a:solidFill>
-                <a:hlinkClick r:id="rId3" action="ppaction://hlinkfile"/>
-              </a:rPr>
-              <a:t>bit.ly/1dCxSbe</a:t>
-            </a:r>
-            <a:r>
-              <a:rPr lang="en-US" dirty="0" smtClean="0">
-                <a:solidFill>
-                  <a:schemeClr val="bg1">
-                    <a:lumMod val="65000"/>
-                  </a:schemeClr>
-                </a:solidFill>
-              </a:rPr>
-              <a:t>)</a:t>
-            </a:r>
-          </a:p>
-          <a:p>
-            <a:pPr lvl="1"/>
-            <a:r>
-              <a:rPr lang="en-US" b="1" dirty="0" err="1" smtClean="0"/>
-              <a:t>IdSequencer</a:t>
-            </a:r>
-            <a:r>
-              <a:rPr lang="en-US" dirty="0" smtClean="0"/>
-              <a:t> for unique integers (</a:t>
-            </a:r>
-            <a:r>
-              <a:rPr lang="en-US" dirty="0" smtClean="0">
-                <a:hlinkClick r:id="rId4"/>
-              </a:rPr>
-              <a:t>bit.ly/1d7zHz7</a:t>
-            </a:r>
-            <a:r>
-              <a:rPr lang="en-US" dirty="0" smtClean="0"/>
-              <a:t>)</a:t>
-            </a:r>
-            <a:endParaRPr lang="en-US" b="1" dirty="0" smtClean="0"/>
-          </a:p>
-        </p:txBody>
-      </p:sp>
       <p:pic>
         <p:nvPicPr>
-          <p:cNvPr id="9" name="Picture 8"/>
+          <p:cNvPr id="2" name="Picture 1"/>
           <p:cNvPicPr>
             <a:picLocks noChangeAspect="1"/>
           </p:cNvPicPr>
           <p:nvPr/>
         </p:nvPicPr>
         <p:blipFill>
-          <a:blip r:embed="rId5"/>
+          <a:blip r:embed="rId3"/>
           <a:stretch>
             <a:fillRect/>
           </a:stretch>
         </p:blipFill>
         <p:spPr>
           <a:xfrm>
-            <a:off x="1557337" y="3438525"/>
-            <a:ext cx="6162675" cy="3867150"/>
+            <a:off x="827441" y="464960"/>
+            <a:ext cx="6924675" cy="5905500"/>
           </a:xfrm>
           <a:prstGeom prst="rect">
             <a:avLst/>
@@ -21879,7 +19618,7 @@
     </p:spTree>
     <p:extLst>
       <p:ext uri="{BB962C8B-B14F-4D97-AF65-F5344CB8AC3E}">
-        <p14:creationId xmlns:p14="http://schemas.microsoft.com/office/powerpoint/2010/main" val="2183365210"/>
+        <p14:creationId xmlns:p14="http://schemas.microsoft.com/office/powerpoint/2010/main" val="3533732570"/>
       </p:ext>
     </p:extLst>
   </p:cSld>
@@ -21931,12 +19670,8 @@
           <a:lstStyle/>
           <a:p>
             <a:r>
-              <a:rPr lang="en-US" sz="4800" dirty="0"/>
-              <a:t>Patterns &amp; Practices – </a:t>
-            </a:r>
-            <a:r>
               <a:rPr lang="en-US" sz="4800" dirty="0" smtClean="0"/>
-              <a:t>Test Helpers</a:t>
+              <a:t>Order brought to chaos</a:t>
             </a:r>
             <a:endParaRPr lang="en-US" sz="4800" dirty="0"/>
           </a:p>
@@ -21957,16 +19692,18 @@
           <a:bodyPr/>
           <a:lstStyle/>
           <a:p>
-            <a:r>
-              <a:rPr lang="en-US" dirty="0" smtClean="0"/>
-              <a:t>Can act like an Object Mother, too</a:t>
-            </a:r>
+            <a:pPr lvl="1"/>
+            <a:endParaRPr lang="en-US" dirty="0" smtClean="0"/>
+          </a:p>
+          <a:p>
+            <a:pPr lvl="2"/>
+            <a:endParaRPr lang="en-US" dirty="0"/>
           </a:p>
         </p:txBody>
       </p:sp>
       <p:pic>
         <p:nvPicPr>
-          <p:cNvPr id="7" name="Picture 6"/>
+          <p:cNvPr id="5" name="Picture 4"/>
           <p:cNvPicPr>
             <a:picLocks noChangeAspect="1"/>
           </p:cNvPicPr>
@@ -21980,8 +19717,8 @@
         </p:blipFill>
         <p:spPr>
           <a:xfrm>
-            <a:off x="838200" y="2780020"/>
-            <a:ext cx="7124700" cy="1352550"/>
+            <a:off x="987248" y="1690688"/>
+            <a:ext cx="11109147" cy="4311906"/>
           </a:xfrm>
           <a:prstGeom prst="rect">
             <a:avLst/>
@@ -21991,7 +19728,7 @@
     </p:spTree>
     <p:extLst>
       <p:ext uri="{BB962C8B-B14F-4D97-AF65-F5344CB8AC3E}">
-        <p14:creationId xmlns:p14="http://schemas.microsoft.com/office/powerpoint/2010/main" val="2018285815"/>
+        <p14:creationId xmlns:p14="http://schemas.microsoft.com/office/powerpoint/2010/main" val="1364731000"/>
       </p:ext>
     </p:extLst>
   </p:cSld>
@@ -22096,88 +19833,31 @@
             <p:ph type="title"/>
           </p:nvPr>
         </p:nvSpPr>
-        <p:spPr/>
+        <p:spPr>
+          <a:xfrm>
+            <a:off x="905934" y="2380192"/>
+            <a:ext cx="10515600" cy="1325563"/>
+          </a:xfrm>
+        </p:spPr>
         <p:txBody>
           <a:bodyPr>
             <a:normAutofit/>
           </a:bodyPr>
           <a:lstStyle/>
           <a:p>
+            <a:pPr algn="ctr"/>
             <a:r>
               <a:rPr lang="en-US" sz="4800" dirty="0" smtClean="0"/>
-              <a:t>Good setup code is highly expressive</a:t>
+              <a:t>What about integration tests?</a:t>
             </a:r>
             <a:endParaRPr lang="en-US" sz="4800" dirty="0"/>
           </a:p>
         </p:txBody>
       </p:sp>
-      <p:sp>
-        <p:nvSpPr>
-          <p:cNvPr id="3" name="Content Placeholder 2"/>
-          <p:cNvSpPr>
-            <a:spLocks noGrp="1"/>
-          </p:cNvSpPr>
-          <p:nvPr>
-            <p:ph idx="1"/>
-          </p:nvPr>
-        </p:nvSpPr>
-        <p:spPr/>
-        <p:txBody>
-          <a:bodyPr/>
-          <a:lstStyle/>
-          <a:p>
-            <a:r>
-              <a:rPr lang="en-US" sz="4000" dirty="0" smtClean="0"/>
-              <a:t>Make clear </a:t>
-            </a:r>
-            <a:r>
-              <a:rPr lang="en-US" sz="4000" i="1" dirty="0" smtClean="0"/>
-              <a:t>why </a:t>
-            </a:r>
-            <a:r>
-              <a:rPr lang="en-US" sz="4000" dirty="0" smtClean="0"/>
-              <a:t>you’re doing what you’re doing</a:t>
-            </a:r>
-          </a:p>
-          <a:p>
-            <a:endParaRPr lang="en-US" dirty="0" smtClean="0"/>
-          </a:p>
-          <a:p>
-            <a:endParaRPr lang="en-US" dirty="0" smtClean="0"/>
-          </a:p>
-          <a:p>
-            <a:endParaRPr lang="en-US" dirty="0" smtClean="0"/>
-          </a:p>
-        </p:txBody>
-      </p:sp>
-      <p:pic>
-        <p:nvPicPr>
-          <p:cNvPr id="5" name="Picture 4"/>
-          <p:cNvPicPr>
-            <a:picLocks noChangeAspect="1"/>
-          </p:cNvPicPr>
-          <p:nvPr/>
-        </p:nvPicPr>
-        <p:blipFill>
-          <a:blip r:embed="rId3"/>
-          <a:stretch>
-            <a:fillRect/>
-          </a:stretch>
-        </p:blipFill>
-        <p:spPr>
-          <a:xfrm>
-            <a:off x="1133167" y="2661885"/>
-            <a:ext cx="9083256" cy="3989637"/>
-          </a:xfrm>
-          <a:prstGeom prst="rect">
-            <a:avLst/>
-          </a:prstGeom>
-        </p:spPr>
-      </p:pic>
     </p:spTree>
     <p:extLst>
       <p:ext uri="{BB962C8B-B14F-4D97-AF65-F5344CB8AC3E}">
-        <p14:creationId xmlns:p14="http://schemas.microsoft.com/office/powerpoint/2010/main" val="1979486094"/>
+        <p14:creationId xmlns:p14="http://schemas.microsoft.com/office/powerpoint/2010/main" val="414745154"/>
       </p:ext>
     </p:extLst>
   </p:cSld>
@@ -22224,7 +19904,7 @@
         <p:spPr>
           <a:xfrm>
             <a:off x="838199" y="365125"/>
-            <a:ext cx="11166987" cy="1325563"/>
+            <a:ext cx="10857271" cy="1325563"/>
           </a:xfrm>
         </p:spPr>
         <p:txBody>
@@ -22235,7 +19915,7 @@
           <a:p>
             <a:r>
               <a:rPr lang="en-US" sz="4800" dirty="0" smtClean="0"/>
-              <a:t>Good setup code highlights what matters…</a:t>
+              <a:t>Integration Tests</a:t>
             </a:r>
             <a:endParaRPr lang="en-US" sz="4800" dirty="0"/>
           </a:p>
@@ -22251,26 +19931,81 @@
             <p:ph idx="1"/>
           </p:nvPr>
         </p:nvSpPr>
-        <p:spPr/>
-        <p:txBody>
-          <a:bodyPr/>
-          <a:lstStyle/>
-          <a:p>
-            <a:pPr lvl="1"/>
-            <a:endParaRPr lang="en-US" dirty="0"/>
-          </a:p>
-          <a:p>
-            <a:pPr marL="457200" lvl="1" indent="0">
+        <p:spPr>
+          <a:xfrm>
+            <a:off x="838199" y="1825625"/>
+            <a:ext cx="10621297" cy="4351338"/>
+          </a:xfrm>
+        </p:spPr>
+        <p:txBody>
+          <a:bodyPr>
+            <a:normAutofit lnSpcReduction="10000"/>
+          </a:bodyPr>
+          <a:lstStyle/>
+          <a:p>
+            <a:r>
+              <a:rPr lang="en-US" sz="4000" dirty="0" smtClean="0"/>
+              <a:t>Foreign keys</a:t>
+            </a:r>
+            <a:br>
+              <a:rPr lang="en-US" sz="4000" dirty="0" smtClean="0"/>
+            </a:br>
+            <a:endParaRPr lang="en-US" sz="4000" dirty="0" smtClean="0"/>
+          </a:p>
+          <a:p>
+            <a:r>
+              <a:rPr lang="en-US" sz="4000" dirty="0" smtClean="0"/>
+              <a:t>Database assigned ID values</a:t>
+            </a:r>
+            <a:br>
+              <a:rPr lang="en-US" sz="4000" dirty="0" smtClean="0"/>
+            </a:br>
+            <a:endParaRPr lang="en-US" sz="4000" dirty="0" smtClean="0"/>
+          </a:p>
+          <a:p>
+            <a:r>
+              <a:rPr lang="en-US" sz="4000" dirty="0" smtClean="0"/>
+              <a:t>Column constraints</a:t>
+            </a:r>
+          </a:p>
+          <a:p>
+            <a:endParaRPr lang="en-US" sz="4000" dirty="0" smtClean="0"/>
+          </a:p>
+          <a:p>
+            <a:r>
+              <a:rPr lang="en-US" sz="4000" dirty="0" smtClean="0"/>
+              <a:t>Junk data left behind by tests</a:t>
+            </a:r>
+            <a:endParaRPr lang="en-US" sz="4000" dirty="0" smtClean="0"/>
+          </a:p>
+          <a:p>
+            <a:pPr marL="0" indent="0">
+              <a:buNone/>
+            </a:pPr>
+            <a:endParaRPr lang="en-US" sz="3600" dirty="0" smtClean="0"/>
+          </a:p>
+          <a:p>
+            <a:pPr marL="0" indent="0">
+              <a:buNone/>
+            </a:pPr>
+            <a:endParaRPr lang="en-US" sz="3600" dirty="0" smtClean="0"/>
+          </a:p>
+          <a:p>
+            <a:pPr marL="0" indent="0">
               <a:buNone/>
             </a:pPr>
             <a:endParaRPr lang="en-US" dirty="0"/>
           </a:p>
+          <a:p>
+            <a:pPr lvl="1"/>
+            <a:endParaRPr lang="en-US" dirty="0"/>
+          </a:p>
         </p:txBody>
       </p:sp>
     </p:spTree>
     <p:extLst>
       <p:ext uri="{BB962C8B-B14F-4D97-AF65-F5344CB8AC3E}">
-        <p14:creationId xmlns:p14="http://schemas.microsoft.com/office/powerpoint/2010/main" val="2146731744"/>
+        <p14:creationId xmlns:p14="http://schemas.microsoft.com/office/powerpoint/2010/main" val="3501759557"/>
       </p:ext>
     </p:extLst>
   </p:cSld>
@@ -22314,69 +20049,59 @@
             <p:ph type="title"/>
           </p:nvPr>
         </p:nvSpPr>
+        <p:spPr/>
+        <p:txBody>
+          <a:bodyPr>
+            <a:normAutofit/>
+          </a:bodyPr>
+          <a:lstStyle/>
+          <a:p>
+            <a:r>
+              <a:rPr lang="en-US" sz="4800" dirty="0" smtClean="0"/>
+              <a:t>Integration Tests</a:t>
+            </a:r>
+            <a:endParaRPr lang="en-US" sz="4800" dirty="0"/>
+          </a:p>
+        </p:txBody>
+      </p:sp>
+      <p:sp>
+        <p:nvSpPr>
+          <p:cNvPr id="3" name="Content Placeholder 2"/>
+          <p:cNvSpPr>
+            <a:spLocks noGrp="1"/>
+          </p:cNvSpPr>
+          <p:nvPr>
+            <p:ph idx="1"/>
+          </p:nvPr>
+        </p:nvSpPr>
         <p:spPr>
           <a:xfrm>
-            <a:off x="838199" y="365125"/>
-            <a:ext cx="11181735" cy="1325563"/>
+            <a:off x="838200" y="1825625"/>
+            <a:ext cx="10515600" cy="4357462"/>
           </a:xfrm>
         </p:spPr>
         <p:txBody>
           <a:bodyPr>
-            <a:noAutofit/>
+            <a:normAutofit/>
           </a:bodyPr>
           <a:lstStyle/>
           <a:p>
-            <a:r>
-              <a:rPr lang="en-US" sz="4800" dirty="0" smtClean="0"/>
-              <a:t>Good setup code highlights what matters…</a:t>
-            </a:r>
-            <a:endParaRPr lang="en-US" sz="4800" dirty="0"/>
-          </a:p>
-        </p:txBody>
-      </p:sp>
-      <p:sp>
-        <p:nvSpPr>
-          <p:cNvPr id="3" name="Content Placeholder 2"/>
-          <p:cNvSpPr>
-            <a:spLocks noGrp="1"/>
-          </p:cNvSpPr>
-          <p:nvPr>
-            <p:ph idx="1"/>
-          </p:nvPr>
-        </p:nvSpPr>
-        <p:spPr/>
-        <p:txBody>
-          <a:bodyPr/>
-          <a:lstStyle/>
-          <a:p>
-            <a:r>
-              <a:rPr lang="en-US" sz="4000" dirty="0" smtClean="0"/>
-              <a:t>Named constants for important values</a:t>
-            </a:r>
-            <a:r>
-              <a:rPr lang="en-US" dirty="0" smtClean="0"/>
-              <a:t/>
-            </a:r>
-            <a:br>
-              <a:rPr lang="en-US" dirty="0" smtClean="0"/>
-            </a:br>
-            <a:endParaRPr lang="en-US" dirty="0" smtClean="0"/>
-          </a:p>
-          <a:p>
-            <a:pPr lvl="1"/>
-            <a:endParaRPr lang="en-US" dirty="0"/>
-          </a:p>
-          <a:p>
-            <a:pPr marL="457200" lvl="1" indent="0">
+            <a:pPr marL="914400" lvl="2" indent="0">
               <a:buNone/>
             </a:pPr>
+            <a:r>
+              <a:rPr lang="en-US" dirty="0" smtClean="0"/>
+              <a:t>	</a:t>
+            </a:r>
+          </a:p>
+          <a:p>
             <a:endParaRPr lang="en-US" dirty="0"/>
           </a:p>
         </p:txBody>
       </p:sp>
       <p:pic>
         <p:nvPicPr>
-          <p:cNvPr id="4" name="Picture 3"/>
+          <p:cNvPr id="7" name="Picture 6"/>
           <p:cNvPicPr>
             <a:picLocks noChangeAspect="1"/>
           </p:cNvPicPr>
@@ -22390,8 +20115,8 @@
         </p:blipFill>
         <p:spPr>
           <a:xfrm>
-            <a:off x="838198" y="2814478"/>
-            <a:ext cx="10746621" cy="3497421"/>
+            <a:off x="838200" y="1690688"/>
+            <a:ext cx="9744075" cy="4533900"/>
           </a:xfrm>
           <a:prstGeom prst="rect">
             <a:avLst/>
@@ -22401,13 +20126,21 @@
     </p:spTree>
     <p:extLst>
       <p:ext uri="{BB962C8B-B14F-4D97-AF65-F5344CB8AC3E}">
-        <p14:creationId xmlns:p14="http://schemas.microsoft.com/office/powerpoint/2010/main" val="361819474"/>
+        <p14:creationId xmlns:p14="http://schemas.microsoft.com/office/powerpoint/2010/main" val="1306348548"/>
       </p:ext>
     </p:extLst>
   </p:cSld>
   <p:clrMapOvr>
     <a:masterClrMapping/>
   </p:clrMapOvr>
+  <mc:AlternateContent xmlns:mc="http://schemas.openxmlformats.org/markup-compatibility/2006" xmlns:p14="http://schemas.microsoft.com/office/powerpoint/2010/main">
+    <mc:Choice Requires="p14">
+      <p:transition spd="slow" p14:dur="2000"/>
+    </mc:Choice>
+    <mc:Fallback xmlns="">
+      <p:transition spd="slow"/>
+    </mc:Fallback>
+  </mc:AlternateContent>
   <p:timing>
     <p:tnLst>
       <p:par>
@@ -22445,62 +20178,52 @@
             <p:ph type="title"/>
           </p:nvPr>
         </p:nvSpPr>
+        <p:spPr/>
+        <p:txBody>
+          <a:bodyPr>
+            <a:normAutofit/>
+          </a:bodyPr>
+          <a:lstStyle/>
+          <a:p>
+            <a:r>
+              <a:rPr lang="en-US" sz="4800" dirty="0" smtClean="0"/>
+              <a:t>Integration Tests</a:t>
+            </a:r>
+            <a:endParaRPr lang="en-US" sz="4800" dirty="0"/>
+          </a:p>
+        </p:txBody>
+      </p:sp>
+      <p:sp>
+        <p:nvSpPr>
+          <p:cNvPr id="3" name="Content Placeholder 2"/>
+          <p:cNvSpPr>
+            <a:spLocks noGrp="1"/>
+          </p:cNvSpPr>
+          <p:nvPr>
+            <p:ph idx="1"/>
+          </p:nvPr>
+        </p:nvSpPr>
         <p:spPr>
           <a:xfrm>
-            <a:off x="838200" y="365125"/>
-            <a:ext cx="11122742" cy="1325563"/>
+            <a:off x="838200" y="1825625"/>
+            <a:ext cx="10515600" cy="4357462"/>
           </a:xfrm>
         </p:spPr>
         <p:txBody>
           <a:bodyPr>
-            <a:noAutofit/>
+            <a:normAutofit/>
           </a:bodyPr>
           <a:lstStyle/>
           <a:p>
-            <a:r>
-              <a:rPr lang="en-US" sz="4800" dirty="0" smtClean="0"/>
-              <a:t>Good setup code highlights what matters…</a:t>
-            </a:r>
-            <a:endParaRPr lang="en-US" sz="4800" dirty="0"/>
-          </a:p>
-        </p:txBody>
-      </p:sp>
-      <p:sp>
-        <p:nvSpPr>
-          <p:cNvPr id="3" name="Content Placeholder 2"/>
-          <p:cNvSpPr>
-            <a:spLocks noGrp="1"/>
-          </p:cNvSpPr>
-          <p:nvPr>
-            <p:ph idx="1"/>
-          </p:nvPr>
-        </p:nvSpPr>
-        <p:spPr/>
-        <p:txBody>
-          <a:bodyPr/>
-          <a:lstStyle/>
-          <a:p>
-            <a:r>
-              <a:rPr lang="en-US" sz="4000" dirty="0" smtClean="0"/>
-              <a:t>Named constants for important values</a:t>
-            </a:r>
-            <a:r>
-              <a:rPr lang="en-US" dirty="0" smtClean="0"/>
-              <a:t/>
-            </a:r>
-            <a:br>
-              <a:rPr lang="en-US" dirty="0" smtClean="0"/>
-            </a:br>
-            <a:endParaRPr lang="en-US" dirty="0" smtClean="0"/>
-          </a:p>
-          <a:p>
-            <a:pPr lvl="1"/>
-            <a:endParaRPr lang="en-US" dirty="0"/>
-          </a:p>
-          <a:p>
-            <a:pPr marL="457200" lvl="1" indent="0">
+            <a:pPr marL="914400" lvl="2" indent="0">
               <a:buNone/>
             </a:pPr>
+            <a:r>
+              <a:rPr lang="en-US" dirty="0" smtClean="0"/>
+              <a:t>	</a:t>
+            </a:r>
+          </a:p>
+          <a:p>
             <a:endParaRPr lang="en-US" dirty="0"/>
           </a:p>
         </p:txBody>
@@ -22521,8 +20244,8 @@
         </p:blipFill>
         <p:spPr>
           <a:xfrm>
-            <a:off x="838200" y="2759075"/>
-            <a:ext cx="9533942" cy="3995686"/>
+            <a:off x="838200" y="1690688"/>
+            <a:ext cx="9744075" cy="4533900"/>
           </a:xfrm>
           <a:prstGeom prst="rect">
             <a:avLst/>
@@ -22532,13 +20255,21 @@
     </p:spTree>
     <p:extLst>
       <p:ext uri="{BB962C8B-B14F-4D97-AF65-F5344CB8AC3E}">
-        <p14:creationId xmlns:p14="http://schemas.microsoft.com/office/powerpoint/2010/main" val="565920803"/>
+        <p14:creationId xmlns:p14="http://schemas.microsoft.com/office/powerpoint/2010/main" val="1658503186"/>
       </p:ext>
     </p:extLst>
   </p:cSld>
   <p:clrMapOvr>
     <a:masterClrMapping/>
   </p:clrMapOvr>
+  <mc:AlternateContent xmlns:mc="http://schemas.openxmlformats.org/markup-compatibility/2006" xmlns:p14="http://schemas.microsoft.com/office/powerpoint/2010/main">
+    <mc:Choice Requires="p14">
+      <p:transition spd="slow" p14:dur="2000"/>
+    </mc:Choice>
+    <mc:Fallback xmlns="">
+      <p:transition spd="slow"/>
+    </mc:Fallback>
+  </mc:AlternateContent>
   <p:timing>
     <p:tnLst>
       <p:par>
@@ -22576,69 +20307,59 @@
             <p:ph type="title"/>
           </p:nvPr>
         </p:nvSpPr>
+        <p:spPr/>
+        <p:txBody>
+          <a:bodyPr>
+            <a:normAutofit/>
+          </a:bodyPr>
+          <a:lstStyle/>
+          <a:p>
+            <a:r>
+              <a:rPr lang="en-US" sz="4800" dirty="0" smtClean="0"/>
+              <a:t>Integration Tests</a:t>
+            </a:r>
+            <a:endParaRPr lang="en-US" sz="4800" dirty="0"/>
+          </a:p>
+        </p:txBody>
+      </p:sp>
+      <p:sp>
+        <p:nvSpPr>
+          <p:cNvPr id="3" name="Content Placeholder 2"/>
+          <p:cNvSpPr>
+            <a:spLocks noGrp="1"/>
+          </p:cNvSpPr>
+          <p:nvPr>
+            <p:ph idx="1"/>
+          </p:nvPr>
+        </p:nvSpPr>
         <p:spPr>
           <a:xfrm>
-            <a:off x="838199" y="365125"/>
-            <a:ext cx="11093245" cy="1325563"/>
+            <a:off x="838200" y="1825625"/>
+            <a:ext cx="10515600" cy="4357462"/>
           </a:xfrm>
         </p:spPr>
         <p:txBody>
           <a:bodyPr>
-            <a:noAutofit/>
+            <a:normAutofit/>
           </a:bodyPr>
           <a:lstStyle/>
           <a:p>
-            <a:r>
-              <a:rPr lang="en-US" sz="4800" dirty="0" smtClean="0"/>
-              <a:t>Good setup code highlights what matters…</a:t>
-            </a:r>
-            <a:endParaRPr lang="en-US" sz="4800" dirty="0"/>
-          </a:p>
-        </p:txBody>
-      </p:sp>
-      <p:sp>
-        <p:nvSpPr>
-          <p:cNvPr id="3" name="Content Placeholder 2"/>
-          <p:cNvSpPr>
-            <a:spLocks noGrp="1"/>
-          </p:cNvSpPr>
-          <p:nvPr>
-            <p:ph idx="1"/>
-          </p:nvPr>
-        </p:nvSpPr>
-        <p:spPr/>
-        <p:txBody>
-          <a:bodyPr/>
-          <a:lstStyle/>
-          <a:p>
-            <a:r>
-              <a:rPr lang="en-US" sz="4000" dirty="0" smtClean="0"/>
-              <a:t>Give data objects descriptive names</a:t>
-            </a:r>
-            <a:r>
-              <a:rPr lang="en-US" dirty="0" smtClean="0"/>
-              <a:t/>
-            </a:r>
-            <a:br>
-              <a:rPr lang="en-US" dirty="0" smtClean="0"/>
-            </a:br>
-            <a:endParaRPr lang="en-US" dirty="0" smtClean="0"/>
-          </a:p>
-          <a:p>
-            <a:pPr lvl="1"/>
-            <a:endParaRPr lang="en-US" dirty="0"/>
-          </a:p>
-          <a:p>
-            <a:pPr marL="457200" lvl="1" indent="0">
+            <a:pPr marL="914400" lvl="2" indent="0">
               <a:buNone/>
             </a:pPr>
+            <a:r>
+              <a:rPr lang="en-US" dirty="0" smtClean="0"/>
+              <a:t>	</a:t>
+            </a:r>
+          </a:p>
+          <a:p>
             <a:endParaRPr lang="en-US" dirty="0"/>
           </a:p>
         </p:txBody>
       </p:sp>
       <p:pic>
         <p:nvPicPr>
-          <p:cNvPr id="4" name="Picture 3"/>
+          <p:cNvPr id="5" name="Picture 4"/>
           <p:cNvPicPr>
             <a:picLocks noChangeAspect="1"/>
           </p:cNvPicPr>
@@ -22652,8 +20373,8 @@
         </p:blipFill>
         <p:spPr>
           <a:xfrm>
-            <a:off x="947382" y="2820625"/>
-            <a:ext cx="10382394" cy="3934136"/>
+            <a:off x="838200" y="1690688"/>
+            <a:ext cx="9744075" cy="4533900"/>
           </a:xfrm>
           <a:prstGeom prst="rect">
             <a:avLst/>
@@ -22663,13 +20384,21 @@
     </p:spTree>
     <p:extLst>
       <p:ext uri="{BB962C8B-B14F-4D97-AF65-F5344CB8AC3E}">
-        <p14:creationId xmlns:p14="http://schemas.microsoft.com/office/powerpoint/2010/main" val="267703479"/>
+        <p14:creationId xmlns:p14="http://schemas.microsoft.com/office/powerpoint/2010/main" val="1525612099"/>
       </p:ext>
     </p:extLst>
   </p:cSld>
   <p:clrMapOvr>
     <a:masterClrMapping/>
   </p:clrMapOvr>
+  <mc:AlternateContent xmlns:mc="http://schemas.openxmlformats.org/markup-compatibility/2006" xmlns:p14="http://schemas.microsoft.com/office/powerpoint/2010/main">
+    <mc:Choice Requires="p14">
+      <p:transition spd="slow" p14:dur="2000"/>
+    </mc:Choice>
+    <mc:Fallback xmlns="">
+      <p:transition spd="slow"/>
+    </mc:Fallback>
+  </mc:AlternateContent>
   <p:timing>
     <p:tnLst>
       <p:par>
@@ -22716,15 +20445,50 @@
           <a:p>
             <a:r>
               <a:rPr lang="en-US" sz="4800" dirty="0" smtClean="0"/>
-              <a:t>Order brought to chaos</a:t>
+              <a:t>Integration Tests</a:t>
             </a:r>
             <a:endParaRPr lang="en-US" sz="4800" dirty="0"/>
+          </a:p>
+        </p:txBody>
+      </p:sp>
+      <p:sp>
+        <p:nvSpPr>
+          <p:cNvPr id="3" name="Content Placeholder 2"/>
+          <p:cNvSpPr>
+            <a:spLocks noGrp="1"/>
+          </p:cNvSpPr>
+          <p:nvPr>
+            <p:ph idx="1"/>
+          </p:nvPr>
+        </p:nvSpPr>
+        <p:spPr>
+          <a:xfrm>
+            <a:off x="838200" y="1825625"/>
+            <a:ext cx="10515600" cy="4357462"/>
+          </a:xfrm>
+        </p:spPr>
+        <p:txBody>
+          <a:bodyPr>
+            <a:normAutofit/>
+          </a:bodyPr>
+          <a:lstStyle/>
+          <a:p>
+            <a:pPr marL="914400" lvl="2" indent="0">
+              <a:buNone/>
+            </a:pPr>
+            <a:r>
+              <a:rPr lang="en-US" dirty="0" smtClean="0"/>
+              <a:t>	</a:t>
+            </a:r>
+          </a:p>
+          <a:p>
+            <a:endParaRPr lang="en-US" dirty="0"/>
           </a:p>
         </p:txBody>
       </p:sp>
       <p:pic>
         <p:nvPicPr>
-          <p:cNvPr id="7" name="Picture 6"/>
+          <p:cNvPr id="4" name="Picture 3"/>
           <p:cNvPicPr>
             <a:picLocks noChangeAspect="1"/>
           </p:cNvPicPr>
@@ -22738,8 +20502,8 @@
         </p:blipFill>
         <p:spPr>
           <a:xfrm>
-            <a:off x="838200" y="1264178"/>
-            <a:ext cx="8201025" cy="5210175"/>
+            <a:off x="838200" y="1690688"/>
+            <a:ext cx="9744075" cy="4533900"/>
           </a:xfrm>
           <a:prstGeom prst="rect">
             <a:avLst/>
@@ -22749,13 +20513,21 @@
     </p:spTree>
     <p:extLst>
       <p:ext uri="{BB962C8B-B14F-4D97-AF65-F5344CB8AC3E}">
-        <p14:creationId xmlns:p14="http://schemas.microsoft.com/office/powerpoint/2010/main" val="598815440"/>
+        <p14:creationId xmlns:p14="http://schemas.microsoft.com/office/powerpoint/2010/main" val="3734338714"/>
       </p:ext>
     </p:extLst>
   </p:cSld>
   <p:clrMapOvr>
     <a:masterClrMapping/>
   </p:clrMapOvr>
+  <mc:AlternateContent xmlns:mc="http://schemas.openxmlformats.org/markup-compatibility/2006" xmlns:p14="http://schemas.microsoft.com/office/powerpoint/2010/main">
+    <mc:Choice Requires="p14">
+      <p:transition spd="slow" p14:dur="2000"/>
+    </mc:Choice>
+    <mc:Fallback xmlns="">
+      <p:transition spd="slow"/>
+    </mc:Fallback>
+  </mc:AlternateContent>
   <p:timing>
     <p:tnLst>
       <p:par>
@@ -22783,6 +20555,75 @@
           <a:chExt cx="0" cy="0"/>
         </a:xfrm>
       </p:grpSpPr>
+      <p:sp>
+        <p:nvSpPr>
+          <p:cNvPr id="2" name="Title 1"/>
+          <p:cNvSpPr>
+            <a:spLocks noGrp="1"/>
+          </p:cNvSpPr>
+          <p:nvPr>
+            <p:ph type="title"/>
+          </p:nvPr>
+        </p:nvSpPr>
+        <p:spPr/>
+        <p:txBody>
+          <a:bodyPr>
+            <a:normAutofit/>
+          </a:bodyPr>
+          <a:lstStyle/>
+          <a:p>
+            <a:r>
+              <a:rPr lang="en-US" sz="4800" dirty="0" smtClean="0"/>
+              <a:t>Integration Tests</a:t>
+            </a:r>
+            <a:endParaRPr lang="en-US" sz="4800" dirty="0"/>
+          </a:p>
+        </p:txBody>
+      </p:sp>
+      <p:sp>
+        <p:nvSpPr>
+          <p:cNvPr id="3" name="Content Placeholder 2"/>
+          <p:cNvSpPr>
+            <a:spLocks noGrp="1"/>
+          </p:cNvSpPr>
+          <p:nvPr>
+            <p:ph idx="1"/>
+          </p:nvPr>
+        </p:nvSpPr>
+        <p:spPr/>
+        <p:txBody>
+          <a:bodyPr>
+            <a:normAutofit/>
+          </a:bodyPr>
+          <a:lstStyle/>
+          <a:p>
+            <a:pPr marL="0" indent="0">
+              <a:buNone/>
+            </a:pPr>
+            <a:r>
+              <a:rPr lang="en-US" sz="4000" dirty="0" smtClean="0"/>
+              <a:t>[Rollback] attribute</a:t>
+            </a:r>
+          </a:p>
+          <a:p>
+            <a:pPr lvl="1"/>
+            <a:r>
+              <a:rPr lang="en-US" sz="3200" dirty="0" smtClean="0"/>
+              <a:t>Creates DB transaction when test starts</a:t>
+            </a:r>
+          </a:p>
+          <a:p>
+            <a:pPr lvl="1"/>
+            <a:r>
+              <a:rPr lang="en-US" sz="3200" dirty="0" smtClean="0"/>
+              <a:t>Rolls back when test ends</a:t>
+            </a:r>
+          </a:p>
+          <a:p>
+            <a:endParaRPr lang="en-US" dirty="0"/>
+          </a:p>
+        </p:txBody>
+      </p:sp>
       <p:pic>
         <p:nvPicPr>
           <p:cNvPr id="6" name="Picture 5"/>
@@ -22799,8 +20640,8 @@
         </p:blipFill>
         <p:spPr>
           <a:xfrm>
-            <a:off x="826381" y="318383"/>
-            <a:ext cx="7400925" cy="5724525"/>
+            <a:off x="838200" y="3676650"/>
+            <a:ext cx="7715250" cy="3181350"/>
           </a:xfrm>
           <a:prstGeom prst="rect">
             <a:avLst/>
@@ -22810,13 +20651,21 @@
     </p:spTree>
     <p:extLst>
       <p:ext uri="{BB962C8B-B14F-4D97-AF65-F5344CB8AC3E}">
-        <p14:creationId xmlns:p14="http://schemas.microsoft.com/office/powerpoint/2010/main" val="1062604478"/>
+        <p14:creationId xmlns:p14="http://schemas.microsoft.com/office/powerpoint/2010/main" val="3022098581"/>
       </p:ext>
     </p:extLst>
   </p:cSld>
   <p:clrMapOvr>
     <a:masterClrMapping/>
   </p:clrMapOvr>
+  <mc:AlternateContent xmlns:mc="http://schemas.openxmlformats.org/markup-compatibility/2006" xmlns:p14="http://schemas.microsoft.com/office/powerpoint/2010/main">
+    <mc:Choice Requires="p14">
+      <p:transition spd="slow" p14:dur="2000"/>
+    </mc:Choice>
+    <mc:Fallback xmlns="">
+      <p:transition spd="slow"/>
+    </mc:Fallback>
+  </mc:AlternateContent>
   <p:timing>
     <p:tnLst>
       <p:par>
@@ -22844,34 +20693,128 @@
           <a:chExt cx="0" cy="0"/>
         </a:xfrm>
       </p:grpSpPr>
-      <p:pic>
-        <p:nvPicPr>
-          <p:cNvPr id="2" name="Picture 1"/>
-          <p:cNvPicPr>
-            <a:picLocks noChangeAspect="1"/>
-          </p:cNvPicPr>
-          <p:nvPr/>
-        </p:nvPicPr>
-        <p:blipFill>
-          <a:blip r:embed="rId3"/>
-          <a:stretch>
-            <a:fillRect/>
-          </a:stretch>
-        </p:blipFill>
+      <p:sp>
+        <p:nvSpPr>
+          <p:cNvPr id="2" name="Title 1"/>
+          <p:cNvSpPr>
+            <a:spLocks noGrp="1"/>
+          </p:cNvSpPr>
+          <p:nvPr>
+            <p:ph type="title"/>
+          </p:nvPr>
+        </p:nvSpPr>
         <p:spPr>
           <a:xfrm>
-            <a:off x="827441" y="464960"/>
-            <a:ext cx="6924675" cy="5905500"/>
+            <a:off x="838200" y="365125"/>
+            <a:ext cx="10886768" cy="1325563"/>
           </a:xfrm>
-          <a:prstGeom prst="rect">
-            <a:avLst/>
-          </a:prstGeom>
         </p:spPr>
-      </p:pic>
+        <p:txBody>
+          <a:bodyPr>
+            <a:noAutofit/>
+          </a:bodyPr>
+          <a:lstStyle/>
+          <a:p>
+            <a:r>
+              <a:rPr lang="en-US" sz="4800" dirty="0" smtClean="0"/>
+              <a:t>Frequently Asked Questions</a:t>
+            </a:r>
+            <a:endParaRPr lang="en-US" sz="4800" dirty="0"/>
+          </a:p>
+        </p:txBody>
+      </p:sp>
+      <p:sp>
+        <p:nvSpPr>
+          <p:cNvPr id="3" name="Content Placeholder 2"/>
+          <p:cNvSpPr>
+            <a:spLocks noGrp="1"/>
+          </p:cNvSpPr>
+          <p:nvPr>
+            <p:ph idx="1"/>
+          </p:nvPr>
+        </p:nvSpPr>
+        <p:spPr/>
+        <p:txBody>
+          <a:bodyPr>
+            <a:normAutofit/>
+          </a:bodyPr>
+          <a:lstStyle/>
+          <a:p>
+            <a:pPr marL="0" indent="0">
+              <a:buNone/>
+            </a:pPr>
+            <a:r>
+              <a:rPr lang="en-US" sz="4000" b="1" dirty="0" smtClean="0"/>
+              <a:t>Q:</a:t>
+            </a:r>
+            <a:r>
+              <a:rPr lang="en-US" sz="4000" dirty="0" smtClean="0"/>
+              <a:t> Why is this better than an "auto-builder" library?</a:t>
+            </a:r>
+            <a:endParaRPr lang="en-US" sz="4000" dirty="0"/>
+          </a:p>
+          <a:p>
+            <a:endParaRPr lang="en-US" dirty="0" smtClean="0"/>
+          </a:p>
+          <a:p>
+            <a:pPr marL="0" indent="0">
+              <a:buNone/>
+            </a:pPr>
+            <a:endParaRPr lang="en-US" dirty="0"/>
+          </a:p>
+          <a:p>
+            <a:pPr marL="0" indent="0">
+              <a:buNone/>
+            </a:pPr>
+            <a:r>
+              <a:rPr lang="en-US" sz="4000" b="1" dirty="0" smtClean="0"/>
+              <a:t>A:</a:t>
+            </a:r>
+            <a:r>
+              <a:rPr lang="en-US" sz="4000" dirty="0" smtClean="0"/>
+              <a:t> Control &amp; flexibility. Libraries don't scale well to complex object graphs.</a:t>
+            </a:r>
+            <a:endParaRPr lang="en-US" sz="4000" dirty="0"/>
+          </a:p>
+          <a:p>
+            <a:endParaRPr lang="en-US" dirty="0" smtClean="0"/>
+          </a:p>
+          <a:p>
+            <a:endParaRPr lang="en-US" dirty="0" smtClean="0"/>
+          </a:p>
+          <a:p>
+            <a:pPr lvl="1"/>
+            <a:endParaRPr lang="en-US" dirty="0" smtClean="0"/>
+          </a:p>
+          <a:p>
+            <a:endParaRPr lang="en-US" dirty="0" smtClean="0"/>
+          </a:p>
+          <a:p>
+            <a:pPr lvl="1"/>
+            <a:endParaRPr lang="en-US" dirty="0" smtClean="0"/>
+          </a:p>
+          <a:p>
+            <a:pPr lvl="1"/>
+            <a:endParaRPr lang="en-US" dirty="0" smtClean="0"/>
+          </a:p>
+          <a:p>
+            <a:pPr lvl="1"/>
+            <a:endParaRPr lang="en-US" dirty="0"/>
+          </a:p>
+          <a:p>
+            <a:pPr lvl="1"/>
+            <a:endParaRPr lang="en-US" dirty="0" smtClean="0"/>
+          </a:p>
+          <a:p>
+            <a:pPr lvl="1"/>
+            <a:endParaRPr lang="en-US" dirty="0"/>
+          </a:p>
+        </p:txBody>
+      </p:sp>
     </p:spTree>
     <p:extLst>
       <p:ext uri="{BB962C8B-B14F-4D97-AF65-F5344CB8AC3E}">
-        <p14:creationId xmlns:p14="http://schemas.microsoft.com/office/powerpoint/2010/main" val="3533732570"/>
+        <p14:creationId xmlns:p14="http://schemas.microsoft.com/office/powerpoint/2010/main" val="3584390364"/>
       </p:ext>
     </p:extLst>
   </p:cSld>
@@ -22915,6 +20858,36 @@
             <p:ph type="title"/>
           </p:nvPr>
         </p:nvSpPr>
+        <p:spPr>
+          <a:xfrm>
+            <a:off x="838200" y="365125"/>
+            <a:ext cx="10886768" cy="1325563"/>
+          </a:xfrm>
+        </p:spPr>
+        <p:txBody>
+          <a:bodyPr>
+            <a:noAutofit/>
+          </a:bodyPr>
+          <a:lstStyle/>
+          <a:p>
+            <a:r>
+              <a:rPr lang="en-US" sz="4800" dirty="0" smtClean="0"/>
+              <a:t>Frequently Asked Questions</a:t>
+            </a:r>
+            <a:endParaRPr lang="en-US" sz="4800" dirty="0"/>
+          </a:p>
+        </p:txBody>
+      </p:sp>
+      <p:sp>
+        <p:nvSpPr>
+          <p:cNvPr id="3" name="Content Placeholder 2"/>
+          <p:cNvSpPr>
+            <a:spLocks noGrp="1"/>
+          </p:cNvSpPr>
+          <p:nvPr>
+            <p:ph idx="1"/>
+          </p:nvPr>
+        </p:nvSpPr>
         <p:spPr/>
         <p:txBody>
           <a:bodyPr>
@@ -22922,66 +20895,81 @@
           </a:bodyPr>
           <a:lstStyle/>
           <a:p>
-            <a:r>
-              <a:rPr lang="en-US" sz="4800" dirty="0" smtClean="0"/>
-              <a:t>Order brought to chaos</a:t>
-            </a:r>
-            <a:endParaRPr lang="en-US" sz="4800" dirty="0"/>
-          </a:p>
-        </p:txBody>
-      </p:sp>
-      <p:sp>
-        <p:nvSpPr>
-          <p:cNvPr id="3" name="Content Placeholder 2"/>
-          <p:cNvSpPr>
-            <a:spLocks noGrp="1"/>
-          </p:cNvSpPr>
-          <p:nvPr>
-            <p:ph idx="1"/>
-          </p:nvPr>
-        </p:nvSpPr>
-        <p:spPr/>
-        <p:txBody>
-          <a:bodyPr/>
-          <a:lstStyle/>
+            <a:pPr marL="0" indent="0">
+              <a:buNone/>
+            </a:pPr>
+            <a:r>
+              <a:rPr lang="en-US" sz="4000" b="1" dirty="0" smtClean="0"/>
+              <a:t>Q:</a:t>
+            </a:r>
+            <a:r>
+              <a:rPr lang="en-US" sz="4000" dirty="0" smtClean="0"/>
+              <a:t> How easily can these patterns be applied to an existing system?</a:t>
+            </a:r>
+            <a:endParaRPr lang="en-US" sz="4000" dirty="0"/>
+          </a:p>
+          <a:p>
+            <a:endParaRPr lang="en-US" dirty="0" smtClean="0"/>
+          </a:p>
+          <a:p>
+            <a:pPr marL="0" indent="0">
+              <a:buNone/>
+            </a:pPr>
+            <a:endParaRPr lang="en-US" dirty="0"/>
+          </a:p>
+          <a:p>
+            <a:pPr marL="0" indent="0">
+              <a:buNone/>
+            </a:pPr>
+            <a:r>
+              <a:rPr lang="en-US" sz="4000" b="1" dirty="0" smtClean="0"/>
+              <a:t>A:</a:t>
+            </a:r>
+            <a:r>
+              <a:rPr lang="en-US" sz="4000" dirty="0" smtClean="0"/>
+              <a:t> It does take some effort, but it's worth it. Start with "leaf" objects and build from there.</a:t>
+            </a:r>
+            <a:endParaRPr lang="en-US" sz="4000" dirty="0"/>
+          </a:p>
+          <a:p>
+            <a:endParaRPr lang="en-US" dirty="0" smtClean="0"/>
+          </a:p>
+          <a:p>
+            <a:endParaRPr lang="en-US" dirty="0" smtClean="0"/>
+          </a:p>
           <a:p>
             <a:pPr lvl="1"/>
             <a:endParaRPr lang="en-US" dirty="0" smtClean="0"/>
           </a:p>
           <a:p>
-            <a:pPr lvl="2"/>
+            <a:endParaRPr lang="en-US" dirty="0" smtClean="0"/>
+          </a:p>
+          <a:p>
+            <a:pPr lvl="1"/>
+            <a:endParaRPr lang="en-US" dirty="0" smtClean="0"/>
+          </a:p>
+          <a:p>
+            <a:pPr lvl="1"/>
+            <a:endParaRPr lang="en-US" dirty="0" smtClean="0"/>
+          </a:p>
+          <a:p>
+            <a:pPr lvl="1"/>
             <a:endParaRPr lang="en-US" dirty="0"/>
           </a:p>
-        </p:txBody>
-      </p:sp>
-      <p:pic>
-        <p:nvPicPr>
-          <p:cNvPr id="5" name="Picture 4"/>
-          <p:cNvPicPr>
-            <a:picLocks noChangeAspect="1"/>
-          </p:cNvPicPr>
-          <p:nvPr/>
-        </p:nvPicPr>
-        <p:blipFill>
-          <a:blip r:embed="rId3"/>
-          <a:stretch>
-            <a:fillRect/>
-          </a:stretch>
-        </p:blipFill>
-        <p:spPr>
-          <a:xfrm>
-            <a:off x="987248" y="1690688"/>
-            <a:ext cx="10601325" cy="4114800"/>
-          </a:xfrm>
-          <a:prstGeom prst="rect">
-            <a:avLst/>
-          </a:prstGeom>
-        </p:spPr>
-      </p:pic>
+          <a:p>
+            <a:pPr lvl="1"/>
+            <a:endParaRPr lang="en-US" dirty="0" smtClean="0"/>
+          </a:p>
+          <a:p>
+            <a:pPr lvl="1"/>
+            <a:endParaRPr lang="en-US" dirty="0"/>
+          </a:p>
+        </p:txBody>
+      </p:sp>
     </p:spTree>
     <p:extLst>
       <p:ext uri="{BB962C8B-B14F-4D97-AF65-F5344CB8AC3E}">
-        <p14:creationId xmlns:p14="http://schemas.microsoft.com/office/powerpoint/2010/main" val="1364731000"/>
+        <p14:creationId xmlns:p14="http://schemas.microsoft.com/office/powerpoint/2010/main" val="1649853421"/>
       </p:ext>
     </p:extLst>
   </p:cSld>
@@ -23025,6 +21013,36 @@
             <p:ph type="title"/>
           </p:nvPr>
         </p:nvSpPr>
+        <p:spPr>
+          <a:xfrm>
+            <a:off x="838200" y="365125"/>
+            <a:ext cx="10886768" cy="1325563"/>
+          </a:xfrm>
+        </p:spPr>
+        <p:txBody>
+          <a:bodyPr>
+            <a:noAutofit/>
+          </a:bodyPr>
+          <a:lstStyle/>
+          <a:p>
+            <a:r>
+              <a:rPr lang="en-US" sz="4800" dirty="0" smtClean="0"/>
+              <a:t>Frequently Asked Questions</a:t>
+            </a:r>
+            <a:endParaRPr lang="en-US" sz="4800" dirty="0"/>
+          </a:p>
+        </p:txBody>
+      </p:sp>
+      <p:sp>
+        <p:nvSpPr>
+          <p:cNvPr id="3" name="Content Placeholder 2"/>
+          <p:cNvSpPr>
+            <a:spLocks noGrp="1"/>
+          </p:cNvSpPr>
+          <p:nvPr>
+            <p:ph idx="1"/>
+          </p:nvPr>
+        </p:nvSpPr>
         <p:spPr/>
         <p:txBody>
           <a:bodyPr>
@@ -23032,51 +21050,87 @@
           </a:bodyPr>
           <a:lstStyle/>
           <a:p>
-            <a:r>
-              <a:rPr lang="en-US" sz="4800" dirty="0" smtClean="0"/>
-              <a:t>Advanced Techniques – integration tests</a:t>
-            </a:r>
-            <a:endParaRPr lang="en-US" sz="4800" dirty="0"/>
-          </a:p>
-        </p:txBody>
-      </p:sp>
-      <p:sp>
-        <p:nvSpPr>
-          <p:cNvPr id="3" name="Content Placeholder 2"/>
-          <p:cNvSpPr>
-            <a:spLocks noGrp="1"/>
-          </p:cNvSpPr>
-          <p:nvPr>
-            <p:ph idx="1"/>
-          </p:nvPr>
-        </p:nvSpPr>
-        <p:spPr/>
-        <p:txBody>
-          <a:bodyPr/>
-          <a:lstStyle/>
-          <a:p>
-            <a:endParaRPr lang="en-US"/>
+            <a:pPr marL="0" indent="0">
+              <a:buNone/>
+            </a:pPr>
+            <a:r>
+              <a:rPr lang="en-US" sz="4000" b="1" dirty="0" smtClean="0"/>
+              <a:t>Q:</a:t>
+            </a:r>
+            <a:r>
+              <a:rPr lang="en-US" sz="4000" dirty="0" smtClean="0"/>
+              <a:t> Does it hurt to be this awesome?</a:t>
+            </a:r>
+            <a:endParaRPr lang="en-US" sz="4000" dirty="0"/>
+          </a:p>
+          <a:p>
+            <a:endParaRPr lang="en-US" dirty="0" smtClean="0"/>
+          </a:p>
+          <a:p>
+            <a:pPr marL="0" indent="0">
+              <a:buNone/>
+            </a:pPr>
+            <a:endParaRPr lang="en-US" dirty="0"/>
+          </a:p>
+          <a:p>
+            <a:pPr marL="0" indent="0">
+              <a:buNone/>
+            </a:pPr>
+            <a:r>
+              <a:rPr lang="en-US" sz="4000" b="1" dirty="0" smtClean="0"/>
+              <a:t>A:</a:t>
+            </a:r>
+            <a:r>
+              <a:rPr lang="en-US" sz="4000" dirty="0" smtClean="0"/>
+              <a:t> Nope.</a:t>
+            </a:r>
+            <a:endParaRPr lang="en-US" sz="4000" dirty="0"/>
+          </a:p>
+          <a:p>
+            <a:endParaRPr lang="en-US" dirty="0" smtClean="0"/>
+          </a:p>
+          <a:p>
+            <a:endParaRPr lang="en-US" dirty="0" smtClean="0"/>
+          </a:p>
+          <a:p>
+            <a:pPr lvl="1"/>
+            <a:endParaRPr lang="en-US" dirty="0" smtClean="0"/>
+          </a:p>
+          <a:p>
+            <a:endParaRPr lang="en-US" dirty="0" smtClean="0"/>
+          </a:p>
+          <a:p>
+            <a:pPr lvl="1"/>
+            <a:endParaRPr lang="en-US" dirty="0" smtClean="0"/>
+          </a:p>
+          <a:p>
+            <a:pPr lvl="1"/>
+            <a:endParaRPr lang="en-US" dirty="0" smtClean="0"/>
+          </a:p>
+          <a:p>
+            <a:pPr lvl="1"/>
+            <a:endParaRPr lang="en-US" dirty="0"/>
+          </a:p>
+          <a:p>
+            <a:pPr lvl="1"/>
+            <a:endParaRPr lang="en-US" dirty="0" smtClean="0"/>
+          </a:p>
+          <a:p>
+            <a:pPr lvl="1"/>
+            <a:endParaRPr lang="en-US" dirty="0"/>
           </a:p>
         </p:txBody>
       </p:sp>
     </p:spTree>
     <p:extLst>
       <p:ext uri="{BB962C8B-B14F-4D97-AF65-F5344CB8AC3E}">
-        <p14:creationId xmlns:p14="http://schemas.microsoft.com/office/powerpoint/2010/main" val="3853858223"/>
+        <p14:creationId xmlns:p14="http://schemas.microsoft.com/office/powerpoint/2010/main" val="3916945491"/>
       </p:ext>
     </p:extLst>
   </p:cSld>
   <p:clrMapOvr>
     <a:masterClrMapping/>
   </p:clrMapOvr>
-  <mc:AlternateContent xmlns:mc="http://schemas.openxmlformats.org/markup-compatibility/2006" xmlns:p14="http://schemas.microsoft.com/office/powerpoint/2010/main">
-    <mc:Choice Requires="p14">
-      <p:transition spd="slow" p14:dur="2000"/>
-    </mc:Choice>
-    <mc:Fallback xmlns="">
-      <p:transition spd="slow"/>
-    </mc:Fallback>
-  </mc:AlternateContent>
   <p:timing>
     <p:tnLst>
       <p:par>
@@ -23199,16 +21253,21 @@
             <p:ph type="title"/>
           </p:nvPr>
         </p:nvSpPr>
-        <p:spPr/>
+        <p:spPr>
+          <a:xfrm>
+            <a:off x="838200" y="365125"/>
+            <a:ext cx="10886768" cy="1325563"/>
+          </a:xfrm>
+        </p:spPr>
         <p:txBody>
           <a:bodyPr>
-            <a:normAutofit/>
+            <a:noAutofit/>
           </a:bodyPr>
           <a:lstStyle/>
           <a:p>
             <a:r>
               <a:rPr lang="en-US" sz="4800" dirty="0" smtClean="0"/>
-              <a:t>Advanced Techniques – integration tests</a:t>
+              <a:t>Patterns of Effective Test Setup</a:t>
             </a:r>
             <a:endParaRPr lang="en-US" sz="4800" dirty="0"/>
           </a:p>
@@ -23224,31 +21283,153 @@
             <p:ph idx="1"/>
           </p:nvPr>
         </p:nvSpPr>
-        <p:spPr/>
+        <p:spPr>
+          <a:xfrm>
+            <a:off x="838200" y="1825625"/>
+            <a:ext cx="10886768" cy="4899640"/>
+          </a:xfrm>
+        </p:spPr>
         <p:txBody>
           <a:bodyPr>
-            <a:normAutofit/>
+            <a:normAutofit lnSpcReduction="10000"/>
           </a:bodyPr>
           <a:lstStyle/>
           <a:p>
             <a:r>
-              <a:rPr lang="en-US" dirty="0" smtClean="0"/>
-              <a:t>Goal: same helpers create data in-memory and in-</a:t>
-            </a:r>
-            <a:r>
-              <a:rPr lang="en-US" dirty="0" err="1" smtClean="0"/>
-              <a:t>db</a:t>
-            </a:r>
-            <a:r>
-              <a:rPr lang="en-US" dirty="0" smtClean="0"/>
+              <a:rPr lang="en-US" sz="4000" dirty="0" smtClean="0"/>
+              <a:t>Stop creating objects by </a:t>
+            </a:r>
+            <a:r>
+              <a:rPr lang="en-US" sz="4000" dirty="0" smtClean="0"/>
+              <a:t>hand; use helpers</a:t>
+            </a:r>
+            <a:endParaRPr lang="en-US" sz="4000" dirty="0"/>
+          </a:p>
+          <a:p>
+            <a:r>
+              <a:rPr lang="en-US" sz="4000" dirty="0" smtClean="0"/>
+              <a:t>Specify </a:t>
+            </a:r>
+            <a:r>
+              <a:rPr lang="en-US" sz="4000" i="1" dirty="0" smtClean="0"/>
+              <a:t>only </a:t>
+            </a:r>
+            <a:r>
+              <a:rPr lang="en-US" sz="4000" dirty="0" smtClean="0"/>
+              <a:t>what matters</a:t>
+            </a:r>
+          </a:p>
+          <a:p>
+            <a:r>
+              <a:rPr lang="en-US" sz="4000" dirty="0" smtClean="0"/>
+              <a:t>Use scenarios for complex setup / for reuse</a:t>
+            </a:r>
+            <a:endParaRPr lang="en-US" sz="4000" dirty="0" smtClean="0">
+              <a:solidFill>
+                <a:schemeClr val="bg1">
+                  <a:lumMod val="65000"/>
+                </a:schemeClr>
+              </a:solidFill>
+            </a:endParaRPr>
+          </a:p>
+          <a:p>
+            <a:r>
+              <a:rPr lang="en-US" sz="4000" dirty="0" smtClean="0"/>
+              <a:t>Tell a story!</a:t>
+            </a:r>
+          </a:p>
+          <a:p>
+            <a:pPr marL="0" indent="0">
+              <a:buNone/>
+            </a:pPr>
+            <a:endParaRPr lang="en-US" sz="3200" dirty="0" smtClean="0">
+              <a:hlinkClick r:id="rId3"/>
+            </a:endParaRPr>
+          </a:p>
+          <a:p>
+            <a:pPr marL="0" indent="0">
+              <a:buNone/>
+            </a:pPr>
+            <a:r>
+              <a:rPr lang="en-US" sz="3600" dirty="0" smtClean="0">
+                <a:hlinkClick r:id="rId3"/>
+              </a:rPr>
+              <a:t>github.com/</a:t>
+            </a:r>
+            <a:r>
+              <a:rPr lang="en-US" sz="3600" dirty="0" err="1" smtClean="0">
+                <a:hlinkClick r:id="rId3"/>
+              </a:rPr>
+              <a:t>spetryjohnson</a:t>
+            </a:r>
+            <a:r>
+              <a:rPr lang="en-US" sz="3600" dirty="0" smtClean="0"/>
+              <a:t> </a:t>
+            </a:r>
+            <a:r>
+              <a:rPr lang="en-US" sz="3600" dirty="0" smtClean="0">
+                <a:solidFill>
+                  <a:schemeClr val="bg1">
+                    <a:lumMod val="50000"/>
+                  </a:schemeClr>
+                </a:solidFill>
+              </a:rPr>
+              <a:t>|</a:t>
+            </a:r>
+            <a:r>
+              <a:rPr lang="en-US" sz="3600" dirty="0" smtClean="0"/>
+              <a:t> </a:t>
+            </a:r>
+            <a:r>
+              <a:rPr lang="en-US" sz="3600" dirty="0" smtClean="0">
+                <a:hlinkClick r:id="rId4"/>
+              </a:rPr>
+              <a:t>www.petry-johnson.com</a:t>
+            </a:r>
+            <a:r>
+              <a:rPr lang="en-US" sz="3600" dirty="0" smtClean="0"/>
               <a:t/>
             </a:r>
             <a:br>
-              <a:rPr lang="en-US" dirty="0" smtClean="0"/>
+              <a:rPr lang="en-US" sz="3600" dirty="0" smtClean="0"/>
             </a:br>
+            <a:endParaRPr lang="en-US" sz="3600" dirty="0"/>
+          </a:p>
+          <a:p>
+            <a:pPr marL="0" indent="0" algn="ctr">
+              <a:buNone/>
+            </a:pPr>
+            <a:r>
+              <a:rPr lang="en-US" sz="3600" b="1" dirty="0" smtClean="0"/>
+              <a:t>@</a:t>
+            </a:r>
+            <a:r>
+              <a:rPr lang="en-US" sz="3600" b="1" dirty="0" err="1" smtClean="0"/>
+              <a:t>spetryjohnson</a:t>
+            </a:r>
+            <a:endParaRPr lang="en-US" b="1" dirty="0" smtClean="0"/>
+          </a:p>
+          <a:p>
             <a:endParaRPr lang="en-US" dirty="0" smtClean="0"/>
           </a:p>
           <a:p>
+            <a:pPr lvl="1"/>
+            <a:endParaRPr lang="en-US" dirty="0" smtClean="0"/>
+          </a:p>
+          <a:p>
+            <a:pPr lvl="1"/>
+            <a:endParaRPr lang="en-US" dirty="0" smtClean="0"/>
+          </a:p>
+          <a:p>
+            <a:pPr lvl="1"/>
+            <a:endParaRPr lang="en-US" dirty="0"/>
+          </a:p>
+          <a:p>
+            <a:pPr lvl="1"/>
+            <a:endParaRPr lang="en-US" dirty="0" smtClean="0"/>
+          </a:p>
+          <a:p>
+            <a:pPr lvl="1"/>
             <a:endParaRPr lang="en-US" dirty="0"/>
           </a:p>
         </p:txBody>
@@ -23256,21 +21437,13 @@
     </p:spTree>
     <p:extLst>
       <p:ext uri="{BB962C8B-B14F-4D97-AF65-F5344CB8AC3E}">
-        <p14:creationId xmlns:p14="http://schemas.microsoft.com/office/powerpoint/2010/main" val="3951267420"/>
+        <p14:creationId xmlns:p14="http://schemas.microsoft.com/office/powerpoint/2010/main" val="659085787"/>
       </p:ext>
     </p:extLst>
   </p:cSld>
   <p:clrMapOvr>
     <a:masterClrMapping/>
   </p:clrMapOvr>
-  <mc:AlternateContent xmlns:mc="http://schemas.openxmlformats.org/markup-compatibility/2006" xmlns:p14="http://schemas.microsoft.com/office/powerpoint/2010/main">
-    <mc:Choice Requires="p14">
-      <p:transition spd="slow" p14:dur="2000"/>
-    </mc:Choice>
-    <mc:Fallback xmlns="">
-      <p:transition spd="slow"/>
-    </mc:Fallback>
-  </mc:AlternateContent>
   <p:timing>
     <p:tnLst>
       <p:par>
@@ -23317,8 +21490,13 @@
           <a:p>
             <a:r>
               <a:rPr lang="en-US" sz="4800" dirty="0"/>
-              <a:t>Advanced Techniques – integration tests</a:t>
-            </a:r>
+              <a:t>Patterns &amp; Practices – </a:t>
+            </a:r>
+            <a:r>
+              <a:rPr lang="en-US" sz="4800" dirty="0" smtClean="0"/>
+              <a:t>Test Helpers</a:t>
+            </a:r>
+            <a:endParaRPr lang="en-US" sz="4800" dirty="0"/>
           </a:p>
         </p:txBody>
       </p:sp>
@@ -23332,18 +21510,28 @@
             <p:ph idx="1"/>
           </p:nvPr>
         </p:nvSpPr>
-        <p:spPr>
-          <a:xfrm>
-            <a:off x="838200" y="1825624"/>
-            <a:ext cx="10515600" cy="4894489"/>
-          </a:xfrm>
-        </p:spPr>
-        <p:txBody>
-          <a:bodyPr>
-            <a:normAutofit/>
-          </a:bodyPr>
-          <a:lstStyle/>
-          <a:p>
+        <p:spPr/>
+        <p:txBody>
+          <a:bodyPr/>
+          <a:lstStyle/>
+          <a:p>
+            <a:r>
+              <a:rPr lang="en-US" dirty="0"/>
+              <a:t>Assign unique values – avoid “unexpected equality”</a:t>
+            </a:r>
+          </a:p>
+          <a:p>
+            <a:pPr lvl="1"/>
+            <a:r>
+              <a:rPr lang="en-US" b="1" dirty="0" err="1" smtClean="0">
+                <a:solidFill>
+                  <a:schemeClr val="bg1">
+                    <a:lumMod val="65000"/>
+                  </a:schemeClr>
+                </a:solidFill>
+              </a:rPr>
+              <a:t>ShortGuid</a:t>
+            </a:r>
             <a:r>
               <a:rPr lang="en-US" dirty="0" smtClean="0">
                 <a:solidFill>
@@ -23352,77 +21540,88 @@
                   </a:schemeClr>
                 </a:solidFill>
               </a:rPr>
-              <a:t>Goal: same helpers create data in-memory and in-</a:t>
-            </a:r>
-            <a:r>
-              <a:rPr lang="en-US" dirty="0" err="1" smtClean="0">
+              <a:t> for short, unique strings (</a:t>
+            </a:r>
+            <a:r>
+              <a:rPr lang="en-US" dirty="0" smtClean="0">
+                <a:solidFill>
+                  <a:schemeClr val="bg1">
+                    <a:lumMod val="65000"/>
+                  </a:schemeClr>
+                </a:solidFill>
+                <a:hlinkClick r:id="rId3" action="ppaction://hlinkfile"/>
+              </a:rPr>
+              <a:t>bit.ly/1dCxSbe</a:t>
+            </a:r>
+            <a:r>
+              <a:rPr lang="en-US" dirty="0" smtClean="0">
                 <a:solidFill>
                   <a:schemeClr val="bg1">
                     <a:lumMod val="65000"/>
                   </a:schemeClr>
                 </a:solidFill>
               </a:rPr>
-              <a:t>db</a:t>
+              <a:t>)</a:t>
+            </a:r>
+          </a:p>
+          <a:p>
+            <a:pPr lvl="1"/>
+            <a:r>
+              <a:rPr lang="en-US" b="1" dirty="0" err="1" smtClean="0"/>
+              <a:t>IdSequencer</a:t>
             </a:r>
             <a:r>
               <a:rPr lang="en-US" dirty="0" smtClean="0"/>
-              <a:t/>
-            </a:r>
-            <a:br>
+              <a:t> for unique integers (</a:t>
+            </a:r>
+            <a:r>
+              <a:rPr lang="en-US" dirty="0" smtClean="0">
+                <a:hlinkClick r:id="rId4"/>
+              </a:rPr>
+              <a:t>bit.ly/1d7zHz7</a:t>
+            </a:r>
+            <a:r>
               <a:rPr lang="en-US" dirty="0" smtClean="0"/>
-            </a:br>
-            <a:endParaRPr lang="en-US" dirty="0" smtClean="0"/>
-          </a:p>
-          <a:p>
-            <a:r>
-              <a:rPr lang="en-US" dirty="0" smtClean="0"/>
-              <a:t>Challenges:</a:t>
-            </a:r>
-          </a:p>
-          <a:p>
-            <a:pPr lvl="1"/>
-            <a:r>
-              <a:rPr lang="en-US" dirty="0" smtClean="0"/>
-              <a:t>Foreign keys</a:t>
-            </a:r>
-          </a:p>
-          <a:p>
-            <a:pPr lvl="1"/>
-            <a:r>
-              <a:rPr lang="en-US" dirty="0" smtClean="0"/>
-              <a:t>Column constraints</a:t>
-            </a:r>
-          </a:p>
-          <a:p>
-            <a:pPr lvl="1"/>
-            <a:r>
-              <a:rPr lang="en-US" dirty="0" smtClean="0"/>
-              <a:t>Don’t litter database with junk data</a:t>
-            </a:r>
-          </a:p>
-          <a:p>
-            <a:endParaRPr lang="en-US" dirty="0"/>
-          </a:p>
-        </p:txBody>
-      </p:sp>
+              <a:t>)</a:t>
+            </a:r>
+            <a:endParaRPr lang="en-US" b="1" dirty="0" smtClean="0"/>
+          </a:p>
+        </p:txBody>
+      </p:sp>
+      <p:pic>
+        <p:nvPicPr>
+          <p:cNvPr id="9" name="Picture 8"/>
+          <p:cNvPicPr>
+            <a:picLocks noChangeAspect="1"/>
+          </p:cNvPicPr>
+          <p:nvPr/>
+        </p:nvPicPr>
+        <p:blipFill>
+          <a:blip r:embed="rId5"/>
+          <a:stretch>
+            <a:fillRect/>
+          </a:stretch>
+        </p:blipFill>
+        <p:spPr>
+          <a:xfrm>
+            <a:off x="1557337" y="3438525"/>
+            <a:ext cx="6162675" cy="3867150"/>
+          </a:xfrm>
+          <a:prstGeom prst="rect">
+            <a:avLst/>
+          </a:prstGeom>
+        </p:spPr>
+      </p:pic>
     </p:spTree>
     <p:extLst>
       <p:ext uri="{BB962C8B-B14F-4D97-AF65-F5344CB8AC3E}">
-        <p14:creationId xmlns:p14="http://schemas.microsoft.com/office/powerpoint/2010/main" val="1548533677"/>
+        <p14:creationId xmlns:p14="http://schemas.microsoft.com/office/powerpoint/2010/main" val="2183365210"/>
       </p:ext>
     </p:extLst>
   </p:cSld>
   <p:clrMapOvr>
     <a:masterClrMapping/>
   </p:clrMapOvr>
-  <mc:AlternateContent xmlns:mc="http://schemas.openxmlformats.org/markup-compatibility/2006" xmlns:p14="http://schemas.microsoft.com/office/powerpoint/2010/main">
-    <mc:Choice Requires="p14">
-      <p:transition spd="slow" p14:dur="2000"/>
-    </mc:Choice>
-    <mc:Fallback xmlns="">
-      <p:transition spd="slow"/>
-    </mc:Fallback>
-  </mc:AlternateContent>
   <p:timing>
     <p:tnLst>
       <p:par>
@@ -23468,9 +21667,10 @@
           <a:lstStyle/>
           <a:p>
             <a:r>
-              <a:rPr lang="en-US" sz="4800" dirty="0"/>
-              <a:t>Advanced Techniques – integration tests</a:t>
-            </a:r>
+              <a:rPr lang="en-US" sz="4800" dirty="0" smtClean="0"/>
+              <a:t>Parting Words of Wisdom</a:t>
+            </a:r>
+            <a:endParaRPr lang="en-US" sz="4800" dirty="0"/>
           </a:p>
         </p:txBody>
       </p:sp>
@@ -23484,121 +21684,86 @@
             <p:ph idx="1"/>
           </p:nvPr>
         </p:nvSpPr>
-        <p:spPr>
-          <a:xfrm>
-            <a:off x="838200" y="1825624"/>
-            <a:ext cx="10515600" cy="4894489"/>
-          </a:xfrm>
-        </p:spPr>
-        <p:txBody>
-          <a:bodyPr>
-            <a:normAutofit/>
-          </a:bodyPr>
-          <a:lstStyle/>
-          <a:p>
+        <p:spPr/>
+        <p:txBody>
+          <a:bodyPr/>
+          <a:lstStyle/>
+          <a:p>
+            <a:r>
+              <a:rPr lang="en-US" dirty="0" smtClean="0"/>
+              <a:t>Hard to test == too complex. Simplify!</a:t>
+            </a:r>
+          </a:p>
+          <a:p>
+            <a:endParaRPr lang="en-US" dirty="0"/>
+          </a:p>
+          <a:p>
+            <a:r>
+              <a:rPr lang="en-US" b="1" dirty="0" smtClean="0"/>
+              <a:t>Liked what you saw today?</a:t>
+            </a:r>
+          </a:p>
+          <a:p>
+            <a:pPr lvl="1"/>
+            <a:r>
+              <a:rPr lang="en-US" dirty="0" smtClean="0"/>
+              <a:t>Download materials from </a:t>
+            </a:r>
             <a:r>
               <a:rPr lang="en-US" dirty="0" smtClean="0">
-                <a:solidFill>
-                  <a:schemeClr val="bg1">
-                    <a:lumMod val="65000"/>
-                  </a:schemeClr>
-                </a:solidFill>
+                <a:hlinkClick r:id="rId3"/>
               </a:rPr>
-              <a:t>Goal: same helpers create data in-memory and in-</a:t>
+              <a:t>github.com/</a:t>
             </a:r>
             <a:r>
               <a:rPr lang="en-US" dirty="0" err="1" smtClean="0">
-                <a:solidFill>
-                  <a:schemeClr val="bg1">
-                    <a:lumMod val="65000"/>
-                  </a:schemeClr>
-                </a:solidFill>
+                <a:hlinkClick r:id="rId3"/>
               </a:rPr>
-              <a:t>db</a:t>
-            </a:r>
+              <a:t>spetryjohnson</a:t>
+            </a:r>
+            <a:endParaRPr lang="en-US" dirty="0" smtClean="0"/>
+          </a:p>
+          <a:p>
+            <a:pPr lvl="1"/>
             <a:r>
               <a:rPr lang="en-US" dirty="0" smtClean="0"/>
-              <a:t/>
-            </a:r>
-            <a:br>
+              <a:t>Read my blog at </a:t>
+            </a:r>
+            <a:r>
+              <a:rPr lang="en-US" dirty="0" smtClean="0">
+                <a:hlinkClick r:id="rId4"/>
+              </a:rPr>
+              <a:t>petry-johnson.com</a:t>
+            </a:r>
+            <a:endParaRPr lang="en-US" dirty="0"/>
+          </a:p>
+          <a:p>
+            <a:endParaRPr lang="en-US" dirty="0" smtClean="0"/>
+          </a:p>
+          <a:p>
+            <a:r>
+              <a:rPr lang="en-US" b="1" dirty="0" smtClean="0"/>
+              <a:t>Questions / Comments / Suggestions / Flames?</a:t>
+            </a:r>
+          </a:p>
+          <a:p>
+            <a:pPr lvl="1"/>
+            <a:r>
               <a:rPr lang="en-US" dirty="0" smtClean="0"/>
-            </a:br>
+              <a:t>@</a:t>
+            </a:r>
+            <a:r>
+              <a:rPr lang="en-US" dirty="0" err="1" smtClean="0"/>
+              <a:t>spetryjohnson</a:t>
+            </a:r>
             <a:endParaRPr lang="en-US" dirty="0" smtClean="0"/>
           </a:p>
           <a:p>
-            <a:r>
-              <a:rPr lang="en-US" dirty="0" smtClean="0">
-                <a:solidFill>
-                  <a:schemeClr val="bg1">
-                    <a:lumMod val="65000"/>
-                  </a:schemeClr>
-                </a:solidFill>
-              </a:rPr>
-              <a:t>Challenges:</a:t>
-            </a:r>
-          </a:p>
-          <a:p>
             <a:pPr lvl="1"/>
             <a:r>
-              <a:rPr lang="en-US" dirty="0" smtClean="0">
-                <a:solidFill>
-                  <a:schemeClr val="bg1">
-                    <a:lumMod val="65000"/>
-                  </a:schemeClr>
-                </a:solidFill>
-              </a:rPr>
-              <a:t>Foreign keys</a:t>
-            </a:r>
-          </a:p>
-          <a:p>
-            <a:pPr lvl="1"/>
-            <a:r>
-              <a:rPr lang="en-US" dirty="0" smtClean="0">
-                <a:solidFill>
-                  <a:schemeClr val="bg1">
-                    <a:lumMod val="65000"/>
-                  </a:schemeClr>
-                </a:solidFill>
-              </a:rPr>
-              <a:t>Column constraints</a:t>
-            </a:r>
-          </a:p>
-          <a:p>
-            <a:pPr lvl="1"/>
-            <a:r>
-              <a:rPr lang="en-US" dirty="0" smtClean="0">
-                <a:solidFill>
-                  <a:schemeClr val="bg1">
-                    <a:lumMod val="65000"/>
-                  </a:schemeClr>
-                </a:solidFill>
-              </a:rPr>
-              <a:t>Don’t litter database with junk data</a:t>
-            </a:r>
-            <a:r>
               <a:rPr lang="en-US" dirty="0" smtClean="0"/>
-              <a:t/>
-            </a:r>
-            <a:br>
-              <a:rPr lang="en-US" dirty="0" smtClean="0"/>
-            </a:br>
-            <a:endParaRPr lang="en-US" dirty="0" smtClean="0"/>
-          </a:p>
-          <a:p>
-            <a:r>
-              <a:rPr lang="en-US" dirty="0" smtClean="0"/>
-              <a:t>Solution: Add a </a:t>
-            </a:r>
-            <a:r>
-              <a:rPr lang="en-US" i="1" dirty="0" smtClean="0"/>
-              <a:t>Save() </a:t>
-            </a:r>
-            <a:r>
-              <a:rPr lang="en-US" dirty="0" smtClean="0"/>
-              <a:t>method to Test Helpers</a:t>
-            </a:r>
-          </a:p>
-          <a:p>
+              <a:t>seth@petry-johnson.com</a:t>
+            </a:r>
             <a:endParaRPr lang="en-US" dirty="0"/>
           </a:p>
         </p:txBody>
@@ -23606,957 +21771,7 @@
     </p:spTree>
     <p:extLst>
       <p:ext uri="{BB962C8B-B14F-4D97-AF65-F5344CB8AC3E}">
-        <p14:creationId xmlns:p14="http://schemas.microsoft.com/office/powerpoint/2010/main" val="2330347692"/>
-      </p:ext>
-    </p:extLst>
-  </p:cSld>
-  <p:clrMapOvr>
-    <a:masterClrMapping/>
-  </p:clrMapOvr>
-  <mc:AlternateContent xmlns:mc="http://schemas.openxmlformats.org/markup-compatibility/2006" xmlns:p14="http://schemas.microsoft.com/office/powerpoint/2010/main">
-    <mc:Choice Requires="p14">
-      <p:transition spd="slow" p14:dur="2000"/>
-    </mc:Choice>
-    <mc:Fallback xmlns="">
-      <p:transition spd="slow"/>
-    </mc:Fallback>
-  </mc:AlternateContent>
-  <p:timing>
-    <p:tnLst>
-      <p:par>
-        <p:cTn id="1" dur="indefinite" restart="never" nodeType="tmRoot"/>
-      </p:par>
-    </p:tnLst>
-  </p:timing>
-</p:sld>
-</file>
-
-<file path=ppt/slides/slide73.xml><?xml version="1.0" encoding="utf-8"?>
-<p:sld xmlns:a="http://schemas.openxmlformats.org/drawingml/2006/main" xmlns:r="http://schemas.openxmlformats.org/officeDocument/2006/relationships" xmlns:p="http://schemas.openxmlformats.org/presentationml/2006/main">
-  <p:cSld>
-    <p:spTree>
-      <p:nvGrpSpPr>
-        <p:cNvPr id="1" name=""/>
-        <p:cNvGrpSpPr/>
-        <p:nvPr/>
-      </p:nvGrpSpPr>
-      <p:grpSpPr>
-        <a:xfrm>
-          <a:off x="0" y="0"/>
-          <a:ext cx="0" cy="0"/>
-          <a:chOff x="0" y="0"/>
-          <a:chExt cx="0" cy="0"/>
-        </a:xfrm>
-      </p:grpSpPr>
-      <p:sp>
-        <p:nvSpPr>
-          <p:cNvPr id="2" name="Title 1"/>
-          <p:cNvSpPr>
-            <a:spLocks noGrp="1"/>
-          </p:cNvSpPr>
-          <p:nvPr>
-            <p:ph type="title"/>
-          </p:nvPr>
-        </p:nvSpPr>
-        <p:spPr/>
-        <p:txBody>
-          <a:bodyPr>
-            <a:normAutofit/>
-          </a:bodyPr>
-          <a:lstStyle/>
-          <a:p>
-            <a:r>
-              <a:rPr lang="en-US" sz="4800" dirty="0"/>
-              <a:t>Advanced Techniques – integration tests</a:t>
-            </a:r>
-          </a:p>
-        </p:txBody>
-      </p:sp>
-      <p:sp>
-        <p:nvSpPr>
-          <p:cNvPr id="3" name="Content Placeholder 2"/>
-          <p:cNvSpPr>
-            <a:spLocks noGrp="1"/>
-          </p:cNvSpPr>
-          <p:nvPr>
-            <p:ph idx="1"/>
-          </p:nvPr>
-        </p:nvSpPr>
-        <p:spPr>
-          <a:xfrm>
-            <a:off x="838200" y="1825625"/>
-            <a:ext cx="10515600" cy="4357462"/>
-          </a:xfrm>
-        </p:spPr>
-        <p:txBody>
-          <a:bodyPr>
-            <a:normAutofit/>
-          </a:bodyPr>
-          <a:lstStyle/>
-          <a:p>
-            <a:pPr marL="914400" lvl="2" indent="0">
-              <a:buNone/>
-            </a:pPr>
-            <a:r>
-              <a:rPr lang="en-US" dirty="0" smtClean="0"/>
-              <a:t>	</a:t>
-            </a:r>
-          </a:p>
-          <a:p>
-            <a:endParaRPr lang="en-US" dirty="0"/>
-          </a:p>
-        </p:txBody>
-      </p:sp>
-      <p:pic>
-        <p:nvPicPr>
-          <p:cNvPr id="7" name="Picture 6"/>
-          <p:cNvPicPr>
-            <a:picLocks noChangeAspect="1"/>
-          </p:cNvPicPr>
-          <p:nvPr/>
-        </p:nvPicPr>
-        <p:blipFill>
-          <a:blip r:embed="rId3"/>
-          <a:stretch>
-            <a:fillRect/>
-          </a:stretch>
-        </p:blipFill>
-        <p:spPr>
-          <a:xfrm>
-            <a:off x="838200" y="1690688"/>
-            <a:ext cx="9744075" cy="4533900"/>
-          </a:xfrm>
-          <a:prstGeom prst="rect">
-            <a:avLst/>
-          </a:prstGeom>
-        </p:spPr>
-      </p:pic>
-    </p:spTree>
-    <p:extLst>
-      <p:ext uri="{BB962C8B-B14F-4D97-AF65-F5344CB8AC3E}">
-        <p14:creationId xmlns:p14="http://schemas.microsoft.com/office/powerpoint/2010/main" val="1306348548"/>
-      </p:ext>
-    </p:extLst>
-  </p:cSld>
-  <p:clrMapOvr>
-    <a:masterClrMapping/>
-  </p:clrMapOvr>
-  <mc:AlternateContent xmlns:mc="http://schemas.openxmlformats.org/markup-compatibility/2006" xmlns:p14="http://schemas.microsoft.com/office/powerpoint/2010/main">
-    <mc:Choice Requires="p14">
-      <p:transition spd="slow" p14:dur="2000"/>
-    </mc:Choice>
-    <mc:Fallback xmlns="">
-      <p:transition spd="slow"/>
-    </mc:Fallback>
-  </mc:AlternateContent>
-  <p:timing>
-    <p:tnLst>
-      <p:par>
-        <p:cTn id="1" dur="indefinite" restart="never" nodeType="tmRoot"/>
-      </p:par>
-    </p:tnLst>
-  </p:timing>
-</p:sld>
-</file>
-
-<file path=ppt/slides/slide74.xml><?xml version="1.0" encoding="utf-8"?>
-<p:sld xmlns:a="http://schemas.openxmlformats.org/drawingml/2006/main" xmlns:r="http://schemas.openxmlformats.org/officeDocument/2006/relationships" xmlns:p="http://schemas.openxmlformats.org/presentationml/2006/main">
-  <p:cSld>
-    <p:spTree>
-      <p:nvGrpSpPr>
-        <p:cNvPr id="1" name=""/>
-        <p:cNvGrpSpPr/>
-        <p:nvPr/>
-      </p:nvGrpSpPr>
-      <p:grpSpPr>
-        <a:xfrm>
-          <a:off x="0" y="0"/>
-          <a:ext cx="0" cy="0"/>
-          <a:chOff x="0" y="0"/>
-          <a:chExt cx="0" cy="0"/>
-        </a:xfrm>
-      </p:grpSpPr>
-      <p:sp>
-        <p:nvSpPr>
-          <p:cNvPr id="2" name="Title 1"/>
-          <p:cNvSpPr>
-            <a:spLocks noGrp="1"/>
-          </p:cNvSpPr>
-          <p:nvPr>
-            <p:ph type="title"/>
-          </p:nvPr>
-        </p:nvSpPr>
-        <p:spPr/>
-        <p:txBody>
-          <a:bodyPr>
-            <a:normAutofit/>
-          </a:bodyPr>
-          <a:lstStyle/>
-          <a:p>
-            <a:r>
-              <a:rPr lang="en-US" sz="4800" dirty="0"/>
-              <a:t>Advanced Techniques – integration tests</a:t>
-            </a:r>
-          </a:p>
-        </p:txBody>
-      </p:sp>
-      <p:sp>
-        <p:nvSpPr>
-          <p:cNvPr id="3" name="Content Placeholder 2"/>
-          <p:cNvSpPr>
-            <a:spLocks noGrp="1"/>
-          </p:cNvSpPr>
-          <p:nvPr>
-            <p:ph idx="1"/>
-          </p:nvPr>
-        </p:nvSpPr>
-        <p:spPr>
-          <a:xfrm>
-            <a:off x="838200" y="1825625"/>
-            <a:ext cx="10515600" cy="4357462"/>
-          </a:xfrm>
-        </p:spPr>
-        <p:txBody>
-          <a:bodyPr>
-            <a:normAutofit/>
-          </a:bodyPr>
-          <a:lstStyle/>
-          <a:p>
-            <a:pPr marL="914400" lvl="2" indent="0">
-              <a:buNone/>
-            </a:pPr>
-            <a:r>
-              <a:rPr lang="en-US" dirty="0" smtClean="0"/>
-              <a:t>	</a:t>
-            </a:r>
-          </a:p>
-          <a:p>
-            <a:endParaRPr lang="en-US" dirty="0"/>
-          </a:p>
-        </p:txBody>
-      </p:sp>
-      <p:pic>
-        <p:nvPicPr>
-          <p:cNvPr id="4" name="Picture 3"/>
-          <p:cNvPicPr>
-            <a:picLocks noChangeAspect="1"/>
-          </p:cNvPicPr>
-          <p:nvPr/>
-        </p:nvPicPr>
-        <p:blipFill>
-          <a:blip r:embed="rId3"/>
-          <a:stretch>
-            <a:fillRect/>
-          </a:stretch>
-        </p:blipFill>
-        <p:spPr>
-          <a:xfrm>
-            <a:off x="838200" y="1690688"/>
-            <a:ext cx="9744075" cy="4533900"/>
-          </a:xfrm>
-          <a:prstGeom prst="rect">
-            <a:avLst/>
-          </a:prstGeom>
-        </p:spPr>
-      </p:pic>
-    </p:spTree>
-    <p:extLst>
-      <p:ext uri="{BB962C8B-B14F-4D97-AF65-F5344CB8AC3E}">
-        <p14:creationId xmlns:p14="http://schemas.microsoft.com/office/powerpoint/2010/main" val="1658503186"/>
-      </p:ext>
-    </p:extLst>
-  </p:cSld>
-  <p:clrMapOvr>
-    <a:masterClrMapping/>
-  </p:clrMapOvr>
-  <mc:AlternateContent xmlns:mc="http://schemas.openxmlformats.org/markup-compatibility/2006" xmlns:p14="http://schemas.microsoft.com/office/powerpoint/2010/main">
-    <mc:Choice Requires="p14">
-      <p:transition spd="slow" p14:dur="2000"/>
-    </mc:Choice>
-    <mc:Fallback xmlns="">
-      <p:transition spd="slow"/>
-    </mc:Fallback>
-  </mc:AlternateContent>
-  <p:timing>
-    <p:tnLst>
-      <p:par>
-        <p:cTn id="1" dur="indefinite" restart="never" nodeType="tmRoot"/>
-      </p:par>
-    </p:tnLst>
-  </p:timing>
-</p:sld>
-</file>
-
-<file path=ppt/slides/slide75.xml><?xml version="1.0" encoding="utf-8"?>
-<p:sld xmlns:a="http://schemas.openxmlformats.org/drawingml/2006/main" xmlns:r="http://schemas.openxmlformats.org/officeDocument/2006/relationships" xmlns:p="http://schemas.openxmlformats.org/presentationml/2006/main">
-  <p:cSld>
-    <p:spTree>
-      <p:nvGrpSpPr>
-        <p:cNvPr id="1" name=""/>
-        <p:cNvGrpSpPr/>
-        <p:nvPr/>
-      </p:nvGrpSpPr>
-      <p:grpSpPr>
-        <a:xfrm>
-          <a:off x="0" y="0"/>
-          <a:ext cx="0" cy="0"/>
-          <a:chOff x="0" y="0"/>
-          <a:chExt cx="0" cy="0"/>
-        </a:xfrm>
-      </p:grpSpPr>
-      <p:sp>
-        <p:nvSpPr>
-          <p:cNvPr id="2" name="Title 1"/>
-          <p:cNvSpPr>
-            <a:spLocks noGrp="1"/>
-          </p:cNvSpPr>
-          <p:nvPr>
-            <p:ph type="title"/>
-          </p:nvPr>
-        </p:nvSpPr>
-        <p:spPr/>
-        <p:txBody>
-          <a:bodyPr>
-            <a:normAutofit/>
-          </a:bodyPr>
-          <a:lstStyle/>
-          <a:p>
-            <a:r>
-              <a:rPr lang="en-US" sz="4800" dirty="0"/>
-              <a:t>Advanced Techniques – integration tests</a:t>
-            </a:r>
-          </a:p>
-        </p:txBody>
-      </p:sp>
-      <p:sp>
-        <p:nvSpPr>
-          <p:cNvPr id="3" name="Content Placeholder 2"/>
-          <p:cNvSpPr>
-            <a:spLocks noGrp="1"/>
-          </p:cNvSpPr>
-          <p:nvPr>
-            <p:ph idx="1"/>
-          </p:nvPr>
-        </p:nvSpPr>
-        <p:spPr>
-          <a:xfrm>
-            <a:off x="838200" y="1825625"/>
-            <a:ext cx="10515600" cy="4357462"/>
-          </a:xfrm>
-        </p:spPr>
-        <p:txBody>
-          <a:bodyPr>
-            <a:normAutofit/>
-          </a:bodyPr>
-          <a:lstStyle/>
-          <a:p>
-            <a:pPr marL="914400" lvl="2" indent="0">
-              <a:buNone/>
-            </a:pPr>
-            <a:r>
-              <a:rPr lang="en-US" dirty="0" smtClean="0"/>
-              <a:t>	</a:t>
-            </a:r>
-          </a:p>
-          <a:p>
-            <a:endParaRPr lang="en-US" dirty="0"/>
-          </a:p>
-        </p:txBody>
-      </p:sp>
-      <p:pic>
-        <p:nvPicPr>
-          <p:cNvPr id="5" name="Picture 4"/>
-          <p:cNvPicPr>
-            <a:picLocks noChangeAspect="1"/>
-          </p:cNvPicPr>
-          <p:nvPr/>
-        </p:nvPicPr>
-        <p:blipFill>
-          <a:blip r:embed="rId3"/>
-          <a:stretch>
-            <a:fillRect/>
-          </a:stretch>
-        </p:blipFill>
-        <p:spPr>
-          <a:xfrm>
-            <a:off x="838200" y="1690688"/>
-            <a:ext cx="9744075" cy="4533900"/>
-          </a:xfrm>
-          <a:prstGeom prst="rect">
-            <a:avLst/>
-          </a:prstGeom>
-        </p:spPr>
-      </p:pic>
-    </p:spTree>
-    <p:extLst>
-      <p:ext uri="{BB962C8B-B14F-4D97-AF65-F5344CB8AC3E}">
-        <p14:creationId xmlns:p14="http://schemas.microsoft.com/office/powerpoint/2010/main" val="1525612099"/>
-      </p:ext>
-    </p:extLst>
-  </p:cSld>
-  <p:clrMapOvr>
-    <a:masterClrMapping/>
-  </p:clrMapOvr>
-  <mc:AlternateContent xmlns:mc="http://schemas.openxmlformats.org/markup-compatibility/2006" xmlns:p14="http://schemas.microsoft.com/office/powerpoint/2010/main">
-    <mc:Choice Requires="p14">
-      <p:transition spd="slow" p14:dur="2000"/>
-    </mc:Choice>
-    <mc:Fallback xmlns="">
-      <p:transition spd="slow"/>
-    </mc:Fallback>
-  </mc:AlternateContent>
-  <p:timing>
-    <p:tnLst>
-      <p:par>
-        <p:cTn id="1" dur="indefinite" restart="never" nodeType="tmRoot"/>
-      </p:par>
-    </p:tnLst>
-  </p:timing>
-</p:sld>
-</file>
-
-<file path=ppt/slides/slide76.xml><?xml version="1.0" encoding="utf-8"?>
-<p:sld xmlns:a="http://schemas.openxmlformats.org/drawingml/2006/main" xmlns:r="http://schemas.openxmlformats.org/officeDocument/2006/relationships" xmlns:p="http://schemas.openxmlformats.org/presentationml/2006/main">
-  <p:cSld>
-    <p:spTree>
-      <p:nvGrpSpPr>
-        <p:cNvPr id="1" name=""/>
-        <p:cNvGrpSpPr/>
-        <p:nvPr/>
-      </p:nvGrpSpPr>
-      <p:grpSpPr>
-        <a:xfrm>
-          <a:off x="0" y="0"/>
-          <a:ext cx="0" cy="0"/>
-          <a:chOff x="0" y="0"/>
-          <a:chExt cx="0" cy="0"/>
-        </a:xfrm>
-      </p:grpSpPr>
-      <p:sp>
-        <p:nvSpPr>
-          <p:cNvPr id="2" name="Title 1"/>
-          <p:cNvSpPr>
-            <a:spLocks noGrp="1"/>
-          </p:cNvSpPr>
-          <p:nvPr>
-            <p:ph type="title"/>
-          </p:nvPr>
-        </p:nvSpPr>
-        <p:spPr/>
-        <p:txBody>
-          <a:bodyPr>
-            <a:normAutofit/>
-          </a:bodyPr>
-          <a:lstStyle/>
-          <a:p>
-            <a:r>
-              <a:rPr lang="en-US" sz="4800" dirty="0"/>
-              <a:t>Advanced Techniques – integration tests</a:t>
-            </a:r>
-          </a:p>
-        </p:txBody>
-      </p:sp>
-      <p:sp>
-        <p:nvSpPr>
-          <p:cNvPr id="3" name="Content Placeholder 2"/>
-          <p:cNvSpPr>
-            <a:spLocks noGrp="1"/>
-          </p:cNvSpPr>
-          <p:nvPr>
-            <p:ph idx="1"/>
-          </p:nvPr>
-        </p:nvSpPr>
-        <p:spPr>
-          <a:xfrm>
-            <a:off x="838200" y="1825625"/>
-            <a:ext cx="10515600" cy="4357462"/>
-          </a:xfrm>
-        </p:spPr>
-        <p:txBody>
-          <a:bodyPr>
-            <a:normAutofit/>
-          </a:bodyPr>
-          <a:lstStyle/>
-          <a:p>
-            <a:pPr marL="914400" lvl="2" indent="0">
-              <a:buNone/>
-            </a:pPr>
-            <a:r>
-              <a:rPr lang="en-US" dirty="0" smtClean="0"/>
-              <a:t>	</a:t>
-            </a:r>
-          </a:p>
-          <a:p>
-            <a:endParaRPr lang="en-US" dirty="0"/>
-          </a:p>
-        </p:txBody>
-      </p:sp>
-      <p:pic>
-        <p:nvPicPr>
-          <p:cNvPr id="4" name="Picture 3"/>
-          <p:cNvPicPr>
-            <a:picLocks noChangeAspect="1"/>
-          </p:cNvPicPr>
-          <p:nvPr/>
-        </p:nvPicPr>
-        <p:blipFill>
-          <a:blip r:embed="rId3"/>
-          <a:stretch>
-            <a:fillRect/>
-          </a:stretch>
-        </p:blipFill>
-        <p:spPr>
-          <a:xfrm>
-            <a:off x="838200" y="1690688"/>
-            <a:ext cx="9744075" cy="4533900"/>
-          </a:xfrm>
-          <a:prstGeom prst="rect">
-            <a:avLst/>
-          </a:prstGeom>
-        </p:spPr>
-      </p:pic>
-    </p:spTree>
-    <p:extLst>
-      <p:ext uri="{BB962C8B-B14F-4D97-AF65-F5344CB8AC3E}">
-        <p14:creationId xmlns:p14="http://schemas.microsoft.com/office/powerpoint/2010/main" val="3734338714"/>
-      </p:ext>
-    </p:extLst>
-  </p:cSld>
-  <p:clrMapOvr>
-    <a:masterClrMapping/>
-  </p:clrMapOvr>
-  <mc:AlternateContent xmlns:mc="http://schemas.openxmlformats.org/markup-compatibility/2006" xmlns:p14="http://schemas.microsoft.com/office/powerpoint/2010/main">
-    <mc:Choice Requires="p14">
-      <p:transition spd="slow" p14:dur="2000"/>
-    </mc:Choice>
-    <mc:Fallback xmlns="">
-      <p:transition spd="slow"/>
-    </mc:Fallback>
-  </mc:AlternateContent>
-  <p:timing>
-    <p:tnLst>
-      <p:par>
-        <p:cTn id="1" dur="indefinite" restart="never" nodeType="tmRoot"/>
-      </p:par>
-    </p:tnLst>
-  </p:timing>
-</p:sld>
-</file>
-
-<file path=ppt/slides/slide77.xml><?xml version="1.0" encoding="utf-8"?>
-<p:sld xmlns:a="http://schemas.openxmlformats.org/drawingml/2006/main" xmlns:r="http://schemas.openxmlformats.org/officeDocument/2006/relationships" xmlns:p="http://schemas.openxmlformats.org/presentationml/2006/main">
-  <p:cSld>
-    <p:spTree>
-      <p:nvGrpSpPr>
-        <p:cNvPr id="1" name=""/>
-        <p:cNvGrpSpPr/>
-        <p:nvPr/>
-      </p:nvGrpSpPr>
-      <p:grpSpPr>
-        <a:xfrm>
-          <a:off x="0" y="0"/>
-          <a:ext cx="0" cy="0"/>
-          <a:chOff x="0" y="0"/>
-          <a:chExt cx="0" cy="0"/>
-        </a:xfrm>
-      </p:grpSpPr>
-      <p:sp>
-        <p:nvSpPr>
-          <p:cNvPr id="2" name="Title 1"/>
-          <p:cNvSpPr>
-            <a:spLocks noGrp="1"/>
-          </p:cNvSpPr>
-          <p:nvPr>
-            <p:ph type="title"/>
-          </p:nvPr>
-        </p:nvSpPr>
-        <p:spPr/>
-        <p:txBody>
-          <a:bodyPr>
-            <a:normAutofit/>
-          </a:bodyPr>
-          <a:lstStyle/>
-          <a:p>
-            <a:r>
-              <a:rPr lang="en-US" sz="4800" dirty="0"/>
-              <a:t>Advanced Techniques – integration tests</a:t>
-            </a:r>
-          </a:p>
-        </p:txBody>
-      </p:sp>
-      <p:sp>
-        <p:nvSpPr>
-          <p:cNvPr id="3" name="Content Placeholder 2"/>
-          <p:cNvSpPr>
-            <a:spLocks noGrp="1"/>
-          </p:cNvSpPr>
-          <p:nvPr>
-            <p:ph idx="1"/>
-          </p:nvPr>
-        </p:nvSpPr>
-        <p:spPr/>
-        <p:txBody>
-          <a:bodyPr>
-            <a:normAutofit/>
-          </a:bodyPr>
-          <a:lstStyle/>
-          <a:p>
-            <a:r>
-              <a:rPr lang="en-US" dirty="0" smtClean="0"/>
-              <a:t>[Rollback] attribute</a:t>
-            </a:r>
-          </a:p>
-          <a:p>
-            <a:pPr lvl="1"/>
-            <a:r>
-              <a:rPr lang="en-US" dirty="0" smtClean="0"/>
-              <a:t>Creates DB transaction when test starts</a:t>
-            </a:r>
-          </a:p>
-          <a:p>
-            <a:pPr lvl="1"/>
-            <a:r>
-              <a:rPr lang="en-US" dirty="0" smtClean="0"/>
-              <a:t>Rolls back when test ends</a:t>
-            </a:r>
-          </a:p>
-          <a:p>
-            <a:endParaRPr lang="en-US" dirty="0"/>
-          </a:p>
-        </p:txBody>
-      </p:sp>
-      <p:pic>
-        <p:nvPicPr>
-          <p:cNvPr id="6" name="Picture 5"/>
-          <p:cNvPicPr>
-            <a:picLocks noChangeAspect="1"/>
-          </p:cNvPicPr>
-          <p:nvPr/>
-        </p:nvPicPr>
-        <p:blipFill>
-          <a:blip r:embed="rId3"/>
-          <a:stretch>
-            <a:fillRect/>
-          </a:stretch>
-        </p:blipFill>
-        <p:spPr>
-          <a:xfrm>
-            <a:off x="838200" y="3434897"/>
-            <a:ext cx="7715250" cy="3181350"/>
-          </a:xfrm>
-          <a:prstGeom prst="rect">
-            <a:avLst/>
-          </a:prstGeom>
-        </p:spPr>
-      </p:pic>
-    </p:spTree>
-    <p:extLst>
-      <p:ext uri="{BB962C8B-B14F-4D97-AF65-F5344CB8AC3E}">
-        <p14:creationId xmlns:p14="http://schemas.microsoft.com/office/powerpoint/2010/main" val="3022098581"/>
-      </p:ext>
-    </p:extLst>
-  </p:cSld>
-  <p:clrMapOvr>
-    <a:masterClrMapping/>
-  </p:clrMapOvr>
-  <mc:AlternateContent xmlns:mc="http://schemas.openxmlformats.org/markup-compatibility/2006" xmlns:p14="http://schemas.microsoft.com/office/powerpoint/2010/main">
-    <mc:Choice Requires="p14">
-      <p:transition spd="slow" p14:dur="2000"/>
-    </mc:Choice>
-    <mc:Fallback xmlns="">
-      <p:transition spd="slow"/>
-    </mc:Fallback>
-  </mc:AlternateContent>
-  <p:timing>
-    <p:tnLst>
-      <p:par>
-        <p:cTn id="1" dur="indefinite" restart="never" nodeType="tmRoot"/>
-      </p:par>
-    </p:tnLst>
-  </p:timing>
-</p:sld>
-</file>
-
-<file path=ppt/slides/slide78.xml><?xml version="1.0" encoding="utf-8"?>
-<p:sld xmlns:a="http://schemas.openxmlformats.org/drawingml/2006/main" xmlns:r="http://schemas.openxmlformats.org/officeDocument/2006/relationships" xmlns:p="http://schemas.openxmlformats.org/presentationml/2006/main">
-  <p:cSld>
-    <p:spTree>
-      <p:nvGrpSpPr>
-        <p:cNvPr id="1" name=""/>
-        <p:cNvGrpSpPr/>
-        <p:nvPr/>
-      </p:nvGrpSpPr>
-      <p:grpSpPr>
-        <a:xfrm>
-          <a:off x="0" y="0"/>
-          <a:ext cx="0" cy="0"/>
-          <a:chOff x="0" y="0"/>
-          <a:chExt cx="0" cy="0"/>
-        </a:xfrm>
-      </p:grpSpPr>
-      <p:sp>
-        <p:nvSpPr>
-          <p:cNvPr id="2" name="Title 1"/>
-          <p:cNvSpPr>
-            <a:spLocks noGrp="1"/>
-          </p:cNvSpPr>
-          <p:nvPr>
-            <p:ph type="title"/>
-          </p:nvPr>
-        </p:nvSpPr>
-        <p:spPr/>
-        <p:txBody>
-          <a:bodyPr>
-            <a:normAutofit/>
-          </a:bodyPr>
-          <a:lstStyle/>
-          <a:p>
-            <a:r>
-              <a:rPr lang="en-US" sz="4800" dirty="0" smtClean="0"/>
-              <a:t>A quick recap…</a:t>
-            </a:r>
-            <a:endParaRPr lang="en-US" sz="4800" dirty="0"/>
-          </a:p>
-        </p:txBody>
-      </p:sp>
-      <p:sp>
-        <p:nvSpPr>
-          <p:cNvPr id="3" name="Content Placeholder 2"/>
-          <p:cNvSpPr>
-            <a:spLocks noGrp="1"/>
-          </p:cNvSpPr>
-          <p:nvPr>
-            <p:ph idx="1"/>
-          </p:nvPr>
-        </p:nvSpPr>
-        <p:spPr/>
-        <p:txBody>
-          <a:bodyPr>
-            <a:normAutofit/>
-          </a:bodyPr>
-          <a:lstStyle/>
-          <a:p>
-            <a:r>
-              <a:rPr lang="en-US" dirty="0" smtClean="0"/>
-              <a:t>Good setup code:</a:t>
-            </a:r>
-          </a:p>
-          <a:p>
-            <a:pPr lvl="1"/>
-            <a:r>
-              <a:rPr lang="en-US" dirty="0" smtClean="0"/>
-              <a:t>Is highly expressive</a:t>
-            </a:r>
-          </a:p>
-          <a:p>
-            <a:pPr lvl="1"/>
-            <a:r>
-              <a:rPr lang="en-US" dirty="0" smtClean="0"/>
-              <a:t>Highlights what matters / downplays what doesn’t</a:t>
-            </a:r>
-          </a:p>
-          <a:p>
-            <a:pPr lvl="1"/>
-            <a:r>
-              <a:rPr lang="en-US" dirty="0" smtClean="0"/>
-              <a:t>Doesn’t use inheritance</a:t>
-            </a:r>
-          </a:p>
-          <a:p>
-            <a:pPr lvl="1"/>
-            <a:r>
-              <a:rPr lang="en-US" dirty="0" smtClean="0"/>
-              <a:t>Is resilient</a:t>
-            </a:r>
-          </a:p>
-          <a:p>
-            <a:pPr lvl="1"/>
-            <a:endParaRPr lang="en-US" dirty="0"/>
-          </a:p>
-          <a:p>
-            <a:endParaRPr lang="en-US" dirty="0"/>
-          </a:p>
-        </p:txBody>
-      </p:sp>
-    </p:spTree>
-    <p:extLst>
-      <p:ext uri="{BB962C8B-B14F-4D97-AF65-F5344CB8AC3E}">
-        <p14:creationId xmlns:p14="http://schemas.microsoft.com/office/powerpoint/2010/main" val="3040211006"/>
-      </p:ext>
-    </p:extLst>
-  </p:cSld>
-  <p:clrMapOvr>
-    <a:masterClrMapping/>
-  </p:clrMapOvr>
-  <p:timing>
-    <p:tnLst>
-      <p:par>
-        <p:cTn id="1" dur="indefinite" restart="never" nodeType="tmRoot"/>
-      </p:par>
-    </p:tnLst>
-  </p:timing>
-</p:sld>
-</file>
-
-<file path=ppt/slides/slide79.xml><?xml version="1.0" encoding="utf-8"?>
-<p:sld xmlns:a="http://schemas.openxmlformats.org/drawingml/2006/main" xmlns:r="http://schemas.openxmlformats.org/officeDocument/2006/relationships" xmlns:p="http://schemas.openxmlformats.org/presentationml/2006/main">
-  <p:cSld>
-    <p:spTree>
-      <p:nvGrpSpPr>
-        <p:cNvPr id="1" name=""/>
-        <p:cNvGrpSpPr/>
-        <p:nvPr/>
-      </p:nvGrpSpPr>
-      <p:grpSpPr>
-        <a:xfrm>
-          <a:off x="0" y="0"/>
-          <a:ext cx="0" cy="0"/>
-          <a:chOff x="0" y="0"/>
-          <a:chExt cx="0" cy="0"/>
-        </a:xfrm>
-      </p:grpSpPr>
-      <p:sp>
-        <p:nvSpPr>
-          <p:cNvPr id="2" name="Title 1"/>
-          <p:cNvSpPr>
-            <a:spLocks noGrp="1"/>
-          </p:cNvSpPr>
-          <p:nvPr>
-            <p:ph type="title"/>
-          </p:nvPr>
-        </p:nvSpPr>
-        <p:spPr/>
-        <p:txBody>
-          <a:bodyPr>
-            <a:normAutofit/>
-          </a:bodyPr>
-          <a:lstStyle/>
-          <a:p>
-            <a:r>
-              <a:rPr lang="en-US" sz="4800" dirty="0" smtClean="0"/>
-              <a:t>A quick recap…</a:t>
-            </a:r>
-            <a:endParaRPr lang="en-US" sz="4800" dirty="0"/>
-          </a:p>
-        </p:txBody>
-      </p:sp>
-      <p:sp>
-        <p:nvSpPr>
-          <p:cNvPr id="3" name="Content Placeholder 2"/>
-          <p:cNvSpPr>
-            <a:spLocks noGrp="1"/>
-          </p:cNvSpPr>
-          <p:nvPr>
-            <p:ph idx="1"/>
-          </p:nvPr>
-        </p:nvSpPr>
-        <p:spPr/>
-        <p:txBody>
-          <a:bodyPr>
-            <a:normAutofit/>
-          </a:bodyPr>
-          <a:lstStyle/>
-          <a:p>
-            <a:r>
-              <a:rPr lang="en-US" dirty="0" smtClean="0">
-                <a:solidFill>
-                  <a:schemeClr val="bg1">
-                    <a:lumMod val="65000"/>
-                  </a:schemeClr>
-                </a:solidFill>
-              </a:rPr>
-              <a:t>Good setup code:</a:t>
-            </a:r>
-          </a:p>
-          <a:p>
-            <a:pPr lvl="1"/>
-            <a:r>
-              <a:rPr lang="en-US" dirty="0" smtClean="0">
-                <a:solidFill>
-                  <a:schemeClr val="bg1">
-                    <a:lumMod val="65000"/>
-                  </a:schemeClr>
-                </a:solidFill>
-              </a:rPr>
-              <a:t>Is highly expressive</a:t>
-            </a:r>
-          </a:p>
-          <a:p>
-            <a:pPr lvl="1"/>
-            <a:r>
-              <a:rPr lang="en-US" dirty="0" smtClean="0">
-                <a:solidFill>
-                  <a:schemeClr val="bg1">
-                    <a:lumMod val="65000"/>
-                  </a:schemeClr>
-                </a:solidFill>
-              </a:rPr>
-              <a:t>Highlights what matters / downplays what doesn’t</a:t>
-            </a:r>
-          </a:p>
-          <a:p>
-            <a:pPr lvl="1"/>
-            <a:r>
-              <a:rPr lang="en-US" dirty="0" smtClean="0">
-                <a:solidFill>
-                  <a:schemeClr val="bg1">
-                    <a:lumMod val="65000"/>
-                  </a:schemeClr>
-                </a:solidFill>
-              </a:rPr>
-              <a:t>Doesn’t use inheritance</a:t>
-            </a:r>
-          </a:p>
-          <a:p>
-            <a:pPr lvl="1"/>
-            <a:r>
-              <a:rPr lang="en-US" dirty="0" smtClean="0">
-                <a:solidFill>
-                  <a:schemeClr val="bg1">
-                    <a:lumMod val="65000"/>
-                  </a:schemeClr>
-                </a:solidFill>
-              </a:rPr>
-              <a:t>Is resilient</a:t>
-            </a:r>
-          </a:p>
-          <a:p>
-            <a:pPr lvl="1"/>
-            <a:endParaRPr lang="en-US" dirty="0"/>
-          </a:p>
-          <a:p>
-            <a:r>
-              <a:rPr lang="en-US" dirty="0" smtClean="0"/>
-              <a:t>How?</a:t>
-            </a:r>
-          </a:p>
-          <a:p>
-            <a:pPr lvl="1"/>
-            <a:r>
-              <a:rPr lang="en-US" dirty="0" smtClean="0"/>
-              <a:t>Short, clean code</a:t>
-            </a:r>
-          </a:p>
-          <a:p>
-            <a:pPr lvl="1"/>
-            <a:r>
-              <a:rPr lang="en-US" dirty="0" smtClean="0"/>
-              <a:t>Use helpers for object creation</a:t>
-            </a:r>
-          </a:p>
-          <a:p>
-            <a:pPr lvl="1"/>
-            <a:endParaRPr lang="en-US" dirty="0" smtClean="0"/>
-          </a:p>
-          <a:p>
-            <a:endParaRPr lang="en-US" dirty="0"/>
-          </a:p>
-        </p:txBody>
-      </p:sp>
-    </p:spTree>
-    <p:extLst>
-      <p:ext uri="{BB962C8B-B14F-4D97-AF65-F5344CB8AC3E}">
-        <p14:creationId xmlns:p14="http://schemas.microsoft.com/office/powerpoint/2010/main" val="453950293"/>
+        <p14:creationId xmlns:p14="http://schemas.microsoft.com/office/powerpoint/2010/main" val="14057849"/>
       </p:ext>
     </p:extLst>
   </p:cSld>
@@ -24678,543 +21893,6 @@
         <p:cTn id="1" dur="indefinite" restart="never" nodeType="tmRoot"/>
       </p:par>
     </p:tnLst>
-  </p:timing>
-</p:sld>
-</file>
-
-<file path=ppt/slides/slide80.xml><?xml version="1.0" encoding="utf-8"?>
-<p:sld xmlns:a="http://schemas.openxmlformats.org/drawingml/2006/main" xmlns:r="http://schemas.openxmlformats.org/officeDocument/2006/relationships" xmlns:p="http://schemas.openxmlformats.org/presentationml/2006/main">
-  <p:cSld>
-    <p:spTree>
-      <p:nvGrpSpPr>
-        <p:cNvPr id="1" name=""/>
-        <p:cNvGrpSpPr/>
-        <p:nvPr/>
-      </p:nvGrpSpPr>
-      <p:grpSpPr>
-        <a:xfrm>
-          <a:off x="0" y="0"/>
-          <a:ext cx="0" cy="0"/>
-          <a:chOff x="0" y="0"/>
-          <a:chExt cx="0" cy="0"/>
-        </a:xfrm>
-      </p:grpSpPr>
-      <p:sp>
-        <p:nvSpPr>
-          <p:cNvPr id="2" name="Title 1"/>
-          <p:cNvSpPr>
-            <a:spLocks noGrp="1"/>
-          </p:cNvSpPr>
-          <p:nvPr>
-            <p:ph type="title"/>
-          </p:nvPr>
-        </p:nvSpPr>
-        <p:spPr/>
-        <p:txBody>
-          <a:bodyPr>
-            <a:normAutofit/>
-          </a:bodyPr>
-          <a:lstStyle/>
-          <a:p>
-            <a:r>
-              <a:rPr lang="en-US" sz="4800" dirty="0" smtClean="0"/>
-              <a:t>Parting Words of Wisdom</a:t>
-            </a:r>
-            <a:endParaRPr lang="en-US" sz="4800" dirty="0"/>
-          </a:p>
-        </p:txBody>
-      </p:sp>
-      <p:sp>
-        <p:nvSpPr>
-          <p:cNvPr id="3" name="Content Placeholder 2"/>
-          <p:cNvSpPr>
-            <a:spLocks noGrp="1"/>
-          </p:cNvSpPr>
-          <p:nvPr>
-            <p:ph idx="1"/>
-          </p:nvPr>
-        </p:nvSpPr>
-        <p:spPr/>
-        <p:txBody>
-          <a:bodyPr/>
-          <a:lstStyle/>
-          <a:p>
-            <a:r>
-              <a:rPr lang="en-US" dirty="0" smtClean="0"/>
-              <a:t>Hard to test == too complex. Simplify!</a:t>
-            </a:r>
-          </a:p>
-          <a:p>
-            <a:endParaRPr lang="en-US" dirty="0"/>
-          </a:p>
-          <a:p>
-            <a:r>
-              <a:rPr lang="en-US" b="1" dirty="0" smtClean="0"/>
-              <a:t>Liked what you saw today?</a:t>
-            </a:r>
-          </a:p>
-          <a:p>
-            <a:pPr lvl="1"/>
-            <a:r>
-              <a:rPr lang="en-US" dirty="0" smtClean="0"/>
-              <a:t>Download materials from </a:t>
-            </a:r>
-            <a:r>
-              <a:rPr lang="en-US" dirty="0" smtClean="0">
-                <a:hlinkClick r:id="rId3"/>
-              </a:rPr>
-              <a:t>github.com/</a:t>
-            </a:r>
-            <a:r>
-              <a:rPr lang="en-US" dirty="0" err="1" smtClean="0">
-                <a:hlinkClick r:id="rId3"/>
-              </a:rPr>
-              <a:t>spetryjohnson</a:t>
-            </a:r>
-            <a:endParaRPr lang="en-US" dirty="0" smtClean="0"/>
-          </a:p>
-          <a:p>
-            <a:pPr lvl="1"/>
-            <a:r>
-              <a:rPr lang="en-US" dirty="0" smtClean="0"/>
-              <a:t>Read my blog at </a:t>
-            </a:r>
-            <a:r>
-              <a:rPr lang="en-US" dirty="0" smtClean="0">
-                <a:hlinkClick r:id="rId4"/>
-              </a:rPr>
-              <a:t>petry-johnson.com</a:t>
-            </a:r>
-            <a:endParaRPr lang="en-US" dirty="0"/>
-          </a:p>
-          <a:p>
-            <a:endParaRPr lang="en-US" dirty="0" smtClean="0"/>
-          </a:p>
-          <a:p>
-            <a:r>
-              <a:rPr lang="en-US" b="1" dirty="0" smtClean="0"/>
-              <a:t>Questions / Comments / Suggestions / Flames?</a:t>
-            </a:r>
-          </a:p>
-          <a:p>
-            <a:pPr lvl="1"/>
-            <a:r>
-              <a:rPr lang="en-US" dirty="0" smtClean="0"/>
-              <a:t>@</a:t>
-            </a:r>
-            <a:r>
-              <a:rPr lang="en-US" dirty="0" err="1" smtClean="0"/>
-              <a:t>spetryjohnson</a:t>
-            </a:r>
-            <a:endParaRPr lang="en-US" dirty="0" smtClean="0"/>
-          </a:p>
-          <a:p>
-            <a:pPr lvl="1"/>
-            <a:r>
-              <a:rPr lang="en-US" dirty="0" smtClean="0"/>
-              <a:t>seth@petry-johnson.com</a:t>
-            </a:r>
-            <a:endParaRPr lang="en-US" dirty="0"/>
-          </a:p>
-        </p:txBody>
-      </p:sp>
-    </p:spTree>
-    <p:extLst>
-      <p:ext uri="{BB962C8B-B14F-4D97-AF65-F5344CB8AC3E}">
-        <p14:creationId xmlns:p14="http://schemas.microsoft.com/office/powerpoint/2010/main" val="14057849"/>
-      </p:ext>
-    </p:extLst>
-  </p:cSld>
-  <p:clrMapOvr>
-    <a:masterClrMapping/>
-  </p:clrMapOvr>
-  <p:timing>
-    <p:tnLst>
-      <p:par>
-        <p:cTn id="1" dur="indefinite" restart="never" nodeType="tmRoot">
-          <p:childTnLst>
-            <p:seq concurrent="1" nextAc="seek">
-              <p:cTn id="2" dur="indefinite" nodeType="mainSeq">
-                <p:childTnLst>
-                  <p:par>
-                    <p:cTn id="3" fill="hold">
-                      <p:stCondLst>
-                        <p:cond delay="indefinite"/>
-                      </p:stCondLst>
-                      <p:childTnLst>
-                        <p:par>
-                          <p:cTn id="4" fill="hold">
-                            <p:stCondLst>
-                              <p:cond delay="0"/>
-                            </p:stCondLst>
-                            <p:childTnLst>
-                              <p:par>
-                                <p:cTn id="5" presetID="10" presetClass="entr" presetSubtype="0" fill="hold" grpId="0" nodeType="clickEffect">
-                                  <p:stCondLst>
-                                    <p:cond delay="0"/>
-                                  </p:stCondLst>
-                                  <p:childTnLst>
-                                    <p:set>
-                                      <p:cBhvr>
-                                        <p:cTn id="6" dur="1" fill="hold">
-                                          <p:stCondLst>
-                                            <p:cond delay="0"/>
-                                          </p:stCondLst>
-                                        </p:cTn>
-                                        <p:tgtEl>
-                                          <p:spTgt spid="3">
-                                            <p:txEl>
-                                              <p:pRg st="0" end="0"/>
-                                            </p:txEl>
-                                          </p:spTgt>
-                                        </p:tgtEl>
-                                        <p:attrNameLst>
-                                          <p:attrName>style.visibility</p:attrName>
-                                        </p:attrNameLst>
-                                      </p:cBhvr>
-                                      <p:to>
-                                        <p:strVal val="visible"/>
-                                      </p:to>
-                                    </p:set>
-                                    <p:animEffect transition="in" filter="fade">
-                                      <p:cBhvr>
-                                        <p:cTn id="7" dur="500"/>
-                                        <p:tgtEl>
-                                          <p:spTgt spid="3">
-                                            <p:txEl>
-                                              <p:pRg st="0" end="0"/>
-                                            </p:txEl>
-                                          </p:spTgt>
-                                        </p:tgtEl>
-                                      </p:cBhvr>
-                                    </p:animEffect>
-                                  </p:childTnLst>
-                                </p:cTn>
-                              </p:par>
-                            </p:childTnLst>
-                          </p:cTn>
-                        </p:par>
-                      </p:childTnLst>
-                    </p:cTn>
-                  </p:par>
-                  <p:par>
-                    <p:cTn id="8" fill="hold">
-                      <p:stCondLst>
-                        <p:cond delay="indefinite"/>
-                      </p:stCondLst>
-                      <p:childTnLst>
-                        <p:par>
-                          <p:cTn id="9" fill="hold">
-                            <p:stCondLst>
-                              <p:cond delay="0"/>
-                            </p:stCondLst>
-                            <p:childTnLst>
-                              <p:par>
-                                <p:cTn id="10" presetID="10" presetClass="entr" presetSubtype="0" fill="hold" grpId="0" nodeType="clickEffect">
-                                  <p:stCondLst>
-                                    <p:cond delay="0"/>
-                                  </p:stCondLst>
-                                  <p:childTnLst>
-                                    <p:set>
-                                      <p:cBhvr>
-                                        <p:cTn id="11" dur="1" fill="hold">
-                                          <p:stCondLst>
-                                            <p:cond delay="0"/>
-                                          </p:stCondLst>
-                                        </p:cTn>
-                                        <p:tgtEl>
-                                          <p:spTgt spid="3">
-                                            <p:txEl>
-                                              <p:pRg st="2" end="2"/>
-                                            </p:txEl>
-                                          </p:spTgt>
-                                        </p:tgtEl>
-                                        <p:attrNameLst>
-                                          <p:attrName>style.visibility</p:attrName>
-                                        </p:attrNameLst>
-                                      </p:cBhvr>
-                                      <p:to>
-                                        <p:strVal val="visible"/>
-                                      </p:to>
-                                    </p:set>
-                                    <p:animEffect transition="in" filter="fade">
-                                      <p:cBhvr>
-                                        <p:cTn id="12" dur="500"/>
-                                        <p:tgtEl>
-                                          <p:spTgt spid="3">
-                                            <p:txEl>
-                                              <p:pRg st="2" end="2"/>
-                                            </p:txEl>
-                                          </p:spTgt>
-                                        </p:tgtEl>
-                                      </p:cBhvr>
-                                    </p:animEffect>
-                                  </p:childTnLst>
-                                </p:cTn>
-                              </p:par>
-                              <p:par>
-                                <p:cTn id="13" presetID="10" presetClass="entr" presetSubtype="0" fill="hold" grpId="0" nodeType="withEffect">
-                                  <p:stCondLst>
-                                    <p:cond delay="0"/>
-                                  </p:stCondLst>
-                                  <p:childTnLst>
-                                    <p:set>
-                                      <p:cBhvr>
-                                        <p:cTn id="14" dur="1" fill="hold">
-                                          <p:stCondLst>
-                                            <p:cond delay="0"/>
-                                          </p:stCondLst>
-                                        </p:cTn>
-                                        <p:tgtEl>
-                                          <p:spTgt spid="3">
-                                            <p:txEl>
-                                              <p:pRg st="3" end="3"/>
-                                            </p:txEl>
-                                          </p:spTgt>
-                                        </p:tgtEl>
-                                        <p:attrNameLst>
-                                          <p:attrName>style.visibility</p:attrName>
-                                        </p:attrNameLst>
-                                      </p:cBhvr>
-                                      <p:to>
-                                        <p:strVal val="visible"/>
-                                      </p:to>
-                                    </p:set>
-                                    <p:animEffect transition="in" filter="fade">
-                                      <p:cBhvr>
-                                        <p:cTn id="15" dur="500"/>
-                                        <p:tgtEl>
-                                          <p:spTgt spid="3">
-                                            <p:txEl>
-                                              <p:pRg st="3" end="3"/>
-                                            </p:txEl>
-                                          </p:spTgt>
-                                        </p:tgtEl>
-                                      </p:cBhvr>
-                                    </p:animEffect>
-                                  </p:childTnLst>
-                                </p:cTn>
-                              </p:par>
-                              <p:par>
-                                <p:cTn id="16" presetID="10" presetClass="entr" presetSubtype="0" fill="hold" grpId="0" nodeType="withEffect">
-                                  <p:stCondLst>
-                                    <p:cond delay="0"/>
-                                  </p:stCondLst>
-                                  <p:childTnLst>
-                                    <p:set>
-                                      <p:cBhvr>
-                                        <p:cTn id="17" dur="1" fill="hold">
-                                          <p:stCondLst>
-                                            <p:cond delay="0"/>
-                                          </p:stCondLst>
-                                        </p:cTn>
-                                        <p:tgtEl>
-                                          <p:spTgt spid="3">
-                                            <p:txEl>
-                                              <p:pRg st="4" end="4"/>
-                                            </p:txEl>
-                                          </p:spTgt>
-                                        </p:tgtEl>
-                                        <p:attrNameLst>
-                                          <p:attrName>style.visibility</p:attrName>
-                                        </p:attrNameLst>
-                                      </p:cBhvr>
-                                      <p:to>
-                                        <p:strVal val="visible"/>
-                                      </p:to>
-                                    </p:set>
-                                    <p:animEffect transition="in" filter="fade">
-                                      <p:cBhvr>
-                                        <p:cTn id="18" dur="500"/>
-                                        <p:tgtEl>
-                                          <p:spTgt spid="3">
-                                            <p:txEl>
-                                              <p:pRg st="4" end="4"/>
-                                            </p:txEl>
-                                          </p:spTgt>
-                                        </p:tgtEl>
-                                      </p:cBhvr>
-                                    </p:animEffect>
-                                  </p:childTnLst>
-                                </p:cTn>
-                              </p:par>
-                            </p:childTnLst>
-                          </p:cTn>
-                        </p:par>
-                      </p:childTnLst>
-                    </p:cTn>
-                  </p:par>
-                  <p:par>
-                    <p:cTn id="19" fill="hold">
-                      <p:stCondLst>
-                        <p:cond delay="indefinite"/>
-                      </p:stCondLst>
-                      <p:childTnLst>
-                        <p:par>
-                          <p:cTn id="20" fill="hold">
-                            <p:stCondLst>
-                              <p:cond delay="0"/>
-                            </p:stCondLst>
-                            <p:childTnLst>
-                              <p:par>
-                                <p:cTn id="21" presetID="10" presetClass="entr" presetSubtype="0" fill="hold" grpId="0" nodeType="clickEffect">
-                                  <p:stCondLst>
-                                    <p:cond delay="0"/>
-                                  </p:stCondLst>
-                                  <p:childTnLst>
-                                    <p:set>
-                                      <p:cBhvr>
-                                        <p:cTn id="22" dur="1" fill="hold">
-                                          <p:stCondLst>
-                                            <p:cond delay="0"/>
-                                          </p:stCondLst>
-                                        </p:cTn>
-                                        <p:tgtEl>
-                                          <p:spTgt spid="3">
-                                            <p:txEl>
-                                              <p:pRg st="6" end="6"/>
-                                            </p:txEl>
-                                          </p:spTgt>
-                                        </p:tgtEl>
-                                        <p:attrNameLst>
-                                          <p:attrName>style.visibility</p:attrName>
-                                        </p:attrNameLst>
-                                      </p:cBhvr>
-                                      <p:to>
-                                        <p:strVal val="visible"/>
-                                      </p:to>
-                                    </p:set>
-                                    <p:animEffect transition="in" filter="fade">
-                                      <p:cBhvr>
-                                        <p:cTn id="23" dur="500"/>
-                                        <p:tgtEl>
-                                          <p:spTgt spid="3">
-                                            <p:txEl>
-                                              <p:pRg st="6" end="6"/>
-                                            </p:txEl>
-                                          </p:spTgt>
-                                        </p:tgtEl>
-                                      </p:cBhvr>
-                                    </p:animEffect>
-                                  </p:childTnLst>
-                                </p:cTn>
-                              </p:par>
-                              <p:par>
-                                <p:cTn id="24" presetID="10" presetClass="entr" presetSubtype="0" fill="hold" grpId="0" nodeType="withEffect">
-                                  <p:stCondLst>
-                                    <p:cond delay="0"/>
-                                  </p:stCondLst>
-                                  <p:childTnLst>
-                                    <p:set>
-                                      <p:cBhvr>
-                                        <p:cTn id="25" dur="1" fill="hold">
-                                          <p:stCondLst>
-                                            <p:cond delay="0"/>
-                                          </p:stCondLst>
-                                        </p:cTn>
-                                        <p:tgtEl>
-                                          <p:spTgt spid="3">
-                                            <p:txEl>
-                                              <p:pRg st="7" end="7"/>
-                                            </p:txEl>
-                                          </p:spTgt>
-                                        </p:tgtEl>
-                                        <p:attrNameLst>
-                                          <p:attrName>style.visibility</p:attrName>
-                                        </p:attrNameLst>
-                                      </p:cBhvr>
-                                      <p:to>
-                                        <p:strVal val="visible"/>
-                                      </p:to>
-                                    </p:set>
-                                    <p:animEffect transition="in" filter="fade">
-                                      <p:cBhvr>
-                                        <p:cTn id="26" dur="500"/>
-                                        <p:tgtEl>
-                                          <p:spTgt spid="3">
-                                            <p:txEl>
-                                              <p:pRg st="7" end="7"/>
-                                            </p:txEl>
-                                          </p:spTgt>
-                                        </p:tgtEl>
-                                      </p:cBhvr>
-                                    </p:animEffect>
-                                  </p:childTnLst>
-                                </p:cTn>
-                              </p:par>
-                              <p:par>
-                                <p:cTn id="27" presetID="10" presetClass="entr" presetSubtype="0" fill="hold" grpId="0" nodeType="withEffect">
-                                  <p:stCondLst>
-                                    <p:cond delay="0"/>
-                                  </p:stCondLst>
-                                  <p:childTnLst>
-                                    <p:set>
-                                      <p:cBhvr>
-                                        <p:cTn id="28" dur="1" fill="hold">
-                                          <p:stCondLst>
-                                            <p:cond delay="0"/>
-                                          </p:stCondLst>
-                                        </p:cTn>
-                                        <p:tgtEl>
-                                          <p:spTgt spid="3">
-                                            <p:txEl>
-                                              <p:pRg st="8" end="8"/>
-                                            </p:txEl>
-                                          </p:spTgt>
-                                        </p:tgtEl>
-                                        <p:attrNameLst>
-                                          <p:attrName>style.visibility</p:attrName>
-                                        </p:attrNameLst>
-                                      </p:cBhvr>
-                                      <p:to>
-                                        <p:strVal val="visible"/>
-                                      </p:to>
-                                    </p:set>
-                                    <p:animEffect transition="in" filter="fade">
-                                      <p:cBhvr>
-                                        <p:cTn id="29" dur="500"/>
-                                        <p:tgtEl>
-                                          <p:spTgt spid="3">
-                                            <p:txEl>
-                                              <p:pRg st="8" end="8"/>
-                                            </p:txEl>
-                                          </p:spTgt>
-                                        </p:tgtEl>
-                                      </p:cBhvr>
-                                    </p:animEffect>
-                                  </p:childTnLst>
-                                </p:cTn>
-                              </p:par>
-                            </p:childTnLst>
-                          </p:cTn>
-                        </p:par>
-                      </p:childTnLst>
-                    </p:cTn>
-                  </p:par>
-                </p:childTnLst>
-              </p:cTn>
-              <p:prevCondLst>
-                <p:cond evt="onPrev" delay="0">
-                  <p:tgtEl>
-                    <p:sldTgt/>
-                  </p:tgtEl>
-                </p:cond>
-              </p:prevCondLst>
-              <p:nextCondLst>
-                <p:cond evt="onNext" delay="0">
-                  <p:tgtEl>
-                    <p:sldTgt/>
-                  </p:tgtEl>
-                </p:cond>
-              </p:nextCondLst>
-            </p:seq>
-          </p:childTnLst>
-        </p:cTn>
-      </p:par>
-    </p:tnLst>
-    <p:bldLst>
-      <p:bldP spid="3" grpId="0" uiExpand="1" build="p"/>
-    </p:bldLst>
   </p:timing>
 </p:sld>
 </file>

--- a/POETS - CodeMash 2017.pptx
+++ b/POETS - CodeMash 2017.pptx
@@ -5,7 +5,7 @@
     <p:sldMasterId id="2147483749" r:id="rId1"/>
   </p:sldMasterIdLst>
   <p:notesMasterIdLst>
-    <p:notesMasterId r:id="rId88"/>
+    <p:notesMasterId r:id="rId93"/>
   </p:notesMasterIdLst>
   <p:sldIdLst>
     <p:sldId id="395" r:id="rId2"/>
@@ -62,38 +62,43 @@
     <p:sldId id="413" r:id="rId53"/>
     <p:sldId id="414" r:id="rId54"/>
     <p:sldId id="459" r:id="rId55"/>
-    <p:sldId id="460" r:id="rId56"/>
-    <p:sldId id="424" r:id="rId57"/>
-    <p:sldId id="309" r:id="rId58"/>
-    <p:sldId id="427" r:id="rId59"/>
-    <p:sldId id="428" r:id="rId60"/>
-    <p:sldId id="429" r:id="rId61"/>
-    <p:sldId id="430" r:id="rId62"/>
-    <p:sldId id="425" r:id="rId63"/>
-    <p:sldId id="431" r:id="rId64"/>
-    <p:sldId id="432" r:id="rId65"/>
-    <p:sldId id="433" r:id="rId66"/>
-    <p:sldId id="435" r:id="rId67"/>
-    <p:sldId id="436" r:id="rId68"/>
-    <p:sldId id="457" r:id="rId69"/>
-    <p:sldId id="458" r:id="rId70"/>
-    <p:sldId id="434" r:id="rId71"/>
-    <p:sldId id="406" r:id="rId72"/>
-    <p:sldId id="389" r:id="rId73"/>
-    <p:sldId id="390" r:id="rId74"/>
-    <p:sldId id="391" r:id="rId75"/>
-    <p:sldId id="273" r:id="rId76"/>
-    <p:sldId id="417" r:id="rId77"/>
-    <p:sldId id="437" r:id="rId78"/>
-    <p:sldId id="380" r:id="rId79"/>
-    <p:sldId id="384" r:id="rId80"/>
-    <p:sldId id="385" r:id="rId81"/>
-    <p:sldId id="386" r:id="rId82"/>
-    <p:sldId id="343" r:id="rId83"/>
-    <p:sldId id="440" r:id="rId84"/>
-    <p:sldId id="441" r:id="rId85"/>
-    <p:sldId id="442" r:id="rId86"/>
-    <p:sldId id="443" r:id="rId87"/>
+    <p:sldId id="463" r:id="rId56"/>
+    <p:sldId id="460" r:id="rId57"/>
+    <p:sldId id="464" r:id="rId58"/>
+    <p:sldId id="424" r:id="rId59"/>
+    <p:sldId id="309" r:id="rId60"/>
+    <p:sldId id="427" r:id="rId61"/>
+    <p:sldId id="428" r:id="rId62"/>
+    <p:sldId id="429" r:id="rId63"/>
+    <p:sldId id="430" r:id="rId64"/>
+    <p:sldId id="425" r:id="rId65"/>
+    <p:sldId id="431" r:id="rId66"/>
+    <p:sldId id="432" r:id="rId67"/>
+    <p:sldId id="433" r:id="rId68"/>
+    <p:sldId id="435" r:id="rId69"/>
+    <p:sldId id="436" r:id="rId70"/>
+    <p:sldId id="457" r:id="rId71"/>
+    <p:sldId id="458" r:id="rId72"/>
+    <p:sldId id="406" r:id="rId73"/>
+    <p:sldId id="389" r:id="rId74"/>
+    <p:sldId id="390" r:id="rId75"/>
+    <p:sldId id="391" r:id="rId76"/>
+    <p:sldId id="273" r:id="rId77"/>
+    <p:sldId id="417" r:id="rId78"/>
+    <p:sldId id="437" r:id="rId79"/>
+    <p:sldId id="465" r:id="rId80"/>
+    <p:sldId id="466" r:id="rId81"/>
+    <p:sldId id="467" r:id="rId82"/>
+    <p:sldId id="380" r:id="rId83"/>
+    <p:sldId id="468" r:id="rId84"/>
+    <p:sldId id="384" r:id="rId85"/>
+    <p:sldId id="385" r:id="rId86"/>
+    <p:sldId id="386" r:id="rId87"/>
+    <p:sldId id="343" r:id="rId88"/>
+    <p:sldId id="470" r:id="rId89"/>
+    <p:sldId id="471" r:id="rId90"/>
+    <p:sldId id="441" r:id="rId91"/>
+    <p:sldId id="443" r:id="rId92"/>
   </p:sldIdLst>
   <p:sldSz cx="12192000" cy="6858000"/>
   <p:notesSz cx="6858000" cy="9144000"/>
@@ -6617,7 +6622,7 @@
     </p:spTree>
     <p:extLst>
       <p:ext uri="{BB962C8B-B14F-4D97-AF65-F5344CB8AC3E}">
-        <p14:creationId xmlns:p14="http://schemas.microsoft.com/office/powerpoint/2010/main" val="3829126962"/>
+        <p14:creationId xmlns:p14="http://schemas.microsoft.com/office/powerpoint/2010/main" val="3915733754"/>
       </p:ext>
     </p:extLst>
   </p:cSld>
@@ -6671,41 +6676,7 @@
           <a:bodyPr/>
           <a:lstStyle/>
           <a:p>
-            <a:r>
-              <a:rPr lang="en-US" sz="1200" kern="1200" dirty="0" smtClean="0">
-                <a:solidFill>
-                  <a:schemeClr val="tx1"/>
-                </a:solidFill>
-                <a:effectLst/>
-                <a:latin typeface="+mn-lt"/>
-                <a:ea typeface="+mn-ea"/>
-                <a:cs typeface="+mn-cs"/>
-              </a:rPr>
-              <a:t>Test Helpers are great at returning single objects. But what if you need of keep track of multiple objects AND their relationships?</a:t>
-            </a:r>
-          </a:p>
-          <a:p>
-            <a:r>
-              <a:rPr lang="en-US" sz="1200" kern="1200" dirty="0" smtClean="0">
-                <a:solidFill>
-                  <a:schemeClr val="tx1"/>
-                </a:solidFill>
-                <a:effectLst/>
-                <a:latin typeface="+mn-lt"/>
-                <a:ea typeface="+mn-ea"/>
-                <a:cs typeface="+mn-cs"/>
-              </a:rPr>
-              <a:t>For example, let’s say you have an ecommerce site, and one of your business rules is that all orders of heavy equipment, from new customers, with a different bill-to and ship-to address, must go through a verification process to prevent fraud and expensive shipping mistakes. To write that test, you’ll have to create a customer with no previous orders, assign different bill-to and ship-to addresses, create an order containing a heavy equipment item, and attach the customer to the order.</a:t>
-            </a:r>
-            <a:endParaRPr lang="en-US" sz="1200" kern="1200" dirty="0">
-              <a:solidFill>
-                <a:schemeClr val="tx1"/>
-              </a:solidFill>
-              <a:effectLst/>
-              <a:latin typeface="+mn-lt"/>
-              <a:ea typeface="+mn-ea"/>
-              <a:cs typeface="+mn-cs"/>
-            </a:endParaRPr>
+            <a:endParaRPr lang="en-US" b="1" baseline="0" dirty="0" smtClean="0"/>
           </a:p>
         </p:txBody>
       </p:sp>
@@ -6735,7 +6706,7 @@
     </p:spTree>
     <p:extLst>
       <p:ext uri="{BB962C8B-B14F-4D97-AF65-F5344CB8AC3E}">
-        <p14:creationId xmlns:p14="http://schemas.microsoft.com/office/powerpoint/2010/main" val="3149679803"/>
+        <p14:creationId xmlns:p14="http://schemas.microsoft.com/office/powerpoint/2010/main" val="3829126962"/>
       </p:ext>
     </p:extLst>
   </p:cSld>
@@ -6789,73 +6760,7 @@
           <a:bodyPr/>
           <a:lstStyle/>
           <a:p>
-            <a:r>
-              <a:rPr lang="en-US" sz="1200" kern="1200" dirty="0" smtClean="0">
-                <a:solidFill>
-                  <a:schemeClr val="tx1"/>
-                </a:solidFill>
-                <a:effectLst/>
-                <a:latin typeface="+mn-lt"/>
-                <a:ea typeface="+mn-ea"/>
-                <a:cs typeface="+mn-cs"/>
-              </a:rPr>
-              <a:t>That test would look like this. Here’s the customer helper, where I’m creating separate addresses, and here’s the order containing a heavy equipment item.</a:t>
-            </a:r>
-          </a:p>
-          <a:p>
-            <a:r>
-              <a:rPr lang="en-US" sz="1200" kern="1200" dirty="0" smtClean="0">
-                <a:solidFill>
-                  <a:schemeClr val="tx1"/>
-                </a:solidFill>
-                <a:effectLst/>
-                <a:latin typeface="+mn-lt"/>
-                <a:ea typeface="+mn-ea"/>
-                <a:cs typeface="+mn-cs"/>
-              </a:rPr>
-              <a:t>This isn’t a </a:t>
-            </a:r>
-            <a:r>
-              <a:rPr lang="en-US" sz="1200" i="1" kern="1200" dirty="0" smtClean="0">
-                <a:solidFill>
-                  <a:schemeClr val="tx1"/>
-                </a:solidFill>
-                <a:effectLst/>
-                <a:latin typeface="+mn-lt"/>
-                <a:ea typeface="+mn-ea"/>
-                <a:cs typeface="+mn-cs"/>
-              </a:rPr>
-              <a:t>bad </a:t>
-            </a:r>
-            <a:r>
-              <a:rPr lang="en-US" sz="1200" kern="1200" dirty="0" smtClean="0">
-                <a:solidFill>
-                  <a:schemeClr val="tx1"/>
-                </a:solidFill>
-                <a:effectLst/>
-                <a:latin typeface="+mn-lt"/>
-                <a:ea typeface="+mn-ea"/>
-                <a:cs typeface="+mn-cs"/>
-              </a:rPr>
-              <a:t>test, but it could be better. Wiring up all this stuff by hand is tedious, and it works against our goal of being able to easily and concisely describe the context for a given test.</a:t>
-            </a:r>
-          </a:p>
-          <a:p>
-            <a:r>
-              <a:rPr lang="en-US" sz="1200" kern="1200" dirty="0" smtClean="0">
-                <a:solidFill>
-                  <a:schemeClr val="tx1"/>
-                </a:solidFill>
-                <a:effectLst/>
-                <a:latin typeface="+mn-lt"/>
-                <a:ea typeface="+mn-ea"/>
-                <a:cs typeface="+mn-cs"/>
-              </a:rPr>
-              <a:t>And if you have multiple tests that need minor variations on this setup, this leads to a lot of copying and pasting.</a:t>
-            </a:r>
-          </a:p>
-          <a:p>
-            <a:endParaRPr lang="en-US" dirty="0"/>
+            <a:endParaRPr lang="en-US" b="1" baseline="0" dirty="0" smtClean="0"/>
           </a:p>
         </p:txBody>
       </p:sp>
@@ -6885,7 +6790,7 @@
     </p:spTree>
     <p:extLst>
       <p:ext uri="{BB962C8B-B14F-4D97-AF65-F5344CB8AC3E}">
-        <p14:creationId xmlns:p14="http://schemas.microsoft.com/office/powerpoint/2010/main" val="1497239507"/>
+        <p14:creationId xmlns:p14="http://schemas.microsoft.com/office/powerpoint/2010/main" val="1279160147"/>
       </p:ext>
     </p:extLst>
   </p:cSld>
@@ -6949,7 +6854,7 @@
                 <a:ea typeface="+mn-ea"/>
                 <a:cs typeface="+mn-cs"/>
               </a:rPr>
-              <a:t>In these situations I use a pattern that we call a Scenario. This is essentially a façade that wraps the coordination of multiple Test Helpers towards a common goal and makes your setup code cleaner and more readable.</a:t>
+              <a:t>Test Helpers are great at returning single objects. But what if you need of keep track of multiple objects AND their relationships?</a:t>
             </a:r>
           </a:p>
           <a:p>
@@ -6963,63 +6868,17 @@
                 <a:ea typeface="+mn-ea"/>
                 <a:cs typeface="+mn-cs"/>
               </a:rPr>
-              <a:t>You’ll notice that while a Test Helper is a static factory, a Scenario is something that you instantiate. You can still customize the result but you do it with constructor arguments and not method arguments.</a:t>
-            </a:r>
-          </a:p>
-          <a:p>
-            <a:r>
-              <a:rPr lang="en-US" sz="1200" kern="1200" dirty="0" smtClean="0">
-                <a:solidFill>
-                  <a:schemeClr val="tx1"/>
-                </a:solidFill>
-                <a:effectLst/>
-                <a:latin typeface="+mn-lt"/>
-                <a:ea typeface="+mn-ea"/>
-                <a:cs typeface="+mn-cs"/>
-              </a:rPr>
-              <a:t>The reason for this difference is that a Test Helper returns one of our core domain objects, and we don’t want to litter our app code with constructors that exist only for testing. The factory pattern works great to isolate the Test Helper logic from the core objects.</a:t>
-            </a:r>
-          </a:p>
-          <a:p>
-            <a:r>
-              <a:rPr lang="en-US" sz="1200" kern="1200" dirty="0" smtClean="0">
-                <a:solidFill>
-                  <a:schemeClr val="tx1"/>
-                </a:solidFill>
-                <a:effectLst/>
-                <a:latin typeface="+mn-lt"/>
-                <a:ea typeface="+mn-ea"/>
-                <a:cs typeface="+mn-cs"/>
-              </a:rPr>
-              <a:t>For scenarios, though, we’re actually creating </a:t>
-            </a:r>
-            <a:r>
-              <a:rPr lang="en-US" sz="1200" i="1" kern="1200" dirty="0" smtClean="0">
-                <a:solidFill>
-                  <a:schemeClr val="tx1"/>
-                </a:solidFill>
-                <a:effectLst/>
-                <a:latin typeface="+mn-lt"/>
-                <a:ea typeface="+mn-ea"/>
-                <a:cs typeface="+mn-cs"/>
-              </a:rPr>
-              <a:t>multiple </a:t>
-            </a:r>
-            <a:r>
-              <a:rPr lang="en-US" sz="1200" kern="1200" dirty="0" smtClean="0">
-                <a:solidFill>
-                  <a:schemeClr val="tx1"/>
-                </a:solidFill>
-                <a:effectLst/>
-                <a:latin typeface="+mn-lt"/>
-                <a:ea typeface="+mn-ea"/>
-                <a:cs typeface="+mn-cs"/>
-              </a:rPr>
-              <a:t>objects, and we need a handy way to keep track of all of those objects. If we implement the Scenarios as brand new classes, then we can use instance properties of those classes to expose pointers to the objects the tests will care about. You could still use static factory methods if you wanted to, but it saves a little code to just use the constructor instead.</a:t>
-            </a:r>
-          </a:p>
-          <a:p>
-            <a:endParaRPr lang="en-US" dirty="0"/>
+              <a:t>For example, let’s say you have an ecommerce site, and one of your business rules is that all orders of heavy equipment, from new customers, with a different bill-to and ship-to address, must go through a verification process to prevent fraud and expensive shipping mistakes. To write that test, you’ll have to create a customer with no previous orders, assign different bill-to and ship-to addresses, create an order containing a heavy equipment item, and attach the customer to the order.</a:t>
+            </a:r>
+            <a:endParaRPr lang="en-US" sz="1200" kern="1200" dirty="0">
+              <a:solidFill>
+                <a:schemeClr val="tx1"/>
+              </a:solidFill>
+              <a:effectLst/>
+              <a:latin typeface="+mn-lt"/>
+              <a:ea typeface="+mn-ea"/>
+              <a:cs typeface="+mn-cs"/>
+            </a:endParaRPr>
           </a:p>
         </p:txBody>
       </p:sp>
@@ -7049,7 +6908,7 @@
     </p:spTree>
     <p:extLst>
       <p:ext uri="{BB962C8B-B14F-4D97-AF65-F5344CB8AC3E}">
-        <p14:creationId xmlns:p14="http://schemas.microsoft.com/office/powerpoint/2010/main" val="3630569300"/>
+        <p14:creationId xmlns:p14="http://schemas.microsoft.com/office/powerpoint/2010/main" val="3149679803"/>
       </p:ext>
     </p:extLst>
   </p:cSld>
@@ -7103,23 +6962,6 @@
           <a:bodyPr/>
           <a:lstStyle/>
           <a:p>
-            <a:pPr marL="0" marR="0" lvl="0" indent="0" algn="l" defTabSz="914400" rtl="0" eaLnBrk="1" fontAlgn="auto" latinLnBrk="0" hangingPunct="1">
-              <a:lnSpc>
-                <a:spcPct val="100000"/>
-              </a:lnSpc>
-              <a:spcBef>
-                <a:spcPts val="0"/>
-              </a:spcBef>
-              <a:spcAft>
-                <a:spcPts val="0"/>
-              </a:spcAft>
-              <a:buClrTx/>
-              <a:buSzTx/>
-              <a:buFontTx/>
-              <a:buNone/>
-              <a:tabLst/>
-              <a:defRPr/>
-            </a:pPr>
             <a:r>
               <a:rPr lang="en-US" sz="1200" kern="1200" dirty="0" smtClean="0">
                 <a:solidFill>
@@ -7130,7 +6972,59 @@
                 <a:ea typeface="+mn-ea"/>
                 <a:cs typeface="+mn-cs"/>
               </a:rPr>
-              <a:t>This is what the Scenario itself looks like. In general, everything that the Scenario creates that a test might need to easily get a reference to is exposed as instance properties. </a:t>
+              <a:t>That test would look like this. Here’s the customer helper, where I’m creating separate addresses, and here’s the order containing a heavy equipment item.</a:t>
+            </a:r>
+          </a:p>
+          <a:p>
+            <a:r>
+              <a:rPr lang="en-US" sz="1200" kern="1200" dirty="0" smtClean="0">
+                <a:solidFill>
+                  <a:schemeClr val="tx1"/>
+                </a:solidFill>
+                <a:effectLst/>
+                <a:latin typeface="+mn-lt"/>
+                <a:ea typeface="+mn-ea"/>
+                <a:cs typeface="+mn-cs"/>
+              </a:rPr>
+              <a:t>This isn’t a </a:t>
+            </a:r>
+            <a:r>
+              <a:rPr lang="en-US" sz="1200" i="1" kern="1200" dirty="0" smtClean="0">
+                <a:solidFill>
+                  <a:schemeClr val="tx1"/>
+                </a:solidFill>
+                <a:effectLst/>
+                <a:latin typeface="+mn-lt"/>
+                <a:ea typeface="+mn-ea"/>
+                <a:cs typeface="+mn-cs"/>
+              </a:rPr>
+              <a:t>bad </a:t>
+            </a:r>
+            <a:r>
+              <a:rPr lang="en-US" sz="1200" kern="1200" dirty="0" smtClean="0">
+                <a:solidFill>
+                  <a:schemeClr val="tx1"/>
+                </a:solidFill>
+                <a:effectLst/>
+                <a:latin typeface="+mn-lt"/>
+                <a:ea typeface="+mn-ea"/>
+                <a:cs typeface="+mn-cs"/>
+              </a:rPr>
+              <a:t>test, but it could be better. Wiring up all this stuff by hand is tedious, and it works against our goal of being able to easily and concisely describe the context for a given test.</a:t>
+            </a:r>
+          </a:p>
+          <a:p>
+            <a:r>
+              <a:rPr lang="en-US" sz="1200" kern="1200" dirty="0" smtClean="0">
+                <a:solidFill>
+                  <a:schemeClr val="tx1"/>
+                </a:solidFill>
+                <a:effectLst/>
+                <a:latin typeface="+mn-lt"/>
+                <a:ea typeface="+mn-ea"/>
+                <a:cs typeface="+mn-cs"/>
+              </a:rPr>
+              <a:t>And if you have multiple tests that need minor variations on this setup, this leads to a lot of copying and pasting.</a:t>
             </a:r>
           </a:p>
           <a:p>
@@ -7164,7 +7058,7 @@
     </p:spTree>
     <p:extLst>
       <p:ext uri="{BB962C8B-B14F-4D97-AF65-F5344CB8AC3E}">
-        <p14:creationId xmlns:p14="http://schemas.microsoft.com/office/powerpoint/2010/main" val="2637628619"/>
+        <p14:creationId xmlns:p14="http://schemas.microsoft.com/office/powerpoint/2010/main" val="1497239507"/>
       </p:ext>
     </p:extLst>
   </p:cSld>
@@ -7392,23 +7286,6 @@
           <a:bodyPr/>
           <a:lstStyle/>
           <a:p>
-            <a:pPr marL="0" marR="0" lvl="0" indent="0" algn="l" defTabSz="914400" rtl="0" eaLnBrk="1" fontAlgn="auto" latinLnBrk="0" hangingPunct="1">
-              <a:lnSpc>
-                <a:spcPct val="100000"/>
-              </a:lnSpc>
-              <a:spcBef>
-                <a:spcPts val="0"/>
-              </a:spcBef>
-              <a:spcAft>
-                <a:spcPts val="0"/>
-              </a:spcAft>
-              <a:buClrTx/>
-              <a:buSzTx/>
-              <a:buFontTx/>
-              <a:buNone/>
-              <a:tabLst/>
-              <a:defRPr/>
-            </a:pPr>
             <a:r>
               <a:rPr lang="en-US" sz="1200" kern="1200" dirty="0" smtClean="0">
                 <a:solidFill>
@@ -7419,7 +7296,73 @@
                 <a:ea typeface="+mn-ea"/>
                 <a:cs typeface="+mn-cs"/>
               </a:rPr>
-              <a:t>Here’s another example of a Scenario. In this case, we’re creating multiple orders for a single customer, each with different characteristics. The Scenario exposes each order as a distinct property so that the test code will be very clear in terms of its intent.</a:t>
+              <a:t>In these situations I use a pattern that we call a Scenario. This is essentially a façade that wraps the coordination of multiple Test Helpers towards a common goal and makes your setup code cleaner and more readable.</a:t>
+            </a:r>
+          </a:p>
+          <a:p>
+            <a:r>
+              <a:rPr lang="en-US" sz="1200" kern="1200" dirty="0" smtClean="0">
+                <a:solidFill>
+                  <a:schemeClr val="tx1"/>
+                </a:solidFill>
+                <a:effectLst/>
+                <a:latin typeface="+mn-lt"/>
+                <a:ea typeface="+mn-ea"/>
+                <a:cs typeface="+mn-cs"/>
+              </a:rPr>
+              <a:t>You’ll notice that while a Test Helper is a static factory, a Scenario is something that you instantiate. You can still customize the result but you do it with constructor arguments and not method arguments.</a:t>
+            </a:r>
+          </a:p>
+          <a:p>
+            <a:r>
+              <a:rPr lang="en-US" sz="1200" kern="1200" dirty="0" smtClean="0">
+                <a:solidFill>
+                  <a:schemeClr val="tx1"/>
+                </a:solidFill>
+                <a:effectLst/>
+                <a:latin typeface="+mn-lt"/>
+                <a:ea typeface="+mn-ea"/>
+                <a:cs typeface="+mn-cs"/>
+              </a:rPr>
+              <a:t>The reason for this difference is that a Test Helper returns one of our core domain objects, and we don’t want to litter our app code with constructors that exist only for testing. The factory pattern works great to isolate the Test Helper logic from the core objects.</a:t>
+            </a:r>
+          </a:p>
+          <a:p>
+            <a:r>
+              <a:rPr lang="en-US" sz="1200" kern="1200" dirty="0" smtClean="0">
+                <a:solidFill>
+                  <a:schemeClr val="tx1"/>
+                </a:solidFill>
+                <a:effectLst/>
+                <a:latin typeface="+mn-lt"/>
+                <a:ea typeface="+mn-ea"/>
+                <a:cs typeface="+mn-cs"/>
+              </a:rPr>
+              <a:t>For scenarios, though, we’re actually creating </a:t>
+            </a:r>
+            <a:r>
+              <a:rPr lang="en-US" sz="1200" i="1" kern="1200" dirty="0" smtClean="0">
+                <a:solidFill>
+                  <a:schemeClr val="tx1"/>
+                </a:solidFill>
+                <a:effectLst/>
+                <a:latin typeface="+mn-lt"/>
+                <a:ea typeface="+mn-ea"/>
+                <a:cs typeface="+mn-cs"/>
+              </a:rPr>
+              <a:t>multiple </a:t>
+            </a:r>
+            <a:r>
+              <a:rPr lang="en-US" sz="1200" kern="1200" dirty="0" smtClean="0">
+                <a:solidFill>
+                  <a:schemeClr val="tx1"/>
+                </a:solidFill>
+                <a:effectLst/>
+                <a:latin typeface="+mn-lt"/>
+                <a:ea typeface="+mn-ea"/>
+                <a:cs typeface="+mn-cs"/>
+              </a:rPr>
+              <a:t>objects, and we need a handy way to keep track of all of those objects. If we implement the Scenarios as brand new classes, then we can use instance properties of those classes to expose pointers to the objects the tests will care about. You could still use static factory methods if you wanted to, but it saves a little code to just use the constructor instead.</a:t>
             </a:r>
           </a:p>
           <a:p>
@@ -7453,7 +7396,7 @@
     </p:spTree>
     <p:extLst>
       <p:ext uri="{BB962C8B-B14F-4D97-AF65-F5344CB8AC3E}">
-        <p14:creationId xmlns:p14="http://schemas.microsoft.com/office/powerpoint/2010/main" val="3190554621"/>
+        <p14:creationId xmlns:p14="http://schemas.microsoft.com/office/powerpoint/2010/main" val="3630569300"/>
       </p:ext>
     </p:extLst>
   </p:cSld>
@@ -7507,6 +7450,23 @@
           <a:bodyPr/>
           <a:lstStyle/>
           <a:p>
+            <a:pPr marL="0" marR="0" lvl="0" indent="0" algn="l" defTabSz="914400" rtl="0" eaLnBrk="1" fontAlgn="auto" latinLnBrk="0" hangingPunct="1">
+              <a:lnSpc>
+                <a:spcPct val="100000"/>
+              </a:lnSpc>
+              <a:spcBef>
+                <a:spcPts val="0"/>
+              </a:spcBef>
+              <a:spcAft>
+                <a:spcPts val="0"/>
+              </a:spcAft>
+              <a:buClrTx/>
+              <a:buSzTx/>
+              <a:buFontTx/>
+              <a:buNone/>
+              <a:tabLst/>
+              <a:defRPr/>
+            </a:pPr>
             <a:r>
               <a:rPr lang="en-US" sz="1200" kern="1200" dirty="0" smtClean="0">
                 <a:solidFill>
@@ -7517,59 +7477,11 @@
                 <a:ea typeface="+mn-ea"/>
                 <a:cs typeface="+mn-cs"/>
               </a:rPr>
-              <a:t>I recommend the Test Helper pattern without reservation. There’s literally no good argument not to. But there are a few drawbacks to the Scenario pattern that you should consider.</a:t>
-            </a:r>
-          </a:p>
-          <a:p>
-            <a:r>
-              <a:rPr lang="en-US" sz="1200" kern="1200" dirty="0" smtClean="0">
-                <a:solidFill>
-                  <a:schemeClr val="tx1"/>
-                </a:solidFill>
-                <a:effectLst/>
-                <a:latin typeface="+mn-lt"/>
-                <a:ea typeface="+mn-ea"/>
-                <a:cs typeface="+mn-cs"/>
-              </a:rPr>
-              <a:t>First, you’ll need to figure out for yourself the correct balance between specialization and customization. If you create a large number of Scenarios, each highly specialized for a specific use case, then you’ll generally find that each individual is scenario easy to maintain over time, but you’ll end up creating a lot of them with chunks of duplicate logic. If you create a smaller number of general purpose Scenarios that can be highly customized via arguments then you’ll create fewer objects, but it may be hard to refactor a Scenario because it might be used in lots of different ways by lots of different tests.</a:t>
-            </a:r>
-          </a:p>
-          <a:p>
-            <a:r>
-              <a:rPr lang="en-US" sz="1200" kern="1200" dirty="0" smtClean="0">
-                <a:solidFill>
-                  <a:schemeClr val="tx1"/>
-                </a:solidFill>
-                <a:effectLst/>
-                <a:latin typeface="+mn-lt"/>
-                <a:ea typeface="+mn-ea"/>
-                <a:cs typeface="+mn-cs"/>
-              </a:rPr>
-              <a:t>That balance is hard to predict in advance. My rule of thumb is that if I’m only creating two or three objects in a test, I’ll usually just call the Test Helpers directly. But if I have more than that, AND I’m reusing that logic in more than two or three tests, I’ll extract out a Scenario. </a:t>
-            </a:r>
-          </a:p>
-          <a:p>
-            <a:r>
-              <a:rPr lang="en-US" sz="1200" kern="1200" dirty="0" smtClean="0">
-                <a:solidFill>
-                  <a:schemeClr val="tx1"/>
-                </a:solidFill>
-                <a:effectLst/>
-                <a:latin typeface="+mn-lt"/>
-                <a:ea typeface="+mn-ea"/>
-                <a:cs typeface="+mn-cs"/>
-              </a:rPr>
-              <a:t>Also, remember that Scenarios are helpful because they are facades that encapsulate and abstract the coordination of multiple objects at the same time. If you need a lot of Scenarios, that might be a code smell indicating that those facades would be more useful in the core app itself. For example, if we go back to that e-commerce scenario I just showed you, you could argue that a better design might be to create an object or service that encapsulates all of the information about a given Order, and then base your business rules on that abstraction instead. If you go that route then you may need fewer Scenarios in your unit tests, but they are still really handy when it comes to integration tests.</a:t>
-            </a:r>
-            <a:endParaRPr lang="en-US" sz="1200" kern="1200" dirty="0">
-              <a:solidFill>
-                <a:schemeClr val="tx1"/>
-              </a:solidFill>
-              <a:effectLst/>
-              <a:latin typeface="+mn-lt"/>
-              <a:ea typeface="+mn-ea"/>
-              <a:cs typeface="+mn-cs"/>
-            </a:endParaRPr>
+              <a:t>This is what the Scenario itself looks like. In general, everything that the Scenario creates that a test might need to easily get a reference to is exposed as instance properties. </a:t>
+            </a:r>
+          </a:p>
+          <a:p>
+            <a:endParaRPr lang="en-US" dirty="0"/>
           </a:p>
         </p:txBody>
       </p:sp>
@@ -7599,7 +7511,7 @@
     </p:spTree>
     <p:extLst>
       <p:ext uri="{BB962C8B-B14F-4D97-AF65-F5344CB8AC3E}">
-        <p14:creationId xmlns:p14="http://schemas.microsoft.com/office/powerpoint/2010/main" val="2143862452"/>
+        <p14:creationId xmlns:p14="http://schemas.microsoft.com/office/powerpoint/2010/main" val="2637628619"/>
       </p:ext>
     </p:extLst>
   </p:cSld>
@@ -7653,6 +7565,23 @@
           <a:bodyPr/>
           <a:lstStyle/>
           <a:p>
+            <a:pPr marL="0" marR="0" lvl="0" indent="0" algn="l" defTabSz="914400" rtl="0" eaLnBrk="1" fontAlgn="auto" latinLnBrk="0" hangingPunct="1">
+              <a:lnSpc>
+                <a:spcPct val="100000"/>
+              </a:lnSpc>
+              <a:spcBef>
+                <a:spcPts val="0"/>
+              </a:spcBef>
+              <a:spcAft>
+                <a:spcPts val="0"/>
+              </a:spcAft>
+              <a:buClrTx/>
+              <a:buSzTx/>
+              <a:buFontTx/>
+              <a:buNone/>
+              <a:tabLst/>
+              <a:defRPr/>
+            </a:pPr>
             <a:r>
               <a:rPr lang="en-US" sz="1200" kern="1200" dirty="0" smtClean="0">
                 <a:solidFill>
@@ -7663,71 +7592,11 @@
                 <a:ea typeface="+mn-ea"/>
                 <a:cs typeface="+mn-cs"/>
               </a:rPr>
-              <a:t>The fourth key to effective test data setup is to tell a story with your data.</a:t>
-            </a:r>
-          </a:p>
-          <a:p>
-            <a:r>
-              <a:rPr lang="en-US" sz="1200" kern="1200" dirty="0" smtClean="0">
-                <a:solidFill>
-                  <a:schemeClr val="tx1"/>
-                </a:solidFill>
-                <a:effectLst/>
-                <a:latin typeface="+mn-lt"/>
-                <a:ea typeface="+mn-ea"/>
-                <a:cs typeface="+mn-cs"/>
-              </a:rPr>
-              <a:t>At the core of their essence, tests are valuable because they help us understand our software. And in order to fully deliver that value, they have to be designed to effectively convey information when they are read. You could write the most </a:t>
-            </a:r>
-            <a:r>
-              <a:rPr lang="en-US" sz="1200" kern="1200" dirty="0" err="1" smtClean="0">
-                <a:solidFill>
-                  <a:schemeClr val="tx1"/>
-                </a:solidFill>
-                <a:effectLst/>
-                <a:latin typeface="+mn-lt"/>
-                <a:ea typeface="+mn-ea"/>
-                <a:cs typeface="+mn-cs"/>
-              </a:rPr>
-              <a:t>bassackwards</a:t>
-            </a:r>
-            <a:r>
-              <a:rPr lang="en-US" sz="1200" kern="1200" dirty="0" smtClean="0">
-                <a:solidFill>
-                  <a:schemeClr val="tx1"/>
-                </a:solidFill>
-                <a:effectLst/>
-                <a:latin typeface="+mn-lt"/>
-                <a:ea typeface="+mn-ea"/>
-                <a:cs typeface="+mn-cs"/>
-              </a:rPr>
-              <a:t> and incoherent tests possible and the computer could still figure out what to do, and whether your assertions are true. But that won’t help your poor coworker who opens that file a month later and needs to make a change. CPU cycles are cheap; your coworker’s time is not.</a:t>
-            </a:r>
-          </a:p>
-          <a:p>
-            <a:r>
-              <a:rPr lang="en-US" sz="1200" kern="1200" dirty="0" smtClean="0">
-                <a:solidFill>
-                  <a:schemeClr val="tx1"/>
-                </a:solidFill>
-                <a:effectLst/>
-                <a:latin typeface="+mn-lt"/>
-                <a:ea typeface="+mn-ea"/>
-                <a:cs typeface="+mn-cs"/>
-              </a:rPr>
-              <a:t>When it comes to setup code, there are a few simple practices that I recommend you consider.</a:t>
-            </a:r>
-          </a:p>
-          <a:p>
-            <a:endParaRPr lang="en-US" sz="1200" kern="1200" dirty="0">
-              <a:solidFill>
-                <a:schemeClr val="tx1"/>
-              </a:solidFill>
-              <a:effectLst/>
-              <a:latin typeface="+mn-lt"/>
-              <a:ea typeface="+mn-ea"/>
-              <a:cs typeface="+mn-cs"/>
-            </a:endParaRPr>
+              <a:t>Here’s another example of a Scenario. In this case, we’re creating multiple orders for a single customer, each with different characteristics. The Scenario exposes each order as a distinct property so that the test code will be very clear in terms of its intent.</a:t>
+            </a:r>
+          </a:p>
+          <a:p>
+            <a:endParaRPr lang="en-US" dirty="0"/>
           </a:p>
         </p:txBody>
       </p:sp>
@@ -7757,7 +7626,7 @@
     </p:spTree>
     <p:extLst>
       <p:ext uri="{BB962C8B-B14F-4D97-AF65-F5344CB8AC3E}">
-        <p14:creationId xmlns:p14="http://schemas.microsoft.com/office/powerpoint/2010/main" val="3116087620"/>
+        <p14:creationId xmlns:p14="http://schemas.microsoft.com/office/powerpoint/2010/main" val="3190554621"/>
       </p:ext>
     </p:extLst>
   </p:cSld>
@@ -7811,6 +7680,60 @@
           <a:bodyPr/>
           <a:lstStyle/>
           <a:p>
+            <a:r>
+              <a:rPr lang="en-US" sz="1200" kern="1200" dirty="0" smtClean="0">
+                <a:solidFill>
+                  <a:schemeClr val="tx1"/>
+                </a:solidFill>
+                <a:effectLst/>
+                <a:latin typeface="+mn-lt"/>
+                <a:ea typeface="+mn-ea"/>
+                <a:cs typeface="+mn-cs"/>
+              </a:rPr>
+              <a:t>I recommend the Test Helper pattern without reservation. There’s literally no good argument not to. But there are a few drawbacks to the Scenario pattern that you should consider.</a:t>
+            </a:r>
+          </a:p>
+          <a:p>
+            <a:r>
+              <a:rPr lang="en-US" sz="1200" kern="1200" dirty="0" smtClean="0">
+                <a:solidFill>
+                  <a:schemeClr val="tx1"/>
+                </a:solidFill>
+                <a:effectLst/>
+                <a:latin typeface="+mn-lt"/>
+                <a:ea typeface="+mn-ea"/>
+                <a:cs typeface="+mn-cs"/>
+              </a:rPr>
+              <a:t>First, you’ll need to figure out for yourself the correct balance between specialization and customization. If you create a large number of Scenarios, each highly specialized for a specific use case, then you’ll generally find that each individual is scenario easy to maintain over time, but you’ll end up creating a lot of them with chunks of duplicate logic. If you create a smaller number of general purpose Scenarios that can be highly customized via arguments then you’ll create fewer objects, but it may be hard to refactor a Scenario because it might be used in lots of different ways by lots of different tests.</a:t>
+            </a:r>
+          </a:p>
+          <a:p>
+            <a:r>
+              <a:rPr lang="en-US" sz="1200" kern="1200" dirty="0" smtClean="0">
+                <a:solidFill>
+                  <a:schemeClr val="tx1"/>
+                </a:solidFill>
+                <a:effectLst/>
+                <a:latin typeface="+mn-lt"/>
+                <a:ea typeface="+mn-ea"/>
+                <a:cs typeface="+mn-cs"/>
+              </a:rPr>
+              <a:t>That balance is hard to predict in advance. My rule of thumb is that if I’m only creating two or three objects in a test, I’ll usually just call the Test Helpers directly. But if I have more than that, AND I’m reusing that logic in more than two or three tests, I’ll extract out a Scenario. </a:t>
+            </a:r>
+          </a:p>
+          <a:p>
+            <a:r>
+              <a:rPr lang="en-US" sz="1200" kern="1200" dirty="0" smtClean="0">
+                <a:solidFill>
+                  <a:schemeClr val="tx1"/>
+                </a:solidFill>
+                <a:effectLst/>
+                <a:latin typeface="+mn-lt"/>
+                <a:ea typeface="+mn-ea"/>
+                <a:cs typeface="+mn-cs"/>
+              </a:rPr>
+              <a:t>Also, remember that Scenarios are helpful because they are facades that encapsulate and abstract the coordination of multiple objects at the same time. If you need a lot of Scenarios, that might be a code smell indicating that those facades would be more useful in the core app itself. For example, if we go back to that e-commerce scenario I just showed you, you could argue that a better design might be to create an object or service that encapsulates all of the information about a given Order, and then base your business rules on that abstraction instead. If you go that route then you may need fewer Scenarios in your unit tests, but they are still really handy when it comes to integration tests.</a:t>
+            </a:r>
             <a:endParaRPr lang="en-US" sz="1200" kern="1200" dirty="0">
               <a:solidFill>
                 <a:schemeClr val="tx1"/>
@@ -7849,7 +7772,7 @@
     </p:spTree>
     <p:extLst>
       <p:ext uri="{BB962C8B-B14F-4D97-AF65-F5344CB8AC3E}">
-        <p14:creationId xmlns:p14="http://schemas.microsoft.com/office/powerpoint/2010/main" val="2177537596"/>
+        <p14:creationId xmlns:p14="http://schemas.microsoft.com/office/powerpoint/2010/main" val="2143862452"/>
       </p:ext>
     </p:extLst>
   </p:cSld>
@@ -7903,6 +7826,72 @@
           <a:bodyPr/>
           <a:lstStyle/>
           <a:p>
+            <a:r>
+              <a:rPr lang="en-US" sz="1200" kern="1200" dirty="0" smtClean="0">
+                <a:solidFill>
+                  <a:schemeClr val="tx1"/>
+                </a:solidFill>
+                <a:effectLst/>
+                <a:latin typeface="+mn-lt"/>
+                <a:ea typeface="+mn-ea"/>
+                <a:cs typeface="+mn-cs"/>
+              </a:rPr>
+              <a:t>The fourth key to effective test data setup is to tell a story with your data.</a:t>
+            </a:r>
+          </a:p>
+          <a:p>
+            <a:r>
+              <a:rPr lang="en-US" sz="1200" kern="1200" dirty="0" smtClean="0">
+                <a:solidFill>
+                  <a:schemeClr val="tx1"/>
+                </a:solidFill>
+                <a:effectLst/>
+                <a:latin typeface="+mn-lt"/>
+                <a:ea typeface="+mn-ea"/>
+                <a:cs typeface="+mn-cs"/>
+              </a:rPr>
+              <a:t>At the core of their essence, tests are valuable because they help us understand our software. And in order to fully deliver that value, they have to be designed to effectively convey information when they are read. You could write the most </a:t>
+            </a:r>
+            <a:r>
+              <a:rPr lang="en-US" sz="1200" kern="1200" dirty="0" err="1" smtClean="0">
+                <a:solidFill>
+                  <a:schemeClr val="tx1"/>
+                </a:solidFill>
+                <a:effectLst/>
+                <a:latin typeface="+mn-lt"/>
+                <a:ea typeface="+mn-ea"/>
+                <a:cs typeface="+mn-cs"/>
+              </a:rPr>
+              <a:t>bassackwards</a:t>
+            </a:r>
+            <a:r>
+              <a:rPr lang="en-US" sz="1200" kern="1200" dirty="0" smtClean="0">
+                <a:solidFill>
+                  <a:schemeClr val="tx1"/>
+                </a:solidFill>
+                <a:effectLst/>
+                <a:latin typeface="+mn-lt"/>
+                <a:ea typeface="+mn-ea"/>
+                <a:cs typeface="+mn-cs"/>
+              </a:rPr>
+              <a:t> and incoherent tests possible and the computer could still figure out what to do, and whether your assertions are true. But that won’t help your poor coworker who opens that file a month later and needs to make a change. CPU cycles are cheap; your coworker’s time is not.</a:t>
+            </a:r>
+          </a:p>
+          <a:p>
+            <a:r>
+              <a:rPr lang="en-US" sz="1200" kern="1200" dirty="0" smtClean="0">
+                <a:solidFill>
+                  <a:schemeClr val="tx1"/>
+                </a:solidFill>
+                <a:effectLst/>
+                <a:latin typeface="+mn-lt"/>
+                <a:ea typeface="+mn-ea"/>
+                <a:cs typeface="+mn-cs"/>
+              </a:rPr>
+              <a:t>When it comes to setup code, there are a few simple practices that I recommend you consider.</a:t>
+            </a:r>
+          </a:p>
+          <a:p>
             <a:endParaRPr lang="en-US" sz="1200" kern="1200" dirty="0">
               <a:solidFill>
                 <a:schemeClr val="tx1"/>
@@ -7941,7 +7930,7 @@
     </p:spTree>
     <p:extLst>
       <p:ext uri="{BB962C8B-B14F-4D97-AF65-F5344CB8AC3E}">
-        <p14:creationId xmlns:p14="http://schemas.microsoft.com/office/powerpoint/2010/main" val="2013156351"/>
+        <p14:creationId xmlns:p14="http://schemas.microsoft.com/office/powerpoint/2010/main" val="3116087620"/>
       </p:ext>
     </p:extLst>
   </p:cSld>
@@ -8033,7 +8022,7 @@
     </p:spTree>
     <p:extLst>
       <p:ext uri="{BB962C8B-B14F-4D97-AF65-F5344CB8AC3E}">
-        <p14:creationId xmlns:p14="http://schemas.microsoft.com/office/powerpoint/2010/main" val="590053394"/>
+        <p14:creationId xmlns:p14="http://schemas.microsoft.com/office/powerpoint/2010/main" val="2177537596"/>
       </p:ext>
     </p:extLst>
   </p:cSld>
@@ -8125,7 +8114,7 @@
     </p:spTree>
     <p:extLst>
       <p:ext uri="{BB962C8B-B14F-4D97-AF65-F5344CB8AC3E}">
-        <p14:creationId xmlns:p14="http://schemas.microsoft.com/office/powerpoint/2010/main" val="3948594667"/>
+        <p14:creationId xmlns:p14="http://schemas.microsoft.com/office/powerpoint/2010/main" val="2013156351"/>
       </p:ext>
     </p:extLst>
   </p:cSld>
@@ -8217,7 +8206,7 @@
     </p:spTree>
     <p:extLst>
       <p:ext uri="{BB962C8B-B14F-4D97-AF65-F5344CB8AC3E}">
-        <p14:creationId xmlns:p14="http://schemas.microsoft.com/office/powerpoint/2010/main" val="85960143"/>
+        <p14:creationId xmlns:p14="http://schemas.microsoft.com/office/powerpoint/2010/main" val="590053394"/>
       </p:ext>
     </p:extLst>
   </p:cSld>
@@ -8309,7 +8298,7 @@
     </p:spTree>
     <p:extLst>
       <p:ext uri="{BB962C8B-B14F-4D97-AF65-F5344CB8AC3E}">
-        <p14:creationId xmlns:p14="http://schemas.microsoft.com/office/powerpoint/2010/main" val="600131576"/>
+        <p14:creationId xmlns:p14="http://schemas.microsoft.com/office/powerpoint/2010/main" val="3948594667"/>
       </p:ext>
     </p:extLst>
   </p:cSld>
@@ -8401,7 +8390,7 @@
     </p:spTree>
     <p:extLst>
       <p:ext uri="{BB962C8B-B14F-4D97-AF65-F5344CB8AC3E}">
-        <p14:creationId xmlns:p14="http://schemas.microsoft.com/office/powerpoint/2010/main" val="2614958502"/>
+        <p14:creationId xmlns:p14="http://schemas.microsoft.com/office/powerpoint/2010/main" val="85960143"/>
       </p:ext>
     </p:extLst>
   </p:cSld>
@@ -8581,7 +8570,7 @@
     </p:spTree>
     <p:extLst>
       <p:ext uri="{BB962C8B-B14F-4D97-AF65-F5344CB8AC3E}">
-        <p14:creationId xmlns:p14="http://schemas.microsoft.com/office/powerpoint/2010/main" val="4279913926"/>
+        <p14:creationId xmlns:p14="http://schemas.microsoft.com/office/powerpoint/2010/main" val="600131576"/>
       </p:ext>
     </p:extLst>
   </p:cSld>
@@ -8635,7 +8624,7 @@
           <a:bodyPr/>
           <a:lstStyle/>
           <a:p>
-            <a:endParaRPr lang="en-US" sz="1200" kern="1200" dirty="0" smtClean="0">
+            <a:endParaRPr lang="en-US" sz="1200" kern="1200" dirty="0">
               <a:solidFill>
                 <a:schemeClr val="tx1"/>
               </a:solidFill>
@@ -8673,7 +8662,7 @@
     </p:spTree>
     <p:extLst>
       <p:ext uri="{BB962C8B-B14F-4D97-AF65-F5344CB8AC3E}">
-        <p14:creationId xmlns:p14="http://schemas.microsoft.com/office/powerpoint/2010/main" val="3982265489"/>
+        <p14:creationId xmlns:p14="http://schemas.microsoft.com/office/powerpoint/2010/main" val="2614958502"/>
       </p:ext>
     </p:extLst>
   </p:cSld>
@@ -8727,21 +8716,15 @@
           <a:bodyPr/>
           <a:lstStyle/>
           <a:p>
-            <a:pPr marL="171450" indent="-171450">
-              <a:buFont typeface="Arial" panose="020B0604020202020204" pitchFamily="34" charset="0"/>
-              <a:buChar char="•"/>
-            </a:pPr>
-            <a:r>
-              <a:rPr lang="en-US" b="0" dirty="0" smtClean="0"/>
-              <a:t>Here’s that nasty chunk of setup code I showed at the start</a:t>
-            </a:r>
-            <a:endParaRPr lang="en-US" b="0" baseline="0" dirty="0" smtClean="0"/>
-          </a:p>
-          <a:p>
-            <a:endParaRPr lang="en-US" b="1" dirty="0" smtClean="0"/>
-          </a:p>
-          <a:p>
-            <a:endParaRPr lang="en-US" dirty="0"/>
+            <a:endParaRPr lang="en-US" sz="1200" kern="1200" dirty="0" smtClean="0">
+              <a:solidFill>
+                <a:schemeClr val="tx1"/>
+              </a:solidFill>
+              <a:effectLst/>
+              <a:latin typeface="+mn-lt"/>
+              <a:ea typeface="+mn-ea"/>
+              <a:cs typeface="+mn-cs"/>
+            </a:endParaRPr>
           </a:p>
         </p:txBody>
       </p:sp>
@@ -8771,7 +8754,7 @@
     </p:spTree>
     <p:extLst>
       <p:ext uri="{BB962C8B-B14F-4D97-AF65-F5344CB8AC3E}">
-        <p14:creationId xmlns:p14="http://schemas.microsoft.com/office/powerpoint/2010/main" val="621233375"/>
+        <p14:creationId xmlns:p14="http://schemas.microsoft.com/office/powerpoint/2010/main" val="3982265489"/>
       </p:ext>
     </p:extLst>
   </p:cSld>
@@ -8825,6 +8808,20 @@
           <a:bodyPr/>
           <a:lstStyle/>
           <a:p>
+            <a:pPr marL="171450" indent="-171450">
+              <a:buFont typeface="Arial" panose="020B0604020202020204" pitchFamily="34" charset="0"/>
+              <a:buChar char="•"/>
+            </a:pPr>
+            <a:r>
+              <a:rPr lang="en-US" b="0" dirty="0" smtClean="0"/>
+              <a:t>Here’s that nasty chunk of setup code I showed at the start</a:t>
+            </a:r>
+            <a:endParaRPr lang="en-US" b="0" baseline="0" dirty="0" smtClean="0"/>
+          </a:p>
+          <a:p>
+            <a:endParaRPr lang="en-US" b="1" dirty="0" smtClean="0"/>
+          </a:p>
+          <a:p>
             <a:endParaRPr lang="en-US" dirty="0"/>
           </a:p>
         </p:txBody>
@@ -8855,7 +8852,7 @@
     </p:spTree>
     <p:extLst>
       <p:ext uri="{BB962C8B-B14F-4D97-AF65-F5344CB8AC3E}">
-        <p14:creationId xmlns:p14="http://schemas.microsoft.com/office/powerpoint/2010/main" val="871096793"/>
+        <p14:creationId xmlns:p14="http://schemas.microsoft.com/office/powerpoint/2010/main" val="621233375"/>
       </p:ext>
     </p:extLst>
   </p:cSld>
@@ -8909,7 +8906,7 @@
           <a:bodyPr/>
           <a:lstStyle/>
           <a:p>
-            <a:endParaRPr lang="en-US" dirty="0" smtClean="0"/>
+            <a:endParaRPr lang="en-US" dirty="0"/>
           </a:p>
         </p:txBody>
       </p:sp>
@@ -8939,7 +8936,7 @@
     </p:spTree>
     <p:extLst>
       <p:ext uri="{BB962C8B-B14F-4D97-AF65-F5344CB8AC3E}">
-        <p14:creationId xmlns:p14="http://schemas.microsoft.com/office/powerpoint/2010/main" val="2885101328"/>
+        <p14:creationId xmlns:p14="http://schemas.microsoft.com/office/powerpoint/2010/main" val="871096793"/>
       </p:ext>
     </p:extLst>
   </p:cSld>
@@ -8993,110 +8990,7 @@
           <a:bodyPr/>
           <a:lstStyle/>
           <a:p>
-            <a:pPr marL="171450" marR="0" indent="-171450" algn="l" defTabSz="914400" rtl="0" eaLnBrk="1" fontAlgn="auto" latinLnBrk="0" hangingPunct="1">
-              <a:lnSpc>
-                <a:spcPct val="100000"/>
-              </a:lnSpc>
-              <a:spcBef>
-                <a:spcPts val="0"/>
-              </a:spcBef>
-              <a:spcAft>
-                <a:spcPts val="0"/>
-              </a:spcAft>
-              <a:buClrTx/>
-              <a:buSzTx/>
-              <a:buFont typeface="Arial" panose="020B0604020202020204" pitchFamily="34" charset="0"/>
-              <a:buChar char="•"/>
-              <a:tabLst/>
-              <a:defRPr/>
-            </a:pPr>
-            <a:r>
-              <a:rPr lang="en-US" b="0" i="0" baseline="0" dirty="0" smtClean="0"/>
-              <a:t>Here’s that same chunk of code, cleaned up</a:t>
-            </a:r>
-          </a:p>
-          <a:p>
-            <a:pPr marL="628650" marR="0" lvl="1" indent="-171450" algn="l" defTabSz="914400" rtl="0" eaLnBrk="1" fontAlgn="auto" latinLnBrk="0" hangingPunct="1">
-              <a:lnSpc>
-                <a:spcPct val="100000"/>
-              </a:lnSpc>
-              <a:spcBef>
-                <a:spcPts val="0"/>
-              </a:spcBef>
-              <a:spcAft>
-                <a:spcPts val="0"/>
-              </a:spcAft>
-              <a:buClrTx/>
-              <a:buSzTx/>
-              <a:buFont typeface="Arial" panose="020B0604020202020204" pitchFamily="34" charset="0"/>
-              <a:buChar char="•"/>
-              <a:tabLst/>
-              <a:defRPr/>
-            </a:pPr>
-            <a:r>
-              <a:rPr lang="en-US" b="0" i="0" baseline="0" dirty="0" smtClean="0"/>
-              <a:t>Determined many objects were irrelevant – pushed into helpers &amp; used defaults</a:t>
-            </a:r>
-          </a:p>
-          <a:p>
-            <a:pPr marL="628650" marR="0" lvl="1" indent="-171450" algn="l" defTabSz="914400" rtl="0" eaLnBrk="1" fontAlgn="auto" latinLnBrk="0" hangingPunct="1">
-              <a:lnSpc>
-                <a:spcPct val="100000"/>
-              </a:lnSpc>
-              <a:spcBef>
-                <a:spcPts val="0"/>
-              </a:spcBef>
-              <a:spcAft>
-                <a:spcPts val="0"/>
-              </a:spcAft>
-              <a:buClrTx/>
-              <a:buSzTx/>
-              <a:buFont typeface="Arial" panose="020B0604020202020204" pitchFamily="34" charset="0"/>
-              <a:buChar char="•"/>
-              <a:tabLst/>
-              <a:defRPr/>
-            </a:pPr>
-            <a:r>
-              <a:rPr lang="en-US" b="0" i="0" baseline="0" dirty="0" smtClean="0"/>
-              <a:t>Still creating a lot of objects, but something that’s manageable</a:t>
-            </a:r>
-          </a:p>
-          <a:p>
-            <a:pPr marL="171450" marR="0" indent="-171450" algn="l" defTabSz="914400" rtl="0" eaLnBrk="1" fontAlgn="auto" latinLnBrk="0" hangingPunct="1">
-              <a:lnSpc>
-                <a:spcPct val="100000"/>
-              </a:lnSpc>
-              <a:spcBef>
-                <a:spcPts val="0"/>
-              </a:spcBef>
-              <a:spcAft>
-                <a:spcPts val="0"/>
-              </a:spcAft>
-              <a:buClrTx/>
-              <a:buSzTx/>
-              <a:buFont typeface="Arial" panose="020B0604020202020204" pitchFamily="34" charset="0"/>
-              <a:buChar char="•"/>
-              <a:tabLst/>
-              <a:defRPr/>
-            </a:pPr>
-            <a:endParaRPr lang="en-US" b="0" i="0" baseline="0" dirty="0" smtClean="0"/>
-          </a:p>
-          <a:p>
-            <a:pPr marL="171450" indent="-171450">
-              <a:buFont typeface="Arial" panose="020B0604020202020204" pitchFamily="34" charset="0"/>
-              <a:buChar char="•"/>
-            </a:pPr>
-            <a:r>
-              <a:rPr lang="en-US" baseline="0" dirty="0" smtClean="0"/>
-              <a:t>Said it before and I’ll say it again; single most important thing is to build a good helper library</a:t>
-            </a:r>
-          </a:p>
-          <a:p>
-            <a:pPr marL="171450" indent="-171450">
-              <a:buFont typeface="Arial" panose="020B0604020202020204" pitchFamily="34" charset="0"/>
-              <a:buChar char="•"/>
-            </a:pPr>
-            <a:endParaRPr lang="en-US" baseline="0" dirty="0" smtClean="0"/>
+            <a:endParaRPr lang="en-US" dirty="0" smtClean="0"/>
           </a:p>
         </p:txBody>
       </p:sp>
@@ -9126,7 +9020,7 @@
     </p:spTree>
     <p:extLst>
       <p:ext uri="{BB962C8B-B14F-4D97-AF65-F5344CB8AC3E}">
-        <p14:creationId xmlns:p14="http://schemas.microsoft.com/office/powerpoint/2010/main" val="2408674174"/>
+        <p14:creationId xmlns:p14="http://schemas.microsoft.com/office/powerpoint/2010/main" val="2885101328"/>
       </p:ext>
     </p:extLst>
   </p:cSld>
@@ -9180,15 +9074,110 @@
           <a:bodyPr/>
           <a:lstStyle/>
           <a:p>
-            <a:endParaRPr lang="en-US" sz="1200" kern="1200" dirty="0">
-              <a:solidFill>
-                <a:schemeClr val="tx1"/>
-              </a:solidFill>
-              <a:effectLst/>
-              <a:latin typeface="+mn-lt"/>
-              <a:ea typeface="+mn-ea"/>
-              <a:cs typeface="+mn-cs"/>
-            </a:endParaRPr>
+            <a:pPr marL="171450" marR="0" indent="-171450" algn="l" defTabSz="914400" rtl="0" eaLnBrk="1" fontAlgn="auto" latinLnBrk="0" hangingPunct="1">
+              <a:lnSpc>
+                <a:spcPct val="100000"/>
+              </a:lnSpc>
+              <a:spcBef>
+                <a:spcPts val="0"/>
+              </a:spcBef>
+              <a:spcAft>
+                <a:spcPts val="0"/>
+              </a:spcAft>
+              <a:buClrTx/>
+              <a:buSzTx/>
+              <a:buFont typeface="Arial" panose="020B0604020202020204" pitchFamily="34" charset="0"/>
+              <a:buChar char="•"/>
+              <a:tabLst/>
+              <a:defRPr/>
+            </a:pPr>
+            <a:r>
+              <a:rPr lang="en-US" b="0" i="0" baseline="0" dirty="0" smtClean="0"/>
+              <a:t>Here’s that same chunk of code, cleaned up</a:t>
+            </a:r>
+          </a:p>
+          <a:p>
+            <a:pPr marL="628650" marR="0" lvl="1" indent="-171450" algn="l" defTabSz="914400" rtl="0" eaLnBrk="1" fontAlgn="auto" latinLnBrk="0" hangingPunct="1">
+              <a:lnSpc>
+                <a:spcPct val="100000"/>
+              </a:lnSpc>
+              <a:spcBef>
+                <a:spcPts val="0"/>
+              </a:spcBef>
+              <a:spcAft>
+                <a:spcPts val="0"/>
+              </a:spcAft>
+              <a:buClrTx/>
+              <a:buSzTx/>
+              <a:buFont typeface="Arial" panose="020B0604020202020204" pitchFamily="34" charset="0"/>
+              <a:buChar char="•"/>
+              <a:tabLst/>
+              <a:defRPr/>
+            </a:pPr>
+            <a:r>
+              <a:rPr lang="en-US" b="0" i="0" baseline="0" dirty="0" smtClean="0"/>
+              <a:t>Determined many objects were irrelevant – pushed into helpers &amp; used defaults</a:t>
+            </a:r>
+          </a:p>
+          <a:p>
+            <a:pPr marL="628650" marR="0" lvl="1" indent="-171450" algn="l" defTabSz="914400" rtl="0" eaLnBrk="1" fontAlgn="auto" latinLnBrk="0" hangingPunct="1">
+              <a:lnSpc>
+                <a:spcPct val="100000"/>
+              </a:lnSpc>
+              <a:spcBef>
+                <a:spcPts val="0"/>
+              </a:spcBef>
+              <a:spcAft>
+                <a:spcPts val="0"/>
+              </a:spcAft>
+              <a:buClrTx/>
+              <a:buSzTx/>
+              <a:buFont typeface="Arial" panose="020B0604020202020204" pitchFamily="34" charset="0"/>
+              <a:buChar char="•"/>
+              <a:tabLst/>
+              <a:defRPr/>
+            </a:pPr>
+            <a:r>
+              <a:rPr lang="en-US" b="0" i="0" baseline="0" dirty="0" smtClean="0"/>
+              <a:t>Still creating a lot of objects, but something that’s manageable</a:t>
+            </a:r>
+          </a:p>
+          <a:p>
+            <a:pPr marL="171450" marR="0" indent="-171450" algn="l" defTabSz="914400" rtl="0" eaLnBrk="1" fontAlgn="auto" latinLnBrk="0" hangingPunct="1">
+              <a:lnSpc>
+                <a:spcPct val="100000"/>
+              </a:lnSpc>
+              <a:spcBef>
+                <a:spcPts val="0"/>
+              </a:spcBef>
+              <a:spcAft>
+                <a:spcPts val="0"/>
+              </a:spcAft>
+              <a:buClrTx/>
+              <a:buSzTx/>
+              <a:buFont typeface="Arial" panose="020B0604020202020204" pitchFamily="34" charset="0"/>
+              <a:buChar char="•"/>
+              <a:tabLst/>
+              <a:defRPr/>
+            </a:pPr>
+            <a:endParaRPr lang="en-US" b="0" i="0" baseline="0" dirty="0" smtClean="0"/>
+          </a:p>
+          <a:p>
+            <a:pPr marL="171450" indent="-171450">
+              <a:buFont typeface="Arial" panose="020B0604020202020204" pitchFamily="34" charset="0"/>
+              <a:buChar char="•"/>
+            </a:pPr>
+            <a:r>
+              <a:rPr lang="en-US" baseline="0" dirty="0" smtClean="0"/>
+              <a:t>Said it before and I’ll say it again; single most important thing is to build a good helper library</a:t>
+            </a:r>
+          </a:p>
+          <a:p>
+            <a:pPr marL="171450" indent="-171450">
+              <a:buFont typeface="Arial" panose="020B0604020202020204" pitchFamily="34" charset="0"/>
+              <a:buChar char="•"/>
+            </a:pPr>
+            <a:endParaRPr lang="en-US" baseline="0" dirty="0" smtClean="0"/>
           </a:p>
         </p:txBody>
       </p:sp>
@@ -9218,7 +9207,7 @@
     </p:spTree>
     <p:extLst>
       <p:ext uri="{BB962C8B-B14F-4D97-AF65-F5344CB8AC3E}">
-        <p14:creationId xmlns:p14="http://schemas.microsoft.com/office/powerpoint/2010/main" val="1253590335"/>
+        <p14:creationId xmlns:p14="http://schemas.microsoft.com/office/powerpoint/2010/main" val="2408674174"/>
       </p:ext>
     </p:extLst>
   </p:cSld>
@@ -9310,7 +9299,7 @@
     </p:spTree>
     <p:extLst>
       <p:ext uri="{BB962C8B-B14F-4D97-AF65-F5344CB8AC3E}">
-        <p14:creationId xmlns:p14="http://schemas.microsoft.com/office/powerpoint/2010/main" val="588328629"/>
+        <p14:creationId xmlns:p14="http://schemas.microsoft.com/office/powerpoint/2010/main" val="1253590335"/>
       </p:ext>
     </p:extLst>
   </p:cSld>
@@ -9364,93 +9353,43 @@
           <a:bodyPr/>
           <a:lstStyle/>
           <a:p>
-            <a:pPr marL="171450" indent="-171450">
-              <a:buFont typeface="Arial" panose="020B0604020202020204" pitchFamily="34" charset="0"/>
-              <a:buChar char="•"/>
-            </a:pPr>
-            <a:r>
-              <a:rPr lang="en-US" b="0" baseline="0" dirty="0" smtClean="0"/>
-              <a:t>1</a:t>
-            </a:r>
-            <a:r>
-              <a:rPr lang="en-US" b="0" baseline="30000" dirty="0" smtClean="0"/>
-              <a:t>st</a:t>
-            </a:r>
-            <a:r>
-              <a:rPr lang="en-US" b="0" baseline="0" dirty="0" smtClean="0"/>
-              <a:t>, Save() is static &amp; takes ORM interface as an argument. </a:t>
-            </a:r>
-          </a:p>
-          <a:p>
-            <a:pPr marL="171450" indent="-171450">
-              <a:buFont typeface="Arial" panose="020B0604020202020204" pitchFamily="34" charset="0"/>
-              <a:buChar char="•"/>
-            </a:pPr>
-            <a:endParaRPr lang="en-US" b="0" baseline="0" dirty="0" smtClean="0"/>
-          </a:p>
-          <a:p>
-            <a:pPr marL="171450" indent="-171450">
-              <a:buFont typeface="Arial" panose="020B0604020202020204" pitchFamily="34" charset="0"/>
-              <a:buChar char="•"/>
-            </a:pPr>
-            <a:r>
-              <a:rPr lang="en-US" b="0" baseline="0" dirty="0" smtClean="0"/>
-              <a:t>It’s certainly possible to use Dependency Injection</a:t>
-            </a:r>
-          </a:p>
-          <a:p>
-            <a:pPr marL="171450" indent="-171450">
-              <a:buFont typeface="Arial" panose="020B0604020202020204" pitchFamily="34" charset="0"/>
-              <a:buChar char="•"/>
-            </a:pPr>
-            <a:endParaRPr lang="en-US" b="0" baseline="0" dirty="0" smtClean="0"/>
-          </a:p>
-          <a:p>
-            <a:pPr marL="171450" marR="0" lvl="0" indent="-171450" algn="l" defTabSz="914400" rtl="0" eaLnBrk="1" fontAlgn="auto" latinLnBrk="0" hangingPunct="1">
-              <a:lnSpc>
-                <a:spcPct val="100000"/>
-              </a:lnSpc>
-              <a:spcBef>
-                <a:spcPts val="0"/>
-              </a:spcBef>
-              <a:spcAft>
-                <a:spcPts val="0"/>
-              </a:spcAft>
-              <a:buClrTx/>
-              <a:buSzTx/>
-              <a:buFont typeface="Arial" panose="020B0604020202020204" pitchFamily="34" charset="0"/>
-              <a:buChar char="•"/>
-              <a:tabLst/>
-              <a:defRPr/>
-            </a:pPr>
-            <a:r>
-              <a:rPr lang="en-US" b="0" baseline="0" dirty="0" smtClean="0"/>
-              <a:t>All the other helper methods are static – not worth effort for my team</a:t>
-            </a:r>
-          </a:p>
-          <a:p>
-            <a:pPr marL="171450" lvl="0" indent="-171450">
-              <a:buFont typeface="Arial" panose="020B0604020202020204" pitchFamily="34" charset="0"/>
-              <a:buChar char="•"/>
-            </a:pPr>
-            <a:endParaRPr lang="en-US" b="0" baseline="0" dirty="0" smtClean="0"/>
-          </a:p>
-          <a:p>
-            <a:pPr marL="628650" lvl="1" indent="-171450">
-              <a:buFont typeface="Arial" panose="020B0604020202020204" pitchFamily="34" charset="0"/>
-              <a:buChar char="•"/>
-            </a:pPr>
-            <a:endParaRPr lang="en-US" b="0" baseline="0" dirty="0" smtClean="0"/>
-          </a:p>
-          <a:p>
-            <a:pPr marL="0" indent="0">
-              <a:buFont typeface="Arial" panose="020B0604020202020204" pitchFamily="34" charset="0"/>
-              <a:buNone/>
-            </a:pPr>
-            <a:r>
-              <a:rPr lang="en-US" b="0" baseline="0" dirty="0" smtClean="0"/>
-              <a:t>	</a:t>
-            </a:r>
+            <a:r>
+              <a:rPr lang="en-US" sz="1200" kern="1200" dirty="0" smtClean="0">
+                <a:solidFill>
+                  <a:schemeClr val="tx1"/>
+                </a:solidFill>
+                <a:effectLst/>
+                <a:latin typeface="+mn-lt"/>
+                <a:ea typeface="+mn-ea"/>
+                <a:cs typeface="+mn-cs"/>
+              </a:rPr>
+              <a:t>First, you have to deal with foreign keys. Your app may not care if you create a Line Item by itself, but you can’t save the Line Item to the database without an Order. And maybe you can’t create an Order without a customer. It’s the same issue we had with constructor dependencies, but in the database. </a:t>
+            </a:r>
+          </a:p>
+          <a:p>
+            <a:r>
+              <a:rPr lang="en-US" sz="1200" kern="1200" dirty="0" smtClean="0">
+                <a:solidFill>
+                  <a:schemeClr val="tx1"/>
+                </a:solidFill>
+                <a:effectLst/>
+                <a:latin typeface="+mn-lt"/>
+                <a:ea typeface="+mn-ea"/>
+                <a:cs typeface="+mn-cs"/>
+              </a:rPr>
+              <a:t>This means you have to new up the entire object graph and then save objects to the database in the correct sequence. </a:t>
+            </a:r>
+          </a:p>
+          <a:p>
+            <a:endParaRPr lang="en-US" sz="1200" kern="1200" dirty="0">
+              <a:solidFill>
+                <a:schemeClr val="tx1"/>
+              </a:solidFill>
+              <a:effectLst/>
+              <a:latin typeface="+mn-lt"/>
+              <a:ea typeface="+mn-ea"/>
+              <a:cs typeface="+mn-cs"/>
+            </a:endParaRPr>
           </a:p>
         </p:txBody>
       </p:sp>
@@ -9480,7 +9419,7 @@
     </p:spTree>
     <p:extLst>
       <p:ext uri="{BB962C8B-B14F-4D97-AF65-F5344CB8AC3E}">
-        <p14:creationId xmlns:p14="http://schemas.microsoft.com/office/powerpoint/2010/main" val="140621823"/>
+        <p14:creationId xmlns:p14="http://schemas.microsoft.com/office/powerpoint/2010/main" val="588328629"/>
       </p:ext>
     </p:extLst>
   </p:cSld>
@@ -9534,72 +9473,46 @@
           <a:bodyPr/>
           <a:lstStyle/>
           <a:p>
-            <a:pPr marL="171450" indent="-171450">
-              <a:buFont typeface="Arial" panose="020B0604020202020204" pitchFamily="34" charset="0"/>
-              <a:buChar char="•"/>
+            <a:pPr marL="0" marR="0" lvl="0" indent="0" algn="l" defTabSz="914400" rtl="0" eaLnBrk="1" fontAlgn="auto" latinLnBrk="0" hangingPunct="1">
+              <a:lnSpc>
+                <a:spcPct val="100000"/>
+              </a:lnSpc>
+              <a:spcBef>
+                <a:spcPts val="0"/>
+              </a:spcBef>
+              <a:spcAft>
+                <a:spcPts val="0"/>
+              </a:spcAft>
+              <a:buClrTx/>
+              <a:buSzTx/>
+              <a:buFontTx/>
+              <a:buNone/>
+              <a:tabLst/>
+              <a:defRPr/>
             </a:pPr>
             <a:r>
-              <a:rPr lang="en-US" b="0" baseline="0" dirty="0" smtClean="0"/>
-              <a:t>Next, note that we delegate to other helpers to save any of our dependent objects</a:t>
-            </a:r>
-          </a:p>
-          <a:p>
-            <a:pPr marL="171450" indent="-171450">
-              <a:buFont typeface="Arial" panose="020B0604020202020204" pitchFamily="34" charset="0"/>
-              <a:buChar char="•"/>
-            </a:pPr>
-            <a:endParaRPr lang="en-US" b="0" baseline="0" dirty="0" smtClean="0"/>
-          </a:p>
-          <a:p>
-            <a:pPr marL="628650" lvl="1" indent="-171450">
-              <a:buFont typeface="Arial" panose="020B0604020202020204" pitchFamily="34" charset="0"/>
-              <a:buChar char="•"/>
-            </a:pPr>
-            <a:r>
-              <a:rPr lang="en-US" b="0" baseline="0" dirty="0" smtClean="0"/>
-              <a:t>Can’t save an Order unless it refers to a valid customer – save the Customer first</a:t>
-            </a:r>
-          </a:p>
-          <a:p>
-            <a:pPr marL="171450" indent="-171450">
-              <a:buFont typeface="Arial" panose="020B0604020202020204" pitchFamily="34" charset="0"/>
-              <a:buChar char="•"/>
-            </a:pPr>
-            <a:endParaRPr lang="en-US" b="0" baseline="0" dirty="0" smtClean="0"/>
-          </a:p>
-          <a:p>
-            <a:pPr marL="628650" lvl="1" indent="-171450">
-              <a:buFont typeface="Arial" panose="020B0604020202020204" pitchFamily="34" charset="0"/>
-              <a:buChar char="•"/>
-            </a:pPr>
-            <a:r>
-              <a:rPr lang="en-US" b="0" baseline="0" dirty="0" smtClean="0"/>
-              <a:t>Remember, each Test Helper deals w/ one object type only</a:t>
-            </a:r>
-          </a:p>
-          <a:p>
-            <a:pPr marL="171450" indent="-171450">
-              <a:buFont typeface="Arial" panose="020B0604020202020204" pitchFamily="34" charset="0"/>
-              <a:buChar char="•"/>
-            </a:pPr>
-            <a:endParaRPr lang="en-US" b="0" baseline="0" dirty="0" smtClean="0"/>
-          </a:p>
-          <a:p>
-            <a:pPr marL="628650" lvl="1" indent="-171450">
-              <a:buFont typeface="Arial" panose="020B0604020202020204" pitchFamily="34" charset="0"/>
-              <a:buChar char="•"/>
-            </a:pPr>
-            <a:endParaRPr lang="en-US" b="0" baseline="0" dirty="0" smtClean="0"/>
-          </a:p>
-          <a:p>
-            <a:pPr marL="0" indent="0">
-              <a:buFont typeface="Arial" panose="020B0604020202020204" pitchFamily="34" charset="0"/>
-              <a:buNone/>
-            </a:pPr>
-            <a:r>
-              <a:rPr lang="en-US" b="0" baseline="0" dirty="0" smtClean="0"/>
-              <a:t>	</a:t>
-            </a:r>
+              <a:rPr lang="en-US" sz="1200" kern="1200" dirty="0" smtClean="0">
+                <a:solidFill>
+                  <a:schemeClr val="tx1"/>
+                </a:solidFill>
+                <a:effectLst/>
+                <a:latin typeface="+mn-lt"/>
+                <a:ea typeface="+mn-ea"/>
+                <a:cs typeface="+mn-cs"/>
+              </a:rPr>
+              <a:t>And if your database assigns primary keys, then after you save all those objects you have to update their ID values with the newly assigned key.</a:t>
+            </a:r>
+          </a:p>
+          <a:p>
+            <a:endParaRPr lang="en-US" sz="1200" kern="1200" dirty="0">
+              <a:solidFill>
+                <a:schemeClr val="tx1"/>
+              </a:solidFill>
+              <a:effectLst/>
+              <a:latin typeface="+mn-lt"/>
+              <a:ea typeface="+mn-ea"/>
+              <a:cs typeface="+mn-cs"/>
+            </a:endParaRPr>
           </a:p>
         </p:txBody>
       </p:sp>
@@ -9629,7 +9542,7 @@
     </p:spTree>
     <p:extLst>
       <p:ext uri="{BB962C8B-B14F-4D97-AF65-F5344CB8AC3E}">
-        <p14:creationId xmlns:p14="http://schemas.microsoft.com/office/powerpoint/2010/main" val="884341304"/>
+        <p14:creationId xmlns:p14="http://schemas.microsoft.com/office/powerpoint/2010/main" val="2692189184"/>
       </p:ext>
     </p:extLst>
   </p:cSld>
@@ -9773,113 +9686,15 @@
           <a:bodyPr/>
           <a:lstStyle/>
           <a:p>
-            <a:pPr marL="171450" indent="-171450">
-              <a:buFont typeface="Arial" panose="020B0604020202020204" pitchFamily="34" charset="0"/>
-              <a:buChar char="•"/>
-            </a:pPr>
-            <a:r>
-              <a:rPr lang="en-US" b="0" baseline="0" dirty="0" smtClean="0"/>
-              <a:t>Third, Save method is responsible for resetting any Id values that were assigned by the </a:t>
-            </a:r>
-            <a:r>
-              <a:rPr lang="en-US" b="0" baseline="0" dirty="0" err="1" smtClean="0"/>
-              <a:t>IdSequencer</a:t>
-            </a:r>
-            <a:r>
-              <a:rPr lang="en-US" b="0" baseline="0" dirty="0" smtClean="0"/>
-              <a:t> to 0</a:t>
-            </a:r>
-          </a:p>
-          <a:p>
-            <a:pPr marL="171450" indent="-171450">
-              <a:buFont typeface="Arial" panose="020B0604020202020204" pitchFamily="34" charset="0"/>
-              <a:buChar char="•"/>
-            </a:pPr>
-            <a:endParaRPr lang="en-US" b="0" baseline="0" dirty="0" smtClean="0"/>
-          </a:p>
-          <a:p>
-            <a:pPr marL="171450" indent="-171450">
-              <a:buFont typeface="Arial" panose="020B0604020202020204" pitchFamily="34" charset="0"/>
-              <a:buChar char="•"/>
-            </a:pPr>
-            <a:r>
-              <a:rPr lang="en-US" b="0" baseline="0" dirty="0" smtClean="0"/>
-              <a:t>We’re using </a:t>
-            </a:r>
-            <a:r>
-              <a:rPr lang="en-US" b="0" baseline="0" dirty="0" err="1" smtClean="0"/>
-              <a:t>Nhibernate</a:t>
-            </a:r>
-            <a:r>
-              <a:rPr lang="en-US" b="0" baseline="0" dirty="0" smtClean="0"/>
-              <a:t> in this example, and if we tell it to save an object that has a non-zero ID, it will issue an update</a:t>
-            </a:r>
-          </a:p>
-          <a:p>
-            <a:pPr marL="171450" indent="-171450">
-              <a:buFont typeface="Arial" panose="020B0604020202020204" pitchFamily="34" charset="0"/>
-              <a:buChar char="•"/>
-            </a:pPr>
-            <a:endParaRPr lang="en-US" b="0" baseline="0" dirty="0" smtClean="0"/>
-          </a:p>
-          <a:p>
-            <a:pPr marL="628650" lvl="1" indent="-171450">
-              <a:buFont typeface="Arial" panose="020B0604020202020204" pitchFamily="34" charset="0"/>
-              <a:buChar char="•"/>
-            </a:pPr>
-            <a:r>
-              <a:rPr lang="en-US" b="0" baseline="0" dirty="0" smtClean="0"/>
-              <a:t>Resetting the Id to zero forces it to do an insert, which is what we want</a:t>
-            </a:r>
-          </a:p>
-          <a:p>
-            <a:pPr marL="171450" lvl="0" indent="-171450">
-              <a:buFont typeface="Arial" panose="020B0604020202020204" pitchFamily="34" charset="0"/>
-              <a:buChar char="•"/>
-            </a:pPr>
-            <a:endParaRPr lang="en-US" b="0" baseline="0" dirty="0" smtClean="0"/>
-          </a:p>
-          <a:p>
-            <a:pPr marL="171450" lvl="0" indent="-171450">
-              <a:buFont typeface="Arial" panose="020B0604020202020204" pitchFamily="34" charset="0"/>
-              <a:buChar char="•"/>
-            </a:pPr>
-            <a:r>
-              <a:rPr lang="en-US" b="0" baseline="0" dirty="0" smtClean="0"/>
-              <a:t>Note that we don’t need to reset ALL values that were assigned by the </a:t>
-            </a:r>
-            <a:r>
-              <a:rPr lang="en-US" b="0" baseline="0" dirty="0" err="1" smtClean="0"/>
-              <a:t>IdSequencer</a:t>
-            </a:r>
-            <a:r>
-              <a:rPr lang="en-US" b="0" baseline="0" dirty="0" smtClean="0"/>
-              <a:t>, only entity IDs</a:t>
-            </a:r>
-          </a:p>
-          <a:p>
-            <a:pPr marL="171450" lvl="0" indent="-171450">
-              <a:buFont typeface="Arial" panose="020B0604020202020204" pitchFamily="34" charset="0"/>
-              <a:buChar char="•"/>
-            </a:pPr>
-            <a:endParaRPr lang="en-US" b="0" baseline="0" dirty="0" smtClean="0"/>
-          </a:p>
-          <a:p>
-            <a:pPr marL="628650" lvl="1" indent="-171450">
-              <a:buFont typeface="Arial" panose="020B0604020202020204" pitchFamily="34" charset="0"/>
-              <a:buChar char="•"/>
-            </a:pPr>
-            <a:endParaRPr lang="en-US" b="0" baseline="0" dirty="0" smtClean="0"/>
-          </a:p>
-          <a:p>
-            <a:pPr marL="0" indent="0">
-              <a:buFont typeface="Arial" panose="020B0604020202020204" pitchFamily="34" charset="0"/>
-              <a:buNone/>
-            </a:pPr>
-            <a:r>
-              <a:rPr lang="en-US" b="0" baseline="0" dirty="0" smtClean="0"/>
-              <a:t>	</a:t>
-            </a:r>
+            <a:endParaRPr lang="en-US" sz="1200" kern="1200" dirty="0">
+              <a:solidFill>
+                <a:schemeClr val="tx1"/>
+              </a:solidFill>
+              <a:effectLst/>
+              <a:latin typeface="+mn-lt"/>
+              <a:ea typeface="+mn-ea"/>
+              <a:cs typeface="+mn-cs"/>
+            </a:endParaRPr>
           </a:p>
         </p:txBody>
       </p:sp>
@@ -9909,7 +9724,7 @@
     </p:spTree>
     <p:extLst>
       <p:ext uri="{BB962C8B-B14F-4D97-AF65-F5344CB8AC3E}">
-        <p14:creationId xmlns:p14="http://schemas.microsoft.com/office/powerpoint/2010/main" val="2717799063"/>
+        <p14:creationId xmlns:p14="http://schemas.microsoft.com/office/powerpoint/2010/main" val="1306606769"/>
       </p:ext>
     </p:extLst>
   </p:cSld>
@@ -9963,143 +9778,15 @@
           <a:bodyPr/>
           <a:lstStyle/>
           <a:p>
-            <a:pPr marL="171450" indent="-171450">
-              <a:buFont typeface="Arial" panose="020B0604020202020204" pitchFamily="34" charset="0"/>
-              <a:buChar char="•"/>
-            </a:pPr>
-            <a:r>
-              <a:rPr lang="en-US" b="0" baseline="0" dirty="0" smtClean="0"/>
-              <a:t>Finally, we delegate to the ORM to insert or update the object</a:t>
-            </a:r>
-            <a:br>
-              <a:rPr lang="en-US" b="0" baseline="0" dirty="0" smtClean="0"/>
-            </a:br>
-            <a:endParaRPr lang="en-US" b="0" baseline="0" dirty="0" smtClean="0"/>
-          </a:p>
-          <a:p>
-            <a:pPr marL="171450" marR="0" indent="-171450" algn="l" defTabSz="914400" rtl="0" eaLnBrk="1" fontAlgn="auto" latinLnBrk="0" hangingPunct="1">
-              <a:lnSpc>
-                <a:spcPct val="100000"/>
-              </a:lnSpc>
-              <a:spcBef>
-                <a:spcPts val="0"/>
-              </a:spcBef>
-              <a:spcAft>
-                <a:spcPts val="0"/>
-              </a:spcAft>
-              <a:buClrTx/>
-              <a:buSzTx/>
-              <a:buFont typeface="Arial" panose="020B0604020202020204" pitchFamily="34" charset="0"/>
-              <a:buChar char="•"/>
-              <a:tabLst/>
-              <a:defRPr/>
-            </a:pPr>
-            <a:r>
-              <a:rPr lang="en-US" b="0" baseline="0" dirty="0" smtClean="0"/>
-              <a:t>Each helper should know how to save the objects that it creates</a:t>
-            </a:r>
-          </a:p>
-          <a:p>
-            <a:pPr marL="628650" lvl="1" indent="-171450">
-              <a:buFont typeface="Arial" panose="020B0604020202020204" pitchFamily="34" charset="0"/>
-              <a:buChar char="•"/>
-            </a:pPr>
-            <a:r>
-              <a:rPr lang="en-US" b="0" baseline="0" dirty="0" smtClean="0"/>
-              <a:t>The implementation of your Save methods will be driven by your Create methods – </a:t>
-            </a:r>
-          </a:p>
-          <a:p>
-            <a:pPr marL="628650" lvl="1" indent="-171450">
-              <a:buFont typeface="Arial" panose="020B0604020202020204" pitchFamily="34" charset="0"/>
-              <a:buChar char="•"/>
-            </a:pPr>
-            <a:r>
-              <a:rPr lang="en-US" b="0" baseline="0" dirty="0" smtClean="0"/>
-              <a:t>Does NOT need to handle any arbitrary object, only those configurations created by the helper</a:t>
-            </a:r>
-          </a:p>
-          <a:p>
-            <a:pPr marL="171450" lvl="0" indent="-171450">
-              <a:buFont typeface="Arial" panose="020B0604020202020204" pitchFamily="34" charset="0"/>
-              <a:buChar char="•"/>
-            </a:pPr>
-            <a:endParaRPr lang="en-US" b="0" baseline="0" dirty="0" smtClean="0"/>
-          </a:p>
-          <a:p>
-            <a:pPr marL="0" lvl="0" indent="0">
-              <a:buFont typeface="Arial" panose="020B0604020202020204" pitchFamily="34" charset="0"/>
-              <a:buNone/>
-            </a:pPr>
-            <a:r>
-              <a:rPr lang="en-US" b="1" baseline="0" dirty="0" smtClean="0"/>
-              <a:t>Transition</a:t>
-            </a:r>
-          </a:p>
-          <a:p>
-            <a:pPr marL="171450" lvl="0" indent="-171450">
-              <a:buFont typeface="Arial" panose="020B0604020202020204" pitchFamily="34" charset="0"/>
-              <a:buChar char="•"/>
-            </a:pPr>
-            <a:endParaRPr lang="en-US" b="0" baseline="0" dirty="0" smtClean="0"/>
-          </a:p>
-          <a:p>
-            <a:pPr marL="171450" indent="-171450">
-              <a:buFont typeface="Arial" panose="020B0604020202020204" pitchFamily="34" charset="0"/>
-              <a:buChar char="•"/>
-            </a:pPr>
-            <a:r>
-              <a:rPr lang="en-US" dirty="0" smtClean="0"/>
-              <a:t>Finally, we need to prevent this test data from lingering around when our test run is over</a:t>
-            </a:r>
-          </a:p>
-          <a:p>
-            <a:pPr marL="171450" indent="-171450">
-              <a:buFont typeface="Arial" panose="020B0604020202020204" pitchFamily="34" charset="0"/>
-              <a:buChar char="•"/>
-            </a:pPr>
-            <a:endParaRPr lang="en-US" dirty="0" smtClean="0"/>
-          </a:p>
-          <a:p>
-            <a:pPr marL="171450" indent="-171450">
-              <a:buFont typeface="Arial" panose="020B0604020202020204" pitchFamily="34" charset="0"/>
-              <a:buChar char="•"/>
-            </a:pPr>
-            <a:r>
-              <a:rPr lang="en-US" dirty="0" smtClean="0"/>
-              <a:t>One possibility is to reset the database to a known state at the start of each test run. This works, but I tend to run my unit tests against the same DB I use for local testing</a:t>
-            </a:r>
-          </a:p>
-          <a:p>
-            <a:pPr marL="628650" lvl="1" indent="-171450">
-              <a:buFont typeface="Arial" panose="020B0604020202020204" pitchFamily="34" charset="0"/>
-              <a:buChar char="•"/>
-            </a:pPr>
-            <a:r>
-              <a:rPr lang="en-US" dirty="0" smtClean="0"/>
-              <a:t>Don’t want data</a:t>
-            </a:r>
-            <a:r>
-              <a:rPr lang="en-US" baseline="0" dirty="0" smtClean="0"/>
-              <a:t> I’ve crafted by hand from being blown away by tests</a:t>
-            </a:r>
-          </a:p>
-          <a:p>
-            <a:pPr marL="628650" lvl="1" indent="-171450">
-              <a:buFont typeface="Arial" panose="020B0604020202020204" pitchFamily="34" charset="0"/>
-              <a:buChar char="•"/>
-            </a:pPr>
-            <a:r>
-              <a:rPr lang="en-US" baseline="0" dirty="0" smtClean="0"/>
-              <a:t>Don’t want to lose any schema changes I’ve made</a:t>
-            </a:r>
-          </a:p>
-          <a:p>
-            <a:pPr marL="171450" lvl="0" indent="-171450">
-              <a:buFont typeface="Arial" panose="020B0604020202020204" pitchFamily="34" charset="0"/>
-              <a:buChar char="•"/>
-            </a:pPr>
-            <a:endParaRPr lang="en-US" b="0" baseline="0" dirty="0" smtClean="0"/>
+            <a:endParaRPr lang="en-US" sz="1200" kern="1200" dirty="0">
+              <a:solidFill>
+                <a:schemeClr val="tx1"/>
+              </a:solidFill>
+              <a:effectLst/>
+              <a:latin typeface="+mn-lt"/>
+              <a:ea typeface="+mn-ea"/>
+              <a:cs typeface="+mn-cs"/>
+            </a:endParaRPr>
           </a:p>
         </p:txBody>
       </p:sp>
@@ -10129,7 +9816,7 @@
     </p:spTree>
     <p:extLst>
       <p:ext uri="{BB962C8B-B14F-4D97-AF65-F5344CB8AC3E}">
-        <p14:creationId xmlns:p14="http://schemas.microsoft.com/office/powerpoint/2010/main" val="2145290865"/>
+        <p14:creationId xmlns:p14="http://schemas.microsoft.com/office/powerpoint/2010/main" val="386256710"/>
       </p:ext>
     </p:extLst>
   </p:cSld>
@@ -10183,42 +9870,93 @@
           <a:bodyPr/>
           <a:lstStyle/>
           <a:p>
+            <a:pPr marL="171450" indent="-171450">
+              <a:buFont typeface="Arial" panose="020B0604020202020204" pitchFamily="34" charset="0"/>
+              <a:buChar char="•"/>
+            </a:pPr>
+            <a:r>
+              <a:rPr lang="en-US" b="0" baseline="0" dirty="0" smtClean="0"/>
+              <a:t>1</a:t>
+            </a:r>
+            <a:r>
+              <a:rPr lang="en-US" b="0" baseline="30000" dirty="0" smtClean="0"/>
+              <a:t>st</a:t>
+            </a:r>
+            <a:r>
+              <a:rPr lang="en-US" b="0" baseline="0" dirty="0" smtClean="0"/>
+              <a:t>, Save() is static &amp; takes ORM interface as an argument. </a:t>
+            </a:r>
+          </a:p>
+          <a:p>
+            <a:pPr marL="171450" indent="-171450">
+              <a:buFont typeface="Arial" panose="020B0604020202020204" pitchFamily="34" charset="0"/>
+              <a:buChar char="•"/>
+            </a:pPr>
+            <a:endParaRPr lang="en-US" b="0" baseline="0" dirty="0" smtClean="0"/>
+          </a:p>
+          <a:p>
+            <a:pPr marL="171450" indent="-171450">
+              <a:buFont typeface="Arial" panose="020B0604020202020204" pitchFamily="34" charset="0"/>
+              <a:buChar char="•"/>
+            </a:pPr>
+            <a:r>
+              <a:rPr lang="en-US" b="0" baseline="0" dirty="0" smtClean="0"/>
+              <a:t>It’s certainly possible to use Dependency Injection</a:t>
+            </a:r>
+          </a:p>
+          <a:p>
+            <a:pPr marL="171450" indent="-171450">
+              <a:buFont typeface="Arial" panose="020B0604020202020204" pitchFamily="34" charset="0"/>
+              <a:buChar char="•"/>
+            </a:pPr>
+            <a:endParaRPr lang="en-US" b="0" baseline="0" dirty="0" smtClean="0"/>
+          </a:p>
+          <a:p>
+            <a:pPr marL="171450" marR="0" lvl="0" indent="-171450" algn="l" defTabSz="914400" rtl="0" eaLnBrk="1" fontAlgn="auto" latinLnBrk="0" hangingPunct="1">
+              <a:lnSpc>
+                <a:spcPct val="100000"/>
+              </a:lnSpc>
+              <a:spcBef>
+                <a:spcPts val="0"/>
+              </a:spcBef>
+              <a:spcAft>
+                <a:spcPts val="0"/>
+              </a:spcAft>
+              <a:buClrTx/>
+              <a:buSzTx/>
+              <a:buFont typeface="Arial" panose="020B0604020202020204" pitchFamily="34" charset="0"/>
+              <a:buChar char="•"/>
+              <a:tabLst/>
+              <a:defRPr/>
+            </a:pPr>
+            <a:r>
+              <a:rPr lang="en-US" b="0" baseline="0" dirty="0" smtClean="0"/>
+              <a:t>All the other helper methods are static – not worth effort for my team</a:t>
+            </a:r>
+          </a:p>
+          <a:p>
             <a:pPr marL="171450" lvl="0" indent="-171450">
               <a:buFont typeface="Arial" panose="020B0604020202020204" pitchFamily="34" charset="0"/>
               <a:buChar char="•"/>
             </a:pPr>
-            <a:r>
-              <a:rPr lang="en-US" baseline="0" dirty="0" smtClean="0"/>
-              <a:t>Another option is to wrap each test run in a database transaction, and then roll back that transaction when the test run is over</a:t>
-            </a:r>
-            <a:br>
-              <a:rPr lang="en-US" baseline="0" dirty="0" smtClean="0"/>
-            </a:br>
-            <a:endParaRPr lang="en-US" baseline="0" dirty="0" smtClean="0"/>
-          </a:p>
-          <a:p>
-            <a:pPr marL="171450" lvl="0" indent="-171450">
+            <a:endParaRPr lang="en-US" b="0" baseline="0" dirty="0" smtClean="0"/>
+          </a:p>
+          <a:p>
+            <a:pPr marL="628650" lvl="1" indent="-171450">
               <a:buFont typeface="Arial" panose="020B0604020202020204" pitchFamily="34" charset="0"/>
               <a:buChar char="•"/>
             </a:pPr>
-            <a:r>
-              <a:rPr lang="en-US" baseline="0" dirty="0" smtClean="0"/>
-              <a:t>This is easy to do by adding an attribute to our data tests. The presence of this attribute automatically executes the test inside of a transaction, and then discards the transaction at the end.</a:t>
-            </a:r>
-          </a:p>
-          <a:p>
-            <a:pPr marL="171450" lvl="0" indent="-171450">
+            <a:endParaRPr lang="en-US" b="0" baseline="0" dirty="0" smtClean="0"/>
+          </a:p>
+          <a:p>
+            <a:pPr marL="0" indent="0">
               <a:buFont typeface="Arial" panose="020B0604020202020204" pitchFamily="34" charset="0"/>
-              <a:buChar char="•"/>
+              <a:buNone/>
             </a:pPr>
-            <a:endParaRPr lang="en-US" dirty="0" smtClean="0"/>
-          </a:p>
-          <a:p>
-            <a:pPr marL="171450" lvl="0" indent="-171450">
-              <a:buFont typeface="Arial" panose="020B0604020202020204" pitchFamily="34" charset="0"/>
-              <a:buChar char="•"/>
-            </a:pPr>
-            <a:endParaRPr lang="en-US" dirty="0"/>
+            <a:r>
+              <a:rPr lang="en-US" b="0" baseline="0" dirty="0" smtClean="0"/>
+              <a:t>	</a:t>
+            </a:r>
           </a:p>
         </p:txBody>
       </p:sp>
@@ -10248,7 +9986,7 @@
     </p:spTree>
     <p:extLst>
       <p:ext uri="{BB962C8B-B14F-4D97-AF65-F5344CB8AC3E}">
-        <p14:creationId xmlns:p14="http://schemas.microsoft.com/office/powerpoint/2010/main" val="3266683685"/>
+        <p14:creationId xmlns:p14="http://schemas.microsoft.com/office/powerpoint/2010/main" val="140621823"/>
       </p:ext>
     </p:extLst>
   </p:cSld>
@@ -10302,15 +10040,93 @@
           <a:bodyPr/>
           <a:lstStyle/>
           <a:p>
-            <a:endParaRPr lang="en-US" sz="1200" kern="1200" dirty="0" smtClean="0">
-              <a:solidFill>
-                <a:schemeClr val="tx1"/>
-              </a:solidFill>
-              <a:effectLst/>
-              <a:latin typeface="+mn-lt"/>
-              <a:ea typeface="+mn-ea"/>
-              <a:cs typeface="+mn-cs"/>
-            </a:endParaRPr>
+            <a:pPr marL="171450" indent="-171450">
+              <a:buFont typeface="Arial" panose="020B0604020202020204" pitchFamily="34" charset="0"/>
+              <a:buChar char="•"/>
+            </a:pPr>
+            <a:r>
+              <a:rPr lang="en-US" b="0" baseline="0" dirty="0" smtClean="0"/>
+              <a:t>1</a:t>
+            </a:r>
+            <a:r>
+              <a:rPr lang="en-US" b="0" baseline="30000" dirty="0" smtClean="0"/>
+              <a:t>st</a:t>
+            </a:r>
+            <a:r>
+              <a:rPr lang="en-US" b="0" baseline="0" dirty="0" smtClean="0"/>
+              <a:t>, Save() is static &amp; takes ORM interface as an argument. </a:t>
+            </a:r>
+          </a:p>
+          <a:p>
+            <a:pPr marL="171450" indent="-171450">
+              <a:buFont typeface="Arial" panose="020B0604020202020204" pitchFamily="34" charset="0"/>
+              <a:buChar char="•"/>
+            </a:pPr>
+            <a:endParaRPr lang="en-US" b="0" baseline="0" dirty="0" smtClean="0"/>
+          </a:p>
+          <a:p>
+            <a:pPr marL="171450" indent="-171450">
+              <a:buFont typeface="Arial" panose="020B0604020202020204" pitchFamily="34" charset="0"/>
+              <a:buChar char="•"/>
+            </a:pPr>
+            <a:r>
+              <a:rPr lang="en-US" b="0" baseline="0" dirty="0" smtClean="0"/>
+              <a:t>It’s certainly possible to use Dependency Injection</a:t>
+            </a:r>
+          </a:p>
+          <a:p>
+            <a:pPr marL="171450" indent="-171450">
+              <a:buFont typeface="Arial" panose="020B0604020202020204" pitchFamily="34" charset="0"/>
+              <a:buChar char="•"/>
+            </a:pPr>
+            <a:endParaRPr lang="en-US" b="0" baseline="0" dirty="0" smtClean="0"/>
+          </a:p>
+          <a:p>
+            <a:pPr marL="171450" marR="0" lvl="0" indent="-171450" algn="l" defTabSz="914400" rtl="0" eaLnBrk="1" fontAlgn="auto" latinLnBrk="0" hangingPunct="1">
+              <a:lnSpc>
+                <a:spcPct val="100000"/>
+              </a:lnSpc>
+              <a:spcBef>
+                <a:spcPts val="0"/>
+              </a:spcBef>
+              <a:spcAft>
+                <a:spcPts val="0"/>
+              </a:spcAft>
+              <a:buClrTx/>
+              <a:buSzTx/>
+              <a:buFont typeface="Arial" panose="020B0604020202020204" pitchFamily="34" charset="0"/>
+              <a:buChar char="•"/>
+              <a:tabLst/>
+              <a:defRPr/>
+            </a:pPr>
+            <a:r>
+              <a:rPr lang="en-US" b="0" baseline="0" dirty="0" smtClean="0"/>
+              <a:t>All the other helper methods are static – not worth effort for my team</a:t>
+            </a:r>
+          </a:p>
+          <a:p>
+            <a:pPr marL="171450" lvl="0" indent="-171450">
+              <a:buFont typeface="Arial" panose="020B0604020202020204" pitchFamily="34" charset="0"/>
+              <a:buChar char="•"/>
+            </a:pPr>
+            <a:endParaRPr lang="en-US" b="0" baseline="0" dirty="0" smtClean="0"/>
+          </a:p>
+          <a:p>
+            <a:pPr marL="628650" lvl="1" indent="-171450">
+              <a:buFont typeface="Arial" panose="020B0604020202020204" pitchFamily="34" charset="0"/>
+              <a:buChar char="•"/>
+            </a:pPr>
+            <a:endParaRPr lang="en-US" b="0" baseline="0" dirty="0" smtClean="0"/>
+          </a:p>
+          <a:p>
+            <a:pPr marL="0" indent="0">
+              <a:buFont typeface="Arial" panose="020B0604020202020204" pitchFamily="34" charset="0"/>
+              <a:buNone/>
+            </a:pPr>
+            <a:r>
+              <a:rPr lang="en-US" b="0" baseline="0" dirty="0" smtClean="0"/>
+              <a:t>	</a:t>
+            </a:r>
           </a:p>
         </p:txBody>
       </p:sp>
@@ -10340,7 +10156,7 @@
     </p:spTree>
     <p:extLst>
       <p:ext uri="{BB962C8B-B14F-4D97-AF65-F5344CB8AC3E}">
-        <p14:creationId xmlns:p14="http://schemas.microsoft.com/office/powerpoint/2010/main" val="4247744219"/>
+        <p14:creationId xmlns:p14="http://schemas.microsoft.com/office/powerpoint/2010/main" val="2013967103"/>
       </p:ext>
     </p:extLst>
   </p:cSld>
@@ -10394,15 +10210,72 @@
           <a:bodyPr/>
           <a:lstStyle/>
           <a:p>
-            <a:endParaRPr lang="en-US" sz="1200" kern="1200" dirty="0" smtClean="0">
-              <a:solidFill>
-                <a:schemeClr val="tx1"/>
-              </a:solidFill>
-              <a:effectLst/>
-              <a:latin typeface="+mn-lt"/>
-              <a:ea typeface="+mn-ea"/>
-              <a:cs typeface="+mn-cs"/>
-            </a:endParaRPr>
+            <a:pPr marL="171450" indent="-171450">
+              <a:buFont typeface="Arial" panose="020B0604020202020204" pitchFamily="34" charset="0"/>
+              <a:buChar char="•"/>
+            </a:pPr>
+            <a:r>
+              <a:rPr lang="en-US" b="0" baseline="0" dirty="0" smtClean="0"/>
+              <a:t>Next, note that we delegate to other helpers to save any of our dependent objects</a:t>
+            </a:r>
+          </a:p>
+          <a:p>
+            <a:pPr marL="171450" indent="-171450">
+              <a:buFont typeface="Arial" panose="020B0604020202020204" pitchFamily="34" charset="0"/>
+              <a:buChar char="•"/>
+            </a:pPr>
+            <a:endParaRPr lang="en-US" b="0" baseline="0" dirty="0" smtClean="0"/>
+          </a:p>
+          <a:p>
+            <a:pPr marL="628650" lvl="1" indent="-171450">
+              <a:buFont typeface="Arial" panose="020B0604020202020204" pitchFamily="34" charset="0"/>
+              <a:buChar char="•"/>
+            </a:pPr>
+            <a:r>
+              <a:rPr lang="en-US" b="0" baseline="0" dirty="0" smtClean="0"/>
+              <a:t>Can’t save an Order unless it refers to a valid customer – save the Customer first</a:t>
+            </a:r>
+          </a:p>
+          <a:p>
+            <a:pPr marL="171450" indent="-171450">
+              <a:buFont typeface="Arial" panose="020B0604020202020204" pitchFamily="34" charset="0"/>
+              <a:buChar char="•"/>
+            </a:pPr>
+            <a:endParaRPr lang="en-US" b="0" baseline="0" dirty="0" smtClean="0"/>
+          </a:p>
+          <a:p>
+            <a:pPr marL="628650" lvl="1" indent="-171450">
+              <a:buFont typeface="Arial" panose="020B0604020202020204" pitchFamily="34" charset="0"/>
+              <a:buChar char="•"/>
+            </a:pPr>
+            <a:r>
+              <a:rPr lang="en-US" b="0" baseline="0" dirty="0" smtClean="0"/>
+              <a:t>Remember, each Test Helper deals w/ one object type only</a:t>
+            </a:r>
+          </a:p>
+          <a:p>
+            <a:pPr marL="171450" indent="-171450">
+              <a:buFont typeface="Arial" panose="020B0604020202020204" pitchFamily="34" charset="0"/>
+              <a:buChar char="•"/>
+            </a:pPr>
+            <a:endParaRPr lang="en-US" b="0" baseline="0" dirty="0" smtClean="0"/>
+          </a:p>
+          <a:p>
+            <a:pPr marL="628650" lvl="1" indent="-171450">
+              <a:buFont typeface="Arial" panose="020B0604020202020204" pitchFamily="34" charset="0"/>
+              <a:buChar char="•"/>
+            </a:pPr>
+            <a:endParaRPr lang="en-US" b="0" baseline="0" dirty="0" smtClean="0"/>
+          </a:p>
+          <a:p>
+            <a:pPr marL="0" indent="0">
+              <a:buFont typeface="Arial" panose="020B0604020202020204" pitchFamily="34" charset="0"/>
+              <a:buNone/>
+            </a:pPr>
+            <a:r>
+              <a:rPr lang="en-US" b="0" baseline="0" dirty="0" smtClean="0"/>
+              <a:t>	</a:t>
+            </a:r>
           </a:p>
         </p:txBody>
       </p:sp>
@@ -10432,7 +10305,7 @@
     </p:spTree>
     <p:extLst>
       <p:ext uri="{BB962C8B-B14F-4D97-AF65-F5344CB8AC3E}">
-        <p14:creationId xmlns:p14="http://schemas.microsoft.com/office/powerpoint/2010/main" val="4116676846"/>
+        <p14:creationId xmlns:p14="http://schemas.microsoft.com/office/powerpoint/2010/main" val="884341304"/>
       </p:ext>
     </p:extLst>
   </p:cSld>
@@ -10486,15 +10359,113 @@
           <a:bodyPr/>
           <a:lstStyle/>
           <a:p>
-            <a:endParaRPr lang="en-US" sz="1200" kern="1200" dirty="0" smtClean="0">
-              <a:solidFill>
-                <a:schemeClr val="tx1"/>
-              </a:solidFill>
-              <a:effectLst/>
-              <a:latin typeface="+mn-lt"/>
-              <a:ea typeface="+mn-ea"/>
-              <a:cs typeface="+mn-cs"/>
-            </a:endParaRPr>
+            <a:pPr marL="171450" indent="-171450">
+              <a:buFont typeface="Arial" panose="020B0604020202020204" pitchFamily="34" charset="0"/>
+              <a:buChar char="•"/>
+            </a:pPr>
+            <a:r>
+              <a:rPr lang="en-US" b="0" baseline="0" dirty="0" smtClean="0"/>
+              <a:t>Third, Save method is responsible for resetting any Id values that were assigned by the </a:t>
+            </a:r>
+            <a:r>
+              <a:rPr lang="en-US" b="0" baseline="0" dirty="0" err="1" smtClean="0"/>
+              <a:t>IdSequencer</a:t>
+            </a:r>
+            <a:r>
+              <a:rPr lang="en-US" b="0" baseline="0" dirty="0" smtClean="0"/>
+              <a:t> to 0</a:t>
+            </a:r>
+          </a:p>
+          <a:p>
+            <a:pPr marL="171450" indent="-171450">
+              <a:buFont typeface="Arial" panose="020B0604020202020204" pitchFamily="34" charset="0"/>
+              <a:buChar char="•"/>
+            </a:pPr>
+            <a:endParaRPr lang="en-US" b="0" baseline="0" dirty="0" smtClean="0"/>
+          </a:p>
+          <a:p>
+            <a:pPr marL="171450" indent="-171450">
+              <a:buFont typeface="Arial" panose="020B0604020202020204" pitchFamily="34" charset="0"/>
+              <a:buChar char="•"/>
+            </a:pPr>
+            <a:r>
+              <a:rPr lang="en-US" b="0" baseline="0" dirty="0" smtClean="0"/>
+              <a:t>We’re using </a:t>
+            </a:r>
+            <a:r>
+              <a:rPr lang="en-US" b="0" baseline="0" dirty="0" err="1" smtClean="0"/>
+              <a:t>Nhibernate</a:t>
+            </a:r>
+            <a:r>
+              <a:rPr lang="en-US" b="0" baseline="0" dirty="0" smtClean="0"/>
+              <a:t> in this example, and if we tell it to save an object that has a non-zero ID, it will issue an update</a:t>
+            </a:r>
+          </a:p>
+          <a:p>
+            <a:pPr marL="171450" indent="-171450">
+              <a:buFont typeface="Arial" panose="020B0604020202020204" pitchFamily="34" charset="0"/>
+              <a:buChar char="•"/>
+            </a:pPr>
+            <a:endParaRPr lang="en-US" b="0" baseline="0" dirty="0" smtClean="0"/>
+          </a:p>
+          <a:p>
+            <a:pPr marL="628650" lvl="1" indent="-171450">
+              <a:buFont typeface="Arial" panose="020B0604020202020204" pitchFamily="34" charset="0"/>
+              <a:buChar char="•"/>
+            </a:pPr>
+            <a:r>
+              <a:rPr lang="en-US" b="0" baseline="0" dirty="0" smtClean="0"/>
+              <a:t>Resetting the Id to zero forces it to do an insert, which is what we want</a:t>
+            </a:r>
+          </a:p>
+          <a:p>
+            <a:pPr marL="171450" lvl="0" indent="-171450">
+              <a:buFont typeface="Arial" panose="020B0604020202020204" pitchFamily="34" charset="0"/>
+              <a:buChar char="•"/>
+            </a:pPr>
+            <a:endParaRPr lang="en-US" b="0" baseline="0" dirty="0" smtClean="0"/>
+          </a:p>
+          <a:p>
+            <a:pPr marL="171450" lvl="0" indent="-171450">
+              <a:buFont typeface="Arial" panose="020B0604020202020204" pitchFamily="34" charset="0"/>
+              <a:buChar char="•"/>
+            </a:pPr>
+            <a:r>
+              <a:rPr lang="en-US" b="0" baseline="0" dirty="0" smtClean="0"/>
+              <a:t>Note that we don’t need to reset ALL values that were assigned by the </a:t>
+            </a:r>
+            <a:r>
+              <a:rPr lang="en-US" b="0" baseline="0" dirty="0" err="1" smtClean="0"/>
+              <a:t>IdSequencer</a:t>
+            </a:r>
+            <a:r>
+              <a:rPr lang="en-US" b="0" baseline="0" dirty="0" smtClean="0"/>
+              <a:t>, only entity IDs</a:t>
+            </a:r>
+          </a:p>
+          <a:p>
+            <a:pPr marL="171450" lvl="0" indent="-171450">
+              <a:buFont typeface="Arial" panose="020B0604020202020204" pitchFamily="34" charset="0"/>
+              <a:buChar char="•"/>
+            </a:pPr>
+            <a:endParaRPr lang="en-US" b="0" baseline="0" dirty="0" smtClean="0"/>
+          </a:p>
+          <a:p>
+            <a:pPr marL="628650" lvl="1" indent="-171450">
+              <a:buFont typeface="Arial" panose="020B0604020202020204" pitchFamily="34" charset="0"/>
+              <a:buChar char="•"/>
+            </a:pPr>
+            <a:endParaRPr lang="en-US" b="0" baseline="0" dirty="0" smtClean="0"/>
+          </a:p>
+          <a:p>
+            <a:pPr marL="0" indent="0">
+              <a:buFont typeface="Arial" panose="020B0604020202020204" pitchFamily="34" charset="0"/>
+              <a:buNone/>
+            </a:pPr>
+            <a:r>
+              <a:rPr lang="en-US" b="0" baseline="0" dirty="0" smtClean="0"/>
+              <a:t>	</a:t>
+            </a:r>
           </a:p>
         </p:txBody>
       </p:sp>
@@ -10524,7 +10495,7 @@
     </p:spTree>
     <p:extLst>
       <p:ext uri="{BB962C8B-B14F-4D97-AF65-F5344CB8AC3E}">
-        <p14:creationId xmlns:p14="http://schemas.microsoft.com/office/powerpoint/2010/main" val="1123677249"/>
+        <p14:creationId xmlns:p14="http://schemas.microsoft.com/office/powerpoint/2010/main" val="2717799063"/>
       </p:ext>
     </p:extLst>
   </p:cSld>
@@ -10578,7 +10549,396 @@
           <a:bodyPr/>
           <a:lstStyle/>
           <a:p>
-            <a:endParaRPr lang="en-US" sz="1200" kern="1200" dirty="0" smtClean="0">
+            <a:pPr marL="171450" indent="-171450">
+              <a:buFont typeface="Arial" panose="020B0604020202020204" pitchFamily="34" charset="0"/>
+              <a:buChar char="•"/>
+            </a:pPr>
+            <a:r>
+              <a:rPr lang="en-US" b="0" baseline="0" dirty="0" smtClean="0"/>
+              <a:t>Finally, we delegate to the ORM to insert or update the object</a:t>
+            </a:r>
+            <a:br>
+              <a:rPr lang="en-US" b="0" baseline="0" dirty="0" smtClean="0"/>
+            </a:br>
+            <a:endParaRPr lang="en-US" b="0" baseline="0" dirty="0" smtClean="0"/>
+          </a:p>
+          <a:p>
+            <a:pPr marL="171450" marR="0" indent="-171450" algn="l" defTabSz="914400" rtl="0" eaLnBrk="1" fontAlgn="auto" latinLnBrk="0" hangingPunct="1">
+              <a:lnSpc>
+                <a:spcPct val="100000"/>
+              </a:lnSpc>
+              <a:spcBef>
+                <a:spcPts val="0"/>
+              </a:spcBef>
+              <a:spcAft>
+                <a:spcPts val="0"/>
+              </a:spcAft>
+              <a:buClrTx/>
+              <a:buSzTx/>
+              <a:buFont typeface="Arial" panose="020B0604020202020204" pitchFamily="34" charset="0"/>
+              <a:buChar char="•"/>
+              <a:tabLst/>
+              <a:defRPr/>
+            </a:pPr>
+            <a:r>
+              <a:rPr lang="en-US" b="0" baseline="0" dirty="0" smtClean="0"/>
+              <a:t>Each helper should know how to save the objects that it creates</a:t>
+            </a:r>
+          </a:p>
+          <a:p>
+            <a:pPr marL="628650" lvl="1" indent="-171450">
+              <a:buFont typeface="Arial" panose="020B0604020202020204" pitchFamily="34" charset="0"/>
+              <a:buChar char="•"/>
+            </a:pPr>
+            <a:r>
+              <a:rPr lang="en-US" b="0" baseline="0" dirty="0" smtClean="0"/>
+              <a:t>The implementation of your Save methods will be driven by your Create methods – </a:t>
+            </a:r>
+          </a:p>
+          <a:p>
+            <a:pPr marL="628650" lvl="1" indent="-171450">
+              <a:buFont typeface="Arial" panose="020B0604020202020204" pitchFamily="34" charset="0"/>
+              <a:buChar char="•"/>
+            </a:pPr>
+            <a:r>
+              <a:rPr lang="en-US" b="0" baseline="0" dirty="0" smtClean="0"/>
+              <a:t>Does NOT need to handle any arbitrary object, only those configurations created by the helper</a:t>
+            </a:r>
+          </a:p>
+          <a:p>
+            <a:pPr marL="171450" lvl="0" indent="-171450">
+              <a:buFont typeface="Arial" panose="020B0604020202020204" pitchFamily="34" charset="0"/>
+              <a:buChar char="•"/>
+            </a:pPr>
+            <a:endParaRPr lang="en-US" b="0" baseline="0" dirty="0" smtClean="0"/>
+          </a:p>
+          <a:p>
+            <a:pPr marL="0" lvl="0" indent="0">
+              <a:buFont typeface="Arial" panose="020B0604020202020204" pitchFamily="34" charset="0"/>
+              <a:buNone/>
+            </a:pPr>
+            <a:r>
+              <a:rPr lang="en-US" b="1" baseline="0" dirty="0" smtClean="0"/>
+              <a:t>Transition</a:t>
+            </a:r>
+          </a:p>
+          <a:p>
+            <a:pPr marL="171450" lvl="0" indent="-171450">
+              <a:buFont typeface="Arial" panose="020B0604020202020204" pitchFamily="34" charset="0"/>
+              <a:buChar char="•"/>
+            </a:pPr>
+            <a:endParaRPr lang="en-US" b="0" baseline="0" dirty="0" smtClean="0"/>
+          </a:p>
+          <a:p>
+            <a:pPr marL="171450" indent="-171450">
+              <a:buFont typeface="Arial" panose="020B0604020202020204" pitchFamily="34" charset="0"/>
+              <a:buChar char="•"/>
+            </a:pPr>
+            <a:r>
+              <a:rPr lang="en-US" dirty="0" smtClean="0"/>
+              <a:t>Finally, we need to prevent this test data from lingering around when our test run is over</a:t>
+            </a:r>
+          </a:p>
+          <a:p>
+            <a:pPr marL="171450" indent="-171450">
+              <a:buFont typeface="Arial" panose="020B0604020202020204" pitchFamily="34" charset="0"/>
+              <a:buChar char="•"/>
+            </a:pPr>
+            <a:endParaRPr lang="en-US" dirty="0" smtClean="0"/>
+          </a:p>
+          <a:p>
+            <a:pPr marL="171450" indent="-171450">
+              <a:buFont typeface="Arial" panose="020B0604020202020204" pitchFamily="34" charset="0"/>
+              <a:buChar char="•"/>
+            </a:pPr>
+            <a:r>
+              <a:rPr lang="en-US" dirty="0" smtClean="0"/>
+              <a:t>One possibility is to reset the database to a known state at the start of each test run. This works, but I tend to run my unit tests against the same DB I use for local testing</a:t>
+            </a:r>
+          </a:p>
+          <a:p>
+            <a:pPr marL="628650" lvl="1" indent="-171450">
+              <a:buFont typeface="Arial" panose="020B0604020202020204" pitchFamily="34" charset="0"/>
+              <a:buChar char="•"/>
+            </a:pPr>
+            <a:r>
+              <a:rPr lang="en-US" dirty="0" smtClean="0"/>
+              <a:t>Don’t want data</a:t>
+            </a:r>
+            <a:r>
+              <a:rPr lang="en-US" baseline="0" dirty="0" smtClean="0"/>
+              <a:t> I’ve crafted by hand from being blown away by tests</a:t>
+            </a:r>
+          </a:p>
+          <a:p>
+            <a:pPr marL="628650" lvl="1" indent="-171450">
+              <a:buFont typeface="Arial" panose="020B0604020202020204" pitchFamily="34" charset="0"/>
+              <a:buChar char="•"/>
+            </a:pPr>
+            <a:r>
+              <a:rPr lang="en-US" baseline="0" dirty="0" smtClean="0"/>
+              <a:t>Don’t want to lose any schema changes I’ve made</a:t>
+            </a:r>
+          </a:p>
+          <a:p>
+            <a:pPr marL="171450" lvl="0" indent="-171450">
+              <a:buFont typeface="Arial" panose="020B0604020202020204" pitchFamily="34" charset="0"/>
+              <a:buChar char="•"/>
+            </a:pPr>
+            <a:endParaRPr lang="en-US" b="0" baseline="0" dirty="0" smtClean="0"/>
+          </a:p>
+        </p:txBody>
+      </p:sp>
+      <p:sp>
+        <p:nvSpPr>
+          <p:cNvPr id="4" name="Slide Number Placeholder 3"/>
+          <p:cNvSpPr>
+            <a:spLocks noGrp="1"/>
+          </p:cNvSpPr>
+          <p:nvPr>
+            <p:ph type="sldNum" sz="quarter" idx="10"/>
+          </p:nvPr>
+        </p:nvSpPr>
+        <p:spPr/>
+        <p:txBody>
+          <a:bodyPr/>
+          <a:lstStyle/>
+          <a:p>
+            <a:fld id="{89029652-62E7-43D6-83B5-097D7B7AA5D8}" type="slidenum">
+              <a:rPr lang="en-US" smtClean="0"/>
+              <a:t>86</a:t>
+            </a:fld>
+            <a:endParaRPr lang="en-US"/>
+          </a:p>
+        </p:txBody>
+      </p:sp>
+    </p:spTree>
+    <p:extLst>
+      <p:ext uri="{BB962C8B-B14F-4D97-AF65-F5344CB8AC3E}">
+        <p14:creationId xmlns:p14="http://schemas.microsoft.com/office/powerpoint/2010/main" val="2145290865"/>
+      </p:ext>
+    </p:extLst>
+  </p:cSld>
+  <p:clrMapOvr>
+    <a:masterClrMapping/>
+  </p:clrMapOvr>
+</p:notes>
+</file>
+
+<file path=ppt/notesSlides/notesSlide87.xml><?xml version="1.0" encoding="utf-8"?>
+<p:notes xmlns:a="http://schemas.openxmlformats.org/drawingml/2006/main" xmlns:r="http://schemas.openxmlformats.org/officeDocument/2006/relationships" xmlns:p="http://schemas.openxmlformats.org/presentationml/2006/main">
+  <p:cSld>
+    <p:spTree>
+      <p:nvGrpSpPr>
+        <p:cNvPr id="1" name=""/>
+        <p:cNvGrpSpPr/>
+        <p:nvPr/>
+      </p:nvGrpSpPr>
+      <p:grpSpPr>
+        <a:xfrm>
+          <a:off x="0" y="0"/>
+          <a:ext cx="0" cy="0"/>
+          <a:chOff x="0" y="0"/>
+          <a:chExt cx="0" cy="0"/>
+        </a:xfrm>
+      </p:grpSpPr>
+      <p:sp>
+        <p:nvSpPr>
+          <p:cNvPr id="2" name="Slide Image Placeholder 1"/>
+          <p:cNvSpPr>
+            <a:spLocks noGrp="1" noRot="1" noChangeAspect="1"/>
+          </p:cNvSpPr>
+          <p:nvPr>
+            <p:ph type="sldImg"/>
+          </p:nvPr>
+        </p:nvSpPr>
+        <p:spPr/>
+      </p:sp>
+      <p:sp>
+        <p:nvSpPr>
+          <p:cNvPr id="3" name="Notes Placeholder 2"/>
+          <p:cNvSpPr>
+            <a:spLocks noGrp="1"/>
+          </p:cNvSpPr>
+          <p:nvPr>
+            <p:ph type="body" idx="1"/>
+          </p:nvPr>
+        </p:nvSpPr>
+        <p:spPr/>
+        <p:txBody>
+          <a:bodyPr/>
+          <a:lstStyle/>
+          <a:p>
+            <a:pPr marL="171450" lvl="0" indent="-171450">
+              <a:buFont typeface="Arial" panose="020B0604020202020204" pitchFamily="34" charset="0"/>
+              <a:buChar char="•"/>
+            </a:pPr>
+            <a:r>
+              <a:rPr lang="en-US" baseline="0" dirty="0" smtClean="0"/>
+              <a:t>Another option is to wrap each test run in a database transaction, and then roll back that transaction when the test run is over</a:t>
+            </a:r>
+            <a:br>
+              <a:rPr lang="en-US" baseline="0" dirty="0" smtClean="0"/>
+            </a:br>
+            <a:endParaRPr lang="en-US" baseline="0" dirty="0" smtClean="0"/>
+          </a:p>
+          <a:p>
+            <a:pPr marL="171450" lvl="0" indent="-171450">
+              <a:buFont typeface="Arial" panose="020B0604020202020204" pitchFamily="34" charset="0"/>
+              <a:buChar char="•"/>
+            </a:pPr>
+            <a:r>
+              <a:rPr lang="en-US" baseline="0" dirty="0" smtClean="0"/>
+              <a:t>This is easy to do by adding an attribute to our data tests. The presence of this attribute automatically executes the test inside of a transaction, and then discards the transaction at the end.</a:t>
+            </a:r>
+          </a:p>
+          <a:p>
+            <a:pPr marL="171450" lvl="0" indent="-171450">
+              <a:buFont typeface="Arial" panose="020B0604020202020204" pitchFamily="34" charset="0"/>
+              <a:buChar char="•"/>
+            </a:pPr>
+            <a:endParaRPr lang="en-US" dirty="0" smtClean="0"/>
+          </a:p>
+          <a:p>
+            <a:pPr marL="171450" lvl="0" indent="-171450">
+              <a:buFont typeface="Arial" panose="020B0604020202020204" pitchFamily="34" charset="0"/>
+              <a:buChar char="•"/>
+            </a:pPr>
+            <a:endParaRPr lang="en-US" dirty="0"/>
+          </a:p>
+        </p:txBody>
+      </p:sp>
+      <p:sp>
+        <p:nvSpPr>
+          <p:cNvPr id="4" name="Slide Number Placeholder 3"/>
+          <p:cNvSpPr>
+            <a:spLocks noGrp="1"/>
+          </p:cNvSpPr>
+          <p:nvPr>
+            <p:ph type="sldNum" sz="quarter" idx="10"/>
+          </p:nvPr>
+        </p:nvSpPr>
+        <p:spPr/>
+        <p:txBody>
+          <a:bodyPr/>
+          <a:lstStyle/>
+          <a:p>
+            <a:fld id="{89029652-62E7-43D6-83B5-097D7B7AA5D8}" type="slidenum">
+              <a:rPr lang="en-US" smtClean="0"/>
+              <a:t>87</a:t>
+            </a:fld>
+            <a:endParaRPr lang="en-US"/>
+          </a:p>
+        </p:txBody>
+      </p:sp>
+    </p:spTree>
+    <p:extLst>
+      <p:ext uri="{BB962C8B-B14F-4D97-AF65-F5344CB8AC3E}">
+        <p14:creationId xmlns:p14="http://schemas.microsoft.com/office/powerpoint/2010/main" val="3266683685"/>
+      </p:ext>
+    </p:extLst>
+  </p:cSld>
+  <p:clrMapOvr>
+    <a:masterClrMapping/>
+  </p:clrMapOvr>
+</p:notes>
+</file>
+
+<file path=ppt/notesSlides/notesSlide88.xml><?xml version="1.0" encoding="utf-8"?>
+<p:notes xmlns:a="http://schemas.openxmlformats.org/drawingml/2006/main" xmlns:r="http://schemas.openxmlformats.org/officeDocument/2006/relationships" xmlns:p="http://schemas.openxmlformats.org/presentationml/2006/main">
+  <p:cSld>
+    <p:spTree>
+      <p:nvGrpSpPr>
+        <p:cNvPr id="1" name=""/>
+        <p:cNvGrpSpPr/>
+        <p:nvPr/>
+      </p:nvGrpSpPr>
+      <p:grpSpPr>
+        <a:xfrm>
+          <a:off x="0" y="0"/>
+          <a:ext cx="0" cy="0"/>
+          <a:chOff x="0" y="0"/>
+          <a:chExt cx="0" cy="0"/>
+        </a:xfrm>
+      </p:grpSpPr>
+      <p:sp>
+        <p:nvSpPr>
+          <p:cNvPr id="2" name="Slide Image Placeholder 1"/>
+          <p:cNvSpPr>
+            <a:spLocks noGrp="1" noRot="1" noChangeAspect="1"/>
+          </p:cNvSpPr>
+          <p:nvPr>
+            <p:ph type="sldImg"/>
+          </p:nvPr>
+        </p:nvSpPr>
+        <p:spPr/>
+      </p:sp>
+      <p:sp>
+        <p:nvSpPr>
+          <p:cNvPr id="3" name="Notes Placeholder 2"/>
+          <p:cNvSpPr>
+            <a:spLocks noGrp="1"/>
+          </p:cNvSpPr>
+          <p:nvPr>
+            <p:ph type="body" idx="1"/>
+          </p:nvPr>
+        </p:nvSpPr>
+        <p:spPr/>
+        <p:txBody>
+          <a:bodyPr/>
+          <a:lstStyle/>
+          <a:p>
+            <a:r>
+              <a:rPr lang="en-US" sz="1200" kern="1200" dirty="0" smtClean="0">
+                <a:solidFill>
+                  <a:schemeClr val="tx1"/>
+                </a:solidFill>
+                <a:effectLst/>
+                <a:latin typeface="+mn-lt"/>
+                <a:ea typeface="+mn-ea"/>
+                <a:cs typeface="+mn-cs"/>
+              </a:rPr>
+              <a:t>If you use these patterns for integration tests, there’s 1 rule that you absolutely must follow, which is that each test must create everything that it needs. Do not rely on “well-known” records existing in the database.</a:t>
+            </a:r>
+          </a:p>
+          <a:p>
+            <a:r>
+              <a:rPr lang="en-US" sz="1200" kern="1200" dirty="0" smtClean="0">
+                <a:solidFill>
+                  <a:schemeClr val="tx1"/>
+                </a:solidFill>
+                <a:effectLst/>
+                <a:latin typeface="+mn-lt"/>
+                <a:ea typeface="+mn-ea"/>
+                <a:cs typeface="+mn-cs"/>
+              </a:rPr>
+              <a:t>When I first started doing integration tests, I tried creating all of the data I’d need for every test in a database backup that the tests would restore for each run. I had this massive file full of constants referring to the primary keys of each object in each state that I needed. That is </a:t>
+            </a:r>
+            <a:r>
+              <a:rPr lang="en-US" sz="1200" i="1" kern="1200" dirty="0" smtClean="0">
+                <a:solidFill>
+                  <a:schemeClr val="tx1"/>
+                </a:solidFill>
+                <a:effectLst/>
+                <a:latin typeface="+mn-lt"/>
+                <a:ea typeface="+mn-ea"/>
+                <a:cs typeface="+mn-cs"/>
+              </a:rPr>
+              <a:t>madness</a:t>
+            </a:r>
+            <a:r>
+              <a:rPr lang="en-US" sz="1200" kern="1200" dirty="0" smtClean="0">
+                <a:solidFill>
+                  <a:schemeClr val="tx1"/>
+                </a:solidFill>
+                <a:effectLst/>
+                <a:latin typeface="+mn-lt"/>
+                <a:ea typeface="+mn-ea"/>
+                <a:cs typeface="+mn-cs"/>
+              </a:rPr>
+              <a:t>. If, instead, you have each test create the data it needs, run its test, and then clean up, then you can run those tests against any database, with any pre-existing data, and your tests will work properly.</a:t>
+            </a:r>
+            <a:endParaRPr lang="en-US" sz="1200" kern="1200" dirty="0">
               <a:solidFill>
                 <a:schemeClr val="tx1"/>
               </a:solidFill>
@@ -10607,7 +10967,7 @@
           <a:p>
             <a:fld id="{89029652-62E7-43D6-83B5-097D7B7AA5D8}" type="slidenum">
               <a:rPr lang="en-US" smtClean="0"/>
-              <a:t>86</a:t>
+              <a:t>88</a:t>
             </a:fld>
             <a:endParaRPr lang="en-US"/>
           </a:p>
@@ -10616,7 +10976,130 @@
     </p:spTree>
     <p:extLst>
       <p:ext uri="{BB962C8B-B14F-4D97-AF65-F5344CB8AC3E}">
-        <p14:creationId xmlns:p14="http://schemas.microsoft.com/office/powerpoint/2010/main" val="2813022412"/>
+        <p14:creationId xmlns:p14="http://schemas.microsoft.com/office/powerpoint/2010/main" val="3125008971"/>
+      </p:ext>
+    </p:extLst>
+  </p:cSld>
+  <p:clrMapOvr>
+    <a:masterClrMapping/>
+  </p:clrMapOvr>
+</p:notes>
+</file>
+
+<file path=ppt/notesSlides/notesSlide89.xml><?xml version="1.0" encoding="utf-8"?>
+<p:notes xmlns:a="http://schemas.openxmlformats.org/drawingml/2006/main" xmlns:r="http://schemas.openxmlformats.org/officeDocument/2006/relationships" xmlns:p="http://schemas.openxmlformats.org/presentationml/2006/main">
+  <p:cSld>
+    <p:spTree>
+      <p:nvGrpSpPr>
+        <p:cNvPr id="1" name=""/>
+        <p:cNvGrpSpPr/>
+        <p:nvPr/>
+      </p:nvGrpSpPr>
+      <p:grpSpPr>
+        <a:xfrm>
+          <a:off x="0" y="0"/>
+          <a:ext cx="0" cy="0"/>
+          <a:chOff x="0" y="0"/>
+          <a:chExt cx="0" cy="0"/>
+        </a:xfrm>
+      </p:grpSpPr>
+      <p:sp>
+        <p:nvSpPr>
+          <p:cNvPr id="2" name="Slide Image Placeholder 1"/>
+          <p:cNvSpPr>
+            <a:spLocks noGrp="1" noRot="1" noChangeAspect="1"/>
+          </p:cNvSpPr>
+          <p:nvPr>
+            <p:ph type="sldImg"/>
+          </p:nvPr>
+        </p:nvSpPr>
+        <p:spPr/>
+      </p:sp>
+      <p:sp>
+        <p:nvSpPr>
+          <p:cNvPr id="3" name="Notes Placeholder 2"/>
+          <p:cNvSpPr>
+            <a:spLocks noGrp="1"/>
+          </p:cNvSpPr>
+          <p:nvPr>
+            <p:ph type="body" idx="1"/>
+          </p:nvPr>
+        </p:nvSpPr>
+        <p:spPr/>
+        <p:txBody>
+          <a:bodyPr/>
+          <a:lstStyle/>
+          <a:p>
+            <a:pPr marL="0" marR="0" lvl="0" indent="0" algn="l" defTabSz="914400" rtl="0" eaLnBrk="1" fontAlgn="auto" latinLnBrk="0" hangingPunct="1">
+              <a:lnSpc>
+                <a:spcPct val="100000"/>
+              </a:lnSpc>
+              <a:spcBef>
+                <a:spcPts val="0"/>
+              </a:spcBef>
+              <a:spcAft>
+                <a:spcPts val="0"/>
+              </a:spcAft>
+              <a:buClrTx/>
+              <a:buSzTx/>
+              <a:buFontTx/>
+              <a:buNone/>
+              <a:tabLst/>
+              <a:defRPr/>
+            </a:pPr>
+            <a:r>
+              <a:rPr lang="en-US" sz="1200" kern="1200" dirty="0" smtClean="0">
+                <a:solidFill>
+                  <a:schemeClr val="tx1"/>
+                </a:solidFill>
+                <a:effectLst/>
+                <a:latin typeface="+mn-lt"/>
+                <a:ea typeface="+mn-ea"/>
+                <a:cs typeface="+mn-cs"/>
+              </a:rPr>
+              <a:t>Tattoo this on your forehead if you need to. Magic row IDs, or assuming that a specific record will always exist, kills kittens and makes you a bad person. Don’t do it.</a:t>
+            </a:r>
+          </a:p>
+          <a:p>
+            <a:endParaRPr lang="en-US" sz="1200" kern="1200" dirty="0">
+              <a:solidFill>
+                <a:schemeClr val="tx1"/>
+              </a:solidFill>
+              <a:effectLst/>
+              <a:latin typeface="+mn-lt"/>
+              <a:ea typeface="+mn-ea"/>
+              <a:cs typeface="+mn-cs"/>
+            </a:endParaRPr>
+          </a:p>
+        </p:txBody>
+      </p:sp>
+      <p:sp>
+        <p:nvSpPr>
+          <p:cNvPr id="4" name="Slide Number Placeholder 3"/>
+          <p:cNvSpPr>
+            <a:spLocks noGrp="1"/>
+          </p:cNvSpPr>
+          <p:nvPr>
+            <p:ph type="sldNum" sz="quarter" idx="10"/>
+          </p:nvPr>
+        </p:nvSpPr>
+        <p:spPr/>
+        <p:txBody>
+          <a:bodyPr/>
+          <a:lstStyle/>
+          <a:p>
+            <a:fld id="{89029652-62E7-43D6-83B5-097D7B7AA5D8}" type="slidenum">
+              <a:rPr lang="en-US" smtClean="0"/>
+              <a:t>89</a:t>
+            </a:fld>
+            <a:endParaRPr lang="en-US"/>
+          </a:p>
+        </p:txBody>
+      </p:sp>
+    </p:spTree>
+    <p:extLst>
+      <p:ext uri="{BB962C8B-B14F-4D97-AF65-F5344CB8AC3E}">
+        <p14:creationId xmlns:p14="http://schemas.microsoft.com/office/powerpoint/2010/main" val="2345873430"/>
       </p:ext>
     </p:extLst>
   </p:cSld>
@@ -10709,6 +11192,190 @@
     <p:extLst>
       <p:ext uri="{BB962C8B-B14F-4D97-AF65-F5344CB8AC3E}">
         <p14:creationId xmlns:p14="http://schemas.microsoft.com/office/powerpoint/2010/main" val="2379625434"/>
+      </p:ext>
+    </p:extLst>
+  </p:cSld>
+  <p:clrMapOvr>
+    <a:masterClrMapping/>
+  </p:clrMapOvr>
+</p:notes>
+</file>
+
+<file path=ppt/notesSlides/notesSlide90.xml><?xml version="1.0" encoding="utf-8"?>
+<p:notes xmlns:a="http://schemas.openxmlformats.org/drawingml/2006/main" xmlns:r="http://schemas.openxmlformats.org/officeDocument/2006/relationships" xmlns:p="http://schemas.openxmlformats.org/presentationml/2006/main">
+  <p:cSld>
+    <p:spTree>
+      <p:nvGrpSpPr>
+        <p:cNvPr id="1" name=""/>
+        <p:cNvGrpSpPr/>
+        <p:nvPr/>
+      </p:nvGrpSpPr>
+      <p:grpSpPr>
+        <a:xfrm>
+          <a:off x="0" y="0"/>
+          <a:ext cx="0" cy="0"/>
+          <a:chOff x="0" y="0"/>
+          <a:chExt cx="0" cy="0"/>
+        </a:xfrm>
+      </p:grpSpPr>
+      <p:sp>
+        <p:nvSpPr>
+          <p:cNvPr id="2" name="Slide Image Placeholder 1"/>
+          <p:cNvSpPr>
+            <a:spLocks noGrp="1" noRot="1" noChangeAspect="1"/>
+          </p:cNvSpPr>
+          <p:nvPr>
+            <p:ph type="sldImg"/>
+          </p:nvPr>
+        </p:nvSpPr>
+        <p:spPr/>
+      </p:sp>
+      <p:sp>
+        <p:nvSpPr>
+          <p:cNvPr id="3" name="Notes Placeholder 2"/>
+          <p:cNvSpPr>
+            <a:spLocks noGrp="1"/>
+          </p:cNvSpPr>
+          <p:nvPr>
+            <p:ph type="body" idx="1"/>
+          </p:nvPr>
+        </p:nvSpPr>
+        <p:spPr/>
+        <p:txBody>
+          <a:bodyPr/>
+          <a:lstStyle/>
+          <a:p>
+            <a:endParaRPr lang="en-US" sz="1200" kern="1200" dirty="0" smtClean="0">
+              <a:solidFill>
+                <a:schemeClr val="tx1"/>
+              </a:solidFill>
+              <a:effectLst/>
+              <a:latin typeface="+mn-lt"/>
+              <a:ea typeface="+mn-ea"/>
+              <a:cs typeface="+mn-cs"/>
+            </a:endParaRPr>
+          </a:p>
+        </p:txBody>
+      </p:sp>
+      <p:sp>
+        <p:nvSpPr>
+          <p:cNvPr id="4" name="Slide Number Placeholder 3"/>
+          <p:cNvSpPr>
+            <a:spLocks noGrp="1"/>
+          </p:cNvSpPr>
+          <p:nvPr>
+            <p:ph type="sldNum" sz="quarter" idx="10"/>
+          </p:nvPr>
+        </p:nvSpPr>
+        <p:spPr/>
+        <p:txBody>
+          <a:bodyPr/>
+          <a:lstStyle/>
+          <a:p>
+            <a:fld id="{89029652-62E7-43D6-83B5-097D7B7AA5D8}" type="slidenum">
+              <a:rPr lang="en-US" smtClean="0"/>
+              <a:t>90</a:t>
+            </a:fld>
+            <a:endParaRPr lang="en-US"/>
+          </a:p>
+        </p:txBody>
+      </p:sp>
+    </p:spTree>
+    <p:extLst>
+      <p:ext uri="{BB962C8B-B14F-4D97-AF65-F5344CB8AC3E}">
+        <p14:creationId xmlns:p14="http://schemas.microsoft.com/office/powerpoint/2010/main" val="4116676846"/>
+      </p:ext>
+    </p:extLst>
+  </p:cSld>
+  <p:clrMapOvr>
+    <a:masterClrMapping/>
+  </p:clrMapOvr>
+</p:notes>
+</file>
+
+<file path=ppt/notesSlides/notesSlide91.xml><?xml version="1.0" encoding="utf-8"?>
+<p:notes xmlns:a="http://schemas.openxmlformats.org/drawingml/2006/main" xmlns:r="http://schemas.openxmlformats.org/officeDocument/2006/relationships" xmlns:p="http://schemas.openxmlformats.org/presentationml/2006/main">
+  <p:cSld>
+    <p:spTree>
+      <p:nvGrpSpPr>
+        <p:cNvPr id="1" name=""/>
+        <p:cNvGrpSpPr/>
+        <p:nvPr/>
+      </p:nvGrpSpPr>
+      <p:grpSpPr>
+        <a:xfrm>
+          <a:off x="0" y="0"/>
+          <a:ext cx="0" cy="0"/>
+          <a:chOff x="0" y="0"/>
+          <a:chExt cx="0" cy="0"/>
+        </a:xfrm>
+      </p:grpSpPr>
+      <p:sp>
+        <p:nvSpPr>
+          <p:cNvPr id="2" name="Slide Image Placeholder 1"/>
+          <p:cNvSpPr>
+            <a:spLocks noGrp="1" noRot="1" noChangeAspect="1"/>
+          </p:cNvSpPr>
+          <p:nvPr>
+            <p:ph type="sldImg"/>
+          </p:nvPr>
+        </p:nvSpPr>
+        <p:spPr/>
+      </p:sp>
+      <p:sp>
+        <p:nvSpPr>
+          <p:cNvPr id="3" name="Notes Placeholder 2"/>
+          <p:cNvSpPr>
+            <a:spLocks noGrp="1"/>
+          </p:cNvSpPr>
+          <p:nvPr>
+            <p:ph type="body" idx="1"/>
+          </p:nvPr>
+        </p:nvSpPr>
+        <p:spPr/>
+        <p:txBody>
+          <a:bodyPr/>
+          <a:lstStyle/>
+          <a:p>
+            <a:endParaRPr lang="en-US" sz="1200" kern="1200" dirty="0" smtClean="0">
+              <a:solidFill>
+                <a:schemeClr val="tx1"/>
+              </a:solidFill>
+              <a:effectLst/>
+              <a:latin typeface="+mn-lt"/>
+              <a:ea typeface="+mn-ea"/>
+              <a:cs typeface="+mn-cs"/>
+            </a:endParaRPr>
+          </a:p>
+        </p:txBody>
+      </p:sp>
+      <p:sp>
+        <p:nvSpPr>
+          <p:cNvPr id="4" name="Slide Number Placeholder 3"/>
+          <p:cNvSpPr>
+            <a:spLocks noGrp="1"/>
+          </p:cNvSpPr>
+          <p:nvPr>
+            <p:ph type="sldNum" sz="quarter" idx="10"/>
+          </p:nvPr>
+        </p:nvSpPr>
+        <p:spPr/>
+        <p:txBody>
+          <a:bodyPr/>
+          <a:lstStyle/>
+          <a:p>
+            <a:fld id="{89029652-62E7-43D6-83B5-097D7B7AA5D8}" type="slidenum">
+              <a:rPr lang="en-US" smtClean="0"/>
+              <a:t>91</a:t>
+            </a:fld>
+            <a:endParaRPr lang="en-US"/>
+          </a:p>
+        </p:txBody>
+      </p:sp>
+    </p:spTree>
+    <p:extLst>
+      <p:ext uri="{BB962C8B-B14F-4D97-AF65-F5344CB8AC3E}">
+        <p14:creationId xmlns:p14="http://schemas.microsoft.com/office/powerpoint/2010/main" val="2813022412"/>
       </p:ext>
     </p:extLst>
   </p:cSld>
@@ -20121,7 +20788,7 @@
             </a:br>
             <a:r>
               <a:rPr lang="en-US" sz="4000" dirty="0" smtClean="0"/>
-              <a:t>Explicitly specify </a:t>
+              <a:t>Specify </a:t>
             </a:r>
             <a:r>
               <a:rPr lang="en-US" sz="4000" i="1" dirty="0" smtClean="0"/>
@@ -20129,7 +20796,15 @@
             </a:r>
             <a:r>
               <a:rPr lang="en-US" sz="4000" dirty="0" smtClean="0"/>
-              <a:t>the values that matter</a:t>
+              <a:t>values </a:t>
+            </a:r>
+            <a:r>
+              <a:rPr lang="en-US" sz="4000" dirty="0" smtClean="0"/>
+              <a:t>that </a:t>
+            </a:r>
+            <a:r>
+              <a:rPr lang="en-US" sz="4000" dirty="0" smtClean="0"/>
+              <a:t>impact test outcome</a:t>
             </a:r>
             <a:endParaRPr lang="en-US" sz="4000" dirty="0"/>
           </a:p>
@@ -21256,26 +21931,26 @@
               <a:buNone/>
             </a:pPr>
             <a:r>
-              <a:rPr lang="en-US" sz="4000" dirty="0"/>
+              <a:rPr lang="en-US" sz="4000" dirty="0" smtClean="0"/>
               <a:t>Special </a:t>
             </a:r>
             <a:r>
-              <a:rPr lang="en-US" sz="4000" i="1" dirty="0"/>
+              <a:rPr lang="en-US" sz="4000" i="1" dirty="0" smtClean="0"/>
               <a:t>Create() </a:t>
             </a:r>
             <a:r>
-              <a:rPr lang="en-US" sz="4000" dirty="0"/>
+              <a:rPr lang="en-US" sz="4000" dirty="0" smtClean="0"/>
               <a:t>methods for common </a:t>
             </a:r>
             <a:r>
-              <a:rPr lang="en-US" sz="4000" dirty="0" err="1"/>
+              <a:rPr lang="en-US" sz="4000" dirty="0" err="1" smtClean="0"/>
               <a:t>arg</a:t>
             </a:r>
             <a:r>
-              <a:rPr lang="en-US" sz="4000" dirty="0"/>
+              <a:rPr lang="en-US" sz="4000" dirty="0" smtClean="0"/>
               <a:t> pairings</a:t>
             </a:r>
-            <a:endParaRPr lang="en-US" sz="3200" dirty="0"/>
+            <a:endParaRPr lang="en-US" sz="3200" dirty="0" smtClean="0"/>
           </a:p>
           <a:p>
             <a:pPr marL="0" indent="0">
@@ -21290,7 +21965,7 @@
       </p:sp>
       <p:pic>
         <p:nvPicPr>
-          <p:cNvPr id="5" name="Picture 4"/>
+          <p:cNvPr id="4" name="Picture 3"/>
           <p:cNvPicPr>
             <a:picLocks noChangeAspect="1"/>
           </p:cNvPicPr>
@@ -21304,8 +21979,8 @@
         </p:blipFill>
         <p:spPr>
           <a:xfrm>
-            <a:off x="838199" y="3229897"/>
-            <a:ext cx="9249698" cy="3246463"/>
+            <a:off x="838200" y="2744789"/>
+            <a:ext cx="9055203" cy="4113211"/>
           </a:xfrm>
           <a:prstGeom prst="rect">
             <a:avLst/>
@@ -21315,7 +21990,7 @@
     </p:spTree>
     <p:extLst>
       <p:ext uri="{BB962C8B-B14F-4D97-AF65-F5344CB8AC3E}">
-        <p14:creationId xmlns:p14="http://schemas.microsoft.com/office/powerpoint/2010/main" val="2119742550"/>
+        <p14:creationId xmlns:p14="http://schemas.microsoft.com/office/powerpoint/2010/main" val="355223365"/>
       </p:ext>
     </p:extLst>
   </p:cSld>
@@ -21359,45 +22034,96 @@
             <p:ph type="title"/>
           </p:nvPr>
         </p:nvSpPr>
+        <p:spPr/>
+        <p:txBody>
+          <a:bodyPr>
+            <a:normAutofit/>
+          </a:bodyPr>
+          <a:lstStyle/>
+          <a:p>
+            <a:r>
+              <a:rPr lang="en-US" sz="4800" dirty="0"/>
+              <a:t>Key #2: Specify only significant values</a:t>
+            </a:r>
+          </a:p>
+        </p:txBody>
+      </p:sp>
+      <p:sp>
+        <p:nvSpPr>
+          <p:cNvPr id="3" name="Content Placeholder 2"/>
+          <p:cNvSpPr>
+            <a:spLocks noGrp="1"/>
+          </p:cNvSpPr>
+          <p:nvPr>
+            <p:ph idx="1"/>
+          </p:nvPr>
+        </p:nvSpPr>
         <p:spPr>
           <a:xfrm>
-            <a:off x="486697" y="2217960"/>
-            <a:ext cx="11371007" cy="2088569"/>
+            <a:off x="838199" y="1825625"/>
+            <a:ext cx="10872019" cy="4351338"/>
           </a:xfrm>
         </p:spPr>
         <p:txBody>
-          <a:bodyPr>
-            <a:noAutofit/>
-          </a:bodyPr>
-          <a:lstStyle/>
-          <a:p>
-            <a:pPr algn="ctr"/>
-            <a:r>
-              <a:rPr lang="en-US" sz="4800" u="sng" dirty="0" smtClean="0"/>
-              <a:t>Key Practice #3</a:t>
-            </a:r>
-            <a:br>
-              <a:rPr lang="en-US" sz="4800" u="sng" dirty="0" smtClean="0"/>
-            </a:br>
-            <a:r>
-              <a:rPr lang="en-US" sz="4800" u="sng" dirty="0" smtClean="0"/>
-              <a:t/>
-            </a:r>
-            <a:br>
-              <a:rPr lang="en-US" sz="4800" u="sng" dirty="0" smtClean="0"/>
-            </a:br>
+          <a:bodyPr/>
+          <a:lstStyle/>
+          <a:p>
+            <a:pPr marL="0" indent="0">
+              <a:buNone/>
+            </a:pPr>
             <a:r>
               <a:rPr lang="en-US" sz="4000" dirty="0" smtClean="0"/>
-              <a:t>Create "scenario" objects for reusable setup logic</a:t>
-            </a:r>
-            <a:endParaRPr lang="en-US" sz="4000" dirty="0"/>
-          </a:p>
-        </p:txBody>
-      </p:sp>
+              <a:t>Test Helpers vs 3</a:t>
+            </a:r>
+            <a:r>
+              <a:rPr lang="en-US" sz="4000" baseline="30000" dirty="0" smtClean="0"/>
+              <a:t>rd</a:t>
+            </a:r>
+            <a:r>
+              <a:rPr lang="en-US" sz="4000" dirty="0" smtClean="0"/>
+              <a:t> party libraries</a:t>
+            </a:r>
+            <a:endParaRPr lang="en-US" sz="3200" dirty="0"/>
+          </a:p>
+          <a:p>
+            <a:pPr marL="0" indent="0">
+              <a:buNone/>
+            </a:pPr>
+            <a:endParaRPr lang="en-US" sz="3200" dirty="0"/>
+          </a:p>
+          <a:p>
+            <a:endParaRPr lang="en-US" dirty="0"/>
+          </a:p>
+        </p:txBody>
+      </p:sp>
+      <p:pic>
+        <p:nvPicPr>
+          <p:cNvPr id="7" name="Picture 6"/>
+          <p:cNvPicPr>
+            <a:picLocks noChangeAspect="1"/>
+          </p:cNvPicPr>
+          <p:nvPr/>
+        </p:nvPicPr>
+        <p:blipFill>
+          <a:blip r:embed="rId3"/>
+          <a:stretch>
+            <a:fillRect/>
+          </a:stretch>
+        </p:blipFill>
+        <p:spPr>
+          <a:xfrm>
+            <a:off x="838199" y="3307941"/>
+            <a:ext cx="8635336" cy="703620"/>
+          </a:xfrm>
+          <a:prstGeom prst="rect">
+            <a:avLst/>
+          </a:prstGeom>
+        </p:spPr>
+      </p:pic>
     </p:spTree>
     <p:extLst>
       <p:ext uri="{BB962C8B-B14F-4D97-AF65-F5344CB8AC3E}">
-        <p14:creationId xmlns:p14="http://schemas.microsoft.com/office/powerpoint/2010/main" val="57710419"/>
+        <p14:creationId xmlns:p14="http://schemas.microsoft.com/office/powerpoint/2010/main" val="2119742550"/>
       </p:ext>
     </p:extLst>
   </p:cSld>
@@ -21441,12 +22167,7 @@
             <p:ph type="title"/>
           </p:nvPr>
         </p:nvSpPr>
-        <p:spPr>
-          <a:xfrm>
-            <a:off x="838200" y="365125"/>
-            <a:ext cx="10827774" cy="1325563"/>
-          </a:xfrm>
-        </p:spPr>
+        <p:spPr/>
         <p:txBody>
           <a:bodyPr>
             <a:normAutofit/>
@@ -21454,10 +22175,9 @@
           <a:lstStyle/>
           <a:p>
             <a:r>
-              <a:rPr lang="en-US" sz="4800" dirty="0" smtClean="0"/>
-              <a:t>Key #3: Use Scenarios to reuse setup logic</a:t>
-            </a:r>
-            <a:endParaRPr lang="en-US" sz="4800" dirty="0"/>
+              <a:rPr lang="en-US" sz="4800" dirty="0"/>
+              <a:t>Key #2: Specify only significant values</a:t>
+            </a:r>
           </a:p>
         </p:txBody>
       </p:sp>
@@ -21471,11 +22191,14 @@
             <p:ph idx="1"/>
           </p:nvPr>
         </p:nvSpPr>
-        <p:spPr/>
-        <p:txBody>
-          <a:bodyPr>
-            <a:normAutofit/>
-          </a:bodyPr>
+        <p:spPr>
+          <a:xfrm>
+            <a:off x="838199" y="1825625"/>
+            <a:ext cx="10872019" cy="4351338"/>
+          </a:xfrm>
+        </p:spPr>
+        <p:txBody>
+          <a:bodyPr/>
           <a:lstStyle/>
           <a:p>
             <a:pPr marL="0" indent="0">
@@ -21483,38 +22206,81 @@
             </a:pPr>
             <a:r>
               <a:rPr lang="en-US" sz="4000" dirty="0" smtClean="0"/>
-              <a:t>Extract complex setup into reusable pieces</a:t>
-            </a:r>
+              <a:t>Test Helpers vs 3</a:t>
+            </a:r>
+            <a:r>
+              <a:rPr lang="en-US" sz="4000" baseline="30000" dirty="0" smtClean="0"/>
+              <a:t>rd</a:t>
+            </a:r>
+            <a:r>
+              <a:rPr lang="en-US" sz="4000" dirty="0" smtClean="0"/>
+              <a:t> party libraries</a:t>
+            </a:r>
+            <a:endParaRPr lang="en-US" sz="3200" dirty="0"/>
           </a:p>
           <a:p>
             <a:pPr marL="0" indent="0">
               <a:buNone/>
             </a:pPr>
+            <a:endParaRPr lang="en-US" sz="3200" dirty="0"/>
+          </a:p>
+          <a:p>
             <a:endParaRPr lang="en-US" dirty="0"/>
           </a:p>
-          <a:p>
-            <a:pPr marL="0" indent="0">
-              <a:buNone/>
-            </a:pPr>
-            <a:r>
-              <a:rPr lang="en-US" dirty="0" smtClean="0">
-                <a:solidFill>
-                  <a:srgbClr val="FF0000"/>
-                </a:solidFill>
-              </a:rPr>
-              <a:t>TODO: Example of the setup code a scenario can replace</a:t>
-            </a:r>
-          </a:p>
-          <a:p>
-            <a:pPr lvl="1"/>
-            <a:endParaRPr lang="en-US" dirty="0"/>
-          </a:p>
-        </p:txBody>
-      </p:sp>
+        </p:txBody>
+      </p:sp>
+      <p:pic>
+        <p:nvPicPr>
+          <p:cNvPr id="4" name="Picture 3"/>
+          <p:cNvPicPr>
+            <a:picLocks noChangeAspect="1"/>
+          </p:cNvPicPr>
+          <p:nvPr/>
+        </p:nvPicPr>
+        <p:blipFill>
+          <a:blip r:embed="rId3"/>
+          <a:stretch>
+            <a:fillRect/>
+          </a:stretch>
+        </p:blipFill>
+        <p:spPr>
+          <a:xfrm>
+            <a:off x="838199" y="3093935"/>
+            <a:ext cx="8102175" cy="1891020"/>
+          </a:xfrm>
+          <a:prstGeom prst="rect">
+            <a:avLst/>
+          </a:prstGeom>
+        </p:spPr>
+      </p:pic>
+      <p:pic>
+        <p:nvPicPr>
+          <p:cNvPr id="5" name="Picture 4"/>
+          <p:cNvPicPr>
+            <a:picLocks noChangeAspect="1"/>
+          </p:cNvPicPr>
+          <p:nvPr/>
+        </p:nvPicPr>
+        <p:blipFill>
+          <a:blip r:embed="rId4"/>
+          <a:stretch>
+            <a:fillRect/>
+          </a:stretch>
+        </p:blipFill>
+        <p:spPr>
+          <a:xfrm>
+            <a:off x="838199" y="5555456"/>
+            <a:ext cx="8398637" cy="476635"/>
+          </a:xfrm>
+          <a:prstGeom prst="rect">
+            <a:avLst/>
+          </a:prstGeom>
+        </p:spPr>
+      </p:pic>
     </p:spTree>
     <p:extLst>
       <p:ext uri="{BB962C8B-B14F-4D97-AF65-F5344CB8AC3E}">
-        <p14:creationId xmlns:p14="http://schemas.microsoft.com/office/powerpoint/2010/main" val="3255767515"/>
+        <p14:creationId xmlns:p14="http://schemas.microsoft.com/office/powerpoint/2010/main" val="1244715721"/>
       </p:ext>
     </p:extLst>
   </p:cSld>
@@ -21560,8 +22326,8 @@
         </p:nvSpPr>
         <p:spPr>
           <a:xfrm>
-            <a:off x="838199" y="365125"/>
-            <a:ext cx="10857271" cy="1325563"/>
+            <a:off x="486697" y="2217960"/>
+            <a:ext cx="11371007" cy="2088569"/>
           </a:xfrm>
         </p:spPr>
         <p:txBody>
@@ -21570,71 +22336,33 @@
           </a:bodyPr>
           <a:lstStyle/>
           <a:p>
-            <a:r>
-              <a:rPr lang="en-US" sz="4800" dirty="0"/>
-              <a:t>Key #3: Use Scenarios to reuse setup logic</a:t>
-            </a:r>
-          </a:p>
-        </p:txBody>
-      </p:sp>
-      <p:sp>
-        <p:nvSpPr>
-          <p:cNvPr id="3" name="Content Placeholder 2"/>
-          <p:cNvSpPr>
-            <a:spLocks noGrp="1"/>
-          </p:cNvSpPr>
-          <p:nvPr>
-            <p:ph idx="1"/>
-          </p:nvPr>
-        </p:nvSpPr>
-        <p:spPr/>
-        <p:txBody>
-          <a:bodyPr>
-            <a:normAutofit/>
-          </a:bodyPr>
-          <a:lstStyle/>
-          <a:p>
-            <a:pPr marL="0" indent="0">
-              <a:buNone/>
-            </a:pPr>
-            <a:r>
-              <a:rPr lang="en-US" sz="4000" dirty="0"/>
-              <a:t>Extract complex setup into reusable </a:t>
-            </a:r>
+            <a:pPr algn="ctr"/>
+            <a:r>
+              <a:rPr lang="en-US" sz="4800" u="sng" dirty="0" smtClean="0"/>
+              <a:t>Key Practice #3</a:t>
+            </a:r>
+            <a:br>
+              <a:rPr lang="en-US" sz="4800" u="sng" dirty="0" smtClean="0"/>
+            </a:br>
+            <a:r>
+              <a:rPr lang="en-US" sz="4800" u="sng" dirty="0" smtClean="0"/>
+              <a:t/>
+            </a:r>
+            <a:br>
+              <a:rPr lang="en-US" sz="4800" u="sng" dirty="0" smtClean="0"/>
+            </a:br>
             <a:r>
               <a:rPr lang="en-US" sz="4000" dirty="0" smtClean="0"/>
-              <a:t>pieces</a:t>
-            </a:r>
-          </a:p>
-          <a:p>
-            <a:pPr marL="0" indent="0">
-              <a:buNone/>
-            </a:pPr>
-            <a:endParaRPr lang="en-US" dirty="0"/>
-          </a:p>
-          <a:p>
-            <a:pPr marL="0" indent="0">
-              <a:buNone/>
-            </a:pPr>
-            <a:r>
-              <a:rPr lang="en-US" dirty="0" smtClean="0">
-                <a:solidFill>
-                  <a:srgbClr val="FF0000"/>
-                </a:solidFill>
-              </a:rPr>
-              <a:t>TODO: Example of the cleaned up setup code using the scenario</a:t>
-            </a:r>
-          </a:p>
-          <a:p>
-            <a:pPr lvl="1"/>
-            <a:endParaRPr lang="en-US" dirty="0"/>
+              <a:t>Create "scenario" objects for reusable setup logic</a:t>
+            </a:r>
+            <a:endParaRPr lang="en-US" sz="4000" dirty="0"/>
           </a:p>
         </p:txBody>
       </p:sp>
     </p:spTree>
     <p:extLst>
       <p:ext uri="{BB962C8B-B14F-4D97-AF65-F5344CB8AC3E}">
-        <p14:creationId xmlns:p14="http://schemas.microsoft.com/office/powerpoint/2010/main" val="361621071"/>
+        <p14:creationId xmlns:p14="http://schemas.microsoft.com/office/powerpoint/2010/main" val="57710419"/>
       </p:ext>
     </p:extLst>
   </p:cSld>
@@ -21680,57 +22408,48 @@
         </p:nvSpPr>
         <p:spPr>
           <a:xfrm>
-            <a:off x="838199" y="365125"/>
-            <a:ext cx="10857271" cy="1325563"/>
+            <a:off x="838200" y="365125"/>
+            <a:ext cx="10827774" cy="1325563"/>
           </a:xfrm>
         </p:spPr>
-        <p:txBody>
-          <a:bodyPr>
-            <a:noAutofit/>
-          </a:bodyPr>
-          <a:lstStyle/>
-          <a:p>
-            <a:r>
-              <a:rPr lang="en-US" sz="4800" dirty="0"/>
-              <a:t>Key #3: Use Scenarios to reuse setup logic</a:t>
-            </a:r>
-          </a:p>
-        </p:txBody>
-      </p:sp>
-      <p:sp>
-        <p:nvSpPr>
-          <p:cNvPr id="3" name="Content Placeholder 2"/>
-          <p:cNvSpPr>
-            <a:spLocks noGrp="1"/>
-          </p:cNvSpPr>
-          <p:nvPr>
-            <p:ph idx="1"/>
-          </p:nvPr>
-        </p:nvSpPr>
-        <p:spPr/>
         <p:txBody>
           <a:bodyPr>
             <a:normAutofit/>
           </a:bodyPr>
           <a:lstStyle/>
           <a:p>
+            <a:r>
+              <a:rPr lang="en-US" sz="4800" dirty="0" smtClean="0"/>
+              <a:t>Key #3: Use Scenarios to reuse setup logic</a:t>
+            </a:r>
+            <a:endParaRPr lang="en-US" sz="4800" dirty="0"/>
+          </a:p>
+        </p:txBody>
+      </p:sp>
+      <p:sp>
+        <p:nvSpPr>
+          <p:cNvPr id="3" name="Content Placeholder 2"/>
+          <p:cNvSpPr>
+            <a:spLocks noGrp="1"/>
+          </p:cNvSpPr>
+          <p:nvPr>
+            <p:ph idx="1"/>
+          </p:nvPr>
+        </p:nvSpPr>
+        <p:spPr/>
+        <p:txBody>
+          <a:bodyPr>
+            <a:normAutofit/>
+          </a:bodyPr>
+          <a:lstStyle/>
+          <a:p>
             <a:pPr marL="0" indent="0">
               <a:buNone/>
             </a:pPr>
             <a:r>
-              <a:rPr lang="en-US" sz="4000" dirty="0"/>
-              <a:t>Extract complex setup into reusable </a:t>
-            </a:r>
-            <a:r>
               <a:rPr lang="en-US" sz="4000" dirty="0" smtClean="0"/>
-              <a:t>pieces</a:t>
-            </a:r>
-          </a:p>
-          <a:p>
-            <a:pPr marL="0" indent="0">
-              <a:buNone/>
-            </a:pPr>
-            <a:endParaRPr lang="en-US" sz="3200" dirty="0"/>
+              <a:t>Extract complex setup into reusable pieces</a:t>
+            </a:r>
           </a:p>
           <a:p>
             <a:pPr marL="0" indent="0">
@@ -21748,7 +22467,7 @@
                   <a:srgbClr val="FF0000"/>
                 </a:solidFill>
               </a:rPr>
-              <a:t>TODO: Example of a scenario object</a:t>
+              <a:t>TODO: Example of the setup code a scenario can replace</a:t>
             </a:r>
           </a:p>
           <a:p>
@@ -21760,7 +22479,7 @@
     </p:spTree>
     <p:extLst>
       <p:ext uri="{BB962C8B-B14F-4D97-AF65-F5344CB8AC3E}">
-        <p14:creationId xmlns:p14="http://schemas.microsoft.com/office/powerpoint/2010/main" val="4042677520"/>
+        <p14:creationId xmlns:p14="http://schemas.microsoft.com/office/powerpoint/2010/main" val="3255767515"/>
       </p:ext>
     </p:extLst>
   </p:cSld>
@@ -21942,12 +22661,6 @@
             <a:pPr marL="0" indent="0">
               <a:buNone/>
             </a:pPr>
-            <a:endParaRPr lang="en-US" sz="3200" dirty="0"/>
-          </a:p>
-          <a:p>
-            <a:pPr marL="0" indent="0">
-              <a:buNone/>
-            </a:pPr>
             <a:endParaRPr lang="en-US" dirty="0"/>
           </a:p>
           <a:p>
@@ -21960,7 +22673,7 @@
                   <a:srgbClr val="FF0000"/>
                 </a:solidFill>
               </a:rPr>
-              <a:t>TODO: Another example of a scenario object</a:t>
+              <a:t>TODO: Example of the cleaned up setup code using the scenario</a:t>
             </a:r>
           </a:p>
           <a:p>
@@ -21972,7 +22685,7 @@
     </p:spTree>
     <p:extLst>
       <p:ext uri="{BB962C8B-B14F-4D97-AF65-F5344CB8AC3E}">
-        <p14:creationId xmlns:p14="http://schemas.microsoft.com/office/powerpoint/2010/main" val="2634807390"/>
+        <p14:creationId xmlns:p14="http://schemas.microsoft.com/office/powerpoint/2010/main" val="361621071"/>
       </p:ext>
     </p:extLst>
   </p:cSld>
@@ -22029,10 +22742,9 @@
           <a:lstStyle/>
           <a:p>
             <a:r>
-              <a:rPr lang="en-US" sz="4800" dirty="0" smtClean="0"/>
+              <a:rPr lang="en-US" sz="4800" dirty="0"/>
               <a:t>Key #3: Use Scenarios to reuse setup logic</a:t>
             </a:r>
-            <a:endParaRPr lang="en-US" sz="4800" dirty="0"/>
           </a:p>
         </p:txBody>
       </p:sp>
@@ -22046,12 +22758,7 @@
             <p:ph idx="1"/>
           </p:nvPr>
         </p:nvSpPr>
-        <p:spPr>
-          <a:xfrm>
-            <a:off x="838199" y="1825625"/>
-            <a:ext cx="10621297" cy="4351338"/>
-          </a:xfrm>
-        </p:spPr>
+        <p:spPr/>
         <p:txBody>
           <a:bodyPr>
             <a:normAutofit/>
@@ -22062,29 +22769,19 @@
               <a:buNone/>
             </a:pPr>
             <a:r>
+              <a:rPr lang="en-US" sz="4000" dirty="0"/>
+              <a:t>Extract complex setup into reusable </a:t>
+            </a:r>
+            <a:r>
               <a:rPr lang="en-US" sz="4000" dirty="0" smtClean="0"/>
-              <a:t>Drawbacks and warnings</a:t>
-            </a:r>
-            <a:br>
-              <a:rPr lang="en-US" sz="4000" dirty="0" smtClean="0"/>
-            </a:br>
-            <a:endParaRPr lang="en-US" sz="4000" dirty="0" smtClean="0"/>
-          </a:p>
-          <a:p>
-            <a:r>
-              <a:rPr lang="en-US" sz="3600" dirty="0" smtClean="0"/>
-              <a:t>Need balance between specialization &amp; customization</a:t>
-            </a:r>
-            <a:br>
-              <a:rPr lang="en-US" sz="3600" dirty="0" smtClean="0"/>
-            </a:br>
-            <a:endParaRPr lang="en-US" sz="3600" dirty="0" smtClean="0"/>
-          </a:p>
-          <a:p>
-            <a:r>
-              <a:rPr lang="en-US" sz="3600" dirty="0" smtClean="0"/>
-              <a:t>May indicate need for Façade pattern in core app</a:t>
-            </a:r>
+              <a:t>pieces</a:t>
+            </a:r>
+          </a:p>
+          <a:p>
+            <a:pPr marL="0" indent="0">
+              <a:buNone/>
+            </a:pPr>
+            <a:endParaRPr lang="en-US" sz="3200" dirty="0"/>
           </a:p>
           <a:p>
             <a:pPr marL="0" indent="0">
@@ -22093,6 +22790,19 @@
             <a:endParaRPr lang="en-US" dirty="0"/>
           </a:p>
           <a:p>
+            <a:pPr marL="0" indent="0">
+              <a:buNone/>
+            </a:pPr>
+            <a:r>
+              <a:rPr lang="en-US" dirty="0" smtClean="0">
+                <a:solidFill>
+                  <a:srgbClr val="FF0000"/>
+                </a:solidFill>
+              </a:rPr>
+              <a:t>TODO: Example of a scenario object</a:t>
+            </a:r>
+          </a:p>
+          <a:p>
             <a:pPr lvl="1"/>
             <a:endParaRPr lang="en-US" dirty="0"/>
           </a:p>
@@ -22101,7 +22811,7 @@
     </p:spTree>
     <p:extLst>
       <p:ext uri="{BB962C8B-B14F-4D97-AF65-F5344CB8AC3E}">
-        <p14:creationId xmlns:p14="http://schemas.microsoft.com/office/powerpoint/2010/main" val="726345518"/>
+        <p14:creationId xmlns:p14="http://schemas.microsoft.com/office/powerpoint/2010/main" val="4042677520"/>
       </p:ext>
     </p:extLst>
   </p:cSld>
@@ -22147,6 +22857,261 @@
         </p:nvSpPr>
         <p:spPr>
           <a:xfrm>
+            <a:off x="838199" y="365125"/>
+            <a:ext cx="10857271" cy="1325563"/>
+          </a:xfrm>
+        </p:spPr>
+        <p:txBody>
+          <a:bodyPr>
+            <a:noAutofit/>
+          </a:bodyPr>
+          <a:lstStyle/>
+          <a:p>
+            <a:r>
+              <a:rPr lang="en-US" sz="4800" dirty="0"/>
+              <a:t>Key #3: Use Scenarios to reuse setup logic</a:t>
+            </a:r>
+          </a:p>
+        </p:txBody>
+      </p:sp>
+      <p:sp>
+        <p:nvSpPr>
+          <p:cNvPr id="3" name="Content Placeholder 2"/>
+          <p:cNvSpPr>
+            <a:spLocks noGrp="1"/>
+          </p:cNvSpPr>
+          <p:nvPr>
+            <p:ph idx="1"/>
+          </p:nvPr>
+        </p:nvSpPr>
+        <p:spPr/>
+        <p:txBody>
+          <a:bodyPr>
+            <a:normAutofit/>
+          </a:bodyPr>
+          <a:lstStyle/>
+          <a:p>
+            <a:pPr marL="0" indent="0">
+              <a:buNone/>
+            </a:pPr>
+            <a:r>
+              <a:rPr lang="en-US" sz="4000" dirty="0"/>
+              <a:t>Extract complex setup into reusable </a:t>
+            </a:r>
+            <a:r>
+              <a:rPr lang="en-US" sz="4000" dirty="0" smtClean="0"/>
+              <a:t>pieces</a:t>
+            </a:r>
+          </a:p>
+          <a:p>
+            <a:pPr marL="0" indent="0">
+              <a:buNone/>
+            </a:pPr>
+            <a:endParaRPr lang="en-US" sz="3200" dirty="0"/>
+          </a:p>
+          <a:p>
+            <a:pPr marL="0" indent="0">
+              <a:buNone/>
+            </a:pPr>
+            <a:endParaRPr lang="en-US" dirty="0"/>
+          </a:p>
+          <a:p>
+            <a:pPr marL="0" indent="0">
+              <a:buNone/>
+            </a:pPr>
+            <a:r>
+              <a:rPr lang="en-US" dirty="0" smtClean="0">
+                <a:solidFill>
+                  <a:srgbClr val="FF0000"/>
+                </a:solidFill>
+              </a:rPr>
+              <a:t>TODO: Another example of a scenario object</a:t>
+            </a:r>
+          </a:p>
+          <a:p>
+            <a:pPr lvl="1"/>
+            <a:endParaRPr lang="en-US" dirty="0"/>
+          </a:p>
+        </p:txBody>
+      </p:sp>
+    </p:spTree>
+    <p:extLst>
+      <p:ext uri="{BB962C8B-B14F-4D97-AF65-F5344CB8AC3E}">
+        <p14:creationId xmlns:p14="http://schemas.microsoft.com/office/powerpoint/2010/main" val="2634807390"/>
+      </p:ext>
+    </p:extLst>
+  </p:cSld>
+  <p:clrMapOvr>
+    <a:masterClrMapping/>
+  </p:clrMapOvr>
+  <p:timing>
+    <p:tnLst>
+      <p:par>
+        <p:cTn id="1" dur="indefinite" restart="never" nodeType="tmRoot"/>
+      </p:par>
+    </p:tnLst>
+  </p:timing>
+</p:sld>
+</file>
+
+<file path=ppt/slides/slide63.xml><?xml version="1.0" encoding="utf-8"?>
+<p:sld xmlns:a="http://schemas.openxmlformats.org/drawingml/2006/main" xmlns:r="http://schemas.openxmlformats.org/officeDocument/2006/relationships" xmlns:p="http://schemas.openxmlformats.org/presentationml/2006/main">
+  <p:cSld>
+    <p:spTree>
+      <p:nvGrpSpPr>
+        <p:cNvPr id="1" name=""/>
+        <p:cNvGrpSpPr/>
+        <p:nvPr/>
+      </p:nvGrpSpPr>
+      <p:grpSpPr>
+        <a:xfrm>
+          <a:off x="0" y="0"/>
+          <a:ext cx="0" cy="0"/>
+          <a:chOff x="0" y="0"/>
+          <a:chExt cx="0" cy="0"/>
+        </a:xfrm>
+      </p:grpSpPr>
+      <p:sp>
+        <p:nvSpPr>
+          <p:cNvPr id="2" name="Title 1"/>
+          <p:cNvSpPr>
+            <a:spLocks noGrp="1"/>
+          </p:cNvSpPr>
+          <p:nvPr>
+            <p:ph type="title"/>
+          </p:nvPr>
+        </p:nvSpPr>
+        <p:spPr>
+          <a:xfrm>
+            <a:off x="838199" y="365125"/>
+            <a:ext cx="10857271" cy="1325563"/>
+          </a:xfrm>
+        </p:spPr>
+        <p:txBody>
+          <a:bodyPr>
+            <a:noAutofit/>
+          </a:bodyPr>
+          <a:lstStyle/>
+          <a:p>
+            <a:r>
+              <a:rPr lang="en-US" sz="4800" dirty="0" smtClean="0"/>
+              <a:t>Key #3: Use Scenarios to reuse setup logic</a:t>
+            </a:r>
+            <a:endParaRPr lang="en-US" sz="4800" dirty="0"/>
+          </a:p>
+        </p:txBody>
+      </p:sp>
+      <p:sp>
+        <p:nvSpPr>
+          <p:cNvPr id="3" name="Content Placeholder 2"/>
+          <p:cNvSpPr>
+            <a:spLocks noGrp="1"/>
+          </p:cNvSpPr>
+          <p:nvPr>
+            <p:ph idx="1"/>
+          </p:nvPr>
+        </p:nvSpPr>
+        <p:spPr>
+          <a:xfrm>
+            <a:off x="838199" y="1825625"/>
+            <a:ext cx="10621297" cy="4351338"/>
+          </a:xfrm>
+        </p:spPr>
+        <p:txBody>
+          <a:bodyPr>
+            <a:normAutofit/>
+          </a:bodyPr>
+          <a:lstStyle/>
+          <a:p>
+            <a:pPr marL="0" indent="0">
+              <a:buNone/>
+            </a:pPr>
+            <a:r>
+              <a:rPr lang="en-US" sz="4000" dirty="0" smtClean="0"/>
+              <a:t>Drawbacks and warnings</a:t>
+            </a:r>
+            <a:br>
+              <a:rPr lang="en-US" sz="4000" dirty="0" smtClean="0"/>
+            </a:br>
+            <a:endParaRPr lang="en-US" sz="4000" dirty="0" smtClean="0"/>
+          </a:p>
+          <a:p>
+            <a:r>
+              <a:rPr lang="en-US" sz="3600" dirty="0" smtClean="0"/>
+              <a:t>Need balance between specialization &amp; customization</a:t>
+            </a:r>
+            <a:br>
+              <a:rPr lang="en-US" sz="3600" dirty="0" smtClean="0"/>
+            </a:br>
+            <a:endParaRPr lang="en-US" sz="3600" dirty="0" smtClean="0"/>
+          </a:p>
+          <a:p>
+            <a:r>
+              <a:rPr lang="en-US" sz="3600" dirty="0" smtClean="0"/>
+              <a:t>May indicate need for Façade pattern in core app</a:t>
+            </a:r>
+          </a:p>
+          <a:p>
+            <a:pPr marL="0" indent="0">
+              <a:buNone/>
+            </a:pPr>
+            <a:endParaRPr lang="en-US" dirty="0"/>
+          </a:p>
+          <a:p>
+            <a:pPr lvl="1"/>
+            <a:endParaRPr lang="en-US" dirty="0"/>
+          </a:p>
+        </p:txBody>
+      </p:sp>
+    </p:spTree>
+    <p:extLst>
+      <p:ext uri="{BB962C8B-B14F-4D97-AF65-F5344CB8AC3E}">
+        <p14:creationId xmlns:p14="http://schemas.microsoft.com/office/powerpoint/2010/main" val="726345518"/>
+      </p:ext>
+    </p:extLst>
+  </p:cSld>
+  <p:clrMapOvr>
+    <a:masterClrMapping/>
+  </p:clrMapOvr>
+  <p:timing>
+    <p:tnLst>
+      <p:par>
+        <p:cTn id="1" dur="indefinite" restart="never" nodeType="tmRoot"/>
+      </p:par>
+    </p:tnLst>
+  </p:timing>
+</p:sld>
+</file>
+
+<file path=ppt/slides/slide64.xml><?xml version="1.0" encoding="utf-8"?>
+<p:sld xmlns:a="http://schemas.openxmlformats.org/drawingml/2006/main" xmlns:r="http://schemas.openxmlformats.org/officeDocument/2006/relationships" xmlns:p="http://schemas.openxmlformats.org/presentationml/2006/main">
+  <p:cSld>
+    <p:spTree>
+      <p:nvGrpSpPr>
+        <p:cNvPr id="1" name=""/>
+        <p:cNvGrpSpPr/>
+        <p:nvPr/>
+      </p:nvGrpSpPr>
+      <p:grpSpPr>
+        <a:xfrm>
+          <a:off x="0" y="0"/>
+          <a:ext cx="0" cy="0"/>
+          <a:chOff x="0" y="0"/>
+          <a:chExt cx="0" cy="0"/>
+        </a:xfrm>
+      </p:grpSpPr>
+      <p:sp>
+        <p:nvSpPr>
+          <p:cNvPr id="2" name="Title 1"/>
+          <p:cNvSpPr>
+            <a:spLocks noGrp="1"/>
+          </p:cNvSpPr>
+          <p:nvPr>
+            <p:ph type="title"/>
+          </p:nvPr>
+        </p:nvSpPr>
+        <p:spPr>
+          <a:xfrm>
             <a:off x="486697" y="2217960"/>
             <a:ext cx="11371007" cy="2088569"/>
           </a:xfrm>
@@ -22200,7 +23165,7 @@
 </p:sld>
 </file>
 
-<file path=ppt/slides/slide63.xml><?xml version="1.0" encoding="utf-8"?>
+<file path=ppt/slides/slide65.xml><?xml version="1.0" encoding="utf-8"?>
 <p:sld xmlns:a="http://schemas.openxmlformats.org/drawingml/2006/main" xmlns:r="http://schemas.openxmlformats.org/officeDocument/2006/relationships" xmlns:p="http://schemas.openxmlformats.org/presentationml/2006/main">
   <p:cSld>
     <p:spTree>
@@ -22343,7 +23308,7 @@
 </p:sld>
 </file>
 
-<file path=ppt/slides/slide64.xml><?xml version="1.0" encoding="utf-8"?>
+<file path=ppt/slides/slide66.xml><?xml version="1.0" encoding="utf-8"?>
 <p:sld xmlns:a="http://schemas.openxmlformats.org/drawingml/2006/main" xmlns:r="http://schemas.openxmlformats.org/officeDocument/2006/relationships" xmlns:p="http://schemas.openxmlformats.org/presentationml/2006/main">
   <p:cSld>
     <p:spTree>
@@ -22486,7 +23451,7 @@
 </p:sld>
 </file>
 
-<file path=ppt/slides/slide65.xml><?xml version="1.0" encoding="utf-8"?>
+<file path=ppt/slides/slide67.xml><?xml version="1.0" encoding="utf-8"?>
 <p:sld xmlns:a="http://schemas.openxmlformats.org/drawingml/2006/main" xmlns:r="http://schemas.openxmlformats.org/officeDocument/2006/relationships" xmlns:p="http://schemas.openxmlformats.org/presentationml/2006/main">
   <p:cSld>
     <p:spTree>
@@ -22629,282 +23594,6 @@
 </p:sld>
 </file>
 
-<file path=ppt/slides/slide66.xml><?xml version="1.0" encoding="utf-8"?>
-<p:sld xmlns:a="http://schemas.openxmlformats.org/drawingml/2006/main" xmlns:r="http://schemas.openxmlformats.org/officeDocument/2006/relationships" xmlns:p="http://schemas.openxmlformats.org/presentationml/2006/main">
-  <p:cSld>
-    <p:spTree>
-      <p:nvGrpSpPr>
-        <p:cNvPr id="1" name=""/>
-        <p:cNvGrpSpPr/>
-        <p:nvPr/>
-      </p:nvGrpSpPr>
-      <p:grpSpPr>
-        <a:xfrm>
-          <a:off x="0" y="0"/>
-          <a:ext cx="0" cy="0"/>
-          <a:chOff x="0" y="0"/>
-          <a:chExt cx="0" cy="0"/>
-        </a:xfrm>
-      </p:grpSpPr>
-      <p:sp>
-        <p:nvSpPr>
-          <p:cNvPr id="2" name="Title 1"/>
-          <p:cNvSpPr>
-            <a:spLocks noGrp="1"/>
-          </p:cNvSpPr>
-          <p:nvPr>
-            <p:ph type="title"/>
-          </p:nvPr>
-        </p:nvSpPr>
-        <p:spPr>
-          <a:xfrm>
-            <a:off x="838199" y="365125"/>
-            <a:ext cx="10857271" cy="1325563"/>
-          </a:xfrm>
-        </p:spPr>
-        <p:txBody>
-          <a:bodyPr>
-            <a:noAutofit/>
-          </a:bodyPr>
-          <a:lstStyle/>
-          <a:p>
-            <a:r>
-              <a:rPr lang="en-US" sz="4800" dirty="0"/>
-              <a:t>Key </a:t>
-            </a:r>
-            <a:r>
-              <a:rPr lang="en-US" sz="4800" dirty="0" smtClean="0"/>
-              <a:t>#4: Tell a story</a:t>
-            </a:r>
-            <a:endParaRPr lang="en-US" sz="4800" dirty="0"/>
-          </a:p>
-        </p:txBody>
-      </p:sp>
-      <p:sp>
-        <p:nvSpPr>
-          <p:cNvPr id="3" name="Content Placeholder 2"/>
-          <p:cNvSpPr>
-            <a:spLocks noGrp="1"/>
-          </p:cNvSpPr>
-          <p:nvPr>
-            <p:ph idx="1"/>
-          </p:nvPr>
-        </p:nvSpPr>
-        <p:spPr>
-          <a:xfrm>
-            <a:off x="838199" y="1825625"/>
-            <a:ext cx="10621297" cy="4351338"/>
-          </a:xfrm>
-        </p:spPr>
-        <p:txBody>
-          <a:bodyPr>
-            <a:normAutofit/>
-          </a:bodyPr>
-          <a:lstStyle/>
-          <a:p>
-            <a:pPr marL="0" indent="0">
-              <a:buNone/>
-            </a:pPr>
-            <a:r>
-              <a:rPr lang="en-US" sz="4000" dirty="0" smtClean="0"/>
-              <a:t>Use names to convey meaning</a:t>
-            </a:r>
-          </a:p>
-          <a:p>
-            <a:pPr marL="0" indent="0">
-              <a:buNone/>
-            </a:pPr>
-            <a:endParaRPr lang="en-US" sz="3600" dirty="0"/>
-          </a:p>
-          <a:p>
-            <a:pPr marL="0" indent="0">
-              <a:buNone/>
-            </a:pPr>
-            <a:r>
-              <a:rPr lang="en-US" sz="3600" dirty="0" smtClean="0">
-                <a:solidFill>
-                  <a:srgbClr val="FF0000"/>
-                </a:solidFill>
-              </a:rPr>
-              <a:t>TODO: the reviews added in reverse thing, with inline dates</a:t>
-            </a:r>
-          </a:p>
-          <a:p>
-            <a:pPr marL="0" indent="0">
-              <a:buNone/>
-            </a:pPr>
-            <a:endParaRPr lang="en-US" sz="3600" dirty="0" smtClean="0"/>
-          </a:p>
-          <a:p>
-            <a:pPr marL="0" indent="0">
-              <a:buNone/>
-            </a:pPr>
-            <a:endParaRPr lang="en-US" dirty="0"/>
-          </a:p>
-          <a:p>
-            <a:pPr lvl="1"/>
-            <a:endParaRPr lang="en-US" dirty="0"/>
-          </a:p>
-        </p:txBody>
-      </p:sp>
-    </p:spTree>
-    <p:extLst>
-      <p:ext uri="{BB962C8B-B14F-4D97-AF65-F5344CB8AC3E}">
-        <p14:creationId xmlns:p14="http://schemas.microsoft.com/office/powerpoint/2010/main" val="877839493"/>
-      </p:ext>
-    </p:extLst>
-  </p:cSld>
-  <p:clrMapOvr>
-    <a:masterClrMapping/>
-  </p:clrMapOvr>
-  <p:timing>
-    <p:tnLst>
-      <p:par>
-        <p:cTn id="1" dur="indefinite" restart="never" nodeType="tmRoot"/>
-      </p:par>
-    </p:tnLst>
-  </p:timing>
-</p:sld>
-</file>
-
-<file path=ppt/slides/slide67.xml><?xml version="1.0" encoding="utf-8"?>
-<p:sld xmlns:a="http://schemas.openxmlformats.org/drawingml/2006/main" xmlns:r="http://schemas.openxmlformats.org/officeDocument/2006/relationships" xmlns:p="http://schemas.openxmlformats.org/presentationml/2006/main">
-  <p:cSld>
-    <p:spTree>
-      <p:nvGrpSpPr>
-        <p:cNvPr id="1" name=""/>
-        <p:cNvGrpSpPr/>
-        <p:nvPr/>
-      </p:nvGrpSpPr>
-      <p:grpSpPr>
-        <a:xfrm>
-          <a:off x="0" y="0"/>
-          <a:ext cx="0" cy="0"/>
-          <a:chOff x="0" y="0"/>
-          <a:chExt cx="0" cy="0"/>
-        </a:xfrm>
-      </p:grpSpPr>
-      <p:sp>
-        <p:nvSpPr>
-          <p:cNvPr id="2" name="Title 1"/>
-          <p:cNvSpPr>
-            <a:spLocks noGrp="1"/>
-          </p:cNvSpPr>
-          <p:nvPr>
-            <p:ph type="title"/>
-          </p:nvPr>
-        </p:nvSpPr>
-        <p:spPr>
-          <a:xfrm>
-            <a:off x="838199" y="365125"/>
-            <a:ext cx="10857271" cy="1325563"/>
-          </a:xfrm>
-        </p:spPr>
-        <p:txBody>
-          <a:bodyPr>
-            <a:noAutofit/>
-          </a:bodyPr>
-          <a:lstStyle/>
-          <a:p>
-            <a:r>
-              <a:rPr lang="en-US" sz="4800" dirty="0"/>
-              <a:t>Key </a:t>
-            </a:r>
-            <a:r>
-              <a:rPr lang="en-US" sz="4800" dirty="0" smtClean="0"/>
-              <a:t>#4: Tell a story</a:t>
-            </a:r>
-            <a:endParaRPr lang="en-US" sz="4800" dirty="0"/>
-          </a:p>
-        </p:txBody>
-      </p:sp>
-      <p:sp>
-        <p:nvSpPr>
-          <p:cNvPr id="3" name="Content Placeholder 2"/>
-          <p:cNvSpPr>
-            <a:spLocks noGrp="1"/>
-          </p:cNvSpPr>
-          <p:nvPr>
-            <p:ph idx="1"/>
-          </p:nvPr>
-        </p:nvSpPr>
-        <p:spPr>
-          <a:xfrm>
-            <a:off x="838199" y="1825625"/>
-            <a:ext cx="10621297" cy="4351338"/>
-          </a:xfrm>
-        </p:spPr>
-        <p:txBody>
-          <a:bodyPr>
-            <a:normAutofit/>
-          </a:bodyPr>
-          <a:lstStyle/>
-          <a:p>
-            <a:pPr marL="0" indent="0">
-              <a:buNone/>
-            </a:pPr>
-            <a:r>
-              <a:rPr lang="en-US" sz="4000" dirty="0" smtClean="0"/>
-              <a:t>Use names to convey meaning</a:t>
-            </a:r>
-          </a:p>
-          <a:p>
-            <a:pPr marL="0" indent="0">
-              <a:buNone/>
-            </a:pPr>
-            <a:endParaRPr lang="en-US" sz="3600" dirty="0"/>
-          </a:p>
-          <a:p>
-            <a:pPr marL="0" indent="0">
-              <a:buNone/>
-            </a:pPr>
-            <a:r>
-              <a:rPr lang="en-US" sz="3600" dirty="0" smtClean="0">
-                <a:solidFill>
-                  <a:srgbClr val="FF0000"/>
-                </a:solidFill>
-              </a:rPr>
-              <a:t>TODO: the reviews added in reverse thing, using named constants</a:t>
-            </a:r>
-          </a:p>
-          <a:p>
-            <a:pPr marL="0" indent="0">
-              <a:buNone/>
-            </a:pPr>
-            <a:endParaRPr lang="en-US" sz="3600" dirty="0" smtClean="0"/>
-          </a:p>
-          <a:p>
-            <a:pPr marL="0" indent="0">
-              <a:buNone/>
-            </a:pPr>
-            <a:endParaRPr lang="en-US" dirty="0"/>
-          </a:p>
-          <a:p>
-            <a:pPr lvl="1"/>
-            <a:endParaRPr lang="en-US" dirty="0"/>
-          </a:p>
-        </p:txBody>
-      </p:sp>
-    </p:spTree>
-    <p:extLst>
-      <p:ext uri="{BB962C8B-B14F-4D97-AF65-F5344CB8AC3E}">
-        <p14:creationId xmlns:p14="http://schemas.microsoft.com/office/powerpoint/2010/main" val="578085711"/>
-      </p:ext>
-    </p:extLst>
-  </p:cSld>
-  <p:clrMapOvr>
-    <a:masterClrMapping/>
-  </p:clrMapOvr>
-  <p:timing>
-    <p:tnLst>
-      <p:par>
-        <p:cTn id="1" dur="indefinite" restart="never" nodeType="tmRoot"/>
-      </p:par>
-    </p:tnLst>
-  </p:timing>
-</p:sld>
-</file>
-
 <file path=ppt/slides/slide68.xml><?xml version="1.0" encoding="utf-8"?>
 <p:sld xmlns:a="http://schemas.openxmlformats.org/drawingml/2006/main" xmlns:r="http://schemas.openxmlformats.org/officeDocument/2006/relationships" xmlns:p="http://schemas.openxmlformats.org/presentationml/2006/main">
   <p:cSld>
@@ -22983,7 +23672,7 @@
             </a:pPr>
             <a:r>
               <a:rPr lang="en-US" sz="4000" dirty="0" smtClean="0"/>
-              <a:t>Cultivate a clean, concise API</a:t>
+              <a:t>Use names to convey meaning</a:t>
             </a:r>
           </a:p>
           <a:p>
@@ -23002,8 +23691,14 @@
                   <a:srgbClr val="FF0000"/>
                 </a:solidFill>
               </a:rPr>
-              <a:t>TODO: Show the split payment example without a helper</a:t>
-            </a:r>
+              <a:t>TODO: the reviews added in reverse thing, with inline dates</a:t>
+            </a:r>
+          </a:p>
+          <a:p>
+            <a:pPr marL="0" indent="0">
+              <a:buNone/>
+            </a:pPr>
+            <a:endParaRPr lang="en-US" sz="3600" dirty="0" smtClean="0"/>
           </a:p>
           <a:p>
             <a:pPr marL="0" indent="0">
@@ -23020,7 +23715,7 @@
     </p:spTree>
     <p:extLst>
       <p:ext uri="{BB962C8B-B14F-4D97-AF65-F5344CB8AC3E}">
-        <p14:creationId xmlns:p14="http://schemas.microsoft.com/office/powerpoint/2010/main" val="3605805665"/>
+        <p14:creationId xmlns:p14="http://schemas.microsoft.com/office/powerpoint/2010/main" val="877839493"/>
       </p:ext>
     </p:extLst>
   </p:cSld>
@@ -23114,8 +23809,8 @@
               <a:buNone/>
             </a:pPr>
             <a:r>
-              <a:rPr lang="en-US" sz="4000" dirty="0"/>
-              <a:t>Cultivate a clean, concise API</a:t>
+              <a:rPr lang="en-US" sz="4000" dirty="0" smtClean="0"/>
+              <a:t>Use names to convey meaning</a:t>
             </a:r>
           </a:p>
           <a:p>
@@ -23128,6 +23823,19 @@
             <a:pPr marL="0" indent="0">
               <a:buNone/>
             </a:pPr>
+            <a:r>
+              <a:rPr lang="en-US" sz="3600" dirty="0" smtClean="0">
+                <a:solidFill>
+                  <a:srgbClr val="FF0000"/>
+                </a:solidFill>
+              </a:rPr>
+              <a:t>TODO: the reviews added in reverse thing, using named constants</a:t>
+            </a:r>
+          </a:p>
+          <a:p>
+            <a:pPr marL="0" indent="0">
+              <a:buNone/>
+            </a:pPr>
             <a:endParaRPr lang="en-US" sz="3600" dirty="0" smtClean="0"/>
           </a:p>
           <a:p>
@@ -23142,34 +23850,10 @@
           </a:p>
         </p:txBody>
       </p:sp>
-      <p:pic>
-        <p:nvPicPr>
-          <p:cNvPr id="4" name="Picture 3"/>
-          <p:cNvPicPr>
-            <a:picLocks noChangeAspect="1"/>
-          </p:cNvPicPr>
-          <p:nvPr/>
-        </p:nvPicPr>
-        <p:blipFill>
-          <a:blip r:embed="rId3"/>
-          <a:stretch>
-            <a:fillRect/>
-          </a:stretch>
-        </p:blipFill>
-        <p:spPr>
-          <a:xfrm>
-            <a:off x="838199" y="3414200"/>
-            <a:ext cx="11226284" cy="2131193"/>
-          </a:xfrm>
-          <a:prstGeom prst="rect">
-            <a:avLst/>
-          </a:prstGeom>
-        </p:spPr>
-      </p:pic>
     </p:spTree>
     <p:extLst>
       <p:ext uri="{BB962C8B-B14F-4D97-AF65-F5344CB8AC3E}">
-        <p14:creationId xmlns:p14="http://schemas.microsoft.com/office/powerpoint/2010/main" val="1408318179"/>
+        <p14:creationId xmlns:p14="http://schemas.microsoft.com/office/powerpoint/2010/main" val="578085711"/>
       </p:ext>
     </p:extLst>
   </p:cSld>
@@ -23248,7 +23932,7 @@
 </file>
 
 <file path=ppt/slides/slide70.xml><?xml version="1.0" encoding="utf-8"?>
-<p:sld xmlns:a="http://schemas.openxmlformats.org/drawingml/2006/main" xmlns:r="http://schemas.openxmlformats.org/officeDocument/2006/relationships" xmlns:p="http://schemas.openxmlformats.org/presentationml/2006/main" show="0">
+<p:sld xmlns:a="http://schemas.openxmlformats.org/drawingml/2006/main" xmlns:r="http://schemas.openxmlformats.org/officeDocument/2006/relationships" xmlns:p="http://schemas.openxmlformats.org/presentationml/2006/main">
   <p:cSld>
     <p:spTree>
       <p:nvGrpSpPr>
@@ -23325,20 +24009,27 @@
             </a:pPr>
             <a:r>
               <a:rPr lang="en-US" sz="4000" dirty="0" smtClean="0"/>
-              <a:t>Consistent "dummy" values</a:t>
+              <a:t>Cultivate a clean, concise API</a:t>
             </a:r>
           </a:p>
           <a:p>
             <a:pPr marL="0" indent="0">
               <a:buNone/>
             </a:pPr>
-            <a:endParaRPr lang="en-US" sz="3600" dirty="0" smtClean="0"/>
+            <a:endParaRPr lang="en-US" sz="3600" dirty="0"/>
           </a:p>
           <a:p>
             <a:pPr marL="0" indent="0">
               <a:buNone/>
             </a:pPr>
-            <a:endParaRPr lang="en-US" sz="3600" dirty="0" smtClean="0"/>
+            <a:r>
+              <a:rPr lang="en-US" sz="3600" dirty="0" smtClean="0">
+                <a:solidFill>
+                  <a:srgbClr val="FF0000"/>
+                </a:solidFill>
+              </a:rPr>
+              <a:t>TODO: Show the split payment example without a helper</a:t>
+            </a:r>
           </a:p>
           <a:p>
             <a:pPr marL="0" indent="0">
@@ -23352,48 +24043,16 @@
           </a:p>
         </p:txBody>
       </p:sp>
-      <p:pic>
-        <p:nvPicPr>
-          <p:cNvPr id="6" name="Picture 5"/>
-          <p:cNvPicPr>
-            <a:picLocks noChangeAspect="1"/>
-          </p:cNvPicPr>
-          <p:nvPr/>
-        </p:nvPicPr>
-        <p:blipFill>
-          <a:blip r:embed="rId3"/>
-          <a:stretch>
-            <a:fillRect/>
-          </a:stretch>
-        </p:blipFill>
-        <p:spPr>
-          <a:xfrm>
-            <a:off x="838199" y="3027900"/>
-            <a:ext cx="11115675" cy="2771775"/>
-          </a:xfrm>
-          <a:prstGeom prst="rect">
-            <a:avLst/>
-          </a:prstGeom>
-        </p:spPr>
-      </p:pic>
     </p:spTree>
     <p:extLst>
       <p:ext uri="{BB962C8B-B14F-4D97-AF65-F5344CB8AC3E}">
-        <p14:creationId xmlns:p14="http://schemas.microsoft.com/office/powerpoint/2010/main" val="4156612345"/>
+        <p14:creationId xmlns:p14="http://schemas.microsoft.com/office/powerpoint/2010/main" val="3605805665"/>
       </p:ext>
     </p:extLst>
   </p:cSld>
   <p:clrMapOvr>
     <a:masterClrMapping/>
   </p:clrMapOvr>
-  <mc:AlternateContent xmlns:mc="http://schemas.openxmlformats.org/markup-compatibility/2006" xmlns:p14="http://schemas.microsoft.com/office/powerpoint/2010/main">
-    <mc:Choice Requires="p14">
-      <p:transition spd="slow" p14:dur="2000"/>
-    </mc:Choice>
-    <mc:Fallback xmlns="">
-      <p:transition spd="slow"/>
-    </mc:Fallback>
-  </mc:AlternateContent>
   <p:timing>
     <p:tnLst>
       <p:par>
@@ -23433,6 +24092,155 @@
         </p:nvSpPr>
         <p:spPr>
           <a:xfrm>
+            <a:off x="838199" y="365125"/>
+            <a:ext cx="10857271" cy="1325563"/>
+          </a:xfrm>
+        </p:spPr>
+        <p:txBody>
+          <a:bodyPr>
+            <a:noAutofit/>
+          </a:bodyPr>
+          <a:lstStyle/>
+          <a:p>
+            <a:r>
+              <a:rPr lang="en-US" sz="4800" dirty="0"/>
+              <a:t>Key </a:t>
+            </a:r>
+            <a:r>
+              <a:rPr lang="en-US" sz="4800" dirty="0" smtClean="0"/>
+              <a:t>#4: Tell a story</a:t>
+            </a:r>
+            <a:endParaRPr lang="en-US" sz="4800" dirty="0"/>
+          </a:p>
+        </p:txBody>
+      </p:sp>
+      <p:sp>
+        <p:nvSpPr>
+          <p:cNvPr id="3" name="Content Placeholder 2"/>
+          <p:cNvSpPr>
+            <a:spLocks noGrp="1"/>
+          </p:cNvSpPr>
+          <p:nvPr>
+            <p:ph idx="1"/>
+          </p:nvPr>
+        </p:nvSpPr>
+        <p:spPr>
+          <a:xfrm>
+            <a:off x="838199" y="1825625"/>
+            <a:ext cx="10621297" cy="4351338"/>
+          </a:xfrm>
+        </p:spPr>
+        <p:txBody>
+          <a:bodyPr>
+            <a:normAutofit/>
+          </a:bodyPr>
+          <a:lstStyle/>
+          <a:p>
+            <a:pPr marL="0" indent="0">
+              <a:buNone/>
+            </a:pPr>
+            <a:r>
+              <a:rPr lang="en-US" sz="4000" dirty="0"/>
+              <a:t>Cultivate a clean, concise API</a:t>
+            </a:r>
+          </a:p>
+          <a:p>
+            <a:pPr marL="0" indent="0">
+              <a:buNone/>
+            </a:pPr>
+            <a:endParaRPr lang="en-US" sz="3600" dirty="0"/>
+          </a:p>
+          <a:p>
+            <a:pPr marL="0" indent="0">
+              <a:buNone/>
+            </a:pPr>
+            <a:endParaRPr lang="en-US" sz="3600" dirty="0" smtClean="0"/>
+          </a:p>
+          <a:p>
+            <a:pPr marL="0" indent="0">
+              <a:buNone/>
+            </a:pPr>
+            <a:endParaRPr lang="en-US" dirty="0"/>
+          </a:p>
+          <a:p>
+            <a:pPr lvl="1"/>
+            <a:endParaRPr lang="en-US" dirty="0"/>
+          </a:p>
+        </p:txBody>
+      </p:sp>
+      <p:pic>
+        <p:nvPicPr>
+          <p:cNvPr id="4" name="Picture 3"/>
+          <p:cNvPicPr>
+            <a:picLocks noChangeAspect="1"/>
+          </p:cNvPicPr>
+          <p:nvPr/>
+        </p:nvPicPr>
+        <p:blipFill>
+          <a:blip r:embed="rId3"/>
+          <a:stretch>
+            <a:fillRect/>
+          </a:stretch>
+        </p:blipFill>
+        <p:spPr>
+          <a:xfrm>
+            <a:off x="838199" y="3414200"/>
+            <a:ext cx="11226284" cy="2131193"/>
+          </a:xfrm>
+          <a:prstGeom prst="rect">
+            <a:avLst/>
+          </a:prstGeom>
+        </p:spPr>
+      </p:pic>
+    </p:spTree>
+    <p:extLst>
+      <p:ext uri="{BB962C8B-B14F-4D97-AF65-F5344CB8AC3E}">
+        <p14:creationId xmlns:p14="http://schemas.microsoft.com/office/powerpoint/2010/main" val="1408318179"/>
+      </p:ext>
+    </p:extLst>
+  </p:cSld>
+  <p:clrMapOvr>
+    <a:masterClrMapping/>
+  </p:clrMapOvr>
+  <p:timing>
+    <p:tnLst>
+      <p:par>
+        <p:cTn id="1" dur="indefinite" restart="never" nodeType="tmRoot"/>
+      </p:par>
+    </p:tnLst>
+  </p:timing>
+</p:sld>
+</file>
+
+<file path=ppt/slides/slide72.xml><?xml version="1.0" encoding="utf-8"?>
+<p:sld xmlns:a="http://schemas.openxmlformats.org/drawingml/2006/main" xmlns:r="http://schemas.openxmlformats.org/officeDocument/2006/relationships" xmlns:p="http://schemas.openxmlformats.org/presentationml/2006/main">
+  <p:cSld>
+    <p:spTree>
+      <p:nvGrpSpPr>
+        <p:cNvPr id="1" name=""/>
+        <p:cNvGrpSpPr/>
+        <p:nvPr/>
+      </p:nvGrpSpPr>
+      <p:grpSpPr>
+        <a:xfrm>
+          <a:off x="0" y="0"/>
+          <a:ext cx="0" cy="0"/>
+          <a:chOff x="0" y="0"/>
+          <a:chExt cx="0" cy="0"/>
+        </a:xfrm>
+      </p:grpSpPr>
+      <p:sp>
+        <p:nvSpPr>
+          <p:cNvPr id="2" name="Title 1"/>
+          <p:cNvSpPr>
+            <a:spLocks noGrp="1"/>
+          </p:cNvSpPr>
+          <p:nvPr>
+            <p:ph type="title"/>
+          </p:nvPr>
+        </p:nvSpPr>
+        <p:spPr>
+          <a:xfrm>
             <a:off x="838200" y="365125"/>
             <a:ext cx="10886768" cy="1325563"/>
           </a:xfrm>
@@ -23461,7 +24269,12 @@
             <p:ph idx="1"/>
           </p:nvPr>
         </p:nvSpPr>
-        <p:spPr/>
+        <p:spPr>
+          <a:xfrm>
+            <a:off x="838200" y="1825625"/>
+            <a:ext cx="10886768" cy="4351338"/>
+          </a:xfrm>
+        </p:spPr>
         <p:txBody>
           <a:bodyPr>
             <a:normAutofit/>
@@ -23480,7 +24293,7 @@
           <a:p>
             <a:r>
               <a:rPr lang="en-US" sz="4000" dirty="0" smtClean="0"/>
-              <a:t>Specify </a:t>
+              <a:t>Use defaults; specify </a:t>
             </a:r>
             <a:r>
               <a:rPr lang="en-US" sz="4000" i="1" dirty="0" smtClean="0"/>
@@ -23488,7 +24301,7 @@
             </a:r>
             <a:r>
               <a:rPr lang="en-US" sz="4000" dirty="0" smtClean="0"/>
-              <a:t>what matters</a:t>
+              <a:t>what impacts outcome</a:t>
             </a:r>
             <a:br>
               <a:rPr lang="en-US" sz="4000" dirty="0" smtClean="0"/>
@@ -23498,7 +24311,11 @@
           <a:p>
             <a:r>
               <a:rPr lang="en-US" sz="4000" dirty="0" smtClean="0"/>
-              <a:t>Use scenarios for complex setup / for reuse</a:t>
+              <a:t>Scenarios </a:t>
+            </a:r>
+            <a:r>
+              <a:rPr lang="en-US" sz="4000" dirty="0" smtClean="0"/>
+              <a:t>for complex setup / for reuse</a:t>
             </a:r>
             <a:br>
               <a:rPr lang="en-US" sz="4000" dirty="0" smtClean="0"/>
@@ -23572,7 +24389,7 @@
 </p:sld>
 </file>
 
-<file path=ppt/slides/slide72.xml><?xml version="1.0" encoding="utf-8"?>
+<file path=ppt/slides/slide73.xml><?xml version="1.0" encoding="utf-8"?>
 <p:sld xmlns:a="http://schemas.openxmlformats.org/drawingml/2006/main" xmlns:r="http://schemas.openxmlformats.org/officeDocument/2006/relationships" xmlns:p="http://schemas.openxmlformats.org/presentationml/2006/main">
   <p:cSld>
     <p:spTree>
@@ -23658,7 +24475,7 @@
 </p:sld>
 </file>
 
-<file path=ppt/slides/slide73.xml><?xml version="1.0" encoding="utf-8"?>
+<file path=ppt/slides/slide74.xml><?xml version="1.0" encoding="utf-8"?>
 <p:sld xmlns:a="http://schemas.openxmlformats.org/drawingml/2006/main" xmlns:r="http://schemas.openxmlformats.org/officeDocument/2006/relationships" xmlns:p="http://schemas.openxmlformats.org/presentationml/2006/main">
   <p:cSld>
     <p:spTree>
@@ -23719,7 +24536,7 @@
 </p:sld>
 </file>
 
-<file path=ppt/slides/slide74.xml><?xml version="1.0" encoding="utf-8"?>
+<file path=ppt/slides/slide75.xml><?xml version="1.0" encoding="utf-8"?>
 <p:sld xmlns:a="http://schemas.openxmlformats.org/drawingml/2006/main" xmlns:r="http://schemas.openxmlformats.org/officeDocument/2006/relationships" xmlns:p="http://schemas.openxmlformats.org/presentationml/2006/main">
   <p:cSld>
     <p:spTree>
@@ -23780,7 +24597,7 @@
 </p:sld>
 </file>
 
-<file path=ppt/slides/slide75.xml><?xml version="1.0" encoding="utf-8"?>
+<file path=ppt/slides/slide76.xml><?xml version="1.0" encoding="utf-8"?>
 <p:sld xmlns:a="http://schemas.openxmlformats.org/drawingml/2006/main" xmlns:r="http://schemas.openxmlformats.org/officeDocument/2006/relationships" xmlns:p="http://schemas.openxmlformats.org/presentationml/2006/main">
   <p:cSld>
     <p:spTree>
@@ -23890,74 +24707,6 @@
 </p:sld>
 </file>
 
-<file path=ppt/slides/slide76.xml><?xml version="1.0" encoding="utf-8"?>
-<p:sld xmlns:a="http://schemas.openxmlformats.org/drawingml/2006/main" xmlns:r="http://schemas.openxmlformats.org/officeDocument/2006/relationships" xmlns:p="http://schemas.openxmlformats.org/presentationml/2006/main">
-  <p:cSld>
-    <p:spTree>
-      <p:nvGrpSpPr>
-        <p:cNvPr id="1" name=""/>
-        <p:cNvGrpSpPr/>
-        <p:nvPr/>
-      </p:nvGrpSpPr>
-      <p:grpSpPr>
-        <a:xfrm>
-          <a:off x="0" y="0"/>
-          <a:ext cx="0" cy="0"/>
-          <a:chOff x="0" y="0"/>
-          <a:chExt cx="0" cy="0"/>
-        </a:xfrm>
-      </p:grpSpPr>
-      <p:sp>
-        <p:nvSpPr>
-          <p:cNvPr id="2" name="Title 1"/>
-          <p:cNvSpPr>
-            <a:spLocks noGrp="1"/>
-          </p:cNvSpPr>
-          <p:nvPr>
-            <p:ph type="title"/>
-          </p:nvPr>
-        </p:nvSpPr>
-        <p:spPr>
-          <a:xfrm>
-            <a:off x="905934" y="2380192"/>
-            <a:ext cx="10515600" cy="1325563"/>
-          </a:xfrm>
-        </p:spPr>
-        <p:txBody>
-          <a:bodyPr>
-            <a:normAutofit/>
-          </a:bodyPr>
-          <a:lstStyle/>
-          <a:p>
-            <a:pPr algn="ctr"/>
-            <a:r>
-              <a:rPr lang="en-US" sz="4800" dirty="0" smtClean="0"/>
-              <a:t>What about integration tests?</a:t>
-            </a:r>
-            <a:endParaRPr lang="en-US" sz="4800" dirty="0"/>
-          </a:p>
-        </p:txBody>
-      </p:sp>
-    </p:spTree>
-    <p:extLst>
-      <p:ext uri="{BB962C8B-B14F-4D97-AF65-F5344CB8AC3E}">
-        <p14:creationId xmlns:p14="http://schemas.microsoft.com/office/powerpoint/2010/main" val="414745154"/>
-      </p:ext>
-    </p:extLst>
-  </p:cSld>
-  <p:clrMapOvr>
-    <a:masterClrMapping/>
-  </p:clrMapOvr>
-  <p:timing>
-    <p:tnLst>
-      <p:par>
-        <p:cTn id="1" dur="indefinite" restart="never" nodeType="tmRoot"/>
-      </p:par>
-    </p:tnLst>
-  </p:timing>
-</p:sld>
-</file>
-
 <file path=ppt/slides/slide77.xml><?xml version="1.0" encoding="utf-8"?>
 <p:sld xmlns:a="http://schemas.openxmlformats.org/drawingml/2006/main" xmlns:r="http://schemas.openxmlformats.org/officeDocument/2006/relationships" xmlns:p="http://schemas.openxmlformats.org/presentationml/2006/main">
   <p:cSld>
@@ -23987,108 +24736,29 @@
         </p:nvSpPr>
         <p:spPr>
           <a:xfrm>
-            <a:off x="838199" y="365125"/>
-            <a:ext cx="10857271" cy="1325563"/>
+            <a:off x="905934" y="2380192"/>
+            <a:ext cx="10515600" cy="1325563"/>
           </a:xfrm>
         </p:spPr>
         <p:txBody>
           <a:bodyPr>
-            <a:noAutofit/>
+            <a:normAutofit/>
           </a:bodyPr>
           <a:lstStyle/>
           <a:p>
+            <a:pPr algn="ctr"/>
             <a:r>
               <a:rPr lang="en-US" sz="4800" dirty="0" smtClean="0"/>
-              <a:t>Integration Tests</a:t>
+              <a:t>What about integration tests?</a:t>
             </a:r>
             <a:endParaRPr lang="en-US" sz="4800" dirty="0"/>
-          </a:p>
-        </p:txBody>
-      </p:sp>
-      <p:sp>
-        <p:nvSpPr>
-          <p:cNvPr id="3" name="Content Placeholder 2"/>
-          <p:cNvSpPr>
-            <a:spLocks noGrp="1"/>
-          </p:cNvSpPr>
-          <p:nvPr>
-            <p:ph idx="1"/>
-          </p:nvPr>
-        </p:nvSpPr>
-        <p:spPr>
-          <a:xfrm>
-            <a:off x="838199" y="1825625"/>
-            <a:ext cx="10621297" cy="4351338"/>
-          </a:xfrm>
-        </p:spPr>
-        <p:txBody>
-          <a:bodyPr>
-            <a:normAutofit lnSpcReduction="10000"/>
-          </a:bodyPr>
-          <a:lstStyle/>
-          <a:p>
-            <a:r>
-              <a:rPr lang="en-US" sz="4000" dirty="0" smtClean="0"/>
-              <a:t>Foreign keys</a:t>
-            </a:r>
-            <a:br>
-              <a:rPr lang="en-US" sz="4000" dirty="0" smtClean="0"/>
-            </a:br>
-            <a:endParaRPr lang="en-US" sz="4000" dirty="0" smtClean="0"/>
-          </a:p>
-          <a:p>
-            <a:r>
-              <a:rPr lang="en-US" sz="4000" dirty="0" smtClean="0"/>
-              <a:t>Database assigned ID values</a:t>
-            </a:r>
-            <a:br>
-              <a:rPr lang="en-US" sz="4000" dirty="0" smtClean="0"/>
-            </a:br>
-            <a:endParaRPr lang="en-US" sz="4000" dirty="0" smtClean="0"/>
-          </a:p>
-          <a:p>
-            <a:r>
-              <a:rPr lang="en-US" sz="4000" dirty="0" smtClean="0"/>
-              <a:t>Column constraints</a:t>
-            </a:r>
-          </a:p>
-          <a:p>
-            <a:endParaRPr lang="en-US" sz="4000" dirty="0" smtClean="0"/>
-          </a:p>
-          <a:p>
-            <a:r>
-              <a:rPr lang="en-US" sz="4000" dirty="0" smtClean="0"/>
-              <a:t>Junk data left behind by tests</a:t>
-            </a:r>
-          </a:p>
-          <a:p>
-            <a:pPr marL="0" indent="0">
-              <a:buNone/>
-            </a:pPr>
-            <a:endParaRPr lang="en-US" sz="3600" dirty="0" smtClean="0"/>
-          </a:p>
-          <a:p>
-            <a:pPr marL="0" indent="0">
-              <a:buNone/>
-            </a:pPr>
-            <a:endParaRPr lang="en-US" sz="3600" dirty="0" smtClean="0"/>
-          </a:p>
-          <a:p>
-            <a:pPr marL="0" indent="0">
-              <a:buNone/>
-            </a:pPr>
-            <a:endParaRPr lang="en-US" dirty="0"/>
-          </a:p>
-          <a:p>
-            <a:pPr lvl="1"/>
-            <a:endParaRPr lang="en-US" dirty="0"/>
           </a:p>
         </p:txBody>
       </p:sp>
     </p:spTree>
     <p:extLst>
       <p:ext uri="{BB962C8B-B14F-4D97-AF65-F5344CB8AC3E}">
-        <p14:creationId xmlns:p14="http://schemas.microsoft.com/office/powerpoint/2010/main" val="3501759557"/>
+        <p14:creationId xmlns:p14="http://schemas.microsoft.com/office/powerpoint/2010/main" val="414745154"/>
       </p:ext>
     </p:extLst>
   </p:cSld>
@@ -24132,7 +24802,42 @@
             <p:ph type="title"/>
           </p:nvPr>
         </p:nvSpPr>
-        <p:spPr/>
+        <p:spPr>
+          <a:xfrm>
+            <a:off x="838199" y="365125"/>
+            <a:ext cx="10857271" cy="1325563"/>
+          </a:xfrm>
+        </p:spPr>
+        <p:txBody>
+          <a:bodyPr>
+            <a:noAutofit/>
+          </a:bodyPr>
+          <a:lstStyle/>
+          <a:p>
+            <a:r>
+              <a:rPr lang="en-US" sz="4800" dirty="0" smtClean="0"/>
+              <a:t>Integration Tests</a:t>
+            </a:r>
+            <a:endParaRPr lang="en-US" sz="4800" dirty="0"/>
+          </a:p>
+        </p:txBody>
+      </p:sp>
+      <p:sp>
+        <p:nvSpPr>
+          <p:cNvPr id="3" name="Content Placeholder 2"/>
+          <p:cNvSpPr>
+            <a:spLocks noGrp="1"/>
+          </p:cNvSpPr>
+          <p:nvPr>
+            <p:ph idx="1"/>
+          </p:nvPr>
+        </p:nvSpPr>
+        <p:spPr>
+          <a:xfrm>
+            <a:off x="838199" y="1825625"/>
+            <a:ext cx="10621297" cy="4351338"/>
+          </a:xfrm>
+        </p:spPr>
         <p:txBody>
           <a:bodyPr>
             <a:normAutofit/>
@@ -24140,90 +24845,49 @@
           <a:lstStyle/>
           <a:p>
             <a:r>
-              <a:rPr lang="en-US" sz="4800" dirty="0" smtClean="0"/>
-              <a:t>Integration Tests</a:t>
-            </a:r>
-            <a:endParaRPr lang="en-US" sz="4800" dirty="0"/>
-          </a:p>
-        </p:txBody>
-      </p:sp>
-      <p:sp>
-        <p:nvSpPr>
-          <p:cNvPr id="3" name="Content Placeholder 2"/>
-          <p:cNvSpPr>
-            <a:spLocks noGrp="1"/>
-          </p:cNvSpPr>
-          <p:nvPr>
-            <p:ph idx="1"/>
-          </p:nvPr>
-        </p:nvSpPr>
-        <p:spPr>
-          <a:xfrm>
-            <a:off x="838200" y="1825625"/>
-            <a:ext cx="10515600" cy="4357462"/>
-          </a:xfrm>
-        </p:spPr>
-        <p:txBody>
-          <a:bodyPr>
-            <a:normAutofit/>
-          </a:bodyPr>
-          <a:lstStyle/>
-          <a:p>
-            <a:pPr marL="914400" lvl="2" indent="0">
+              <a:rPr lang="en-US" sz="4000" dirty="0" smtClean="0"/>
+              <a:t>Foreign </a:t>
+            </a:r>
+            <a:r>
+              <a:rPr lang="en-US" sz="4000" dirty="0" smtClean="0"/>
+              <a:t>keys</a:t>
+            </a:r>
+            <a:endParaRPr lang="en-US" sz="4000" dirty="0" smtClean="0"/>
+          </a:p>
+          <a:p>
+            <a:pPr marL="0" indent="0">
               <a:buNone/>
             </a:pPr>
-            <a:r>
-              <a:rPr lang="en-US" dirty="0" smtClean="0"/>
-              <a:t>	</a:t>
-            </a:r>
-          </a:p>
-          <a:p>
+            <a:endParaRPr lang="en-US" sz="3600" dirty="0" smtClean="0"/>
+          </a:p>
+          <a:p>
+            <a:pPr marL="0" indent="0">
+              <a:buNone/>
+            </a:pPr>
+            <a:endParaRPr lang="en-US" sz="3600" dirty="0" smtClean="0"/>
+          </a:p>
+          <a:p>
+            <a:pPr marL="0" indent="0">
+              <a:buNone/>
+            </a:pPr>
             <a:endParaRPr lang="en-US" dirty="0"/>
           </a:p>
-        </p:txBody>
-      </p:sp>
-      <p:pic>
-        <p:nvPicPr>
-          <p:cNvPr id="7" name="Picture 6"/>
-          <p:cNvPicPr>
-            <a:picLocks noChangeAspect="1"/>
-          </p:cNvPicPr>
-          <p:nvPr/>
-        </p:nvPicPr>
-        <p:blipFill>
-          <a:blip r:embed="rId3"/>
-          <a:stretch>
-            <a:fillRect/>
-          </a:stretch>
-        </p:blipFill>
-        <p:spPr>
-          <a:xfrm>
-            <a:off x="838200" y="1690688"/>
-            <a:ext cx="9744075" cy="4533900"/>
-          </a:xfrm>
-          <a:prstGeom prst="rect">
-            <a:avLst/>
-          </a:prstGeom>
-        </p:spPr>
-      </p:pic>
+          <a:p>
+            <a:pPr lvl="1"/>
+            <a:endParaRPr lang="en-US" dirty="0"/>
+          </a:p>
+        </p:txBody>
+      </p:sp>
     </p:spTree>
     <p:extLst>
       <p:ext uri="{BB962C8B-B14F-4D97-AF65-F5344CB8AC3E}">
-        <p14:creationId xmlns:p14="http://schemas.microsoft.com/office/powerpoint/2010/main" val="1306348548"/>
+        <p14:creationId xmlns:p14="http://schemas.microsoft.com/office/powerpoint/2010/main" val="3501759557"/>
       </p:ext>
     </p:extLst>
   </p:cSld>
   <p:clrMapOvr>
     <a:masterClrMapping/>
   </p:clrMapOvr>
-  <mc:AlternateContent xmlns:mc="http://schemas.openxmlformats.org/markup-compatibility/2006" xmlns:p14="http://schemas.microsoft.com/office/powerpoint/2010/main">
-    <mc:Choice Requires="p14">
-      <p:transition spd="slow" p14:dur="2000"/>
-    </mc:Choice>
-    <mc:Fallback xmlns="">
-      <p:transition spd="slow"/>
-    </mc:Fallback>
-  </mc:AlternateContent>
   <p:timing>
     <p:tnLst>
       <p:par>
@@ -24261,7 +24925,42 @@
             <p:ph type="title"/>
           </p:nvPr>
         </p:nvSpPr>
-        <p:spPr/>
+        <p:spPr>
+          <a:xfrm>
+            <a:off x="838199" y="365125"/>
+            <a:ext cx="10857271" cy="1325563"/>
+          </a:xfrm>
+        </p:spPr>
+        <p:txBody>
+          <a:bodyPr>
+            <a:noAutofit/>
+          </a:bodyPr>
+          <a:lstStyle/>
+          <a:p>
+            <a:r>
+              <a:rPr lang="en-US" sz="4800" dirty="0" smtClean="0"/>
+              <a:t>Integration Tests</a:t>
+            </a:r>
+            <a:endParaRPr lang="en-US" sz="4800" dirty="0"/>
+          </a:p>
+        </p:txBody>
+      </p:sp>
+      <p:sp>
+        <p:nvSpPr>
+          <p:cNvPr id="3" name="Content Placeholder 2"/>
+          <p:cNvSpPr>
+            <a:spLocks noGrp="1"/>
+          </p:cNvSpPr>
+          <p:nvPr>
+            <p:ph idx="1"/>
+          </p:nvPr>
+        </p:nvSpPr>
+        <p:spPr>
+          <a:xfrm>
+            <a:off x="838199" y="1825625"/>
+            <a:ext cx="10621297" cy="4457188"/>
+          </a:xfrm>
+        </p:spPr>
         <p:txBody>
           <a:bodyPr>
             <a:normAutofit/>
@@ -24269,90 +24968,80 @@
           <a:lstStyle/>
           <a:p>
             <a:r>
-              <a:rPr lang="en-US" sz="4800" dirty="0" smtClean="0"/>
-              <a:t>Integration Tests</a:t>
-            </a:r>
-            <a:endParaRPr lang="en-US" sz="4800" dirty="0"/>
-          </a:p>
-        </p:txBody>
-      </p:sp>
-      <p:sp>
-        <p:nvSpPr>
-          <p:cNvPr id="3" name="Content Placeholder 2"/>
-          <p:cNvSpPr>
-            <a:spLocks noGrp="1"/>
-          </p:cNvSpPr>
-          <p:nvPr>
-            <p:ph idx="1"/>
-          </p:nvPr>
-        </p:nvSpPr>
-        <p:spPr>
-          <a:xfrm>
-            <a:off x="838200" y="1825625"/>
-            <a:ext cx="10515600" cy="4357462"/>
-          </a:xfrm>
-        </p:spPr>
-        <p:txBody>
-          <a:bodyPr>
-            <a:normAutofit/>
-          </a:bodyPr>
-          <a:lstStyle/>
-          <a:p>
-            <a:pPr marL="914400" lvl="2" indent="0">
+              <a:rPr lang="en-US" sz="4000" dirty="0" smtClean="0">
+                <a:solidFill>
+                  <a:schemeClr val="bg1">
+                    <a:lumMod val="65000"/>
+                  </a:schemeClr>
+                </a:solidFill>
+              </a:rPr>
+              <a:t>Foreign keys</a:t>
+            </a:r>
+            <a:br>
+              <a:rPr lang="en-US" sz="4000" dirty="0" smtClean="0">
+                <a:solidFill>
+                  <a:schemeClr val="bg1">
+                    <a:lumMod val="65000"/>
+                  </a:schemeClr>
+                </a:solidFill>
+              </a:rPr>
+            </a:br>
+            <a:endParaRPr lang="en-US" sz="4000" dirty="0" smtClean="0">
+              <a:solidFill>
+                <a:schemeClr val="bg1">
+                  <a:lumMod val="65000"/>
+                </a:schemeClr>
+              </a:solidFill>
+            </a:endParaRPr>
+          </a:p>
+          <a:p>
+            <a:r>
+              <a:rPr lang="en-US" sz="4000" dirty="0" smtClean="0"/>
+              <a:t>Primary keys</a:t>
+            </a:r>
+            <a:r>
+              <a:rPr lang="en-US" sz="4000" dirty="0" smtClean="0"/>
+              <a:t/>
+            </a:r>
+            <a:br>
+              <a:rPr lang="en-US" sz="4000" dirty="0" smtClean="0"/>
+            </a:br>
+            <a:endParaRPr lang="en-US" sz="4000" dirty="0" smtClean="0"/>
+          </a:p>
+          <a:p>
+            <a:pPr marL="0" indent="0">
               <a:buNone/>
             </a:pPr>
-            <a:r>
-              <a:rPr lang="en-US" dirty="0" smtClean="0"/>
-              <a:t>	</a:t>
-            </a:r>
-          </a:p>
-          <a:p>
+            <a:endParaRPr lang="en-US" sz="3600" dirty="0" smtClean="0"/>
+          </a:p>
+          <a:p>
+            <a:pPr marL="0" indent="0">
+              <a:buNone/>
+            </a:pPr>
+            <a:endParaRPr lang="en-US" sz="3600" dirty="0" smtClean="0"/>
+          </a:p>
+          <a:p>
+            <a:pPr marL="0" indent="0">
+              <a:buNone/>
+            </a:pPr>
             <a:endParaRPr lang="en-US" dirty="0"/>
           </a:p>
-        </p:txBody>
-      </p:sp>
-      <p:pic>
-        <p:nvPicPr>
-          <p:cNvPr id="4" name="Picture 3"/>
-          <p:cNvPicPr>
-            <a:picLocks noChangeAspect="1"/>
-          </p:cNvPicPr>
-          <p:nvPr/>
-        </p:nvPicPr>
-        <p:blipFill>
-          <a:blip r:embed="rId3"/>
-          <a:stretch>
-            <a:fillRect/>
-          </a:stretch>
-        </p:blipFill>
-        <p:spPr>
-          <a:xfrm>
-            <a:off x="838200" y="1690688"/>
-            <a:ext cx="9744075" cy="4533900"/>
-          </a:xfrm>
-          <a:prstGeom prst="rect">
-            <a:avLst/>
-          </a:prstGeom>
-        </p:spPr>
-      </p:pic>
+          <a:p>
+            <a:pPr lvl="1"/>
+            <a:endParaRPr lang="en-US" dirty="0"/>
+          </a:p>
+        </p:txBody>
+      </p:sp>
     </p:spTree>
     <p:extLst>
       <p:ext uri="{BB962C8B-B14F-4D97-AF65-F5344CB8AC3E}">
-        <p14:creationId xmlns:p14="http://schemas.microsoft.com/office/powerpoint/2010/main" val="1658503186"/>
+        <p14:creationId xmlns:p14="http://schemas.microsoft.com/office/powerpoint/2010/main" val="251885141"/>
       </p:ext>
     </p:extLst>
   </p:cSld>
   <p:clrMapOvr>
     <a:masterClrMapping/>
   </p:clrMapOvr>
-  <mc:AlternateContent xmlns:mc="http://schemas.openxmlformats.org/markup-compatibility/2006" xmlns:p14="http://schemas.microsoft.com/office/powerpoint/2010/main">
-    <mc:Choice Requires="p14">
-      <p:transition spd="slow" p14:dur="2000"/>
-    </mc:Choice>
-    <mc:Fallback xmlns="">
-      <p:transition spd="slow"/>
-    </mc:Fallback>
-  </mc:AlternateContent>
   <p:timing>
     <p:tnLst>
       <p:par>
@@ -24451,6 +25140,749 @@
             <p:ph type="title"/>
           </p:nvPr>
         </p:nvSpPr>
+        <p:spPr>
+          <a:xfrm>
+            <a:off x="838199" y="365125"/>
+            <a:ext cx="10857271" cy="1325563"/>
+          </a:xfrm>
+        </p:spPr>
+        <p:txBody>
+          <a:bodyPr>
+            <a:noAutofit/>
+          </a:bodyPr>
+          <a:lstStyle/>
+          <a:p>
+            <a:r>
+              <a:rPr lang="en-US" sz="4800" dirty="0" smtClean="0"/>
+              <a:t>Integration Tests</a:t>
+            </a:r>
+            <a:endParaRPr lang="en-US" sz="4800" dirty="0"/>
+          </a:p>
+        </p:txBody>
+      </p:sp>
+      <p:sp>
+        <p:nvSpPr>
+          <p:cNvPr id="3" name="Content Placeholder 2"/>
+          <p:cNvSpPr>
+            <a:spLocks noGrp="1"/>
+          </p:cNvSpPr>
+          <p:nvPr>
+            <p:ph idx="1"/>
+          </p:nvPr>
+        </p:nvSpPr>
+        <p:spPr>
+          <a:xfrm>
+            <a:off x="838199" y="1825624"/>
+            <a:ext cx="10621297" cy="4501433"/>
+          </a:xfrm>
+        </p:spPr>
+        <p:txBody>
+          <a:bodyPr>
+            <a:normAutofit/>
+          </a:bodyPr>
+          <a:lstStyle/>
+          <a:p>
+            <a:r>
+              <a:rPr lang="en-US" sz="4000" dirty="0" smtClean="0">
+                <a:solidFill>
+                  <a:schemeClr val="bg1">
+                    <a:lumMod val="65000"/>
+                  </a:schemeClr>
+                </a:solidFill>
+              </a:rPr>
+              <a:t>Foreign keys</a:t>
+            </a:r>
+            <a:br>
+              <a:rPr lang="en-US" sz="4000" dirty="0" smtClean="0">
+                <a:solidFill>
+                  <a:schemeClr val="bg1">
+                    <a:lumMod val="65000"/>
+                  </a:schemeClr>
+                </a:solidFill>
+              </a:rPr>
+            </a:br>
+            <a:endParaRPr lang="en-US" sz="4000" dirty="0" smtClean="0">
+              <a:solidFill>
+                <a:schemeClr val="bg1">
+                  <a:lumMod val="65000"/>
+                </a:schemeClr>
+              </a:solidFill>
+            </a:endParaRPr>
+          </a:p>
+          <a:p>
+            <a:r>
+              <a:rPr lang="en-US" sz="4000" dirty="0" smtClean="0">
+                <a:solidFill>
+                  <a:schemeClr val="bg1">
+                    <a:lumMod val="65000"/>
+                  </a:schemeClr>
+                </a:solidFill>
+              </a:rPr>
+              <a:t>Primary keys</a:t>
+            </a:r>
+            <a:r>
+              <a:rPr lang="en-US" sz="4000" dirty="0" smtClean="0"/>
+              <a:t/>
+            </a:r>
+            <a:br>
+              <a:rPr lang="en-US" sz="4000" dirty="0" smtClean="0"/>
+            </a:br>
+            <a:endParaRPr lang="en-US" sz="4000" dirty="0" smtClean="0"/>
+          </a:p>
+          <a:p>
+            <a:r>
+              <a:rPr lang="en-US" sz="4000" dirty="0" smtClean="0"/>
+              <a:t>Column constraints</a:t>
+            </a:r>
+          </a:p>
+          <a:p>
+            <a:endParaRPr lang="en-US" sz="4000" dirty="0" smtClean="0"/>
+          </a:p>
+          <a:p>
+            <a:pPr marL="0" indent="0">
+              <a:buNone/>
+            </a:pPr>
+            <a:endParaRPr lang="en-US" sz="3600" dirty="0" smtClean="0"/>
+          </a:p>
+          <a:p>
+            <a:pPr marL="0" indent="0">
+              <a:buNone/>
+            </a:pPr>
+            <a:endParaRPr lang="en-US" sz="3600" dirty="0" smtClean="0"/>
+          </a:p>
+          <a:p>
+            <a:pPr marL="0" indent="0">
+              <a:buNone/>
+            </a:pPr>
+            <a:endParaRPr lang="en-US" dirty="0"/>
+          </a:p>
+          <a:p>
+            <a:pPr lvl="1"/>
+            <a:endParaRPr lang="en-US" dirty="0"/>
+          </a:p>
+        </p:txBody>
+      </p:sp>
+    </p:spTree>
+    <p:extLst>
+      <p:ext uri="{BB962C8B-B14F-4D97-AF65-F5344CB8AC3E}">
+        <p14:creationId xmlns:p14="http://schemas.microsoft.com/office/powerpoint/2010/main" val="3817477996"/>
+      </p:ext>
+    </p:extLst>
+  </p:cSld>
+  <p:clrMapOvr>
+    <a:masterClrMapping/>
+  </p:clrMapOvr>
+  <p:timing>
+    <p:tnLst>
+      <p:par>
+        <p:cTn id="1" dur="indefinite" restart="never" nodeType="tmRoot"/>
+      </p:par>
+    </p:tnLst>
+  </p:timing>
+</p:sld>
+</file>
+
+<file path=ppt/slides/slide81.xml><?xml version="1.0" encoding="utf-8"?>
+<p:sld xmlns:a="http://schemas.openxmlformats.org/drawingml/2006/main" xmlns:r="http://schemas.openxmlformats.org/officeDocument/2006/relationships" xmlns:p="http://schemas.openxmlformats.org/presentationml/2006/main">
+  <p:cSld>
+    <p:spTree>
+      <p:nvGrpSpPr>
+        <p:cNvPr id="1" name=""/>
+        <p:cNvGrpSpPr/>
+        <p:nvPr/>
+      </p:nvGrpSpPr>
+      <p:grpSpPr>
+        <a:xfrm>
+          <a:off x="0" y="0"/>
+          <a:ext cx="0" cy="0"/>
+          <a:chOff x="0" y="0"/>
+          <a:chExt cx="0" cy="0"/>
+        </a:xfrm>
+      </p:grpSpPr>
+      <p:sp>
+        <p:nvSpPr>
+          <p:cNvPr id="2" name="Title 1"/>
+          <p:cNvSpPr>
+            <a:spLocks noGrp="1"/>
+          </p:cNvSpPr>
+          <p:nvPr>
+            <p:ph type="title"/>
+          </p:nvPr>
+        </p:nvSpPr>
+        <p:spPr>
+          <a:xfrm>
+            <a:off x="838199" y="365125"/>
+            <a:ext cx="10857271" cy="1325563"/>
+          </a:xfrm>
+        </p:spPr>
+        <p:txBody>
+          <a:bodyPr>
+            <a:noAutofit/>
+          </a:bodyPr>
+          <a:lstStyle/>
+          <a:p>
+            <a:r>
+              <a:rPr lang="en-US" sz="4800" dirty="0" smtClean="0"/>
+              <a:t>Integration Tests</a:t>
+            </a:r>
+            <a:endParaRPr lang="en-US" sz="4800" dirty="0"/>
+          </a:p>
+        </p:txBody>
+      </p:sp>
+      <p:sp>
+        <p:nvSpPr>
+          <p:cNvPr id="3" name="Content Placeholder 2"/>
+          <p:cNvSpPr>
+            <a:spLocks noGrp="1"/>
+          </p:cNvSpPr>
+          <p:nvPr>
+            <p:ph idx="1"/>
+          </p:nvPr>
+        </p:nvSpPr>
+        <p:spPr>
+          <a:xfrm>
+            <a:off x="838199" y="1825624"/>
+            <a:ext cx="10621297" cy="4501433"/>
+          </a:xfrm>
+        </p:spPr>
+        <p:txBody>
+          <a:bodyPr>
+            <a:normAutofit/>
+          </a:bodyPr>
+          <a:lstStyle/>
+          <a:p>
+            <a:r>
+              <a:rPr lang="en-US" sz="4000" dirty="0" smtClean="0">
+                <a:solidFill>
+                  <a:schemeClr val="bg1">
+                    <a:lumMod val="65000"/>
+                  </a:schemeClr>
+                </a:solidFill>
+              </a:rPr>
+              <a:t>Foreign keys</a:t>
+            </a:r>
+            <a:br>
+              <a:rPr lang="en-US" sz="4000" dirty="0" smtClean="0">
+                <a:solidFill>
+                  <a:schemeClr val="bg1">
+                    <a:lumMod val="65000"/>
+                  </a:schemeClr>
+                </a:solidFill>
+              </a:rPr>
+            </a:br>
+            <a:endParaRPr lang="en-US" sz="4000" dirty="0" smtClean="0">
+              <a:solidFill>
+                <a:schemeClr val="bg1">
+                  <a:lumMod val="65000"/>
+                </a:schemeClr>
+              </a:solidFill>
+            </a:endParaRPr>
+          </a:p>
+          <a:p>
+            <a:r>
+              <a:rPr lang="en-US" sz="4000" dirty="0" smtClean="0">
+                <a:solidFill>
+                  <a:schemeClr val="bg1">
+                    <a:lumMod val="65000"/>
+                  </a:schemeClr>
+                </a:solidFill>
+              </a:rPr>
+              <a:t>Primary keys</a:t>
+            </a:r>
+            <a:r>
+              <a:rPr lang="en-US" sz="4000" dirty="0" smtClean="0">
+                <a:solidFill>
+                  <a:schemeClr val="bg1">
+                    <a:lumMod val="65000"/>
+                  </a:schemeClr>
+                </a:solidFill>
+              </a:rPr>
+              <a:t/>
+            </a:r>
+            <a:br>
+              <a:rPr lang="en-US" sz="4000" dirty="0" smtClean="0">
+                <a:solidFill>
+                  <a:schemeClr val="bg1">
+                    <a:lumMod val="65000"/>
+                  </a:schemeClr>
+                </a:solidFill>
+              </a:rPr>
+            </a:br>
+            <a:endParaRPr lang="en-US" sz="4000" dirty="0" smtClean="0">
+              <a:solidFill>
+                <a:schemeClr val="bg1">
+                  <a:lumMod val="65000"/>
+                </a:schemeClr>
+              </a:solidFill>
+            </a:endParaRPr>
+          </a:p>
+          <a:p>
+            <a:r>
+              <a:rPr lang="en-US" sz="4000" dirty="0" smtClean="0">
+                <a:solidFill>
+                  <a:schemeClr val="bg1">
+                    <a:lumMod val="65000"/>
+                  </a:schemeClr>
+                </a:solidFill>
+              </a:rPr>
+              <a:t>Column constraints</a:t>
+            </a:r>
+          </a:p>
+          <a:p>
+            <a:endParaRPr lang="en-US" sz="4000" dirty="0" smtClean="0"/>
+          </a:p>
+          <a:p>
+            <a:r>
+              <a:rPr lang="en-US" sz="4000" dirty="0" smtClean="0"/>
+              <a:t>Junk data left behind by tests</a:t>
+            </a:r>
+          </a:p>
+          <a:p>
+            <a:pPr marL="0" indent="0">
+              <a:buNone/>
+            </a:pPr>
+            <a:endParaRPr lang="en-US" sz="3600" dirty="0" smtClean="0"/>
+          </a:p>
+          <a:p>
+            <a:pPr marL="0" indent="0">
+              <a:buNone/>
+            </a:pPr>
+            <a:endParaRPr lang="en-US" sz="3600" dirty="0" smtClean="0"/>
+          </a:p>
+          <a:p>
+            <a:pPr marL="0" indent="0">
+              <a:buNone/>
+            </a:pPr>
+            <a:endParaRPr lang="en-US" dirty="0"/>
+          </a:p>
+          <a:p>
+            <a:pPr lvl="1"/>
+            <a:endParaRPr lang="en-US" dirty="0"/>
+          </a:p>
+        </p:txBody>
+      </p:sp>
+    </p:spTree>
+    <p:extLst>
+      <p:ext uri="{BB962C8B-B14F-4D97-AF65-F5344CB8AC3E}">
+        <p14:creationId xmlns:p14="http://schemas.microsoft.com/office/powerpoint/2010/main" val="455092524"/>
+      </p:ext>
+    </p:extLst>
+  </p:cSld>
+  <p:clrMapOvr>
+    <a:masterClrMapping/>
+  </p:clrMapOvr>
+  <p:timing>
+    <p:tnLst>
+      <p:par>
+        <p:cTn id="1" dur="indefinite" restart="never" nodeType="tmRoot"/>
+      </p:par>
+    </p:tnLst>
+  </p:timing>
+</p:sld>
+</file>
+
+<file path=ppt/slides/slide82.xml><?xml version="1.0" encoding="utf-8"?>
+<p:sld xmlns:a="http://schemas.openxmlformats.org/drawingml/2006/main" xmlns:r="http://schemas.openxmlformats.org/officeDocument/2006/relationships" xmlns:p="http://schemas.openxmlformats.org/presentationml/2006/main">
+  <p:cSld>
+    <p:spTree>
+      <p:nvGrpSpPr>
+        <p:cNvPr id="1" name=""/>
+        <p:cNvGrpSpPr/>
+        <p:nvPr/>
+      </p:nvGrpSpPr>
+      <p:grpSpPr>
+        <a:xfrm>
+          <a:off x="0" y="0"/>
+          <a:ext cx="0" cy="0"/>
+          <a:chOff x="0" y="0"/>
+          <a:chExt cx="0" cy="0"/>
+        </a:xfrm>
+      </p:grpSpPr>
+      <p:sp>
+        <p:nvSpPr>
+          <p:cNvPr id="2" name="Title 1"/>
+          <p:cNvSpPr>
+            <a:spLocks noGrp="1"/>
+          </p:cNvSpPr>
+          <p:nvPr>
+            <p:ph type="title"/>
+          </p:nvPr>
+        </p:nvSpPr>
+        <p:spPr/>
+        <p:txBody>
+          <a:bodyPr>
+            <a:normAutofit/>
+          </a:bodyPr>
+          <a:lstStyle/>
+          <a:p>
+            <a:r>
+              <a:rPr lang="en-US" sz="4800" dirty="0" smtClean="0"/>
+              <a:t>Integration Tests</a:t>
+            </a:r>
+            <a:endParaRPr lang="en-US" sz="4800" dirty="0"/>
+          </a:p>
+        </p:txBody>
+      </p:sp>
+      <p:sp>
+        <p:nvSpPr>
+          <p:cNvPr id="3" name="Content Placeholder 2"/>
+          <p:cNvSpPr>
+            <a:spLocks noGrp="1"/>
+          </p:cNvSpPr>
+          <p:nvPr>
+            <p:ph idx="1"/>
+          </p:nvPr>
+        </p:nvSpPr>
+        <p:spPr>
+          <a:xfrm>
+            <a:off x="838200" y="1825625"/>
+            <a:ext cx="10515600" cy="4357462"/>
+          </a:xfrm>
+        </p:spPr>
+        <p:txBody>
+          <a:bodyPr>
+            <a:normAutofit/>
+          </a:bodyPr>
+          <a:lstStyle/>
+          <a:p>
+            <a:pPr marL="914400" lvl="2" indent="0">
+              <a:buNone/>
+            </a:pPr>
+            <a:r>
+              <a:rPr lang="en-US" dirty="0" smtClean="0">
+                <a:solidFill>
+                  <a:srgbClr val="FF0000"/>
+                </a:solidFill>
+              </a:rPr>
+              <a:t>TODO: screenshot of integration test itself</a:t>
+            </a:r>
+            <a:r>
+              <a:rPr lang="en-US" dirty="0" smtClean="0">
+                <a:solidFill>
+                  <a:srgbClr val="FF0000"/>
+                </a:solidFill>
+              </a:rPr>
+              <a:t>	</a:t>
+            </a:r>
+          </a:p>
+          <a:p>
+            <a:endParaRPr lang="en-US" dirty="0"/>
+          </a:p>
+        </p:txBody>
+      </p:sp>
+    </p:spTree>
+    <p:extLst>
+      <p:ext uri="{BB962C8B-B14F-4D97-AF65-F5344CB8AC3E}">
+        <p14:creationId xmlns:p14="http://schemas.microsoft.com/office/powerpoint/2010/main" val="1306348548"/>
+      </p:ext>
+    </p:extLst>
+  </p:cSld>
+  <p:clrMapOvr>
+    <a:masterClrMapping/>
+  </p:clrMapOvr>
+  <mc:AlternateContent xmlns:mc="http://schemas.openxmlformats.org/markup-compatibility/2006" xmlns:p14="http://schemas.microsoft.com/office/powerpoint/2010/main">
+    <mc:Choice Requires="p14">
+      <p:transition spd="slow" p14:dur="2000"/>
+    </mc:Choice>
+    <mc:Fallback xmlns="">
+      <p:transition spd="slow"/>
+    </mc:Fallback>
+  </mc:AlternateContent>
+  <p:timing>
+    <p:tnLst>
+      <p:par>
+        <p:cTn id="1" dur="indefinite" restart="never" nodeType="tmRoot"/>
+      </p:par>
+    </p:tnLst>
+  </p:timing>
+</p:sld>
+</file>
+
+<file path=ppt/slides/slide83.xml><?xml version="1.0" encoding="utf-8"?>
+<p:sld xmlns:a="http://schemas.openxmlformats.org/drawingml/2006/main" xmlns:r="http://schemas.openxmlformats.org/officeDocument/2006/relationships" xmlns:p="http://schemas.openxmlformats.org/presentationml/2006/main">
+  <p:cSld>
+    <p:spTree>
+      <p:nvGrpSpPr>
+        <p:cNvPr id="1" name=""/>
+        <p:cNvGrpSpPr/>
+        <p:nvPr/>
+      </p:nvGrpSpPr>
+      <p:grpSpPr>
+        <a:xfrm>
+          <a:off x="0" y="0"/>
+          <a:ext cx="0" cy="0"/>
+          <a:chOff x="0" y="0"/>
+          <a:chExt cx="0" cy="0"/>
+        </a:xfrm>
+      </p:grpSpPr>
+      <p:sp>
+        <p:nvSpPr>
+          <p:cNvPr id="2" name="Title 1"/>
+          <p:cNvSpPr>
+            <a:spLocks noGrp="1"/>
+          </p:cNvSpPr>
+          <p:nvPr>
+            <p:ph type="title"/>
+          </p:nvPr>
+        </p:nvSpPr>
+        <p:spPr/>
+        <p:txBody>
+          <a:bodyPr>
+            <a:normAutofit/>
+          </a:bodyPr>
+          <a:lstStyle/>
+          <a:p>
+            <a:r>
+              <a:rPr lang="en-US" sz="4800" dirty="0" smtClean="0"/>
+              <a:t>Integration Tests</a:t>
+            </a:r>
+            <a:endParaRPr lang="en-US" sz="4800" dirty="0"/>
+          </a:p>
+        </p:txBody>
+      </p:sp>
+      <p:sp>
+        <p:nvSpPr>
+          <p:cNvPr id="3" name="Content Placeholder 2"/>
+          <p:cNvSpPr>
+            <a:spLocks noGrp="1"/>
+          </p:cNvSpPr>
+          <p:nvPr>
+            <p:ph idx="1"/>
+          </p:nvPr>
+        </p:nvSpPr>
+        <p:spPr>
+          <a:xfrm>
+            <a:off x="838200" y="1825625"/>
+            <a:ext cx="10515600" cy="4357462"/>
+          </a:xfrm>
+        </p:spPr>
+        <p:txBody>
+          <a:bodyPr>
+            <a:normAutofit/>
+          </a:bodyPr>
+          <a:lstStyle/>
+          <a:p>
+            <a:pPr marL="914400" lvl="2" indent="0">
+              <a:buNone/>
+            </a:pPr>
+            <a:r>
+              <a:rPr lang="en-US" dirty="0" smtClean="0"/>
+              <a:t>	</a:t>
+            </a:r>
+          </a:p>
+          <a:p>
+            <a:endParaRPr lang="en-US" dirty="0"/>
+          </a:p>
+        </p:txBody>
+      </p:sp>
+      <p:pic>
+        <p:nvPicPr>
+          <p:cNvPr id="7" name="Picture 6"/>
+          <p:cNvPicPr>
+            <a:picLocks noChangeAspect="1"/>
+          </p:cNvPicPr>
+          <p:nvPr/>
+        </p:nvPicPr>
+        <p:blipFill>
+          <a:blip r:embed="rId3"/>
+          <a:stretch>
+            <a:fillRect/>
+          </a:stretch>
+        </p:blipFill>
+        <p:spPr>
+          <a:xfrm>
+            <a:off x="838200" y="1690688"/>
+            <a:ext cx="9744075" cy="4533900"/>
+          </a:xfrm>
+          <a:prstGeom prst="rect">
+            <a:avLst/>
+          </a:prstGeom>
+        </p:spPr>
+      </p:pic>
+    </p:spTree>
+    <p:extLst>
+      <p:ext uri="{BB962C8B-B14F-4D97-AF65-F5344CB8AC3E}">
+        <p14:creationId xmlns:p14="http://schemas.microsoft.com/office/powerpoint/2010/main" val="3665472793"/>
+      </p:ext>
+    </p:extLst>
+  </p:cSld>
+  <p:clrMapOvr>
+    <a:masterClrMapping/>
+  </p:clrMapOvr>
+  <mc:AlternateContent xmlns:mc="http://schemas.openxmlformats.org/markup-compatibility/2006" xmlns:p14="http://schemas.microsoft.com/office/powerpoint/2010/main">
+    <mc:Choice Requires="p14">
+      <p:transition spd="slow" p14:dur="2000"/>
+    </mc:Choice>
+    <mc:Fallback xmlns="">
+      <p:transition spd="slow"/>
+    </mc:Fallback>
+  </mc:AlternateContent>
+  <p:timing>
+    <p:tnLst>
+      <p:par>
+        <p:cTn id="1" dur="indefinite" restart="never" nodeType="tmRoot"/>
+      </p:par>
+    </p:tnLst>
+  </p:timing>
+</p:sld>
+</file>
+
+<file path=ppt/slides/slide84.xml><?xml version="1.0" encoding="utf-8"?>
+<p:sld xmlns:a="http://schemas.openxmlformats.org/drawingml/2006/main" xmlns:r="http://schemas.openxmlformats.org/officeDocument/2006/relationships" xmlns:p="http://schemas.openxmlformats.org/presentationml/2006/main">
+  <p:cSld>
+    <p:spTree>
+      <p:nvGrpSpPr>
+        <p:cNvPr id="1" name=""/>
+        <p:cNvGrpSpPr/>
+        <p:nvPr/>
+      </p:nvGrpSpPr>
+      <p:grpSpPr>
+        <a:xfrm>
+          <a:off x="0" y="0"/>
+          <a:ext cx="0" cy="0"/>
+          <a:chOff x="0" y="0"/>
+          <a:chExt cx="0" cy="0"/>
+        </a:xfrm>
+      </p:grpSpPr>
+      <p:sp>
+        <p:nvSpPr>
+          <p:cNvPr id="2" name="Title 1"/>
+          <p:cNvSpPr>
+            <a:spLocks noGrp="1"/>
+          </p:cNvSpPr>
+          <p:nvPr>
+            <p:ph type="title"/>
+          </p:nvPr>
+        </p:nvSpPr>
+        <p:spPr/>
+        <p:txBody>
+          <a:bodyPr>
+            <a:normAutofit/>
+          </a:bodyPr>
+          <a:lstStyle/>
+          <a:p>
+            <a:r>
+              <a:rPr lang="en-US" sz="4800" dirty="0" smtClean="0"/>
+              <a:t>Integration Tests</a:t>
+            </a:r>
+            <a:endParaRPr lang="en-US" sz="4800" dirty="0"/>
+          </a:p>
+        </p:txBody>
+      </p:sp>
+      <p:sp>
+        <p:nvSpPr>
+          <p:cNvPr id="3" name="Content Placeholder 2"/>
+          <p:cNvSpPr>
+            <a:spLocks noGrp="1"/>
+          </p:cNvSpPr>
+          <p:nvPr>
+            <p:ph idx="1"/>
+          </p:nvPr>
+        </p:nvSpPr>
+        <p:spPr>
+          <a:xfrm>
+            <a:off x="838200" y="1825625"/>
+            <a:ext cx="10515600" cy="4357462"/>
+          </a:xfrm>
+        </p:spPr>
+        <p:txBody>
+          <a:bodyPr>
+            <a:normAutofit/>
+          </a:bodyPr>
+          <a:lstStyle/>
+          <a:p>
+            <a:pPr marL="914400" lvl="2" indent="0">
+              <a:buNone/>
+            </a:pPr>
+            <a:r>
+              <a:rPr lang="en-US" dirty="0" smtClean="0"/>
+              <a:t>	</a:t>
+            </a:r>
+          </a:p>
+          <a:p>
+            <a:endParaRPr lang="en-US" dirty="0"/>
+          </a:p>
+        </p:txBody>
+      </p:sp>
+      <p:pic>
+        <p:nvPicPr>
+          <p:cNvPr id="4" name="Picture 3"/>
+          <p:cNvPicPr>
+            <a:picLocks noChangeAspect="1"/>
+          </p:cNvPicPr>
+          <p:nvPr/>
+        </p:nvPicPr>
+        <p:blipFill>
+          <a:blip r:embed="rId3"/>
+          <a:stretch>
+            <a:fillRect/>
+          </a:stretch>
+        </p:blipFill>
+        <p:spPr>
+          <a:xfrm>
+            <a:off x="838200" y="1690688"/>
+            <a:ext cx="9744075" cy="4533900"/>
+          </a:xfrm>
+          <a:prstGeom prst="rect">
+            <a:avLst/>
+          </a:prstGeom>
+        </p:spPr>
+      </p:pic>
+    </p:spTree>
+    <p:extLst>
+      <p:ext uri="{BB962C8B-B14F-4D97-AF65-F5344CB8AC3E}">
+        <p14:creationId xmlns:p14="http://schemas.microsoft.com/office/powerpoint/2010/main" val="1658503186"/>
+      </p:ext>
+    </p:extLst>
+  </p:cSld>
+  <p:clrMapOvr>
+    <a:masterClrMapping/>
+  </p:clrMapOvr>
+  <mc:AlternateContent xmlns:mc="http://schemas.openxmlformats.org/markup-compatibility/2006" xmlns:p14="http://schemas.microsoft.com/office/powerpoint/2010/main">
+    <mc:Choice Requires="p14">
+      <p:transition spd="slow" p14:dur="2000"/>
+    </mc:Choice>
+    <mc:Fallback xmlns="">
+      <p:transition spd="slow"/>
+    </mc:Fallback>
+  </mc:AlternateContent>
+  <p:timing>
+    <p:tnLst>
+      <p:par>
+        <p:cTn id="1" dur="indefinite" restart="never" nodeType="tmRoot"/>
+      </p:par>
+    </p:tnLst>
+  </p:timing>
+</p:sld>
+</file>
+
+<file path=ppt/slides/slide85.xml><?xml version="1.0" encoding="utf-8"?>
+<p:sld xmlns:a="http://schemas.openxmlformats.org/drawingml/2006/main" xmlns:r="http://schemas.openxmlformats.org/officeDocument/2006/relationships" xmlns:p="http://schemas.openxmlformats.org/presentationml/2006/main">
+  <p:cSld>
+    <p:spTree>
+      <p:nvGrpSpPr>
+        <p:cNvPr id="1" name=""/>
+        <p:cNvGrpSpPr/>
+        <p:nvPr/>
+      </p:nvGrpSpPr>
+      <p:grpSpPr>
+        <a:xfrm>
+          <a:off x="0" y="0"/>
+          <a:ext cx="0" cy="0"/>
+          <a:chOff x="0" y="0"/>
+          <a:chExt cx="0" cy="0"/>
+        </a:xfrm>
+      </p:grpSpPr>
+      <p:sp>
+        <p:nvSpPr>
+          <p:cNvPr id="2" name="Title 1"/>
+          <p:cNvSpPr>
+            <a:spLocks noGrp="1"/>
+          </p:cNvSpPr>
+          <p:nvPr>
+            <p:ph type="title"/>
+          </p:nvPr>
+        </p:nvSpPr>
         <p:spPr/>
         <p:txBody>
           <a:bodyPr>
@@ -24553,7 +25985,7 @@
 </p:sld>
 </file>
 
-<file path=ppt/slides/slide81.xml><?xml version="1.0" encoding="utf-8"?>
+<file path=ppt/slides/slide86.xml><?xml version="1.0" encoding="utf-8"?>
 <p:sld xmlns:a="http://schemas.openxmlformats.org/drawingml/2006/main" xmlns:r="http://schemas.openxmlformats.org/officeDocument/2006/relationships" xmlns:p="http://schemas.openxmlformats.org/presentationml/2006/main">
   <p:cSld>
     <p:spTree>
@@ -24682,7 +26114,7 @@
 </p:sld>
 </file>
 
-<file path=ppt/slides/slide82.xml><?xml version="1.0" encoding="utf-8"?>
+<file path=ppt/slides/slide87.xml><?xml version="1.0" encoding="utf-8"?>
 <p:sld xmlns:a="http://schemas.openxmlformats.org/drawingml/2006/main" xmlns:r="http://schemas.openxmlformats.org/officeDocument/2006/relationships" xmlns:p="http://schemas.openxmlformats.org/presentationml/2006/main">
   <p:cSld>
     <p:spTree>
@@ -24820,7 +26252,7 @@
 </p:sld>
 </file>
 
-<file path=ppt/slides/slide83.xml><?xml version="1.0" encoding="utf-8"?>
+<file path=ppt/slides/slide88.xml><?xml version="1.0" encoding="utf-8"?>
 <p:sld xmlns:a="http://schemas.openxmlformats.org/drawingml/2006/main" xmlns:r="http://schemas.openxmlformats.org/officeDocument/2006/relationships" xmlns:p="http://schemas.openxmlformats.org/presentationml/2006/main">
   <p:cSld>
     <p:spTree>
@@ -24849,8 +26281,8 @@
         </p:nvSpPr>
         <p:spPr>
           <a:xfrm>
-            <a:off x="838200" y="365125"/>
-            <a:ext cx="10886768" cy="1325563"/>
+            <a:off x="486697" y="2217960"/>
+            <a:ext cx="11371007" cy="2088569"/>
           </a:xfrm>
         </p:spPr>
         <p:txBody>
@@ -24859,106 +26291,37 @@
           </a:bodyPr>
           <a:lstStyle/>
           <a:p>
-            <a:r>
-              <a:rPr lang="en-US" sz="4800" dirty="0" smtClean="0"/>
-              <a:t>Frequently Asked Questions</a:t>
-            </a:r>
-            <a:endParaRPr lang="en-US" sz="4800" dirty="0"/>
-          </a:p>
-        </p:txBody>
-      </p:sp>
-      <p:sp>
-        <p:nvSpPr>
-          <p:cNvPr id="3" name="Content Placeholder 2"/>
-          <p:cNvSpPr>
-            <a:spLocks noGrp="1"/>
-          </p:cNvSpPr>
-          <p:nvPr>
-            <p:ph idx="1"/>
-          </p:nvPr>
-        </p:nvSpPr>
-        <p:spPr/>
-        <p:txBody>
-          <a:bodyPr>
-            <a:normAutofit/>
-          </a:bodyPr>
-          <a:lstStyle/>
-          <a:p>
-            <a:pPr marL="0" indent="0">
-              <a:buNone/>
-            </a:pPr>
-            <a:r>
-              <a:rPr lang="en-US" sz="4000" b="1" dirty="0" smtClean="0"/>
-              <a:t>Q:</a:t>
-            </a:r>
+            <a:pPr algn="ctr"/>
+            <a:r>
+              <a:rPr lang="en-US" sz="4800" u="sng" dirty="0" smtClean="0"/>
+              <a:t>#1 rule for integration tests</a:t>
+            </a:r>
+            <a:r>
+              <a:rPr lang="en-US" sz="4800" u="sng" dirty="0" smtClean="0"/>
+              <a:t/>
+            </a:r>
+            <a:br>
+              <a:rPr lang="en-US" sz="4800" u="sng" dirty="0" smtClean="0"/>
+            </a:br>
+            <a:r>
+              <a:rPr lang="en-US" sz="4800" u="sng" dirty="0" smtClean="0"/>
+              <a:t/>
+            </a:r>
+            <a:br>
+              <a:rPr lang="en-US" sz="4800" u="sng" dirty="0" smtClean="0"/>
+            </a:br>
             <a:r>
               <a:rPr lang="en-US" sz="4000" dirty="0" smtClean="0"/>
-              <a:t> Why is this better than an "auto-builder" library?</a:t>
+              <a:t>Each tests creates everything it needs</a:t>
             </a:r>
             <a:endParaRPr lang="en-US" sz="4000" dirty="0"/>
-          </a:p>
-          <a:p>
-            <a:endParaRPr lang="en-US" dirty="0" smtClean="0"/>
-          </a:p>
-          <a:p>
-            <a:pPr marL="0" indent="0">
-              <a:buNone/>
-            </a:pPr>
-            <a:endParaRPr lang="en-US" dirty="0"/>
-          </a:p>
-          <a:p>
-            <a:pPr marL="0" indent="0">
-              <a:buNone/>
-            </a:pPr>
-            <a:r>
-              <a:rPr lang="en-US" sz="4000" b="1" dirty="0" smtClean="0"/>
-              <a:t>A:</a:t>
-            </a:r>
-            <a:r>
-              <a:rPr lang="en-US" sz="4000" dirty="0" smtClean="0"/>
-              <a:t> Control &amp; flexibility. Libraries don't scale well to complex object graphs.</a:t>
-            </a:r>
-            <a:endParaRPr lang="en-US" sz="4000" dirty="0"/>
-          </a:p>
-          <a:p>
-            <a:endParaRPr lang="en-US" dirty="0" smtClean="0"/>
-          </a:p>
-          <a:p>
-            <a:endParaRPr lang="en-US" dirty="0" smtClean="0"/>
-          </a:p>
-          <a:p>
-            <a:pPr lvl="1"/>
-            <a:endParaRPr lang="en-US" dirty="0" smtClean="0"/>
-          </a:p>
-          <a:p>
-            <a:endParaRPr lang="en-US" dirty="0" smtClean="0"/>
-          </a:p>
-          <a:p>
-            <a:pPr lvl="1"/>
-            <a:endParaRPr lang="en-US" dirty="0" smtClean="0"/>
-          </a:p>
-          <a:p>
-            <a:pPr lvl="1"/>
-            <a:endParaRPr lang="en-US" dirty="0" smtClean="0"/>
-          </a:p>
-          <a:p>
-            <a:pPr lvl="1"/>
-            <a:endParaRPr lang="en-US" dirty="0"/>
-          </a:p>
-          <a:p>
-            <a:pPr lvl="1"/>
-            <a:endParaRPr lang="en-US" dirty="0" smtClean="0"/>
-          </a:p>
-          <a:p>
-            <a:pPr lvl="1"/>
-            <a:endParaRPr lang="en-US" dirty="0"/>
           </a:p>
         </p:txBody>
       </p:sp>
     </p:spTree>
     <p:extLst>
       <p:ext uri="{BB962C8B-B14F-4D97-AF65-F5344CB8AC3E}">
-        <p14:creationId xmlns:p14="http://schemas.microsoft.com/office/powerpoint/2010/main" val="3584390364"/>
+        <p14:creationId xmlns:p14="http://schemas.microsoft.com/office/powerpoint/2010/main" val="4025384013"/>
       </p:ext>
     </p:extLst>
   </p:cSld>
@@ -24975,7 +26338,7 @@
 </p:sld>
 </file>
 
-<file path=ppt/slides/slide84.xml><?xml version="1.0" encoding="utf-8"?>
+<file path=ppt/slides/slide89.xml><?xml version="1.0" encoding="utf-8"?>
 <p:sld xmlns:a="http://schemas.openxmlformats.org/drawingml/2006/main" xmlns:r="http://schemas.openxmlformats.org/officeDocument/2006/relationships" xmlns:p="http://schemas.openxmlformats.org/presentationml/2006/main">
   <p:cSld>
     <p:spTree>
@@ -25004,8 +26367,8 @@
         </p:nvSpPr>
         <p:spPr>
           <a:xfrm>
-            <a:off x="838200" y="365125"/>
-            <a:ext cx="10886768" cy="1325563"/>
+            <a:off x="486697" y="2217960"/>
+            <a:ext cx="11371007" cy="2088569"/>
           </a:xfrm>
         </p:spPr>
         <p:txBody>
@@ -25014,485 +26377,95 @@
           </a:bodyPr>
           <a:lstStyle/>
           <a:p>
-            <a:r>
-              <a:rPr lang="en-US" sz="4800" dirty="0" smtClean="0"/>
-              <a:t>Frequently Asked Questions</a:t>
-            </a:r>
-            <a:endParaRPr lang="en-US" sz="4800" dirty="0"/>
-          </a:p>
-        </p:txBody>
-      </p:sp>
-      <p:sp>
-        <p:nvSpPr>
-          <p:cNvPr id="3" name="Content Placeholder 2"/>
-          <p:cNvSpPr>
-            <a:spLocks noGrp="1"/>
-          </p:cNvSpPr>
-          <p:nvPr>
-            <p:ph idx="1"/>
-          </p:nvPr>
-        </p:nvSpPr>
-        <p:spPr/>
-        <p:txBody>
-          <a:bodyPr>
-            <a:normAutofit/>
+            <a:pPr algn="ctr"/>
+            <a:r>
+              <a:rPr lang="en-US" sz="4800" u="sng" dirty="0" smtClean="0"/>
+              <a:t>#1 rule for integration tests</a:t>
+            </a:r>
+            <a:r>
+              <a:rPr lang="en-US" sz="4800" u="sng" dirty="0" smtClean="0"/>
+              <a:t/>
+            </a:r>
+            <a:br>
+              <a:rPr lang="en-US" sz="4800" u="sng" dirty="0" smtClean="0"/>
+            </a:br>
+            <a:r>
+              <a:rPr lang="en-US" sz="4800" u="sng" dirty="0" smtClean="0"/>
+              <a:t/>
+            </a:r>
+            <a:br>
+              <a:rPr lang="en-US" sz="4800" u="sng" dirty="0" smtClean="0"/>
+            </a:br>
+            <a:r>
+              <a:rPr lang="en-US" sz="4000" dirty="0" smtClean="0"/>
+              <a:t>Each tests creates everything it needs</a:t>
+            </a:r>
+            <a:endParaRPr lang="en-US" sz="4000" dirty="0"/>
+          </a:p>
+        </p:txBody>
+      </p:sp>
+      <p:sp>
+        <p:nvSpPr>
+          <p:cNvPr id="3" name="Title 1"/>
+          <p:cNvSpPr txBox="1">
+            <a:spLocks/>
+          </p:cNvSpPr>
+          <p:nvPr/>
+        </p:nvSpPr>
+        <p:spPr>
+          <a:xfrm>
+            <a:off x="358878" y="5073445"/>
+            <a:ext cx="11371007" cy="1321653"/>
+          </a:xfrm>
+          <a:prstGeom prst="rect">
+            <a:avLst/>
+          </a:prstGeom>
+        </p:spPr>
+        <p:txBody>
+          <a:bodyPr vert="horz" lIns="91440" tIns="45720" rIns="91440" bIns="45720" rtlCol="0" anchor="ctr">
+            <a:noAutofit/>
           </a:bodyPr>
-          <a:lstStyle/>
-          <a:p>
-            <a:pPr marL="0" indent="0">
+          <a:lstStyle>
+            <a:lvl1pPr algn="l" defTabSz="914400" rtl="0" eaLnBrk="1" latinLnBrk="0" hangingPunct="1">
+              <a:lnSpc>
+                <a:spcPct val="90000"/>
+              </a:lnSpc>
+              <a:spcBef>
+                <a:spcPct val="0"/>
+              </a:spcBef>
               <a:buNone/>
-            </a:pPr>
-            <a:r>
-              <a:rPr lang="en-US" sz="4000" b="1" dirty="0" smtClean="0"/>
-              <a:t>Q:</a:t>
-            </a:r>
-            <a:r>
-              <a:rPr lang="en-US" sz="4000" dirty="0" smtClean="0"/>
-              <a:t> How easily can these patterns be applied to an existing system?</a:t>
-            </a:r>
-            <a:endParaRPr lang="en-US" sz="4000" dirty="0"/>
-          </a:p>
-          <a:p>
-            <a:endParaRPr lang="en-US" dirty="0" smtClean="0"/>
-          </a:p>
-          <a:p>
-            <a:pPr marL="0" indent="0">
-              <a:buNone/>
-            </a:pPr>
-            <a:endParaRPr lang="en-US" dirty="0"/>
-          </a:p>
-          <a:p>
-            <a:pPr marL="0" indent="0">
-              <a:buNone/>
-            </a:pPr>
-            <a:r>
-              <a:rPr lang="en-US" sz="4000" b="1" dirty="0" smtClean="0"/>
-              <a:t>A:</a:t>
-            </a:r>
-            <a:r>
-              <a:rPr lang="en-US" sz="4000" dirty="0" smtClean="0"/>
-              <a:t> It does take some effort, but it's worth it. Start with "leaf" objects and build from there.</a:t>
-            </a:r>
-            <a:endParaRPr lang="en-US" sz="4000" dirty="0"/>
-          </a:p>
-          <a:p>
-            <a:endParaRPr lang="en-US" dirty="0" smtClean="0"/>
-          </a:p>
-          <a:p>
-            <a:endParaRPr lang="en-US" dirty="0" smtClean="0"/>
-          </a:p>
-          <a:p>
-            <a:pPr lvl="1"/>
-            <a:endParaRPr lang="en-US" dirty="0" smtClean="0"/>
-          </a:p>
-          <a:p>
-            <a:endParaRPr lang="en-US" dirty="0" smtClean="0"/>
-          </a:p>
-          <a:p>
-            <a:pPr lvl="1"/>
-            <a:endParaRPr lang="en-US" dirty="0" smtClean="0"/>
-          </a:p>
-          <a:p>
-            <a:pPr lvl="1"/>
-            <a:endParaRPr lang="en-US" dirty="0" smtClean="0"/>
-          </a:p>
-          <a:p>
-            <a:pPr lvl="1"/>
-            <a:endParaRPr lang="en-US" dirty="0"/>
-          </a:p>
-          <a:p>
-            <a:pPr lvl="1"/>
-            <a:endParaRPr lang="en-US" dirty="0" smtClean="0"/>
-          </a:p>
-          <a:p>
-            <a:pPr lvl="1"/>
-            <a:endParaRPr lang="en-US" dirty="0"/>
+              <a:defRPr sz="4400" kern="1200" baseline="0">
+                <a:solidFill>
+                  <a:srgbClr val="FD7D00"/>
+                </a:solidFill>
+                <a:latin typeface="Corbel" panose="020B0503020204020204" pitchFamily="34" charset="0"/>
+                <a:ea typeface="+mj-ea"/>
+                <a:cs typeface="+mj-cs"/>
+              </a:defRPr>
+            </a:lvl1pPr>
+          </a:lstStyle>
+          <a:p>
+            <a:pPr algn="ctr"/>
+            <a:r>
+              <a:rPr lang="en-US" sz="4000" dirty="0" smtClean="0">
+                <a:solidFill>
+                  <a:srgbClr val="013947"/>
+                </a:solidFill>
+              </a:rPr>
+              <a:t>"Magic row IDs kill kittens!"</a:t>
+            </a:r>
+            <a:endParaRPr lang="en-US" sz="4000" dirty="0">
+              <a:solidFill>
+                <a:srgbClr val="013947"/>
+              </a:solidFill>
+            </a:endParaRPr>
           </a:p>
         </p:txBody>
       </p:sp>
     </p:spTree>
     <p:extLst>
       <p:ext uri="{BB962C8B-B14F-4D97-AF65-F5344CB8AC3E}">
-        <p14:creationId xmlns:p14="http://schemas.microsoft.com/office/powerpoint/2010/main" val="1649853421"/>
-      </p:ext>
-    </p:extLst>
-  </p:cSld>
-  <p:clrMapOvr>
-    <a:masterClrMapping/>
-  </p:clrMapOvr>
-  <p:timing>
-    <p:tnLst>
-      <p:par>
-        <p:cTn id="1" dur="indefinite" restart="never" nodeType="tmRoot"/>
-      </p:par>
-    </p:tnLst>
-  </p:timing>
-</p:sld>
-</file>
-
-<file path=ppt/slides/slide85.xml><?xml version="1.0" encoding="utf-8"?>
-<p:sld xmlns:a="http://schemas.openxmlformats.org/drawingml/2006/main" xmlns:r="http://schemas.openxmlformats.org/officeDocument/2006/relationships" xmlns:p="http://schemas.openxmlformats.org/presentationml/2006/main">
-  <p:cSld>
-    <p:spTree>
-      <p:nvGrpSpPr>
-        <p:cNvPr id="1" name=""/>
-        <p:cNvGrpSpPr/>
-        <p:nvPr/>
-      </p:nvGrpSpPr>
-      <p:grpSpPr>
-        <a:xfrm>
-          <a:off x="0" y="0"/>
-          <a:ext cx="0" cy="0"/>
-          <a:chOff x="0" y="0"/>
-          <a:chExt cx="0" cy="0"/>
-        </a:xfrm>
-      </p:grpSpPr>
-      <p:sp>
-        <p:nvSpPr>
-          <p:cNvPr id="2" name="Title 1"/>
-          <p:cNvSpPr>
-            <a:spLocks noGrp="1"/>
-          </p:cNvSpPr>
-          <p:nvPr>
-            <p:ph type="title"/>
-          </p:nvPr>
-        </p:nvSpPr>
-        <p:spPr>
-          <a:xfrm>
-            <a:off x="838200" y="365125"/>
-            <a:ext cx="10886768" cy="1325563"/>
-          </a:xfrm>
-        </p:spPr>
-        <p:txBody>
-          <a:bodyPr>
-            <a:noAutofit/>
-          </a:bodyPr>
-          <a:lstStyle/>
-          <a:p>
-            <a:r>
-              <a:rPr lang="en-US" sz="4800" dirty="0" smtClean="0"/>
-              <a:t>Frequently Asked Questions</a:t>
-            </a:r>
-            <a:endParaRPr lang="en-US" sz="4800" dirty="0"/>
-          </a:p>
-        </p:txBody>
-      </p:sp>
-      <p:sp>
-        <p:nvSpPr>
-          <p:cNvPr id="3" name="Content Placeholder 2"/>
-          <p:cNvSpPr>
-            <a:spLocks noGrp="1"/>
-          </p:cNvSpPr>
-          <p:nvPr>
-            <p:ph idx="1"/>
-          </p:nvPr>
-        </p:nvSpPr>
-        <p:spPr/>
-        <p:txBody>
-          <a:bodyPr>
-            <a:normAutofit/>
-          </a:bodyPr>
-          <a:lstStyle/>
-          <a:p>
-            <a:pPr marL="0" indent="0">
-              <a:buNone/>
-            </a:pPr>
-            <a:r>
-              <a:rPr lang="en-US" sz="4000" b="1" dirty="0" smtClean="0"/>
-              <a:t>Q:</a:t>
-            </a:r>
-            <a:r>
-              <a:rPr lang="en-US" sz="4000" dirty="0" smtClean="0"/>
-              <a:t> Does it hurt to be this awesome?</a:t>
-            </a:r>
-            <a:endParaRPr lang="en-US" sz="4000" dirty="0"/>
-          </a:p>
-          <a:p>
-            <a:endParaRPr lang="en-US" dirty="0" smtClean="0"/>
-          </a:p>
-          <a:p>
-            <a:pPr marL="0" indent="0">
-              <a:buNone/>
-            </a:pPr>
-            <a:endParaRPr lang="en-US" dirty="0"/>
-          </a:p>
-          <a:p>
-            <a:pPr marL="0" indent="0">
-              <a:buNone/>
-            </a:pPr>
-            <a:r>
-              <a:rPr lang="en-US" sz="4000" b="1" dirty="0" smtClean="0"/>
-              <a:t>A:</a:t>
-            </a:r>
-            <a:r>
-              <a:rPr lang="en-US" sz="4000" dirty="0" smtClean="0"/>
-              <a:t> Nope.</a:t>
-            </a:r>
-            <a:endParaRPr lang="en-US" sz="4000" dirty="0"/>
-          </a:p>
-          <a:p>
-            <a:endParaRPr lang="en-US" dirty="0" smtClean="0"/>
-          </a:p>
-          <a:p>
-            <a:endParaRPr lang="en-US" dirty="0" smtClean="0"/>
-          </a:p>
-          <a:p>
-            <a:pPr lvl="1"/>
-            <a:endParaRPr lang="en-US" dirty="0" smtClean="0"/>
-          </a:p>
-          <a:p>
-            <a:endParaRPr lang="en-US" dirty="0" smtClean="0"/>
-          </a:p>
-          <a:p>
-            <a:pPr lvl="1"/>
-            <a:endParaRPr lang="en-US" dirty="0" smtClean="0"/>
-          </a:p>
-          <a:p>
-            <a:pPr lvl="1"/>
-            <a:endParaRPr lang="en-US" dirty="0" smtClean="0"/>
-          </a:p>
-          <a:p>
-            <a:pPr lvl="1"/>
-            <a:endParaRPr lang="en-US" dirty="0"/>
-          </a:p>
-          <a:p>
-            <a:pPr lvl="1"/>
-            <a:endParaRPr lang="en-US" dirty="0" smtClean="0"/>
-          </a:p>
-          <a:p>
-            <a:pPr lvl="1"/>
-            <a:endParaRPr lang="en-US" dirty="0"/>
-          </a:p>
-        </p:txBody>
-      </p:sp>
-    </p:spTree>
-    <p:extLst>
-      <p:ext uri="{BB962C8B-B14F-4D97-AF65-F5344CB8AC3E}">
-        <p14:creationId xmlns:p14="http://schemas.microsoft.com/office/powerpoint/2010/main" val="3916945491"/>
-      </p:ext>
-    </p:extLst>
-  </p:cSld>
-  <p:clrMapOvr>
-    <a:masterClrMapping/>
-  </p:clrMapOvr>
-  <p:timing>
-    <p:tnLst>
-      <p:par>
-        <p:cTn id="1" dur="indefinite" restart="never" nodeType="tmRoot"/>
-      </p:par>
-    </p:tnLst>
-  </p:timing>
-</p:sld>
-</file>
-
-<file path=ppt/slides/slide86.xml><?xml version="1.0" encoding="utf-8"?>
-<p:sld xmlns:a="http://schemas.openxmlformats.org/drawingml/2006/main" xmlns:r="http://schemas.openxmlformats.org/officeDocument/2006/relationships" xmlns:p="http://schemas.openxmlformats.org/presentationml/2006/main">
-  <p:cSld>
-    <p:spTree>
-      <p:nvGrpSpPr>
-        <p:cNvPr id="1" name=""/>
-        <p:cNvGrpSpPr/>
-        <p:nvPr/>
-      </p:nvGrpSpPr>
-      <p:grpSpPr>
-        <a:xfrm>
-          <a:off x="0" y="0"/>
-          <a:ext cx="0" cy="0"/>
-          <a:chOff x="0" y="0"/>
-          <a:chExt cx="0" cy="0"/>
-        </a:xfrm>
-      </p:grpSpPr>
-      <p:sp>
-        <p:nvSpPr>
-          <p:cNvPr id="2" name="Title 1"/>
-          <p:cNvSpPr>
-            <a:spLocks noGrp="1"/>
-          </p:cNvSpPr>
-          <p:nvPr>
-            <p:ph type="title"/>
-          </p:nvPr>
-        </p:nvSpPr>
-        <p:spPr>
-          <a:xfrm>
-            <a:off x="838200" y="365125"/>
-            <a:ext cx="10886768" cy="1325563"/>
-          </a:xfrm>
-        </p:spPr>
-        <p:txBody>
-          <a:bodyPr>
-            <a:noAutofit/>
-          </a:bodyPr>
-          <a:lstStyle/>
-          <a:p>
-            <a:r>
-              <a:rPr lang="en-US" sz="4800" dirty="0" smtClean="0"/>
-              <a:t>Patterns of Effective Test Setup</a:t>
-            </a:r>
-            <a:endParaRPr lang="en-US" sz="4800" dirty="0"/>
-          </a:p>
-        </p:txBody>
-      </p:sp>
-      <p:sp>
-        <p:nvSpPr>
-          <p:cNvPr id="3" name="Content Placeholder 2"/>
-          <p:cNvSpPr>
-            <a:spLocks noGrp="1"/>
-          </p:cNvSpPr>
-          <p:nvPr>
-            <p:ph idx="1"/>
-          </p:nvPr>
-        </p:nvSpPr>
-        <p:spPr>
-          <a:xfrm>
-            <a:off x="838200" y="1825625"/>
-            <a:ext cx="10886768" cy="4899640"/>
-          </a:xfrm>
-        </p:spPr>
-        <p:txBody>
-          <a:bodyPr>
-            <a:normAutofit lnSpcReduction="10000"/>
-          </a:bodyPr>
-          <a:lstStyle/>
-          <a:p>
-            <a:r>
-              <a:rPr lang="en-US" sz="4000" dirty="0" smtClean="0"/>
-              <a:t>Stop creating objects by hand; use helpers</a:t>
-            </a:r>
-            <a:endParaRPr lang="en-US" sz="4000" dirty="0"/>
-          </a:p>
-          <a:p>
-            <a:r>
-              <a:rPr lang="en-US" sz="4000" dirty="0" smtClean="0"/>
-              <a:t>Specify </a:t>
-            </a:r>
-            <a:r>
-              <a:rPr lang="en-US" sz="4000" i="1" dirty="0" smtClean="0"/>
-              <a:t>only </a:t>
-            </a:r>
-            <a:r>
-              <a:rPr lang="en-US" sz="4000" dirty="0" smtClean="0"/>
-              <a:t>what matters</a:t>
-            </a:r>
-          </a:p>
-          <a:p>
-            <a:r>
-              <a:rPr lang="en-US" sz="4000" dirty="0" smtClean="0"/>
-              <a:t>Use scenarios for complex setup / for reuse</a:t>
-            </a:r>
-            <a:endParaRPr lang="en-US" sz="4000" dirty="0" smtClean="0">
-              <a:solidFill>
-                <a:schemeClr val="bg1">
-                  <a:lumMod val="65000"/>
-                </a:schemeClr>
-              </a:solidFill>
-            </a:endParaRPr>
-          </a:p>
-          <a:p>
-            <a:r>
-              <a:rPr lang="en-US" sz="4000" dirty="0" smtClean="0"/>
-              <a:t>Tell a story!</a:t>
-            </a:r>
-          </a:p>
-          <a:p>
-            <a:pPr marL="0" indent="0">
-              <a:buNone/>
-            </a:pPr>
-            <a:endParaRPr lang="en-US" sz="3200" dirty="0" smtClean="0">
-              <a:hlinkClick r:id="rId3"/>
-            </a:endParaRPr>
-          </a:p>
-          <a:p>
-            <a:pPr marL="0" indent="0">
-              <a:buNone/>
-            </a:pPr>
-            <a:r>
-              <a:rPr lang="en-US" sz="3600" dirty="0" smtClean="0">
-                <a:hlinkClick r:id="rId3"/>
-              </a:rPr>
-              <a:t>github.com/</a:t>
-            </a:r>
-            <a:r>
-              <a:rPr lang="en-US" sz="3600" dirty="0" err="1" smtClean="0">
-                <a:hlinkClick r:id="rId3"/>
-              </a:rPr>
-              <a:t>spetryjohnson</a:t>
-            </a:r>
-            <a:r>
-              <a:rPr lang="en-US" sz="3600" dirty="0" smtClean="0"/>
-              <a:t> </a:t>
-            </a:r>
-            <a:r>
-              <a:rPr lang="en-US" sz="3600" dirty="0" smtClean="0">
-                <a:solidFill>
-                  <a:schemeClr val="bg1">
-                    <a:lumMod val="50000"/>
-                  </a:schemeClr>
-                </a:solidFill>
-              </a:rPr>
-              <a:t>|</a:t>
-            </a:r>
-            <a:r>
-              <a:rPr lang="en-US" sz="3600" dirty="0" smtClean="0"/>
-              <a:t> </a:t>
-            </a:r>
-            <a:r>
-              <a:rPr lang="en-US" sz="3600" dirty="0" smtClean="0">
-                <a:hlinkClick r:id="rId4"/>
-              </a:rPr>
-              <a:t>www.petry-johnson.com</a:t>
-            </a:r>
-            <a:r>
-              <a:rPr lang="en-US" sz="3600" dirty="0" smtClean="0"/>
-              <a:t/>
-            </a:r>
-            <a:br>
-              <a:rPr lang="en-US" sz="3600" dirty="0" smtClean="0"/>
-            </a:br>
-            <a:endParaRPr lang="en-US" sz="3600" dirty="0"/>
-          </a:p>
-          <a:p>
-            <a:pPr marL="0" indent="0" algn="ctr">
-              <a:buNone/>
-            </a:pPr>
-            <a:r>
-              <a:rPr lang="en-US" sz="3600" b="1" dirty="0" smtClean="0"/>
-              <a:t>@</a:t>
-            </a:r>
-            <a:r>
-              <a:rPr lang="en-US" sz="3600" b="1" dirty="0" err="1" smtClean="0"/>
-              <a:t>spetryjohnson</a:t>
-            </a:r>
-            <a:endParaRPr lang="en-US" b="1" dirty="0" smtClean="0"/>
-          </a:p>
-          <a:p>
-            <a:endParaRPr lang="en-US" dirty="0" smtClean="0"/>
-          </a:p>
-          <a:p>
-            <a:pPr lvl="1"/>
-            <a:endParaRPr lang="en-US" dirty="0" smtClean="0"/>
-          </a:p>
-          <a:p>
-            <a:pPr lvl="1"/>
-            <a:endParaRPr lang="en-US" dirty="0" smtClean="0"/>
-          </a:p>
-          <a:p>
-            <a:pPr lvl="1"/>
-            <a:endParaRPr lang="en-US" dirty="0"/>
-          </a:p>
-          <a:p>
-            <a:pPr lvl="1"/>
-            <a:endParaRPr lang="en-US" dirty="0" smtClean="0"/>
-          </a:p>
-          <a:p>
-            <a:pPr lvl="1"/>
-            <a:endParaRPr lang="en-US" dirty="0"/>
-          </a:p>
-        </p:txBody>
-      </p:sp>
-    </p:spTree>
-    <p:extLst>
-      <p:ext uri="{BB962C8B-B14F-4D97-AF65-F5344CB8AC3E}">
-        <p14:creationId xmlns:p14="http://schemas.microsoft.com/office/powerpoint/2010/main" val="659085787"/>
+        <p14:creationId xmlns:p14="http://schemas.microsoft.com/office/powerpoint/2010/main" val="4206532987"/>
       </p:ext>
     </p:extLst>
   </p:cSld>
@@ -25578,6 +26551,393 @@
     <p:extLst>
       <p:ext uri="{BB962C8B-B14F-4D97-AF65-F5344CB8AC3E}">
         <p14:creationId xmlns:p14="http://schemas.microsoft.com/office/powerpoint/2010/main" val="1979340717"/>
+      </p:ext>
+    </p:extLst>
+  </p:cSld>
+  <p:clrMapOvr>
+    <a:masterClrMapping/>
+  </p:clrMapOvr>
+  <p:timing>
+    <p:tnLst>
+      <p:par>
+        <p:cTn id="1" dur="indefinite" restart="never" nodeType="tmRoot"/>
+      </p:par>
+    </p:tnLst>
+  </p:timing>
+</p:sld>
+</file>
+
+<file path=ppt/slides/slide90.xml><?xml version="1.0" encoding="utf-8"?>
+<p:sld xmlns:a="http://schemas.openxmlformats.org/drawingml/2006/main" xmlns:r="http://schemas.openxmlformats.org/officeDocument/2006/relationships" xmlns:p="http://schemas.openxmlformats.org/presentationml/2006/main">
+  <p:cSld>
+    <p:spTree>
+      <p:nvGrpSpPr>
+        <p:cNvPr id="1" name=""/>
+        <p:cNvGrpSpPr/>
+        <p:nvPr/>
+      </p:nvGrpSpPr>
+      <p:grpSpPr>
+        <a:xfrm>
+          <a:off x="0" y="0"/>
+          <a:ext cx="0" cy="0"/>
+          <a:chOff x="0" y="0"/>
+          <a:chExt cx="0" cy="0"/>
+        </a:xfrm>
+      </p:grpSpPr>
+      <p:sp>
+        <p:nvSpPr>
+          <p:cNvPr id="2" name="Title 1"/>
+          <p:cNvSpPr>
+            <a:spLocks noGrp="1"/>
+          </p:cNvSpPr>
+          <p:nvPr>
+            <p:ph type="title"/>
+          </p:nvPr>
+        </p:nvSpPr>
+        <p:spPr>
+          <a:xfrm>
+            <a:off x="838200" y="365125"/>
+            <a:ext cx="10886768" cy="1325563"/>
+          </a:xfrm>
+        </p:spPr>
+        <p:txBody>
+          <a:bodyPr>
+            <a:noAutofit/>
+          </a:bodyPr>
+          <a:lstStyle/>
+          <a:p>
+            <a:r>
+              <a:rPr lang="en-US" sz="4800" dirty="0" smtClean="0"/>
+              <a:t>How to get started?</a:t>
+            </a:r>
+            <a:endParaRPr lang="en-US" sz="4800" dirty="0"/>
+          </a:p>
+        </p:txBody>
+      </p:sp>
+      <p:sp>
+        <p:nvSpPr>
+          <p:cNvPr id="3" name="Content Placeholder 2"/>
+          <p:cNvSpPr>
+            <a:spLocks noGrp="1"/>
+          </p:cNvSpPr>
+          <p:nvPr>
+            <p:ph idx="1"/>
+          </p:nvPr>
+        </p:nvSpPr>
+        <p:spPr/>
+        <p:txBody>
+          <a:bodyPr>
+            <a:normAutofit/>
+          </a:bodyPr>
+          <a:lstStyle/>
+          <a:p>
+            <a:r>
+              <a:rPr lang="en-US" sz="4000" dirty="0" smtClean="0"/>
+              <a:t>Start w/ simple objects first</a:t>
+            </a:r>
+            <a:br>
+              <a:rPr lang="en-US" sz="4000" dirty="0" smtClean="0"/>
+            </a:br>
+            <a:endParaRPr lang="en-US" sz="4000" dirty="0" smtClean="0"/>
+          </a:p>
+          <a:p>
+            <a:r>
+              <a:rPr lang="en-US" sz="4000" dirty="0" smtClean="0"/>
+              <a:t>Keep it clean / refactor as you go</a:t>
+            </a:r>
+            <a:br>
+              <a:rPr lang="en-US" sz="4000" dirty="0" smtClean="0"/>
+            </a:br>
+            <a:endParaRPr lang="en-US" sz="4000" dirty="0" smtClean="0"/>
+          </a:p>
+          <a:p>
+            <a:r>
+              <a:rPr lang="en-US" sz="4000" dirty="0" smtClean="0"/>
+              <a:t>No time like the present!</a:t>
+            </a:r>
+            <a:endParaRPr lang="en-US" sz="4000" dirty="0"/>
+          </a:p>
+          <a:p>
+            <a:endParaRPr lang="en-US" dirty="0" smtClean="0"/>
+          </a:p>
+          <a:p>
+            <a:pPr marL="0" indent="0">
+              <a:buNone/>
+            </a:pPr>
+            <a:endParaRPr lang="en-US" dirty="0"/>
+          </a:p>
+          <a:p>
+            <a:endParaRPr lang="en-US" dirty="0" smtClean="0"/>
+          </a:p>
+          <a:p>
+            <a:endParaRPr lang="en-US" dirty="0" smtClean="0"/>
+          </a:p>
+          <a:p>
+            <a:pPr lvl="1"/>
+            <a:endParaRPr lang="en-US" dirty="0" smtClean="0"/>
+          </a:p>
+          <a:p>
+            <a:endParaRPr lang="en-US" dirty="0" smtClean="0"/>
+          </a:p>
+          <a:p>
+            <a:pPr lvl="1"/>
+            <a:endParaRPr lang="en-US" dirty="0" smtClean="0"/>
+          </a:p>
+          <a:p>
+            <a:pPr lvl="1"/>
+            <a:endParaRPr lang="en-US" dirty="0" smtClean="0"/>
+          </a:p>
+          <a:p>
+            <a:pPr lvl="1"/>
+            <a:endParaRPr lang="en-US" dirty="0"/>
+          </a:p>
+          <a:p>
+            <a:pPr lvl="1"/>
+            <a:endParaRPr lang="en-US" dirty="0" smtClean="0"/>
+          </a:p>
+          <a:p>
+            <a:pPr lvl="1"/>
+            <a:endParaRPr lang="en-US" dirty="0"/>
+          </a:p>
+        </p:txBody>
+      </p:sp>
+    </p:spTree>
+    <p:extLst>
+      <p:ext uri="{BB962C8B-B14F-4D97-AF65-F5344CB8AC3E}">
+        <p14:creationId xmlns:p14="http://schemas.microsoft.com/office/powerpoint/2010/main" val="1649853421"/>
+      </p:ext>
+    </p:extLst>
+  </p:cSld>
+  <p:clrMapOvr>
+    <a:masterClrMapping/>
+  </p:clrMapOvr>
+  <p:timing>
+    <p:tnLst>
+      <p:par>
+        <p:cTn id="1" dur="indefinite" restart="never" nodeType="tmRoot"/>
+      </p:par>
+    </p:tnLst>
+  </p:timing>
+</p:sld>
+</file>
+
+<file path=ppt/slides/slide91.xml><?xml version="1.0" encoding="utf-8"?>
+<p:sld xmlns:a="http://schemas.openxmlformats.org/drawingml/2006/main" xmlns:r="http://schemas.openxmlformats.org/officeDocument/2006/relationships" xmlns:p="http://schemas.openxmlformats.org/presentationml/2006/main">
+  <p:cSld>
+    <p:spTree>
+      <p:nvGrpSpPr>
+        <p:cNvPr id="1" name=""/>
+        <p:cNvGrpSpPr/>
+        <p:nvPr/>
+      </p:nvGrpSpPr>
+      <p:grpSpPr>
+        <a:xfrm>
+          <a:off x="0" y="0"/>
+          <a:ext cx="0" cy="0"/>
+          <a:chOff x="0" y="0"/>
+          <a:chExt cx="0" cy="0"/>
+        </a:xfrm>
+      </p:grpSpPr>
+      <p:sp>
+        <p:nvSpPr>
+          <p:cNvPr id="2" name="Title 1"/>
+          <p:cNvSpPr>
+            <a:spLocks noGrp="1"/>
+          </p:cNvSpPr>
+          <p:nvPr>
+            <p:ph type="title"/>
+          </p:nvPr>
+        </p:nvSpPr>
+        <p:spPr>
+          <a:xfrm>
+            <a:off x="838200" y="365125"/>
+            <a:ext cx="10886768" cy="1325563"/>
+          </a:xfrm>
+        </p:spPr>
+        <p:txBody>
+          <a:bodyPr>
+            <a:noAutofit/>
+          </a:bodyPr>
+          <a:lstStyle/>
+          <a:p>
+            <a:r>
+              <a:rPr lang="en-US" sz="4800" dirty="0" smtClean="0"/>
+              <a:t>Patterns of Effective Test Setup</a:t>
+            </a:r>
+            <a:endParaRPr lang="en-US" sz="4800" dirty="0"/>
+          </a:p>
+        </p:txBody>
+      </p:sp>
+      <p:sp>
+        <p:nvSpPr>
+          <p:cNvPr id="3" name="Content Placeholder 2"/>
+          <p:cNvSpPr>
+            <a:spLocks noGrp="1"/>
+          </p:cNvSpPr>
+          <p:nvPr>
+            <p:ph idx="1"/>
+          </p:nvPr>
+        </p:nvSpPr>
+        <p:spPr>
+          <a:xfrm>
+            <a:off x="838200" y="1825625"/>
+            <a:ext cx="11137490" cy="4899640"/>
+          </a:xfrm>
+        </p:spPr>
+        <p:txBody>
+          <a:bodyPr>
+            <a:normAutofit lnSpcReduction="10000"/>
+          </a:bodyPr>
+          <a:lstStyle/>
+          <a:p>
+            <a:r>
+              <a:rPr lang="en-US" sz="4000" dirty="0" smtClean="0"/>
+              <a:t>Stop creating objects by hand; use helpers</a:t>
+            </a:r>
+            <a:endParaRPr lang="en-US" sz="4000" dirty="0"/>
+          </a:p>
+          <a:p>
+            <a:r>
+              <a:rPr lang="en-US" sz="4000" dirty="0"/>
+              <a:t>Use defaults; specify </a:t>
+            </a:r>
+            <a:r>
+              <a:rPr lang="en-US" sz="4000" i="1" dirty="0"/>
+              <a:t>only </a:t>
+            </a:r>
+            <a:r>
+              <a:rPr lang="en-US" sz="4000" dirty="0"/>
+              <a:t>what impacts </a:t>
+            </a:r>
+            <a:r>
+              <a:rPr lang="en-US" sz="4000" dirty="0" smtClean="0"/>
+              <a:t>outcome</a:t>
+            </a:r>
+            <a:endParaRPr lang="en-US" sz="4000" dirty="0" smtClean="0"/>
+          </a:p>
+          <a:p>
+            <a:r>
+              <a:rPr lang="en-US" sz="4000" dirty="0" smtClean="0"/>
+              <a:t>Use scenarios for complex setup / for reuse</a:t>
+            </a:r>
+            <a:endParaRPr lang="en-US" sz="4000" dirty="0" smtClean="0">
+              <a:solidFill>
+                <a:schemeClr val="bg1">
+                  <a:lumMod val="65000"/>
+                </a:schemeClr>
+              </a:solidFill>
+            </a:endParaRPr>
+          </a:p>
+          <a:p>
+            <a:r>
+              <a:rPr lang="en-US" sz="4000" dirty="0" smtClean="0"/>
+              <a:t>Tell </a:t>
+            </a:r>
+            <a:r>
+              <a:rPr lang="en-US" sz="4000" dirty="0" smtClean="0"/>
+              <a:t>a story!</a:t>
+            </a:r>
+          </a:p>
+          <a:p>
+            <a:pPr marL="0" indent="0">
+              <a:buNone/>
+            </a:pPr>
+            <a:endParaRPr lang="en-US" sz="3200" dirty="0" smtClean="0">
+              <a:hlinkClick r:id="rId3"/>
+            </a:endParaRPr>
+          </a:p>
+          <a:p>
+            <a:pPr marL="0" indent="0">
+              <a:buNone/>
+            </a:pPr>
+            <a:r>
+              <a:rPr lang="en-US" sz="3600" dirty="0" smtClean="0">
+                <a:hlinkClick r:id="rId3"/>
+              </a:rPr>
+              <a:t>github.com/</a:t>
+            </a:r>
+            <a:r>
+              <a:rPr lang="en-US" sz="3600" dirty="0" err="1" smtClean="0">
+                <a:hlinkClick r:id="rId3"/>
+              </a:rPr>
+              <a:t>spetryjohnson</a:t>
+            </a:r>
+            <a:r>
+              <a:rPr lang="en-US" sz="3600" dirty="0" smtClean="0"/>
+              <a:t> </a:t>
+            </a:r>
+            <a:r>
+              <a:rPr lang="en-US" sz="3600" dirty="0" smtClean="0">
+                <a:solidFill>
+                  <a:schemeClr val="bg1">
+                    <a:lumMod val="50000"/>
+                  </a:schemeClr>
+                </a:solidFill>
+              </a:rPr>
+              <a:t>|</a:t>
+            </a:r>
+            <a:r>
+              <a:rPr lang="en-US" sz="3600" dirty="0" smtClean="0"/>
+              <a:t> </a:t>
+            </a:r>
+            <a:r>
+              <a:rPr lang="en-US" sz="3600" dirty="0" smtClean="0">
+                <a:hlinkClick r:id="rId4"/>
+              </a:rPr>
+              <a:t>www.petry-johnson.com</a:t>
+            </a:r>
+            <a:r>
+              <a:rPr lang="en-US" sz="3600" dirty="0" smtClean="0"/>
+              <a:t/>
+            </a:r>
+            <a:br>
+              <a:rPr lang="en-US" sz="3600" dirty="0" smtClean="0"/>
+            </a:br>
+            <a:endParaRPr lang="en-US" sz="3600" dirty="0"/>
+          </a:p>
+          <a:p>
+            <a:pPr marL="0" indent="0" algn="ctr">
+              <a:buNone/>
+            </a:pPr>
+            <a:r>
+              <a:rPr lang="en-US" sz="3600" b="1" dirty="0" smtClean="0"/>
+              <a:t>@</a:t>
+            </a:r>
+            <a:r>
+              <a:rPr lang="en-US" sz="3600" b="1" dirty="0" err="1" smtClean="0"/>
+              <a:t>spetryjohnson</a:t>
+            </a:r>
+            <a:endParaRPr lang="en-US" b="1" dirty="0" smtClean="0"/>
+          </a:p>
+          <a:p>
+            <a:endParaRPr lang="en-US" dirty="0" smtClean="0"/>
+          </a:p>
+          <a:p>
+            <a:pPr lvl="1"/>
+            <a:endParaRPr lang="en-US" dirty="0" smtClean="0"/>
+          </a:p>
+          <a:p>
+            <a:pPr lvl="1"/>
+            <a:endParaRPr lang="en-US" dirty="0" smtClean="0"/>
+          </a:p>
+          <a:p>
+            <a:pPr lvl="1"/>
+            <a:endParaRPr lang="en-US" dirty="0"/>
+          </a:p>
+          <a:p>
+            <a:pPr lvl="1"/>
+            <a:endParaRPr lang="en-US" dirty="0" smtClean="0"/>
+          </a:p>
+          <a:p>
+            <a:pPr lvl="1"/>
+            <a:endParaRPr lang="en-US" dirty="0"/>
+          </a:p>
+        </p:txBody>
+      </p:sp>
+    </p:spTree>
+    <p:extLst>
+      <p:ext uri="{BB962C8B-B14F-4D97-AF65-F5344CB8AC3E}">
+        <p14:creationId xmlns:p14="http://schemas.microsoft.com/office/powerpoint/2010/main" val="659085787"/>
       </p:ext>
     </p:extLst>
   </p:cSld>

--- a/POETS - CodeMash 2017.pptx
+++ b/POETS - CodeMash 2017.pptx
@@ -33,22 +33,22 @@
     <p:sldId id="450" r:id="rId24"/>
     <p:sldId id="451" r:id="rId25"/>
     <p:sldId id="452" r:id="rId26"/>
-    <p:sldId id="399" r:id="rId27"/>
-    <p:sldId id="276" r:id="rId28"/>
-    <p:sldId id="419" r:id="rId29"/>
-    <p:sldId id="289" r:id="rId30"/>
-    <p:sldId id="313" r:id="rId31"/>
-    <p:sldId id="314" r:id="rId32"/>
-    <p:sldId id="315" r:id="rId33"/>
-    <p:sldId id="328" r:id="rId34"/>
-    <p:sldId id="290" r:id="rId35"/>
-    <p:sldId id="420" r:id="rId36"/>
-    <p:sldId id="401" r:id="rId37"/>
-    <p:sldId id="421" r:id="rId38"/>
-    <p:sldId id="402" r:id="rId39"/>
-    <p:sldId id="397" r:id="rId40"/>
-    <p:sldId id="422" r:id="rId41"/>
-    <p:sldId id="356" r:id="rId42"/>
+    <p:sldId id="419" r:id="rId27"/>
+    <p:sldId id="289" r:id="rId28"/>
+    <p:sldId id="313" r:id="rId29"/>
+    <p:sldId id="314" r:id="rId30"/>
+    <p:sldId id="315" r:id="rId31"/>
+    <p:sldId id="328" r:id="rId32"/>
+    <p:sldId id="290" r:id="rId33"/>
+    <p:sldId id="420" r:id="rId34"/>
+    <p:sldId id="401" r:id="rId35"/>
+    <p:sldId id="421" r:id="rId36"/>
+    <p:sldId id="402" r:id="rId37"/>
+    <p:sldId id="472" r:id="rId38"/>
+    <p:sldId id="397" r:id="rId39"/>
+    <p:sldId id="422" r:id="rId40"/>
+    <p:sldId id="356" r:id="rId41"/>
+    <p:sldId id="473" r:id="rId42"/>
     <p:sldId id="376" r:id="rId43"/>
     <p:sldId id="377" r:id="rId44"/>
     <p:sldId id="378" r:id="rId45"/>
@@ -298,7 +298,7 @@
           <a:p>
             <a:fld id="{C54A4886-B4AF-42F7-97BE-95CDF82A73E3}" type="datetimeFigureOut">
               <a:rPr lang="en-US" smtClean="0"/>
-              <a:t>11/22/2016</a:t>
+              <a:t>11/24/2016</a:t>
             </a:fld>
             <a:endParaRPr lang="en-US"/>
           </a:p>
@@ -1041,6 +1041,37 @@
           <a:bodyPr/>
           <a:lstStyle/>
           <a:p>
+            <a:pPr marL="0" marR="0" lvl="0" indent="0" algn="l" defTabSz="914400" rtl="0" eaLnBrk="1" fontAlgn="auto" latinLnBrk="0" hangingPunct="1">
+              <a:lnSpc>
+                <a:spcPct val="100000"/>
+              </a:lnSpc>
+              <a:spcBef>
+                <a:spcPts val="0"/>
+              </a:spcBef>
+              <a:spcAft>
+                <a:spcPts val="0"/>
+              </a:spcAft>
+              <a:buClrTx/>
+              <a:buSzTx/>
+              <a:buFontTx/>
+              <a:buNone/>
+              <a:tabLst/>
+              <a:defRPr/>
+            </a:pPr>
+            <a:r>
+              <a:rPr lang="en-US" sz="1200" kern="1200" dirty="0" smtClean="0">
+                <a:solidFill>
+                  <a:schemeClr val="tx1"/>
+                </a:solidFill>
+                <a:effectLst/>
+                <a:latin typeface="+mn-lt"/>
+                <a:ea typeface="+mn-ea"/>
+                <a:cs typeface="+mn-cs"/>
+              </a:rPr>
+              <a:t>Today we’re going to talk about what it means to have effective test setup patterns, we’re going to look at the mistakes you’re making today that reduce the effectiveness of your setup code, and then I’ll show you a number of patterns and techniques to do instead. We’ll finish by looking at ways for applying these same patterns and techniques to integration tests as well as unit tests. </a:t>
+            </a:r>
+          </a:p>
+          <a:p>
             <a:endParaRPr lang="en-US" b="0" dirty="0" smtClean="0"/>
           </a:p>
         </p:txBody>
@@ -1125,6 +1156,37 @@
           <a:bodyPr/>
           <a:lstStyle/>
           <a:p>
+            <a:pPr marL="0" marR="0" lvl="0" indent="0" algn="l" defTabSz="914400" rtl="0" eaLnBrk="1" fontAlgn="auto" latinLnBrk="0" hangingPunct="1">
+              <a:lnSpc>
+                <a:spcPct val="100000"/>
+              </a:lnSpc>
+              <a:spcBef>
+                <a:spcPts val="0"/>
+              </a:spcBef>
+              <a:spcAft>
+                <a:spcPts val="0"/>
+              </a:spcAft>
+              <a:buClrTx/>
+              <a:buSzTx/>
+              <a:buFontTx/>
+              <a:buNone/>
+              <a:tabLst/>
+              <a:defRPr/>
+            </a:pPr>
+            <a:r>
+              <a:rPr lang="en-US" sz="1200" kern="1200" dirty="0" smtClean="0">
+                <a:solidFill>
+                  <a:schemeClr val="tx1"/>
+                </a:solidFill>
+                <a:effectLst/>
+                <a:latin typeface="+mn-lt"/>
+                <a:ea typeface="+mn-ea"/>
+                <a:cs typeface="+mn-cs"/>
+              </a:rPr>
+              <a:t>But, let’s walk before we run. The first thing we need to do is answer these two questions. What do I mean by “test setup”, and how do we know if it’s being done effectively?</a:t>
+            </a:r>
+          </a:p>
+          <a:p>
             <a:endParaRPr lang="en-US" baseline="0" dirty="0" smtClean="0"/>
           </a:p>
         </p:txBody>
@@ -1209,6 +1271,34 @@
           <a:bodyPr/>
           <a:lstStyle/>
           <a:p>
+            <a:r>
+              <a:rPr lang="en-US" sz="1200" kern="1200" dirty="0" smtClean="0">
+                <a:solidFill>
+                  <a:schemeClr val="tx1"/>
+                </a:solidFill>
+                <a:effectLst/>
+                <a:latin typeface="+mn-lt"/>
+                <a:ea typeface="+mn-ea"/>
+                <a:cs typeface="+mn-cs"/>
+              </a:rPr>
+              <a:t>By “test setup”, I mean anything that you do to create the baseline “input” for a test. This could mean creating objects in memory. It could mean putting data into a database. It could mean putting files on a file system. This could also mean setup code that’s shared between multiple tests or it could be setup code that’s unique to a specific test. </a:t>
+            </a:r>
+          </a:p>
+          <a:p>
+            <a:r>
+              <a:rPr lang="en-US" sz="1200" kern="1200" dirty="0" smtClean="0">
+                <a:solidFill>
+                  <a:schemeClr val="tx1"/>
+                </a:solidFill>
+                <a:effectLst/>
+                <a:latin typeface="+mn-lt"/>
+                <a:ea typeface="+mn-ea"/>
+                <a:cs typeface="+mn-cs"/>
+              </a:rPr>
+              <a:t>In general, I would include mocking and stubbing as “test setup”, but I’m focusing mostly on test data today.</a:t>
+            </a:r>
+          </a:p>
+          <a:p>
             <a:endParaRPr lang="en-US" baseline="0" dirty="0" smtClean="0"/>
           </a:p>
         </p:txBody>
@@ -1293,6 +1383,37 @@
           <a:bodyPr/>
           <a:lstStyle/>
           <a:p>
+            <a:pPr marL="0" marR="0" lvl="0" indent="0" algn="l" defTabSz="914400" rtl="0" eaLnBrk="1" fontAlgn="auto" latinLnBrk="0" hangingPunct="1">
+              <a:lnSpc>
+                <a:spcPct val="100000"/>
+              </a:lnSpc>
+              <a:spcBef>
+                <a:spcPts val="0"/>
+              </a:spcBef>
+              <a:spcAft>
+                <a:spcPts val="0"/>
+              </a:spcAft>
+              <a:buClrTx/>
+              <a:buSzTx/>
+              <a:buFontTx/>
+              <a:buNone/>
+              <a:tabLst/>
+              <a:defRPr/>
+            </a:pPr>
+            <a:r>
+              <a:rPr lang="en-US" sz="1200" kern="1200" dirty="0" smtClean="0">
+                <a:solidFill>
+                  <a:schemeClr val="tx1"/>
+                </a:solidFill>
+                <a:effectLst/>
+                <a:latin typeface="+mn-lt"/>
+                <a:ea typeface="+mn-ea"/>
+                <a:cs typeface="+mn-cs"/>
+              </a:rPr>
+              <a:t>When I say effective test setup, I’m referring to the art of writing clean, expressive setup that doesn’t suck. </a:t>
+            </a:r>
+          </a:p>
+          <a:p>
             <a:endParaRPr lang="en-US" baseline="0" dirty="0" smtClean="0"/>
           </a:p>
         </p:txBody>
@@ -1377,6 +1498,37 @@
           <a:bodyPr/>
           <a:lstStyle/>
           <a:p>
+            <a:pPr marL="0" marR="0" lvl="0" indent="0" algn="l" defTabSz="914400" rtl="0" eaLnBrk="1" fontAlgn="auto" latinLnBrk="0" hangingPunct="1">
+              <a:lnSpc>
+                <a:spcPct val="100000"/>
+              </a:lnSpc>
+              <a:spcBef>
+                <a:spcPts val="0"/>
+              </a:spcBef>
+              <a:spcAft>
+                <a:spcPts val="0"/>
+              </a:spcAft>
+              <a:buClrTx/>
+              <a:buSzTx/>
+              <a:buFontTx/>
+              <a:buNone/>
+              <a:tabLst/>
+              <a:defRPr/>
+            </a:pPr>
+            <a:r>
+              <a:rPr lang="en-US" sz="1200" kern="1200" dirty="0" smtClean="0">
+                <a:solidFill>
+                  <a:schemeClr val="tx1"/>
+                </a:solidFill>
+                <a:effectLst/>
+                <a:latin typeface="+mn-lt"/>
+                <a:ea typeface="+mn-ea"/>
+                <a:cs typeface="+mn-cs"/>
+              </a:rPr>
+              <a:t>Or, more precisely, I’m referring to coding patterns that increase the value that automated testing provides to your project</a:t>
+            </a:r>
+          </a:p>
+          <a:p>
             <a:endParaRPr lang="en-US" baseline="0" dirty="0" smtClean="0"/>
           </a:p>
         </p:txBody>
@@ -1461,6 +1613,61 @@
           <a:bodyPr/>
           <a:lstStyle/>
           <a:p>
+            <a:pPr marL="0" marR="0" lvl="0" indent="0" algn="l" defTabSz="914400" rtl="0" eaLnBrk="1" fontAlgn="auto" latinLnBrk="0" hangingPunct="1">
+              <a:lnSpc>
+                <a:spcPct val="100000"/>
+              </a:lnSpc>
+              <a:spcBef>
+                <a:spcPts val="0"/>
+              </a:spcBef>
+              <a:spcAft>
+                <a:spcPts val="0"/>
+              </a:spcAft>
+              <a:buClrTx/>
+              <a:buSzTx/>
+              <a:buFontTx/>
+              <a:buNone/>
+              <a:tabLst/>
+              <a:defRPr/>
+            </a:pPr>
+            <a:r>
+              <a:rPr lang="en-US" sz="1200" kern="1200" dirty="0" smtClean="0">
+                <a:solidFill>
+                  <a:schemeClr val="tx1"/>
+                </a:solidFill>
+                <a:effectLst/>
+                <a:latin typeface="+mn-lt"/>
+                <a:ea typeface="+mn-ea"/>
+                <a:cs typeface="+mn-cs"/>
+              </a:rPr>
+              <a:t>First, tests are so easy to write, that you write a metric </a:t>
+            </a:r>
+            <a:r>
+              <a:rPr lang="en-US" sz="1200" kern="1200" dirty="0" err="1" smtClean="0">
+                <a:solidFill>
+                  <a:schemeClr val="tx1"/>
+                </a:solidFill>
+                <a:effectLst/>
+                <a:latin typeface="+mn-lt"/>
+                <a:ea typeface="+mn-ea"/>
+                <a:cs typeface="+mn-cs"/>
+              </a:rPr>
+              <a:t>crapton</a:t>
+            </a:r>
+            <a:r>
+              <a:rPr lang="en-US" sz="1200" kern="1200" dirty="0" smtClean="0">
+                <a:solidFill>
+                  <a:schemeClr val="tx1"/>
+                </a:solidFill>
+                <a:effectLst/>
+                <a:latin typeface="+mn-lt"/>
+                <a:ea typeface="+mn-ea"/>
+                <a:cs typeface="+mn-cs"/>
+              </a:rPr>
+              <a:t> of them. There’s something really enjoyable about getting into that TDD rhythm of red-green-refactor, but you can only do that if tests are painless to author. And if tests are painless to author, then either your code is simple or you’ve deliberately made them painless to author.</a:t>
+            </a:r>
+          </a:p>
+          <a:p>
             <a:endParaRPr lang="en-US" baseline="0" dirty="0" smtClean="0"/>
           </a:p>
         </p:txBody>
@@ -1545,6 +1752,109 @@
           <a:bodyPr/>
           <a:lstStyle/>
           <a:p>
+            <a:pPr marL="0" marR="0" lvl="0" indent="0" algn="l" defTabSz="914400" rtl="0" eaLnBrk="1" fontAlgn="auto" latinLnBrk="0" hangingPunct="1">
+              <a:lnSpc>
+                <a:spcPct val="100000"/>
+              </a:lnSpc>
+              <a:spcBef>
+                <a:spcPts val="0"/>
+              </a:spcBef>
+              <a:spcAft>
+                <a:spcPts val="0"/>
+              </a:spcAft>
+              <a:buClrTx/>
+              <a:buSzTx/>
+              <a:buFontTx/>
+              <a:buNone/>
+              <a:tabLst/>
+              <a:defRPr/>
+            </a:pPr>
+            <a:r>
+              <a:rPr lang="en-US" sz="1200" kern="1200" dirty="0" smtClean="0">
+                <a:solidFill>
+                  <a:schemeClr val="tx1"/>
+                </a:solidFill>
+                <a:effectLst/>
+                <a:latin typeface="+mn-lt"/>
+                <a:ea typeface="+mn-ea"/>
+                <a:cs typeface="+mn-cs"/>
+              </a:rPr>
+              <a:t>Second, it’s a good sign if all of your tests are short and sweet. My rough rule of thumb is that the entire test should fit on the screen at one time. If your tests routinely require 2 or 3 </a:t>
+            </a:r>
+            <a:r>
+              <a:rPr lang="en-US" sz="1200" kern="1200" dirty="0" err="1" smtClean="0">
+                <a:solidFill>
+                  <a:schemeClr val="tx1"/>
+                </a:solidFill>
+                <a:effectLst/>
+                <a:latin typeface="+mn-lt"/>
+                <a:ea typeface="+mn-ea"/>
+                <a:cs typeface="+mn-cs"/>
+              </a:rPr>
+              <a:t>screenfuls</a:t>
+            </a:r>
+            <a:r>
+              <a:rPr lang="en-US" sz="1200" kern="1200" dirty="0" smtClean="0">
+                <a:solidFill>
+                  <a:schemeClr val="tx1"/>
+                </a:solidFill>
+                <a:effectLst/>
+                <a:latin typeface="+mn-lt"/>
+                <a:ea typeface="+mn-ea"/>
+                <a:cs typeface="+mn-cs"/>
+              </a:rPr>
+              <a:t> of code then my guess is that they are </a:t>
+            </a:r>
+            <a:r>
+              <a:rPr lang="en-US" sz="1200" i="1" kern="1200" dirty="0" smtClean="0">
+                <a:solidFill>
+                  <a:schemeClr val="tx1"/>
+                </a:solidFill>
+                <a:effectLst/>
+                <a:latin typeface="+mn-lt"/>
+                <a:ea typeface="+mn-ea"/>
+                <a:cs typeface="+mn-cs"/>
+              </a:rPr>
+              <a:t>not </a:t>
+            </a:r>
+            <a:r>
+              <a:rPr lang="en-US" sz="1200" kern="1200" dirty="0" smtClean="0">
+                <a:solidFill>
+                  <a:schemeClr val="tx1"/>
+                </a:solidFill>
+                <a:effectLst/>
+                <a:latin typeface="+mn-lt"/>
+                <a:ea typeface="+mn-ea"/>
+                <a:cs typeface="+mn-cs"/>
+              </a:rPr>
+              <a:t>easy to write, they’re probably not easy to </a:t>
+            </a:r>
+            <a:r>
+              <a:rPr lang="en-US" sz="1200" i="1" kern="1200" dirty="0" smtClean="0">
+                <a:solidFill>
+                  <a:schemeClr val="tx1"/>
+                </a:solidFill>
+                <a:effectLst/>
+                <a:latin typeface="+mn-lt"/>
+                <a:ea typeface="+mn-ea"/>
+                <a:cs typeface="+mn-cs"/>
+              </a:rPr>
+              <a:t>read, </a:t>
+            </a:r>
+            <a:r>
+              <a:rPr lang="en-US" sz="1200" kern="1200" dirty="0" smtClean="0">
+                <a:solidFill>
+                  <a:schemeClr val="tx1"/>
+                </a:solidFill>
+                <a:effectLst/>
+                <a:latin typeface="+mn-lt"/>
+                <a:ea typeface="+mn-ea"/>
+                <a:cs typeface="+mn-cs"/>
+              </a:rPr>
+              <a:t>and you probably aren’t writing a ton of them.</a:t>
+            </a:r>
+          </a:p>
+          <a:p>
             <a:endParaRPr lang="en-US" baseline="0" dirty="0" smtClean="0"/>
           </a:p>
         </p:txBody>
@@ -1629,6 +1939,72 @@
           <a:bodyPr/>
           <a:lstStyle/>
           <a:p>
+            <a:r>
+              <a:rPr lang="en-US" sz="1200" kern="1200" dirty="0" smtClean="0">
+                <a:solidFill>
+                  <a:schemeClr val="tx1"/>
+                </a:solidFill>
+                <a:effectLst/>
+                <a:latin typeface="+mn-lt"/>
+                <a:ea typeface="+mn-ea"/>
+                <a:cs typeface="+mn-cs"/>
+              </a:rPr>
+              <a:t>This talk is about writing tests. My assertion, if you’ll pardon the pun, is that your tests suck.</a:t>
+            </a:r>
+          </a:p>
+          <a:p>
+            <a:r>
+              <a:rPr lang="en-US" sz="1200" kern="1200" dirty="0" smtClean="0">
+                <a:solidFill>
+                  <a:schemeClr val="tx1"/>
+                </a:solidFill>
+                <a:effectLst/>
+                <a:latin typeface="+mn-lt"/>
+                <a:ea typeface="+mn-ea"/>
+                <a:cs typeface="+mn-cs"/>
+              </a:rPr>
+              <a:t>Or, more precisely, you are making specific mistakes that suck up your time, suck up your employer’s money, suck the joy out of doing TDD, and just generally make your life more unpleasant than it needs to be. You may not even know that you’re making these mistakes, but that doesn’t make them any less costly. </a:t>
+            </a:r>
+          </a:p>
+          <a:p>
+            <a:r>
+              <a:rPr lang="en-US" sz="1200" kern="1200" dirty="0" smtClean="0">
+                <a:solidFill>
+                  <a:schemeClr val="tx1"/>
+                </a:solidFill>
+                <a:effectLst/>
+                <a:latin typeface="+mn-lt"/>
+                <a:ea typeface="+mn-ea"/>
+                <a:cs typeface="+mn-cs"/>
+              </a:rPr>
+              <a:t>It’s not your fault, though; lots of really smart people have written lots of really smart articles and books about how to write testable code and how to use TDD to drive the design of your code. But even if you were doing everything right, just like all those smart people said to do, I assert that you could </a:t>
+            </a:r>
+            <a:r>
+              <a:rPr lang="en-US" sz="1200" i="1" kern="1200" dirty="0" smtClean="0">
+                <a:solidFill>
+                  <a:schemeClr val="tx1"/>
+                </a:solidFill>
+                <a:effectLst/>
+                <a:latin typeface="+mn-lt"/>
+                <a:ea typeface="+mn-ea"/>
+                <a:cs typeface="+mn-cs"/>
+              </a:rPr>
+              <a:t>still </a:t>
+            </a:r>
+            <a:r>
+              <a:rPr lang="en-US" sz="1200" kern="1200" dirty="0" smtClean="0">
+                <a:solidFill>
+                  <a:schemeClr val="tx1"/>
+                </a:solidFill>
+                <a:effectLst/>
+                <a:latin typeface="+mn-lt"/>
+                <a:ea typeface="+mn-ea"/>
+                <a:cs typeface="+mn-cs"/>
+              </a:rPr>
+              <a:t>be making those mistakes. And that’s because many programmers tend to overlook “test setup” and test data as critical areas for innovation and improvement. </a:t>
+            </a:r>
+          </a:p>
+          <a:p>
             <a:pPr marL="0" marR="0" indent="0" algn="l" defTabSz="914400" rtl="0" eaLnBrk="1" fontAlgn="auto" latinLnBrk="0" hangingPunct="1">
               <a:lnSpc>
                 <a:spcPct val="100000"/>
@@ -1738,6 +2114,37 @@
           <a:bodyPr/>
           <a:lstStyle/>
           <a:p>
+            <a:pPr marL="0" marR="0" lvl="0" indent="0" algn="l" defTabSz="914400" rtl="0" eaLnBrk="1" fontAlgn="auto" latinLnBrk="0" hangingPunct="1">
+              <a:lnSpc>
+                <a:spcPct val="100000"/>
+              </a:lnSpc>
+              <a:spcBef>
+                <a:spcPts val="0"/>
+              </a:spcBef>
+              <a:spcAft>
+                <a:spcPts val="0"/>
+              </a:spcAft>
+              <a:buClrTx/>
+              <a:buSzTx/>
+              <a:buFontTx/>
+              <a:buNone/>
+              <a:tabLst/>
+              <a:defRPr/>
+            </a:pPr>
+            <a:r>
+              <a:rPr lang="en-US" sz="1200" kern="1200" dirty="0" smtClean="0">
+                <a:solidFill>
+                  <a:schemeClr val="tx1"/>
+                </a:solidFill>
+                <a:effectLst/>
+                <a:latin typeface="+mn-lt"/>
+                <a:ea typeface="+mn-ea"/>
+                <a:cs typeface="+mn-cs"/>
+              </a:rPr>
+              <a:t>Third, effective setup means that your tests don’t need a lot of refactoring or maintenance over time. Tests things are far less valuable if we’re constantly messing with them, and good setup habits can lead to more resilient tests.</a:t>
+            </a:r>
+          </a:p>
+          <a:p>
             <a:endParaRPr lang="en-US" baseline="0" dirty="0" smtClean="0"/>
           </a:p>
         </p:txBody>
@@ -1822,6 +2229,58 @@
           <a:bodyPr/>
           <a:lstStyle/>
           <a:p>
+            <a:r>
+              <a:rPr lang="en-US" sz="1200" kern="1200" dirty="0" smtClean="0">
+                <a:solidFill>
+                  <a:schemeClr val="tx1"/>
+                </a:solidFill>
+                <a:effectLst/>
+                <a:latin typeface="+mn-lt"/>
+                <a:ea typeface="+mn-ea"/>
+                <a:cs typeface="+mn-cs"/>
+              </a:rPr>
+              <a:t>Lastly, a huge sign that you’re doing it right is that you can write integration tests that hit a real database or a real filesystem just as easily as you write in-memory unit tests. This is huge. This is the promised land. This is what I want to show you today.</a:t>
+            </a:r>
+          </a:p>
+          <a:p>
+            <a:r>
+              <a:rPr lang="en-US" sz="1200" kern="1200" dirty="0" smtClean="0">
+                <a:solidFill>
+                  <a:schemeClr val="tx1"/>
+                </a:solidFill>
+                <a:effectLst/>
+                <a:latin typeface="+mn-lt"/>
+                <a:ea typeface="+mn-ea"/>
+                <a:cs typeface="+mn-cs"/>
+              </a:rPr>
+              <a:t>Now, if I just described your project, then you’re probably in the wrong room because you’re already living in that promised land. However, I’m guessing many of you are here because your projects show signs of </a:t>
+            </a:r>
+            <a:r>
+              <a:rPr lang="en-US" sz="1200" i="1" kern="1200" dirty="0" smtClean="0">
+                <a:solidFill>
+                  <a:schemeClr val="tx1"/>
+                </a:solidFill>
+                <a:effectLst/>
+                <a:latin typeface="+mn-lt"/>
+                <a:ea typeface="+mn-ea"/>
+                <a:cs typeface="+mn-cs"/>
+              </a:rPr>
+              <a:t>ineffective </a:t>
+            </a:r>
+            <a:r>
+              <a:rPr lang="en-US" sz="1200" kern="1200" dirty="0" smtClean="0">
+                <a:solidFill>
+                  <a:schemeClr val="tx1"/>
+                </a:solidFill>
+                <a:effectLst/>
+                <a:latin typeface="+mn-lt"/>
+                <a:ea typeface="+mn-ea"/>
+                <a:cs typeface="+mn-cs"/>
+              </a:rPr>
+              <a:t>test setup.</a:t>
+            </a:r>
+          </a:p>
+          <a:p>
             <a:endParaRPr lang="en-US" baseline="0" dirty="0" smtClean="0"/>
           </a:p>
         </p:txBody>
@@ -1906,6 +2365,37 @@
           <a:bodyPr/>
           <a:lstStyle/>
           <a:p>
+            <a:pPr marL="0" marR="0" lvl="0" indent="0" algn="l" defTabSz="914400" rtl="0" eaLnBrk="1" fontAlgn="auto" latinLnBrk="0" hangingPunct="1">
+              <a:lnSpc>
+                <a:spcPct val="100000"/>
+              </a:lnSpc>
+              <a:spcBef>
+                <a:spcPts val="0"/>
+              </a:spcBef>
+              <a:spcAft>
+                <a:spcPts val="0"/>
+              </a:spcAft>
+              <a:buClrTx/>
+              <a:buSzTx/>
+              <a:buFontTx/>
+              <a:buNone/>
+              <a:tabLst/>
+              <a:defRPr/>
+            </a:pPr>
+            <a:r>
+              <a:rPr lang="en-US" sz="1200" kern="1200" dirty="0" smtClean="0">
+                <a:solidFill>
+                  <a:schemeClr val="tx1"/>
+                </a:solidFill>
+                <a:effectLst/>
+                <a:latin typeface="+mn-lt"/>
+                <a:ea typeface="+mn-ea"/>
+                <a:cs typeface="+mn-cs"/>
+              </a:rPr>
+              <a:t>The first sign of ineffective setup is that it’s too hard or frustrating or time consuming to do frequently. If testing isn’t fun, if you avoid writing tests because it sucks to do, maybe you’re doing it wrong.</a:t>
+            </a:r>
+          </a:p>
+          <a:p>
             <a:endParaRPr lang="en-US" baseline="0" dirty="0" smtClean="0"/>
           </a:p>
         </p:txBody>
@@ -1990,6 +2480,37 @@
           <a:bodyPr/>
           <a:lstStyle/>
           <a:p>
+            <a:pPr marL="0" marR="0" lvl="0" indent="0" algn="l" defTabSz="914400" rtl="0" eaLnBrk="1" fontAlgn="auto" latinLnBrk="0" hangingPunct="1">
+              <a:lnSpc>
+                <a:spcPct val="100000"/>
+              </a:lnSpc>
+              <a:spcBef>
+                <a:spcPts val="0"/>
+              </a:spcBef>
+              <a:spcAft>
+                <a:spcPts val="0"/>
+              </a:spcAft>
+              <a:buClrTx/>
+              <a:buSzTx/>
+              <a:buFontTx/>
+              <a:buNone/>
+              <a:tabLst/>
+              <a:defRPr/>
+            </a:pPr>
+            <a:r>
+              <a:rPr lang="en-US" sz="1200" kern="1200" dirty="0" smtClean="0">
+                <a:solidFill>
+                  <a:schemeClr val="tx1"/>
+                </a:solidFill>
+                <a:effectLst/>
+                <a:latin typeface="+mn-lt"/>
+                <a:ea typeface="+mn-ea"/>
+                <a:cs typeface="+mn-cs"/>
+              </a:rPr>
+              <a:t>Another bad sign is if you curse in disgust every time you read or maintain an existing test. When I opened that original test I showed you a minute ago, I cursed like a sailor. I could tell instantly it was going to be a nightmare, and it was.</a:t>
+            </a:r>
+          </a:p>
+          <a:p>
             <a:endParaRPr lang="en-US" baseline="0" dirty="0" smtClean="0"/>
           </a:p>
         </p:txBody>
@@ -2074,6 +2595,96 @@
           <a:bodyPr/>
           <a:lstStyle/>
           <a:p>
+            <a:r>
+              <a:rPr lang="en-US" sz="1200" kern="1200" dirty="0" smtClean="0">
+                <a:solidFill>
+                  <a:schemeClr val="tx1"/>
+                </a:solidFill>
+                <a:effectLst/>
+                <a:latin typeface="+mn-lt"/>
+                <a:ea typeface="+mn-ea"/>
+                <a:cs typeface="+mn-cs"/>
+              </a:rPr>
+              <a:t>A third sign of ineffective setup patterns is that tests frequently break, but it’s way easier to delete them then figure out how to fix them. </a:t>
+            </a:r>
+          </a:p>
+          <a:p>
+            <a:r>
+              <a:rPr lang="en-US" sz="1200" kern="1200" dirty="0" smtClean="0">
+                <a:solidFill>
+                  <a:schemeClr val="tx1"/>
+                </a:solidFill>
+                <a:effectLst/>
+                <a:latin typeface="+mn-lt"/>
+                <a:ea typeface="+mn-ea"/>
+                <a:cs typeface="+mn-cs"/>
+              </a:rPr>
+              <a:t>You ever do this? You’ve got a red dot on your screen, but you have no </a:t>
+            </a:r>
+            <a:r>
+              <a:rPr lang="en-US" sz="1200" kern="1200" dirty="0" err="1" smtClean="0">
+                <a:solidFill>
+                  <a:schemeClr val="tx1"/>
+                </a:solidFill>
+                <a:effectLst/>
+                <a:latin typeface="+mn-lt"/>
+                <a:ea typeface="+mn-ea"/>
+                <a:cs typeface="+mn-cs"/>
+              </a:rPr>
+              <a:t>freakin</a:t>
+            </a:r>
+            <a:r>
+              <a:rPr lang="en-US" sz="1200" kern="1200" dirty="0" smtClean="0">
+                <a:solidFill>
+                  <a:schemeClr val="tx1"/>
+                </a:solidFill>
+                <a:effectLst/>
+                <a:latin typeface="+mn-lt"/>
+                <a:ea typeface="+mn-ea"/>
+                <a:cs typeface="+mn-cs"/>
+              </a:rPr>
+              <a:t>’ clue what the test is doing, so you look over your shoulder, everyone’s at lunch, so you Ctrl-A, delete, Ctrl-S, </a:t>
+            </a:r>
+            <a:r>
+              <a:rPr lang="en-US" sz="1200" kern="1200" dirty="0" err="1" smtClean="0">
+                <a:solidFill>
+                  <a:schemeClr val="tx1"/>
+                </a:solidFill>
+                <a:effectLst/>
+                <a:latin typeface="+mn-lt"/>
+                <a:ea typeface="+mn-ea"/>
+                <a:cs typeface="+mn-cs"/>
+              </a:rPr>
+              <a:t>git</a:t>
+            </a:r>
+            <a:r>
+              <a:rPr lang="en-US" sz="1200" kern="1200" dirty="0" smtClean="0">
+                <a:solidFill>
+                  <a:schemeClr val="tx1"/>
+                </a:solidFill>
+                <a:effectLst/>
+                <a:latin typeface="+mn-lt"/>
+                <a:ea typeface="+mn-ea"/>
+                <a:cs typeface="+mn-cs"/>
+              </a:rPr>
+              <a:t> push commit. Boom. Fixed. </a:t>
+            </a:r>
+          </a:p>
+          <a:p>
+            <a:r>
+              <a:rPr lang="en-US" sz="1200" kern="1200" dirty="0" smtClean="0">
+                <a:solidFill>
+                  <a:schemeClr val="tx1"/>
+                </a:solidFill>
+                <a:effectLst/>
+                <a:latin typeface="+mn-lt"/>
+                <a:ea typeface="+mn-ea"/>
+                <a:cs typeface="+mn-cs"/>
+              </a:rPr>
+              <a:t>Yeah, that’s a sign that your tests need some work.</a:t>
+            </a:r>
+          </a:p>
+          <a:p>
             <a:endParaRPr lang="en-US" baseline="0" dirty="0" smtClean="0"/>
           </a:p>
         </p:txBody>
@@ -2158,6 +2769,34 @@
           <a:bodyPr/>
           <a:lstStyle/>
           <a:p>
+            <a:r>
+              <a:rPr lang="en-US" sz="1200" kern="1200" dirty="0" smtClean="0">
+                <a:solidFill>
+                  <a:schemeClr val="tx1"/>
+                </a:solidFill>
+                <a:effectLst/>
+                <a:latin typeface="+mn-lt"/>
+                <a:ea typeface="+mn-ea"/>
+                <a:cs typeface="+mn-cs"/>
+              </a:rPr>
+              <a:t>And lastly, if your unit tests are painful to write or maintain, I’m guessing you don’t have a lot of integration tests. And if you don’t have integration tests, then you’re really missing out on some real-world feedback about how your system really works.</a:t>
+            </a:r>
+          </a:p>
+          <a:p>
+            <a:r>
+              <a:rPr lang="en-US" sz="1200" kern="1200" dirty="0" smtClean="0">
+                <a:solidFill>
+                  <a:schemeClr val="tx1"/>
+                </a:solidFill>
+                <a:effectLst/>
+                <a:latin typeface="+mn-lt"/>
+                <a:ea typeface="+mn-ea"/>
+                <a:cs typeface="+mn-cs"/>
+              </a:rPr>
+              <a:t>If any of these things sound familiar, then you’ve got some work to do. To help you with that, I’ve identified 4 mistakes that you might be making that make your tests so ineffective.</a:t>
+            </a:r>
+          </a:p>
+          <a:p>
             <a:endParaRPr lang="en-US" baseline="0" dirty="0" smtClean="0"/>
           </a:p>
         </p:txBody>
@@ -2252,7 +2891,7 @@
                 <a:ea typeface="+mn-ea"/>
                 <a:cs typeface="+mn-cs"/>
               </a:rPr>
-              <a:t>The first mistake is allowing your project to get to the point where it is significantly easier to describe business conditions in words than in code. </a:t>
+              <a:t>The second mistake people make when setting up tests is constructing all of your object dependencies by hand.</a:t>
             </a:r>
           </a:p>
           <a:p>
@@ -2266,36 +2905,46 @@
                 <a:ea typeface="+mn-ea"/>
                 <a:cs typeface="+mn-cs"/>
               </a:rPr>
-              <a:t>For example, in my main app, one of our core domain concepts is a thing called a “workflow”. There are very few things that a user can do that don’t involve a workflow in one way or another, which means that many of our requirements deal with workflows in different states. </a:t>
-            </a:r>
-          </a:p>
-          <a:p>
-            <a:pPr marL="0" marR="0" indent="0" algn="l" defTabSz="914400" rtl="0" eaLnBrk="1" fontAlgn="auto" latinLnBrk="0" hangingPunct="1">
-              <a:lnSpc>
-                <a:spcPct val="100000"/>
-              </a:lnSpc>
-              <a:spcBef>
-                <a:spcPts val="0"/>
-              </a:spcBef>
-              <a:spcAft>
-                <a:spcPts val="0"/>
-              </a:spcAft>
-              <a:buClrTx/>
-              <a:buSzTx/>
-              <a:buFontTx/>
-              <a:buNone/>
-              <a:tabLst/>
-              <a:defRPr/>
-            </a:pPr>
-            <a:endParaRPr lang="en-US" sz="1200" kern="1200" dirty="0" smtClean="0">
-              <a:solidFill>
-                <a:schemeClr val="tx1"/>
-              </a:solidFill>
-              <a:effectLst/>
-              <a:latin typeface="+mn-lt"/>
-              <a:ea typeface="+mn-ea"/>
-              <a:cs typeface="+mn-cs"/>
-            </a:endParaRPr>
+              <a:t>In almost every system there are tests that only care about a </a:t>
+            </a:r>
+            <a:r>
+              <a:rPr lang="en-US" sz="1200" i="1" kern="1200" dirty="0" smtClean="0">
+                <a:solidFill>
+                  <a:schemeClr val="tx1"/>
+                </a:solidFill>
+                <a:effectLst/>
+                <a:latin typeface="+mn-lt"/>
+                <a:ea typeface="+mn-ea"/>
+                <a:cs typeface="+mn-cs"/>
+              </a:rPr>
+              <a:t>portion </a:t>
+            </a:r>
+            <a:r>
+              <a:rPr lang="en-US" sz="1200" kern="1200" dirty="0" smtClean="0">
+                <a:solidFill>
+                  <a:schemeClr val="tx1"/>
+                </a:solidFill>
+                <a:effectLst/>
+                <a:latin typeface="+mn-lt"/>
+                <a:ea typeface="+mn-ea"/>
+                <a:cs typeface="+mn-cs"/>
+              </a:rPr>
+              <a:t>of an object. A test about an Order’s SHIPPING STATUS may not care about its line items, or a test about a Customer’s ADDRESS may not care about their name.</a:t>
+            </a:r>
+          </a:p>
+          <a:p>
+            <a:r>
+              <a:rPr lang="en-US" sz="1200" kern="1200" dirty="0" smtClean="0">
+                <a:solidFill>
+                  <a:schemeClr val="tx1"/>
+                </a:solidFill>
+                <a:effectLst/>
+                <a:latin typeface="+mn-lt"/>
+                <a:ea typeface="+mn-ea"/>
+                <a:cs typeface="+mn-cs"/>
+              </a:rPr>
+              <a:t>But it’s not always possible to create objects and specify ONLY what you care about. In C# for example the object’s constructor may require things that are necessary to the domain model, but don’t actually matter to that specific test</a:t>
+            </a:r>
           </a:p>
         </p:txBody>
       </p:sp>
@@ -2325,7 +2974,7 @@
     </p:spTree>
     <p:extLst>
       <p:ext uri="{BB962C8B-B14F-4D97-AF65-F5344CB8AC3E}">
-        <p14:creationId xmlns:p14="http://schemas.microsoft.com/office/powerpoint/2010/main" val="307882093"/>
+        <p14:creationId xmlns:p14="http://schemas.microsoft.com/office/powerpoint/2010/main" val="3082115602"/>
       </p:ext>
     </p:extLst>
   </p:cSld>
@@ -2379,15 +3028,6 @@
           <a:bodyPr/>
           <a:lstStyle/>
           <a:p>
-            <a:pPr marL="628650" lvl="1" indent="-171450">
-              <a:buFont typeface="Arial" panose="020B0604020202020204" pitchFamily="34" charset="0"/>
-              <a:buChar char="•"/>
-            </a:pPr>
-            <a:endParaRPr lang="en-US" b="0" baseline="0" dirty="0" smtClean="0">
-              <a:sym typeface="Wingdings" panose="05000000000000000000" pitchFamily="2" charset="2"/>
-            </a:endParaRPr>
-          </a:p>
-          <a:p>
             <a:r>
               <a:rPr lang="en-US" sz="1200" kern="1200" dirty="0" smtClean="0">
                 <a:solidFill>
@@ -2398,54 +3038,16 @@
                 <a:ea typeface="+mn-ea"/>
                 <a:cs typeface="+mn-cs"/>
               </a:rPr>
-              <a:t>It’s pretty simple for an analyst to say something like “</a:t>
-            </a:r>
-            <a:r>
-              <a:rPr lang="en-US" sz="1200" i="1" kern="1200" dirty="0" smtClean="0">
-                <a:solidFill>
-                  <a:schemeClr val="tx1"/>
-                </a:solidFill>
-                <a:effectLst/>
-                <a:latin typeface="+mn-lt"/>
-                <a:ea typeface="+mn-ea"/>
-                <a:cs typeface="+mn-cs"/>
-              </a:rPr>
-              <a:t>When a workflow is &lt;configured like this&gt; then the system &lt;should do that&gt;</a:t>
-            </a:r>
-            <a:r>
-              <a:rPr lang="en-US" sz="1200" kern="1200" dirty="0" smtClean="0">
-                <a:solidFill>
-                  <a:schemeClr val="tx1"/>
-                </a:solidFill>
-                <a:effectLst/>
-                <a:latin typeface="+mn-lt"/>
-                <a:ea typeface="+mn-ea"/>
-                <a:cs typeface="+mn-cs"/>
-              </a:rPr>
-              <a:t>”. In practice, though, actually creating a workflow in that state is complex; a workflow is composed of lots of smaller objects that work together, and they have to be set up in a logically consistent way to represent real-world code paths and to avoid runtime errors. </a:t>
-            </a:r>
-          </a:p>
-          <a:p>
-            <a:r>
-              <a:rPr lang="en-US" sz="1200" kern="1200" dirty="0" smtClean="0">
-                <a:solidFill>
-                  <a:schemeClr val="tx1"/>
-                </a:solidFill>
-                <a:effectLst/>
-                <a:latin typeface="+mn-lt"/>
-                <a:ea typeface="+mn-ea"/>
-                <a:cs typeface="+mn-cs"/>
-              </a:rPr>
-              <a:t>When it’s much easier to describe a scenario in words than in code, you end up with the setup nightmare I showed you a few slides ago. And if you can’t easily put your software into common states for testing purposes, then you’re either going to pull your hair out when you write tests, or you’re going to stop writing them. </a:t>
-            </a:r>
-          </a:p>
-          <a:p>
-            <a:pPr marL="0" lvl="0" indent="0">
-              <a:buFont typeface="Arial" panose="020B0604020202020204" pitchFamily="34" charset="0"/>
-              <a:buNone/>
-            </a:pPr>
-            <a:endParaRPr lang="en-US" b="0" baseline="0" dirty="0" smtClean="0">
-              <a:sym typeface="Wingdings" panose="05000000000000000000" pitchFamily="2" charset="2"/>
+              <a:t>For example, in this test, all I need is a shipped Order. </a:t>
+            </a:r>
+            <a:endParaRPr lang="en-US" sz="1200" kern="1200" dirty="0">
+              <a:solidFill>
+                <a:schemeClr val="tx1"/>
+              </a:solidFill>
+              <a:effectLst/>
+              <a:latin typeface="+mn-lt"/>
+              <a:ea typeface="+mn-ea"/>
+              <a:cs typeface="+mn-cs"/>
             </a:endParaRPr>
           </a:p>
         </p:txBody>
@@ -2476,7 +3078,7 @@
     </p:spTree>
     <p:extLst>
       <p:ext uri="{BB962C8B-B14F-4D97-AF65-F5344CB8AC3E}">
-        <p14:creationId xmlns:p14="http://schemas.microsoft.com/office/powerpoint/2010/main" val="2305508454"/>
+        <p14:creationId xmlns:p14="http://schemas.microsoft.com/office/powerpoint/2010/main" val="2891095005"/>
       </p:ext>
     </p:extLst>
   </p:cSld>
@@ -2531,69 +3133,10 @@
           <a:lstStyle/>
           <a:p>
             <a:r>
-              <a:rPr lang="en-US" sz="1200" kern="1200" dirty="0" smtClean="0">
-                <a:solidFill>
-                  <a:schemeClr val="tx1"/>
-                </a:solidFill>
-                <a:effectLst/>
-                <a:latin typeface="+mn-lt"/>
-                <a:ea typeface="+mn-ea"/>
-                <a:cs typeface="+mn-cs"/>
-              </a:rPr>
-              <a:t>The second mistake people make when setting up tests is constructing all of your object dependencies by hand.</a:t>
-            </a:r>
-          </a:p>
-          <a:p>
-            <a:r>
-              <a:rPr lang="en-US" sz="1200" kern="1200" dirty="0" smtClean="0">
-                <a:solidFill>
-                  <a:schemeClr val="tx1"/>
-                </a:solidFill>
-                <a:effectLst/>
-                <a:latin typeface="+mn-lt"/>
-                <a:ea typeface="+mn-ea"/>
-                <a:cs typeface="+mn-cs"/>
-              </a:rPr>
-              <a:t>In almost every system there are tests that only care about a </a:t>
-            </a:r>
-            <a:r>
-              <a:rPr lang="en-US" sz="1200" i="1" kern="1200" dirty="0" smtClean="0">
-                <a:solidFill>
-                  <a:schemeClr val="tx1"/>
-                </a:solidFill>
-                <a:effectLst/>
-                <a:latin typeface="+mn-lt"/>
-                <a:ea typeface="+mn-ea"/>
-                <a:cs typeface="+mn-cs"/>
-              </a:rPr>
-              <a:t>portion </a:t>
-            </a:r>
-            <a:r>
-              <a:rPr lang="en-US" sz="1200" kern="1200" dirty="0" smtClean="0">
-                <a:solidFill>
-                  <a:schemeClr val="tx1"/>
-                </a:solidFill>
-                <a:effectLst/>
-                <a:latin typeface="+mn-lt"/>
-                <a:ea typeface="+mn-ea"/>
-                <a:cs typeface="+mn-cs"/>
-              </a:rPr>
-              <a:t>of an object. A test about an Order’s SHIPPING STATUS may not care about its line items, or a test about a Customer’s ADDRESS may not care about their name.</a:t>
-            </a:r>
-          </a:p>
-          <a:p>
-            <a:r>
-              <a:rPr lang="en-US" sz="1200" kern="1200" dirty="0" smtClean="0">
-                <a:solidFill>
-                  <a:schemeClr val="tx1"/>
-                </a:solidFill>
-                <a:effectLst/>
-                <a:latin typeface="+mn-lt"/>
-                <a:ea typeface="+mn-ea"/>
-                <a:cs typeface="+mn-cs"/>
-              </a:rPr>
-              <a:t>But it’s not always possible to create objects and specify ONLY what you care about. In C# for example the object’s constructor may require things that are necessary to the domain model, but don’t actually matter to that specific test</a:t>
-            </a:r>
+              <a:rPr lang="en-US" dirty="0" smtClean="0"/>
+              <a:t>But apparently an Order object needs a Customer…</a:t>
+            </a:r>
+            <a:endParaRPr lang="en-US" dirty="0"/>
           </a:p>
         </p:txBody>
       </p:sp>
@@ -2623,7 +3166,7 @@
     </p:spTree>
     <p:extLst>
       <p:ext uri="{BB962C8B-B14F-4D97-AF65-F5344CB8AC3E}">
-        <p14:creationId xmlns:p14="http://schemas.microsoft.com/office/powerpoint/2010/main" val="3082115602"/>
+        <p14:creationId xmlns:p14="http://schemas.microsoft.com/office/powerpoint/2010/main" val="1533865300"/>
       </p:ext>
     </p:extLst>
   </p:cSld>
@@ -2677,6 +3220,18 @@
           <a:bodyPr/>
           <a:lstStyle/>
           <a:p>
+            <a:r>
+              <a:rPr lang="en-US" dirty="0" smtClean="0"/>
+              <a:t>… and a Customer needs some </a:t>
+            </a:r>
+            <a:r>
+              <a:rPr lang="en-US" dirty="0" err="1" smtClean="0"/>
+              <a:t>Addressess</a:t>
+            </a:r>
+            <a:r>
+              <a:rPr lang="en-US" dirty="0" smtClean="0"/>
+              <a:t>…</a:t>
+            </a:r>
             <a:endParaRPr lang="en-US" dirty="0"/>
           </a:p>
         </p:txBody>
@@ -2707,7 +3262,7 @@
     </p:spTree>
     <p:extLst>
       <p:ext uri="{BB962C8B-B14F-4D97-AF65-F5344CB8AC3E}">
-        <p14:creationId xmlns:p14="http://schemas.microsoft.com/office/powerpoint/2010/main" val="2891095005"/>
+        <p14:creationId xmlns:p14="http://schemas.microsoft.com/office/powerpoint/2010/main" val="4242922825"/>
       </p:ext>
     </p:extLst>
   </p:cSld>
@@ -2760,6 +3315,48 @@
         <p:txBody>
           <a:bodyPr/>
           <a:lstStyle/>
+          <a:p>
+            <a:r>
+              <a:rPr lang="en-US" sz="1200" kern="1200" dirty="0" smtClean="0">
+                <a:solidFill>
+                  <a:schemeClr val="tx1"/>
+                </a:solidFill>
+                <a:effectLst/>
+                <a:latin typeface="+mn-lt"/>
+                <a:ea typeface="+mn-ea"/>
+                <a:cs typeface="+mn-cs"/>
+              </a:rPr>
+              <a:t>But that’s OK, I can help. And the reason that I can help is that I’ve spent a lot of time defining test setup patterns for my own team. I’ve made all of the mistakes you’re making right now. I’ve felt all the pain they create. And I think I have a solution that makes it better. </a:t>
+            </a:r>
+          </a:p>
+          <a:p>
+            <a:r>
+              <a:rPr lang="en-US" sz="1200" kern="1200" dirty="0" smtClean="0">
+                <a:solidFill>
+                  <a:schemeClr val="tx1"/>
+                </a:solidFill>
+                <a:effectLst/>
+                <a:latin typeface="+mn-lt"/>
+                <a:ea typeface="+mn-ea"/>
+                <a:cs typeface="+mn-cs"/>
+              </a:rPr>
+              <a:t>And the reason that I have this solution is that the project I manage has been under almost constant active development for almost 8 years. Over that time the complexity of our code base, and the general size of our object model, has grown enormously, and as a result we really struggled with the increasing costs to write tests. The larger our object model got, the harder and more costly it was just to set up the test data for our tests. In fact, if we’d continued making those mistakes, instead of developing these new techniques, I don’t think we’d still be writing tests today. It would have become financially unbearable. </a:t>
+            </a:r>
+          </a:p>
+          <a:p>
+            <a:r>
+              <a:rPr lang="en-US" sz="1200" kern="1200" dirty="0" smtClean="0">
+                <a:solidFill>
+                  <a:schemeClr val="tx1"/>
+                </a:solidFill>
+                <a:effectLst/>
+                <a:latin typeface="+mn-lt"/>
+                <a:ea typeface="+mn-ea"/>
+                <a:cs typeface="+mn-cs"/>
+              </a:rPr>
+              <a:t>My goal today is to open your eyes and give you a fresh perspective on your own tests. I want you to recognize the mistakes you’re making, I want you to be inspired to raise the bar and do better, and I want you to know how to begin when you get back to the office on Monday.</a:t>
+            </a:r>
+          </a:p>
           <a:p>
             <a:pPr marL="0" marR="0" indent="0" algn="l" defTabSz="914400" rtl="0" eaLnBrk="1" fontAlgn="auto" latinLnBrk="0" hangingPunct="1">
               <a:lnSpc>
@@ -2872,7 +3469,11 @@
           <a:p>
             <a:r>
               <a:rPr lang="en-US" dirty="0" smtClean="0"/>
-              <a:t>But apparently an Order object needs a Customer…</a:t>
+              <a:t>… and by the time I’ve satisfied the constructor, I’ve written a whole lot of code when I really</a:t>
+            </a:r>
+            <a:r>
+              <a:rPr lang="en-US" baseline="0" dirty="0" smtClean="0"/>
+              <a:t> only care about two things: the order’s shipping status, and whether or not it accepts new items.</a:t>
             </a:r>
             <a:endParaRPr lang="en-US" dirty="0"/>
           </a:p>
@@ -2904,7 +3505,7 @@
     </p:spTree>
     <p:extLst>
       <p:ext uri="{BB962C8B-B14F-4D97-AF65-F5344CB8AC3E}">
-        <p14:creationId xmlns:p14="http://schemas.microsoft.com/office/powerpoint/2010/main" val="1533865300"/>
+        <p14:creationId xmlns:p14="http://schemas.microsoft.com/office/powerpoint/2010/main" val="935065011"/>
       </p:ext>
     </p:extLst>
   </p:cSld>
@@ -2959,18 +3560,78 @@
           <a:lstStyle/>
           <a:p>
             <a:r>
-              <a:rPr lang="en-US" dirty="0" smtClean="0"/>
-              <a:t>… and a Customer needs some </a:t>
-            </a:r>
-            <a:r>
-              <a:rPr lang="en-US" dirty="0" err="1" smtClean="0"/>
-              <a:t>Addressess</a:t>
-            </a:r>
-            <a:r>
-              <a:rPr lang="en-US" dirty="0" smtClean="0"/>
-              <a:t>…</a:t>
-            </a:r>
-            <a:endParaRPr lang="en-US" dirty="0"/>
+              <a:rPr lang="en-US" sz="1200" kern="1200" dirty="0" smtClean="0">
+                <a:solidFill>
+                  <a:schemeClr val="tx1"/>
+                </a:solidFill>
+                <a:effectLst/>
+                <a:latin typeface="+mn-lt"/>
+                <a:ea typeface="+mn-ea"/>
+                <a:cs typeface="+mn-cs"/>
+              </a:rPr>
+              <a:t>All of these things that I created, but that don’t actually influence the assertion I’m making, are noise. Writing a test like this is painful, but it’s also painful to </a:t>
+            </a:r>
+            <a:r>
+              <a:rPr lang="en-US" sz="1200" i="1" kern="1200" dirty="0" smtClean="0">
+                <a:solidFill>
+                  <a:schemeClr val="tx1"/>
+                </a:solidFill>
+                <a:effectLst/>
+                <a:latin typeface="+mn-lt"/>
+                <a:ea typeface="+mn-ea"/>
+                <a:cs typeface="+mn-cs"/>
+              </a:rPr>
+              <a:t>read </a:t>
+            </a:r>
+            <a:r>
+              <a:rPr lang="en-US" sz="1200" kern="1200" dirty="0" smtClean="0">
+                <a:solidFill>
+                  <a:schemeClr val="tx1"/>
+                </a:solidFill>
+                <a:effectLst/>
+                <a:latin typeface="+mn-lt"/>
+                <a:ea typeface="+mn-ea"/>
+                <a:cs typeface="+mn-cs"/>
+              </a:rPr>
+              <a:t>these tests. You have to work hard to filter the signal from the noise so that you can understand it.</a:t>
+            </a:r>
+          </a:p>
+          <a:p>
+            <a:r>
+              <a:rPr lang="en-US" sz="1200" kern="1200" dirty="0" smtClean="0">
+                <a:solidFill>
+                  <a:schemeClr val="tx1"/>
+                </a:solidFill>
+                <a:effectLst/>
+                <a:latin typeface="+mn-lt"/>
+                <a:ea typeface="+mn-ea"/>
+                <a:cs typeface="+mn-cs"/>
+              </a:rPr>
+              <a:t>Some objects that I deal with have 4, 5 or even 6 layers of composition. Object A uses B, B uses C, etc. If we had to deal with this for every single test, we would be writing way fewer tests. It would make me crazy to do this every day.</a:t>
+            </a:r>
+          </a:p>
+          <a:p>
+            <a:pPr marL="0" marR="0" indent="0" algn="l" defTabSz="914400" rtl="0" eaLnBrk="1" fontAlgn="auto" latinLnBrk="0" hangingPunct="1">
+              <a:lnSpc>
+                <a:spcPct val="100000"/>
+              </a:lnSpc>
+              <a:spcBef>
+                <a:spcPts val="0"/>
+              </a:spcBef>
+              <a:spcAft>
+                <a:spcPts val="0"/>
+              </a:spcAft>
+              <a:buClrTx/>
+              <a:buSzTx/>
+              <a:buFontTx/>
+              <a:buNone/>
+              <a:tabLst/>
+              <a:defRPr/>
+            </a:pPr>
+            <a:endParaRPr lang="en-US" b="0" i="0" baseline="0" dirty="0" smtClean="0"/>
+          </a:p>
+          <a:p>
+            <a:endParaRPr lang="en-US" baseline="0" dirty="0" smtClean="0"/>
           </a:p>
         </p:txBody>
       </p:sp>
@@ -3000,7 +3661,7 @@
     </p:spTree>
     <p:extLst>
       <p:ext uri="{BB962C8B-B14F-4D97-AF65-F5344CB8AC3E}">
-        <p14:creationId xmlns:p14="http://schemas.microsoft.com/office/powerpoint/2010/main" val="4242922825"/>
+        <p14:creationId xmlns:p14="http://schemas.microsoft.com/office/powerpoint/2010/main" val="1576246357"/>
       </p:ext>
     </p:extLst>
   </p:cSld>
@@ -3054,15 +3715,142 @@
           <a:bodyPr/>
           <a:lstStyle/>
           <a:p>
-            <a:r>
-              <a:rPr lang="en-US" dirty="0" smtClean="0"/>
-              <a:t>… and by the time I’ve satisfied the constructor, I’ve written a whole lot of code when I really</a:t>
-            </a:r>
-            <a:r>
-              <a:rPr lang="en-US" baseline="0" dirty="0" smtClean="0"/>
-              <a:t> only care about two things: the order’s shipping status, and whether or not it accepts new items.</a:t>
-            </a:r>
-            <a:endParaRPr lang="en-US" dirty="0"/>
+            <a:pPr marL="0" marR="0" lvl="0" indent="0" algn="l" defTabSz="914400" rtl="0" eaLnBrk="1" fontAlgn="auto" latinLnBrk="0" hangingPunct="1">
+              <a:lnSpc>
+                <a:spcPct val="100000"/>
+              </a:lnSpc>
+              <a:spcBef>
+                <a:spcPts val="0"/>
+              </a:spcBef>
+              <a:spcAft>
+                <a:spcPts val="0"/>
+              </a:spcAft>
+              <a:buClrTx/>
+              <a:buSzTx/>
+              <a:buFontTx/>
+              <a:buNone/>
+              <a:tabLst/>
+              <a:defRPr/>
+            </a:pPr>
+            <a:r>
+              <a:rPr lang="en-US" sz="1200" kern="1200" dirty="0" smtClean="0">
+                <a:solidFill>
+                  <a:schemeClr val="tx1"/>
+                </a:solidFill>
+                <a:effectLst/>
+                <a:latin typeface="+mn-lt"/>
+                <a:ea typeface="+mn-ea"/>
+                <a:cs typeface="+mn-cs"/>
+              </a:rPr>
+              <a:t>This mistake can also make your test code brittle. </a:t>
+            </a:r>
+          </a:p>
+          <a:p>
+            <a:pPr marL="0" marR="0" indent="0" algn="l" defTabSz="914400" rtl="0" eaLnBrk="1" fontAlgn="auto" latinLnBrk="0" hangingPunct="1">
+              <a:lnSpc>
+                <a:spcPct val="100000"/>
+              </a:lnSpc>
+              <a:spcBef>
+                <a:spcPts val="0"/>
+              </a:spcBef>
+              <a:spcAft>
+                <a:spcPts val="0"/>
+              </a:spcAft>
+              <a:buClrTx/>
+              <a:buSzTx/>
+              <a:buFontTx/>
+              <a:buNone/>
+              <a:tabLst/>
+              <a:defRPr/>
+            </a:pPr>
+            <a:endParaRPr lang="en-US" b="0" i="0" baseline="0" dirty="0" smtClean="0"/>
+          </a:p>
+          <a:p>
+            <a:pPr marL="0" marR="0" indent="0" algn="l" defTabSz="914400" rtl="0" eaLnBrk="1" fontAlgn="auto" latinLnBrk="0" hangingPunct="1">
+              <a:lnSpc>
+                <a:spcPct val="100000"/>
+              </a:lnSpc>
+              <a:spcBef>
+                <a:spcPts val="0"/>
+              </a:spcBef>
+              <a:spcAft>
+                <a:spcPts val="0"/>
+              </a:spcAft>
+              <a:buClrTx/>
+              <a:buSzTx/>
+              <a:buFontTx/>
+              <a:buNone/>
+              <a:tabLst/>
+              <a:defRPr/>
+            </a:pPr>
+            <a:r>
+              <a:rPr lang="en-US" b="0" i="0" baseline="0" dirty="0" smtClean="0"/>
+              <a:t>What happens when the Order, Customer or Address constructors get modified? </a:t>
+            </a:r>
+          </a:p>
+          <a:p>
+            <a:pPr marL="0" marR="0" indent="0" algn="l" defTabSz="914400" rtl="0" eaLnBrk="1" fontAlgn="auto" latinLnBrk="0" hangingPunct="1">
+              <a:lnSpc>
+                <a:spcPct val="100000"/>
+              </a:lnSpc>
+              <a:spcBef>
+                <a:spcPts val="0"/>
+              </a:spcBef>
+              <a:spcAft>
+                <a:spcPts val="0"/>
+              </a:spcAft>
+              <a:buClrTx/>
+              <a:buSzTx/>
+              <a:buFontTx/>
+              <a:buNone/>
+              <a:tabLst/>
+              <a:defRPr/>
+            </a:pPr>
+            <a:endParaRPr lang="en-US" b="0" i="0" baseline="0" dirty="0" smtClean="0"/>
+          </a:p>
+          <a:p>
+            <a:pPr marL="0" marR="0" indent="0" algn="l" defTabSz="914400" rtl="0" eaLnBrk="1" fontAlgn="auto" latinLnBrk="0" hangingPunct="1">
+              <a:lnSpc>
+                <a:spcPct val="100000"/>
+              </a:lnSpc>
+              <a:spcBef>
+                <a:spcPts val="0"/>
+              </a:spcBef>
+              <a:spcAft>
+                <a:spcPts val="0"/>
+              </a:spcAft>
+              <a:buClrTx/>
+              <a:buSzTx/>
+              <a:buFontTx/>
+              <a:buNone/>
+              <a:tabLst/>
+              <a:defRPr/>
+            </a:pPr>
+            <a:r>
+              <a:rPr lang="en-US" b="0" i="0" baseline="0" dirty="0" smtClean="0"/>
+              <a:t>If you’ve ever made a simple change to your application, and then spent the next two hours cleaning up failing tests, you’ve felt this pain.</a:t>
+            </a:r>
+            <a:endParaRPr lang="en-US" b="1" i="0" baseline="0" dirty="0" smtClean="0"/>
+          </a:p>
+          <a:p>
+            <a:pPr marL="0" marR="0" indent="0" algn="l" defTabSz="914400" rtl="0" eaLnBrk="1" fontAlgn="auto" latinLnBrk="0" hangingPunct="1">
+              <a:lnSpc>
+                <a:spcPct val="100000"/>
+              </a:lnSpc>
+              <a:spcBef>
+                <a:spcPts val="0"/>
+              </a:spcBef>
+              <a:spcAft>
+                <a:spcPts val="0"/>
+              </a:spcAft>
+              <a:buClrTx/>
+              <a:buSzTx/>
+              <a:buFontTx/>
+              <a:buNone/>
+              <a:tabLst/>
+              <a:defRPr/>
+            </a:pPr>
+            <a:endParaRPr lang="en-US" baseline="0" dirty="0" smtClean="0"/>
           </a:p>
         </p:txBody>
       </p:sp>
@@ -3092,7 +3880,7 @@
     </p:spTree>
     <p:extLst>
       <p:ext uri="{BB962C8B-B14F-4D97-AF65-F5344CB8AC3E}">
-        <p14:creationId xmlns:p14="http://schemas.microsoft.com/office/powerpoint/2010/main" val="935065011"/>
+        <p14:creationId xmlns:p14="http://schemas.microsoft.com/office/powerpoint/2010/main" val="191623931"/>
       </p:ext>
     </p:extLst>
   </p:cSld>
@@ -3156,10 +3944,12 @@
                 <a:ea typeface="+mn-ea"/>
                 <a:cs typeface="+mn-cs"/>
               </a:rPr>
-              <a:t>All of these things that I created, but that don’t actually influence the assertion I’m making, are noise. Writing a test like this is painful, but it’s also painful to </a:t>
-            </a:r>
-            <a:r>
-              <a:rPr lang="en-US" sz="1200" i="1" kern="1200" dirty="0" smtClean="0">
+              <a:t>The third setup mistake is specifying a lot of explicit values in your setup code, when those values don’t actually impact the outcome of the test. </a:t>
+            </a:r>
+          </a:p>
+          <a:p>
+            <a:r>
+              <a:rPr lang="en-US" sz="1200" kern="1200" dirty="0" smtClean="0">
                 <a:solidFill>
                   <a:schemeClr val="tx1"/>
                 </a:solidFill>
@@ -3168,8 +3958,10 @@
                 <a:ea typeface="+mn-ea"/>
                 <a:cs typeface="+mn-cs"/>
               </a:rPr>
-              <a:t>read </a:t>
-            </a:r>
+              <a:t> </a:t>
+            </a:r>
+          </a:p>
+          <a:p>
             <a:r>
               <a:rPr lang="en-US" sz="1200" kern="1200" dirty="0" smtClean="0">
                 <a:solidFill>
@@ -3180,21 +3972,7 @@
                 <a:ea typeface="+mn-ea"/>
                 <a:cs typeface="+mn-cs"/>
               </a:rPr>
-              <a:t>these tests. You have to work hard to filter the signal from the noise so that you can understand it.</a:t>
-            </a:r>
-          </a:p>
-          <a:p>
-            <a:r>
-              <a:rPr lang="en-US" sz="1200" kern="1200" dirty="0" smtClean="0">
-                <a:solidFill>
-                  <a:schemeClr val="tx1"/>
-                </a:solidFill>
-                <a:effectLst/>
-                <a:latin typeface="+mn-lt"/>
-                <a:ea typeface="+mn-ea"/>
-                <a:cs typeface="+mn-cs"/>
-              </a:rPr>
-              <a:t>Some objects that I deal with have 4, 5 or even 6 layers of composition. Object A uses B, B uses C, etc. If we had to deal with this for every single test, we would be writing way fewer tests. It would make me crazy to do this every day.</a:t>
+              <a:t>Imagine that you have code that fails if the Customer email address is null, or if some integer field is left at its default of 0. When setting up a test that executes that code path, even if it’s really central to the test itself, you have to initialize those properties to avoid those failures. Those values that you set, which DO NOT MATTER to the test, are impossible to distinguish from other values that DO matter to the test. </a:t>
             </a:r>
           </a:p>
           <a:p>
@@ -3215,10 +3993,15 @@
               <a:tabLst/>
               <a:defRPr/>
             </a:pPr>
-            <a:endParaRPr lang="en-US" b="0" i="0" baseline="0" dirty="0" smtClean="0"/>
-          </a:p>
-          <a:p>
-            <a:endParaRPr lang="en-US" baseline="0" dirty="0" smtClean="0"/>
+            <a:endParaRPr lang="en-US" sz="1200" kern="1200" dirty="0" smtClean="0">
+              <a:solidFill>
+                <a:schemeClr val="tx1"/>
+              </a:solidFill>
+              <a:effectLst/>
+              <a:latin typeface="+mn-lt"/>
+              <a:ea typeface="+mn-ea"/>
+              <a:cs typeface="+mn-cs"/>
+            </a:endParaRPr>
           </a:p>
         </p:txBody>
       </p:sp>
@@ -3248,7 +4031,7 @@
     </p:spTree>
     <p:extLst>
       <p:ext uri="{BB962C8B-B14F-4D97-AF65-F5344CB8AC3E}">
-        <p14:creationId xmlns:p14="http://schemas.microsoft.com/office/powerpoint/2010/main" val="1576246357"/>
+        <p14:creationId xmlns:p14="http://schemas.microsoft.com/office/powerpoint/2010/main" val="1489534263"/>
       </p:ext>
     </p:extLst>
   </p:cSld>
@@ -3302,23 +4085,6 @@
           <a:bodyPr/>
           <a:lstStyle/>
           <a:p>
-            <a:pPr marL="0" marR="0" lvl="0" indent="0" algn="l" defTabSz="914400" rtl="0" eaLnBrk="1" fontAlgn="auto" latinLnBrk="0" hangingPunct="1">
-              <a:lnSpc>
-                <a:spcPct val="100000"/>
-              </a:lnSpc>
-              <a:spcBef>
-                <a:spcPts val="0"/>
-              </a:spcBef>
-              <a:spcAft>
-                <a:spcPts val="0"/>
-              </a:spcAft>
-              <a:buClrTx/>
-              <a:buSzTx/>
-              <a:buFontTx/>
-              <a:buNone/>
-              <a:tabLst/>
-              <a:defRPr/>
-            </a:pPr>
             <a:r>
               <a:rPr lang="en-US" sz="1200" kern="1200" dirty="0" smtClean="0">
                 <a:solidFill>
@@ -3329,95 +4095,70 @@
                 <a:ea typeface="+mn-ea"/>
                 <a:cs typeface="+mn-cs"/>
               </a:rPr>
-              <a:t>This mistake can also make your test code brittle. </a:t>
-            </a:r>
-          </a:p>
-          <a:p>
-            <a:pPr marL="0" marR="0" indent="0" algn="l" defTabSz="914400" rtl="0" eaLnBrk="1" fontAlgn="auto" latinLnBrk="0" hangingPunct="1">
-              <a:lnSpc>
-                <a:spcPct val="100000"/>
-              </a:lnSpc>
-              <a:spcBef>
-                <a:spcPts val="0"/>
-              </a:spcBef>
-              <a:spcAft>
-                <a:spcPts val="0"/>
-              </a:spcAft>
-              <a:buClrTx/>
-              <a:buSzTx/>
-              <a:buFontTx/>
-              <a:buNone/>
-              <a:tabLst/>
-              <a:defRPr/>
-            </a:pPr>
-            <a:endParaRPr lang="en-US" b="0" i="0" baseline="0" dirty="0" smtClean="0"/>
-          </a:p>
-          <a:p>
-            <a:pPr marL="0" marR="0" indent="0" algn="l" defTabSz="914400" rtl="0" eaLnBrk="1" fontAlgn="auto" latinLnBrk="0" hangingPunct="1">
-              <a:lnSpc>
-                <a:spcPct val="100000"/>
-              </a:lnSpc>
-              <a:spcBef>
-                <a:spcPts val="0"/>
-              </a:spcBef>
-              <a:spcAft>
-                <a:spcPts val="0"/>
-              </a:spcAft>
-              <a:buClrTx/>
-              <a:buSzTx/>
-              <a:buFontTx/>
-              <a:buNone/>
-              <a:tabLst/>
-              <a:defRPr/>
-            </a:pPr>
-            <a:r>
-              <a:rPr lang="en-US" b="0" i="0" baseline="0" dirty="0" smtClean="0"/>
-              <a:t>What happens when the Order, Customer or Address constructors get modified? </a:t>
-            </a:r>
-          </a:p>
-          <a:p>
-            <a:pPr marL="0" marR="0" indent="0" algn="l" defTabSz="914400" rtl="0" eaLnBrk="1" fontAlgn="auto" latinLnBrk="0" hangingPunct="1">
-              <a:lnSpc>
-                <a:spcPct val="100000"/>
-              </a:lnSpc>
-              <a:spcBef>
-                <a:spcPts val="0"/>
-              </a:spcBef>
-              <a:spcAft>
-                <a:spcPts val="0"/>
-              </a:spcAft>
-              <a:buClrTx/>
-              <a:buSzTx/>
-              <a:buFontTx/>
-              <a:buNone/>
-              <a:tabLst/>
-              <a:defRPr/>
-            </a:pPr>
-            <a:endParaRPr lang="en-US" b="0" i="0" baseline="0" dirty="0" smtClean="0"/>
-          </a:p>
-          <a:p>
-            <a:pPr marL="0" marR="0" indent="0" algn="l" defTabSz="914400" rtl="0" eaLnBrk="1" fontAlgn="auto" latinLnBrk="0" hangingPunct="1">
-              <a:lnSpc>
-                <a:spcPct val="100000"/>
-              </a:lnSpc>
-              <a:spcBef>
-                <a:spcPts val="0"/>
-              </a:spcBef>
-              <a:spcAft>
-                <a:spcPts val="0"/>
-              </a:spcAft>
-              <a:buClrTx/>
-              <a:buSzTx/>
-              <a:buFontTx/>
-              <a:buNone/>
-              <a:tabLst/>
-              <a:defRPr/>
-            </a:pPr>
-            <a:r>
-              <a:rPr lang="en-US" b="0" i="0" baseline="0" dirty="0" smtClean="0"/>
-              <a:t>If you’ve ever made a simple change to your application, and then spent the next two hours cleaning up failing tests, you’ve felt this pain.</a:t>
-            </a:r>
-            <a:endParaRPr lang="en-US" b="1" i="0" baseline="0" dirty="0" smtClean="0"/>
+              <a:t>When other programmers read your code, they have to spend time figuring out which values are part of the test scenario and which are arbitrary. Does this assertion </a:t>
+            </a:r>
+            <a:r>
+              <a:rPr lang="en-US" sz="1200" i="1" kern="1200" dirty="0" smtClean="0">
+                <a:solidFill>
+                  <a:schemeClr val="tx1"/>
+                </a:solidFill>
+                <a:effectLst/>
+                <a:latin typeface="+mn-lt"/>
+                <a:ea typeface="+mn-ea"/>
+                <a:cs typeface="+mn-cs"/>
+              </a:rPr>
+              <a:t>only </a:t>
+            </a:r>
+            <a:r>
+              <a:rPr lang="en-US" sz="1200" kern="1200" dirty="0" smtClean="0">
+                <a:solidFill>
+                  <a:schemeClr val="tx1"/>
+                </a:solidFill>
+                <a:effectLst/>
+                <a:latin typeface="+mn-lt"/>
+                <a:ea typeface="+mn-ea"/>
+                <a:cs typeface="+mn-cs"/>
+              </a:rPr>
+              <a:t>apply to customers that are in the “</a:t>
+            </a:r>
+            <a:r>
+              <a:rPr lang="en-US" sz="1200" kern="1200" dirty="0" err="1" smtClean="0">
+                <a:solidFill>
+                  <a:schemeClr val="tx1"/>
+                </a:solidFill>
+                <a:effectLst/>
+                <a:latin typeface="+mn-lt"/>
+                <a:ea typeface="+mn-ea"/>
+                <a:cs typeface="+mn-cs"/>
+              </a:rPr>
+              <a:t>PasswordReset</a:t>
+            </a:r>
+            <a:r>
+              <a:rPr lang="en-US" sz="1200" kern="1200" dirty="0" smtClean="0">
+                <a:solidFill>
+                  <a:schemeClr val="tx1"/>
+                </a:solidFill>
+                <a:effectLst/>
+                <a:latin typeface="+mn-lt"/>
+                <a:ea typeface="+mn-ea"/>
+                <a:cs typeface="+mn-cs"/>
+              </a:rPr>
+              <a:t>” state? Or does it apply to all customers?</a:t>
+            </a:r>
+          </a:p>
+          <a:p>
+            <a:r>
+              <a:rPr lang="en-US" sz="1200" kern="1200" dirty="0" smtClean="0">
+                <a:solidFill>
+                  <a:schemeClr val="tx1"/>
+                </a:solidFill>
+                <a:effectLst/>
+                <a:latin typeface="+mn-lt"/>
+                <a:ea typeface="+mn-ea"/>
+                <a:cs typeface="+mn-cs"/>
+              </a:rPr>
+              <a:t>And if you’re writing shared setup code, it can be hard to identify which values can be changed without impacting other tests using the shared setup.</a:t>
+            </a:r>
           </a:p>
           <a:p>
             <a:pPr marL="0" marR="0" indent="0" algn="l" defTabSz="914400" rtl="0" eaLnBrk="1" fontAlgn="auto" latinLnBrk="0" hangingPunct="1">
@@ -3467,7 +4208,7 @@
     </p:spTree>
     <p:extLst>
       <p:ext uri="{BB962C8B-B14F-4D97-AF65-F5344CB8AC3E}">
-        <p14:creationId xmlns:p14="http://schemas.microsoft.com/office/powerpoint/2010/main" val="191623931"/>
+        <p14:creationId xmlns:p14="http://schemas.microsoft.com/office/powerpoint/2010/main" val="3978043552"/>
       </p:ext>
     </p:extLst>
   </p:cSld>
@@ -3531,7 +4272,7 @@
                 <a:ea typeface="+mn-ea"/>
                 <a:cs typeface="+mn-cs"/>
               </a:rPr>
-              <a:t>The third setup mistake is specifying a lot of explicit values in your setup code, when those values don’t actually impact the outcome of the test. </a:t>
+              <a:t>The third mistake I see in setup code is using inheritance as a way of sharing logic between multiple tests.</a:t>
             </a:r>
           </a:p>
           <a:p>
@@ -3545,12 +4286,10 @@
                 <a:ea typeface="+mn-ea"/>
                 <a:cs typeface="+mn-cs"/>
               </a:rPr>
-              <a:t> </a:t>
-            </a:r>
-          </a:p>
-          <a:p>
-            <a:r>
-              <a:rPr lang="en-US" sz="1200" kern="1200" dirty="0" smtClean="0">
+              <a:t>I often find that there’s a certain amount of boilerplate setup that’s useful across multiple fixtures. For instance, you might create an Order, a Customer, and a few Line Items and link them all together in a meaningful way. This arrangement could be useful when testing </a:t>
+            </a:r>
+            <a:r>
+              <a:rPr lang="en-US" sz="1200" i="1" kern="1200" dirty="0" smtClean="0">
                 <a:solidFill>
                   <a:schemeClr val="tx1"/>
                 </a:solidFill>
@@ -3559,7 +4298,19 @@
                 <a:ea typeface="+mn-ea"/>
                 <a:cs typeface="+mn-cs"/>
               </a:rPr>
-              <a:t>Imagine that you have code that fails if the Customer email address is null, or if some integer field is left at its default of 0. When setting up a test that executes that code path, even if it’s really central to the test itself, you have to initialize those properties to avoid those failures. Those values that you set, which DO NOT MATTER to the test, are impossible to distinguish from other values that DO matter to the test. </a:t>
+              <a:t>any </a:t>
+            </a:r>
+            <a:r>
+              <a:rPr lang="en-US" sz="1200" kern="1200" dirty="0" smtClean="0">
+                <a:solidFill>
+                  <a:schemeClr val="tx1"/>
+                </a:solidFill>
+                <a:effectLst/>
+                <a:latin typeface="+mn-lt"/>
+                <a:ea typeface="+mn-ea"/>
+                <a:cs typeface="+mn-cs"/>
+              </a:rPr>
+              <a:t>of those objects or any number of related business features, so naturally we’d want to make that setup logic reusable. </a:t>
             </a:r>
           </a:p>
           <a:p>
@@ -3618,7 +4369,7 @@
     </p:spTree>
     <p:extLst>
       <p:ext uri="{BB962C8B-B14F-4D97-AF65-F5344CB8AC3E}">
-        <p14:creationId xmlns:p14="http://schemas.microsoft.com/office/powerpoint/2010/main" val="1489534263"/>
+        <p14:creationId xmlns:p14="http://schemas.microsoft.com/office/powerpoint/2010/main" val="1112591192"/>
       </p:ext>
     </p:extLst>
   </p:cSld>
@@ -3682,10 +4433,23 @@
                 <a:ea typeface="+mn-ea"/>
                 <a:cs typeface="+mn-cs"/>
               </a:rPr>
-              <a:t>When other programmers read your code, they have to spend time figuring out which values are part of the test scenario and which are arbitrary. Does this assertion </a:t>
-            </a:r>
-            <a:r>
-              <a:rPr lang="en-US" sz="1200" i="1" kern="1200" dirty="0" smtClean="0">
+              <a:t>TODO: Image for inheritance</a:t>
+            </a:r>
+          </a:p>
+          <a:p>
+            <a:endParaRPr lang="en-US" sz="1200" kern="1200" baseline="0" dirty="0" smtClean="0">
+              <a:solidFill>
+                <a:schemeClr val="tx1"/>
+              </a:solidFill>
+              <a:effectLst/>
+              <a:latin typeface="+mn-lt"/>
+              <a:ea typeface="+mn-ea"/>
+              <a:cs typeface="+mn-cs"/>
+            </a:endParaRPr>
+          </a:p>
+          <a:p>
+            <a:r>
+              <a:rPr lang="en-US" sz="1200" kern="1200" dirty="0" smtClean="0">
                 <a:solidFill>
                   <a:schemeClr val="tx1"/>
                 </a:solidFill>
@@ -3694,8 +4458,21 @@
                 <a:ea typeface="+mn-ea"/>
                 <a:cs typeface="+mn-cs"/>
               </a:rPr>
-              <a:t>only </a:t>
-            </a:r>
+              <a:t>A quick and easy way of doing that would be to create a base class that does the setup and then derive multiple fixture classes from it. </a:t>
+            </a:r>
+          </a:p>
+          <a:p>
+            <a:endParaRPr lang="en-US" sz="1200" kern="1200" dirty="0" smtClean="0">
+              <a:solidFill>
+                <a:schemeClr val="tx1"/>
+              </a:solidFill>
+              <a:effectLst/>
+              <a:latin typeface="+mn-lt"/>
+              <a:ea typeface="+mn-ea"/>
+              <a:cs typeface="+mn-cs"/>
+            </a:endParaRPr>
+          </a:p>
+          <a:p>
             <a:r>
               <a:rPr lang="en-US" sz="1200" kern="1200" dirty="0" smtClean="0">
                 <a:solidFill>
@@ -3706,10 +4483,23 @@
                 <a:ea typeface="+mn-ea"/>
                 <a:cs typeface="+mn-cs"/>
               </a:rPr>
-              <a:t>apply to customers that are in the “</a:t>
-            </a:r>
-            <a:r>
-              <a:rPr lang="en-US" sz="1200" kern="1200" dirty="0" err="1" smtClean="0">
+              <a:t>There are two problems with this. First, inheritance is a very restrictive way of achieving reuse. In C# you can only have a single base class, and there’s just no good argument for requiring that your Customer tests and your Order tests derive from the same base.</a:t>
+            </a:r>
+          </a:p>
+          <a:p>
+            <a:endParaRPr lang="en-US" sz="1200" kern="1200" dirty="0" smtClean="0">
+              <a:solidFill>
+                <a:schemeClr val="tx1"/>
+              </a:solidFill>
+              <a:effectLst/>
+              <a:latin typeface="+mn-lt"/>
+              <a:ea typeface="+mn-ea"/>
+              <a:cs typeface="+mn-cs"/>
+            </a:endParaRPr>
+          </a:p>
+          <a:p>
+            <a:r>
+              <a:rPr lang="en-US" sz="1200" kern="1200" dirty="0" smtClean="0">
                 <a:solidFill>
                   <a:schemeClr val="tx1"/>
                 </a:solidFill>
@@ -3718,8 +4508,21 @@
                 <a:ea typeface="+mn-ea"/>
                 <a:cs typeface="+mn-cs"/>
               </a:rPr>
-              <a:t>PasswordReset</a:t>
-            </a:r>
+              <a:t>Secondly, as your system evolves over time, the needs of your tests might start to diverge. Maybe there’s one specific Customer test that needs to specify a distinct email address, or an Order test that requires that the Order not have any line items.</a:t>
+            </a:r>
+          </a:p>
+          <a:p>
+            <a:endParaRPr lang="en-US" sz="1200" kern="1200" dirty="0" smtClean="0">
+              <a:solidFill>
+                <a:schemeClr val="tx1"/>
+              </a:solidFill>
+              <a:effectLst/>
+              <a:latin typeface="+mn-lt"/>
+              <a:ea typeface="+mn-ea"/>
+              <a:cs typeface="+mn-cs"/>
+            </a:endParaRPr>
+          </a:p>
+          <a:p>
             <a:r>
               <a:rPr lang="en-US" sz="1200" kern="1200" dirty="0" smtClean="0">
                 <a:solidFill>
@@ -3730,8 +4533,19 @@
                 <a:ea typeface="+mn-ea"/>
                 <a:cs typeface="+mn-cs"/>
               </a:rPr>
-              <a:t>” state? Or does it apply to all customers?</a:t>
-            </a:r>
+              <a:t>If the setup code is in the base class, it’s really difficult to manage those test-specific changes. You end up doing things like replacing or overriding parts of the shared data in the body of each test, but that’s ugly and error prone.</a:t>
+            </a:r>
+          </a:p>
+          <a:p>
+            <a:endParaRPr lang="en-US" sz="1200" kern="1200" dirty="0" smtClean="0">
+              <a:solidFill>
+                <a:schemeClr val="tx1"/>
+              </a:solidFill>
+              <a:effectLst/>
+              <a:latin typeface="+mn-lt"/>
+              <a:ea typeface="+mn-ea"/>
+              <a:cs typeface="+mn-cs"/>
+            </a:endParaRPr>
           </a:p>
           <a:p>
             <a:r>
@@ -3744,27 +4558,13 @@
                 <a:ea typeface="+mn-ea"/>
                 <a:cs typeface="+mn-cs"/>
               </a:rPr>
-              <a:t>And if you’re writing shared setup code, it can be hard to identify which values can be changed without impacting other tests using the shared setup.</a:t>
-            </a:r>
-          </a:p>
-          <a:p>
-            <a:pPr marL="0" marR="0" indent="0" algn="l" defTabSz="914400" rtl="0" eaLnBrk="1" fontAlgn="auto" latinLnBrk="0" hangingPunct="1">
-              <a:lnSpc>
-                <a:spcPct val="100000"/>
-              </a:lnSpc>
-              <a:spcBef>
-                <a:spcPts val="0"/>
-              </a:spcBef>
-              <a:spcAft>
-                <a:spcPts val="0"/>
-              </a:spcAft>
-              <a:buClrTx/>
-              <a:buSzTx/>
-              <a:buFontTx/>
-              <a:buNone/>
-              <a:tabLst/>
-              <a:defRPr/>
-            </a:pPr>
+              <a:t>To properly reuse setup logic we need to get it out of a base class and into something more easily managed. I’ll show you what that looks like in a moment.</a:t>
+            </a:r>
+          </a:p>
+          <a:p>
+            <a:endParaRPr lang="en-US" b="0" dirty="0" smtClean="0"/>
+          </a:p>
+          <a:p>
             <a:endParaRPr lang="en-US" baseline="0" dirty="0" smtClean="0"/>
           </a:p>
         </p:txBody>
@@ -3795,7 +4595,7 @@
     </p:spTree>
     <p:extLst>
       <p:ext uri="{BB962C8B-B14F-4D97-AF65-F5344CB8AC3E}">
-        <p14:creationId xmlns:p14="http://schemas.microsoft.com/office/powerpoint/2010/main" val="3978043552"/>
+        <p14:creationId xmlns:p14="http://schemas.microsoft.com/office/powerpoint/2010/main" val="717122215"/>
       </p:ext>
     </p:extLst>
   </p:cSld>
@@ -3904,7 +4704,7 @@
     </p:spTree>
     <p:extLst>
       <p:ext uri="{BB962C8B-B14F-4D97-AF65-F5344CB8AC3E}">
-        <p14:creationId xmlns:p14="http://schemas.microsoft.com/office/powerpoint/2010/main" val="1112591192"/>
+        <p14:creationId xmlns:p14="http://schemas.microsoft.com/office/powerpoint/2010/main" val="3686236315"/>
       </p:ext>
     </p:extLst>
   </p:cSld>
@@ -3958,45 +4758,23 @@
           <a:bodyPr/>
           <a:lstStyle/>
           <a:p>
-            <a:r>
-              <a:rPr lang="en-US" sz="1200" kern="1200" dirty="0" smtClean="0">
-                <a:solidFill>
-                  <a:schemeClr val="tx1"/>
-                </a:solidFill>
-                <a:effectLst/>
-                <a:latin typeface="+mn-lt"/>
-                <a:ea typeface="+mn-ea"/>
-                <a:cs typeface="+mn-cs"/>
-              </a:rPr>
-              <a:t>TODO: Image for inheritance</a:t>
-            </a:r>
-          </a:p>
-          <a:p>
-            <a:endParaRPr lang="en-US" sz="1200" kern="1200" baseline="0" dirty="0" smtClean="0">
-              <a:solidFill>
-                <a:schemeClr val="tx1"/>
-              </a:solidFill>
-              <a:effectLst/>
-              <a:latin typeface="+mn-lt"/>
-              <a:ea typeface="+mn-ea"/>
-              <a:cs typeface="+mn-cs"/>
-            </a:endParaRPr>
-          </a:p>
-          <a:p>
-            <a:r>
-              <a:rPr lang="en-US" sz="1200" kern="1200" dirty="0" smtClean="0">
-                <a:solidFill>
-                  <a:schemeClr val="tx1"/>
-                </a:solidFill>
-                <a:effectLst/>
-                <a:latin typeface="+mn-lt"/>
-                <a:ea typeface="+mn-ea"/>
-                <a:cs typeface="+mn-cs"/>
-              </a:rPr>
-              <a:t>A quick and easy way of doing that would be to create a base class that does the setup and then derive multiple fixture classes from it. </a:t>
-            </a:r>
-          </a:p>
-          <a:p>
+            <a:pPr marL="0" marR="0" indent="0" algn="l" defTabSz="914400" rtl="0" eaLnBrk="1" fontAlgn="auto" latinLnBrk="0" hangingPunct="1">
+              <a:lnSpc>
+                <a:spcPct val="100000"/>
+              </a:lnSpc>
+              <a:spcBef>
+                <a:spcPts val="0"/>
+              </a:spcBef>
+              <a:spcAft>
+                <a:spcPts val="0"/>
+              </a:spcAft>
+              <a:buClrTx/>
+              <a:buSzTx/>
+              <a:buFontTx/>
+              <a:buNone/>
+              <a:tabLst/>
+              <a:defRPr/>
+            </a:pPr>
             <a:endParaRPr lang="en-US" sz="1200" kern="1200" dirty="0" smtClean="0">
               <a:solidFill>
                 <a:schemeClr val="tx1"/>
@@ -4007,101 +4785,6 @@
               <a:cs typeface="+mn-cs"/>
             </a:endParaRPr>
           </a:p>
-          <a:p>
-            <a:r>
-              <a:rPr lang="en-US" sz="1200" kern="1200" dirty="0" smtClean="0">
-                <a:solidFill>
-                  <a:schemeClr val="tx1"/>
-                </a:solidFill>
-                <a:effectLst/>
-                <a:latin typeface="+mn-lt"/>
-                <a:ea typeface="+mn-ea"/>
-                <a:cs typeface="+mn-cs"/>
-              </a:rPr>
-              <a:t>There are two problems with this. First, inheritance is a very restrictive way of achieving reuse. In C# you can only have a single base class, and there’s just no good argument for requiring that your Customer tests and your Order tests derive from the same base.</a:t>
-            </a:r>
-          </a:p>
-          <a:p>
-            <a:endParaRPr lang="en-US" sz="1200" kern="1200" dirty="0" smtClean="0">
-              <a:solidFill>
-                <a:schemeClr val="tx1"/>
-              </a:solidFill>
-              <a:effectLst/>
-              <a:latin typeface="+mn-lt"/>
-              <a:ea typeface="+mn-ea"/>
-              <a:cs typeface="+mn-cs"/>
-            </a:endParaRPr>
-          </a:p>
-          <a:p>
-            <a:r>
-              <a:rPr lang="en-US" sz="1200" kern="1200" dirty="0" smtClean="0">
-                <a:solidFill>
-                  <a:schemeClr val="tx1"/>
-                </a:solidFill>
-                <a:effectLst/>
-                <a:latin typeface="+mn-lt"/>
-                <a:ea typeface="+mn-ea"/>
-                <a:cs typeface="+mn-cs"/>
-              </a:rPr>
-              <a:t>Secondly, as your system evolves over time, the needs of your tests might start to diverge. Maybe there’s one specific Customer test that needs to specify a distinct email address, or an Order test that requires that the Order not have any line items.</a:t>
-            </a:r>
-          </a:p>
-          <a:p>
-            <a:endParaRPr lang="en-US" sz="1200" kern="1200" dirty="0" smtClean="0">
-              <a:solidFill>
-                <a:schemeClr val="tx1"/>
-              </a:solidFill>
-              <a:effectLst/>
-              <a:latin typeface="+mn-lt"/>
-              <a:ea typeface="+mn-ea"/>
-              <a:cs typeface="+mn-cs"/>
-            </a:endParaRPr>
-          </a:p>
-          <a:p>
-            <a:r>
-              <a:rPr lang="en-US" sz="1200" kern="1200" dirty="0" smtClean="0">
-                <a:solidFill>
-                  <a:schemeClr val="tx1"/>
-                </a:solidFill>
-                <a:effectLst/>
-                <a:latin typeface="+mn-lt"/>
-                <a:ea typeface="+mn-ea"/>
-                <a:cs typeface="+mn-cs"/>
-              </a:rPr>
-              <a:t>If the setup code is in the base class, it’s really difficult to manage those test-specific changes. You end up doing things like replacing or overriding parts of the shared data in the body of each test, but that’s ugly and error prone.</a:t>
-            </a:r>
-          </a:p>
-          <a:p>
-            <a:endParaRPr lang="en-US" sz="1200" kern="1200" dirty="0" smtClean="0">
-              <a:solidFill>
-                <a:schemeClr val="tx1"/>
-              </a:solidFill>
-              <a:effectLst/>
-              <a:latin typeface="+mn-lt"/>
-              <a:ea typeface="+mn-ea"/>
-              <a:cs typeface="+mn-cs"/>
-            </a:endParaRPr>
-          </a:p>
-          <a:p>
-            <a:r>
-              <a:rPr lang="en-US" sz="1200" kern="1200" dirty="0" smtClean="0">
-                <a:solidFill>
-                  <a:schemeClr val="tx1"/>
-                </a:solidFill>
-                <a:effectLst/>
-                <a:latin typeface="+mn-lt"/>
-                <a:ea typeface="+mn-ea"/>
-                <a:cs typeface="+mn-cs"/>
-              </a:rPr>
-              <a:t>To properly reuse setup logic we need to get it out of a base class and into something more easily managed. I’ll show you what that looks like in a moment.</a:t>
-            </a:r>
-          </a:p>
-          <a:p>
-            <a:endParaRPr lang="en-US" b="0" dirty="0" smtClean="0"/>
-          </a:p>
-          <a:p>
-            <a:endParaRPr lang="en-US" baseline="0" dirty="0" smtClean="0"/>
-          </a:p>
         </p:txBody>
       </p:sp>
       <p:sp>
@@ -4130,7 +4813,7 @@
     </p:spTree>
     <p:extLst>
       <p:ext uri="{BB962C8B-B14F-4D97-AF65-F5344CB8AC3E}">
-        <p14:creationId xmlns:p14="http://schemas.microsoft.com/office/powerpoint/2010/main" val="717122215"/>
+        <p14:creationId xmlns:p14="http://schemas.microsoft.com/office/powerpoint/2010/main" val="628590203"/>
       </p:ext>
     </p:extLst>
   </p:cSld>
@@ -4184,6 +4867,64 @@
           <a:bodyPr/>
           <a:lstStyle/>
           <a:p>
+            <a:r>
+              <a:rPr lang="en-US" sz="1200" kern="1200" dirty="0" smtClean="0">
+                <a:solidFill>
+                  <a:schemeClr val="tx1"/>
+                </a:solidFill>
+                <a:effectLst/>
+                <a:latin typeface="+mn-lt"/>
+                <a:ea typeface="+mn-ea"/>
+                <a:cs typeface="+mn-cs"/>
+              </a:rPr>
+              <a:t>The first key to success, and the single most important thing you can do to improve your setup code, is to stop constructing test objects by hand. Instead, push object creation into some sort of helper method or object. </a:t>
+            </a:r>
+          </a:p>
+          <a:p>
+            <a:r>
+              <a:rPr lang="en-US" sz="1200" kern="1200" dirty="0" smtClean="0">
+                <a:solidFill>
+                  <a:schemeClr val="tx1"/>
+                </a:solidFill>
+                <a:effectLst/>
+                <a:latin typeface="+mn-lt"/>
+                <a:ea typeface="+mn-ea"/>
+                <a:cs typeface="+mn-cs"/>
+              </a:rPr>
+              <a:t>This gives you two benefits: </a:t>
+            </a:r>
+          </a:p>
+          <a:p>
+            <a:pPr lvl="0"/>
+            <a:r>
+              <a:rPr lang="en-US" sz="1200" kern="1200" dirty="0" smtClean="0">
+                <a:solidFill>
+                  <a:schemeClr val="tx1"/>
+                </a:solidFill>
+                <a:effectLst/>
+                <a:latin typeface="+mn-lt"/>
+                <a:ea typeface="+mn-ea"/>
+                <a:cs typeface="+mn-cs"/>
+              </a:rPr>
+              <a:t>It often shortens your setup code, making it easier to write and read</a:t>
+            </a:r>
+          </a:p>
+          <a:p>
+            <a:pPr lvl="0"/>
+            <a:r>
+              <a:rPr lang="en-US" sz="1200" kern="1200" dirty="0" smtClean="0">
+                <a:solidFill>
+                  <a:schemeClr val="tx1"/>
+                </a:solidFill>
+                <a:effectLst/>
+                <a:latin typeface="+mn-lt"/>
+                <a:ea typeface="+mn-ea"/>
+                <a:cs typeface="+mn-cs"/>
+              </a:rPr>
+              <a:t>It increases resiliency; if an object’s constructor changes, you potentially only need to update the helper method.</a:t>
+            </a:r>
+          </a:p>
+          <a:p>
             <a:pPr marL="0" marR="0" indent="0" algn="l" defTabSz="914400" rtl="0" eaLnBrk="1" fontAlgn="auto" latinLnBrk="0" hangingPunct="1">
               <a:lnSpc>
                 <a:spcPct val="100000"/>
@@ -4239,7 +4980,7 @@
     </p:spTree>
     <p:extLst>
       <p:ext uri="{BB962C8B-B14F-4D97-AF65-F5344CB8AC3E}">
-        <p14:creationId xmlns:p14="http://schemas.microsoft.com/office/powerpoint/2010/main" val="628590203"/>
+        <p14:creationId xmlns:p14="http://schemas.microsoft.com/office/powerpoint/2010/main" val="2792765047"/>
       </p:ext>
     </p:extLst>
   </p:cSld>
@@ -4292,6 +5033,100 @@
         <p:txBody>
           <a:bodyPr/>
           <a:lstStyle/>
+          <a:p>
+            <a:r>
+              <a:rPr lang="en-US" sz="1200" kern="1200" dirty="0" smtClean="0">
+                <a:solidFill>
+                  <a:schemeClr val="tx1"/>
+                </a:solidFill>
+                <a:effectLst/>
+                <a:latin typeface="+mn-lt"/>
+                <a:ea typeface="+mn-ea"/>
+                <a:cs typeface="+mn-cs"/>
+              </a:rPr>
+              <a:t>Before I get into the good stuff, I want to set some quick expectations about this session.</a:t>
+            </a:r>
+          </a:p>
+          <a:p>
+            <a:r>
+              <a:rPr lang="en-US" sz="1200" kern="1200" dirty="0" smtClean="0">
+                <a:solidFill>
+                  <a:schemeClr val="tx1"/>
+                </a:solidFill>
+                <a:effectLst/>
+                <a:latin typeface="+mn-lt"/>
+                <a:ea typeface="+mn-ea"/>
+                <a:cs typeface="+mn-cs"/>
+              </a:rPr>
+              <a:t>First, this is not a Testing 101 session. I assume that you’re familiar with at least the basics of writing tests.</a:t>
+            </a:r>
+          </a:p>
+          <a:p>
+            <a:r>
+              <a:rPr lang="en-US" sz="1200" kern="1200" dirty="0" smtClean="0">
+                <a:solidFill>
+                  <a:schemeClr val="tx1"/>
+                </a:solidFill>
+                <a:effectLst/>
+                <a:latin typeface="+mn-lt"/>
+                <a:ea typeface="+mn-ea"/>
+                <a:cs typeface="+mn-cs"/>
+              </a:rPr>
+              <a:t>Second, this isn’t about mocking or stubbing or how to write testable code. Those are really important topics, but lots of people smarter than me have written tons of words about that stuff already.</a:t>
+            </a:r>
+          </a:p>
+          <a:p>
+            <a:r>
+              <a:rPr lang="en-US" sz="1200" kern="1200" dirty="0" smtClean="0">
+                <a:solidFill>
+                  <a:schemeClr val="tx1"/>
+                </a:solidFill>
+                <a:effectLst/>
+                <a:latin typeface="+mn-lt"/>
+                <a:ea typeface="+mn-ea"/>
+                <a:cs typeface="+mn-cs"/>
+              </a:rPr>
+              <a:t>Third, I’m not trying to sell you any specific framework, library, or language. I use C# and </a:t>
+            </a:r>
+            <a:r>
+              <a:rPr lang="en-US" sz="1200" kern="1200" dirty="0" err="1" smtClean="0">
+                <a:solidFill>
+                  <a:schemeClr val="tx1"/>
+                </a:solidFill>
+                <a:effectLst/>
+                <a:latin typeface="+mn-lt"/>
+                <a:ea typeface="+mn-ea"/>
+                <a:cs typeface="+mn-cs"/>
+              </a:rPr>
+              <a:t>NUnit</a:t>
+            </a:r>
+            <a:r>
+              <a:rPr lang="en-US" sz="1200" kern="1200" dirty="0" smtClean="0">
+                <a:solidFill>
+                  <a:schemeClr val="tx1"/>
+                </a:solidFill>
+                <a:effectLst/>
+                <a:latin typeface="+mn-lt"/>
+                <a:ea typeface="+mn-ea"/>
+                <a:cs typeface="+mn-cs"/>
+              </a:rPr>
+              <a:t> so that’s what you’ll see on these slides, but talk is about ideas and techniques that can be easily translated to lots of different tech stacks.</a:t>
+            </a:r>
+          </a:p>
+          <a:p>
+            <a:r>
+              <a:rPr lang="en-US" sz="1200" kern="1200" dirty="0" smtClean="0">
+                <a:solidFill>
+                  <a:schemeClr val="tx1"/>
+                </a:solidFill>
+                <a:effectLst/>
+                <a:latin typeface="+mn-lt"/>
+                <a:ea typeface="+mn-ea"/>
+                <a:cs typeface="+mn-cs"/>
+              </a:rPr>
+              <a:t>I’m going to focus entirely on improving the ways that you arrange your test data and prepare your system to execute a test. That’s it.</a:t>
+            </a:r>
+          </a:p>
           <a:p>
             <a:endParaRPr lang="en-US" b="0" dirty="0" smtClean="0"/>
           </a:p>
@@ -4377,32 +5212,105 @@
           <a:bodyPr/>
           <a:lstStyle/>
           <a:p>
-            <a:pPr marL="0" marR="0" indent="0" algn="l" defTabSz="914400" rtl="0" eaLnBrk="1" fontAlgn="auto" latinLnBrk="0" hangingPunct="1">
-              <a:lnSpc>
-                <a:spcPct val="100000"/>
-              </a:lnSpc>
-              <a:spcBef>
-                <a:spcPts val="0"/>
-              </a:spcBef>
-              <a:spcAft>
-                <a:spcPts val="0"/>
-              </a:spcAft>
-              <a:buClrTx/>
-              <a:buSzTx/>
-              <a:buFontTx/>
+            <a:r>
+              <a:rPr lang="en-US" sz="1200" kern="1200" dirty="0" smtClean="0">
+                <a:solidFill>
+                  <a:schemeClr val="tx1"/>
+                </a:solidFill>
+                <a:effectLst/>
+                <a:latin typeface="+mn-lt"/>
+                <a:ea typeface="+mn-ea"/>
+                <a:cs typeface="+mn-cs"/>
+              </a:rPr>
+              <a:t>Here’s an example of why this matters. </a:t>
+            </a:r>
+          </a:p>
+          <a:p>
+            <a:r>
+              <a:rPr lang="en-US" sz="1200" kern="1200" dirty="0" smtClean="0">
+                <a:solidFill>
+                  <a:schemeClr val="tx1"/>
+                </a:solidFill>
+                <a:effectLst/>
+                <a:latin typeface="+mn-lt"/>
+                <a:ea typeface="+mn-ea"/>
+                <a:cs typeface="+mn-cs"/>
+              </a:rPr>
+              <a:t>In my app, one of our core domain concepts is a thing called a “workflow”. There are very few things that a user can do that don’t involve a workflow in one way or another, which means that many of our requirements deal with workflows in different states. </a:t>
+            </a:r>
+          </a:p>
+          <a:p>
+            <a:r>
+              <a:rPr lang="en-US" sz="1200" kern="1200" dirty="0" smtClean="0">
+                <a:solidFill>
+                  <a:schemeClr val="tx1"/>
+                </a:solidFill>
+                <a:effectLst/>
+                <a:latin typeface="+mn-lt"/>
+                <a:ea typeface="+mn-ea"/>
+                <a:cs typeface="+mn-cs"/>
+              </a:rPr>
+              <a:t>As a result, many of our requirements look like this: “</a:t>
+            </a:r>
+            <a:r>
+              <a:rPr lang="en-US" sz="1200" i="1" kern="1200" dirty="0" smtClean="0">
+                <a:solidFill>
+                  <a:schemeClr val="tx1"/>
+                </a:solidFill>
+                <a:effectLst/>
+                <a:latin typeface="+mn-lt"/>
+                <a:ea typeface="+mn-ea"/>
+                <a:cs typeface="+mn-cs"/>
+              </a:rPr>
+              <a:t>When a workflow is &lt;configured like this&gt; then the system &lt;should do that&gt;</a:t>
+            </a:r>
+            <a:r>
+              <a:rPr lang="en-US" sz="1200" kern="1200" dirty="0" smtClean="0">
+                <a:solidFill>
+                  <a:schemeClr val="tx1"/>
+                </a:solidFill>
+                <a:effectLst/>
+                <a:latin typeface="+mn-lt"/>
+                <a:ea typeface="+mn-ea"/>
+                <a:cs typeface="+mn-cs"/>
+              </a:rPr>
+              <a:t>”. In practice, though, actually creating a workflow in that state is complex; a workflow is composed of lots of smaller objects that work together, and they all have to be set up in a logically consistent way to represent real-world code paths and to avoid runtime errors. </a:t>
+            </a:r>
+          </a:p>
+          <a:p>
+            <a:r>
+              <a:rPr lang="en-US" sz="1200" kern="1200" dirty="0" smtClean="0">
+                <a:solidFill>
+                  <a:schemeClr val="tx1"/>
+                </a:solidFill>
+                <a:effectLst/>
+                <a:latin typeface="+mn-lt"/>
+                <a:ea typeface="+mn-ea"/>
+                <a:cs typeface="+mn-cs"/>
+              </a:rPr>
+              <a:t>When we have to create those objects by hand, we end up with the mess I showed you at the start. And since we deal with these objects all the time, anything we can do to make this type of setup faster pays huge dividends.</a:t>
+            </a:r>
+          </a:p>
+          <a:p>
+            <a:r>
+              <a:rPr lang="en-US" sz="1200" kern="1200" dirty="0" smtClean="0">
+                <a:solidFill>
+                  <a:schemeClr val="tx1"/>
+                </a:solidFill>
+                <a:effectLst/>
+                <a:latin typeface="+mn-lt"/>
+                <a:ea typeface="+mn-ea"/>
+                <a:cs typeface="+mn-cs"/>
+              </a:rPr>
+              <a:t>There are a couple of well-known patterns for handling object creation. </a:t>
+            </a:r>
+          </a:p>
+          <a:p>
+            <a:pPr marL="0" indent="0">
+              <a:buFont typeface="Arial" panose="020B0604020202020204" pitchFamily="34" charset="0"/>
               <a:buNone/>
-              <a:tabLst/>
-              <a:defRPr/>
             </a:pPr>
-            <a:endParaRPr lang="en-US" sz="1200" kern="1200" dirty="0" smtClean="0">
-              <a:solidFill>
-                <a:schemeClr val="tx1"/>
-              </a:solidFill>
-              <a:effectLst/>
-              <a:latin typeface="+mn-lt"/>
-              <a:ea typeface="+mn-ea"/>
-              <a:cs typeface="+mn-cs"/>
-            </a:endParaRPr>
+            <a:endParaRPr lang="en-US" b="0" dirty="0"/>
           </a:p>
         </p:txBody>
       </p:sp>
@@ -4432,7 +5340,7 @@
     </p:spTree>
     <p:extLst>
       <p:ext uri="{BB962C8B-B14F-4D97-AF65-F5344CB8AC3E}">
-        <p14:creationId xmlns:p14="http://schemas.microsoft.com/office/powerpoint/2010/main" val="2792765047"/>
+        <p14:creationId xmlns:p14="http://schemas.microsoft.com/office/powerpoint/2010/main" val="3132845385"/>
       </p:ext>
     </p:extLst>
   </p:cSld>
@@ -4555,7 +5463,7 @@
     </p:spTree>
     <p:extLst>
       <p:ext uri="{BB962C8B-B14F-4D97-AF65-F5344CB8AC3E}">
-        <p14:creationId xmlns:p14="http://schemas.microsoft.com/office/powerpoint/2010/main" val="3132845385"/>
+        <p14:creationId xmlns:p14="http://schemas.microsoft.com/office/powerpoint/2010/main" val="500924126"/>
       </p:ext>
     </p:extLst>
   </p:cSld>
@@ -5749,6 +6657,429 @@
         <p:txBody>
           <a:bodyPr/>
           <a:lstStyle/>
+          <a:p>
+            <a:r>
+              <a:rPr lang="en-US" sz="1200" kern="1200" dirty="0" smtClean="0">
+                <a:solidFill>
+                  <a:schemeClr val="tx1"/>
+                </a:solidFill>
+                <a:effectLst/>
+                <a:latin typeface="+mn-lt"/>
+                <a:ea typeface="+mn-ea"/>
+                <a:cs typeface="+mn-cs"/>
+              </a:rPr>
+              <a:t>So why is test setup so important? The answer is because it makes up the majority of your test code. </a:t>
+            </a:r>
+          </a:p>
+          <a:p>
+            <a:r>
+              <a:rPr lang="en-US" sz="1200" kern="1200" dirty="0" smtClean="0">
+                <a:solidFill>
+                  <a:schemeClr val="tx1"/>
+                </a:solidFill>
+                <a:effectLst/>
+                <a:latin typeface="+mn-lt"/>
+                <a:ea typeface="+mn-ea"/>
+                <a:cs typeface="+mn-cs"/>
+              </a:rPr>
+              <a:t>Assuming that you’re not doing really bizarre in your tests, they likely all follow the same pattern: you do a bunch of stuff to get ready, then you call the one method or function that you’re testing and end with an assertion or two. The bulk of the code is the setup, and the quality of that code is a huge factor in how effectively you can leverage tests towards your ultimate goals.</a:t>
+            </a:r>
+          </a:p>
+          <a:p>
+            <a:r>
+              <a:rPr lang="en-US" sz="1200" kern="1200" dirty="0" smtClean="0">
+                <a:solidFill>
+                  <a:schemeClr val="tx1"/>
+                </a:solidFill>
+                <a:effectLst/>
+                <a:latin typeface="+mn-lt"/>
+                <a:ea typeface="+mn-ea"/>
+                <a:cs typeface="+mn-cs"/>
+              </a:rPr>
+              <a:t>And if you’re setting up your tests poorly, it’s </a:t>
+            </a:r>
+            <a:r>
+              <a:rPr lang="en-US" sz="1200" kern="1200" dirty="0" err="1" smtClean="0">
+                <a:solidFill>
+                  <a:schemeClr val="tx1"/>
+                </a:solidFill>
+                <a:effectLst/>
+                <a:latin typeface="+mn-lt"/>
+                <a:ea typeface="+mn-ea"/>
+                <a:cs typeface="+mn-cs"/>
+              </a:rPr>
+              <a:t>gonna</a:t>
+            </a:r>
+            <a:r>
+              <a:rPr lang="en-US" sz="1200" kern="1200" dirty="0" smtClean="0">
+                <a:solidFill>
+                  <a:schemeClr val="tx1"/>
+                </a:solidFill>
+                <a:effectLst/>
+                <a:latin typeface="+mn-lt"/>
+                <a:ea typeface="+mn-ea"/>
+                <a:cs typeface="+mn-cs"/>
+              </a:rPr>
+              <a:t> cost you. To help illustrate that, I have a short story about why I’m here and where these ideas came from.</a:t>
+            </a:r>
+          </a:p>
+          <a:p>
+            <a:r>
+              <a:rPr lang="en-US" sz="1200" kern="1200" dirty="0" smtClean="0">
+                <a:solidFill>
+                  <a:schemeClr val="tx1"/>
+                </a:solidFill>
+                <a:effectLst/>
+                <a:latin typeface="+mn-lt"/>
+                <a:ea typeface="+mn-ea"/>
+                <a:cs typeface="+mn-cs"/>
+              </a:rPr>
+              <a:t>This story begins 8 years ago when I had just joined my current employer. We were just beginning our agile transformation and everyone was super excited about having “user stories” instead of “requirements” and “story points” instead of “estimates”. In the midst of all that agile euphoria, we decided to require tests for 70% of the code in this new project.</a:t>
+            </a:r>
+          </a:p>
+          <a:p>
+            <a:r>
+              <a:rPr lang="en-US" sz="1200" kern="1200" dirty="0" smtClean="0">
+                <a:solidFill>
+                  <a:schemeClr val="tx1"/>
+                </a:solidFill>
+                <a:effectLst/>
+                <a:latin typeface="+mn-lt"/>
+                <a:ea typeface="+mn-ea"/>
+                <a:cs typeface="+mn-cs"/>
+              </a:rPr>
+              <a:t>Most of the team was new to testing and felt that 100% coverage was unreasonable, but everyone agreed that having that soft, safety blanket of tests around the most important 70% of the code was a good starting point. </a:t>
+            </a:r>
+          </a:p>
+          <a:p>
+            <a:r>
+              <a:rPr lang="en-US" sz="1200" kern="1200" dirty="0" smtClean="0">
+                <a:solidFill>
+                  <a:schemeClr val="tx1"/>
+                </a:solidFill>
+                <a:effectLst/>
+                <a:latin typeface="+mn-lt"/>
+                <a:ea typeface="+mn-ea"/>
+                <a:cs typeface="+mn-cs"/>
+              </a:rPr>
+              <a:t>The project starts out great, everyone’s writing tests and shipping features and things are going pretty good. But a few months later, after the code had started to get a little complex and we’d started revisiting features to add new functionality, I began to realize that something was wrong with our tests. I’d really </a:t>
+            </a:r>
+            <a:r>
+              <a:rPr lang="en-US" sz="1200" kern="1200" dirty="0" err="1" smtClean="0">
+                <a:solidFill>
+                  <a:schemeClr val="tx1"/>
+                </a:solidFill>
+                <a:effectLst/>
+                <a:latin typeface="+mn-lt"/>
+                <a:ea typeface="+mn-ea"/>
+                <a:cs typeface="+mn-cs"/>
+              </a:rPr>
+              <a:t>shotgunned</a:t>
+            </a:r>
+            <a:r>
+              <a:rPr lang="en-US" sz="1200" kern="1200" dirty="0" smtClean="0">
+                <a:solidFill>
+                  <a:schemeClr val="tx1"/>
+                </a:solidFill>
+                <a:effectLst/>
+                <a:latin typeface="+mn-lt"/>
+                <a:ea typeface="+mn-ea"/>
+                <a:cs typeface="+mn-cs"/>
+              </a:rPr>
+              <a:t> the Agile </a:t>
+            </a:r>
+            <a:r>
+              <a:rPr lang="en-US" sz="1200" kern="1200" dirty="0" err="1" smtClean="0">
+                <a:solidFill>
+                  <a:schemeClr val="tx1"/>
+                </a:solidFill>
+                <a:effectLst/>
+                <a:latin typeface="+mn-lt"/>
+                <a:ea typeface="+mn-ea"/>
+                <a:cs typeface="+mn-cs"/>
+              </a:rPr>
+              <a:t>kool-aid</a:t>
+            </a:r>
+            <a:r>
+              <a:rPr lang="en-US" sz="1200" kern="1200" dirty="0" smtClean="0">
+                <a:solidFill>
+                  <a:schemeClr val="tx1"/>
+                </a:solidFill>
+                <a:effectLst/>
+                <a:latin typeface="+mn-lt"/>
+                <a:ea typeface="+mn-ea"/>
+                <a:cs typeface="+mn-cs"/>
+              </a:rPr>
+              <a:t> and was expecting this transformational impact from testing, but the tests just weren’t delivering that value.</a:t>
+            </a:r>
+          </a:p>
+          <a:p>
+            <a:r>
+              <a:rPr lang="en-US" sz="1200" kern="1200" dirty="0" smtClean="0">
+                <a:solidFill>
+                  <a:schemeClr val="tx1"/>
+                </a:solidFill>
+                <a:effectLst/>
+                <a:latin typeface="+mn-lt"/>
+                <a:ea typeface="+mn-ea"/>
+                <a:cs typeface="+mn-cs"/>
+              </a:rPr>
+              <a:t>As the project went on, I noticed that despite our test coverage requirement, many seemingly important tests were missing. It turns out that as the code got more and more complex it got harder and harder to write the tests, so rather than testing the </a:t>
+            </a:r>
+            <a:r>
+              <a:rPr lang="en-US" sz="1200" i="1" kern="1200" dirty="0" smtClean="0">
+                <a:solidFill>
+                  <a:schemeClr val="tx1"/>
+                </a:solidFill>
+                <a:effectLst/>
+                <a:latin typeface="+mn-lt"/>
+                <a:ea typeface="+mn-ea"/>
+                <a:cs typeface="+mn-cs"/>
+              </a:rPr>
+              <a:t>most important </a:t>
+            </a:r>
+            <a:r>
+              <a:rPr lang="en-US" sz="1200" kern="1200" dirty="0" smtClean="0">
+                <a:solidFill>
+                  <a:schemeClr val="tx1"/>
+                </a:solidFill>
+                <a:effectLst/>
+                <a:latin typeface="+mn-lt"/>
+                <a:ea typeface="+mn-ea"/>
+                <a:cs typeface="+mn-cs"/>
+              </a:rPr>
+              <a:t>70% of the code, developers ended up testing the </a:t>
+            </a:r>
+            <a:r>
+              <a:rPr lang="en-US" sz="1200" i="1" kern="1200" dirty="0" smtClean="0">
+                <a:solidFill>
+                  <a:schemeClr val="tx1"/>
+                </a:solidFill>
+                <a:effectLst/>
+                <a:latin typeface="+mn-lt"/>
+                <a:ea typeface="+mn-ea"/>
+                <a:cs typeface="+mn-cs"/>
+              </a:rPr>
+              <a:t>70% that was easiest to test</a:t>
+            </a:r>
+            <a:r>
+              <a:rPr lang="en-US" sz="1200" kern="1200" dirty="0" smtClean="0">
+                <a:solidFill>
+                  <a:schemeClr val="tx1"/>
+                </a:solidFill>
+                <a:effectLst/>
+                <a:latin typeface="+mn-lt"/>
+                <a:ea typeface="+mn-ea"/>
+                <a:cs typeface="+mn-cs"/>
+              </a:rPr>
+              <a:t>. And as you can imagine, that left a lot of important code uncovered.</a:t>
+            </a:r>
+          </a:p>
+          <a:p>
+            <a:r>
+              <a:rPr lang="en-US" sz="1200" kern="1200" dirty="0" smtClean="0">
+                <a:solidFill>
+                  <a:schemeClr val="tx1"/>
+                </a:solidFill>
+                <a:effectLst/>
+                <a:latin typeface="+mn-lt"/>
+                <a:ea typeface="+mn-ea"/>
+                <a:cs typeface="+mn-cs"/>
+              </a:rPr>
+              <a:t>One of the main reasons that tests were getting hard to write is that as the application got larger and more complex, it was requiring more and more effort just to describe the starting point for a given test. Complex business rules often required complex test data, and complex text data was time consuming to set up. So, people looked for ways to avoid testing the complex rules. </a:t>
+            </a:r>
+          </a:p>
+          <a:p>
+            <a:r>
+              <a:rPr lang="en-US" sz="1200" kern="1200" dirty="0" smtClean="0">
+                <a:solidFill>
+                  <a:schemeClr val="tx1"/>
+                </a:solidFill>
+                <a:effectLst/>
+                <a:latin typeface="+mn-lt"/>
+                <a:ea typeface="+mn-ea"/>
+                <a:cs typeface="+mn-cs"/>
+              </a:rPr>
+              <a:t>And when they couldn’t avoid the tests, they ended up writing some pretty gnarly setup code. The best way to illustrate how bad it was is with a code sample. In one particular case I needed to make a minor adjustment to a feature. The feature itself was complex, but the new change was relatively simple and I didn’t think it would take much time. Before writing any new code, however, I wanted to learn more about how the feature currently worked and I wanted to write a failing test. So I opened up the file containing the tests and my heart sank when I saw this:  </a:t>
+            </a:r>
+          </a:p>
+          <a:p>
+            <a:r>
+              <a:rPr lang="en-US" sz="1200" b="1" kern="1200" dirty="0" smtClean="0">
+                <a:solidFill>
+                  <a:schemeClr val="tx1"/>
+                </a:solidFill>
+                <a:effectLst/>
+                <a:latin typeface="+mn-lt"/>
+                <a:ea typeface="+mn-ea"/>
+                <a:cs typeface="+mn-cs"/>
+              </a:rPr>
+              <a:t>(click – code sample)</a:t>
+            </a:r>
+            <a:endParaRPr lang="en-US" sz="1200" kern="1200" dirty="0" smtClean="0">
+              <a:solidFill>
+                <a:schemeClr val="tx1"/>
+              </a:solidFill>
+              <a:effectLst/>
+              <a:latin typeface="+mn-lt"/>
+              <a:ea typeface="+mn-ea"/>
+              <a:cs typeface="+mn-cs"/>
+            </a:endParaRPr>
+          </a:p>
+          <a:p>
+            <a:r>
+              <a:rPr lang="en-US" sz="1200" kern="1200" dirty="0" smtClean="0">
+                <a:solidFill>
+                  <a:schemeClr val="tx1"/>
+                </a:solidFill>
+                <a:effectLst/>
+                <a:latin typeface="+mn-lt"/>
+                <a:ea typeface="+mn-ea"/>
+                <a:cs typeface="+mn-cs"/>
+              </a:rPr>
+              <a:t>and this…. </a:t>
+            </a:r>
+          </a:p>
+          <a:p>
+            <a:r>
+              <a:rPr lang="en-US" sz="1200" kern="1200" dirty="0" smtClean="0">
+                <a:solidFill>
+                  <a:schemeClr val="tx1"/>
+                </a:solidFill>
+                <a:effectLst/>
+                <a:latin typeface="+mn-lt"/>
+                <a:ea typeface="+mn-ea"/>
+                <a:cs typeface="+mn-cs"/>
+              </a:rPr>
+              <a:t>(click)</a:t>
+            </a:r>
+          </a:p>
+          <a:p>
+            <a:r>
+              <a:rPr lang="en-US" sz="1200" kern="1200" dirty="0" smtClean="0">
+                <a:solidFill>
+                  <a:schemeClr val="tx1"/>
+                </a:solidFill>
+                <a:effectLst/>
+                <a:latin typeface="+mn-lt"/>
+                <a:ea typeface="+mn-ea"/>
+                <a:cs typeface="+mn-cs"/>
+              </a:rPr>
+              <a:t>And this.</a:t>
+            </a:r>
+          </a:p>
+          <a:p>
+            <a:r>
+              <a:rPr lang="en-US" sz="1200" kern="1200" dirty="0" smtClean="0">
+                <a:solidFill>
+                  <a:schemeClr val="tx1"/>
+                </a:solidFill>
+                <a:effectLst/>
+                <a:latin typeface="+mn-lt"/>
+                <a:ea typeface="+mn-ea"/>
+                <a:cs typeface="+mn-cs"/>
+              </a:rPr>
+              <a:t>That’s </a:t>
+            </a:r>
+          </a:p>
+          <a:p>
+            <a:r>
+              <a:rPr lang="en-US" sz="1200" kern="1200" dirty="0" smtClean="0">
+                <a:solidFill>
+                  <a:schemeClr val="tx1"/>
+                </a:solidFill>
+                <a:effectLst/>
+                <a:latin typeface="+mn-lt"/>
+                <a:ea typeface="+mn-ea"/>
+                <a:cs typeface="+mn-cs"/>
+              </a:rPr>
+              <a:t>(click) 29 string, integer and Boolean values being initialized, </a:t>
+            </a:r>
+          </a:p>
+          <a:p>
+            <a:r>
+              <a:rPr lang="en-US" sz="1200" kern="1200" dirty="0" smtClean="0">
+                <a:solidFill>
+                  <a:schemeClr val="tx1"/>
+                </a:solidFill>
+                <a:effectLst/>
+                <a:latin typeface="+mn-lt"/>
+                <a:ea typeface="+mn-ea"/>
+                <a:cs typeface="+mn-cs"/>
+              </a:rPr>
+              <a:t>(click) 7 different objects being created and </a:t>
+            </a:r>
+          </a:p>
+          <a:p>
+            <a:r>
+              <a:rPr lang="en-US" sz="1200" kern="1200" dirty="0" smtClean="0">
+                <a:solidFill>
+                  <a:schemeClr val="tx1"/>
+                </a:solidFill>
+                <a:effectLst/>
+                <a:latin typeface="+mn-lt"/>
+                <a:ea typeface="+mn-ea"/>
+                <a:cs typeface="+mn-cs"/>
+              </a:rPr>
+              <a:t>(click) 75 lines of code to understand. </a:t>
+            </a:r>
+          </a:p>
+          <a:p>
+            <a:r>
+              <a:rPr lang="en-US" sz="1200" kern="1200" dirty="0" smtClean="0">
+                <a:solidFill>
+                  <a:schemeClr val="tx1"/>
+                </a:solidFill>
+                <a:effectLst/>
+                <a:latin typeface="+mn-lt"/>
+                <a:ea typeface="+mn-ea"/>
+                <a:cs typeface="+mn-cs"/>
+              </a:rPr>
+              <a:t>(click) CRAP! And even worse, this is just the SHARED setup code for the test suite! Each individual test in the suite had more code like this, and each test depended on different portions of this mess.</a:t>
+            </a:r>
+          </a:p>
+          <a:p>
+            <a:r>
+              <a:rPr lang="en-US" sz="1200" kern="1200" dirty="0" smtClean="0">
+                <a:solidFill>
+                  <a:schemeClr val="tx1"/>
+                </a:solidFill>
+                <a:effectLst/>
+                <a:latin typeface="+mn-lt"/>
+                <a:ea typeface="+mn-ea"/>
+                <a:cs typeface="+mn-cs"/>
+              </a:rPr>
+              <a:t>It was clear that even though my change was simple, just modifying the existing tests would be difficult, let alone adding new ones. I went back to the team, increased my estimate, and spent way more time than should have been necessary implementing that change.</a:t>
+            </a:r>
+          </a:p>
+          <a:p>
+            <a:r>
+              <a:rPr lang="en-US" sz="1200" kern="1200" dirty="0" smtClean="0">
+                <a:solidFill>
+                  <a:schemeClr val="tx1"/>
+                </a:solidFill>
+                <a:effectLst/>
+                <a:latin typeface="+mn-lt"/>
+                <a:ea typeface="+mn-ea"/>
+                <a:cs typeface="+mn-cs"/>
+              </a:rPr>
+              <a:t>And this is not an isolated case! We have thousands of tests in our projects and we spend countless hours reading those tests and trying to make sense of stuff like this.</a:t>
+            </a:r>
+          </a:p>
+          <a:p>
+            <a:r>
+              <a:rPr lang="en-US" sz="1200" kern="1200" dirty="0" smtClean="0">
+                <a:solidFill>
+                  <a:schemeClr val="tx1"/>
+                </a:solidFill>
+                <a:effectLst/>
+                <a:latin typeface="+mn-lt"/>
+                <a:ea typeface="+mn-ea"/>
+                <a:cs typeface="+mn-cs"/>
+              </a:rPr>
+              <a:t>This sucks! But there is a better way.</a:t>
+            </a:r>
+          </a:p>
           <a:p>
             <a:pPr marL="0" marR="0" indent="0" algn="l" defTabSz="914400" rtl="0" eaLnBrk="1" fontAlgn="auto" latinLnBrk="0" hangingPunct="1">
               <a:lnSpc>
@@ -11516,7 +12847,7 @@
           <a:p>
             <a:fld id="{75AA6396-395E-4ADA-8EE5-F328BC863A04}" type="datetimeFigureOut">
               <a:rPr lang="en-US" smtClean="0"/>
-              <a:t>11/22/2016</a:t>
+              <a:t>11/24/2016</a:t>
             </a:fld>
             <a:endParaRPr lang="en-US"/>
           </a:p>
@@ -11693,7 +13024,7 @@
           <a:p>
             <a:fld id="{75AA6396-395E-4ADA-8EE5-F328BC863A04}" type="datetimeFigureOut">
               <a:rPr lang="en-US" smtClean="0"/>
-              <a:t>11/22/2016</a:t>
+              <a:t>11/24/2016</a:t>
             </a:fld>
             <a:endParaRPr lang="en-US"/>
           </a:p>
@@ -11873,7 +13204,7 @@
           <a:p>
             <a:fld id="{75AA6396-395E-4ADA-8EE5-F328BC863A04}" type="datetimeFigureOut">
               <a:rPr lang="en-US" smtClean="0"/>
-              <a:t>11/22/2016</a:t>
+              <a:t>11/24/2016</a:t>
             </a:fld>
             <a:endParaRPr lang="en-US"/>
           </a:p>
@@ -12093,7 +13424,7 @@
           <a:p>
             <a:fld id="{75AA6396-395E-4ADA-8EE5-F328BC863A04}" type="datetimeFigureOut">
               <a:rPr lang="en-US" smtClean="0"/>
-              <a:t>11/22/2016</a:t>
+              <a:t>11/24/2016</a:t>
             </a:fld>
             <a:endParaRPr lang="en-US"/>
           </a:p>
@@ -12346,7 +13677,7 @@
           <a:p>
             <a:fld id="{75AA6396-395E-4ADA-8EE5-F328BC863A04}" type="datetimeFigureOut">
               <a:rPr lang="en-US" smtClean="0"/>
-              <a:t>11/22/2016</a:t>
+              <a:t>11/24/2016</a:t>
             </a:fld>
             <a:endParaRPr lang="en-US"/>
           </a:p>
@@ -12585,7 +13916,7 @@
           <a:p>
             <a:fld id="{75AA6396-395E-4ADA-8EE5-F328BC863A04}" type="datetimeFigureOut">
               <a:rPr lang="en-US" smtClean="0"/>
-              <a:t>11/22/2016</a:t>
+              <a:t>11/24/2016</a:t>
             </a:fld>
             <a:endParaRPr lang="en-US"/>
           </a:p>
@@ -12959,7 +14290,7 @@
           <a:p>
             <a:fld id="{75AA6396-395E-4ADA-8EE5-F328BC863A04}" type="datetimeFigureOut">
               <a:rPr lang="en-US" smtClean="0"/>
-              <a:t>11/22/2016</a:t>
+              <a:t>11/24/2016</a:t>
             </a:fld>
             <a:endParaRPr lang="en-US"/>
           </a:p>
@@ -13077,7 +14408,7 @@
           <a:p>
             <a:fld id="{75AA6396-395E-4ADA-8EE5-F328BC863A04}" type="datetimeFigureOut">
               <a:rPr lang="en-US" smtClean="0"/>
-              <a:t>11/22/2016</a:t>
+              <a:t>11/24/2016</a:t>
             </a:fld>
             <a:endParaRPr lang="en-US"/>
           </a:p>
@@ -13172,7 +14503,7 @@
           <a:p>
             <a:fld id="{75AA6396-395E-4ADA-8EE5-F328BC863A04}" type="datetimeFigureOut">
               <a:rPr lang="en-US" smtClean="0"/>
-              <a:t>11/22/2016</a:t>
+              <a:t>11/24/2016</a:t>
             </a:fld>
             <a:endParaRPr lang="en-US"/>
           </a:p>
@@ -13449,7 +14780,7 @@
           <a:p>
             <a:fld id="{75AA6396-395E-4ADA-8EE5-F328BC863A04}" type="datetimeFigureOut">
               <a:rPr lang="en-US" smtClean="0"/>
-              <a:t>11/22/2016</a:t>
+              <a:t>11/24/2016</a:t>
             </a:fld>
             <a:endParaRPr lang="en-US"/>
           </a:p>
@@ -13702,7 +15033,7 @@
           <a:p>
             <a:fld id="{75AA6396-395E-4ADA-8EE5-F328BC863A04}" type="datetimeFigureOut">
               <a:rPr lang="en-US" smtClean="0"/>
-              <a:t>11/22/2016</a:t>
+              <a:t>11/24/2016</a:t>
             </a:fld>
             <a:endParaRPr lang="en-US"/>
           </a:p>
@@ -13915,7 +15246,7 @@
           <a:p>
             <a:fld id="{75AA6396-395E-4ADA-8EE5-F328BC863A04}" type="datetimeFigureOut">
               <a:rPr lang="en-US" smtClean="0"/>
-              <a:t>11/22/2016</a:t>
+              <a:t>11/24/2016</a:t>
             </a:fld>
             <a:endParaRPr lang="en-US"/>
           </a:p>
@@ -14332,7 +15663,7 @@
         </p:nvSpPr>
         <p:spPr>
           <a:xfrm>
-            <a:off x="838197" y="2297164"/>
+            <a:off x="838196" y="1456506"/>
             <a:ext cx="10515600" cy="2069850"/>
           </a:xfrm>
         </p:spPr>
@@ -14372,8 +15703,8 @@
         </p:nvSpPr>
         <p:spPr>
           <a:xfrm>
-            <a:off x="4329456" y="4720975"/>
-            <a:ext cx="3533083" cy="707886"/>
+            <a:off x="4000134" y="4042549"/>
+            <a:ext cx="4191725" cy="1938992"/>
           </a:xfrm>
           <a:prstGeom prst="rect">
             <a:avLst/>
@@ -14386,10 +15717,34 @@
           </a:bodyPr>
           <a:lstStyle/>
           <a:p>
+            <a:pPr algn="ctr"/>
+            <a:r>
+              <a:rPr lang="en-US" sz="4000" dirty="0" smtClean="0">
+                <a:solidFill>
+                  <a:srgbClr val="013947"/>
+                </a:solidFill>
+              </a:rPr>
+              <a:t>Seth Petry-Johnson</a:t>
+            </a:r>
+            <a:br>
+              <a:rPr lang="en-US" sz="4000" dirty="0" smtClean="0">
+                <a:solidFill>
+                  <a:srgbClr val="013947"/>
+                </a:solidFill>
+              </a:rPr>
+            </a:br>
+            <a:endParaRPr lang="en-US" sz="4000" dirty="0" smtClean="0">
+              <a:solidFill>
+                <a:srgbClr val="013947"/>
+              </a:solidFill>
+            </a:endParaRPr>
+          </a:p>
+          <a:p>
+            <a:pPr algn="ctr"/>
             <a:r>
               <a:rPr lang="en-US" sz="3200" dirty="0" smtClean="0">
                 <a:solidFill>
-                  <a:srgbClr val="FD7D00"/>
+                  <a:srgbClr val="013947"/>
                 </a:solidFill>
               </a:rPr>
               <a:t>@</a:t>
@@ -14397,14 +15752,14 @@
             <a:r>
               <a:rPr lang="en-US" sz="4000" dirty="0" smtClean="0">
                 <a:solidFill>
-                  <a:srgbClr val="FD7D00"/>
+                  <a:srgbClr val="013947"/>
                 </a:solidFill>
               </a:rPr>
               <a:t>spetryjohnson</a:t>
             </a:r>
             <a:endParaRPr lang="en-US" sz="3200" dirty="0">
               <a:solidFill>
-                <a:srgbClr val="FD7D00"/>
+                <a:srgbClr val="013947"/>
               </a:solidFill>
             </a:endParaRPr>
           </a:p>
@@ -14904,11 +16259,7 @@
           <a:p>
             <a:r>
               <a:rPr lang="en-US" sz="4000" dirty="0" smtClean="0"/>
-              <a:t>Mistakes </a:t>
-            </a:r>
-            <a:r>
-              <a:rPr lang="en-US" sz="4000" dirty="0" smtClean="0"/>
-              <a:t>you're making today</a:t>
+              <a:t>Mistakes you're making today</a:t>
             </a:r>
             <a:br>
               <a:rPr lang="en-US" sz="4000" dirty="0" smtClean="0"/>
@@ -14918,11 +16269,7 @@
           <a:p>
             <a:r>
               <a:rPr lang="en-US" sz="4000" dirty="0" smtClean="0"/>
-              <a:t>Key patterns for </a:t>
-            </a:r>
-            <a:r>
-              <a:rPr lang="en-US" sz="4000" dirty="0" smtClean="0"/>
-              <a:t>unit test setup</a:t>
+              <a:t>Key patterns for unit test setup</a:t>
             </a:r>
           </a:p>
           <a:p>
@@ -15388,7 +16735,7 @@
         <p:spPr>
           <a:xfrm>
             <a:off x="838199" y="1825625"/>
-            <a:ext cx="10857271" cy="1146175"/>
+            <a:ext cx="11137491" cy="1146175"/>
           </a:xfrm>
         </p:spPr>
         <p:txBody>
@@ -15402,7 +16749,11 @@
             </a:pPr>
             <a:r>
               <a:rPr lang="en-US" sz="4000" dirty="0" smtClean="0"/>
-              <a:t>Anything you do prior to executing code under test</a:t>
+              <a:t>Anything you do </a:t>
+            </a:r>
+            <a:r>
+              <a:rPr lang="en-US" sz="4000" dirty="0" smtClean="0"/>
+              <a:t>to create baseline "input" for a test</a:t>
             </a:r>
             <a:endParaRPr lang="en-US" dirty="0" smtClean="0"/>
           </a:p>
@@ -15745,7 +17096,7 @@
         <p:spPr>
           <a:xfrm>
             <a:off x="838200" y="1825625"/>
-            <a:ext cx="10827774" cy="1146175"/>
+            <a:ext cx="11211232" cy="1146175"/>
           </a:xfrm>
         </p:spPr>
         <p:txBody>
@@ -15759,7 +17110,7 @@
             </a:pPr>
             <a:r>
               <a:rPr lang="en-US" sz="4000" dirty="0"/>
-              <a:t>Anything you do prior to executing code under test</a:t>
+              <a:t>Anything you do to create baseline "input" for a test</a:t>
             </a:r>
           </a:p>
           <a:p>
@@ -16022,7 +17373,23 @@
             </a:pPr>
             <a:r>
               <a:rPr lang="en-US" sz="4000" dirty="0" smtClean="0"/>
-              <a:t>The art of writing clean, expressive tests that don't suck</a:t>
+              <a:t>The art of writing clean, expressive </a:t>
+            </a:r>
+            <a:r>
+              <a:rPr lang="en-US" sz="4000" dirty="0" smtClean="0"/>
+              <a:t>setup code </a:t>
+            </a:r>
+            <a:r>
+              <a:rPr lang="en-US" sz="4000" dirty="0" smtClean="0"/>
+              <a:t>that </a:t>
+            </a:r>
+            <a:r>
+              <a:rPr lang="en-US" sz="4000" dirty="0" smtClean="0"/>
+              <a:t>doesn't </a:t>
+            </a:r>
+            <a:r>
+              <a:rPr lang="en-US" sz="4000" dirty="0" smtClean="0"/>
+              <a:t>suck</a:t>
             </a:r>
             <a:endParaRPr lang="en-US" dirty="0" smtClean="0"/>
           </a:p>
@@ -16111,8 +17478,8 @@
         </p:nvSpPr>
         <p:spPr>
           <a:xfrm>
-            <a:off x="838200" y="1825625"/>
-            <a:ext cx="10827774" cy="1146175"/>
+            <a:off x="838199" y="1825625"/>
+            <a:ext cx="11181735" cy="1146175"/>
           </a:xfrm>
         </p:spPr>
         <p:txBody>
@@ -16126,7 +17493,7 @@
             </a:pPr>
             <a:r>
               <a:rPr lang="en-US" sz="4000" dirty="0"/>
-              <a:t>Anything you do prior to executing code under test</a:t>
+              <a:t>Anything you do to create baseline "input" for a test</a:t>
             </a:r>
           </a:p>
           <a:p>
@@ -16388,10 +17755,14 @@
               <a:buNone/>
             </a:pPr>
             <a:r>
-              <a:rPr lang="en-US" sz="4000" dirty="0" smtClean="0"/>
-              <a:t>Coding patterns that increase the value that automated testing provides</a:t>
-            </a:r>
-            <a:endParaRPr lang="en-US" dirty="0" smtClean="0"/>
+              <a:rPr lang="en-US" sz="4000" b="1" dirty="0" smtClean="0"/>
+              <a:t>Coding patterns that increase the value </a:t>
+            </a:r>
+            <a:r>
+              <a:rPr lang="en-US" sz="4000" b="1" dirty="0" smtClean="0"/>
+              <a:t>of tests</a:t>
+            </a:r>
+            <a:endParaRPr lang="en-US" b="1" dirty="0" smtClean="0"/>
           </a:p>
           <a:p>
             <a:endParaRPr lang="en-US" dirty="0" smtClean="0"/>
@@ -17678,7 +19049,15 @@
             <a:pPr algn="ctr"/>
             <a:r>
               <a:rPr lang="en-US" sz="4800" u="sng" dirty="0" smtClean="0"/>
-              <a:t>Test Setup Mistake #1</a:t>
+              <a:t>Test Setup Mistake </a:t>
+            </a:r>
+            <a:r>
+              <a:rPr lang="en-US" sz="4800" u="sng" dirty="0" smtClean="0"/>
+              <a:t>#1</a:t>
+            </a:r>
+            <a:r>
+              <a:rPr lang="en-US" sz="4800" u="sng" dirty="0" smtClean="0"/>
+              <a:t/>
             </a:r>
             <a:br>
               <a:rPr lang="en-US" sz="4800" u="sng" dirty="0" smtClean="0"/>
@@ -17692,7 +19071,11 @@
             </a:br>
             <a:r>
               <a:rPr lang="en-US" sz="4000" dirty="0" smtClean="0"/>
-              <a:t>It's easier to describe scenarios in words than code</a:t>
+              <a:t>Manually constructing </a:t>
+            </a:r>
+            <a:r>
+              <a:rPr lang="en-US" sz="4000" dirty="0" smtClean="0"/>
+              <a:t>test data</a:t>
             </a:r>
             <a:endParaRPr lang="en-US" sz="4000" dirty="0"/>
           </a:p>
@@ -17701,7 +19084,7 @@
     </p:spTree>
     <p:extLst>
       <p:ext uri="{BB962C8B-B14F-4D97-AF65-F5344CB8AC3E}">
-        <p14:creationId xmlns:p14="http://schemas.microsoft.com/office/powerpoint/2010/main" val="1058486270"/>
+        <p14:creationId xmlns:p14="http://schemas.microsoft.com/office/powerpoint/2010/main" val="2676086807"/>
       </p:ext>
     </p:extLst>
   </p:cSld>
@@ -17747,8 +19130,8 @@
         </p:nvSpPr>
         <p:spPr>
           <a:xfrm>
-            <a:off x="838200" y="365125"/>
-            <a:ext cx="11019503" cy="1325563"/>
+            <a:off x="838199" y="365125"/>
+            <a:ext cx="11164609" cy="1325563"/>
           </a:xfrm>
         </p:spPr>
         <p:txBody>
@@ -17759,7 +19142,19 @@
           <a:p>
             <a:r>
               <a:rPr lang="en-US" sz="4800" dirty="0" smtClean="0"/>
-              <a:t>Mistake #1: Hard to create common states</a:t>
+              <a:t>Mistake </a:t>
+            </a:r>
+            <a:r>
+              <a:rPr lang="en-US" sz="4800" dirty="0" smtClean="0"/>
+              <a:t>#1: </a:t>
+            </a:r>
+            <a:r>
+              <a:rPr lang="en-US" sz="4800" dirty="0" smtClean="0"/>
+              <a:t>Manually constructing </a:t>
+            </a:r>
+            <a:r>
+              <a:rPr lang="en-US" sz="4800" dirty="0" smtClean="0"/>
+              <a:t>objects</a:t>
             </a:r>
             <a:endParaRPr lang="en-US" sz="4800" dirty="0"/>
           </a:p>
@@ -17782,61 +19177,48 @@
           </a:bodyPr>
           <a:lstStyle/>
           <a:p>
-            <a:pPr marL="0" indent="0">
+            <a:endParaRPr lang="en-US" dirty="0" smtClean="0"/>
+          </a:p>
+          <a:p>
+            <a:pPr marL="457200" lvl="1" indent="0">
               <a:buNone/>
             </a:pPr>
-            <a:endParaRPr lang="en-US" sz="4000" dirty="0"/>
-          </a:p>
-          <a:p>
-            <a:pPr marL="0" indent="0">
-              <a:buNone/>
-            </a:pPr>
-            <a:r>
-              <a:rPr lang="en-US" sz="2800" dirty="0" smtClean="0">
-                <a:solidFill>
-                  <a:srgbClr val="FF0000"/>
-                </a:solidFill>
-              </a:rPr>
-              <a:t>TODO: Image of simple business case exploding into multiple lines of code</a:t>
-            </a:r>
-            <a:r>
-              <a:rPr lang="en-US" sz="3600" dirty="0" smtClean="0"/>
-              <a:t/>
-            </a:r>
-            <a:br>
-              <a:rPr lang="en-US" sz="3600" dirty="0" smtClean="0"/>
-            </a:br>
-            <a:endParaRPr lang="en-US" sz="3600" dirty="0"/>
-          </a:p>
-          <a:p>
-            <a:endParaRPr lang="en-US" dirty="0" smtClean="0"/>
-          </a:p>
-          <a:p>
-            <a:pPr lvl="1"/>
-            <a:endParaRPr lang="en-US" dirty="0" smtClean="0"/>
-          </a:p>
-          <a:p>
-            <a:pPr lvl="1"/>
             <a:endParaRPr lang="en-US" dirty="0" smtClean="0"/>
           </a:p>
           <a:p>
             <a:pPr lvl="1"/>
             <a:endParaRPr lang="en-US" dirty="0"/>
           </a:p>
-          <a:p>
-            <a:pPr lvl="1"/>
-            <a:endParaRPr lang="en-US" dirty="0" smtClean="0"/>
-          </a:p>
-          <a:p>
-            <a:pPr lvl="1"/>
-            <a:endParaRPr lang="en-US" dirty="0"/>
-          </a:p>
-        </p:txBody>
-      </p:sp>
+        </p:txBody>
+      </p:sp>
+      <p:pic>
+        <p:nvPicPr>
+          <p:cNvPr id="8" name="Picture 7"/>
+          <p:cNvPicPr>
+            <a:picLocks noChangeAspect="1"/>
+          </p:cNvPicPr>
+          <p:nvPr/>
+        </p:nvPicPr>
+        <p:blipFill>
+          <a:blip r:embed="rId3"/>
+          <a:stretch>
+            <a:fillRect/>
+          </a:stretch>
+        </p:blipFill>
+        <p:spPr>
+          <a:xfrm>
+            <a:off x="838199" y="1690688"/>
+            <a:ext cx="11164609" cy="1642447"/>
+          </a:xfrm>
+          <a:prstGeom prst="rect">
+            <a:avLst/>
+          </a:prstGeom>
+        </p:spPr>
+      </p:pic>
     </p:spTree>
     <p:extLst>
       <p:ext uri="{BB962C8B-B14F-4D97-AF65-F5344CB8AC3E}">
-        <p14:creationId xmlns:p14="http://schemas.microsoft.com/office/powerpoint/2010/main" val="1974524565"/>
+        <p14:creationId xmlns:p14="http://schemas.microsoft.com/office/powerpoint/2010/main" val="4230629180"/>
       </p:ext>
     </p:extLst>
   </p:cSld>
@@ -17882,8 +19264,8 @@
         </p:nvSpPr>
         <p:spPr>
           <a:xfrm>
-            <a:off x="486697" y="2217960"/>
-            <a:ext cx="11371007" cy="2088569"/>
+            <a:off x="838199" y="365125"/>
+            <a:ext cx="11078498" cy="1325563"/>
           </a:xfrm>
         </p:spPr>
         <p:txBody>
@@ -17892,33 +19274,80 @@
           </a:bodyPr>
           <a:lstStyle/>
           <a:p>
-            <a:pPr algn="ctr"/>
-            <a:r>
-              <a:rPr lang="en-US" sz="4800" u="sng" dirty="0" smtClean="0"/>
-              <a:t>Test Setup Mistake #2</a:t>
-            </a:r>
-            <a:br>
-              <a:rPr lang="en-US" sz="4800" u="sng" dirty="0" smtClean="0"/>
-            </a:br>
-            <a:r>
-              <a:rPr lang="en-US" sz="4800" u="sng" dirty="0" smtClean="0"/>
-              <a:t/>
-            </a:r>
-            <a:br>
-              <a:rPr lang="en-US" sz="4800" u="sng" dirty="0" smtClean="0"/>
-            </a:br>
-            <a:r>
-              <a:rPr lang="en-US" sz="4000" dirty="0" smtClean="0"/>
-              <a:t>Manually constructing dependencies</a:t>
-            </a:r>
-            <a:endParaRPr lang="en-US" sz="4000" dirty="0"/>
-          </a:p>
-        </p:txBody>
-      </p:sp>
+            <a:r>
+              <a:rPr lang="en-US" sz="4800" dirty="0"/>
+              <a:t>Mistake </a:t>
+            </a:r>
+            <a:r>
+              <a:rPr lang="en-US" sz="4800" dirty="0" smtClean="0"/>
+              <a:t>#1: </a:t>
+            </a:r>
+            <a:r>
+              <a:rPr lang="en-US" sz="4800" dirty="0"/>
+              <a:t>Manually constructing objects</a:t>
+            </a:r>
+          </a:p>
+        </p:txBody>
+      </p:sp>
+      <p:sp>
+        <p:nvSpPr>
+          <p:cNvPr id="3" name="Content Placeholder 2"/>
+          <p:cNvSpPr>
+            <a:spLocks noGrp="1"/>
+          </p:cNvSpPr>
+          <p:nvPr>
+            <p:ph idx="1"/>
+          </p:nvPr>
+        </p:nvSpPr>
+        <p:spPr/>
+        <p:txBody>
+          <a:bodyPr>
+            <a:normAutofit/>
+          </a:bodyPr>
+          <a:lstStyle/>
+          <a:p>
+            <a:endParaRPr lang="en-US" dirty="0" smtClean="0"/>
+          </a:p>
+          <a:p>
+            <a:pPr marL="457200" lvl="1" indent="0">
+              <a:buNone/>
+            </a:pPr>
+            <a:endParaRPr lang="en-US" dirty="0" smtClean="0"/>
+          </a:p>
+          <a:p>
+            <a:pPr lvl="1"/>
+            <a:endParaRPr lang="en-US" dirty="0"/>
+          </a:p>
+        </p:txBody>
+      </p:sp>
+      <p:pic>
+        <p:nvPicPr>
+          <p:cNvPr id="6" name="Picture 5"/>
+          <p:cNvPicPr>
+            <a:picLocks noChangeAspect="1"/>
+          </p:cNvPicPr>
+          <p:nvPr/>
+        </p:nvPicPr>
+        <p:blipFill>
+          <a:blip r:embed="rId3"/>
+          <a:stretch>
+            <a:fillRect/>
+          </a:stretch>
+        </p:blipFill>
+        <p:spPr>
+          <a:xfrm>
+            <a:off x="838200" y="1690687"/>
+            <a:ext cx="11214522" cy="1996409"/>
+          </a:xfrm>
+          <a:prstGeom prst="rect">
+            <a:avLst/>
+          </a:prstGeom>
+        </p:spPr>
+      </p:pic>
     </p:spTree>
     <p:extLst>
       <p:ext uri="{BB962C8B-B14F-4D97-AF65-F5344CB8AC3E}">
-        <p14:creationId xmlns:p14="http://schemas.microsoft.com/office/powerpoint/2010/main" val="2676086807"/>
+        <p14:creationId xmlns:p14="http://schemas.microsoft.com/office/powerpoint/2010/main" val="1136295632"/>
       </p:ext>
     </p:extLst>
   </p:cSld>
@@ -17965,7 +19394,7 @@
         <p:spPr>
           <a:xfrm>
             <a:off x="838199" y="365125"/>
-            <a:ext cx="11164609" cy="1325563"/>
+            <a:ext cx="10842523" cy="1325563"/>
           </a:xfrm>
         </p:spPr>
         <p:txBody>
@@ -17975,10 +19404,17 @@
           <a:lstStyle/>
           <a:p>
             <a:r>
+              <a:rPr lang="en-US" sz="4800" dirty="0"/>
+              <a:t>Mistake </a:t>
+            </a:r>
+            <a:r>
               <a:rPr lang="en-US" sz="4800" dirty="0" smtClean="0"/>
-              <a:t>Mistake #2: Manually constructing objects</a:t>
-            </a:r>
-            <a:endParaRPr lang="en-US" sz="4800" dirty="0"/>
+              <a:t>#1: </a:t>
+            </a:r>
+            <a:r>
+              <a:rPr lang="en-US" sz="4800" dirty="0"/>
+              <a:t>Manually constructing objects</a:t>
+            </a:r>
           </a:p>
         </p:txBody>
       </p:sp>
@@ -18015,7 +19451,7 @@
       </p:sp>
       <p:pic>
         <p:nvPicPr>
-          <p:cNvPr id="8" name="Picture 7"/>
+          <p:cNvPr id="7" name="Picture 6"/>
           <p:cNvPicPr>
             <a:picLocks noChangeAspect="1"/>
           </p:cNvPicPr>
@@ -18029,8 +19465,8 @@
         </p:blipFill>
         <p:spPr>
           <a:xfrm>
-            <a:off x="838199" y="1690688"/>
-            <a:ext cx="11164609" cy="1642447"/>
+            <a:off x="838200" y="1690688"/>
+            <a:ext cx="11240730" cy="2922590"/>
           </a:xfrm>
           <a:prstGeom prst="rect">
             <a:avLst/>
@@ -18040,7 +19476,7 @@
     </p:spTree>
     <p:extLst>
       <p:ext uri="{BB962C8B-B14F-4D97-AF65-F5344CB8AC3E}">
-        <p14:creationId xmlns:p14="http://schemas.microsoft.com/office/powerpoint/2010/main" val="4230629180"/>
+        <p14:creationId xmlns:p14="http://schemas.microsoft.com/office/powerpoint/2010/main" val="1796557462"/>
       </p:ext>
     </p:extLst>
   </p:cSld>
@@ -18177,248 +19613,6 @@
         </p:nvSpPr>
         <p:spPr>
           <a:xfrm>
-            <a:off x="838199" y="365125"/>
-            <a:ext cx="11078498" cy="1325563"/>
-          </a:xfrm>
-        </p:spPr>
-        <p:txBody>
-          <a:bodyPr>
-            <a:noAutofit/>
-          </a:bodyPr>
-          <a:lstStyle/>
-          <a:p>
-            <a:r>
-              <a:rPr lang="en-US" sz="4800" dirty="0"/>
-              <a:t>Mistake #2: Manually constructing objects</a:t>
-            </a:r>
-          </a:p>
-        </p:txBody>
-      </p:sp>
-      <p:sp>
-        <p:nvSpPr>
-          <p:cNvPr id="3" name="Content Placeholder 2"/>
-          <p:cNvSpPr>
-            <a:spLocks noGrp="1"/>
-          </p:cNvSpPr>
-          <p:nvPr>
-            <p:ph idx="1"/>
-          </p:nvPr>
-        </p:nvSpPr>
-        <p:spPr/>
-        <p:txBody>
-          <a:bodyPr>
-            <a:normAutofit/>
-          </a:bodyPr>
-          <a:lstStyle/>
-          <a:p>
-            <a:endParaRPr lang="en-US" dirty="0" smtClean="0"/>
-          </a:p>
-          <a:p>
-            <a:pPr marL="457200" lvl="1" indent="0">
-              <a:buNone/>
-            </a:pPr>
-            <a:endParaRPr lang="en-US" dirty="0" smtClean="0"/>
-          </a:p>
-          <a:p>
-            <a:pPr lvl="1"/>
-            <a:endParaRPr lang="en-US" dirty="0"/>
-          </a:p>
-        </p:txBody>
-      </p:sp>
-      <p:pic>
-        <p:nvPicPr>
-          <p:cNvPr id="6" name="Picture 5"/>
-          <p:cNvPicPr>
-            <a:picLocks noChangeAspect="1"/>
-          </p:cNvPicPr>
-          <p:nvPr/>
-        </p:nvPicPr>
-        <p:blipFill>
-          <a:blip r:embed="rId3"/>
-          <a:stretch>
-            <a:fillRect/>
-          </a:stretch>
-        </p:blipFill>
-        <p:spPr>
-          <a:xfrm>
-            <a:off x="838200" y="1690687"/>
-            <a:ext cx="11214522" cy="1996409"/>
-          </a:xfrm>
-          <a:prstGeom prst="rect">
-            <a:avLst/>
-          </a:prstGeom>
-        </p:spPr>
-      </p:pic>
-    </p:spTree>
-    <p:extLst>
-      <p:ext uri="{BB962C8B-B14F-4D97-AF65-F5344CB8AC3E}">
-        <p14:creationId xmlns:p14="http://schemas.microsoft.com/office/powerpoint/2010/main" val="1136295632"/>
-      </p:ext>
-    </p:extLst>
-  </p:cSld>
-  <p:clrMapOvr>
-    <a:masterClrMapping/>
-  </p:clrMapOvr>
-  <p:timing>
-    <p:tnLst>
-      <p:par>
-        <p:cTn id="1" dur="indefinite" restart="never" nodeType="tmRoot"/>
-      </p:par>
-    </p:tnLst>
-  </p:timing>
-</p:sld>
-</file>
-
-<file path=ppt/slides/slide31.xml><?xml version="1.0" encoding="utf-8"?>
-<p:sld xmlns:a="http://schemas.openxmlformats.org/drawingml/2006/main" xmlns:r="http://schemas.openxmlformats.org/officeDocument/2006/relationships" xmlns:p="http://schemas.openxmlformats.org/presentationml/2006/main">
-  <p:cSld>
-    <p:spTree>
-      <p:nvGrpSpPr>
-        <p:cNvPr id="1" name=""/>
-        <p:cNvGrpSpPr/>
-        <p:nvPr/>
-      </p:nvGrpSpPr>
-      <p:grpSpPr>
-        <a:xfrm>
-          <a:off x="0" y="0"/>
-          <a:ext cx="0" cy="0"/>
-          <a:chOff x="0" y="0"/>
-          <a:chExt cx="0" cy="0"/>
-        </a:xfrm>
-      </p:grpSpPr>
-      <p:sp>
-        <p:nvSpPr>
-          <p:cNvPr id="2" name="Title 1"/>
-          <p:cNvSpPr>
-            <a:spLocks noGrp="1"/>
-          </p:cNvSpPr>
-          <p:nvPr>
-            <p:ph type="title"/>
-          </p:nvPr>
-        </p:nvSpPr>
-        <p:spPr>
-          <a:xfrm>
-            <a:off x="838199" y="365125"/>
-            <a:ext cx="10842523" cy="1325563"/>
-          </a:xfrm>
-        </p:spPr>
-        <p:txBody>
-          <a:bodyPr>
-            <a:noAutofit/>
-          </a:bodyPr>
-          <a:lstStyle/>
-          <a:p>
-            <a:r>
-              <a:rPr lang="en-US" sz="4800" dirty="0"/>
-              <a:t>Mistake #2: Manually constructing objects</a:t>
-            </a:r>
-          </a:p>
-        </p:txBody>
-      </p:sp>
-      <p:sp>
-        <p:nvSpPr>
-          <p:cNvPr id="3" name="Content Placeholder 2"/>
-          <p:cNvSpPr>
-            <a:spLocks noGrp="1"/>
-          </p:cNvSpPr>
-          <p:nvPr>
-            <p:ph idx="1"/>
-          </p:nvPr>
-        </p:nvSpPr>
-        <p:spPr/>
-        <p:txBody>
-          <a:bodyPr>
-            <a:normAutofit/>
-          </a:bodyPr>
-          <a:lstStyle/>
-          <a:p>
-            <a:endParaRPr lang="en-US" dirty="0" smtClean="0"/>
-          </a:p>
-          <a:p>
-            <a:pPr marL="457200" lvl="1" indent="0">
-              <a:buNone/>
-            </a:pPr>
-            <a:endParaRPr lang="en-US" dirty="0" smtClean="0"/>
-          </a:p>
-          <a:p>
-            <a:pPr lvl="1"/>
-            <a:endParaRPr lang="en-US" dirty="0"/>
-          </a:p>
-        </p:txBody>
-      </p:sp>
-      <p:pic>
-        <p:nvPicPr>
-          <p:cNvPr id="7" name="Picture 6"/>
-          <p:cNvPicPr>
-            <a:picLocks noChangeAspect="1"/>
-          </p:cNvPicPr>
-          <p:nvPr/>
-        </p:nvPicPr>
-        <p:blipFill>
-          <a:blip r:embed="rId3"/>
-          <a:stretch>
-            <a:fillRect/>
-          </a:stretch>
-        </p:blipFill>
-        <p:spPr>
-          <a:xfrm>
-            <a:off x="838200" y="1690688"/>
-            <a:ext cx="11240730" cy="2922590"/>
-          </a:xfrm>
-          <a:prstGeom prst="rect">
-            <a:avLst/>
-          </a:prstGeom>
-        </p:spPr>
-      </p:pic>
-    </p:spTree>
-    <p:extLst>
-      <p:ext uri="{BB962C8B-B14F-4D97-AF65-F5344CB8AC3E}">
-        <p14:creationId xmlns:p14="http://schemas.microsoft.com/office/powerpoint/2010/main" val="1796557462"/>
-      </p:ext>
-    </p:extLst>
-  </p:cSld>
-  <p:clrMapOvr>
-    <a:masterClrMapping/>
-  </p:clrMapOvr>
-  <p:timing>
-    <p:tnLst>
-      <p:par>
-        <p:cTn id="1" dur="indefinite" restart="never" nodeType="tmRoot"/>
-      </p:par>
-    </p:tnLst>
-  </p:timing>
-</p:sld>
-</file>
-
-<file path=ppt/slides/slide32.xml><?xml version="1.0" encoding="utf-8"?>
-<p:sld xmlns:a="http://schemas.openxmlformats.org/drawingml/2006/main" xmlns:r="http://schemas.openxmlformats.org/officeDocument/2006/relationships" xmlns:p="http://schemas.openxmlformats.org/presentationml/2006/main">
-  <p:cSld>
-    <p:spTree>
-      <p:nvGrpSpPr>
-        <p:cNvPr id="1" name=""/>
-        <p:cNvGrpSpPr/>
-        <p:nvPr/>
-      </p:nvGrpSpPr>
-      <p:grpSpPr>
-        <a:xfrm>
-          <a:off x="0" y="0"/>
-          <a:ext cx="0" cy="0"/>
-          <a:chOff x="0" y="0"/>
-          <a:chExt cx="0" cy="0"/>
-        </a:xfrm>
-      </p:grpSpPr>
-      <p:sp>
-        <p:nvSpPr>
-          <p:cNvPr id="2" name="Title 1"/>
-          <p:cNvSpPr>
-            <a:spLocks noGrp="1"/>
-          </p:cNvSpPr>
-          <p:nvPr>
-            <p:ph type="title"/>
-          </p:nvPr>
-        </p:nvSpPr>
-        <p:spPr>
-          <a:xfrm>
             <a:off x="838200" y="365125"/>
             <a:ext cx="10877550" cy="1325563"/>
           </a:xfrm>
@@ -18431,7 +19625,15 @@
           <a:p>
             <a:r>
               <a:rPr lang="en-US" sz="4800" dirty="0"/>
-              <a:t>Mistake #2: Manually constructing objects</a:t>
+              <a:t>Mistake </a:t>
+            </a:r>
+            <a:r>
+              <a:rPr lang="en-US" sz="4800" dirty="0" smtClean="0"/>
+              <a:t>#1: </a:t>
+            </a:r>
+            <a:r>
+              <a:rPr lang="en-US" sz="4800" dirty="0"/>
+              <a:t>Manually constructing objects</a:t>
             </a:r>
           </a:p>
         </p:txBody>
@@ -18511,7 +19713,7 @@
 </p:sld>
 </file>
 
-<file path=ppt/slides/slide33.xml><?xml version="1.0" encoding="utf-8"?>
+<file path=ppt/slides/slide31.xml><?xml version="1.0" encoding="utf-8"?>
 <p:sld xmlns:a="http://schemas.openxmlformats.org/drawingml/2006/main" xmlns:r="http://schemas.openxmlformats.org/officeDocument/2006/relationships" xmlns:p="http://schemas.openxmlformats.org/presentationml/2006/main">
   <p:cSld>
     <p:spTree>
@@ -18552,7 +19754,15 @@
           <a:p>
             <a:r>
               <a:rPr lang="en-US" sz="4800" dirty="0"/>
-              <a:t>Mistake #2: Manually constructing objects</a:t>
+              <a:t>Mistake </a:t>
+            </a:r>
+            <a:r>
+              <a:rPr lang="en-US" sz="4800" dirty="0" smtClean="0"/>
+              <a:t>#1: </a:t>
+            </a:r>
+            <a:r>
+              <a:rPr lang="en-US" sz="4800" dirty="0"/>
+              <a:t>Manually constructing objects</a:t>
             </a:r>
           </a:p>
         </p:txBody>
@@ -18645,7 +19855,7 @@
 </p:sld>
 </file>
 
-<file path=ppt/slides/slide34.xml><?xml version="1.0" encoding="utf-8"?>
+<file path=ppt/slides/slide32.xml><?xml version="1.0" encoding="utf-8"?>
 <p:sld xmlns:a="http://schemas.openxmlformats.org/drawingml/2006/main" xmlns:r="http://schemas.openxmlformats.org/officeDocument/2006/relationships" xmlns:p="http://schemas.openxmlformats.org/presentationml/2006/main">
   <p:cSld>
     <p:spTree>
@@ -18686,7 +19896,15 @@
           <a:p>
             <a:r>
               <a:rPr lang="en-US" sz="4800" dirty="0"/>
-              <a:t>Mistake #2: Manually constructing objects</a:t>
+              <a:t>Mistake </a:t>
+            </a:r>
+            <a:r>
+              <a:rPr lang="en-US" sz="4800" dirty="0" smtClean="0"/>
+              <a:t>#1: </a:t>
+            </a:r>
+            <a:r>
+              <a:rPr lang="en-US" sz="4800" dirty="0"/>
+              <a:t>Manually constructing objects</a:t>
             </a:r>
           </a:p>
         </p:txBody>
@@ -18779,6 +19997,450 @@
 </p:sld>
 </file>
 
+<file path=ppt/slides/slide33.xml><?xml version="1.0" encoding="utf-8"?>
+<p:sld xmlns:a="http://schemas.openxmlformats.org/drawingml/2006/main" xmlns:r="http://schemas.openxmlformats.org/officeDocument/2006/relationships" xmlns:p="http://schemas.openxmlformats.org/presentationml/2006/main">
+  <p:cSld>
+    <p:spTree>
+      <p:nvGrpSpPr>
+        <p:cNvPr id="1" name=""/>
+        <p:cNvGrpSpPr/>
+        <p:nvPr/>
+      </p:nvGrpSpPr>
+      <p:grpSpPr>
+        <a:xfrm>
+          <a:off x="0" y="0"/>
+          <a:ext cx="0" cy="0"/>
+          <a:chOff x="0" y="0"/>
+          <a:chExt cx="0" cy="0"/>
+        </a:xfrm>
+      </p:grpSpPr>
+      <p:sp>
+        <p:nvSpPr>
+          <p:cNvPr id="2" name="Title 1"/>
+          <p:cNvSpPr>
+            <a:spLocks noGrp="1"/>
+          </p:cNvSpPr>
+          <p:nvPr>
+            <p:ph type="title"/>
+          </p:nvPr>
+        </p:nvSpPr>
+        <p:spPr>
+          <a:xfrm>
+            <a:off x="486697" y="2217960"/>
+            <a:ext cx="11371007" cy="2088569"/>
+          </a:xfrm>
+        </p:spPr>
+        <p:txBody>
+          <a:bodyPr>
+            <a:noAutofit/>
+          </a:bodyPr>
+          <a:lstStyle/>
+          <a:p>
+            <a:pPr algn="ctr"/>
+            <a:r>
+              <a:rPr lang="en-US" sz="4800" u="sng" dirty="0" smtClean="0"/>
+              <a:t>Test Setup Mistake </a:t>
+            </a:r>
+            <a:r>
+              <a:rPr lang="en-US" sz="4800" u="sng" dirty="0" smtClean="0"/>
+              <a:t>#2</a:t>
+            </a:r>
+            <a:r>
+              <a:rPr lang="en-US" sz="4800" u="sng" dirty="0" smtClean="0"/>
+              <a:t/>
+            </a:r>
+            <a:br>
+              <a:rPr lang="en-US" sz="4800" u="sng" dirty="0" smtClean="0"/>
+            </a:br>
+            <a:r>
+              <a:rPr lang="en-US" sz="4800" u="sng" dirty="0" smtClean="0"/>
+              <a:t/>
+            </a:r>
+            <a:br>
+              <a:rPr lang="en-US" sz="4800" u="sng" dirty="0" smtClean="0"/>
+            </a:br>
+            <a:r>
+              <a:rPr lang="en-US" sz="4000" dirty="0" smtClean="0"/>
+              <a:t>"Noise" values that don't impact test outcome</a:t>
+            </a:r>
+            <a:endParaRPr lang="en-US" sz="4000" dirty="0"/>
+          </a:p>
+        </p:txBody>
+      </p:sp>
+    </p:spTree>
+    <p:extLst>
+      <p:ext uri="{BB962C8B-B14F-4D97-AF65-F5344CB8AC3E}">
+        <p14:creationId xmlns:p14="http://schemas.microsoft.com/office/powerpoint/2010/main" val="2000256439"/>
+      </p:ext>
+    </p:extLst>
+  </p:cSld>
+  <p:clrMapOvr>
+    <a:masterClrMapping/>
+  </p:clrMapOvr>
+  <p:timing>
+    <p:tnLst>
+      <p:par>
+        <p:cTn id="1" dur="indefinite" restart="never" nodeType="tmRoot"/>
+      </p:par>
+    </p:tnLst>
+  </p:timing>
+</p:sld>
+</file>
+
+<file path=ppt/slides/slide34.xml><?xml version="1.0" encoding="utf-8"?>
+<p:sld xmlns:a="http://schemas.openxmlformats.org/drawingml/2006/main" xmlns:r="http://schemas.openxmlformats.org/officeDocument/2006/relationships" xmlns:p="http://schemas.openxmlformats.org/presentationml/2006/main">
+  <p:cSld>
+    <p:spTree>
+      <p:nvGrpSpPr>
+        <p:cNvPr id="1" name=""/>
+        <p:cNvGrpSpPr/>
+        <p:nvPr/>
+      </p:nvGrpSpPr>
+      <p:grpSpPr>
+        <a:xfrm>
+          <a:off x="0" y="0"/>
+          <a:ext cx="0" cy="0"/>
+          <a:chOff x="0" y="0"/>
+          <a:chExt cx="0" cy="0"/>
+        </a:xfrm>
+      </p:grpSpPr>
+      <p:sp>
+        <p:nvSpPr>
+          <p:cNvPr id="2" name="Title 1"/>
+          <p:cNvSpPr>
+            <a:spLocks noGrp="1"/>
+          </p:cNvSpPr>
+          <p:nvPr>
+            <p:ph type="title"/>
+          </p:nvPr>
+        </p:nvSpPr>
+        <p:spPr>
+          <a:xfrm>
+            <a:off x="838199" y="365125"/>
+            <a:ext cx="10783529" cy="1325563"/>
+          </a:xfrm>
+        </p:spPr>
+        <p:txBody>
+          <a:bodyPr>
+            <a:noAutofit/>
+          </a:bodyPr>
+          <a:lstStyle/>
+          <a:p>
+            <a:r>
+              <a:rPr lang="en-US" sz="4800" dirty="0" smtClean="0"/>
+              <a:t>Mistake </a:t>
+            </a:r>
+            <a:r>
+              <a:rPr lang="en-US" sz="4800" dirty="0" smtClean="0"/>
+              <a:t>#2: </a:t>
+            </a:r>
+            <a:r>
+              <a:rPr lang="en-US" sz="4800" dirty="0" smtClean="0"/>
+              <a:t>Too many "noise" values</a:t>
+            </a:r>
+            <a:endParaRPr lang="en-US" sz="4800" dirty="0"/>
+          </a:p>
+        </p:txBody>
+      </p:sp>
+      <p:sp>
+        <p:nvSpPr>
+          <p:cNvPr id="3" name="Content Placeholder 2"/>
+          <p:cNvSpPr>
+            <a:spLocks noGrp="1"/>
+          </p:cNvSpPr>
+          <p:nvPr>
+            <p:ph idx="1"/>
+          </p:nvPr>
+        </p:nvSpPr>
+        <p:spPr/>
+        <p:txBody>
+          <a:bodyPr/>
+          <a:lstStyle/>
+          <a:p>
+            <a:pPr lvl="1"/>
+            <a:endParaRPr lang="en-US" dirty="0" smtClean="0"/>
+          </a:p>
+          <a:p>
+            <a:pPr lvl="1"/>
+            <a:endParaRPr lang="en-US" dirty="0" smtClean="0"/>
+          </a:p>
+          <a:p>
+            <a:pPr lvl="1"/>
+            <a:endParaRPr lang="en-US" dirty="0" smtClean="0"/>
+          </a:p>
+          <a:p>
+            <a:pPr lvl="1"/>
+            <a:endParaRPr lang="en-US" dirty="0" smtClean="0"/>
+          </a:p>
+          <a:p>
+            <a:pPr lvl="1"/>
+            <a:endParaRPr lang="en-US" dirty="0"/>
+          </a:p>
+          <a:p>
+            <a:pPr lvl="1"/>
+            <a:endParaRPr lang="en-US" dirty="0" smtClean="0"/>
+          </a:p>
+          <a:p>
+            <a:pPr lvl="1"/>
+            <a:endParaRPr lang="en-US" dirty="0"/>
+          </a:p>
+        </p:txBody>
+      </p:sp>
+      <p:sp>
+        <p:nvSpPr>
+          <p:cNvPr id="4" name="Content Placeholder 2"/>
+          <p:cNvSpPr txBox="1">
+            <a:spLocks/>
+          </p:cNvSpPr>
+          <p:nvPr/>
+        </p:nvSpPr>
+        <p:spPr>
+          <a:xfrm>
+            <a:off x="990600" y="1978025"/>
+            <a:ext cx="10515600" cy="4351338"/>
+          </a:xfrm>
+          <a:prstGeom prst="rect">
+            <a:avLst/>
+          </a:prstGeom>
+        </p:spPr>
+        <p:txBody>
+          <a:bodyPr vert="horz" lIns="91440" tIns="45720" rIns="91440" bIns="45720" rtlCol="0">
+            <a:normAutofit/>
+          </a:bodyPr>
+          <a:lstStyle>
+            <a:lvl1pPr marL="228600" indent="-228600" algn="l" defTabSz="914400" rtl="0" eaLnBrk="1" latinLnBrk="0" hangingPunct="1">
+              <a:lnSpc>
+                <a:spcPct val="90000"/>
+              </a:lnSpc>
+              <a:spcBef>
+                <a:spcPts val="1000"/>
+              </a:spcBef>
+              <a:buFont typeface="Arial" panose="020B0604020202020204" pitchFamily="34" charset="0"/>
+              <a:buChar char="•"/>
+              <a:defRPr sz="3000" kern="1200" baseline="0">
+                <a:solidFill>
+                  <a:srgbClr val="013947"/>
+                </a:solidFill>
+                <a:latin typeface="Corbel" panose="020B0503020204020204" pitchFamily="34" charset="0"/>
+                <a:ea typeface="+mn-ea"/>
+                <a:cs typeface="+mn-cs"/>
+              </a:defRPr>
+            </a:lvl1pPr>
+            <a:lvl2pPr marL="685800" indent="-228600" algn="l" defTabSz="914400" rtl="0" eaLnBrk="1" latinLnBrk="0" hangingPunct="1">
+              <a:lnSpc>
+                <a:spcPct val="90000"/>
+              </a:lnSpc>
+              <a:spcBef>
+                <a:spcPts val="500"/>
+              </a:spcBef>
+              <a:buFont typeface="Arial" panose="020B0604020202020204" pitchFamily="34" charset="0"/>
+              <a:buChar char="•"/>
+              <a:defRPr sz="2600" kern="1200" baseline="0">
+                <a:solidFill>
+                  <a:srgbClr val="013947"/>
+                </a:solidFill>
+                <a:latin typeface="Corbel" panose="020B0503020204020204" pitchFamily="34" charset="0"/>
+                <a:ea typeface="+mn-ea"/>
+                <a:cs typeface="+mn-cs"/>
+              </a:defRPr>
+            </a:lvl2pPr>
+            <a:lvl3pPr marL="1143000" indent="-228600" algn="l" defTabSz="914400" rtl="0" eaLnBrk="1" latinLnBrk="0" hangingPunct="1">
+              <a:lnSpc>
+                <a:spcPct val="90000"/>
+              </a:lnSpc>
+              <a:spcBef>
+                <a:spcPts val="500"/>
+              </a:spcBef>
+              <a:buFont typeface="Arial" panose="020B0604020202020204" pitchFamily="34" charset="0"/>
+              <a:buChar char="•"/>
+              <a:defRPr sz="2400" kern="1200" baseline="0">
+                <a:solidFill>
+                  <a:srgbClr val="013947"/>
+                </a:solidFill>
+                <a:latin typeface="Corbel" panose="020B0503020204020204" pitchFamily="34" charset="0"/>
+                <a:ea typeface="+mn-ea"/>
+                <a:cs typeface="+mn-cs"/>
+              </a:defRPr>
+            </a:lvl3pPr>
+            <a:lvl4pPr marL="1600200" indent="-228600" algn="l" defTabSz="914400" rtl="0" eaLnBrk="1" latinLnBrk="0" hangingPunct="1">
+              <a:lnSpc>
+                <a:spcPct val="90000"/>
+              </a:lnSpc>
+              <a:spcBef>
+                <a:spcPts val="500"/>
+              </a:spcBef>
+              <a:buFont typeface="Arial" panose="020B0604020202020204" pitchFamily="34" charset="0"/>
+              <a:buChar char="•"/>
+              <a:defRPr sz="1800" kern="1200" baseline="0">
+                <a:solidFill>
+                  <a:srgbClr val="013947"/>
+                </a:solidFill>
+                <a:latin typeface="Corbel" panose="020B0503020204020204" pitchFamily="34" charset="0"/>
+                <a:ea typeface="+mn-ea"/>
+                <a:cs typeface="+mn-cs"/>
+              </a:defRPr>
+            </a:lvl4pPr>
+            <a:lvl5pPr marL="2057400" indent="-228600" algn="l" defTabSz="914400" rtl="0" eaLnBrk="1" latinLnBrk="0" hangingPunct="1">
+              <a:lnSpc>
+                <a:spcPct val="90000"/>
+              </a:lnSpc>
+              <a:spcBef>
+                <a:spcPts val="500"/>
+              </a:spcBef>
+              <a:buFont typeface="Arial" panose="020B0604020202020204" pitchFamily="34" charset="0"/>
+              <a:buChar char="•"/>
+              <a:defRPr sz="1800" kern="1200" baseline="0">
+                <a:solidFill>
+                  <a:srgbClr val="013947"/>
+                </a:solidFill>
+                <a:latin typeface="Corbel" panose="020B0503020204020204" pitchFamily="34" charset="0"/>
+                <a:ea typeface="+mn-ea"/>
+                <a:cs typeface="+mn-cs"/>
+              </a:defRPr>
+            </a:lvl5pPr>
+            <a:lvl6pPr marL="2514600" indent="-228600" algn="l" defTabSz="914400" rtl="0" eaLnBrk="1" latinLnBrk="0" hangingPunct="1">
+              <a:lnSpc>
+                <a:spcPct val="90000"/>
+              </a:lnSpc>
+              <a:spcBef>
+                <a:spcPts val="500"/>
+              </a:spcBef>
+              <a:buFont typeface="Arial" panose="020B0604020202020204" pitchFamily="34" charset="0"/>
+              <a:buChar char="•"/>
+              <a:defRPr sz="1800" kern="1200">
+                <a:solidFill>
+                  <a:schemeClr val="tx1"/>
+                </a:solidFill>
+                <a:latin typeface="+mn-lt"/>
+                <a:ea typeface="+mn-ea"/>
+                <a:cs typeface="+mn-cs"/>
+              </a:defRPr>
+            </a:lvl6pPr>
+            <a:lvl7pPr marL="2971800" indent="-228600" algn="l" defTabSz="914400" rtl="0" eaLnBrk="1" latinLnBrk="0" hangingPunct="1">
+              <a:lnSpc>
+                <a:spcPct val="90000"/>
+              </a:lnSpc>
+              <a:spcBef>
+                <a:spcPts val="500"/>
+              </a:spcBef>
+              <a:buFont typeface="Arial" panose="020B0604020202020204" pitchFamily="34" charset="0"/>
+              <a:buChar char="•"/>
+              <a:defRPr sz="1800" kern="1200">
+                <a:solidFill>
+                  <a:schemeClr val="tx1"/>
+                </a:solidFill>
+                <a:latin typeface="+mn-lt"/>
+                <a:ea typeface="+mn-ea"/>
+                <a:cs typeface="+mn-cs"/>
+              </a:defRPr>
+            </a:lvl7pPr>
+            <a:lvl8pPr marL="3429000" indent="-228600" algn="l" defTabSz="914400" rtl="0" eaLnBrk="1" latinLnBrk="0" hangingPunct="1">
+              <a:lnSpc>
+                <a:spcPct val="90000"/>
+              </a:lnSpc>
+              <a:spcBef>
+                <a:spcPts val="500"/>
+              </a:spcBef>
+              <a:buFont typeface="Arial" panose="020B0604020202020204" pitchFamily="34" charset="0"/>
+              <a:buChar char="•"/>
+              <a:defRPr sz="1800" kern="1200">
+                <a:solidFill>
+                  <a:schemeClr val="tx1"/>
+                </a:solidFill>
+                <a:latin typeface="+mn-lt"/>
+                <a:ea typeface="+mn-ea"/>
+                <a:cs typeface="+mn-cs"/>
+              </a:defRPr>
+            </a:lvl8pPr>
+            <a:lvl9pPr marL="3886200" indent="-228600" algn="l" defTabSz="914400" rtl="0" eaLnBrk="1" latinLnBrk="0" hangingPunct="1">
+              <a:lnSpc>
+                <a:spcPct val="90000"/>
+              </a:lnSpc>
+              <a:spcBef>
+                <a:spcPts val="500"/>
+              </a:spcBef>
+              <a:buFont typeface="Arial" panose="020B0604020202020204" pitchFamily="34" charset="0"/>
+              <a:buChar char="•"/>
+              <a:defRPr sz="1800" kern="1200">
+                <a:solidFill>
+                  <a:schemeClr val="tx1"/>
+                </a:solidFill>
+                <a:latin typeface="+mn-lt"/>
+                <a:ea typeface="+mn-ea"/>
+                <a:cs typeface="+mn-cs"/>
+              </a:defRPr>
+            </a:lvl9pPr>
+          </a:lstStyle>
+          <a:p>
+            <a:endParaRPr lang="en-US" sz="4000" dirty="0" smtClean="0"/>
+          </a:p>
+          <a:p>
+            <a:pPr marL="0" indent="0">
+              <a:buFont typeface="Arial" panose="020B0604020202020204" pitchFamily="34" charset="0"/>
+              <a:buNone/>
+            </a:pPr>
+            <a:r>
+              <a:rPr lang="en-US" sz="2800" dirty="0" smtClean="0">
+                <a:solidFill>
+                  <a:srgbClr val="FF0000"/>
+                </a:solidFill>
+              </a:rPr>
+              <a:t>TODO: Screenshots for lots of primitives</a:t>
+            </a:r>
+            <a:r>
+              <a:rPr lang="en-US" sz="3600" dirty="0" smtClean="0"/>
+              <a:t/>
+            </a:r>
+            <a:br>
+              <a:rPr lang="en-US" sz="3600" dirty="0" smtClean="0"/>
+            </a:br>
+            <a:endParaRPr lang="en-US" sz="3600" dirty="0" smtClean="0"/>
+          </a:p>
+          <a:p>
+            <a:endParaRPr lang="en-US" dirty="0" smtClean="0"/>
+          </a:p>
+          <a:p>
+            <a:pPr lvl="1"/>
+            <a:endParaRPr lang="en-US" dirty="0" smtClean="0"/>
+          </a:p>
+          <a:p>
+            <a:pPr lvl="1"/>
+            <a:endParaRPr lang="en-US" dirty="0" smtClean="0"/>
+          </a:p>
+          <a:p>
+            <a:pPr lvl="1"/>
+            <a:endParaRPr lang="en-US" dirty="0" smtClean="0"/>
+          </a:p>
+          <a:p>
+            <a:pPr lvl="1"/>
+            <a:endParaRPr lang="en-US" dirty="0" smtClean="0"/>
+          </a:p>
+          <a:p>
+            <a:pPr lvl="1"/>
+            <a:endParaRPr lang="en-US" dirty="0"/>
+          </a:p>
+        </p:txBody>
+      </p:sp>
+    </p:spTree>
+    <p:extLst>
+      <p:ext uri="{BB962C8B-B14F-4D97-AF65-F5344CB8AC3E}">
+        <p14:creationId xmlns:p14="http://schemas.microsoft.com/office/powerpoint/2010/main" val="3688867723"/>
+      </p:ext>
+    </p:extLst>
+  </p:cSld>
+  <p:clrMapOvr>
+    <a:masterClrMapping/>
+  </p:clrMapOvr>
+  <p:timing>
+    <p:tnLst>
+      <p:par>
+        <p:cTn id="1" dur="indefinite" restart="never" nodeType="tmRoot"/>
+      </p:par>
+    </p:tnLst>
+  </p:timing>
+</p:sld>
+</file>
+
 <file path=ppt/slides/slide35.xml><?xml version="1.0" encoding="utf-8"?>
 <p:sld xmlns:a="http://schemas.openxmlformats.org/drawingml/2006/main" xmlns:r="http://schemas.openxmlformats.org/officeDocument/2006/relationships" xmlns:p="http://schemas.openxmlformats.org/presentationml/2006/main">
   <p:cSld>
@@ -18821,7 +20483,15 @@
             <a:pPr algn="ctr"/>
             <a:r>
               <a:rPr lang="en-US" sz="4800" u="sng" dirty="0" smtClean="0"/>
-              <a:t>Test Setup Mistake #3</a:t>
+              <a:t>Test Setup Mistake </a:t>
+            </a:r>
+            <a:r>
+              <a:rPr lang="en-US" sz="4800" u="sng" dirty="0" smtClean="0"/>
+              <a:t>#3</a:t>
+            </a:r>
+            <a:r>
+              <a:rPr lang="en-US" sz="4800" u="sng" dirty="0" smtClean="0"/>
+              <a:t/>
             </a:r>
             <a:br>
               <a:rPr lang="en-US" sz="4800" u="sng" dirty="0" smtClean="0"/>
@@ -18835,7 +20505,7 @@
             </a:br>
             <a:r>
               <a:rPr lang="en-US" sz="4000" dirty="0" smtClean="0"/>
-              <a:t>Noise values obscure meaningful ones</a:t>
+              <a:t>Reusing setup code via inheritance</a:t>
             </a:r>
             <a:endParaRPr lang="en-US" sz="4000" dirty="0"/>
           </a:p>
@@ -18844,7 +20514,7 @@
     </p:spTree>
     <p:extLst>
       <p:ext uri="{BB962C8B-B14F-4D97-AF65-F5344CB8AC3E}">
-        <p14:creationId xmlns:p14="http://schemas.microsoft.com/office/powerpoint/2010/main" val="2000256439"/>
+        <p14:creationId xmlns:p14="http://schemas.microsoft.com/office/powerpoint/2010/main" val="733956930"/>
       </p:ext>
     </p:extLst>
   </p:cSld>
@@ -18902,7 +20572,15 @@
           <a:p>
             <a:r>
               <a:rPr lang="en-US" sz="4800" dirty="0" smtClean="0"/>
-              <a:t>Mistake #3: Too many "noise" values</a:t>
+              <a:t>Mistake </a:t>
+            </a:r>
+            <a:r>
+              <a:rPr lang="en-US" sz="4800" dirty="0" smtClean="0"/>
+              <a:t>#3: </a:t>
+            </a:r>
+            <a:r>
+              <a:rPr lang="en-US" sz="4800" dirty="0" smtClean="0"/>
+              <a:t>Using inheritance for reuse</a:t>
             </a:r>
             <a:endParaRPr lang="en-US" sz="4800" dirty="0"/>
           </a:p>
@@ -19151,7 +20829,7 @@
                   <a:srgbClr val="FF0000"/>
                 </a:solidFill>
               </a:rPr>
-              <a:t>TODO: Screenshots for lots of primitives</a:t>
+              <a:t>TODO: Image for inheritance</a:t>
             </a:r>
             <a:r>
               <a:rPr lang="en-US" sz="3600" dirty="0" smtClean="0"/>
@@ -19190,7 +20868,7 @@
     </p:spTree>
     <p:extLst>
       <p:ext uri="{BB962C8B-B14F-4D97-AF65-F5344CB8AC3E}">
-        <p14:creationId xmlns:p14="http://schemas.microsoft.com/office/powerpoint/2010/main" val="3688867723"/>
+        <p14:creationId xmlns:p14="http://schemas.microsoft.com/office/powerpoint/2010/main" val="1757042491"/>
       </p:ext>
     </p:extLst>
   </p:cSld>
@@ -19263,7 +20941,7 @@
             </a:br>
             <a:r>
               <a:rPr lang="en-US" sz="4000" dirty="0" smtClean="0"/>
-              <a:t>Reusing setup code via inheritance</a:t>
+              <a:t>Assuming external systems are in a specific state</a:t>
             </a:r>
             <a:endParaRPr lang="en-US" sz="4000" dirty="0"/>
           </a:p>
@@ -19272,7 +20950,7 @@
     </p:spTree>
     <p:extLst>
       <p:ext uri="{BB962C8B-B14F-4D97-AF65-F5344CB8AC3E}">
-        <p14:creationId xmlns:p14="http://schemas.microsoft.com/office/powerpoint/2010/main" val="733956930"/>
+        <p14:creationId xmlns:p14="http://schemas.microsoft.com/office/powerpoint/2010/main" val="3150480456"/>
       </p:ext>
     </p:extLst>
   </p:cSld>
@@ -19318,307 +20996,37 @@
         </p:nvSpPr>
         <p:spPr>
           <a:xfrm>
-            <a:off x="838199" y="365125"/>
-            <a:ext cx="10783529" cy="1325563"/>
+            <a:off x="905934" y="2380192"/>
+            <a:ext cx="10515600" cy="1325563"/>
           </a:xfrm>
         </p:spPr>
         <p:txBody>
           <a:bodyPr>
-            <a:noAutofit/>
-          </a:bodyPr>
-          <a:lstStyle/>
-          <a:p>
-            <a:r>
-              <a:rPr lang="en-US" sz="4800" dirty="0" smtClean="0"/>
-              <a:t>Mistake #4: Using inheritance for reuse</a:t>
-            </a:r>
-            <a:endParaRPr lang="en-US" sz="4800" dirty="0"/>
-          </a:p>
-        </p:txBody>
-      </p:sp>
-      <p:sp>
-        <p:nvSpPr>
-          <p:cNvPr id="3" name="Content Placeholder 2"/>
-          <p:cNvSpPr>
-            <a:spLocks noGrp="1"/>
-          </p:cNvSpPr>
-          <p:nvPr>
-            <p:ph idx="1"/>
-          </p:nvPr>
-        </p:nvSpPr>
-        <p:spPr/>
-        <p:txBody>
-          <a:bodyPr/>
-          <a:lstStyle/>
-          <a:p>
-            <a:pPr lvl="1"/>
-            <a:endParaRPr lang="en-US" dirty="0" smtClean="0"/>
-          </a:p>
-          <a:p>
-            <a:pPr lvl="1"/>
-            <a:endParaRPr lang="en-US" dirty="0" smtClean="0"/>
-          </a:p>
-          <a:p>
-            <a:pPr lvl="1"/>
-            <a:endParaRPr lang="en-US" dirty="0" smtClean="0"/>
-          </a:p>
-          <a:p>
-            <a:pPr lvl="1"/>
-            <a:endParaRPr lang="en-US" dirty="0" smtClean="0"/>
-          </a:p>
-          <a:p>
-            <a:pPr lvl="1"/>
-            <a:endParaRPr lang="en-US" dirty="0"/>
-          </a:p>
-          <a:p>
-            <a:pPr lvl="1"/>
-            <a:endParaRPr lang="en-US" dirty="0" smtClean="0"/>
-          </a:p>
-          <a:p>
-            <a:pPr lvl="1"/>
-            <a:endParaRPr lang="en-US" dirty="0"/>
-          </a:p>
-        </p:txBody>
-      </p:sp>
-      <p:sp>
-        <p:nvSpPr>
-          <p:cNvPr id="4" name="Content Placeholder 2"/>
-          <p:cNvSpPr txBox="1">
-            <a:spLocks/>
-          </p:cNvSpPr>
-          <p:nvPr/>
-        </p:nvSpPr>
-        <p:spPr>
-          <a:xfrm>
-            <a:off x="990600" y="1978025"/>
-            <a:ext cx="10515600" cy="4351338"/>
-          </a:xfrm>
-          <a:prstGeom prst="rect">
-            <a:avLst/>
-          </a:prstGeom>
-        </p:spPr>
-        <p:txBody>
-          <a:bodyPr vert="horz" lIns="91440" tIns="45720" rIns="91440" bIns="45720" rtlCol="0">
             <a:normAutofit/>
           </a:bodyPr>
-          <a:lstStyle>
-            <a:lvl1pPr marL="228600" indent="-228600" algn="l" defTabSz="914400" rtl="0" eaLnBrk="1" latinLnBrk="0" hangingPunct="1">
-              <a:lnSpc>
-                <a:spcPct val="90000"/>
-              </a:lnSpc>
-              <a:spcBef>
-                <a:spcPts val="1000"/>
-              </a:spcBef>
-              <a:buFont typeface="Arial" panose="020B0604020202020204" pitchFamily="34" charset="0"/>
-              <a:buChar char="•"/>
-              <a:defRPr sz="3000" kern="1200" baseline="0">
-                <a:solidFill>
-                  <a:srgbClr val="013947"/>
-                </a:solidFill>
-                <a:latin typeface="Corbel" panose="020B0503020204020204" pitchFamily="34" charset="0"/>
-                <a:ea typeface="+mn-ea"/>
-                <a:cs typeface="+mn-cs"/>
-              </a:defRPr>
-            </a:lvl1pPr>
-            <a:lvl2pPr marL="685800" indent="-228600" algn="l" defTabSz="914400" rtl="0" eaLnBrk="1" latinLnBrk="0" hangingPunct="1">
-              <a:lnSpc>
-                <a:spcPct val="90000"/>
-              </a:lnSpc>
-              <a:spcBef>
-                <a:spcPts val="500"/>
-              </a:spcBef>
-              <a:buFont typeface="Arial" panose="020B0604020202020204" pitchFamily="34" charset="0"/>
-              <a:buChar char="•"/>
-              <a:defRPr sz="2600" kern="1200" baseline="0">
-                <a:solidFill>
-                  <a:srgbClr val="013947"/>
-                </a:solidFill>
-                <a:latin typeface="Corbel" panose="020B0503020204020204" pitchFamily="34" charset="0"/>
-                <a:ea typeface="+mn-ea"/>
-                <a:cs typeface="+mn-cs"/>
-              </a:defRPr>
-            </a:lvl2pPr>
-            <a:lvl3pPr marL="1143000" indent="-228600" algn="l" defTabSz="914400" rtl="0" eaLnBrk="1" latinLnBrk="0" hangingPunct="1">
-              <a:lnSpc>
-                <a:spcPct val="90000"/>
-              </a:lnSpc>
-              <a:spcBef>
-                <a:spcPts val="500"/>
-              </a:spcBef>
-              <a:buFont typeface="Arial" panose="020B0604020202020204" pitchFamily="34" charset="0"/>
-              <a:buChar char="•"/>
-              <a:defRPr sz="2400" kern="1200" baseline="0">
-                <a:solidFill>
-                  <a:srgbClr val="013947"/>
-                </a:solidFill>
-                <a:latin typeface="Corbel" panose="020B0503020204020204" pitchFamily="34" charset="0"/>
-                <a:ea typeface="+mn-ea"/>
-                <a:cs typeface="+mn-cs"/>
-              </a:defRPr>
-            </a:lvl3pPr>
-            <a:lvl4pPr marL="1600200" indent="-228600" algn="l" defTabSz="914400" rtl="0" eaLnBrk="1" latinLnBrk="0" hangingPunct="1">
-              <a:lnSpc>
-                <a:spcPct val="90000"/>
-              </a:lnSpc>
-              <a:spcBef>
-                <a:spcPts val="500"/>
-              </a:spcBef>
-              <a:buFont typeface="Arial" panose="020B0604020202020204" pitchFamily="34" charset="0"/>
-              <a:buChar char="•"/>
-              <a:defRPr sz="1800" kern="1200" baseline="0">
-                <a:solidFill>
-                  <a:srgbClr val="013947"/>
-                </a:solidFill>
-                <a:latin typeface="Corbel" panose="020B0503020204020204" pitchFamily="34" charset="0"/>
-                <a:ea typeface="+mn-ea"/>
-                <a:cs typeface="+mn-cs"/>
-              </a:defRPr>
-            </a:lvl4pPr>
-            <a:lvl5pPr marL="2057400" indent="-228600" algn="l" defTabSz="914400" rtl="0" eaLnBrk="1" latinLnBrk="0" hangingPunct="1">
-              <a:lnSpc>
-                <a:spcPct val="90000"/>
-              </a:lnSpc>
-              <a:spcBef>
-                <a:spcPts val="500"/>
-              </a:spcBef>
-              <a:buFont typeface="Arial" panose="020B0604020202020204" pitchFamily="34" charset="0"/>
-              <a:buChar char="•"/>
-              <a:defRPr sz="1800" kern="1200" baseline="0">
-                <a:solidFill>
-                  <a:srgbClr val="013947"/>
-                </a:solidFill>
-                <a:latin typeface="Corbel" panose="020B0503020204020204" pitchFamily="34" charset="0"/>
-                <a:ea typeface="+mn-ea"/>
-                <a:cs typeface="+mn-cs"/>
-              </a:defRPr>
-            </a:lvl5pPr>
-            <a:lvl6pPr marL="2514600" indent="-228600" algn="l" defTabSz="914400" rtl="0" eaLnBrk="1" latinLnBrk="0" hangingPunct="1">
-              <a:lnSpc>
-                <a:spcPct val="90000"/>
-              </a:lnSpc>
-              <a:spcBef>
-                <a:spcPts val="500"/>
-              </a:spcBef>
-              <a:buFont typeface="Arial" panose="020B0604020202020204" pitchFamily="34" charset="0"/>
-              <a:buChar char="•"/>
-              <a:defRPr sz="1800" kern="1200">
-                <a:solidFill>
-                  <a:schemeClr val="tx1"/>
-                </a:solidFill>
-                <a:latin typeface="+mn-lt"/>
-                <a:ea typeface="+mn-ea"/>
-                <a:cs typeface="+mn-cs"/>
-              </a:defRPr>
-            </a:lvl6pPr>
-            <a:lvl7pPr marL="2971800" indent="-228600" algn="l" defTabSz="914400" rtl="0" eaLnBrk="1" latinLnBrk="0" hangingPunct="1">
-              <a:lnSpc>
-                <a:spcPct val="90000"/>
-              </a:lnSpc>
-              <a:spcBef>
-                <a:spcPts val="500"/>
-              </a:spcBef>
-              <a:buFont typeface="Arial" panose="020B0604020202020204" pitchFamily="34" charset="0"/>
-              <a:buChar char="•"/>
-              <a:defRPr sz="1800" kern="1200">
-                <a:solidFill>
-                  <a:schemeClr val="tx1"/>
-                </a:solidFill>
-                <a:latin typeface="+mn-lt"/>
-                <a:ea typeface="+mn-ea"/>
-                <a:cs typeface="+mn-cs"/>
-              </a:defRPr>
-            </a:lvl7pPr>
-            <a:lvl8pPr marL="3429000" indent="-228600" algn="l" defTabSz="914400" rtl="0" eaLnBrk="1" latinLnBrk="0" hangingPunct="1">
-              <a:lnSpc>
-                <a:spcPct val="90000"/>
-              </a:lnSpc>
-              <a:spcBef>
-                <a:spcPts val="500"/>
-              </a:spcBef>
-              <a:buFont typeface="Arial" panose="020B0604020202020204" pitchFamily="34" charset="0"/>
-              <a:buChar char="•"/>
-              <a:defRPr sz="1800" kern="1200">
-                <a:solidFill>
-                  <a:schemeClr val="tx1"/>
-                </a:solidFill>
-                <a:latin typeface="+mn-lt"/>
-                <a:ea typeface="+mn-ea"/>
-                <a:cs typeface="+mn-cs"/>
-              </a:defRPr>
-            </a:lvl8pPr>
-            <a:lvl9pPr marL="3886200" indent="-228600" algn="l" defTabSz="914400" rtl="0" eaLnBrk="1" latinLnBrk="0" hangingPunct="1">
-              <a:lnSpc>
-                <a:spcPct val="90000"/>
-              </a:lnSpc>
-              <a:spcBef>
-                <a:spcPts val="500"/>
-              </a:spcBef>
-              <a:buFont typeface="Arial" panose="020B0604020202020204" pitchFamily="34" charset="0"/>
-              <a:buChar char="•"/>
-              <a:defRPr sz="1800" kern="1200">
-                <a:solidFill>
-                  <a:schemeClr val="tx1"/>
-                </a:solidFill>
-                <a:latin typeface="+mn-lt"/>
-                <a:ea typeface="+mn-ea"/>
-                <a:cs typeface="+mn-cs"/>
-              </a:defRPr>
-            </a:lvl9pPr>
-          </a:lstStyle>
-          <a:p>
-            <a:endParaRPr lang="en-US" sz="4000" dirty="0" smtClean="0"/>
-          </a:p>
-          <a:p>
-            <a:pPr marL="0" indent="0">
-              <a:buFont typeface="Arial" panose="020B0604020202020204" pitchFamily="34" charset="0"/>
-              <a:buNone/>
-            </a:pPr>
-            <a:r>
-              <a:rPr lang="en-US" sz="2800" dirty="0" smtClean="0">
-                <a:solidFill>
-                  <a:srgbClr val="FF0000"/>
-                </a:solidFill>
-              </a:rPr>
-              <a:t>TODO: Image for inheritance</a:t>
-            </a:r>
-            <a:r>
-              <a:rPr lang="en-US" sz="3600" dirty="0" smtClean="0"/>
-              <a:t/>
-            </a:r>
-            <a:br>
-              <a:rPr lang="en-US" sz="3600" dirty="0" smtClean="0"/>
-            </a:br>
-            <a:endParaRPr lang="en-US" sz="3600" dirty="0" smtClean="0"/>
-          </a:p>
-          <a:p>
-            <a:endParaRPr lang="en-US" dirty="0" smtClean="0"/>
-          </a:p>
-          <a:p>
-            <a:pPr lvl="1"/>
-            <a:endParaRPr lang="en-US" dirty="0" smtClean="0"/>
-          </a:p>
-          <a:p>
-            <a:pPr lvl="1"/>
-            <a:endParaRPr lang="en-US" dirty="0" smtClean="0"/>
-          </a:p>
-          <a:p>
-            <a:pPr lvl="1"/>
-            <a:endParaRPr lang="en-US" dirty="0" smtClean="0"/>
-          </a:p>
-          <a:p>
-            <a:pPr lvl="1"/>
-            <a:endParaRPr lang="en-US" dirty="0" smtClean="0"/>
-          </a:p>
-          <a:p>
-            <a:pPr lvl="1"/>
-            <a:endParaRPr lang="en-US" dirty="0"/>
+          <a:lstStyle/>
+          <a:p>
+            <a:pPr algn="ctr"/>
+            <a:r>
+              <a:rPr lang="en-US" sz="4800" dirty="0" smtClean="0"/>
+              <a:t>There </a:t>
+            </a:r>
+            <a:r>
+              <a:rPr lang="en-US" sz="4800" i="1" dirty="0" smtClean="0"/>
+              <a:t>is </a:t>
+            </a:r>
+            <a:r>
+              <a:rPr lang="en-US" sz="4800" dirty="0" smtClean="0"/>
+              <a:t>a better way!</a:t>
+            </a:r>
+            <a:endParaRPr lang="en-US" sz="4800" dirty="0"/>
           </a:p>
         </p:txBody>
       </p:sp>
     </p:spTree>
     <p:extLst>
       <p:ext uri="{BB962C8B-B14F-4D97-AF65-F5344CB8AC3E}">
-        <p14:creationId xmlns:p14="http://schemas.microsoft.com/office/powerpoint/2010/main" val="1757042491"/>
+        <p14:creationId xmlns:p14="http://schemas.microsoft.com/office/powerpoint/2010/main" val="2096865662"/>
       </p:ext>
     </p:extLst>
   </p:cSld>
@@ -19664,37 +21072,43 @@
         </p:nvSpPr>
         <p:spPr>
           <a:xfrm>
-            <a:off x="905934" y="2380192"/>
-            <a:ext cx="10515600" cy="1325563"/>
+            <a:off x="486697" y="2217960"/>
+            <a:ext cx="11371007" cy="2088569"/>
           </a:xfrm>
         </p:spPr>
         <p:txBody>
           <a:bodyPr>
-            <a:normAutofit/>
+            <a:noAutofit/>
           </a:bodyPr>
           <a:lstStyle/>
           <a:p>
             <a:pPr algn="ctr"/>
             <a:r>
-              <a:rPr lang="en-US" sz="4800" dirty="0" smtClean="0"/>
-              <a:t>There </a:t>
-            </a:r>
-            <a:r>
-              <a:rPr lang="en-US" sz="4800" i="1" dirty="0" smtClean="0"/>
-              <a:t>is </a:t>
-            </a:r>
-            <a:r>
-              <a:rPr lang="en-US" sz="4800" dirty="0" smtClean="0"/>
-              <a:t>a better way!</a:t>
-            </a:r>
-            <a:endParaRPr lang="en-US" sz="4800" dirty="0"/>
+              <a:rPr lang="en-US" sz="4800" u="sng" dirty="0" smtClean="0"/>
+              <a:t>Key Practice #1</a:t>
+            </a:r>
+            <a:br>
+              <a:rPr lang="en-US" sz="4800" u="sng" dirty="0" smtClean="0"/>
+            </a:br>
+            <a:r>
+              <a:rPr lang="en-US" sz="4800" u="sng" dirty="0" smtClean="0"/>
+              <a:t/>
+            </a:r>
+            <a:br>
+              <a:rPr lang="en-US" sz="4800" u="sng" dirty="0" smtClean="0"/>
+            </a:br>
+            <a:r>
+              <a:rPr lang="en-US" sz="4000" dirty="0" smtClean="0"/>
+              <a:t>Stop creating data by hand!</a:t>
+            </a:r>
+            <a:endParaRPr lang="en-US" sz="4000" dirty="0"/>
           </a:p>
         </p:txBody>
       </p:sp>
     </p:spTree>
     <p:extLst>
       <p:ext uri="{BB962C8B-B14F-4D97-AF65-F5344CB8AC3E}">
-        <p14:creationId xmlns:p14="http://schemas.microsoft.com/office/powerpoint/2010/main" val="2096865662"/>
+        <p14:creationId xmlns:p14="http://schemas.microsoft.com/office/powerpoint/2010/main" val="13710187"/>
       </p:ext>
     </p:extLst>
   </p:cSld>
@@ -19777,15 +21191,7 @@
           <a:p>
             <a:r>
               <a:rPr lang="en-US" sz="4000" dirty="0" smtClean="0"/>
-              <a:t>Not "testing 101</a:t>
-            </a:r>
-            <a:r>
-              <a:rPr lang="en-US" sz="4000" dirty="0" smtClean="0"/>
-              <a:t>"</a:t>
-            </a:r>
-            <a:r>
-              <a:rPr lang="en-US" sz="4000" dirty="0" smtClean="0"/>
-              <a:t/>
+              <a:t>Not "testing 101"</a:t>
             </a:r>
             <a:br>
               <a:rPr lang="en-US" sz="4000" dirty="0" smtClean="0"/>
@@ -19880,43 +21286,80 @@
         </p:nvSpPr>
         <p:spPr>
           <a:xfrm>
-            <a:off x="486697" y="2217960"/>
-            <a:ext cx="11371007" cy="2088569"/>
+            <a:off x="838199" y="365125"/>
+            <a:ext cx="10798277" cy="1325563"/>
           </a:xfrm>
         </p:spPr>
         <p:txBody>
           <a:bodyPr>
-            <a:noAutofit/>
+            <a:normAutofit/>
           </a:bodyPr>
           <a:lstStyle/>
           <a:p>
-            <a:pPr algn="ctr"/>
-            <a:r>
-              <a:rPr lang="en-US" sz="4800" u="sng" dirty="0" smtClean="0"/>
-              <a:t>Key Practice #1</a:t>
-            </a:r>
-            <a:br>
-              <a:rPr lang="en-US" sz="4800" u="sng" dirty="0" smtClean="0"/>
-            </a:br>
-            <a:r>
-              <a:rPr lang="en-US" sz="4800" u="sng" dirty="0" smtClean="0"/>
-              <a:t/>
-            </a:r>
-            <a:br>
-              <a:rPr lang="en-US" sz="4800" u="sng" dirty="0" smtClean="0"/>
-            </a:br>
-            <a:r>
-              <a:rPr lang="en-US" sz="4000" dirty="0" smtClean="0"/>
-              <a:t>Stop creating data by hand!</a:t>
-            </a:r>
-            <a:endParaRPr lang="en-US" sz="4000" dirty="0"/>
+            <a:r>
+              <a:rPr lang="en-US" sz="4800" dirty="0" smtClean="0"/>
+              <a:t>Key #1: Stop creating data by hand!</a:t>
+            </a:r>
+            <a:endParaRPr lang="en-US" sz="4800" dirty="0"/>
+          </a:p>
+        </p:txBody>
+      </p:sp>
+      <p:sp>
+        <p:nvSpPr>
+          <p:cNvPr id="3" name="Content Placeholder 2"/>
+          <p:cNvSpPr>
+            <a:spLocks noGrp="1"/>
+          </p:cNvSpPr>
+          <p:nvPr>
+            <p:ph idx="1"/>
+          </p:nvPr>
+        </p:nvSpPr>
+        <p:spPr/>
+        <p:txBody>
+          <a:bodyPr/>
+          <a:lstStyle/>
+          <a:p>
+            <a:pPr marL="0" indent="0">
+              <a:buNone/>
+            </a:pPr>
+            <a:r>
+              <a:rPr lang="en-US" sz="4000" dirty="0" smtClean="0">
+                <a:solidFill>
+                  <a:srgbClr val="FF0000"/>
+                </a:solidFill>
+              </a:rPr>
+              <a:t>TODO: Image of "exploding" requirement</a:t>
+            </a:r>
+            <a:endParaRPr lang="en-US" sz="4000" dirty="0" smtClean="0">
+              <a:solidFill>
+                <a:srgbClr val="FF0000"/>
+              </a:solidFill>
+            </a:endParaRPr>
+          </a:p>
+          <a:p>
+            <a:endParaRPr lang="en-US" dirty="0"/>
+          </a:p>
+          <a:p>
+            <a:pPr lvl="1"/>
+            <a:endParaRPr lang="en-US" dirty="0" smtClean="0"/>
+          </a:p>
+          <a:p>
+            <a:endParaRPr lang="en-US" dirty="0" smtClean="0"/>
+          </a:p>
+          <a:p>
+            <a:pPr lvl="2"/>
+            <a:endParaRPr lang="en-US" dirty="0" smtClean="0"/>
+          </a:p>
+          <a:p>
+            <a:pPr lvl="1"/>
+            <a:endParaRPr lang="en-US" dirty="0"/>
           </a:p>
         </p:txBody>
       </p:sp>
     </p:spTree>
     <p:extLst>
       <p:ext uri="{BB962C8B-B14F-4D97-AF65-F5344CB8AC3E}">
-        <p14:creationId xmlns:p14="http://schemas.microsoft.com/office/powerpoint/2010/main" val="13710187"/>
+        <p14:creationId xmlns:p14="http://schemas.microsoft.com/office/powerpoint/2010/main" val="2326039153"/>
       </p:ext>
     </p:extLst>
   </p:cSld>
@@ -20050,7 +21493,7 @@
     </p:spTree>
     <p:extLst>
       <p:ext uri="{BB962C8B-B14F-4D97-AF65-F5344CB8AC3E}">
-        <p14:creationId xmlns:p14="http://schemas.microsoft.com/office/powerpoint/2010/main" val="2326039153"/>
+        <p14:creationId xmlns:p14="http://schemas.microsoft.com/office/powerpoint/2010/main" val="489516691"/>
       </p:ext>
     </p:extLst>
   </p:cSld>
@@ -20796,15 +22239,7 @@
             </a:r>
             <a:r>
               <a:rPr lang="en-US" sz="4000" dirty="0" smtClean="0"/>
-              <a:t>values </a:t>
-            </a:r>
-            <a:r>
-              <a:rPr lang="en-US" sz="4000" dirty="0" smtClean="0"/>
-              <a:t>that </a:t>
-            </a:r>
-            <a:r>
-              <a:rPr lang="en-US" sz="4000" dirty="0" smtClean="0"/>
-              <a:t>impact test outcome</a:t>
+              <a:t>values that impact test outcome</a:t>
             </a:r>
             <a:endParaRPr lang="en-US" sz="4000" dirty="0"/>
           </a:p>
@@ -21139,7 +22574,19 @@
             <a:pPr algn="ctr"/>
             <a:r>
               <a:rPr lang="en-US" sz="4800" dirty="0" smtClean="0"/>
-              <a:t>Why care about test setup?</a:t>
+              <a:t>Why </a:t>
+            </a:r>
+            <a:r>
+              <a:rPr lang="en-US" sz="4800" dirty="0" smtClean="0"/>
+              <a:t>is test setup</a:t>
+            </a:r>
+            <a:r>
+              <a:rPr lang="en-US" sz="4800" dirty="0"/>
+              <a:t> </a:t>
+            </a:r>
+            <a:r>
+              <a:rPr lang="en-US" sz="4800" dirty="0" smtClean="0"/>
+              <a:t>so important?</a:t>
             </a:r>
             <a:endParaRPr lang="en-US" sz="4800" dirty="0"/>
           </a:p>
@@ -24311,11 +25758,7 @@
           <a:p>
             <a:r>
               <a:rPr lang="en-US" sz="4000" dirty="0" smtClean="0"/>
-              <a:t>Scenarios </a:t>
-            </a:r>
-            <a:r>
-              <a:rPr lang="en-US" sz="4000" dirty="0" smtClean="0"/>
-              <a:t>for complex setup / for reuse</a:t>
+              <a:t>Scenarios for complex setup / for reuse</a:t>
             </a:r>
             <a:br>
               <a:rPr lang="en-US" sz="4000" dirty="0" smtClean="0"/>
@@ -24846,13 +26289,8 @@
           <a:p>
             <a:r>
               <a:rPr lang="en-US" sz="4000" dirty="0" smtClean="0"/>
-              <a:t>Foreign </a:t>
-            </a:r>
-            <a:r>
-              <a:rPr lang="en-US" sz="4000" dirty="0" smtClean="0"/>
-              <a:t>keys</a:t>
-            </a:r>
-            <a:endParaRPr lang="en-US" sz="4000" dirty="0" smtClean="0"/>
+              <a:t>Foreign keys</a:t>
+            </a:r>
           </a:p>
           <a:p>
             <a:pPr marL="0" indent="0">
@@ -24998,10 +26436,6 @@
             <a:r>
               <a:rPr lang="en-US" sz="4000" dirty="0" smtClean="0"/>
               <a:t>Primary keys</a:t>
-            </a:r>
-            <a:r>
-              <a:rPr lang="en-US" sz="4000" dirty="0" smtClean="0"/>
-              <a:t/>
             </a:r>
             <a:br>
               <a:rPr lang="en-US" sz="4000" dirty="0" smtClean="0"/>
@@ -25389,16 +26823,6 @@
               </a:rPr>
               <a:t>Primary keys</a:t>
             </a:r>
-            <a:r>
-              <a:rPr lang="en-US" sz="4000" dirty="0" smtClean="0">
-                <a:solidFill>
-                  <a:schemeClr val="bg1">
-                    <a:lumMod val="65000"/>
-                  </a:schemeClr>
-                </a:solidFill>
-              </a:rPr>
-              <a:t/>
-            </a:r>
             <a:br>
               <a:rPr lang="en-US" sz="4000" dirty="0" smtClean="0">
                 <a:solidFill>
@@ -25554,15 +26978,7 @@
                   <a:srgbClr val="FF0000"/>
                 </a:solidFill>
               </a:rPr>
-              <a:t>TODO: screenshot of integration test itself</a:t>
-            </a:r>
-            <a:r>
-              <a:rPr lang="en-US" dirty="0" smtClean="0">
-                <a:solidFill>
-                  <a:srgbClr val="FF0000"/>
-                </a:solidFill>
-              </a:rPr>
-              <a:t>	</a:t>
+              <a:t>TODO: screenshot of integration test itself	</a:t>
             </a:r>
           </a:p>
           <a:p>
@@ -26296,10 +27712,6 @@
               <a:rPr lang="en-US" sz="4800" u="sng" dirty="0" smtClean="0"/>
               <a:t>#1 rule for integration tests</a:t>
             </a:r>
-            <a:r>
-              <a:rPr lang="en-US" sz="4800" u="sng" dirty="0" smtClean="0"/>
-              <a:t/>
-            </a:r>
             <a:br>
               <a:rPr lang="en-US" sz="4800" u="sng" dirty="0" smtClean="0"/>
             </a:br>
@@ -26381,10 +27793,6 @@
             <a:r>
               <a:rPr lang="en-US" sz="4800" u="sng" dirty="0" smtClean="0"/>
               <a:t>#1 rule for integration tests</a:t>
-            </a:r>
-            <a:r>
-              <a:rPr lang="en-US" sz="4800" u="sng" dirty="0" smtClean="0"/>
-              <a:t/>
             </a:r>
             <a:br>
               <a:rPr lang="en-US" sz="4800" u="sng" dirty="0" smtClean="0"/>
@@ -26813,7 +28221,6 @@
               <a:rPr lang="en-US" sz="4000" dirty="0" smtClean="0"/>
               <a:t>outcome</a:t>
             </a:r>
-            <a:endParaRPr lang="en-US" sz="4000" dirty="0" smtClean="0"/>
           </a:p>
           <a:p>
             <a:r>
@@ -26831,11 +28238,7 @@
           <a:p>
             <a:r>
               <a:rPr lang="en-US" sz="4000" dirty="0" smtClean="0"/>
-              <a:t>Tell </a:t>
-            </a:r>
-            <a:r>
-              <a:rPr lang="en-US" sz="4000" dirty="0" smtClean="0"/>
-              <a:t>a story!</a:t>
+              <a:t>Tell a story!</a:t>
             </a:r>
           </a:p>
           <a:p>

--- a/POETS - CodeMash 2017.pptx
+++ b/POETS - CodeMash 2017.pptx
@@ -5,7 +5,7 @@
     <p:sldMasterId id="2147483749" r:id="rId1"/>
   </p:sldMasterIdLst>
   <p:notesMasterIdLst>
-    <p:notesMasterId r:id="rId90"/>
+    <p:notesMasterId r:id="rId89"/>
   </p:notesMasterIdLst>
   <p:sldIdLst>
     <p:sldId id="395" r:id="rId2"/>
@@ -75,27 +75,26 @@
     <p:sldId id="457" r:id="rId66"/>
     <p:sldId id="458" r:id="rId67"/>
     <p:sldId id="424" r:id="rId68"/>
-    <p:sldId id="309" r:id="rId69"/>
-    <p:sldId id="427" r:id="rId70"/>
-    <p:sldId id="428" r:id="rId71"/>
-    <p:sldId id="429" r:id="rId72"/>
-    <p:sldId id="430" r:id="rId73"/>
-    <p:sldId id="425" r:id="rId74"/>
-    <p:sldId id="437" r:id="rId75"/>
-    <p:sldId id="465" r:id="rId76"/>
-    <p:sldId id="466" r:id="rId77"/>
-    <p:sldId id="467" r:id="rId78"/>
-    <p:sldId id="380" r:id="rId79"/>
-    <p:sldId id="384" r:id="rId80"/>
-    <p:sldId id="385" r:id="rId81"/>
-    <p:sldId id="386" r:id="rId82"/>
-    <p:sldId id="343" r:id="rId83"/>
-    <p:sldId id="389" r:id="rId84"/>
-    <p:sldId id="390" r:id="rId85"/>
-    <p:sldId id="391" r:id="rId86"/>
-    <p:sldId id="273" r:id="rId87"/>
-    <p:sldId id="441" r:id="rId88"/>
-    <p:sldId id="443" r:id="rId89"/>
+    <p:sldId id="427" r:id="rId69"/>
+    <p:sldId id="428" r:id="rId70"/>
+    <p:sldId id="429" r:id="rId71"/>
+    <p:sldId id="430" r:id="rId72"/>
+    <p:sldId id="425" r:id="rId73"/>
+    <p:sldId id="437" r:id="rId74"/>
+    <p:sldId id="465" r:id="rId75"/>
+    <p:sldId id="466" r:id="rId76"/>
+    <p:sldId id="467" r:id="rId77"/>
+    <p:sldId id="380" r:id="rId78"/>
+    <p:sldId id="384" r:id="rId79"/>
+    <p:sldId id="385" r:id="rId80"/>
+    <p:sldId id="386" r:id="rId81"/>
+    <p:sldId id="343" r:id="rId82"/>
+    <p:sldId id="389" r:id="rId83"/>
+    <p:sldId id="390" r:id="rId84"/>
+    <p:sldId id="391" r:id="rId85"/>
+    <p:sldId id="273" r:id="rId86"/>
+    <p:sldId id="441" r:id="rId87"/>
+    <p:sldId id="443" r:id="rId88"/>
   </p:sldIdLst>
   <p:sldSz cx="12192000" cy="6858000"/>
   <p:notesSz cx="6858000" cy="9144000"/>
@@ -295,7 +294,7 @@
           <a:p>
             <a:fld id="{C54A4886-B4AF-42F7-97BE-95CDF82A73E3}" type="datetimeFigureOut">
               <a:rPr lang="en-US" smtClean="0"/>
-              <a:t>11/25/2016</a:t>
+              <a:t>11/26/2016</a:t>
             </a:fld>
             <a:endParaRPr lang="en-US"/>
           </a:p>
@@ -9315,7 +9314,7 @@
                 <a:ea typeface="+mn-ea"/>
                 <a:cs typeface="+mn-cs"/>
               </a:rPr>
-              <a:t>Here’s that same test, but where I’m assigning those dates to named variables that make my intentions far more clear.</a:t>
+              <a:t>Here’s that same test, but where I assign those values names that describe their purpose. And as a result, I’m able to write an assertion that far more explicitly captures my intent behind the test. </a:t>
             </a:r>
           </a:p>
           <a:p>
@@ -9329,10 +9328,8 @@
                 <a:ea typeface="+mn-ea"/>
                 <a:cs typeface="+mn-cs"/>
               </a:rPr>
-              <a:t>On a really simple test like this, it may not matter. But if you get in the habit of doing this, it will pay off as your setup logic gets larger and more complex</a:t>
-            </a:r>
-          </a:p>
-          <a:p>
+              <a:t>On the sorts of tests that fit onto these slides, some of these techniques may not seem that useful. But if you get in the habit of doing this, then you’ll start to see a real difference in the readability of your real-world tests, especially as your setup logic gets larger and more complex.</a:t>
+            </a:r>
             <a:endParaRPr lang="en-US" sz="1200" kern="1200" dirty="0">
               <a:solidFill>
                 <a:schemeClr val="tx1"/>
@@ -9807,7 +9804,7 @@
                 <a:ea typeface="+mn-ea"/>
                 <a:cs typeface="+mn-cs"/>
               </a:rPr>
-              <a:t>That test would look like this. Here’s the customer helper, where I’m creating separate addresses, and here’s the order containing a heavy equipment item.</a:t>
+              <a:t>In these situations I use a pattern that we call a Scenario. This is essentially a façade that wraps the coordination of multiple Test Helpers towards a common goal and makes your setup code cleaner and more readable.</a:t>
             </a:r>
           </a:p>
           <a:p>
@@ -9821,7 +9818,35 @@
                 <a:ea typeface="+mn-ea"/>
                 <a:cs typeface="+mn-cs"/>
               </a:rPr>
-              <a:t>This isn’t a </a:t>
+              <a:t>You’ll notice that while a Test Helper is a static factory, a Scenario is something that you instantiate. You can still customize the result but you do it with constructor arguments and not method arguments.</a:t>
+            </a:r>
+          </a:p>
+          <a:p>
+            <a:r>
+              <a:rPr lang="en-US" sz="1200" kern="1200" dirty="0" smtClean="0">
+                <a:solidFill>
+                  <a:schemeClr val="tx1"/>
+                </a:solidFill>
+                <a:effectLst/>
+                <a:latin typeface="+mn-lt"/>
+                <a:ea typeface="+mn-ea"/>
+                <a:cs typeface="+mn-cs"/>
+              </a:rPr>
+              <a:t>The reason for this difference is that a Test Helper returns one of our core domain objects, and we don’t want to litter our app code with constructors that exist only for testing. The factory pattern works great to isolate the Test Helper logic from the core objects.</a:t>
+            </a:r>
+          </a:p>
+          <a:p>
+            <a:r>
+              <a:rPr lang="en-US" sz="1200" kern="1200" dirty="0" smtClean="0">
+                <a:solidFill>
+                  <a:schemeClr val="tx1"/>
+                </a:solidFill>
+                <a:effectLst/>
+                <a:latin typeface="+mn-lt"/>
+                <a:ea typeface="+mn-ea"/>
+                <a:cs typeface="+mn-cs"/>
+              </a:rPr>
+              <a:t>For scenarios, though, we’re actually creating </a:t>
             </a:r>
             <a:r>
               <a:rPr lang="en-US" sz="1200" i="1" kern="1200" dirty="0" smtClean="0">
@@ -9833,7 +9858,7 @@
                 <a:ea typeface="+mn-ea"/>
                 <a:cs typeface="+mn-cs"/>
               </a:rPr>
-              <a:t>bad </a:t>
+              <a:t>multiple </a:t>
             </a:r>
             <a:r>
               <a:rPr lang="en-US" sz="1200" kern="1200" dirty="0" smtClean="0">
@@ -9845,21 +9870,7 @@
                 <a:ea typeface="+mn-ea"/>
                 <a:cs typeface="+mn-cs"/>
               </a:rPr>
-              <a:t>test, but it could be better. Wiring up all this stuff by hand is tedious, and it works against our goal of being able to easily and concisely describe the context for a given test.</a:t>
-            </a:r>
-          </a:p>
-          <a:p>
-            <a:r>
-              <a:rPr lang="en-US" sz="1200" kern="1200" dirty="0" smtClean="0">
-                <a:solidFill>
-                  <a:schemeClr val="tx1"/>
-                </a:solidFill>
-                <a:effectLst/>
-                <a:latin typeface="+mn-lt"/>
-                <a:ea typeface="+mn-ea"/>
-                <a:cs typeface="+mn-cs"/>
-              </a:rPr>
-              <a:t>And if you have multiple tests that need minor variations on this setup, this leads to a lot of copying and pasting.</a:t>
+              <a:t>objects, and we need a handy way to keep track of all of those objects. If we implement the Scenarios as brand new classes, then we can use instance properties of those classes to expose pointers to the objects the tests will care about. You could still use static factory methods if you wanted to, but it saves a little code to just use the constructor instead.</a:t>
             </a:r>
           </a:p>
           <a:p>
@@ -9893,7 +9904,7 @@
     </p:spTree>
     <p:extLst>
       <p:ext uri="{BB962C8B-B14F-4D97-AF65-F5344CB8AC3E}">
-        <p14:creationId xmlns:p14="http://schemas.microsoft.com/office/powerpoint/2010/main" val="1497239507"/>
+        <p14:creationId xmlns:p14="http://schemas.microsoft.com/office/powerpoint/2010/main" val="3630569300"/>
       </p:ext>
     </p:extLst>
   </p:cSld>
@@ -9947,6 +9958,23 @@
           <a:bodyPr/>
           <a:lstStyle/>
           <a:p>
+            <a:pPr marL="0" marR="0" lvl="0" indent="0" algn="l" defTabSz="914400" rtl="0" eaLnBrk="1" fontAlgn="auto" latinLnBrk="0" hangingPunct="1">
+              <a:lnSpc>
+                <a:spcPct val="100000"/>
+              </a:lnSpc>
+              <a:spcBef>
+                <a:spcPts val="0"/>
+              </a:spcBef>
+              <a:spcAft>
+                <a:spcPts val="0"/>
+              </a:spcAft>
+              <a:buClrTx/>
+              <a:buSzTx/>
+              <a:buFontTx/>
+              <a:buNone/>
+              <a:tabLst/>
+              <a:defRPr/>
+            </a:pPr>
             <a:r>
               <a:rPr lang="en-US" sz="1200" kern="1200" dirty="0" smtClean="0">
                 <a:solidFill>
@@ -9957,73 +9985,7 @@
                 <a:ea typeface="+mn-ea"/>
                 <a:cs typeface="+mn-cs"/>
               </a:rPr>
-              <a:t>In these situations I use a pattern that we call a Scenario. This is essentially a façade that wraps the coordination of multiple Test Helpers towards a common goal and makes your setup code cleaner and more readable.</a:t>
-            </a:r>
-          </a:p>
-          <a:p>
-            <a:r>
-              <a:rPr lang="en-US" sz="1200" kern="1200" dirty="0" smtClean="0">
-                <a:solidFill>
-                  <a:schemeClr val="tx1"/>
-                </a:solidFill>
-                <a:effectLst/>
-                <a:latin typeface="+mn-lt"/>
-                <a:ea typeface="+mn-ea"/>
-                <a:cs typeface="+mn-cs"/>
-              </a:rPr>
-              <a:t>You’ll notice that while a Test Helper is a static factory, a Scenario is something that you instantiate. You can still customize the result but you do it with constructor arguments and not method arguments.</a:t>
-            </a:r>
-          </a:p>
-          <a:p>
-            <a:r>
-              <a:rPr lang="en-US" sz="1200" kern="1200" dirty="0" smtClean="0">
-                <a:solidFill>
-                  <a:schemeClr val="tx1"/>
-                </a:solidFill>
-                <a:effectLst/>
-                <a:latin typeface="+mn-lt"/>
-                <a:ea typeface="+mn-ea"/>
-                <a:cs typeface="+mn-cs"/>
-              </a:rPr>
-              <a:t>The reason for this difference is that a Test Helper returns one of our core domain objects, and we don’t want to litter our app code with constructors that exist only for testing. The factory pattern works great to isolate the Test Helper logic from the core objects.</a:t>
-            </a:r>
-          </a:p>
-          <a:p>
-            <a:r>
-              <a:rPr lang="en-US" sz="1200" kern="1200" dirty="0" smtClean="0">
-                <a:solidFill>
-                  <a:schemeClr val="tx1"/>
-                </a:solidFill>
-                <a:effectLst/>
-                <a:latin typeface="+mn-lt"/>
-                <a:ea typeface="+mn-ea"/>
-                <a:cs typeface="+mn-cs"/>
-              </a:rPr>
-              <a:t>For scenarios, though, we’re actually creating </a:t>
-            </a:r>
-            <a:r>
-              <a:rPr lang="en-US" sz="1200" i="1" kern="1200" dirty="0" smtClean="0">
-                <a:solidFill>
-                  <a:schemeClr val="tx1"/>
-                </a:solidFill>
-                <a:effectLst/>
-                <a:latin typeface="+mn-lt"/>
-                <a:ea typeface="+mn-ea"/>
-                <a:cs typeface="+mn-cs"/>
-              </a:rPr>
-              <a:t>multiple </a:t>
-            </a:r>
-            <a:r>
-              <a:rPr lang="en-US" sz="1200" kern="1200" dirty="0" smtClean="0">
-                <a:solidFill>
-                  <a:schemeClr val="tx1"/>
-                </a:solidFill>
-                <a:effectLst/>
-                <a:latin typeface="+mn-lt"/>
-                <a:ea typeface="+mn-ea"/>
-                <a:cs typeface="+mn-cs"/>
-              </a:rPr>
-              <a:t>objects, and we need a handy way to keep track of all of those objects. If we implement the Scenarios as brand new classes, then we can use instance properties of those classes to expose pointers to the objects the tests will care about. You could still use static factory methods if you wanted to, but it saves a little code to just use the constructor instead.</a:t>
+              <a:t>This is what the Scenario itself looks like. In general, everything that the Scenario creates that a test might need to easily get a reference to is exposed as instance properties. </a:t>
             </a:r>
           </a:p>
           <a:p>
@@ -10057,7 +10019,7 @@
     </p:spTree>
     <p:extLst>
       <p:ext uri="{BB962C8B-B14F-4D97-AF65-F5344CB8AC3E}">
-        <p14:creationId xmlns:p14="http://schemas.microsoft.com/office/powerpoint/2010/main" val="3630569300"/>
+        <p14:creationId xmlns:p14="http://schemas.microsoft.com/office/powerpoint/2010/main" val="2637628619"/>
       </p:ext>
     </p:extLst>
   </p:cSld>
@@ -10226,7 +10188,7 @@
                 <a:ea typeface="+mn-ea"/>
                 <a:cs typeface="+mn-cs"/>
               </a:rPr>
-              <a:t>This is what the Scenario itself looks like. In general, everything that the Scenario creates that a test might need to easily get a reference to is exposed as instance properties. </a:t>
+              <a:t>Here’s another example of a Scenario. In this case, we’re creating multiple orders for a single customer, each with different characteristics. The Scenario exposes each order as a distinct property so that the test code will be very clear in terms of its intent.</a:t>
             </a:r>
           </a:p>
           <a:p>
@@ -10260,7 +10222,7 @@
     </p:spTree>
     <p:extLst>
       <p:ext uri="{BB962C8B-B14F-4D97-AF65-F5344CB8AC3E}">
-        <p14:creationId xmlns:p14="http://schemas.microsoft.com/office/powerpoint/2010/main" val="2637628619"/>
+        <p14:creationId xmlns:p14="http://schemas.microsoft.com/office/powerpoint/2010/main" val="3190554621"/>
       </p:ext>
     </p:extLst>
   </p:cSld>
@@ -10314,23 +10276,6 @@
           <a:bodyPr/>
           <a:lstStyle/>
           <a:p>
-            <a:pPr marL="0" marR="0" lvl="0" indent="0" algn="l" defTabSz="914400" rtl="0" eaLnBrk="1" fontAlgn="auto" latinLnBrk="0" hangingPunct="1">
-              <a:lnSpc>
-                <a:spcPct val="100000"/>
-              </a:lnSpc>
-              <a:spcBef>
-                <a:spcPts val="0"/>
-              </a:spcBef>
-              <a:spcAft>
-                <a:spcPts val="0"/>
-              </a:spcAft>
-              <a:buClrTx/>
-              <a:buSzTx/>
-              <a:buFontTx/>
-              <a:buNone/>
-              <a:tabLst/>
-              <a:defRPr/>
-            </a:pPr>
             <a:r>
               <a:rPr lang="en-US" sz="1200" kern="1200" dirty="0" smtClean="0">
                 <a:solidFill>
@@ -10341,11 +10286,59 @@
                 <a:ea typeface="+mn-ea"/>
                 <a:cs typeface="+mn-cs"/>
               </a:rPr>
-              <a:t>Here’s another example of a Scenario. In this case, we’re creating multiple orders for a single customer, each with different characteristics. The Scenario exposes each order as a distinct property so that the test code will be very clear in terms of its intent.</a:t>
-            </a:r>
-          </a:p>
-          <a:p>
-            <a:endParaRPr lang="en-US" dirty="0"/>
+              <a:t>I recommend the Test Helper pattern without reservation. There’s literally no good argument not to. But there are a few drawbacks to the Scenario pattern that you should consider.</a:t>
+            </a:r>
+          </a:p>
+          <a:p>
+            <a:r>
+              <a:rPr lang="en-US" sz="1200" kern="1200" dirty="0" smtClean="0">
+                <a:solidFill>
+                  <a:schemeClr val="tx1"/>
+                </a:solidFill>
+                <a:effectLst/>
+                <a:latin typeface="+mn-lt"/>
+                <a:ea typeface="+mn-ea"/>
+                <a:cs typeface="+mn-cs"/>
+              </a:rPr>
+              <a:t>First, you’ll need to figure out for yourself the correct balance between specialization and customization. If you create a large number of Scenarios, each highly specialized for a specific use case, then you’ll generally find that each individual is scenario easy to maintain over time, but you’ll end up creating a lot of them with chunks of duplicate logic. If you create a smaller number of general purpose Scenarios that can be highly customized via arguments then you’ll create fewer objects, but it may be hard to refactor a Scenario because it might be used in lots of different ways by lots of different tests.</a:t>
+            </a:r>
+          </a:p>
+          <a:p>
+            <a:r>
+              <a:rPr lang="en-US" sz="1200" kern="1200" dirty="0" smtClean="0">
+                <a:solidFill>
+                  <a:schemeClr val="tx1"/>
+                </a:solidFill>
+                <a:effectLst/>
+                <a:latin typeface="+mn-lt"/>
+                <a:ea typeface="+mn-ea"/>
+                <a:cs typeface="+mn-cs"/>
+              </a:rPr>
+              <a:t>That balance is hard to predict in advance. My rule of thumb is that if I’m only creating two or three objects in a test, I’ll usually just call the Test Helpers directly. But if I have more than that, AND I’m reusing that logic in more than two or three tests, I’ll extract out a Scenario. </a:t>
+            </a:r>
+          </a:p>
+          <a:p>
+            <a:r>
+              <a:rPr lang="en-US" sz="1200" kern="1200" dirty="0" smtClean="0">
+                <a:solidFill>
+                  <a:schemeClr val="tx1"/>
+                </a:solidFill>
+                <a:effectLst/>
+                <a:latin typeface="+mn-lt"/>
+                <a:ea typeface="+mn-ea"/>
+                <a:cs typeface="+mn-cs"/>
+              </a:rPr>
+              <a:t>Also, remember that Scenarios are helpful because they are facades that encapsulate and abstract the coordination of multiple objects at the same time. If you need a lot of Scenarios, that might be a code smell indicating that those facades would be more useful in the core app itself. For example, if we go back to that e-commerce scenario I just showed you, you could argue that a better design might be to create an object or service that encapsulates all of the information about a given Order, and then base your business rules on that abstraction instead. If you go that route then you may need fewer Scenarios in your unit tests, but they are still really handy when it comes to integration tests.</a:t>
+            </a:r>
+            <a:endParaRPr lang="en-US" sz="1200" kern="1200" dirty="0">
+              <a:solidFill>
+                <a:schemeClr val="tx1"/>
+              </a:solidFill>
+              <a:effectLst/>
+              <a:latin typeface="+mn-lt"/>
+              <a:ea typeface="+mn-ea"/>
+              <a:cs typeface="+mn-cs"/>
+            </a:endParaRPr>
           </a:p>
         </p:txBody>
       </p:sp>
@@ -10375,7 +10368,7 @@
     </p:spTree>
     <p:extLst>
       <p:ext uri="{BB962C8B-B14F-4D97-AF65-F5344CB8AC3E}">
-        <p14:creationId xmlns:p14="http://schemas.microsoft.com/office/powerpoint/2010/main" val="3190554621"/>
+        <p14:creationId xmlns:p14="http://schemas.microsoft.com/office/powerpoint/2010/main" val="2143862452"/>
       </p:ext>
     </p:extLst>
   </p:cSld>
@@ -10439,7 +10432,7 @@
                 <a:ea typeface="+mn-ea"/>
                 <a:cs typeface="+mn-cs"/>
               </a:rPr>
-              <a:t>I recommend the Test Helper pattern without reservation. There’s literally no good argument not to. But there are a few drawbacks to the Scenario pattern that you should consider.</a:t>
+              <a:t>Until now we’ve been talking about in-memory objects only. The fourth key to effective setup is to leverage those in-memory helpers in your integration tests as well. </a:t>
             </a:r>
           </a:p>
           <a:p>
@@ -10453,7 +10446,7 @@
                 <a:ea typeface="+mn-ea"/>
                 <a:cs typeface="+mn-cs"/>
               </a:rPr>
-              <a:t>First, you’ll need to figure out for yourself the correct balance between specialization and customization. If you create a large number of Scenarios, each highly specialized for a specific use case, then you’ll generally find that each individual is scenario easy to maintain over time, but you’ll end up creating a lot of them with chunks of duplicate logic. If you create a smaller number of general purpose Scenarios that can be highly customized via arguments then you’ll create fewer objects, but it may be hard to refactor a Scenario because it might be used in lots of different ways by lots of different tests.</a:t>
+              <a:t>This is a key practice because it addresses mistake #4 that we talked about. If you have a rich, customizable set of helpers that create data, then your integration tests no longer need to rely on pre-existing data. Instead, they can create exactly what they need in exactly the shape they need it.</a:t>
             </a:r>
           </a:p>
           <a:p>
@@ -10467,7 +10460,7 @@
                 <a:ea typeface="+mn-ea"/>
                 <a:cs typeface="+mn-cs"/>
               </a:rPr>
-              <a:t>That balance is hard to predict in advance. My rule of thumb is that if I’m only creating two or three objects in a test, I’ll usually just call the Test Helpers directly. But if I have more than that, AND I’m reusing that logic in more than two or three tests, I’ll extract out a Scenario. </a:t>
+              <a:t>If, like me, you have a standard object oriented web app, then being able to use the same set of helpers for in-memory tests as I do for integration tests is huge. If you’re doing a lot of functional programming, or if you tend to abstract things away into services, then you may not need complex data objects for unit tests. But regardless of your app’s architecture, however, eventually you’re going to want to test your data access code or do some other system level integration testing. And when that time comes, having a set of data creation helpers that can populate a database is really useful.</a:t>
             </a:r>
           </a:p>
           <a:p>
@@ -10481,7 +10474,7 @@
                 <a:ea typeface="+mn-ea"/>
                 <a:cs typeface="+mn-cs"/>
               </a:rPr>
-              <a:t>Also, remember that Scenarios are helpful because they are facades that encapsulate and abstract the coordination of multiple objects at the same time. If you need a lot of Scenarios, that might be a code smell indicating that those facades would be more useful in the core app itself. For example, if we go back to that e-commerce scenario I just showed you, you could argue that a better design might be to create an object or service that encapsulates all of the information about a given Order, and then base your business rules on that abstraction instead. If you go that route then you may need fewer Scenarios in your unit tests, but they are still really handy when it comes to integration tests.</a:t>
+              <a:t>Unfortunately, it’s easier said than done.</a:t>
             </a:r>
             <a:endParaRPr lang="en-US" sz="1200" kern="1200" dirty="0">
               <a:solidFill>
@@ -10521,7 +10514,7 @@
     </p:spTree>
     <p:extLst>
       <p:ext uri="{BB962C8B-B14F-4D97-AF65-F5344CB8AC3E}">
-        <p14:creationId xmlns:p14="http://schemas.microsoft.com/office/powerpoint/2010/main" val="2143862452"/>
+        <p14:creationId xmlns:p14="http://schemas.microsoft.com/office/powerpoint/2010/main" val="3116087620"/>
       </p:ext>
     </p:extLst>
   </p:cSld>
@@ -10585,7 +10578,7 @@
                 <a:ea typeface="+mn-ea"/>
                 <a:cs typeface="+mn-cs"/>
               </a:rPr>
-              <a:t>Until now we’ve been talking about in-memory objects only. The fourth key to effective setup is to leverage those in-memory helpers in your integration tests as well. </a:t>
+              <a:t>First, you have to deal with foreign keys. Your app may not care if you create a Line Item by itself, but you can’t save the Line Item to the database without an Order. And maybe you can’t create an Order without a customer. It’s the same issue we had with constructor dependencies, but in the database. </a:t>
             </a:r>
           </a:p>
           <a:p>
@@ -10599,36 +10592,10 @@
                 <a:ea typeface="+mn-ea"/>
                 <a:cs typeface="+mn-cs"/>
               </a:rPr>
-              <a:t>This is a key practice because it addresses mistake #4 that we talked about. If you have a rich, customizable set of helpers that create data, then your integration tests no longer need to rely on pre-existing data. Instead, they can create exactly what they need in exactly the shape they need it.</a:t>
-            </a:r>
-          </a:p>
-          <a:p>
-            <a:r>
-              <a:rPr lang="en-US" sz="1200" kern="1200" dirty="0" smtClean="0">
-                <a:solidFill>
-                  <a:schemeClr val="tx1"/>
-                </a:solidFill>
-                <a:effectLst/>
-                <a:latin typeface="+mn-lt"/>
-                <a:ea typeface="+mn-ea"/>
-                <a:cs typeface="+mn-cs"/>
-              </a:rPr>
-              <a:t>If, like me, you have a standard object oriented web app, then being able to use the same set of helpers for in-memory tests as I do for integration tests is huge. If you’re doing a lot of functional programming, or if you tend to abstract things away into services, then you may not need complex data objects for unit tests. But regardless of your app’s architecture, however, eventually you’re going to want to test your data access code or do some other system level integration testing. And when that time comes, having a set of data creation helpers that can populate a database is really useful.</a:t>
-            </a:r>
-          </a:p>
-          <a:p>
-            <a:r>
-              <a:rPr lang="en-US" sz="1200" kern="1200" dirty="0" smtClean="0">
-                <a:solidFill>
-                  <a:schemeClr val="tx1"/>
-                </a:solidFill>
-                <a:effectLst/>
-                <a:latin typeface="+mn-lt"/>
-                <a:ea typeface="+mn-ea"/>
-                <a:cs typeface="+mn-cs"/>
-              </a:rPr>
-              <a:t>Unfortunately, it’s easier said than done.</a:t>
-            </a:r>
+              <a:t>This means you have to new up the entire object graph and then save objects to the database in the correct sequence. </a:t>
+            </a:r>
+          </a:p>
+          <a:p>
             <a:endParaRPr lang="en-US" sz="1200" kern="1200" dirty="0">
               <a:solidFill>
                 <a:schemeClr val="tx1"/>
@@ -10667,7 +10634,7 @@
     </p:spTree>
     <p:extLst>
       <p:ext uri="{BB962C8B-B14F-4D97-AF65-F5344CB8AC3E}">
-        <p14:creationId xmlns:p14="http://schemas.microsoft.com/office/powerpoint/2010/main" val="3116087620"/>
+        <p14:creationId xmlns:p14="http://schemas.microsoft.com/office/powerpoint/2010/main" val="588328629"/>
       </p:ext>
     </p:extLst>
   </p:cSld>
@@ -10721,6 +10688,23 @@
           <a:bodyPr/>
           <a:lstStyle/>
           <a:p>
+            <a:pPr marL="0" marR="0" lvl="0" indent="0" algn="l" defTabSz="914400" rtl="0" eaLnBrk="1" fontAlgn="auto" latinLnBrk="0" hangingPunct="1">
+              <a:lnSpc>
+                <a:spcPct val="100000"/>
+              </a:lnSpc>
+              <a:spcBef>
+                <a:spcPts val="0"/>
+              </a:spcBef>
+              <a:spcAft>
+                <a:spcPts val="0"/>
+              </a:spcAft>
+              <a:buClrTx/>
+              <a:buSzTx/>
+              <a:buFontTx/>
+              <a:buNone/>
+              <a:tabLst/>
+              <a:defRPr/>
+            </a:pPr>
             <a:r>
               <a:rPr lang="en-US" sz="1200" kern="1200" dirty="0" smtClean="0">
                 <a:solidFill>
@@ -10731,21 +10715,7 @@
                 <a:ea typeface="+mn-ea"/>
                 <a:cs typeface="+mn-cs"/>
               </a:rPr>
-              <a:t>First, you have to deal with foreign keys. Your app may not care if you create a Line Item by itself, but you can’t save the Line Item to the database without an Order. And maybe you can’t create an Order without a customer. It’s the same issue we had with constructor dependencies, but in the database. </a:t>
-            </a:r>
-          </a:p>
-          <a:p>
-            <a:r>
-              <a:rPr lang="en-US" sz="1200" kern="1200" dirty="0" smtClean="0">
-                <a:solidFill>
-                  <a:schemeClr val="tx1"/>
-                </a:solidFill>
-                <a:effectLst/>
-                <a:latin typeface="+mn-lt"/>
-                <a:ea typeface="+mn-ea"/>
-                <a:cs typeface="+mn-cs"/>
-              </a:rPr>
-              <a:t>This means you have to new up the entire object graph and then save objects to the database in the correct sequence. </a:t>
+              <a:t>And if your database assigns primary keys, then after you save all those objects you have to update their ID values with the newly assigned key.</a:t>
             </a:r>
           </a:p>
           <a:p>
@@ -10787,7 +10757,7 @@
     </p:spTree>
     <p:extLst>
       <p:ext uri="{BB962C8B-B14F-4D97-AF65-F5344CB8AC3E}">
-        <p14:creationId xmlns:p14="http://schemas.microsoft.com/office/powerpoint/2010/main" val="588328629"/>
+        <p14:creationId xmlns:p14="http://schemas.microsoft.com/office/powerpoint/2010/main" val="2692189184"/>
       </p:ext>
     </p:extLst>
   </p:cSld>
@@ -10868,7 +10838,7 @@
                 <a:ea typeface="+mn-ea"/>
                 <a:cs typeface="+mn-cs"/>
               </a:rPr>
-              <a:t>And if your database assigns primary keys, then after you save all those objects you have to update their ID values with the newly assigned key.</a:t>
+              <a:t>You also have to make sure that your helpers are creating data that can be saved. Some columns might have constraints that reject NULL or other values, and those constraints may not be duplicated in the domain model.</a:t>
             </a:r>
           </a:p>
           <a:p>
@@ -10910,7 +10880,7 @@
     </p:spTree>
     <p:extLst>
       <p:ext uri="{BB962C8B-B14F-4D97-AF65-F5344CB8AC3E}">
-        <p14:creationId xmlns:p14="http://schemas.microsoft.com/office/powerpoint/2010/main" val="2692189184"/>
+        <p14:creationId xmlns:p14="http://schemas.microsoft.com/office/powerpoint/2010/main" val="1306606769"/>
       </p:ext>
     </p:extLst>
   </p:cSld>
@@ -10964,23 +10934,6 @@
           <a:bodyPr/>
           <a:lstStyle/>
           <a:p>
-            <a:pPr marL="0" marR="0" lvl="0" indent="0" algn="l" defTabSz="914400" rtl="0" eaLnBrk="1" fontAlgn="auto" latinLnBrk="0" hangingPunct="1">
-              <a:lnSpc>
-                <a:spcPct val="100000"/>
-              </a:lnSpc>
-              <a:spcBef>
-                <a:spcPts val="0"/>
-              </a:spcBef>
-              <a:spcAft>
-                <a:spcPts val="0"/>
-              </a:spcAft>
-              <a:buClrTx/>
-              <a:buSzTx/>
-              <a:buFontTx/>
-              <a:buNone/>
-              <a:tabLst/>
-              <a:defRPr/>
-            </a:pPr>
             <a:r>
               <a:rPr lang="en-US" sz="1200" kern="1200" dirty="0" smtClean="0">
                 <a:solidFill>
@@ -10991,7 +10944,21 @@
                 <a:ea typeface="+mn-ea"/>
                 <a:cs typeface="+mn-cs"/>
               </a:rPr>
-              <a:t>You also have to make sure that your helpers are creating data that can be saved. Some columns might have constraints that reject NULL or other values, and those constraints may not be duplicated in the domain model.</a:t>
+              <a:t>Lastly, you’ll want to clean up that test data when the test run is over. I run my automated tests against the same database I use for manual testing. I don’t want that database filled up with junk data because it can impact performance, waste disk space, and it’s just ugly. </a:t>
+            </a:r>
+          </a:p>
+          <a:p>
+            <a:r>
+              <a:rPr lang="en-US" sz="1200" kern="1200" dirty="0" smtClean="0">
+                <a:solidFill>
+                  <a:schemeClr val="tx1"/>
+                </a:solidFill>
+                <a:effectLst/>
+                <a:latin typeface="+mn-lt"/>
+                <a:ea typeface="+mn-ea"/>
+                <a:cs typeface="+mn-cs"/>
+              </a:rPr>
+              <a:t>These things make integration tests difficult, but we can handle them with a few extra additions to the Test Helper pattern.</a:t>
             </a:r>
           </a:p>
           <a:p>
@@ -11033,7 +11000,7 @@
     </p:spTree>
     <p:extLst>
       <p:ext uri="{BB962C8B-B14F-4D97-AF65-F5344CB8AC3E}">
-        <p14:creationId xmlns:p14="http://schemas.microsoft.com/office/powerpoint/2010/main" val="1306606769"/>
+        <p14:creationId xmlns:p14="http://schemas.microsoft.com/office/powerpoint/2010/main" val="386256710"/>
       </p:ext>
     </p:extLst>
   </p:cSld>
@@ -11097,10 +11064,20 @@
                 <a:ea typeface="+mn-ea"/>
                 <a:cs typeface="+mn-cs"/>
               </a:rPr>
-              <a:t>Lastly, you’ll want to clean up that test data when the test run is over. I run my automated tests against the same database I use for manual testing. I don’t want that database filled up with junk data because it can impact performance, waste disk space, and it’s just ugly. </a:t>
-            </a:r>
-          </a:p>
-          <a:p>
+              <a:t>The first thing is to add a </a:t>
+            </a:r>
+            <a:r>
+              <a:rPr lang="en-US" sz="1200" i="1" kern="1200" dirty="0" smtClean="0">
+                <a:solidFill>
+                  <a:schemeClr val="tx1"/>
+                </a:solidFill>
+                <a:effectLst/>
+                <a:latin typeface="+mn-lt"/>
+                <a:ea typeface="+mn-ea"/>
+                <a:cs typeface="+mn-cs"/>
+              </a:rPr>
+              <a:t>Save() </a:t>
+            </a:r>
             <a:r>
               <a:rPr lang="en-US" sz="1200" kern="1200" dirty="0" smtClean="0">
                 <a:solidFill>
@@ -11111,10 +11088,70 @@
                 <a:ea typeface="+mn-ea"/>
                 <a:cs typeface="+mn-cs"/>
               </a:rPr>
-              <a:t>These things make integration tests difficult, but we can handle them with a few extra additions to the Test Helper pattern.</a:t>
-            </a:r>
-          </a:p>
-          <a:p>
+              <a:t>method to your Test Helpers classes, and pass your database connection into it. </a:t>
+            </a:r>
+          </a:p>
+          <a:p>
+            <a:r>
+              <a:rPr lang="en-US" sz="1200" kern="1200" dirty="0" smtClean="0">
+                <a:solidFill>
+                  <a:schemeClr val="tx1"/>
+                </a:solidFill>
+                <a:effectLst/>
+                <a:latin typeface="+mn-lt"/>
+                <a:ea typeface="+mn-ea"/>
+                <a:cs typeface="+mn-cs"/>
+              </a:rPr>
+              <a:t>We use NHibernate and this </a:t>
+            </a:r>
+            <a:r>
+              <a:rPr lang="en-US" sz="1200" kern="1200" dirty="0" err="1" smtClean="0">
+                <a:solidFill>
+                  <a:schemeClr val="tx1"/>
+                </a:solidFill>
+                <a:effectLst/>
+                <a:latin typeface="+mn-lt"/>
+                <a:ea typeface="+mn-ea"/>
+                <a:cs typeface="+mn-cs"/>
+              </a:rPr>
+              <a:t>ISession</a:t>
+            </a:r>
+            <a:r>
+              <a:rPr lang="en-US" sz="1200" kern="1200" dirty="0" smtClean="0">
+                <a:solidFill>
+                  <a:schemeClr val="tx1"/>
+                </a:solidFill>
+                <a:effectLst/>
+                <a:latin typeface="+mn-lt"/>
+                <a:ea typeface="+mn-ea"/>
+                <a:cs typeface="+mn-cs"/>
+              </a:rPr>
+              <a:t> thing is basically the database gateway object. If you use Entity Framework then you might pass the </a:t>
+            </a:r>
+            <a:r>
+              <a:rPr lang="en-US" sz="1200" kern="1200" dirty="0" err="1" smtClean="0">
+                <a:solidFill>
+                  <a:schemeClr val="tx1"/>
+                </a:solidFill>
+                <a:effectLst/>
+                <a:latin typeface="+mn-lt"/>
+                <a:ea typeface="+mn-ea"/>
+                <a:cs typeface="+mn-cs"/>
+              </a:rPr>
+              <a:t>db</a:t>
+            </a:r>
+            <a:r>
+              <a:rPr lang="en-US" sz="1200" kern="1200" dirty="0" smtClean="0">
+                <a:solidFill>
+                  <a:schemeClr val="tx1"/>
+                </a:solidFill>
+                <a:effectLst/>
+                <a:latin typeface="+mn-lt"/>
+                <a:ea typeface="+mn-ea"/>
+                <a:cs typeface="+mn-cs"/>
+              </a:rPr>
+              <a:t> context here, or you might pass a raw ADO.NET connection or whatever other object that you need to talk to the database. </a:t>
+            </a:r>
             <a:endParaRPr lang="en-US" sz="1200" kern="1200" dirty="0">
               <a:solidFill>
                 <a:schemeClr val="tx1"/>
@@ -11153,7 +11190,7 @@
     </p:spTree>
     <p:extLst>
       <p:ext uri="{BB962C8B-B14F-4D97-AF65-F5344CB8AC3E}">
-        <p14:creationId xmlns:p14="http://schemas.microsoft.com/office/powerpoint/2010/main" val="386256710"/>
+        <p14:creationId xmlns:p14="http://schemas.microsoft.com/office/powerpoint/2010/main" val="140621823"/>
       </p:ext>
     </p:extLst>
   </p:cSld>
@@ -11217,10 +11254,12 @@
                 <a:ea typeface="+mn-ea"/>
                 <a:cs typeface="+mn-cs"/>
               </a:rPr>
-              <a:t>The first thing is to add a </a:t>
-            </a:r>
-            <a:r>
-              <a:rPr lang="en-US" sz="1200" i="1" kern="1200" dirty="0" smtClean="0">
+              <a:t>Here’s what the Save method itself looks like.</a:t>
+            </a:r>
+          </a:p>
+          <a:p>
+            <a:r>
+              <a:rPr lang="en-US" sz="1200" kern="1200" dirty="0" smtClean="0">
                 <a:solidFill>
                   <a:schemeClr val="tx1"/>
                 </a:solidFill>
@@ -11229,81 +11268,7 @@
                 <a:ea typeface="+mn-ea"/>
                 <a:cs typeface="+mn-cs"/>
               </a:rPr>
-              <a:t>Save() </a:t>
-            </a:r>
-            <a:r>
-              <a:rPr lang="en-US" sz="1200" kern="1200" dirty="0" smtClean="0">
-                <a:solidFill>
-                  <a:schemeClr val="tx1"/>
-                </a:solidFill>
-                <a:effectLst/>
-                <a:latin typeface="+mn-lt"/>
-                <a:ea typeface="+mn-ea"/>
-                <a:cs typeface="+mn-cs"/>
-              </a:rPr>
-              <a:t>method to your Test Helpers classes, and pass your database connection into it. </a:t>
-            </a:r>
-          </a:p>
-          <a:p>
-            <a:r>
-              <a:rPr lang="en-US" sz="1200" kern="1200" dirty="0" smtClean="0">
-                <a:solidFill>
-                  <a:schemeClr val="tx1"/>
-                </a:solidFill>
-                <a:effectLst/>
-                <a:latin typeface="+mn-lt"/>
-                <a:ea typeface="+mn-ea"/>
-                <a:cs typeface="+mn-cs"/>
-              </a:rPr>
-              <a:t>We use NHibernate and this </a:t>
-            </a:r>
-            <a:r>
-              <a:rPr lang="en-US" sz="1200" kern="1200" dirty="0" err="1" smtClean="0">
-                <a:solidFill>
-                  <a:schemeClr val="tx1"/>
-                </a:solidFill>
-                <a:effectLst/>
-                <a:latin typeface="+mn-lt"/>
-                <a:ea typeface="+mn-ea"/>
-                <a:cs typeface="+mn-cs"/>
-              </a:rPr>
-              <a:t>ISession</a:t>
-            </a:r>
-            <a:r>
-              <a:rPr lang="en-US" sz="1200" kern="1200" dirty="0" smtClean="0">
-                <a:solidFill>
-                  <a:schemeClr val="tx1"/>
-                </a:solidFill>
-                <a:effectLst/>
-                <a:latin typeface="+mn-lt"/>
-                <a:ea typeface="+mn-ea"/>
-                <a:cs typeface="+mn-cs"/>
-              </a:rPr>
-              <a:t> thing is basically the database gateway object. If you use Entity Framework then you might pass the </a:t>
-            </a:r>
-            <a:r>
-              <a:rPr lang="en-US" sz="1200" kern="1200" dirty="0" err="1" smtClean="0">
-                <a:solidFill>
-                  <a:schemeClr val="tx1"/>
-                </a:solidFill>
-                <a:effectLst/>
-                <a:latin typeface="+mn-lt"/>
-                <a:ea typeface="+mn-ea"/>
-                <a:cs typeface="+mn-cs"/>
-              </a:rPr>
-              <a:t>db</a:t>
-            </a:r>
-            <a:r>
-              <a:rPr lang="en-US" sz="1200" kern="1200" dirty="0" smtClean="0">
-                <a:solidFill>
-                  <a:schemeClr val="tx1"/>
-                </a:solidFill>
-                <a:effectLst/>
-                <a:latin typeface="+mn-lt"/>
-                <a:ea typeface="+mn-ea"/>
-                <a:cs typeface="+mn-cs"/>
-              </a:rPr>
-              <a:t> context here, or you might pass a raw ADO.NET connection or whatever other object that you need to talk to the database. </a:t>
+              <a:t>The first thing it does is deal with the foreign key constraints by delegating to other helpers to save its references. In this case, we can’t save an Order unless it references an existing Customer ID. By delegating to the Customer helper to create that record we keep each individual helper clean and focused on a single type.</a:t>
             </a:r>
             <a:endParaRPr lang="en-US" sz="1200" kern="1200" dirty="0">
               <a:solidFill>
@@ -11343,7 +11308,7 @@
     </p:spTree>
     <p:extLst>
       <p:ext uri="{BB962C8B-B14F-4D97-AF65-F5344CB8AC3E}">
-        <p14:creationId xmlns:p14="http://schemas.microsoft.com/office/powerpoint/2010/main" val="140621823"/>
+        <p14:creationId xmlns:p14="http://schemas.microsoft.com/office/powerpoint/2010/main" val="884341304"/>
       </p:ext>
     </p:extLst>
   </p:cSld>
@@ -11407,7 +11372,7 @@
                 <a:ea typeface="+mn-ea"/>
                 <a:cs typeface="+mn-cs"/>
               </a:rPr>
-              <a:t>Here’s what the Save method itself looks like.</a:t>
+              <a:t>Next, the Save method deals with primary key values. </a:t>
             </a:r>
           </a:p>
           <a:p>
@@ -11421,7 +11386,83 @@
                 <a:ea typeface="+mn-ea"/>
                 <a:cs typeface="+mn-cs"/>
               </a:rPr>
-              <a:t>The first thing it does is deal with the foreign key constraints by delegating to other helpers to save its references. In this case, we can’t save an Order unless it references an existing Customer ID. By delegating to the Customer helper to create that record we keep each individual helper clean and focused on a single type.</a:t>
+              <a:t>Remember that to avoid “unexpected equality”, each object that we create is assigned a non-zero value. But many ORMs use the ID property to determine if they should issue an INSERT or UPDATE query, and if the ORM sees a non-zero ID it will issue an UPDATE statement, and not an INSERT.</a:t>
+            </a:r>
+          </a:p>
+          <a:p>
+            <a:r>
+              <a:rPr lang="en-US" sz="1200" kern="1200" dirty="0" smtClean="0">
+                <a:solidFill>
+                  <a:schemeClr val="tx1"/>
+                </a:solidFill>
+                <a:effectLst/>
+                <a:latin typeface="+mn-lt"/>
+                <a:ea typeface="+mn-ea"/>
+                <a:cs typeface="+mn-cs"/>
+              </a:rPr>
+              <a:t>This is where that </a:t>
+            </a:r>
+            <a:r>
+              <a:rPr lang="en-US" sz="1200" kern="1200" dirty="0" err="1" smtClean="0">
+                <a:solidFill>
+                  <a:schemeClr val="tx1"/>
+                </a:solidFill>
+                <a:effectLst/>
+                <a:latin typeface="+mn-lt"/>
+                <a:ea typeface="+mn-ea"/>
+                <a:cs typeface="+mn-cs"/>
+              </a:rPr>
+              <a:t>IdSequencer</a:t>
+            </a:r>
+            <a:r>
+              <a:rPr lang="en-US" sz="1200" kern="1200" dirty="0" smtClean="0">
+                <a:solidFill>
+                  <a:schemeClr val="tx1"/>
+                </a:solidFill>
+                <a:effectLst/>
+                <a:latin typeface="+mn-lt"/>
+                <a:ea typeface="+mn-ea"/>
+                <a:cs typeface="+mn-cs"/>
+              </a:rPr>
+              <a:t> object comes in handy. It knows which values it’s handed out, so before we save our object we do a check to see if the ID currently in use was assigned by the sequencer. If it was then we reset it to 0, and cause an insert. If it wasn’t, then that means we’re dealing with an object that already exists in the database and we do nothing, and cause an update.</a:t>
+            </a:r>
+          </a:p>
+          <a:p>
+            <a:r>
+              <a:rPr lang="en-US" sz="1200" kern="1200" dirty="0" smtClean="0">
+                <a:solidFill>
+                  <a:schemeClr val="tx1"/>
+                </a:solidFill>
+                <a:effectLst/>
+                <a:latin typeface="+mn-lt"/>
+                <a:ea typeface="+mn-ea"/>
+                <a:cs typeface="+mn-cs"/>
+              </a:rPr>
+              <a:t>Note that we don’t need to reset ALL values that were assigned by the </a:t>
+            </a:r>
+            <a:r>
+              <a:rPr lang="en-US" sz="1200" kern="1200" dirty="0" err="1" smtClean="0">
+                <a:solidFill>
+                  <a:schemeClr val="tx1"/>
+                </a:solidFill>
+                <a:effectLst/>
+                <a:latin typeface="+mn-lt"/>
+                <a:ea typeface="+mn-ea"/>
+                <a:cs typeface="+mn-cs"/>
+              </a:rPr>
+              <a:t>IdSequencer</a:t>
+            </a:r>
+            <a:r>
+              <a:rPr lang="en-US" sz="1200" kern="1200" dirty="0" smtClean="0">
+                <a:solidFill>
+                  <a:schemeClr val="tx1"/>
+                </a:solidFill>
+                <a:effectLst/>
+                <a:latin typeface="+mn-lt"/>
+                <a:ea typeface="+mn-ea"/>
+                <a:cs typeface="+mn-cs"/>
+              </a:rPr>
+              <a:t>, only entity IDs. Only properties that map to primary keys.</a:t>
             </a:r>
             <a:endParaRPr lang="en-US" sz="1200" kern="1200" dirty="0">
               <a:solidFill>
@@ -11461,7 +11502,7 @@
     </p:spTree>
     <p:extLst>
       <p:ext uri="{BB962C8B-B14F-4D97-AF65-F5344CB8AC3E}">
-        <p14:creationId xmlns:p14="http://schemas.microsoft.com/office/powerpoint/2010/main" val="884341304"/>
+        <p14:creationId xmlns:p14="http://schemas.microsoft.com/office/powerpoint/2010/main" val="2717799063"/>
       </p:ext>
     </p:extLst>
   </p:cSld>
@@ -11615,7 +11656,7 @@
                 <a:ea typeface="+mn-ea"/>
                 <a:cs typeface="+mn-cs"/>
               </a:rPr>
-              <a:t>Next, the Save method deals with primary key values. </a:t>
+              <a:t>Finally, the helper calls out to the ORM to insert or update the database. If you’re not using an ORM then the exact details might change, but the general pattern should hold up.</a:t>
             </a:r>
           </a:p>
           <a:p>
@@ -11629,7 +11670,7 @@
                 <a:ea typeface="+mn-ea"/>
                 <a:cs typeface="+mn-cs"/>
               </a:rPr>
-              <a:t>Remember that to avoid “unexpected equality”, each object that we create is assigned a non-zero value. But many ORMs use the ID property to determine if they should issue an INSERT or UPDATE query, and if the ORM sees a non-zero ID it will issue an UPDATE statement, and not an INSERT.</a:t>
+              <a:t>If you follow this pattern then you can basically write a bunch of unit tests with in-memory data, copy and paste the setup code from one of them into an integration test, add a few calls to this Save method, and you’re done. It’s pretty sweet when it comes together.</a:t>
             </a:r>
           </a:p>
           <a:p>
@@ -11643,10 +11684,12 @@
                 <a:ea typeface="+mn-ea"/>
                 <a:cs typeface="+mn-cs"/>
               </a:rPr>
-              <a:t>This is where that </a:t>
-            </a:r>
-            <a:r>
-              <a:rPr lang="en-US" sz="1200" kern="1200" dirty="0" err="1" smtClean="0">
+              <a:t>But how do prevent this test data from lingering in the database when the test run is over?</a:t>
+            </a:r>
+          </a:p>
+          <a:p>
+            <a:r>
+              <a:rPr lang="en-US" sz="1200" kern="1200" dirty="0" smtClean="0">
                 <a:solidFill>
                   <a:schemeClr val="tx1"/>
                 </a:solidFill>
@@ -11655,57 +11698,7 @@
                 <a:ea typeface="+mn-ea"/>
                 <a:cs typeface="+mn-cs"/>
               </a:rPr>
-              <a:t>IdSequencer</a:t>
-            </a:r>
-            <a:r>
-              <a:rPr lang="en-US" sz="1200" kern="1200" dirty="0" smtClean="0">
-                <a:solidFill>
-                  <a:schemeClr val="tx1"/>
-                </a:solidFill>
-                <a:effectLst/>
-                <a:latin typeface="+mn-lt"/>
-                <a:ea typeface="+mn-ea"/>
-                <a:cs typeface="+mn-cs"/>
-              </a:rPr>
-              <a:t> object comes in handy. It knows which values it’s handed out, so before we save our object we do a check to see if the ID currently in use was assigned by the sequencer. If it was then we reset it to 0, and cause an insert. If it wasn’t, then that means we’re dealing with an object that already exists in the database and we do nothing, and cause an update.</a:t>
-            </a:r>
-          </a:p>
-          <a:p>
-            <a:r>
-              <a:rPr lang="en-US" sz="1200" kern="1200" dirty="0" smtClean="0">
-                <a:solidFill>
-                  <a:schemeClr val="tx1"/>
-                </a:solidFill>
-                <a:effectLst/>
-                <a:latin typeface="+mn-lt"/>
-                <a:ea typeface="+mn-ea"/>
-                <a:cs typeface="+mn-cs"/>
-              </a:rPr>
-              <a:t>Note that we don’t need to reset ALL values that were assigned by the </a:t>
-            </a:r>
-            <a:r>
-              <a:rPr lang="en-US" sz="1200" kern="1200" dirty="0" err="1" smtClean="0">
-                <a:solidFill>
-                  <a:schemeClr val="tx1"/>
-                </a:solidFill>
-                <a:effectLst/>
-                <a:latin typeface="+mn-lt"/>
-                <a:ea typeface="+mn-ea"/>
-                <a:cs typeface="+mn-cs"/>
-              </a:rPr>
-              <a:t>IdSequencer</a:t>
-            </a:r>
-            <a:r>
-              <a:rPr lang="en-US" sz="1200" kern="1200" dirty="0" smtClean="0">
-                <a:solidFill>
-                  <a:schemeClr val="tx1"/>
-                </a:solidFill>
-                <a:effectLst/>
-                <a:latin typeface="+mn-lt"/>
-                <a:ea typeface="+mn-ea"/>
-                <a:cs typeface="+mn-cs"/>
-              </a:rPr>
-              <a:t>, only entity IDs. Only properties that map to primary keys.</a:t>
+              <a:t>One possibility is to reset the database to a known state at the start of each test run. This works, but I don’t recommend it. One reason is that it’s a massive pain to maintain that baseline backup every time the schema changes or new data is added. Another reason is that I use the same database for unit tests as I do for manual testing. It really sucks to spend a bunch of time crafting data for a manual test and then lose it because you accidently ran an integration test that wiped the slate clean. </a:t>
             </a:r>
             <a:endParaRPr lang="en-US" sz="1200" kern="1200" dirty="0">
               <a:solidFill>
@@ -11745,7 +11738,7 @@
     </p:spTree>
     <p:extLst>
       <p:ext uri="{BB962C8B-B14F-4D97-AF65-F5344CB8AC3E}">
-        <p14:creationId xmlns:p14="http://schemas.microsoft.com/office/powerpoint/2010/main" val="2717799063"/>
+        <p14:creationId xmlns:p14="http://schemas.microsoft.com/office/powerpoint/2010/main" val="2145290865"/>
       </p:ext>
     </p:extLst>
   </p:cSld>
@@ -11809,7 +11802,7 @@
                 <a:ea typeface="+mn-ea"/>
                 <a:cs typeface="+mn-cs"/>
               </a:rPr>
-              <a:t>Finally, the helper calls out to the ORM to insert or update the database. If you’re not using an ORM then the exact details might change, but the general pattern should hold up.</a:t>
+              <a:t>Another option is to start a database transaction when each test starts, and then roll that transaction back when the test is over.</a:t>
             </a:r>
           </a:p>
           <a:p>
@@ -11823,10 +11816,20 @@
                 <a:ea typeface="+mn-ea"/>
                 <a:cs typeface="+mn-cs"/>
               </a:rPr>
-              <a:t>If you follow this pattern then you can basically write a bunch of unit tests with in-memory data, copy and paste the setup code from one of them into an integration test, add a few calls to this Save method, and you’re done. It’s pretty sweet when it comes together.</a:t>
-            </a:r>
-          </a:p>
-          <a:p>
+              <a:t>Years ago I wrote a custom </a:t>
+            </a:r>
+            <a:r>
+              <a:rPr lang="en-US" sz="1200" kern="1200" dirty="0" err="1" smtClean="0">
+                <a:solidFill>
+                  <a:schemeClr val="tx1"/>
+                </a:solidFill>
+                <a:effectLst/>
+                <a:latin typeface="+mn-lt"/>
+                <a:ea typeface="+mn-ea"/>
+                <a:cs typeface="+mn-cs"/>
+              </a:rPr>
+              <a:t>NUnit</a:t>
+            </a:r>
             <a:r>
               <a:rPr lang="en-US" sz="1200" kern="1200" dirty="0" smtClean="0">
                 <a:solidFill>
@@ -11837,12 +11840,10 @@
                 <a:ea typeface="+mn-ea"/>
                 <a:cs typeface="+mn-cs"/>
               </a:rPr>
-              <a:t>But how do prevent this test data from lingering in the database when the test run is over?</a:t>
-            </a:r>
-          </a:p>
-          <a:p>
-            <a:r>
-              <a:rPr lang="en-US" sz="1200" kern="1200" dirty="0" smtClean="0">
+              <a:t> attribute called Rollback that does this for us. Any test that has this attribute is automatically executed inside of a transaction that is discarded when the test finishes. The implementation for this is on my GitHub, but at this point it’s like seven years old. There are probably newer and better ways of doing it now, but you’re welcome to copy my approach if you’re using </a:t>
+            </a:r>
+            <a:r>
+              <a:rPr lang="en-US" sz="1200" kern="1200" dirty="0" err="1" smtClean="0">
                 <a:solidFill>
                   <a:schemeClr val="tx1"/>
                 </a:solidFill>
@@ -11851,17 +11852,9 @@
                 <a:ea typeface="+mn-ea"/>
                 <a:cs typeface="+mn-cs"/>
               </a:rPr>
-              <a:t>One possibility is to reset the database to a known state at the start of each test run. This works, but I don’t recommend it. One reason is that it’s a massive pain to maintain that baseline backup every time the schema changes or new data is added. Another reason is that I use the same database for unit tests as I do for manual testing. It really sucks to spend a bunch of time crafting data for a manual test and then lose it because you accidently ran an integration test that wiped the slate clean. </a:t>
-            </a:r>
-            <a:endParaRPr lang="en-US" sz="1200" kern="1200" dirty="0">
-              <a:solidFill>
-                <a:schemeClr val="tx1"/>
-              </a:solidFill>
-              <a:effectLst/>
-              <a:latin typeface="+mn-lt"/>
-              <a:ea typeface="+mn-ea"/>
-              <a:cs typeface="+mn-cs"/>
-            </a:endParaRPr>
+              <a:t>NUnit</a:t>
+            </a:r>
+            <a:endParaRPr lang="en-US" dirty="0"/>
           </a:p>
         </p:txBody>
       </p:sp>
@@ -11891,7 +11884,7 @@
     </p:spTree>
     <p:extLst>
       <p:ext uri="{BB962C8B-B14F-4D97-AF65-F5344CB8AC3E}">
-        <p14:creationId xmlns:p14="http://schemas.microsoft.com/office/powerpoint/2010/main" val="2145290865"/>
+        <p14:creationId xmlns:p14="http://schemas.microsoft.com/office/powerpoint/2010/main" val="3266683685"/>
       </p:ext>
     </p:extLst>
   </p:cSld>
@@ -11955,59 +11948,17 @@
                 <a:ea typeface="+mn-ea"/>
                 <a:cs typeface="+mn-cs"/>
               </a:rPr>
-              <a:t>Another option is to start a database transaction when each test starts, and then roll that transaction back when the test is over.</a:t>
-            </a:r>
-          </a:p>
-          <a:p>
-            <a:r>
-              <a:rPr lang="en-US" sz="1200" kern="1200" dirty="0" smtClean="0">
-                <a:solidFill>
-                  <a:schemeClr val="tx1"/>
-                </a:solidFill>
-                <a:effectLst/>
-                <a:latin typeface="+mn-lt"/>
-                <a:ea typeface="+mn-ea"/>
-                <a:cs typeface="+mn-cs"/>
-              </a:rPr>
-              <a:t>Years ago I wrote a custom </a:t>
-            </a:r>
-            <a:r>
-              <a:rPr lang="en-US" sz="1200" kern="1200" dirty="0" err="1" smtClean="0">
-                <a:solidFill>
-                  <a:schemeClr val="tx1"/>
-                </a:solidFill>
-                <a:effectLst/>
-                <a:latin typeface="+mn-lt"/>
-                <a:ea typeface="+mn-ea"/>
-                <a:cs typeface="+mn-cs"/>
-              </a:rPr>
-              <a:t>NUnit</a:t>
-            </a:r>
-            <a:r>
-              <a:rPr lang="en-US" sz="1200" kern="1200" dirty="0" smtClean="0">
-                <a:solidFill>
-                  <a:schemeClr val="tx1"/>
-                </a:solidFill>
-                <a:effectLst/>
-                <a:latin typeface="+mn-lt"/>
-                <a:ea typeface="+mn-ea"/>
-                <a:cs typeface="+mn-cs"/>
-              </a:rPr>
-              <a:t> attribute called Rollback that does this for us. Any test that has this attribute is automatically executed inside of a transaction that is discarded when the test finishes. The implementation for this is on my GitHub, but at this point it’s like seven years old. There are probably newer and better ways of doing it now, but you’re welcome to copy my approach if you’re using </a:t>
-            </a:r>
-            <a:r>
-              <a:rPr lang="en-US" sz="1200" kern="1200" dirty="0" err="1" smtClean="0">
-                <a:solidFill>
-                  <a:schemeClr val="tx1"/>
-                </a:solidFill>
-                <a:effectLst/>
-                <a:latin typeface="+mn-lt"/>
-                <a:ea typeface="+mn-ea"/>
-                <a:cs typeface="+mn-cs"/>
-              </a:rPr>
-              <a:t>NUnit</a:t>
-            </a:r>
-            <a:endParaRPr lang="en-US" dirty="0"/>
+              <a:t>As an example of how powerful these techniques can be, let’s first revisit that nasty chunk of setup code I showed at the start…</a:t>
+            </a:r>
+            <a:endParaRPr lang="en-US" sz="1200" kern="1200" dirty="0">
+              <a:solidFill>
+                <a:schemeClr val="tx1"/>
+              </a:solidFill>
+              <a:effectLst/>
+              <a:latin typeface="+mn-lt"/>
+              <a:ea typeface="+mn-ea"/>
+              <a:cs typeface="+mn-cs"/>
+            </a:endParaRPr>
           </a:p>
         </p:txBody>
       </p:sp>
@@ -12037,7 +11988,7 @@
     </p:spTree>
     <p:extLst>
       <p:ext uri="{BB962C8B-B14F-4D97-AF65-F5344CB8AC3E}">
-        <p14:creationId xmlns:p14="http://schemas.microsoft.com/office/powerpoint/2010/main" val="3266683685"/>
+        <p14:creationId xmlns:p14="http://schemas.microsoft.com/office/powerpoint/2010/main" val="621233375"/>
       </p:ext>
     </p:extLst>
   </p:cSld>
@@ -12091,27 +12042,7 @@
           <a:bodyPr/>
           <a:lstStyle/>
           <a:p>
-            <a:r>
-              <a:rPr lang="en-US" sz="1200" kern="1200" dirty="0" smtClean="0">
-                <a:solidFill>
-                  <a:schemeClr val="tx1"/>
-                </a:solidFill>
-                <a:effectLst/>
-                <a:latin typeface="+mn-lt"/>
-                <a:ea typeface="+mn-ea"/>
-                <a:cs typeface="+mn-cs"/>
-              </a:rPr>
-              <a:t>As an example of how powerful these techniques can be, let’s first revisit that nasty chunk of setup code I showed at the start…</a:t>
-            </a:r>
-            <a:endParaRPr lang="en-US" sz="1200" kern="1200" dirty="0">
-              <a:solidFill>
-                <a:schemeClr val="tx1"/>
-              </a:solidFill>
-              <a:effectLst/>
-              <a:latin typeface="+mn-lt"/>
-              <a:ea typeface="+mn-ea"/>
-              <a:cs typeface="+mn-cs"/>
-            </a:endParaRPr>
+            <a:endParaRPr lang="en-US" dirty="0"/>
           </a:p>
         </p:txBody>
       </p:sp>
@@ -12141,7 +12072,7 @@
     </p:spTree>
     <p:extLst>
       <p:ext uri="{BB962C8B-B14F-4D97-AF65-F5344CB8AC3E}">
-        <p14:creationId xmlns:p14="http://schemas.microsoft.com/office/powerpoint/2010/main" val="621233375"/>
+        <p14:creationId xmlns:p14="http://schemas.microsoft.com/office/powerpoint/2010/main" val="871096793"/>
       </p:ext>
     </p:extLst>
   </p:cSld>
@@ -12195,7 +12126,62 @@
           <a:bodyPr/>
           <a:lstStyle/>
           <a:p>
-            <a:endParaRPr lang="en-US" dirty="0"/>
+            <a:pPr marL="0" marR="0" lvl="0" indent="0" algn="l" defTabSz="914400" rtl="0" eaLnBrk="1" fontAlgn="auto" latinLnBrk="0" hangingPunct="1">
+              <a:lnSpc>
+                <a:spcPct val="100000"/>
+              </a:lnSpc>
+              <a:spcBef>
+                <a:spcPts val="0"/>
+              </a:spcBef>
+              <a:spcAft>
+                <a:spcPts val="0"/>
+              </a:spcAft>
+              <a:buClrTx/>
+              <a:buSzTx/>
+              <a:buFontTx/>
+              <a:buNone/>
+              <a:tabLst/>
+              <a:defRPr/>
+            </a:pPr>
+            <a:r>
+              <a:rPr lang="en-US" sz="1200" kern="1200" dirty="0" smtClean="0">
+                <a:solidFill>
+                  <a:schemeClr val="tx1"/>
+                </a:solidFill>
+                <a:effectLst/>
+                <a:latin typeface="+mn-lt"/>
+                <a:ea typeface="+mn-ea"/>
+                <a:cs typeface="+mn-cs"/>
+              </a:rPr>
+              <a:t>All three </a:t>
+            </a:r>
+            <a:r>
+              <a:rPr lang="en-US" sz="1200" kern="1200" dirty="0" err="1" smtClean="0">
+                <a:solidFill>
+                  <a:schemeClr val="tx1"/>
+                </a:solidFill>
+                <a:effectLst/>
+                <a:latin typeface="+mn-lt"/>
+                <a:ea typeface="+mn-ea"/>
+                <a:cs typeface="+mn-cs"/>
+              </a:rPr>
+              <a:t>screenfulls</a:t>
+            </a:r>
+            <a:r>
+              <a:rPr lang="en-US" sz="1200" kern="1200" dirty="0" smtClean="0">
+                <a:solidFill>
+                  <a:schemeClr val="tx1"/>
+                </a:solidFill>
+                <a:effectLst/>
+                <a:latin typeface="+mn-lt"/>
+                <a:ea typeface="+mn-ea"/>
+                <a:cs typeface="+mn-cs"/>
+              </a:rPr>
+              <a:t> of it.</a:t>
+            </a:r>
+          </a:p>
+          <a:p>
+            <a:endParaRPr lang="en-US" dirty="0" smtClean="0"/>
           </a:p>
         </p:txBody>
       </p:sp>
@@ -12225,7 +12211,7 @@
     </p:spTree>
     <p:extLst>
       <p:ext uri="{BB962C8B-B14F-4D97-AF65-F5344CB8AC3E}">
-        <p14:creationId xmlns:p14="http://schemas.microsoft.com/office/powerpoint/2010/main" val="871096793"/>
+        <p14:creationId xmlns:p14="http://schemas.microsoft.com/office/powerpoint/2010/main" val="2885101328"/>
       </p:ext>
     </p:extLst>
   </p:cSld>
@@ -12279,23 +12265,6 @@
           <a:bodyPr/>
           <a:lstStyle/>
           <a:p>
-            <a:pPr marL="0" marR="0" lvl="0" indent="0" algn="l" defTabSz="914400" rtl="0" eaLnBrk="1" fontAlgn="auto" latinLnBrk="0" hangingPunct="1">
-              <a:lnSpc>
-                <a:spcPct val="100000"/>
-              </a:lnSpc>
-              <a:spcBef>
-                <a:spcPts val="0"/>
-              </a:spcBef>
-              <a:spcAft>
-                <a:spcPts val="0"/>
-              </a:spcAft>
-              <a:buClrTx/>
-              <a:buSzTx/>
-              <a:buFontTx/>
-              <a:buNone/>
-              <a:tabLst/>
-              <a:defRPr/>
-            </a:pPr>
             <a:r>
               <a:rPr lang="en-US" sz="1200" kern="1200" dirty="0" smtClean="0">
                 <a:solidFill>
@@ -12306,10 +12275,12 @@
                 <a:ea typeface="+mn-ea"/>
                 <a:cs typeface="+mn-cs"/>
               </a:rPr>
-              <a:t>All three </a:t>
-            </a:r>
-            <a:r>
-              <a:rPr lang="en-US" sz="1200" kern="1200" dirty="0" err="1" smtClean="0">
+              <a:t>Here’s that same chunk of code, cleaned up and rewritten using Test Helpers. Most of the values and objects being created were irrelevant dependencies that didn’t impact the outcomes. After pushing all of that stuff into helpers, this is all that’s left and it’s way, way more readable.</a:t>
+            </a:r>
+          </a:p>
+          <a:p>
+            <a:r>
+              <a:rPr lang="en-US" sz="1200" kern="1200" dirty="0" smtClean="0">
                 <a:solidFill>
                   <a:schemeClr val="tx1"/>
                 </a:solidFill>
@@ -12318,23 +12289,17 @@
                 <a:ea typeface="+mn-ea"/>
                 <a:cs typeface="+mn-cs"/>
               </a:rPr>
-              <a:t>screenfulls</a:t>
-            </a:r>
-            <a:r>
-              <a:rPr lang="en-US" sz="1200" kern="1200" dirty="0" smtClean="0">
-                <a:solidFill>
-                  <a:schemeClr val="tx1"/>
-                </a:solidFill>
-                <a:effectLst/>
-                <a:latin typeface="+mn-lt"/>
-                <a:ea typeface="+mn-ea"/>
-                <a:cs typeface="+mn-cs"/>
-              </a:rPr>
-              <a:t> of it.</a:t>
-            </a:r>
-          </a:p>
-          <a:p>
-            <a:endParaRPr lang="en-US" dirty="0" smtClean="0"/>
+              <a:t>I’ve said it before and I’ll say it again; the single most important thing you can do is build a good helper library and stop creating data by hand.</a:t>
+            </a:r>
+            <a:endParaRPr lang="en-US" sz="1200" kern="1200" dirty="0">
+              <a:solidFill>
+                <a:schemeClr val="tx1"/>
+              </a:solidFill>
+              <a:effectLst/>
+              <a:latin typeface="+mn-lt"/>
+              <a:ea typeface="+mn-ea"/>
+              <a:cs typeface="+mn-cs"/>
+            </a:endParaRPr>
           </a:p>
         </p:txBody>
       </p:sp>
@@ -12364,7 +12329,7 @@
     </p:spTree>
     <p:extLst>
       <p:ext uri="{BB962C8B-B14F-4D97-AF65-F5344CB8AC3E}">
-        <p14:creationId xmlns:p14="http://schemas.microsoft.com/office/powerpoint/2010/main" val="2885101328"/>
+        <p14:creationId xmlns:p14="http://schemas.microsoft.com/office/powerpoint/2010/main" val="2408674174"/>
       </p:ext>
     </p:extLst>
   </p:cSld>
@@ -12428,7 +12393,7 @@
                 <a:ea typeface="+mn-ea"/>
                 <a:cs typeface="+mn-cs"/>
               </a:rPr>
-              <a:t>Here’s that same chunk of code, cleaned up and rewritten using Test Helpers. Most of the values and objects being created were irrelevant dependencies that didn’t impact the outcomes. After pushing all of that stuff into helpers, this is all that’s left and it’s way, way more readable.</a:t>
+              <a:t>To wrap up, I have some quick suggestions for how to get started with these patterns in your own code.</a:t>
             </a:r>
           </a:p>
           <a:p>
@@ -12442,9 +12407,111 @@
                 <a:ea typeface="+mn-ea"/>
                 <a:cs typeface="+mn-cs"/>
               </a:rPr>
-              <a:t>I’ve said it before and I’ll say it again; the single most important thing you can do is build a good helper library and stop creating data by hand.</a:t>
-            </a:r>
-            <a:endParaRPr lang="en-US" sz="1200" kern="1200" dirty="0">
+              <a:t>First, start by creating helpers for your simple objects first, the ones that don’t have lots of dependencies or child data. Then move up to more complex objects, delegating to the simple helpers as needed. If you try and start with that huge, massive, ancient beast that lives at the heart of your legacy system, it’s </a:t>
+            </a:r>
+            <a:r>
+              <a:rPr lang="en-US" sz="1200" kern="1200" dirty="0" err="1" smtClean="0">
+                <a:solidFill>
+                  <a:schemeClr val="tx1"/>
+                </a:solidFill>
+                <a:effectLst/>
+                <a:latin typeface="+mn-lt"/>
+                <a:ea typeface="+mn-ea"/>
+                <a:cs typeface="+mn-cs"/>
+              </a:rPr>
+              <a:t>gonna</a:t>
+            </a:r>
+            <a:r>
+              <a:rPr lang="en-US" sz="1200" kern="1200" dirty="0" smtClean="0">
+                <a:solidFill>
+                  <a:schemeClr val="tx1"/>
+                </a:solidFill>
+                <a:effectLst/>
+                <a:latin typeface="+mn-lt"/>
+                <a:ea typeface="+mn-ea"/>
+                <a:cs typeface="+mn-cs"/>
+              </a:rPr>
+              <a:t> hurt.</a:t>
+            </a:r>
+          </a:p>
+          <a:p>
+            <a:r>
+              <a:rPr lang="en-US" sz="1200" kern="1200" dirty="0" smtClean="0">
+                <a:solidFill>
+                  <a:schemeClr val="tx1"/>
+                </a:solidFill>
+                <a:effectLst/>
+                <a:latin typeface="+mn-lt"/>
+                <a:ea typeface="+mn-ea"/>
+                <a:cs typeface="+mn-cs"/>
+              </a:rPr>
+              <a:t>Second, continually refactor your helpers as needed. Remember that test code </a:t>
+            </a:r>
+            <a:r>
+              <a:rPr lang="en-US" sz="1200" i="1" kern="1200" dirty="0" smtClean="0">
+                <a:solidFill>
+                  <a:schemeClr val="tx1"/>
+                </a:solidFill>
+                <a:effectLst/>
+                <a:latin typeface="+mn-lt"/>
+                <a:ea typeface="+mn-ea"/>
+                <a:cs typeface="+mn-cs"/>
+              </a:rPr>
+              <a:t>is </a:t>
+            </a:r>
+            <a:r>
+              <a:rPr lang="en-US" sz="1200" kern="1200" dirty="0" smtClean="0">
+                <a:solidFill>
+                  <a:schemeClr val="tx1"/>
+                </a:solidFill>
+                <a:effectLst/>
+                <a:latin typeface="+mn-lt"/>
+                <a:ea typeface="+mn-ea"/>
+                <a:cs typeface="+mn-cs"/>
+              </a:rPr>
+              <a:t>“real code”; keep it clean and tidy just like you would anything else.</a:t>
+            </a:r>
+          </a:p>
+          <a:p>
+            <a:r>
+              <a:rPr lang="en-US" sz="1200" kern="1200" dirty="0" smtClean="0">
+                <a:solidFill>
+                  <a:schemeClr val="tx1"/>
+                </a:solidFill>
+                <a:effectLst/>
+                <a:latin typeface="+mn-lt"/>
+                <a:ea typeface="+mn-ea"/>
+                <a:cs typeface="+mn-cs"/>
+              </a:rPr>
+              <a:t>Lastly, the sooner you start implementing these patterns, the sooner you’ll notice the payoff. There </a:t>
+            </a:r>
+            <a:r>
+              <a:rPr lang="en-US" sz="1200" i="1" kern="1200" dirty="0" smtClean="0">
+                <a:solidFill>
+                  <a:schemeClr val="tx1"/>
+                </a:solidFill>
+                <a:effectLst/>
+                <a:latin typeface="+mn-lt"/>
+                <a:ea typeface="+mn-ea"/>
+                <a:cs typeface="+mn-cs"/>
+              </a:rPr>
+              <a:t>is </a:t>
+            </a:r>
+            <a:r>
+              <a:rPr lang="en-US" sz="1200" kern="1200" dirty="0" smtClean="0">
+                <a:solidFill>
+                  <a:schemeClr val="tx1"/>
+                </a:solidFill>
+                <a:effectLst/>
+                <a:latin typeface="+mn-lt"/>
+                <a:ea typeface="+mn-ea"/>
+                <a:cs typeface="+mn-cs"/>
+              </a:rPr>
+              <a:t>an investment to add these to a legacy system, but the promised land of clean, simple unit AND integration tests is totally worth it.</a:t>
+            </a:r>
+          </a:p>
+          <a:p>
+            <a:endParaRPr lang="en-US" sz="1200" kern="1200" dirty="0" smtClean="0">
               <a:solidFill>
                 <a:schemeClr val="tx1"/>
               </a:solidFill>
@@ -12482,7 +12549,7 @@
     </p:spTree>
     <p:extLst>
       <p:ext uri="{BB962C8B-B14F-4D97-AF65-F5344CB8AC3E}">
-        <p14:creationId xmlns:p14="http://schemas.microsoft.com/office/powerpoint/2010/main" val="2408674174"/>
+        <p14:creationId xmlns:p14="http://schemas.microsoft.com/office/powerpoint/2010/main" val="4116676846"/>
       </p:ext>
     </p:extLst>
   </p:cSld>
@@ -12546,10 +12613,20 @@
                 <a:ea typeface="+mn-ea"/>
                 <a:cs typeface="+mn-cs"/>
               </a:rPr>
-              <a:t>To wrap up, I have some quick suggestions for how to get started with these patterns in your own code.</a:t>
-            </a:r>
-          </a:p>
-          <a:p>
+              <a:t>And that brings us to the end of this session. Here are the 4 keys to effective test setup as well as links to these slides on </a:t>
+            </a:r>
+            <a:r>
+              <a:rPr lang="en-US" sz="1200" kern="1200" dirty="0" err="1" smtClean="0">
+                <a:solidFill>
+                  <a:schemeClr val="tx1"/>
+                </a:solidFill>
+                <a:effectLst/>
+                <a:latin typeface="+mn-lt"/>
+                <a:ea typeface="+mn-ea"/>
+                <a:cs typeface="+mn-cs"/>
+              </a:rPr>
+              <a:t>Github</a:t>
+            </a:r>
             <a:r>
               <a:rPr lang="en-US" sz="1200" kern="1200" dirty="0" smtClean="0">
                 <a:solidFill>
@@ -12560,10 +12637,12 @@
                 <a:ea typeface="+mn-ea"/>
                 <a:cs typeface="+mn-cs"/>
               </a:rPr>
-              <a:t>First, start by creating helpers for your simple objects first, the ones that don’t have lots of dependencies or child data. Then move up to more complex objects, delegating to the simple helpers as needed. If you try and start with that huge, massive, ancient beast that lives at the heart of your legacy system, it’s </a:t>
-            </a:r>
-            <a:r>
-              <a:rPr lang="en-US" sz="1200" kern="1200" dirty="0" err="1" smtClean="0">
+              <a:t>, my website, and my twitter account. If you have any questions or comments I think we have a few minutes right now, or please feel free to seek me out online. </a:t>
+            </a:r>
+          </a:p>
+          <a:p>
+            <a:r>
+              <a:rPr lang="en-US" sz="1200" kern="1200" dirty="0" smtClean="0">
                 <a:solidFill>
                   <a:schemeClr val="tx1"/>
                 </a:solidFill>
@@ -12572,95 +12651,7 @@
                 <a:ea typeface="+mn-ea"/>
                 <a:cs typeface="+mn-cs"/>
               </a:rPr>
-              <a:t>gonna</a:t>
-            </a:r>
-            <a:r>
-              <a:rPr lang="en-US" sz="1200" kern="1200" dirty="0" smtClean="0">
-                <a:solidFill>
-                  <a:schemeClr val="tx1"/>
-                </a:solidFill>
-                <a:effectLst/>
-                <a:latin typeface="+mn-lt"/>
-                <a:ea typeface="+mn-ea"/>
-                <a:cs typeface="+mn-cs"/>
-              </a:rPr>
-              <a:t> hurt.</a:t>
-            </a:r>
-          </a:p>
-          <a:p>
-            <a:r>
-              <a:rPr lang="en-US" sz="1200" kern="1200" dirty="0" smtClean="0">
-                <a:solidFill>
-                  <a:schemeClr val="tx1"/>
-                </a:solidFill>
-                <a:effectLst/>
-                <a:latin typeface="+mn-lt"/>
-                <a:ea typeface="+mn-ea"/>
-                <a:cs typeface="+mn-cs"/>
-              </a:rPr>
-              <a:t>Second, continually refactor your helpers as needed. Remember that test code </a:t>
-            </a:r>
-            <a:r>
-              <a:rPr lang="en-US" sz="1200" i="1" kern="1200" dirty="0" smtClean="0">
-                <a:solidFill>
-                  <a:schemeClr val="tx1"/>
-                </a:solidFill>
-                <a:effectLst/>
-                <a:latin typeface="+mn-lt"/>
-                <a:ea typeface="+mn-ea"/>
-                <a:cs typeface="+mn-cs"/>
-              </a:rPr>
-              <a:t>is </a:t>
-            </a:r>
-            <a:r>
-              <a:rPr lang="en-US" sz="1200" kern="1200" dirty="0" smtClean="0">
-                <a:solidFill>
-                  <a:schemeClr val="tx1"/>
-                </a:solidFill>
-                <a:effectLst/>
-                <a:latin typeface="+mn-lt"/>
-                <a:ea typeface="+mn-ea"/>
-                <a:cs typeface="+mn-cs"/>
-              </a:rPr>
-              <a:t>“real code”; keep it clean and tidy just like you would anything else.</a:t>
-            </a:r>
-          </a:p>
-          <a:p>
-            <a:r>
-              <a:rPr lang="en-US" sz="1200" kern="1200" dirty="0" smtClean="0">
-                <a:solidFill>
-                  <a:schemeClr val="tx1"/>
-                </a:solidFill>
-                <a:effectLst/>
-                <a:latin typeface="+mn-lt"/>
-                <a:ea typeface="+mn-ea"/>
-                <a:cs typeface="+mn-cs"/>
-              </a:rPr>
-              <a:t>Lastly, the sooner you start implementing these patterns, the sooner you’ll notice the payoff. There </a:t>
-            </a:r>
-            <a:r>
-              <a:rPr lang="en-US" sz="1200" i="1" kern="1200" dirty="0" smtClean="0">
-                <a:solidFill>
-                  <a:schemeClr val="tx1"/>
-                </a:solidFill>
-                <a:effectLst/>
-                <a:latin typeface="+mn-lt"/>
-                <a:ea typeface="+mn-ea"/>
-                <a:cs typeface="+mn-cs"/>
-              </a:rPr>
-              <a:t>is </a:t>
-            </a:r>
-            <a:r>
-              <a:rPr lang="en-US" sz="1200" kern="1200" dirty="0" smtClean="0">
-                <a:solidFill>
-                  <a:schemeClr val="tx1"/>
-                </a:solidFill>
-                <a:effectLst/>
-                <a:latin typeface="+mn-lt"/>
-                <a:ea typeface="+mn-ea"/>
-                <a:cs typeface="+mn-cs"/>
-              </a:rPr>
-              <a:t>an investment to add these to a legacy system, but the promised land of clean, simple unit AND integration tests is totally worth it.</a:t>
+              <a:t>THANK YOU!</a:t>
             </a:r>
           </a:p>
           <a:p>
@@ -12694,150 +12685,6 @@
             <a:fld id="{89029652-62E7-43D6-83B5-097D7B7AA5D8}" type="slidenum">
               <a:rPr lang="en-US" smtClean="0"/>
               <a:t>87</a:t>
-            </a:fld>
-            <a:endParaRPr lang="en-US"/>
-          </a:p>
-        </p:txBody>
-      </p:sp>
-    </p:spTree>
-    <p:extLst>
-      <p:ext uri="{BB962C8B-B14F-4D97-AF65-F5344CB8AC3E}">
-        <p14:creationId xmlns:p14="http://schemas.microsoft.com/office/powerpoint/2010/main" val="4116676846"/>
-      </p:ext>
-    </p:extLst>
-  </p:cSld>
-  <p:clrMapOvr>
-    <a:masterClrMapping/>
-  </p:clrMapOvr>
-</p:notes>
-</file>
-
-<file path=ppt/notesSlides/notesSlide88.xml><?xml version="1.0" encoding="utf-8"?>
-<p:notes xmlns:a="http://schemas.openxmlformats.org/drawingml/2006/main" xmlns:r="http://schemas.openxmlformats.org/officeDocument/2006/relationships" xmlns:p="http://schemas.openxmlformats.org/presentationml/2006/main">
-  <p:cSld>
-    <p:spTree>
-      <p:nvGrpSpPr>
-        <p:cNvPr id="1" name=""/>
-        <p:cNvGrpSpPr/>
-        <p:nvPr/>
-      </p:nvGrpSpPr>
-      <p:grpSpPr>
-        <a:xfrm>
-          <a:off x="0" y="0"/>
-          <a:ext cx="0" cy="0"/>
-          <a:chOff x="0" y="0"/>
-          <a:chExt cx="0" cy="0"/>
-        </a:xfrm>
-      </p:grpSpPr>
-      <p:sp>
-        <p:nvSpPr>
-          <p:cNvPr id="2" name="Slide Image Placeholder 1"/>
-          <p:cNvSpPr>
-            <a:spLocks noGrp="1" noRot="1" noChangeAspect="1"/>
-          </p:cNvSpPr>
-          <p:nvPr>
-            <p:ph type="sldImg"/>
-          </p:nvPr>
-        </p:nvSpPr>
-        <p:spPr/>
-      </p:sp>
-      <p:sp>
-        <p:nvSpPr>
-          <p:cNvPr id="3" name="Notes Placeholder 2"/>
-          <p:cNvSpPr>
-            <a:spLocks noGrp="1"/>
-          </p:cNvSpPr>
-          <p:nvPr>
-            <p:ph type="body" idx="1"/>
-          </p:nvPr>
-        </p:nvSpPr>
-        <p:spPr/>
-        <p:txBody>
-          <a:bodyPr/>
-          <a:lstStyle/>
-          <a:p>
-            <a:r>
-              <a:rPr lang="en-US" sz="1200" kern="1200" dirty="0" smtClean="0">
-                <a:solidFill>
-                  <a:schemeClr val="tx1"/>
-                </a:solidFill>
-                <a:effectLst/>
-                <a:latin typeface="+mn-lt"/>
-                <a:ea typeface="+mn-ea"/>
-                <a:cs typeface="+mn-cs"/>
-              </a:rPr>
-              <a:t>And that brings us to the end of this session. Here are the 4 keys to effective test setup as well as links to these slides on </a:t>
-            </a:r>
-            <a:r>
-              <a:rPr lang="en-US" sz="1200" kern="1200" dirty="0" err="1" smtClean="0">
-                <a:solidFill>
-                  <a:schemeClr val="tx1"/>
-                </a:solidFill>
-                <a:effectLst/>
-                <a:latin typeface="+mn-lt"/>
-                <a:ea typeface="+mn-ea"/>
-                <a:cs typeface="+mn-cs"/>
-              </a:rPr>
-              <a:t>Github</a:t>
-            </a:r>
-            <a:r>
-              <a:rPr lang="en-US" sz="1200" kern="1200" dirty="0" smtClean="0">
-                <a:solidFill>
-                  <a:schemeClr val="tx1"/>
-                </a:solidFill>
-                <a:effectLst/>
-                <a:latin typeface="+mn-lt"/>
-                <a:ea typeface="+mn-ea"/>
-                <a:cs typeface="+mn-cs"/>
-              </a:rPr>
-              <a:t>, my website, and my twitter account. If you have any questions or comments I think we have a few minutes right now, or please feel free to seek me out online. </a:t>
-            </a:r>
-          </a:p>
-          <a:p>
-            <a:r>
-              <a:rPr lang="en-US" sz="1200" kern="1200" dirty="0" smtClean="0">
-                <a:solidFill>
-                  <a:schemeClr val="tx1"/>
-                </a:solidFill>
-                <a:effectLst/>
-                <a:latin typeface="+mn-lt"/>
-                <a:ea typeface="+mn-ea"/>
-                <a:cs typeface="+mn-cs"/>
-              </a:rPr>
-              <a:t>THANK YOU!</a:t>
-            </a:r>
-          </a:p>
-          <a:p>
-            <a:endParaRPr lang="en-US" sz="1200" kern="1200" dirty="0" smtClean="0">
-              <a:solidFill>
-                <a:schemeClr val="tx1"/>
-              </a:solidFill>
-              <a:effectLst/>
-              <a:latin typeface="+mn-lt"/>
-              <a:ea typeface="+mn-ea"/>
-              <a:cs typeface="+mn-cs"/>
-            </a:endParaRPr>
-          </a:p>
-        </p:txBody>
-      </p:sp>
-      <p:sp>
-        <p:nvSpPr>
-          <p:cNvPr id="4" name="Slide Number Placeholder 3"/>
-          <p:cNvSpPr>
-            <a:spLocks noGrp="1"/>
-          </p:cNvSpPr>
-          <p:nvPr>
-            <p:ph type="sldNum" sz="quarter" idx="10"/>
-          </p:nvPr>
-        </p:nvSpPr>
-        <p:spPr/>
-        <p:txBody>
-          <a:bodyPr/>
-          <a:lstStyle/>
-          <a:p>
-            <a:fld id="{89029652-62E7-43D6-83B5-097D7B7AA5D8}" type="slidenum">
-              <a:rPr lang="en-US" smtClean="0"/>
-              <a:t>88</a:t>
             </a:fld>
             <a:endParaRPr lang="en-US"/>
           </a:p>
@@ -13079,7 +12926,7 @@
           <a:p>
             <a:fld id="{75AA6396-395E-4ADA-8EE5-F328BC863A04}" type="datetimeFigureOut">
               <a:rPr lang="en-US" smtClean="0"/>
-              <a:t>11/25/2016</a:t>
+              <a:t>11/26/2016</a:t>
             </a:fld>
             <a:endParaRPr lang="en-US"/>
           </a:p>
@@ -13256,7 +13103,7 @@
           <a:p>
             <a:fld id="{75AA6396-395E-4ADA-8EE5-F328BC863A04}" type="datetimeFigureOut">
               <a:rPr lang="en-US" smtClean="0"/>
-              <a:t>11/25/2016</a:t>
+              <a:t>11/26/2016</a:t>
             </a:fld>
             <a:endParaRPr lang="en-US"/>
           </a:p>
@@ -13436,7 +13283,7 @@
           <a:p>
             <a:fld id="{75AA6396-395E-4ADA-8EE5-F328BC863A04}" type="datetimeFigureOut">
               <a:rPr lang="en-US" smtClean="0"/>
-              <a:t>11/25/2016</a:t>
+              <a:t>11/26/2016</a:t>
             </a:fld>
             <a:endParaRPr lang="en-US"/>
           </a:p>
@@ -13656,7 +13503,7 @@
           <a:p>
             <a:fld id="{75AA6396-395E-4ADA-8EE5-F328BC863A04}" type="datetimeFigureOut">
               <a:rPr lang="en-US" smtClean="0"/>
-              <a:t>11/25/2016</a:t>
+              <a:t>11/26/2016</a:t>
             </a:fld>
             <a:endParaRPr lang="en-US"/>
           </a:p>
@@ -13909,7 +13756,7 @@
           <a:p>
             <a:fld id="{75AA6396-395E-4ADA-8EE5-F328BC863A04}" type="datetimeFigureOut">
               <a:rPr lang="en-US" smtClean="0"/>
-              <a:t>11/25/2016</a:t>
+              <a:t>11/26/2016</a:t>
             </a:fld>
             <a:endParaRPr lang="en-US"/>
           </a:p>
@@ -14148,7 +13995,7 @@
           <a:p>
             <a:fld id="{75AA6396-395E-4ADA-8EE5-F328BC863A04}" type="datetimeFigureOut">
               <a:rPr lang="en-US" smtClean="0"/>
-              <a:t>11/25/2016</a:t>
+              <a:t>11/26/2016</a:t>
             </a:fld>
             <a:endParaRPr lang="en-US"/>
           </a:p>
@@ -14522,7 +14369,7 @@
           <a:p>
             <a:fld id="{75AA6396-395E-4ADA-8EE5-F328BC863A04}" type="datetimeFigureOut">
               <a:rPr lang="en-US" smtClean="0"/>
-              <a:t>11/25/2016</a:t>
+              <a:t>11/26/2016</a:t>
             </a:fld>
             <a:endParaRPr lang="en-US"/>
           </a:p>
@@ -14640,7 +14487,7 @@
           <a:p>
             <a:fld id="{75AA6396-395E-4ADA-8EE5-F328BC863A04}" type="datetimeFigureOut">
               <a:rPr lang="en-US" smtClean="0"/>
-              <a:t>11/25/2016</a:t>
+              <a:t>11/26/2016</a:t>
             </a:fld>
             <a:endParaRPr lang="en-US"/>
           </a:p>
@@ -14735,7 +14582,7 @@
           <a:p>
             <a:fld id="{75AA6396-395E-4ADA-8EE5-F328BC863A04}" type="datetimeFigureOut">
               <a:rPr lang="en-US" smtClean="0"/>
-              <a:t>11/25/2016</a:t>
+              <a:t>11/26/2016</a:t>
             </a:fld>
             <a:endParaRPr lang="en-US"/>
           </a:p>
@@ -15012,7 +14859,7 @@
           <a:p>
             <a:fld id="{75AA6396-395E-4ADA-8EE5-F328BC863A04}" type="datetimeFigureOut">
               <a:rPr lang="en-US" smtClean="0"/>
-              <a:t>11/25/2016</a:t>
+              <a:t>11/26/2016</a:t>
             </a:fld>
             <a:endParaRPr lang="en-US"/>
           </a:p>
@@ -15265,7 +15112,7 @@
           <a:p>
             <a:fld id="{75AA6396-395E-4ADA-8EE5-F328BC863A04}" type="datetimeFigureOut">
               <a:rPr lang="en-US" smtClean="0"/>
-              <a:t>11/25/2016</a:t>
+              <a:t>11/26/2016</a:t>
             </a:fld>
             <a:endParaRPr lang="en-US"/>
           </a:p>
@@ -15478,7 +15325,7 @@
           <a:p>
             <a:fld id="{75AA6396-395E-4ADA-8EE5-F328BC863A04}" type="datetimeFigureOut">
               <a:rPr lang="en-US" smtClean="0"/>
-              <a:t>11/25/2016</a:t>
+              <a:t>11/26/2016</a:t>
             </a:fld>
             <a:endParaRPr lang="en-US"/>
           </a:p>
@@ -22954,7 +22801,6 @@
               <a:rPr lang="en-US" sz="4000" dirty="0" smtClean="0"/>
               <a:t>&gt;"</a:t>
             </a:r>
-            <a:endParaRPr lang="en-US" sz="4000" dirty="0" smtClean="0"/>
           </a:p>
           <a:p>
             <a:endParaRPr lang="en-US" dirty="0"/>
@@ -23081,7 +22927,6 @@
               <a:rPr lang="en-US" sz="4000" dirty="0" smtClean="0"/>
               <a:t>&gt;"</a:t>
             </a:r>
-            <a:endParaRPr lang="en-US" sz="4000" dirty="0" smtClean="0"/>
           </a:p>
           <a:p>
             <a:endParaRPr lang="en-US" dirty="0" smtClean="0"/>
@@ -25871,7 +25716,7 @@
       </p:sp>
       <p:pic>
         <p:nvPicPr>
-          <p:cNvPr id="4" name="Picture 3"/>
+          <p:cNvPr id="5" name="Picture 4"/>
           <p:cNvPicPr>
             <a:picLocks noChangeAspect="1"/>
           </p:cNvPicPr>
@@ -25885,8 +25730,8 @@
         </p:blipFill>
         <p:spPr>
           <a:xfrm>
-            <a:off x="838199" y="2579430"/>
-            <a:ext cx="7852011" cy="4278569"/>
+            <a:off x="838199" y="2623438"/>
+            <a:ext cx="9415392" cy="4234561"/>
           </a:xfrm>
           <a:prstGeom prst="rect">
             <a:avLst/>
@@ -26004,19 +25849,6 @@
             <a:pPr marL="0" indent="0">
               <a:buNone/>
             </a:pPr>
-            <a:r>
-              <a:rPr lang="en-US" sz="3600" dirty="0" smtClean="0">
-                <a:solidFill>
-                  <a:srgbClr val="FF0000"/>
-                </a:solidFill>
-              </a:rPr>
-              <a:t>TODO: Show the split payment example without a helper</a:t>
-            </a:r>
-          </a:p>
-          <a:p>
-            <a:pPr marL="0" indent="0">
-              <a:buNone/>
-            </a:pPr>
             <a:endParaRPr lang="en-US" dirty="0"/>
           </a:p>
           <a:p>
@@ -26025,6 +25857,30 @@
           </a:p>
         </p:txBody>
       </p:sp>
+      <p:pic>
+        <p:nvPicPr>
+          <p:cNvPr id="6" name="Picture 5"/>
+          <p:cNvPicPr>
+            <a:picLocks noChangeAspect="1"/>
+          </p:cNvPicPr>
+          <p:nvPr/>
+        </p:nvPicPr>
+        <p:blipFill>
+          <a:blip r:embed="rId3"/>
+          <a:stretch>
+            <a:fillRect/>
+          </a:stretch>
+        </p:blipFill>
+        <p:spPr>
+          <a:xfrm>
+            <a:off x="838199" y="2607313"/>
+            <a:ext cx="7039819" cy="4250687"/>
+          </a:xfrm>
+          <a:prstGeom prst="rect">
+            <a:avLst/>
+          </a:prstGeom>
+        </p:spPr>
+      </p:pic>
     </p:spTree>
     <p:extLst>
       <p:ext uri="{BB962C8B-B14F-4D97-AF65-F5344CB8AC3E}">
@@ -26152,7 +26008,7 @@
       </p:sp>
       <p:pic>
         <p:nvPicPr>
-          <p:cNvPr id="4" name="Picture 3"/>
+          <p:cNvPr id="5" name="Picture 4"/>
           <p:cNvPicPr>
             <a:picLocks noChangeAspect="1"/>
           </p:cNvPicPr>
@@ -26166,8 +26022,32 @@
         </p:blipFill>
         <p:spPr>
           <a:xfrm>
-            <a:off x="838199" y="3414200"/>
-            <a:ext cx="11226284" cy="2131193"/>
+            <a:off x="838199" y="3128223"/>
+            <a:ext cx="9798669" cy="3343707"/>
+          </a:xfrm>
+          <a:prstGeom prst="rect">
+            <a:avLst/>
+          </a:prstGeom>
+        </p:spPr>
+      </p:pic>
+      <p:pic>
+        <p:nvPicPr>
+          <p:cNvPr id="6" name="Picture 5"/>
+          <p:cNvPicPr>
+            <a:picLocks noChangeAspect="1"/>
+          </p:cNvPicPr>
+          <p:nvPr/>
+        </p:nvPicPr>
+        <p:blipFill>
+          <a:blip r:embed="rId4"/>
+          <a:stretch>
+            <a:fillRect/>
+          </a:stretch>
+        </p:blipFill>
+        <p:spPr>
+          <a:xfrm>
+            <a:off x="6469933" y="4913210"/>
+            <a:ext cx="933450" cy="276225"/>
           </a:xfrm>
           <a:prstGeom prst="rect">
             <a:avLst/>
@@ -26305,47 +26185,50 @@
         </p:nvSpPr>
         <p:spPr>
           <a:xfrm>
-            <a:off x="838200" y="365125"/>
-            <a:ext cx="10827774" cy="1325563"/>
+            <a:off x="838199" y="365125"/>
+            <a:ext cx="10857271" cy="1325563"/>
           </a:xfrm>
         </p:spPr>
+        <p:txBody>
+          <a:bodyPr>
+            <a:noAutofit/>
+          </a:bodyPr>
+          <a:lstStyle/>
+          <a:p>
+            <a:r>
+              <a:rPr lang="en-US" sz="4800" dirty="0"/>
+              <a:t>Key #3: Use Scenarios to reuse setup logic</a:t>
+            </a:r>
+          </a:p>
+        </p:txBody>
+      </p:sp>
+      <p:sp>
+        <p:nvSpPr>
+          <p:cNvPr id="3" name="Content Placeholder 2"/>
+          <p:cNvSpPr>
+            <a:spLocks noGrp="1"/>
+          </p:cNvSpPr>
+          <p:nvPr>
+            <p:ph idx="1"/>
+          </p:nvPr>
+        </p:nvSpPr>
+        <p:spPr/>
         <p:txBody>
           <a:bodyPr>
             <a:normAutofit/>
           </a:bodyPr>
           <a:lstStyle/>
           <a:p>
-            <a:r>
-              <a:rPr lang="en-US" sz="4800" dirty="0" smtClean="0"/>
-              <a:t>Key #3: Use Scenarios to reuse setup logic</a:t>
-            </a:r>
-            <a:endParaRPr lang="en-US" sz="4800" dirty="0"/>
-          </a:p>
-        </p:txBody>
-      </p:sp>
-      <p:sp>
-        <p:nvSpPr>
-          <p:cNvPr id="3" name="Content Placeholder 2"/>
-          <p:cNvSpPr>
-            <a:spLocks noGrp="1"/>
-          </p:cNvSpPr>
-          <p:nvPr>
-            <p:ph idx="1"/>
-          </p:nvPr>
-        </p:nvSpPr>
-        <p:spPr/>
-        <p:txBody>
-          <a:bodyPr>
-            <a:normAutofit/>
-          </a:bodyPr>
-          <a:lstStyle/>
-          <a:p>
             <a:pPr marL="0" indent="0">
               <a:buNone/>
             </a:pPr>
             <a:r>
+              <a:rPr lang="en-US" sz="4000" dirty="0"/>
+              <a:t>Extract complex setup into reusable </a:t>
+            </a:r>
+            <a:r>
               <a:rPr lang="en-US" sz="4000" dirty="0" smtClean="0"/>
-              <a:t>Extract complex setup into reusable pieces</a:t>
+              <a:t>pieces</a:t>
             </a:r>
           </a:p>
           <a:p>
@@ -26355,28 +26238,39 @@
             <a:endParaRPr lang="en-US" dirty="0"/>
           </a:p>
           <a:p>
-            <a:pPr marL="0" indent="0">
-              <a:buNone/>
-            </a:pPr>
-            <a:r>
-              <a:rPr lang="en-US" dirty="0" smtClean="0">
-                <a:solidFill>
-                  <a:srgbClr val="FF0000"/>
-                </a:solidFill>
-              </a:rPr>
-              <a:t>TODO: Example of the setup code a scenario can replace</a:t>
-            </a:r>
-          </a:p>
-          <a:p>
             <a:pPr lvl="1"/>
             <a:endParaRPr lang="en-US" dirty="0"/>
           </a:p>
         </p:txBody>
       </p:sp>
+      <p:pic>
+        <p:nvPicPr>
+          <p:cNvPr id="4" name="Picture 3"/>
+          <p:cNvPicPr>
+            <a:picLocks noChangeAspect="1"/>
+          </p:cNvPicPr>
+          <p:nvPr/>
+        </p:nvPicPr>
+        <p:blipFill>
+          <a:blip r:embed="rId3"/>
+          <a:stretch>
+            <a:fillRect/>
+          </a:stretch>
+        </p:blipFill>
+        <p:spPr>
+          <a:xfrm>
+            <a:off x="838199" y="2846285"/>
+            <a:ext cx="8793206" cy="4011715"/>
+          </a:xfrm>
+          <a:prstGeom prst="rect">
+            <a:avLst/>
+          </a:prstGeom>
+        </p:spPr>
+      </p:pic>
     </p:spTree>
     <p:extLst>
       <p:ext uri="{BB962C8B-B14F-4D97-AF65-F5344CB8AC3E}">
-        <p14:creationId xmlns:p14="http://schemas.microsoft.com/office/powerpoint/2010/main" val="3255767515"/>
+        <p14:creationId xmlns:p14="http://schemas.microsoft.com/office/powerpoint/2010/main" val="361621071"/>
       </p:ext>
     </p:extLst>
   </p:cSld>
@@ -26472,19 +26366,25 @@
             <a:pPr marL="0" indent="0">
               <a:buNone/>
             </a:pPr>
-            <a:endParaRPr lang="en-US" dirty="0"/>
+            <a:endParaRPr lang="en-US" sz="3200" dirty="0"/>
           </a:p>
           <a:p>
             <a:pPr marL="0" indent="0">
               <a:buNone/>
             </a:pPr>
+            <a:endParaRPr lang="en-US" dirty="0"/>
+          </a:p>
+          <a:p>
+            <a:pPr marL="0" indent="0">
+              <a:buNone/>
+            </a:pPr>
             <a:r>
               <a:rPr lang="en-US" dirty="0" smtClean="0">
                 <a:solidFill>
                   <a:srgbClr val="FF0000"/>
                 </a:solidFill>
               </a:rPr>
-              <a:t>TODO: Example of the cleaned up setup code using the scenario</a:t>
+              <a:t>TODO: Example of a scenario object</a:t>
             </a:r>
           </a:p>
           <a:p>
@@ -26496,7 +26396,7 @@
     </p:spTree>
     <p:extLst>
       <p:ext uri="{BB962C8B-B14F-4D97-AF65-F5344CB8AC3E}">
-        <p14:creationId xmlns:p14="http://schemas.microsoft.com/office/powerpoint/2010/main" val="361621071"/>
+        <p14:creationId xmlns:p14="http://schemas.microsoft.com/office/powerpoint/2010/main" val="4042677520"/>
       </p:ext>
     </p:extLst>
   </p:cSld>
@@ -26671,7 +26571,7 @@
                   <a:srgbClr val="FF0000"/>
                 </a:solidFill>
               </a:rPr>
-              <a:t>TODO: Example of a scenario object</a:t>
+              <a:t>TODO: Another example of a scenario object</a:t>
             </a:r>
           </a:p>
           <a:p>
@@ -26683,7 +26583,7 @@
     </p:spTree>
     <p:extLst>
       <p:ext uri="{BB962C8B-B14F-4D97-AF65-F5344CB8AC3E}">
-        <p14:creationId xmlns:p14="http://schemas.microsoft.com/office/powerpoint/2010/main" val="4042677520"/>
+        <p14:creationId xmlns:p14="http://schemas.microsoft.com/office/powerpoint/2010/main" val="2634807390"/>
       </p:ext>
     </p:extLst>
   </p:cSld>
@@ -26740,9 +26640,10 @@
           <a:lstStyle/>
           <a:p>
             <a:r>
-              <a:rPr lang="en-US" sz="4800" dirty="0"/>
+              <a:rPr lang="en-US" sz="4800" dirty="0" smtClean="0"/>
               <a:t>Key #3: Use Scenarios to reuse setup logic</a:t>
             </a:r>
+            <a:endParaRPr lang="en-US" sz="4800" dirty="0"/>
           </a:p>
         </p:txBody>
       </p:sp>
@@ -26756,7 +26657,12 @@
             <p:ph idx="1"/>
           </p:nvPr>
         </p:nvSpPr>
-        <p:spPr/>
+        <p:spPr>
+          <a:xfrm>
+            <a:off x="838199" y="1825625"/>
+            <a:ext cx="10621297" cy="4351338"/>
+          </a:xfrm>
+        </p:spPr>
         <p:txBody>
           <a:bodyPr>
             <a:normAutofit/>
@@ -26767,19 +26673,29 @@
               <a:buNone/>
             </a:pPr>
             <a:r>
-              <a:rPr lang="en-US" sz="4000" dirty="0"/>
-              <a:t>Extract complex setup into reusable </a:t>
-            </a:r>
-            <a:r>
               <a:rPr lang="en-US" sz="4000" dirty="0" smtClean="0"/>
-              <a:t>pieces</a:t>
-            </a:r>
-          </a:p>
-          <a:p>
-            <a:pPr marL="0" indent="0">
-              <a:buNone/>
-            </a:pPr>
-            <a:endParaRPr lang="en-US" sz="3200" dirty="0"/>
+              <a:t>Drawbacks and warnings</a:t>
+            </a:r>
+            <a:br>
+              <a:rPr lang="en-US" sz="4000" dirty="0" smtClean="0"/>
+            </a:br>
+            <a:endParaRPr lang="en-US" sz="4000" dirty="0" smtClean="0"/>
+          </a:p>
+          <a:p>
+            <a:r>
+              <a:rPr lang="en-US" sz="3600" dirty="0" smtClean="0"/>
+              <a:t>Need balance between specialization &amp; customization</a:t>
+            </a:r>
+            <a:br>
+              <a:rPr lang="en-US" sz="3600" dirty="0" smtClean="0"/>
+            </a:br>
+            <a:endParaRPr lang="en-US" sz="3600" dirty="0" smtClean="0"/>
+          </a:p>
+          <a:p>
+            <a:r>
+              <a:rPr lang="en-US" sz="3600" dirty="0" smtClean="0"/>
+              <a:t>May indicate need for Façade pattern in core app</a:t>
+            </a:r>
           </a:p>
           <a:p>
             <a:pPr marL="0" indent="0">
@@ -26788,19 +26704,6 @@
             <a:endParaRPr lang="en-US" dirty="0"/>
           </a:p>
           <a:p>
-            <a:pPr marL="0" indent="0">
-              <a:buNone/>
-            </a:pPr>
-            <a:r>
-              <a:rPr lang="en-US" dirty="0" smtClean="0">
-                <a:solidFill>
-                  <a:srgbClr val="FF0000"/>
-                </a:solidFill>
-              </a:rPr>
-              <a:t>TODO: Another example of a scenario object</a:t>
-            </a:r>
-          </a:p>
-          <a:p>
             <a:pPr lvl="1"/>
             <a:endParaRPr lang="en-US" dirty="0"/>
           </a:p>
@@ -26809,7 +26712,7 @@
     </p:spTree>
     <p:extLst>
       <p:ext uri="{BB962C8B-B14F-4D97-AF65-F5344CB8AC3E}">
-        <p14:creationId xmlns:p14="http://schemas.microsoft.com/office/powerpoint/2010/main" val="2634807390"/>
+        <p14:creationId xmlns:p14="http://schemas.microsoft.com/office/powerpoint/2010/main" val="726345518"/>
       </p:ext>
     </p:extLst>
   </p:cSld>
@@ -26855,8 +26758,8 @@
         </p:nvSpPr>
         <p:spPr>
           <a:xfrm>
-            <a:off x="838199" y="365125"/>
-            <a:ext cx="10857271" cy="1325563"/>
+            <a:off x="486697" y="2217960"/>
+            <a:ext cx="11371007" cy="2088569"/>
           </a:xfrm>
         </p:spPr>
         <p:txBody>
@@ -26865,80 +26768,41 @@
           </a:bodyPr>
           <a:lstStyle/>
           <a:p>
-            <a:r>
-              <a:rPr lang="en-US" sz="4800" dirty="0" smtClean="0"/>
-              <a:t>Key #3: Use Scenarios to reuse setup logic</a:t>
-            </a:r>
-            <a:endParaRPr lang="en-US" sz="4800" dirty="0"/>
-          </a:p>
-        </p:txBody>
-      </p:sp>
-      <p:sp>
-        <p:nvSpPr>
-          <p:cNvPr id="3" name="Content Placeholder 2"/>
-          <p:cNvSpPr>
-            <a:spLocks noGrp="1"/>
-          </p:cNvSpPr>
-          <p:nvPr>
-            <p:ph idx="1"/>
-          </p:nvPr>
-        </p:nvSpPr>
-        <p:spPr>
-          <a:xfrm>
-            <a:off x="838199" y="1825625"/>
-            <a:ext cx="10621297" cy="4351338"/>
-          </a:xfrm>
-        </p:spPr>
-        <p:txBody>
-          <a:bodyPr>
-            <a:normAutofit/>
-          </a:bodyPr>
-          <a:lstStyle/>
-          <a:p>
-            <a:pPr marL="0" indent="0">
-              <a:buNone/>
-            </a:pPr>
+            <a:pPr algn="ctr"/>
+            <a:r>
+              <a:rPr lang="en-US" sz="4800" u="sng" dirty="0" smtClean="0"/>
+              <a:t>Key Practice #4</a:t>
+            </a:r>
+            <a:br>
+              <a:rPr lang="en-US" sz="4800" u="sng" dirty="0" smtClean="0"/>
+            </a:br>
+            <a:r>
+              <a:rPr lang="en-US" sz="4800" u="sng" dirty="0" smtClean="0"/>
+              <a:t/>
+            </a:r>
+            <a:br>
+              <a:rPr lang="en-US" sz="4800" u="sng" dirty="0" smtClean="0"/>
+            </a:br>
             <a:r>
               <a:rPr lang="en-US" sz="4000" dirty="0" smtClean="0"/>
-              <a:t>Drawbacks and warnings</a:t>
-            </a:r>
-            <a:br>
+              <a:t>Same helpers for unit </a:t>
+            </a:r>
+            <a:r>
+              <a:rPr lang="en-US" sz="4000" i="1" dirty="0" smtClean="0"/>
+              <a:t>and </a:t>
+            </a:r>
+            <a:r>
               <a:rPr lang="en-US" sz="4000" dirty="0" smtClean="0"/>
-            </a:br>
-            <a:endParaRPr lang="en-US" sz="4000" dirty="0" smtClean="0"/>
-          </a:p>
-          <a:p>
-            <a:r>
-              <a:rPr lang="en-US" sz="3600" dirty="0" smtClean="0"/>
-              <a:t>Need balance between specialization &amp; customization</a:t>
-            </a:r>
-            <a:br>
-              <a:rPr lang="en-US" sz="3600" dirty="0" smtClean="0"/>
-            </a:br>
-            <a:endParaRPr lang="en-US" sz="3600" dirty="0" smtClean="0"/>
-          </a:p>
-          <a:p>
-            <a:r>
-              <a:rPr lang="en-US" sz="3600" dirty="0" smtClean="0"/>
-              <a:t>May indicate need for Façade pattern in core app</a:t>
-            </a:r>
-          </a:p>
-          <a:p>
-            <a:pPr marL="0" indent="0">
-              <a:buNone/>
-            </a:pPr>
-            <a:endParaRPr lang="en-US" dirty="0"/>
-          </a:p>
-          <a:p>
-            <a:pPr lvl="1"/>
-            <a:endParaRPr lang="en-US" dirty="0"/>
+              <a:t>integration tests</a:t>
+            </a:r>
+            <a:endParaRPr lang="en-US" sz="4000" dirty="0"/>
           </a:p>
         </p:txBody>
       </p:sp>
     </p:spTree>
     <p:extLst>
       <p:ext uri="{BB962C8B-B14F-4D97-AF65-F5344CB8AC3E}">
-        <p14:creationId xmlns:p14="http://schemas.microsoft.com/office/powerpoint/2010/main" val="726345518"/>
+        <p14:creationId xmlns:p14="http://schemas.microsoft.com/office/powerpoint/2010/main" val="908458437"/>
       </p:ext>
     </p:extLst>
   </p:cSld>
@@ -26984,8 +26848,8 @@
         </p:nvSpPr>
         <p:spPr>
           <a:xfrm>
-            <a:off x="486697" y="2217960"/>
-            <a:ext cx="11371007" cy="2088569"/>
+            <a:off x="838199" y="365125"/>
+            <a:ext cx="10857271" cy="1325563"/>
           </a:xfrm>
         </p:spPr>
         <p:txBody>
@@ -26994,41 +26858,73 @@
           </a:bodyPr>
           <a:lstStyle/>
           <a:p>
-            <a:pPr algn="ctr"/>
-            <a:r>
-              <a:rPr lang="en-US" sz="4800" u="sng" dirty="0" smtClean="0"/>
-              <a:t>Key Practice #4</a:t>
-            </a:r>
-            <a:br>
-              <a:rPr lang="en-US" sz="4800" u="sng" dirty="0" smtClean="0"/>
-            </a:br>
-            <a:r>
-              <a:rPr lang="en-US" sz="4800" u="sng" dirty="0" smtClean="0"/>
-              <a:t/>
-            </a:r>
-            <a:br>
-              <a:rPr lang="en-US" sz="4800" u="sng" dirty="0" smtClean="0"/>
-            </a:br>
+            <a:r>
+              <a:rPr lang="en-US" sz="4800" dirty="0"/>
+              <a:t>Key </a:t>
+            </a:r>
+            <a:r>
+              <a:rPr lang="en-US" sz="4800" dirty="0" smtClean="0"/>
+              <a:t>#4: Integration tests</a:t>
+            </a:r>
+            <a:endParaRPr lang="en-US" sz="4800" dirty="0"/>
+          </a:p>
+        </p:txBody>
+      </p:sp>
+      <p:sp>
+        <p:nvSpPr>
+          <p:cNvPr id="3" name="Content Placeholder 2"/>
+          <p:cNvSpPr>
+            <a:spLocks noGrp="1"/>
+          </p:cNvSpPr>
+          <p:nvPr>
+            <p:ph idx="1"/>
+          </p:nvPr>
+        </p:nvSpPr>
+        <p:spPr>
+          <a:xfrm>
+            <a:off x="838199" y="1825625"/>
+            <a:ext cx="10621297" cy="4351338"/>
+          </a:xfrm>
+        </p:spPr>
+        <p:txBody>
+          <a:bodyPr>
+            <a:normAutofit/>
+          </a:bodyPr>
+          <a:lstStyle/>
+          <a:p>
             <a:r>
               <a:rPr lang="en-US" sz="4000" dirty="0" smtClean="0"/>
-              <a:t>Same helpers for unit </a:t>
-            </a:r>
-            <a:r>
-              <a:rPr lang="en-US" sz="4000" i="1" dirty="0" smtClean="0"/>
-              <a:t>and </a:t>
-            </a:r>
-            <a:r>
-              <a:rPr lang="en-US" sz="4000" dirty="0" smtClean="0"/>
-              <a:t>integration tests</a:t>
-            </a:r>
-            <a:endParaRPr lang="en-US" sz="4000" dirty="0"/>
+              <a:t>Foreign keys</a:t>
+            </a:r>
+          </a:p>
+          <a:p>
+            <a:pPr marL="0" indent="0">
+              <a:buNone/>
+            </a:pPr>
+            <a:endParaRPr lang="en-US" sz="3600" dirty="0" smtClean="0"/>
+          </a:p>
+          <a:p>
+            <a:pPr marL="0" indent="0">
+              <a:buNone/>
+            </a:pPr>
+            <a:endParaRPr lang="en-US" sz="3600" dirty="0" smtClean="0"/>
+          </a:p>
+          <a:p>
+            <a:pPr marL="0" indent="0">
+              <a:buNone/>
+            </a:pPr>
+            <a:endParaRPr lang="en-US" dirty="0"/>
+          </a:p>
+          <a:p>
+            <a:pPr lvl="1"/>
+            <a:endParaRPr lang="en-US" dirty="0"/>
           </a:p>
         </p:txBody>
       </p:sp>
     </p:spTree>
     <p:extLst>
       <p:ext uri="{BB962C8B-B14F-4D97-AF65-F5344CB8AC3E}">
-        <p14:creationId xmlns:p14="http://schemas.microsoft.com/office/powerpoint/2010/main" val="908458437"/>
+        <p14:creationId xmlns:p14="http://schemas.microsoft.com/office/powerpoint/2010/main" val="3501759557"/>
       </p:ext>
     </p:extLst>
   </p:cSld>
@@ -27090,9 +26986,12 @@
             </a:r>
             <a:r>
               <a:rPr lang="en-US" sz="4800" dirty="0" smtClean="0"/>
-              <a:t>#4: Integration tests</a:t>
-            </a:r>
-            <a:endParaRPr lang="en-US" sz="4800" dirty="0"/>
+              <a:t>#4: </a:t>
+            </a:r>
+            <a:r>
+              <a:rPr lang="en-US" sz="4800" dirty="0"/>
+              <a:t>Integration tests</a:t>
+            </a:r>
           </a:p>
         </p:txBody>
       </p:sp>
@@ -27109,7 +27008,7 @@
         <p:spPr>
           <a:xfrm>
             <a:off x="838199" y="1825625"/>
-            <a:ext cx="10621297" cy="4351338"/>
+            <a:ext cx="10621297" cy="4457188"/>
           </a:xfrm>
         </p:spPr>
         <p:txBody>
@@ -27119,9 +27018,41 @@
           <a:lstStyle/>
           <a:p>
             <a:r>
+              <a:rPr lang="en-US" sz="4000" dirty="0" smtClean="0">
+                <a:solidFill>
+                  <a:schemeClr val="bg1">
+                    <a:lumMod val="65000"/>
+                  </a:schemeClr>
+                </a:solidFill>
+              </a:rPr>
+              <a:t>Foreign keys</a:t>
+            </a:r>
+            <a:br>
+              <a:rPr lang="en-US" sz="4000" dirty="0" smtClean="0">
+                <a:solidFill>
+                  <a:schemeClr val="bg1">
+                    <a:lumMod val="65000"/>
+                  </a:schemeClr>
+                </a:solidFill>
+              </a:rPr>
+            </a:br>
+            <a:endParaRPr lang="en-US" sz="4000" dirty="0" smtClean="0">
+              <a:solidFill>
+                <a:schemeClr val="bg1">
+                  <a:lumMod val="65000"/>
+                </a:schemeClr>
+              </a:solidFill>
+            </a:endParaRPr>
+          </a:p>
+          <a:p>
+            <a:r>
               <a:rPr lang="en-US" sz="4000" dirty="0" smtClean="0"/>
-              <a:t>Foreign keys</a:t>
-            </a:r>
+              <a:t>Primary keys</a:t>
+            </a:r>
+            <a:br>
+              <a:rPr lang="en-US" sz="4000" dirty="0" smtClean="0"/>
+            </a:br>
+            <a:endParaRPr lang="en-US" sz="4000" dirty="0" smtClean="0"/>
           </a:p>
           <a:p>
             <a:pPr marL="0" indent="0">
@@ -27150,7 +27081,7 @@
     </p:spTree>
     <p:extLst>
       <p:ext uri="{BB962C8B-B14F-4D97-AF65-F5344CB8AC3E}">
-        <p14:creationId xmlns:p14="http://schemas.microsoft.com/office/powerpoint/2010/main" val="3501759557"/>
+        <p14:creationId xmlns:p14="http://schemas.microsoft.com/office/powerpoint/2010/main" val="251885141"/>
       </p:ext>
     </p:extLst>
   </p:cSld>
@@ -27233,8 +27164,8 @@
         </p:nvSpPr>
         <p:spPr>
           <a:xfrm>
-            <a:off x="838199" y="1825625"/>
-            <a:ext cx="10621297" cy="4457188"/>
+            <a:off x="838199" y="1825624"/>
+            <a:ext cx="10621297" cy="4501433"/>
           </a:xfrm>
         </p:spPr>
         <p:txBody>
@@ -27272,8 +27203,18 @@
           </a:p>
           <a:p>
             <a:r>
+              <a:rPr lang="en-US" sz="4000" dirty="0" smtClean="0">
+                <a:solidFill>
+                  <a:schemeClr val="bg1">
+                    <a:lumMod val="65000"/>
+                  </a:schemeClr>
+                </a:solidFill>
+              </a:rPr>
+              <a:t>Primary keys</a:t>
+            </a:r>
+            <a:r>
               <a:rPr lang="en-US" sz="4000" dirty="0" smtClean="0"/>
-              <a:t>Primary keys</a:t>
+              <a:t/>
             </a:r>
             <a:br>
               <a:rPr lang="en-US" sz="4000" dirty="0" smtClean="0"/>
@@ -27281,6 +27222,15 @@
             <a:endParaRPr lang="en-US" sz="4000" dirty="0" smtClean="0"/>
           </a:p>
           <a:p>
+            <a:r>
+              <a:rPr lang="en-US" sz="4000" dirty="0" smtClean="0"/>
+              <a:t>Column constraints</a:t>
+            </a:r>
+          </a:p>
+          <a:p>
+            <a:endParaRPr lang="en-US" sz="4000" dirty="0" smtClean="0"/>
+          </a:p>
+          <a:p>
             <a:pPr marL="0" indent="0">
               <a:buNone/>
             </a:pPr>
@@ -27307,7 +27257,7 @@
     </p:spTree>
     <p:extLst>
       <p:ext uri="{BB962C8B-B14F-4D97-AF65-F5344CB8AC3E}">
-        <p14:creationId xmlns:p14="http://schemas.microsoft.com/office/powerpoint/2010/main" val="251885141"/>
+        <p14:creationId xmlns:p14="http://schemas.microsoft.com/office/powerpoint/2010/main" val="3817477996"/>
       </p:ext>
     </p:extLst>
   </p:cSld>
@@ -27365,15 +27315,7 @@
           <a:p>
             <a:r>
               <a:rPr lang="en-US" sz="4800" dirty="0"/>
-              <a:t>Key </a:t>
-            </a:r>
-            <a:r>
-              <a:rPr lang="en-US" sz="4800" dirty="0" smtClean="0"/>
-              <a:t>#4: </a:t>
-            </a:r>
-            <a:r>
-              <a:rPr lang="en-US" sz="4800" dirty="0"/>
-              <a:t>Integration tests</a:t>
+              <a:t>Key #4: Integration tests</a:t>
             </a:r>
           </a:p>
         </p:txBody>
@@ -27438,23 +27380,43 @@
               </a:rPr>
               <a:t>Primary keys</a:t>
             </a:r>
+            <a:br>
+              <a:rPr lang="en-US" sz="4000" dirty="0" smtClean="0">
+                <a:solidFill>
+                  <a:schemeClr val="bg1">
+                    <a:lumMod val="65000"/>
+                  </a:schemeClr>
+                </a:solidFill>
+              </a:rPr>
+            </a:br>
+            <a:endParaRPr lang="en-US" sz="4000" dirty="0" smtClean="0">
+              <a:solidFill>
+                <a:schemeClr val="bg1">
+                  <a:lumMod val="65000"/>
+                </a:schemeClr>
+              </a:solidFill>
+            </a:endParaRPr>
+          </a:p>
+          <a:p>
+            <a:r>
+              <a:rPr lang="en-US" sz="4000" dirty="0" smtClean="0">
+                <a:solidFill>
+                  <a:schemeClr val="bg1">
+                    <a:lumMod val="65000"/>
+                  </a:schemeClr>
+                </a:solidFill>
+              </a:rPr>
+              <a:t>Column constraints</a:t>
+            </a:r>
+          </a:p>
+          <a:p>
+            <a:endParaRPr lang="en-US" sz="4000" dirty="0" smtClean="0"/>
+          </a:p>
+          <a:p>
             <a:r>
               <a:rPr lang="en-US" sz="4000" dirty="0" smtClean="0"/>
-              <a:t/>
-            </a:r>
-            <a:br>
-              <a:rPr lang="en-US" sz="4000" dirty="0" smtClean="0"/>
-            </a:br>
-            <a:endParaRPr lang="en-US" sz="4000" dirty="0" smtClean="0"/>
-          </a:p>
-          <a:p>
-            <a:r>
-              <a:rPr lang="en-US" sz="4000" dirty="0" smtClean="0"/>
-              <a:t>Column constraints</a:t>
-            </a:r>
-          </a:p>
-          <a:p>
-            <a:endParaRPr lang="en-US" sz="4000" dirty="0" smtClean="0"/>
+              <a:t>Junk data left behind by tests</a:t>
+            </a:r>
           </a:p>
           <a:p>
             <a:pPr marL="0" indent="0">
@@ -27483,7 +27445,7 @@
     </p:spTree>
     <p:extLst>
       <p:ext uri="{BB962C8B-B14F-4D97-AF65-F5344CB8AC3E}">
-        <p14:creationId xmlns:p14="http://schemas.microsoft.com/office/powerpoint/2010/main" val="3817477996"/>
+        <p14:creationId xmlns:p14="http://schemas.microsoft.com/office/powerpoint/2010/main" val="455092524"/>
       </p:ext>
     </p:extLst>
   </p:cSld>
@@ -27527,41 +27489,7 @@
             <p:ph type="title"/>
           </p:nvPr>
         </p:nvSpPr>
-        <p:spPr>
-          <a:xfrm>
-            <a:off x="838199" y="365125"/>
-            <a:ext cx="10857271" cy="1325563"/>
-          </a:xfrm>
-        </p:spPr>
-        <p:txBody>
-          <a:bodyPr>
-            <a:noAutofit/>
-          </a:bodyPr>
-          <a:lstStyle/>
-          <a:p>
-            <a:r>
-              <a:rPr lang="en-US" sz="4800" dirty="0"/>
-              <a:t>Key #4: Integration tests</a:t>
-            </a:r>
-          </a:p>
-        </p:txBody>
-      </p:sp>
-      <p:sp>
-        <p:nvSpPr>
-          <p:cNvPr id="3" name="Content Placeholder 2"/>
-          <p:cNvSpPr>
-            <a:spLocks noGrp="1"/>
-          </p:cNvSpPr>
-          <p:nvPr>
-            <p:ph idx="1"/>
-          </p:nvPr>
-        </p:nvSpPr>
-        <p:spPr>
-          <a:xfrm>
-            <a:off x="838199" y="1825624"/>
-            <a:ext cx="10621297" cy="4501433"/>
-          </a:xfrm>
-        </p:spPr>
+        <p:spPr/>
         <p:txBody>
           <a:bodyPr>
             <a:normAutofit/>
@@ -27569,101 +27497,47 @@
           <a:lstStyle/>
           <a:p>
             <a:r>
-              <a:rPr lang="en-US" sz="4000" dirty="0" smtClean="0">
-                <a:solidFill>
-                  <a:schemeClr val="bg1">
-                    <a:lumMod val="65000"/>
-                  </a:schemeClr>
-                </a:solidFill>
-              </a:rPr>
-              <a:t>Foreign keys</a:t>
-            </a:r>
-            <a:br>
-              <a:rPr lang="en-US" sz="4000" dirty="0" smtClean="0">
-                <a:solidFill>
-                  <a:schemeClr val="bg1">
-                    <a:lumMod val="65000"/>
-                  </a:schemeClr>
-                </a:solidFill>
-              </a:rPr>
-            </a:br>
-            <a:endParaRPr lang="en-US" sz="4000" dirty="0" smtClean="0">
-              <a:solidFill>
-                <a:schemeClr val="bg1">
-                  <a:lumMod val="65000"/>
-                </a:schemeClr>
-              </a:solidFill>
-            </a:endParaRPr>
-          </a:p>
-          <a:p>
-            <a:r>
-              <a:rPr lang="en-US" sz="4000" dirty="0" smtClean="0">
-                <a:solidFill>
-                  <a:schemeClr val="bg1">
-                    <a:lumMod val="65000"/>
-                  </a:schemeClr>
-                </a:solidFill>
-              </a:rPr>
-              <a:t>Primary keys</a:t>
-            </a:r>
-            <a:br>
-              <a:rPr lang="en-US" sz="4000" dirty="0" smtClean="0">
-                <a:solidFill>
-                  <a:schemeClr val="bg1">
-                    <a:lumMod val="65000"/>
-                  </a:schemeClr>
-                </a:solidFill>
-              </a:rPr>
-            </a:br>
-            <a:endParaRPr lang="en-US" sz="4000" dirty="0" smtClean="0">
-              <a:solidFill>
-                <a:schemeClr val="bg1">
-                  <a:lumMod val="65000"/>
-                </a:schemeClr>
-              </a:solidFill>
-            </a:endParaRPr>
-          </a:p>
-          <a:p>
-            <a:r>
-              <a:rPr lang="en-US" sz="4000" dirty="0" smtClean="0">
-                <a:solidFill>
-                  <a:schemeClr val="bg1">
-                    <a:lumMod val="65000"/>
-                  </a:schemeClr>
-                </a:solidFill>
-              </a:rPr>
-              <a:t>Column constraints</a:t>
-            </a:r>
-          </a:p>
-          <a:p>
-            <a:endParaRPr lang="en-US" sz="4000" dirty="0" smtClean="0"/>
-          </a:p>
-          <a:p>
-            <a:r>
-              <a:rPr lang="en-US" sz="4000" dirty="0" smtClean="0"/>
-              <a:t>Junk data left behind by tests</a:t>
-            </a:r>
-          </a:p>
-          <a:p>
-            <a:pPr marL="0" indent="0">
+              <a:rPr lang="en-US" sz="4800" dirty="0"/>
+              <a:t>Key #4: Integration tests</a:t>
+            </a:r>
+          </a:p>
+        </p:txBody>
+      </p:sp>
+      <p:sp>
+        <p:nvSpPr>
+          <p:cNvPr id="3" name="Content Placeholder 2"/>
+          <p:cNvSpPr>
+            <a:spLocks noGrp="1"/>
+          </p:cNvSpPr>
+          <p:nvPr>
+            <p:ph idx="1"/>
+          </p:nvPr>
+        </p:nvSpPr>
+        <p:spPr>
+          <a:xfrm>
+            <a:off x="838200" y="1825625"/>
+            <a:ext cx="10515600" cy="4357462"/>
+          </a:xfrm>
+        </p:spPr>
+        <p:txBody>
+          <a:bodyPr>
+            <a:normAutofit/>
+          </a:bodyPr>
+          <a:lstStyle/>
+          <a:p>
+            <a:pPr marL="914400" lvl="2" indent="0">
               <a:buNone/>
             </a:pPr>
-            <a:endParaRPr lang="en-US" sz="3600" dirty="0" smtClean="0"/>
-          </a:p>
-          <a:p>
-            <a:pPr marL="0" indent="0">
-              <a:buNone/>
-            </a:pPr>
-            <a:endParaRPr lang="en-US" sz="3600" dirty="0" smtClean="0"/>
-          </a:p>
-          <a:p>
-            <a:pPr marL="0" indent="0">
-              <a:buNone/>
-            </a:pPr>
-            <a:endParaRPr lang="en-US" dirty="0"/>
-          </a:p>
-          <a:p>
-            <a:pPr lvl="1"/>
+            <a:r>
+              <a:rPr lang="en-US" dirty="0" smtClean="0">
+                <a:solidFill>
+                  <a:srgbClr val="FF0000"/>
+                </a:solidFill>
+              </a:rPr>
+              <a:t>TODO: screenshot of integration test itself	</a:t>
+            </a:r>
+          </a:p>
+          <a:p>
             <a:endParaRPr lang="en-US" dirty="0"/>
           </a:p>
         </p:txBody>
@@ -27671,13 +27545,21 @@
     </p:spTree>
     <p:extLst>
       <p:ext uri="{BB962C8B-B14F-4D97-AF65-F5344CB8AC3E}">
-        <p14:creationId xmlns:p14="http://schemas.microsoft.com/office/powerpoint/2010/main" val="455092524"/>
+        <p14:creationId xmlns:p14="http://schemas.microsoft.com/office/powerpoint/2010/main" val="1306348548"/>
       </p:ext>
     </p:extLst>
   </p:cSld>
   <p:clrMapOvr>
     <a:masterClrMapping/>
   </p:clrMapOvr>
+  <mc:AlternateContent xmlns:mc="http://schemas.openxmlformats.org/markup-compatibility/2006" xmlns:p14="http://schemas.microsoft.com/office/powerpoint/2010/main">
+    <mc:Choice Requires="p14">
+      <p:transition spd="slow" p14:dur="2000"/>
+    </mc:Choice>
+    <mc:Fallback xmlns="">
+      <p:transition spd="slow"/>
+    </mc:Fallback>
+  </mc:AlternateContent>
   <p:timing>
     <p:tnLst>
       <p:par>
@@ -27755,12 +27637,8 @@
               <a:buNone/>
             </a:pPr>
             <a:r>
-              <a:rPr lang="en-US" dirty="0" smtClean="0">
-                <a:solidFill>
-                  <a:srgbClr val="FF0000"/>
-                </a:solidFill>
-              </a:rPr>
-              <a:t>TODO: screenshot of integration test itself	</a:t>
+              <a:rPr lang="en-US" dirty="0" smtClean="0"/>
+              <a:t>	</a:t>
             </a:r>
           </a:p>
           <a:p>
@@ -27768,10 +27646,34 @@
           </a:p>
         </p:txBody>
       </p:sp>
+      <p:pic>
+        <p:nvPicPr>
+          <p:cNvPr id="4" name="Picture 3"/>
+          <p:cNvPicPr>
+            <a:picLocks noChangeAspect="1"/>
+          </p:cNvPicPr>
+          <p:nvPr/>
+        </p:nvPicPr>
+        <p:blipFill>
+          <a:blip r:embed="rId3"/>
+          <a:stretch>
+            <a:fillRect/>
+          </a:stretch>
+        </p:blipFill>
+        <p:spPr>
+          <a:xfrm>
+            <a:off x="838200" y="1690688"/>
+            <a:ext cx="9744075" cy="4533900"/>
+          </a:xfrm>
+          <a:prstGeom prst="rect">
+            <a:avLst/>
+          </a:prstGeom>
+        </p:spPr>
+      </p:pic>
     </p:spTree>
     <p:extLst>
       <p:ext uri="{BB962C8B-B14F-4D97-AF65-F5344CB8AC3E}">
-        <p14:creationId xmlns:p14="http://schemas.microsoft.com/office/powerpoint/2010/main" val="1306348548"/>
+        <p14:creationId xmlns:p14="http://schemas.microsoft.com/office/powerpoint/2010/main" val="1658503186"/>
       </p:ext>
     </p:extLst>
   </p:cSld>
@@ -27874,7 +27776,7 @@
       </p:sp>
       <p:pic>
         <p:nvPicPr>
-          <p:cNvPr id="4" name="Picture 3"/>
+          <p:cNvPr id="5" name="Picture 4"/>
           <p:cNvPicPr>
             <a:picLocks noChangeAspect="1"/>
           </p:cNvPicPr>
@@ -27899,7 +27801,7 @@
     </p:spTree>
     <p:extLst>
       <p:ext uri="{BB962C8B-B14F-4D97-AF65-F5344CB8AC3E}">
-        <p14:creationId xmlns:p14="http://schemas.microsoft.com/office/powerpoint/2010/main" val="1658503186"/>
+        <p14:creationId xmlns:p14="http://schemas.microsoft.com/office/powerpoint/2010/main" val="1525612099"/>
       </p:ext>
     </p:extLst>
   </p:cSld>
@@ -28063,134 +27965,6 @@
       </p:sp>
       <p:pic>
         <p:nvPicPr>
-          <p:cNvPr id="5" name="Picture 4"/>
-          <p:cNvPicPr>
-            <a:picLocks noChangeAspect="1"/>
-          </p:cNvPicPr>
-          <p:nvPr/>
-        </p:nvPicPr>
-        <p:blipFill>
-          <a:blip r:embed="rId3"/>
-          <a:stretch>
-            <a:fillRect/>
-          </a:stretch>
-        </p:blipFill>
-        <p:spPr>
-          <a:xfrm>
-            <a:off x="838200" y="1690688"/>
-            <a:ext cx="9744075" cy="4533900"/>
-          </a:xfrm>
-          <a:prstGeom prst="rect">
-            <a:avLst/>
-          </a:prstGeom>
-        </p:spPr>
-      </p:pic>
-    </p:spTree>
-    <p:extLst>
-      <p:ext uri="{BB962C8B-B14F-4D97-AF65-F5344CB8AC3E}">
-        <p14:creationId xmlns:p14="http://schemas.microsoft.com/office/powerpoint/2010/main" val="1525612099"/>
-      </p:ext>
-    </p:extLst>
-  </p:cSld>
-  <p:clrMapOvr>
-    <a:masterClrMapping/>
-  </p:clrMapOvr>
-  <mc:AlternateContent xmlns:mc="http://schemas.openxmlformats.org/markup-compatibility/2006" xmlns:p14="http://schemas.microsoft.com/office/powerpoint/2010/main">
-    <mc:Choice Requires="p14">
-      <p:transition spd="slow" p14:dur="2000"/>
-    </mc:Choice>
-    <mc:Fallback xmlns="">
-      <p:transition spd="slow"/>
-    </mc:Fallback>
-  </mc:AlternateContent>
-  <p:timing>
-    <p:tnLst>
-      <p:par>
-        <p:cTn id="1" dur="indefinite" restart="never" nodeType="tmRoot"/>
-      </p:par>
-    </p:tnLst>
-  </p:timing>
-</p:sld>
-</file>
-
-<file path=ppt/slides/slide81.xml><?xml version="1.0" encoding="utf-8"?>
-<p:sld xmlns:a="http://schemas.openxmlformats.org/drawingml/2006/main" xmlns:r="http://schemas.openxmlformats.org/officeDocument/2006/relationships" xmlns:p="http://schemas.openxmlformats.org/presentationml/2006/main">
-  <p:cSld>
-    <p:spTree>
-      <p:nvGrpSpPr>
-        <p:cNvPr id="1" name=""/>
-        <p:cNvGrpSpPr/>
-        <p:nvPr/>
-      </p:nvGrpSpPr>
-      <p:grpSpPr>
-        <a:xfrm>
-          <a:off x="0" y="0"/>
-          <a:ext cx="0" cy="0"/>
-          <a:chOff x="0" y="0"/>
-          <a:chExt cx="0" cy="0"/>
-        </a:xfrm>
-      </p:grpSpPr>
-      <p:sp>
-        <p:nvSpPr>
-          <p:cNvPr id="2" name="Title 1"/>
-          <p:cNvSpPr>
-            <a:spLocks noGrp="1"/>
-          </p:cNvSpPr>
-          <p:nvPr>
-            <p:ph type="title"/>
-          </p:nvPr>
-        </p:nvSpPr>
-        <p:spPr/>
-        <p:txBody>
-          <a:bodyPr>
-            <a:normAutofit/>
-          </a:bodyPr>
-          <a:lstStyle/>
-          <a:p>
-            <a:r>
-              <a:rPr lang="en-US" sz="4800" dirty="0"/>
-              <a:t>Key #4: Integration tests</a:t>
-            </a:r>
-          </a:p>
-        </p:txBody>
-      </p:sp>
-      <p:sp>
-        <p:nvSpPr>
-          <p:cNvPr id="3" name="Content Placeholder 2"/>
-          <p:cNvSpPr>
-            <a:spLocks noGrp="1"/>
-          </p:cNvSpPr>
-          <p:nvPr>
-            <p:ph idx="1"/>
-          </p:nvPr>
-        </p:nvSpPr>
-        <p:spPr>
-          <a:xfrm>
-            <a:off x="838200" y="1825625"/>
-            <a:ext cx="10515600" cy="4357462"/>
-          </a:xfrm>
-        </p:spPr>
-        <p:txBody>
-          <a:bodyPr>
-            <a:normAutofit/>
-          </a:bodyPr>
-          <a:lstStyle/>
-          <a:p>
-            <a:pPr marL="914400" lvl="2" indent="0">
-              <a:buNone/>
-            </a:pPr>
-            <a:r>
-              <a:rPr lang="en-US" dirty="0" smtClean="0"/>
-              <a:t>	</a:t>
-            </a:r>
-          </a:p>
-          <a:p>
-            <a:endParaRPr lang="en-US" dirty="0"/>
-          </a:p>
-        </p:txBody>
-      </p:sp>
-      <p:pic>
-        <p:nvPicPr>
           <p:cNvPr id="4" name="Picture 3"/>
           <p:cNvPicPr>
             <a:picLocks noChangeAspect="1"/>
@@ -28241,7 +28015,7 @@
 </p:sld>
 </file>
 
-<file path=ppt/slides/slide82.xml><?xml version="1.0" encoding="utf-8"?>
+<file path=ppt/slides/slide81.xml><?xml version="1.0" encoding="utf-8"?>
 <p:sld xmlns:a="http://schemas.openxmlformats.org/drawingml/2006/main" xmlns:r="http://schemas.openxmlformats.org/officeDocument/2006/relationships" xmlns:p="http://schemas.openxmlformats.org/presentationml/2006/main">
   <p:cSld>
     <p:spTree>
@@ -28378,7 +28152,7 @@
 </p:sld>
 </file>
 
-<file path=ppt/slides/slide83.xml><?xml version="1.0" encoding="utf-8"?>
+<file path=ppt/slides/slide82.xml><?xml version="1.0" encoding="utf-8"?>
 <p:sld xmlns:a="http://schemas.openxmlformats.org/drawingml/2006/main" xmlns:r="http://schemas.openxmlformats.org/officeDocument/2006/relationships" xmlns:p="http://schemas.openxmlformats.org/presentationml/2006/main">
   <p:cSld>
     <p:spTree>
@@ -28464,7 +28238,7 @@
 </p:sld>
 </file>
 
-<file path=ppt/slides/slide84.xml><?xml version="1.0" encoding="utf-8"?>
+<file path=ppt/slides/slide83.xml><?xml version="1.0" encoding="utf-8"?>
 <p:sld xmlns:a="http://schemas.openxmlformats.org/drawingml/2006/main" xmlns:r="http://schemas.openxmlformats.org/officeDocument/2006/relationships" xmlns:p="http://schemas.openxmlformats.org/presentationml/2006/main">
   <p:cSld>
     <p:spTree>
@@ -28525,7 +28299,7 @@
 </p:sld>
 </file>
 
-<file path=ppt/slides/slide85.xml><?xml version="1.0" encoding="utf-8"?>
+<file path=ppt/slides/slide84.xml><?xml version="1.0" encoding="utf-8"?>
 <p:sld xmlns:a="http://schemas.openxmlformats.org/drawingml/2006/main" xmlns:r="http://schemas.openxmlformats.org/officeDocument/2006/relationships" xmlns:p="http://schemas.openxmlformats.org/presentationml/2006/main">
   <p:cSld>
     <p:spTree>
@@ -28586,7 +28360,7 @@
 </p:sld>
 </file>
 
-<file path=ppt/slides/slide86.xml><?xml version="1.0" encoding="utf-8"?>
+<file path=ppt/slides/slide85.xml><?xml version="1.0" encoding="utf-8"?>
 <p:sld xmlns:a="http://schemas.openxmlformats.org/drawingml/2006/main" xmlns:r="http://schemas.openxmlformats.org/officeDocument/2006/relationships" xmlns:p="http://schemas.openxmlformats.org/presentationml/2006/main">
   <p:cSld>
     <p:spTree>
@@ -28696,7 +28470,7 @@
 </p:sld>
 </file>
 
-<file path=ppt/slides/slide87.xml><?xml version="1.0" encoding="utf-8"?>
+<file path=ppt/slides/slide86.xml><?xml version="1.0" encoding="utf-8"?>
 <p:sld xmlns:a="http://schemas.openxmlformats.org/drawingml/2006/main" xmlns:r="http://schemas.openxmlformats.org/officeDocument/2006/relationships" xmlns:p="http://schemas.openxmlformats.org/presentationml/2006/main">
   <p:cSld>
     <p:spTree>
@@ -28850,7 +28624,7 @@
 </p:sld>
 </file>
 
-<file path=ppt/slides/slide88.xml><?xml version="1.0" encoding="utf-8"?>
+<file path=ppt/slides/slide87.xml><?xml version="1.0" encoding="utf-8"?>
 <p:sld xmlns:a="http://schemas.openxmlformats.org/drawingml/2006/main" xmlns:r="http://schemas.openxmlformats.org/officeDocument/2006/relationships" xmlns:p="http://schemas.openxmlformats.org/presentationml/2006/main">
   <p:cSld>
     <p:spTree>

--- a/POETS - CodeMash 2017.pptx
+++ b/POETS - CodeMash 2017.pptx
@@ -5,7 +5,7 @@
     <p:sldMasterId id="2147483749" r:id="rId1"/>
   </p:sldMasterIdLst>
   <p:notesMasterIdLst>
-    <p:notesMasterId r:id="rId89"/>
+    <p:notesMasterId r:id="rId90"/>
   </p:notesMasterIdLst>
   <p:sldIdLst>
     <p:sldId id="395" r:id="rId2"/>
@@ -85,16 +85,17 @@
     <p:sldId id="466" r:id="rId76"/>
     <p:sldId id="467" r:id="rId77"/>
     <p:sldId id="380" r:id="rId78"/>
-    <p:sldId id="384" r:id="rId79"/>
-    <p:sldId id="385" r:id="rId80"/>
-    <p:sldId id="386" r:id="rId81"/>
-    <p:sldId id="343" r:id="rId82"/>
-    <p:sldId id="389" r:id="rId83"/>
-    <p:sldId id="390" r:id="rId84"/>
-    <p:sldId id="391" r:id="rId85"/>
-    <p:sldId id="273" r:id="rId86"/>
-    <p:sldId id="441" r:id="rId87"/>
-    <p:sldId id="443" r:id="rId88"/>
+    <p:sldId id="479" r:id="rId79"/>
+    <p:sldId id="384" r:id="rId80"/>
+    <p:sldId id="385" r:id="rId81"/>
+    <p:sldId id="386" r:id="rId82"/>
+    <p:sldId id="343" r:id="rId83"/>
+    <p:sldId id="389" r:id="rId84"/>
+    <p:sldId id="390" r:id="rId85"/>
+    <p:sldId id="391" r:id="rId86"/>
+    <p:sldId id="273" r:id="rId87"/>
+    <p:sldId id="441" r:id="rId88"/>
+    <p:sldId id="443" r:id="rId89"/>
   </p:sldIdLst>
   <p:sldSz cx="12192000" cy="6858000"/>
   <p:notesSz cx="6858000" cy="9144000"/>
@@ -294,7 +295,7 @@
           <a:p>
             <a:fld id="{C54A4886-B4AF-42F7-97BE-95CDF82A73E3}" type="datetimeFigureOut">
               <a:rPr lang="en-US" smtClean="0"/>
-              <a:t>11/26/2016</a:t>
+              <a:t>11/27/2016</a:t>
             </a:fld>
             <a:endParaRPr lang="en-US"/>
           </a:p>
@@ -9958,23 +9959,6 @@
           <a:bodyPr/>
           <a:lstStyle/>
           <a:p>
-            <a:pPr marL="0" marR="0" lvl="0" indent="0" algn="l" defTabSz="914400" rtl="0" eaLnBrk="1" fontAlgn="auto" latinLnBrk="0" hangingPunct="1">
-              <a:lnSpc>
-                <a:spcPct val="100000"/>
-              </a:lnSpc>
-              <a:spcBef>
-                <a:spcPts val="0"/>
-              </a:spcBef>
-              <a:spcAft>
-                <a:spcPts val="0"/>
-              </a:spcAft>
-              <a:buClrTx/>
-              <a:buSzTx/>
-              <a:buFontTx/>
-              <a:buNone/>
-              <a:tabLst/>
-              <a:defRPr/>
-            </a:pPr>
             <a:r>
               <a:rPr lang="en-US" sz="1200" kern="1200" dirty="0" smtClean="0">
                 <a:solidFill>
@@ -9989,7 +9973,27 @@
             </a:r>
           </a:p>
           <a:p>
-            <a:endParaRPr lang="en-US" dirty="0"/>
+            <a:r>
+              <a:rPr lang="en-US" sz="1200" kern="1200" dirty="0" smtClean="0">
+                <a:solidFill>
+                  <a:schemeClr val="tx1"/>
+                </a:solidFill>
+                <a:effectLst/>
+                <a:latin typeface="+mn-lt"/>
+                <a:ea typeface="+mn-ea"/>
+                <a:cs typeface="+mn-cs"/>
+              </a:rPr>
+              <a:t>If you need to control certain parts of the scenario, for example if you wanted to specify the Customer that gets used, you can expose that as an argument as well. They key is that you encapsulate multiple pieces of tests data in a single wrapper, and make it easy for the caller to get that data back out.</a:t>
+            </a:r>
+            <a:endParaRPr lang="en-US" sz="1200" kern="1200" dirty="0">
+              <a:solidFill>
+                <a:schemeClr val="tx1"/>
+              </a:solidFill>
+              <a:effectLst/>
+              <a:latin typeface="+mn-lt"/>
+              <a:ea typeface="+mn-ea"/>
+              <a:cs typeface="+mn-cs"/>
+            </a:endParaRPr>
           </a:p>
         </p:txBody>
       </p:sp>
@@ -10161,23 +10165,6 @@
           <a:bodyPr/>
           <a:lstStyle/>
           <a:p>
-            <a:pPr marL="0" marR="0" lvl="0" indent="0" algn="l" defTabSz="914400" rtl="0" eaLnBrk="1" fontAlgn="auto" latinLnBrk="0" hangingPunct="1">
-              <a:lnSpc>
-                <a:spcPct val="100000"/>
-              </a:lnSpc>
-              <a:spcBef>
-                <a:spcPts val="0"/>
-              </a:spcBef>
-              <a:spcAft>
-                <a:spcPts val="0"/>
-              </a:spcAft>
-              <a:buClrTx/>
-              <a:buSzTx/>
-              <a:buFontTx/>
-              <a:buNone/>
-              <a:tabLst/>
-              <a:defRPr/>
-            </a:pPr>
             <a:r>
               <a:rPr lang="en-US" sz="1200" kern="1200" dirty="0" smtClean="0">
                 <a:solidFill>
@@ -10188,11 +10175,31 @@
                 <a:ea typeface="+mn-ea"/>
                 <a:cs typeface="+mn-cs"/>
               </a:rPr>
-              <a:t>Here’s another example of a Scenario. In this case, we’re creating multiple orders for a single customer, each with different characteristics. The Scenario exposes each order as a distinct property so that the test code will be very clear in terms of its intent.</a:t>
-            </a:r>
-          </a:p>
-          <a:p>
-            <a:endParaRPr lang="en-US" dirty="0"/>
+              <a:t>Here’s another example of a Scenario. In this case, we’re creating multiple orders for a single customer, each with different characteristics. </a:t>
+            </a:r>
+          </a:p>
+          <a:p>
+            <a:r>
+              <a:rPr lang="en-US" sz="1200" kern="1200" dirty="0" smtClean="0">
+                <a:solidFill>
+                  <a:schemeClr val="tx1"/>
+                </a:solidFill>
+                <a:effectLst/>
+                <a:latin typeface="+mn-lt"/>
+                <a:ea typeface="+mn-ea"/>
+                <a:cs typeface="+mn-cs"/>
+              </a:rPr>
+              <a:t>This type of thing is really nice when you’re testing search or filtering code, when you want to be sure that the code is properly excluding data that doesn’t match the criteria. A scenario like this lets you write one line of setup code to get all of those distractor records more or less for free.</a:t>
+            </a:r>
+            <a:endParaRPr lang="en-US" sz="1200" kern="1200" dirty="0">
+              <a:solidFill>
+                <a:schemeClr val="tx1"/>
+              </a:solidFill>
+              <a:effectLst/>
+              <a:latin typeface="+mn-lt"/>
+              <a:ea typeface="+mn-ea"/>
+              <a:cs typeface="+mn-cs"/>
+            </a:endParaRPr>
           </a:p>
         </p:txBody>
       </p:sp>
@@ -11064,10 +11071,12 @@
                 <a:ea typeface="+mn-ea"/>
                 <a:cs typeface="+mn-cs"/>
               </a:rPr>
-              <a:t>The first thing is to add a </a:t>
-            </a:r>
-            <a:r>
-              <a:rPr lang="en-US" sz="1200" i="1" kern="1200" dirty="0" smtClean="0">
+              <a:t>As an example, let’s start with this unit test. It creates two orders, sets up the service under test and prepares your mocks or stubs or whatever, and then asserts that the shipped order is NOT returned.</a:t>
+            </a:r>
+          </a:p>
+          <a:p>
+            <a:r>
+              <a:rPr lang="en-US" sz="1200" kern="1200" dirty="0" smtClean="0">
                 <a:solidFill>
                   <a:schemeClr val="tx1"/>
                 </a:solidFill>
@@ -11076,8 +11085,10 @@
                 <a:ea typeface="+mn-ea"/>
                 <a:cs typeface="+mn-cs"/>
               </a:rPr>
-              <a:t>Save() </a:t>
-            </a:r>
+              <a:t>But if the service that we’re testing is a data service, then this filtering logic might be implemented in a SQL query. The only way to properly test that filter is to create real data in a real database. </a:t>
+            </a:r>
+          </a:p>
+          <a:p>
             <a:r>
               <a:rPr lang="en-US" sz="1200" kern="1200" dirty="0" smtClean="0">
                 <a:solidFill>
@@ -11088,69 +11099,7 @@
                 <a:ea typeface="+mn-ea"/>
                 <a:cs typeface="+mn-cs"/>
               </a:rPr>
-              <a:t>method to your Test Helpers classes, and pass your database connection into it. </a:t>
-            </a:r>
-          </a:p>
-          <a:p>
-            <a:r>
-              <a:rPr lang="en-US" sz="1200" kern="1200" dirty="0" smtClean="0">
-                <a:solidFill>
-                  <a:schemeClr val="tx1"/>
-                </a:solidFill>
-                <a:effectLst/>
-                <a:latin typeface="+mn-lt"/>
-                <a:ea typeface="+mn-ea"/>
-                <a:cs typeface="+mn-cs"/>
-              </a:rPr>
-              <a:t>We use NHibernate and this </a:t>
-            </a:r>
-            <a:r>
-              <a:rPr lang="en-US" sz="1200" kern="1200" dirty="0" err="1" smtClean="0">
-                <a:solidFill>
-                  <a:schemeClr val="tx1"/>
-                </a:solidFill>
-                <a:effectLst/>
-                <a:latin typeface="+mn-lt"/>
-                <a:ea typeface="+mn-ea"/>
-                <a:cs typeface="+mn-cs"/>
-              </a:rPr>
-              <a:t>ISession</a:t>
-            </a:r>
-            <a:r>
-              <a:rPr lang="en-US" sz="1200" kern="1200" dirty="0" smtClean="0">
-                <a:solidFill>
-                  <a:schemeClr val="tx1"/>
-                </a:solidFill>
-                <a:effectLst/>
-                <a:latin typeface="+mn-lt"/>
-                <a:ea typeface="+mn-ea"/>
-                <a:cs typeface="+mn-cs"/>
-              </a:rPr>
-              <a:t> thing is basically the database gateway object. If you use Entity Framework then you might pass the </a:t>
-            </a:r>
-            <a:r>
-              <a:rPr lang="en-US" sz="1200" kern="1200" dirty="0" err="1" smtClean="0">
-                <a:solidFill>
-                  <a:schemeClr val="tx1"/>
-                </a:solidFill>
-                <a:effectLst/>
-                <a:latin typeface="+mn-lt"/>
-                <a:ea typeface="+mn-ea"/>
-                <a:cs typeface="+mn-cs"/>
-              </a:rPr>
-              <a:t>db</a:t>
-            </a:r>
-            <a:r>
-              <a:rPr lang="en-US" sz="1200" kern="1200" dirty="0" smtClean="0">
-                <a:solidFill>
-                  <a:schemeClr val="tx1"/>
-                </a:solidFill>
-                <a:effectLst/>
-                <a:latin typeface="+mn-lt"/>
-                <a:ea typeface="+mn-ea"/>
-                <a:cs typeface="+mn-cs"/>
-              </a:rPr>
-              <a:t> context here, or you might pass a raw ADO.NET connection or whatever other object that you need to talk to the database. </a:t>
+              <a:t>But it would be great if we could use this same code to create that data in a way that addresses all of those issues we just looked at.</a:t>
             </a:r>
             <a:endParaRPr lang="en-US" sz="1200" kern="1200" dirty="0">
               <a:solidFill>
@@ -11254,10 +11203,20 @@
                 <a:ea typeface="+mn-ea"/>
                 <a:cs typeface="+mn-cs"/>
               </a:rPr>
-              <a:t>Here’s what the Save method itself looks like.</a:t>
-            </a:r>
-          </a:p>
-          <a:p>
+              <a:t>The first step to achieving that goal is to add a </a:t>
+            </a:r>
+            <a:r>
+              <a:rPr lang="en-US" sz="1200" i="1" kern="1200" dirty="0" smtClean="0">
+                <a:solidFill>
+                  <a:schemeClr val="tx1"/>
+                </a:solidFill>
+                <a:effectLst/>
+                <a:latin typeface="+mn-lt"/>
+                <a:ea typeface="+mn-ea"/>
+                <a:cs typeface="+mn-cs"/>
+              </a:rPr>
+              <a:t>Save() </a:t>
+            </a:r>
             <a:r>
               <a:rPr lang="en-US" sz="1200" kern="1200" dirty="0" smtClean="0">
                 <a:solidFill>
@@ -11268,7 +11227,83 @@
                 <a:ea typeface="+mn-ea"/>
                 <a:cs typeface="+mn-cs"/>
               </a:rPr>
-              <a:t>The first thing it does is deal with the foreign key constraints by delegating to other helpers to save its references. In this case, we can’t save an Order unless it references an existing Customer ID. By delegating to the Customer helper to create that record we keep each individual helper clean and focused on a single type.</a:t>
+              <a:t>method to your Test Helpers classes.</a:t>
+            </a:r>
+          </a:p>
+          <a:p>
+            <a:r>
+              <a:rPr lang="en-US" sz="1200" kern="1200" dirty="0" smtClean="0">
+                <a:solidFill>
+                  <a:schemeClr val="tx1"/>
+                </a:solidFill>
+                <a:effectLst/>
+                <a:latin typeface="+mn-lt"/>
+                <a:ea typeface="+mn-ea"/>
+                <a:cs typeface="+mn-cs"/>
+              </a:rPr>
+              <a:t>Obviously, this method needs some way of talking to the database, so you’ll either need to pass a database connection into the Save method when you call it, or you’ll need to use some sort of dependency injection to make it available. Since all of our other helper methods are static, I’ve found it easier to keep the Save method static as well and not worry about DI in this case.</a:t>
+            </a:r>
+          </a:p>
+          <a:p>
+            <a:r>
+              <a:rPr lang="en-US" sz="1200" kern="1200" dirty="0" smtClean="0">
+                <a:solidFill>
+                  <a:schemeClr val="tx1"/>
+                </a:solidFill>
+                <a:effectLst/>
+                <a:latin typeface="+mn-lt"/>
+                <a:ea typeface="+mn-ea"/>
+                <a:cs typeface="+mn-cs"/>
+              </a:rPr>
+              <a:t>My project uses NHibernate so we pass around an </a:t>
+            </a:r>
+            <a:r>
+              <a:rPr lang="en-US" sz="1200" kern="1200" dirty="0" err="1" smtClean="0">
+                <a:solidFill>
+                  <a:schemeClr val="tx1"/>
+                </a:solidFill>
+                <a:effectLst/>
+                <a:latin typeface="+mn-lt"/>
+                <a:ea typeface="+mn-ea"/>
+                <a:cs typeface="+mn-cs"/>
+              </a:rPr>
+              <a:t>ISession</a:t>
+            </a:r>
+            <a:r>
+              <a:rPr lang="en-US" sz="1200" kern="1200" dirty="0" smtClean="0">
+                <a:solidFill>
+                  <a:schemeClr val="tx1"/>
+                </a:solidFill>
+                <a:effectLst/>
+                <a:latin typeface="+mn-lt"/>
+                <a:ea typeface="+mn-ea"/>
+                <a:cs typeface="+mn-cs"/>
+              </a:rPr>
+              <a:t> right here. If you use Entity Framework then you might pass the </a:t>
+            </a:r>
+            <a:r>
+              <a:rPr lang="en-US" sz="1200" kern="1200" dirty="0" err="1" smtClean="0">
+                <a:solidFill>
+                  <a:schemeClr val="tx1"/>
+                </a:solidFill>
+                <a:effectLst/>
+                <a:latin typeface="+mn-lt"/>
+                <a:ea typeface="+mn-ea"/>
+                <a:cs typeface="+mn-cs"/>
+              </a:rPr>
+              <a:t>db</a:t>
+            </a:r>
+            <a:r>
+              <a:rPr lang="en-US" sz="1200" kern="1200" dirty="0" smtClean="0">
+                <a:solidFill>
+                  <a:schemeClr val="tx1"/>
+                </a:solidFill>
+                <a:effectLst/>
+                <a:latin typeface="+mn-lt"/>
+                <a:ea typeface="+mn-ea"/>
+                <a:cs typeface="+mn-cs"/>
+              </a:rPr>
+              <a:t> context here, or a raw ADO.NET connection or whatever other object that you need to talk to the database. </a:t>
             </a:r>
             <a:endParaRPr lang="en-US" sz="1200" kern="1200" dirty="0">
               <a:solidFill>
@@ -11308,7 +11343,7 @@
     </p:spTree>
     <p:extLst>
       <p:ext uri="{BB962C8B-B14F-4D97-AF65-F5344CB8AC3E}">
-        <p14:creationId xmlns:p14="http://schemas.microsoft.com/office/powerpoint/2010/main" val="884341304"/>
+        <p14:creationId xmlns:p14="http://schemas.microsoft.com/office/powerpoint/2010/main" val="1408365047"/>
       </p:ext>
     </p:extLst>
   </p:cSld>
@@ -11372,7 +11407,7 @@
                 <a:ea typeface="+mn-ea"/>
                 <a:cs typeface="+mn-cs"/>
               </a:rPr>
-              <a:t>Next, the Save method deals with primary key values. </a:t>
+              <a:t>Here’s what the Save method itself looks like.</a:t>
             </a:r>
           </a:p>
           <a:p>
@@ -11386,83 +11421,7 @@
                 <a:ea typeface="+mn-ea"/>
                 <a:cs typeface="+mn-cs"/>
               </a:rPr>
-              <a:t>Remember that to avoid “unexpected equality”, each object that we create is assigned a non-zero value. But many ORMs use the ID property to determine if they should issue an INSERT or UPDATE query, and if the ORM sees a non-zero ID it will issue an UPDATE statement, and not an INSERT.</a:t>
-            </a:r>
-          </a:p>
-          <a:p>
-            <a:r>
-              <a:rPr lang="en-US" sz="1200" kern="1200" dirty="0" smtClean="0">
-                <a:solidFill>
-                  <a:schemeClr val="tx1"/>
-                </a:solidFill>
-                <a:effectLst/>
-                <a:latin typeface="+mn-lt"/>
-                <a:ea typeface="+mn-ea"/>
-                <a:cs typeface="+mn-cs"/>
-              </a:rPr>
-              <a:t>This is where that </a:t>
-            </a:r>
-            <a:r>
-              <a:rPr lang="en-US" sz="1200" kern="1200" dirty="0" err="1" smtClean="0">
-                <a:solidFill>
-                  <a:schemeClr val="tx1"/>
-                </a:solidFill>
-                <a:effectLst/>
-                <a:latin typeface="+mn-lt"/>
-                <a:ea typeface="+mn-ea"/>
-                <a:cs typeface="+mn-cs"/>
-              </a:rPr>
-              <a:t>IdSequencer</a:t>
-            </a:r>
-            <a:r>
-              <a:rPr lang="en-US" sz="1200" kern="1200" dirty="0" smtClean="0">
-                <a:solidFill>
-                  <a:schemeClr val="tx1"/>
-                </a:solidFill>
-                <a:effectLst/>
-                <a:latin typeface="+mn-lt"/>
-                <a:ea typeface="+mn-ea"/>
-                <a:cs typeface="+mn-cs"/>
-              </a:rPr>
-              <a:t> object comes in handy. It knows which values it’s handed out, so before we save our object we do a check to see if the ID currently in use was assigned by the sequencer. If it was then we reset it to 0, and cause an insert. If it wasn’t, then that means we’re dealing with an object that already exists in the database and we do nothing, and cause an update.</a:t>
-            </a:r>
-          </a:p>
-          <a:p>
-            <a:r>
-              <a:rPr lang="en-US" sz="1200" kern="1200" dirty="0" smtClean="0">
-                <a:solidFill>
-                  <a:schemeClr val="tx1"/>
-                </a:solidFill>
-                <a:effectLst/>
-                <a:latin typeface="+mn-lt"/>
-                <a:ea typeface="+mn-ea"/>
-                <a:cs typeface="+mn-cs"/>
-              </a:rPr>
-              <a:t>Note that we don’t need to reset ALL values that were assigned by the </a:t>
-            </a:r>
-            <a:r>
-              <a:rPr lang="en-US" sz="1200" kern="1200" dirty="0" err="1" smtClean="0">
-                <a:solidFill>
-                  <a:schemeClr val="tx1"/>
-                </a:solidFill>
-                <a:effectLst/>
-                <a:latin typeface="+mn-lt"/>
-                <a:ea typeface="+mn-ea"/>
-                <a:cs typeface="+mn-cs"/>
-              </a:rPr>
-              <a:t>IdSequencer</a:t>
-            </a:r>
-            <a:r>
-              <a:rPr lang="en-US" sz="1200" kern="1200" dirty="0" smtClean="0">
-                <a:solidFill>
-                  <a:schemeClr val="tx1"/>
-                </a:solidFill>
-                <a:effectLst/>
-                <a:latin typeface="+mn-lt"/>
-                <a:ea typeface="+mn-ea"/>
-                <a:cs typeface="+mn-cs"/>
-              </a:rPr>
-              <a:t>, only entity IDs. Only properties that map to primary keys.</a:t>
+              <a:t>The first thing it does is deal with the foreign key constraints by delegating to other helpers to save its references. In this case, we can’t save an Order unless it references an existing Customer ID. By delegating to the Customer helper to create that record we keep each individual helper clean and focused on a single type.</a:t>
             </a:r>
             <a:endParaRPr lang="en-US" sz="1200" kern="1200" dirty="0">
               <a:solidFill>
@@ -11502,7 +11461,7 @@
     </p:spTree>
     <p:extLst>
       <p:ext uri="{BB962C8B-B14F-4D97-AF65-F5344CB8AC3E}">
-        <p14:creationId xmlns:p14="http://schemas.microsoft.com/office/powerpoint/2010/main" val="2717799063"/>
+        <p14:creationId xmlns:p14="http://schemas.microsoft.com/office/powerpoint/2010/main" val="884341304"/>
       </p:ext>
     </p:extLst>
   </p:cSld>
@@ -11656,7 +11615,7 @@
                 <a:ea typeface="+mn-ea"/>
                 <a:cs typeface="+mn-cs"/>
               </a:rPr>
-              <a:t>Finally, the helper calls out to the ORM to insert or update the database. If you’re not using an ORM then the exact details might change, but the general pattern should hold up.</a:t>
+              <a:t>Next, the Save method deals with primary key values. </a:t>
             </a:r>
           </a:p>
           <a:p>
@@ -11670,7 +11629,7 @@
                 <a:ea typeface="+mn-ea"/>
                 <a:cs typeface="+mn-cs"/>
               </a:rPr>
-              <a:t>If you follow this pattern then you can basically write a bunch of unit tests with in-memory data, copy and paste the setup code from one of them into an integration test, add a few calls to this Save method, and you’re done. It’s pretty sweet when it comes together.</a:t>
+              <a:t>Remember that to avoid “unexpected equality”, each object that we create is assigned a non-zero value. But many ORMs use the ID property to determine if they should issue an INSERT or UPDATE query, and if the ORM sees a non-zero ID it will issue an UPDATE statement, and not an INSERT.</a:t>
             </a:r>
           </a:p>
           <a:p>
@@ -11684,10 +11643,20 @@
                 <a:ea typeface="+mn-ea"/>
                 <a:cs typeface="+mn-cs"/>
               </a:rPr>
-              <a:t>But how do prevent this test data from lingering in the database when the test run is over?</a:t>
-            </a:r>
-          </a:p>
-          <a:p>
+              <a:t>This is where that </a:t>
+            </a:r>
+            <a:r>
+              <a:rPr lang="en-US" sz="1200" kern="1200" dirty="0" err="1" smtClean="0">
+                <a:solidFill>
+                  <a:schemeClr val="tx1"/>
+                </a:solidFill>
+                <a:effectLst/>
+                <a:latin typeface="+mn-lt"/>
+                <a:ea typeface="+mn-ea"/>
+                <a:cs typeface="+mn-cs"/>
+              </a:rPr>
+              <a:t>IdSequencer</a:t>
+            </a:r>
             <a:r>
               <a:rPr lang="en-US" sz="1200" kern="1200" dirty="0" smtClean="0">
                 <a:solidFill>
@@ -11698,7 +11667,45 @@
                 <a:ea typeface="+mn-ea"/>
                 <a:cs typeface="+mn-cs"/>
               </a:rPr>
-              <a:t>One possibility is to reset the database to a known state at the start of each test run. This works, but I don’t recommend it. One reason is that it’s a massive pain to maintain that baseline backup every time the schema changes or new data is added. Another reason is that I use the same database for unit tests as I do for manual testing. It really sucks to spend a bunch of time crafting data for a manual test and then lose it because you accidently ran an integration test that wiped the slate clean. </a:t>
+              <a:t> object comes in handy. It knows which values it’s handed out, so before we save our object we do a check to see if the ID currently in use was assigned by the sequencer. If it was then we reset it to 0, and cause an insert. If it wasn’t, then that means we’re dealing with an object that already exists in the database and we do nothing, and cause an update.</a:t>
+            </a:r>
+          </a:p>
+          <a:p>
+            <a:r>
+              <a:rPr lang="en-US" sz="1200" kern="1200" dirty="0" smtClean="0">
+                <a:solidFill>
+                  <a:schemeClr val="tx1"/>
+                </a:solidFill>
+                <a:effectLst/>
+                <a:latin typeface="+mn-lt"/>
+                <a:ea typeface="+mn-ea"/>
+                <a:cs typeface="+mn-cs"/>
+              </a:rPr>
+              <a:t>Note that we don’t need to reset ALL values that were assigned by the </a:t>
+            </a:r>
+            <a:r>
+              <a:rPr lang="en-US" sz="1200" kern="1200" dirty="0" err="1" smtClean="0">
+                <a:solidFill>
+                  <a:schemeClr val="tx1"/>
+                </a:solidFill>
+                <a:effectLst/>
+                <a:latin typeface="+mn-lt"/>
+                <a:ea typeface="+mn-ea"/>
+                <a:cs typeface="+mn-cs"/>
+              </a:rPr>
+              <a:t>IdSequencer</a:t>
+            </a:r>
+            <a:r>
+              <a:rPr lang="en-US" sz="1200" kern="1200" dirty="0" smtClean="0">
+                <a:solidFill>
+                  <a:schemeClr val="tx1"/>
+                </a:solidFill>
+                <a:effectLst/>
+                <a:latin typeface="+mn-lt"/>
+                <a:ea typeface="+mn-ea"/>
+                <a:cs typeface="+mn-cs"/>
+              </a:rPr>
+              <a:t>, only entity IDs. Only properties that map to primary keys.</a:t>
             </a:r>
             <a:endParaRPr lang="en-US" sz="1200" kern="1200" dirty="0">
               <a:solidFill>
@@ -11738,7 +11745,7 @@
     </p:spTree>
     <p:extLst>
       <p:ext uri="{BB962C8B-B14F-4D97-AF65-F5344CB8AC3E}">
-        <p14:creationId xmlns:p14="http://schemas.microsoft.com/office/powerpoint/2010/main" val="2145290865"/>
+        <p14:creationId xmlns:p14="http://schemas.microsoft.com/office/powerpoint/2010/main" val="2717799063"/>
       </p:ext>
     </p:extLst>
   </p:cSld>
@@ -11802,7 +11809,7 @@
                 <a:ea typeface="+mn-ea"/>
                 <a:cs typeface="+mn-cs"/>
               </a:rPr>
-              <a:t>Another option is to start a database transaction when each test starts, and then roll that transaction back when the test is over.</a:t>
+              <a:t>Finally, the helper calls out to the ORM to insert or update the database. If you’re not using an ORM then the exact details might change, but the general pattern should hold up.</a:t>
             </a:r>
           </a:p>
           <a:p>
@@ -11816,10 +11823,12 @@
                 <a:ea typeface="+mn-ea"/>
                 <a:cs typeface="+mn-cs"/>
               </a:rPr>
-              <a:t>Years ago I wrote a custom </a:t>
-            </a:r>
-            <a:r>
-              <a:rPr lang="en-US" sz="1200" kern="1200" dirty="0" err="1" smtClean="0">
+              <a:t>If you follow this pattern then you can basically write a bunch of unit tests with in-memory data, copy and paste the setup code from one of them into an integration test, add a few calls to this Save method, and you’re done. It’s pretty sweet when it comes together.</a:t>
+            </a:r>
+          </a:p>
+          <a:p>
+            <a:r>
+              <a:rPr lang="en-US" sz="1200" kern="1200" dirty="0" smtClean="0">
                 <a:solidFill>
                   <a:schemeClr val="tx1"/>
                 </a:solidFill>
@@ -11828,8 +11837,10 @@
                 <a:ea typeface="+mn-ea"/>
                 <a:cs typeface="+mn-cs"/>
               </a:rPr>
-              <a:t>NUnit</a:t>
-            </a:r>
+              <a:t>But how do prevent this test data from lingering in the database when the test run is over?</a:t>
+            </a:r>
+          </a:p>
+          <a:p>
             <a:r>
               <a:rPr lang="en-US" sz="1200" kern="1200" dirty="0" smtClean="0">
                 <a:solidFill>
@@ -11840,21 +11851,17 @@
                 <a:ea typeface="+mn-ea"/>
                 <a:cs typeface="+mn-cs"/>
               </a:rPr>
-              <a:t> attribute called Rollback that does this for us. Any test that has this attribute is automatically executed inside of a transaction that is discarded when the test finishes. The implementation for this is on my GitHub, but at this point it’s like seven years old. There are probably newer and better ways of doing it now, but you’re welcome to copy my approach if you’re using </a:t>
-            </a:r>
-            <a:r>
-              <a:rPr lang="en-US" sz="1200" kern="1200" dirty="0" err="1" smtClean="0">
-                <a:solidFill>
-                  <a:schemeClr val="tx1"/>
-                </a:solidFill>
-                <a:effectLst/>
-                <a:latin typeface="+mn-lt"/>
-                <a:ea typeface="+mn-ea"/>
-                <a:cs typeface="+mn-cs"/>
-              </a:rPr>
-              <a:t>NUnit</a:t>
-            </a:r>
-            <a:endParaRPr lang="en-US" dirty="0"/>
+              <a:t>One possibility is to reset the database to a known state at the start of each test run. This works, but I don’t recommend it. One reason is that it’s a massive pain to maintain that baseline backup every time the schema changes or new data is added. Another reason is that I use the same database for unit tests as I do for manual testing. It really sucks to spend a bunch of time crafting data for a manual test and then lose it because you accidently ran an integration test that wiped the slate clean. </a:t>
+            </a:r>
+            <a:endParaRPr lang="en-US" sz="1200" kern="1200" dirty="0">
+              <a:solidFill>
+                <a:schemeClr val="tx1"/>
+              </a:solidFill>
+              <a:effectLst/>
+              <a:latin typeface="+mn-lt"/>
+              <a:ea typeface="+mn-ea"/>
+              <a:cs typeface="+mn-cs"/>
+            </a:endParaRPr>
           </a:p>
         </p:txBody>
       </p:sp>
@@ -11884,7 +11891,7 @@
     </p:spTree>
     <p:extLst>
       <p:ext uri="{BB962C8B-B14F-4D97-AF65-F5344CB8AC3E}">
-        <p14:creationId xmlns:p14="http://schemas.microsoft.com/office/powerpoint/2010/main" val="3266683685"/>
+        <p14:creationId xmlns:p14="http://schemas.microsoft.com/office/powerpoint/2010/main" val="2145290865"/>
       </p:ext>
     </p:extLst>
   </p:cSld>
@@ -11948,17 +11955,59 @@
                 <a:ea typeface="+mn-ea"/>
                 <a:cs typeface="+mn-cs"/>
               </a:rPr>
-              <a:t>As an example of how powerful these techniques can be, let’s first revisit that nasty chunk of setup code I showed at the start…</a:t>
-            </a:r>
-            <a:endParaRPr lang="en-US" sz="1200" kern="1200" dirty="0">
-              <a:solidFill>
-                <a:schemeClr val="tx1"/>
-              </a:solidFill>
-              <a:effectLst/>
-              <a:latin typeface="+mn-lt"/>
-              <a:ea typeface="+mn-ea"/>
-              <a:cs typeface="+mn-cs"/>
-            </a:endParaRPr>
+              <a:t>Another option is to start a database transaction when each test starts, and then roll that transaction back when the test is over.</a:t>
+            </a:r>
+          </a:p>
+          <a:p>
+            <a:r>
+              <a:rPr lang="en-US" sz="1200" kern="1200" dirty="0" smtClean="0">
+                <a:solidFill>
+                  <a:schemeClr val="tx1"/>
+                </a:solidFill>
+                <a:effectLst/>
+                <a:latin typeface="+mn-lt"/>
+                <a:ea typeface="+mn-ea"/>
+                <a:cs typeface="+mn-cs"/>
+              </a:rPr>
+              <a:t>Years ago I wrote a custom </a:t>
+            </a:r>
+            <a:r>
+              <a:rPr lang="en-US" sz="1200" kern="1200" dirty="0" err="1" smtClean="0">
+                <a:solidFill>
+                  <a:schemeClr val="tx1"/>
+                </a:solidFill>
+                <a:effectLst/>
+                <a:latin typeface="+mn-lt"/>
+                <a:ea typeface="+mn-ea"/>
+                <a:cs typeface="+mn-cs"/>
+              </a:rPr>
+              <a:t>NUnit</a:t>
+            </a:r>
+            <a:r>
+              <a:rPr lang="en-US" sz="1200" kern="1200" dirty="0" smtClean="0">
+                <a:solidFill>
+                  <a:schemeClr val="tx1"/>
+                </a:solidFill>
+                <a:effectLst/>
+                <a:latin typeface="+mn-lt"/>
+                <a:ea typeface="+mn-ea"/>
+                <a:cs typeface="+mn-cs"/>
+              </a:rPr>
+              <a:t> attribute called Rollback that does this for us. Any test that has this attribute is automatically executed inside of a transaction that is discarded when the test finishes. The implementation for this is on my GitHub, but at this point it’s like seven years old. There are probably newer and better ways of doing it now, but you’re welcome to copy my approach if you’re using </a:t>
+            </a:r>
+            <a:r>
+              <a:rPr lang="en-US" sz="1200" kern="1200" dirty="0" err="1" smtClean="0">
+                <a:solidFill>
+                  <a:schemeClr val="tx1"/>
+                </a:solidFill>
+                <a:effectLst/>
+                <a:latin typeface="+mn-lt"/>
+                <a:ea typeface="+mn-ea"/>
+                <a:cs typeface="+mn-cs"/>
+              </a:rPr>
+              <a:t>NUnit</a:t>
+            </a:r>
+            <a:endParaRPr lang="en-US" dirty="0"/>
           </a:p>
         </p:txBody>
       </p:sp>
@@ -11988,7 +12037,7 @@
     </p:spTree>
     <p:extLst>
       <p:ext uri="{BB962C8B-B14F-4D97-AF65-F5344CB8AC3E}">
-        <p14:creationId xmlns:p14="http://schemas.microsoft.com/office/powerpoint/2010/main" val="621233375"/>
+        <p14:creationId xmlns:p14="http://schemas.microsoft.com/office/powerpoint/2010/main" val="3266683685"/>
       </p:ext>
     </p:extLst>
   </p:cSld>
@@ -12042,7 +12091,27 @@
           <a:bodyPr/>
           <a:lstStyle/>
           <a:p>
-            <a:endParaRPr lang="en-US" dirty="0"/>
+            <a:r>
+              <a:rPr lang="en-US" sz="1200" kern="1200" dirty="0" smtClean="0">
+                <a:solidFill>
+                  <a:schemeClr val="tx1"/>
+                </a:solidFill>
+                <a:effectLst/>
+                <a:latin typeface="+mn-lt"/>
+                <a:ea typeface="+mn-ea"/>
+                <a:cs typeface="+mn-cs"/>
+              </a:rPr>
+              <a:t>As an example of how powerful these techniques can be, let’s first revisit that nasty chunk of setup code I showed at the start…</a:t>
+            </a:r>
+            <a:endParaRPr lang="en-US" sz="1200" kern="1200" dirty="0">
+              <a:solidFill>
+                <a:schemeClr val="tx1"/>
+              </a:solidFill>
+              <a:effectLst/>
+              <a:latin typeface="+mn-lt"/>
+              <a:ea typeface="+mn-ea"/>
+              <a:cs typeface="+mn-cs"/>
+            </a:endParaRPr>
           </a:p>
         </p:txBody>
       </p:sp>
@@ -12072,7 +12141,7 @@
     </p:spTree>
     <p:extLst>
       <p:ext uri="{BB962C8B-B14F-4D97-AF65-F5344CB8AC3E}">
-        <p14:creationId xmlns:p14="http://schemas.microsoft.com/office/powerpoint/2010/main" val="871096793"/>
+        <p14:creationId xmlns:p14="http://schemas.microsoft.com/office/powerpoint/2010/main" val="621233375"/>
       </p:ext>
     </p:extLst>
   </p:cSld>
@@ -12126,62 +12195,7 @@
           <a:bodyPr/>
           <a:lstStyle/>
           <a:p>
-            <a:pPr marL="0" marR="0" lvl="0" indent="0" algn="l" defTabSz="914400" rtl="0" eaLnBrk="1" fontAlgn="auto" latinLnBrk="0" hangingPunct="1">
-              <a:lnSpc>
-                <a:spcPct val="100000"/>
-              </a:lnSpc>
-              <a:spcBef>
-                <a:spcPts val="0"/>
-              </a:spcBef>
-              <a:spcAft>
-                <a:spcPts val="0"/>
-              </a:spcAft>
-              <a:buClrTx/>
-              <a:buSzTx/>
-              <a:buFontTx/>
-              <a:buNone/>
-              <a:tabLst/>
-              <a:defRPr/>
-            </a:pPr>
-            <a:r>
-              <a:rPr lang="en-US" sz="1200" kern="1200" dirty="0" smtClean="0">
-                <a:solidFill>
-                  <a:schemeClr val="tx1"/>
-                </a:solidFill>
-                <a:effectLst/>
-                <a:latin typeface="+mn-lt"/>
-                <a:ea typeface="+mn-ea"/>
-                <a:cs typeface="+mn-cs"/>
-              </a:rPr>
-              <a:t>All three </a:t>
-            </a:r>
-            <a:r>
-              <a:rPr lang="en-US" sz="1200" kern="1200" dirty="0" err="1" smtClean="0">
-                <a:solidFill>
-                  <a:schemeClr val="tx1"/>
-                </a:solidFill>
-                <a:effectLst/>
-                <a:latin typeface="+mn-lt"/>
-                <a:ea typeface="+mn-ea"/>
-                <a:cs typeface="+mn-cs"/>
-              </a:rPr>
-              <a:t>screenfulls</a:t>
-            </a:r>
-            <a:r>
-              <a:rPr lang="en-US" sz="1200" kern="1200" dirty="0" smtClean="0">
-                <a:solidFill>
-                  <a:schemeClr val="tx1"/>
-                </a:solidFill>
-                <a:effectLst/>
-                <a:latin typeface="+mn-lt"/>
-                <a:ea typeface="+mn-ea"/>
-                <a:cs typeface="+mn-cs"/>
-              </a:rPr>
-              <a:t> of it.</a:t>
-            </a:r>
-          </a:p>
-          <a:p>
-            <a:endParaRPr lang="en-US" dirty="0" smtClean="0"/>
+            <a:endParaRPr lang="en-US" dirty="0"/>
           </a:p>
         </p:txBody>
       </p:sp>
@@ -12211,7 +12225,7 @@
     </p:spTree>
     <p:extLst>
       <p:ext uri="{BB962C8B-B14F-4D97-AF65-F5344CB8AC3E}">
-        <p14:creationId xmlns:p14="http://schemas.microsoft.com/office/powerpoint/2010/main" val="2885101328"/>
+        <p14:creationId xmlns:p14="http://schemas.microsoft.com/office/powerpoint/2010/main" val="871096793"/>
       </p:ext>
     </p:extLst>
   </p:cSld>
@@ -12265,6 +12279,23 @@
           <a:bodyPr/>
           <a:lstStyle/>
           <a:p>
+            <a:pPr marL="0" marR="0" lvl="0" indent="0" algn="l" defTabSz="914400" rtl="0" eaLnBrk="1" fontAlgn="auto" latinLnBrk="0" hangingPunct="1">
+              <a:lnSpc>
+                <a:spcPct val="100000"/>
+              </a:lnSpc>
+              <a:spcBef>
+                <a:spcPts val="0"/>
+              </a:spcBef>
+              <a:spcAft>
+                <a:spcPts val="0"/>
+              </a:spcAft>
+              <a:buClrTx/>
+              <a:buSzTx/>
+              <a:buFontTx/>
+              <a:buNone/>
+              <a:tabLst/>
+              <a:defRPr/>
+            </a:pPr>
             <a:r>
               <a:rPr lang="en-US" sz="1200" kern="1200" dirty="0" smtClean="0">
                 <a:solidFill>
@@ -12275,10 +12306,20 @@
                 <a:ea typeface="+mn-ea"/>
                 <a:cs typeface="+mn-cs"/>
               </a:rPr>
-              <a:t>Here’s that same chunk of code, cleaned up and rewritten using Test Helpers. Most of the values and objects being created were irrelevant dependencies that didn’t impact the outcomes. After pushing all of that stuff into helpers, this is all that’s left and it’s way, way more readable.</a:t>
-            </a:r>
-          </a:p>
-          <a:p>
+              <a:t>All three </a:t>
+            </a:r>
+            <a:r>
+              <a:rPr lang="en-US" sz="1200" kern="1200" dirty="0" err="1" smtClean="0">
+                <a:solidFill>
+                  <a:schemeClr val="tx1"/>
+                </a:solidFill>
+                <a:effectLst/>
+                <a:latin typeface="+mn-lt"/>
+                <a:ea typeface="+mn-ea"/>
+                <a:cs typeface="+mn-cs"/>
+              </a:rPr>
+              <a:t>screenfulls</a:t>
+            </a:r>
             <a:r>
               <a:rPr lang="en-US" sz="1200" kern="1200" dirty="0" smtClean="0">
                 <a:solidFill>
@@ -12289,17 +12330,11 @@
                 <a:ea typeface="+mn-ea"/>
                 <a:cs typeface="+mn-cs"/>
               </a:rPr>
-              <a:t>I’ve said it before and I’ll say it again; the single most important thing you can do is build a good helper library and stop creating data by hand.</a:t>
-            </a:r>
-            <a:endParaRPr lang="en-US" sz="1200" kern="1200" dirty="0">
-              <a:solidFill>
-                <a:schemeClr val="tx1"/>
-              </a:solidFill>
-              <a:effectLst/>
-              <a:latin typeface="+mn-lt"/>
-              <a:ea typeface="+mn-ea"/>
-              <a:cs typeface="+mn-cs"/>
-            </a:endParaRPr>
+              <a:t> of it.</a:t>
+            </a:r>
+          </a:p>
+          <a:p>
+            <a:endParaRPr lang="en-US" dirty="0" smtClean="0"/>
           </a:p>
         </p:txBody>
       </p:sp>
@@ -12329,7 +12364,7 @@
     </p:spTree>
     <p:extLst>
       <p:ext uri="{BB962C8B-B14F-4D97-AF65-F5344CB8AC3E}">
-        <p14:creationId xmlns:p14="http://schemas.microsoft.com/office/powerpoint/2010/main" val="2408674174"/>
+        <p14:creationId xmlns:p14="http://schemas.microsoft.com/office/powerpoint/2010/main" val="2885101328"/>
       </p:ext>
     </p:extLst>
   </p:cSld>
@@ -12393,7 +12428,7 @@
                 <a:ea typeface="+mn-ea"/>
                 <a:cs typeface="+mn-cs"/>
               </a:rPr>
-              <a:t>To wrap up, I have some quick suggestions for how to get started with these patterns in your own code.</a:t>
+              <a:t>Here’s that same chunk of code, cleaned up and rewritten using Test Helpers. Most of the values and objects being created were irrelevant dependencies that didn’t impact the outcomes. After pushing all of that stuff into helpers, this is all that’s left and it’s way, way more readable.</a:t>
             </a:r>
           </a:p>
           <a:p>
@@ -12407,111 +12442,9 @@
                 <a:ea typeface="+mn-ea"/>
                 <a:cs typeface="+mn-cs"/>
               </a:rPr>
-              <a:t>First, start by creating helpers for your simple objects first, the ones that don’t have lots of dependencies or child data. Then move up to more complex objects, delegating to the simple helpers as needed. If you try and start with that huge, massive, ancient beast that lives at the heart of your legacy system, it’s </a:t>
-            </a:r>
-            <a:r>
-              <a:rPr lang="en-US" sz="1200" kern="1200" dirty="0" err="1" smtClean="0">
-                <a:solidFill>
-                  <a:schemeClr val="tx1"/>
-                </a:solidFill>
-                <a:effectLst/>
-                <a:latin typeface="+mn-lt"/>
-                <a:ea typeface="+mn-ea"/>
-                <a:cs typeface="+mn-cs"/>
-              </a:rPr>
-              <a:t>gonna</a:t>
-            </a:r>
-            <a:r>
-              <a:rPr lang="en-US" sz="1200" kern="1200" dirty="0" smtClean="0">
-                <a:solidFill>
-                  <a:schemeClr val="tx1"/>
-                </a:solidFill>
-                <a:effectLst/>
-                <a:latin typeface="+mn-lt"/>
-                <a:ea typeface="+mn-ea"/>
-                <a:cs typeface="+mn-cs"/>
-              </a:rPr>
-              <a:t> hurt.</a:t>
-            </a:r>
-          </a:p>
-          <a:p>
-            <a:r>
-              <a:rPr lang="en-US" sz="1200" kern="1200" dirty="0" smtClean="0">
-                <a:solidFill>
-                  <a:schemeClr val="tx1"/>
-                </a:solidFill>
-                <a:effectLst/>
-                <a:latin typeface="+mn-lt"/>
-                <a:ea typeface="+mn-ea"/>
-                <a:cs typeface="+mn-cs"/>
-              </a:rPr>
-              <a:t>Second, continually refactor your helpers as needed. Remember that test code </a:t>
-            </a:r>
-            <a:r>
-              <a:rPr lang="en-US" sz="1200" i="1" kern="1200" dirty="0" smtClean="0">
-                <a:solidFill>
-                  <a:schemeClr val="tx1"/>
-                </a:solidFill>
-                <a:effectLst/>
-                <a:latin typeface="+mn-lt"/>
-                <a:ea typeface="+mn-ea"/>
-                <a:cs typeface="+mn-cs"/>
-              </a:rPr>
-              <a:t>is </a:t>
-            </a:r>
-            <a:r>
-              <a:rPr lang="en-US" sz="1200" kern="1200" dirty="0" smtClean="0">
-                <a:solidFill>
-                  <a:schemeClr val="tx1"/>
-                </a:solidFill>
-                <a:effectLst/>
-                <a:latin typeface="+mn-lt"/>
-                <a:ea typeface="+mn-ea"/>
-                <a:cs typeface="+mn-cs"/>
-              </a:rPr>
-              <a:t>“real code”; keep it clean and tidy just like you would anything else.</a:t>
-            </a:r>
-          </a:p>
-          <a:p>
-            <a:r>
-              <a:rPr lang="en-US" sz="1200" kern="1200" dirty="0" smtClean="0">
-                <a:solidFill>
-                  <a:schemeClr val="tx1"/>
-                </a:solidFill>
-                <a:effectLst/>
-                <a:latin typeface="+mn-lt"/>
-                <a:ea typeface="+mn-ea"/>
-                <a:cs typeface="+mn-cs"/>
-              </a:rPr>
-              <a:t>Lastly, the sooner you start implementing these patterns, the sooner you’ll notice the payoff. There </a:t>
-            </a:r>
-            <a:r>
-              <a:rPr lang="en-US" sz="1200" i="1" kern="1200" dirty="0" smtClean="0">
-                <a:solidFill>
-                  <a:schemeClr val="tx1"/>
-                </a:solidFill>
-                <a:effectLst/>
-                <a:latin typeface="+mn-lt"/>
-                <a:ea typeface="+mn-ea"/>
-                <a:cs typeface="+mn-cs"/>
-              </a:rPr>
-              <a:t>is </a:t>
-            </a:r>
-            <a:r>
-              <a:rPr lang="en-US" sz="1200" kern="1200" dirty="0" smtClean="0">
-                <a:solidFill>
-                  <a:schemeClr val="tx1"/>
-                </a:solidFill>
-                <a:effectLst/>
-                <a:latin typeface="+mn-lt"/>
-                <a:ea typeface="+mn-ea"/>
-                <a:cs typeface="+mn-cs"/>
-              </a:rPr>
-              <a:t>an investment to add these to a legacy system, but the promised land of clean, simple unit AND integration tests is totally worth it.</a:t>
-            </a:r>
-          </a:p>
-          <a:p>
-            <a:endParaRPr lang="en-US" sz="1200" kern="1200" dirty="0" smtClean="0">
+              <a:t>I’ve said it before and I’ll say it again; the single most important thing you can do is build a good helper library and stop creating data by hand.</a:t>
+            </a:r>
+            <a:endParaRPr lang="en-US" sz="1200" kern="1200" dirty="0">
               <a:solidFill>
                 <a:schemeClr val="tx1"/>
               </a:solidFill>
@@ -12549,7 +12482,7 @@
     </p:spTree>
     <p:extLst>
       <p:ext uri="{BB962C8B-B14F-4D97-AF65-F5344CB8AC3E}">
-        <p14:creationId xmlns:p14="http://schemas.microsoft.com/office/powerpoint/2010/main" val="4116676846"/>
+        <p14:creationId xmlns:p14="http://schemas.microsoft.com/office/powerpoint/2010/main" val="2408674174"/>
       </p:ext>
     </p:extLst>
   </p:cSld>
@@ -12613,7 +12546,21 @@
                 <a:ea typeface="+mn-ea"/>
                 <a:cs typeface="+mn-cs"/>
               </a:rPr>
-              <a:t>And that brings us to the end of this session. Here are the 4 keys to effective test setup as well as links to these slides on </a:t>
+              <a:t>To wrap up, I have some quick suggestions for how to get started with these patterns in your own code.</a:t>
+            </a:r>
+          </a:p>
+          <a:p>
+            <a:r>
+              <a:rPr lang="en-US" sz="1200" kern="1200" dirty="0" smtClean="0">
+                <a:solidFill>
+                  <a:schemeClr val="tx1"/>
+                </a:solidFill>
+                <a:effectLst/>
+                <a:latin typeface="+mn-lt"/>
+                <a:ea typeface="+mn-ea"/>
+                <a:cs typeface="+mn-cs"/>
+              </a:rPr>
+              <a:t>First, start by creating helpers for your simple objects first, the ones that don’t have lots of dependencies or child data. Then move up to more complex objects, delegating to the simple helpers as needed. If you try and start with that huge, massive, ancient beast that lives at the heart of your legacy system, it’s </a:t>
             </a:r>
             <a:r>
               <a:rPr lang="en-US" sz="1200" kern="1200" dirty="0" err="1" smtClean="0">
@@ -12625,7 +12572,7 @@
                 <a:ea typeface="+mn-ea"/>
                 <a:cs typeface="+mn-cs"/>
               </a:rPr>
-              <a:t>Github</a:t>
+              <a:t>gonna</a:t>
             </a:r>
             <a:r>
               <a:rPr lang="en-US" sz="1200" kern="1200" dirty="0" smtClean="0">
@@ -12637,7 +12584,7 @@
                 <a:ea typeface="+mn-ea"/>
                 <a:cs typeface="+mn-cs"/>
               </a:rPr>
-              <a:t>, my website, and my twitter account. If you have any questions or comments I think we have a few minutes right now, or please feel free to seek me out online. </a:t>
+              <a:t> hurt.</a:t>
             </a:r>
           </a:p>
           <a:p>
@@ -12651,7 +12598,69 @@
                 <a:ea typeface="+mn-ea"/>
                 <a:cs typeface="+mn-cs"/>
               </a:rPr>
-              <a:t>THANK YOU!</a:t>
+              <a:t>Second, continually refactor your helpers as needed. Remember that test code </a:t>
+            </a:r>
+            <a:r>
+              <a:rPr lang="en-US" sz="1200" i="1" kern="1200" dirty="0" smtClean="0">
+                <a:solidFill>
+                  <a:schemeClr val="tx1"/>
+                </a:solidFill>
+                <a:effectLst/>
+                <a:latin typeface="+mn-lt"/>
+                <a:ea typeface="+mn-ea"/>
+                <a:cs typeface="+mn-cs"/>
+              </a:rPr>
+              <a:t>is </a:t>
+            </a:r>
+            <a:r>
+              <a:rPr lang="en-US" sz="1200" kern="1200" dirty="0" smtClean="0">
+                <a:solidFill>
+                  <a:schemeClr val="tx1"/>
+                </a:solidFill>
+                <a:effectLst/>
+                <a:latin typeface="+mn-lt"/>
+                <a:ea typeface="+mn-ea"/>
+                <a:cs typeface="+mn-cs"/>
+              </a:rPr>
+              <a:t>“real code”; keep it clean and tidy just like you would anything else.</a:t>
+            </a:r>
+          </a:p>
+          <a:p>
+            <a:r>
+              <a:rPr lang="en-US" sz="1200" kern="1200" dirty="0" smtClean="0">
+                <a:solidFill>
+                  <a:schemeClr val="tx1"/>
+                </a:solidFill>
+                <a:effectLst/>
+                <a:latin typeface="+mn-lt"/>
+                <a:ea typeface="+mn-ea"/>
+                <a:cs typeface="+mn-cs"/>
+              </a:rPr>
+              <a:t>Lastly, the sooner you start implementing these patterns, the sooner you’ll notice the payoff. There </a:t>
+            </a:r>
+            <a:r>
+              <a:rPr lang="en-US" sz="1200" i="1" kern="1200" dirty="0" smtClean="0">
+                <a:solidFill>
+                  <a:schemeClr val="tx1"/>
+                </a:solidFill>
+                <a:effectLst/>
+                <a:latin typeface="+mn-lt"/>
+                <a:ea typeface="+mn-ea"/>
+                <a:cs typeface="+mn-cs"/>
+              </a:rPr>
+              <a:t>is </a:t>
+            </a:r>
+            <a:r>
+              <a:rPr lang="en-US" sz="1200" kern="1200" dirty="0" smtClean="0">
+                <a:solidFill>
+                  <a:schemeClr val="tx1"/>
+                </a:solidFill>
+                <a:effectLst/>
+                <a:latin typeface="+mn-lt"/>
+                <a:ea typeface="+mn-ea"/>
+                <a:cs typeface="+mn-cs"/>
+              </a:rPr>
+              <a:t>an investment to add these to a legacy system, but the promised land of clean, simple unit AND integration tests is totally worth it.</a:t>
             </a:r>
           </a:p>
           <a:p>
@@ -12685,6 +12694,150 @@
             <a:fld id="{89029652-62E7-43D6-83B5-097D7B7AA5D8}" type="slidenum">
               <a:rPr lang="en-US" smtClean="0"/>
               <a:t>87</a:t>
+            </a:fld>
+            <a:endParaRPr lang="en-US"/>
+          </a:p>
+        </p:txBody>
+      </p:sp>
+    </p:spTree>
+    <p:extLst>
+      <p:ext uri="{BB962C8B-B14F-4D97-AF65-F5344CB8AC3E}">
+        <p14:creationId xmlns:p14="http://schemas.microsoft.com/office/powerpoint/2010/main" val="4116676846"/>
+      </p:ext>
+    </p:extLst>
+  </p:cSld>
+  <p:clrMapOvr>
+    <a:masterClrMapping/>
+  </p:clrMapOvr>
+</p:notes>
+</file>
+
+<file path=ppt/notesSlides/notesSlide88.xml><?xml version="1.0" encoding="utf-8"?>
+<p:notes xmlns:a="http://schemas.openxmlformats.org/drawingml/2006/main" xmlns:r="http://schemas.openxmlformats.org/officeDocument/2006/relationships" xmlns:p="http://schemas.openxmlformats.org/presentationml/2006/main">
+  <p:cSld>
+    <p:spTree>
+      <p:nvGrpSpPr>
+        <p:cNvPr id="1" name=""/>
+        <p:cNvGrpSpPr/>
+        <p:nvPr/>
+      </p:nvGrpSpPr>
+      <p:grpSpPr>
+        <a:xfrm>
+          <a:off x="0" y="0"/>
+          <a:ext cx="0" cy="0"/>
+          <a:chOff x="0" y="0"/>
+          <a:chExt cx="0" cy="0"/>
+        </a:xfrm>
+      </p:grpSpPr>
+      <p:sp>
+        <p:nvSpPr>
+          <p:cNvPr id="2" name="Slide Image Placeholder 1"/>
+          <p:cNvSpPr>
+            <a:spLocks noGrp="1" noRot="1" noChangeAspect="1"/>
+          </p:cNvSpPr>
+          <p:nvPr>
+            <p:ph type="sldImg"/>
+          </p:nvPr>
+        </p:nvSpPr>
+        <p:spPr/>
+      </p:sp>
+      <p:sp>
+        <p:nvSpPr>
+          <p:cNvPr id="3" name="Notes Placeholder 2"/>
+          <p:cNvSpPr>
+            <a:spLocks noGrp="1"/>
+          </p:cNvSpPr>
+          <p:nvPr>
+            <p:ph type="body" idx="1"/>
+          </p:nvPr>
+        </p:nvSpPr>
+        <p:spPr/>
+        <p:txBody>
+          <a:bodyPr/>
+          <a:lstStyle/>
+          <a:p>
+            <a:r>
+              <a:rPr lang="en-US" sz="1200" kern="1200" dirty="0" smtClean="0">
+                <a:solidFill>
+                  <a:schemeClr val="tx1"/>
+                </a:solidFill>
+                <a:effectLst/>
+                <a:latin typeface="+mn-lt"/>
+                <a:ea typeface="+mn-ea"/>
+                <a:cs typeface="+mn-cs"/>
+              </a:rPr>
+              <a:t>And that brings us to the end of this session. Here are the 4 keys to effective test setup as well as links to these slides on </a:t>
+            </a:r>
+            <a:r>
+              <a:rPr lang="en-US" sz="1200" kern="1200" dirty="0" err="1" smtClean="0">
+                <a:solidFill>
+                  <a:schemeClr val="tx1"/>
+                </a:solidFill>
+                <a:effectLst/>
+                <a:latin typeface="+mn-lt"/>
+                <a:ea typeface="+mn-ea"/>
+                <a:cs typeface="+mn-cs"/>
+              </a:rPr>
+              <a:t>Github</a:t>
+            </a:r>
+            <a:r>
+              <a:rPr lang="en-US" sz="1200" kern="1200" dirty="0" smtClean="0">
+                <a:solidFill>
+                  <a:schemeClr val="tx1"/>
+                </a:solidFill>
+                <a:effectLst/>
+                <a:latin typeface="+mn-lt"/>
+                <a:ea typeface="+mn-ea"/>
+                <a:cs typeface="+mn-cs"/>
+              </a:rPr>
+              <a:t>, my website, and my twitter account. If you have any questions or comments I think we have a few minutes right now, or please feel free to seek me out online. </a:t>
+            </a:r>
+          </a:p>
+          <a:p>
+            <a:r>
+              <a:rPr lang="en-US" sz="1200" kern="1200" dirty="0" smtClean="0">
+                <a:solidFill>
+                  <a:schemeClr val="tx1"/>
+                </a:solidFill>
+                <a:effectLst/>
+                <a:latin typeface="+mn-lt"/>
+                <a:ea typeface="+mn-ea"/>
+                <a:cs typeface="+mn-cs"/>
+              </a:rPr>
+              <a:t>THANK YOU!</a:t>
+            </a:r>
+          </a:p>
+          <a:p>
+            <a:endParaRPr lang="en-US" sz="1200" kern="1200" dirty="0" smtClean="0">
+              <a:solidFill>
+                <a:schemeClr val="tx1"/>
+              </a:solidFill>
+              <a:effectLst/>
+              <a:latin typeface="+mn-lt"/>
+              <a:ea typeface="+mn-ea"/>
+              <a:cs typeface="+mn-cs"/>
+            </a:endParaRPr>
+          </a:p>
+        </p:txBody>
+      </p:sp>
+      <p:sp>
+        <p:nvSpPr>
+          <p:cNvPr id="4" name="Slide Number Placeholder 3"/>
+          <p:cNvSpPr>
+            <a:spLocks noGrp="1"/>
+          </p:cNvSpPr>
+          <p:nvPr>
+            <p:ph type="sldNum" sz="quarter" idx="10"/>
+          </p:nvPr>
+        </p:nvSpPr>
+        <p:spPr/>
+        <p:txBody>
+          <a:bodyPr/>
+          <a:lstStyle/>
+          <a:p>
+            <a:fld id="{89029652-62E7-43D6-83B5-097D7B7AA5D8}" type="slidenum">
+              <a:rPr lang="en-US" smtClean="0"/>
+              <a:t>88</a:t>
             </a:fld>
             <a:endParaRPr lang="en-US"/>
           </a:p>
@@ -12926,7 +13079,7 @@
           <a:p>
             <a:fld id="{75AA6396-395E-4ADA-8EE5-F328BC863A04}" type="datetimeFigureOut">
               <a:rPr lang="en-US" smtClean="0"/>
-              <a:t>11/26/2016</a:t>
+              <a:t>11/27/2016</a:t>
             </a:fld>
             <a:endParaRPr lang="en-US"/>
           </a:p>
@@ -13103,7 +13256,7 @@
           <a:p>
             <a:fld id="{75AA6396-395E-4ADA-8EE5-F328BC863A04}" type="datetimeFigureOut">
               <a:rPr lang="en-US" smtClean="0"/>
-              <a:t>11/26/2016</a:t>
+              <a:t>11/27/2016</a:t>
             </a:fld>
             <a:endParaRPr lang="en-US"/>
           </a:p>
@@ -13283,7 +13436,7 @@
           <a:p>
             <a:fld id="{75AA6396-395E-4ADA-8EE5-F328BC863A04}" type="datetimeFigureOut">
               <a:rPr lang="en-US" smtClean="0"/>
-              <a:t>11/26/2016</a:t>
+              <a:t>11/27/2016</a:t>
             </a:fld>
             <a:endParaRPr lang="en-US"/>
           </a:p>
@@ -13503,7 +13656,7 @@
           <a:p>
             <a:fld id="{75AA6396-395E-4ADA-8EE5-F328BC863A04}" type="datetimeFigureOut">
               <a:rPr lang="en-US" smtClean="0"/>
-              <a:t>11/26/2016</a:t>
+              <a:t>11/27/2016</a:t>
             </a:fld>
             <a:endParaRPr lang="en-US"/>
           </a:p>
@@ -13756,7 +13909,7 @@
           <a:p>
             <a:fld id="{75AA6396-395E-4ADA-8EE5-F328BC863A04}" type="datetimeFigureOut">
               <a:rPr lang="en-US" smtClean="0"/>
-              <a:t>11/26/2016</a:t>
+              <a:t>11/27/2016</a:t>
             </a:fld>
             <a:endParaRPr lang="en-US"/>
           </a:p>
@@ -13995,7 +14148,7 @@
           <a:p>
             <a:fld id="{75AA6396-395E-4ADA-8EE5-F328BC863A04}" type="datetimeFigureOut">
               <a:rPr lang="en-US" smtClean="0"/>
-              <a:t>11/26/2016</a:t>
+              <a:t>11/27/2016</a:t>
             </a:fld>
             <a:endParaRPr lang="en-US"/>
           </a:p>
@@ -14369,7 +14522,7 @@
           <a:p>
             <a:fld id="{75AA6396-395E-4ADA-8EE5-F328BC863A04}" type="datetimeFigureOut">
               <a:rPr lang="en-US" smtClean="0"/>
-              <a:t>11/26/2016</a:t>
+              <a:t>11/27/2016</a:t>
             </a:fld>
             <a:endParaRPr lang="en-US"/>
           </a:p>
@@ -14487,7 +14640,7 @@
           <a:p>
             <a:fld id="{75AA6396-395E-4ADA-8EE5-F328BC863A04}" type="datetimeFigureOut">
               <a:rPr lang="en-US" smtClean="0"/>
-              <a:t>11/26/2016</a:t>
+              <a:t>11/27/2016</a:t>
             </a:fld>
             <a:endParaRPr lang="en-US"/>
           </a:p>
@@ -14582,7 +14735,7 @@
           <a:p>
             <a:fld id="{75AA6396-395E-4ADA-8EE5-F328BC863A04}" type="datetimeFigureOut">
               <a:rPr lang="en-US" smtClean="0"/>
-              <a:t>11/26/2016</a:t>
+              <a:t>11/27/2016</a:t>
             </a:fld>
             <a:endParaRPr lang="en-US"/>
           </a:p>
@@ -14859,7 +15012,7 @@
           <a:p>
             <a:fld id="{75AA6396-395E-4ADA-8EE5-F328BC863A04}" type="datetimeFigureOut">
               <a:rPr lang="en-US" smtClean="0"/>
-              <a:t>11/26/2016</a:t>
+              <a:t>11/27/2016</a:t>
             </a:fld>
             <a:endParaRPr lang="en-US"/>
           </a:p>
@@ -15112,7 +15265,7 @@
           <a:p>
             <a:fld id="{75AA6396-395E-4ADA-8EE5-F328BC863A04}" type="datetimeFigureOut">
               <a:rPr lang="en-US" smtClean="0"/>
-              <a:t>11/26/2016</a:t>
+              <a:t>11/27/2016</a:t>
             </a:fld>
             <a:endParaRPr lang="en-US"/>
           </a:p>
@@ -15325,7 +15478,7 @@
           <a:p>
             <a:fld id="{75AA6396-395E-4ADA-8EE5-F328BC863A04}" type="datetimeFigureOut">
               <a:rPr lang="en-US" smtClean="0"/>
-              <a:t>11/26/2016</a:t>
+              <a:t>11/27/2016</a:t>
             </a:fld>
             <a:endParaRPr lang="en-US"/>
           </a:p>
@@ -26353,19 +26506,6 @@
             <a:pPr marL="0" indent="0">
               <a:buNone/>
             </a:pPr>
-            <a:r>
-              <a:rPr lang="en-US" sz="4000" dirty="0"/>
-              <a:t>Extract complex setup into reusable </a:t>
-            </a:r>
-            <a:r>
-              <a:rPr lang="en-US" sz="4000" dirty="0" smtClean="0"/>
-              <a:t>pieces</a:t>
-            </a:r>
-          </a:p>
-          <a:p>
-            <a:pPr marL="0" indent="0">
-              <a:buNone/>
-            </a:pPr>
             <a:endParaRPr lang="en-US" sz="3200" dirty="0"/>
           </a:p>
           <a:p>
@@ -26375,24 +26515,35 @@
             <a:endParaRPr lang="en-US" dirty="0"/>
           </a:p>
           <a:p>
-            <a:pPr marL="0" indent="0">
-              <a:buNone/>
-            </a:pPr>
-            <a:r>
-              <a:rPr lang="en-US" dirty="0" smtClean="0">
-                <a:solidFill>
-                  <a:srgbClr val="FF0000"/>
-                </a:solidFill>
-              </a:rPr>
-              <a:t>TODO: Example of a scenario object</a:t>
-            </a:r>
-          </a:p>
-          <a:p>
             <a:pPr lvl="1"/>
             <a:endParaRPr lang="en-US" dirty="0"/>
           </a:p>
         </p:txBody>
       </p:sp>
+      <p:pic>
+        <p:nvPicPr>
+          <p:cNvPr id="4" name="Picture 3"/>
+          <p:cNvPicPr>
+            <a:picLocks noChangeAspect="1"/>
+          </p:cNvPicPr>
+          <p:nvPr/>
+        </p:nvPicPr>
+        <p:blipFill>
+          <a:blip r:embed="rId3"/>
+          <a:stretch>
+            <a:fillRect/>
+          </a:stretch>
+        </p:blipFill>
+        <p:spPr>
+          <a:xfrm>
+            <a:off x="838198" y="1690688"/>
+            <a:ext cx="8054929" cy="5167312"/>
+          </a:xfrm>
+          <a:prstGeom prst="rect">
+            <a:avLst/>
+          </a:prstGeom>
+        </p:spPr>
+      </p:pic>
     </p:spTree>
     <p:extLst>
       <p:ext uri="{BB962C8B-B14F-4D97-AF65-F5344CB8AC3E}">
@@ -26540,19 +26691,6 @@
             <a:pPr marL="0" indent="0">
               <a:buNone/>
             </a:pPr>
-            <a:r>
-              <a:rPr lang="en-US" sz="4000" dirty="0"/>
-              <a:t>Extract complex setup into reusable </a:t>
-            </a:r>
-            <a:r>
-              <a:rPr lang="en-US" sz="4000" dirty="0" smtClean="0"/>
-              <a:t>pieces</a:t>
-            </a:r>
-          </a:p>
-          <a:p>
-            <a:pPr marL="0" indent="0">
-              <a:buNone/>
-            </a:pPr>
             <a:endParaRPr lang="en-US" sz="3200" dirty="0"/>
           </a:p>
           <a:p>
@@ -26562,24 +26700,35 @@
             <a:endParaRPr lang="en-US" dirty="0"/>
           </a:p>
           <a:p>
-            <a:pPr marL="0" indent="0">
-              <a:buNone/>
-            </a:pPr>
-            <a:r>
-              <a:rPr lang="en-US" dirty="0" smtClean="0">
-                <a:solidFill>
-                  <a:srgbClr val="FF0000"/>
-                </a:solidFill>
-              </a:rPr>
-              <a:t>TODO: Another example of a scenario object</a:t>
-            </a:r>
-          </a:p>
-          <a:p>
             <a:pPr lvl="1"/>
             <a:endParaRPr lang="en-US" dirty="0"/>
           </a:p>
         </p:txBody>
       </p:sp>
+      <p:pic>
+        <p:nvPicPr>
+          <p:cNvPr id="4" name="Picture 3"/>
+          <p:cNvPicPr>
+            <a:picLocks noChangeAspect="1"/>
+          </p:cNvPicPr>
+          <p:nvPr/>
+        </p:nvPicPr>
+        <p:blipFill>
+          <a:blip r:embed="rId3"/>
+          <a:stretch>
+            <a:fillRect/>
+          </a:stretch>
+        </p:blipFill>
+        <p:spPr>
+          <a:xfrm>
+            <a:off x="838199" y="1690688"/>
+            <a:ext cx="8880988" cy="5134774"/>
+          </a:xfrm>
+          <a:prstGeom prst="rect">
+            <a:avLst/>
+          </a:prstGeom>
+        </p:spPr>
+      </p:pic>
     </p:spTree>
     <p:extLst>
       <p:ext uri="{BB962C8B-B14F-4D97-AF65-F5344CB8AC3E}">
@@ -27503,45 +27652,30 @@
           </a:p>
         </p:txBody>
       </p:sp>
-      <p:sp>
-        <p:nvSpPr>
-          <p:cNvPr id="3" name="Content Placeholder 2"/>
-          <p:cNvSpPr>
-            <a:spLocks noGrp="1"/>
-          </p:cNvSpPr>
-          <p:nvPr>
-            <p:ph idx="1"/>
-          </p:nvPr>
-        </p:nvSpPr>
+      <p:pic>
+        <p:nvPicPr>
+          <p:cNvPr id="6" name="Picture 5"/>
+          <p:cNvPicPr>
+            <a:picLocks noChangeAspect="1"/>
+          </p:cNvPicPr>
+          <p:nvPr/>
+        </p:nvPicPr>
+        <p:blipFill>
+          <a:blip r:embed="rId3"/>
+          <a:stretch>
+            <a:fillRect/>
+          </a:stretch>
+        </p:blipFill>
         <p:spPr>
           <a:xfrm>
-            <a:off x="838200" y="1825625"/>
-            <a:ext cx="10515600" cy="4357462"/>
+            <a:off x="838199" y="1690688"/>
+            <a:ext cx="11195843" cy="5167312"/>
           </a:xfrm>
+          <a:prstGeom prst="rect">
+            <a:avLst/>
+          </a:prstGeom>
         </p:spPr>
-        <p:txBody>
-          <a:bodyPr>
-            <a:normAutofit/>
-          </a:bodyPr>
-          <a:lstStyle/>
-          <a:p>
-            <a:pPr marL="914400" lvl="2" indent="0">
-              <a:buNone/>
-            </a:pPr>
-            <a:r>
-              <a:rPr lang="en-US" dirty="0" smtClean="0">
-                <a:solidFill>
-                  <a:srgbClr val="FF0000"/>
-                </a:solidFill>
-              </a:rPr>
-              <a:t>TODO: screenshot of integration test itself	</a:t>
-            </a:r>
-          </a:p>
-          <a:p>
-            <a:endParaRPr lang="en-US" dirty="0"/>
-          </a:p>
-        </p:txBody>
-      </p:sp>
+      </p:pic>
     </p:spTree>
     <p:extLst>
       <p:ext uri="{BB962C8B-B14F-4D97-AF65-F5344CB8AC3E}">
@@ -27611,44 +27745,9 @@
           </a:p>
         </p:txBody>
       </p:sp>
-      <p:sp>
-        <p:nvSpPr>
-          <p:cNvPr id="3" name="Content Placeholder 2"/>
-          <p:cNvSpPr>
-            <a:spLocks noGrp="1"/>
-          </p:cNvSpPr>
-          <p:nvPr>
-            <p:ph idx="1"/>
-          </p:nvPr>
-        </p:nvSpPr>
-        <p:spPr>
-          <a:xfrm>
-            <a:off x="838200" y="1825625"/>
-            <a:ext cx="10515600" cy="4357462"/>
-          </a:xfrm>
-        </p:spPr>
-        <p:txBody>
-          <a:bodyPr>
-            <a:normAutofit/>
-          </a:bodyPr>
-          <a:lstStyle/>
-          <a:p>
-            <a:pPr marL="914400" lvl="2" indent="0">
-              <a:buNone/>
-            </a:pPr>
-            <a:r>
-              <a:rPr lang="en-US" dirty="0" smtClean="0"/>
-              <a:t>	</a:t>
-            </a:r>
-          </a:p>
-          <a:p>
-            <a:endParaRPr lang="en-US" dirty="0"/>
-          </a:p>
-        </p:txBody>
-      </p:sp>
       <p:pic>
         <p:nvPicPr>
-          <p:cNvPr id="4" name="Picture 3"/>
+          <p:cNvPr id="5" name="Picture 4"/>
           <p:cNvPicPr>
             <a:picLocks noChangeAspect="1"/>
           </p:cNvPicPr>
@@ -27662,8 +27761,8 @@
         </p:blipFill>
         <p:spPr>
           <a:xfrm>
-            <a:off x="838200" y="1690688"/>
-            <a:ext cx="9744075" cy="4533900"/>
+            <a:off x="838200" y="1557952"/>
+            <a:ext cx="10745966" cy="5300047"/>
           </a:xfrm>
           <a:prstGeom prst="rect">
             <a:avLst/>
@@ -27673,7 +27772,7 @@
     </p:spTree>
     <p:extLst>
       <p:ext uri="{BB962C8B-B14F-4D97-AF65-F5344CB8AC3E}">
-        <p14:creationId xmlns:p14="http://schemas.microsoft.com/office/powerpoint/2010/main" val="1658503186"/>
+        <p14:creationId xmlns:p14="http://schemas.microsoft.com/office/powerpoint/2010/main" val="87991108"/>
       </p:ext>
     </p:extLst>
   </p:cSld>
@@ -27776,7 +27875,7 @@
       </p:sp>
       <p:pic>
         <p:nvPicPr>
-          <p:cNvPr id="5" name="Picture 4"/>
+          <p:cNvPr id="4" name="Picture 3"/>
           <p:cNvPicPr>
             <a:picLocks noChangeAspect="1"/>
           </p:cNvPicPr>
@@ -27801,7 +27900,7 @@
     </p:spTree>
     <p:extLst>
       <p:ext uri="{BB962C8B-B14F-4D97-AF65-F5344CB8AC3E}">
-        <p14:creationId xmlns:p14="http://schemas.microsoft.com/office/powerpoint/2010/main" val="1525612099"/>
+        <p14:creationId xmlns:p14="http://schemas.microsoft.com/office/powerpoint/2010/main" val="1658503186"/>
       </p:ext>
     </p:extLst>
   </p:cSld>
@@ -27965,6 +28064,134 @@
       </p:sp>
       <p:pic>
         <p:nvPicPr>
+          <p:cNvPr id="5" name="Picture 4"/>
+          <p:cNvPicPr>
+            <a:picLocks noChangeAspect="1"/>
+          </p:cNvPicPr>
+          <p:nvPr/>
+        </p:nvPicPr>
+        <p:blipFill>
+          <a:blip r:embed="rId3"/>
+          <a:stretch>
+            <a:fillRect/>
+          </a:stretch>
+        </p:blipFill>
+        <p:spPr>
+          <a:xfrm>
+            <a:off x="838200" y="1690688"/>
+            <a:ext cx="9744075" cy="4533900"/>
+          </a:xfrm>
+          <a:prstGeom prst="rect">
+            <a:avLst/>
+          </a:prstGeom>
+        </p:spPr>
+      </p:pic>
+    </p:spTree>
+    <p:extLst>
+      <p:ext uri="{BB962C8B-B14F-4D97-AF65-F5344CB8AC3E}">
+        <p14:creationId xmlns:p14="http://schemas.microsoft.com/office/powerpoint/2010/main" val="1525612099"/>
+      </p:ext>
+    </p:extLst>
+  </p:cSld>
+  <p:clrMapOvr>
+    <a:masterClrMapping/>
+  </p:clrMapOvr>
+  <mc:AlternateContent xmlns:mc="http://schemas.openxmlformats.org/markup-compatibility/2006" xmlns:p14="http://schemas.microsoft.com/office/powerpoint/2010/main">
+    <mc:Choice Requires="p14">
+      <p:transition spd="slow" p14:dur="2000"/>
+    </mc:Choice>
+    <mc:Fallback xmlns="">
+      <p:transition spd="slow"/>
+    </mc:Fallback>
+  </mc:AlternateContent>
+  <p:timing>
+    <p:tnLst>
+      <p:par>
+        <p:cTn id="1" dur="indefinite" restart="never" nodeType="tmRoot"/>
+      </p:par>
+    </p:tnLst>
+  </p:timing>
+</p:sld>
+</file>
+
+<file path=ppt/slides/slide81.xml><?xml version="1.0" encoding="utf-8"?>
+<p:sld xmlns:a="http://schemas.openxmlformats.org/drawingml/2006/main" xmlns:r="http://schemas.openxmlformats.org/officeDocument/2006/relationships" xmlns:p="http://schemas.openxmlformats.org/presentationml/2006/main">
+  <p:cSld>
+    <p:spTree>
+      <p:nvGrpSpPr>
+        <p:cNvPr id="1" name=""/>
+        <p:cNvGrpSpPr/>
+        <p:nvPr/>
+      </p:nvGrpSpPr>
+      <p:grpSpPr>
+        <a:xfrm>
+          <a:off x="0" y="0"/>
+          <a:ext cx="0" cy="0"/>
+          <a:chOff x="0" y="0"/>
+          <a:chExt cx="0" cy="0"/>
+        </a:xfrm>
+      </p:grpSpPr>
+      <p:sp>
+        <p:nvSpPr>
+          <p:cNvPr id="2" name="Title 1"/>
+          <p:cNvSpPr>
+            <a:spLocks noGrp="1"/>
+          </p:cNvSpPr>
+          <p:nvPr>
+            <p:ph type="title"/>
+          </p:nvPr>
+        </p:nvSpPr>
+        <p:spPr/>
+        <p:txBody>
+          <a:bodyPr>
+            <a:normAutofit/>
+          </a:bodyPr>
+          <a:lstStyle/>
+          <a:p>
+            <a:r>
+              <a:rPr lang="en-US" sz="4800" dirty="0"/>
+              <a:t>Key #4: Integration tests</a:t>
+            </a:r>
+          </a:p>
+        </p:txBody>
+      </p:sp>
+      <p:sp>
+        <p:nvSpPr>
+          <p:cNvPr id="3" name="Content Placeholder 2"/>
+          <p:cNvSpPr>
+            <a:spLocks noGrp="1"/>
+          </p:cNvSpPr>
+          <p:nvPr>
+            <p:ph idx="1"/>
+          </p:nvPr>
+        </p:nvSpPr>
+        <p:spPr>
+          <a:xfrm>
+            <a:off x="838200" y="1825625"/>
+            <a:ext cx="10515600" cy="4357462"/>
+          </a:xfrm>
+        </p:spPr>
+        <p:txBody>
+          <a:bodyPr>
+            <a:normAutofit/>
+          </a:bodyPr>
+          <a:lstStyle/>
+          <a:p>
+            <a:pPr marL="914400" lvl="2" indent="0">
+              <a:buNone/>
+            </a:pPr>
+            <a:r>
+              <a:rPr lang="en-US" dirty="0" smtClean="0"/>
+              <a:t>	</a:t>
+            </a:r>
+          </a:p>
+          <a:p>
+            <a:endParaRPr lang="en-US" dirty="0"/>
+          </a:p>
+        </p:txBody>
+      </p:sp>
+      <p:pic>
+        <p:nvPicPr>
           <p:cNvPr id="4" name="Picture 3"/>
           <p:cNvPicPr>
             <a:picLocks noChangeAspect="1"/>
@@ -28015,7 +28242,7 @@
 </p:sld>
 </file>
 
-<file path=ppt/slides/slide81.xml><?xml version="1.0" encoding="utf-8"?>
+<file path=ppt/slides/slide82.xml><?xml version="1.0" encoding="utf-8"?>
 <p:sld xmlns:a="http://schemas.openxmlformats.org/drawingml/2006/main" xmlns:r="http://schemas.openxmlformats.org/officeDocument/2006/relationships" xmlns:p="http://schemas.openxmlformats.org/presentationml/2006/main">
   <p:cSld>
     <p:spTree>
@@ -28152,7 +28379,7 @@
 </p:sld>
 </file>
 
-<file path=ppt/slides/slide82.xml><?xml version="1.0" encoding="utf-8"?>
+<file path=ppt/slides/slide83.xml><?xml version="1.0" encoding="utf-8"?>
 <p:sld xmlns:a="http://schemas.openxmlformats.org/drawingml/2006/main" xmlns:r="http://schemas.openxmlformats.org/officeDocument/2006/relationships" xmlns:p="http://schemas.openxmlformats.org/presentationml/2006/main">
   <p:cSld>
     <p:spTree>
@@ -28238,7 +28465,7 @@
 </p:sld>
 </file>
 
-<file path=ppt/slides/slide83.xml><?xml version="1.0" encoding="utf-8"?>
+<file path=ppt/slides/slide84.xml><?xml version="1.0" encoding="utf-8"?>
 <p:sld xmlns:a="http://schemas.openxmlformats.org/drawingml/2006/main" xmlns:r="http://schemas.openxmlformats.org/officeDocument/2006/relationships" xmlns:p="http://schemas.openxmlformats.org/presentationml/2006/main">
   <p:cSld>
     <p:spTree>
@@ -28299,7 +28526,7 @@
 </p:sld>
 </file>
 
-<file path=ppt/slides/slide84.xml><?xml version="1.0" encoding="utf-8"?>
+<file path=ppt/slides/slide85.xml><?xml version="1.0" encoding="utf-8"?>
 <p:sld xmlns:a="http://schemas.openxmlformats.org/drawingml/2006/main" xmlns:r="http://schemas.openxmlformats.org/officeDocument/2006/relationships" xmlns:p="http://schemas.openxmlformats.org/presentationml/2006/main">
   <p:cSld>
     <p:spTree>
@@ -28360,7 +28587,7 @@
 </p:sld>
 </file>
 
-<file path=ppt/slides/slide85.xml><?xml version="1.0" encoding="utf-8"?>
+<file path=ppt/slides/slide86.xml><?xml version="1.0" encoding="utf-8"?>
 <p:sld xmlns:a="http://schemas.openxmlformats.org/drawingml/2006/main" xmlns:r="http://schemas.openxmlformats.org/officeDocument/2006/relationships" xmlns:p="http://schemas.openxmlformats.org/presentationml/2006/main">
   <p:cSld>
     <p:spTree>
@@ -28470,7 +28697,7 @@
 </p:sld>
 </file>
 
-<file path=ppt/slides/slide86.xml><?xml version="1.0" encoding="utf-8"?>
+<file path=ppt/slides/slide87.xml><?xml version="1.0" encoding="utf-8"?>
 <p:sld xmlns:a="http://schemas.openxmlformats.org/drawingml/2006/main" xmlns:r="http://schemas.openxmlformats.org/officeDocument/2006/relationships" xmlns:p="http://schemas.openxmlformats.org/presentationml/2006/main">
   <p:cSld>
     <p:spTree>
@@ -28624,7 +28851,7 @@
 </p:sld>
 </file>
 
-<file path=ppt/slides/slide87.xml><?xml version="1.0" encoding="utf-8"?>
+<file path=ppt/slides/slide88.xml><?xml version="1.0" encoding="utf-8"?>
 <p:sld xmlns:a="http://schemas.openxmlformats.org/drawingml/2006/main" xmlns:r="http://schemas.openxmlformats.org/officeDocument/2006/relationships" xmlns:p="http://schemas.openxmlformats.org/presentationml/2006/main">
   <p:cSld>
     <p:spTree>

--- a/POETS - CodeMash 2017.pptx
+++ b/POETS - CodeMash 2017.pptx
@@ -9701,8 +9701,64 @@
                 <a:ea typeface="+mn-ea"/>
                 <a:cs typeface="+mn-cs"/>
               </a:rPr>
-              <a:t>For example, let’s say you have an ecommerce site, and one of your business rules is that all orders of heavy equipment, from new customers, with a different bill-to and ship-to address, must go through a verification process to prevent fraud and expensive shipping mistakes. To write that test, you’ll have to create a customer with no previous orders, assign different bill-to and ship-to addresses, create an order containing a heavy equipment item, and attach the customer to the order.</a:t>
-            </a:r>
+              <a:t>For example, let’s say you have an ecommerce site, and one of your business rules is that all orders of heavy equipment, from new customers, with a different bill-to and ship-to address, must go through a verification process to prevent fraud and expensive shipping mistakes. To write that test, you’ll have to create a customer with no previous orders, assign different bill-to and ship-to addresses, create an order </a:t>
+            </a:r>
+            <a:r>
+              <a:rPr lang="en-US" sz="1200" kern="1200" dirty="0" smtClean="0">
+                <a:solidFill>
+                  <a:schemeClr val="tx1"/>
+                </a:solidFill>
+                <a:effectLst/>
+                <a:latin typeface="+mn-lt"/>
+                <a:ea typeface="+mn-ea"/>
+                <a:cs typeface="+mn-cs"/>
+              </a:rPr>
+              <a:t>containing a heavy equipment item, and attach the customer to the order.</a:t>
+            </a:r>
+          </a:p>
+          <a:p>
+            <a:endParaRPr lang="en-US" sz="1200" kern="1200" dirty="0" smtClean="0">
+              <a:solidFill>
+                <a:schemeClr val="tx1"/>
+              </a:solidFill>
+              <a:effectLst/>
+              <a:latin typeface="+mn-lt"/>
+              <a:ea typeface="+mn-ea"/>
+              <a:cs typeface="+mn-cs"/>
+            </a:endParaRPr>
+          </a:p>
+          <a:p>
+            <a:pPr marL="0" marR="0" lvl="0" indent="0" algn="l" defTabSz="914400" rtl="0" eaLnBrk="1" fontAlgn="auto" latinLnBrk="0" hangingPunct="1">
+              <a:lnSpc>
+                <a:spcPct val="100000"/>
+              </a:lnSpc>
+              <a:spcBef>
+                <a:spcPts val="0"/>
+              </a:spcBef>
+              <a:spcAft>
+                <a:spcPts val="0"/>
+              </a:spcAft>
+              <a:buClrTx/>
+              <a:buSzTx/>
+              <a:buFontTx/>
+              <a:buNone/>
+              <a:tabLst/>
+              <a:defRPr/>
+            </a:pPr>
+            <a:r>
+              <a:rPr lang="en-US" sz="1200" kern="1200" dirty="0" smtClean="0">
+                <a:solidFill>
+                  <a:schemeClr val="tx1"/>
+                </a:solidFill>
+                <a:effectLst/>
+                <a:latin typeface="+mn-lt"/>
+                <a:ea typeface="+mn-ea"/>
+                <a:cs typeface="+mn-cs"/>
+              </a:rPr>
+              <a:t>In these situations I use a pattern that we call a Scenario. This is essentially a façade that wraps the coordination of multiple Test Helpers towards a common goal and makes your setup code cleaner and more readable.</a:t>
+            </a:r>
+          </a:p>
+          <a:p>
             <a:endParaRPr lang="en-US" sz="1200" kern="1200" dirty="0">
               <a:solidFill>
                 <a:schemeClr val="tx1"/>
@@ -9805,7 +9861,7 @@
                 <a:ea typeface="+mn-ea"/>
                 <a:cs typeface="+mn-cs"/>
               </a:rPr>
-              <a:t>In these situations I use a pattern that we call a Scenario. This is essentially a façade that wraps the coordination of multiple Test Helpers towards a common goal and makes your setup code cleaner and more readable.</a:t>
+              <a:t>This is what it looks like.</a:t>
             </a:r>
           </a:p>
           <a:p>
@@ -9819,7 +9875,19 @@
                 <a:ea typeface="+mn-ea"/>
                 <a:cs typeface="+mn-cs"/>
               </a:rPr>
-              <a:t>You’ll notice that while a Test Helper is a static factory, a Scenario is something that you instantiate. You can still customize the result but you do it with constructor arguments and not method arguments.</a:t>
+              <a:t>You’ll </a:t>
+            </a:r>
+            <a:r>
+              <a:rPr lang="en-US" sz="1200" kern="1200" dirty="0" smtClean="0">
+                <a:solidFill>
+                  <a:schemeClr val="tx1"/>
+                </a:solidFill>
+                <a:effectLst/>
+                <a:latin typeface="+mn-lt"/>
+                <a:ea typeface="+mn-ea"/>
+                <a:cs typeface="+mn-cs"/>
+              </a:rPr>
+              <a:t>notice that while a Test Helper is a static factory, a Scenario is something that you instantiate. You can still customize the result but you do it with constructor arguments and not method arguments.</a:t>
             </a:r>
           </a:p>
           <a:p>

--- a/POETS - CodeMash 2017.pptx
+++ b/POETS - CodeMash 2017.pptx
@@ -5268,6 +5268,18 @@
           </a:p>
           <a:p>
             <a:r>
+              <a:rPr lang="en-US" sz="1200" i="1" kern="1200" dirty="0" smtClean="0">
+                <a:solidFill>
+                  <a:schemeClr val="tx1"/>
+                </a:solidFill>
+                <a:effectLst/>
+                <a:latin typeface="+mn-lt"/>
+                <a:ea typeface="+mn-ea"/>
+                <a:cs typeface="+mn-cs"/>
+              </a:rPr>
+              <a:t>Every </a:t>
+            </a:r>
+            <a:r>
               <a:rPr lang="en-US" sz="1200" kern="1200" dirty="0" smtClean="0">
                 <a:solidFill>
                   <a:schemeClr val="tx1"/>
@@ -5277,80 +5289,9 @@
                 <a:ea typeface="+mn-ea"/>
                 <a:cs typeface="+mn-cs"/>
               </a:rPr>
-              <a:t>When I first started doing integration tests, I basically created, in advance, a whole bunch of data that could be used for all of the tests in my system. I took a backup of that database, and I set up my tests to restore that database at the start of each test run.</a:t>
-            </a:r>
-          </a:p>
-          <a:p>
-            <a:r>
-              <a:rPr lang="en-US" sz="1200" kern="1200" dirty="0" smtClean="0">
-                <a:solidFill>
-                  <a:schemeClr val="tx1"/>
-                </a:solidFill>
-                <a:effectLst/>
-                <a:latin typeface="+mn-lt"/>
-                <a:ea typeface="+mn-ea"/>
-                <a:cs typeface="+mn-cs"/>
-              </a:rPr>
-              <a:t>In the tests, I had a massive file full of constants that were the primary keys of the various things I needed for different tests. I had the ID for a cancelled order, the ID for a successful order, the ID for an order with taxable items, the ID for an order using FedEx shipping, etc. Each integration test would then be assembled using those pre-built pieces.</a:t>
-            </a:r>
-          </a:p>
-          <a:p>
-            <a:r>
-              <a:rPr lang="en-US" sz="1200" kern="1200" dirty="0" smtClean="0">
-                <a:solidFill>
-                  <a:schemeClr val="tx1"/>
-                </a:solidFill>
-                <a:effectLst/>
-                <a:latin typeface="+mn-lt"/>
-                <a:ea typeface="+mn-ea"/>
-                <a:cs typeface="+mn-cs"/>
-              </a:rPr>
-              <a:t>That’s </a:t>
-            </a:r>
-            <a:r>
-              <a:rPr lang="en-US" sz="1200" i="1" kern="1200" dirty="0" smtClean="0">
-                <a:solidFill>
-                  <a:schemeClr val="tx1"/>
-                </a:solidFill>
-                <a:effectLst/>
-                <a:latin typeface="+mn-lt"/>
-                <a:ea typeface="+mn-ea"/>
-                <a:cs typeface="+mn-cs"/>
-              </a:rPr>
-              <a:t>madness</a:t>
-            </a:r>
-            <a:r>
-              <a:rPr lang="en-US" sz="1200" kern="1200" dirty="0" smtClean="0">
-                <a:solidFill>
-                  <a:schemeClr val="tx1"/>
-                </a:solidFill>
-                <a:effectLst/>
-                <a:latin typeface="+mn-lt"/>
-                <a:ea typeface="+mn-ea"/>
-                <a:cs typeface="+mn-cs"/>
-              </a:rPr>
-              <a:t>, for what I hope are obvious reasons.</a:t>
-            </a:r>
-          </a:p>
-          <a:p>
-            <a:pPr marL="0" marR="0" indent="0" algn="l" defTabSz="914400" rtl="0" eaLnBrk="1" fontAlgn="auto" latinLnBrk="0" hangingPunct="1">
-              <a:lnSpc>
-                <a:spcPct val="100000"/>
-              </a:lnSpc>
-              <a:spcBef>
-                <a:spcPts val="0"/>
-              </a:spcBef>
-              <a:spcAft>
-                <a:spcPts val="0"/>
-              </a:spcAft>
-              <a:buClrTx/>
-              <a:buSzTx/>
-              <a:buFontTx/>
-              <a:buNone/>
-              <a:tabLst/>
-              <a:defRPr/>
-            </a:pPr>
-            <a:endParaRPr lang="en-US" sz="1200" kern="1200" dirty="0" smtClean="0">
+              <a:t>assumption that you make about the state of an external system makes your tests more brittle.</a:t>
+            </a:r>
+            <a:endParaRPr lang="en-US" sz="1200" kern="1200" dirty="0">
               <a:solidFill>
                 <a:schemeClr val="tx1"/>
               </a:solidFill>
@@ -5452,20 +5393,10 @@
                 <a:ea typeface="+mn-ea"/>
                 <a:cs typeface="+mn-cs"/>
               </a:rPr>
-              <a:t>What I’ve come to realize since then is that making </a:t>
-            </a:r>
-            <a:r>
-              <a:rPr lang="en-US" sz="1200" i="1" kern="1200" dirty="0" smtClean="0">
-                <a:solidFill>
-                  <a:schemeClr val="tx1"/>
-                </a:solidFill>
-                <a:effectLst/>
-                <a:latin typeface="+mn-lt"/>
-                <a:ea typeface="+mn-ea"/>
-                <a:cs typeface="+mn-cs"/>
-              </a:rPr>
-              <a:t>any </a:t>
-            </a:r>
+              <a:t>Even something as simple as this can be a problem. This test needs a Customer, so it just grabs the first one in the database. </a:t>
+            </a:r>
+          </a:p>
+          <a:p>
             <a:r>
               <a:rPr lang="en-US" sz="1200" kern="1200" dirty="0" smtClean="0">
                 <a:solidFill>
@@ -5476,37 +5407,21 @@
                 <a:ea typeface="+mn-ea"/>
                 <a:cs typeface="+mn-cs"/>
               </a:rPr>
-              <a:t>assumption about the state of external system is a huge mistake. Even something as simple as this can be a problem. This test needs a Customer, so it just grabs the first one in the database. </a:t>
-            </a:r>
-          </a:p>
-          <a:p>
-            <a:r>
-              <a:rPr lang="en-US" sz="1200" kern="1200" dirty="0" smtClean="0">
-                <a:solidFill>
-                  <a:schemeClr val="tx1"/>
-                </a:solidFill>
-                <a:effectLst/>
-                <a:latin typeface="+mn-lt"/>
-                <a:ea typeface="+mn-ea"/>
-                <a:cs typeface="+mn-cs"/>
-              </a:rPr>
-              <a:t>But what if you’re running against an empty database? Or what if this email service is designed to reject customers that have a known bad email address? Maybe on your database this pulls back a normal customer and the test passes, but on a coworker’s machine it pulls back someone in a flagged state and fails.</a:t>
-            </a:r>
-          </a:p>
-          <a:p>
-            <a:r>
-              <a:rPr lang="en-US" sz="1200" kern="1200" dirty="0" smtClean="0">
-                <a:solidFill>
-                  <a:schemeClr val="tx1"/>
-                </a:solidFill>
-                <a:effectLst/>
-                <a:latin typeface="+mn-lt"/>
-                <a:ea typeface="+mn-ea"/>
-                <a:cs typeface="+mn-cs"/>
-              </a:rPr>
-              <a:t>As a rule, every assumption makes your tests that much more brittle. My rule is that each integration test must set up everything that it needs and cannot rely on the database being in any specific state. I’ll show you how to do that in a minute.</a:t>
-            </a:r>
-            <a:endParaRPr lang="en-US" sz="1200" kern="1200" dirty="0">
+              <a:t>But what if you’re running against an empty database? Or what if this email service is designed to reject customers that have a known bad email address? </a:t>
+            </a:r>
+            <a:r>
+              <a:rPr lang="en-US" sz="1200" kern="1200" smtClean="0">
+                <a:solidFill>
+                  <a:schemeClr val="tx1"/>
+                </a:solidFill>
+                <a:effectLst/>
+                <a:latin typeface="+mn-lt"/>
+                <a:ea typeface="+mn-ea"/>
+                <a:cs typeface="+mn-cs"/>
+              </a:rPr>
+              <a:t>Maybe on your database this pulls back a normal customer and the test passes, but on a coworker’s machine it pulls back someone in a flagged state and fails.</a:t>
+            </a:r>
+            <a:endParaRPr lang="en-US" sz="1200" kern="1200">
               <a:solidFill>
                 <a:schemeClr val="tx1"/>
               </a:solidFill>
@@ -8710,7 +8625,7 @@
                 <a:ea typeface="+mn-ea"/>
                 <a:cs typeface="+mn-cs"/>
               </a:rPr>
-              <a:t>In this example, the actual values in use are irrelevant; they are just two arbitrary values that need to be different. By giving those values names, the assertion now has a little extra clarity and clearly supports the purpose of the test.</a:t>
+              <a:t>In this example, the actual values in use are irrelevant; they are just two arbitrary values that need to be different. By giving those values meaningful names, the assertion more clearly documents the intent behind the test.</a:t>
             </a:r>
             <a:endParaRPr lang="en-US" sz="1200" kern="1200" dirty="0">
               <a:solidFill>
@@ -17309,11 +17224,7 @@
           <a:p>
             <a:r>
               <a:rPr lang="en-US" sz="4000" dirty="0" smtClean="0"/>
-              <a:t>Super </a:t>
-            </a:r>
-            <a:r>
-              <a:rPr lang="en-US" sz="4000" dirty="0" smtClean="0"/>
-              <a:t>easy integration tests!</a:t>
+              <a:t>Super easy integration tests!</a:t>
             </a:r>
             <a:endParaRPr lang="en-US" dirty="0"/>
           </a:p>
@@ -21136,7 +21047,7 @@
         <p:spPr>
           <a:xfrm>
             <a:off x="838199" y="365125"/>
-            <a:ext cx="10783529" cy="1325563"/>
+            <a:ext cx="11093246" cy="1325563"/>
           </a:xfrm>
         </p:spPr>
         <p:txBody>
@@ -21147,7 +21058,11 @@
           <a:p>
             <a:r>
               <a:rPr lang="en-US" sz="4800" dirty="0" smtClean="0"/>
-              <a:t>Mistake #2: Too much "noise"</a:t>
+              <a:t>Mistake #2: </a:t>
+            </a:r>
+            <a:r>
+              <a:rPr lang="en-US" sz="4800" dirty="0" smtClean="0"/>
+              <a:t>Setup is hard to understand</a:t>
             </a:r>
             <a:endParaRPr lang="en-US" sz="4800" dirty="0"/>
           </a:p>
@@ -21495,7 +21410,11 @@
           <a:p>
             <a:r>
               <a:rPr lang="en-US" sz="4800" dirty="0" smtClean="0"/>
-              <a:t>Mistake #2: Too much "noise"</a:t>
+              <a:t>Mistake #2: </a:t>
+            </a:r>
+            <a:r>
+              <a:rPr lang="en-US" sz="4800" dirty="0"/>
+              <a:t>Setup is hard to understand</a:t>
             </a:r>
             <a:endParaRPr lang="en-US" sz="4800" dirty="0"/>
           </a:p>
@@ -26220,7 +26139,7 @@
 </file>
 
 <file path=ppt/slides/slide64.xml><?xml version="1.0" encoding="utf-8"?>
-<p:sld xmlns:a="http://schemas.openxmlformats.org/drawingml/2006/main" xmlns:r="http://schemas.openxmlformats.org/officeDocument/2006/relationships" xmlns:p="http://schemas.openxmlformats.org/presentationml/2006/main">
+<p:sld xmlns:a="http://schemas.openxmlformats.org/drawingml/2006/main" xmlns:r="http://schemas.openxmlformats.org/officeDocument/2006/relationships" xmlns:p="http://schemas.openxmlformats.org/presentationml/2006/main" show="0">
   <p:cSld>
     <p:spTree>
       <p:nvGrpSpPr>
@@ -26352,6 +26271,14 @@
   <p:clrMapOvr>
     <a:masterClrMapping/>
   </p:clrMapOvr>
+  <mc:AlternateContent xmlns:mc="http://schemas.openxmlformats.org/markup-compatibility/2006">
+    <mc:Choice xmlns:p14="http://schemas.microsoft.com/office/powerpoint/2010/main" Requires="p14">
+      <p:transition spd="slow" p14:dur="2000"/>
+    </mc:Choice>
+    <mc:Fallback>
+      <p:transition spd="slow"/>
+    </mc:Fallback>
+  </mc:AlternateContent>
   <p:timing>
     <p:tnLst>
       <p:par>

--- a/POETS - CodeMash 2017.pptx
+++ b/POETS - CodeMash 2017.pptx
@@ -298,7 +298,7 @@
           <a:p>
             <a:fld id="{C54A4886-B4AF-42F7-97BE-95CDF82A73E3}" type="datetimeFigureOut">
               <a:rPr lang="en-US" smtClean="0"/>
-              <a:t>11/30/2016</a:t>
+              <a:t>1/10/2017</a:t>
             </a:fld>
             <a:endParaRPr lang="en-US"/>
           </a:p>
@@ -3079,6 +3079,17 @@
             </a:r>
           </a:p>
           <a:p>
+            <a:endParaRPr lang="en-US" sz="1200" kern="1200" dirty="0" smtClean="0">
+              <a:solidFill>
+                <a:schemeClr val="tx1"/>
+              </a:solidFill>
+              <a:effectLst/>
+              <a:latin typeface="+mn-lt"/>
+              <a:ea typeface="+mn-ea"/>
+              <a:cs typeface="+mn-cs"/>
+            </a:endParaRPr>
+          </a:p>
+          <a:p>
             <a:r>
               <a:rPr lang="en-US" sz="1200" kern="1200" dirty="0" smtClean="0">
                 <a:solidFill>
@@ -3089,7 +3100,65 @@
                 <a:ea typeface="+mn-ea"/>
                 <a:cs typeface="+mn-cs"/>
               </a:rPr>
-              <a:t>If any of these things sound familiar, then you’ve got some work to do. To help you with that, I’ve identified 4 mistakes that you might be making that make your tests so ineffective.</a:t>
+              <a:t>If </a:t>
+            </a:r>
+            <a:r>
+              <a:rPr lang="en-US" sz="1200" kern="1200" dirty="0" smtClean="0">
+                <a:solidFill>
+                  <a:schemeClr val="tx1"/>
+                </a:solidFill>
+                <a:effectLst/>
+                <a:latin typeface="+mn-lt"/>
+                <a:ea typeface="+mn-ea"/>
+                <a:cs typeface="+mn-cs"/>
+              </a:rPr>
+              <a:t>any of these things sound familiar, then you’ve got some work to do. </a:t>
+            </a:r>
+            <a:endParaRPr lang="en-US" sz="1200" kern="1200" dirty="0" smtClean="0">
+              <a:solidFill>
+                <a:schemeClr val="tx1"/>
+              </a:solidFill>
+              <a:effectLst/>
+              <a:latin typeface="+mn-lt"/>
+              <a:ea typeface="+mn-ea"/>
+              <a:cs typeface="+mn-cs"/>
+            </a:endParaRPr>
+          </a:p>
+          <a:p>
+            <a:endParaRPr lang="en-US" sz="1200" kern="1200" dirty="0" smtClean="0">
+              <a:solidFill>
+                <a:schemeClr val="tx1"/>
+              </a:solidFill>
+              <a:effectLst/>
+              <a:latin typeface="+mn-lt"/>
+              <a:ea typeface="+mn-ea"/>
+              <a:cs typeface="+mn-cs"/>
+            </a:endParaRPr>
+          </a:p>
+          <a:p>
+            <a:r>
+              <a:rPr lang="en-US" sz="1200" kern="1200" dirty="0" smtClean="0">
+                <a:solidFill>
+                  <a:schemeClr val="tx1"/>
+                </a:solidFill>
+                <a:effectLst/>
+                <a:latin typeface="+mn-lt"/>
+                <a:ea typeface="+mn-ea"/>
+                <a:cs typeface="+mn-cs"/>
+              </a:rPr>
+              <a:t>To </a:t>
+            </a:r>
+            <a:r>
+              <a:rPr lang="en-US" sz="1200" kern="1200" dirty="0" smtClean="0">
+                <a:solidFill>
+                  <a:schemeClr val="tx1"/>
+                </a:solidFill>
+                <a:effectLst/>
+                <a:latin typeface="+mn-lt"/>
+                <a:ea typeface="+mn-ea"/>
+                <a:cs typeface="+mn-cs"/>
+              </a:rPr>
+              <a:t>help you with that, I’ve identified 4 mistakes that you might be making that make your tests so ineffective.</a:t>
             </a:r>
           </a:p>
           <a:p>
@@ -3187,7 +3256,31 @@
                 <a:ea typeface="+mn-ea"/>
                 <a:cs typeface="+mn-cs"/>
               </a:rPr>
-              <a:t>The second mistake people make when setting up tests is constructing all of your object dependencies by hand.</a:t>
+              <a:t>The </a:t>
+            </a:r>
+            <a:r>
+              <a:rPr lang="en-US" sz="1200" kern="1200" dirty="0" smtClean="0">
+                <a:solidFill>
+                  <a:schemeClr val="tx1"/>
+                </a:solidFill>
+                <a:effectLst/>
+                <a:latin typeface="+mn-lt"/>
+                <a:ea typeface="+mn-ea"/>
+                <a:cs typeface="+mn-cs"/>
+              </a:rPr>
+              <a:t>first mistake </a:t>
+            </a:r>
+            <a:r>
+              <a:rPr lang="en-US" sz="1200" kern="1200" dirty="0" smtClean="0">
+                <a:solidFill>
+                  <a:schemeClr val="tx1"/>
+                </a:solidFill>
+                <a:effectLst/>
+                <a:latin typeface="+mn-lt"/>
+                <a:ea typeface="+mn-ea"/>
+                <a:cs typeface="+mn-cs"/>
+              </a:rPr>
+              <a:t>people make when setting up tests is constructing all of your object dependencies by hand.</a:t>
             </a:r>
           </a:p>
           <a:p>
@@ -8253,6 +8346,143 @@
           <a:bodyPr/>
           <a:lstStyle/>
           <a:p>
+            <a:r>
+              <a:rPr lang="en-US" sz="1200" kern="1200" dirty="0" smtClean="0">
+                <a:solidFill>
+                  <a:schemeClr val="tx1"/>
+                </a:solidFill>
+                <a:effectLst/>
+                <a:latin typeface="+mn-lt"/>
+                <a:ea typeface="+mn-ea"/>
+                <a:cs typeface="+mn-cs"/>
+              </a:rPr>
+              <a:t>People often ask me why I write my own Test Helper classes instead of using a 3</a:t>
+            </a:r>
+            <a:r>
+              <a:rPr lang="en-US" sz="1200" kern="1200" baseline="30000" dirty="0" smtClean="0">
+                <a:solidFill>
+                  <a:schemeClr val="tx1"/>
+                </a:solidFill>
+                <a:effectLst/>
+                <a:latin typeface="+mn-lt"/>
+                <a:ea typeface="+mn-ea"/>
+                <a:cs typeface="+mn-cs"/>
+              </a:rPr>
+              <a:t>rd</a:t>
+            </a:r>
+            <a:r>
+              <a:rPr lang="en-US" sz="1200" kern="1200" dirty="0" smtClean="0">
+                <a:solidFill>
+                  <a:schemeClr val="tx1"/>
+                </a:solidFill>
+                <a:effectLst/>
+                <a:latin typeface="+mn-lt"/>
+                <a:ea typeface="+mn-ea"/>
+                <a:cs typeface="+mn-cs"/>
+              </a:rPr>
+              <a:t> party object construction library. </a:t>
+            </a:r>
+          </a:p>
+          <a:p>
+            <a:endParaRPr lang="en-US" sz="1200" kern="1200" dirty="0" smtClean="0">
+              <a:solidFill>
+                <a:schemeClr val="tx1"/>
+              </a:solidFill>
+              <a:effectLst/>
+              <a:latin typeface="+mn-lt"/>
+              <a:ea typeface="+mn-ea"/>
+              <a:cs typeface="+mn-cs"/>
+            </a:endParaRPr>
+          </a:p>
+          <a:p>
+            <a:r>
+              <a:rPr lang="en-US" sz="1200" kern="1200" dirty="0" smtClean="0">
+                <a:solidFill>
+                  <a:schemeClr val="tx1"/>
+                </a:solidFill>
+                <a:effectLst/>
+                <a:latin typeface="+mn-lt"/>
+                <a:ea typeface="+mn-ea"/>
+                <a:cs typeface="+mn-cs"/>
+              </a:rPr>
+              <a:t>In .NET there are libraries that take a generic type argument and automagically create an instance of that type, populating it with test data. This particular example is from a library called </a:t>
+            </a:r>
+            <a:r>
+              <a:rPr lang="en-US" sz="1200" kern="1200" dirty="0" err="1" smtClean="0">
+                <a:solidFill>
+                  <a:schemeClr val="tx1"/>
+                </a:solidFill>
+                <a:effectLst/>
+                <a:latin typeface="+mn-lt"/>
+                <a:ea typeface="+mn-ea"/>
+                <a:cs typeface="+mn-cs"/>
+              </a:rPr>
+              <a:t>AutoFixture</a:t>
+            </a:r>
+            <a:r>
+              <a:rPr lang="en-US" sz="1200" kern="1200" dirty="0" smtClean="0">
+                <a:solidFill>
+                  <a:schemeClr val="tx1"/>
+                </a:solidFill>
+                <a:effectLst/>
+                <a:latin typeface="+mn-lt"/>
+                <a:ea typeface="+mn-ea"/>
+                <a:cs typeface="+mn-cs"/>
+              </a:rPr>
+              <a:t>, and it looks super easy. Why not do this?</a:t>
+            </a:r>
+          </a:p>
+          <a:p>
+            <a:endParaRPr lang="en-US" sz="1200" kern="1200" dirty="0" smtClean="0">
+              <a:solidFill>
+                <a:schemeClr val="tx1"/>
+              </a:solidFill>
+              <a:effectLst/>
+              <a:latin typeface="+mn-lt"/>
+              <a:ea typeface="+mn-ea"/>
+              <a:cs typeface="+mn-cs"/>
+            </a:endParaRPr>
+          </a:p>
+          <a:p>
+            <a:r>
+              <a:rPr lang="en-US" sz="1200" kern="1200" dirty="0" smtClean="0">
+                <a:solidFill>
+                  <a:schemeClr val="tx1"/>
+                </a:solidFill>
+                <a:effectLst/>
+                <a:latin typeface="+mn-lt"/>
+                <a:ea typeface="+mn-ea"/>
+                <a:cs typeface="+mn-cs"/>
+              </a:rPr>
+              <a:t>The simple answer is that no library that you download can make better decisions about your test data than you can. Early on, when your objects are simple and you don’t have lots of special cases in your system then sure, this might work OK. But as things get complex, you’re going to want control over how your default values and properties get set up, and you don’t get that with a library.</a:t>
+            </a:r>
+          </a:p>
+          <a:p>
+            <a:endParaRPr lang="en-US" sz="1200" kern="1200" dirty="0" smtClean="0">
+              <a:solidFill>
+                <a:schemeClr val="tx1"/>
+              </a:solidFill>
+              <a:effectLst/>
+              <a:latin typeface="+mn-lt"/>
+              <a:ea typeface="+mn-ea"/>
+              <a:cs typeface="+mn-cs"/>
+            </a:endParaRPr>
+          </a:p>
+          <a:p>
+            <a:r>
+              <a:rPr lang="en-US" sz="1200" kern="1200" dirty="0" smtClean="0">
+                <a:solidFill>
+                  <a:schemeClr val="tx1"/>
+                </a:solidFill>
+                <a:effectLst/>
+                <a:latin typeface="+mn-lt"/>
+                <a:ea typeface="+mn-ea"/>
+                <a:cs typeface="+mn-cs"/>
+              </a:rPr>
+              <a:t>And in addition, these libraries tend to be noisier than custom code. </a:t>
+            </a:r>
+          </a:p>
+          <a:p>
             <a:endParaRPr lang="en-US" b="1" baseline="0" dirty="0" smtClean="0"/>
           </a:p>
         </p:txBody>
@@ -8337,6 +8567,69 @@
           <a:bodyPr/>
           <a:lstStyle/>
           <a:p>
+            <a:r>
+              <a:rPr lang="en-US" sz="1200" kern="1200" dirty="0" smtClean="0">
+                <a:solidFill>
+                  <a:schemeClr val="tx1"/>
+                </a:solidFill>
+                <a:effectLst/>
+                <a:latin typeface="+mn-lt"/>
+                <a:ea typeface="+mn-ea"/>
+                <a:cs typeface="+mn-cs"/>
+              </a:rPr>
+              <a:t>Here’s what </a:t>
+            </a:r>
+            <a:r>
+              <a:rPr lang="en-US" sz="1200" kern="1200" dirty="0" err="1" smtClean="0">
+                <a:solidFill>
+                  <a:schemeClr val="tx1"/>
+                </a:solidFill>
+                <a:effectLst/>
+                <a:latin typeface="+mn-lt"/>
+                <a:ea typeface="+mn-ea"/>
+                <a:cs typeface="+mn-cs"/>
+              </a:rPr>
+              <a:t>AutoFixture</a:t>
+            </a:r>
+            <a:r>
+              <a:rPr lang="en-US" sz="1200" kern="1200" dirty="0" smtClean="0">
+                <a:solidFill>
+                  <a:schemeClr val="tx1"/>
+                </a:solidFill>
+                <a:effectLst/>
+                <a:latin typeface="+mn-lt"/>
+                <a:ea typeface="+mn-ea"/>
+                <a:cs typeface="+mn-cs"/>
+              </a:rPr>
+              <a:t> looks like if you want to specify a value for a property. Sure is a lot simpler to read and write the Test Helper version.</a:t>
+            </a:r>
+          </a:p>
+          <a:p>
+            <a:endParaRPr lang="en-US" sz="1200" kern="1200" dirty="0" smtClean="0">
+              <a:solidFill>
+                <a:schemeClr val="tx1"/>
+              </a:solidFill>
+              <a:effectLst/>
+              <a:latin typeface="+mn-lt"/>
+              <a:ea typeface="+mn-ea"/>
+              <a:cs typeface="+mn-cs"/>
+            </a:endParaRPr>
+          </a:p>
+          <a:p>
+            <a:r>
+              <a:rPr lang="en-US" sz="1200" kern="1200" dirty="0" smtClean="0">
+                <a:solidFill>
+                  <a:schemeClr val="tx1"/>
+                </a:solidFill>
+                <a:effectLst/>
+                <a:latin typeface="+mn-lt"/>
+                <a:ea typeface="+mn-ea"/>
+                <a:cs typeface="+mn-cs"/>
+              </a:rPr>
+              <a:t>Basically, I look at it like this: when your app is small and simple, then the libraries might work. But if your app is small and simple, then introducing my Test Helper pattern is super easy too. And since Test Helper is designed to deal with complexity, you’ll start out with a solid foundation that will scale right along with your app code. And if your app is already really complex, then these libraries aren’t going to save you as much time as you might think.</a:t>
+            </a:r>
+          </a:p>
+          <a:p>
             <a:endParaRPr lang="en-US" b="1" baseline="0" dirty="0" smtClean="0"/>
           </a:p>
         </p:txBody>
@@ -10558,6 +10851,23 @@
           <a:bodyPr/>
           <a:lstStyle/>
           <a:p>
+            <a:pPr marL="0" marR="0" lvl="0" indent="0" algn="l" defTabSz="914400" rtl="0" eaLnBrk="1" fontAlgn="auto" latinLnBrk="0" hangingPunct="1">
+              <a:lnSpc>
+                <a:spcPct val="100000"/>
+              </a:lnSpc>
+              <a:spcBef>
+                <a:spcPts val="0"/>
+              </a:spcBef>
+              <a:spcAft>
+                <a:spcPts val="0"/>
+              </a:spcAft>
+              <a:buClrTx/>
+              <a:buSzTx/>
+              <a:buFontTx/>
+              <a:buNone/>
+              <a:tabLst/>
+              <a:defRPr/>
+            </a:pPr>
             <a:r>
               <a:rPr lang="en-US" sz="1200" kern="1200" dirty="0" smtClean="0">
                 <a:solidFill>
@@ -10568,8 +10878,19 @@
                 <a:ea typeface="+mn-ea"/>
                 <a:cs typeface="+mn-cs"/>
               </a:rPr>
-              <a:t>First, you have to deal with foreign keys. Your app may not care if you create a Line Item by itself, but you can’t save the Line Item to the database without an Order. And maybe you can’t create an Order without a customer. It’s the same issue we had with constructor dependencies, but in the database. </a:t>
-            </a:r>
+              <a:t>Unfortunately, it’s easier said than done.</a:t>
+            </a:r>
+          </a:p>
+          <a:p>
+            <a:endParaRPr lang="en-US" sz="1200" kern="1200" dirty="0" smtClean="0">
+              <a:solidFill>
+                <a:schemeClr val="tx1"/>
+              </a:solidFill>
+              <a:effectLst/>
+              <a:latin typeface="+mn-lt"/>
+              <a:ea typeface="+mn-ea"/>
+              <a:cs typeface="+mn-cs"/>
+            </a:endParaRPr>
           </a:p>
           <a:p>
             <a:r>
@@ -10582,7 +10903,56 @@
                 <a:ea typeface="+mn-ea"/>
                 <a:cs typeface="+mn-cs"/>
               </a:rPr>
-              <a:t>This means you have to new up the entire object graph and then save objects to the database in the correct sequence. </a:t>
+              <a:t>First</a:t>
+            </a:r>
+            <a:r>
+              <a:rPr lang="en-US" sz="1200" kern="1200" dirty="0" smtClean="0">
+                <a:solidFill>
+                  <a:schemeClr val="tx1"/>
+                </a:solidFill>
+                <a:effectLst/>
+                <a:latin typeface="+mn-lt"/>
+                <a:ea typeface="+mn-ea"/>
+                <a:cs typeface="+mn-cs"/>
+              </a:rPr>
+              <a:t>, you have to deal with foreign keys. Your app may not care if you create a Line Item by itself, but you can’t save the Line Item to the database without an Order. And maybe you can’t create an Order without a customer. It’s the same issue we had with constructor dependencies, but in the database. </a:t>
+            </a:r>
+          </a:p>
+          <a:p>
+            <a:endParaRPr lang="en-US" sz="1200" kern="1200" dirty="0" smtClean="0">
+              <a:solidFill>
+                <a:schemeClr val="tx1"/>
+              </a:solidFill>
+              <a:effectLst/>
+              <a:latin typeface="+mn-lt"/>
+              <a:ea typeface="+mn-ea"/>
+              <a:cs typeface="+mn-cs"/>
+            </a:endParaRPr>
+          </a:p>
+          <a:p>
+            <a:r>
+              <a:rPr lang="en-US" sz="1200" kern="1200" dirty="0" smtClean="0">
+                <a:solidFill>
+                  <a:schemeClr val="tx1"/>
+                </a:solidFill>
+                <a:effectLst/>
+                <a:latin typeface="+mn-lt"/>
+                <a:ea typeface="+mn-ea"/>
+                <a:cs typeface="+mn-cs"/>
+              </a:rPr>
+              <a:t>This </a:t>
+            </a:r>
+            <a:r>
+              <a:rPr lang="en-US" sz="1200" kern="1200" dirty="0" smtClean="0">
+                <a:solidFill>
+                  <a:schemeClr val="tx1"/>
+                </a:solidFill>
+                <a:effectLst/>
+                <a:latin typeface="+mn-lt"/>
+                <a:ea typeface="+mn-ea"/>
+                <a:cs typeface="+mn-cs"/>
+              </a:rPr>
+              <a:t>means you have to new up the entire object graph and then save objects to the database in the correct sequence. </a:t>
             </a:r>
           </a:p>
           <a:p>
@@ -11289,211 +11659,6 @@
               <a:t>And when they couldn’t avoid the tests, they ended up writing some pretty gnarly setup code. The best way to illustrate how bad it was is with a code sample. In one particular case I needed to make a minor adjustment to a feature. The feature itself was complex, but the new change was relatively simple and I didn’t think it would take much time. Before writing any new code, however, I wanted to learn more about how the feature currently worked and I wanted to write a failing test. So I opened up the file containing the tests and my heart sank when I saw this:  </a:t>
             </a:r>
           </a:p>
-          <a:p>
-            <a:r>
-              <a:rPr lang="en-US" sz="1200" b="1" kern="1200" dirty="0" smtClean="0">
-                <a:solidFill>
-                  <a:schemeClr val="tx1"/>
-                </a:solidFill>
-                <a:effectLst/>
-                <a:latin typeface="+mn-lt"/>
-                <a:ea typeface="+mn-ea"/>
-                <a:cs typeface="+mn-cs"/>
-              </a:rPr>
-              <a:t>(click – code sample)</a:t>
-            </a:r>
-            <a:endParaRPr lang="en-US" sz="1200" kern="1200" dirty="0" smtClean="0">
-              <a:solidFill>
-                <a:schemeClr val="tx1"/>
-              </a:solidFill>
-              <a:effectLst/>
-              <a:latin typeface="+mn-lt"/>
-              <a:ea typeface="+mn-ea"/>
-              <a:cs typeface="+mn-cs"/>
-            </a:endParaRPr>
-          </a:p>
-          <a:p>
-            <a:r>
-              <a:rPr lang="en-US" sz="1200" kern="1200" dirty="0" smtClean="0">
-                <a:solidFill>
-                  <a:schemeClr val="tx1"/>
-                </a:solidFill>
-                <a:effectLst/>
-                <a:latin typeface="+mn-lt"/>
-                <a:ea typeface="+mn-ea"/>
-                <a:cs typeface="+mn-cs"/>
-              </a:rPr>
-              <a:t>and this…. </a:t>
-            </a:r>
-          </a:p>
-          <a:p>
-            <a:r>
-              <a:rPr lang="en-US" sz="1200" kern="1200" dirty="0" smtClean="0">
-                <a:solidFill>
-                  <a:schemeClr val="tx1"/>
-                </a:solidFill>
-                <a:effectLst/>
-                <a:latin typeface="+mn-lt"/>
-                <a:ea typeface="+mn-ea"/>
-                <a:cs typeface="+mn-cs"/>
-              </a:rPr>
-              <a:t>(click)</a:t>
-            </a:r>
-          </a:p>
-          <a:p>
-            <a:r>
-              <a:rPr lang="en-US" sz="1200" kern="1200" dirty="0" smtClean="0">
-                <a:solidFill>
-                  <a:schemeClr val="tx1"/>
-                </a:solidFill>
-                <a:effectLst/>
-                <a:latin typeface="+mn-lt"/>
-                <a:ea typeface="+mn-ea"/>
-                <a:cs typeface="+mn-cs"/>
-              </a:rPr>
-              <a:t>And this.</a:t>
-            </a:r>
-          </a:p>
-          <a:p>
-            <a:r>
-              <a:rPr lang="en-US" sz="1200" kern="1200" dirty="0" smtClean="0">
-                <a:solidFill>
-                  <a:schemeClr val="tx1"/>
-                </a:solidFill>
-                <a:effectLst/>
-                <a:latin typeface="+mn-lt"/>
-                <a:ea typeface="+mn-ea"/>
-                <a:cs typeface="+mn-cs"/>
-              </a:rPr>
-              <a:t>That’s </a:t>
-            </a:r>
-          </a:p>
-          <a:p>
-            <a:r>
-              <a:rPr lang="en-US" sz="1200" kern="1200" dirty="0" smtClean="0">
-                <a:solidFill>
-                  <a:schemeClr val="tx1"/>
-                </a:solidFill>
-                <a:effectLst/>
-                <a:latin typeface="+mn-lt"/>
-                <a:ea typeface="+mn-ea"/>
-                <a:cs typeface="+mn-cs"/>
-              </a:rPr>
-              <a:t>(click) 29 string, integer and Boolean values being initialized, </a:t>
-            </a:r>
-          </a:p>
-          <a:p>
-            <a:r>
-              <a:rPr lang="en-US" sz="1200" kern="1200" dirty="0" smtClean="0">
-                <a:solidFill>
-                  <a:schemeClr val="tx1"/>
-                </a:solidFill>
-                <a:effectLst/>
-                <a:latin typeface="+mn-lt"/>
-                <a:ea typeface="+mn-ea"/>
-                <a:cs typeface="+mn-cs"/>
-              </a:rPr>
-              <a:t>(click) 7 different objects being created and </a:t>
-            </a:r>
-          </a:p>
-          <a:p>
-            <a:r>
-              <a:rPr lang="en-US" sz="1200" kern="1200" dirty="0" smtClean="0">
-                <a:solidFill>
-                  <a:schemeClr val="tx1"/>
-                </a:solidFill>
-                <a:effectLst/>
-                <a:latin typeface="+mn-lt"/>
-                <a:ea typeface="+mn-ea"/>
-                <a:cs typeface="+mn-cs"/>
-              </a:rPr>
-              <a:t>(click) 75 lines of code to understand. </a:t>
-            </a:r>
-          </a:p>
-          <a:p>
-            <a:r>
-              <a:rPr lang="en-US" sz="1200" kern="1200" dirty="0" smtClean="0">
-                <a:solidFill>
-                  <a:schemeClr val="tx1"/>
-                </a:solidFill>
-                <a:effectLst/>
-                <a:latin typeface="+mn-lt"/>
-                <a:ea typeface="+mn-ea"/>
-                <a:cs typeface="+mn-cs"/>
-              </a:rPr>
-              <a:t>(click) CRAP! And even worse, this is just the SHARED setup code for the test suite! Each individual test in the suite had more code like this, and each test depended on different portions of this mess.</a:t>
-            </a:r>
-          </a:p>
-          <a:p>
-            <a:r>
-              <a:rPr lang="en-US" sz="1200" kern="1200" dirty="0" smtClean="0">
-                <a:solidFill>
-                  <a:schemeClr val="tx1"/>
-                </a:solidFill>
-                <a:effectLst/>
-                <a:latin typeface="+mn-lt"/>
-                <a:ea typeface="+mn-ea"/>
-                <a:cs typeface="+mn-cs"/>
-              </a:rPr>
-              <a:t>It was clear that even though my change was simple, just modifying the existing tests would be difficult, let alone adding new ones. I went back to the team, increased my estimate, and spent way more time than should have been necessary implementing that change.</a:t>
-            </a:r>
-          </a:p>
-          <a:p>
-            <a:r>
-              <a:rPr lang="en-US" sz="1200" kern="1200" dirty="0" smtClean="0">
-                <a:solidFill>
-                  <a:schemeClr val="tx1"/>
-                </a:solidFill>
-                <a:effectLst/>
-                <a:latin typeface="+mn-lt"/>
-                <a:ea typeface="+mn-ea"/>
-                <a:cs typeface="+mn-cs"/>
-              </a:rPr>
-              <a:t>And this is not an isolated case! We have thousands of tests in our projects and we spend countless hours reading those tests and trying to make sense of stuff like this.</a:t>
-            </a:r>
-          </a:p>
-          <a:p>
-            <a:r>
-              <a:rPr lang="en-US" sz="1200" kern="1200" dirty="0" smtClean="0">
-                <a:solidFill>
-                  <a:schemeClr val="tx1"/>
-                </a:solidFill>
-                <a:effectLst/>
-                <a:latin typeface="+mn-lt"/>
-                <a:ea typeface="+mn-ea"/>
-                <a:cs typeface="+mn-cs"/>
-              </a:rPr>
-              <a:t>This sucks! But there is a better way.</a:t>
-            </a:r>
-          </a:p>
-          <a:p>
-            <a:pPr marL="0" marR="0" indent="0" algn="l" defTabSz="914400" rtl="0" eaLnBrk="1" fontAlgn="auto" latinLnBrk="0" hangingPunct="1">
-              <a:lnSpc>
-                <a:spcPct val="100000"/>
-              </a:lnSpc>
-              <a:spcBef>
-                <a:spcPts val="0"/>
-              </a:spcBef>
-              <a:spcAft>
-                <a:spcPts val="0"/>
-              </a:spcAft>
-              <a:buClrTx/>
-              <a:buSzTx/>
-              <a:buFontTx/>
-              <a:buNone/>
-              <a:tabLst/>
-              <a:defRPr/>
-            </a:pPr>
-            <a:endParaRPr lang="en-US" sz="1200" kern="1200" dirty="0" smtClean="0">
-              <a:solidFill>
-                <a:schemeClr val="tx1"/>
-              </a:solidFill>
-              <a:effectLst/>
-              <a:latin typeface="+mn-lt"/>
-              <a:ea typeface="+mn-ea"/>
-              <a:cs typeface="+mn-cs"/>
-            </a:endParaRPr>
-          </a:p>
         </p:txBody>
       </p:sp>
       <p:sp>
@@ -12960,96 +13125,6 @@
         <p:txBody>
           <a:bodyPr/>
           <a:lstStyle/>
-          <a:p>
-            <a:pPr marL="171450" indent="-171450">
-              <a:buFont typeface="Arial" panose="020B0604020202020204" pitchFamily="34" charset="0"/>
-              <a:buChar char="•"/>
-            </a:pPr>
-            <a:r>
-              <a:rPr lang="en-US" b="0" dirty="0" smtClean="0"/>
-              <a:t>Minute ago said I hated seeing people</a:t>
-            </a:r>
-            <a:r>
-              <a:rPr lang="en-US" b="0" baseline="0" dirty="0" smtClean="0"/>
-              <a:t> SKIP tests because they would be hard to write</a:t>
-            </a:r>
-            <a:br>
-              <a:rPr lang="en-US" b="0" baseline="0" dirty="0" smtClean="0"/>
-            </a:br>
-            <a:endParaRPr lang="en-US" b="0" baseline="0" dirty="0" smtClean="0"/>
-          </a:p>
-          <a:p>
-            <a:pPr marL="171450" indent="-171450">
-              <a:buFont typeface="Arial" panose="020B0604020202020204" pitchFamily="34" charset="0"/>
-              <a:buChar char="•"/>
-            </a:pPr>
-            <a:r>
-              <a:rPr lang="en-US" b="0" baseline="0" dirty="0" smtClean="0"/>
-              <a:t>That’s only half the reason I wrote this talk – other half is seeing really convoluted setup code in the tests that DO get written</a:t>
-            </a:r>
-            <a:br>
-              <a:rPr lang="en-US" b="0" baseline="0" dirty="0" smtClean="0"/>
-            </a:br>
-            <a:endParaRPr lang="en-US" b="0" baseline="0" dirty="0" smtClean="0"/>
-          </a:p>
-          <a:p>
-            <a:pPr marL="171450" indent="-171450">
-              <a:buFont typeface="Arial" panose="020B0604020202020204" pitchFamily="34" charset="0"/>
-              <a:buChar char="•"/>
-            </a:pPr>
-            <a:r>
-              <a:rPr lang="en-US" b="0" baseline="0" dirty="0" smtClean="0"/>
-              <a:t>Here’s an example – needed to make minor adjustment to a feature</a:t>
-            </a:r>
-            <a:br>
-              <a:rPr lang="en-US" b="0" baseline="0" dirty="0" smtClean="0"/>
-            </a:br>
-            <a:endParaRPr lang="en-US" b="0" baseline="0" dirty="0" smtClean="0"/>
-          </a:p>
-          <a:p>
-            <a:pPr marL="171450" indent="-171450">
-              <a:buFont typeface="Arial" panose="020B0604020202020204" pitchFamily="34" charset="0"/>
-              <a:buChar char="•"/>
-            </a:pPr>
-            <a:r>
-              <a:rPr lang="en-US" b="0" baseline="0" dirty="0" smtClean="0"/>
-              <a:t>Feature itself was complex, but the new change was simple – should not take a lot of time</a:t>
-            </a:r>
-            <a:br>
-              <a:rPr lang="en-US" b="0" baseline="0" dirty="0" smtClean="0"/>
-            </a:br>
-            <a:endParaRPr lang="en-US" b="0" baseline="0" dirty="0" smtClean="0"/>
-          </a:p>
-          <a:p>
-            <a:pPr marL="171450" indent="-171450">
-              <a:buFont typeface="Arial" panose="020B0604020202020204" pitchFamily="34" charset="0"/>
-              <a:buChar char="•"/>
-            </a:pPr>
-            <a:r>
-              <a:rPr lang="en-US" b="0" baseline="0" dirty="0" smtClean="0"/>
-              <a:t>Before writing any new code, wanted to learn more about how the feature currently worked and wanted to write a failing test</a:t>
-            </a:r>
-          </a:p>
-          <a:p>
-            <a:pPr marL="171450" indent="-171450">
-              <a:buFont typeface="Arial" panose="020B0604020202020204" pitchFamily="34" charset="0"/>
-              <a:buChar char="•"/>
-            </a:pPr>
-            <a:endParaRPr lang="en-US" b="0" baseline="0" dirty="0" smtClean="0"/>
-          </a:p>
-          <a:p>
-            <a:pPr marL="0" indent="0">
-              <a:buFont typeface="Arial" panose="020B0604020202020204" pitchFamily="34" charset="0"/>
-              <a:buNone/>
-            </a:pPr>
-            <a:r>
-              <a:rPr lang="en-US" b="0" baseline="0" dirty="0" smtClean="0"/>
-              <a:t>CLICK: So I opened up the file containing the existing tests, and my heart sank when I saw this: &lt;PAUSE&gt;</a:t>
-            </a:r>
-          </a:p>
-          <a:p>
-            <a:endParaRPr lang="en-US" b="1" dirty="0" smtClean="0"/>
-          </a:p>
           <a:p>
             <a:endParaRPr lang="en-US" dirty="0"/>
           </a:p>
@@ -13586,7 +13661,7 @@
           <a:p>
             <a:fld id="{75AA6396-395E-4ADA-8EE5-F328BC863A04}" type="datetimeFigureOut">
               <a:rPr lang="en-US" smtClean="0"/>
-              <a:t>11/30/2016</a:t>
+              <a:t>1/10/2017</a:t>
             </a:fld>
             <a:endParaRPr lang="en-US"/>
           </a:p>
@@ -13763,7 +13838,7 @@
           <a:p>
             <a:fld id="{75AA6396-395E-4ADA-8EE5-F328BC863A04}" type="datetimeFigureOut">
               <a:rPr lang="en-US" smtClean="0"/>
-              <a:t>11/30/2016</a:t>
+              <a:t>1/10/2017</a:t>
             </a:fld>
             <a:endParaRPr lang="en-US"/>
           </a:p>
@@ -13943,7 +14018,7 @@
           <a:p>
             <a:fld id="{75AA6396-395E-4ADA-8EE5-F328BC863A04}" type="datetimeFigureOut">
               <a:rPr lang="en-US" smtClean="0"/>
-              <a:t>11/30/2016</a:t>
+              <a:t>1/10/2017</a:t>
             </a:fld>
             <a:endParaRPr lang="en-US"/>
           </a:p>
@@ -14163,7 +14238,7 @@
           <a:p>
             <a:fld id="{75AA6396-395E-4ADA-8EE5-F328BC863A04}" type="datetimeFigureOut">
               <a:rPr lang="en-US" smtClean="0"/>
-              <a:t>11/30/2016</a:t>
+              <a:t>1/10/2017</a:t>
             </a:fld>
             <a:endParaRPr lang="en-US"/>
           </a:p>
@@ -14416,7 +14491,7 @@
           <a:p>
             <a:fld id="{75AA6396-395E-4ADA-8EE5-F328BC863A04}" type="datetimeFigureOut">
               <a:rPr lang="en-US" smtClean="0"/>
-              <a:t>11/30/2016</a:t>
+              <a:t>1/10/2017</a:t>
             </a:fld>
             <a:endParaRPr lang="en-US"/>
           </a:p>
@@ -14655,7 +14730,7 @@
           <a:p>
             <a:fld id="{75AA6396-395E-4ADA-8EE5-F328BC863A04}" type="datetimeFigureOut">
               <a:rPr lang="en-US" smtClean="0"/>
-              <a:t>11/30/2016</a:t>
+              <a:t>1/10/2017</a:t>
             </a:fld>
             <a:endParaRPr lang="en-US"/>
           </a:p>
@@ -15029,7 +15104,7 @@
           <a:p>
             <a:fld id="{75AA6396-395E-4ADA-8EE5-F328BC863A04}" type="datetimeFigureOut">
               <a:rPr lang="en-US" smtClean="0"/>
-              <a:t>11/30/2016</a:t>
+              <a:t>1/10/2017</a:t>
             </a:fld>
             <a:endParaRPr lang="en-US"/>
           </a:p>
@@ -15147,7 +15222,7 @@
           <a:p>
             <a:fld id="{75AA6396-395E-4ADA-8EE5-F328BC863A04}" type="datetimeFigureOut">
               <a:rPr lang="en-US" smtClean="0"/>
-              <a:t>11/30/2016</a:t>
+              <a:t>1/10/2017</a:t>
             </a:fld>
             <a:endParaRPr lang="en-US"/>
           </a:p>
@@ -15242,7 +15317,7 @@
           <a:p>
             <a:fld id="{75AA6396-395E-4ADA-8EE5-F328BC863A04}" type="datetimeFigureOut">
               <a:rPr lang="en-US" smtClean="0"/>
-              <a:t>11/30/2016</a:t>
+              <a:t>1/10/2017</a:t>
             </a:fld>
             <a:endParaRPr lang="en-US"/>
           </a:p>
@@ -15519,7 +15594,7 @@
           <a:p>
             <a:fld id="{75AA6396-395E-4ADA-8EE5-F328BC863A04}" type="datetimeFigureOut">
               <a:rPr lang="en-US" smtClean="0"/>
-              <a:t>11/30/2016</a:t>
+              <a:t>1/10/2017</a:t>
             </a:fld>
             <a:endParaRPr lang="en-US"/>
           </a:p>
@@ -15772,7 +15847,7 @@
           <a:p>
             <a:fld id="{75AA6396-395E-4ADA-8EE5-F328BC863A04}" type="datetimeFigureOut">
               <a:rPr lang="en-US" smtClean="0"/>
-              <a:t>11/30/2016</a:t>
+              <a:t>1/10/2017</a:t>
             </a:fld>
             <a:endParaRPr lang="en-US"/>
           </a:p>
@@ -15985,7 +16060,7 @@
           <a:p>
             <a:fld id="{75AA6396-395E-4ADA-8EE5-F328BC863A04}" type="datetimeFigureOut">
               <a:rPr lang="en-US" smtClean="0"/>
-              <a:t>11/30/2016</a:t>
+              <a:t>1/10/2017</a:t>
             </a:fld>
             <a:endParaRPr lang="en-US"/>
           </a:p>
@@ -16402,7 +16477,7 @@
         </p:nvSpPr>
         <p:spPr>
           <a:xfrm>
-            <a:off x="838196" y="1456506"/>
+            <a:off x="838196" y="223607"/>
             <a:ext cx="10515600" cy="2069850"/>
           </a:xfrm>
         </p:spPr>
@@ -16442,8 +16517,8 @@
         </p:nvSpPr>
         <p:spPr>
           <a:xfrm>
-            <a:off x="4000134" y="4042549"/>
-            <a:ext cx="4191725" cy="1938992"/>
+            <a:off x="4329454" y="4710369"/>
+            <a:ext cx="3533083" cy="1938992"/>
           </a:xfrm>
           <a:prstGeom prst="rect">
             <a:avLst/>
@@ -16451,7 +16526,7 @@
           <a:noFill/>
         </p:spPr>
         <p:txBody>
-          <a:bodyPr wrap="none" rtlCol="0">
+          <a:bodyPr wrap="none" rtlCol="0" anchor="b">
             <a:spAutoFit/>
           </a:bodyPr>
           <a:lstStyle/>
@@ -16463,7 +16538,7 @@
                   <a:srgbClr val="013947"/>
                 </a:solidFill>
               </a:rPr>
-              <a:t>Seth Petry-Johnson</a:t>
+              <a:t/>
             </a:r>
             <a:br>
               <a:rPr lang="en-US" sz="4000" dirty="0" smtClean="0">
@@ -16504,6 +16579,30 @@
           </a:p>
         </p:txBody>
       </p:sp>
+      <p:pic>
+        <p:nvPicPr>
+          <p:cNvPr id="3" name="Picture 2"/>
+          <p:cNvPicPr>
+            <a:picLocks noChangeAspect="1"/>
+          </p:cNvPicPr>
+          <p:nvPr/>
+        </p:nvPicPr>
+        <p:blipFill>
+          <a:blip r:embed="rId3"/>
+          <a:stretch>
+            <a:fillRect/>
+          </a:stretch>
+        </p:blipFill>
+        <p:spPr>
+          <a:xfrm>
+            <a:off x="4527914" y="1965960"/>
+            <a:ext cx="3136162" cy="3633456"/>
+          </a:xfrm>
+          <a:prstGeom prst="rect">
+            <a:avLst/>
+          </a:prstGeom>
+        </p:spPr>
+      </p:pic>
     </p:spTree>
     <p:extLst>
       <p:ext uri="{BB962C8B-B14F-4D97-AF65-F5344CB8AC3E}">
@@ -21058,11 +21157,7 @@
           <a:p>
             <a:r>
               <a:rPr lang="en-US" sz="4800" dirty="0" smtClean="0"/>
-              <a:t>Mistake #2: </a:t>
-            </a:r>
-            <a:r>
-              <a:rPr lang="en-US" sz="4800" dirty="0" smtClean="0"/>
-              <a:t>Setup is hard to understand</a:t>
+              <a:t>Mistake #2: Setup is hard to understand</a:t>
             </a:r>
             <a:endParaRPr lang="en-US" sz="4800" dirty="0"/>
           </a:p>
@@ -21416,7 +21511,6 @@
               <a:rPr lang="en-US" sz="4800" dirty="0"/>
               <a:t>Setup is hard to understand</a:t>
             </a:r>
-            <a:endParaRPr lang="en-US" sz="4800" dirty="0"/>
           </a:p>
         </p:txBody>
       </p:sp>
@@ -26271,11 +26365,11 @@
   <p:clrMapOvr>
     <a:masterClrMapping/>
   </p:clrMapOvr>
-  <mc:AlternateContent xmlns:mc="http://schemas.openxmlformats.org/markup-compatibility/2006">
-    <mc:Choice xmlns:p14="http://schemas.microsoft.com/office/powerpoint/2010/main" Requires="p14">
+  <mc:AlternateContent xmlns:mc="http://schemas.openxmlformats.org/markup-compatibility/2006" xmlns:p14="http://schemas.microsoft.com/office/powerpoint/2010/main">
+    <mc:Choice Requires="p14">
       <p:transition spd="slow" p14:dur="2000"/>
     </mc:Choice>
-    <mc:Fallback>
+    <mc:Fallback xmlns="">
       <p:transition spd="slow"/>
     </mc:Fallback>
   </mc:AlternateContent>

--- a/POETS - CodeMash 2017.pptx
+++ b/POETS - CodeMash 2017.pptx
@@ -1383,7 +1383,247 @@
                 <a:ea typeface="+mn-ea"/>
                 <a:cs typeface="+mn-cs"/>
               </a:rPr>
-              <a:t>Today we’re going to talk about what it means to have effective test setup patterns, we’re going to look at the mistakes you’re making today that reduce the effectiveness of your setup code, and then I’ll show you a number of patterns and techniques to do instead. We’ll finish by looking at ways for applying these same patterns and techniques to integration tests as well as unit tests. </a:t>
+              <a:t>Today we’re going to talk about what it means to have effective test setup patterns, </a:t>
+            </a:r>
+            <a:endParaRPr lang="en-US" sz="1200" kern="1200" dirty="0" smtClean="0">
+              <a:solidFill>
+                <a:schemeClr val="tx1"/>
+              </a:solidFill>
+              <a:effectLst/>
+              <a:latin typeface="+mn-lt"/>
+              <a:ea typeface="+mn-ea"/>
+              <a:cs typeface="+mn-cs"/>
+            </a:endParaRPr>
+          </a:p>
+          <a:p>
+            <a:pPr marL="0" marR="0" lvl="0" indent="0" algn="l" defTabSz="914400" rtl="0" eaLnBrk="1" fontAlgn="auto" latinLnBrk="0" hangingPunct="1">
+              <a:lnSpc>
+                <a:spcPct val="100000"/>
+              </a:lnSpc>
+              <a:spcBef>
+                <a:spcPts val="0"/>
+              </a:spcBef>
+              <a:spcAft>
+                <a:spcPts val="0"/>
+              </a:spcAft>
+              <a:buClrTx/>
+              <a:buSzTx/>
+              <a:buFontTx/>
+              <a:buNone/>
+              <a:tabLst/>
+              <a:defRPr/>
+            </a:pPr>
+            <a:endParaRPr lang="en-US" sz="1200" kern="1200" dirty="0" smtClean="0">
+              <a:solidFill>
+                <a:schemeClr val="tx1"/>
+              </a:solidFill>
+              <a:effectLst/>
+              <a:latin typeface="+mn-lt"/>
+              <a:ea typeface="+mn-ea"/>
+              <a:cs typeface="+mn-cs"/>
+            </a:endParaRPr>
+          </a:p>
+          <a:p>
+            <a:pPr marL="0" marR="0" lvl="0" indent="0" algn="l" defTabSz="914400" rtl="0" eaLnBrk="1" fontAlgn="auto" latinLnBrk="0" hangingPunct="1">
+              <a:lnSpc>
+                <a:spcPct val="100000"/>
+              </a:lnSpc>
+              <a:spcBef>
+                <a:spcPts val="0"/>
+              </a:spcBef>
+              <a:spcAft>
+                <a:spcPts val="0"/>
+              </a:spcAft>
+              <a:buClrTx/>
+              <a:buSzTx/>
+              <a:buFontTx/>
+              <a:buNone/>
+              <a:tabLst/>
+              <a:defRPr/>
+            </a:pPr>
+            <a:r>
+              <a:rPr lang="en-US" sz="1200" kern="1200" dirty="0" smtClean="0">
+                <a:solidFill>
+                  <a:schemeClr val="tx1"/>
+                </a:solidFill>
+                <a:effectLst/>
+                <a:latin typeface="+mn-lt"/>
+                <a:ea typeface="+mn-ea"/>
+                <a:cs typeface="+mn-cs"/>
+              </a:rPr>
+              <a:t>we’re </a:t>
+            </a:r>
+            <a:r>
+              <a:rPr lang="en-US" sz="1200" kern="1200" dirty="0" smtClean="0">
+                <a:solidFill>
+                  <a:schemeClr val="tx1"/>
+                </a:solidFill>
+                <a:effectLst/>
+                <a:latin typeface="+mn-lt"/>
+                <a:ea typeface="+mn-ea"/>
+                <a:cs typeface="+mn-cs"/>
+              </a:rPr>
+              <a:t>going to look at the mistakes you’re making today that reduce the effectiveness of your setup code, </a:t>
+            </a:r>
+            <a:endParaRPr lang="en-US" sz="1200" kern="1200" dirty="0" smtClean="0">
+              <a:solidFill>
+                <a:schemeClr val="tx1"/>
+              </a:solidFill>
+              <a:effectLst/>
+              <a:latin typeface="+mn-lt"/>
+              <a:ea typeface="+mn-ea"/>
+              <a:cs typeface="+mn-cs"/>
+            </a:endParaRPr>
+          </a:p>
+          <a:p>
+            <a:pPr marL="0" marR="0" lvl="0" indent="0" algn="l" defTabSz="914400" rtl="0" eaLnBrk="1" fontAlgn="auto" latinLnBrk="0" hangingPunct="1">
+              <a:lnSpc>
+                <a:spcPct val="100000"/>
+              </a:lnSpc>
+              <a:spcBef>
+                <a:spcPts val="0"/>
+              </a:spcBef>
+              <a:spcAft>
+                <a:spcPts val="0"/>
+              </a:spcAft>
+              <a:buClrTx/>
+              <a:buSzTx/>
+              <a:buFontTx/>
+              <a:buNone/>
+              <a:tabLst/>
+              <a:defRPr/>
+            </a:pPr>
+            <a:endParaRPr lang="en-US" sz="1200" kern="1200" dirty="0" smtClean="0">
+              <a:solidFill>
+                <a:schemeClr val="tx1"/>
+              </a:solidFill>
+              <a:effectLst/>
+              <a:latin typeface="+mn-lt"/>
+              <a:ea typeface="+mn-ea"/>
+              <a:cs typeface="+mn-cs"/>
+            </a:endParaRPr>
+          </a:p>
+          <a:p>
+            <a:pPr marL="0" marR="0" lvl="0" indent="0" algn="l" defTabSz="914400" rtl="0" eaLnBrk="1" fontAlgn="auto" latinLnBrk="0" hangingPunct="1">
+              <a:lnSpc>
+                <a:spcPct val="100000"/>
+              </a:lnSpc>
+              <a:spcBef>
+                <a:spcPts val="0"/>
+              </a:spcBef>
+              <a:spcAft>
+                <a:spcPts val="0"/>
+              </a:spcAft>
+              <a:buClrTx/>
+              <a:buSzTx/>
+              <a:buFontTx/>
+              <a:buNone/>
+              <a:tabLst/>
+              <a:defRPr/>
+            </a:pPr>
+            <a:r>
+              <a:rPr lang="en-US" sz="1200" kern="1200" dirty="0" smtClean="0">
+                <a:solidFill>
+                  <a:schemeClr val="tx1"/>
+                </a:solidFill>
+                <a:effectLst/>
+                <a:latin typeface="+mn-lt"/>
+                <a:ea typeface="+mn-ea"/>
+                <a:cs typeface="+mn-cs"/>
+              </a:rPr>
+              <a:t>and </a:t>
+            </a:r>
+            <a:r>
+              <a:rPr lang="en-US" sz="1200" kern="1200" dirty="0" smtClean="0">
+                <a:solidFill>
+                  <a:schemeClr val="tx1"/>
+                </a:solidFill>
+                <a:effectLst/>
+                <a:latin typeface="+mn-lt"/>
+                <a:ea typeface="+mn-ea"/>
+                <a:cs typeface="+mn-cs"/>
+              </a:rPr>
+              <a:t>then I’ll show you a number of patterns and techniques to do instead. </a:t>
+            </a:r>
+            <a:endParaRPr lang="en-US" sz="1200" kern="1200" dirty="0" smtClean="0">
+              <a:solidFill>
+                <a:schemeClr val="tx1"/>
+              </a:solidFill>
+              <a:effectLst/>
+              <a:latin typeface="+mn-lt"/>
+              <a:ea typeface="+mn-ea"/>
+              <a:cs typeface="+mn-cs"/>
+            </a:endParaRPr>
+          </a:p>
+          <a:p>
+            <a:pPr marL="0" marR="0" lvl="0" indent="0" algn="l" defTabSz="914400" rtl="0" eaLnBrk="1" fontAlgn="auto" latinLnBrk="0" hangingPunct="1">
+              <a:lnSpc>
+                <a:spcPct val="100000"/>
+              </a:lnSpc>
+              <a:spcBef>
+                <a:spcPts val="0"/>
+              </a:spcBef>
+              <a:spcAft>
+                <a:spcPts val="0"/>
+              </a:spcAft>
+              <a:buClrTx/>
+              <a:buSzTx/>
+              <a:buFontTx/>
+              <a:buNone/>
+              <a:tabLst/>
+              <a:defRPr/>
+            </a:pPr>
+            <a:endParaRPr lang="en-US" sz="1200" kern="1200" dirty="0" smtClean="0">
+              <a:solidFill>
+                <a:schemeClr val="tx1"/>
+              </a:solidFill>
+              <a:effectLst/>
+              <a:latin typeface="+mn-lt"/>
+              <a:ea typeface="+mn-ea"/>
+              <a:cs typeface="+mn-cs"/>
+            </a:endParaRPr>
+          </a:p>
+          <a:p>
+            <a:pPr marL="0" marR="0" lvl="0" indent="0" algn="l" defTabSz="914400" rtl="0" eaLnBrk="1" fontAlgn="auto" latinLnBrk="0" hangingPunct="1">
+              <a:lnSpc>
+                <a:spcPct val="100000"/>
+              </a:lnSpc>
+              <a:spcBef>
+                <a:spcPts val="0"/>
+              </a:spcBef>
+              <a:spcAft>
+                <a:spcPts val="0"/>
+              </a:spcAft>
+              <a:buClrTx/>
+              <a:buSzTx/>
+              <a:buFontTx/>
+              <a:buNone/>
+              <a:tabLst/>
+              <a:defRPr/>
+            </a:pPr>
+            <a:r>
+              <a:rPr lang="en-US" sz="1200" kern="1200" dirty="0" smtClean="0">
+                <a:solidFill>
+                  <a:schemeClr val="tx1"/>
+                </a:solidFill>
+                <a:effectLst/>
+                <a:latin typeface="+mn-lt"/>
+                <a:ea typeface="+mn-ea"/>
+                <a:cs typeface="+mn-cs"/>
+              </a:rPr>
+              <a:t>We’ll </a:t>
+            </a:r>
+            <a:r>
+              <a:rPr lang="en-US" sz="1200" kern="1200" dirty="0" smtClean="0">
+                <a:solidFill>
+                  <a:schemeClr val="tx1"/>
+                </a:solidFill>
+                <a:effectLst/>
+                <a:latin typeface="+mn-lt"/>
+                <a:ea typeface="+mn-ea"/>
+                <a:cs typeface="+mn-cs"/>
+              </a:rPr>
+              <a:t>finish by looking at ways for applying these same patterns and techniques to integration tests as well as unit tests. </a:t>
             </a:r>
           </a:p>
           <a:p>
@@ -1596,21 +1836,190 @@
                 <a:ea typeface="+mn-ea"/>
                 <a:cs typeface="+mn-cs"/>
               </a:rPr>
-              <a:t>By “test setup”, I mean anything that you do to create the baseline “input” for a test. This could mean creating objects in memory. It could mean putting data into a database. It could mean putting files on a file system. This could also mean setup code that’s shared between multiple tests or it could be setup code that’s unique to a specific test. </a:t>
-            </a:r>
-          </a:p>
-          <a:p>
-            <a:r>
-              <a:rPr lang="en-US" sz="1200" kern="1200" dirty="0" smtClean="0">
-                <a:solidFill>
-                  <a:schemeClr val="tx1"/>
-                </a:solidFill>
-                <a:effectLst/>
-                <a:latin typeface="+mn-lt"/>
-                <a:ea typeface="+mn-ea"/>
-                <a:cs typeface="+mn-cs"/>
-              </a:rPr>
-              <a:t>In general, I would include mocking and stubbing as “test setup”, but I’m focusing mostly on test data today.</a:t>
+              <a:t>By “test setup”, I mean anything that you do to create the baseline “input” for a test. This could mean creating </a:t>
+            </a:r>
+            <a:r>
+              <a:rPr lang="en-US" sz="1200" kern="1200" dirty="0" smtClean="0">
+                <a:solidFill>
+                  <a:schemeClr val="tx1"/>
+                </a:solidFill>
+                <a:effectLst/>
+                <a:latin typeface="+mn-lt"/>
+                <a:ea typeface="+mn-ea"/>
+                <a:cs typeface="+mn-cs"/>
+              </a:rPr>
+              <a:t>OBJ IN MEMORY. </a:t>
+            </a:r>
+          </a:p>
+          <a:p>
+            <a:endParaRPr lang="en-US" sz="1200" kern="1200" dirty="0" smtClean="0">
+              <a:solidFill>
+                <a:schemeClr val="tx1"/>
+              </a:solidFill>
+              <a:effectLst/>
+              <a:latin typeface="+mn-lt"/>
+              <a:ea typeface="+mn-ea"/>
+              <a:cs typeface="+mn-cs"/>
+            </a:endParaRPr>
+          </a:p>
+          <a:p>
+            <a:r>
+              <a:rPr lang="en-US" sz="1200" kern="1200" dirty="0" smtClean="0">
+                <a:solidFill>
+                  <a:schemeClr val="tx1"/>
+                </a:solidFill>
+                <a:effectLst/>
+                <a:latin typeface="+mn-lt"/>
+                <a:ea typeface="+mn-ea"/>
+                <a:cs typeface="+mn-cs"/>
+              </a:rPr>
+              <a:t>It </a:t>
+            </a:r>
+            <a:r>
+              <a:rPr lang="en-US" sz="1200" kern="1200" dirty="0" smtClean="0">
+                <a:solidFill>
+                  <a:schemeClr val="tx1"/>
+                </a:solidFill>
+                <a:effectLst/>
+                <a:latin typeface="+mn-lt"/>
+                <a:ea typeface="+mn-ea"/>
+                <a:cs typeface="+mn-cs"/>
+              </a:rPr>
+              <a:t>could mean putting </a:t>
+            </a:r>
+            <a:r>
+              <a:rPr lang="en-US" sz="1200" kern="1200" dirty="0" smtClean="0">
+                <a:solidFill>
+                  <a:schemeClr val="tx1"/>
+                </a:solidFill>
+                <a:effectLst/>
+                <a:latin typeface="+mn-lt"/>
+                <a:ea typeface="+mn-ea"/>
+                <a:cs typeface="+mn-cs"/>
+              </a:rPr>
+              <a:t>DATA INTO DB. </a:t>
+            </a:r>
+            <a:r>
+              <a:rPr lang="en-US" sz="1200" kern="1200" dirty="0" smtClean="0">
+                <a:solidFill>
+                  <a:schemeClr val="tx1"/>
+                </a:solidFill>
+                <a:effectLst/>
+                <a:latin typeface="+mn-lt"/>
+                <a:ea typeface="+mn-ea"/>
+                <a:cs typeface="+mn-cs"/>
+              </a:rPr>
+              <a:t>It could mean putting </a:t>
+            </a:r>
+            <a:r>
+              <a:rPr lang="en-US" sz="1200" kern="1200" dirty="0" smtClean="0">
+                <a:solidFill>
+                  <a:schemeClr val="tx1"/>
+                </a:solidFill>
+                <a:effectLst/>
+                <a:latin typeface="+mn-lt"/>
+                <a:ea typeface="+mn-ea"/>
+                <a:cs typeface="+mn-cs"/>
+              </a:rPr>
+              <a:t>FILES ON DISK. </a:t>
+            </a:r>
+          </a:p>
+          <a:p>
+            <a:endParaRPr lang="en-US" sz="1200" kern="1200" dirty="0" smtClean="0">
+              <a:solidFill>
+                <a:schemeClr val="tx1"/>
+              </a:solidFill>
+              <a:effectLst/>
+              <a:latin typeface="+mn-lt"/>
+              <a:ea typeface="+mn-ea"/>
+              <a:cs typeface="+mn-cs"/>
+            </a:endParaRPr>
+          </a:p>
+          <a:p>
+            <a:r>
+              <a:rPr lang="en-US" sz="1200" kern="1200" dirty="0" smtClean="0">
+                <a:solidFill>
+                  <a:schemeClr val="tx1"/>
+                </a:solidFill>
+                <a:effectLst/>
+                <a:latin typeface="+mn-lt"/>
+                <a:ea typeface="+mn-ea"/>
+                <a:cs typeface="+mn-cs"/>
+              </a:rPr>
+              <a:t>Could </a:t>
+            </a:r>
+            <a:r>
+              <a:rPr lang="en-US" sz="1200" kern="1200" dirty="0" smtClean="0">
+                <a:solidFill>
+                  <a:schemeClr val="tx1"/>
+                </a:solidFill>
+                <a:effectLst/>
+                <a:latin typeface="+mn-lt"/>
+                <a:ea typeface="+mn-ea"/>
+                <a:cs typeface="+mn-cs"/>
+              </a:rPr>
+              <a:t>also mean setup code that’s </a:t>
+            </a:r>
+            <a:r>
+              <a:rPr lang="en-US" sz="1200" kern="1200" dirty="0" smtClean="0">
+                <a:solidFill>
+                  <a:schemeClr val="tx1"/>
+                </a:solidFill>
+                <a:effectLst/>
+                <a:latin typeface="+mn-lt"/>
+                <a:ea typeface="+mn-ea"/>
+                <a:cs typeface="+mn-cs"/>
+              </a:rPr>
+              <a:t>SHARED between </a:t>
+            </a:r>
+            <a:r>
+              <a:rPr lang="en-US" sz="1200" kern="1200" dirty="0" smtClean="0">
+                <a:solidFill>
+                  <a:schemeClr val="tx1"/>
+                </a:solidFill>
+                <a:effectLst/>
+                <a:latin typeface="+mn-lt"/>
+                <a:ea typeface="+mn-ea"/>
+                <a:cs typeface="+mn-cs"/>
+              </a:rPr>
+              <a:t>multiple tests or it could be setup code that’s unique to a specific test. </a:t>
+            </a:r>
+          </a:p>
+          <a:p>
+            <a:endParaRPr lang="en-US" sz="1200" kern="1200" dirty="0" smtClean="0">
+              <a:solidFill>
+                <a:schemeClr val="tx1"/>
+              </a:solidFill>
+              <a:effectLst/>
+              <a:latin typeface="+mn-lt"/>
+              <a:ea typeface="+mn-ea"/>
+              <a:cs typeface="+mn-cs"/>
+            </a:endParaRPr>
+          </a:p>
+          <a:p>
+            <a:r>
+              <a:rPr lang="en-US" sz="1200" kern="1200" dirty="0" smtClean="0">
+                <a:solidFill>
+                  <a:schemeClr val="tx1"/>
+                </a:solidFill>
+                <a:effectLst/>
+                <a:latin typeface="+mn-lt"/>
+                <a:ea typeface="+mn-ea"/>
+                <a:cs typeface="+mn-cs"/>
+              </a:rPr>
+              <a:t>In </a:t>
+            </a:r>
+            <a:r>
+              <a:rPr lang="en-US" sz="1200" kern="1200" dirty="0" smtClean="0">
+                <a:solidFill>
+                  <a:schemeClr val="tx1"/>
+                </a:solidFill>
+                <a:effectLst/>
+                <a:latin typeface="+mn-lt"/>
+                <a:ea typeface="+mn-ea"/>
+                <a:cs typeface="+mn-cs"/>
+              </a:rPr>
+              <a:t>general, I would include mocking and stubbing as “test setup”, but I’m focusing mostly on test data today.</a:t>
             </a:r>
           </a:p>
           <a:p>
@@ -1827,31 +2236,255 @@
             </a:r>
           </a:p>
           <a:p>
-            <a:r>
-              <a:rPr lang="en-US" sz="1200" kern="1200" dirty="0" smtClean="0">
-                <a:solidFill>
-                  <a:schemeClr val="tx1"/>
-                </a:solidFill>
-                <a:effectLst/>
-                <a:latin typeface="+mn-lt"/>
-                <a:ea typeface="+mn-ea"/>
-                <a:cs typeface="+mn-cs"/>
-              </a:rPr>
-              <a:t>Or, less insultingly, your tests suck up your time, suck up your employer’s money, suck the joy out of doing TDD, and just generally make your life more unpleasant than it needs to be. And they do that because you’re making a couple of very costly mistakes when you set up or arrange your tests. You may not even recognize them as mistakes, but they’re causing you pain regardless.</a:t>
-            </a:r>
-          </a:p>
-          <a:p>
-            <a:r>
-              <a:rPr lang="en-US" sz="1200" kern="1200" dirty="0" smtClean="0">
-                <a:solidFill>
-                  <a:schemeClr val="tx1"/>
-                </a:solidFill>
-                <a:effectLst/>
-                <a:latin typeface="+mn-lt"/>
-                <a:ea typeface="+mn-ea"/>
-                <a:cs typeface="+mn-cs"/>
-              </a:rPr>
-              <a:t>It’s not your fault, though; lots of really smart people have written lots of really smart articles and books about how to write testable code and how to use TDD to drive the design of your code. But even if you were doing everything right, just like all those smart people said to do, I assert that you could </a:t>
+            <a:endParaRPr lang="en-US" sz="1200" kern="1200" dirty="0" smtClean="0">
+              <a:solidFill>
+                <a:schemeClr val="tx1"/>
+              </a:solidFill>
+              <a:effectLst/>
+              <a:latin typeface="+mn-lt"/>
+              <a:ea typeface="+mn-ea"/>
+              <a:cs typeface="+mn-cs"/>
+            </a:endParaRPr>
+          </a:p>
+          <a:p>
+            <a:r>
+              <a:rPr lang="en-US" sz="1200" kern="1200" dirty="0" smtClean="0">
+                <a:solidFill>
+                  <a:schemeClr val="tx1"/>
+                </a:solidFill>
+                <a:effectLst/>
+                <a:latin typeface="+mn-lt"/>
+                <a:ea typeface="+mn-ea"/>
+                <a:cs typeface="+mn-cs"/>
+              </a:rPr>
+              <a:t>Or</a:t>
+            </a:r>
+            <a:r>
+              <a:rPr lang="en-US" sz="1200" kern="1200" dirty="0" smtClean="0">
+                <a:solidFill>
+                  <a:schemeClr val="tx1"/>
+                </a:solidFill>
+                <a:effectLst/>
+                <a:latin typeface="+mn-lt"/>
+                <a:ea typeface="+mn-ea"/>
+                <a:cs typeface="+mn-cs"/>
+              </a:rPr>
+              <a:t>, less insultingly, your tests suck up your </a:t>
+            </a:r>
+            <a:r>
+              <a:rPr lang="en-US" sz="1200" kern="1200" dirty="0" smtClean="0">
+                <a:solidFill>
+                  <a:schemeClr val="tx1"/>
+                </a:solidFill>
+                <a:effectLst/>
+                <a:latin typeface="+mn-lt"/>
+                <a:ea typeface="+mn-ea"/>
+                <a:cs typeface="+mn-cs"/>
+              </a:rPr>
+              <a:t>TIME, employer’s MONEY, joy </a:t>
+            </a:r>
+            <a:r>
+              <a:rPr lang="en-US" sz="1200" kern="1200" dirty="0" smtClean="0">
+                <a:solidFill>
+                  <a:schemeClr val="tx1"/>
+                </a:solidFill>
+                <a:effectLst/>
+                <a:latin typeface="+mn-lt"/>
+                <a:ea typeface="+mn-ea"/>
+                <a:cs typeface="+mn-cs"/>
+              </a:rPr>
+              <a:t>out of doing TDD, and </a:t>
+            </a:r>
+            <a:r>
+              <a:rPr lang="en-US" sz="1200" kern="1200" dirty="0" smtClean="0">
+                <a:solidFill>
+                  <a:schemeClr val="tx1"/>
+                </a:solidFill>
+                <a:effectLst/>
+                <a:latin typeface="+mn-lt"/>
+                <a:ea typeface="+mn-ea"/>
+                <a:cs typeface="+mn-cs"/>
+              </a:rPr>
+              <a:t>generally </a:t>
+            </a:r>
+            <a:r>
+              <a:rPr lang="en-US" sz="1200" kern="1200" dirty="0" smtClean="0">
+                <a:solidFill>
+                  <a:schemeClr val="tx1"/>
+                </a:solidFill>
+                <a:effectLst/>
+                <a:latin typeface="+mn-lt"/>
+                <a:ea typeface="+mn-ea"/>
+                <a:cs typeface="+mn-cs"/>
+              </a:rPr>
+              <a:t>make your life more unpleasant than it needs to be. </a:t>
+            </a:r>
+            <a:endParaRPr lang="en-US" sz="1200" kern="1200" dirty="0" smtClean="0">
+              <a:solidFill>
+                <a:schemeClr val="tx1"/>
+              </a:solidFill>
+              <a:effectLst/>
+              <a:latin typeface="+mn-lt"/>
+              <a:ea typeface="+mn-ea"/>
+              <a:cs typeface="+mn-cs"/>
+            </a:endParaRPr>
+          </a:p>
+          <a:p>
+            <a:endParaRPr lang="en-US" sz="1200" kern="1200" dirty="0" smtClean="0">
+              <a:solidFill>
+                <a:schemeClr val="tx1"/>
+              </a:solidFill>
+              <a:effectLst/>
+              <a:latin typeface="+mn-lt"/>
+              <a:ea typeface="+mn-ea"/>
+              <a:cs typeface="+mn-cs"/>
+            </a:endParaRPr>
+          </a:p>
+          <a:p>
+            <a:r>
+              <a:rPr lang="en-US" sz="1200" kern="1200" dirty="0" smtClean="0">
+                <a:solidFill>
+                  <a:schemeClr val="tx1"/>
+                </a:solidFill>
+                <a:effectLst/>
+                <a:latin typeface="+mn-lt"/>
+                <a:ea typeface="+mn-ea"/>
+                <a:cs typeface="+mn-cs"/>
+              </a:rPr>
+              <a:t>They </a:t>
+            </a:r>
+            <a:r>
+              <a:rPr lang="en-US" sz="1200" kern="1200" dirty="0" smtClean="0">
+                <a:solidFill>
+                  <a:schemeClr val="tx1"/>
+                </a:solidFill>
+                <a:effectLst/>
+                <a:latin typeface="+mn-lt"/>
+                <a:ea typeface="+mn-ea"/>
+                <a:cs typeface="+mn-cs"/>
+              </a:rPr>
+              <a:t>do that because you’re making a couple of very costly mistakes when you set up or arrange your tests. You may not even recognize them as mistakes, but they’re causing you pain regardless</a:t>
+            </a:r>
+            <a:r>
+              <a:rPr lang="en-US" sz="1200" kern="1200" dirty="0" smtClean="0">
+                <a:solidFill>
+                  <a:schemeClr val="tx1"/>
+                </a:solidFill>
+                <a:effectLst/>
+                <a:latin typeface="+mn-lt"/>
+                <a:ea typeface="+mn-ea"/>
+                <a:cs typeface="+mn-cs"/>
+              </a:rPr>
+              <a:t>.</a:t>
+            </a:r>
+          </a:p>
+          <a:p>
+            <a:endParaRPr lang="en-US" sz="1200" kern="1200" dirty="0" smtClean="0">
+              <a:solidFill>
+                <a:schemeClr val="tx1"/>
+              </a:solidFill>
+              <a:effectLst/>
+              <a:latin typeface="+mn-lt"/>
+              <a:ea typeface="+mn-ea"/>
+              <a:cs typeface="+mn-cs"/>
+            </a:endParaRPr>
+          </a:p>
+          <a:p>
+            <a:r>
+              <a:rPr lang="en-US" sz="1200" kern="1200" dirty="0" smtClean="0">
+                <a:solidFill>
+                  <a:schemeClr val="tx1"/>
+                </a:solidFill>
+                <a:effectLst/>
+                <a:latin typeface="+mn-lt"/>
+                <a:ea typeface="+mn-ea"/>
+                <a:cs typeface="+mn-cs"/>
+              </a:rPr>
+              <a:t>Not your </a:t>
+            </a:r>
+            <a:r>
+              <a:rPr lang="en-US" sz="1200" kern="1200" dirty="0" smtClean="0">
+                <a:solidFill>
+                  <a:schemeClr val="tx1"/>
+                </a:solidFill>
+                <a:effectLst/>
+                <a:latin typeface="+mn-lt"/>
+                <a:ea typeface="+mn-ea"/>
+                <a:cs typeface="+mn-cs"/>
+              </a:rPr>
+              <a:t>fault, though; lots of really smart people have written </a:t>
+            </a:r>
+            <a:r>
+              <a:rPr lang="en-US" sz="1200" kern="1200" dirty="0" smtClean="0">
+                <a:solidFill>
+                  <a:schemeClr val="tx1"/>
+                </a:solidFill>
+                <a:effectLst/>
+                <a:latin typeface="+mn-lt"/>
+                <a:ea typeface="+mn-ea"/>
+                <a:cs typeface="+mn-cs"/>
+              </a:rPr>
+              <a:t>articles </a:t>
+            </a:r>
+            <a:r>
+              <a:rPr lang="en-US" sz="1200" kern="1200" dirty="0" smtClean="0">
+                <a:solidFill>
+                  <a:schemeClr val="tx1"/>
+                </a:solidFill>
+                <a:effectLst/>
+                <a:latin typeface="+mn-lt"/>
+                <a:ea typeface="+mn-ea"/>
+                <a:cs typeface="+mn-cs"/>
+              </a:rPr>
+              <a:t>and books about how to write testable code and how to use </a:t>
+            </a:r>
+            <a:r>
+              <a:rPr lang="en-US" sz="1200" kern="1200" dirty="0" smtClean="0">
+                <a:solidFill>
+                  <a:schemeClr val="tx1"/>
+                </a:solidFill>
+                <a:effectLst/>
+                <a:latin typeface="+mn-lt"/>
+                <a:ea typeface="+mn-ea"/>
+                <a:cs typeface="+mn-cs"/>
+              </a:rPr>
+              <a:t>TDD. </a:t>
+            </a:r>
+            <a:r>
+              <a:rPr lang="en-US" sz="1200" kern="1200" dirty="0" smtClean="0">
+                <a:solidFill>
+                  <a:schemeClr val="tx1"/>
+                </a:solidFill>
+                <a:effectLst/>
+                <a:latin typeface="+mn-lt"/>
+                <a:ea typeface="+mn-ea"/>
+                <a:cs typeface="+mn-cs"/>
+              </a:rPr>
+              <a:t>But even if you were doing everything right</a:t>
+            </a:r>
+            <a:r>
+              <a:rPr lang="en-US" sz="1200" kern="1200" dirty="0" smtClean="0">
+                <a:solidFill>
+                  <a:schemeClr val="tx1"/>
+                </a:solidFill>
+                <a:effectLst/>
+                <a:latin typeface="+mn-lt"/>
+                <a:ea typeface="+mn-ea"/>
+                <a:cs typeface="+mn-cs"/>
+              </a:rPr>
+              <a:t>, </a:t>
+            </a:r>
+            <a:r>
+              <a:rPr lang="en-US" sz="1200" kern="1200" dirty="0" smtClean="0">
+                <a:solidFill>
+                  <a:schemeClr val="tx1"/>
+                </a:solidFill>
+                <a:effectLst/>
+                <a:latin typeface="+mn-lt"/>
+                <a:ea typeface="+mn-ea"/>
+                <a:cs typeface="+mn-cs"/>
+              </a:rPr>
+              <a:t>I assert that you could </a:t>
             </a:r>
             <a:r>
               <a:rPr lang="en-US" sz="1200" i="1" kern="1200" dirty="0" smtClean="0">
@@ -1875,7 +2508,53 @@
                 <a:ea typeface="+mn-ea"/>
                 <a:cs typeface="+mn-cs"/>
               </a:rPr>
-              <a:t>be making those mistakes. And that’s because many programmers tend to overlook “test setup” and test data as critical areas for innovation and improvement. </a:t>
+              <a:t>be making those mistakes. </a:t>
+            </a:r>
+            <a:endParaRPr lang="en-US" sz="1200" kern="1200" dirty="0" smtClean="0">
+              <a:solidFill>
+                <a:schemeClr val="tx1"/>
+              </a:solidFill>
+              <a:effectLst/>
+              <a:latin typeface="+mn-lt"/>
+              <a:ea typeface="+mn-ea"/>
+              <a:cs typeface="+mn-cs"/>
+            </a:endParaRPr>
+          </a:p>
+          <a:p>
+            <a:endParaRPr lang="en-US" sz="1200" kern="1200" dirty="0" smtClean="0">
+              <a:solidFill>
+                <a:schemeClr val="tx1"/>
+              </a:solidFill>
+              <a:effectLst/>
+              <a:latin typeface="+mn-lt"/>
+              <a:ea typeface="+mn-ea"/>
+              <a:cs typeface="+mn-cs"/>
+            </a:endParaRPr>
+          </a:p>
+          <a:p>
+            <a:r>
+              <a:rPr lang="en-US" sz="1200" kern="1200" dirty="0" smtClean="0">
+                <a:solidFill>
+                  <a:schemeClr val="tx1"/>
+                </a:solidFill>
+                <a:effectLst/>
+                <a:latin typeface="+mn-lt"/>
+                <a:ea typeface="+mn-ea"/>
+                <a:cs typeface="+mn-cs"/>
+              </a:rPr>
+              <a:t>And </a:t>
+            </a:r>
+            <a:r>
+              <a:rPr lang="en-US" sz="1200" kern="1200" dirty="0" smtClean="0">
+                <a:solidFill>
+                  <a:schemeClr val="tx1"/>
+                </a:solidFill>
+                <a:effectLst/>
+                <a:latin typeface="+mn-lt"/>
+                <a:ea typeface="+mn-ea"/>
+                <a:cs typeface="+mn-cs"/>
+              </a:rPr>
+              <a:t>that’s because many programmers tend to overlook “test setup” and test data as critical areas for innovation and improvement. </a:t>
             </a:r>
             <a:endParaRPr lang="en-US" sz="1200" kern="1200" dirty="0">
               <a:solidFill>
@@ -2002,6 +2681,40 @@
           <a:p>
             <a:endParaRPr lang="en-US" baseline="0" dirty="0" smtClean="0"/>
           </a:p>
+          <a:p>
+            <a:pPr marL="0" marR="0" lvl="0" indent="0" algn="l" defTabSz="914400" rtl="0" eaLnBrk="1" fontAlgn="auto" latinLnBrk="0" hangingPunct="1">
+              <a:lnSpc>
+                <a:spcPct val="100000"/>
+              </a:lnSpc>
+              <a:spcBef>
+                <a:spcPts val="0"/>
+              </a:spcBef>
+              <a:spcAft>
+                <a:spcPts val="0"/>
+              </a:spcAft>
+              <a:buClrTx/>
+              <a:buSzTx/>
+              <a:buFontTx/>
+              <a:buNone/>
+              <a:tabLst/>
+              <a:defRPr/>
+            </a:pPr>
+            <a:r>
+              <a:rPr lang="en-US" sz="1200" kern="1200" dirty="0" smtClean="0">
+                <a:solidFill>
+                  <a:schemeClr val="tx1"/>
+                </a:solidFill>
+                <a:effectLst/>
+                <a:latin typeface="+mn-lt"/>
+                <a:ea typeface="+mn-ea"/>
+                <a:cs typeface="+mn-cs"/>
+              </a:rPr>
+              <a:t>How do you identify effective test setup patterns? A project with effective patterns looks something like this:</a:t>
+            </a:r>
+          </a:p>
+          <a:p>
+            <a:endParaRPr lang="en-US" baseline="0" dirty="0" smtClean="0"/>
+          </a:p>
         </p:txBody>
       </p:sp>
       <p:sp>
@@ -2135,7 +2848,111 @@
                 <a:ea typeface="+mn-ea"/>
                 <a:cs typeface="+mn-cs"/>
               </a:rPr>
-              <a:t> of them. There’s something really enjoyable about getting into that TDD rhythm of red-green-refactor, but you can only do that if tests are painless to author. And if tests are painless to author, then either your code is simple or you’ve deliberately made them painless to author.</a:t>
+              <a:t> of them. </a:t>
+            </a:r>
+            <a:endParaRPr lang="en-US" sz="1200" kern="1200" dirty="0" smtClean="0">
+              <a:solidFill>
+                <a:schemeClr val="tx1"/>
+              </a:solidFill>
+              <a:effectLst/>
+              <a:latin typeface="+mn-lt"/>
+              <a:ea typeface="+mn-ea"/>
+              <a:cs typeface="+mn-cs"/>
+            </a:endParaRPr>
+          </a:p>
+          <a:p>
+            <a:pPr marL="0" marR="0" lvl="0" indent="0" algn="l" defTabSz="914400" rtl="0" eaLnBrk="1" fontAlgn="auto" latinLnBrk="0" hangingPunct="1">
+              <a:lnSpc>
+                <a:spcPct val="100000"/>
+              </a:lnSpc>
+              <a:spcBef>
+                <a:spcPts val="0"/>
+              </a:spcBef>
+              <a:spcAft>
+                <a:spcPts val="0"/>
+              </a:spcAft>
+              <a:buClrTx/>
+              <a:buSzTx/>
+              <a:buFontTx/>
+              <a:buNone/>
+              <a:tabLst/>
+              <a:defRPr/>
+            </a:pPr>
+            <a:endParaRPr lang="en-US" sz="1200" kern="1200" dirty="0" smtClean="0">
+              <a:solidFill>
+                <a:schemeClr val="tx1"/>
+              </a:solidFill>
+              <a:effectLst/>
+              <a:latin typeface="+mn-lt"/>
+              <a:ea typeface="+mn-ea"/>
+              <a:cs typeface="+mn-cs"/>
+            </a:endParaRPr>
+          </a:p>
+          <a:p>
+            <a:pPr marL="0" marR="0" lvl="0" indent="0" algn="l" defTabSz="914400" rtl="0" eaLnBrk="1" fontAlgn="auto" latinLnBrk="0" hangingPunct="1">
+              <a:lnSpc>
+                <a:spcPct val="100000"/>
+              </a:lnSpc>
+              <a:spcBef>
+                <a:spcPts val="0"/>
+              </a:spcBef>
+              <a:spcAft>
+                <a:spcPts val="0"/>
+              </a:spcAft>
+              <a:buClrTx/>
+              <a:buSzTx/>
+              <a:buFontTx/>
+              <a:buNone/>
+              <a:tabLst/>
+              <a:defRPr/>
+            </a:pPr>
+            <a:r>
+              <a:rPr lang="en-US" sz="1200" kern="1200" dirty="0" smtClean="0">
+                <a:solidFill>
+                  <a:schemeClr val="tx1"/>
+                </a:solidFill>
+                <a:effectLst/>
+                <a:latin typeface="+mn-lt"/>
+                <a:ea typeface="+mn-ea"/>
+                <a:cs typeface="+mn-cs"/>
+              </a:rPr>
+              <a:t>Something </a:t>
+            </a:r>
+            <a:r>
+              <a:rPr lang="en-US" sz="1200" kern="1200" dirty="0" smtClean="0">
+                <a:solidFill>
+                  <a:schemeClr val="tx1"/>
+                </a:solidFill>
+                <a:effectLst/>
+                <a:latin typeface="+mn-lt"/>
+                <a:ea typeface="+mn-ea"/>
+                <a:cs typeface="+mn-cs"/>
+              </a:rPr>
+              <a:t>really enjoyable about getting into that TDD rhythm of red-green-refactor, but </a:t>
+            </a:r>
+            <a:r>
+              <a:rPr lang="en-US" sz="1200" kern="1200" dirty="0" smtClean="0">
+                <a:solidFill>
+                  <a:schemeClr val="tx1"/>
+                </a:solidFill>
+                <a:effectLst/>
+                <a:latin typeface="+mn-lt"/>
+                <a:ea typeface="+mn-ea"/>
+                <a:cs typeface="+mn-cs"/>
+              </a:rPr>
+              <a:t>can </a:t>
+            </a:r>
+            <a:r>
+              <a:rPr lang="en-US" sz="1200" kern="1200" dirty="0" smtClean="0">
+                <a:solidFill>
+                  <a:schemeClr val="tx1"/>
+                </a:solidFill>
+                <a:effectLst/>
+                <a:latin typeface="+mn-lt"/>
+                <a:ea typeface="+mn-ea"/>
+                <a:cs typeface="+mn-cs"/>
+              </a:rPr>
+              <a:t>only do that if tests are painless to author. And if tests are painless to author, then either your code is simple or you’ve deliberately made them painless to author.</a:t>
             </a:r>
           </a:p>
           <a:p>
@@ -2250,7 +3067,111 @@
                 <a:ea typeface="+mn-ea"/>
                 <a:cs typeface="+mn-cs"/>
               </a:rPr>
-              <a:t>Second, it’s a good sign if all of your tests are short and sweet. My rough rule of thumb is that the entire test should fit on the screen at one time. If your tests routinely require 2 or 3 </a:t>
+              <a:t>Second, it’s a good sign if all of your tests are short and sweet. </a:t>
+            </a:r>
+            <a:endParaRPr lang="en-US" sz="1200" kern="1200" dirty="0" smtClean="0">
+              <a:solidFill>
+                <a:schemeClr val="tx1"/>
+              </a:solidFill>
+              <a:effectLst/>
+              <a:latin typeface="+mn-lt"/>
+              <a:ea typeface="+mn-ea"/>
+              <a:cs typeface="+mn-cs"/>
+            </a:endParaRPr>
+          </a:p>
+          <a:p>
+            <a:pPr marL="0" marR="0" lvl="0" indent="0" algn="l" defTabSz="914400" rtl="0" eaLnBrk="1" fontAlgn="auto" latinLnBrk="0" hangingPunct="1">
+              <a:lnSpc>
+                <a:spcPct val="100000"/>
+              </a:lnSpc>
+              <a:spcBef>
+                <a:spcPts val="0"/>
+              </a:spcBef>
+              <a:spcAft>
+                <a:spcPts val="0"/>
+              </a:spcAft>
+              <a:buClrTx/>
+              <a:buSzTx/>
+              <a:buFontTx/>
+              <a:buNone/>
+              <a:tabLst/>
+              <a:defRPr/>
+            </a:pPr>
+            <a:endParaRPr lang="en-US" sz="1200" kern="1200" dirty="0" smtClean="0">
+              <a:solidFill>
+                <a:schemeClr val="tx1"/>
+              </a:solidFill>
+              <a:effectLst/>
+              <a:latin typeface="+mn-lt"/>
+              <a:ea typeface="+mn-ea"/>
+              <a:cs typeface="+mn-cs"/>
+            </a:endParaRPr>
+          </a:p>
+          <a:p>
+            <a:pPr marL="0" marR="0" lvl="0" indent="0" algn="l" defTabSz="914400" rtl="0" eaLnBrk="1" fontAlgn="auto" latinLnBrk="0" hangingPunct="1">
+              <a:lnSpc>
+                <a:spcPct val="100000"/>
+              </a:lnSpc>
+              <a:spcBef>
+                <a:spcPts val="0"/>
+              </a:spcBef>
+              <a:spcAft>
+                <a:spcPts val="0"/>
+              </a:spcAft>
+              <a:buClrTx/>
+              <a:buSzTx/>
+              <a:buFontTx/>
+              <a:buNone/>
+              <a:tabLst/>
+              <a:defRPr/>
+            </a:pPr>
+            <a:r>
+              <a:rPr lang="en-US" sz="1200" kern="1200" dirty="0" smtClean="0">
+                <a:solidFill>
+                  <a:schemeClr val="tx1"/>
+                </a:solidFill>
+                <a:effectLst/>
+                <a:latin typeface="+mn-lt"/>
+                <a:ea typeface="+mn-ea"/>
+                <a:cs typeface="+mn-cs"/>
+              </a:rPr>
+              <a:t>Rough </a:t>
+            </a:r>
+            <a:r>
+              <a:rPr lang="en-US" sz="1200" kern="1200" dirty="0" smtClean="0">
+                <a:solidFill>
+                  <a:schemeClr val="tx1"/>
+                </a:solidFill>
+                <a:effectLst/>
+                <a:latin typeface="+mn-lt"/>
+                <a:ea typeface="+mn-ea"/>
+                <a:cs typeface="+mn-cs"/>
+              </a:rPr>
+              <a:t>rule of thumb is that the entire test should fit on </a:t>
+            </a:r>
+            <a:r>
+              <a:rPr lang="en-US" sz="1200" kern="1200" dirty="0" smtClean="0">
+                <a:solidFill>
+                  <a:schemeClr val="tx1"/>
+                </a:solidFill>
+                <a:effectLst/>
+                <a:latin typeface="+mn-lt"/>
+                <a:ea typeface="+mn-ea"/>
+                <a:cs typeface="+mn-cs"/>
+              </a:rPr>
+              <a:t>ONE SCREEN at </a:t>
+            </a:r>
+            <a:r>
+              <a:rPr lang="en-US" sz="1200" kern="1200" dirty="0" smtClean="0">
+                <a:solidFill>
+                  <a:schemeClr val="tx1"/>
+                </a:solidFill>
+                <a:effectLst/>
+                <a:latin typeface="+mn-lt"/>
+                <a:ea typeface="+mn-ea"/>
+                <a:cs typeface="+mn-cs"/>
+              </a:rPr>
+              <a:t>one time. If your tests routinely require 2 or 3 </a:t>
             </a:r>
             <a:r>
               <a:rPr lang="en-US" sz="1200" kern="1200" dirty="0" err="1" smtClean="0">
@@ -2539,17 +3460,40 @@
             </a:r>
           </a:p>
           <a:p>
-            <a:r>
-              <a:rPr lang="en-US" sz="1200" kern="1200" dirty="0" smtClean="0">
-                <a:solidFill>
-                  <a:schemeClr val="tx1"/>
-                </a:solidFill>
-                <a:effectLst/>
-                <a:latin typeface="+mn-lt"/>
-                <a:ea typeface="+mn-ea"/>
-                <a:cs typeface="+mn-cs"/>
-              </a:rPr>
-              <a:t>Now, if I just described your project, then you’re probably in the wrong room because you’re already living in that promised land. However, I’m guessing many of you are here because your projects show signs of </a:t>
+            <a:endParaRPr lang="en-US" sz="1200" kern="1200" dirty="0" smtClean="0">
+              <a:solidFill>
+                <a:schemeClr val="tx1"/>
+              </a:solidFill>
+              <a:effectLst/>
+              <a:latin typeface="+mn-lt"/>
+              <a:ea typeface="+mn-ea"/>
+              <a:cs typeface="+mn-cs"/>
+            </a:endParaRPr>
+          </a:p>
+          <a:p>
+            <a:r>
+              <a:rPr lang="en-US" sz="1200" kern="1200" dirty="0" smtClean="0">
+                <a:solidFill>
+                  <a:schemeClr val="tx1"/>
+                </a:solidFill>
+                <a:effectLst/>
+                <a:latin typeface="+mn-lt"/>
+                <a:ea typeface="+mn-ea"/>
+                <a:cs typeface="+mn-cs"/>
+              </a:rPr>
+              <a:t>Now</a:t>
+            </a:r>
+            <a:r>
+              <a:rPr lang="en-US" sz="1200" kern="1200" dirty="0" smtClean="0">
+                <a:solidFill>
+                  <a:schemeClr val="tx1"/>
+                </a:solidFill>
+                <a:effectLst/>
+                <a:latin typeface="+mn-lt"/>
+                <a:ea typeface="+mn-ea"/>
+                <a:cs typeface="+mn-cs"/>
+              </a:rPr>
+              <a:t>, if I just described your project, then you’re probably in the wrong room because you’re already living in that promised land. However, I’m guessing many of you are here because your projects show signs of </a:t>
             </a:r>
             <a:r>
               <a:rPr lang="en-US" sz="1200" i="1" kern="1200" dirty="0" smtClean="0">
@@ -2967,17 +3911,40 @@
             </a:r>
           </a:p>
           <a:p>
-            <a:r>
-              <a:rPr lang="en-US" sz="1200" kern="1200" dirty="0" smtClean="0">
-                <a:solidFill>
-                  <a:schemeClr val="tx1"/>
-                </a:solidFill>
-                <a:effectLst/>
-                <a:latin typeface="+mn-lt"/>
-                <a:ea typeface="+mn-ea"/>
-                <a:cs typeface="+mn-cs"/>
-              </a:rPr>
-              <a:t>Yeah, that’s a sign that your tests need some work.</a:t>
+            <a:endParaRPr lang="en-US" sz="1200" kern="1200" dirty="0" smtClean="0">
+              <a:solidFill>
+                <a:schemeClr val="tx1"/>
+              </a:solidFill>
+              <a:effectLst/>
+              <a:latin typeface="+mn-lt"/>
+              <a:ea typeface="+mn-ea"/>
+              <a:cs typeface="+mn-cs"/>
+            </a:endParaRPr>
+          </a:p>
+          <a:p>
+            <a:r>
+              <a:rPr lang="en-US" sz="1200" kern="1200" dirty="0" smtClean="0">
+                <a:solidFill>
+                  <a:schemeClr val="tx1"/>
+                </a:solidFill>
+                <a:effectLst/>
+                <a:latin typeface="+mn-lt"/>
+                <a:ea typeface="+mn-ea"/>
+                <a:cs typeface="+mn-cs"/>
+              </a:rPr>
+              <a:t>Yeah</a:t>
+            </a:r>
+            <a:r>
+              <a:rPr lang="en-US" sz="1200" kern="1200" dirty="0" smtClean="0">
+                <a:solidFill>
+                  <a:schemeClr val="tx1"/>
+                </a:solidFill>
+                <a:effectLst/>
+                <a:latin typeface="+mn-lt"/>
+                <a:ea typeface="+mn-ea"/>
+                <a:cs typeface="+mn-cs"/>
+              </a:rPr>
+              <a:t>, that’s a sign that your tests need some work.</a:t>
             </a:r>
           </a:p>
           <a:p>
@@ -3284,17 +4251,40 @@
             </a:r>
           </a:p>
           <a:p>
-            <a:r>
-              <a:rPr lang="en-US" sz="1200" kern="1200" dirty="0" smtClean="0">
-                <a:solidFill>
-                  <a:schemeClr val="tx1"/>
-                </a:solidFill>
-                <a:effectLst/>
-                <a:latin typeface="+mn-lt"/>
-                <a:ea typeface="+mn-ea"/>
-                <a:cs typeface="+mn-cs"/>
-              </a:rPr>
-              <a:t>In almost every system there are tests that only care about a </a:t>
+            <a:endParaRPr lang="en-US" sz="1200" kern="1200" dirty="0" smtClean="0">
+              <a:solidFill>
+                <a:schemeClr val="tx1"/>
+              </a:solidFill>
+              <a:effectLst/>
+              <a:latin typeface="+mn-lt"/>
+              <a:ea typeface="+mn-ea"/>
+              <a:cs typeface="+mn-cs"/>
+            </a:endParaRPr>
+          </a:p>
+          <a:p>
+            <a:r>
+              <a:rPr lang="en-US" sz="1200" kern="1200" dirty="0" smtClean="0">
+                <a:solidFill>
+                  <a:schemeClr val="tx1"/>
+                </a:solidFill>
+                <a:effectLst/>
+                <a:latin typeface="+mn-lt"/>
+                <a:ea typeface="+mn-ea"/>
+                <a:cs typeface="+mn-cs"/>
+              </a:rPr>
+              <a:t>In </a:t>
+            </a:r>
+            <a:r>
+              <a:rPr lang="en-US" sz="1200" kern="1200" dirty="0" smtClean="0">
+                <a:solidFill>
+                  <a:schemeClr val="tx1"/>
+                </a:solidFill>
+                <a:effectLst/>
+                <a:latin typeface="+mn-lt"/>
+                <a:ea typeface="+mn-ea"/>
+                <a:cs typeface="+mn-cs"/>
+              </a:rPr>
+              <a:t>almost every system there are tests that only care about a </a:t>
             </a:r>
             <a:r>
               <a:rPr lang="en-US" sz="1200" i="1" kern="1200" dirty="0" smtClean="0">
@@ -3322,17 +4312,40 @@
             </a:r>
           </a:p>
           <a:p>
-            <a:r>
-              <a:rPr lang="en-US" sz="1200" kern="1200" dirty="0" smtClean="0">
-                <a:solidFill>
-                  <a:schemeClr val="tx1"/>
-                </a:solidFill>
-                <a:effectLst/>
-                <a:latin typeface="+mn-lt"/>
-                <a:ea typeface="+mn-ea"/>
-                <a:cs typeface="+mn-cs"/>
-              </a:rPr>
-              <a:t>But it’s not always possible to create objects and specify ONLY what you care about. In C# for example the object’s constructor may require things that are necessary to the domain model, but don’t actually matter to that specific test</a:t>
+            <a:endParaRPr lang="en-US" sz="1200" kern="1200" dirty="0" smtClean="0">
+              <a:solidFill>
+                <a:schemeClr val="tx1"/>
+              </a:solidFill>
+              <a:effectLst/>
+              <a:latin typeface="+mn-lt"/>
+              <a:ea typeface="+mn-ea"/>
+              <a:cs typeface="+mn-cs"/>
+            </a:endParaRPr>
+          </a:p>
+          <a:p>
+            <a:r>
+              <a:rPr lang="en-US" sz="1200" kern="1200" dirty="0" smtClean="0">
+                <a:solidFill>
+                  <a:schemeClr val="tx1"/>
+                </a:solidFill>
+                <a:effectLst/>
+                <a:latin typeface="+mn-lt"/>
+                <a:ea typeface="+mn-ea"/>
+                <a:cs typeface="+mn-cs"/>
+              </a:rPr>
+              <a:t>Not </a:t>
+            </a:r>
+            <a:r>
+              <a:rPr lang="en-US" sz="1200" kern="1200" dirty="0" smtClean="0">
+                <a:solidFill>
+                  <a:schemeClr val="tx1"/>
+                </a:solidFill>
+                <a:effectLst/>
+                <a:latin typeface="+mn-lt"/>
+                <a:ea typeface="+mn-ea"/>
+                <a:cs typeface="+mn-cs"/>
+              </a:rPr>
+              <a:t>always possible to create objects and specify ONLY what you care about. In C# for example the object’s constructor may require things that are necessary to the domain model, but don’t actually matter to that specific test</a:t>
             </a:r>
           </a:p>
         </p:txBody>
@@ -3427,35 +4440,542 @@
                 <a:ea typeface="+mn-ea"/>
                 <a:cs typeface="+mn-cs"/>
               </a:rPr>
-              <a:t>But that’s OK, I can help. And the reason that I can help is that I’ve spent a lot of time defining test setup patterns for my own team. I’ve made all of the mistakes you’re making right now. I’ve felt all the pain they create. And I think I have a solution that makes it better. </a:t>
-            </a:r>
-          </a:p>
-          <a:p>
-            <a:r>
-              <a:rPr lang="en-US" sz="1200" kern="1200" dirty="0" smtClean="0">
-                <a:solidFill>
-                  <a:schemeClr val="tx1"/>
-                </a:solidFill>
-                <a:effectLst/>
-                <a:latin typeface="+mn-lt"/>
-                <a:ea typeface="+mn-ea"/>
-                <a:cs typeface="+mn-cs"/>
-              </a:rPr>
-              <a:t>And the reason that I have this solution is that the project I manage has been under almost constant active development for almost 8 years. Over that time the complexity of our code base, and the general size of our object model, has grown enormously, and as a result we really struggled with the increasing costs to write tests. The larger our object model got, the harder and more costly it was just to set up the test data for our tests. In fact, if we’d continued making those mistakes, instead of developing these new techniques, I don’t think we’d still be writing tests today. It would have become financially unbearable. </a:t>
-            </a:r>
-          </a:p>
-          <a:p>
-            <a:r>
-              <a:rPr lang="en-US" sz="1200" kern="1200" dirty="0" smtClean="0">
-                <a:solidFill>
-                  <a:schemeClr val="tx1"/>
-                </a:solidFill>
-                <a:effectLst/>
-                <a:latin typeface="+mn-lt"/>
-                <a:ea typeface="+mn-ea"/>
-                <a:cs typeface="+mn-cs"/>
-              </a:rPr>
-              <a:t>My goal today is to open your eyes and give you a fresh perspective on your own tests. I want you to recognize the mistakes you’re making, I want you to be inspired to raise the bar and do better, and I want you to know how to begin when you get back to the office on Monday.</a:t>
+              <a:t>But that’s OK, I can help. </a:t>
+            </a:r>
+            <a:endParaRPr lang="en-US" sz="1200" kern="1200" dirty="0" smtClean="0">
+              <a:solidFill>
+                <a:schemeClr val="tx1"/>
+              </a:solidFill>
+              <a:effectLst/>
+              <a:latin typeface="+mn-lt"/>
+              <a:ea typeface="+mn-ea"/>
+              <a:cs typeface="+mn-cs"/>
+            </a:endParaRPr>
+          </a:p>
+          <a:p>
+            <a:endParaRPr lang="en-US" sz="1200" kern="1200" dirty="0" smtClean="0">
+              <a:solidFill>
+                <a:schemeClr val="tx1"/>
+              </a:solidFill>
+              <a:effectLst/>
+              <a:latin typeface="+mn-lt"/>
+              <a:ea typeface="+mn-ea"/>
+              <a:cs typeface="+mn-cs"/>
+            </a:endParaRPr>
+          </a:p>
+          <a:p>
+            <a:r>
+              <a:rPr lang="en-US" sz="1200" kern="1200" dirty="0" smtClean="0">
+                <a:solidFill>
+                  <a:schemeClr val="tx1"/>
+                </a:solidFill>
+                <a:effectLst/>
+                <a:latin typeface="+mn-lt"/>
+                <a:ea typeface="+mn-ea"/>
+                <a:cs typeface="+mn-cs"/>
+              </a:rPr>
+              <a:t>The </a:t>
+            </a:r>
+            <a:r>
+              <a:rPr lang="en-US" sz="1200" kern="1200" dirty="0" smtClean="0">
+                <a:solidFill>
+                  <a:schemeClr val="tx1"/>
+                </a:solidFill>
+                <a:effectLst/>
+                <a:latin typeface="+mn-lt"/>
+                <a:ea typeface="+mn-ea"/>
+                <a:cs typeface="+mn-cs"/>
+              </a:rPr>
+              <a:t>reason </a:t>
+            </a:r>
+            <a:r>
+              <a:rPr lang="en-US" sz="1200" kern="1200" dirty="0" smtClean="0">
+                <a:solidFill>
+                  <a:schemeClr val="tx1"/>
+                </a:solidFill>
+                <a:effectLst/>
+                <a:latin typeface="+mn-lt"/>
+                <a:ea typeface="+mn-ea"/>
+                <a:cs typeface="+mn-cs"/>
+              </a:rPr>
+              <a:t>I </a:t>
+            </a:r>
+            <a:r>
+              <a:rPr lang="en-US" sz="1200" kern="1200" dirty="0" smtClean="0">
+                <a:solidFill>
+                  <a:schemeClr val="tx1"/>
+                </a:solidFill>
+                <a:effectLst/>
+                <a:latin typeface="+mn-lt"/>
+                <a:ea typeface="+mn-ea"/>
+                <a:cs typeface="+mn-cs"/>
+              </a:rPr>
+              <a:t>can help is </a:t>
+            </a:r>
+            <a:r>
+              <a:rPr lang="en-US" sz="1200" kern="1200" dirty="0" smtClean="0">
+                <a:solidFill>
+                  <a:schemeClr val="tx1"/>
+                </a:solidFill>
+                <a:effectLst/>
+                <a:latin typeface="+mn-lt"/>
+                <a:ea typeface="+mn-ea"/>
+                <a:cs typeface="+mn-cs"/>
+              </a:rPr>
+              <a:t>I’ve </a:t>
+            </a:r>
+            <a:r>
+              <a:rPr lang="en-US" sz="1200" kern="1200" dirty="0" smtClean="0">
+                <a:solidFill>
+                  <a:schemeClr val="tx1"/>
+                </a:solidFill>
+                <a:effectLst/>
+                <a:latin typeface="+mn-lt"/>
+                <a:ea typeface="+mn-ea"/>
+                <a:cs typeface="+mn-cs"/>
+              </a:rPr>
+              <a:t>spent a lot of time defining test setup patterns for my own team. I’ve made all of the mistakes you’re </a:t>
+            </a:r>
+            <a:r>
+              <a:rPr lang="en-US" sz="1200" kern="1200" dirty="0" smtClean="0">
+                <a:solidFill>
+                  <a:schemeClr val="tx1"/>
+                </a:solidFill>
+                <a:effectLst/>
+                <a:latin typeface="+mn-lt"/>
+                <a:ea typeface="+mn-ea"/>
+                <a:cs typeface="+mn-cs"/>
+              </a:rPr>
+              <a:t>making. </a:t>
+            </a:r>
+            <a:r>
+              <a:rPr lang="en-US" sz="1200" kern="1200" dirty="0" smtClean="0">
+                <a:solidFill>
+                  <a:schemeClr val="tx1"/>
+                </a:solidFill>
+                <a:effectLst/>
+                <a:latin typeface="+mn-lt"/>
+                <a:ea typeface="+mn-ea"/>
+                <a:cs typeface="+mn-cs"/>
+              </a:rPr>
+              <a:t>I’ve felt all the </a:t>
+            </a:r>
+            <a:r>
+              <a:rPr lang="en-US" sz="1200" kern="1200" dirty="0" smtClean="0">
+                <a:solidFill>
+                  <a:schemeClr val="tx1"/>
+                </a:solidFill>
+                <a:effectLst/>
+                <a:latin typeface="+mn-lt"/>
+                <a:ea typeface="+mn-ea"/>
+                <a:cs typeface="+mn-cs"/>
+              </a:rPr>
+              <a:t>pain. And </a:t>
+            </a:r>
+            <a:r>
+              <a:rPr lang="en-US" sz="1200" kern="1200" dirty="0" smtClean="0">
+                <a:solidFill>
+                  <a:schemeClr val="tx1"/>
+                </a:solidFill>
+                <a:effectLst/>
+                <a:latin typeface="+mn-lt"/>
+                <a:ea typeface="+mn-ea"/>
+                <a:cs typeface="+mn-cs"/>
+              </a:rPr>
+              <a:t>I think I have a solution that makes it better. </a:t>
+            </a:r>
+            <a:endParaRPr lang="en-US" sz="1200" kern="1200" dirty="0" smtClean="0">
+              <a:solidFill>
+                <a:schemeClr val="tx1"/>
+              </a:solidFill>
+              <a:effectLst/>
+              <a:latin typeface="+mn-lt"/>
+              <a:ea typeface="+mn-ea"/>
+              <a:cs typeface="+mn-cs"/>
+            </a:endParaRPr>
+          </a:p>
+          <a:p>
+            <a:endParaRPr lang="en-US" sz="1200" kern="1200" dirty="0" smtClean="0">
+              <a:solidFill>
+                <a:schemeClr val="tx1"/>
+              </a:solidFill>
+              <a:effectLst/>
+              <a:latin typeface="+mn-lt"/>
+              <a:ea typeface="+mn-ea"/>
+              <a:cs typeface="+mn-cs"/>
+            </a:endParaRPr>
+          </a:p>
+          <a:p>
+            <a:r>
+              <a:rPr lang="en-US" sz="1200" kern="1200" dirty="0" smtClean="0">
+                <a:solidFill>
+                  <a:schemeClr val="tx1"/>
+                </a:solidFill>
+                <a:effectLst/>
+                <a:latin typeface="+mn-lt"/>
+                <a:ea typeface="+mn-ea"/>
+                <a:cs typeface="+mn-cs"/>
+              </a:rPr>
+              <a:t>The </a:t>
+            </a:r>
+            <a:r>
+              <a:rPr lang="en-US" sz="1200" kern="1200" dirty="0" smtClean="0">
+                <a:solidFill>
+                  <a:schemeClr val="tx1"/>
+                </a:solidFill>
+                <a:effectLst/>
+                <a:latin typeface="+mn-lt"/>
+                <a:ea typeface="+mn-ea"/>
+                <a:cs typeface="+mn-cs"/>
+              </a:rPr>
+              <a:t>reason </a:t>
+            </a:r>
+            <a:r>
+              <a:rPr lang="en-US" sz="1200" kern="1200" dirty="0" smtClean="0">
+                <a:solidFill>
+                  <a:schemeClr val="tx1"/>
+                </a:solidFill>
+                <a:effectLst/>
+                <a:latin typeface="+mn-lt"/>
+                <a:ea typeface="+mn-ea"/>
+                <a:cs typeface="+mn-cs"/>
+              </a:rPr>
+              <a:t>I </a:t>
+            </a:r>
+            <a:r>
+              <a:rPr lang="en-US" sz="1200" kern="1200" dirty="0" smtClean="0">
+                <a:solidFill>
+                  <a:schemeClr val="tx1"/>
+                </a:solidFill>
+                <a:effectLst/>
+                <a:latin typeface="+mn-lt"/>
+                <a:ea typeface="+mn-ea"/>
+                <a:cs typeface="+mn-cs"/>
+              </a:rPr>
+              <a:t>have this solution is </a:t>
+            </a:r>
+            <a:r>
+              <a:rPr lang="en-US" sz="1200" kern="1200" dirty="0" smtClean="0">
+                <a:solidFill>
+                  <a:schemeClr val="tx1"/>
+                </a:solidFill>
+                <a:effectLst/>
+                <a:latin typeface="+mn-lt"/>
+                <a:ea typeface="+mn-ea"/>
+                <a:cs typeface="+mn-cs"/>
+              </a:rPr>
+              <a:t>the </a:t>
+            </a:r>
+            <a:r>
+              <a:rPr lang="en-US" sz="1200" kern="1200" dirty="0" smtClean="0">
+                <a:solidFill>
+                  <a:schemeClr val="tx1"/>
+                </a:solidFill>
+                <a:effectLst/>
+                <a:latin typeface="+mn-lt"/>
+                <a:ea typeface="+mn-ea"/>
+                <a:cs typeface="+mn-cs"/>
+              </a:rPr>
+              <a:t>project I manage has been under </a:t>
+            </a:r>
+            <a:r>
+              <a:rPr lang="en-US" sz="1200" kern="1200" dirty="0" smtClean="0">
+                <a:solidFill>
+                  <a:schemeClr val="tx1"/>
+                </a:solidFill>
+                <a:effectLst/>
+                <a:latin typeface="+mn-lt"/>
+                <a:ea typeface="+mn-ea"/>
+                <a:cs typeface="+mn-cs"/>
+              </a:rPr>
+              <a:t>CONSTANT</a:t>
+            </a:r>
+            <a:r>
+              <a:rPr lang="en-US" sz="1200" kern="1200" baseline="0" dirty="0" smtClean="0">
+                <a:solidFill>
+                  <a:schemeClr val="tx1"/>
+                </a:solidFill>
+                <a:effectLst/>
+                <a:latin typeface="+mn-lt"/>
+                <a:ea typeface="+mn-ea"/>
+                <a:cs typeface="+mn-cs"/>
+              </a:rPr>
+              <a:t> ACTIVE DEV </a:t>
+            </a:r>
+            <a:r>
+              <a:rPr lang="en-US" sz="1200" kern="1200" dirty="0" smtClean="0">
+                <a:solidFill>
+                  <a:schemeClr val="tx1"/>
+                </a:solidFill>
+                <a:effectLst/>
+                <a:latin typeface="+mn-lt"/>
+                <a:ea typeface="+mn-ea"/>
+                <a:cs typeface="+mn-cs"/>
+              </a:rPr>
+              <a:t>for </a:t>
+            </a:r>
+            <a:r>
+              <a:rPr lang="en-US" sz="1200" kern="1200" dirty="0" smtClean="0">
+                <a:solidFill>
+                  <a:schemeClr val="tx1"/>
+                </a:solidFill>
+                <a:effectLst/>
+                <a:latin typeface="+mn-lt"/>
+                <a:ea typeface="+mn-ea"/>
+                <a:cs typeface="+mn-cs"/>
+              </a:rPr>
+              <a:t>almost 8 years. </a:t>
+            </a:r>
+            <a:r>
+              <a:rPr lang="en-US" sz="1200" kern="1200" dirty="0" smtClean="0">
+                <a:solidFill>
+                  <a:schemeClr val="tx1"/>
+                </a:solidFill>
+                <a:effectLst/>
+                <a:latin typeface="+mn-lt"/>
+                <a:ea typeface="+mn-ea"/>
+                <a:cs typeface="+mn-cs"/>
+              </a:rPr>
+              <a:t>Complexity </a:t>
+            </a:r>
+            <a:r>
+              <a:rPr lang="en-US" sz="1200" kern="1200" dirty="0" smtClean="0">
+                <a:solidFill>
+                  <a:schemeClr val="tx1"/>
+                </a:solidFill>
+                <a:effectLst/>
+                <a:latin typeface="+mn-lt"/>
+                <a:ea typeface="+mn-ea"/>
+                <a:cs typeface="+mn-cs"/>
+              </a:rPr>
+              <a:t>of </a:t>
+            </a:r>
+            <a:r>
+              <a:rPr lang="en-US" sz="1200" kern="1200" dirty="0" smtClean="0">
+                <a:solidFill>
+                  <a:schemeClr val="tx1"/>
+                </a:solidFill>
+                <a:effectLst/>
+                <a:latin typeface="+mn-lt"/>
+                <a:ea typeface="+mn-ea"/>
+                <a:cs typeface="+mn-cs"/>
+              </a:rPr>
+              <a:t>code base &amp; size </a:t>
+            </a:r>
+            <a:r>
+              <a:rPr lang="en-US" sz="1200" kern="1200" dirty="0" smtClean="0">
+                <a:solidFill>
+                  <a:schemeClr val="tx1"/>
+                </a:solidFill>
+                <a:effectLst/>
+                <a:latin typeface="+mn-lt"/>
+                <a:ea typeface="+mn-ea"/>
+                <a:cs typeface="+mn-cs"/>
+              </a:rPr>
+              <a:t>of </a:t>
+            </a:r>
+            <a:r>
+              <a:rPr lang="en-US" sz="1200" kern="1200" dirty="0" smtClean="0">
+                <a:solidFill>
+                  <a:schemeClr val="tx1"/>
+                </a:solidFill>
+                <a:effectLst/>
+                <a:latin typeface="+mn-lt"/>
+                <a:ea typeface="+mn-ea"/>
+                <a:cs typeface="+mn-cs"/>
+              </a:rPr>
+              <a:t>object model </a:t>
+            </a:r>
+            <a:r>
+              <a:rPr lang="en-US" sz="1200" kern="1200" dirty="0" smtClean="0">
+                <a:solidFill>
+                  <a:schemeClr val="tx1"/>
+                </a:solidFill>
+                <a:effectLst/>
+                <a:latin typeface="+mn-lt"/>
+                <a:ea typeface="+mn-ea"/>
+                <a:cs typeface="+mn-cs"/>
+              </a:rPr>
+              <a:t>has grown </a:t>
+            </a:r>
+            <a:r>
+              <a:rPr lang="en-US" sz="1200" kern="1200" dirty="0" smtClean="0">
+                <a:solidFill>
+                  <a:schemeClr val="tx1"/>
+                </a:solidFill>
+                <a:effectLst/>
+                <a:latin typeface="+mn-lt"/>
+                <a:ea typeface="+mn-ea"/>
+                <a:cs typeface="+mn-cs"/>
+              </a:rPr>
+              <a:t>enormously. As result </a:t>
+            </a:r>
+            <a:r>
+              <a:rPr lang="en-US" sz="1200" kern="1200" dirty="0" smtClean="0">
+                <a:solidFill>
+                  <a:schemeClr val="tx1"/>
+                </a:solidFill>
+                <a:effectLst/>
+                <a:latin typeface="+mn-lt"/>
+                <a:ea typeface="+mn-ea"/>
+                <a:cs typeface="+mn-cs"/>
+              </a:rPr>
+              <a:t>we </a:t>
+            </a:r>
+            <a:r>
+              <a:rPr lang="en-US" sz="1200" kern="1200" dirty="0" smtClean="0">
+                <a:solidFill>
+                  <a:schemeClr val="tx1"/>
+                </a:solidFill>
+                <a:effectLst/>
+                <a:latin typeface="+mn-lt"/>
+                <a:ea typeface="+mn-ea"/>
+                <a:cs typeface="+mn-cs"/>
+              </a:rPr>
+              <a:t>struggled w/ increasing </a:t>
+            </a:r>
+            <a:r>
+              <a:rPr lang="en-US" sz="1200" kern="1200" dirty="0" smtClean="0">
+                <a:solidFill>
+                  <a:schemeClr val="tx1"/>
+                </a:solidFill>
+                <a:effectLst/>
+                <a:latin typeface="+mn-lt"/>
+                <a:ea typeface="+mn-ea"/>
+                <a:cs typeface="+mn-cs"/>
+              </a:rPr>
+              <a:t>costs to write tests. </a:t>
+            </a:r>
+            <a:r>
+              <a:rPr lang="en-US" sz="1200" kern="1200" dirty="0" smtClean="0">
+                <a:solidFill>
+                  <a:schemeClr val="tx1"/>
+                </a:solidFill>
+                <a:effectLst/>
+                <a:latin typeface="+mn-lt"/>
+                <a:ea typeface="+mn-ea"/>
+                <a:cs typeface="+mn-cs"/>
+              </a:rPr>
+              <a:t>Larger </a:t>
+            </a:r>
+            <a:r>
+              <a:rPr lang="en-US" sz="1200" kern="1200" dirty="0" smtClean="0">
+                <a:solidFill>
+                  <a:schemeClr val="tx1"/>
+                </a:solidFill>
+                <a:effectLst/>
+                <a:latin typeface="+mn-lt"/>
+                <a:ea typeface="+mn-ea"/>
+                <a:cs typeface="+mn-cs"/>
+              </a:rPr>
+              <a:t>our object model got, the harder and more costly it was just to set up the test data for our tests. </a:t>
+            </a:r>
+            <a:endParaRPr lang="en-US" sz="1200" kern="1200" dirty="0" smtClean="0">
+              <a:solidFill>
+                <a:schemeClr val="tx1"/>
+              </a:solidFill>
+              <a:effectLst/>
+              <a:latin typeface="+mn-lt"/>
+              <a:ea typeface="+mn-ea"/>
+              <a:cs typeface="+mn-cs"/>
+            </a:endParaRPr>
+          </a:p>
+          <a:p>
+            <a:endParaRPr lang="en-US" sz="1200" kern="1200" dirty="0" smtClean="0">
+              <a:solidFill>
+                <a:schemeClr val="tx1"/>
+              </a:solidFill>
+              <a:effectLst/>
+              <a:latin typeface="+mn-lt"/>
+              <a:ea typeface="+mn-ea"/>
+              <a:cs typeface="+mn-cs"/>
+            </a:endParaRPr>
+          </a:p>
+          <a:p>
+            <a:r>
+              <a:rPr lang="en-US" sz="1200" kern="1200" dirty="0" smtClean="0">
+                <a:solidFill>
+                  <a:schemeClr val="tx1"/>
+                </a:solidFill>
+                <a:effectLst/>
+                <a:latin typeface="+mn-lt"/>
+                <a:ea typeface="+mn-ea"/>
+                <a:cs typeface="+mn-cs"/>
+              </a:rPr>
+              <a:t>In </a:t>
+            </a:r>
+            <a:r>
+              <a:rPr lang="en-US" sz="1200" kern="1200" dirty="0" smtClean="0">
+                <a:solidFill>
+                  <a:schemeClr val="tx1"/>
+                </a:solidFill>
+                <a:effectLst/>
+                <a:latin typeface="+mn-lt"/>
+                <a:ea typeface="+mn-ea"/>
+                <a:cs typeface="+mn-cs"/>
+              </a:rPr>
+              <a:t>fact, if we’d continued making those mistakes, instead of developing these new techniques, I don’t think we’d still be writing tests today. It would have become financially unbearable</a:t>
+            </a:r>
+            <a:r>
+              <a:rPr lang="en-US" sz="1200" kern="1200" dirty="0" smtClean="0">
+                <a:solidFill>
+                  <a:schemeClr val="tx1"/>
+                </a:solidFill>
+                <a:effectLst/>
+                <a:latin typeface="+mn-lt"/>
+                <a:ea typeface="+mn-ea"/>
+                <a:cs typeface="+mn-cs"/>
+              </a:rPr>
+              <a:t>.</a:t>
+            </a:r>
+          </a:p>
+          <a:p>
+            <a:r>
+              <a:rPr lang="en-US" sz="1200" kern="1200" dirty="0" smtClean="0">
+                <a:solidFill>
+                  <a:schemeClr val="tx1"/>
+                </a:solidFill>
+                <a:effectLst/>
+                <a:latin typeface="+mn-lt"/>
+                <a:ea typeface="+mn-ea"/>
+                <a:cs typeface="+mn-cs"/>
+              </a:rPr>
+              <a:t> </a:t>
+            </a:r>
+            <a:endParaRPr lang="en-US" sz="1200" kern="1200" dirty="0" smtClean="0">
+              <a:solidFill>
+                <a:schemeClr val="tx1"/>
+              </a:solidFill>
+              <a:effectLst/>
+              <a:latin typeface="+mn-lt"/>
+              <a:ea typeface="+mn-ea"/>
+              <a:cs typeface="+mn-cs"/>
+            </a:endParaRPr>
+          </a:p>
+          <a:p>
+            <a:r>
+              <a:rPr lang="en-US" sz="1200" kern="1200" dirty="0" smtClean="0">
+                <a:solidFill>
+                  <a:schemeClr val="tx1"/>
+                </a:solidFill>
+                <a:effectLst/>
+                <a:latin typeface="+mn-lt"/>
+                <a:ea typeface="+mn-ea"/>
+                <a:cs typeface="+mn-cs"/>
+              </a:rPr>
+              <a:t>MY GOAL TODAY is </a:t>
+            </a:r>
+            <a:r>
+              <a:rPr lang="en-US" sz="1200" kern="1200" dirty="0" smtClean="0">
+                <a:solidFill>
+                  <a:schemeClr val="tx1"/>
+                </a:solidFill>
+                <a:effectLst/>
+                <a:latin typeface="+mn-lt"/>
+                <a:ea typeface="+mn-ea"/>
+                <a:cs typeface="+mn-cs"/>
+              </a:rPr>
+              <a:t>to open your eyes and give you a fresh perspective on your own tests. I want you to recognize the mistakes you’re making, I want you to be inspired to raise the bar and do better, and I want you to know how to begin when you get back to the office on Monday.</a:t>
             </a:r>
           </a:p>
           <a:p>
@@ -4285,31 +5805,77 @@
             </a:r>
           </a:p>
           <a:p>
-            <a:r>
-              <a:rPr lang="en-US" sz="1200" kern="1200" dirty="0" smtClean="0">
-                <a:solidFill>
-                  <a:schemeClr val="tx1"/>
-                </a:solidFill>
-                <a:effectLst/>
-                <a:latin typeface="+mn-lt"/>
-                <a:ea typeface="+mn-ea"/>
-                <a:cs typeface="+mn-cs"/>
-              </a:rPr>
-              <a:t>One thing that makes setup code hard to understand is when there’s too much of it. That first test I showed you is an example of this; if you routinely write tests with 75 lines of dense setup code, then you’re probably doing something wrong.</a:t>
-            </a:r>
-          </a:p>
-          <a:p>
-            <a:r>
-              <a:rPr lang="en-US" sz="1200" kern="1200" dirty="0" smtClean="0">
-                <a:solidFill>
-                  <a:schemeClr val="tx1"/>
-                </a:solidFill>
-                <a:effectLst/>
-                <a:latin typeface="+mn-lt"/>
-                <a:ea typeface="+mn-ea"/>
-                <a:cs typeface="+mn-cs"/>
-              </a:rPr>
-              <a:t>Another example of setup that is hard to understand is when you create test data using explicit values, but those values don’t actually impact the outcome of the test. </a:t>
+            <a:endParaRPr lang="en-US" sz="1200" kern="1200" dirty="0" smtClean="0">
+              <a:solidFill>
+                <a:schemeClr val="tx1"/>
+              </a:solidFill>
+              <a:effectLst/>
+              <a:latin typeface="+mn-lt"/>
+              <a:ea typeface="+mn-ea"/>
+              <a:cs typeface="+mn-cs"/>
+            </a:endParaRPr>
+          </a:p>
+          <a:p>
+            <a:r>
+              <a:rPr lang="en-US" sz="1200" kern="1200" dirty="0" smtClean="0">
+                <a:solidFill>
+                  <a:schemeClr val="tx1"/>
+                </a:solidFill>
+                <a:effectLst/>
+                <a:latin typeface="+mn-lt"/>
+                <a:ea typeface="+mn-ea"/>
+                <a:cs typeface="+mn-cs"/>
+              </a:rPr>
+              <a:t>One </a:t>
+            </a:r>
+            <a:r>
+              <a:rPr lang="en-US" sz="1200" kern="1200" dirty="0" smtClean="0">
+                <a:solidFill>
+                  <a:schemeClr val="tx1"/>
+                </a:solidFill>
+                <a:effectLst/>
+                <a:latin typeface="+mn-lt"/>
+                <a:ea typeface="+mn-ea"/>
+                <a:cs typeface="+mn-cs"/>
+              </a:rPr>
+              <a:t>thing that makes setup code hard to understand is when there’s too much of it. That first test I showed you is an example of this; if you routinely write tests with 75 lines of dense setup code, then you’re probably doing something wrong.</a:t>
+            </a:r>
+          </a:p>
+          <a:p>
+            <a:endParaRPr lang="en-US" sz="1200" kern="1200" dirty="0" smtClean="0">
+              <a:solidFill>
+                <a:schemeClr val="tx1"/>
+              </a:solidFill>
+              <a:effectLst/>
+              <a:latin typeface="+mn-lt"/>
+              <a:ea typeface="+mn-ea"/>
+              <a:cs typeface="+mn-cs"/>
+            </a:endParaRPr>
+          </a:p>
+          <a:p>
+            <a:r>
+              <a:rPr lang="en-US" sz="1200" kern="1200" dirty="0" smtClean="0">
+                <a:solidFill>
+                  <a:schemeClr val="tx1"/>
+                </a:solidFill>
+                <a:effectLst/>
+                <a:latin typeface="+mn-lt"/>
+                <a:ea typeface="+mn-ea"/>
+                <a:cs typeface="+mn-cs"/>
+              </a:rPr>
+              <a:t>Another </a:t>
+            </a:r>
+            <a:r>
+              <a:rPr lang="en-US" sz="1200" kern="1200" dirty="0" smtClean="0">
+                <a:solidFill>
+                  <a:schemeClr val="tx1"/>
+                </a:solidFill>
+                <a:effectLst/>
+                <a:latin typeface="+mn-lt"/>
+                <a:ea typeface="+mn-ea"/>
+                <a:cs typeface="+mn-cs"/>
+              </a:rPr>
+              <a:t>example of setup that is hard to understand is when you create test data using explicit values, but those values don’t actually impact the outcome of the test. </a:t>
             </a:r>
             <a:endParaRPr lang="en-US" sz="1200" kern="1200" dirty="0">
               <a:solidFill>
@@ -4521,31 +6087,77 @@
             </a:r>
           </a:p>
           <a:p>
-            <a:r>
-              <a:rPr lang="en-US" sz="1200" kern="1200" dirty="0" smtClean="0">
-                <a:solidFill>
-                  <a:schemeClr val="tx1"/>
-                </a:solidFill>
-                <a:effectLst/>
-                <a:latin typeface="+mn-lt"/>
-                <a:ea typeface="+mn-ea"/>
-                <a:cs typeface="+mn-cs"/>
-              </a:rPr>
-              <a:t>When other programmers read that code, they have to spend time figuring out which values are significant and which are arbitrary. Are we testing a business rule that cares if the product is taxable or not?</a:t>
-            </a:r>
-          </a:p>
-          <a:p>
-            <a:r>
-              <a:rPr lang="en-US" sz="1200" kern="1200" dirty="0" smtClean="0">
-                <a:solidFill>
-                  <a:schemeClr val="tx1"/>
-                </a:solidFill>
-                <a:effectLst/>
-                <a:latin typeface="+mn-lt"/>
-                <a:ea typeface="+mn-ea"/>
-                <a:cs typeface="+mn-cs"/>
-              </a:rPr>
-              <a:t>And if this code is shared by multiple tests, it can be hard for someone to figure out which values they can modify to fit their needs and which values are significant to existing tests.</a:t>
+            <a:endParaRPr lang="en-US" sz="1200" kern="1200" dirty="0" smtClean="0">
+              <a:solidFill>
+                <a:schemeClr val="tx1"/>
+              </a:solidFill>
+              <a:effectLst/>
+              <a:latin typeface="+mn-lt"/>
+              <a:ea typeface="+mn-ea"/>
+              <a:cs typeface="+mn-cs"/>
+            </a:endParaRPr>
+          </a:p>
+          <a:p>
+            <a:r>
+              <a:rPr lang="en-US" sz="1200" kern="1200" dirty="0" smtClean="0">
+                <a:solidFill>
+                  <a:schemeClr val="tx1"/>
+                </a:solidFill>
+                <a:effectLst/>
+                <a:latin typeface="+mn-lt"/>
+                <a:ea typeface="+mn-ea"/>
+                <a:cs typeface="+mn-cs"/>
+              </a:rPr>
+              <a:t>When </a:t>
+            </a:r>
+            <a:r>
+              <a:rPr lang="en-US" sz="1200" kern="1200" dirty="0" smtClean="0">
+                <a:solidFill>
+                  <a:schemeClr val="tx1"/>
+                </a:solidFill>
+                <a:effectLst/>
+                <a:latin typeface="+mn-lt"/>
+                <a:ea typeface="+mn-ea"/>
+                <a:cs typeface="+mn-cs"/>
+              </a:rPr>
+              <a:t>other programmers read that code, they have to spend time figuring out which values are significant and which are arbitrary. Are we testing a business rule that cares if the product is taxable or not?</a:t>
+            </a:r>
+          </a:p>
+          <a:p>
+            <a:endParaRPr lang="en-US" sz="1200" kern="1200" dirty="0" smtClean="0">
+              <a:solidFill>
+                <a:schemeClr val="tx1"/>
+              </a:solidFill>
+              <a:effectLst/>
+              <a:latin typeface="+mn-lt"/>
+              <a:ea typeface="+mn-ea"/>
+              <a:cs typeface="+mn-cs"/>
+            </a:endParaRPr>
+          </a:p>
+          <a:p>
+            <a:r>
+              <a:rPr lang="en-US" sz="1200" kern="1200" dirty="0" smtClean="0">
+                <a:solidFill>
+                  <a:schemeClr val="tx1"/>
+                </a:solidFill>
+                <a:effectLst/>
+                <a:latin typeface="+mn-lt"/>
+                <a:ea typeface="+mn-ea"/>
+                <a:cs typeface="+mn-cs"/>
+              </a:rPr>
+              <a:t>And </a:t>
+            </a:r>
+            <a:r>
+              <a:rPr lang="en-US" sz="1200" kern="1200" dirty="0" smtClean="0">
+                <a:solidFill>
+                  <a:schemeClr val="tx1"/>
+                </a:solidFill>
+                <a:effectLst/>
+                <a:latin typeface="+mn-lt"/>
+                <a:ea typeface="+mn-ea"/>
+                <a:cs typeface="+mn-cs"/>
+              </a:rPr>
+              <a:t>if this code is shared by multiple tests, it can be hard for someone to figure out which values they can modify to fit their needs and which values are significant to existing tests.</a:t>
             </a:r>
             <a:endParaRPr lang="en-US" sz="1200" kern="1200" dirty="0">
               <a:solidFill>
@@ -4653,17 +6265,40 @@
             </a:r>
           </a:p>
           <a:p>
-            <a:r>
-              <a:rPr lang="en-US" sz="1200" kern="1200" dirty="0" smtClean="0">
-                <a:solidFill>
-                  <a:schemeClr val="tx1"/>
-                </a:solidFill>
-                <a:effectLst/>
-                <a:latin typeface="+mn-lt"/>
-                <a:ea typeface="+mn-ea"/>
-                <a:cs typeface="+mn-cs"/>
-              </a:rPr>
-              <a:t>I often find that there’s a certain amount of boilerplate setup that’s useful across multiple fixtures. For instance, you might create an Order, a Customer, and a few Line Items and link them all together in a meaningful way. This arrangement could be useful when testing </a:t>
+            <a:endParaRPr lang="en-US" sz="1200" kern="1200" dirty="0" smtClean="0">
+              <a:solidFill>
+                <a:schemeClr val="tx1"/>
+              </a:solidFill>
+              <a:effectLst/>
+              <a:latin typeface="+mn-lt"/>
+              <a:ea typeface="+mn-ea"/>
+              <a:cs typeface="+mn-cs"/>
+            </a:endParaRPr>
+          </a:p>
+          <a:p>
+            <a:r>
+              <a:rPr lang="en-US" sz="1200" kern="1200" dirty="0" smtClean="0">
+                <a:solidFill>
+                  <a:schemeClr val="tx1"/>
+                </a:solidFill>
+                <a:effectLst/>
+                <a:latin typeface="+mn-lt"/>
+                <a:ea typeface="+mn-ea"/>
+                <a:cs typeface="+mn-cs"/>
+              </a:rPr>
+              <a:t>I </a:t>
+            </a:r>
+            <a:r>
+              <a:rPr lang="en-US" sz="1200" kern="1200" dirty="0" smtClean="0">
+                <a:solidFill>
+                  <a:schemeClr val="tx1"/>
+                </a:solidFill>
+                <a:effectLst/>
+                <a:latin typeface="+mn-lt"/>
+                <a:ea typeface="+mn-ea"/>
+                <a:cs typeface="+mn-cs"/>
+              </a:rPr>
+              <a:t>often find that there’s a certain amount of boilerplate setup that’s useful across multiple fixtures. For instance, you might create an Order, a Customer, and a few Line Items and link them all together in a meaningful way. This arrangement could be useful when testing </a:t>
             </a:r>
             <a:r>
               <a:rPr lang="en-US" sz="1200" i="1" kern="1200" dirty="0" smtClean="0">
@@ -4814,45 +6449,126 @@
             </a:r>
           </a:p>
           <a:p>
-            <a:r>
-              <a:rPr lang="en-US" sz="1200" kern="1200" dirty="0" smtClean="0">
-                <a:solidFill>
-                  <a:schemeClr val="tx1"/>
-                </a:solidFill>
-                <a:effectLst/>
-                <a:latin typeface="+mn-lt"/>
-                <a:ea typeface="+mn-ea"/>
-                <a:cs typeface="+mn-cs"/>
-              </a:rPr>
-              <a:t>First, this is not a Testing 101 session. I assume that you’re familiar with at least the basics of writing tests.</a:t>
-            </a:r>
-          </a:p>
-          <a:p>
-            <a:r>
-              <a:rPr lang="en-US" sz="1200" kern="1200" dirty="0" smtClean="0">
-                <a:solidFill>
-                  <a:schemeClr val="tx1"/>
-                </a:solidFill>
-                <a:effectLst/>
-                <a:latin typeface="+mn-lt"/>
-                <a:ea typeface="+mn-ea"/>
-                <a:cs typeface="+mn-cs"/>
-              </a:rPr>
-              <a:t>Second, this isn’t about mocking or stubbing or how to write testable code. Those are really important topics, but lots of people smarter than me have written tons of words about that stuff already.</a:t>
-            </a:r>
-          </a:p>
-          <a:p>
-            <a:r>
-              <a:rPr lang="en-US" sz="1200" kern="1200" dirty="0" smtClean="0">
-                <a:solidFill>
-                  <a:schemeClr val="tx1"/>
-                </a:solidFill>
-                <a:effectLst/>
-                <a:latin typeface="+mn-lt"/>
-                <a:ea typeface="+mn-ea"/>
-                <a:cs typeface="+mn-cs"/>
-              </a:rPr>
-              <a:t>Third, I’m not trying to sell you any specific framework, library, or language. I use C# and </a:t>
+            <a:endParaRPr lang="en-US" sz="1200" kern="1200" dirty="0" smtClean="0">
+              <a:solidFill>
+                <a:schemeClr val="tx1"/>
+              </a:solidFill>
+              <a:effectLst/>
+              <a:latin typeface="+mn-lt"/>
+              <a:ea typeface="+mn-ea"/>
+              <a:cs typeface="+mn-cs"/>
+            </a:endParaRPr>
+          </a:p>
+          <a:p>
+            <a:r>
+              <a:rPr lang="en-US" sz="1200" kern="1200" dirty="0" smtClean="0">
+                <a:solidFill>
+                  <a:schemeClr val="tx1"/>
+                </a:solidFill>
+                <a:effectLst/>
+                <a:latin typeface="+mn-lt"/>
+                <a:ea typeface="+mn-ea"/>
+                <a:cs typeface="+mn-cs"/>
+              </a:rPr>
+              <a:t>1) Not </a:t>
+            </a:r>
+            <a:r>
+              <a:rPr lang="en-US" sz="1200" kern="1200" dirty="0" smtClean="0">
+                <a:solidFill>
+                  <a:schemeClr val="tx1"/>
+                </a:solidFill>
+                <a:effectLst/>
+                <a:latin typeface="+mn-lt"/>
+                <a:ea typeface="+mn-ea"/>
+                <a:cs typeface="+mn-cs"/>
+              </a:rPr>
+              <a:t>a Testing 101 session. I assume that you’re familiar with at least the basics of writing tests.</a:t>
+            </a:r>
+          </a:p>
+          <a:p>
+            <a:endParaRPr lang="en-US" sz="1200" kern="1200" dirty="0" smtClean="0">
+              <a:solidFill>
+                <a:schemeClr val="tx1"/>
+              </a:solidFill>
+              <a:effectLst/>
+              <a:latin typeface="+mn-lt"/>
+              <a:ea typeface="+mn-ea"/>
+              <a:cs typeface="+mn-cs"/>
+            </a:endParaRPr>
+          </a:p>
+          <a:p>
+            <a:r>
+              <a:rPr lang="en-US" sz="1200" kern="1200" dirty="0" smtClean="0">
+                <a:solidFill>
+                  <a:schemeClr val="tx1"/>
+                </a:solidFill>
+                <a:effectLst/>
+                <a:latin typeface="+mn-lt"/>
+                <a:ea typeface="+mn-ea"/>
+                <a:cs typeface="+mn-cs"/>
+              </a:rPr>
+              <a:t>2) Not about </a:t>
+            </a:r>
+            <a:r>
+              <a:rPr lang="en-US" sz="1200" kern="1200" dirty="0" smtClean="0">
+                <a:solidFill>
+                  <a:schemeClr val="tx1"/>
+                </a:solidFill>
+                <a:effectLst/>
+                <a:latin typeface="+mn-lt"/>
+                <a:ea typeface="+mn-ea"/>
+                <a:cs typeface="+mn-cs"/>
+              </a:rPr>
+              <a:t>mocking or stubbing or how to write testable code. Those are really important topics, but lots of people smarter than me have written tons of words about that stuff already</a:t>
+            </a:r>
+            <a:r>
+              <a:rPr lang="en-US" sz="1200" kern="1200" dirty="0" smtClean="0">
+                <a:solidFill>
+                  <a:schemeClr val="tx1"/>
+                </a:solidFill>
+                <a:effectLst/>
+                <a:latin typeface="+mn-lt"/>
+                <a:ea typeface="+mn-ea"/>
+                <a:cs typeface="+mn-cs"/>
+              </a:rPr>
+              <a:t>.</a:t>
+            </a:r>
+          </a:p>
+          <a:p>
+            <a:endParaRPr lang="en-US" sz="1200" kern="1200" dirty="0" smtClean="0">
+              <a:solidFill>
+                <a:schemeClr val="tx1"/>
+              </a:solidFill>
+              <a:effectLst/>
+              <a:latin typeface="+mn-lt"/>
+              <a:ea typeface="+mn-ea"/>
+              <a:cs typeface="+mn-cs"/>
+            </a:endParaRPr>
+          </a:p>
+          <a:p>
+            <a:r>
+              <a:rPr lang="en-US" sz="1200" kern="1200" dirty="0" smtClean="0">
+                <a:solidFill>
+                  <a:schemeClr val="tx1"/>
+                </a:solidFill>
+                <a:effectLst/>
+                <a:latin typeface="+mn-lt"/>
+                <a:ea typeface="+mn-ea"/>
+                <a:cs typeface="+mn-cs"/>
+              </a:rPr>
+              <a:t>3) Not </a:t>
+            </a:r>
+            <a:r>
+              <a:rPr lang="en-US" sz="1200" kern="1200" dirty="0" smtClean="0">
+                <a:solidFill>
+                  <a:schemeClr val="tx1"/>
+                </a:solidFill>
+                <a:effectLst/>
+                <a:latin typeface="+mn-lt"/>
+                <a:ea typeface="+mn-ea"/>
+                <a:cs typeface="+mn-cs"/>
+              </a:rPr>
+              <a:t>trying to sell you any specific framework, library, or language. I use C# and </a:t>
             </a:r>
             <a:r>
               <a:rPr lang="en-US" sz="1200" kern="1200" dirty="0" err="1" smtClean="0">
@@ -4880,17 +6596,40 @@
             </a:r>
           </a:p>
           <a:p>
-            <a:r>
-              <a:rPr lang="en-US" sz="1200" kern="1200" dirty="0" smtClean="0">
-                <a:solidFill>
-                  <a:schemeClr val="tx1"/>
-                </a:solidFill>
-                <a:effectLst/>
-                <a:latin typeface="+mn-lt"/>
-                <a:ea typeface="+mn-ea"/>
-                <a:cs typeface="+mn-cs"/>
-              </a:rPr>
-              <a:t>I’m going to focus entirely on improving the ways that you arrange your test data and prepare your system to execute a test. That’s it.</a:t>
+            <a:endParaRPr lang="en-US" sz="1200" kern="1200" dirty="0" smtClean="0">
+              <a:solidFill>
+                <a:schemeClr val="tx1"/>
+              </a:solidFill>
+              <a:effectLst/>
+              <a:latin typeface="+mn-lt"/>
+              <a:ea typeface="+mn-ea"/>
+              <a:cs typeface="+mn-cs"/>
+            </a:endParaRPr>
+          </a:p>
+          <a:p>
+            <a:r>
+              <a:rPr lang="en-US" sz="1200" kern="1200" dirty="0" smtClean="0">
+                <a:solidFill>
+                  <a:schemeClr val="tx1"/>
+                </a:solidFill>
+                <a:effectLst/>
+                <a:latin typeface="+mn-lt"/>
+                <a:ea typeface="+mn-ea"/>
+                <a:cs typeface="+mn-cs"/>
+              </a:rPr>
+              <a:t>4) Focus </a:t>
+            </a:r>
+            <a:r>
+              <a:rPr lang="en-US" sz="1200" kern="1200" dirty="0" smtClean="0">
+                <a:solidFill>
+                  <a:schemeClr val="tx1"/>
+                </a:solidFill>
+                <a:effectLst/>
+                <a:latin typeface="+mn-lt"/>
+                <a:ea typeface="+mn-ea"/>
+                <a:cs typeface="+mn-cs"/>
+              </a:rPr>
+              <a:t>entirely on improving the ways that you arrange your test data and prepare your system to execute a test. That’s it.</a:t>
             </a:r>
           </a:p>
           <a:p>
@@ -4992,31 +6731,77 @@
             </a:r>
           </a:p>
           <a:p>
-            <a:r>
-              <a:rPr lang="en-US" sz="1200" kern="1200" dirty="0" smtClean="0">
-                <a:solidFill>
-                  <a:schemeClr val="tx1"/>
-                </a:solidFill>
-                <a:effectLst/>
-                <a:latin typeface="+mn-lt"/>
-                <a:ea typeface="+mn-ea"/>
-                <a:cs typeface="+mn-cs"/>
-              </a:rPr>
-              <a:t>Every class that needs that shared data could derive from that base class and get access to the data.</a:t>
-            </a:r>
-          </a:p>
-          <a:p>
-            <a:r>
-              <a:rPr lang="en-US" sz="1200" kern="1200" dirty="0" smtClean="0">
-                <a:solidFill>
-                  <a:schemeClr val="tx1"/>
-                </a:solidFill>
-                <a:effectLst/>
-                <a:latin typeface="+mn-lt"/>
-                <a:ea typeface="+mn-ea"/>
-                <a:cs typeface="+mn-cs"/>
-              </a:rPr>
-              <a:t>There are two problems with this. First, inheritance is a very restrictive way of achieving reuse. In C# you can only have a single base class, and there’s just no good argument for requiring that your Customer tests and your Order tests derive from the same base.</a:t>
+            <a:endParaRPr lang="en-US" sz="1200" kern="1200" dirty="0" smtClean="0">
+              <a:solidFill>
+                <a:schemeClr val="tx1"/>
+              </a:solidFill>
+              <a:effectLst/>
+              <a:latin typeface="+mn-lt"/>
+              <a:ea typeface="+mn-ea"/>
+              <a:cs typeface="+mn-cs"/>
+            </a:endParaRPr>
+          </a:p>
+          <a:p>
+            <a:r>
+              <a:rPr lang="en-US" sz="1200" kern="1200" dirty="0" smtClean="0">
+                <a:solidFill>
+                  <a:schemeClr val="tx1"/>
+                </a:solidFill>
+                <a:effectLst/>
+                <a:latin typeface="+mn-lt"/>
+                <a:ea typeface="+mn-ea"/>
+                <a:cs typeface="+mn-cs"/>
+              </a:rPr>
+              <a:t>Every </a:t>
+            </a:r>
+            <a:r>
+              <a:rPr lang="en-US" sz="1200" kern="1200" dirty="0" smtClean="0">
+                <a:solidFill>
+                  <a:schemeClr val="tx1"/>
+                </a:solidFill>
+                <a:effectLst/>
+                <a:latin typeface="+mn-lt"/>
+                <a:ea typeface="+mn-ea"/>
+                <a:cs typeface="+mn-cs"/>
+              </a:rPr>
+              <a:t>class that needs that shared data could derive from that base class and get access to the data.</a:t>
+            </a:r>
+          </a:p>
+          <a:p>
+            <a:endParaRPr lang="en-US" sz="1200" kern="1200" dirty="0" smtClean="0">
+              <a:solidFill>
+                <a:schemeClr val="tx1"/>
+              </a:solidFill>
+              <a:effectLst/>
+              <a:latin typeface="+mn-lt"/>
+              <a:ea typeface="+mn-ea"/>
+              <a:cs typeface="+mn-cs"/>
+            </a:endParaRPr>
+          </a:p>
+          <a:p>
+            <a:r>
+              <a:rPr lang="en-US" sz="1200" kern="1200" dirty="0" smtClean="0">
+                <a:solidFill>
+                  <a:schemeClr val="tx1"/>
+                </a:solidFill>
+                <a:effectLst/>
+                <a:latin typeface="+mn-lt"/>
+                <a:ea typeface="+mn-ea"/>
+                <a:cs typeface="+mn-cs"/>
+              </a:rPr>
+              <a:t>There </a:t>
+            </a:r>
+            <a:r>
+              <a:rPr lang="en-US" sz="1200" kern="1200" dirty="0" smtClean="0">
+                <a:solidFill>
+                  <a:schemeClr val="tx1"/>
+                </a:solidFill>
+                <a:effectLst/>
+                <a:latin typeface="+mn-lt"/>
+                <a:ea typeface="+mn-ea"/>
+                <a:cs typeface="+mn-cs"/>
+              </a:rPr>
+              <a:t>are two problems with this. First, inheritance is a very restrictive way of achieving reuse. In C# you can only have a single base class, and there’s just no good argument for requiring that your Customer tests and your Order tests derive from the same base.</a:t>
             </a:r>
             <a:endParaRPr lang="en-US" sz="1200" kern="1200" dirty="0">
               <a:solidFill>
@@ -5124,17 +6909,40 @@
             </a:r>
           </a:p>
           <a:p>
-            <a:r>
-              <a:rPr lang="en-US" sz="1200" kern="1200" dirty="0" smtClean="0">
-                <a:solidFill>
-                  <a:schemeClr val="tx1"/>
-                </a:solidFill>
-                <a:effectLst/>
-                <a:latin typeface="+mn-lt"/>
-                <a:ea typeface="+mn-ea"/>
-                <a:cs typeface="+mn-cs"/>
-              </a:rPr>
-              <a:t>If the setup code is in the base class, you end up doing things like initializing data in the shared area, and then overriding parts of it in the body of each test. </a:t>
+            <a:endParaRPr lang="en-US" sz="1200" kern="1200" dirty="0" smtClean="0">
+              <a:solidFill>
+                <a:schemeClr val="tx1"/>
+              </a:solidFill>
+              <a:effectLst/>
+              <a:latin typeface="+mn-lt"/>
+              <a:ea typeface="+mn-ea"/>
+              <a:cs typeface="+mn-cs"/>
+            </a:endParaRPr>
+          </a:p>
+          <a:p>
+            <a:r>
+              <a:rPr lang="en-US" sz="1200" kern="1200" dirty="0" smtClean="0">
+                <a:solidFill>
+                  <a:schemeClr val="tx1"/>
+                </a:solidFill>
+                <a:effectLst/>
+                <a:latin typeface="+mn-lt"/>
+                <a:ea typeface="+mn-ea"/>
+                <a:cs typeface="+mn-cs"/>
+              </a:rPr>
+              <a:t>If </a:t>
+            </a:r>
+            <a:r>
+              <a:rPr lang="en-US" sz="1200" kern="1200" dirty="0" smtClean="0">
+                <a:solidFill>
+                  <a:schemeClr val="tx1"/>
+                </a:solidFill>
+                <a:effectLst/>
+                <a:latin typeface="+mn-lt"/>
+                <a:ea typeface="+mn-ea"/>
+                <a:cs typeface="+mn-cs"/>
+              </a:rPr>
+              <a:t>the setup code is in the base class, you end up doing things like initializing data in the shared area, and then overriding parts of it in the body of each test. </a:t>
             </a:r>
             <a:endParaRPr lang="en-US" sz="1200" kern="1200" dirty="0">
               <a:solidFill>
@@ -5242,17 +7050,40 @@
             </a:r>
           </a:p>
           <a:p>
-            <a:r>
-              <a:rPr lang="en-US" sz="1200" kern="1200" dirty="0" smtClean="0">
-                <a:solidFill>
-                  <a:schemeClr val="tx1"/>
-                </a:solidFill>
-                <a:effectLst/>
-                <a:latin typeface="+mn-lt"/>
-                <a:ea typeface="+mn-ea"/>
-                <a:cs typeface="+mn-cs"/>
-              </a:rPr>
-              <a:t>To properly reuse setup logic we need to get it out of a base class and into something more easily managed. I’ll show you what that looks like in a moment.</a:t>
+            <a:endParaRPr lang="en-US" sz="1200" kern="1200" dirty="0" smtClean="0">
+              <a:solidFill>
+                <a:schemeClr val="tx1"/>
+              </a:solidFill>
+              <a:effectLst/>
+              <a:latin typeface="+mn-lt"/>
+              <a:ea typeface="+mn-ea"/>
+              <a:cs typeface="+mn-cs"/>
+            </a:endParaRPr>
+          </a:p>
+          <a:p>
+            <a:r>
+              <a:rPr lang="en-US" sz="1200" kern="1200" dirty="0" smtClean="0">
+                <a:solidFill>
+                  <a:schemeClr val="tx1"/>
+                </a:solidFill>
+                <a:effectLst/>
+                <a:latin typeface="+mn-lt"/>
+                <a:ea typeface="+mn-ea"/>
+                <a:cs typeface="+mn-cs"/>
+              </a:rPr>
+              <a:t>To </a:t>
+            </a:r>
+            <a:r>
+              <a:rPr lang="en-US" sz="1200" kern="1200" dirty="0" smtClean="0">
+                <a:solidFill>
+                  <a:schemeClr val="tx1"/>
+                </a:solidFill>
+                <a:effectLst/>
+                <a:latin typeface="+mn-lt"/>
+                <a:ea typeface="+mn-ea"/>
+                <a:cs typeface="+mn-cs"/>
+              </a:rPr>
+              <a:t>properly reuse setup logic we need to get it out of a base class and into something more easily managed. I’ll show you what that looks like in a moment.</a:t>
             </a:r>
             <a:endParaRPr lang="en-US" sz="1200" kern="1200" dirty="0">
               <a:solidFill>
@@ -5360,6 +7191,17 @@
             </a:r>
           </a:p>
           <a:p>
+            <a:endParaRPr lang="en-US" sz="1200" i="1" kern="1200" dirty="0" smtClean="0">
+              <a:solidFill>
+                <a:schemeClr val="tx1"/>
+              </a:solidFill>
+              <a:effectLst/>
+              <a:latin typeface="+mn-lt"/>
+              <a:ea typeface="+mn-ea"/>
+              <a:cs typeface="+mn-cs"/>
+            </a:endParaRPr>
+          </a:p>
+          <a:p>
             <a:r>
               <a:rPr lang="en-US" sz="1200" i="1" kern="1200" dirty="0" smtClean="0">
                 <a:solidFill>
@@ -5490,31 +7332,42 @@
             </a:r>
           </a:p>
           <a:p>
-            <a:r>
-              <a:rPr lang="en-US" sz="1200" kern="1200" dirty="0" smtClean="0">
-                <a:solidFill>
-                  <a:schemeClr val="tx1"/>
-                </a:solidFill>
-                <a:effectLst/>
-                <a:latin typeface="+mn-lt"/>
-                <a:ea typeface="+mn-ea"/>
-                <a:cs typeface="+mn-cs"/>
-              </a:rPr>
-              <a:t>But what if you’re running against an empty database? Or what if this email service is designed to reject customers that have a known bad email address? </a:t>
-            </a:r>
-            <a:r>
-              <a:rPr lang="en-US" sz="1200" kern="1200" smtClean="0">
-                <a:solidFill>
-                  <a:schemeClr val="tx1"/>
-                </a:solidFill>
-                <a:effectLst/>
-                <a:latin typeface="+mn-lt"/>
-                <a:ea typeface="+mn-ea"/>
-                <a:cs typeface="+mn-cs"/>
-              </a:rPr>
-              <a:t>Maybe on your database this pulls back a normal customer and the test passes, but on a coworker’s machine it pulls back someone in a flagged state and fails.</a:t>
-            </a:r>
-            <a:endParaRPr lang="en-US" sz="1200" kern="1200">
+            <a:endParaRPr lang="en-US" sz="1200" kern="1200" dirty="0" smtClean="0">
+              <a:solidFill>
+                <a:schemeClr val="tx1"/>
+              </a:solidFill>
+              <a:effectLst/>
+              <a:latin typeface="+mn-lt"/>
+              <a:ea typeface="+mn-ea"/>
+              <a:cs typeface="+mn-cs"/>
+            </a:endParaRPr>
+          </a:p>
+          <a:p>
+            <a:r>
+              <a:rPr lang="en-US" sz="1200" kern="1200" dirty="0" smtClean="0">
+                <a:solidFill>
+                  <a:schemeClr val="tx1"/>
+                </a:solidFill>
+                <a:effectLst/>
+                <a:latin typeface="+mn-lt"/>
+                <a:ea typeface="+mn-ea"/>
+                <a:cs typeface="+mn-cs"/>
+              </a:rPr>
+              <a:t>But </a:t>
+            </a:r>
+            <a:r>
+              <a:rPr lang="en-US" sz="1200" kern="1200" dirty="0" smtClean="0">
+                <a:solidFill>
+                  <a:schemeClr val="tx1"/>
+                </a:solidFill>
+                <a:effectLst/>
+                <a:latin typeface="+mn-lt"/>
+                <a:ea typeface="+mn-ea"/>
+                <a:cs typeface="+mn-cs"/>
+              </a:rPr>
+              <a:t>what if you’re running against an empty database? Or what if this email service is designed to reject customers that have a known bad email address? Maybe on your database this pulls back a normal customer and the test passes, but on a coworker’s machine it pulls back someone in a flagged state and fails.</a:t>
+            </a:r>
+            <a:endParaRPr lang="en-US" sz="1200" kern="1200" dirty="0">
               <a:solidFill>
                 <a:schemeClr val="tx1"/>
               </a:solidFill>
@@ -5644,17 +7497,40 @@
             </a:r>
           </a:p>
           <a:p>
-            <a:r>
-              <a:rPr lang="en-US" sz="1200" kern="1200" dirty="0" smtClean="0">
-                <a:solidFill>
-                  <a:schemeClr val="tx1"/>
-                </a:solidFill>
-                <a:effectLst/>
-                <a:latin typeface="+mn-lt"/>
-                <a:ea typeface="+mn-ea"/>
-                <a:cs typeface="+mn-cs"/>
-              </a:rPr>
-              <a:t>I’ve identified 4 key practices that you can implement to avoid each of those mistakes.</a:t>
+            <a:endParaRPr lang="en-US" sz="1200" kern="1200" dirty="0" smtClean="0">
+              <a:solidFill>
+                <a:schemeClr val="tx1"/>
+              </a:solidFill>
+              <a:effectLst/>
+              <a:latin typeface="+mn-lt"/>
+              <a:ea typeface="+mn-ea"/>
+              <a:cs typeface="+mn-cs"/>
+            </a:endParaRPr>
+          </a:p>
+          <a:p>
+            <a:r>
+              <a:rPr lang="en-US" sz="1200" kern="1200" dirty="0" smtClean="0">
+                <a:solidFill>
+                  <a:schemeClr val="tx1"/>
+                </a:solidFill>
+                <a:effectLst/>
+                <a:latin typeface="+mn-lt"/>
+                <a:ea typeface="+mn-ea"/>
+                <a:cs typeface="+mn-cs"/>
+              </a:rPr>
+              <a:t>I’ve </a:t>
+            </a:r>
+            <a:r>
+              <a:rPr lang="en-US" sz="1200" kern="1200" dirty="0" smtClean="0">
+                <a:solidFill>
+                  <a:schemeClr val="tx1"/>
+                </a:solidFill>
+                <a:effectLst/>
+                <a:latin typeface="+mn-lt"/>
+                <a:ea typeface="+mn-ea"/>
+                <a:cs typeface="+mn-cs"/>
+              </a:rPr>
+              <a:t>identified 4 key practices that you can implement to avoid each of those mistakes.</a:t>
             </a:r>
           </a:p>
           <a:p>
@@ -6051,17 +7927,40 @@
             </a:r>
           </a:p>
           <a:p>
-            <a:r>
-              <a:rPr lang="en-US" sz="1200" kern="1200" dirty="0" smtClean="0">
-                <a:solidFill>
-                  <a:schemeClr val="tx1"/>
-                </a:solidFill>
-                <a:effectLst/>
-                <a:latin typeface="+mn-lt"/>
-                <a:ea typeface="+mn-ea"/>
-                <a:cs typeface="+mn-cs"/>
-              </a:rPr>
-              <a:t>In practice, though, actually creating a workflow in that state is complex; a workflow is composed of lots of smaller objects that work together, and they all have to be set up in a logically consistent way to represent real-world code paths and to avoid runtime errors. </a:t>
+            <a:endParaRPr lang="en-US" sz="1200" kern="1200" dirty="0" smtClean="0">
+              <a:solidFill>
+                <a:schemeClr val="tx1"/>
+              </a:solidFill>
+              <a:effectLst/>
+              <a:latin typeface="+mn-lt"/>
+              <a:ea typeface="+mn-ea"/>
+              <a:cs typeface="+mn-cs"/>
+            </a:endParaRPr>
+          </a:p>
+          <a:p>
+            <a:r>
+              <a:rPr lang="en-US" sz="1200" kern="1200" dirty="0" smtClean="0">
+                <a:solidFill>
+                  <a:schemeClr val="tx1"/>
+                </a:solidFill>
+                <a:effectLst/>
+                <a:latin typeface="+mn-lt"/>
+                <a:ea typeface="+mn-ea"/>
+                <a:cs typeface="+mn-cs"/>
+              </a:rPr>
+              <a:t>In </a:t>
+            </a:r>
+            <a:r>
+              <a:rPr lang="en-US" sz="1200" kern="1200" dirty="0" smtClean="0">
+                <a:solidFill>
+                  <a:schemeClr val="tx1"/>
+                </a:solidFill>
+                <a:effectLst/>
+                <a:latin typeface="+mn-lt"/>
+                <a:ea typeface="+mn-ea"/>
+                <a:cs typeface="+mn-cs"/>
+              </a:rPr>
+              <a:t>practice, though, actually creating a workflow in that state is complex; a workflow is composed of lots of smaller objects that work together, and they all have to be set up in a logically consistent way to represent real-world code paths and to avoid runtime errors. </a:t>
             </a:r>
             <a:endParaRPr lang="en-US" sz="1200" kern="1200" dirty="0">
               <a:solidFill>
@@ -6169,17 +8068,40 @@
             </a:r>
           </a:p>
           <a:p>
-            <a:r>
-              <a:rPr lang="en-US" sz="1200" kern="1200" dirty="0" smtClean="0">
-                <a:solidFill>
-                  <a:schemeClr val="tx1"/>
-                </a:solidFill>
-                <a:effectLst/>
-                <a:latin typeface="+mn-lt"/>
-                <a:ea typeface="+mn-ea"/>
-                <a:cs typeface="+mn-cs"/>
-              </a:rPr>
-              <a:t>There are a couple of well-known patterns for handling object creation. </a:t>
+            <a:endParaRPr lang="en-US" sz="1200" kern="1200" dirty="0" smtClean="0">
+              <a:solidFill>
+                <a:schemeClr val="tx1"/>
+              </a:solidFill>
+              <a:effectLst/>
+              <a:latin typeface="+mn-lt"/>
+              <a:ea typeface="+mn-ea"/>
+              <a:cs typeface="+mn-cs"/>
+            </a:endParaRPr>
+          </a:p>
+          <a:p>
+            <a:r>
+              <a:rPr lang="en-US" sz="1200" kern="1200" dirty="0" smtClean="0">
+                <a:solidFill>
+                  <a:schemeClr val="tx1"/>
+                </a:solidFill>
+                <a:effectLst/>
+                <a:latin typeface="+mn-lt"/>
+                <a:ea typeface="+mn-ea"/>
+                <a:cs typeface="+mn-cs"/>
+              </a:rPr>
+              <a:t>There </a:t>
+            </a:r>
+            <a:r>
+              <a:rPr lang="en-US" sz="1200" kern="1200" dirty="0" smtClean="0">
+                <a:solidFill>
+                  <a:schemeClr val="tx1"/>
+                </a:solidFill>
+                <a:effectLst/>
+                <a:latin typeface="+mn-lt"/>
+                <a:ea typeface="+mn-ea"/>
+                <a:cs typeface="+mn-cs"/>
+              </a:rPr>
+              <a:t>are a couple of well-known patterns for handling object creation. </a:t>
             </a:r>
             <a:endParaRPr lang="en-US" sz="1200" kern="1200" dirty="0">
               <a:solidFill>
@@ -6290,21 +8212,270 @@
                 <a:ea typeface="+mn-ea"/>
                 <a:cs typeface="+mn-cs"/>
               </a:rPr>
-              <a:t>The first pattern that we tried is called Object Mother. The key idea behind this pattern is that you identify up front the different test data that you’ll need, and then you create static factory methods for each of those pre-defined states. For example, the “Order Mother” object might have a factory method for creating an order with an unpaid balance, or if you work with insurance, the “Policy Mother” object might create an insurance policy object with a specific combination of coverages.</a:t>
-            </a:r>
-          </a:p>
-          <a:p>
-            <a:r>
-              <a:rPr lang="en-US" sz="1200" kern="1200" dirty="0" smtClean="0">
-                <a:solidFill>
-                  <a:schemeClr val="tx1"/>
-                </a:solidFill>
-                <a:effectLst/>
-                <a:latin typeface="+mn-lt"/>
-                <a:ea typeface="+mn-ea"/>
-                <a:cs typeface="+mn-cs"/>
-              </a:rPr>
-              <a:t>Object Mother is a great way to get all of those noise values and objects out of your setup code, but it doesn’t really scale that well. As your software gets more complex you’ll need more and more pre-built objects in more and more pre-defined states. And as the number of pre-built objects and states grows it becomes harder to maintain them and harder for developers to choose between them.</a:t>
+              <a:t>First </a:t>
+            </a:r>
+            <a:r>
+              <a:rPr lang="en-US" sz="1200" kern="1200" dirty="0" smtClean="0">
+                <a:solidFill>
+                  <a:schemeClr val="tx1"/>
+                </a:solidFill>
+                <a:effectLst/>
+                <a:latin typeface="+mn-lt"/>
+                <a:ea typeface="+mn-ea"/>
+                <a:cs typeface="+mn-cs"/>
+              </a:rPr>
+              <a:t>pattern </a:t>
+            </a:r>
+            <a:r>
+              <a:rPr lang="en-US" sz="1200" kern="1200" dirty="0" smtClean="0">
+                <a:solidFill>
+                  <a:schemeClr val="tx1"/>
+                </a:solidFill>
+                <a:effectLst/>
+                <a:latin typeface="+mn-lt"/>
+                <a:ea typeface="+mn-ea"/>
+                <a:cs typeface="+mn-cs"/>
+              </a:rPr>
+              <a:t>we </a:t>
+            </a:r>
+            <a:r>
+              <a:rPr lang="en-US" sz="1200" kern="1200" dirty="0" smtClean="0">
+                <a:solidFill>
+                  <a:schemeClr val="tx1"/>
+                </a:solidFill>
+                <a:effectLst/>
+                <a:latin typeface="+mn-lt"/>
+                <a:ea typeface="+mn-ea"/>
+                <a:cs typeface="+mn-cs"/>
+              </a:rPr>
+              <a:t>tried is called Object Mother. The key idea behind this pattern is that you identify </a:t>
+            </a:r>
+            <a:r>
+              <a:rPr lang="en-US" sz="1200" kern="1200" dirty="0" smtClean="0">
+                <a:solidFill>
+                  <a:schemeClr val="tx1"/>
+                </a:solidFill>
+                <a:effectLst/>
+                <a:latin typeface="+mn-lt"/>
+                <a:ea typeface="+mn-ea"/>
+                <a:cs typeface="+mn-cs"/>
+              </a:rPr>
+              <a:t>UP FRONT the </a:t>
+            </a:r>
+            <a:r>
+              <a:rPr lang="en-US" sz="1200" kern="1200" dirty="0" smtClean="0">
+                <a:solidFill>
+                  <a:schemeClr val="tx1"/>
+                </a:solidFill>
+                <a:effectLst/>
+                <a:latin typeface="+mn-lt"/>
+                <a:ea typeface="+mn-ea"/>
+                <a:cs typeface="+mn-cs"/>
+              </a:rPr>
+              <a:t>different test data that you’ll need, and then you create static factory methods for each of those pre-defined states. For example, the “Order Mother” object might have a factory method for creating an order with an unpaid balance, or if you work with insurance, the “Policy Mother” object might create an insurance policy object with a specific combination of coverages.</a:t>
+            </a:r>
+          </a:p>
+          <a:p>
+            <a:endParaRPr lang="en-US" sz="1200" kern="1200" dirty="0" smtClean="0">
+              <a:solidFill>
+                <a:schemeClr val="tx1"/>
+              </a:solidFill>
+              <a:effectLst/>
+              <a:latin typeface="+mn-lt"/>
+              <a:ea typeface="+mn-ea"/>
+              <a:cs typeface="+mn-cs"/>
+            </a:endParaRPr>
+          </a:p>
+          <a:p>
+            <a:r>
+              <a:rPr lang="en-US" sz="1200" kern="1200" dirty="0" smtClean="0">
+                <a:solidFill>
+                  <a:schemeClr val="tx1"/>
+                </a:solidFill>
+                <a:effectLst/>
+                <a:latin typeface="+mn-lt"/>
+                <a:ea typeface="+mn-ea"/>
+                <a:cs typeface="+mn-cs"/>
+              </a:rPr>
+              <a:t>Object </a:t>
+            </a:r>
+            <a:r>
+              <a:rPr lang="en-US" sz="1200" kern="1200" dirty="0" smtClean="0">
+                <a:solidFill>
+                  <a:schemeClr val="tx1"/>
+                </a:solidFill>
+                <a:effectLst/>
+                <a:latin typeface="+mn-lt"/>
+                <a:ea typeface="+mn-ea"/>
+                <a:cs typeface="+mn-cs"/>
+              </a:rPr>
+              <a:t>Mother is a great way to get </a:t>
+            </a:r>
+            <a:r>
+              <a:rPr lang="en-US" sz="1200" kern="1200" dirty="0" smtClean="0">
+                <a:solidFill>
+                  <a:schemeClr val="tx1"/>
+                </a:solidFill>
+                <a:effectLst/>
+                <a:latin typeface="+mn-lt"/>
+                <a:ea typeface="+mn-ea"/>
+                <a:cs typeface="+mn-cs"/>
+              </a:rPr>
+              <a:t>those </a:t>
+            </a:r>
+            <a:r>
+              <a:rPr lang="en-US" sz="1200" kern="1200" dirty="0" smtClean="0">
+                <a:solidFill>
+                  <a:schemeClr val="tx1"/>
+                </a:solidFill>
+                <a:effectLst/>
+                <a:latin typeface="+mn-lt"/>
+                <a:ea typeface="+mn-ea"/>
+                <a:cs typeface="+mn-cs"/>
+              </a:rPr>
+              <a:t>noise values </a:t>
+            </a:r>
+            <a:r>
+              <a:rPr lang="en-US" sz="1200" kern="1200" dirty="0" smtClean="0">
+                <a:solidFill>
+                  <a:schemeClr val="tx1"/>
+                </a:solidFill>
+                <a:effectLst/>
+                <a:latin typeface="+mn-lt"/>
+                <a:ea typeface="+mn-ea"/>
+                <a:cs typeface="+mn-cs"/>
+              </a:rPr>
+              <a:t>out </a:t>
+            </a:r>
+            <a:r>
+              <a:rPr lang="en-US" sz="1200" kern="1200" dirty="0" smtClean="0">
+                <a:solidFill>
+                  <a:schemeClr val="tx1"/>
+                </a:solidFill>
+                <a:effectLst/>
+                <a:latin typeface="+mn-lt"/>
+                <a:ea typeface="+mn-ea"/>
+                <a:cs typeface="+mn-cs"/>
+              </a:rPr>
+              <a:t>of your setup code, but it </a:t>
+            </a:r>
+            <a:r>
+              <a:rPr lang="en-US" sz="1200" kern="1200" dirty="0" smtClean="0">
+                <a:solidFill>
+                  <a:schemeClr val="tx1"/>
+                </a:solidFill>
+                <a:effectLst/>
+                <a:latin typeface="+mn-lt"/>
+                <a:ea typeface="+mn-ea"/>
+                <a:cs typeface="+mn-cs"/>
+              </a:rPr>
+              <a:t>DOESN'T SCALE. </a:t>
+            </a:r>
+            <a:r>
+              <a:rPr lang="en-US" sz="1200" kern="1200" dirty="0" smtClean="0">
+                <a:solidFill>
+                  <a:schemeClr val="tx1"/>
+                </a:solidFill>
+                <a:effectLst/>
+                <a:latin typeface="+mn-lt"/>
+                <a:ea typeface="+mn-ea"/>
+                <a:cs typeface="+mn-cs"/>
+              </a:rPr>
+              <a:t>As </a:t>
+            </a:r>
+            <a:r>
+              <a:rPr lang="en-US" sz="1200" kern="1200" dirty="0" smtClean="0">
+                <a:solidFill>
+                  <a:schemeClr val="tx1"/>
+                </a:solidFill>
+                <a:effectLst/>
+                <a:latin typeface="+mn-lt"/>
+                <a:ea typeface="+mn-ea"/>
+                <a:cs typeface="+mn-cs"/>
+              </a:rPr>
+              <a:t>software </a:t>
+            </a:r>
+            <a:r>
+              <a:rPr lang="en-US" sz="1200" kern="1200" dirty="0" smtClean="0">
+                <a:solidFill>
+                  <a:schemeClr val="tx1"/>
+                </a:solidFill>
+                <a:effectLst/>
+                <a:latin typeface="+mn-lt"/>
+                <a:ea typeface="+mn-ea"/>
+                <a:cs typeface="+mn-cs"/>
+              </a:rPr>
+              <a:t>gets more complex you’ll need more </a:t>
+            </a:r>
+            <a:r>
+              <a:rPr lang="en-US" sz="1200" kern="1200" dirty="0" smtClean="0">
+                <a:solidFill>
+                  <a:schemeClr val="tx1"/>
+                </a:solidFill>
+                <a:effectLst/>
+                <a:latin typeface="+mn-lt"/>
+                <a:ea typeface="+mn-ea"/>
+                <a:cs typeface="+mn-cs"/>
+              </a:rPr>
+              <a:t>pre-built </a:t>
+            </a:r>
+            <a:r>
+              <a:rPr lang="en-US" sz="1200" kern="1200" dirty="0" smtClean="0">
+                <a:solidFill>
+                  <a:schemeClr val="tx1"/>
+                </a:solidFill>
+                <a:effectLst/>
+                <a:latin typeface="+mn-lt"/>
+                <a:ea typeface="+mn-ea"/>
+                <a:cs typeface="+mn-cs"/>
+              </a:rPr>
+              <a:t>objects in more and more pre-defined states. </a:t>
+            </a:r>
+            <a:endParaRPr lang="en-US" sz="1200" kern="1200" dirty="0" smtClean="0">
+              <a:solidFill>
+                <a:schemeClr val="tx1"/>
+              </a:solidFill>
+              <a:effectLst/>
+              <a:latin typeface="+mn-lt"/>
+              <a:ea typeface="+mn-ea"/>
+              <a:cs typeface="+mn-cs"/>
+            </a:endParaRPr>
+          </a:p>
+          <a:p>
+            <a:endParaRPr lang="en-US" sz="1200" kern="1200" dirty="0" smtClean="0">
+              <a:solidFill>
+                <a:schemeClr val="tx1"/>
+              </a:solidFill>
+              <a:effectLst/>
+              <a:latin typeface="+mn-lt"/>
+              <a:ea typeface="+mn-ea"/>
+              <a:cs typeface="+mn-cs"/>
+            </a:endParaRPr>
+          </a:p>
+          <a:p>
+            <a:r>
+              <a:rPr lang="en-US" sz="1200" kern="1200" dirty="0" smtClean="0">
+                <a:solidFill>
+                  <a:schemeClr val="tx1"/>
+                </a:solidFill>
+                <a:effectLst/>
+                <a:latin typeface="+mn-lt"/>
+                <a:ea typeface="+mn-ea"/>
+                <a:cs typeface="+mn-cs"/>
+              </a:rPr>
+              <a:t>As </a:t>
+            </a:r>
+            <a:r>
+              <a:rPr lang="en-US" sz="1200" kern="1200" dirty="0" smtClean="0">
+                <a:solidFill>
+                  <a:schemeClr val="tx1"/>
+                </a:solidFill>
+                <a:effectLst/>
+                <a:latin typeface="+mn-lt"/>
+                <a:ea typeface="+mn-ea"/>
+                <a:cs typeface="+mn-cs"/>
+              </a:rPr>
+              <a:t>the number of pre-built objects and states grows it becomes harder to maintain them and harder for developers to choose between them.</a:t>
             </a:r>
           </a:p>
           <a:p>
@@ -6410,45 +8581,78 @@
             </a:r>
           </a:p>
           <a:p>
-            <a:r>
-              <a:rPr lang="en-US" sz="1200" kern="1200" dirty="0" smtClean="0">
-                <a:solidFill>
-                  <a:schemeClr val="tx1"/>
-                </a:solidFill>
-                <a:effectLst/>
-                <a:latin typeface="+mn-lt"/>
-                <a:ea typeface="+mn-ea"/>
-                <a:cs typeface="+mn-cs"/>
-              </a:rPr>
-              <a:t>First, this is not a Testing 101 session. I assume that you’re familiar with at least the basics of writing tests.</a:t>
-            </a:r>
-          </a:p>
-          <a:p>
-            <a:r>
-              <a:rPr lang="en-US" sz="1200" kern="1200" dirty="0" smtClean="0">
-                <a:solidFill>
-                  <a:schemeClr val="tx1"/>
-                </a:solidFill>
-                <a:effectLst/>
-                <a:latin typeface="+mn-lt"/>
-                <a:ea typeface="+mn-ea"/>
-                <a:cs typeface="+mn-cs"/>
-              </a:rPr>
-              <a:t>Second, this isn’t about mocking or stubbing or how to write testable code. Those are really important topics, but lots of people smarter than me have written tons of words about that stuff already.</a:t>
-            </a:r>
-          </a:p>
-          <a:p>
-            <a:r>
-              <a:rPr lang="en-US" sz="1200" kern="1200" dirty="0" smtClean="0">
-                <a:solidFill>
-                  <a:schemeClr val="tx1"/>
-                </a:solidFill>
-                <a:effectLst/>
-                <a:latin typeface="+mn-lt"/>
-                <a:ea typeface="+mn-ea"/>
-                <a:cs typeface="+mn-cs"/>
-              </a:rPr>
-              <a:t>Third, I’m not trying to sell you any specific framework, library, or language. I use C# and </a:t>
+            <a:endParaRPr lang="en-US" sz="1200" kern="1200" dirty="0" smtClean="0">
+              <a:solidFill>
+                <a:schemeClr val="tx1"/>
+              </a:solidFill>
+              <a:effectLst/>
+              <a:latin typeface="+mn-lt"/>
+              <a:ea typeface="+mn-ea"/>
+              <a:cs typeface="+mn-cs"/>
+            </a:endParaRPr>
+          </a:p>
+          <a:p>
+            <a:r>
+              <a:rPr lang="en-US" sz="1200" kern="1200" dirty="0" smtClean="0">
+                <a:solidFill>
+                  <a:schemeClr val="tx1"/>
+                </a:solidFill>
+                <a:effectLst/>
+                <a:latin typeface="+mn-lt"/>
+                <a:ea typeface="+mn-ea"/>
+                <a:cs typeface="+mn-cs"/>
+              </a:rPr>
+              <a:t>1) Not a Testing 101 session. I assume that you’re familiar with at least the basics of writing tests.</a:t>
+            </a:r>
+          </a:p>
+          <a:p>
+            <a:endParaRPr lang="en-US" sz="1200" kern="1200" dirty="0" smtClean="0">
+              <a:solidFill>
+                <a:schemeClr val="tx1"/>
+              </a:solidFill>
+              <a:effectLst/>
+              <a:latin typeface="+mn-lt"/>
+              <a:ea typeface="+mn-ea"/>
+              <a:cs typeface="+mn-cs"/>
+            </a:endParaRPr>
+          </a:p>
+          <a:p>
+            <a:r>
+              <a:rPr lang="en-US" sz="1200" kern="1200" dirty="0" smtClean="0">
+                <a:solidFill>
+                  <a:schemeClr val="tx1"/>
+                </a:solidFill>
+                <a:effectLst/>
+                <a:latin typeface="+mn-lt"/>
+                <a:ea typeface="+mn-ea"/>
+                <a:cs typeface="+mn-cs"/>
+              </a:rPr>
+              <a:t>2) Not about mocking or stubbing or how to write testable code. Those are really important topics, but lots of people smarter than me have written tons of words about that stuff already.</a:t>
+            </a:r>
+          </a:p>
+          <a:p>
+            <a:endParaRPr lang="en-US" sz="1200" kern="1200" dirty="0" smtClean="0">
+              <a:solidFill>
+                <a:schemeClr val="tx1"/>
+              </a:solidFill>
+              <a:effectLst/>
+              <a:latin typeface="+mn-lt"/>
+              <a:ea typeface="+mn-ea"/>
+              <a:cs typeface="+mn-cs"/>
+            </a:endParaRPr>
+          </a:p>
+          <a:p>
+            <a:r>
+              <a:rPr lang="en-US" sz="1200" kern="1200" dirty="0" smtClean="0">
+                <a:solidFill>
+                  <a:schemeClr val="tx1"/>
+                </a:solidFill>
+                <a:effectLst/>
+                <a:latin typeface="+mn-lt"/>
+                <a:ea typeface="+mn-ea"/>
+                <a:cs typeface="+mn-cs"/>
+              </a:rPr>
+              <a:t>3) Not trying to sell you any specific framework, library, or language. I use C# and </a:t>
             </a:r>
             <a:r>
               <a:rPr lang="en-US" sz="1200" kern="1200" dirty="0" err="1" smtClean="0">
@@ -6476,17 +8680,28 @@
             </a:r>
           </a:p>
           <a:p>
-            <a:r>
-              <a:rPr lang="en-US" sz="1200" kern="1200" dirty="0" smtClean="0">
-                <a:solidFill>
-                  <a:schemeClr val="tx1"/>
-                </a:solidFill>
-                <a:effectLst/>
-                <a:latin typeface="+mn-lt"/>
-                <a:ea typeface="+mn-ea"/>
-                <a:cs typeface="+mn-cs"/>
-              </a:rPr>
-              <a:t>I’m going to focus entirely on improving the ways that you arrange your test data and prepare your system to execute a test. That’s it.</a:t>
+            <a:endParaRPr lang="en-US" sz="1200" kern="1200" dirty="0" smtClean="0">
+              <a:solidFill>
+                <a:schemeClr val="tx1"/>
+              </a:solidFill>
+              <a:effectLst/>
+              <a:latin typeface="+mn-lt"/>
+              <a:ea typeface="+mn-ea"/>
+              <a:cs typeface="+mn-cs"/>
+            </a:endParaRPr>
+          </a:p>
+          <a:p>
+            <a:r>
+              <a:rPr lang="en-US" sz="1200" kern="1200" dirty="0" smtClean="0">
+                <a:solidFill>
+                  <a:schemeClr val="tx1"/>
+                </a:solidFill>
+                <a:effectLst/>
+                <a:latin typeface="+mn-lt"/>
+                <a:ea typeface="+mn-ea"/>
+                <a:cs typeface="+mn-cs"/>
+              </a:rPr>
+              <a:t>4) Focus entirely on improving the ways that you arrange your test data and prepare your system to execute a test. That’s it.</a:t>
             </a:r>
           </a:p>
           <a:p>
@@ -6584,8 +8799,31 @@
                 <a:ea typeface="+mn-ea"/>
                 <a:cs typeface="+mn-cs"/>
               </a:rPr>
-              <a:t>Eventually, you end up with a mess like this. There’s one method for creating an order with different bill-to and ship-to addresses. There’s one for indicating that the credit card failed address verification. There’s one for specifying that the order was placed by a new customer.</a:t>
-            </a:r>
+              <a:t>Eventually, you end up with a mess like this. There’s one method for creating an order with different bill-to and ship-to addresses. There’s one for indicating that the credit card failed address verification. There’s one for specifying that the order was placed by a new customer</a:t>
+            </a:r>
+            <a:r>
+              <a:rPr lang="en-US" sz="1200" kern="1200" dirty="0" smtClean="0">
+                <a:solidFill>
+                  <a:schemeClr val="tx1"/>
+                </a:solidFill>
+                <a:effectLst/>
+                <a:latin typeface="+mn-lt"/>
+                <a:ea typeface="+mn-ea"/>
+                <a:cs typeface="+mn-cs"/>
+              </a:rPr>
+              <a:t>.</a:t>
+            </a:r>
+          </a:p>
+          <a:p>
+            <a:endParaRPr lang="en-US" sz="1200" kern="1200" dirty="0" smtClean="0">
+              <a:solidFill>
+                <a:schemeClr val="tx1"/>
+              </a:solidFill>
+              <a:effectLst/>
+              <a:latin typeface="+mn-lt"/>
+              <a:ea typeface="+mn-ea"/>
+              <a:cs typeface="+mn-cs"/>
+            </a:endParaRPr>
           </a:p>
           <a:p>
             <a:r>
@@ -6626,17 +8864,88 @@
             </a:r>
           </a:p>
           <a:p>
-            <a:r>
-              <a:rPr lang="en-US" sz="1200" kern="1200" dirty="0" smtClean="0">
-                <a:solidFill>
-                  <a:schemeClr val="tx1"/>
-                </a:solidFill>
-                <a:effectLst/>
-                <a:latin typeface="+mn-lt"/>
-                <a:ea typeface="+mn-ea"/>
-                <a:cs typeface="+mn-cs"/>
-              </a:rPr>
-              <a:t>Object Mother is a really easy pattern to implement if you only need a couple of course-grained pre-built objects. We needed a lot more control over our test data, so we quickly outgrew this pattern.</a:t>
+            <a:endParaRPr lang="en-US" sz="1200" kern="1200" dirty="0" smtClean="0">
+              <a:solidFill>
+                <a:schemeClr val="tx1"/>
+              </a:solidFill>
+              <a:effectLst/>
+              <a:latin typeface="+mn-lt"/>
+              <a:ea typeface="+mn-ea"/>
+              <a:cs typeface="+mn-cs"/>
+            </a:endParaRPr>
+          </a:p>
+          <a:p>
+            <a:r>
+              <a:rPr lang="en-US" sz="1200" kern="1200" dirty="0" smtClean="0">
+                <a:solidFill>
+                  <a:schemeClr val="tx1"/>
+                </a:solidFill>
+                <a:effectLst/>
+                <a:latin typeface="+mn-lt"/>
+                <a:ea typeface="+mn-ea"/>
+                <a:cs typeface="+mn-cs"/>
+              </a:rPr>
+              <a:t>Object </a:t>
+            </a:r>
+            <a:r>
+              <a:rPr lang="en-US" sz="1200" kern="1200" dirty="0" smtClean="0">
+                <a:solidFill>
+                  <a:schemeClr val="tx1"/>
+                </a:solidFill>
+                <a:effectLst/>
+                <a:latin typeface="+mn-lt"/>
+                <a:ea typeface="+mn-ea"/>
+                <a:cs typeface="+mn-cs"/>
+              </a:rPr>
+              <a:t>Mother is </a:t>
+            </a:r>
+            <a:r>
+              <a:rPr lang="en-US" sz="1200" kern="1200" dirty="0" smtClean="0">
+                <a:solidFill>
+                  <a:schemeClr val="tx1"/>
+                </a:solidFill>
+                <a:effectLst/>
+                <a:latin typeface="+mn-lt"/>
+                <a:ea typeface="+mn-ea"/>
+                <a:cs typeface="+mn-cs"/>
+              </a:rPr>
+              <a:t>an EASY</a:t>
+            </a:r>
+            <a:r>
+              <a:rPr lang="en-US" sz="1200" kern="1200" baseline="0" dirty="0" smtClean="0">
+                <a:solidFill>
+                  <a:schemeClr val="tx1"/>
+                </a:solidFill>
+                <a:effectLst/>
+                <a:latin typeface="+mn-lt"/>
+                <a:ea typeface="+mn-ea"/>
+                <a:cs typeface="+mn-cs"/>
+              </a:rPr>
+              <a:t> PATTERN </a:t>
+            </a:r>
+            <a:r>
+              <a:rPr lang="en-US" sz="1200" kern="1200" dirty="0" smtClean="0">
+                <a:solidFill>
+                  <a:schemeClr val="tx1"/>
+                </a:solidFill>
+                <a:effectLst/>
+                <a:latin typeface="+mn-lt"/>
+                <a:ea typeface="+mn-ea"/>
+                <a:cs typeface="+mn-cs"/>
+              </a:rPr>
+              <a:t>if </a:t>
+            </a:r>
+            <a:r>
+              <a:rPr lang="en-US" sz="1200" kern="1200" dirty="0" smtClean="0">
+                <a:solidFill>
+                  <a:schemeClr val="tx1"/>
+                </a:solidFill>
+                <a:effectLst/>
+                <a:latin typeface="+mn-lt"/>
+                <a:ea typeface="+mn-ea"/>
+                <a:cs typeface="+mn-cs"/>
+              </a:rPr>
+              <a:t>you only need a couple of course-grained pre-built objects. We needed a lot more control over our test data, so we quickly outgrew this pattern.</a:t>
             </a:r>
             <a:endParaRPr lang="en-US" sz="1200" kern="1200" dirty="0">
               <a:solidFill>
@@ -6730,39 +9039,111 @@
           <a:bodyPr/>
           <a:lstStyle/>
           <a:p>
-            <a:pPr marL="171450" lvl="0" indent="-171450">
-              <a:buFont typeface="Arial" panose="020B0604020202020204" pitchFamily="34" charset="0"/>
-              <a:buChar char="•"/>
-            </a:pPr>
-            <a:endParaRPr lang="en-US" b="0" baseline="0" dirty="0" smtClean="0"/>
-          </a:p>
-          <a:p>
-            <a:r>
-              <a:rPr lang="en-US" sz="1200" kern="1200" dirty="0" smtClean="0">
-                <a:solidFill>
-                  <a:schemeClr val="tx1"/>
-                </a:solidFill>
-                <a:effectLst/>
-                <a:latin typeface="+mn-lt"/>
-                <a:ea typeface="+mn-ea"/>
-                <a:cs typeface="+mn-cs"/>
-              </a:rPr>
-              <a:t>The next thing we tried was a pattern called Data Builder.</a:t>
-            </a:r>
-          </a:p>
-          <a:p>
-            <a:r>
-              <a:rPr lang="en-US" sz="1200" kern="1200" dirty="0" smtClean="0">
-                <a:solidFill>
-                  <a:schemeClr val="tx1"/>
-                </a:solidFill>
-                <a:effectLst/>
-                <a:latin typeface="+mn-lt"/>
-                <a:ea typeface="+mn-ea"/>
-                <a:cs typeface="+mn-cs"/>
-              </a:rPr>
-              <a:t>Rather than a factory that returns pre-built objects, Data Builder lets you create customized objects in the body of each test. It’s common for this to be accomplished via a Fluent API that exposes the things that can be customized. </a:t>
-            </a:r>
+            <a:r>
+              <a:rPr lang="en-US" sz="1200" kern="1200" dirty="0" smtClean="0">
+                <a:solidFill>
+                  <a:schemeClr val="tx1"/>
+                </a:solidFill>
+                <a:effectLst/>
+                <a:latin typeface="+mn-lt"/>
+                <a:ea typeface="+mn-ea"/>
+                <a:cs typeface="+mn-cs"/>
+              </a:rPr>
+              <a:t>Next </a:t>
+            </a:r>
+            <a:r>
+              <a:rPr lang="en-US" sz="1200" kern="1200" dirty="0" smtClean="0">
+                <a:solidFill>
+                  <a:schemeClr val="tx1"/>
+                </a:solidFill>
+                <a:effectLst/>
+                <a:latin typeface="+mn-lt"/>
+                <a:ea typeface="+mn-ea"/>
+                <a:cs typeface="+mn-cs"/>
+              </a:rPr>
+              <a:t>thing we tried was a pattern called Data Builder.</a:t>
+            </a:r>
+          </a:p>
+          <a:p>
+            <a:endParaRPr lang="en-US" sz="1200" kern="1200" dirty="0" smtClean="0">
+              <a:solidFill>
+                <a:schemeClr val="tx1"/>
+              </a:solidFill>
+              <a:effectLst/>
+              <a:latin typeface="+mn-lt"/>
+              <a:ea typeface="+mn-ea"/>
+              <a:cs typeface="+mn-cs"/>
+            </a:endParaRPr>
+          </a:p>
+          <a:p>
+            <a:r>
+              <a:rPr lang="en-US" sz="1200" kern="1200" dirty="0" smtClean="0">
+                <a:solidFill>
+                  <a:schemeClr val="tx1"/>
+                </a:solidFill>
+                <a:effectLst/>
+                <a:latin typeface="+mn-lt"/>
+                <a:ea typeface="+mn-ea"/>
+                <a:cs typeface="+mn-cs"/>
+              </a:rPr>
+              <a:t>Rather </a:t>
+            </a:r>
+            <a:r>
+              <a:rPr lang="en-US" sz="1200" kern="1200" dirty="0" smtClean="0">
+                <a:solidFill>
+                  <a:schemeClr val="tx1"/>
+                </a:solidFill>
+                <a:effectLst/>
+                <a:latin typeface="+mn-lt"/>
+                <a:ea typeface="+mn-ea"/>
+                <a:cs typeface="+mn-cs"/>
+              </a:rPr>
+              <a:t>than a </a:t>
+            </a:r>
+            <a:r>
+              <a:rPr lang="en-US" sz="1200" kern="1200" dirty="0" smtClean="0">
+                <a:solidFill>
+                  <a:schemeClr val="tx1"/>
+                </a:solidFill>
+                <a:effectLst/>
+                <a:latin typeface="+mn-lt"/>
+                <a:ea typeface="+mn-ea"/>
+                <a:cs typeface="+mn-cs"/>
+              </a:rPr>
+              <a:t>factory, </a:t>
+            </a:r>
+            <a:r>
+              <a:rPr lang="en-US" sz="1200" kern="1200" dirty="0" smtClean="0">
+                <a:solidFill>
+                  <a:schemeClr val="tx1"/>
+                </a:solidFill>
+                <a:effectLst/>
+                <a:latin typeface="+mn-lt"/>
+                <a:ea typeface="+mn-ea"/>
+                <a:cs typeface="+mn-cs"/>
+              </a:rPr>
+              <a:t>Data Builder lets you create customized objects in the body of each test. It’s common for this to be accomplished via a Fluent API that exposes the things that can be customized. </a:t>
+            </a:r>
+            <a:endParaRPr lang="en-US" sz="1200" kern="1200" dirty="0" smtClean="0">
+              <a:solidFill>
+                <a:schemeClr val="tx1"/>
+              </a:solidFill>
+              <a:effectLst/>
+              <a:latin typeface="+mn-lt"/>
+              <a:ea typeface="+mn-ea"/>
+              <a:cs typeface="+mn-cs"/>
+            </a:endParaRPr>
+          </a:p>
+          <a:p>
+            <a:endParaRPr lang="en-US" sz="1200" kern="1200" dirty="0" smtClean="0">
+              <a:solidFill>
+                <a:schemeClr val="tx1"/>
+              </a:solidFill>
+              <a:effectLst/>
+              <a:latin typeface="+mn-lt"/>
+              <a:ea typeface="+mn-ea"/>
+              <a:cs typeface="+mn-cs"/>
+            </a:endParaRPr>
           </a:p>
           <a:p>
             <a:r>
@@ -6779,31 +9160,149 @@
             </a:r>
           </a:p>
           <a:p>
-            <a:r>
-              <a:rPr lang="en-US" sz="1200" kern="1200" dirty="0" smtClean="0">
-                <a:solidFill>
-                  <a:schemeClr val="tx1"/>
-                </a:solidFill>
-                <a:effectLst/>
-                <a:latin typeface="+mn-lt"/>
-                <a:ea typeface="+mn-ea"/>
-                <a:cs typeface="+mn-cs"/>
-              </a:rPr>
-              <a:t>These can be very simple, or they can get pretty complex as you see here where we’re creating both an Order and Customer with customized properties.</a:t>
-            </a:r>
-          </a:p>
-          <a:p>
-            <a:r>
-              <a:rPr lang="en-US" sz="1200" kern="1200" dirty="0" smtClean="0">
-                <a:solidFill>
-                  <a:schemeClr val="tx1"/>
-                </a:solidFill>
-                <a:effectLst/>
-                <a:latin typeface="+mn-lt"/>
-                <a:ea typeface="+mn-ea"/>
-                <a:cs typeface="+mn-cs"/>
-              </a:rPr>
-              <a:t>The main benefit of the Builder pattern is flexibility because it lets you can create the precise data that you need for each test, and that makes it a much better fit for larger or more complex applications.</a:t>
+            <a:endParaRPr lang="en-US" sz="1200" kern="1200" dirty="0" smtClean="0">
+              <a:solidFill>
+                <a:schemeClr val="tx1"/>
+              </a:solidFill>
+              <a:effectLst/>
+              <a:latin typeface="+mn-lt"/>
+              <a:ea typeface="+mn-ea"/>
+              <a:cs typeface="+mn-cs"/>
+            </a:endParaRPr>
+          </a:p>
+          <a:p>
+            <a:r>
+              <a:rPr lang="en-US" sz="1200" kern="1200" dirty="0" smtClean="0">
+                <a:solidFill>
+                  <a:schemeClr val="tx1"/>
+                </a:solidFill>
+                <a:effectLst/>
+                <a:latin typeface="+mn-lt"/>
+                <a:ea typeface="+mn-ea"/>
+                <a:cs typeface="+mn-cs"/>
+              </a:rPr>
+              <a:t>These </a:t>
+            </a:r>
+            <a:r>
+              <a:rPr lang="en-US" sz="1200" kern="1200" dirty="0" smtClean="0">
+                <a:solidFill>
+                  <a:schemeClr val="tx1"/>
+                </a:solidFill>
+                <a:effectLst/>
+                <a:latin typeface="+mn-lt"/>
+                <a:ea typeface="+mn-ea"/>
+                <a:cs typeface="+mn-cs"/>
+              </a:rPr>
+              <a:t>can be very simple, or they can get pretty complex as you see here where we’re creating both an Order and Customer with customized properties.</a:t>
+            </a:r>
+          </a:p>
+          <a:p>
+            <a:endParaRPr lang="en-US" sz="1200" kern="1200" dirty="0" smtClean="0">
+              <a:solidFill>
+                <a:schemeClr val="tx1"/>
+              </a:solidFill>
+              <a:effectLst/>
+              <a:latin typeface="+mn-lt"/>
+              <a:ea typeface="+mn-ea"/>
+              <a:cs typeface="+mn-cs"/>
+            </a:endParaRPr>
+          </a:p>
+          <a:p>
+            <a:r>
+              <a:rPr lang="en-US" sz="1200" kern="1200" dirty="0" smtClean="0">
+                <a:solidFill>
+                  <a:schemeClr val="tx1"/>
+                </a:solidFill>
+                <a:effectLst/>
+                <a:latin typeface="+mn-lt"/>
+                <a:ea typeface="+mn-ea"/>
+                <a:cs typeface="+mn-cs"/>
+              </a:rPr>
+              <a:t>MAIN BENEFIT</a:t>
+            </a:r>
+            <a:r>
+              <a:rPr lang="en-US" sz="1200" kern="1200" baseline="0" dirty="0" smtClean="0">
+                <a:solidFill>
+                  <a:schemeClr val="tx1"/>
+                </a:solidFill>
+                <a:effectLst/>
+                <a:latin typeface="+mn-lt"/>
+                <a:ea typeface="+mn-ea"/>
+                <a:cs typeface="+mn-cs"/>
+              </a:rPr>
+              <a:t> </a:t>
+            </a:r>
+            <a:r>
+              <a:rPr lang="en-US" sz="1200" kern="1200" dirty="0" smtClean="0">
+                <a:solidFill>
+                  <a:schemeClr val="tx1"/>
+                </a:solidFill>
+                <a:effectLst/>
+                <a:latin typeface="+mn-lt"/>
+                <a:ea typeface="+mn-ea"/>
+                <a:cs typeface="+mn-cs"/>
+              </a:rPr>
+              <a:t>IS FLEXIBILITY b/c lets </a:t>
+            </a:r>
+            <a:r>
+              <a:rPr lang="en-US" sz="1200" kern="1200" dirty="0" smtClean="0">
+                <a:solidFill>
+                  <a:schemeClr val="tx1"/>
+                </a:solidFill>
+                <a:effectLst/>
+                <a:latin typeface="+mn-lt"/>
+                <a:ea typeface="+mn-ea"/>
+                <a:cs typeface="+mn-cs"/>
+              </a:rPr>
+              <a:t>you </a:t>
+            </a:r>
+            <a:r>
+              <a:rPr lang="en-US" sz="1200" kern="1200" dirty="0" smtClean="0">
+                <a:solidFill>
+                  <a:schemeClr val="tx1"/>
+                </a:solidFill>
+                <a:effectLst/>
+                <a:latin typeface="+mn-lt"/>
+                <a:ea typeface="+mn-ea"/>
+                <a:cs typeface="+mn-cs"/>
+              </a:rPr>
+              <a:t>create PRECISE</a:t>
+            </a:r>
+            <a:r>
+              <a:rPr lang="en-US" sz="1200" kern="1200" baseline="0" dirty="0" smtClean="0">
+                <a:solidFill>
+                  <a:schemeClr val="tx1"/>
+                </a:solidFill>
+                <a:effectLst/>
+                <a:latin typeface="+mn-lt"/>
+                <a:ea typeface="+mn-ea"/>
+                <a:cs typeface="+mn-cs"/>
+              </a:rPr>
+              <a:t> DATA </a:t>
+            </a:r>
+            <a:r>
+              <a:rPr lang="en-US" sz="1200" kern="1200" dirty="0" smtClean="0">
+                <a:solidFill>
+                  <a:schemeClr val="tx1"/>
+                </a:solidFill>
+                <a:effectLst/>
+                <a:latin typeface="+mn-lt"/>
+                <a:ea typeface="+mn-ea"/>
+                <a:cs typeface="+mn-cs"/>
+              </a:rPr>
+              <a:t>that </a:t>
+            </a:r>
+            <a:r>
+              <a:rPr lang="en-US" sz="1200" kern="1200" dirty="0" smtClean="0">
+                <a:solidFill>
+                  <a:schemeClr val="tx1"/>
+                </a:solidFill>
+                <a:effectLst/>
+                <a:latin typeface="+mn-lt"/>
+                <a:ea typeface="+mn-ea"/>
+                <a:cs typeface="+mn-cs"/>
+              </a:rPr>
+              <a:t>you need for each test, and that makes it a much better fit for larger or more complex applications.</a:t>
             </a:r>
           </a:p>
           <a:p>
@@ -6907,6 +9406,26 @@
               </a:rPr>
               <a:t>However, I’m really not a big fan of the Fluent API. It’s verbose and adds a lot of noise, as you see here. The green arrows are pointing to the significant data that I’m creating and the red circles are basically the “noise” that we get from the fluent API. </a:t>
             </a:r>
+            <a:endParaRPr lang="en-US" sz="1200" kern="1200" dirty="0" smtClean="0">
+              <a:solidFill>
+                <a:schemeClr val="tx1"/>
+              </a:solidFill>
+              <a:effectLst/>
+              <a:latin typeface="+mn-lt"/>
+              <a:ea typeface="+mn-ea"/>
+              <a:cs typeface="+mn-cs"/>
+            </a:endParaRPr>
+          </a:p>
+          <a:p>
+            <a:endParaRPr lang="en-US" sz="1200" kern="1200" dirty="0" smtClean="0">
+              <a:solidFill>
+                <a:schemeClr val="tx1"/>
+              </a:solidFill>
+              <a:effectLst/>
+              <a:latin typeface="+mn-lt"/>
+              <a:ea typeface="+mn-ea"/>
+              <a:cs typeface="+mn-cs"/>
+            </a:endParaRPr>
           </a:p>
           <a:p>
             <a:r>
@@ -7014,41 +9533,28 @@
           <a:lstStyle/>
           <a:p>
             <a:r>
-              <a:rPr lang="en-US" sz="1200" b="1" kern="1200" dirty="0" smtClean="0">
-                <a:solidFill>
-                  <a:schemeClr val="tx1"/>
-                </a:solidFill>
-                <a:effectLst/>
-                <a:latin typeface="+mn-lt"/>
-                <a:ea typeface="+mn-ea"/>
-                <a:cs typeface="+mn-cs"/>
-              </a:rPr>
-              <a:t>TODO: graphic</a:t>
-            </a:r>
-          </a:p>
-          <a:p>
-            <a:endParaRPr lang="en-US" sz="1200" b="1" kern="1200" dirty="0" smtClean="0">
-              <a:solidFill>
-                <a:schemeClr val="tx1"/>
-              </a:solidFill>
-              <a:effectLst/>
-              <a:latin typeface="+mn-lt"/>
-              <a:ea typeface="+mn-ea"/>
-              <a:cs typeface="+mn-cs"/>
-            </a:endParaRPr>
-          </a:p>
-          <a:p>
-            <a:r>
-              <a:rPr lang="en-US" sz="1200" kern="1200" dirty="0" smtClean="0">
-                <a:solidFill>
-                  <a:schemeClr val="tx1"/>
-                </a:solidFill>
-                <a:effectLst/>
-                <a:latin typeface="+mn-lt"/>
-                <a:ea typeface="+mn-ea"/>
-                <a:cs typeface="+mn-cs"/>
-              </a:rPr>
-              <a:t>Eventually, we created a hybrid of these two patterns that combines the static factory class of Object Mother with the customizable nature of a Data Builder, minus the Fluent API. </a:t>
+              <a:rPr lang="en-US" sz="1200" kern="1200" dirty="0" smtClean="0">
+                <a:solidFill>
+                  <a:schemeClr val="tx1"/>
+                </a:solidFill>
+                <a:effectLst/>
+                <a:latin typeface="+mn-lt"/>
+                <a:ea typeface="+mn-ea"/>
+                <a:cs typeface="+mn-cs"/>
+              </a:rPr>
+              <a:t>Eventually</a:t>
+            </a:r>
+            <a:r>
+              <a:rPr lang="en-US" sz="1200" kern="1200" dirty="0" smtClean="0">
+                <a:solidFill>
+                  <a:schemeClr val="tx1"/>
+                </a:solidFill>
+                <a:effectLst/>
+                <a:latin typeface="+mn-lt"/>
+                <a:ea typeface="+mn-ea"/>
+                <a:cs typeface="+mn-cs"/>
+              </a:rPr>
+              <a:t>, we created a hybrid of these two patterns that combines the static factory class of Object Mother with the customizable nature of a Data Builder, minus the Fluent API. </a:t>
             </a:r>
           </a:p>
           <a:p>
@@ -7230,17 +9736,113 @@
             </a:r>
           </a:p>
           <a:p>
-            <a:r>
-              <a:rPr lang="en-US" sz="1200" kern="1200" dirty="0" smtClean="0">
-                <a:solidFill>
-                  <a:schemeClr val="tx1"/>
-                </a:solidFill>
-                <a:effectLst/>
-                <a:latin typeface="+mn-lt"/>
-                <a:ea typeface="+mn-ea"/>
-                <a:cs typeface="+mn-cs"/>
-              </a:rPr>
-              <a:t>That factory gets a single static method called “Create”, which allows the caller to specify method arguments to customize the object. In this case, I’m using the “named arguments” feature of C# to specify which arguments I’m providing. If your language doesn’t support this feature then you might need to use method overloading to achieve something similar.</a:t>
+            <a:endParaRPr lang="en-US" sz="1200" kern="1200" dirty="0" smtClean="0">
+              <a:solidFill>
+                <a:schemeClr val="tx1"/>
+              </a:solidFill>
+              <a:effectLst/>
+              <a:latin typeface="+mn-lt"/>
+              <a:ea typeface="+mn-ea"/>
+              <a:cs typeface="+mn-cs"/>
+            </a:endParaRPr>
+          </a:p>
+          <a:p>
+            <a:r>
+              <a:rPr lang="en-US" sz="1200" kern="1200" dirty="0" smtClean="0">
+                <a:solidFill>
+                  <a:schemeClr val="tx1"/>
+                </a:solidFill>
+                <a:effectLst/>
+                <a:latin typeface="+mn-lt"/>
+                <a:ea typeface="+mn-ea"/>
+                <a:cs typeface="+mn-cs"/>
+              </a:rPr>
+              <a:t>That </a:t>
+            </a:r>
+            <a:r>
+              <a:rPr lang="en-US" sz="1200" kern="1200" dirty="0" smtClean="0">
+                <a:solidFill>
+                  <a:schemeClr val="tx1"/>
+                </a:solidFill>
+                <a:effectLst/>
+                <a:latin typeface="+mn-lt"/>
+                <a:ea typeface="+mn-ea"/>
+                <a:cs typeface="+mn-cs"/>
+              </a:rPr>
+              <a:t>factory gets a single static method called “Create”, which allows the caller to </a:t>
+            </a:r>
+            <a:r>
+              <a:rPr lang="en-US" sz="1200" kern="1200" dirty="0" smtClean="0">
+                <a:solidFill>
+                  <a:schemeClr val="tx1"/>
+                </a:solidFill>
+                <a:effectLst/>
+                <a:latin typeface="+mn-lt"/>
+                <a:ea typeface="+mn-ea"/>
+                <a:cs typeface="+mn-cs"/>
+              </a:rPr>
+              <a:t>customize </a:t>
+            </a:r>
+            <a:r>
+              <a:rPr lang="en-US" sz="1200" kern="1200" dirty="0" smtClean="0">
+                <a:solidFill>
+                  <a:schemeClr val="tx1"/>
+                </a:solidFill>
+                <a:effectLst/>
+                <a:latin typeface="+mn-lt"/>
+                <a:ea typeface="+mn-ea"/>
+                <a:cs typeface="+mn-cs"/>
+              </a:rPr>
+              <a:t>the </a:t>
+            </a:r>
+            <a:r>
+              <a:rPr lang="en-US" sz="1200" kern="1200" dirty="0" smtClean="0">
+                <a:solidFill>
+                  <a:schemeClr val="tx1"/>
+                </a:solidFill>
+                <a:effectLst/>
+                <a:latin typeface="+mn-lt"/>
+                <a:ea typeface="+mn-ea"/>
+                <a:cs typeface="+mn-cs"/>
+              </a:rPr>
+              <a:t>object via METHOD ARGUMENTS. </a:t>
+            </a:r>
+          </a:p>
+          <a:p>
+            <a:endParaRPr lang="en-US" sz="1200" kern="1200" dirty="0" smtClean="0">
+              <a:solidFill>
+                <a:schemeClr val="tx1"/>
+              </a:solidFill>
+              <a:effectLst/>
+              <a:latin typeface="+mn-lt"/>
+              <a:ea typeface="+mn-ea"/>
+              <a:cs typeface="+mn-cs"/>
+            </a:endParaRPr>
+          </a:p>
+          <a:p>
+            <a:r>
+              <a:rPr lang="en-US" sz="1200" kern="1200" dirty="0" smtClean="0">
+                <a:solidFill>
+                  <a:schemeClr val="tx1"/>
+                </a:solidFill>
+                <a:effectLst/>
+                <a:latin typeface="+mn-lt"/>
+                <a:ea typeface="+mn-ea"/>
+                <a:cs typeface="+mn-cs"/>
+              </a:rPr>
+              <a:t>In </a:t>
+            </a:r>
+            <a:r>
+              <a:rPr lang="en-US" sz="1200" kern="1200" dirty="0" smtClean="0">
+                <a:solidFill>
+                  <a:schemeClr val="tx1"/>
+                </a:solidFill>
+                <a:effectLst/>
+                <a:latin typeface="+mn-lt"/>
+                <a:ea typeface="+mn-ea"/>
+                <a:cs typeface="+mn-cs"/>
+              </a:rPr>
+              <a:t>this case, I’m using the “named arguments” feature of C# to specify which arguments I’m providing. If your language doesn’t support this feature then you might need to use method overloading to achieve something similar.</a:t>
             </a:r>
             <a:endParaRPr lang="en-US" sz="1200" kern="1200" dirty="0">
               <a:solidFill>
@@ -7348,17 +9950,40 @@
             </a:r>
           </a:p>
           <a:p>
-            <a:r>
-              <a:rPr lang="en-US" sz="1200" kern="1200" dirty="0" smtClean="0">
-                <a:solidFill>
-                  <a:schemeClr val="tx1"/>
-                </a:solidFill>
-                <a:effectLst/>
-                <a:latin typeface="+mn-lt"/>
-                <a:ea typeface="+mn-ea"/>
-                <a:cs typeface="+mn-cs"/>
-              </a:rPr>
-              <a:t>I generally declare </a:t>
+            <a:endParaRPr lang="en-US" sz="1200" kern="1200" dirty="0" smtClean="0">
+              <a:solidFill>
+                <a:schemeClr val="tx1"/>
+              </a:solidFill>
+              <a:effectLst/>
+              <a:latin typeface="+mn-lt"/>
+              <a:ea typeface="+mn-ea"/>
+              <a:cs typeface="+mn-cs"/>
+            </a:endParaRPr>
+          </a:p>
+          <a:p>
+            <a:r>
+              <a:rPr lang="en-US" sz="1200" kern="1200" dirty="0" smtClean="0">
+                <a:solidFill>
+                  <a:schemeClr val="tx1"/>
+                </a:solidFill>
+                <a:effectLst/>
+                <a:latin typeface="+mn-lt"/>
+                <a:ea typeface="+mn-ea"/>
+                <a:cs typeface="+mn-cs"/>
+              </a:rPr>
+              <a:t>I </a:t>
+            </a:r>
+            <a:r>
+              <a:rPr lang="en-US" sz="1200" kern="1200" dirty="0" smtClean="0">
+                <a:solidFill>
+                  <a:schemeClr val="tx1"/>
+                </a:solidFill>
+                <a:effectLst/>
+                <a:latin typeface="+mn-lt"/>
+                <a:ea typeface="+mn-ea"/>
+                <a:cs typeface="+mn-cs"/>
+              </a:rPr>
+              <a:t>generally declare </a:t>
             </a:r>
             <a:r>
               <a:rPr lang="en-US" sz="1200" i="1" kern="1200" dirty="0" smtClean="0">
@@ -7490,17 +10115,40 @@
             </a:r>
           </a:p>
           <a:p>
-            <a:r>
-              <a:rPr lang="en-US" sz="1200" kern="1200" dirty="0" smtClean="0">
-                <a:solidFill>
-                  <a:schemeClr val="tx1"/>
-                </a:solidFill>
-                <a:effectLst/>
-                <a:latin typeface="+mn-lt"/>
-                <a:ea typeface="+mn-ea"/>
-                <a:cs typeface="+mn-cs"/>
-              </a:rPr>
-              <a:t>This lets your test code declare </a:t>
+            <a:endParaRPr lang="en-US" sz="1200" kern="1200" dirty="0" smtClean="0">
+              <a:solidFill>
+                <a:schemeClr val="tx1"/>
+              </a:solidFill>
+              <a:effectLst/>
+              <a:latin typeface="+mn-lt"/>
+              <a:ea typeface="+mn-ea"/>
+              <a:cs typeface="+mn-cs"/>
+            </a:endParaRPr>
+          </a:p>
+          <a:p>
+            <a:r>
+              <a:rPr lang="en-US" sz="1200" kern="1200" dirty="0" smtClean="0">
+                <a:solidFill>
+                  <a:schemeClr val="tx1"/>
+                </a:solidFill>
+                <a:effectLst/>
+                <a:latin typeface="+mn-lt"/>
+                <a:ea typeface="+mn-ea"/>
+                <a:cs typeface="+mn-cs"/>
+              </a:rPr>
+              <a:t>This </a:t>
+            </a:r>
+            <a:r>
+              <a:rPr lang="en-US" sz="1200" kern="1200" dirty="0" smtClean="0">
+                <a:solidFill>
+                  <a:schemeClr val="tx1"/>
+                </a:solidFill>
+                <a:effectLst/>
+                <a:latin typeface="+mn-lt"/>
+                <a:ea typeface="+mn-ea"/>
+                <a:cs typeface="+mn-cs"/>
+              </a:rPr>
+              <a:t>lets your test code declare </a:t>
             </a:r>
             <a:r>
               <a:rPr lang="en-US" sz="1200" i="1" kern="1200" dirty="0" smtClean="0">
@@ -7656,31 +10304,77 @@
             </a:r>
           </a:p>
           <a:p>
-            <a:r>
-              <a:rPr lang="en-US" sz="1200" kern="1200" dirty="0" smtClean="0">
-                <a:solidFill>
-                  <a:schemeClr val="tx1"/>
-                </a:solidFill>
-                <a:effectLst/>
-                <a:latin typeface="+mn-lt"/>
-                <a:ea typeface="+mn-ea"/>
-                <a:cs typeface="+mn-cs"/>
-              </a:rPr>
-              <a:t>For example, let’s say you create two different Customers from the helper, you pass them into some method that performs a comparison, and then that method returns the Customer ID matching some business rule. In your test, you’ve written an assumption that the return value is equal to the ID of customer #1.</a:t>
-            </a:r>
-          </a:p>
-          <a:p>
-            <a:r>
-              <a:rPr lang="en-US" sz="1200" kern="1200" dirty="0" smtClean="0">
-                <a:solidFill>
-                  <a:schemeClr val="tx1"/>
-                </a:solidFill>
-                <a:effectLst/>
-                <a:latin typeface="+mn-lt"/>
-                <a:ea typeface="+mn-ea"/>
-                <a:cs typeface="+mn-cs"/>
-              </a:rPr>
-              <a:t>My assumption is that the test should </a:t>
+            <a:endParaRPr lang="en-US" sz="1200" kern="1200" dirty="0" smtClean="0">
+              <a:solidFill>
+                <a:schemeClr val="tx1"/>
+              </a:solidFill>
+              <a:effectLst/>
+              <a:latin typeface="+mn-lt"/>
+              <a:ea typeface="+mn-ea"/>
+              <a:cs typeface="+mn-cs"/>
+            </a:endParaRPr>
+          </a:p>
+          <a:p>
+            <a:r>
+              <a:rPr lang="en-US" sz="1200" kern="1200" dirty="0" smtClean="0">
+                <a:solidFill>
+                  <a:schemeClr val="tx1"/>
+                </a:solidFill>
+                <a:effectLst/>
+                <a:latin typeface="+mn-lt"/>
+                <a:ea typeface="+mn-ea"/>
+                <a:cs typeface="+mn-cs"/>
+              </a:rPr>
+              <a:t>For </a:t>
+            </a:r>
+            <a:r>
+              <a:rPr lang="en-US" sz="1200" kern="1200" dirty="0" smtClean="0">
+                <a:solidFill>
+                  <a:schemeClr val="tx1"/>
+                </a:solidFill>
+                <a:effectLst/>
+                <a:latin typeface="+mn-lt"/>
+                <a:ea typeface="+mn-ea"/>
+                <a:cs typeface="+mn-cs"/>
+              </a:rPr>
+              <a:t>example, let’s say you create two different Customers from the helper, you pass them into some method that performs a comparison, and then that method returns the Customer ID matching some business rule. In your test, you’ve written an assumption that the return value is equal to the ID of customer #1.</a:t>
+            </a:r>
+          </a:p>
+          <a:p>
+            <a:endParaRPr lang="en-US" sz="1200" kern="1200" dirty="0" smtClean="0">
+              <a:solidFill>
+                <a:schemeClr val="tx1"/>
+              </a:solidFill>
+              <a:effectLst/>
+              <a:latin typeface="+mn-lt"/>
+              <a:ea typeface="+mn-ea"/>
+              <a:cs typeface="+mn-cs"/>
+            </a:endParaRPr>
+          </a:p>
+          <a:p>
+            <a:r>
+              <a:rPr lang="en-US" sz="1200" kern="1200" dirty="0" smtClean="0">
+                <a:solidFill>
+                  <a:schemeClr val="tx1"/>
+                </a:solidFill>
+                <a:effectLst/>
+                <a:latin typeface="+mn-lt"/>
+                <a:ea typeface="+mn-ea"/>
+                <a:cs typeface="+mn-cs"/>
+              </a:rPr>
+              <a:t>My </a:t>
+            </a:r>
+            <a:r>
+              <a:rPr lang="en-US" sz="1200" kern="1200" dirty="0" smtClean="0">
+                <a:solidFill>
+                  <a:schemeClr val="tx1"/>
+                </a:solidFill>
+                <a:effectLst/>
+                <a:latin typeface="+mn-lt"/>
+                <a:ea typeface="+mn-ea"/>
+                <a:cs typeface="+mn-cs"/>
+              </a:rPr>
+              <a:t>assumption is that the test should </a:t>
             </a:r>
             <a:r>
               <a:rPr lang="en-US" sz="1200" i="1" kern="1200" dirty="0" smtClean="0">
@@ -7732,17 +10426,40 @@
             </a:r>
           </a:p>
           <a:p>
-            <a:r>
-              <a:rPr lang="en-US" sz="1200" kern="1200" dirty="0" smtClean="0">
-                <a:solidFill>
-                  <a:schemeClr val="tx1"/>
-                </a:solidFill>
-                <a:effectLst/>
-                <a:latin typeface="+mn-lt"/>
-                <a:ea typeface="+mn-ea"/>
-                <a:cs typeface="+mn-cs"/>
-              </a:rPr>
-              <a:t>So, by default, I prefer to make all significant values unique. This applies to IDs, names, email addresses, etc. I want programmers to intentionally be explicit if they want things to be equal.</a:t>
+            <a:endParaRPr lang="en-US" sz="1200" kern="1200" dirty="0" smtClean="0">
+              <a:solidFill>
+                <a:schemeClr val="tx1"/>
+              </a:solidFill>
+              <a:effectLst/>
+              <a:latin typeface="+mn-lt"/>
+              <a:ea typeface="+mn-ea"/>
+              <a:cs typeface="+mn-cs"/>
+            </a:endParaRPr>
+          </a:p>
+          <a:p>
+            <a:r>
+              <a:rPr lang="en-US" sz="1200" kern="1200" dirty="0" smtClean="0">
+                <a:solidFill>
+                  <a:schemeClr val="tx1"/>
+                </a:solidFill>
+                <a:effectLst/>
+                <a:latin typeface="+mn-lt"/>
+                <a:ea typeface="+mn-ea"/>
+                <a:cs typeface="+mn-cs"/>
+              </a:rPr>
+              <a:t>So</a:t>
+            </a:r>
+            <a:r>
+              <a:rPr lang="en-US" sz="1200" kern="1200" dirty="0" smtClean="0">
+                <a:solidFill>
+                  <a:schemeClr val="tx1"/>
+                </a:solidFill>
+                <a:effectLst/>
+                <a:latin typeface="+mn-lt"/>
+                <a:ea typeface="+mn-ea"/>
+                <a:cs typeface="+mn-cs"/>
+              </a:rPr>
+              <a:t>, by default, I prefer to make all significant values unique. This applies to IDs, names, email addresses, etc. I want programmers to intentionally be explicit if they want things to be equal.</a:t>
             </a:r>
             <a:endParaRPr lang="en-US" sz="1200" kern="1200" dirty="0">
               <a:solidFill>
@@ -7874,17 +10591,40 @@
             </a:r>
           </a:p>
           <a:p>
-            <a:r>
-              <a:rPr lang="en-US" sz="1200" kern="1200" dirty="0" smtClean="0">
-                <a:solidFill>
-                  <a:schemeClr val="tx1"/>
-                </a:solidFill>
-                <a:effectLst/>
-                <a:latin typeface="+mn-lt"/>
-                <a:ea typeface="+mn-ea"/>
-                <a:cs typeface="+mn-cs"/>
-              </a:rPr>
-              <a:t>Whenever I’m creating a name or a title or something, I use a </a:t>
+            <a:endParaRPr lang="en-US" sz="1200" kern="1200" dirty="0" smtClean="0">
+              <a:solidFill>
+                <a:schemeClr val="tx1"/>
+              </a:solidFill>
+              <a:effectLst/>
+              <a:latin typeface="+mn-lt"/>
+              <a:ea typeface="+mn-ea"/>
+              <a:cs typeface="+mn-cs"/>
+            </a:endParaRPr>
+          </a:p>
+          <a:p>
+            <a:r>
+              <a:rPr lang="en-US" sz="1200" kern="1200" dirty="0" smtClean="0">
+                <a:solidFill>
+                  <a:schemeClr val="tx1"/>
+                </a:solidFill>
+                <a:effectLst/>
+                <a:latin typeface="+mn-lt"/>
+                <a:ea typeface="+mn-ea"/>
+                <a:cs typeface="+mn-cs"/>
+              </a:rPr>
+              <a:t>Whenever </a:t>
+            </a:r>
+            <a:r>
+              <a:rPr lang="en-US" sz="1200" kern="1200" dirty="0" smtClean="0">
+                <a:solidFill>
+                  <a:schemeClr val="tx1"/>
+                </a:solidFill>
+                <a:effectLst/>
+                <a:latin typeface="+mn-lt"/>
+                <a:ea typeface="+mn-ea"/>
+                <a:cs typeface="+mn-cs"/>
+              </a:rPr>
+              <a:t>I’m creating a name or a title or something, I use a </a:t>
             </a:r>
             <a:r>
               <a:rPr lang="en-US" sz="1200" kern="1200" dirty="0" err="1" smtClean="0">
@@ -8040,6 +10780,17 @@
             </a:r>
           </a:p>
           <a:p>
+            <a:endParaRPr lang="en-US" sz="1200" kern="1200" dirty="0" smtClean="0">
+              <a:solidFill>
+                <a:schemeClr val="tx1"/>
+              </a:solidFill>
+              <a:effectLst/>
+              <a:latin typeface="+mn-lt"/>
+              <a:ea typeface="+mn-ea"/>
+              <a:cs typeface="+mn-cs"/>
+            </a:endParaRPr>
+          </a:p>
+          <a:p>
             <a:r>
               <a:rPr lang="en-US" sz="1200" kern="1200" dirty="0" smtClean="0">
                 <a:solidFill>
@@ -8182,45 +10933,78 @@
             </a:r>
           </a:p>
           <a:p>
-            <a:r>
-              <a:rPr lang="en-US" sz="1200" kern="1200" dirty="0" smtClean="0">
-                <a:solidFill>
-                  <a:schemeClr val="tx1"/>
-                </a:solidFill>
-                <a:effectLst/>
-                <a:latin typeface="+mn-lt"/>
-                <a:ea typeface="+mn-ea"/>
-                <a:cs typeface="+mn-cs"/>
-              </a:rPr>
-              <a:t>First, this is not a Testing 101 session. I assume that you’re familiar with at least the basics of writing tests.</a:t>
-            </a:r>
-          </a:p>
-          <a:p>
-            <a:r>
-              <a:rPr lang="en-US" sz="1200" kern="1200" dirty="0" smtClean="0">
-                <a:solidFill>
-                  <a:schemeClr val="tx1"/>
-                </a:solidFill>
-                <a:effectLst/>
-                <a:latin typeface="+mn-lt"/>
-                <a:ea typeface="+mn-ea"/>
-                <a:cs typeface="+mn-cs"/>
-              </a:rPr>
-              <a:t>Second, this isn’t about mocking or stubbing or how to write testable code. Those are really important topics, but lots of people smarter than me have written tons of words about that stuff already.</a:t>
-            </a:r>
-          </a:p>
-          <a:p>
-            <a:r>
-              <a:rPr lang="en-US" sz="1200" kern="1200" dirty="0" smtClean="0">
-                <a:solidFill>
-                  <a:schemeClr val="tx1"/>
-                </a:solidFill>
-                <a:effectLst/>
-                <a:latin typeface="+mn-lt"/>
-                <a:ea typeface="+mn-ea"/>
-                <a:cs typeface="+mn-cs"/>
-              </a:rPr>
-              <a:t>Third, I’m not trying to sell you any specific framework, library, or language. I use C# and </a:t>
+            <a:endParaRPr lang="en-US" sz="1200" kern="1200" dirty="0" smtClean="0">
+              <a:solidFill>
+                <a:schemeClr val="tx1"/>
+              </a:solidFill>
+              <a:effectLst/>
+              <a:latin typeface="+mn-lt"/>
+              <a:ea typeface="+mn-ea"/>
+              <a:cs typeface="+mn-cs"/>
+            </a:endParaRPr>
+          </a:p>
+          <a:p>
+            <a:r>
+              <a:rPr lang="en-US" sz="1200" kern="1200" dirty="0" smtClean="0">
+                <a:solidFill>
+                  <a:schemeClr val="tx1"/>
+                </a:solidFill>
+                <a:effectLst/>
+                <a:latin typeface="+mn-lt"/>
+                <a:ea typeface="+mn-ea"/>
+                <a:cs typeface="+mn-cs"/>
+              </a:rPr>
+              <a:t>1) Not a Testing 101 session. I assume that you’re familiar with at least the basics of writing tests.</a:t>
+            </a:r>
+          </a:p>
+          <a:p>
+            <a:endParaRPr lang="en-US" sz="1200" kern="1200" dirty="0" smtClean="0">
+              <a:solidFill>
+                <a:schemeClr val="tx1"/>
+              </a:solidFill>
+              <a:effectLst/>
+              <a:latin typeface="+mn-lt"/>
+              <a:ea typeface="+mn-ea"/>
+              <a:cs typeface="+mn-cs"/>
+            </a:endParaRPr>
+          </a:p>
+          <a:p>
+            <a:r>
+              <a:rPr lang="en-US" sz="1200" kern="1200" dirty="0" smtClean="0">
+                <a:solidFill>
+                  <a:schemeClr val="tx1"/>
+                </a:solidFill>
+                <a:effectLst/>
+                <a:latin typeface="+mn-lt"/>
+                <a:ea typeface="+mn-ea"/>
+                <a:cs typeface="+mn-cs"/>
+              </a:rPr>
+              <a:t>2) Not about mocking or stubbing or how to write testable code. Those are really important topics, but lots of people smarter than me have written tons of words about that stuff already.</a:t>
+            </a:r>
+          </a:p>
+          <a:p>
+            <a:endParaRPr lang="en-US" sz="1200" kern="1200" dirty="0" smtClean="0">
+              <a:solidFill>
+                <a:schemeClr val="tx1"/>
+              </a:solidFill>
+              <a:effectLst/>
+              <a:latin typeface="+mn-lt"/>
+              <a:ea typeface="+mn-ea"/>
+              <a:cs typeface="+mn-cs"/>
+            </a:endParaRPr>
+          </a:p>
+          <a:p>
+            <a:r>
+              <a:rPr lang="en-US" sz="1200" kern="1200" dirty="0" smtClean="0">
+                <a:solidFill>
+                  <a:schemeClr val="tx1"/>
+                </a:solidFill>
+                <a:effectLst/>
+                <a:latin typeface="+mn-lt"/>
+                <a:ea typeface="+mn-ea"/>
+                <a:cs typeface="+mn-cs"/>
+              </a:rPr>
+              <a:t>3) Not trying to sell you any specific framework, library, or language. I use C# and </a:t>
             </a:r>
             <a:r>
               <a:rPr lang="en-US" sz="1200" kern="1200" dirty="0" err="1" smtClean="0">
@@ -8248,17 +11032,28 @@
             </a:r>
           </a:p>
           <a:p>
-            <a:r>
-              <a:rPr lang="en-US" sz="1200" kern="1200" dirty="0" smtClean="0">
-                <a:solidFill>
-                  <a:schemeClr val="tx1"/>
-                </a:solidFill>
-                <a:effectLst/>
-                <a:latin typeface="+mn-lt"/>
-                <a:ea typeface="+mn-ea"/>
-                <a:cs typeface="+mn-cs"/>
-              </a:rPr>
-              <a:t>I’m going to focus entirely on improving the ways that you arrange your test data and prepare your system to execute a test. That’s it.</a:t>
+            <a:endParaRPr lang="en-US" sz="1200" kern="1200" dirty="0" smtClean="0">
+              <a:solidFill>
+                <a:schemeClr val="tx1"/>
+              </a:solidFill>
+              <a:effectLst/>
+              <a:latin typeface="+mn-lt"/>
+              <a:ea typeface="+mn-ea"/>
+              <a:cs typeface="+mn-cs"/>
+            </a:endParaRPr>
+          </a:p>
+          <a:p>
+            <a:r>
+              <a:rPr lang="en-US" sz="1200" kern="1200" dirty="0" smtClean="0">
+                <a:solidFill>
+                  <a:schemeClr val="tx1"/>
+                </a:solidFill>
+                <a:effectLst/>
+                <a:latin typeface="+mn-lt"/>
+                <a:ea typeface="+mn-ea"/>
+                <a:cs typeface="+mn-cs"/>
+              </a:rPr>
+              <a:t>4) Focus entirely on improving the ways that you arrange your test data and prepare your system to execute a test. That’s it.</a:t>
             </a:r>
           </a:p>
           <a:p>
@@ -8728,17 +11523,182 @@
             </a:r>
           </a:p>
           <a:p>
-            <a:r>
-              <a:rPr lang="en-US" sz="1200" kern="1200" dirty="0" smtClean="0">
-                <a:solidFill>
-                  <a:schemeClr val="tx1"/>
-                </a:solidFill>
-                <a:effectLst/>
-                <a:latin typeface="+mn-lt"/>
-                <a:ea typeface="+mn-ea"/>
-                <a:cs typeface="+mn-cs"/>
-              </a:rPr>
-              <a:t>The reason is that, at the core of their essence, tests are valuable because they help us understand our software. And in order to fully deliver that value, they have to effectively convey information when they are read. You could write the most </a:t>
+            <a:endParaRPr lang="en-US" sz="1200" kern="1200" dirty="0" smtClean="0">
+              <a:solidFill>
+                <a:schemeClr val="tx1"/>
+              </a:solidFill>
+              <a:effectLst/>
+              <a:latin typeface="+mn-lt"/>
+              <a:ea typeface="+mn-ea"/>
+              <a:cs typeface="+mn-cs"/>
+            </a:endParaRPr>
+          </a:p>
+          <a:p>
+            <a:r>
+              <a:rPr lang="en-US" sz="1200" kern="1200" dirty="0" smtClean="0">
+                <a:solidFill>
+                  <a:schemeClr val="tx1"/>
+                </a:solidFill>
+                <a:effectLst/>
+                <a:latin typeface="+mn-lt"/>
+                <a:ea typeface="+mn-ea"/>
+                <a:cs typeface="+mn-cs"/>
+              </a:rPr>
+              <a:t>Reason </a:t>
+            </a:r>
+            <a:r>
+              <a:rPr lang="en-US" sz="1200" kern="1200" dirty="0" smtClean="0">
+                <a:solidFill>
+                  <a:schemeClr val="tx1"/>
+                </a:solidFill>
+                <a:effectLst/>
+                <a:latin typeface="+mn-lt"/>
+                <a:ea typeface="+mn-ea"/>
+                <a:cs typeface="+mn-cs"/>
+              </a:rPr>
+              <a:t>is that, at </a:t>
+            </a:r>
+            <a:r>
+              <a:rPr lang="en-US" sz="1200" kern="1200" dirty="0" smtClean="0">
+                <a:solidFill>
+                  <a:schemeClr val="tx1"/>
+                </a:solidFill>
+                <a:effectLst/>
+                <a:latin typeface="+mn-lt"/>
+                <a:ea typeface="+mn-ea"/>
+                <a:cs typeface="+mn-cs"/>
+              </a:rPr>
+              <a:t>their core, </a:t>
+            </a:r>
+            <a:r>
+              <a:rPr lang="en-US" sz="1200" kern="1200" dirty="0" smtClean="0">
+                <a:solidFill>
+                  <a:schemeClr val="tx1"/>
+                </a:solidFill>
+                <a:effectLst/>
+                <a:latin typeface="+mn-lt"/>
+                <a:ea typeface="+mn-ea"/>
+                <a:cs typeface="+mn-cs"/>
+              </a:rPr>
+              <a:t>tests are valuable because they </a:t>
+            </a:r>
+            <a:r>
+              <a:rPr lang="en-US" sz="1200" kern="1200" dirty="0" smtClean="0">
+                <a:solidFill>
+                  <a:schemeClr val="tx1"/>
+                </a:solidFill>
+                <a:effectLst/>
+                <a:latin typeface="+mn-lt"/>
+                <a:ea typeface="+mn-ea"/>
+                <a:cs typeface="+mn-cs"/>
+              </a:rPr>
+              <a:t>HELP US UNDERSTAND</a:t>
+            </a:r>
+            <a:r>
+              <a:rPr lang="en-US" sz="1200" kern="1200" baseline="0" dirty="0" smtClean="0">
+                <a:solidFill>
+                  <a:schemeClr val="tx1"/>
+                </a:solidFill>
+                <a:effectLst/>
+                <a:latin typeface="+mn-lt"/>
+                <a:ea typeface="+mn-ea"/>
+                <a:cs typeface="+mn-cs"/>
+              </a:rPr>
+              <a:t> </a:t>
+            </a:r>
+            <a:r>
+              <a:rPr lang="en-US" sz="1200" kern="1200" dirty="0" smtClean="0">
+                <a:solidFill>
+                  <a:schemeClr val="tx1"/>
+                </a:solidFill>
+                <a:effectLst/>
+                <a:latin typeface="+mn-lt"/>
+                <a:ea typeface="+mn-ea"/>
+                <a:cs typeface="+mn-cs"/>
+              </a:rPr>
+              <a:t>our </a:t>
+            </a:r>
+            <a:r>
+              <a:rPr lang="en-US" sz="1200" kern="1200" dirty="0" smtClean="0">
+                <a:solidFill>
+                  <a:schemeClr val="tx1"/>
+                </a:solidFill>
+                <a:effectLst/>
+                <a:latin typeface="+mn-lt"/>
+                <a:ea typeface="+mn-ea"/>
+                <a:cs typeface="+mn-cs"/>
+              </a:rPr>
+              <a:t>software. </a:t>
+            </a:r>
+            <a:r>
+              <a:rPr lang="en-US" sz="1200" kern="1200" dirty="0" smtClean="0">
+                <a:solidFill>
+                  <a:schemeClr val="tx1"/>
+                </a:solidFill>
+                <a:effectLst/>
+                <a:latin typeface="+mn-lt"/>
+                <a:ea typeface="+mn-ea"/>
+                <a:cs typeface="+mn-cs"/>
+              </a:rPr>
+              <a:t>To </a:t>
+            </a:r>
+            <a:r>
+              <a:rPr lang="en-US" sz="1200" kern="1200" dirty="0" smtClean="0">
+                <a:solidFill>
+                  <a:schemeClr val="tx1"/>
+                </a:solidFill>
+                <a:effectLst/>
+                <a:latin typeface="+mn-lt"/>
+                <a:ea typeface="+mn-ea"/>
+                <a:cs typeface="+mn-cs"/>
+              </a:rPr>
+              <a:t>fully deliver that value, they have to effectively convey information when they are read. </a:t>
+            </a:r>
+            <a:endParaRPr lang="en-US" sz="1200" kern="1200" dirty="0" smtClean="0">
+              <a:solidFill>
+                <a:schemeClr val="tx1"/>
+              </a:solidFill>
+              <a:effectLst/>
+              <a:latin typeface="+mn-lt"/>
+              <a:ea typeface="+mn-ea"/>
+              <a:cs typeface="+mn-cs"/>
+            </a:endParaRPr>
+          </a:p>
+          <a:p>
+            <a:endParaRPr lang="en-US" sz="1200" kern="1200" dirty="0" smtClean="0">
+              <a:solidFill>
+                <a:schemeClr val="tx1"/>
+              </a:solidFill>
+              <a:effectLst/>
+              <a:latin typeface="+mn-lt"/>
+              <a:ea typeface="+mn-ea"/>
+              <a:cs typeface="+mn-cs"/>
+            </a:endParaRPr>
+          </a:p>
+          <a:p>
+            <a:r>
+              <a:rPr lang="en-US" sz="1200" kern="1200" dirty="0" smtClean="0">
+                <a:solidFill>
+                  <a:schemeClr val="tx1"/>
+                </a:solidFill>
+                <a:effectLst/>
+                <a:latin typeface="+mn-lt"/>
+                <a:ea typeface="+mn-ea"/>
+                <a:cs typeface="+mn-cs"/>
+              </a:rPr>
+              <a:t>You </a:t>
+            </a:r>
+            <a:r>
+              <a:rPr lang="en-US" sz="1200" kern="1200" dirty="0" smtClean="0">
+                <a:solidFill>
+                  <a:schemeClr val="tx1"/>
+                </a:solidFill>
+                <a:effectLst/>
+                <a:latin typeface="+mn-lt"/>
+                <a:ea typeface="+mn-ea"/>
+                <a:cs typeface="+mn-cs"/>
+              </a:rPr>
+              <a:t>could write the most </a:t>
             </a:r>
             <a:r>
               <a:rPr lang="en-US" sz="1200" kern="1200" dirty="0" err="1" smtClean="0">
@@ -8766,17 +11726,40 @@
             </a:r>
           </a:p>
           <a:p>
-            <a:r>
-              <a:rPr lang="en-US" sz="1200" kern="1200" dirty="0" smtClean="0">
-                <a:solidFill>
-                  <a:schemeClr val="tx1"/>
-                </a:solidFill>
-                <a:effectLst/>
-                <a:latin typeface="+mn-lt"/>
-                <a:ea typeface="+mn-ea"/>
-                <a:cs typeface="+mn-cs"/>
-              </a:rPr>
-              <a:t>When it comes to telling a story, there are a few basic things to keep in mind.</a:t>
+            <a:endParaRPr lang="en-US" sz="1200" kern="1200" dirty="0" smtClean="0">
+              <a:solidFill>
+                <a:schemeClr val="tx1"/>
+              </a:solidFill>
+              <a:effectLst/>
+              <a:latin typeface="+mn-lt"/>
+              <a:ea typeface="+mn-ea"/>
+              <a:cs typeface="+mn-cs"/>
+            </a:endParaRPr>
+          </a:p>
+          <a:p>
+            <a:r>
+              <a:rPr lang="en-US" sz="1200" kern="1200" dirty="0" smtClean="0">
+                <a:solidFill>
+                  <a:schemeClr val="tx1"/>
+                </a:solidFill>
+                <a:effectLst/>
+                <a:latin typeface="+mn-lt"/>
+                <a:ea typeface="+mn-ea"/>
+                <a:cs typeface="+mn-cs"/>
+              </a:rPr>
+              <a:t>When </a:t>
+            </a:r>
+            <a:r>
+              <a:rPr lang="en-US" sz="1200" kern="1200" dirty="0" smtClean="0">
+                <a:solidFill>
+                  <a:schemeClr val="tx1"/>
+                </a:solidFill>
+                <a:effectLst/>
+                <a:latin typeface="+mn-lt"/>
+                <a:ea typeface="+mn-ea"/>
+                <a:cs typeface="+mn-cs"/>
+              </a:rPr>
+              <a:t>it comes to telling a story, there are a few basic things to keep in mind.</a:t>
             </a:r>
             <a:endParaRPr lang="en-US" sz="1200" kern="1200" dirty="0">
               <a:solidFill>
@@ -8908,17 +11891,40 @@
             </a:r>
           </a:p>
           <a:p>
-            <a:r>
-              <a:rPr lang="en-US" sz="1200" kern="1200" dirty="0" smtClean="0">
-                <a:solidFill>
-                  <a:schemeClr val="tx1"/>
-                </a:solidFill>
-                <a:effectLst/>
-                <a:latin typeface="+mn-lt"/>
-                <a:ea typeface="+mn-ea"/>
-                <a:cs typeface="+mn-cs"/>
-              </a:rPr>
-              <a:t>In this example, the actual values in use are irrelevant; they are just two arbitrary values that need to be different. By giving those values meaningful names, the assertion more clearly documents the intent behind the test.</a:t>
+            <a:endParaRPr lang="en-US" sz="1200" kern="1200" dirty="0" smtClean="0">
+              <a:solidFill>
+                <a:schemeClr val="tx1"/>
+              </a:solidFill>
+              <a:effectLst/>
+              <a:latin typeface="+mn-lt"/>
+              <a:ea typeface="+mn-ea"/>
+              <a:cs typeface="+mn-cs"/>
+            </a:endParaRPr>
+          </a:p>
+          <a:p>
+            <a:r>
+              <a:rPr lang="en-US" sz="1200" kern="1200" dirty="0" smtClean="0">
+                <a:solidFill>
+                  <a:schemeClr val="tx1"/>
+                </a:solidFill>
+                <a:effectLst/>
+                <a:latin typeface="+mn-lt"/>
+                <a:ea typeface="+mn-ea"/>
+                <a:cs typeface="+mn-cs"/>
+              </a:rPr>
+              <a:t>In </a:t>
+            </a:r>
+            <a:r>
+              <a:rPr lang="en-US" sz="1200" kern="1200" dirty="0" smtClean="0">
+                <a:solidFill>
+                  <a:schemeClr val="tx1"/>
+                </a:solidFill>
+                <a:effectLst/>
+                <a:latin typeface="+mn-lt"/>
+                <a:ea typeface="+mn-ea"/>
+                <a:cs typeface="+mn-cs"/>
+              </a:rPr>
+              <a:t>this example, the actual values in use are irrelevant; they are just two arbitrary values that need to be different. By giving those values meaningful names, the assertion more clearly documents the intent behind the test.</a:t>
             </a:r>
             <a:endParaRPr lang="en-US" sz="1200" kern="1200" dirty="0">
               <a:solidFill>
@@ -9173,17 +12179,86 @@
             </a:r>
           </a:p>
           <a:p>
-            <a:r>
-              <a:rPr lang="en-US" sz="1200" kern="1200" dirty="0" smtClean="0">
-                <a:solidFill>
-                  <a:schemeClr val="tx1"/>
-                </a:solidFill>
-                <a:effectLst/>
-                <a:latin typeface="+mn-lt"/>
-                <a:ea typeface="+mn-ea"/>
-                <a:cs typeface="+mn-cs"/>
-              </a:rPr>
-              <a:t>In this case, I’m testing some search logic. To write a complete test, I need to assert both that the code DOES return a match and DOES NOT return something that doesn’t match. Naming the objects in this way provides way more meaning than “customer1” and “customer2”. And if you use consistent names across your tests, your coworkers will start to recognize these patterns. If I see the word “distractor” in any of our tests, I know </a:t>
+            <a:endParaRPr lang="en-US" sz="1200" kern="1200" dirty="0" smtClean="0">
+              <a:solidFill>
+                <a:schemeClr val="tx1"/>
+              </a:solidFill>
+              <a:effectLst/>
+              <a:latin typeface="+mn-lt"/>
+              <a:ea typeface="+mn-ea"/>
+              <a:cs typeface="+mn-cs"/>
+            </a:endParaRPr>
+          </a:p>
+          <a:p>
+            <a:r>
+              <a:rPr lang="en-US" sz="1200" kern="1200" dirty="0" smtClean="0">
+                <a:solidFill>
+                  <a:schemeClr val="tx1"/>
+                </a:solidFill>
+                <a:effectLst/>
+                <a:latin typeface="+mn-lt"/>
+                <a:ea typeface="+mn-ea"/>
+                <a:cs typeface="+mn-cs"/>
+              </a:rPr>
+              <a:t>In </a:t>
+            </a:r>
+            <a:r>
+              <a:rPr lang="en-US" sz="1200" kern="1200" dirty="0" smtClean="0">
+                <a:solidFill>
+                  <a:schemeClr val="tx1"/>
+                </a:solidFill>
+                <a:effectLst/>
+                <a:latin typeface="+mn-lt"/>
+                <a:ea typeface="+mn-ea"/>
+                <a:cs typeface="+mn-cs"/>
+              </a:rPr>
+              <a:t>this case, I’m testing some search logic. To write a complete test, I need to assert both that the code DOES return a match and DOES NOT return something that doesn’t match. </a:t>
+            </a:r>
+            <a:endParaRPr lang="en-US" sz="1200" kern="1200" dirty="0" smtClean="0">
+              <a:solidFill>
+                <a:schemeClr val="tx1"/>
+              </a:solidFill>
+              <a:effectLst/>
+              <a:latin typeface="+mn-lt"/>
+              <a:ea typeface="+mn-ea"/>
+              <a:cs typeface="+mn-cs"/>
+            </a:endParaRPr>
+          </a:p>
+          <a:p>
+            <a:endParaRPr lang="en-US" sz="1200" kern="1200" dirty="0" smtClean="0">
+              <a:solidFill>
+                <a:schemeClr val="tx1"/>
+              </a:solidFill>
+              <a:effectLst/>
+              <a:latin typeface="+mn-lt"/>
+              <a:ea typeface="+mn-ea"/>
+              <a:cs typeface="+mn-cs"/>
+            </a:endParaRPr>
+          </a:p>
+          <a:p>
+            <a:r>
+              <a:rPr lang="en-US" sz="1200" kern="1200" dirty="0" smtClean="0">
+                <a:solidFill>
+                  <a:schemeClr val="tx1"/>
+                </a:solidFill>
+                <a:effectLst/>
+                <a:latin typeface="+mn-lt"/>
+                <a:ea typeface="+mn-ea"/>
+                <a:cs typeface="+mn-cs"/>
+              </a:rPr>
+              <a:t>Naming </a:t>
+            </a:r>
+            <a:r>
+              <a:rPr lang="en-US" sz="1200" kern="1200" dirty="0" smtClean="0">
+                <a:solidFill>
+                  <a:schemeClr val="tx1"/>
+                </a:solidFill>
+                <a:effectLst/>
+                <a:latin typeface="+mn-lt"/>
+                <a:ea typeface="+mn-ea"/>
+                <a:cs typeface="+mn-cs"/>
+              </a:rPr>
+              <a:t>the objects in this way provides way more meaning than “customer1” and “customer2”. And if you use consistent names across your tests, your coworkers will start to recognize these patterns. If I see the word “distractor” in any of our tests, I know </a:t>
             </a:r>
             <a:r>
               <a:rPr lang="en-US" sz="1200" i="1" kern="1200" dirty="0" smtClean="0">
@@ -9317,17 +12392,40 @@
             </a:r>
           </a:p>
           <a:p>
-            <a:r>
-              <a:rPr lang="en-US" sz="1200" kern="1200" dirty="0" smtClean="0">
-                <a:solidFill>
-                  <a:schemeClr val="tx1"/>
-                </a:solidFill>
-                <a:effectLst/>
-                <a:latin typeface="+mn-lt"/>
-                <a:ea typeface="+mn-ea"/>
-                <a:cs typeface="+mn-cs"/>
-              </a:rPr>
-              <a:t>If I create the test data in the same order in which I expect them to come back out, then it’s possible that the sorting code isn’t do anything at all, and the test is passing by coincidence. A better test would be to create the data in a </a:t>
+            <a:endParaRPr lang="en-US" sz="1200" kern="1200" dirty="0" smtClean="0">
+              <a:solidFill>
+                <a:schemeClr val="tx1"/>
+              </a:solidFill>
+              <a:effectLst/>
+              <a:latin typeface="+mn-lt"/>
+              <a:ea typeface="+mn-ea"/>
+              <a:cs typeface="+mn-cs"/>
+            </a:endParaRPr>
+          </a:p>
+          <a:p>
+            <a:r>
+              <a:rPr lang="en-US" sz="1200" kern="1200" dirty="0" smtClean="0">
+                <a:solidFill>
+                  <a:schemeClr val="tx1"/>
+                </a:solidFill>
+                <a:effectLst/>
+                <a:latin typeface="+mn-lt"/>
+                <a:ea typeface="+mn-ea"/>
+                <a:cs typeface="+mn-cs"/>
+              </a:rPr>
+              <a:t>If </a:t>
+            </a:r>
+            <a:r>
+              <a:rPr lang="en-US" sz="1200" kern="1200" dirty="0" smtClean="0">
+                <a:solidFill>
+                  <a:schemeClr val="tx1"/>
+                </a:solidFill>
+                <a:effectLst/>
+                <a:latin typeface="+mn-lt"/>
+                <a:ea typeface="+mn-ea"/>
+                <a:cs typeface="+mn-cs"/>
+              </a:rPr>
+              <a:t>I create the test data in the same order in which I expect them to come back out, then it’s possible that the sorting code isn’t do anything at all, and the test is passing by coincidence. A better test would be to create the data in a </a:t>
             </a:r>
             <a:r>
               <a:rPr lang="en-US" sz="1200" i="1" kern="1200" dirty="0" smtClean="0">
@@ -9355,17 +12453,40 @@
             </a:r>
           </a:p>
           <a:p>
-            <a:r>
-              <a:rPr lang="en-US" sz="1200" kern="1200" dirty="0" smtClean="0">
-                <a:solidFill>
-                  <a:schemeClr val="tx1"/>
-                </a:solidFill>
-                <a:effectLst/>
-                <a:latin typeface="+mn-lt"/>
-                <a:ea typeface="+mn-ea"/>
-                <a:cs typeface="+mn-cs"/>
-              </a:rPr>
-              <a:t>Here’s one way to write that test. This isn’t terrible, but it’s not telling as clear of a story as it could. </a:t>
+            <a:endParaRPr lang="en-US" sz="1200" kern="1200" dirty="0" smtClean="0">
+              <a:solidFill>
+                <a:schemeClr val="tx1"/>
+              </a:solidFill>
+              <a:effectLst/>
+              <a:latin typeface="+mn-lt"/>
+              <a:ea typeface="+mn-ea"/>
+              <a:cs typeface="+mn-cs"/>
+            </a:endParaRPr>
+          </a:p>
+          <a:p>
+            <a:r>
+              <a:rPr lang="en-US" sz="1200" kern="1200" dirty="0" smtClean="0">
+                <a:solidFill>
+                  <a:schemeClr val="tx1"/>
+                </a:solidFill>
+                <a:effectLst/>
+                <a:latin typeface="+mn-lt"/>
+                <a:ea typeface="+mn-ea"/>
+                <a:cs typeface="+mn-cs"/>
+              </a:rPr>
+              <a:t>This </a:t>
+            </a:r>
+            <a:r>
+              <a:rPr lang="en-US" sz="1200" kern="1200" dirty="0" smtClean="0">
+                <a:solidFill>
+                  <a:schemeClr val="tx1"/>
+                </a:solidFill>
+                <a:effectLst/>
+                <a:latin typeface="+mn-lt"/>
+                <a:ea typeface="+mn-ea"/>
+                <a:cs typeface="+mn-cs"/>
+              </a:rPr>
+              <a:t>isn’t terrible, but it’s not telling as clear of a story as it could. </a:t>
             </a:r>
           </a:p>
           <a:p>
@@ -9473,6 +12594,26 @@
               </a:rPr>
               <a:t>Here’s that same test, but where I assign those values names that describe their purpose. And as a result, I’m able to write an assertion that far more explicitly captures my intent behind the test. </a:t>
             </a:r>
+            <a:endParaRPr lang="en-US" sz="1200" kern="1200" dirty="0" smtClean="0">
+              <a:solidFill>
+                <a:schemeClr val="tx1"/>
+              </a:solidFill>
+              <a:effectLst/>
+              <a:latin typeface="+mn-lt"/>
+              <a:ea typeface="+mn-ea"/>
+              <a:cs typeface="+mn-cs"/>
+            </a:endParaRPr>
+          </a:p>
+          <a:p>
+            <a:endParaRPr lang="en-US" sz="1200" kern="1200" dirty="0" smtClean="0">
+              <a:solidFill>
+                <a:schemeClr val="tx1"/>
+              </a:solidFill>
+              <a:effectLst/>
+              <a:latin typeface="+mn-lt"/>
+              <a:ea typeface="+mn-ea"/>
+              <a:cs typeface="+mn-cs"/>
+            </a:endParaRPr>
           </a:p>
           <a:p>
             <a:r>
@@ -9589,21 +12730,172 @@
                 <a:ea typeface="+mn-ea"/>
                 <a:cs typeface="+mn-cs"/>
               </a:rPr>
-              <a:t>Another way to tell a clear story is to use your helper API to write fewer lines of code, but at a higher level of abstraction. Here’s an example where I’m using a test helper to set up an Order that has two payments associated with it. Creating this order is a single logical concept, but it requires multiple physical statements to accomplish. Alternatively I could move these instantiations inline, but then I end up with a larger, heavily nested construct that’s harder to read.</a:t>
-            </a:r>
-          </a:p>
-          <a:p>
-            <a:r>
-              <a:rPr lang="en-US" sz="1200" kern="1200" dirty="0" smtClean="0">
-                <a:solidFill>
-                  <a:schemeClr val="tx1"/>
-                </a:solidFill>
-                <a:effectLst/>
-                <a:latin typeface="+mn-lt"/>
-                <a:ea typeface="+mn-ea"/>
-                <a:cs typeface="+mn-cs"/>
-              </a:rPr>
-              <a:t>Also, in order to make sure that this object is internally consistent, I might have to manually make sure that the order subtotal matches the sum of the two payments. </a:t>
+              <a:t>Another way to tell a clear story is to use your helper API to write fewer lines of code, but at a higher level of abstraction. </a:t>
+            </a:r>
+            <a:endParaRPr lang="en-US" sz="1200" kern="1200" dirty="0" smtClean="0">
+              <a:solidFill>
+                <a:schemeClr val="tx1"/>
+              </a:solidFill>
+              <a:effectLst/>
+              <a:latin typeface="+mn-lt"/>
+              <a:ea typeface="+mn-ea"/>
+              <a:cs typeface="+mn-cs"/>
+            </a:endParaRPr>
+          </a:p>
+          <a:p>
+            <a:endParaRPr lang="en-US" sz="1200" kern="1200" dirty="0" smtClean="0">
+              <a:solidFill>
+                <a:schemeClr val="tx1"/>
+              </a:solidFill>
+              <a:effectLst/>
+              <a:latin typeface="+mn-lt"/>
+              <a:ea typeface="+mn-ea"/>
+              <a:cs typeface="+mn-cs"/>
+            </a:endParaRPr>
+          </a:p>
+          <a:p>
+            <a:r>
+              <a:rPr lang="en-US" sz="1200" kern="1200" dirty="0" smtClean="0">
+                <a:solidFill>
+                  <a:schemeClr val="tx1"/>
+                </a:solidFill>
+                <a:effectLst/>
+                <a:latin typeface="+mn-lt"/>
+                <a:ea typeface="+mn-ea"/>
+                <a:cs typeface="+mn-cs"/>
+              </a:rPr>
+              <a:t>Here’s </a:t>
+            </a:r>
+            <a:r>
+              <a:rPr lang="en-US" sz="1200" kern="1200" dirty="0" smtClean="0">
+                <a:solidFill>
+                  <a:schemeClr val="tx1"/>
+                </a:solidFill>
+                <a:effectLst/>
+                <a:latin typeface="+mn-lt"/>
+                <a:ea typeface="+mn-ea"/>
+                <a:cs typeface="+mn-cs"/>
+              </a:rPr>
+              <a:t>an example where I’m using a test helper to set up an </a:t>
+            </a:r>
+            <a:r>
+              <a:rPr lang="en-US" sz="1200" kern="1200" dirty="0" smtClean="0">
+                <a:solidFill>
+                  <a:schemeClr val="tx1"/>
+                </a:solidFill>
+                <a:effectLst/>
+                <a:latin typeface="+mn-lt"/>
+                <a:ea typeface="+mn-ea"/>
+                <a:cs typeface="+mn-cs"/>
+              </a:rPr>
+              <a:t>Order </a:t>
+            </a:r>
+            <a:r>
+              <a:rPr lang="en-US" sz="1200" kern="1200" dirty="0" smtClean="0">
+                <a:solidFill>
+                  <a:schemeClr val="tx1"/>
+                </a:solidFill>
+                <a:effectLst/>
+                <a:latin typeface="+mn-lt"/>
+                <a:ea typeface="+mn-ea"/>
+                <a:cs typeface="+mn-cs"/>
+              </a:rPr>
+              <a:t>that has two payments associated with it. </a:t>
+            </a:r>
+            <a:r>
+              <a:rPr lang="en-US" sz="1200" kern="1200" dirty="0" smtClean="0">
+                <a:solidFill>
+                  <a:schemeClr val="tx1"/>
+                </a:solidFill>
+                <a:effectLst/>
+                <a:latin typeface="+mn-lt"/>
+                <a:ea typeface="+mn-ea"/>
+                <a:cs typeface="+mn-cs"/>
+              </a:rPr>
+              <a:t/>
+            </a:r>
+            <a:br>
+              <a:rPr lang="en-US" sz="1200" kern="1200" dirty="0" smtClean="0">
+                <a:solidFill>
+                  <a:schemeClr val="tx1"/>
+                </a:solidFill>
+                <a:effectLst/>
+                <a:latin typeface="+mn-lt"/>
+                <a:ea typeface="+mn-ea"/>
+                <a:cs typeface="+mn-cs"/>
+              </a:rPr>
+            </a:br>
+            <a:endParaRPr lang="en-US" sz="1200" kern="1200" dirty="0" smtClean="0">
+              <a:solidFill>
+                <a:schemeClr val="tx1"/>
+              </a:solidFill>
+              <a:effectLst/>
+              <a:latin typeface="+mn-lt"/>
+              <a:ea typeface="+mn-ea"/>
+              <a:cs typeface="+mn-cs"/>
+            </a:endParaRPr>
+          </a:p>
+          <a:p>
+            <a:r>
+              <a:rPr lang="en-US" sz="1200" kern="1200" dirty="0" smtClean="0">
+                <a:solidFill>
+                  <a:schemeClr val="tx1"/>
+                </a:solidFill>
+                <a:effectLst/>
+                <a:latin typeface="+mn-lt"/>
+                <a:ea typeface="+mn-ea"/>
+                <a:cs typeface="+mn-cs"/>
+              </a:rPr>
+              <a:t>Creating </a:t>
+            </a:r>
+            <a:r>
+              <a:rPr lang="en-US" sz="1200" kern="1200" dirty="0" smtClean="0">
+                <a:solidFill>
+                  <a:schemeClr val="tx1"/>
+                </a:solidFill>
+                <a:effectLst/>
+                <a:latin typeface="+mn-lt"/>
+                <a:ea typeface="+mn-ea"/>
+                <a:cs typeface="+mn-cs"/>
+              </a:rPr>
+              <a:t>this order is a single logical concept, but it requires multiple physical statements to accomplish. Alternatively I could move these instantiations inline, but then I end up with a larger, heavily nested construct that’s harder to read.</a:t>
+            </a:r>
+          </a:p>
+          <a:p>
+            <a:endParaRPr lang="en-US" sz="1200" kern="1200" dirty="0" smtClean="0">
+              <a:solidFill>
+                <a:schemeClr val="tx1"/>
+              </a:solidFill>
+              <a:effectLst/>
+              <a:latin typeface="+mn-lt"/>
+              <a:ea typeface="+mn-ea"/>
+              <a:cs typeface="+mn-cs"/>
+            </a:endParaRPr>
+          </a:p>
+          <a:p>
+            <a:r>
+              <a:rPr lang="en-US" sz="1200" kern="1200" dirty="0" smtClean="0">
+                <a:solidFill>
+                  <a:schemeClr val="tx1"/>
+                </a:solidFill>
+                <a:effectLst/>
+                <a:latin typeface="+mn-lt"/>
+                <a:ea typeface="+mn-ea"/>
+                <a:cs typeface="+mn-cs"/>
+              </a:rPr>
+              <a:t>Also</a:t>
+            </a:r>
+            <a:r>
+              <a:rPr lang="en-US" sz="1200" kern="1200" dirty="0" smtClean="0">
+                <a:solidFill>
+                  <a:schemeClr val="tx1"/>
+                </a:solidFill>
+                <a:effectLst/>
+                <a:latin typeface="+mn-lt"/>
+                <a:ea typeface="+mn-ea"/>
+                <a:cs typeface="+mn-cs"/>
+              </a:rPr>
+              <a:t>, in order to make sure that this object is internally consistent, I might have to manually make sure that the order subtotal matches the sum of the two payments. </a:t>
             </a:r>
           </a:p>
           <a:p>
@@ -9713,31 +13005,77 @@
             </a:r>
           </a:p>
           <a:p>
-            <a:r>
-              <a:rPr lang="en-US" sz="1200" kern="1200" dirty="0" smtClean="0">
-                <a:solidFill>
-                  <a:schemeClr val="tx1"/>
-                </a:solidFill>
-                <a:effectLst/>
-                <a:latin typeface="+mn-lt"/>
-                <a:ea typeface="+mn-ea"/>
-                <a:cs typeface="+mn-cs"/>
-              </a:rPr>
-              <a:t>In addition, note that I no longer need to manually specify the order subtotal; the helper can easily infer that value from the sum of the two payment amounts and wire everything up for me.</a:t>
-            </a:r>
-          </a:p>
-          <a:p>
-            <a:r>
-              <a:rPr lang="en-US" sz="1200" kern="1200" dirty="0" smtClean="0">
-                <a:solidFill>
-                  <a:schemeClr val="tx1"/>
-                </a:solidFill>
-                <a:effectLst/>
-                <a:latin typeface="+mn-lt"/>
-                <a:ea typeface="+mn-ea"/>
-                <a:cs typeface="+mn-cs"/>
-              </a:rPr>
-              <a:t>And once this piece of code is written, it’s available for reuse by other tests that have similar needs.</a:t>
+            <a:endParaRPr lang="en-US" sz="1200" kern="1200" dirty="0" smtClean="0">
+              <a:solidFill>
+                <a:schemeClr val="tx1"/>
+              </a:solidFill>
+              <a:effectLst/>
+              <a:latin typeface="+mn-lt"/>
+              <a:ea typeface="+mn-ea"/>
+              <a:cs typeface="+mn-cs"/>
+            </a:endParaRPr>
+          </a:p>
+          <a:p>
+            <a:r>
+              <a:rPr lang="en-US" sz="1200" kern="1200" dirty="0" smtClean="0">
+                <a:solidFill>
+                  <a:schemeClr val="tx1"/>
+                </a:solidFill>
+                <a:effectLst/>
+                <a:latin typeface="+mn-lt"/>
+                <a:ea typeface="+mn-ea"/>
+                <a:cs typeface="+mn-cs"/>
+              </a:rPr>
+              <a:t>In </a:t>
+            </a:r>
+            <a:r>
+              <a:rPr lang="en-US" sz="1200" kern="1200" dirty="0" smtClean="0">
+                <a:solidFill>
+                  <a:schemeClr val="tx1"/>
+                </a:solidFill>
+                <a:effectLst/>
+                <a:latin typeface="+mn-lt"/>
+                <a:ea typeface="+mn-ea"/>
+                <a:cs typeface="+mn-cs"/>
+              </a:rPr>
+              <a:t>addition, note that I no longer need to manually specify the order subtotal; the helper can easily infer that value from the sum of the two payment amounts and wire everything up for me.</a:t>
+            </a:r>
+          </a:p>
+          <a:p>
+            <a:endParaRPr lang="en-US" sz="1200" kern="1200" dirty="0" smtClean="0">
+              <a:solidFill>
+                <a:schemeClr val="tx1"/>
+              </a:solidFill>
+              <a:effectLst/>
+              <a:latin typeface="+mn-lt"/>
+              <a:ea typeface="+mn-ea"/>
+              <a:cs typeface="+mn-cs"/>
+            </a:endParaRPr>
+          </a:p>
+          <a:p>
+            <a:r>
+              <a:rPr lang="en-US" sz="1200" kern="1200" dirty="0" smtClean="0">
+                <a:solidFill>
+                  <a:schemeClr val="tx1"/>
+                </a:solidFill>
+                <a:effectLst/>
+                <a:latin typeface="+mn-lt"/>
+                <a:ea typeface="+mn-ea"/>
+                <a:cs typeface="+mn-cs"/>
+              </a:rPr>
+              <a:t>And </a:t>
+            </a:r>
+            <a:r>
+              <a:rPr lang="en-US" sz="1200" kern="1200" dirty="0" smtClean="0">
+                <a:solidFill>
+                  <a:schemeClr val="tx1"/>
+                </a:solidFill>
+                <a:effectLst/>
+                <a:latin typeface="+mn-lt"/>
+                <a:ea typeface="+mn-ea"/>
+                <a:cs typeface="+mn-cs"/>
+              </a:rPr>
+              <a:t>once this piece of code is written, it’s available for reuse by other tests that have similar needs.</a:t>
             </a:r>
           </a:p>
           <a:p>
@@ -9847,45 +13185,78 @@
             </a:r>
           </a:p>
           <a:p>
-            <a:r>
-              <a:rPr lang="en-US" sz="1200" kern="1200" dirty="0" smtClean="0">
-                <a:solidFill>
-                  <a:schemeClr val="tx1"/>
-                </a:solidFill>
-                <a:effectLst/>
-                <a:latin typeface="+mn-lt"/>
-                <a:ea typeface="+mn-ea"/>
-                <a:cs typeface="+mn-cs"/>
-              </a:rPr>
-              <a:t>First, this is not a Testing 101 session. I assume that you’re familiar with at least the basics of writing tests.</a:t>
-            </a:r>
-          </a:p>
-          <a:p>
-            <a:r>
-              <a:rPr lang="en-US" sz="1200" kern="1200" dirty="0" smtClean="0">
-                <a:solidFill>
-                  <a:schemeClr val="tx1"/>
-                </a:solidFill>
-                <a:effectLst/>
-                <a:latin typeface="+mn-lt"/>
-                <a:ea typeface="+mn-ea"/>
-                <a:cs typeface="+mn-cs"/>
-              </a:rPr>
-              <a:t>Second, this isn’t about mocking or stubbing or how to write testable code. Those are really important topics, but lots of people smarter than me have written tons of words about that stuff already.</a:t>
-            </a:r>
-          </a:p>
-          <a:p>
-            <a:r>
-              <a:rPr lang="en-US" sz="1200" kern="1200" dirty="0" smtClean="0">
-                <a:solidFill>
-                  <a:schemeClr val="tx1"/>
-                </a:solidFill>
-                <a:effectLst/>
-                <a:latin typeface="+mn-lt"/>
-                <a:ea typeface="+mn-ea"/>
-                <a:cs typeface="+mn-cs"/>
-              </a:rPr>
-              <a:t>Third, I’m not trying to sell you any specific framework, library, or language. I use C# and </a:t>
+            <a:endParaRPr lang="en-US" sz="1200" kern="1200" dirty="0" smtClean="0">
+              <a:solidFill>
+                <a:schemeClr val="tx1"/>
+              </a:solidFill>
+              <a:effectLst/>
+              <a:latin typeface="+mn-lt"/>
+              <a:ea typeface="+mn-ea"/>
+              <a:cs typeface="+mn-cs"/>
+            </a:endParaRPr>
+          </a:p>
+          <a:p>
+            <a:r>
+              <a:rPr lang="en-US" sz="1200" kern="1200" dirty="0" smtClean="0">
+                <a:solidFill>
+                  <a:schemeClr val="tx1"/>
+                </a:solidFill>
+                <a:effectLst/>
+                <a:latin typeface="+mn-lt"/>
+                <a:ea typeface="+mn-ea"/>
+                <a:cs typeface="+mn-cs"/>
+              </a:rPr>
+              <a:t>1) Not a Testing 101 session. I assume that you’re familiar with at least the basics of writing tests.</a:t>
+            </a:r>
+          </a:p>
+          <a:p>
+            <a:endParaRPr lang="en-US" sz="1200" kern="1200" dirty="0" smtClean="0">
+              <a:solidFill>
+                <a:schemeClr val="tx1"/>
+              </a:solidFill>
+              <a:effectLst/>
+              <a:latin typeface="+mn-lt"/>
+              <a:ea typeface="+mn-ea"/>
+              <a:cs typeface="+mn-cs"/>
+            </a:endParaRPr>
+          </a:p>
+          <a:p>
+            <a:r>
+              <a:rPr lang="en-US" sz="1200" kern="1200" dirty="0" smtClean="0">
+                <a:solidFill>
+                  <a:schemeClr val="tx1"/>
+                </a:solidFill>
+                <a:effectLst/>
+                <a:latin typeface="+mn-lt"/>
+                <a:ea typeface="+mn-ea"/>
+                <a:cs typeface="+mn-cs"/>
+              </a:rPr>
+              <a:t>2) Not about mocking or stubbing or how to write testable code. Those are really important topics, but lots of people smarter than me have written tons of words about that stuff already.</a:t>
+            </a:r>
+          </a:p>
+          <a:p>
+            <a:endParaRPr lang="en-US" sz="1200" kern="1200" dirty="0" smtClean="0">
+              <a:solidFill>
+                <a:schemeClr val="tx1"/>
+              </a:solidFill>
+              <a:effectLst/>
+              <a:latin typeface="+mn-lt"/>
+              <a:ea typeface="+mn-ea"/>
+              <a:cs typeface="+mn-cs"/>
+            </a:endParaRPr>
+          </a:p>
+          <a:p>
+            <a:r>
+              <a:rPr lang="en-US" sz="1200" kern="1200" dirty="0" smtClean="0">
+                <a:solidFill>
+                  <a:schemeClr val="tx1"/>
+                </a:solidFill>
+                <a:effectLst/>
+                <a:latin typeface="+mn-lt"/>
+                <a:ea typeface="+mn-ea"/>
+                <a:cs typeface="+mn-cs"/>
+              </a:rPr>
+              <a:t>3) Not trying to sell you any specific framework, library, or language. I use C# and </a:t>
             </a:r>
             <a:r>
               <a:rPr lang="en-US" sz="1200" kern="1200" dirty="0" err="1" smtClean="0">
@@ -9913,17 +13284,28 @@
             </a:r>
           </a:p>
           <a:p>
-            <a:r>
-              <a:rPr lang="en-US" sz="1200" kern="1200" dirty="0" smtClean="0">
-                <a:solidFill>
-                  <a:schemeClr val="tx1"/>
-                </a:solidFill>
-                <a:effectLst/>
-                <a:latin typeface="+mn-lt"/>
-                <a:ea typeface="+mn-ea"/>
-                <a:cs typeface="+mn-cs"/>
-              </a:rPr>
-              <a:t>I’m going to focus entirely on improving the ways that you arrange your test data and prepare your system to execute a test. That’s it.</a:t>
+            <a:endParaRPr lang="en-US" sz="1200" kern="1200" dirty="0" smtClean="0">
+              <a:solidFill>
+                <a:schemeClr val="tx1"/>
+              </a:solidFill>
+              <a:effectLst/>
+              <a:latin typeface="+mn-lt"/>
+              <a:ea typeface="+mn-ea"/>
+              <a:cs typeface="+mn-cs"/>
+            </a:endParaRPr>
+          </a:p>
+          <a:p>
+            <a:r>
+              <a:rPr lang="en-US" sz="1200" kern="1200" dirty="0" smtClean="0">
+                <a:solidFill>
+                  <a:schemeClr val="tx1"/>
+                </a:solidFill>
+                <a:effectLst/>
+                <a:latin typeface="+mn-lt"/>
+                <a:ea typeface="+mn-ea"/>
+                <a:cs typeface="+mn-cs"/>
+              </a:rPr>
+              <a:t>4) Focus entirely on improving the ways that you arrange your test data and prepare your system to execute a test. That’s it.</a:t>
             </a:r>
           </a:p>
           <a:p>
@@ -10021,21 +13403,117 @@
                 <a:ea typeface="+mn-ea"/>
                 <a:cs typeface="+mn-cs"/>
               </a:rPr>
-              <a:t>Test Helpers are great at returning single objects. But what if you need of keep track of multiple objects AND their relationships?</a:t>
-            </a:r>
-          </a:p>
-          <a:p>
-            <a:r>
-              <a:rPr lang="en-US" sz="1200" kern="1200" dirty="0" smtClean="0">
-                <a:solidFill>
-                  <a:schemeClr val="tx1"/>
-                </a:solidFill>
-                <a:effectLst/>
-                <a:latin typeface="+mn-lt"/>
-                <a:ea typeface="+mn-ea"/>
-                <a:cs typeface="+mn-cs"/>
-              </a:rPr>
-              <a:t>For example, let’s say you have an ecommerce site, and one of your business rules is that all orders of heavy equipment, from new customers, with a different bill-to and ship-to address, must go through a verification process to prevent fraud and expensive shipping mistakes. To write that test, you’ll have to create a customer with no previous orders, assign different bill-to and ship-to addresses, create an order containing a heavy equipment item, and attach the customer to the order.</a:t>
+              <a:t>The 3</a:t>
+            </a:r>
+            <a:r>
+              <a:rPr lang="en-US" sz="1200" kern="1200" baseline="30000" dirty="0" smtClean="0">
+                <a:solidFill>
+                  <a:schemeClr val="tx1"/>
+                </a:solidFill>
+                <a:effectLst/>
+                <a:latin typeface="+mn-lt"/>
+                <a:ea typeface="+mn-ea"/>
+                <a:cs typeface="+mn-cs"/>
+              </a:rPr>
+              <a:t>rd</a:t>
+            </a:r>
+            <a:r>
+              <a:rPr lang="en-US" sz="1200" kern="1200" dirty="0" smtClean="0">
+                <a:solidFill>
+                  <a:schemeClr val="tx1"/>
+                </a:solidFill>
+                <a:effectLst/>
+                <a:latin typeface="+mn-lt"/>
+                <a:ea typeface="+mn-ea"/>
+                <a:cs typeface="+mn-cs"/>
+              </a:rPr>
+              <a:t> key practice is to use "scenario"</a:t>
+            </a:r>
+            <a:r>
+              <a:rPr lang="en-US" sz="1200" kern="1200" baseline="0" dirty="0" smtClean="0">
+                <a:solidFill>
+                  <a:schemeClr val="tx1"/>
+                </a:solidFill>
+                <a:effectLst/>
+                <a:latin typeface="+mn-lt"/>
+                <a:ea typeface="+mn-ea"/>
+                <a:cs typeface="+mn-cs"/>
+              </a:rPr>
+              <a:t> objects to reuse complex setup.</a:t>
+            </a:r>
+          </a:p>
+          <a:p>
+            <a:endParaRPr lang="en-US" sz="1200" kern="1200" dirty="0" smtClean="0">
+              <a:solidFill>
+                <a:schemeClr val="tx1"/>
+              </a:solidFill>
+              <a:effectLst/>
+              <a:latin typeface="+mn-lt"/>
+              <a:ea typeface="+mn-ea"/>
+              <a:cs typeface="+mn-cs"/>
+            </a:endParaRPr>
+          </a:p>
+          <a:p>
+            <a:r>
+              <a:rPr lang="en-US" sz="1200" kern="1200" dirty="0" smtClean="0">
+                <a:solidFill>
+                  <a:schemeClr val="tx1"/>
+                </a:solidFill>
+                <a:effectLst/>
+                <a:latin typeface="+mn-lt"/>
+                <a:ea typeface="+mn-ea"/>
+                <a:cs typeface="+mn-cs"/>
+              </a:rPr>
+              <a:t>Test </a:t>
+            </a:r>
+            <a:r>
+              <a:rPr lang="en-US" sz="1200" kern="1200" dirty="0" smtClean="0">
+                <a:solidFill>
+                  <a:schemeClr val="tx1"/>
+                </a:solidFill>
+                <a:effectLst/>
+                <a:latin typeface="+mn-lt"/>
+                <a:ea typeface="+mn-ea"/>
+                <a:cs typeface="+mn-cs"/>
+              </a:rPr>
+              <a:t>Helpers are great at returning single objects. But what if you need of keep track of multiple objects AND their relationships?</a:t>
+            </a:r>
+          </a:p>
+          <a:p>
+            <a:endParaRPr lang="en-US" sz="1200" kern="1200" dirty="0" smtClean="0">
+              <a:solidFill>
+                <a:schemeClr val="tx1"/>
+              </a:solidFill>
+              <a:effectLst/>
+              <a:latin typeface="+mn-lt"/>
+              <a:ea typeface="+mn-ea"/>
+              <a:cs typeface="+mn-cs"/>
+            </a:endParaRPr>
+          </a:p>
+          <a:p>
+            <a:r>
+              <a:rPr lang="en-US" sz="1200" kern="1200" dirty="0" smtClean="0">
+                <a:solidFill>
+                  <a:schemeClr val="tx1"/>
+                </a:solidFill>
+                <a:effectLst/>
+                <a:latin typeface="+mn-lt"/>
+                <a:ea typeface="+mn-ea"/>
+                <a:cs typeface="+mn-cs"/>
+              </a:rPr>
+              <a:t>For </a:t>
+            </a:r>
+            <a:r>
+              <a:rPr lang="en-US" sz="1200" kern="1200" dirty="0" smtClean="0">
+                <a:solidFill>
+                  <a:schemeClr val="tx1"/>
+                </a:solidFill>
+                <a:effectLst/>
+                <a:latin typeface="+mn-lt"/>
+                <a:ea typeface="+mn-ea"/>
+                <a:cs typeface="+mn-cs"/>
+              </a:rPr>
+              <a:t>example, let’s say you have an ecommerce site, and one of your business rules is that all orders of heavy equipment, from new customers, with a different bill-to and ship-to address, must go through a verification process to prevent fraud and expensive shipping mistakes. To write that test, you’ll have to create a customer with no previous orders, assign different bill-to and ship-to addresses, create an order containing a heavy equipment item, and attach the customer to the order.</a:t>
             </a:r>
           </a:p>
           <a:p>
@@ -10187,45 +13665,114 @@
             </a:r>
           </a:p>
           <a:p>
-            <a:r>
-              <a:rPr lang="en-US" sz="1200" kern="1200" dirty="0" smtClean="0">
-                <a:solidFill>
-                  <a:schemeClr val="tx1"/>
-                </a:solidFill>
-                <a:effectLst/>
-                <a:latin typeface="+mn-lt"/>
-                <a:ea typeface="+mn-ea"/>
-                <a:cs typeface="+mn-cs"/>
-              </a:rPr>
-              <a:t>You’ll notice that while a Test Helper is a static factory, a Scenario is something that you instantiate. You can still customize the result but you do it with constructor arguments and not method arguments.</a:t>
-            </a:r>
-          </a:p>
-          <a:p>
-            <a:r>
-              <a:rPr lang="en-US" sz="1200" kern="1200" dirty="0" smtClean="0">
-                <a:solidFill>
-                  <a:schemeClr val="tx1"/>
-                </a:solidFill>
-                <a:effectLst/>
-                <a:latin typeface="+mn-lt"/>
-                <a:ea typeface="+mn-ea"/>
-                <a:cs typeface="+mn-cs"/>
-              </a:rPr>
-              <a:t>The reason for this difference is that a Test Helper returns one of our core domain objects, and we don’t want to litter our app code with constructors that exist only for testing. The factory pattern works great to isolate the Test Helper logic from the core objects.</a:t>
-            </a:r>
-          </a:p>
-          <a:p>
-            <a:r>
-              <a:rPr lang="en-US" sz="1200" kern="1200" dirty="0" smtClean="0">
-                <a:solidFill>
-                  <a:schemeClr val="tx1"/>
-                </a:solidFill>
-                <a:effectLst/>
-                <a:latin typeface="+mn-lt"/>
-                <a:ea typeface="+mn-ea"/>
-                <a:cs typeface="+mn-cs"/>
-              </a:rPr>
-              <a:t>For scenarios, though, we’re actually creating </a:t>
+            <a:endParaRPr lang="en-US" sz="1200" kern="1200" dirty="0" smtClean="0">
+              <a:solidFill>
+                <a:schemeClr val="tx1"/>
+              </a:solidFill>
+              <a:effectLst/>
+              <a:latin typeface="+mn-lt"/>
+              <a:ea typeface="+mn-ea"/>
+              <a:cs typeface="+mn-cs"/>
+            </a:endParaRPr>
+          </a:p>
+          <a:p>
+            <a:r>
+              <a:rPr lang="en-US" sz="1200" kern="1200" dirty="0" smtClean="0">
+                <a:solidFill>
+                  <a:schemeClr val="tx1"/>
+                </a:solidFill>
+                <a:effectLst/>
+                <a:latin typeface="+mn-lt"/>
+                <a:ea typeface="+mn-ea"/>
+                <a:cs typeface="+mn-cs"/>
+              </a:rPr>
+              <a:t>You’ll </a:t>
+            </a:r>
+            <a:r>
+              <a:rPr lang="en-US" sz="1200" kern="1200" dirty="0" smtClean="0">
+                <a:solidFill>
+                  <a:schemeClr val="tx1"/>
+                </a:solidFill>
+                <a:effectLst/>
+                <a:latin typeface="+mn-lt"/>
+                <a:ea typeface="+mn-ea"/>
+                <a:cs typeface="+mn-cs"/>
+              </a:rPr>
+              <a:t>notice that while a Test Helper is a static factory, a Scenario is something that you instantiate. You can still customize the result but you do it with constructor arguments and not method arguments.</a:t>
+            </a:r>
+          </a:p>
+          <a:p>
+            <a:endParaRPr lang="en-US" sz="1200" kern="1200" dirty="0" smtClean="0">
+              <a:solidFill>
+                <a:schemeClr val="tx1"/>
+              </a:solidFill>
+              <a:effectLst/>
+              <a:latin typeface="+mn-lt"/>
+              <a:ea typeface="+mn-ea"/>
+              <a:cs typeface="+mn-cs"/>
+            </a:endParaRPr>
+          </a:p>
+          <a:p>
+            <a:r>
+              <a:rPr lang="en-US" sz="1200" kern="1200" dirty="0" smtClean="0">
+                <a:solidFill>
+                  <a:schemeClr val="tx1"/>
+                </a:solidFill>
+                <a:effectLst/>
+                <a:latin typeface="+mn-lt"/>
+                <a:ea typeface="+mn-ea"/>
+                <a:cs typeface="+mn-cs"/>
+              </a:rPr>
+              <a:t>The </a:t>
+            </a:r>
+            <a:r>
+              <a:rPr lang="en-US" sz="1200" kern="1200" dirty="0" smtClean="0">
+                <a:solidFill>
+                  <a:schemeClr val="tx1"/>
+                </a:solidFill>
+                <a:effectLst/>
+                <a:latin typeface="+mn-lt"/>
+                <a:ea typeface="+mn-ea"/>
+                <a:cs typeface="+mn-cs"/>
+              </a:rPr>
+              <a:t>reason for this difference is that a Test Helper returns one of our core domain objects, and we don’t want to litter our app code with constructors that exist only for testing. The factory pattern works great to isolate the Test Helper logic from the core objects.</a:t>
+            </a:r>
+          </a:p>
+          <a:p>
+            <a:endParaRPr lang="en-US" sz="1200" kern="1200" dirty="0" smtClean="0">
+              <a:solidFill>
+                <a:schemeClr val="tx1"/>
+              </a:solidFill>
+              <a:effectLst/>
+              <a:latin typeface="+mn-lt"/>
+              <a:ea typeface="+mn-ea"/>
+              <a:cs typeface="+mn-cs"/>
+            </a:endParaRPr>
+          </a:p>
+          <a:p>
+            <a:r>
+              <a:rPr lang="en-US" sz="1200" kern="1200" dirty="0" smtClean="0">
+                <a:solidFill>
+                  <a:schemeClr val="tx1"/>
+                </a:solidFill>
+                <a:effectLst/>
+                <a:latin typeface="+mn-lt"/>
+                <a:ea typeface="+mn-ea"/>
+                <a:cs typeface="+mn-cs"/>
+              </a:rPr>
+              <a:t>For </a:t>
+            </a:r>
+            <a:r>
+              <a:rPr lang="en-US" sz="1200" kern="1200" dirty="0" smtClean="0">
+                <a:solidFill>
+                  <a:schemeClr val="tx1"/>
+                </a:solidFill>
+                <a:effectLst/>
+                <a:latin typeface="+mn-lt"/>
+                <a:ea typeface="+mn-ea"/>
+                <a:cs typeface="+mn-cs"/>
+              </a:rPr>
+              <a:t>scenarios, though, we’re actually creating </a:t>
             </a:r>
             <a:r>
               <a:rPr lang="en-US" sz="1200" i="1" kern="1200" dirty="0" smtClean="0">
@@ -10351,17 +13898,40 @@
             </a:r>
           </a:p>
           <a:p>
-            <a:r>
-              <a:rPr lang="en-US" sz="1200" kern="1200" dirty="0" smtClean="0">
-                <a:solidFill>
-                  <a:schemeClr val="tx1"/>
-                </a:solidFill>
-                <a:effectLst/>
-                <a:latin typeface="+mn-lt"/>
-                <a:ea typeface="+mn-ea"/>
-                <a:cs typeface="+mn-cs"/>
-              </a:rPr>
-              <a:t>If you need to control certain parts of the scenario, for example if you wanted to specify the Customer that gets used, you can expose that as an argument as well. They key is that you encapsulate multiple pieces of tests data in a single wrapper, and make it easy for the caller to get that data back out.</a:t>
+            <a:endParaRPr lang="en-US" sz="1200" kern="1200" dirty="0" smtClean="0">
+              <a:solidFill>
+                <a:schemeClr val="tx1"/>
+              </a:solidFill>
+              <a:effectLst/>
+              <a:latin typeface="+mn-lt"/>
+              <a:ea typeface="+mn-ea"/>
+              <a:cs typeface="+mn-cs"/>
+            </a:endParaRPr>
+          </a:p>
+          <a:p>
+            <a:r>
+              <a:rPr lang="en-US" sz="1200" kern="1200" dirty="0" smtClean="0">
+                <a:solidFill>
+                  <a:schemeClr val="tx1"/>
+                </a:solidFill>
+                <a:effectLst/>
+                <a:latin typeface="+mn-lt"/>
+                <a:ea typeface="+mn-ea"/>
+                <a:cs typeface="+mn-cs"/>
+              </a:rPr>
+              <a:t>If </a:t>
+            </a:r>
+            <a:r>
+              <a:rPr lang="en-US" sz="1200" kern="1200" dirty="0" smtClean="0">
+                <a:solidFill>
+                  <a:schemeClr val="tx1"/>
+                </a:solidFill>
+                <a:effectLst/>
+                <a:latin typeface="+mn-lt"/>
+                <a:ea typeface="+mn-ea"/>
+                <a:cs typeface="+mn-cs"/>
+              </a:rPr>
+              <a:t>you need to control certain parts of the scenario, for example if you wanted to specify the Customer that gets used, you can expose that as an argument as well. They key is that you encapsulate multiple pieces of tests data in a single wrapper, and make it easy for the caller to get that data back out.</a:t>
             </a:r>
             <a:endParaRPr lang="en-US" sz="1200" kern="1200" dirty="0">
               <a:solidFill>
@@ -10469,17 +14039,40 @@
             </a:r>
           </a:p>
           <a:p>
-            <a:r>
-              <a:rPr lang="en-US" sz="1200" kern="1200" dirty="0" smtClean="0">
-                <a:solidFill>
-                  <a:schemeClr val="tx1"/>
-                </a:solidFill>
-                <a:effectLst/>
-                <a:latin typeface="+mn-lt"/>
-                <a:ea typeface="+mn-ea"/>
-                <a:cs typeface="+mn-cs"/>
-              </a:rPr>
-              <a:t>This type of thing is really nice when you’re testing search or filtering code, when you want to be sure that the code is properly excluding data that doesn’t match the criteria. A scenario like this lets you write one line of setup code to get all of those distractor records more or less for free.</a:t>
+            <a:endParaRPr lang="en-US" sz="1200" kern="1200" dirty="0" smtClean="0">
+              <a:solidFill>
+                <a:schemeClr val="tx1"/>
+              </a:solidFill>
+              <a:effectLst/>
+              <a:latin typeface="+mn-lt"/>
+              <a:ea typeface="+mn-ea"/>
+              <a:cs typeface="+mn-cs"/>
+            </a:endParaRPr>
+          </a:p>
+          <a:p>
+            <a:r>
+              <a:rPr lang="en-US" sz="1200" kern="1200" dirty="0" smtClean="0">
+                <a:solidFill>
+                  <a:schemeClr val="tx1"/>
+                </a:solidFill>
+                <a:effectLst/>
+                <a:latin typeface="+mn-lt"/>
+                <a:ea typeface="+mn-ea"/>
+                <a:cs typeface="+mn-cs"/>
+              </a:rPr>
+              <a:t>This </a:t>
+            </a:r>
+            <a:r>
+              <a:rPr lang="en-US" sz="1200" kern="1200" dirty="0" smtClean="0">
+                <a:solidFill>
+                  <a:schemeClr val="tx1"/>
+                </a:solidFill>
+                <a:effectLst/>
+                <a:latin typeface="+mn-lt"/>
+                <a:ea typeface="+mn-ea"/>
+                <a:cs typeface="+mn-cs"/>
+              </a:rPr>
+              <a:t>type of thing is really nice when you’re testing search or filtering code, when you want to be sure that the code is properly excluding data that doesn’t match the criteria. A scenario like this lets you write one line of setup code to get all of those distractor records more or less for free.</a:t>
             </a:r>
             <a:endParaRPr lang="en-US" sz="1200" kern="1200" dirty="0">
               <a:solidFill>
@@ -10587,45 +14180,114 @@
             </a:r>
           </a:p>
           <a:p>
-            <a:r>
-              <a:rPr lang="en-US" sz="1200" kern="1200" dirty="0" smtClean="0">
-                <a:solidFill>
-                  <a:schemeClr val="tx1"/>
-                </a:solidFill>
-                <a:effectLst/>
-                <a:latin typeface="+mn-lt"/>
-                <a:ea typeface="+mn-ea"/>
-                <a:cs typeface="+mn-cs"/>
-              </a:rPr>
-              <a:t>First, you’ll need to figure out for yourself the correct balance between specialization and customization. If you create a large number of Scenarios, each highly specialized for a specific use case, then you’ll generally find that each individual is scenario easy to maintain over time, but you’ll end up creating a lot of them with chunks of duplicate logic. If you create a smaller number of general purpose Scenarios that can be highly customized via arguments then you’ll create fewer objects, but it may be hard to refactor a Scenario because it might be used in lots of different ways by lots of different tests.</a:t>
-            </a:r>
-          </a:p>
-          <a:p>
-            <a:r>
-              <a:rPr lang="en-US" sz="1200" kern="1200" dirty="0" smtClean="0">
-                <a:solidFill>
-                  <a:schemeClr val="tx1"/>
-                </a:solidFill>
-                <a:effectLst/>
-                <a:latin typeface="+mn-lt"/>
-                <a:ea typeface="+mn-ea"/>
-                <a:cs typeface="+mn-cs"/>
-              </a:rPr>
-              <a:t>That balance is hard to predict in advance. My rule of thumb is that if I’m only creating two or three objects in a test, I’ll usually just call the Test Helpers directly. But if I have more than that, AND I’m reusing that logic in more than two or three tests, I’ll extract out a Scenario. </a:t>
-            </a:r>
-          </a:p>
-          <a:p>
-            <a:r>
-              <a:rPr lang="en-US" sz="1200" kern="1200" dirty="0" smtClean="0">
-                <a:solidFill>
-                  <a:schemeClr val="tx1"/>
-                </a:solidFill>
-                <a:effectLst/>
-                <a:latin typeface="+mn-lt"/>
-                <a:ea typeface="+mn-ea"/>
-                <a:cs typeface="+mn-cs"/>
-              </a:rPr>
-              <a:t>Also, remember that Scenarios are helpful because they are facades that encapsulate and abstract the coordination of multiple objects at the same time. If you need a lot of Scenarios, that might be a code smell indicating that those facades would be more useful in the core app itself. For example, if we go back to that e-commerce scenario I just showed you, you could argue that a better design might be to create an object or service that encapsulates all of the information about a given Order, and then base your business rules on that abstraction instead. If you go that route then you may need fewer Scenarios in your unit tests, but they are still really handy when it comes to integration tests.</a:t>
+            <a:endParaRPr lang="en-US" sz="1200" kern="1200" dirty="0" smtClean="0">
+              <a:solidFill>
+                <a:schemeClr val="tx1"/>
+              </a:solidFill>
+              <a:effectLst/>
+              <a:latin typeface="+mn-lt"/>
+              <a:ea typeface="+mn-ea"/>
+              <a:cs typeface="+mn-cs"/>
+            </a:endParaRPr>
+          </a:p>
+          <a:p>
+            <a:r>
+              <a:rPr lang="en-US" sz="1200" kern="1200" dirty="0" smtClean="0">
+                <a:solidFill>
+                  <a:schemeClr val="tx1"/>
+                </a:solidFill>
+                <a:effectLst/>
+                <a:latin typeface="+mn-lt"/>
+                <a:ea typeface="+mn-ea"/>
+                <a:cs typeface="+mn-cs"/>
+              </a:rPr>
+              <a:t>First</a:t>
+            </a:r>
+            <a:r>
+              <a:rPr lang="en-US" sz="1200" kern="1200" dirty="0" smtClean="0">
+                <a:solidFill>
+                  <a:schemeClr val="tx1"/>
+                </a:solidFill>
+                <a:effectLst/>
+                <a:latin typeface="+mn-lt"/>
+                <a:ea typeface="+mn-ea"/>
+                <a:cs typeface="+mn-cs"/>
+              </a:rPr>
+              <a:t>, you’ll need to figure out for yourself the correct balance between specialization and customization. If you create a large number of Scenarios, each highly specialized for a specific use case, then you’ll generally find that each individual is scenario easy to maintain over time, but you’ll end up creating a lot of them with chunks of duplicate logic. If you create a smaller number of general purpose Scenarios that can be highly customized via arguments then you’ll create fewer objects, but it may be hard to refactor a Scenario because it might be used in lots of different ways by lots of different tests.</a:t>
+            </a:r>
+          </a:p>
+          <a:p>
+            <a:endParaRPr lang="en-US" sz="1200" kern="1200" dirty="0" smtClean="0">
+              <a:solidFill>
+                <a:schemeClr val="tx1"/>
+              </a:solidFill>
+              <a:effectLst/>
+              <a:latin typeface="+mn-lt"/>
+              <a:ea typeface="+mn-ea"/>
+              <a:cs typeface="+mn-cs"/>
+            </a:endParaRPr>
+          </a:p>
+          <a:p>
+            <a:r>
+              <a:rPr lang="en-US" sz="1200" kern="1200" dirty="0" smtClean="0">
+                <a:solidFill>
+                  <a:schemeClr val="tx1"/>
+                </a:solidFill>
+                <a:effectLst/>
+                <a:latin typeface="+mn-lt"/>
+                <a:ea typeface="+mn-ea"/>
+                <a:cs typeface="+mn-cs"/>
+              </a:rPr>
+              <a:t>That </a:t>
+            </a:r>
+            <a:r>
+              <a:rPr lang="en-US" sz="1200" kern="1200" dirty="0" smtClean="0">
+                <a:solidFill>
+                  <a:schemeClr val="tx1"/>
+                </a:solidFill>
+                <a:effectLst/>
+                <a:latin typeface="+mn-lt"/>
+                <a:ea typeface="+mn-ea"/>
+                <a:cs typeface="+mn-cs"/>
+              </a:rPr>
+              <a:t>balance is hard to predict in advance. My rule of thumb is that if I’m only creating two or three objects in a test, I’ll usually just call the Test Helpers directly. But if I have more than that, AND I’m reusing that logic in more than two or three tests, I’ll extract out a Scenario. </a:t>
+            </a:r>
+          </a:p>
+          <a:p>
+            <a:endParaRPr lang="en-US" sz="1200" kern="1200" dirty="0" smtClean="0">
+              <a:solidFill>
+                <a:schemeClr val="tx1"/>
+              </a:solidFill>
+              <a:effectLst/>
+              <a:latin typeface="+mn-lt"/>
+              <a:ea typeface="+mn-ea"/>
+              <a:cs typeface="+mn-cs"/>
+            </a:endParaRPr>
+          </a:p>
+          <a:p>
+            <a:r>
+              <a:rPr lang="en-US" sz="1200" kern="1200" dirty="0" smtClean="0">
+                <a:solidFill>
+                  <a:schemeClr val="tx1"/>
+                </a:solidFill>
+                <a:effectLst/>
+                <a:latin typeface="+mn-lt"/>
+                <a:ea typeface="+mn-ea"/>
+                <a:cs typeface="+mn-cs"/>
+              </a:rPr>
+              <a:t>Also</a:t>
+            </a:r>
+            <a:r>
+              <a:rPr lang="en-US" sz="1200" kern="1200" dirty="0" smtClean="0">
+                <a:solidFill>
+                  <a:schemeClr val="tx1"/>
+                </a:solidFill>
+                <a:effectLst/>
+                <a:latin typeface="+mn-lt"/>
+                <a:ea typeface="+mn-ea"/>
+                <a:cs typeface="+mn-cs"/>
+              </a:rPr>
+              <a:t>, remember that Scenarios are helpful because they are facades that encapsulate and abstract the coordination of multiple objects at the same time. If you need a lot of Scenarios, that might be a code smell indicating that those facades would be more useful in the core app itself. For example, if we go back to that e-commerce scenario I just showed you, you could argue that a better design might be to create an object or service that encapsulates all of the information about a given Order, and then base your business rules on that abstraction instead. If you go that route then you may need fewer Scenarios in your unit tests, but they are still really handy when it comes to integration tests.</a:t>
             </a:r>
             <a:endParaRPr lang="en-US" sz="1200" kern="1200" dirty="0">
               <a:solidFill>
@@ -10733,31 +14395,77 @@
             </a:r>
           </a:p>
           <a:p>
-            <a:r>
-              <a:rPr lang="en-US" sz="1200" kern="1200" dirty="0" smtClean="0">
-                <a:solidFill>
-                  <a:schemeClr val="tx1"/>
-                </a:solidFill>
-                <a:effectLst/>
-                <a:latin typeface="+mn-lt"/>
-                <a:ea typeface="+mn-ea"/>
-                <a:cs typeface="+mn-cs"/>
-              </a:rPr>
-              <a:t>This is a key practice because it addresses mistake #4 that we talked about. If you have a library of helpers that create data, then your integration tests no longer need to rely on pre-existing data. Instead, they can create exactly what they need in exactly the shape they need it. </a:t>
-            </a:r>
-          </a:p>
-          <a:p>
-            <a:r>
-              <a:rPr lang="en-US" sz="1200" kern="1200" dirty="0" smtClean="0">
-                <a:solidFill>
-                  <a:schemeClr val="tx1"/>
-                </a:solidFill>
-                <a:effectLst/>
-                <a:latin typeface="+mn-lt"/>
-                <a:ea typeface="+mn-ea"/>
-                <a:cs typeface="+mn-cs"/>
-              </a:rPr>
-              <a:t>In a perfect world, we’d be able to use the same set of helpers to create data in memory or in the database.</a:t>
+            <a:endParaRPr lang="en-US" sz="1200" kern="1200" dirty="0" smtClean="0">
+              <a:solidFill>
+                <a:schemeClr val="tx1"/>
+              </a:solidFill>
+              <a:effectLst/>
+              <a:latin typeface="+mn-lt"/>
+              <a:ea typeface="+mn-ea"/>
+              <a:cs typeface="+mn-cs"/>
+            </a:endParaRPr>
+          </a:p>
+          <a:p>
+            <a:r>
+              <a:rPr lang="en-US" sz="1200" kern="1200" dirty="0" smtClean="0">
+                <a:solidFill>
+                  <a:schemeClr val="tx1"/>
+                </a:solidFill>
+                <a:effectLst/>
+                <a:latin typeface="+mn-lt"/>
+                <a:ea typeface="+mn-ea"/>
+                <a:cs typeface="+mn-cs"/>
+              </a:rPr>
+              <a:t>This </a:t>
+            </a:r>
+            <a:r>
+              <a:rPr lang="en-US" sz="1200" kern="1200" dirty="0" smtClean="0">
+                <a:solidFill>
+                  <a:schemeClr val="tx1"/>
+                </a:solidFill>
+                <a:effectLst/>
+                <a:latin typeface="+mn-lt"/>
+                <a:ea typeface="+mn-ea"/>
+                <a:cs typeface="+mn-cs"/>
+              </a:rPr>
+              <a:t>is a key practice because it addresses mistake #4 that we talked about. If you have a library of helpers that create data, then your integration tests no longer need to rely on pre-existing data. Instead, they can create exactly what they need in exactly the shape they need it. </a:t>
+            </a:r>
+          </a:p>
+          <a:p>
+            <a:endParaRPr lang="en-US" sz="1200" kern="1200" dirty="0" smtClean="0">
+              <a:solidFill>
+                <a:schemeClr val="tx1"/>
+              </a:solidFill>
+              <a:effectLst/>
+              <a:latin typeface="+mn-lt"/>
+              <a:ea typeface="+mn-ea"/>
+              <a:cs typeface="+mn-cs"/>
+            </a:endParaRPr>
+          </a:p>
+          <a:p>
+            <a:r>
+              <a:rPr lang="en-US" sz="1200" kern="1200" dirty="0" smtClean="0">
+                <a:solidFill>
+                  <a:schemeClr val="tx1"/>
+                </a:solidFill>
+                <a:effectLst/>
+                <a:latin typeface="+mn-lt"/>
+                <a:ea typeface="+mn-ea"/>
+                <a:cs typeface="+mn-cs"/>
+              </a:rPr>
+              <a:t>In </a:t>
+            </a:r>
+            <a:r>
+              <a:rPr lang="en-US" sz="1200" kern="1200" dirty="0" smtClean="0">
+                <a:solidFill>
+                  <a:schemeClr val="tx1"/>
+                </a:solidFill>
+                <a:effectLst/>
+                <a:latin typeface="+mn-lt"/>
+                <a:ea typeface="+mn-ea"/>
+                <a:cs typeface="+mn-cs"/>
+              </a:rPr>
+              <a:t>a perfect world, we’d be able to use the same set of helpers to create data in memory or in the database.</a:t>
             </a:r>
             <a:endParaRPr lang="en-US" sz="1200" kern="1200" dirty="0">
               <a:solidFill>
@@ -10878,7 +14586,7 @@
                 <a:ea typeface="+mn-ea"/>
                 <a:cs typeface="+mn-cs"/>
               </a:rPr>
-              <a:t>Unfortunately, it’s easier said than done.</a:t>
+              <a:t>Unfortunately, that's easier said than done.</a:t>
             </a:r>
           </a:p>
           <a:p>
@@ -11308,17 +15016,40 @@
             </a:r>
           </a:p>
           <a:p>
-            <a:r>
-              <a:rPr lang="en-US" sz="1200" kern="1200" dirty="0" smtClean="0">
-                <a:solidFill>
-                  <a:schemeClr val="tx1"/>
-                </a:solidFill>
-                <a:effectLst/>
-                <a:latin typeface="+mn-lt"/>
-                <a:ea typeface="+mn-ea"/>
-                <a:cs typeface="+mn-cs"/>
-              </a:rPr>
-              <a:t>These things make integration tests difficult, but we can handle them with a few extra additions to the Test Helper pattern.</a:t>
+            <a:endParaRPr lang="en-US" sz="1200" kern="1200" dirty="0" smtClean="0">
+              <a:solidFill>
+                <a:schemeClr val="tx1"/>
+              </a:solidFill>
+              <a:effectLst/>
+              <a:latin typeface="+mn-lt"/>
+              <a:ea typeface="+mn-ea"/>
+              <a:cs typeface="+mn-cs"/>
+            </a:endParaRPr>
+          </a:p>
+          <a:p>
+            <a:r>
+              <a:rPr lang="en-US" sz="1200" kern="1200" dirty="0" smtClean="0">
+                <a:solidFill>
+                  <a:schemeClr val="tx1"/>
+                </a:solidFill>
+                <a:effectLst/>
+                <a:latin typeface="+mn-lt"/>
+                <a:ea typeface="+mn-ea"/>
+                <a:cs typeface="+mn-cs"/>
+              </a:rPr>
+              <a:t>These </a:t>
+            </a:r>
+            <a:r>
+              <a:rPr lang="en-US" sz="1200" kern="1200" dirty="0" smtClean="0">
+                <a:solidFill>
+                  <a:schemeClr val="tx1"/>
+                </a:solidFill>
+                <a:effectLst/>
+                <a:latin typeface="+mn-lt"/>
+                <a:ea typeface="+mn-ea"/>
+                <a:cs typeface="+mn-cs"/>
+              </a:rPr>
+              <a:t>things make integration tests difficult, but we can handle them with a few extra additions to the Test Helper pattern.</a:t>
             </a:r>
           </a:p>
           <a:p>
@@ -11424,22 +15155,270 @@
                 <a:ea typeface="+mn-ea"/>
                 <a:cs typeface="+mn-cs"/>
               </a:rPr>
-              <a:t>So why is test setup so important? The answer is because it makes up the majority of your test code. </a:t>
-            </a:r>
-          </a:p>
-          <a:p>
-            <a:r>
-              <a:rPr lang="en-US" sz="1200" kern="1200" dirty="0" smtClean="0">
-                <a:solidFill>
-                  <a:schemeClr val="tx1"/>
-                </a:solidFill>
-                <a:effectLst/>
-                <a:latin typeface="+mn-lt"/>
-                <a:ea typeface="+mn-ea"/>
-                <a:cs typeface="+mn-cs"/>
-              </a:rPr>
-              <a:t>Assuming that you’re not doing really bizarre in your tests, they likely all follow the same pattern: you do a bunch of stuff to get ready, then you call the one method or function that you’re testing and end with an assertion or two. The bulk of the code is the setup, and the quality of that code is a huge factor in how effectively you can leverage tests towards your ultimate goals.</a:t>
-            </a:r>
+              <a:t>So why is test setup so important? </a:t>
+            </a:r>
+            <a:r>
+              <a:rPr lang="en-US" sz="1200" kern="1200" dirty="0" smtClean="0">
+                <a:solidFill>
+                  <a:schemeClr val="tx1"/>
+                </a:solidFill>
+                <a:effectLst/>
+                <a:latin typeface="+mn-lt"/>
+                <a:ea typeface="+mn-ea"/>
+                <a:cs typeface="+mn-cs"/>
+              </a:rPr>
+              <a:t>It </a:t>
+            </a:r>
+            <a:r>
+              <a:rPr lang="en-US" sz="1200" kern="1200" dirty="0" smtClean="0">
+                <a:solidFill>
+                  <a:schemeClr val="tx1"/>
+                </a:solidFill>
+                <a:effectLst/>
+                <a:latin typeface="+mn-lt"/>
+                <a:ea typeface="+mn-ea"/>
+                <a:cs typeface="+mn-cs"/>
+              </a:rPr>
+              <a:t>makes up the majority of your test code</a:t>
+            </a:r>
+            <a:r>
+              <a:rPr lang="en-US" sz="1200" kern="1200" dirty="0" smtClean="0">
+                <a:solidFill>
+                  <a:schemeClr val="tx1"/>
+                </a:solidFill>
+                <a:effectLst/>
+                <a:latin typeface="+mn-lt"/>
+                <a:ea typeface="+mn-ea"/>
+                <a:cs typeface="+mn-cs"/>
+              </a:rPr>
+              <a:t>.</a:t>
+            </a:r>
+          </a:p>
+          <a:p>
+            <a:r>
+              <a:rPr lang="en-US" sz="1200" kern="1200" dirty="0" smtClean="0">
+                <a:solidFill>
+                  <a:schemeClr val="tx1"/>
+                </a:solidFill>
+                <a:effectLst/>
+                <a:latin typeface="+mn-lt"/>
+                <a:ea typeface="+mn-ea"/>
+                <a:cs typeface="+mn-cs"/>
+              </a:rPr>
+              <a:t> </a:t>
+            </a:r>
+            <a:endParaRPr lang="en-US" sz="1200" kern="1200" dirty="0" smtClean="0">
+              <a:solidFill>
+                <a:schemeClr val="tx1"/>
+              </a:solidFill>
+              <a:effectLst/>
+              <a:latin typeface="+mn-lt"/>
+              <a:ea typeface="+mn-ea"/>
+              <a:cs typeface="+mn-cs"/>
+            </a:endParaRPr>
+          </a:p>
+          <a:p>
+            <a:r>
+              <a:rPr lang="en-US" sz="1200" kern="1200" dirty="0" smtClean="0">
+                <a:solidFill>
+                  <a:schemeClr val="tx1"/>
+                </a:solidFill>
+                <a:effectLst/>
+                <a:latin typeface="+mn-lt"/>
+                <a:ea typeface="+mn-ea"/>
+                <a:cs typeface="+mn-cs"/>
+              </a:rPr>
+              <a:t>Assuming </a:t>
+            </a:r>
+            <a:r>
+              <a:rPr lang="en-US" sz="1200" kern="1200" dirty="0" smtClean="0">
+                <a:solidFill>
+                  <a:schemeClr val="tx1"/>
+                </a:solidFill>
+                <a:effectLst/>
+                <a:latin typeface="+mn-lt"/>
+                <a:ea typeface="+mn-ea"/>
+                <a:cs typeface="+mn-cs"/>
+              </a:rPr>
+              <a:t>you’re </a:t>
+            </a:r>
+            <a:r>
+              <a:rPr lang="en-US" sz="1200" kern="1200" dirty="0" smtClean="0">
+                <a:solidFill>
+                  <a:schemeClr val="tx1"/>
+                </a:solidFill>
+                <a:effectLst/>
+                <a:latin typeface="+mn-lt"/>
+                <a:ea typeface="+mn-ea"/>
+                <a:cs typeface="+mn-cs"/>
+              </a:rPr>
+              <a:t>not doing </a:t>
+            </a:r>
+            <a:r>
+              <a:rPr lang="en-US" sz="1200" kern="1200" dirty="0" smtClean="0">
+                <a:solidFill>
+                  <a:schemeClr val="tx1"/>
+                </a:solidFill>
+                <a:effectLst/>
+                <a:latin typeface="+mn-lt"/>
+                <a:ea typeface="+mn-ea"/>
+                <a:cs typeface="+mn-cs"/>
+              </a:rPr>
+              <a:t>anything bizarre </a:t>
+            </a:r>
+            <a:r>
+              <a:rPr lang="en-US" sz="1200" kern="1200" dirty="0" smtClean="0">
+                <a:solidFill>
+                  <a:schemeClr val="tx1"/>
+                </a:solidFill>
+                <a:effectLst/>
+                <a:latin typeface="+mn-lt"/>
+                <a:ea typeface="+mn-ea"/>
+                <a:cs typeface="+mn-cs"/>
+              </a:rPr>
+              <a:t>in your tests, they likely all follow the same pattern: </a:t>
+            </a:r>
+            <a:r>
+              <a:rPr lang="en-US" sz="1200" kern="1200" dirty="0" smtClean="0">
+                <a:solidFill>
+                  <a:schemeClr val="tx1"/>
+                </a:solidFill>
+                <a:effectLst/>
+                <a:latin typeface="+mn-lt"/>
+                <a:ea typeface="+mn-ea"/>
+                <a:cs typeface="+mn-cs"/>
+              </a:rPr>
+              <a:t>do </a:t>
+            </a:r>
+            <a:r>
+              <a:rPr lang="en-US" sz="1200" kern="1200" dirty="0" smtClean="0">
+                <a:solidFill>
+                  <a:schemeClr val="tx1"/>
+                </a:solidFill>
+                <a:effectLst/>
+                <a:latin typeface="+mn-lt"/>
+                <a:ea typeface="+mn-ea"/>
+                <a:cs typeface="+mn-cs"/>
+              </a:rPr>
+              <a:t>a bunch of stuff to get ready, then </a:t>
+            </a:r>
+            <a:r>
+              <a:rPr lang="en-US" sz="1200" kern="1200" dirty="0" smtClean="0">
+                <a:solidFill>
+                  <a:schemeClr val="tx1"/>
+                </a:solidFill>
+                <a:effectLst/>
+                <a:latin typeface="+mn-lt"/>
+                <a:ea typeface="+mn-ea"/>
+                <a:cs typeface="+mn-cs"/>
+              </a:rPr>
+              <a:t>call </a:t>
+            </a:r>
+            <a:r>
+              <a:rPr lang="en-US" sz="1200" kern="1200" dirty="0" smtClean="0">
+                <a:solidFill>
+                  <a:schemeClr val="tx1"/>
+                </a:solidFill>
+                <a:effectLst/>
+                <a:latin typeface="+mn-lt"/>
+                <a:ea typeface="+mn-ea"/>
+                <a:cs typeface="+mn-cs"/>
+              </a:rPr>
+              <a:t>the one method or function that you’re testing and end </a:t>
+            </a:r>
+            <a:r>
+              <a:rPr lang="en-US" sz="1200" kern="1200" dirty="0" smtClean="0">
+                <a:solidFill>
+                  <a:schemeClr val="tx1"/>
+                </a:solidFill>
+                <a:effectLst/>
+                <a:latin typeface="+mn-lt"/>
+                <a:ea typeface="+mn-ea"/>
+                <a:cs typeface="+mn-cs"/>
+              </a:rPr>
+              <a:t>w/ assertion </a:t>
+            </a:r>
+            <a:r>
+              <a:rPr lang="en-US" sz="1200" kern="1200" dirty="0" smtClean="0">
+                <a:solidFill>
+                  <a:schemeClr val="tx1"/>
+                </a:solidFill>
+                <a:effectLst/>
+                <a:latin typeface="+mn-lt"/>
+                <a:ea typeface="+mn-ea"/>
+                <a:cs typeface="+mn-cs"/>
+              </a:rPr>
+              <a:t>or two. </a:t>
+            </a:r>
+            <a:endParaRPr lang="en-US" sz="1200" kern="1200" dirty="0" smtClean="0">
+              <a:solidFill>
+                <a:schemeClr val="tx1"/>
+              </a:solidFill>
+              <a:effectLst/>
+              <a:latin typeface="+mn-lt"/>
+              <a:ea typeface="+mn-ea"/>
+              <a:cs typeface="+mn-cs"/>
+            </a:endParaRPr>
+          </a:p>
+          <a:p>
+            <a:endParaRPr lang="en-US" sz="1200" kern="1200" dirty="0" smtClean="0">
+              <a:solidFill>
+                <a:schemeClr val="tx1"/>
+              </a:solidFill>
+              <a:effectLst/>
+              <a:latin typeface="+mn-lt"/>
+              <a:ea typeface="+mn-ea"/>
+              <a:cs typeface="+mn-cs"/>
+            </a:endParaRPr>
+          </a:p>
+          <a:p>
+            <a:r>
+              <a:rPr lang="en-US" sz="1200" kern="1200" dirty="0" smtClean="0">
+                <a:solidFill>
+                  <a:schemeClr val="tx1"/>
+                </a:solidFill>
+                <a:effectLst/>
+                <a:latin typeface="+mn-lt"/>
+                <a:ea typeface="+mn-ea"/>
+                <a:cs typeface="+mn-cs"/>
+              </a:rPr>
+              <a:t>Bulk </a:t>
+            </a:r>
+            <a:r>
+              <a:rPr lang="en-US" sz="1200" kern="1200" dirty="0" smtClean="0">
+                <a:solidFill>
+                  <a:schemeClr val="tx1"/>
+                </a:solidFill>
+                <a:effectLst/>
+                <a:latin typeface="+mn-lt"/>
+                <a:ea typeface="+mn-ea"/>
+                <a:cs typeface="+mn-cs"/>
+              </a:rPr>
+              <a:t>of the code is the setup, and the quality of that code is a huge factor in how effectively you can leverage tests towards your ultimate goals</a:t>
+            </a:r>
+            <a:r>
+              <a:rPr lang="en-US" sz="1200" kern="1200" dirty="0" smtClean="0">
+                <a:solidFill>
+                  <a:schemeClr val="tx1"/>
+                </a:solidFill>
+                <a:effectLst/>
+                <a:latin typeface="+mn-lt"/>
+                <a:ea typeface="+mn-ea"/>
+                <a:cs typeface="+mn-cs"/>
+              </a:rPr>
+              <a:t>.</a:t>
+            </a:r>
+          </a:p>
+          <a:p>
+            <a:endParaRPr lang="en-US" sz="1200" kern="1200" dirty="0" smtClean="0">
+              <a:solidFill>
+                <a:schemeClr val="tx1"/>
+              </a:solidFill>
+              <a:effectLst/>
+              <a:latin typeface="+mn-lt"/>
+              <a:ea typeface="+mn-ea"/>
+              <a:cs typeface="+mn-cs"/>
+            </a:endParaRPr>
           </a:p>
           <a:p>
             <a:r>
@@ -11476,8 +15455,31 @@
                 <a:ea typeface="+mn-ea"/>
                 <a:cs typeface="+mn-cs"/>
               </a:rPr>
-              <a:t> cost you. To help illustrate that, I have a short story about why I’m here and where these ideas came from.</a:t>
-            </a:r>
+              <a:t> cost you. To help illustrate that, I have a short story about why I’m here and where these ideas came from</a:t>
+            </a:r>
+            <a:r>
+              <a:rPr lang="en-US" sz="1200" kern="1200" dirty="0" smtClean="0">
+                <a:solidFill>
+                  <a:schemeClr val="tx1"/>
+                </a:solidFill>
+                <a:effectLst/>
+                <a:latin typeface="+mn-lt"/>
+                <a:ea typeface="+mn-ea"/>
+                <a:cs typeface="+mn-cs"/>
+              </a:rPr>
+              <a:t>.</a:t>
+            </a:r>
+          </a:p>
+          <a:p>
+            <a:endParaRPr lang="en-US" sz="1200" kern="1200" dirty="0" smtClean="0">
+              <a:solidFill>
+                <a:schemeClr val="tx1"/>
+              </a:solidFill>
+              <a:effectLst/>
+              <a:latin typeface="+mn-lt"/>
+              <a:ea typeface="+mn-ea"/>
+              <a:cs typeface="+mn-cs"/>
+            </a:endParaRPr>
           </a:p>
           <a:p>
             <a:r>
@@ -11755,31 +15757,77 @@
             </a:r>
           </a:p>
           <a:p>
-            <a:r>
-              <a:rPr lang="en-US" sz="1200" kern="1200" dirty="0" smtClean="0">
-                <a:solidFill>
-                  <a:schemeClr val="tx1"/>
-                </a:solidFill>
-                <a:effectLst/>
-                <a:latin typeface="+mn-lt"/>
-                <a:ea typeface="+mn-ea"/>
-                <a:cs typeface="+mn-cs"/>
-              </a:rPr>
-              <a:t>But if the service that we’re testing is a data service, then this filtering logic might be implemented in a SQL query. The only way to properly test that filter is to create real data in a real database. </a:t>
-            </a:r>
-          </a:p>
-          <a:p>
-            <a:r>
-              <a:rPr lang="en-US" sz="1200" kern="1200" dirty="0" smtClean="0">
-                <a:solidFill>
-                  <a:schemeClr val="tx1"/>
-                </a:solidFill>
-                <a:effectLst/>
-                <a:latin typeface="+mn-lt"/>
-                <a:ea typeface="+mn-ea"/>
-                <a:cs typeface="+mn-cs"/>
-              </a:rPr>
-              <a:t>But it would be great if we could use this same code to create that data in a way that addresses all of those issues we just looked at.</a:t>
+            <a:endParaRPr lang="en-US" sz="1200" kern="1200" dirty="0" smtClean="0">
+              <a:solidFill>
+                <a:schemeClr val="tx1"/>
+              </a:solidFill>
+              <a:effectLst/>
+              <a:latin typeface="+mn-lt"/>
+              <a:ea typeface="+mn-ea"/>
+              <a:cs typeface="+mn-cs"/>
+            </a:endParaRPr>
+          </a:p>
+          <a:p>
+            <a:r>
+              <a:rPr lang="en-US" sz="1200" kern="1200" dirty="0" smtClean="0">
+                <a:solidFill>
+                  <a:schemeClr val="tx1"/>
+                </a:solidFill>
+                <a:effectLst/>
+                <a:latin typeface="+mn-lt"/>
+                <a:ea typeface="+mn-ea"/>
+                <a:cs typeface="+mn-cs"/>
+              </a:rPr>
+              <a:t>But </a:t>
+            </a:r>
+            <a:r>
+              <a:rPr lang="en-US" sz="1200" kern="1200" dirty="0" smtClean="0">
+                <a:solidFill>
+                  <a:schemeClr val="tx1"/>
+                </a:solidFill>
+                <a:effectLst/>
+                <a:latin typeface="+mn-lt"/>
+                <a:ea typeface="+mn-ea"/>
+                <a:cs typeface="+mn-cs"/>
+              </a:rPr>
+              <a:t>if the service that we’re testing is a data service, then this filtering logic might be implemented in a SQL query. The only way to properly test that filter is to create real data in a real database. </a:t>
+            </a:r>
+          </a:p>
+          <a:p>
+            <a:endParaRPr lang="en-US" sz="1200" kern="1200" dirty="0" smtClean="0">
+              <a:solidFill>
+                <a:schemeClr val="tx1"/>
+              </a:solidFill>
+              <a:effectLst/>
+              <a:latin typeface="+mn-lt"/>
+              <a:ea typeface="+mn-ea"/>
+              <a:cs typeface="+mn-cs"/>
+            </a:endParaRPr>
+          </a:p>
+          <a:p>
+            <a:r>
+              <a:rPr lang="en-US" sz="1200" kern="1200" dirty="0" smtClean="0">
+                <a:solidFill>
+                  <a:schemeClr val="tx1"/>
+                </a:solidFill>
+                <a:effectLst/>
+                <a:latin typeface="+mn-lt"/>
+                <a:ea typeface="+mn-ea"/>
+                <a:cs typeface="+mn-cs"/>
+              </a:rPr>
+              <a:t>But </a:t>
+            </a:r>
+            <a:r>
+              <a:rPr lang="en-US" sz="1200" kern="1200" dirty="0" smtClean="0">
+                <a:solidFill>
+                  <a:schemeClr val="tx1"/>
+                </a:solidFill>
+                <a:effectLst/>
+                <a:latin typeface="+mn-lt"/>
+                <a:ea typeface="+mn-ea"/>
+                <a:cs typeface="+mn-cs"/>
+              </a:rPr>
+              <a:t>it would be great if we could use this same code to create that data in a way that addresses all of those issues we just looked at.</a:t>
             </a:r>
             <a:endParaRPr lang="en-US" sz="1200" kern="1200" dirty="0">
               <a:solidFill>
@@ -11911,31 +15959,77 @@
             </a:r>
           </a:p>
           <a:p>
-            <a:r>
-              <a:rPr lang="en-US" sz="1200" kern="1200" dirty="0" smtClean="0">
-                <a:solidFill>
-                  <a:schemeClr val="tx1"/>
-                </a:solidFill>
-                <a:effectLst/>
-                <a:latin typeface="+mn-lt"/>
-                <a:ea typeface="+mn-ea"/>
-                <a:cs typeface="+mn-cs"/>
-              </a:rPr>
-              <a:t>Obviously, this method needs some way of talking to the database, so you’ll either need to pass a database connection into the Save method when you call it, or you’ll need to use some sort of dependency injection to make it available. Since all of our other helper methods are static, I’ve found it easier to keep the Save method static as well and not worry about DI in this case.</a:t>
-            </a:r>
-          </a:p>
-          <a:p>
-            <a:r>
-              <a:rPr lang="en-US" sz="1200" kern="1200" dirty="0" smtClean="0">
-                <a:solidFill>
-                  <a:schemeClr val="tx1"/>
-                </a:solidFill>
-                <a:effectLst/>
-                <a:latin typeface="+mn-lt"/>
-                <a:ea typeface="+mn-ea"/>
-                <a:cs typeface="+mn-cs"/>
-              </a:rPr>
-              <a:t>My project uses NHibernate so we pass around an </a:t>
+            <a:endParaRPr lang="en-US" sz="1200" kern="1200" dirty="0" smtClean="0">
+              <a:solidFill>
+                <a:schemeClr val="tx1"/>
+              </a:solidFill>
+              <a:effectLst/>
+              <a:latin typeface="+mn-lt"/>
+              <a:ea typeface="+mn-ea"/>
+              <a:cs typeface="+mn-cs"/>
+            </a:endParaRPr>
+          </a:p>
+          <a:p>
+            <a:r>
+              <a:rPr lang="en-US" sz="1200" kern="1200" dirty="0" smtClean="0">
+                <a:solidFill>
+                  <a:schemeClr val="tx1"/>
+                </a:solidFill>
+                <a:effectLst/>
+                <a:latin typeface="+mn-lt"/>
+                <a:ea typeface="+mn-ea"/>
+                <a:cs typeface="+mn-cs"/>
+              </a:rPr>
+              <a:t>Obviously</a:t>
+            </a:r>
+            <a:r>
+              <a:rPr lang="en-US" sz="1200" kern="1200" dirty="0" smtClean="0">
+                <a:solidFill>
+                  <a:schemeClr val="tx1"/>
+                </a:solidFill>
+                <a:effectLst/>
+                <a:latin typeface="+mn-lt"/>
+                <a:ea typeface="+mn-ea"/>
+                <a:cs typeface="+mn-cs"/>
+              </a:rPr>
+              <a:t>, this method needs some way of talking to the database, so you’ll either need to pass a database connection into the Save method when you call it, or you’ll need to use some sort of dependency injection to make it available. Since all of our other helper methods are static, I’ve found it easier to keep the Save method static as well and not worry about DI in this case.</a:t>
+            </a:r>
+          </a:p>
+          <a:p>
+            <a:endParaRPr lang="en-US" sz="1200" kern="1200" dirty="0" smtClean="0">
+              <a:solidFill>
+                <a:schemeClr val="tx1"/>
+              </a:solidFill>
+              <a:effectLst/>
+              <a:latin typeface="+mn-lt"/>
+              <a:ea typeface="+mn-ea"/>
+              <a:cs typeface="+mn-cs"/>
+            </a:endParaRPr>
+          </a:p>
+          <a:p>
+            <a:r>
+              <a:rPr lang="en-US" sz="1200" kern="1200" dirty="0" smtClean="0">
+                <a:solidFill>
+                  <a:schemeClr val="tx1"/>
+                </a:solidFill>
+                <a:effectLst/>
+                <a:latin typeface="+mn-lt"/>
+                <a:ea typeface="+mn-ea"/>
+                <a:cs typeface="+mn-cs"/>
+              </a:rPr>
+              <a:t>My </a:t>
+            </a:r>
+            <a:r>
+              <a:rPr lang="en-US" sz="1200" kern="1200" dirty="0" smtClean="0">
+                <a:solidFill>
+                  <a:schemeClr val="tx1"/>
+                </a:solidFill>
+                <a:effectLst/>
+                <a:latin typeface="+mn-lt"/>
+                <a:ea typeface="+mn-ea"/>
+                <a:cs typeface="+mn-cs"/>
+              </a:rPr>
+              <a:t>project uses NHibernate so we pass around an </a:t>
             </a:r>
             <a:r>
               <a:rPr lang="en-US" sz="1200" kern="1200" dirty="0" err="1" smtClean="0">
@@ -12091,17 +16185,40 @@
             </a:r>
           </a:p>
           <a:p>
-            <a:r>
-              <a:rPr lang="en-US" sz="1200" kern="1200" dirty="0" smtClean="0">
-                <a:solidFill>
-                  <a:schemeClr val="tx1"/>
-                </a:solidFill>
-                <a:effectLst/>
-                <a:latin typeface="+mn-lt"/>
-                <a:ea typeface="+mn-ea"/>
-                <a:cs typeface="+mn-cs"/>
-              </a:rPr>
-              <a:t>The first thing it does is deal with the foreign key constraints by delegating to other helpers to save its references. In this case, we can’t save an Order unless it references an existing Customer ID. By delegating to the Customer helper to create that record we keep each individual helper clean and focused on a single type.</a:t>
+            <a:endParaRPr lang="en-US" sz="1200" kern="1200" dirty="0" smtClean="0">
+              <a:solidFill>
+                <a:schemeClr val="tx1"/>
+              </a:solidFill>
+              <a:effectLst/>
+              <a:latin typeface="+mn-lt"/>
+              <a:ea typeface="+mn-ea"/>
+              <a:cs typeface="+mn-cs"/>
+            </a:endParaRPr>
+          </a:p>
+          <a:p>
+            <a:r>
+              <a:rPr lang="en-US" sz="1200" kern="1200" dirty="0" smtClean="0">
+                <a:solidFill>
+                  <a:schemeClr val="tx1"/>
+                </a:solidFill>
+                <a:effectLst/>
+                <a:latin typeface="+mn-lt"/>
+                <a:ea typeface="+mn-ea"/>
+                <a:cs typeface="+mn-cs"/>
+              </a:rPr>
+              <a:t>The </a:t>
+            </a:r>
+            <a:r>
+              <a:rPr lang="en-US" sz="1200" kern="1200" dirty="0" smtClean="0">
+                <a:solidFill>
+                  <a:schemeClr val="tx1"/>
+                </a:solidFill>
+                <a:effectLst/>
+                <a:latin typeface="+mn-lt"/>
+                <a:ea typeface="+mn-ea"/>
+                <a:cs typeface="+mn-cs"/>
+              </a:rPr>
+              <a:t>first thing it does is deal with the foreign key constraints by delegating to other helpers to save its references. In this case, we can’t save an Order unless it references an existing Customer ID. By delegating to the Customer helper to create that record we keep each individual helper clean and focused on a single type.</a:t>
             </a:r>
             <a:endParaRPr lang="en-US" sz="1200" kern="1200" dirty="0">
               <a:solidFill>
@@ -12209,31 +16326,77 @@
             </a:r>
           </a:p>
           <a:p>
-            <a:r>
-              <a:rPr lang="en-US" sz="1200" kern="1200" dirty="0" smtClean="0">
-                <a:solidFill>
-                  <a:schemeClr val="tx1"/>
-                </a:solidFill>
-                <a:effectLst/>
-                <a:latin typeface="+mn-lt"/>
-                <a:ea typeface="+mn-ea"/>
-                <a:cs typeface="+mn-cs"/>
-              </a:rPr>
-              <a:t>Remember that to avoid “unexpected equality”, each object that we create is assigned a non-zero value. But many ORMs use the ID property to determine if they should issue an INSERT or UPDATE query, and if the ORM sees a non-zero ID it will issue an UPDATE statement, and not an INSERT.</a:t>
-            </a:r>
-          </a:p>
-          <a:p>
-            <a:r>
-              <a:rPr lang="en-US" sz="1200" kern="1200" dirty="0" smtClean="0">
-                <a:solidFill>
-                  <a:schemeClr val="tx1"/>
-                </a:solidFill>
-                <a:effectLst/>
-                <a:latin typeface="+mn-lt"/>
-                <a:ea typeface="+mn-ea"/>
-                <a:cs typeface="+mn-cs"/>
-              </a:rPr>
-              <a:t>This is where that </a:t>
+            <a:endParaRPr lang="en-US" sz="1200" kern="1200" dirty="0" smtClean="0">
+              <a:solidFill>
+                <a:schemeClr val="tx1"/>
+              </a:solidFill>
+              <a:effectLst/>
+              <a:latin typeface="+mn-lt"/>
+              <a:ea typeface="+mn-ea"/>
+              <a:cs typeface="+mn-cs"/>
+            </a:endParaRPr>
+          </a:p>
+          <a:p>
+            <a:r>
+              <a:rPr lang="en-US" sz="1200" kern="1200" dirty="0" smtClean="0">
+                <a:solidFill>
+                  <a:schemeClr val="tx1"/>
+                </a:solidFill>
+                <a:effectLst/>
+                <a:latin typeface="+mn-lt"/>
+                <a:ea typeface="+mn-ea"/>
+                <a:cs typeface="+mn-cs"/>
+              </a:rPr>
+              <a:t>Remember </a:t>
+            </a:r>
+            <a:r>
+              <a:rPr lang="en-US" sz="1200" kern="1200" dirty="0" smtClean="0">
+                <a:solidFill>
+                  <a:schemeClr val="tx1"/>
+                </a:solidFill>
+                <a:effectLst/>
+                <a:latin typeface="+mn-lt"/>
+                <a:ea typeface="+mn-ea"/>
+                <a:cs typeface="+mn-cs"/>
+              </a:rPr>
+              <a:t>that to avoid “unexpected equality”, each object that we create is assigned a non-zero value. But many ORMs use the ID property to determine if they should issue an INSERT or UPDATE query, and if the ORM sees a non-zero ID it will issue an UPDATE statement, and not an INSERT.</a:t>
+            </a:r>
+          </a:p>
+          <a:p>
+            <a:endParaRPr lang="en-US" sz="1200" kern="1200" dirty="0" smtClean="0">
+              <a:solidFill>
+                <a:schemeClr val="tx1"/>
+              </a:solidFill>
+              <a:effectLst/>
+              <a:latin typeface="+mn-lt"/>
+              <a:ea typeface="+mn-ea"/>
+              <a:cs typeface="+mn-cs"/>
+            </a:endParaRPr>
+          </a:p>
+          <a:p>
+            <a:r>
+              <a:rPr lang="en-US" sz="1200" kern="1200" dirty="0" smtClean="0">
+                <a:solidFill>
+                  <a:schemeClr val="tx1"/>
+                </a:solidFill>
+                <a:effectLst/>
+                <a:latin typeface="+mn-lt"/>
+                <a:ea typeface="+mn-ea"/>
+                <a:cs typeface="+mn-cs"/>
+              </a:rPr>
+              <a:t>This </a:t>
+            </a:r>
+            <a:r>
+              <a:rPr lang="en-US" sz="1200" kern="1200" dirty="0" smtClean="0">
+                <a:solidFill>
+                  <a:schemeClr val="tx1"/>
+                </a:solidFill>
+                <a:effectLst/>
+                <a:latin typeface="+mn-lt"/>
+                <a:ea typeface="+mn-ea"/>
+                <a:cs typeface="+mn-cs"/>
+              </a:rPr>
+              <a:t>is where that </a:t>
             </a:r>
             <a:r>
               <a:rPr lang="en-US" sz="1200" kern="1200" dirty="0" err="1" smtClean="0">
@@ -12261,17 +16424,40 @@
             </a:r>
           </a:p>
           <a:p>
-            <a:r>
-              <a:rPr lang="en-US" sz="1200" kern="1200" dirty="0" smtClean="0">
-                <a:solidFill>
-                  <a:schemeClr val="tx1"/>
-                </a:solidFill>
-                <a:effectLst/>
-                <a:latin typeface="+mn-lt"/>
-                <a:ea typeface="+mn-ea"/>
-                <a:cs typeface="+mn-cs"/>
-              </a:rPr>
-              <a:t>Note that we don’t need to reset ALL values that were assigned by the </a:t>
+            <a:endParaRPr lang="en-US" sz="1200" kern="1200" dirty="0" smtClean="0">
+              <a:solidFill>
+                <a:schemeClr val="tx1"/>
+              </a:solidFill>
+              <a:effectLst/>
+              <a:latin typeface="+mn-lt"/>
+              <a:ea typeface="+mn-ea"/>
+              <a:cs typeface="+mn-cs"/>
+            </a:endParaRPr>
+          </a:p>
+          <a:p>
+            <a:r>
+              <a:rPr lang="en-US" sz="1200" kern="1200" dirty="0" smtClean="0">
+                <a:solidFill>
+                  <a:schemeClr val="tx1"/>
+                </a:solidFill>
+                <a:effectLst/>
+                <a:latin typeface="+mn-lt"/>
+                <a:ea typeface="+mn-ea"/>
+                <a:cs typeface="+mn-cs"/>
+              </a:rPr>
+              <a:t>Note </a:t>
+            </a:r>
+            <a:r>
+              <a:rPr lang="en-US" sz="1200" kern="1200" dirty="0" smtClean="0">
+                <a:solidFill>
+                  <a:schemeClr val="tx1"/>
+                </a:solidFill>
+                <a:effectLst/>
+                <a:latin typeface="+mn-lt"/>
+                <a:ea typeface="+mn-ea"/>
+                <a:cs typeface="+mn-cs"/>
+              </a:rPr>
+              <a:t>that we don’t need to reset ALL values that were assigned by the </a:t>
             </a:r>
             <a:r>
               <a:rPr lang="en-US" sz="1200" kern="1200" dirty="0" err="1" smtClean="0">
@@ -12403,45 +16589,114 @@
             </a:r>
           </a:p>
           <a:p>
-            <a:r>
-              <a:rPr lang="en-US" sz="1200" kern="1200" dirty="0" smtClean="0">
-                <a:solidFill>
-                  <a:schemeClr val="tx1"/>
-                </a:solidFill>
-                <a:effectLst/>
-                <a:latin typeface="+mn-lt"/>
-                <a:ea typeface="+mn-ea"/>
-                <a:cs typeface="+mn-cs"/>
-              </a:rPr>
-              <a:t>If you follow this pattern then you can basically write a bunch of unit tests with in-memory data, copy and paste the setup code from one of them into an integration test, add a few calls to this Save method, and you’re done. It’s pretty sweet when it comes together.</a:t>
-            </a:r>
-          </a:p>
-          <a:p>
-            <a:r>
-              <a:rPr lang="en-US" sz="1200" kern="1200" dirty="0" smtClean="0">
-                <a:solidFill>
-                  <a:schemeClr val="tx1"/>
-                </a:solidFill>
-                <a:effectLst/>
-                <a:latin typeface="+mn-lt"/>
-                <a:ea typeface="+mn-ea"/>
-                <a:cs typeface="+mn-cs"/>
-              </a:rPr>
-              <a:t>But how do prevent this test data from lingering in the database when the test run is over?</a:t>
-            </a:r>
-          </a:p>
-          <a:p>
-            <a:r>
-              <a:rPr lang="en-US" sz="1200" kern="1200" dirty="0" smtClean="0">
-                <a:solidFill>
-                  <a:schemeClr val="tx1"/>
-                </a:solidFill>
-                <a:effectLst/>
-                <a:latin typeface="+mn-lt"/>
-                <a:ea typeface="+mn-ea"/>
-                <a:cs typeface="+mn-cs"/>
-              </a:rPr>
-              <a:t>One possibility is to reset the database to a known state at the start of each test run. This works, but I don’t recommend it. One reason is that it’s a massive pain to maintain that baseline backup every time the schema changes or new data is added. Another reason is that I use the same database for unit tests as I do for manual testing. It really sucks to spend a bunch of time crafting data for a manual test and then lose it because you accidently ran an integration test that wiped the slate clean. </a:t>
+            <a:endParaRPr lang="en-US" sz="1200" kern="1200" dirty="0" smtClean="0">
+              <a:solidFill>
+                <a:schemeClr val="tx1"/>
+              </a:solidFill>
+              <a:effectLst/>
+              <a:latin typeface="+mn-lt"/>
+              <a:ea typeface="+mn-ea"/>
+              <a:cs typeface="+mn-cs"/>
+            </a:endParaRPr>
+          </a:p>
+          <a:p>
+            <a:r>
+              <a:rPr lang="en-US" sz="1200" kern="1200" dirty="0" smtClean="0">
+                <a:solidFill>
+                  <a:schemeClr val="tx1"/>
+                </a:solidFill>
+                <a:effectLst/>
+                <a:latin typeface="+mn-lt"/>
+                <a:ea typeface="+mn-ea"/>
+                <a:cs typeface="+mn-cs"/>
+              </a:rPr>
+              <a:t>If </a:t>
+            </a:r>
+            <a:r>
+              <a:rPr lang="en-US" sz="1200" kern="1200" dirty="0" smtClean="0">
+                <a:solidFill>
+                  <a:schemeClr val="tx1"/>
+                </a:solidFill>
+                <a:effectLst/>
+                <a:latin typeface="+mn-lt"/>
+                <a:ea typeface="+mn-ea"/>
+                <a:cs typeface="+mn-cs"/>
+              </a:rPr>
+              <a:t>you follow this pattern then you can basically write a bunch of unit tests with in-memory data, copy and paste the setup code from one of them into an integration test, add a few calls to this Save method, and you’re done. It’s pretty sweet when it comes together.</a:t>
+            </a:r>
+          </a:p>
+          <a:p>
+            <a:endParaRPr lang="en-US" sz="1200" kern="1200" dirty="0" smtClean="0">
+              <a:solidFill>
+                <a:schemeClr val="tx1"/>
+              </a:solidFill>
+              <a:effectLst/>
+              <a:latin typeface="+mn-lt"/>
+              <a:ea typeface="+mn-ea"/>
+              <a:cs typeface="+mn-cs"/>
+            </a:endParaRPr>
+          </a:p>
+          <a:p>
+            <a:r>
+              <a:rPr lang="en-US" sz="1200" kern="1200" dirty="0" smtClean="0">
+                <a:solidFill>
+                  <a:schemeClr val="tx1"/>
+                </a:solidFill>
+                <a:effectLst/>
+                <a:latin typeface="+mn-lt"/>
+                <a:ea typeface="+mn-ea"/>
+                <a:cs typeface="+mn-cs"/>
+              </a:rPr>
+              <a:t>But </a:t>
+            </a:r>
+            <a:r>
+              <a:rPr lang="en-US" sz="1200" kern="1200" dirty="0" smtClean="0">
+                <a:solidFill>
+                  <a:schemeClr val="tx1"/>
+                </a:solidFill>
+                <a:effectLst/>
+                <a:latin typeface="+mn-lt"/>
+                <a:ea typeface="+mn-ea"/>
+                <a:cs typeface="+mn-cs"/>
+              </a:rPr>
+              <a:t>how do prevent this test data from lingering in the database when the test run is over?</a:t>
+            </a:r>
+          </a:p>
+          <a:p>
+            <a:endParaRPr lang="en-US" sz="1200" kern="1200" dirty="0" smtClean="0">
+              <a:solidFill>
+                <a:schemeClr val="tx1"/>
+              </a:solidFill>
+              <a:effectLst/>
+              <a:latin typeface="+mn-lt"/>
+              <a:ea typeface="+mn-ea"/>
+              <a:cs typeface="+mn-cs"/>
+            </a:endParaRPr>
+          </a:p>
+          <a:p>
+            <a:r>
+              <a:rPr lang="en-US" sz="1200" kern="1200" dirty="0" smtClean="0">
+                <a:solidFill>
+                  <a:schemeClr val="tx1"/>
+                </a:solidFill>
+                <a:effectLst/>
+                <a:latin typeface="+mn-lt"/>
+                <a:ea typeface="+mn-ea"/>
+                <a:cs typeface="+mn-cs"/>
+              </a:rPr>
+              <a:t>One </a:t>
+            </a:r>
+            <a:r>
+              <a:rPr lang="en-US" sz="1200" kern="1200" dirty="0" smtClean="0">
+                <a:solidFill>
+                  <a:schemeClr val="tx1"/>
+                </a:solidFill>
+                <a:effectLst/>
+                <a:latin typeface="+mn-lt"/>
+                <a:ea typeface="+mn-ea"/>
+                <a:cs typeface="+mn-cs"/>
+              </a:rPr>
+              <a:t>possibility is to reset the database to a known state at the start of each test run. This works, but I don’t recommend it. One reason is that it’s a massive pain to maintain that baseline backup every time the schema changes or new data is added. Another reason is that I use the same database for unit tests as I do for manual testing. It really sucks to spend a bunch of time crafting data for a manual test and then lose it because you accidently ran an integration test that wiped the slate clean. </a:t>
             </a:r>
             <a:endParaRPr lang="en-US" sz="1200" kern="1200" dirty="0">
               <a:solidFill>
@@ -12549,17 +16804,40 @@
             </a:r>
           </a:p>
           <a:p>
-            <a:r>
-              <a:rPr lang="en-US" sz="1200" kern="1200" dirty="0" smtClean="0">
-                <a:solidFill>
-                  <a:schemeClr val="tx1"/>
-                </a:solidFill>
-                <a:effectLst/>
-                <a:latin typeface="+mn-lt"/>
-                <a:ea typeface="+mn-ea"/>
-                <a:cs typeface="+mn-cs"/>
-              </a:rPr>
-              <a:t>Years ago I wrote a custom </a:t>
+            <a:endParaRPr lang="en-US" sz="1200" kern="1200" dirty="0" smtClean="0">
+              <a:solidFill>
+                <a:schemeClr val="tx1"/>
+              </a:solidFill>
+              <a:effectLst/>
+              <a:latin typeface="+mn-lt"/>
+              <a:ea typeface="+mn-ea"/>
+              <a:cs typeface="+mn-cs"/>
+            </a:endParaRPr>
+          </a:p>
+          <a:p>
+            <a:r>
+              <a:rPr lang="en-US" sz="1200" kern="1200" dirty="0" smtClean="0">
+                <a:solidFill>
+                  <a:schemeClr val="tx1"/>
+                </a:solidFill>
+                <a:effectLst/>
+                <a:latin typeface="+mn-lt"/>
+                <a:ea typeface="+mn-ea"/>
+                <a:cs typeface="+mn-cs"/>
+              </a:rPr>
+              <a:t>Years </a:t>
+            </a:r>
+            <a:r>
+              <a:rPr lang="en-US" sz="1200" kern="1200" dirty="0" smtClean="0">
+                <a:solidFill>
+                  <a:schemeClr val="tx1"/>
+                </a:solidFill>
+                <a:effectLst/>
+                <a:latin typeface="+mn-lt"/>
+                <a:ea typeface="+mn-ea"/>
+                <a:cs typeface="+mn-cs"/>
+              </a:rPr>
+              <a:t>ago I wrote a custom </a:t>
             </a:r>
             <a:r>
               <a:rPr lang="en-US" sz="1200" kern="1200" dirty="0" err="1" smtClean="0">
@@ -13022,17 +17300,40 @@
             </a:r>
           </a:p>
           <a:p>
-            <a:r>
-              <a:rPr lang="en-US" sz="1200" kern="1200" dirty="0" smtClean="0">
-                <a:solidFill>
-                  <a:schemeClr val="tx1"/>
-                </a:solidFill>
-                <a:effectLst/>
-                <a:latin typeface="+mn-lt"/>
-                <a:ea typeface="+mn-ea"/>
-                <a:cs typeface="+mn-cs"/>
-              </a:rPr>
-              <a:t>I’ve said it before and I’ll say it again; the single most important thing you can do is build a good helper library and stop creating data by hand.</a:t>
+            <a:endParaRPr lang="en-US" sz="1200" kern="1200" dirty="0" smtClean="0">
+              <a:solidFill>
+                <a:schemeClr val="tx1"/>
+              </a:solidFill>
+              <a:effectLst/>
+              <a:latin typeface="+mn-lt"/>
+              <a:ea typeface="+mn-ea"/>
+              <a:cs typeface="+mn-cs"/>
+            </a:endParaRPr>
+          </a:p>
+          <a:p>
+            <a:r>
+              <a:rPr lang="en-US" sz="1200" kern="1200" dirty="0" smtClean="0">
+                <a:solidFill>
+                  <a:schemeClr val="tx1"/>
+                </a:solidFill>
+                <a:effectLst/>
+                <a:latin typeface="+mn-lt"/>
+                <a:ea typeface="+mn-ea"/>
+                <a:cs typeface="+mn-cs"/>
+              </a:rPr>
+              <a:t>I’ve </a:t>
+            </a:r>
+            <a:r>
+              <a:rPr lang="en-US" sz="1200" kern="1200" dirty="0" smtClean="0">
+                <a:solidFill>
+                  <a:schemeClr val="tx1"/>
+                </a:solidFill>
+                <a:effectLst/>
+                <a:latin typeface="+mn-lt"/>
+                <a:ea typeface="+mn-ea"/>
+                <a:cs typeface="+mn-cs"/>
+              </a:rPr>
+              <a:t>said it before and I’ll say it again; the single most important thing you can do is build a good helper library and stop creating data by hand.</a:t>
             </a:r>
             <a:endParaRPr lang="en-US" sz="1200" kern="1200" dirty="0">
               <a:solidFill>
@@ -13126,6 +17427,10 @@
           <a:bodyPr/>
           <a:lstStyle/>
           <a:p>
+            <a:r>
+              <a:rPr lang="en-US" dirty="0" smtClean="0"/>
+              <a:t>(pause, then continue)</a:t>
+            </a:r>
             <a:endParaRPr lang="en-US" dirty="0"/>
           </a:p>
         </p:txBody>
@@ -13224,17 +17529,40 @@
             </a:r>
           </a:p>
           <a:p>
-            <a:r>
-              <a:rPr lang="en-US" sz="1200" kern="1200" dirty="0" smtClean="0">
-                <a:solidFill>
-                  <a:schemeClr val="tx1"/>
-                </a:solidFill>
-                <a:effectLst/>
-                <a:latin typeface="+mn-lt"/>
-                <a:ea typeface="+mn-ea"/>
-                <a:cs typeface="+mn-cs"/>
-              </a:rPr>
-              <a:t>First, start by creating helpers for your simple objects first, the ones that don’t have lots of dependencies or child data. Then move up to more complex objects, delegating to the simple helpers as needed. If you try and start with that huge, massive, ancient beast that lives at the heart of your legacy system, it’s </a:t>
+            <a:endParaRPr lang="en-US" sz="1200" kern="1200" dirty="0" smtClean="0">
+              <a:solidFill>
+                <a:schemeClr val="tx1"/>
+              </a:solidFill>
+              <a:effectLst/>
+              <a:latin typeface="+mn-lt"/>
+              <a:ea typeface="+mn-ea"/>
+              <a:cs typeface="+mn-cs"/>
+            </a:endParaRPr>
+          </a:p>
+          <a:p>
+            <a:r>
+              <a:rPr lang="en-US" sz="1200" kern="1200" dirty="0" smtClean="0">
+                <a:solidFill>
+                  <a:schemeClr val="tx1"/>
+                </a:solidFill>
+                <a:effectLst/>
+                <a:latin typeface="+mn-lt"/>
+                <a:ea typeface="+mn-ea"/>
+                <a:cs typeface="+mn-cs"/>
+              </a:rPr>
+              <a:t>First</a:t>
+            </a:r>
+            <a:r>
+              <a:rPr lang="en-US" sz="1200" kern="1200" dirty="0" smtClean="0">
+                <a:solidFill>
+                  <a:schemeClr val="tx1"/>
+                </a:solidFill>
+                <a:effectLst/>
+                <a:latin typeface="+mn-lt"/>
+                <a:ea typeface="+mn-ea"/>
+                <a:cs typeface="+mn-cs"/>
+              </a:rPr>
+              <a:t>, start by creating helpers for your simple objects first, the ones that don’t have lots of dependencies or child data. Then move up to more complex objects, delegating to the simple helpers as needed. If you try and start with that huge, massive, ancient beast that lives at the heart of your legacy system, it’s </a:t>
             </a:r>
             <a:r>
               <a:rPr lang="en-US" sz="1200" kern="1200" dirty="0" err="1" smtClean="0">
@@ -13262,17 +17590,40 @@
             </a:r>
           </a:p>
           <a:p>
-            <a:r>
-              <a:rPr lang="en-US" sz="1200" kern="1200" dirty="0" smtClean="0">
-                <a:solidFill>
-                  <a:schemeClr val="tx1"/>
-                </a:solidFill>
-                <a:effectLst/>
-                <a:latin typeface="+mn-lt"/>
-                <a:ea typeface="+mn-ea"/>
-                <a:cs typeface="+mn-cs"/>
-              </a:rPr>
-              <a:t>Second, continually refactor your helpers as needed. Remember that test code </a:t>
+            <a:endParaRPr lang="en-US" sz="1200" kern="1200" dirty="0" smtClean="0">
+              <a:solidFill>
+                <a:schemeClr val="tx1"/>
+              </a:solidFill>
+              <a:effectLst/>
+              <a:latin typeface="+mn-lt"/>
+              <a:ea typeface="+mn-ea"/>
+              <a:cs typeface="+mn-cs"/>
+            </a:endParaRPr>
+          </a:p>
+          <a:p>
+            <a:r>
+              <a:rPr lang="en-US" sz="1200" kern="1200" dirty="0" smtClean="0">
+                <a:solidFill>
+                  <a:schemeClr val="tx1"/>
+                </a:solidFill>
+                <a:effectLst/>
+                <a:latin typeface="+mn-lt"/>
+                <a:ea typeface="+mn-ea"/>
+                <a:cs typeface="+mn-cs"/>
+              </a:rPr>
+              <a:t>Second</a:t>
+            </a:r>
+            <a:r>
+              <a:rPr lang="en-US" sz="1200" kern="1200" dirty="0" smtClean="0">
+                <a:solidFill>
+                  <a:schemeClr val="tx1"/>
+                </a:solidFill>
+                <a:effectLst/>
+                <a:latin typeface="+mn-lt"/>
+                <a:ea typeface="+mn-ea"/>
+                <a:cs typeface="+mn-cs"/>
+              </a:rPr>
+              <a:t>, continually refactor your helpers as needed. Remember that test code </a:t>
             </a:r>
             <a:r>
               <a:rPr lang="en-US" sz="1200" i="1" kern="1200" dirty="0" smtClean="0">
@@ -13300,17 +17651,40 @@
             </a:r>
           </a:p>
           <a:p>
-            <a:r>
-              <a:rPr lang="en-US" sz="1200" kern="1200" dirty="0" smtClean="0">
-                <a:solidFill>
-                  <a:schemeClr val="tx1"/>
-                </a:solidFill>
-                <a:effectLst/>
-                <a:latin typeface="+mn-lt"/>
-                <a:ea typeface="+mn-ea"/>
-                <a:cs typeface="+mn-cs"/>
-              </a:rPr>
-              <a:t>Lastly, the sooner you start implementing these patterns, the sooner you’ll notice the payoff. There </a:t>
+            <a:endParaRPr lang="en-US" sz="1200" kern="1200" dirty="0" smtClean="0">
+              <a:solidFill>
+                <a:schemeClr val="tx1"/>
+              </a:solidFill>
+              <a:effectLst/>
+              <a:latin typeface="+mn-lt"/>
+              <a:ea typeface="+mn-ea"/>
+              <a:cs typeface="+mn-cs"/>
+            </a:endParaRPr>
+          </a:p>
+          <a:p>
+            <a:r>
+              <a:rPr lang="en-US" sz="1200" kern="1200" dirty="0" smtClean="0">
+                <a:solidFill>
+                  <a:schemeClr val="tx1"/>
+                </a:solidFill>
+                <a:effectLst/>
+                <a:latin typeface="+mn-lt"/>
+                <a:ea typeface="+mn-ea"/>
+                <a:cs typeface="+mn-cs"/>
+              </a:rPr>
+              <a:t>Lastly</a:t>
+            </a:r>
+            <a:r>
+              <a:rPr lang="en-US" sz="1200" kern="1200" dirty="0" smtClean="0">
+                <a:solidFill>
+                  <a:schemeClr val="tx1"/>
+                </a:solidFill>
+                <a:effectLst/>
+                <a:latin typeface="+mn-lt"/>
+                <a:ea typeface="+mn-ea"/>
+                <a:cs typeface="+mn-cs"/>
+              </a:rPr>
+              <a:t>, the sooner you start implementing these patterns, the sooner you’ll notice the payoff. There </a:t>
             </a:r>
             <a:r>
               <a:rPr lang="en-US" sz="1200" i="1" kern="1200" dirty="0" smtClean="0">

--- a/POETS - CodeMash 2017.pptx
+++ b/POETS - CodeMash 2017.pptx
@@ -5,7 +5,7 @@
     <p:sldMasterId id="2147483749" r:id="rId1"/>
   </p:sldMasterIdLst>
   <p:notesMasterIdLst>
-    <p:notesMasterId r:id="rId96"/>
+    <p:notesMasterId r:id="rId95"/>
   </p:notesMasterIdLst>
   <p:sldIdLst>
     <p:sldId id="395" r:id="rId2"/>
@@ -72,36 +72,35 @@
     <p:sldId id="464" r:id="rId63"/>
     <p:sldId id="423" r:id="rId64"/>
     <p:sldId id="431" r:id="rId65"/>
-    <p:sldId id="432" r:id="rId66"/>
-    <p:sldId id="433" r:id="rId67"/>
-    <p:sldId id="435" r:id="rId68"/>
-    <p:sldId id="436" r:id="rId69"/>
-    <p:sldId id="457" r:id="rId70"/>
-    <p:sldId id="458" r:id="rId71"/>
-    <p:sldId id="424" r:id="rId72"/>
-    <p:sldId id="427" r:id="rId73"/>
-    <p:sldId id="428" r:id="rId74"/>
-    <p:sldId id="429" r:id="rId75"/>
-    <p:sldId id="430" r:id="rId76"/>
-    <p:sldId id="484" r:id="rId77"/>
-    <p:sldId id="485" r:id="rId78"/>
-    <p:sldId id="425" r:id="rId79"/>
-    <p:sldId id="437" r:id="rId80"/>
-    <p:sldId id="465" r:id="rId81"/>
-    <p:sldId id="466" r:id="rId82"/>
-    <p:sldId id="467" r:id="rId83"/>
-    <p:sldId id="380" r:id="rId84"/>
-    <p:sldId id="479" r:id="rId85"/>
-    <p:sldId id="384" r:id="rId86"/>
-    <p:sldId id="385" r:id="rId87"/>
-    <p:sldId id="386" r:id="rId88"/>
-    <p:sldId id="343" r:id="rId89"/>
-    <p:sldId id="389" r:id="rId90"/>
-    <p:sldId id="390" r:id="rId91"/>
-    <p:sldId id="391" r:id="rId92"/>
-    <p:sldId id="273" r:id="rId93"/>
-    <p:sldId id="441" r:id="rId94"/>
-    <p:sldId id="443" r:id="rId95"/>
+    <p:sldId id="433" r:id="rId66"/>
+    <p:sldId id="435" r:id="rId67"/>
+    <p:sldId id="436" r:id="rId68"/>
+    <p:sldId id="457" r:id="rId69"/>
+    <p:sldId id="458" r:id="rId70"/>
+    <p:sldId id="424" r:id="rId71"/>
+    <p:sldId id="427" r:id="rId72"/>
+    <p:sldId id="428" r:id="rId73"/>
+    <p:sldId id="429" r:id="rId74"/>
+    <p:sldId id="430" r:id="rId75"/>
+    <p:sldId id="484" r:id="rId76"/>
+    <p:sldId id="485" r:id="rId77"/>
+    <p:sldId id="425" r:id="rId78"/>
+    <p:sldId id="437" r:id="rId79"/>
+    <p:sldId id="465" r:id="rId80"/>
+    <p:sldId id="466" r:id="rId81"/>
+    <p:sldId id="467" r:id="rId82"/>
+    <p:sldId id="380" r:id="rId83"/>
+    <p:sldId id="479" r:id="rId84"/>
+    <p:sldId id="384" r:id="rId85"/>
+    <p:sldId id="385" r:id="rId86"/>
+    <p:sldId id="386" r:id="rId87"/>
+    <p:sldId id="343" r:id="rId88"/>
+    <p:sldId id="389" r:id="rId89"/>
+    <p:sldId id="390" r:id="rId90"/>
+    <p:sldId id="391" r:id="rId91"/>
+    <p:sldId id="273" r:id="rId92"/>
+    <p:sldId id="441" r:id="rId93"/>
+    <p:sldId id="443" r:id="rId94"/>
   </p:sldIdLst>
   <p:sldSz cx="12192000" cy="6858000"/>
   <p:notesSz cx="6858000" cy="9144000"/>
@@ -301,7 +300,7 @@
           <a:p>
             <a:fld id="{C54A4886-B4AF-42F7-97BE-95CDF82A73E3}" type="datetimeFigureOut">
               <a:rPr lang="en-US" smtClean="0"/>
-              <a:t>1/11/2017</a:t>
+              <a:t>1/12/2017</a:t>
             </a:fld>
             <a:endParaRPr lang="en-US"/>
           </a:p>
@@ -920,8 +919,26 @@
           <a:p>
             <a:r>
               <a:rPr lang="en-US" dirty="0" smtClean="0"/>
-              <a:t>… and this.</a:t>
-            </a:r>
+              <a:t>… and this</a:t>
+            </a:r>
+            <a:r>
+              <a:rPr lang="en-US" dirty="0" smtClean="0"/>
+              <a:t>.</a:t>
+            </a:r>
+          </a:p>
+          <a:p>
+            <a:endParaRPr lang="en-US" dirty="0" smtClean="0"/>
+          </a:p>
+          <a:p>
+            <a:r>
+              <a:rPr lang="en-US" dirty="0" smtClean="0"/>
+              <a:t>This is just the SHARED </a:t>
+            </a:r>
+            <a:r>
+              <a:rPr lang="en-US" baseline="0" dirty="0" smtClean="0"/>
+              <a:t>setup code for all tests in that fixture.</a:t>
+            </a:r>
+            <a:endParaRPr lang="en-US" dirty="0" smtClean="0"/>
           </a:p>
           <a:p>
             <a:endParaRPr lang="en-US" dirty="0" smtClean="0"/>
@@ -1010,7 +1027,11 @@
           <a:p>
             <a:r>
               <a:rPr lang="en-US" dirty="0" smtClean="0"/>
-              <a:t>That’s 29 string,</a:t>
+              <a:t>It contains 29 </a:t>
+            </a:r>
+            <a:r>
+              <a:rPr lang="en-US" dirty="0" smtClean="0"/>
+              <a:t>string,</a:t>
             </a:r>
             <a:r>
               <a:rPr lang="en-US" baseline="0" dirty="0" smtClean="0"/>
@@ -1929,20 +1950,6 @@
             </a:endParaRPr>
           </a:p>
           <a:p>
-            <a:r>
-              <a:rPr lang="en-US" sz="1200" kern="1200" dirty="0" smtClean="0">
-                <a:solidFill>
-                  <a:schemeClr val="tx1"/>
-                </a:solidFill>
-                <a:effectLst/>
-                <a:latin typeface="+mn-lt"/>
-                <a:ea typeface="+mn-ea"/>
-                <a:cs typeface="+mn-cs"/>
-              </a:rPr>
-              <a:t>In general, I would include mocking and stubbing as “test setup”, but I’m focusing mostly on test data today.</a:t>
-            </a:r>
-          </a:p>
-          <a:p>
             <a:endParaRPr lang="en-US" baseline="0" dirty="0" smtClean="0"/>
           </a:p>
         </p:txBody>
@@ -8087,15 +8094,6 @@
               </a:rPr>
               <a:t>That factory gets a single static method called “Create”, which allows the caller to customize the object via METHOD ARGUMENTS. </a:t>
             </a:r>
-            <a:endParaRPr lang="en-US" sz="1200" kern="1200" dirty="0" smtClean="0">
-              <a:solidFill>
-                <a:schemeClr val="tx1"/>
-              </a:solidFill>
-              <a:effectLst/>
-              <a:latin typeface="+mn-lt"/>
-              <a:ea typeface="+mn-ea"/>
-              <a:cs typeface="+mn-cs"/>
-            </a:endParaRPr>
           </a:p>
           <a:p>
             <a:endParaRPr lang="en-US" sz="1200" kern="1200" dirty="0" smtClean="0">
@@ -8223,19 +8221,7 @@
                 <a:ea typeface="+mn-ea"/>
                 <a:cs typeface="+mn-cs"/>
               </a:rPr>
-              <a:t>The helper’s job is to build the object, </a:t>
-            </a:r>
-            <a:r>
-              <a:rPr lang="en-US" sz="1200" kern="1200" dirty="0" smtClean="0">
-                <a:solidFill>
-                  <a:schemeClr val="tx1"/>
-                </a:solidFill>
-                <a:effectLst/>
-                <a:latin typeface="+mn-lt"/>
-                <a:ea typeface="+mn-ea"/>
-                <a:cs typeface="+mn-cs"/>
-              </a:rPr>
-              <a:t>filling</a:t>
+              <a:t>The helper’s job is to build the object, filling</a:t>
             </a:r>
             <a:r>
               <a:rPr lang="en-US" sz="1200" kern="1200" baseline="0" dirty="0" smtClean="0">
@@ -8378,43 +8364,7 @@
                 <a:ea typeface="+mn-ea"/>
                 <a:cs typeface="+mn-cs"/>
               </a:rPr>
-              <a:t>assign the default value </a:t>
-            </a:r>
-            <a:r>
-              <a:rPr lang="en-US" sz="1200" kern="1200" dirty="0" smtClean="0">
-                <a:solidFill>
-                  <a:schemeClr val="tx1"/>
-                </a:solidFill>
-                <a:effectLst/>
-                <a:latin typeface="+mn-lt"/>
-                <a:ea typeface="+mn-ea"/>
-                <a:cs typeface="+mn-cs"/>
-              </a:rPr>
-              <a:t>directly in the </a:t>
-            </a:r>
-            <a:r>
-              <a:rPr lang="en-US" sz="1200" kern="1200" dirty="0" smtClean="0">
-                <a:solidFill>
-                  <a:schemeClr val="tx1"/>
-                </a:solidFill>
-                <a:effectLst/>
-                <a:latin typeface="+mn-lt"/>
-                <a:ea typeface="+mn-ea"/>
-                <a:cs typeface="+mn-cs"/>
-              </a:rPr>
-              <a:t>signature, but </a:t>
-            </a:r>
-            <a:r>
-              <a:rPr lang="en-US" sz="1200" kern="1200" dirty="0" smtClean="0">
-                <a:solidFill>
-                  <a:schemeClr val="tx1"/>
-                </a:solidFill>
-                <a:effectLst/>
-                <a:latin typeface="+mn-lt"/>
-                <a:ea typeface="+mn-ea"/>
-                <a:cs typeface="+mn-cs"/>
-              </a:rPr>
-              <a:t>that only works with primitive types. </a:t>
+              <a:t>assign the default value directly in the signature, but that only works with primitive types. </a:t>
             </a:r>
           </a:p>
           <a:p>
@@ -8628,19 +8578,7 @@
                 <a:ea typeface="+mn-ea"/>
                 <a:cs typeface="+mn-cs"/>
               </a:rPr>
-              <a:t>This </a:t>
-            </a:r>
-            <a:r>
-              <a:rPr lang="en-US" sz="1200" kern="1200" dirty="0" smtClean="0">
-                <a:solidFill>
-                  <a:schemeClr val="tx1"/>
-                </a:solidFill>
-                <a:effectLst/>
-                <a:latin typeface="+mn-lt"/>
-                <a:ea typeface="+mn-ea"/>
-                <a:cs typeface="+mn-cs"/>
-              </a:rPr>
-              <a:t>keeps both your tests and your helper code clean and tidy.</a:t>
+              <a:t>This keeps both your tests and your helper code clean and tidy.</a:t>
             </a:r>
             <a:endParaRPr lang="en-US" sz="1200" kern="1200" dirty="0">
               <a:solidFill>
@@ -10239,23 +10177,6 @@
           <a:bodyPr/>
           <a:lstStyle/>
           <a:p>
-            <a:pPr marL="0" marR="0" lvl="0" indent="0" algn="l" defTabSz="914400" rtl="0" eaLnBrk="1" fontAlgn="auto" latinLnBrk="0" hangingPunct="1">
-              <a:lnSpc>
-                <a:spcPct val="100000"/>
-              </a:lnSpc>
-              <a:spcBef>
-                <a:spcPts val="0"/>
-              </a:spcBef>
-              <a:spcAft>
-                <a:spcPts val="0"/>
-              </a:spcAft>
-              <a:buClrTx/>
-              <a:buSzTx/>
-              <a:buFontTx/>
-              <a:buNone/>
-              <a:tabLst/>
-              <a:defRPr/>
-            </a:pPr>
             <a:r>
               <a:rPr lang="en-US" sz="1200" kern="1200" dirty="0" smtClean="0">
                 <a:solidFill>
@@ -10266,20 +10187,21 @@
                 <a:ea typeface="+mn-ea"/>
                 <a:cs typeface="+mn-cs"/>
               </a:rPr>
-              <a:t>Or if your test revolves around the fact that a customer is disabled, don’t just call it “customer” or “c”; call it “</a:t>
-            </a:r>
-            <a:r>
-              <a:rPr lang="en-US" sz="1200" kern="1200" dirty="0" err="1" smtClean="0">
-                <a:solidFill>
-                  <a:schemeClr val="tx1"/>
-                </a:solidFill>
-                <a:effectLst/>
-                <a:latin typeface="+mn-lt"/>
-                <a:ea typeface="+mn-ea"/>
-                <a:cs typeface="+mn-cs"/>
-              </a:rPr>
-              <a:t>disabledCustomer</a:t>
-            </a:r>
+              <a:t>If your test contains multiple objects of the same type, differentiate them! It sounds obvious, but I still see smart, experienced developers writing tests with variables called “customer1” and “customer2”. That is a completely unnecessary mistake that reduces the clarity of your setup code.</a:t>
+            </a:r>
+          </a:p>
+          <a:p>
+            <a:endParaRPr lang="en-US" sz="1200" kern="1200" dirty="0" smtClean="0">
+              <a:solidFill>
+                <a:schemeClr val="tx1"/>
+              </a:solidFill>
+              <a:effectLst/>
+              <a:latin typeface="+mn-lt"/>
+              <a:ea typeface="+mn-ea"/>
+              <a:cs typeface="+mn-cs"/>
+            </a:endParaRPr>
+          </a:p>
+          <a:p>
             <a:r>
               <a:rPr lang="en-US" sz="1200" kern="1200" dirty="0" smtClean="0">
                 <a:solidFill>
@@ -10290,7 +10212,56 @@
                 <a:ea typeface="+mn-ea"/>
                 <a:cs typeface="+mn-cs"/>
               </a:rPr>
-              <a:t>”. </a:t>
+              <a:t>In this case, I’m testing some search logic. To write a complete test, I need to assert both that the code DOES return a match and DOES NOT return something that doesn’t match. </a:t>
+            </a:r>
+          </a:p>
+          <a:p>
+            <a:endParaRPr lang="en-US" sz="1200" kern="1200" dirty="0" smtClean="0">
+              <a:solidFill>
+                <a:schemeClr val="tx1"/>
+              </a:solidFill>
+              <a:effectLst/>
+              <a:latin typeface="+mn-lt"/>
+              <a:ea typeface="+mn-ea"/>
+              <a:cs typeface="+mn-cs"/>
+            </a:endParaRPr>
+          </a:p>
+          <a:p>
+            <a:r>
+              <a:rPr lang="en-US" sz="1200" kern="1200" dirty="0" smtClean="0">
+                <a:solidFill>
+                  <a:schemeClr val="tx1"/>
+                </a:solidFill>
+                <a:effectLst/>
+                <a:latin typeface="+mn-lt"/>
+                <a:ea typeface="+mn-ea"/>
+                <a:cs typeface="+mn-cs"/>
+              </a:rPr>
+              <a:t>Naming the objects in this way provides way more meaning than “customer1” and “customer2”. And if you use consistent names across your tests, your coworkers will start to recognize these patterns. If I see the word “distractor” in any of our tests, I know </a:t>
+            </a:r>
+            <a:r>
+              <a:rPr lang="en-US" sz="1200" i="1" kern="1200" dirty="0" smtClean="0">
+                <a:solidFill>
+                  <a:schemeClr val="tx1"/>
+                </a:solidFill>
+                <a:effectLst/>
+                <a:latin typeface="+mn-lt"/>
+                <a:ea typeface="+mn-ea"/>
+                <a:cs typeface="+mn-cs"/>
+              </a:rPr>
+              <a:t>exactly </a:t>
+            </a:r>
+            <a:r>
+              <a:rPr lang="en-US" sz="1200" kern="1200" dirty="0" smtClean="0">
+                <a:solidFill>
+                  <a:schemeClr val="tx1"/>
+                </a:solidFill>
+                <a:effectLst/>
+                <a:latin typeface="+mn-lt"/>
+                <a:ea typeface="+mn-ea"/>
+                <a:cs typeface="+mn-cs"/>
+              </a:rPr>
+              <a:t>what it’s there for. </a:t>
             </a:r>
           </a:p>
           <a:p>
@@ -10332,7 +10303,7 @@
     </p:spTree>
     <p:extLst>
       <p:ext uri="{BB962C8B-B14F-4D97-AF65-F5344CB8AC3E}">
-        <p14:creationId xmlns:p14="http://schemas.microsoft.com/office/powerpoint/2010/main" val="2013156351"/>
+        <p14:creationId xmlns:p14="http://schemas.microsoft.com/office/powerpoint/2010/main" val="590053394"/>
       </p:ext>
     </p:extLst>
   </p:cSld>
@@ -10396,7 +10367,7 @@
                 <a:ea typeface="+mn-ea"/>
                 <a:cs typeface="+mn-cs"/>
               </a:rPr>
-              <a:t>If your test contains multiple objects of the same type, differentiate them! It sounds obvious, but I still see smart, experienced developers writing tests with variables called “customer1” and “customer2”. That is a completely unnecessary mistake that reduces the clarity of your setup code.</a:t>
+              <a:t>Here’s one final example of how good names can convey meaning. This test is asserting that a specific feature returns data ordered in a specific way.</a:t>
             </a:r>
           </a:p>
           <a:p>
@@ -10421,7 +10392,31 @@
                 <a:ea typeface="+mn-ea"/>
                 <a:cs typeface="+mn-cs"/>
               </a:rPr>
-              <a:t>In this case, I’m testing some search logic. To write a complete test, I need to assert both that the code DOES return a match and DOES NOT return something that doesn’t match. </a:t>
+              <a:t>If I create the test data in the same order in which I expect them to come back out, then it’s possible that the sorting code isn’t do anything at all, and the test is passing by coincidence. A better test would be to create the data in a </a:t>
+            </a:r>
+            <a:r>
+              <a:rPr lang="en-US" sz="1200" i="1" kern="1200" dirty="0" smtClean="0">
+                <a:solidFill>
+                  <a:schemeClr val="tx1"/>
+                </a:solidFill>
+                <a:effectLst/>
+                <a:latin typeface="+mn-lt"/>
+                <a:ea typeface="+mn-ea"/>
+                <a:cs typeface="+mn-cs"/>
+              </a:rPr>
+              <a:t>different </a:t>
+            </a:r>
+            <a:r>
+              <a:rPr lang="en-US" sz="1200" kern="1200" dirty="0" smtClean="0">
+                <a:solidFill>
+                  <a:schemeClr val="tx1"/>
+                </a:solidFill>
+                <a:effectLst/>
+                <a:latin typeface="+mn-lt"/>
+                <a:ea typeface="+mn-ea"/>
+                <a:cs typeface="+mn-cs"/>
+              </a:rPr>
+              <a:t>sequence than it should come out, because then the test will only pass if it’s actually applying some sort logic.</a:t>
             </a:r>
           </a:p>
           <a:p>
@@ -10446,31 +10441,7 @@
                 <a:ea typeface="+mn-ea"/>
                 <a:cs typeface="+mn-cs"/>
               </a:rPr>
-              <a:t>Naming the objects in this way provides way more meaning than “customer1” and “customer2”. And if you use consistent names across your tests, your coworkers will start to recognize these patterns. If I see the word “distractor” in any of our tests, I know </a:t>
-            </a:r>
-            <a:r>
-              <a:rPr lang="en-US" sz="1200" i="1" kern="1200" dirty="0" smtClean="0">
-                <a:solidFill>
-                  <a:schemeClr val="tx1"/>
-                </a:solidFill>
-                <a:effectLst/>
-                <a:latin typeface="+mn-lt"/>
-                <a:ea typeface="+mn-ea"/>
-                <a:cs typeface="+mn-cs"/>
-              </a:rPr>
-              <a:t>exactly </a:t>
-            </a:r>
-            <a:r>
-              <a:rPr lang="en-US" sz="1200" kern="1200" dirty="0" smtClean="0">
-                <a:solidFill>
-                  <a:schemeClr val="tx1"/>
-                </a:solidFill>
-                <a:effectLst/>
-                <a:latin typeface="+mn-lt"/>
-                <a:ea typeface="+mn-ea"/>
-                <a:cs typeface="+mn-cs"/>
-              </a:rPr>
-              <a:t>what it’s there for. </a:t>
+              <a:t>This isn’t terrible, but it’s not telling as clear of a story as it could. </a:t>
             </a:r>
           </a:p>
           <a:p>
@@ -10512,7 +10483,7 @@
     </p:spTree>
     <p:extLst>
       <p:ext uri="{BB962C8B-B14F-4D97-AF65-F5344CB8AC3E}">
-        <p14:creationId xmlns:p14="http://schemas.microsoft.com/office/powerpoint/2010/main" val="590053394"/>
+        <p14:creationId xmlns:p14="http://schemas.microsoft.com/office/powerpoint/2010/main" val="3948594667"/>
       </p:ext>
     </p:extLst>
   </p:cSld>
@@ -10576,7 +10547,7 @@
                 <a:ea typeface="+mn-ea"/>
                 <a:cs typeface="+mn-cs"/>
               </a:rPr>
-              <a:t>Here’s one final example of how good names can convey meaning. This test is asserting that a specific feature returns data ordered in a specific way.</a:t>
+              <a:t>Here’s that same test, but where I assign those values names that describe their purpose. And as a result, I’m able to write an assertion that far more explicitly captures my intent behind the test. </a:t>
             </a:r>
           </a:p>
           <a:p>
@@ -10601,59 +10572,8 @@
                 <a:ea typeface="+mn-ea"/>
                 <a:cs typeface="+mn-cs"/>
               </a:rPr>
-              <a:t>If I create the test data in the same order in which I expect them to come back out, then it’s possible that the sorting code isn’t do anything at all, and the test is passing by coincidence. A better test would be to create the data in a </a:t>
-            </a:r>
-            <a:r>
-              <a:rPr lang="en-US" sz="1200" i="1" kern="1200" dirty="0" smtClean="0">
-                <a:solidFill>
-                  <a:schemeClr val="tx1"/>
-                </a:solidFill>
-                <a:effectLst/>
-                <a:latin typeface="+mn-lt"/>
-                <a:ea typeface="+mn-ea"/>
-                <a:cs typeface="+mn-cs"/>
-              </a:rPr>
-              <a:t>different </a:t>
-            </a:r>
-            <a:r>
-              <a:rPr lang="en-US" sz="1200" kern="1200" dirty="0" smtClean="0">
-                <a:solidFill>
-                  <a:schemeClr val="tx1"/>
-                </a:solidFill>
-                <a:effectLst/>
-                <a:latin typeface="+mn-lt"/>
-                <a:ea typeface="+mn-ea"/>
-                <a:cs typeface="+mn-cs"/>
-              </a:rPr>
-              <a:t>sequence than it should come out, because then the test will only pass if it’s actually applying some sort logic.</a:t>
-            </a:r>
-          </a:p>
-          <a:p>
-            <a:endParaRPr lang="en-US" sz="1200" kern="1200" dirty="0" smtClean="0">
-              <a:solidFill>
-                <a:schemeClr val="tx1"/>
-              </a:solidFill>
-              <a:effectLst/>
-              <a:latin typeface="+mn-lt"/>
-              <a:ea typeface="+mn-ea"/>
-              <a:cs typeface="+mn-cs"/>
-            </a:endParaRPr>
-          </a:p>
-          <a:p>
-            <a:r>
-              <a:rPr lang="en-US" sz="1200" kern="1200" dirty="0" smtClean="0">
-                <a:solidFill>
-                  <a:schemeClr val="tx1"/>
-                </a:solidFill>
-                <a:effectLst/>
-                <a:latin typeface="+mn-lt"/>
-                <a:ea typeface="+mn-ea"/>
-                <a:cs typeface="+mn-cs"/>
-              </a:rPr>
-              <a:t>This isn’t terrible, but it’s not telling as clear of a story as it could. </a:t>
-            </a:r>
-          </a:p>
-          <a:p>
+              <a:t>On the sorts of tests that fit onto these slides, some of these techniques may not seem that useful. But if you get in the habit of doing this, then you’ll start to see a real difference in the readability of your real-world tests, especially as your setup logic gets larger and more complex.</a:t>
+            </a:r>
             <a:endParaRPr lang="en-US" sz="1200" kern="1200" dirty="0">
               <a:solidFill>
                 <a:schemeClr val="tx1"/>
@@ -10692,7 +10612,7 @@
     </p:spTree>
     <p:extLst>
       <p:ext uri="{BB962C8B-B14F-4D97-AF65-F5344CB8AC3E}">
-        <p14:creationId xmlns:p14="http://schemas.microsoft.com/office/powerpoint/2010/main" val="3948594667"/>
+        <p14:creationId xmlns:p14="http://schemas.microsoft.com/office/powerpoint/2010/main" val="85960143"/>
       </p:ext>
     </p:extLst>
   </p:cSld>
@@ -10756,7 +10676,7 @@
                 <a:ea typeface="+mn-ea"/>
                 <a:cs typeface="+mn-cs"/>
               </a:rPr>
-              <a:t>Here’s that same test, but where I assign those values names that describe their purpose. And as a result, I’m able to write an assertion that far more explicitly captures my intent behind the test. </a:t>
+              <a:t>Another way to tell a clear story is to use your helper API to write fewer lines of code, but at a higher level of abstraction. </a:t>
             </a:r>
           </a:p>
           <a:p>
@@ -10781,8 +10701,69 @@
                 <a:ea typeface="+mn-ea"/>
                 <a:cs typeface="+mn-cs"/>
               </a:rPr>
-              <a:t>On the sorts of tests that fit onto these slides, some of these techniques may not seem that useful. But if you get in the habit of doing this, then you’ll start to see a real difference in the readability of your real-world tests, especially as your setup logic gets larger and more complex.</a:t>
-            </a:r>
+              <a:t>Here’s an example where I’m using a test helper to set up an Order that has two payments associated with it. </a:t>
+            </a:r>
+            <a:br>
+              <a:rPr lang="en-US" sz="1200" kern="1200" dirty="0" smtClean="0">
+                <a:solidFill>
+                  <a:schemeClr val="tx1"/>
+                </a:solidFill>
+                <a:effectLst/>
+                <a:latin typeface="+mn-lt"/>
+                <a:ea typeface="+mn-ea"/>
+                <a:cs typeface="+mn-cs"/>
+              </a:rPr>
+            </a:br>
+            <a:endParaRPr lang="en-US" sz="1200" kern="1200" dirty="0" smtClean="0">
+              <a:solidFill>
+                <a:schemeClr val="tx1"/>
+              </a:solidFill>
+              <a:effectLst/>
+              <a:latin typeface="+mn-lt"/>
+              <a:ea typeface="+mn-ea"/>
+              <a:cs typeface="+mn-cs"/>
+            </a:endParaRPr>
+          </a:p>
+          <a:p>
+            <a:r>
+              <a:rPr lang="en-US" sz="1200" kern="1200" dirty="0" smtClean="0">
+                <a:solidFill>
+                  <a:schemeClr val="tx1"/>
+                </a:solidFill>
+                <a:effectLst/>
+                <a:latin typeface="+mn-lt"/>
+                <a:ea typeface="+mn-ea"/>
+                <a:cs typeface="+mn-cs"/>
+              </a:rPr>
+              <a:t>Creating this order is a single logical concept, but it requires multiple physical statements to accomplish. Alternatively I could move these instantiations inline, but then I end up with a larger, heavily nested construct that’s harder to read.</a:t>
+            </a:r>
+          </a:p>
+          <a:p>
+            <a:endParaRPr lang="en-US" sz="1200" kern="1200" dirty="0" smtClean="0">
+              <a:solidFill>
+                <a:schemeClr val="tx1"/>
+              </a:solidFill>
+              <a:effectLst/>
+              <a:latin typeface="+mn-lt"/>
+              <a:ea typeface="+mn-ea"/>
+              <a:cs typeface="+mn-cs"/>
+            </a:endParaRPr>
+          </a:p>
+          <a:p>
+            <a:r>
+              <a:rPr lang="en-US" sz="1200" kern="1200" dirty="0" smtClean="0">
+                <a:solidFill>
+                  <a:schemeClr val="tx1"/>
+                </a:solidFill>
+                <a:effectLst/>
+                <a:latin typeface="+mn-lt"/>
+                <a:ea typeface="+mn-ea"/>
+                <a:cs typeface="+mn-cs"/>
+              </a:rPr>
+              <a:t>Also, in order to make sure that this object is internally consistent, I might have to manually make sure that the order subtotal matches the sum of the two payments. </a:t>
+            </a:r>
+          </a:p>
+          <a:p>
             <a:endParaRPr lang="en-US" sz="1200" kern="1200" dirty="0">
               <a:solidFill>
                 <a:schemeClr val="tx1"/>
@@ -10821,7 +10802,7 @@
     </p:spTree>
     <p:extLst>
       <p:ext uri="{BB962C8B-B14F-4D97-AF65-F5344CB8AC3E}">
-        <p14:creationId xmlns:p14="http://schemas.microsoft.com/office/powerpoint/2010/main" val="85960143"/>
+        <p14:creationId xmlns:p14="http://schemas.microsoft.com/office/powerpoint/2010/main" val="600131576"/>
       </p:ext>
     </p:extLst>
   </p:cSld>
@@ -10885,7 +10866,7 @@
                 <a:ea typeface="+mn-ea"/>
                 <a:cs typeface="+mn-cs"/>
               </a:rPr>
-              <a:t>Another way to tell a clear story is to use your helper API to write fewer lines of code, but at a higher level of abstraction. </a:t>
+              <a:t>By taking a more declarative approach I reduce the amount of code and the test setup becomes simpler and more expressive.</a:t>
             </a:r>
           </a:p>
           <a:p>
@@ -10910,19 +10891,10 @@
                 <a:ea typeface="+mn-ea"/>
                 <a:cs typeface="+mn-cs"/>
               </a:rPr>
-              <a:t>Here’s an example where I’m using a test helper to set up an Order that has two payments associated with it. </a:t>
-            </a:r>
-            <a:br>
-              <a:rPr lang="en-US" sz="1200" kern="1200" dirty="0" smtClean="0">
-                <a:solidFill>
-                  <a:schemeClr val="tx1"/>
-                </a:solidFill>
-                <a:effectLst/>
-                <a:latin typeface="+mn-lt"/>
-                <a:ea typeface="+mn-ea"/>
-                <a:cs typeface="+mn-cs"/>
-              </a:rPr>
-            </a:br>
+              <a:t>In addition, note that I no longer need to manually specify the order subtotal; the helper can easily infer that value from the sum of the two payment amounts and wire everything up for me.</a:t>
+            </a:r>
+          </a:p>
+          <a:p>
             <a:endParaRPr lang="en-US" sz="1200" kern="1200" dirty="0" smtClean="0">
               <a:solidFill>
                 <a:schemeClr val="tx1"/>
@@ -10944,7 +10916,19 @@
                 <a:ea typeface="+mn-ea"/>
                 <a:cs typeface="+mn-cs"/>
               </a:rPr>
-              <a:t>Creating this order is a single logical concept, but it requires multiple physical statements to accomplish. Alternatively I could move these instantiations inline, but then I end up with a larger, heavily nested construct that’s harder to read.</a:t>
+              <a:t>And once this piece of code is written, it’s available for reuse by other tests that have similar needs</a:t>
+            </a:r>
+            <a:r>
+              <a:rPr lang="en-US" sz="1200" kern="1200" dirty="0" smtClean="0">
+                <a:solidFill>
+                  <a:schemeClr val="tx1"/>
+                </a:solidFill>
+                <a:effectLst/>
+                <a:latin typeface="+mn-lt"/>
+                <a:ea typeface="+mn-ea"/>
+                <a:cs typeface="+mn-cs"/>
+              </a:rPr>
+              <a:t>.</a:t>
             </a:r>
           </a:p>
           <a:p>
@@ -10969,8 +10953,101 @@
                 <a:ea typeface="+mn-ea"/>
                 <a:cs typeface="+mn-cs"/>
               </a:rPr>
-              <a:t>Also, in order to make sure that this object is internally consistent, I might have to manually make sure that the order subtotal matches the sum of the two payments. </a:t>
-            </a:r>
+              <a:t>The point of this section is that your test setup code IS REAL CODE. Maybe</a:t>
+            </a:r>
+            <a:r>
+              <a:rPr lang="en-US" sz="1200" kern="1200" baseline="0" dirty="0" smtClean="0">
+                <a:solidFill>
+                  <a:schemeClr val="tx1"/>
+                </a:solidFill>
+                <a:effectLst/>
+                <a:latin typeface="+mn-lt"/>
+                <a:ea typeface="+mn-ea"/>
+                <a:cs typeface="+mn-cs"/>
+              </a:rPr>
+              <a:t> that's obvious to you, but I can tell you from experience that not all </a:t>
+            </a:r>
+            <a:r>
+              <a:rPr lang="en-US" sz="1200" kern="1200" baseline="0" dirty="0" err="1" smtClean="0">
+                <a:solidFill>
+                  <a:schemeClr val="tx1"/>
+                </a:solidFill>
+                <a:effectLst/>
+                <a:latin typeface="+mn-lt"/>
+                <a:ea typeface="+mn-ea"/>
+                <a:cs typeface="+mn-cs"/>
+              </a:rPr>
+              <a:t>devs</a:t>
+            </a:r>
+            <a:r>
+              <a:rPr lang="en-US" sz="1200" kern="1200" baseline="0" dirty="0" smtClean="0">
+                <a:solidFill>
+                  <a:schemeClr val="tx1"/>
+                </a:solidFill>
+                <a:effectLst/>
+                <a:latin typeface="+mn-lt"/>
+                <a:ea typeface="+mn-ea"/>
+                <a:cs typeface="+mn-cs"/>
+              </a:rPr>
+              <a:t> think of it that way</a:t>
+            </a:r>
+            <a:r>
+              <a:rPr lang="en-US" sz="1200" kern="1200" dirty="0" smtClean="0">
+                <a:solidFill>
+                  <a:schemeClr val="tx1"/>
+                </a:solidFill>
+                <a:effectLst/>
+                <a:latin typeface="+mn-lt"/>
+                <a:ea typeface="+mn-ea"/>
+                <a:cs typeface="+mn-cs"/>
+              </a:rPr>
+              <a:t>. I believe</a:t>
+            </a:r>
+            <a:r>
+              <a:rPr lang="en-US" sz="1200" kern="1200" baseline="0" dirty="0" smtClean="0">
+                <a:solidFill>
+                  <a:schemeClr val="tx1"/>
+                </a:solidFill>
+                <a:effectLst/>
+                <a:latin typeface="+mn-lt"/>
+                <a:ea typeface="+mn-ea"/>
+                <a:cs typeface="+mn-cs"/>
+              </a:rPr>
+              <a:t> that test setup code </a:t>
+            </a:r>
+            <a:r>
+              <a:rPr lang="en-US" sz="1200" kern="1200" dirty="0" smtClean="0">
+                <a:solidFill>
+                  <a:schemeClr val="tx1"/>
+                </a:solidFill>
+                <a:effectLst/>
+                <a:latin typeface="+mn-lt"/>
+                <a:ea typeface="+mn-ea"/>
+                <a:cs typeface="+mn-cs"/>
+              </a:rPr>
+              <a:t>deserves to be factored and named and managed just like the code in your application layer. And if you</a:t>
+            </a:r>
+            <a:r>
+              <a:rPr lang="en-US" sz="1200" kern="1200" baseline="0" dirty="0" smtClean="0">
+                <a:solidFill>
+                  <a:schemeClr val="tx1"/>
+                </a:solidFill>
+                <a:effectLst/>
+                <a:latin typeface="+mn-lt"/>
+                <a:ea typeface="+mn-ea"/>
+                <a:cs typeface="+mn-cs"/>
+              </a:rPr>
+              <a:t> give it the attention that it deserves, it will pay you back with tests that are far easier to read and maintain.</a:t>
+            </a:r>
+            <a:endParaRPr lang="en-US" sz="1200" kern="1200" dirty="0" smtClean="0">
+              <a:solidFill>
+                <a:schemeClr val="tx1"/>
+              </a:solidFill>
+              <a:effectLst/>
+              <a:latin typeface="+mn-lt"/>
+              <a:ea typeface="+mn-ea"/>
+              <a:cs typeface="+mn-cs"/>
+            </a:endParaRPr>
           </a:p>
           <a:p>
             <a:endParaRPr lang="en-US" sz="1200" kern="1200" dirty="0">
@@ -11011,7 +11088,7 @@
     </p:spTree>
     <p:extLst>
       <p:ext uri="{BB962C8B-B14F-4D97-AF65-F5344CB8AC3E}">
-        <p14:creationId xmlns:p14="http://schemas.microsoft.com/office/powerpoint/2010/main" val="600131576"/>
+        <p14:creationId xmlns:p14="http://schemas.microsoft.com/office/powerpoint/2010/main" val="2614958502"/>
       </p:ext>
     </p:extLst>
   </p:cSld>
@@ -11179,8 +11256,65 @@
                 <a:ea typeface="+mn-ea"/>
                 <a:cs typeface="+mn-cs"/>
               </a:rPr>
-              <a:t>By taking a more declarative approach I reduce the amount of code and the test setup becomes simpler and more expressive.</a:t>
-            </a:r>
+              <a:t>The 3</a:t>
+            </a:r>
+            <a:r>
+              <a:rPr lang="en-US" sz="1200" kern="1200" baseline="30000" dirty="0" smtClean="0">
+                <a:solidFill>
+                  <a:schemeClr val="tx1"/>
+                </a:solidFill>
+                <a:effectLst/>
+                <a:latin typeface="+mn-lt"/>
+                <a:ea typeface="+mn-ea"/>
+                <a:cs typeface="+mn-cs"/>
+              </a:rPr>
+              <a:t>rd</a:t>
+            </a:r>
+            <a:r>
+              <a:rPr lang="en-US" sz="1200" kern="1200" dirty="0" smtClean="0">
+                <a:solidFill>
+                  <a:schemeClr val="tx1"/>
+                </a:solidFill>
+                <a:effectLst/>
+                <a:latin typeface="+mn-lt"/>
+                <a:ea typeface="+mn-ea"/>
+                <a:cs typeface="+mn-cs"/>
+              </a:rPr>
+              <a:t> key practice </a:t>
+            </a:r>
+            <a:r>
+              <a:rPr lang="en-US" sz="1200" kern="1200" dirty="0" smtClean="0">
+                <a:solidFill>
+                  <a:schemeClr val="tx1"/>
+                </a:solidFill>
+                <a:effectLst/>
+                <a:latin typeface="+mn-lt"/>
+                <a:ea typeface="+mn-ea"/>
+                <a:cs typeface="+mn-cs"/>
+              </a:rPr>
+              <a:t>deals with reuse of complex setup logic</a:t>
+            </a:r>
+            <a:r>
+              <a:rPr lang="en-US" sz="1200" kern="1200" baseline="0" dirty="0" smtClean="0">
+                <a:solidFill>
+                  <a:schemeClr val="tx1"/>
+                </a:solidFill>
+                <a:effectLst/>
+                <a:latin typeface="+mn-lt"/>
+                <a:ea typeface="+mn-ea"/>
+                <a:cs typeface="+mn-cs"/>
+              </a:rPr>
+              <a:t>.</a:t>
+            </a:r>
+            <a:endParaRPr lang="en-US" sz="1200" kern="1200" baseline="0" dirty="0" smtClean="0">
+              <a:solidFill>
+                <a:schemeClr val="tx1"/>
+              </a:solidFill>
+              <a:effectLst/>
+              <a:latin typeface="+mn-lt"/>
+              <a:ea typeface="+mn-ea"/>
+              <a:cs typeface="+mn-cs"/>
+            </a:endParaRPr>
           </a:p>
           <a:p>
             <a:endParaRPr lang="en-US" sz="1200" kern="1200" dirty="0" smtClean="0">
@@ -11204,7 +11338,7 @@
                 <a:ea typeface="+mn-ea"/>
                 <a:cs typeface="+mn-cs"/>
               </a:rPr>
-              <a:t>In addition, note that I no longer need to manually specify the order subtotal; the helper can easily infer that value from the sum of the two payment amounts and wire everything up for me.</a:t>
+              <a:t>Test Helpers are great at returning single objects. But what if you need of keep track of multiple objects AND their relationships?</a:t>
             </a:r>
           </a:p>
           <a:p>
@@ -11229,8 +11363,92 @@
                 <a:ea typeface="+mn-ea"/>
                 <a:cs typeface="+mn-cs"/>
               </a:rPr>
-              <a:t>And once this piece of code is written, it’s available for reuse by other tests that have similar needs.</a:t>
-            </a:r>
+              <a:t>For example, if</a:t>
+            </a:r>
+            <a:r>
+              <a:rPr lang="en-US" sz="1200" kern="1200" baseline="0" dirty="0" smtClean="0">
+                <a:solidFill>
+                  <a:schemeClr val="tx1"/>
+                </a:solidFill>
+                <a:effectLst/>
+                <a:latin typeface="+mn-lt"/>
+                <a:ea typeface="+mn-ea"/>
+                <a:cs typeface="+mn-cs"/>
+              </a:rPr>
+              <a:t> you have an e-commerce site then many of your tests will deal with Orders and Customers. You might find yourself repeating the same setup over and over again: create an Order. Add some items to it. Assign a customer. Etc.</a:t>
+            </a:r>
+            <a:endParaRPr lang="en-US" sz="1200" kern="1200" dirty="0" smtClean="0">
+              <a:solidFill>
+                <a:schemeClr val="tx1"/>
+              </a:solidFill>
+              <a:effectLst/>
+              <a:latin typeface="+mn-lt"/>
+              <a:ea typeface="+mn-ea"/>
+              <a:cs typeface="+mn-cs"/>
+            </a:endParaRPr>
+          </a:p>
+          <a:p>
+            <a:endParaRPr lang="en-US" sz="1200" kern="1200" dirty="0" smtClean="0">
+              <a:solidFill>
+                <a:schemeClr val="tx1"/>
+              </a:solidFill>
+              <a:effectLst/>
+              <a:latin typeface="+mn-lt"/>
+              <a:ea typeface="+mn-ea"/>
+              <a:cs typeface="+mn-cs"/>
+            </a:endParaRPr>
+          </a:p>
+          <a:p>
+            <a:pPr marL="0" marR="0" lvl="0" indent="0" algn="l" defTabSz="914400" rtl="0" eaLnBrk="1" fontAlgn="auto" latinLnBrk="0" hangingPunct="1">
+              <a:lnSpc>
+                <a:spcPct val="100000"/>
+              </a:lnSpc>
+              <a:spcBef>
+                <a:spcPts val="0"/>
+              </a:spcBef>
+              <a:spcAft>
+                <a:spcPts val="0"/>
+              </a:spcAft>
+              <a:buClrTx/>
+              <a:buSzTx/>
+              <a:buFontTx/>
+              <a:buNone/>
+              <a:tabLst/>
+              <a:defRPr/>
+            </a:pPr>
+            <a:r>
+              <a:rPr lang="en-US" sz="1200" kern="1200" dirty="0" smtClean="0">
+                <a:solidFill>
+                  <a:schemeClr val="tx1"/>
+                </a:solidFill>
+                <a:effectLst/>
+                <a:latin typeface="+mn-lt"/>
+                <a:ea typeface="+mn-ea"/>
+                <a:cs typeface="+mn-cs"/>
+              </a:rPr>
+              <a:t>To reuse that logic I use a pattern that we call a Scenario. Scenarios are essentially façades that encapsulate the coordination of multiple Test Helpers. When used correctly,</a:t>
+            </a:r>
+            <a:r>
+              <a:rPr lang="en-US" sz="1200" kern="1200" baseline="0" dirty="0" smtClean="0">
+                <a:solidFill>
+                  <a:schemeClr val="tx1"/>
+                </a:solidFill>
+                <a:effectLst/>
+                <a:latin typeface="+mn-lt"/>
+                <a:ea typeface="+mn-ea"/>
+                <a:cs typeface="+mn-cs"/>
+              </a:rPr>
+              <a:t> they can dramatically simplify certain types of setup code.</a:t>
+            </a:r>
+            <a:endParaRPr lang="en-US" sz="1200" kern="1200" dirty="0" smtClean="0">
+              <a:solidFill>
+                <a:schemeClr val="tx1"/>
+              </a:solidFill>
+              <a:effectLst/>
+              <a:latin typeface="+mn-lt"/>
+              <a:ea typeface="+mn-ea"/>
+              <a:cs typeface="+mn-cs"/>
+            </a:endParaRPr>
           </a:p>
           <a:p>
             <a:endParaRPr lang="en-US" sz="1200" kern="1200" dirty="0">
@@ -11271,7 +11489,7 @@
     </p:spTree>
     <p:extLst>
       <p:ext uri="{BB962C8B-B14F-4D97-AF65-F5344CB8AC3E}">
-        <p14:creationId xmlns:p14="http://schemas.microsoft.com/office/powerpoint/2010/main" val="2614958502"/>
+        <p14:creationId xmlns:p14="http://schemas.microsoft.com/office/powerpoint/2010/main" val="3149679803"/>
       </p:ext>
     </p:extLst>
   </p:cSld>
@@ -11335,43 +11553,7 @@
                 <a:ea typeface="+mn-ea"/>
                 <a:cs typeface="+mn-cs"/>
               </a:rPr>
-              <a:t>The 3</a:t>
-            </a:r>
-            <a:r>
-              <a:rPr lang="en-US" sz="1200" kern="1200" baseline="30000" dirty="0" smtClean="0">
-                <a:solidFill>
-                  <a:schemeClr val="tx1"/>
-                </a:solidFill>
-                <a:effectLst/>
-                <a:latin typeface="+mn-lt"/>
-                <a:ea typeface="+mn-ea"/>
-                <a:cs typeface="+mn-cs"/>
-              </a:rPr>
-              <a:t>rd</a:t>
-            </a:r>
-            <a:r>
-              <a:rPr lang="en-US" sz="1200" kern="1200" dirty="0" smtClean="0">
-                <a:solidFill>
-                  <a:schemeClr val="tx1"/>
-                </a:solidFill>
-                <a:effectLst/>
-                <a:latin typeface="+mn-lt"/>
-                <a:ea typeface="+mn-ea"/>
-                <a:cs typeface="+mn-cs"/>
-              </a:rPr>
-              <a:t> key practice is to use "scenario"</a:t>
-            </a:r>
-            <a:r>
-              <a:rPr lang="en-US" sz="1200" kern="1200" baseline="0" dirty="0" smtClean="0">
-                <a:solidFill>
-                  <a:schemeClr val="tx1"/>
-                </a:solidFill>
-                <a:effectLst/>
-                <a:latin typeface="+mn-lt"/>
-                <a:ea typeface="+mn-ea"/>
-                <a:cs typeface="+mn-cs"/>
-              </a:rPr>
-              <a:t> objects to reuse complex setup.</a:t>
+              <a:t>This is what it looks like.</a:t>
             </a:r>
           </a:p>
           <a:p>
@@ -11396,19 +11578,7 @@
                 <a:ea typeface="+mn-ea"/>
                 <a:cs typeface="+mn-cs"/>
               </a:rPr>
-              <a:t>Test Helpers are great at returning single objects. But what if you need of keep track of multiple objects AND their relationships</a:t>
-            </a:r>
-            <a:r>
-              <a:rPr lang="en-US" sz="1200" kern="1200" dirty="0" smtClean="0">
-                <a:solidFill>
-                  <a:schemeClr val="tx1"/>
-                </a:solidFill>
-                <a:effectLst/>
-                <a:latin typeface="+mn-lt"/>
-                <a:ea typeface="+mn-ea"/>
-                <a:cs typeface="+mn-cs"/>
-              </a:rPr>
-              <a:t>?</a:t>
+              <a:t>You’ll notice that while a Test Helper is a static factory, a Scenario is something that you instantiate. You can still customize the result but you do it with constructor arguments and not method arguments.</a:t>
             </a:r>
           </a:p>
           <a:p>
@@ -11433,20 +11603,10 @@
                 <a:ea typeface="+mn-ea"/>
                 <a:cs typeface="+mn-cs"/>
               </a:rPr>
-              <a:t>For example, if</a:t>
-            </a:r>
-            <a:r>
-              <a:rPr lang="en-US" sz="1200" kern="1200" baseline="0" dirty="0" smtClean="0">
-                <a:solidFill>
-                  <a:schemeClr val="tx1"/>
-                </a:solidFill>
-                <a:effectLst/>
-                <a:latin typeface="+mn-lt"/>
-                <a:ea typeface="+mn-ea"/>
-                <a:cs typeface="+mn-cs"/>
-              </a:rPr>
-              <a:t> you have an e-commerce site then many of your tests will deal with Orders and Customers. You might find yourself repeating the same setup over and over again: create an Order. Add some items to it. Assign a customer. Etc.</a:t>
-            </a:r>
+              <a:t>The reason for this difference is that a Test Helper returns one of our core domain objects, and we don’t want to litter our app code with constructors that exist only for testing. The factory pattern works great to isolate the Test Helper logic from the core objects.</a:t>
+            </a:r>
+          </a:p>
+          <a:p>
             <a:endParaRPr lang="en-US" sz="1200" kern="1200" dirty="0" smtClean="0">
               <a:solidFill>
                 <a:schemeClr val="tx1"/>
@@ -11458,34 +11618,6 @@
             </a:endParaRPr>
           </a:p>
           <a:p>
-            <a:endParaRPr lang="en-US" sz="1200" kern="1200" dirty="0" smtClean="0">
-              <a:solidFill>
-                <a:schemeClr val="tx1"/>
-              </a:solidFill>
-              <a:effectLst/>
-              <a:latin typeface="+mn-lt"/>
-              <a:ea typeface="+mn-ea"/>
-              <a:cs typeface="+mn-cs"/>
-            </a:endParaRPr>
-          </a:p>
-          <a:p>
-            <a:pPr marL="0" marR="0" lvl="0" indent="0" algn="l" defTabSz="914400" rtl="0" eaLnBrk="1" fontAlgn="auto" latinLnBrk="0" hangingPunct="1">
-              <a:lnSpc>
-                <a:spcPct val="100000"/>
-              </a:lnSpc>
-              <a:spcBef>
-                <a:spcPts val="0"/>
-              </a:spcBef>
-              <a:spcAft>
-                <a:spcPts val="0"/>
-              </a:spcAft>
-              <a:buClrTx/>
-              <a:buSzTx/>
-              <a:buFontTx/>
-              <a:buNone/>
-              <a:tabLst/>
-              <a:defRPr/>
-            </a:pPr>
             <a:r>
               <a:rPr lang="en-US" sz="1200" kern="1200" dirty="0" smtClean="0">
                 <a:solidFill>
@@ -11496,7 +11628,19 @@
                 <a:ea typeface="+mn-ea"/>
                 <a:cs typeface="+mn-cs"/>
               </a:rPr>
-              <a:t>To reuse that logic I use </a:t>
+              <a:t>For scenarios, though, we’re actually creating </a:t>
+            </a:r>
+            <a:r>
+              <a:rPr lang="en-US" sz="1200" i="1" kern="1200" dirty="0" smtClean="0">
+                <a:solidFill>
+                  <a:schemeClr val="tx1"/>
+                </a:solidFill>
+                <a:effectLst/>
+                <a:latin typeface="+mn-lt"/>
+                <a:ea typeface="+mn-ea"/>
+                <a:cs typeface="+mn-cs"/>
+              </a:rPr>
+              <a:t>multiple </a:t>
             </a:r>
             <a:r>
               <a:rPr lang="en-US" sz="1200" kern="1200" dirty="0" smtClean="0">
@@ -11508,100 +11652,9 @@
                 <a:ea typeface="+mn-ea"/>
                 <a:cs typeface="+mn-cs"/>
               </a:rPr>
-              <a:t>a pattern that we call a Scenario. </a:t>
-            </a:r>
-            <a:r>
-              <a:rPr lang="en-US" sz="1200" kern="1200" dirty="0" smtClean="0">
-                <a:solidFill>
-                  <a:schemeClr val="tx1"/>
-                </a:solidFill>
-                <a:effectLst/>
-                <a:latin typeface="+mn-lt"/>
-                <a:ea typeface="+mn-ea"/>
-                <a:cs typeface="+mn-cs"/>
-              </a:rPr>
-              <a:t>Scenarios are essentially façades </a:t>
-            </a:r>
-            <a:r>
-              <a:rPr lang="en-US" sz="1200" kern="1200" dirty="0" smtClean="0">
-                <a:solidFill>
-                  <a:schemeClr val="tx1"/>
-                </a:solidFill>
-                <a:effectLst/>
-                <a:latin typeface="+mn-lt"/>
-                <a:ea typeface="+mn-ea"/>
-                <a:cs typeface="+mn-cs"/>
-              </a:rPr>
-              <a:t>that </a:t>
-            </a:r>
-            <a:r>
-              <a:rPr lang="en-US" sz="1200" kern="1200" dirty="0" smtClean="0">
-                <a:solidFill>
-                  <a:schemeClr val="tx1"/>
-                </a:solidFill>
-                <a:effectLst/>
-                <a:latin typeface="+mn-lt"/>
-                <a:ea typeface="+mn-ea"/>
-                <a:cs typeface="+mn-cs"/>
-              </a:rPr>
-              <a:t>encapsulate the </a:t>
-            </a:r>
-            <a:r>
-              <a:rPr lang="en-US" sz="1200" kern="1200" dirty="0" smtClean="0">
-                <a:solidFill>
-                  <a:schemeClr val="tx1"/>
-                </a:solidFill>
-                <a:effectLst/>
-                <a:latin typeface="+mn-lt"/>
-                <a:ea typeface="+mn-ea"/>
-                <a:cs typeface="+mn-cs"/>
-              </a:rPr>
-              <a:t>coordination of multiple Test </a:t>
-            </a:r>
-            <a:r>
-              <a:rPr lang="en-US" sz="1200" kern="1200" dirty="0" smtClean="0">
-                <a:solidFill>
-                  <a:schemeClr val="tx1"/>
-                </a:solidFill>
-                <a:effectLst/>
-                <a:latin typeface="+mn-lt"/>
-                <a:ea typeface="+mn-ea"/>
-                <a:cs typeface="+mn-cs"/>
-              </a:rPr>
-              <a:t>Helpers. When used correctly,</a:t>
-            </a:r>
-            <a:r>
-              <a:rPr lang="en-US" sz="1200" kern="1200" baseline="0" dirty="0" smtClean="0">
-                <a:solidFill>
-                  <a:schemeClr val="tx1"/>
-                </a:solidFill>
-                <a:effectLst/>
-                <a:latin typeface="+mn-lt"/>
-                <a:ea typeface="+mn-ea"/>
-                <a:cs typeface="+mn-cs"/>
-              </a:rPr>
-              <a:t> they can dramatically simplify certain types of setup code.</a:t>
-            </a:r>
-            <a:endParaRPr lang="en-US" sz="1200" kern="1200" dirty="0" smtClean="0">
-              <a:solidFill>
-                <a:schemeClr val="tx1"/>
-              </a:solidFill>
-              <a:effectLst/>
-              <a:latin typeface="+mn-lt"/>
-              <a:ea typeface="+mn-ea"/>
-              <a:cs typeface="+mn-cs"/>
-            </a:endParaRPr>
-          </a:p>
-          <a:p>
-            <a:endParaRPr lang="en-US" sz="1200" kern="1200" dirty="0">
-              <a:solidFill>
-                <a:schemeClr val="tx1"/>
-              </a:solidFill>
-              <a:effectLst/>
-              <a:latin typeface="+mn-lt"/>
-              <a:ea typeface="+mn-ea"/>
-              <a:cs typeface="+mn-cs"/>
-            </a:endParaRPr>
+              <a:t>objects, and we need a handy way to keep track of all of those objects. If we implement the Scenarios as brand new classes, then we can use instance properties of those classes to expose pointers to the objects the tests will care about. </a:t>
+            </a:r>
+            <a:endParaRPr lang="en-US" dirty="0"/>
           </a:p>
         </p:txBody>
       </p:sp>
@@ -11631,7 +11684,7 @@
     </p:spTree>
     <p:extLst>
       <p:ext uri="{BB962C8B-B14F-4D97-AF65-F5344CB8AC3E}">
-        <p14:creationId xmlns:p14="http://schemas.microsoft.com/office/powerpoint/2010/main" val="3149679803"/>
+        <p14:creationId xmlns:p14="http://schemas.microsoft.com/office/powerpoint/2010/main" val="3630569300"/>
       </p:ext>
     </p:extLst>
   </p:cSld>
@@ -11695,11 +11748,23 @@
                 <a:ea typeface="+mn-ea"/>
                 <a:cs typeface="+mn-cs"/>
               </a:rPr>
-              <a:t>This is what it looks like.</a:t>
-            </a:r>
-          </a:p>
-          <a:p>
-            <a:endParaRPr lang="en-US" sz="1200" kern="1200" dirty="0" smtClean="0">
+              <a:t>This is what the Scenario itself looks like. In the body of the constructor we create whatever data the scenario represents, and just like with Test</a:t>
+            </a:r>
+            <a:r>
+              <a:rPr lang="en-US" sz="1200" kern="1200" baseline="0" dirty="0" smtClean="0">
+                <a:solidFill>
+                  <a:schemeClr val="tx1"/>
+                </a:solidFill>
+                <a:effectLst/>
+                <a:latin typeface="+mn-lt"/>
+                <a:ea typeface="+mn-ea"/>
+                <a:cs typeface="+mn-cs"/>
+              </a:rPr>
+              <a:t> Helpers you can allow the scenario to be customized via arguments.</a:t>
+            </a:r>
+          </a:p>
+          <a:p>
+            <a:endParaRPr lang="en-US" sz="1200" kern="1200" baseline="0" dirty="0" smtClean="0">
               <a:solidFill>
                 <a:schemeClr val="tx1"/>
               </a:solidFill>
@@ -11711,20 +11776,20 @@
           </a:p>
           <a:p>
             <a:r>
-              <a:rPr lang="en-US" sz="1200" kern="1200" dirty="0" smtClean="0">
-                <a:solidFill>
-                  <a:schemeClr val="tx1"/>
-                </a:solidFill>
-                <a:effectLst/>
-                <a:latin typeface="+mn-lt"/>
-                <a:ea typeface="+mn-ea"/>
-                <a:cs typeface="+mn-cs"/>
-              </a:rPr>
-              <a:t>You’ll notice that while a Test Helper is a static factory, a Scenario is something that you instantiate. You can still customize the result but you do it with constructor arguments and not method arguments.</a:t>
-            </a:r>
-          </a:p>
-          <a:p>
-            <a:endParaRPr lang="en-US" sz="1200" kern="1200" dirty="0" smtClean="0">
+              <a:rPr lang="en-US" sz="1200" kern="1200" baseline="0" dirty="0" smtClean="0">
+                <a:solidFill>
+                  <a:schemeClr val="tx1"/>
+                </a:solidFill>
+                <a:effectLst/>
+                <a:latin typeface="+mn-lt"/>
+                <a:ea typeface="+mn-ea"/>
+                <a:cs typeface="+mn-cs"/>
+              </a:rPr>
+              <a:t>Anything that the Scenario creates, and that a test might need to get a reference to, is exposed as class properties. </a:t>
+            </a:r>
+          </a:p>
+          <a:p>
+            <a:endParaRPr lang="en-US" sz="1200" kern="1200" baseline="0" dirty="0" smtClean="0">
               <a:solidFill>
                 <a:schemeClr val="tx1"/>
               </a:solidFill>
@@ -11736,20 +11801,18 @@
           </a:p>
           <a:p>
             <a:r>
-              <a:rPr lang="en-US" sz="1200" kern="1200" dirty="0" smtClean="0">
-                <a:solidFill>
-                  <a:schemeClr val="tx1"/>
-                </a:solidFill>
-                <a:effectLst/>
-                <a:latin typeface="+mn-lt"/>
-                <a:ea typeface="+mn-ea"/>
-                <a:cs typeface="+mn-cs"/>
-              </a:rPr>
-              <a:t>The reason for this difference is that a Test Helper returns one of our core domain objects, and we don’t want to litter our app code with constructors that exist only for testing. The factory pattern works great to isolate the Test Helper logic from the core objects.</a:t>
-            </a:r>
-          </a:p>
-          <a:p>
-            <a:endParaRPr lang="en-US" sz="1200" kern="1200" dirty="0" smtClean="0">
+              <a:rPr lang="en-US" sz="1200" kern="1200" baseline="0" dirty="0" smtClean="0">
+                <a:solidFill>
+                  <a:schemeClr val="tx1"/>
+                </a:solidFill>
+                <a:effectLst/>
+                <a:latin typeface="+mn-lt"/>
+                <a:ea typeface="+mn-ea"/>
+                <a:cs typeface="+mn-cs"/>
+              </a:rPr>
+              <a:t>Sometimes, like you see here, the scenario is simple.</a:t>
+            </a:r>
+            <a:endParaRPr lang="en-US" sz="1200" kern="1200" dirty="0">
               <a:solidFill>
                 <a:schemeClr val="tx1"/>
               </a:solidFill>
@@ -11759,47 +11822,6 @@
               <a:cs typeface="+mn-cs"/>
             </a:endParaRPr>
           </a:p>
-          <a:p>
-            <a:r>
-              <a:rPr lang="en-US" sz="1200" kern="1200" dirty="0" smtClean="0">
-                <a:solidFill>
-                  <a:schemeClr val="tx1"/>
-                </a:solidFill>
-                <a:effectLst/>
-                <a:latin typeface="+mn-lt"/>
-                <a:ea typeface="+mn-ea"/>
-                <a:cs typeface="+mn-cs"/>
-              </a:rPr>
-              <a:t>For scenarios, though, we’re actually creating </a:t>
-            </a:r>
-            <a:r>
-              <a:rPr lang="en-US" sz="1200" i="1" kern="1200" dirty="0" smtClean="0">
-                <a:solidFill>
-                  <a:schemeClr val="tx1"/>
-                </a:solidFill>
-                <a:effectLst/>
-                <a:latin typeface="+mn-lt"/>
-                <a:ea typeface="+mn-ea"/>
-                <a:cs typeface="+mn-cs"/>
-              </a:rPr>
-              <a:t>multiple </a:t>
-            </a:r>
-            <a:r>
-              <a:rPr lang="en-US" sz="1200" kern="1200" dirty="0" smtClean="0">
-                <a:solidFill>
-                  <a:schemeClr val="tx1"/>
-                </a:solidFill>
-                <a:effectLst/>
-                <a:latin typeface="+mn-lt"/>
-                <a:ea typeface="+mn-ea"/>
-                <a:cs typeface="+mn-cs"/>
-              </a:rPr>
-              <a:t>objects, and we need a handy way to keep track of all of those objects. If we implement the Scenarios as brand new classes, then we can use instance properties of those classes to expose pointers to the objects the tests will care about. You could still use static factory methods if you wanted to, but it saves a little code to just use the constructor instead.</a:t>
-            </a:r>
-          </a:p>
-          <a:p>
-            <a:endParaRPr lang="en-US" dirty="0"/>
-          </a:p>
         </p:txBody>
       </p:sp>
       <p:sp>
@@ -11828,7 +11850,7 @@
     </p:spTree>
     <p:extLst>
       <p:ext uri="{BB962C8B-B14F-4D97-AF65-F5344CB8AC3E}">
-        <p14:creationId xmlns:p14="http://schemas.microsoft.com/office/powerpoint/2010/main" val="3630569300"/>
+        <p14:creationId xmlns:p14="http://schemas.microsoft.com/office/powerpoint/2010/main" val="2637628619"/>
       </p:ext>
     </p:extLst>
   </p:cSld>
@@ -11892,35 +11914,11 @@
                 <a:ea typeface="+mn-ea"/>
                 <a:cs typeface="+mn-cs"/>
               </a:rPr>
-              <a:t>This is what the Scenario itself looks like</a:t>
-            </a:r>
-            <a:r>
-              <a:rPr lang="en-US" sz="1200" kern="1200" dirty="0" smtClean="0">
-                <a:solidFill>
-                  <a:schemeClr val="tx1"/>
-                </a:solidFill>
-                <a:effectLst/>
-                <a:latin typeface="+mn-lt"/>
-                <a:ea typeface="+mn-ea"/>
-                <a:cs typeface="+mn-cs"/>
-              </a:rPr>
-              <a:t>. In the body of the constructor we create whatever data the scenario represents, and just like with Test</a:t>
-            </a:r>
-            <a:r>
-              <a:rPr lang="en-US" sz="1200" kern="1200" baseline="0" dirty="0" smtClean="0">
-                <a:solidFill>
-                  <a:schemeClr val="tx1"/>
-                </a:solidFill>
-                <a:effectLst/>
-                <a:latin typeface="+mn-lt"/>
-                <a:ea typeface="+mn-ea"/>
-                <a:cs typeface="+mn-cs"/>
-              </a:rPr>
-              <a:t> Helpers you can allow the scenario to be customized via arguments.</a:t>
-            </a:r>
-          </a:p>
-          <a:p>
-            <a:endParaRPr lang="en-US" sz="1200" kern="1200" baseline="0" dirty="0" smtClean="0">
+              <a:t>Here's a more complex example. In this case, we’re creating multiple orders for a single customer, each with different characteristics. </a:t>
+            </a:r>
+          </a:p>
+          <a:p>
+            <a:endParaRPr lang="en-US" sz="1200" kern="1200" dirty="0" smtClean="0">
               <a:solidFill>
                 <a:schemeClr val="tx1"/>
               </a:solidFill>
@@ -11932,6 +11930,18 @@
           </a:p>
           <a:p>
             <a:r>
+              <a:rPr lang="en-US" sz="1200" kern="1200" dirty="0" smtClean="0">
+                <a:solidFill>
+                  <a:schemeClr val="tx1"/>
+                </a:solidFill>
+                <a:effectLst/>
+                <a:latin typeface="+mn-lt"/>
+                <a:ea typeface="+mn-ea"/>
+                <a:cs typeface="+mn-cs"/>
+              </a:rPr>
+              <a:t>This sort of thing is especially helpful when you use it for integration</a:t>
+            </a:r>
+            <a:r>
               <a:rPr lang="en-US" sz="1200" kern="1200" baseline="0" dirty="0" smtClean="0">
                 <a:solidFill>
                   <a:schemeClr val="tx1"/>
@@ -11941,32 +11951,7 @@
                 <a:ea typeface="+mn-ea"/>
                 <a:cs typeface="+mn-cs"/>
               </a:rPr>
-              <a:t>Anything that the Scenario creates, and that a test might need to get a reference to, is exposed as class properties. </a:t>
-            </a:r>
-          </a:p>
-          <a:p>
-            <a:endParaRPr lang="en-US" sz="1200" kern="1200" baseline="0" dirty="0" smtClean="0">
-              <a:solidFill>
-                <a:schemeClr val="tx1"/>
-              </a:solidFill>
-              <a:effectLst/>
-              <a:latin typeface="+mn-lt"/>
-              <a:ea typeface="+mn-ea"/>
-              <a:cs typeface="+mn-cs"/>
-            </a:endParaRPr>
-          </a:p>
-          <a:p>
-            <a:r>
-              <a:rPr lang="en-US" sz="1200" kern="1200" baseline="0" dirty="0" smtClean="0">
-                <a:solidFill>
-                  <a:schemeClr val="tx1"/>
-                </a:solidFill>
-                <a:effectLst/>
-                <a:latin typeface="+mn-lt"/>
-                <a:ea typeface="+mn-ea"/>
-                <a:cs typeface="+mn-cs"/>
-              </a:rPr>
-              <a:t>Sometimes, like you see here, the scenario is simple.</a:t>
+              <a:t> tests because it's a super fast way to create a whole corpus of test data with just a few lines of code. We'll get to integration tests in just a moment.</a:t>
             </a:r>
             <a:endParaRPr lang="en-US" sz="1200" kern="1200" dirty="0">
               <a:solidFill>
@@ -12006,7 +11991,7 @@
     </p:spTree>
     <p:extLst>
       <p:ext uri="{BB962C8B-B14F-4D97-AF65-F5344CB8AC3E}">
-        <p14:creationId xmlns:p14="http://schemas.microsoft.com/office/powerpoint/2010/main" val="2637628619"/>
+        <p14:creationId xmlns:p14="http://schemas.microsoft.com/office/powerpoint/2010/main" val="3190554621"/>
       </p:ext>
     </p:extLst>
   </p:cSld>
@@ -12070,20 +12055,10 @@
                 <a:ea typeface="+mn-ea"/>
                 <a:cs typeface="+mn-cs"/>
               </a:rPr>
-              <a:t>Here's a more complex example. In </a:t>
-            </a:r>
-            <a:r>
-              <a:rPr lang="en-US" sz="1200" kern="1200" dirty="0" smtClean="0">
-                <a:solidFill>
-                  <a:schemeClr val="tx1"/>
-                </a:solidFill>
-                <a:effectLst/>
-                <a:latin typeface="+mn-lt"/>
-                <a:ea typeface="+mn-ea"/>
-                <a:cs typeface="+mn-cs"/>
-              </a:rPr>
-              <a:t>this case, we’re creating multiple orders for a single customer, each with different characteristics. </a:t>
-            </a:r>
+              <a:t>I recommend the Test Helper pattern without reservation. There’s literally no good argument not to. But there are a few drawbacks to the Scenario pattern that you should consider.</a:t>
+            </a:r>
+          </a:p>
+          <a:p>
             <a:endParaRPr lang="en-US" sz="1200" kern="1200" dirty="0" smtClean="0">
               <a:solidFill>
                 <a:schemeClr val="tx1"/>
@@ -12095,6 +12070,20 @@
             </a:endParaRPr>
           </a:p>
           <a:p>
+            <a:r>
+              <a:rPr lang="en-US" sz="1200" kern="1200" dirty="0" smtClean="0">
+                <a:solidFill>
+                  <a:schemeClr val="tx1"/>
+                </a:solidFill>
+                <a:effectLst/>
+                <a:latin typeface="+mn-lt"/>
+                <a:ea typeface="+mn-ea"/>
+                <a:cs typeface="+mn-cs"/>
+              </a:rPr>
+              <a:t>First, you’ll need to figure out for yourself the correct balance between specialization and customization. If you create a large number of Scenarios, each highly specialized for a specific use case, then you’ll generally find that each individual is scenario easy to maintain over time, but you’ll end up creating a lot of them with chunks of duplicate logic. If you create a smaller number of general purpose Scenarios that can be highly customized via arguments then you’ll create fewer objects, but it may be hard to refactor a Scenario because it might be used in lots of different ways by lots of different tests.</a:t>
+            </a:r>
+          </a:p>
+          <a:p>
             <a:endParaRPr lang="en-US" sz="1200" kern="1200" dirty="0" smtClean="0">
               <a:solidFill>
                 <a:schemeClr val="tx1"/>
@@ -12116,29 +12105,8 @@
                 <a:ea typeface="+mn-ea"/>
                 <a:cs typeface="+mn-cs"/>
               </a:rPr>
-              <a:t>This sort of thing is especially helpful when you use it for integration</a:t>
-            </a:r>
-            <a:r>
-              <a:rPr lang="en-US" sz="1200" kern="1200" baseline="0" dirty="0" smtClean="0">
-                <a:solidFill>
-                  <a:schemeClr val="tx1"/>
-                </a:solidFill>
-                <a:effectLst/>
-                <a:latin typeface="+mn-lt"/>
-                <a:ea typeface="+mn-ea"/>
-                <a:cs typeface="+mn-cs"/>
-              </a:rPr>
-              <a:t> tests because it's a super fast way to create a whole corpus of test data with just a few lines of code. We'll get to integration tests in just a moment.</a:t>
-            </a:r>
-            <a:endParaRPr lang="en-US" sz="1200" kern="1200" dirty="0">
-              <a:solidFill>
-                <a:schemeClr val="tx1"/>
-              </a:solidFill>
-              <a:effectLst/>
-              <a:latin typeface="+mn-lt"/>
-              <a:ea typeface="+mn-ea"/>
-              <a:cs typeface="+mn-cs"/>
-            </a:endParaRPr>
+              <a:t>That balance is hard to predict in advance. My rule of thumb is that if I’m only creating two or three objects in a test, I’ll usually just call the Test Helpers directly. But if I have more than that, AND I’m reusing that logic in more than two or three tests, I’ll extract out a Scenario. </a:t>
+            </a:r>
           </a:p>
         </p:txBody>
       </p:sp>
@@ -12168,7 +12136,7 @@
     </p:spTree>
     <p:extLst>
       <p:ext uri="{BB962C8B-B14F-4D97-AF65-F5344CB8AC3E}">
-        <p14:creationId xmlns:p14="http://schemas.microsoft.com/office/powerpoint/2010/main" val="3190554621"/>
+        <p14:creationId xmlns:p14="http://schemas.microsoft.com/office/powerpoint/2010/main" val="2143862452"/>
       </p:ext>
     </p:extLst>
   </p:cSld>
@@ -12232,7 +12200,7 @@
                 <a:ea typeface="+mn-ea"/>
                 <a:cs typeface="+mn-cs"/>
               </a:rPr>
-              <a:t>I recommend the Test Helper pattern without reservation. There’s literally no good argument not to. But there are a few drawbacks to the Scenario pattern that you should consider.</a:t>
+              <a:t>Also, remember that Scenarios are helpful because they simplify the coordination of multiple related objects into a single abstraction. If you need a lot of Scenarios, that might be a code smell indicating that you should simplify your main application code instead. </a:t>
             </a:r>
           </a:p>
           <a:p>
@@ -12257,7 +12225,7 @@
                 <a:ea typeface="+mn-ea"/>
                 <a:cs typeface="+mn-cs"/>
               </a:rPr>
-              <a:t>First, you’ll need to figure out for yourself the correct balance between specialization and customization. If you create a large number of Scenarios, each highly specialized for a specific use case, then you’ll generally find that each individual is scenario easy to maintain over time, but you’ll end up creating a lot of them with chunks of duplicate logic. If you create a smaller number of general purpose Scenarios that can be highly customized via arguments then you’ll create fewer objects, but it may be hard to refactor a Scenario because it might be used in lots of different ways by lots of different tests.</a:t>
+              <a:t>For instance, in that e-commerce example I just showed you, I had to set up an Order, and Customer, and some Line Items, and I had to wire all that stuff together so that I could test code that deals with all of those objects. If I find myself doing that a lot, then maybe there’s the need for some kind of flattened, simplified “Order Summary” object in the main app. </a:t>
             </a:r>
           </a:p>
           <a:p>
@@ -12282,8 +12250,41 @@
                 <a:ea typeface="+mn-ea"/>
                 <a:cs typeface="+mn-cs"/>
               </a:rPr>
-              <a:t>That balance is hard to predict in advance. My rule of thumb is that if I’m only creating two or three objects in a test, I’ll usually just call the Test Helpers directly. But if I have more than that, AND I’m reusing that logic in more than two or three tests, I’ll extract out a Scenario. </a:t>
-            </a:r>
+              <a:t>And generally speaking, anything that you do to SIMPLIFY YOUR MAIN AP</a:t>
+            </a:r>
+            <a:r>
+              <a:rPr lang="en-US" sz="1200" kern="1200" baseline="0" dirty="0" smtClean="0">
+                <a:solidFill>
+                  <a:schemeClr val="tx1"/>
+                </a:solidFill>
+                <a:effectLst/>
+                <a:latin typeface="+mn-lt"/>
+                <a:ea typeface="+mn-ea"/>
+                <a:cs typeface="+mn-cs"/>
+              </a:rPr>
+              <a:t>P </a:t>
+            </a:r>
+            <a:r>
+              <a:rPr lang="en-US" sz="1200" kern="1200" dirty="0" smtClean="0">
+                <a:solidFill>
+                  <a:schemeClr val="tx1"/>
+                </a:solidFill>
+                <a:effectLst/>
+                <a:latin typeface="+mn-lt"/>
+                <a:ea typeface="+mn-ea"/>
+                <a:cs typeface="+mn-cs"/>
+              </a:rPr>
+              <a:t>will also simplify your tests.</a:t>
+            </a:r>
+            <a:endParaRPr lang="en-US" sz="1200" kern="1200" dirty="0">
+              <a:solidFill>
+                <a:schemeClr val="tx1"/>
+              </a:solidFill>
+              <a:effectLst/>
+              <a:latin typeface="+mn-lt"/>
+              <a:ea typeface="+mn-ea"/>
+              <a:cs typeface="+mn-cs"/>
+            </a:endParaRPr>
           </a:p>
         </p:txBody>
       </p:sp>
@@ -12313,7 +12314,7 @@
     </p:spTree>
     <p:extLst>
       <p:ext uri="{BB962C8B-B14F-4D97-AF65-F5344CB8AC3E}">
-        <p14:creationId xmlns:p14="http://schemas.microsoft.com/office/powerpoint/2010/main" val="2143862452"/>
+        <p14:creationId xmlns:p14="http://schemas.microsoft.com/office/powerpoint/2010/main" val="965046980"/>
       </p:ext>
     </p:extLst>
   </p:cSld>
@@ -12368,7 +12369,7 @@
           <a:lstStyle/>
           <a:p>
             <a:r>
-              <a:rPr lang="en-US" sz="1200" kern="1200" dirty="0" smtClean="0">
+              <a:rPr lang="en-US" sz="1200" kern="1200" smtClean="0">
                 <a:solidFill>
                   <a:schemeClr val="tx1"/>
                 </a:solidFill>
@@ -12381,7 +12382,7 @@
             </a:r>
           </a:p>
           <a:p>
-            <a:endParaRPr lang="en-US" sz="1200" kern="1200" dirty="0" smtClean="0">
+            <a:endParaRPr lang="en-US" sz="1200" kern="1200" smtClean="0">
               <a:solidFill>
                 <a:schemeClr val="tx1"/>
               </a:solidFill>
@@ -12393,7 +12394,7 @@
           </a:p>
           <a:p>
             <a:r>
-              <a:rPr lang="en-US" sz="1200" kern="1200" dirty="0" smtClean="0">
+              <a:rPr lang="en-US" sz="1200" kern="1200" smtClean="0">
                 <a:solidFill>
                   <a:schemeClr val="tx1"/>
                 </a:solidFill>
@@ -12406,7 +12407,7 @@
             </a:r>
           </a:p>
           <a:p>
-            <a:endParaRPr lang="en-US" sz="1200" kern="1200" dirty="0" smtClean="0">
+            <a:endParaRPr lang="en-US" sz="1200" kern="1200" smtClean="0">
               <a:solidFill>
                 <a:schemeClr val="tx1"/>
               </a:solidFill>
@@ -12418,7 +12419,7 @@
           </a:p>
           <a:p>
             <a:r>
-              <a:rPr lang="en-US" sz="1200" kern="1200" dirty="0" smtClean="0">
+              <a:rPr lang="en-US" sz="1200" kern="1200" smtClean="0">
                 <a:solidFill>
                   <a:schemeClr val="tx1"/>
                 </a:solidFill>
@@ -12430,7 +12431,7 @@
               <a:t>And generally speaking, anything that you do to SIMPLIFY YOUR MAIN AP</a:t>
             </a:r>
             <a:r>
-              <a:rPr lang="en-US" sz="1200" kern="1200" baseline="0" dirty="0" smtClean="0">
+              <a:rPr lang="en-US" sz="1200" kern="1200" baseline="0" smtClean="0">
                 <a:solidFill>
                   <a:schemeClr val="tx1"/>
                 </a:solidFill>
@@ -12442,7 +12443,7 @@
               <a:t>P </a:t>
             </a:r>
             <a:r>
-              <a:rPr lang="en-US" sz="1200" kern="1200" dirty="0" smtClean="0">
+              <a:rPr lang="en-US" sz="1200" kern="1200" smtClean="0">
                 <a:solidFill>
                   <a:schemeClr val="tx1"/>
                 </a:solidFill>
@@ -12491,7 +12492,7 @@
     </p:spTree>
     <p:extLst>
       <p:ext uri="{BB962C8B-B14F-4D97-AF65-F5344CB8AC3E}">
-        <p14:creationId xmlns:p14="http://schemas.microsoft.com/office/powerpoint/2010/main" val="965046980"/>
+        <p14:creationId xmlns:p14="http://schemas.microsoft.com/office/powerpoint/2010/main" val="2821801087"/>
       </p:ext>
     </p:extLst>
   </p:cSld>
@@ -12546,20 +12547,20 @@
           <a:lstStyle/>
           <a:p>
             <a:r>
-              <a:rPr lang="en-US" sz="1200" kern="1200" smtClean="0">
-                <a:solidFill>
-                  <a:schemeClr val="tx1"/>
-                </a:solidFill>
-                <a:effectLst/>
-                <a:latin typeface="+mn-lt"/>
-                <a:ea typeface="+mn-ea"/>
-                <a:cs typeface="+mn-cs"/>
-              </a:rPr>
-              <a:t>Also, remember that Scenarios are helpful because they simplify the coordination of multiple related objects into a single abstraction. If you need a lot of Scenarios, that might be a code smell indicating that you should simplify your main application code instead. </a:t>
-            </a:r>
-          </a:p>
-          <a:p>
-            <a:endParaRPr lang="en-US" sz="1200" kern="1200" smtClean="0">
+              <a:rPr lang="en-US" sz="1200" kern="1200" dirty="0" smtClean="0">
+                <a:solidFill>
+                  <a:schemeClr val="tx1"/>
+                </a:solidFill>
+                <a:effectLst/>
+                <a:latin typeface="+mn-lt"/>
+                <a:ea typeface="+mn-ea"/>
+                <a:cs typeface="+mn-cs"/>
+              </a:rPr>
+              <a:t>Until now we’ve been talking about in-memory objects only. The fourth key to effective setup is to leverage those in-memory helpers in your integration tests as well. </a:t>
+            </a:r>
+          </a:p>
+          <a:p>
+            <a:endParaRPr lang="en-US" sz="1200" kern="1200" dirty="0" smtClean="0">
               <a:solidFill>
                 <a:schemeClr val="tx1"/>
               </a:solidFill>
@@ -12571,20 +12572,20 @@
           </a:p>
           <a:p>
             <a:r>
-              <a:rPr lang="en-US" sz="1200" kern="1200" smtClean="0">
-                <a:solidFill>
-                  <a:schemeClr val="tx1"/>
-                </a:solidFill>
-                <a:effectLst/>
-                <a:latin typeface="+mn-lt"/>
-                <a:ea typeface="+mn-ea"/>
-                <a:cs typeface="+mn-cs"/>
-              </a:rPr>
-              <a:t>For instance, in that e-commerce example I just showed you, I had to set up an Order, and Customer, and some Line Items, and I had to wire all that stuff together so that I could test code that deals with all of those objects. If I find myself doing that a lot, then maybe there’s the need for some kind of flattened, simplified “Order Summary” object in the main app. </a:t>
-            </a:r>
-          </a:p>
-          <a:p>
-            <a:endParaRPr lang="en-US" sz="1200" kern="1200" smtClean="0">
+              <a:rPr lang="en-US" sz="1200" kern="1200" dirty="0" smtClean="0">
+                <a:solidFill>
+                  <a:schemeClr val="tx1"/>
+                </a:solidFill>
+                <a:effectLst/>
+                <a:latin typeface="+mn-lt"/>
+                <a:ea typeface="+mn-ea"/>
+                <a:cs typeface="+mn-cs"/>
+              </a:rPr>
+              <a:t>This is a key practice because it addresses mistake #4 that we talked about. If you have a library of helpers that create data, then your integration tests no longer need to rely on pre-existing data. Instead, they can create exactly what they need in exactly the shape they need it. </a:t>
+            </a:r>
+          </a:p>
+          <a:p>
+            <a:endParaRPr lang="en-US" sz="1200" kern="1200" dirty="0" smtClean="0">
               <a:solidFill>
                 <a:schemeClr val="tx1"/>
               </a:solidFill>
@@ -12596,40 +12597,16 @@
           </a:p>
           <a:p>
             <a:r>
-              <a:rPr lang="en-US" sz="1200" kern="1200" smtClean="0">
-                <a:solidFill>
-                  <a:schemeClr val="tx1"/>
-                </a:solidFill>
-                <a:effectLst/>
-                <a:latin typeface="+mn-lt"/>
-                <a:ea typeface="+mn-ea"/>
-                <a:cs typeface="+mn-cs"/>
-              </a:rPr>
-              <a:t>And generally speaking, anything that you do to SIMPLIFY YOUR MAIN AP</a:t>
-            </a:r>
-            <a:r>
-              <a:rPr lang="en-US" sz="1200" kern="1200" baseline="0" smtClean="0">
-                <a:solidFill>
-                  <a:schemeClr val="tx1"/>
-                </a:solidFill>
-                <a:effectLst/>
-                <a:latin typeface="+mn-lt"/>
-                <a:ea typeface="+mn-ea"/>
-                <a:cs typeface="+mn-cs"/>
-              </a:rPr>
-              <a:t>P </a:t>
-            </a:r>
-            <a:r>
-              <a:rPr lang="en-US" sz="1200" kern="1200" smtClean="0">
-                <a:solidFill>
-                  <a:schemeClr val="tx1"/>
-                </a:solidFill>
-                <a:effectLst/>
-                <a:latin typeface="+mn-lt"/>
-                <a:ea typeface="+mn-ea"/>
-                <a:cs typeface="+mn-cs"/>
-              </a:rPr>
-              <a:t>will also simplify your tests.</a:t>
+              <a:rPr lang="en-US" sz="1200" kern="1200" dirty="0" smtClean="0">
+                <a:solidFill>
+                  <a:schemeClr val="tx1"/>
+                </a:solidFill>
+                <a:effectLst/>
+                <a:latin typeface="+mn-lt"/>
+                <a:ea typeface="+mn-ea"/>
+                <a:cs typeface="+mn-cs"/>
+              </a:rPr>
+              <a:t>In a perfect world, we’d be able to use the same set of helpers to create data in memory or in the database.</a:t>
             </a:r>
             <a:endParaRPr lang="en-US" sz="1200" kern="1200" dirty="0">
               <a:solidFill>
@@ -12669,7 +12646,7 @@
     </p:spTree>
     <p:extLst>
       <p:ext uri="{BB962C8B-B14F-4D97-AF65-F5344CB8AC3E}">
-        <p14:creationId xmlns:p14="http://schemas.microsoft.com/office/powerpoint/2010/main" val="2821801087"/>
+        <p14:creationId xmlns:p14="http://schemas.microsoft.com/office/powerpoint/2010/main" val="3116087620"/>
       </p:ext>
     </p:extLst>
   </p:cSld>
@@ -12723,6 +12700,23 @@
           <a:bodyPr/>
           <a:lstStyle/>
           <a:p>
+            <a:pPr marL="0" marR="0" lvl="0" indent="0" algn="l" defTabSz="914400" rtl="0" eaLnBrk="1" fontAlgn="auto" latinLnBrk="0" hangingPunct="1">
+              <a:lnSpc>
+                <a:spcPct val="100000"/>
+              </a:lnSpc>
+              <a:spcBef>
+                <a:spcPts val="0"/>
+              </a:spcBef>
+              <a:spcAft>
+                <a:spcPts val="0"/>
+              </a:spcAft>
+              <a:buClrTx/>
+              <a:buSzTx/>
+              <a:buFontTx/>
+              <a:buNone/>
+              <a:tabLst/>
+              <a:defRPr/>
+            </a:pPr>
             <a:r>
               <a:rPr lang="en-US" sz="1200" kern="1200" dirty="0" smtClean="0">
                 <a:solidFill>
@@ -12733,7 +12727,7 @@
                 <a:ea typeface="+mn-ea"/>
                 <a:cs typeface="+mn-cs"/>
               </a:rPr>
-              <a:t>Until now we’ve been talking about in-memory objects only. The fourth key to effective setup is to leverage those in-memory helpers in your integration tests as well. </a:t>
+              <a:t>Unfortunately, that's easier said than done.</a:t>
             </a:r>
           </a:p>
           <a:p>
@@ -12758,7 +12752,7 @@
                 <a:ea typeface="+mn-ea"/>
                 <a:cs typeface="+mn-cs"/>
               </a:rPr>
-              <a:t>This is a key practice because it addresses mistake #4 that we talked about. If you have a library of helpers that create data, then your integration tests no longer need to rely on pre-existing data. Instead, they can create exactly what they need in exactly the shape they need it. </a:t>
+              <a:t>First, you have to deal with foreign keys. Your app may not care if you create a Line Item by itself, but you can’t save the Line Item to the database without an Order. And maybe you can’t create an Order without a customer. It’s the same issue we had with constructor dependencies, but in the database. </a:t>
             </a:r>
           </a:p>
           <a:p>
@@ -12783,8 +12777,10 @@
                 <a:ea typeface="+mn-ea"/>
                 <a:cs typeface="+mn-cs"/>
               </a:rPr>
-              <a:t>In a perfect world, we’d be able to use the same set of helpers to create data in memory or in the database.</a:t>
-            </a:r>
+              <a:t>This means you have to new up the entire object graph and then save objects to the database in the correct sequence. </a:t>
+            </a:r>
+          </a:p>
+          <a:p>
             <a:endParaRPr lang="en-US" sz="1200" kern="1200" dirty="0">
               <a:solidFill>
                 <a:schemeClr val="tx1"/>
@@ -12823,7 +12819,7 @@
     </p:spTree>
     <p:extLst>
       <p:ext uri="{BB962C8B-B14F-4D97-AF65-F5344CB8AC3E}">
-        <p14:creationId xmlns:p14="http://schemas.microsoft.com/office/powerpoint/2010/main" val="3116087620"/>
+        <p14:creationId xmlns:p14="http://schemas.microsoft.com/office/powerpoint/2010/main" val="588328629"/>
       </p:ext>
     </p:extLst>
   </p:cSld>
@@ -12904,57 +12900,7 @@
                 <a:ea typeface="+mn-ea"/>
                 <a:cs typeface="+mn-cs"/>
               </a:rPr>
-              <a:t>Unfortunately, that's easier said than done.</a:t>
-            </a:r>
-          </a:p>
-          <a:p>
-            <a:endParaRPr lang="en-US" sz="1200" kern="1200" dirty="0" smtClean="0">
-              <a:solidFill>
-                <a:schemeClr val="tx1"/>
-              </a:solidFill>
-              <a:effectLst/>
-              <a:latin typeface="+mn-lt"/>
-              <a:ea typeface="+mn-ea"/>
-              <a:cs typeface="+mn-cs"/>
-            </a:endParaRPr>
-          </a:p>
-          <a:p>
-            <a:r>
-              <a:rPr lang="en-US" sz="1200" kern="1200" dirty="0" smtClean="0">
-                <a:solidFill>
-                  <a:schemeClr val="tx1"/>
-                </a:solidFill>
-                <a:effectLst/>
-                <a:latin typeface="+mn-lt"/>
-                <a:ea typeface="+mn-ea"/>
-                <a:cs typeface="+mn-cs"/>
-              </a:rPr>
-              <a:t>First, you have to deal with foreign keys. Your app may not care if you create a Line Item by itself, but you can’t save the Line Item to the database without an Order. And maybe you can’t create an Order without a customer. It’s the same issue we had with constructor dependencies, but in the database. </a:t>
-            </a:r>
-          </a:p>
-          <a:p>
-            <a:endParaRPr lang="en-US" sz="1200" kern="1200" dirty="0" smtClean="0">
-              <a:solidFill>
-                <a:schemeClr val="tx1"/>
-              </a:solidFill>
-              <a:effectLst/>
-              <a:latin typeface="+mn-lt"/>
-              <a:ea typeface="+mn-ea"/>
-              <a:cs typeface="+mn-cs"/>
-            </a:endParaRPr>
-          </a:p>
-          <a:p>
-            <a:r>
-              <a:rPr lang="en-US" sz="1200" kern="1200" dirty="0" smtClean="0">
-                <a:solidFill>
-                  <a:schemeClr val="tx1"/>
-                </a:solidFill>
-                <a:effectLst/>
-                <a:latin typeface="+mn-lt"/>
-                <a:ea typeface="+mn-ea"/>
-                <a:cs typeface="+mn-cs"/>
-              </a:rPr>
-              <a:t>This means you have to new up the entire object graph and then save objects to the database in the correct sequence. </a:t>
+              <a:t>And if your database assigns primary keys, then after you save all those objects you have to update their ID values with the newly assigned key.</a:t>
             </a:r>
           </a:p>
           <a:p>
@@ -12996,7 +12942,7 @@
     </p:spTree>
     <p:extLst>
       <p:ext uri="{BB962C8B-B14F-4D97-AF65-F5344CB8AC3E}">
-        <p14:creationId xmlns:p14="http://schemas.microsoft.com/office/powerpoint/2010/main" val="588328629"/>
+        <p14:creationId xmlns:p14="http://schemas.microsoft.com/office/powerpoint/2010/main" val="2692189184"/>
       </p:ext>
     </p:extLst>
   </p:cSld>
@@ -13320,7 +13266,7 @@
                 <a:ea typeface="+mn-ea"/>
                 <a:cs typeface="+mn-cs"/>
               </a:rPr>
-              <a:t>And if your database assigns primary keys, then after you save all those objects you have to update their ID values with the newly assigned key.</a:t>
+              <a:t>You also have to make sure that your helpers are creating data that can be saved. Some columns might have constraints that reject NULL or other values, and those constraints may not be duplicated in the domain model.</a:t>
             </a:r>
           </a:p>
           <a:p>
@@ -13362,7 +13308,7 @@
     </p:spTree>
     <p:extLst>
       <p:ext uri="{BB962C8B-B14F-4D97-AF65-F5344CB8AC3E}">
-        <p14:creationId xmlns:p14="http://schemas.microsoft.com/office/powerpoint/2010/main" val="2692189184"/>
+        <p14:creationId xmlns:p14="http://schemas.microsoft.com/office/powerpoint/2010/main" val="1306606769"/>
       </p:ext>
     </p:extLst>
   </p:cSld>
@@ -13416,23 +13362,6 @@
           <a:bodyPr/>
           <a:lstStyle/>
           <a:p>
-            <a:pPr marL="0" marR="0" lvl="0" indent="0" algn="l" defTabSz="914400" rtl="0" eaLnBrk="1" fontAlgn="auto" latinLnBrk="0" hangingPunct="1">
-              <a:lnSpc>
-                <a:spcPct val="100000"/>
-              </a:lnSpc>
-              <a:spcBef>
-                <a:spcPts val="0"/>
-              </a:spcBef>
-              <a:spcAft>
-                <a:spcPts val="0"/>
-              </a:spcAft>
-              <a:buClrTx/>
-              <a:buSzTx/>
-              <a:buFontTx/>
-              <a:buNone/>
-              <a:tabLst/>
-              <a:defRPr/>
-            </a:pPr>
             <a:r>
               <a:rPr lang="en-US" sz="1200" kern="1200" dirty="0" smtClean="0">
                 <a:solidFill>
@@ -13443,7 +13372,32 @@
                 <a:ea typeface="+mn-ea"/>
                 <a:cs typeface="+mn-cs"/>
               </a:rPr>
-              <a:t>You also have to make sure that your helpers are creating data that can be saved. Some columns might have constraints that reject NULL or other values, and those constraints may not be duplicated in the domain model.</a:t>
+              <a:t>Lastly, you’ll want to clean up that test data when the test run is over. I run my automated tests against the same database I use for manual testing. I don’t want that database filled up with junk data because it can impact performance, waste disk space, and it’s just ugly. </a:t>
+            </a:r>
+          </a:p>
+          <a:p>
+            <a:endParaRPr lang="en-US" sz="1200" kern="1200" dirty="0" smtClean="0">
+              <a:solidFill>
+                <a:schemeClr val="tx1"/>
+              </a:solidFill>
+              <a:effectLst/>
+              <a:latin typeface="+mn-lt"/>
+              <a:ea typeface="+mn-ea"/>
+              <a:cs typeface="+mn-cs"/>
+            </a:endParaRPr>
+          </a:p>
+          <a:p>
+            <a:r>
+              <a:rPr lang="en-US" sz="1200" kern="1200" dirty="0" smtClean="0">
+                <a:solidFill>
+                  <a:schemeClr val="tx1"/>
+                </a:solidFill>
+                <a:effectLst/>
+                <a:latin typeface="+mn-lt"/>
+                <a:ea typeface="+mn-ea"/>
+                <a:cs typeface="+mn-cs"/>
+              </a:rPr>
+              <a:t>These things make integration tests difficult, but we can handle them with a few extra additions to the Test Helper pattern.</a:t>
             </a:r>
           </a:p>
           <a:p>
@@ -13485,7 +13439,7 @@
     </p:spTree>
     <p:extLst>
       <p:ext uri="{BB962C8B-B14F-4D97-AF65-F5344CB8AC3E}">
-        <p14:creationId xmlns:p14="http://schemas.microsoft.com/office/powerpoint/2010/main" val="1306606769"/>
+        <p14:creationId xmlns:p14="http://schemas.microsoft.com/office/powerpoint/2010/main" val="386256710"/>
       </p:ext>
     </p:extLst>
   </p:cSld>
@@ -13549,7 +13503,7 @@
                 <a:ea typeface="+mn-ea"/>
                 <a:cs typeface="+mn-cs"/>
               </a:rPr>
-              <a:t>Lastly, you’ll want to clean up that test data when the test run is over. I run my automated tests against the same database I use for manual testing. I don’t want that database filled up with junk data because it can impact performance, waste disk space, and it’s just ugly. </a:t>
+              <a:t>As an example, let’s start with this unit test. It creates two orders, sets up the service under test and prepares your mocks or stubs or whatever, and then asserts that the shipped order is NOT returned.</a:t>
             </a:r>
           </a:p>
           <a:p>
@@ -13574,10 +13528,33 @@
                 <a:ea typeface="+mn-ea"/>
                 <a:cs typeface="+mn-cs"/>
               </a:rPr>
-              <a:t>These things make integration tests difficult, but we can handle them with a few extra additions to the Test Helper pattern.</a:t>
-            </a:r>
-          </a:p>
-          <a:p>
+              <a:t>But if the service that we’re testing is a data service, then this filtering logic might be implemented in a SQL query. The only way to properly test that filter is to create real data in a real database. </a:t>
+            </a:r>
+          </a:p>
+          <a:p>
+            <a:endParaRPr lang="en-US" sz="1200" kern="1200" dirty="0" smtClean="0">
+              <a:solidFill>
+                <a:schemeClr val="tx1"/>
+              </a:solidFill>
+              <a:effectLst/>
+              <a:latin typeface="+mn-lt"/>
+              <a:ea typeface="+mn-ea"/>
+              <a:cs typeface="+mn-cs"/>
+            </a:endParaRPr>
+          </a:p>
+          <a:p>
+            <a:r>
+              <a:rPr lang="en-US" sz="1200" kern="1200" dirty="0" smtClean="0">
+                <a:solidFill>
+                  <a:schemeClr val="tx1"/>
+                </a:solidFill>
+                <a:effectLst/>
+                <a:latin typeface="+mn-lt"/>
+                <a:ea typeface="+mn-ea"/>
+                <a:cs typeface="+mn-cs"/>
+              </a:rPr>
+              <a:t>But it would be great if we could use this same code to create that data in a way that addresses all of those issues we just looked at.</a:t>
+            </a:r>
             <a:endParaRPr lang="en-US" sz="1200" kern="1200" dirty="0">
               <a:solidFill>
                 <a:schemeClr val="tx1"/>
@@ -13616,7 +13593,7 @@
     </p:spTree>
     <p:extLst>
       <p:ext uri="{BB962C8B-B14F-4D97-AF65-F5344CB8AC3E}">
-        <p14:creationId xmlns:p14="http://schemas.microsoft.com/office/powerpoint/2010/main" val="386256710"/>
+        <p14:creationId xmlns:p14="http://schemas.microsoft.com/office/powerpoint/2010/main" val="140621823"/>
       </p:ext>
     </p:extLst>
   </p:cSld>
@@ -13680,7 +13657,31 @@
                 <a:ea typeface="+mn-ea"/>
                 <a:cs typeface="+mn-cs"/>
               </a:rPr>
-              <a:t>As an example, let’s start with this unit test. It creates two orders, sets up the service under test and prepares your mocks or stubs or whatever, and then asserts that the shipped order is NOT returned.</a:t>
+              <a:t>The first step to achieving that goal is to add a </a:t>
+            </a:r>
+            <a:r>
+              <a:rPr lang="en-US" sz="1200" i="1" kern="1200" dirty="0" smtClean="0">
+                <a:solidFill>
+                  <a:schemeClr val="tx1"/>
+                </a:solidFill>
+                <a:effectLst/>
+                <a:latin typeface="+mn-lt"/>
+                <a:ea typeface="+mn-ea"/>
+                <a:cs typeface="+mn-cs"/>
+              </a:rPr>
+              <a:t>Save() </a:t>
+            </a:r>
+            <a:r>
+              <a:rPr lang="en-US" sz="1200" kern="1200" dirty="0" smtClean="0">
+                <a:solidFill>
+                  <a:schemeClr val="tx1"/>
+                </a:solidFill>
+                <a:effectLst/>
+                <a:latin typeface="+mn-lt"/>
+                <a:ea typeface="+mn-ea"/>
+                <a:cs typeface="+mn-cs"/>
+              </a:rPr>
+              <a:t>method to your Test Helpers classes.</a:t>
             </a:r>
           </a:p>
           <a:p>
@@ -13705,7 +13706,7 @@
                 <a:ea typeface="+mn-ea"/>
                 <a:cs typeface="+mn-cs"/>
               </a:rPr>
-              <a:t>But if the service that we’re testing is a data service, then this filtering logic might be implemented in a SQL query. The only way to properly test that filter is to create real data in a real database. </a:t>
+              <a:t>Obviously, this method needs some way of talking to the database, so you’ll either need to pass a database connection into the Save method when you call it, or you’ll need to use some sort of dependency injection to make it available. Since all of our other helper methods are static, I’ve found it easier to keep the Save method static as well and not worry about DI in this case.</a:t>
             </a:r>
           </a:p>
           <a:p>
@@ -13730,7 +13731,55 @@
                 <a:ea typeface="+mn-ea"/>
                 <a:cs typeface="+mn-cs"/>
               </a:rPr>
-              <a:t>But it would be great if we could use this same code to create that data in a way that addresses all of those issues we just looked at.</a:t>
+              <a:t>My project uses NHibernate so we pass around an </a:t>
+            </a:r>
+            <a:r>
+              <a:rPr lang="en-US" sz="1200" kern="1200" dirty="0" err="1" smtClean="0">
+                <a:solidFill>
+                  <a:schemeClr val="tx1"/>
+                </a:solidFill>
+                <a:effectLst/>
+                <a:latin typeface="+mn-lt"/>
+                <a:ea typeface="+mn-ea"/>
+                <a:cs typeface="+mn-cs"/>
+              </a:rPr>
+              <a:t>ISession</a:t>
+            </a:r>
+            <a:r>
+              <a:rPr lang="en-US" sz="1200" kern="1200" dirty="0" smtClean="0">
+                <a:solidFill>
+                  <a:schemeClr val="tx1"/>
+                </a:solidFill>
+                <a:effectLst/>
+                <a:latin typeface="+mn-lt"/>
+                <a:ea typeface="+mn-ea"/>
+                <a:cs typeface="+mn-cs"/>
+              </a:rPr>
+              <a:t> right here. If you use Entity Framework then you might pass the </a:t>
+            </a:r>
+            <a:r>
+              <a:rPr lang="en-US" sz="1200" kern="1200" dirty="0" err="1" smtClean="0">
+                <a:solidFill>
+                  <a:schemeClr val="tx1"/>
+                </a:solidFill>
+                <a:effectLst/>
+                <a:latin typeface="+mn-lt"/>
+                <a:ea typeface="+mn-ea"/>
+                <a:cs typeface="+mn-cs"/>
+              </a:rPr>
+              <a:t>db</a:t>
+            </a:r>
+            <a:r>
+              <a:rPr lang="en-US" sz="1200" kern="1200" dirty="0" smtClean="0">
+                <a:solidFill>
+                  <a:schemeClr val="tx1"/>
+                </a:solidFill>
+                <a:effectLst/>
+                <a:latin typeface="+mn-lt"/>
+                <a:ea typeface="+mn-ea"/>
+                <a:cs typeface="+mn-cs"/>
+              </a:rPr>
+              <a:t> context here, or a raw ADO.NET connection or whatever other object that you need to talk to the database. </a:t>
             </a:r>
             <a:endParaRPr lang="en-US" sz="1200" kern="1200" dirty="0">
               <a:solidFill>
@@ -13770,7 +13819,7 @@
     </p:spTree>
     <p:extLst>
       <p:ext uri="{BB962C8B-B14F-4D97-AF65-F5344CB8AC3E}">
-        <p14:creationId xmlns:p14="http://schemas.microsoft.com/office/powerpoint/2010/main" val="140621823"/>
+        <p14:creationId xmlns:p14="http://schemas.microsoft.com/office/powerpoint/2010/main" val="1408365047"/>
       </p:ext>
     </p:extLst>
   </p:cSld>
@@ -13834,31 +13883,7 @@
                 <a:ea typeface="+mn-ea"/>
                 <a:cs typeface="+mn-cs"/>
               </a:rPr>
-              <a:t>The first step to achieving that goal is to add a </a:t>
-            </a:r>
-            <a:r>
-              <a:rPr lang="en-US" sz="1200" i="1" kern="1200" dirty="0" smtClean="0">
-                <a:solidFill>
-                  <a:schemeClr val="tx1"/>
-                </a:solidFill>
-                <a:effectLst/>
-                <a:latin typeface="+mn-lt"/>
-                <a:ea typeface="+mn-ea"/>
-                <a:cs typeface="+mn-cs"/>
-              </a:rPr>
-              <a:t>Save() </a:t>
-            </a:r>
-            <a:r>
-              <a:rPr lang="en-US" sz="1200" kern="1200" dirty="0" smtClean="0">
-                <a:solidFill>
-                  <a:schemeClr val="tx1"/>
-                </a:solidFill>
-                <a:effectLst/>
-                <a:latin typeface="+mn-lt"/>
-                <a:ea typeface="+mn-ea"/>
-                <a:cs typeface="+mn-cs"/>
-              </a:rPr>
-              <a:t>method to your Test Helpers classes.</a:t>
+              <a:t>Here’s what the Save method itself looks like.</a:t>
             </a:r>
           </a:p>
           <a:p>
@@ -13883,80 +13908,7 @@
                 <a:ea typeface="+mn-ea"/>
                 <a:cs typeface="+mn-cs"/>
               </a:rPr>
-              <a:t>Obviously, this method needs some way of talking to the database, so you’ll either need to pass a database connection into the Save method when you call it, or you’ll need to use some sort of dependency injection to make it available. Since all of our other helper methods are static, I’ve found it easier to keep the Save method static as well and not worry about DI in this case.</a:t>
-            </a:r>
-          </a:p>
-          <a:p>
-            <a:endParaRPr lang="en-US" sz="1200" kern="1200" dirty="0" smtClean="0">
-              <a:solidFill>
-                <a:schemeClr val="tx1"/>
-              </a:solidFill>
-              <a:effectLst/>
-              <a:latin typeface="+mn-lt"/>
-              <a:ea typeface="+mn-ea"/>
-              <a:cs typeface="+mn-cs"/>
-            </a:endParaRPr>
-          </a:p>
-          <a:p>
-            <a:r>
-              <a:rPr lang="en-US" sz="1200" kern="1200" dirty="0" smtClean="0">
-                <a:solidFill>
-                  <a:schemeClr val="tx1"/>
-                </a:solidFill>
-                <a:effectLst/>
-                <a:latin typeface="+mn-lt"/>
-                <a:ea typeface="+mn-ea"/>
-                <a:cs typeface="+mn-cs"/>
-              </a:rPr>
-              <a:t>My project uses NHibernate so we pass around an </a:t>
-            </a:r>
-            <a:r>
-              <a:rPr lang="en-US" sz="1200" kern="1200" dirty="0" err="1" smtClean="0">
-                <a:solidFill>
-                  <a:schemeClr val="tx1"/>
-                </a:solidFill>
-                <a:effectLst/>
-                <a:latin typeface="+mn-lt"/>
-                <a:ea typeface="+mn-ea"/>
-                <a:cs typeface="+mn-cs"/>
-              </a:rPr>
-              <a:t>ISession</a:t>
-            </a:r>
-            <a:r>
-              <a:rPr lang="en-US" sz="1200" kern="1200" dirty="0" smtClean="0">
-                <a:solidFill>
-                  <a:schemeClr val="tx1"/>
-                </a:solidFill>
-                <a:effectLst/>
-                <a:latin typeface="+mn-lt"/>
-                <a:ea typeface="+mn-ea"/>
-                <a:cs typeface="+mn-cs"/>
-              </a:rPr>
-              <a:t> right here. If you use Entity Framework then you might pass the </a:t>
-            </a:r>
-            <a:r>
-              <a:rPr lang="en-US" sz="1200" kern="1200" dirty="0" err="1" smtClean="0">
-                <a:solidFill>
-                  <a:schemeClr val="tx1"/>
-                </a:solidFill>
-                <a:effectLst/>
-                <a:latin typeface="+mn-lt"/>
-                <a:ea typeface="+mn-ea"/>
-                <a:cs typeface="+mn-cs"/>
-              </a:rPr>
-              <a:t>db</a:t>
-            </a:r>
-            <a:r>
-              <a:rPr lang="en-US" sz="1200" kern="1200" dirty="0" smtClean="0">
-                <a:solidFill>
-                  <a:schemeClr val="tx1"/>
-                </a:solidFill>
-                <a:effectLst/>
-                <a:latin typeface="+mn-lt"/>
-                <a:ea typeface="+mn-ea"/>
-                <a:cs typeface="+mn-cs"/>
-              </a:rPr>
-              <a:t> context here, or a raw ADO.NET connection or whatever other object that you need to talk to the database. </a:t>
+              <a:t>The first thing it does is deal with the foreign key constraints by delegating to other helpers to save its references. In this case, we can’t save an Order unless it references an existing Customer ID. By delegating to the Customer helper to create that record we keep each individual helper clean and focused on a single type.</a:t>
             </a:r>
             <a:endParaRPr lang="en-US" sz="1200" kern="1200" dirty="0">
               <a:solidFill>
@@ -13996,7 +13948,7 @@
     </p:spTree>
     <p:extLst>
       <p:ext uri="{BB962C8B-B14F-4D97-AF65-F5344CB8AC3E}">
-        <p14:creationId xmlns:p14="http://schemas.microsoft.com/office/powerpoint/2010/main" val="1408365047"/>
+        <p14:creationId xmlns:p14="http://schemas.microsoft.com/office/powerpoint/2010/main" val="884341304"/>
       </p:ext>
     </p:extLst>
   </p:cSld>
@@ -14060,7 +14012,7 @@
                 <a:ea typeface="+mn-ea"/>
                 <a:cs typeface="+mn-cs"/>
               </a:rPr>
-              <a:t>Here’s what the Save method itself looks like.</a:t>
+              <a:t>Next, the Save method deals with primary key values. </a:t>
             </a:r>
           </a:p>
           <a:p>
@@ -14085,7 +14037,105 @@
                 <a:ea typeface="+mn-ea"/>
                 <a:cs typeface="+mn-cs"/>
               </a:rPr>
-              <a:t>The first thing it does is deal with the foreign key constraints by delegating to other helpers to save its references. In this case, we can’t save an Order unless it references an existing Customer ID. By delegating to the Customer helper to create that record we keep each individual helper clean and focused on a single type.</a:t>
+              <a:t>Remember that to avoid “unexpected equality”, each object that we create is assigned a non-zero value. But many ORMs use the ID property to determine if they should issue an INSERT or UPDATE query, and if the ORM sees a non-zero ID it will issue an UPDATE statement, and not an INSERT.</a:t>
+            </a:r>
+          </a:p>
+          <a:p>
+            <a:endParaRPr lang="en-US" sz="1200" kern="1200" dirty="0" smtClean="0">
+              <a:solidFill>
+                <a:schemeClr val="tx1"/>
+              </a:solidFill>
+              <a:effectLst/>
+              <a:latin typeface="+mn-lt"/>
+              <a:ea typeface="+mn-ea"/>
+              <a:cs typeface="+mn-cs"/>
+            </a:endParaRPr>
+          </a:p>
+          <a:p>
+            <a:r>
+              <a:rPr lang="en-US" sz="1200" kern="1200" dirty="0" smtClean="0">
+                <a:solidFill>
+                  <a:schemeClr val="tx1"/>
+                </a:solidFill>
+                <a:effectLst/>
+                <a:latin typeface="+mn-lt"/>
+                <a:ea typeface="+mn-ea"/>
+                <a:cs typeface="+mn-cs"/>
+              </a:rPr>
+              <a:t>This is where that </a:t>
+            </a:r>
+            <a:r>
+              <a:rPr lang="en-US" sz="1200" kern="1200" dirty="0" err="1" smtClean="0">
+                <a:solidFill>
+                  <a:schemeClr val="tx1"/>
+                </a:solidFill>
+                <a:effectLst/>
+                <a:latin typeface="+mn-lt"/>
+                <a:ea typeface="+mn-ea"/>
+                <a:cs typeface="+mn-cs"/>
+              </a:rPr>
+              <a:t>IdSequencer</a:t>
+            </a:r>
+            <a:r>
+              <a:rPr lang="en-US" sz="1200" kern="1200" dirty="0" smtClean="0">
+                <a:solidFill>
+                  <a:schemeClr val="tx1"/>
+                </a:solidFill>
+                <a:effectLst/>
+                <a:latin typeface="+mn-lt"/>
+                <a:ea typeface="+mn-ea"/>
+                <a:cs typeface="+mn-cs"/>
+              </a:rPr>
+              <a:t> object comes in handy. It knows which values it’s handed out, so before we save our object we do a check to see if the ID currently in use was assigned by the sequencer. If it was then we reset it to 0, and cause an insert. If it wasn’t, then that means we’re dealing with an object that already exists in the database and we do nothing, and cause an update.</a:t>
+            </a:r>
+          </a:p>
+          <a:p>
+            <a:endParaRPr lang="en-US" sz="1200" kern="1200" dirty="0" smtClean="0">
+              <a:solidFill>
+                <a:schemeClr val="tx1"/>
+              </a:solidFill>
+              <a:effectLst/>
+              <a:latin typeface="+mn-lt"/>
+              <a:ea typeface="+mn-ea"/>
+              <a:cs typeface="+mn-cs"/>
+            </a:endParaRPr>
+          </a:p>
+          <a:p>
+            <a:r>
+              <a:rPr lang="en-US" sz="1200" kern="1200" dirty="0" smtClean="0">
+                <a:solidFill>
+                  <a:schemeClr val="tx1"/>
+                </a:solidFill>
+                <a:effectLst/>
+                <a:latin typeface="+mn-lt"/>
+                <a:ea typeface="+mn-ea"/>
+                <a:cs typeface="+mn-cs"/>
+              </a:rPr>
+              <a:t>Note that we don’t need to reset ALL values that were assigned by the </a:t>
+            </a:r>
+            <a:r>
+              <a:rPr lang="en-US" sz="1200" kern="1200" dirty="0" err="1" smtClean="0">
+                <a:solidFill>
+                  <a:schemeClr val="tx1"/>
+                </a:solidFill>
+                <a:effectLst/>
+                <a:latin typeface="+mn-lt"/>
+                <a:ea typeface="+mn-ea"/>
+                <a:cs typeface="+mn-cs"/>
+              </a:rPr>
+              <a:t>IdSequencer</a:t>
+            </a:r>
+            <a:r>
+              <a:rPr lang="en-US" sz="1200" kern="1200" dirty="0" smtClean="0">
+                <a:solidFill>
+                  <a:schemeClr val="tx1"/>
+                </a:solidFill>
+                <a:effectLst/>
+                <a:latin typeface="+mn-lt"/>
+                <a:ea typeface="+mn-ea"/>
+                <a:cs typeface="+mn-cs"/>
+              </a:rPr>
+              <a:t>, only entity IDs. Only properties that map to primary keys.</a:t>
             </a:r>
             <a:endParaRPr lang="en-US" sz="1200" kern="1200" dirty="0">
               <a:solidFill>
@@ -14125,7 +14175,7 @@
     </p:spTree>
     <p:extLst>
       <p:ext uri="{BB962C8B-B14F-4D97-AF65-F5344CB8AC3E}">
-        <p14:creationId xmlns:p14="http://schemas.microsoft.com/office/powerpoint/2010/main" val="884341304"/>
+        <p14:creationId xmlns:p14="http://schemas.microsoft.com/office/powerpoint/2010/main" val="2717799063"/>
       </p:ext>
     </p:extLst>
   </p:cSld>
@@ -14189,7 +14239,55 @@
                 <a:ea typeface="+mn-ea"/>
                 <a:cs typeface="+mn-cs"/>
               </a:rPr>
-              <a:t>Next, the Save method deals with primary key values. </a:t>
+              <a:t>Finally, </a:t>
+            </a:r>
+            <a:r>
+              <a:rPr lang="en-US" sz="1200" kern="1200" dirty="0" smtClean="0">
+                <a:solidFill>
+                  <a:schemeClr val="tx1"/>
+                </a:solidFill>
+                <a:effectLst/>
+                <a:latin typeface="+mn-lt"/>
+                <a:ea typeface="+mn-ea"/>
+                <a:cs typeface="+mn-cs"/>
+              </a:rPr>
+              <a:t>helper </a:t>
+            </a:r>
+            <a:r>
+              <a:rPr lang="en-US" sz="1200" kern="1200" dirty="0" smtClean="0">
+                <a:solidFill>
+                  <a:schemeClr val="tx1"/>
+                </a:solidFill>
+                <a:effectLst/>
+                <a:latin typeface="+mn-lt"/>
+                <a:ea typeface="+mn-ea"/>
+                <a:cs typeface="+mn-cs"/>
+              </a:rPr>
+              <a:t>calls out to </a:t>
+            </a:r>
+            <a:r>
+              <a:rPr lang="en-US" sz="1200" kern="1200" dirty="0" smtClean="0">
+                <a:solidFill>
+                  <a:schemeClr val="tx1"/>
+                </a:solidFill>
+                <a:effectLst/>
+                <a:latin typeface="+mn-lt"/>
+                <a:ea typeface="+mn-ea"/>
+                <a:cs typeface="+mn-cs"/>
+              </a:rPr>
+              <a:t>ORM </a:t>
+            </a:r>
+            <a:r>
+              <a:rPr lang="en-US" sz="1200" kern="1200" dirty="0" smtClean="0">
+                <a:solidFill>
+                  <a:schemeClr val="tx1"/>
+                </a:solidFill>
+                <a:effectLst/>
+                <a:latin typeface="+mn-lt"/>
+                <a:ea typeface="+mn-ea"/>
+                <a:cs typeface="+mn-cs"/>
+              </a:rPr>
+              <a:t>to insert or update the database. If you’re not using an ORM then the exact details might change, but the general pattern should hold up.</a:t>
             </a:r>
           </a:p>
           <a:p>
@@ -14214,7 +14312,19 @@
                 <a:ea typeface="+mn-ea"/>
                 <a:cs typeface="+mn-cs"/>
               </a:rPr>
-              <a:t>Remember that to avoid “unexpected equality”, each object that we create is assigned a non-zero value. But many ORMs use the ID property to determine if they should issue an INSERT or UPDATE query, and if the ORM sees a non-zero ID it will issue an UPDATE statement, and not an INSERT.</a:t>
+              <a:t>If you follow this pattern then you can basically write a bunch of unit tests with in-memory data, copy and paste the setup code from one of them into an integration test, add a few calls to this Save method, and you’re done. It’s pretty sweet when it comes together</a:t>
+            </a:r>
+            <a:r>
+              <a:rPr lang="en-US" sz="1200" kern="1200" dirty="0" smtClean="0">
+                <a:solidFill>
+                  <a:schemeClr val="tx1"/>
+                </a:solidFill>
+                <a:effectLst/>
+                <a:latin typeface="+mn-lt"/>
+                <a:ea typeface="+mn-ea"/>
+                <a:cs typeface="+mn-cs"/>
+              </a:rPr>
+              <a:t>.</a:t>
             </a:r>
           </a:p>
           <a:p>
@@ -14239,10 +14349,22 @@
                 <a:ea typeface="+mn-ea"/>
                 <a:cs typeface="+mn-cs"/>
               </a:rPr>
-              <a:t>This is where that </a:t>
-            </a:r>
-            <a:r>
-              <a:rPr lang="en-US" sz="1200" kern="1200" dirty="0" err="1" smtClean="0">
+              <a:t>In</a:t>
+            </a:r>
+            <a:r>
+              <a:rPr lang="en-US" sz="1200" kern="1200" baseline="0" dirty="0" smtClean="0">
+                <a:solidFill>
+                  <a:schemeClr val="tx1"/>
+                </a:solidFill>
+                <a:effectLst/>
+                <a:latin typeface="+mn-lt"/>
+                <a:ea typeface="+mn-ea"/>
+                <a:cs typeface="+mn-cs"/>
+              </a:rPr>
+              <a:t> addition to managing primary keys with the </a:t>
+            </a:r>
+            <a:r>
+              <a:rPr lang="en-US" sz="1200" kern="1200" baseline="0" dirty="0" err="1" smtClean="0">
                 <a:solidFill>
                   <a:schemeClr val="tx1"/>
                 </a:solidFill>
@@ -14254,19 +14376,17 @@
               <a:t>IdSequencer</a:t>
             </a:r>
             <a:r>
-              <a:rPr lang="en-US" sz="1200" kern="1200" dirty="0" smtClean="0">
-                <a:solidFill>
-                  <a:schemeClr val="tx1"/>
-                </a:solidFill>
-                <a:effectLst/>
-                <a:latin typeface="+mn-lt"/>
-                <a:ea typeface="+mn-ea"/>
-                <a:cs typeface="+mn-cs"/>
-              </a:rPr>
-              <a:t> object comes in handy. It knows which values it’s handed out, so before we save our object we do a check to see if the ID currently in use was assigned by the sequencer. If it was then we reset it to 0, and cause an insert. If it wasn’t, then that means we’re dealing with an object that already exists in the database and we do nothing, and cause an update.</a:t>
-            </a:r>
-          </a:p>
-          <a:p>
+              <a:rPr lang="en-US" sz="1200" kern="1200" baseline="0" dirty="0" smtClean="0">
+                <a:solidFill>
+                  <a:schemeClr val="tx1"/>
+                </a:solidFill>
+                <a:effectLst/>
+                <a:latin typeface="+mn-lt"/>
+                <a:ea typeface="+mn-ea"/>
+                <a:cs typeface="+mn-cs"/>
+              </a:rPr>
+              <a:t>, the main benefit of using your helpers to save these objects, rather than just calling the ORM directly in your test, is that it gives you extension points to add test-specific logic. It doesn't happen a lot, but there are certainly times when I need to massage the test data in a certain way before saving it. Having this wrapper in place gives me a consistent place to do that.</a:t>
+            </a:r>
             <a:endParaRPr lang="en-US" sz="1200" kern="1200" dirty="0" smtClean="0">
               <a:solidFill>
                 <a:schemeClr val="tx1"/>
@@ -14278,6 +14398,17 @@
             </a:endParaRPr>
           </a:p>
           <a:p>
+            <a:endParaRPr lang="en-US" sz="1200" kern="1200" dirty="0" smtClean="0">
+              <a:solidFill>
+                <a:schemeClr val="tx1"/>
+              </a:solidFill>
+              <a:effectLst/>
+              <a:latin typeface="+mn-lt"/>
+              <a:ea typeface="+mn-ea"/>
+              <a:cs typeface="+mn-cs"/>
+            </a:endParaRPr>
+          </a:p>
+          <a:p>
             <a:r>
               <a:rPr lang="en-US" sz="1200" kern="1200" dirty="0" smtClean="0">
                 <a:solidFill>
@@ -14288,20 +14419,21 @@
                 <a:ea typeface="+mn-ea"/>
                 <a:cs typeface="+mn-cs"/>
               </a:rPr>
-              <a:t>Note that we don’t need to reset ALL values that were assigned by the </a:t>
-            </a:r>
-            <a:r>
-              <a:rPr lang="en-US" sz="1200" kern="1200" dirty="0" err="1" smtClean="0">
-                <a:solidFill>
-                  <a:schemeClr val="tx1"/>
-                </a:solidFill>
-                <a:effectLst/>
-                <a:latin typeface="+mn-lt"/>
-                <a:ea typeface="+mn-ea"/>
-                <a:cs typeface="+mn-cs"/>
-              </a:rPr>
-              <a:t>IdSequencer</a:t>
-            </a:r>
+              <a:t>But how do prevent this test data from lingering in the database when the test run is over?</a:t>
+            </a:r>
+          </a:p>
+          <a:p>
+            <a:endParaRPr lang="en-US" sz="1200" kern="1200" dirty="0" smtClean="0">
+              <a:solidFill>
+                <a:schemeClr val="tx1"/>
+              </a:solidFill>
+              <a:effectLst/>
+              <a:latin typeface="+mn-lt"/>
+              <a:ea typeface="+mn-ea"/>
+              <a:cs typeface="+mn-cs"/>
+            </a:endParaRPr>
+          </a:p>
+          <a:p>
             <a:r>
               <a:rPr lang="en-US" sz="1200" kern="1200" dirty="0" smtClean="0">
                 <a:solidFill>
@@ -14312,7 +14444,7 @@
                 <a:ea typeface="+mn-ea"/>
                 <a:cs typeface="+mn-cs"/>
               </a:rPr>
-              <a:t>, only entity IDs. Only properties that map to primary keys.</a:t>
+              <a:t>One possibility is to reset the database to a known state at the start of each test run. This works, but I don’t recommend it. One reason is that it’s a massive pain to maintain that baseline backup every time the schema changes or new data is added. Another reason is that I use the same database for unit tests as I do for manual testing. It really sucks to spend a bunch of time crafting data for a manual test and then lose it because you accidently ran an integration test that wiped the slate clean. </a:t>
             </a:r>
             <a:endParaRPr lang="en-US" sz="1200" kern="1200" dirty="0">
               <a:solidFill>
@@ -14352,7 +14484,7 @@
     </p:spTree>
     <p:extLst>
       <p:ext uri="{BB962C8B-B14F-4D97-AF65-F5344CB8AC3E}">
-        <p14:creationId xmlns:p14="http://schemas.microsoft.com/office/powerpoint/2010/main" val="2717799063"/>
+        <p14:creationId xmlns:p14="http://schemas.microsoft.com/office/powerpoint/2010/main" val="2145290865"/>
       </p:ext>
     </p:extLst>
   </p:cSld>
@@ -14416,7 +14548,7 @@
                 <a:ea typeface="+mn-ea"/>
                 <a:cs typeface="+mn-cs"/>
               </a:rPr>
-              <a:t>Finally, the helper calls out to the ORM to insert or update the database. If you’re not using an ORM then the exact details might change, but the general pattern should hold up.</a:t>
+              <a:t>Another option is to start a database transaction when each test starts, and then roll that transaction back when the test is over.</a:t>
             </a:r>
           </a:p>
           <a:p>
@@ -14441,21 +14573,20 @@
                 <a:ea typeface="+mn-ea"/>
                 <a:cs typeface="+mn-cs"/>
               </a:rPr>
-              <a:t>If you follow this pattern then you can basically write a bunch of unit tests with in-memory data, copy and paste the setup code from one of them into an integration test, add a few calls to this Save method, and you’re done. It’s pretty sweet when it comes together.</a:t>
-            </a:r>
-          </a:p>
-          <a:p>
-            <a:endParaRPr lang="en-US" sz="1200" kern="1200" dirty="0" smtClean="0">
-              <a:solidFill>
-                <a:schemeClr val="tx1"/>
-              </a:solidFill>
-              <a:effectLst/>
-              <a:latin typeface="+mn-lt"/>
-              <a:ea typeface="+mn-ea"/>
-              <a:cs typeface="+mn-cs"/>
-            </a:endParaRPr>
-          </a:p>
-          <a:p>
+              <a:t>Years ago I wrote a custom </a:t>
+            </a:r>
+            <a:r>
+              <a:rPr lang="en-US" sz="1200" kern="1200" dirty="0" err="1" smtClean="0">
+                <a:solidFill>
+                  <a:schemeClr val="tx1"/>
+                </a:solidFill>
+                <a:effectLst/>
+                <a:latin typeface="+mn-lt"/>
+                <a:ea typeface="+mn-ea"/>
+                <a:cs typeface="+mn-cs"/>
+              </a:rPr>
+              <a:t>NUnit</a:t>
+            </a:r>
             <a:r>
               <a:rPr lang="en-US" sz="1200" kern="1200" dirty="0" smtClean="0">
                 <a:solidFill>
@@ -14466,42 +14597,21 @@
                 <a:ea typeface="+mn-ea"/>
                 <a:cs typeface="+mn-cs"/>
               </a:rPr>
-              <a:t>But how do prevent this test data from lingering in the database when the test run is over?</a:t>
-            </a:r>
-          </a:p>
-          <a:p>
-            <a:endParaRPr lang="en-US" sz="1200" kern="1200" dirty="0" smtClean="0">
-              <a:solidFill>
-                <a:schemeClr val="tx1"/>
-              </a:solidFill>
-              <a:effectLst/>
-              <a:latin typeface="+mn-lt"/>
-              <a:ea typeface="+mn-ea"/>
-              <a:cs typeface="+mn-cs"/>
-            </a:endParaRPr>
-          </a:p>
-          <a:p>
-            <a:r>
-              <a:rPr lang="en-US" sz="1200" kern="1200" dirty="0" smtClean="0">
-                <a:solidFill>
-                  <a:schemeClr val="tx1"/>
-                </a:solidFill>
-                <a:effectLst/>
-                <a:latin typeface="+mn-lt"/>
-                <a:ea typeface="+mn-ea"/>
-                <a:cs typeface="+mn-cs"/>
-              </a:rPr>
-              <a:t>One possibility is to reset the database to a known state at the start of each test run. This works, but I don’t recommend it. One reason is that it’s a massive pain to maintain that baseline backup every time the schema changes or new data is added. Another reason is that I use the same database for unit tests as I do for manual testing. It really sucks to spend a bunch of time crafting data for a manual test and then lose it because you accidently ran an integration test that wiped the slate clean. </a:t>
-            </a:r>
-            <a:endParaRPr lang="en-US" sz="1200" kern="1200" dirty="0">
-              <a:solidFill>
-                <a:schemeClr val="tx1"/>
-              </a:solidFill>
-              <a:effectLst/>
-              <a:latin typeface="+mn-lt"/>
-              <a:ea typeface="+mn-ea"/>
-              <a:cs typeface="+mn-cs"/>
-            </a:endParaRPr>
+              <a:t> attribute called Rollback that does this for us. Any test that has this attribute is automatically executed inside of a transaction that is discarded when the test finishes. The implementation for this is on my GitHub, but at this point it’s like seven years old. There are probably newer and better ways of doing it now, but you’re welcome to copy my approach if you’re using </a:t>
+            </a:r>
+            <a:r>
+              <a:rPr lang="en-US" sz="1200" kern="1200" dirty="0" err="1" smtClean="0">
+                <a:solidFill>
+                  <a:schemeClr val="tx1"/>
+                </a:solidFill>
+                <a:effectLst/>
+                <a:latin typeface="+mn-lt"/>
+                <a:ea typeface="+mn-ea"/>
+                <a:cs typeface="+mn-cs"/>
+              </a:rPr>
+              <a:t>NUnit</a:t>
+            </a:r>
+            <a:endParaRPr lang="en-US" dirty="0"/>
           </a:p>
         </p:txBody>
       </p:sp>
@@ -14531,7 +14641,7 @@
     </p:spTree>
     <p:extLst>
       <p:ext uri="{BB962C8B-B14F-4D97-AF65-F5344CB8AC3E}">
-        <p14:creationId xmlns:p14="http://schemas.microsoft.com/office/powerpoint/2010/main" val="2145290865"/>
+        <p14:creationId xmlns:p14="http://schemas.microsoft.com/office/powerpoint/2010/main" val="3266683685"/>
       </p:ext>
     </p:extLst>
   </p:cSld>
@@ -14595,11 +14705,9 @@
                 <a:ea typeface="+mn-ea"/>
                 <a:cs typeface="+mn-cs"/>
               </a:rPr>
-              <a:t>Another option is to start a database transaction when each test starts, and then roll that transaction back when the test is over.</a:t>
-            </a:r>
-          </a:p>
-          <a:p>
-            <a:endParaRPr lang="en-US" sz="1200" kern="1200" dirty="0" smtClean="0">
+              <a:t>As an example of how powerful these techniques can be, let’s first revisit that nasty chunk of setup code I showed at the start…</a:t>
+            </a:r>
+            <a:endParaRPr lang="en-US" sz="1200" kern="1200" dirty="0">
               <a:solidFill>
                 <a:schemeClr val="tx1"/>
               </a:solidFill>
@@ -14609,57 +14717,6 @@
               <a:cs typeface="+mn-cs"/>
             </a:endParaRPr>
           </a:p>
-          <a:p>
-            <a:r>
-              <a:rPr lang="en-US" sz="1200" kern="1200" dirty="0" smtClean="0">
-                <a:solidFill>
-                  <a:schemeClr val="tx1"/>
-                </a:solidFill>
-                <a:effectLst/>
-                <a:latin typeface="+mn-lt"/>
-                <a:ea typeface="+mn-ea"/>
-                <a:cs typeface="+mn-cs"/>
-              </a:rPr>
-              <a:t>Years ago I wrote a custom </a:t>
-            </a:r>
-            <a:r>
-              <a:rPr lang="en-US" sz="1200" kern="1200" dirty="0" err="1" smtClean="0">
-                <a:solidFill>
-                  <a:schemeClr val="tx1"/>
-                </a:solidFill>
-                <a:effectLst/>
-                <a:latin typeface="+mn-lt"/>
-                <a:ea typeface="+mn-ea"/>
-                <a:cs typeface="+mn-cs"/>
-              </a:rPr>
-              <a:t>NUnit</a:t>
-            </a:r>
-            <a:r>
-              <a:rPr lang="en-US" sz="1200" kern="1200" dirty="0" smtClean="0">
-                <a:solidFill>
-                  <a:schemeClr val="tx1"/>
-                </a:solidFill>
-                <a:effectLst/>
-                <a:latin typeface="+mn-lt"/>
-                <a:ea typeface="+mn-ea"/>
-                <a:cs typeface="+mn-cs"/>
-              </a:rPr>
-              <a:t> attribute called Rollback that does this for us. Any test that has this attribute is automatically executed inside of a transaction that is discarded when the test finishes. The implementation for this is on my GitHub, but at this point it’s like seven years old. There are probably newer and better ways of doing it now, but you’re welcome to copy my approach if you’re using </a:t>
-            </a:r>
-            <a:r>
-              <a:rPr lang="en-US" sz="1200" kern="1200" dirty="0" err="1" smtClean="0">
-                <a:solidFill>
-                  <a:schemeClr val="tx1"/>
-                </a:solidFill>
-                <a:effectLst/>
-                <a:latin typeface="+mn-lt"/>
-                <a:ea typeface="+mn-ea"/>
-                <a:cs typeface="+mn-cs"/>
-              </a:rPr>
-              <a:t>NUnit</a:t>
-            </a:r>
-            <a:endParaRPr lang="en-US" dirty="0"/>
-          </a:p>
         </p:txBody>
       </p:sp>
       <p:sp>
@@ -14688,7 +14745,7 @@
     </p:spTree>
     <p:extLst>
       <p:ext uri="{BB962C8B-B14F-4D97-AF65-F5344CB8AC3E}">
-        <p14:creationId xmlns:p14="http://schemas.microsoft.com/office/powerpoint/2010/main" val="3266683685"/>
+        <p14:creationId xmlns:p14="http://schemas.microsoft.com/office/powerpoint/2010/main" val="621233375"/>
       </p:ext>
     </p:extLst>
   </p:cSld>
@@ -14742,27 +14799,7 @@
           <a:bodyPr/>
           <a:lstStyle/>
           <a:p>
-            <a:r>
-              <a:rPr lang="en-US" sz="1200" kern="1200" dirty="0" smtClean="0">
-                <a:solidFill>
-                  <a:schemeClr val="tx1"/>
-                </a:solidFill>
-                <a:effectLst/>
-                <a:latin typeface="+mn-lt"/>
-                <a:ea typeface="+mn-ea"/>
-                <a:cs typeface="+mn-cs"/>
-              </a:rPr>
-              <a:t>As an example of how powerful these techniques can be, let’s first revisit that nasty chunk of setup code I showed at the start…</a:t>
-            </a:r>
-            <a:endParaRPr lang="en-US" sz="1200" kern="1200" dirty="0">
-              <a:solidFill>
-                <a:schemeClr val="tx1"/>
-              </a:solidFill>
-              <a:effectLst/>
-              <a:latin typeface="+mn-lt"/>
-              <a:ea typeface="+mn-ea"/>
-              <a:cs typeface="+mn-cs"/>
-            </a:endParaRPr>
+            <a:endParaRPr lang="en-US" dirty="0"/>
           </a:p>
         </p:txBody>
       </p:sp>
@@ -14792,7 +14829,7 @@
     </p:spTree>
     <p:extLst>
       <p:ext uri="{BB962C8B-B14F-4D97-AF65-F5344CB8AC3E}">
-        <p14:creationId xmlns:p14="http://schemas.microsoft.com/office/powerpoint/2010/main" val="621233375"/>
+        <p14:creationId xmlns:p14="http://schemas.microsoft.com/office/powerpoint/2010/main" val="871096793"/>
       </p:ext>
     </p:extLst>
   </p:cSld>
@@ -15195,7 +15232,62 @@
           <a:bodyPr/>
           <a:lstStyle/>
           <a:p>
-            <a:endParaRPr lang="en-US" dirty="0"/>
+            <a:pPr marL="0" marR="0" lvl="0" indent="0" algn="l" defTabSz="914400" rtl="0" eaLnBrk="1" fontAlgn="auto" latinLnBrk="0" hangingPunct="1">
+              <a:lnSpc>
+                <a:spcPct val="100000"/>
+              </a:lnSpc>
+              <a:spcBef>
+                <a:spcPts val="0"/>
+              </a:spcBef>
+              <a:spcAft>
+                <a:spcPts val="0"/>
+              </a:spcAft>
+              <a:buClrTx/>
+              <a:buSzTx/>
+              <a:buFontTx/>
+              <a:buNone/>
+              <a:tabLst/>
+              <a:defRPr/>
+            </a:pPr>
+            <a:r>
+              <a:rPr lang="en-US" sz="1200" kern="1200" dirty="0" smtClean="0">
+                <a:solidFill>
+                  <a:schemeClr val="tx1"/>
+                </a:solidFill>
+                <a:effectLst/>
+                <a:latin typeface="+mn-lt"/>
+                <a:ea typeface="+mn-ea"/>
+                <a:cs typeface="+mn-cs"/>
+              </a:rPr>
+              <a:t>All three </a:t>
+            </a:r>
+            <a:r>
+              <a:rPr lang="en-US" sz="1200" kern="1200" dirty="0" err="1" smtClean="0">
+                <a:solidFill>
+                  <a:schemeClr val="tx1"/>
+                </a:solidFill>
+                <a:effectLst/>
+                <a:latin typeface="+mn-lt"/>
+                <a:ea typeface="+mn-ea"/>
+                <a:cs typeface="+mn-cs"/>
+              </a:rPr>
+              <a:t>screenfulls</a:t>
+            </a:r>
+            <a:r>
+              <a:rPr lang="en-US" sz="1200" kern="1200" dirty="0" smtClean="0">
+                <a:solidFill>
+                  <a:schemeClr val="tx1"/>
+                </a:solidFill>
+                <a:effectLst/>
+                <a:latin typeface="+mn-lt"/>
+                <a:ea typeface="+mn-ea"/>
+                <a:cs typeface="+mn-cs"/>
+              </a:rPr>
+              <a:t> of it.</a:t>
+            </a:r>
+          </a:p>
+          <a:p>
+            <a:endParaRPr lang="en-US" dirty="0" smtClean="0"/>
           </a:p>
         </p:txBody>
       </p:sp>
@@ -15225,7 +15317,7 @@
     </p:spTree>
     <p:extLst>
       <p:ext uri="{BB962C8B-B14F-4D97-AF65-F5344CB8AC3E}">
-        <p14:creationId xmlns:p14="http://schemas.microsoft.com/office/powerpoint/2010/main" val="871096793"/>
+        <p14:creationId xmlns:p14="http://schemas.microsoft.com/office/powerpoint/2010/main" val="2885101328"/>
       </p:ext>
     </p:extLst>
   </p:cSld>
@@ -15279,23 +15371,6 @@
           <a:bodyPr/>
           <a:lstStyle/>
           <a:p>
-            <a:pPr marL="0" marR="0" lvl="0" indent="0" algn="l" defTabSz="914400" rtl="0" eaLnBrk="1" fontAlgn="auto" latinLnBrk="0" hangingPunct="1">
-              <a:lnSpc>
-                <a:spcPct val="100000"/>
-              </a:lnSpc>
-              <a:spcBef>
-                <a:spcPts val="0"/>
-              </a:spcBef>
-              <a:spcAft>
-                <a:spcPts val="0"/>
-              </a:spcAft>
-              <a:buClrTx/>
-              <a:buSzTx/>
-              <a:buFontTx/>
-              <a:buNone/>
-              <a:tabLst/>
-              <a:defRPr/>
-            </a:pPr>
             <a:r>
               <a:rPr lang="en-US" sz="1200" kern="1200" dirty="0" smtClean="0">
                 <a:solidFill>
@@ -15306,20 +15381,21 @@
                 <a:ea typeface="+mn-ea"/>
                 <a:cs typeface="+mn-cs"/>
               </a:rPr>
-              <a:t>All three </a:t>
-            </a:r>
-            <a:r>
-              <a:rPr lang="en-US" sz="1200" kern="1200" dirty="0" err="1" smtClean="0">
-                <a:solidFill>
-                  <a:schemeClr val="tx1"/>
-                </a:solidFill>
-                <a:effectLst/>
-                <a:latin typeface="+mn-lt"/>
-                <a:ea typeface="+mn-ea"/>
-                <a:cs typeface="+mn-cs"/>
-              </a:rPr>
-              <a:t>screenfulls</a:t>
-            </a:r>
+              <a:t>Here’s that same chunk of code, cleaned up and rewritten using Test Helpers. Most of the values and objects being created were irrelevant dependencies that didn’t impact the outcomes. After pushing all of that stuff into helpers, this is all that’s left and it’s way, way more readable.</a:t>
+            </a:r>
+          </a:p>
+          <a:p>
+            <a:endParaRPr lang="en-US" sz="1200" kern="1200" dirty="0" smtClean="0">
+              <a:solidFill>
+                <a:schemeClr val="tx1"/>
+              </a:solidFill>
+              <a:effectLst/>
+              <a:latin typeface="+mn-lt"/>
+              <a:ea typeface="+mn-ea"/>
+              <a:cs typeface="+mn-cs"/>
+            </a:endParaRPr>
+          </a:p>
+          <a:p>
             <a:r>
               <a:rPr lang="en-US" sz="1200" kern="1200" dirty="0" smtClean="0">
                 <a:solidFill>
@@ -15330,11 +15406,17 @@
                 <a:ea typeface="+mn-ea"/>
                 <a:cs typeface="+mn-cs"/>
               </a:rPr>
-              <a:t> of it.</a:t>
-            </a:r>
-          </a:p>
-          <a:p>
-            <a:endParaRPr lang="en-US" dirty="0" smtClean="0"/>
+              <a:t>I’ve said it before and I’ll say it again; the single most important thing you can do is build a good helper library and stop creating data by hand.</a:t>
+            </a:r>
+            <a:endParaRPr lang="en-US" sz="1200" kern="1200" dirty="0">
+              <a:solidFill>
+                <a:schemeClr val="tx1"/>
+              </a:solidFill>
+              <a:effectLst/>
+              <a:latin typeface="+mn-lt"/>
+              <a:ea typeface="+mn-ea"/>
+              <a:cs typeface="+mn-cs"/>
+            </a:endParaRPr>
           </a:p>
         </p:txBody>
       </p:sp>
@@ -15364,7 +15446,7 @@
     </p:spTree>
     <p:extLst>
       <p:ext uri="{BB962C8B-B14F-4D97-AF65-F5344CB8AC3E}">
-        <p14:creationId xmlns:p14="http://schemas.microsoft.com/office/powerpoint/2010/main" val="2885101328"/>
+        <p14:creationId xmlns:p14="http://schemas.microsoft.com/office/powerpoint/2010/main" val="2408674174"/>
       </p:ext>
     </p:extLst>
   </p:cSld>
@@ -15428,7 +15510,7 @@
                 <a:ea typeface="+mn-ea"/>
                 <a:cs typeface="+mn-cs"/>
               </a:rPr>
-              <a:t>Here’s that same chunk of code, cleaned up and rewritten using Test Helpers. Most of the values and objects being created were irrelevant dependencies that didn’t impact the outcomes. After pushing all of that stuff into helpers, this is all that’s left and it’s way, way more readable.</a:t>
+              <a:t>To wrap up, I have some quick suggestions for how to get started with these patterns in your own code.</a:t>
             </a:r>
           </a:p>
           <a:p>
@@ -15453,9 +15535,35 @@
                 <a:ea typeface="+mn-ea"/>
                 <a:cs typeface="+mn-cs"/>
               </a:rPr>
-              <a:t>I’ve said it before and I’ll say it again; the single most important thing you can do is build a good helper library and stop creating data by hand.</a:t>
-            </a:r>
-            <a:endParaRPr lang="en-US" sz="1200" kern="1200" dirty="0">
+              <a:t>First, start by creating helpers for your simple objects first, the ones that don’t have lots of dependencies or child data. Then move up to more complex objects, delegating to the simple helpers as needed. If you try and start with that huge, massive, ancient beast that lives at the heart of your legacy system, it’s </a:t>
+            </a:r>
+            <a:r>
+              <a:rPr lang="en-US" sz="1200" kern="1200" dirty="0" err="1" smtClean="0">
+                <a:solidFill>
+                  <a:schemeClr val="tx1"/>
+                </a:solidFill>
+                <a:effectLst/>
+                <a:latin typeface="+mn-lt"/>
+                <a:ea typeface="+mn-ea"/>
+                <a:cs typeface="+mn-cs"/>
+              </a:rPr>
+              <a:t>gonna</a:t>
+            </a:r>
+            <a:r>
+              <a:rPr lang="en-US" sz="1200" kern="1200" dirty="0" smtClean="0">
+                <a:solidFill>
+                  <a:schemeClr val="tx1"/>
+                </a:solidFill>
+                <a:effectLst/>
+                <a:latin typeface="+mn-lt"/>
+                <a:ea typeface="+mn-ea"/>
+                <a:cs typeface="+mn-cs"/>
+              </a:rPr>
+              <a:t> hurt.</a:t>
+            </a:r>
+          </a:p>
+          <a:p>
+            <a:endParaRPr lang="en-US" sz="1200" kern="1200" dirty="0" smtClean="0">
               <a:solidFill>
                 <a:schemeClr val="tx1"/>
               </a:solidFill>
@@ -15465,6 +15573,104 @@
               <a:cs typeface="+mn-cs"/>
             </a:endParaRPr>
           </a:p>
+          <a:p>
+            <a:r>
+              <a:rPr lang="en-US" sz="1200" kern="1200" dirty="0" smtClean="0">
+                <a:solidFill>
+                  <a:schemeClr val="tx1"/>
+                </a:solidFill>
+                <a:effectLst/>
+                <a:latin typeface="+mn-lt"/>
+                <a:ea typeface="+mn-ea"/>
+                <a:cs typeface="+mn-cs"/>
+              </a:rPr>
+              <a:t>Second, continually refactor your helpers as needed. Remember that test code </a:t>
+            </a:r>
+            <a:r>
+              <a:rPr lang="en-US" sz="1200" i="1" kern="1200" dirty="0" smtClean="0">
+                <a:solidFill>
+                  <a:schemeClr val="tx1"/>
+                </a:solidFill>
+                <a:effectLst/>
+                <a:latin typeface="+mn-lt"/>
+                <a:ea typeface="+mn-ea"/>
+                <a:cs typeface="+mn-cs"/>
+              </a:rPr>
+              <a:t>is </a:t>
+            </a:r>
+            <a:r>
+              <a:rPr lang="en-US" sz="1200" kern="1200" dirty="0" smtClean="0">
+                <a:solidFill>
+                  <a:schemeClr val="tx1"/>
+                </a:solidFill>
+                <a:effectLst/>
+                <a:latin typeface="+mn-lt"/>
+                <a:ea typeface="+mn-ea"/>
+                <a:cs typeface="+mn-cs"/>
+              </a:rPr>
+              <a:t>“real code”; keep it clean and tidy just like you would anything else.</a:t>
+            </a:r>
+          </a:p>
+          <a:p>
+            <a:endParaRPr lang="en-US" sz="1200" kern="1200" dirty="0" smtClean="0">
+              <a:solidFill>
+                <a:schemeClr val="tx1"/>
+              </a:solidFill>
+              <a:effectLst/>
+              <a:latin typeface="+mn-lt"/>
+              <a:ea typeface="+mn-ea"/>
+              <a:cs typeface="+mn-cs"/>
+            </a:endParaRPr>
+          </a:p>
+          <a:p>
+            <a:r>
+              <a:rPr lang="en-US" sz="1200" kern="1200" dirty="0" smtClean="0">
+                <a:solidFill>
+                  <a:schemeClr val="tx1"/>
+                </a:solidFill>
+                <a:effectLst/>
+                <a:latin typeface="+mn-lt"/>
+                <a:ea typeface="+mn-ea"/>
+                <a:cs typeface="+mn-cs"/>
+              </a:rPr>
+              <a:t>Lastly, the sooner you start implementing these patterns, the sooner you’ll notice the payoff. There </a:t>
+            </a:r>
+            <a:r>
+              <a:rPr lang="en-US" sz="1200" i="1" kern="1200" dirty="0" smtClean="0">
+                <a:solidFill>
+                  <a:schemeClr val="tx1"/>
+                </a:solidFill>
+                <a:effectLst/>
+                <a:latin typeface="+mn-lt"/>
+                <a:ea typeface="+mn-ea"/>
+                <a:cs typeface="+mn-cs"/>
+              </a:rPr>
+              <a:t>is </a:t>
+            </a:r>
+            <a:r>
+              <a:rPr lang="en-US" sz="1200" kern="1200" dirty="0" smtClean="0">
+                <a:solidFill>
+                  <a:schemeClr val="tx1"/>
+                </a:solidFill>
+                <a:effectLst/>
+                <a:latin typeface="+mn-lt"/>
+                <a:ea typeface="+mn-ea"/>
+                <a:cs typeface="+mn-cs"/>
+              </a:rPr>
+              <a:t>an investment to add these to a legacy system, but the promised land of clean, simple unit AND integration tests is totally worth it.</a:t>
+            </a:r>
+          </a:p>
+          <a:p>
+            <a:endParaRPr lang="en-US" sz="1200" kern="1200" dirty="0" smtClean="0">
+              <a:solidFill>
+                <a:schemeClr val="tx1"/>
+              </a:solidFill>
+              <a:effectLst/>
+              <a:latin typeface="+mn-lt"/>
+              <a:ea typeface="+mn-ea"/>
+              <a:cs typeface="+mn-cs"/>
+            </a:endParaRPr>
+          </a:p>
         </p:txBody>
       </p:sp>
       <p:sp>
@@ -15493,7 +15699,7 @@
     </p:spTree>
     <p:extLst>
       <p:ext uri="{BB962C8B-B14F-4D97-AF65-F5344CB8AC3E}">
-        <p14:creationId xmlns:p14="http://schemas.microsoft.com/office/powerpoint/2010/main" val="2408674174"/>
+        <p14:creationId xmlns:p14="http://schemas.microsoft.com/office/powerpoint/2010/main" val="4116676846"/>
       </p:ext>
     </p:extLst>
   </p:cSld>
@@ -15557,7 +15763,45 @@
                 <a:ea typeface="+mn-ea"/>
                 <a:cs typeface="+mn-cs"/>
               </a:rPr>
-              <a:t>To wrap up, I have some quick suggestions for how to get started with these patterns in your own code.</a:t>
+              <a:t>And that brings us to the end of this session. Here are the 4 keys to effective test setup as well as links to these slides on </a:t>
+            </a:r>
+            <a:r>
+              <a:rPr lang="en-US" sz="1200" kern="1200" dirty="0" err="1" smtClean="0">
+                <a:solidFill>
+                  <a:schemeClr val="tx1"/>
+                </a:solidFill>
+                <a:effectLst/>
+                <a:latin typeface="+mn-lt"/>
+                <a:ea typeface="+mn-ea"/>
+                <a:cs typeface="+mn-cs"/>
+              </a:rPr>
+              <a:t>Github</a:t>
+            </a:r>
+            <a:r>
+              <a:rPr lang="en-US" sz="1200" kern="1200" dirty="0" smtClean="0">
+                <a:solidFill>
+                  <a:schemeClr val="tx1"/>
+                </a:solidFill>
+                <a:effectLst/>
+                <a:latin typeface="+mn-lt"/>
+                <a:ea typeface="+mn-ea"/>
+                <a:cs typeface="+mn-cs"/>
+              </a:rPr>
+              <a:t>, my website, and my twitter account. If you have any questions or comments I think we have a few minutes right now, or please feel free to seek me out online. </a:t>
+            </a:r>
+          </a:p>
+          <a:p>
+            <a:r>
+              <a:rPr lang="en-US" sz="1200" kern="1200" dirty="0" smtClean="0">
+                <a:solidFill>
+                  <a:schemeClr val="tx1"/>
+                </a:solidFill>
+                <a:effectLst/>
+                <a:latin typeface="+mn-lt"/>
+                <a:ea typeface="+mn-ea"/>
+                <a:cs typeface="+mn-cs"/>
+              </a:rPr>
+              <a:t>THANK YOU!</a:t>
             </a:r>
           </a:p>
           <a:p>
@@ -15571,153 +15815,6 @@
               <a:cs typeface="+mn-cs"/>
             </a:endParaRPr>
           </a:p>
-          <a:p>
-            <a:r>
-              <a:rPr lang="en-US" sz="1200" kern="1200" dirty="0" smtClean="0">
-                <a:solidFill>
-                  <a:schemeClr val="tx1"/>
-                </a:solidFill>
-                <a:effectLst/>
-                <a:latin typeface="+mn-lt"/>
-                <a:ea typeface="+mn-ea"/>
-                <a:cs typeface="+mn-cs"/>
-              </a:rPr>
-              <a:t>First, start by creating helpers for your simple objects first, the ones that don’t have lots of dependencies or child data. Then move up to more complex objects, delegating to the simple helpers as needed. If you try and start with that huge, massive, ancient beast that lives at the heart of your legacy system, it’s </a:t>
-            </a:r>
-            <a:r>
-              <a:rPr lang="en-US" sz="1200" kern="1200" dirty="0" err="1" smtClean="0">
-                <a:solidFill>
-                  <a:schemeClr val="tx1"/>
-                </a:solidFill>
-                <a:effectLst/>
-                <a:latin typeface="+mn-lt"/>
-                <a:ea typeface="+mn-ea"/>
-                <a:cs typeface="+mn-cs"/>
-              </a:rPr>
-              <a:t>gonna</a:t>
-            </a:r>
-            <a:r>
-              <a:rPr lang="en-US" sz="1200" kern="1200" dirty="0" smtClean="0">
-                <a:solidFill>
-                  <a:schemeClr val="tx1"/>
-                </a:solidFill>
-                <a:effectLst/>
-                <a:latin typeface="+mn-lt"/>
-                <a:ea typeface="+mn-ea"/>
-                <a:cs typeface="+mn-cs"/>
-              </a:rPr>
-              <a:t> hurt.</a:t>
-            </a:r>
-          </a:p>
-          <a:p>
-            <a:endParaRPr lang="en-US" sz="1200" kern="1200" dirty="0" smtClean="0">
-              <a:solidFill>
-                <a:schemeClr val="tx1"/>
-              </a:solidFill>
-              <a:effectLst/>
-              <a:latin typeface="+mn-lt"/>
-              <a:ea typeface="+mn-ea"/>
-              <a:cs typeface="+mn-cs"/>
-            </a:endParaRPr>
-          </a:p>
-          <a:p>
-            <a:r>
-              <a:rPr lang="en-US" sz="1200" kern="1200" dirty="0" smtClean="0">
-                <a:solidFill>
-                  <a:schemeClr val="tx1"/>
-                </a:solidFill>
-                <a:effectLst/>
-                <a:latin typeface="+mn-lt"/>
-                <a:ea typeface="+mn-ea"/>
-                <a:cs typeface="+mn-cs"/>
-              </a:rPr>
-              <a:t>Second, continually refactor your helpers as needed. Remember that test code </a:t>
-            </a:r>
-            <a:r>
-              <a:rPr lang="en-US" sz="1200" i="1" kern="1200" dirty="0" smtClean="0">
-                <a:solidFill>
-                  <a:schemeClr val="tx1"/>
-                </a:solidFill>
-                <a:effectLst/>
-                <a:latin typeface="+mn-lt"/>
-                <a:ea typeface="+mn-ea"/>
-                <a:cs typeface="+mn-cs"/>
-              </a:rPr>
-              <a:t>is </a:t>
-            </a:r>
-            <a:r>
-              <a:rPr lang="en-US" sz="1200" kern="1200" dirty="0" smtClean="0">
-                <a:solidFill>
-                  <a:schemeClr val="tx1"/>
-                </a:solidFill>
-                <a:effectLst/>
-                <a:latin typeface="+mn-lt"/>
-                <a:ea typeface="+mn-ea"/>
-                <a:cs typeface="+mn-cs"/>
-              </a:rPr>
-              <a:t>“real code”; keep it clean and tidy just like you would anything else.</a:t>
-            </a:r>
-          </a:p>
-          <a:p>
-            <a:endParaRPr lang="en-US" sz="1200" kern="1200" dirty="0" smtClean="0">
-              <a:solidFill>
-                <a:schemeClr val="tx1"/>
-              </a:solidFill>
-              <a:effectLst/>
-              <a:latin typeface="+mn-lt"/>
-              <a:ea typeface="+mn-ea"/>
-              <a:cs typeface="+mn-cs"/>
-            </a:endParaRPr>
-          </a:p>
-          <a:p>
-            <a:r>
-              <a:rPr lang="en-US" sz="1200" kern="1200" dirty="0" smtClean="0">
-                <a:solidFill>
-                  <a:schemeClr val="tx1"/>
-                </a:solidFill>
-                <a:effectLst/>
-                <a:latin typeface="+mn-lt"/>
-                <a:ea typeface="+mn-ea"/>
-                <a:cs typeface="+mn-cs"/>
-              </a:rPr>
-              <a:t>Lastly, the sooner you start implementing these patterns, the sooner you’ll notice the payoff. There </a:t>
-            </a:r>
-            <a:r>
-              <a:rPr lang="en-US" sz="1200" i="1" kern="1200" dirty="0" smtClean="0">
-                <a:solidFill>
-                  <a:schemeClr val="tx1"/>
-                </a:solidFill>
-                <a:effectLst/>
-                <a:latin typeface="+mn-lt"/>
-                <a:ea typeface="+mn-ea"/>
-                <a:cs typeface="+mn-cs"/>
-              </a:rPr>
-              <a:t>is </a:t>
-            </a:r>
-            <a:r>
-              <a:rPr lang="en-US" sz="1200" kern="1200" dirty="0" smtClean="0">
-                <a:solidFill>
-                  <a:schemeClr val="tx1"/>
-                </a:solidFill>
-                <a:effectLst/>
-                <a:latin typeface="+mn-lt"/>
-                <a:ea typeface="+mn-ea"/>
-                <a:cs typeface="+mn-cs"/>
-              </a:rPr>
-              <a:t>an investment to add these to a legacy system, but the promised land of clean, simple unit AND integration tests is totally worth it.</a:t>
-            </a:r>
-          </a:p>
-          <a:p>
-            <a:endParaRPr lang="en-US" sz="1200" kern="1200" dirty="0" smtClean="0">
-              <a:solidFill>
-                <a:schemeClr val="tx1"/>
-              </a:solidFill>
-              <a:effectLst/>
-              <a:latin typeface="+mn-lt"/>
-              <a:ea typeface="+mn-ea"/>
-              <a:cs typeface="+mn-cs"/>
-            </a:endParaRPr>
-          </a:p>
         </p:txBody>
       </p:sp>
       <p:sp>
@@ -15738,150 +15835,6 @@
             <a:fld id="{89029652-62E7-43D6-83B5-097D7B7AA5D8}" type="slidenum">
               <a:rPr lang="en-US" smtClean="0"/>
               <a:t>93</a:t>
-            </a:fld>
-            <a:endParaRPr lang="en-US"/>
-          </a:p>
-        </p:txBody>
-      </p:sp>
-    </p:spTree>
-    <p:extLst>
-      <p:ext uri="{BB962C8B-B14F-4D97-AF65-F5344CB8AC3E}">
-        <p14:creationId xmlns:p14="http://schemas.microsoft.com/office/powerpoint/2010/main" val="4116676846"/>
-      </p:ext>
-    </p:extLst>
-  </p:cSld>
-  <p:clrMapOvr>
-    <a:masterClrMapping/>
-  </p:clrMapOvr>
-</p:notes>
-</file>
-
-<file path=ppt/notesSlides/notesSlide94.xml><?xml version="1.0" encoding="utf-8"?>
-<p:notes xmlns:a="http://schemas.openxmlformats.org/drawingml/2006/main" xmlns:r="http://schemas.openxmlformats.org/officeDocument/2006/relationships" xmlns:p="http://schemas.openxmlformats.org/presentationml/2006/main">
-  <p:cSld>
-    <p:spTree>
-      <p:nvGrpSpPr>
-        <p:cNvPr id="1" name=""/>
-        <p:cNvGrpSpPr/>
-        <p:nvPr/>
-      </p:nvGrpSpPr>
-      <p:grpSpPr>
-        <a:xfrm>
-          <a:off x="0" y="0"/>
-          <a:ext cx="0" cy="0"/>
-          <a:chOff x="0" y="0"/>
-          <a:chExt cx="0" cy="0"/>
-        </a:xfrm>
-      </p:grpSpPr>
-      <p:sp>
-        <p:nvSpPr>
-          <p:cNvPr id="2" name="Slide Image Placeholder 1"/>
-          <p:cNvSpPr>
-            <a:spLocks noGrp="1" noRot="1" noChangeAspect="1"/>
-          </p:cNvSpPr>
-          <p:nvPr>
-            <p:ph type="sldImg"/>
-          </p:nvPr>
-        </p:nvSpPr>
-        <p:spPr/>
-      </p:sp>
-      <p:sp>
-        <p:nvSpPr>
-          <p:cNvPr id="3" name="Notes Placeholder 2"/>
-          <p:cNvSpPr>
-            <a:spLocks noGrp="1"/>
-          </p:cNvSpPr>
-          <p:nvPr>
-            <p:ph type="body" idx="1"/>
-          </p:nvPr>
-        </p:nvSpPr>
-        <p:spPr/>
-        <p:txBody>
-          <a:bodyPr/>
-          <a:lstStyle/>
-          <a:p>
-            <a:r>
-              <a:rPr lang="en-US" sz="1200" kern="1200" dirty="0" smtClean="0">
-                <a:solidFill>
-                  <a:schemeClr val="tx1"/>
-                </a:solidFill>
-                <a:effectLst/>
-                <a:latin typeface="+mn-lt"/>
-                <a:ea typeface="+mn-ea"/>
-                <a:cs typeface="+mn-cs"/>
-              </a:rPr>
-              <a:t>And that brings us to the end of this session. Here are the 4 keys to effective test setup as well as links to these slides on </a:t>
-            </a:r>
-            <a:r>
-              <a:rPr lang="en-US" sz="1200" kern="1200" dirty="0" err="1" smtClean="0">
-                <a:solidFill>
-                  <a:schemeClr val="tx1"/>
-                </a:solidFill>
-                <a:effectLst/>
-                <a:latin typeface="+mn-lt"/>
-                <a:ea typeface="+mn-ea"/>
-                <a:cs typeface="+mn-cs"/>
-              </a:rPr>
-              <a:t>Github</a:t>
-            </a:r>
-            <a:r>
-              <a:rPr lang="en-US" sz="1200" kern="1200" dirty="0" smtClean="0">
-                <a:solidFill>
-                  <a:schemeClr val="tx1"/>
-                </a:solidFill>
-                <a:effectLst/>
-                <a:latin typeface="+mn-lt"/>
-                <a:ea typeface="+mn-ea"/>
-                <a:cs typeface="+mn-cs"/>
-              </a:rPr>
-              <a:t>, my website, and my twitter account. If you have any questions or comments I think we have a few minutes right now, or please feel free to seek me out online. </a:t>
-            </a:r>
-          </a:p>
-          <a:p>
-            <a:r>
-              <a:rPr lang="en-US" sz="1200" kern="1200" dirty="0" smtClean="0">
-                <a:solidFill>
-                  <a:schemeClr val="tx1"/>
-                </a:solidFill>
-                <a:effectLst/>
-                <a:latin typeface="+mn-lt"/>
-                <a:ea typeface="+mn-ea"/>
-                <a:cs typeface="+mn-cs"/>
-              </a:rPr>
-              <a:t>THANK YOU!</a:t>
-            </a:r>
-          </a:p>
-          <a:p>
-            <a:endParaRPr lang="en-US" sz="1200" kern="1200" dirty="0" smtClean="0">
-              <a:solidFill>
-                <a:schemeClr val="tx1"/>
-              </a:solidFill>
-              <a:effectLst/>
-              <a:latin typeface="+mn-lt"/>
-              <a:ea typeface="+mn-ea"/>
-              <a:cs typeface="+mn-cs"/>
-            </a:endParaRPr>
-          </a:p>
-        </p:txBody>
-      </p:sp>
-      <p:sp>
-        <p:nvSpPr>
-          <p:cNvPr id="4" name="Slide Number Placeholder 3"/>
-          <p:cNvSpPr>
-            <a:spLocks noGrp="1"/>
-          </p:cNvSpPr>
-          <p:nvPr>
-            <p:ph type="sldNum" sz="quarter" idx="10"/>
-          </p:nvPr>
-        </p:nvSpPr>
-        <p:spPr/>
-        <p:txBody>
-          <a:bodyPr/>
-          <a:lstStyle/>
-          <a:p>
-            <a:fld id="{89029652-62E7-43D6-83B5-097D7B7AA5D8}" type="slidenum">
-              <a:rPr lang="en-US" smtClean="0"/>
-              <a:t>94</a:t>
             </a:fld>
             <a:endParaRPr lang="en-US"/>
           </a:p>
@@ -16031,7 +15984,7 @@
           <a:p>
             <a:fld id="{75AA6396-395E-4ADA-8EE5-F328BC863A04}" type="datetimeFigureOut">
               <a:rPr lang="en-US" smtClean="0"/>
-              <a:t>1/11/2017</a:t>
+              <a:t>1/12/2017</a:t>
             </a:fld>
             <a:endParaRPr lang="en-US"/>
           </a:p>
@@ -16208,7 +16161,7 @@
           <a:p>
             <a:fld id="{75AA6396-395E-4ADA-8EE5-F328BC863A04}" type="datetimeFigureOut">
               <a:rPr lang="en-US" smtClean="0"/>
-              <a:t>1/11/2017</a:t>
+              <a:t>1/12/2017</a:t>
             </a:fld>
             <a:endParaRPr lang="en-US"/>
           </a:p>
@@ -16388,7 +16341,7 @@
           <a:p>
             <a:fld id="{75AA6396-395E-4ADA-8EE5-F328BC863A04}" type="datetimeFigureOut">
               <a:rPr lang="en-US" smtClean="0"/>
-              <a:t>1/11/2017</a:t>
+              <a:t>1/12/2017</a:t>
             </a:fld>
             <a:endParaRPr lang="en-US"/>
           </a:p>
@@ -16608,7 +16561,7 @@
           <a:p>
             <a:fld id="{75AA6396-395E-4ADA-8EE5-F328BC863A04}" type="datetimeFigureOut">
               <a:rPr lang="en-US" smtClean="0"/>
-              <a:t>1/11/2017</a:t>
+              <a:t>1/12/2017</a:t>
             </a:fld>
             <a:endParaRPr lang="en-US"/>
           </a:p>
@@ -16861,7 +16814,7 @@
           <a:p>
             <a:fld id="{75AA6396-395E-4ADA-8EE5-F328BC863A04}" type="datetimeFigureOut">
               <a:rPr lang="en-US" smtClean="0"/>
-              <a:t>1/11/2017</a:t>
+              <a:t>1/12/2017</a:t>
             </a:fld>
             <a:endParaRPr lang="en-US"/>
           </a:p>
@@ -17100,7 +17053,7 @@
           <a:p>
             <a:fld id="{75AA6396-395E-4ADA-8EE5-F328BC863A04}" type="datetimeFigureOut">
               <a:rPr lang="en-US" smtClean="0"/>
-              <a:t>1/11/2017</a:t>
+              <a:t>1/12/2017</a:t>
             </a:fld>
             <a:endParaRPr lang="en-US"/>
           </a:p>
@@ -17474,7 +17427,7 @@
           <a:p>
             <a:fld id="{75AA6396-395E-4ADA-8EE5-F328BC863A04}" type="datetimeFigureOut">
               <a:rPr lang="en-US" smtClean="0"/>
-              <a:t>1/11/2017</a:t>
+              <a:t>1/12/2017</a:t>
             </a:fld>
             <a:endParaRPr lang="en-US"/>
           </a:p>
@@ -17592,7 +17545,7 @@
           <a:p>
             <a:fld id="{75AA6396-395E-4ADA-8EE5-F328BC863A04}" type="datetimeFigureOut">
               <a:rPr lang="en-US" smtClean="0"/>
-              <a:t>1/11/2017</a:t>
+              <a:t>1/12/2017</a:t>
             </a:fld>
             <a:endParaRPr lang="en-US"/>
           </a:p>
@@ -17687,7 +17640,7 @@
           <a:p>
             <a:fld id="{75AA6396-395E-4ADA-8EE5-F328BC863A04}" type="datetimeFigureOut">
               <a:rPr lang="en-US" smtClean="0"/>
-              <a:t>1/11/2017</a:t>
+              <a:t>1/12/2017</a:t>
             </a:fld>
             <a:endParaRPr lang="en-US"/>
           </a:p>
@@ -17964,7 +17917,7 @@
           <a:p>
             <a:fld id="{75AA6396-395E-4ADA-8EE5-F328BC863A04}" type="datetimeFigureOut">
               <a:rPr lang="en-US" smtClean="0"/>
-              <a:t>1/11/2017</a:t>
+              <a:t>1/12/2017</a:t>
             </a:fld>
             <a:endParaRPr lang="en-US"/>
           </a:p>
@@ -18217,7 +18170,7 @@
           <a:p>
             <a:fld id="{75AA6396-395E-4ADA-8EE5-F328BC863A04}" type="datetimeFigureOut">
               <a:rPr lang="en-US" smtClean="0"/>
-              <a:t>1/11/2017</a:t>
+              <a:t>1/12/2017</a:t>
             </a:fld>
             <a:endParaRPr lang="en-US"/>
           </a:p>
@@ -18430,7 +18383,7 @@
           <a:p>
             <a:fld id="{75AA6396-395E-4ADA-8EE5-F328BC863A04}" type="datetimeFigureOut">
               <a:rPr lang="en-US" smtClean="0"/>
-              <a:t>1/11/2017</a:t>
+              <a:t>1/12/2017</a:t>
             </a:fld>
             <a:endParaRPr lang="en-US"/>
           </a:p>
@@ -18847,8 +18800,8 @@
         </p:nvSpPr>
         <p:spPr>
           <a:xfrm>
-            <a:off x="838196" y="223607"/>
-            <a:ext cx="10515600" cy="2069850"/>
+            <a:off x="838196" y="2185971"/>
+            <a:ext cx="10515600" cy="1225050"/>
           </a:xfrm>
         </p:spPr>
         <p:txBody>
@@ -18860,15 +18813,12 @@
             <a:pPr algn="ctr"/>
             <a:r>
               <a:rPr lang="en-US" sz="6000" dirty="0" smtClean="0"/>
-              <a:t>Patterns of Effective Test Setup</a:t>
-            </a:r>
-            <a:r>
-              <a:rPr lang="en-US" sz="1100" dirty="0" smtClean="0"/>
-              <a:t/>
-            </a:r>
-            <a:br>
-              <a:rPr lang="en-US" sz="1100" dirty="0" smtClean="0"/>
-            </a:br>
+              <a:t>Patterns of Effective Test </a:t>
+            </a:r>
+            <a:r>
+              <a:rPr lang="en-US" sz="6000" dirty="0" smtClean="0"/>
+              <a:t>Setup</a:t>
+            </a:r>
             <a:endParaRPr lang="en-US" sz="4000" dirty="0">
               <a:solidFill>
                 <a:schemeClr val="bg1">
@@ -18887,8 +18837,8 @@
         </p:nvSpPr>
         <p:spPr>
           <a:xfrm>
-            <a:off x="4000134" y="4710369"/>
-            <a:ext cx="4191725" cy="1938992"/>
+            <a:off x="4000134" y="4094816"/>
+            <a:ext cx="4191725" cy="2554545"/>
           </a:xfrm>
           <a:prstGeom prst="rect">
             <a:avLst/>
@@ -18923,8 +18873,19 @@
                   <a:srgbClr val="013947"/>
                 </a:solidFill>
               </a:rPr>
-              <a:t>Seth Petry-Johnson</a:t>
-            </a:r>
+              <a:t>Seth </a:t>
+            </a:r>
+            <a:r>
+              <a:rPr lang="en-US" sz="4000" dirty="0" smtClean="0">
+                <a:solidFill>
+                  <a:srgbClr val="013947"/>
+                </a:solidFill>
+              </a:rPr>
+              <a:t>Petry-Johnson</a:t>
+            </a:r>
+          </a:p>
+          <a:p>
+            <a:pPr algn="ctr"/>
             <a:endParaRPr lang="en-US" sz="4000" dirty="0" smtClean="0">
               <a:solidFill>
                 <a:srgbClr val="013947"/>
@@ -18957,30 +18918,6 @@
           </a:p>
         </p:txBody>
       </p:sp>
-      <p:pic>
-        <p:nvPicPr>
-          <p:cNvPr id="3" name="Picture 2"/>
-          <p:cNvPicPr>
-            <a:picLocks noChangeAspect="1"/>
-          </p:cNvPicPr>
-          <p:nvPr/>
-        </p:nvPicPr>
-        <p:blipFill>
-          <a:blip r:embed="rId3"/>
-          <a:stretch>
-            <a:fillRect/>
-          </a:stretch>
-        </p:blipFill>
-        <p:spPr>
-          <a:xfrm>
-            <a:off x="4869331" y="1996783"/>
-            <a:ext cx="2453327" cy="2842346"/>
-          </a:xfrm>
-          <a:prstGeom prst="rect">
-            <a:avLst/>
-          </a:prstGeom>
-        </p:spPr>
-      </p:pic>
     </p:spTree>
     <p:extLst>
       <p:ext uri="{BB962C8B-B14F-4D97-AF65-F5344CB8AC3E}">
@@ -27381,8 +27318,13 @@
           <a:p>
             <a:r>
               <a:rPr lang="en-US" sz="4800" dirty="0"/>
-              <a:t>Key #1: Stop creating data by hand!</a:t>
-            </a:r>
+              <a:t>Key #1: </a:t>
+            </a:r>
+            <a:r>
+              <a:rPr lang="en-US" sz="4800" dirty="0" smtClean="0"/>
+              <a:t>Assign meaningful defaults</a:t>
+            </a:r>
+            <a:endParaRPr lang="en-US" sz="4800" dirty="0"/>
           </a:p>
         </p:txBody>
       </p:sp>
@@ -27400,15 +27342,6 @@
         <p:txBody>
           <a:bodyPr/>
           <a:lstStyle/>
-          <a:p>
-            <a:pPr marL="0" indent="0">
-              <a:buNone/>
-            </a:pPr>
-            <a:r>
-              <a:rPr lang="en-US" sz="4000" dirty="0" smtClean="0"/>
-              <a:t>Assign meaningful defaults </a:t>
-            </a:r>
-          </a:p>
           <a:p>
             <a:pPr marL="0" indent="0">
               <a:buNone/>
@@ -27446,8 +27379,8 @@
         </p:blipFill>
         <p:spPr>
           <a:xfrm>
-            <a:off x="968784" y="2741817"/>
-            <a:ext cx="7041079" cy="3983448"/>
+            <a:off x="838201" y="1919884"/>
+            <a:ext cx="8728534" cy="4938116"/>
           </a:xfrm>
           <a:prstGeom prst="rect">
             <a:avLst/>
@@ -27510,35 +27443,13 @@
           <a:p>
             <a:r>
               <a:rPr lang="en-US" sz="4800" dirty="0"/>
-              <a:t>Key #1: Stop creating data by hand!</a:t>
-            </a:r>
-          </a:p>
-        </p:txBody>
-      </p:sp>
-      <p:sp>
-        <p:nvSpPr>
-          <p:cNvPr id="3" name="Content Placeholder 2"/>
-          <p:cNvSpPr>
-            <a:spLocks noGrp="1"/>
-          </p:cNvSpPr>
-          <p:nvPr>
-            <p:ph idx="1"/>
-          </p:nvPr>
-        </p:nvSpPr>
-        <p:spPr/>
-        <p:txBody>
-          <a:bodyPr>
-            <a:normAutofit/>
-          </a:bodyPr>
-          <a:lstStyle/>
-          <a:p>
-            <a:pPr marL="0" indent="0">
-              <a:buNone/>
-            </a:pPr>
-            <a:r>
-              <a:rPr lang="en-US" sz="4000" dirty="0" smtClean="0"/>
-              <a:t>Delegate to other helpers as needed</a:t>
-            </a:r>
+              <a:t>Key #1: </a:t>
+            </a:r>
+            <a:r>
+              <a:rPr lang="en-US" sz="4800" dirty="0" smtClean="0"/>
+              <a:t>Delegate to other helpers</a:t>
+            </a:r>
+            <a:endParaRPr lang="en-US" sz="4800" dirty="0"/>
           </a:p>
         </p:txBody>
       </p:sp>
@@ -27558,8 +27469,8 @@
         </p:blipFill>
         <p:spPr>
           <a:xfrm>
-            <a:off x="838200" y="2806107"/>
-            <a:ext cx="9692630" cy="3370856"/>
+            <a:off x="838200" y="2336879"/>
+            <a:ext cx="10946915" cy="3807065"/>
           </a:xfrm>
           <a:prstGeom prst="rect">
             <a:avLst/>
@@ -27622,8 +27533,13 @@
           <a:p>
             <a:r>
               <a:rPr lang="en-US" sz="4800" dirty="0"/>
-              <a:t>Key #1: Stop creating data by hand!</a:t>
-            </a:r>
+              <a:t>Key #1: </a:t>
+            </a:r>
+            <a:r>
+              <a:rPr lang="en-US" sz="4800" dirty="0" smtClean="0"/>
+              <a:t>Avoid "unexpected equality"</a:t>
+            </a:r>
+            <a:endParaRPr lang="en-US" sz="4800" dirty="0"/>
           </a:p>
         </p:txBody>
       </p:sp>
@@ -27641,15 +27557,6 @@
         <p:txBody>
           <a:bodyPr/>
           <a:lstStyle/>
-          <a:p>
-            <a:pPr marL="0" indent="0">
-              <a:buNone/>
-            </a:pPr>
-            <a:r>
-              <a:rPr lang="en-US" sz="4000" dirty="0" smtClean="0"/>
-              <a:t>Avoid "unexpected equality"</a:t>
-            </a:r>
-          </a:p>
           <a:p>
             <a:pPr marL="0" indent="0">
               <a:buNone/>
@@ -27683,7 +27590,7 @@
         </p:blipFill>
         <p:spPr>
           <a:xfrm>
-            <a:off x="838200" y="2922002"/>
+            <a:off x="838200" y="2033295"/>
             <a:ext cx="11315995" cy="3935998"/>
           </a:xfrm>
           <a:prstGeom prst="rect">
@@ -27741,74 +27648,42 @@
         <p:spPr/>
         <p:txBody>
           <a:bodyPr>
-            <a:normAutofit/>
+            <a:normAutofit fontScale="90000"/>
           </a:bodyPr>
           <a:lstStyle/>
           <a:p>
             <a:r>
               <a:rPr lang="en-US" sz="4800" dirty="0"/>
-              <a:t>Key #1: Stop creating data by hand!</a:t>
-            </a:r>
-          </a:p>
-        </p:txBody>
-      </p:sp>
-      <p:sp>
-        <p:nvSpPr>
-          <p:cNvPr id="3" name="Content Placeholder 2"/>
-          <p:cNvSpPr>
-            <a:spLocks noGrp="1"/>
-          </p:cNvSpPr>
-          <p:nvPr>
-            <p:ph idx="1"/>
-          </p:nvPr>
-        </p:nvSpPr>
-        <p:spPr/>
-        <p:txBody>
-          <a:bodyPr/>
-          <a:lstStyle/>
-          <a:p>
-            <a:pPr marL="0" indent="0">
-              <a:buNone/>
-            </a:pPr>
-            <a:r>
-              <a:rPr lang="en-US" sz="4000" dirty="0" smtClean="0"/>
-              <a:t>Avoid "unexpected equality": </a:t>
-            </a:r>
-            <a:r>
-              <a:rPr lang="en-US" sz="4000" i="1" dirty="0" err="1" smtClean="0">
+              <a:t>Key #1: </a:t>
+            </a:r>
+            <a:r>
+              <a:rPr lang="en-US" sz="4800" i="1" dirty="0" smtClean="0">
                 <a:latin typeface="Courier New" panose="02070309020205020404" pitchFamily="49" charset="0"/>
                 <a:cs typeface="Courier New" panose="02070309020205020404" pitchFamily="49" charset="0"/>
               </a:rPr>
-              <a:t>ShortGuid</a:t>
-            </a:r>
-            <a:endParaRPr lang="en-US" sz="4000" dirty="0" smtClean="0">
+              <a:t>http://bit.ly/ShortGuid</a:t>
+            </a:r>
+            <a:endParaRPr lang="en-US" sz="4800" dirty="0">
               <a:latin typeface="Courier New" panose="02070309020205020404" pitchFamily="49" charset="0"/>
               <a:cs typeface="Courier New" panose="02070309020205020404" pitchFamily="49" charset="0"/>
             </a:endParaRPr>
           </a:p>
-          <a:p>
-            <a:pPr marL="0" indent="0">
-              <a:buNone/>
-            </a:pPr>
-            <a:r>
-              <a:rPr lang="en-US" sz="3200" dirty="0" smtClean="0">
-                <a:solidFill>
-                  <a:schemeClr val="bg1">
-                    <a:lumMod val="65000"/>
-                  </a:schemeClr>
-                </a:solidFill>
-                <a:hlinkClick r:id="rId3" action="ppaction://hlinkfile"/>
-              </a:rPr>
-              <a:t>bit.ly/1dCxSbe</a:t>
-            </a:r>
-            <a:endParaRPr lang="en-US" sz="3200" dirty="0" smtClean="0">
-              <a:solidFill>
-                <a:schemeClr val="bg1">
-                  <a:lumMod val="65000"/>
-                </a:schemeClr>
-              </a:solidFill>
-            </a:endParaRPr>
-          </a:p>
+        </p:txBody>
+      </p:sp>
+      <p:sp>
+        <p:nvSpPr>
+          <p:cNvPr id="3" name="Content Placeholder 2"/>
+          <p:cNvSpPr>
+            <a:spLocks noGrp="1"/>
+          </p:cNvSpPr>
+          <p:nvPr>
+            <p:ph idx="1"/>
+          </p:nvPr>
+        </p:nvSpPr>
+        <p:spPr/>
+        <p:txBody>
+          <a:bodyPr/>
+          <a:lstStyle/>
           <a:p>
             <a:pPr marL="0" indent="0">
               <a:buNone/>
@@ -27844,15 +27719,15 @@
           <p:nvPr/>
         </p:nvPicPr>
         <p:blipFill>
-          <a:blip r:embed="rId4"/>
+          <a:blip r:embed="rId3"/>
           <a:stretch>
             <a:fillRect/>
           </a:stretch>
         </p:blipFill>
         <p:spPr>
           <a:xfrm>
-            <a:off x="838200" y="3194652"/>
-            <a:ext cx="7170174" cy="3610972"/>
+            <a:off x="838200" y="2055421"/>
+            <a:ext cx="9536303" cy="4802579"/>
           </a:xfrm>
           <a:prstGeom prst="rect">
             <a:avLst/>
@@ -28059,63 +27934,49 @@
         <p:spPr/>
         <p:txBody>
           <a:bodyPr>
-            <a:normAutofit/>
+            <a:normAutofit fontScale="90000"/>
           </a:bodyPr>
           <a:lstStyle/>
           <a:p>
             <a:r>
               <a:rPr lang="en-US" sz="4800" dirty="0"/>
-              <a:t>Key #1: Stop creating data by hand!</a:t>
-            </a:r>
-          </a:p>
-        </p:txBody>
-      </p:sp>
-      <p:sp>
-        <p:nvSpPr>
-          <p:cNvPr id="3" name="Content Placeholder 2"/>
-          <p:cNvSpPr>
-            <a:spLocks noGrp="1"/>
-          </p:cNvSpPr>
-          <p:nvPr>
-            <p:ph idx="1"/>
-          </p:nvPr>
-        </p:nvSpPr>
-        <p:spPr/>
-        <p:txBody>
-          <a:bodyPr/>
-          <a:lstStyle/>
-          <a:p>
-            <a:pPr marL="0" indent="0">
-              <a:buNone/>
-            </a:pPr>
-            <a:r>
-              <a:rPr lang="en-US" sz="4000" dirty="0" smtClean="0"/>
-              <a:t>Avoid "unexpected equality": </a:t>
-            </a:r>
-            <a:r>
-              <a:rPr lang="en-US" sz="4000" i="1" dirty="0" err="1" smtClean="0">
+              <a:t>Key #1: </a:t>
+            </a:r>
+            <a:r>
+              <a:rPr lang="en-US" sz="4800" i="1" dirty="0" smtClean="0">
                 <a:latin typeface="Courier New" panose="02070309020205020404" pitchFamily="49" charset="0"/>
                 <a:cs typeface="Courier New" panose="02070309020205020404" pitchFamily="49" charset="0"/>
               </a:rPr>
-              <a:t>IdSequencer</a:t>
-            </a:r>
-            <a:endParaRPr lang="en-US" sz="4000" dirty="0" smtClean="0">
+              <a:t>http://</a:t>
+            </a:r>
+            <a:r>
+              <a:rPr lang="en-US" sz="4800" i="1" dirty="0" smtClean="0">
+                <a:latin typeface="Courier New" panose="02070309020205020404" pitchFamily="49" charset="0"/>
+                <a:cs typeface="Courier New" panose="02070309020205020404" pitchFamily="49" charset="0"/>
+              </a:rPr>
+              <a:t>bit.ly/dSequencer</a:t>
+            </a:r>
+            <a:endParaRPr lang="en-US" sz="4800" i="1" dirty="0">
               <a:latin typeface="Courier New" panose="02070309020205020404" pitchFamily="49" charset="0"/>
               <a:cs typeface="Courier New" panose="02070309020205020404" pitchFamily="49" charset="0"/>
             </a:endParaRPr>
           </a:p>
-          <a:p>
-            <a:pPr marL="0" indent="0">
-              <a:buNone/>
-            </a:pPr>
-            <a:r>
-              <a:rPr lang="en-US" sz="3200" dirty="0" smtClean="0">
-                <a:hlinkClick r:id="rId3"/>
-              </a:rPr>
-              <a:t>bit.ly/1d7zHz7</a:t>
-            </a:r>
-            <a:endParaRPr lang="en-US" sz="3200" dirty="0" smtClean="0"/>
-          </a:p>
+        </p:txBody>
+      </p:sp>
+      <p:sp>
+        <p:nvSpPr>
+          <p:cNvPr id="3" name="Content Placeholder 2"/>
+          <p:cNvSpPr>
+            <a:spLocks noGrp="1"/>
+          </p:cNvSpPr>
+          <p:nvPr>
+            <p:ph idx="1"/>
+          </p:nvPr>
+        </p:nvSpPr>
+        <p:spPr/>
+        <p:txBody>
+          <a:bodyPr/>
+          <a:lstStyle/>
           <a:p>
             <a:pPr marL="0" indent="0">
               <a:buNone/>
@@ -28146,15 +28007,15 @@
           <p:nvPr/>
         </p:nvPicPr>
         <p:blipFill>
-          <a:blip r:embed="rId4"/>
+          <a:blip r:embed="rId3"/>
           <a:stretch>
             <a:fillRect/>
           </a:stretch>
         </p:blipFill>
         <p:spPr>
           <a:xfrm>
-            <a:off x="838199" y="3239548"/>
-            <a:ext cx="6300019" cy="3622844"/>
+            <a:off x="766281" y="2108720"/>
+            <a:ext cx="8089128" cy="4651676"/>
           </a:xfrm>
           <a:prstGeom prst="rect">
             <a:avLst/>
@@ -28217,8 +28078,13 @@
           <a:p>
             <a:r>
               <a:rPr lang="en-US" sz="4800" dirty="0"/>
-              <a:t>Key #1: Stop creating data by hand!</a:t>
-            </a:r>
+              <a:t>Key #1: </a:t>
+            </a:r>
+            <a:r>
+              <a:rPr lang="en-US" sz="4800" dirty="0" smtClean="0"/>
+              <a:t>Why not use a library?</a:t>
+            </a:r>
+            <a:endParaRPr lang="en-US" sz="4800" dirty="0"/>
           </a:p>
         </p:txBody>
       </p:sp>
@@ -28241,24 +28107,6 @@
         <p:txBody>
           <a:bodyPr/>
           <a:lstStyle/>
-          <a:p>
-            <a:pPr marL="0" indent="0">
-              <a:buNone/>
-            </a:pPr>
-            <a:r>
-              <a:rPr lang="en-US" sz="4000" dirty="0" smtClean="0"/>
-              <a:t>Test Helpers vs 3</a:t>
-            </a:r>
-            <a:r>
-              <a:rPr lang="en-US" sz="4000" baseline="30000" dirty="0" smtClean="0"/>
-              <a:t>rd</a:t>
-            </a:r>
-            <a:r>
-              <a:rPr lang="en-US" sz="4000" dirty="0" smtClean="0"/>
-              <a:t> party libraries</a:t>
-            </a:r>
-            <a:endParaRPr lang="en-US" sz="3200" dirty="0"/>
-          </a:p>
           <a:p>
             <a:pPr marL="0" indent="0">
               <a:buNone/>
@@ -28350,8 +28198,13 @@
           <a:p>
             <a:r>
               <a:rPr lang="en-US" sz="4800" dirty="0"/>
-              <a:t>Key #1: Stop creating data by hand!</a:t>
-            </a:r>
+              <a:t>Key #1: </a:t>
+            </a:r>
+            <a:r>
+              <a:rPr lang="en-US" sz="4800" dirty="0" smtClean="0"/>
+              <a:t>Why not use a library?</a:t>
+            </a:r>
+            <a:endParaRPr lang="en-US" sz="4800" dirty="0"/>
           </a:p>
         </p:txBody>
       </p:sp>
@@ -28374,24 +28227,6 @@
         <p:txBody>
           <a:bodyPr/>
           <a:lstStyle/>
-          <a:p>
-            <a:pPr marL="0" indent="0">
-              <a:buNone/>
-            </a:pPr>
-            <a:r>
-              <a:rPr lang="en-US" sz="4000" dirty="0" smtClean="0"/>
-              <a:t>Test Helpers vs 3</a:t>
-            </a:r>
-            <a:r>
-              <a:rPr lang="en-US" sz="4000" baseline="30000" dirty="0" smtClean="0"/>
-              <a:t>rd</a:t>
-            </a:r>
-            <a:r>
-              <a:rPr lang="en-US" sz="4000" dirty="0" smtClean="0"/>
-              <a:t> party libraries</a:t>
-            </a:r>
-            <a:endParaRPr lang="en-US" sz="3200" dirty="0"/>
-          </a:p>
           <a:p>
             <a:pPr marL="0" indent="0">
               <a:buNone/>
@@ -28419,8 +28254,8 @@
         </p:blipFill>
         <p:spPr>
           <a:xfrm>
-            <a:off x="838199" y="3093935"/>
-            <a:ext cx="8102175" cy="1891020"/>
+            <a:off x="838199" y="2272002"/>
+            <a:ext cx="9898482" cy="2310272"/>
           </a:xfrm>
           <a:prstGeom prst="rect">
             <a:avLst/>
@@ -28443,8 +28278,8 @@
         </p:blipFill>
         <p:spPr>
           <a:xfrm>
-            <a:off x="838199" y="5555456"/>
-            <a:ext cx="8398637" cy="476635"/>
+            <a:off x="838199" y="5311819"/>
+            <a:ext cx="10136707" cy="575273"/>
           </a:xfrm>
           <a:prstGeom prst="rect">
             <a:avLst/>
@@ -28598,7 +28433,11 @@
             </a:r>
             <a:r>
               <a:rPr lang="en-US" sz="4800" dirty="0" smtClean="0"/>
-              <a:t>#2: Tell a story</a:t>
+              <a:t>#2: </a:t>
+            </a:r>
+            <a:r>
+              <a:rPr lang="en-US" sz="4800" dirty="0" smtClean="0"/>
+              <a:t>Names matter</a:t>
             </a:r>
             <a:endParaRPr lang="en-US" sz="4800" dirty="0"/>
           </a:p>
@@ -28625,15 +28464,6 @@
             <a:normAutofit/>
           </a:bodyPr>
           <a:lstStyle/>
-          <a:p>
-            <a:pPr marL="0" indent="0">
-              <a:buNone/>
-            </a:pPr>
-            <a:r>
-              <a:rPr lang="en-US" sz="4000" dirty="0"/>
-              <a:t>Use names to convey meaning</a:t>
-            </a:r>
-          </a:p>
           <a:p>
             <a:pPr marL="0" indent="0">
               <a:buNone/>
@@ -28668,8 +28498,8 @@
         </p:blipFill>
         <p:spPr>
           <a:xfrm>
-            <a:off x="838198" y="2537848"/>
-            <a:ext cx="10308135" cy="4320151"/>
+            <a:off x="838199" y="2053394"/>
+            <a:ext cx="10838947" cy="4542615"/>
           </a:xfrm>
           <a:prstGeom prst="rect">
             <a:avLst/>
@@ -28697,7 +28527,7 @@
 </file>
 
 <file path=ppt/slides/slide65.xml><?xml version="1.0" encoding="utf-8"?>
-<p:sld xmlns:a="http://schemas.openxmlformats.org/drawingml/2006/main" xmlns:r="http://schemas.openxmlformats.org/officeDocument/2006/relationships" xmlns:p="http://schemas.openxmlformats.org/presentationml/2006/main" show="0">
+<p:sld xmlns:a="http://schemas.openxmlformats.org/drawingml/2006/main" xmlns:r="http://schemas.openxmlformats.org/officeDocument/2006/relationships" xmlns:p="http://schemas.openxmlformats.org/presentationml/2006/main">
   <p:cSld>
     <p:spTree>
       <p:nvGrpSpPr>
@@ -28741,7 +28571,11 @@
             </a:r>
             <a:r>
               <a:rPr lang="en-US" sz="4800" dirty="0" smtClean="0"/>
-              <a:t>#2: Tell a story</a:t>
+              <a:t>#2: </a:t>
+            </a:r>
+            <a:r>
+              <a:rPr lang="en-US" sz="4800" dirty="0" smtClean="0"/>
+              <a:t>Names matter</a:t>
             </a:r>
             <a:endParaRPr lang="en-US" sz="4800" dirty="0"/>
           </a:p>
@@ -28772,15 +28606,6 @@
             <a:pPr marL="0" indent="0">
               <a:buNone/>
             </a:pPr>
-            <a:r>
-              <a:rPr lang="en-US" sz="4000" dirty="0"/>
-              <a:t>Use names to convey meaning</a:t>
-            </a:r>
-          </a:p>
-          <a:p>
-            <a:pPr marL="0" indent="0">
-              <a:buNone/>
-            </a:pPr>
             <a:endParaRPr lang="en-US" sz="3600" dirty="0" smtClean="0"/>
           </a:p>
           <a:p>
@@ -28797,7 +28622,7 @@
       </p:sp>
       <p:pic>
         <p:nvPicPr>
-          <p:cNvPr id="6" name="Picture 5"/>
+          <p:cNvPr id="5" name="Picture 4"/>
           <p:cNvPicPr>
             <a:picLocks noChangeAspect="1"/>
           </p:cNvPicPr>
@@ -28811,8 +28636,8 @@
         </p:blipFill>
         <p:spPr>
           <a:xfrm>
-            <a:off x="838199" y="3389018"/>
-            <a:ext cx="10784070" cy="2492912"/>
+            <a:off x="838199" y="2072097"/>
+            <a:ext cx="11102050" cy="4104866"/>
           </a:xfrm>
           <a:prstGeom prst="rect">
             <a:avLst/>
@@ -28822,21 +28647,13 @@
     </p:spTree>
     <p:extLst>
       <p:ext uri="{BB962C8B-B14F-4D97-AF65-F5344CB8AC3E}">
-        <p14:creationId xmlns:p14="http://schemas.microsoft.com/office/powerpoint/2010/main" val="3864711300"/>
+        <p14:creationId xmlns:p14="http://schemas.microsoft.com/office/powerpoint/2010/main" val="2305120553"/>
       </p:ext>
     </p:extLst>
   </p:cSld>
   <p:clrMapOvr>
     <a:masterClrMapping/>
   </p:clrMapOvr>
-  <mc:AlternateContent xmlns:mc="http://schemas.openxmlformats.org/markup-compatibility/2006" xmlns:p14="http://schemas.microsoft.com/office/powerpoint/2010/main">
-    <mc:Choice Requires="p14">
-      <p:transition spd="slow" p14:dur="2000"/>
-    </mc:Choice>
-    <mc:Fallback xmlns="">
-      <p:transition spd="slow"/>
-    </mc:Fallback>
-  </mc:AlternateContent>
   <p:timing>
     <p:tnLst>
       <p:par>
@@ -28892,7 +28709,11 @@
             </a:r>
             <a:r>
               <a:rPr lang="en-US" sz="4800" dirty="0" smtClean="0"/>
-              <a:t>#2: Tell a story</a:t>
+              <a:t>#2: </a:t>
+            </a:r>
+            <a:r>
+              <a:rPr lang="en-US" sz="4800" dirty="0" smtClean="0"/>
+              <a:t>Names matter</a:t>
             </a:r>
             <a:endParaRPr lang="en-US" sz="4800" dirty="0"/>
           </a:p>
@@ -28923,10 +28744,7 @@
             <a:pPr marL="0" indent="0">
               <a:buNone/>
             </a:pPr>
-            <a:r>
-              <a:rPr lang="en-US" sz="4000" dirty="0" smtClean="0"/>
-              <a:t>Use names to convey meaning</a:t>
-            </a:r>
+            <a:endParaRPr lang="en-US" sz="3600" dirty="0"/>
           </a:p>
           <a:p>
             <a:pPr marL="0" indent="0">
@@ -28962,8 +28780,8 @@
         </p:blipFill>
         <p:spPr>
           <a:xfrm>
-            <a:off x="947382" y="2662238"/>
-            <a:ext cx="11102050" cy="4104866"/>
+            <a:off x="838199" y="1825625"/>
+            <a:ext cx="10959495" cy="4616272"/>
           </a:xfrm>
           <a:prstGeom prst="rect">
             <a:avLst/>
@@ -28973,7 +28791,7 @@
     </p:spTree>
     <p:extLst>
       <p:ext uri="{BB962C8B-B14F-4D97-AF65-F5344CB8AC3E}">
-        <p14:creationId xmlns:p14="http://schemas.microsoft.com/office/powerpoint/2010/main" val="2305120553"/>
+        <p14:creationId xmlns:p14="http://schemas.microsoft.com/office/powerpoint/2010/main" val="877839493"/>
       </p:ext>
     </p:extLst>
   </p:cSld>
@@ -29035,7 +28853,11 @@
             </a:r>
             <a:r>
               <a:rPr lang="en-US" sz="4800" dirty="0" smtClean="0"/>
-              <a:t>#2: Tell a story</a:t>
+              <a:t>#2: </a:t>
+            </a:r>
+            <a:r>
+              <a:rPr lang="en-US" sz="4800" dirty="0" smtClean="0"/>
+              <a:t>Names matter</a:t>
             </a:r>
             <a:endParaRPr lang="en-US" sz="4800" dirty="0"/>
           </a:p>
@@ -29062,15 +28884,6 @@
             <a:normAutofit/>
           </a:bodyPr>
           <a:lstStyle/>
-          <a:p>
-            <a:pPr marL="0" indent="0">
-              <a:buNone/>
-            </a:pPr>
-            <a:r>
-              <a:rPr lang="en-US" sz="4000" dirty="0" smtClean="0"/>
-              <a:t>Use names to convey meaning</a:t>
-            </a:r>
-          </a:p>
           <a:p>
             <a:pPr marL="0" indent="0">
               <a:buNone/>
@@ -29111,8 +28924,8 @@
         </p:blipFill>
         <p:spPr>
           <a:xfrm>
-            <a:off x="838198" y="2677318"/>
-            <a:ext cx="9190061" cy="3870965"/>
+            <a:off x="838198" y="1825625"/>
+            <a:ext cx="10583931" cy="4760110"/>
           </a:xfrm>
           <a:prstGeom prst="rect">
             <a:avLst/>
@@ -29122,7 +28935,7 @@
     </p:spTree>
     <p:extLst>
       <p:ext uri="{BB962C8B-B14F-4D97-AF65-F5344CB8AC3E}">
-        <p14:creationId xmlns:p14="http://schemas.microsoft.com/office/powerpoint/2010/main" val="877839493"/>
+        <p14:creationId xmlns:p14="http://schemas.microsoft.com/office/powerpoint/2010/main" val="578085711"/>
       </p:ext>
     </p:extLst>
   </p:cSld>
@@ -29184,7 +28997,11 @@
             </a:r>
             <a:r>
               <a:rPr lang="en-US" sz="4800" dirty="0" smtClean="0"/>
-              <a:t>#2: Tell a story</a:t>
+              <a:t>#2: </a:t>
+            </a:r>
+            <a:r>
+              <a:rPr lang="en-US" sz="4800" dirty="0" smtClean="0"/>
+              <a:t>Cultivate an expressive API</a:t>
             </a:r>
             <a:endParaRPr lang="en-US" sz="4800" dirty="0"/>
           </a:p>
@@ -29215,22 +29032,7 @@
             <a:pPr marL="0" indent="0">
               <a:buNone/>
             </a:pPr>
-            <a:r>
-              <a:rPr lang="en-US" sz="4000" dirty="0" smtClean="0"/>
-              <a:t>Use names to convey meaning</a:t>
-            </a:r>
-          </a:p>
-          <a:p>
-            <a:pPr marL="0" indent="0">
-              <a:buNone/>
-            </a:pPr>
             <a:endParaRPr lang="en-US" sz="3600" dirty="0"/>
-          </a:p>
-          <a:p>
-            <a:pPr marL="0" indent="0">
-              <a:buNone/>
-            </a:pPr>
-            <a:endParaRPr lang="en-US" sz="3600" dirty="0" smtClean="0"/>
           </a:p>
           <a:p>
             <a:pPr marL="0" indent="0">
@@ -29246,7 +29048,7 @@
       </p:sp>
       <p:pic>
         <p:nvPicPr>
-          <p:cNvPr id="5" name="Picture 4"/>
+          <p:cNvPr id="6" name="Picture 5"/>
           <p:cNvPicPr>
             <a:picLocks noChangeAspect="1"/>
           </p:cNvPicPr>
@@ -29260,8 +29062,8 @@
         </p:blipFill>
         <p:spPr>
           <a:xfrm>
-            <a:off x="838199" y="2623438"/>
-            <a:ext cx="9415392" cy="4234561"/>
+            <a:off x="838199" y="1690688"/>
+            <a:ext cx="8106982" cy="4895047"/>
           </a:xfrm>
           <a:prstGeom prst="rect">
             <a:avLst/>
@@ -29271,7 +29073,7 @@
     </p:spTree>
     <p:extLst>
       <p:ext uri="{BB962C8B-B14F-4D97-AF65-F5344CB8AC3E}">
-        <p14:creationId xmlns:p14="http://schemas.microsoft.com/office/powerpoint/2010/main" val="578085711"/>
+        <p14:creationId xmlns:p14="http://schemas.microsoft.com/office/powerpoint/2010/main" val="3605805665"/>
       </p:ext>
     </p:extLst>
   </p:cSld>
@@ -29333,7 +29135,11 @@
             </a:r>
             <a:r>
               <a:rPr lang="en-US" sz="4800" dirty="0" smtClean="0"/>
-              <a:t>#2: Tell a story</a:t>
+              <a:t>#2: </a:t>
+            </a:r>
+            <a:r>
+              <a:rPr lang="en-US" sz="4800" dirty="0" smtClean="0"/>
+              <a:t>Cultivate an expressive API</a:t>
             </a:r>
             <a:endParaRPr lang="en-US" sz="4800" dirty="0"/>
           </a:p>
@@ -29360,330 +29166,6 @@
             <a:normAutofit/>
           </a:bodyPr>
           <a:lstStyle/>
-          <a:p>
-            <a:pPr marL="0" indent="0">
-              <a:buNone/>
-            </a:pPr>
-            <a:r>
-              <a:rPr lang="en-US" sz="4000" dirty="0" smtClean="0"/>
-              <a:t>Cultivate a clean, concise API</a:t>
-            </a:r>
-          </a:p>
-          <a:p>
-            <a:pPr marL="0" indent="0">
-              <a:buNone/>
-            </a:pPr>
-            <a:endParaRPr lang="en-US" sz="3600" dirty="0"/>
-          </a:p>
-          <a:p>
-            <a:pPr marL="0" indent="0">
-              <a:buNone/>
-            </a:pPr>
-            <a:endParaRPr lang="en-US" dirty="0"/>
-          </a:p>
-          <a:p>
-            <a:pPr lvl="1"/>
-            <a:endParaRPr lang="en-US" dirty="0"/>
-          </a:p>
-        </p:txBody>
-      </p:sp>
-      <p:pic>
-        <p:nvPicPr>
-          <p:cNvPr id="6" name="Picture 5"/>
-          <p:cNvPicPr>
-            <a:picLocks noChangeAspect="1"/>
-          </p:cNvPicPr>
-          <p:nvPr/>
-        </p:nvPicPr>
-        <p:blipFill>
-          <a:blip r:embed="rId3"/>
-          <a:stretch>
-            <a:fillRect/>
-          </a:stretch>
-        </p:blipFill>
-        <p:spPr>
-          <a:xfrm>
-            <a:off x="838199" y="2607313"/>
-            <a:ext cx="7039819" cy="4250687"/>
-          </a:xfrm>
-          <a:prstGeom prst="rect">
-            <a:avLst/>
-          </a:prstGeom>
-        </p:spPr>
-      </p:pic>
-    </p:spTree>
-    <p:extLst>
-      <p:ext uri="{BB962C8B-B14F-4D97-AF65-F5344CB8AC3E}">
-        <p14:creationId xmlns:p14="http://schemas.microsoft.com/office/powerpoint/2010/main" val="3605805665"/>
-      </p:ext>
-    </p:extLst>
-  </p:cSld>
-  <p:clrMapOvr>
-    <a:masterClrMapping/>
-  </p:clrMapOvr>
-  <p:timing>
-    <p:tnLst>
-      <p:par>
-        <p:cTn id="1" dur="indefinite" restart="never" nodeType="tmRoot"/>
-      </p:par>
-    </p:tnLst>
-  </p:timing>
-</p:sld>
-</file>
-
-<file path=ppt/slides/slide7.xml><?xml version="1.0" encoding="utf-8"?>
-<p:sld xmlns:a="http://schemas.openxmlformats.org/drawingml/2006/main" xmlns:r="http://schemas.openxmlformats.org/officeDocument/2006/relationships" xmlns:p="http://schemas.openxmlformats.org/presentationml/2006/main">
-  <p:cSld>
-    <p:spTree>
-      <p:nvGrpSpPr>
-        <p:cNvPr id="1" name=""/>
-        <p:cNvGrpSpPr/>
-        <p:nvPr/>
-      </p:nvGrpSpPr>
-      <p:grpSpPr>
-        <a:xfrm>
-          <a:off x="0" y="0"/>
-          <a:ext cx="0" cy="0"/>
-          <a:chOff x="0" y="0"/>
-          <a:chExt cx="0" cy="0"/>
-        </a:xfrm>
-      </p:grpSpPr>
-      <p:sp>
-        <p:nvSpPr>
-          <p:cNvPr id="2" name="Title 1"/>
-          <p:cNvSpPr>
-            <a:spLocks noGrp="1"/>
-          </p:cNvSpPr>
-          <p:nvPr>
-            <p:ph type="title"/>
-          </p:nvPr>
-        </p:nvSpPr>
-        <p:spPr/>
-        <p:txBody>
-          <a:bodyPr>
-            <a:normAutofit/>
-          </a:bodyPr>
-          <a:lstStyle/>
-          <a:p>
-            <a:r>
-              <a:rPr lang="en-US" sz="4800" dirty="0" smtClean="0"/>
-              <a:t>Are you in the right place?</a:t>
-            </a:r>
-            <a:endParaRPr lang="en-US" sz="4800" dirty="0"/>
-          </a:p>
-        </p:txBody>
-      </p:sp>
-      <p:sp>
-        <p:nvSpPr>
-          <p:cNvPr id="3" name="Content Placeholder 2"/>
-          <p:cNvSpPr>
-            <a:spLocks noGrp="1"/>
-          </p:cNvSpPr>
-          <p:nvPr>
-            <p:ph idx="1"/>
-          </p:nvPr>
-        </p:nvSpPr>
-        <p:spPr>
-          <a:xfrm>
-            <a:off x="838200" y="1825624"/>
-            <a:ext cx="10515600" cy="4589923"/>
-          </a:xfrm>
-        </p:spPr>
-        <p:txBody>
-          <a:bodyPr>
-            <a:normAutofit/>
-          </a:bodyPr>
-          <a:lstStyle/>
-          <a:p>
-            <a:r>
-              <a:rPr lang="en-US" sz="4000" dirty="0" smtClean="0">
-                <a:solidFill>
-                  <a:schemeClr val="bg1">
-                    <a:lumMod val="65000"/>
-                  </a:schemeClr>
-                </a:solidFill>
-              </a:rPr>
-              <a:t>Not "testing 101"</a:t>
-            </a:r>
-            <a:br>
-              <a:rPr lang="en-US" sz="4000" dirty="0" smtClean="0">
-                <a:solidFill>
-                  <a:schemeClr val="bg1">
-                    <a:lumMod val="65000"/>
-                  </a:schemeClr>
-                </a:solidFill>
-              </a:rPr>
-            </a:br>
-            <a:endParaRPr lang="en-US" sz="4000" dirty="0" smtClean="0">
-              <a:solidFill>
-                <a:schemeClr val="bg1">
-                  <a:lumMod val="65000"/>
-                </a:schemeClr>
-              </a:solidFill>
-            </a:endParaRPr>
-          </a:p>
-          <a:p>
-            <a:r>
-              <a:rPr lang="en-US" sz="4000" dirty="0" smtClean="0">
-                <a:solidFill>
-                  <a:schemeClr val="bg1">
-                    <a:lumMod val="65000"/>
-                  </a:schemeClr>
-                </a:solidFill>
-              </a:rPr>
-              <a:t>Not about mocking / stubbing</a:t>
-            </a:r>
-          </a:p>
-          <a:p>
-            <a:endParaRPr lang="en-US" sz="4000" dirty="0" smtClean="0">
-              <a:solidFill>
-                <a:schemeClr val="bg1">
-                  <a:lumMod val="65000"/>
-                </a:schemeClr>
-              </a:solidFill>
-            </a:endParaRPr>
-          </a:p>
-          <a:p>
-            <a:r>
-              <a:rPr lang="en-US" sz="4000" dirty="0" smtClean="0">
-                <a:solidFill>
-                  <a:schemeClr val="bg1">
-                    <a:lumMod val="65000"/>
-                  </a:schemeClr>
-                </a:solidFill>
-              </a:rPr>
-              <a:t>Not about specific framework or language</a:t>
-            </a:r>
-            <a:r>
-              <a:rPr lang="en-US" sz="4000" dirty="0" smtClean="0"/>
-              <a:t/>
-            </a:r>
-            <a:br>
-              <a:rPr lang="en-US" sz="4000" dirty="0" smtClean="0"/>
-            </a:br>
-            <a:endParaRPr lang="en-US" sz="4000" dirty="0" smtClean="0"/>
-          </a:p>
-          <a:p>
-            <a:r>
-              <a:rPr lang="en-US" sz="4000" b="1" dirty="0" smtClean="0"/>
-              <a:t>All about improving test setup</a:t>
-            </a:r>
-          </a:p>
-          <a:p>
-            <a:endParaRPr lang="en-US" sz="4000" dirty="0" smtClean="0"/>
-          </a:p>
-          <a:p>
-            <a:endParaRPr lang="en-US" dirty="0" smtClean="0"/>
-          </a:p>
-          <a:p>
-            <a:endParaRPr lang="en-US" dirty="0" smtClean="0"/>
-          </a:p>
-          <a:p>
-            <a:endParaRPr lang="en-US" dirty="0"/>
-          </a:p>
-        </p:txBody>
-      </p:sp>
-    </p:spTree>
-    <p:extLst>
-      <p:ext uri="{BB962C8B-B14F-4D97-AF65-F5344CB8AC3E}">
-        <p14:creationId xmlns:p14="http://schemas.microsoft.com/office/powerpoint/2010/main" val="2651230507"/>
-      </p:ext>
-    </p:extLst>
-  </p:cSld>
-  <p:clrMapOvr>
-    <a:masterClrMapping/>
-  </p:clrMapOvr>
-  <p:timing>
-    <p:tnLst>
-      <p:par>
-        <p:cTn id="1" dur="indefinite" restart="never" nodeType="tmRoot"/>
-      </p:par>
-    </p:tnLst>
-  </p:timing>
-</p:sld>
-</file>
-
-<file path=ppt/slides/slide70.xml><?xml version="1.0" encoding="utf-8"?>
-<p:sld xmlns:a="http://schemas.openxmlformats.org/drawingml/2006/main" xmlns:r="http://schemas.openxmlformats.org/officeDocument/2006/relationships" xmlns:p="http://schemas.openxmlformats.org/presentationml/2006/main">
-  <p:cSld>
-    <p:spTree>
-      <p:nvGrpSpPr>
-        <p:cNvPr id="1" name=""/>
-        <p:cNvGrpSpPr/>
-        <p:nvPr/>
-      </p:nvGrpSpPr>
-      <p:grpSpPr>
-        <a:xfrm>
-          <a:off x="0" y="0"/>
-          <a:ext cx="0" cy="0"/>
-          <a:chOff x="0" y="0"/>
-          <a:chExt cx="0" cy="0"/>
-        </a:xfrm>
-      </p:grpSpPr>
-      <p:sp>
-        <p:nvSpPr>
-          <p:cNvPr id="2" name="Title 1"/>
-          <p:cNvSpPr>
-            <a:spLocks noGrp="1"/>
-          </p:cNvSpPr>
-          <p:nvPr>
-            <p:ph type="title"/>
-          </p:nvPr>
-        </p:nvSpPr>
-        <p:spPr>
-          <a:xfrm>
-            <a:off x="838199" y="365125"/>
-            <a:ext cx="10857271" cy="1325563"/>
-          </a:xfrm>
-        </p:spPr>
-        <p:txBody>
-          <a:bodyPr>
-            <a:noAutofit/>
-          </a:bodyPr>
-          <a:lstStyle/>
-          <a:p>
-            <a:r>
-              <a:rPr lang="en-US" sz="4800" dirty="0"/>
-              <a:t>Key </a:t>
-            </a:r>
-            <a:r>
-              <a:rPr lang="en-US" sz="4800" dirty="0" smtClean="0"/>
-              <a:t>#2: Tell a story</a:t>
-            </a:r>
-            <a:endParaRPr lang="en-US" sz="4800" dirty="0"/>
-          </a:p>
-        </p:txBody>
-      </p:sp>
-      <p:sp>
-        <p:nvSpPr>
-          <p:cNvPr id="3" name="Content Placeholder 2"/>
-          <p:cNvSpPr>
-            <a:spLocks noGrp="1"/>
-          </p:cNvSpPr>
-          <p:nvPr>
-            <p:ph idx="1"/>
-          </p:nvPr>
-        </p:nvSpPr>
-        <p:spPr>
-          <a:xfrm>
-            <a:off x="838199" y="1825625"/>
-            <a:ext cx="10621297" cy="4351338"/>
-          </a:xfrm>
-        </p:spPr>
-        <p:txBody>
-          <a:bodyPr>
-            <a:normAutofit/>
-          </a:bodyPr>
-          <a:lstStyle/>
-          <a:p>
-            <a:pPr marL="0" indent="0">
-              <a:buNone/>
-            </a:pPr>
-            <a:r>
-              <a:rPr lang="en-US" sz="4000" dirty="0"/>
-              <a:t>Cultivate a clean, concise API</a:t>
-            </a:r>
-          </a:p>
           <a:p>
             <a:pPr marL="0" indent="0">
               <a:buNone/>
@@ -29724,8 +29206,8 @@
         </p:blipFill>
         <p:spPr>
           <a:xfrm>
-            <a:off x="838199" y="3128223"/>
-            <a:ext cx="9798669" cy="3343707"/>
+            <a:off x="838199" y="2452322"/>
+            <a:ext cx="10914989" cy="3724641"/>
           </a:xfrm>
           <a:prstGeom prst="rect">
             <a:avLst/>
@@ -29776,7 +29258,179 @@
 </p:sld>
 </file>
 
-<file path=ppt/slides/slide71.xml><?xml version="1.0" encoding="utf-8"?>
+<file path=ppt/slides/slide7.xml><?xml version="1.0" encoding="utf-8"?>
+<p:sld xmlns:a="http://schemas.openxmlformats.org/drawingml/2006/main" xmlns:r="http://schemas.openxmlformats.org/officeDocument/2006/relationships" xmlns:p="http://schemas.openxmlformats.org/presentationml/2006/main">
+  <p:cSld>
+    <p:spTree>
+      <p:nvGrpSpPr>
+        <p:cNvPr id="1" name=""/>
+        <p:cNvGrpSpPr/>
+        <p:nvPr/>
+      </p:nvGrpSpPr>
+      <p:grpSpPr>
+        <a:xfrm>
+          <a:off x="0" y="0"/>
+          <a:ext cx="0" cy="0"/>
+          <a:chOff x="0" y="0"/>
+          <a:chExt cx="0" cy="0"/>
+        </a:xfrm>
+      </p:grpSpPr>
+      <p:sp>
+        <p:nvSpPr>
+          <p:cNvPr id="2" name="Title 1"/>
+          <p:cNvSpPr>
+            <a:spLocks noGrp="1"/>
+          </p:cNvSpPr>
+          <p:nvPr>
+            <p:ph type="title"/>
+          </p:nvPr>
+        </p:nvSpPr>
+        <p:spPr/>
+        <p:txBody>
+          <a:bodyPr>
+            <a:normAutofit/>
+          </a:bodyPr>
+          <a:lstStyle/>
+          <a:p>
+            <a:r>
+              <a:rPr lang="en-US" sz="4800" dirty="0" smtClean="0"/>
+              <a:t>Are you in the right place?</a:t>
+            </a:r>
+            <a:endParaRPr lang="en-US" sz="4800" dirty="0"/>
+          </a:p>
+        </p:txBody>
+      </p:sp>
+      <p:sp>
+        <p:nvSpPr>
+          <p:cNvPr id="3" name="Content Placeholder 2"/>
+          <p:cNvSpPr>
+            <a:spLocks noGrp="1"/>
+          </p:cNvSpPr>
+          <p:nvPr>
+            <p:ph idx="1"/>
+          </p:nvPr>
+        </p:nvSpPr>
+        <p:spPr>
+          <a:xfrm>
+            <a:off x="838200" y="1825624"/>
+            <a:ext cx="10515600" cy="4589923"/>
+          </a:xfrm>
+        </p:spPr>
+        <p:txBody>
+          <a:bodyPr>
+            <a:normAutofit/>
+          </a:bodyPr>
+          <a:lstStyle/>
+          <a:p>
+            <a:r>
+              <a:rPr lang="en-US" sz="4000" dirty="0" smtClean="0">
+                <a:solidFill>
+                  <a:schemeClr val="bg1">
+                    <a:lumMod val="65000"/>
+                  </a:schemeClr>
+                </a:solidFill>
+              </a:rPr>
+              <a:t>Not "testing 101"</a:t>
+            </a:r>
+            <a:br>
+              <a:rPr lang="en-US" sz="4000" dirty="0" smtClean="0">
+                <a:solidFill>
+                  <a:schemeClr val="bg1">
+                    <a:lumMod val="65000"/>
+                  </a:schemeClr>
+                </a:solidFill>
+              </a:rPr>
+            </a:br>
+            <a:endParaRPr lang="en-US" sz="4000" dirty="0" smtClean="0">
+              <a:solidFill>
+                <a:schemeClr val="bg1">
+                  <a:lumMod val="65000"/>
+                </a:schemeClr>
+              </a:solidFill>
+            </a:endParaRPr>
+          </a:p>
+          <a:p>
+            <a:r>
+              <a:rPr lang="en-US" sz="4000" dirty="0" smtClean="0">
+                <a:solidFill>
+                  <a:schemeClr val="bg1">
+                    <a:lumMod val="65000"/>
+                  </a:schemeClr>
+                </a:solidFill>
+              </a:rPr>
+              <a:t>Not about mocking / stubbing</a:t>
+            </a:r>
+          </a:p>
+          <a:p>
+            <a:endParaRPr lang="en-US" sz="4000" dirty="0" smtClean="0">
+              <a:solidFill>
+                <a:schemeClr val="bg1">
+                  <a:lumMod val="65000"/>
+                </a:schemeClr>
+              </a:solidFill>
+            </a:endParaRPr>
+          </a:p>
+          <a:p>
+            <a:r>
+              <a:rPr lang="en-US" sz="4000" dirty="0" smtClean="0">
+                <a:solidFill>
+                  <a:schemeClr val="bg1">
+                    <a:lumMod val="65000"/>
+                  </a:schemeClr>
+                </a:solidFill>
+              </a:rPr>
+              <a:t>Not about specific framework or language</a:t>
+            </a:r>
+            <a:r>
+              <a:rPr lang="en-US" sz="4000" dirty="0" smtClean="0"/>
+              <a:t/>
+            </a:r>
+            <a:br>
+              <a:rPr lang="en-US" sz="4000" dirty="0" smtClean="0"/>
+            </a:br>
+            <a:endParaRPr lang="en-US" sz="4000" dirty="0" smtClean="0"/>
+          </a:p>
+          <a:p>
+            <a:r>
+              <a:rPr lang="en-US" sz="4000" b="1" dirty="0" smtClean="0"/>
+              <a:t>All about improving test setup</a:t>
+            </a:r>
+          </a:p>
+          <a:p>
+            <a:endParaRPr lang="en-US" sz="4000" dirty="0" smtClean="0"/>
+          </a:p>
+          <a:p>
+            <a:endParaRPr lang="en-US" dirty="0" smtClean="0"/>
+          </a:p>
+          <a:p>
+            <a:endParaRPr lang="en-US" dirty="0" smtClean="0"/>
+          </a:p>
+          <a:p>
+            <a:endParaRPr lang="en-US" dirty="0"/>
+          </a:p>
+        </p:txBody>
+      </p:sp>
+    </p:spTree>
+    <p:extLst>
+      <p:ext uri="{BB962C8B-B14F-4D97-AF65-F5344CB8AC3E}">
+        <p14:creationId xmlns:p14="http://schemas.microsoft.com/office/powerpoint/2010/main" val="2651230507"/>
+      </p:ext>
+    </p:extLst>
+  </p:cSld>
+  <p:clrMapOvr>
+    <a:masterClrMapping/>
+  </p:clrMapOvr>
+  <p:timing>
+    <p:tnLst>
+      <p:par>
+        <p:cTn id="1" dur="indefinite" restart="never" nodeType="tmRoot"/>
+      </p:par>
+    </p:tnLst>
+  </p:timing>
+</p:sld>
+</file>
+
+<file path=ppt/slides/slide70.xml><?xml version="1.0" encoding="utf-8"?>
 <p:sld xmlns:a="http://schemas.openxmlformats.org/drawingml/2006/main" xmlns:r="http://schemas.openxmlformats.org/officeDocument/2006/relationships" xmlns:p="http://schemas.openxmlformats.org/presentationml/2006/main">
   <p:cSld>
     <p:spTree>
@@ -29858,7 +29512,7 @@
 </p:sld>
 </file>
 
-<file path=ppt/slides/slide72.xml><?xml version="1.0" encoding="utf-8"?>
+<file path=ppt/slides/slide71.xml><?xml version="1.0" encoding="utf-8"?>
 <p:sld xmlns:a="http://schemas.openxmlformats.org/drawingml/2006/main" xmlns:r="http://schemas.openxmlformats.org/officeDocument/2006/relationships" xmlns:p="http://schemas.openxmlformats.org/presentationml/2006/main">
   <p:cSld>
     <p:spTree>
@@ -29982,7 +29636,7 @@
 </p:sld>
 </file>
 
-<file path=ppt/slides/slide73.xml><?xml version="1.0" encoding="utf-8"?>
+<file path=ppt/slides/slide72.xml><?xml version="1.0" encoding="utf-8"?>
 <p:sld xmlns:a="http://schemas.openxmlformats.org/drawingml/2006/main" xmlns:r="http://schemas.openxmlformats.org/officeDocument/2006/relationships" xmlns:p="http://schemas.openxmlformats.org/presentationml/2006/main">
   <p:cSld>
     <p:spTree>
@@ -30106,7 +29760,7 @@
 </p:sld>
 </file>
 
-<file path=ppt/slides/slide74.xml><?xml version="1.0" encoding="utf-8"?>
+<file path=ppt/slides/slide73.xml><?xml version="1.0" encoding="utf-8"?>
 <p:sld xmlns:a="http://schemas.openxmlformats.org/drawingml/2006/main" xmlns:r="http://schemas.openxmlformats.org/officeDocument/2006/relationships" xmlns:p="http://schemas.openxmlformats.org/presentationml/2006/main">
   <p:cSld>
     <p:spTree>
@@ -30230,6 +29884,129 @@
 </p:sld>
 </file>
 
+<file path=ppt/slides/slide74.xml><?xml version="1.0" encoding="utf-8"?>
+<p:sld xmlns:a="http://schemas.openxmlformats.org/drawingml/2006/main" xmlns:r="http://schemas.openxmlformats.org/officeDocument/2006/relationships" xmlns:p="http://schemas.openxmlformats.org/presentationml/2006/main">
+  <p:cSld>
+    <p:spTree>
+      <p:nvGrpSpPr>
+        <p:cNvPr id="1" name=""/>
+        <p:cNvGrpSpPr/>
+        <p:nvPr/>
+      </p:nvGrpSpPr>
+      <p:grpSpPr>
+        <a:xfrm>
+          <a:off x="0" y="0"/>
+          <a:ext cx="0" cy="0"/>
+          <a:chOff x="0" y="0"/>
+          <a:chExt cx="0" cy="0"/>
+        </a:xfrm>
+      </p:grpSpPr>
+      <p:sp>
+        <p:nvSpPr>
+          <p:cNvPr id="2" name="Title 1"/>
+          <p:cNvSpPr>
+            <a:spLocks noGrp="1"/>
+          </p:cNvSpPr>
+          <p:nvPr>
+            <p:ph type="title"/>
+          </p:nvPr>
+        </p:nvSpPr>
+        <p:spPr>
+          <a:xfrm>
+            <a:off x="838199" y="365125"/>
+            <a:ext cx="10857271" cy="1325563"/>
+          </a:xfrm>
+        </p:spPr>
+        <p:txBody>
+          <a:bodyPr>
+            <a:noAutofit/>
+          </a:bodyPr>
+          <a:lstStyle/>
+          <a:p>
+            <a:r>
+              <a:rPr lang="en-US" sz="4800" dirty="0" smtClean="0"/>
+              <a:t>Key #3: Use Scenarios to reuse setup logic</a:t>
+            </a:r>
+            <a:endParaRPr lang="en-US" sz="4800" dirty="0"/>
+          </a:p>
+        </p:txBody>
+      </p:sp>
+      <p:sp>
+        <p:nvSpPr>
+          <p:cNvPr id="3" name="Content Placeholder 2"/>
+          <p:cNvSpPr>
+            <a:spLocks noGrp="1"/>
+          </p:cNvSpPr>
+          <p:nvPr>
+            <p:ph idx="1"/>
+          </p:nvPr>
+        </p:nvSpPr>
+        <p:spPr>
+          <a:xfrm>
+            <a:off x="838199" y="1825625"/>
+            <a:ext cx="10621297" cy="4351338"/>
+          </a:xfrm>
+        </p:spPr>
+        <p:txBody>
+          <a:bodyPr>
+            <a:normAutofit/>
+          </a:bodyPr>
+          <a:lstStyle/>
+          <a:p>
+            <a:pPr marL="0" indent="0">
+              <a:buNone/>
+            </a:pPr>
+            <a:r>
+              <a:rPr lang="en-US" sz="4000" dirty="0" smtClean="0"/>
+              <a:t>Drawbacks and warnings</a:t>
+            </a:r>
+            <a:br>
+              <a:rPr lang="en-US" sz="4000" dirty="0" smtClean="0"/>
+            </a:br>
+            <a:endParaRPr lang="en-US" sz="4000" dirty="0" smtClean="0"/>
+          </a:p>
+          <a:p>
+            <a:r>
+              <a:rPr lang="en-US" sz="3600" dirty="0" smtClean="0"/>
+              <a:t>Need balance between specialization &amp; customization</a:t>
+            </a:r>
+            <a:br>
+              <a:rPr lang="en-US" sz="3600" dirty="0" smtClean="0"/>
+            </a:br>
+            <a:endParaRPr lang="en-US" sz="3600" dirty="0" smtClean="0"/>
+          </a:p>
+          <a:p>
+            <a:pPr marL="0" indent="0">
+              <a:buNone/>
+            </a:pPr>
+            <a:endParaRPr lang="en-US" dirty="0"/>
+          </a:p>
+          <a:p>
+            <a:pPr lvl="1"/>
+            <a:endParaRPr lang="en-US" dirty="0"/>
+          </a:p>
+        </p:txBody>
+      </p:sp>
+    </p:spTree>
+    <p:extLst>
+      <p:ext uri="{BB962C8B-B14F-4D97-AF65-F5344CB8AC3E}">
+        <p14:creationId xmlns:p14="http://schemas.microsoft.com/office/powerpoint/2010/main" val="726345518"/>
+      </p:ext>
+    </p:extLst>
+  </p:cSld>
+  <p:clrMapOvr>
+    <a:masterClrMapping/>
+  </p:clrMapOvr>
+  <p:timing>
+    <p:tnLst>
+      <p:par>
+        <p:cTn id="1" dur="indefinite" restart="never" nodeType="tmRoot"/>
+      </p:par>
+    </p:tnLst>
+  </p:timing>
+</p:sld>
+</file>
+
 <file path=ppt/slides/slide75.xml><?xml version="1.0" encoding="utf-8"?>
 <p:sld xmlns:a="http://schemas.openxmlformats.org/drawingml/2006/main" xmlns:r="http://schemas.openxmlformats.org/officeDocument/2006/relationships" xmlns:p="http://schemas.openxmlformats.org/presentationml/2006/main">
   <p:cSld>
@@ -30313,8 +30090,18 @@
           </a:p>
           <a:p>
             <a:r>
+              <a:rPr lang="en-US" sz="3600" dirty="0" smtClean="0">
+                <a:solidFill>
+                  <a:schemeClr val="bg1">
+                    <a:lumMod val="65000"/>
+                  </a:schemeClr>
+                </a:solidFill>
+              </a:rPr>
+              <a:t>Need balance between specialization &amp; customization</a:t>
+            </a:r>
+            <a:r>
               <a:rPr lang="en-US" sz="3600" dirty="0" smtClean="0"/>
-              <a:t>Need balance between specialization &amp; customization</a:t>
+              <a:t/>
             </a:r>
             <a:br>
               <a:rPr lang="en-US" sz="3600" dirty="0" smtClean="0"/>
@@ -30322,6 +30109,12 @@
             <a:endParaRPr lang="en-US" sz="3600" dirty="0" smtClean="0"/>
           </a:p>
           <a:p>
+            <a:r>
+              <a:rPr lang="en-US" sz="3600" dirty="0" smtClean="0"/>
+              <a:t>May indicate need for Façade pattern in core app</a:t>
+            </a:r>
+          </a:p>
+          <a:p>
             <a:pPr marL="0" indent="0">
               <a:buNone/>
             </a:pPr>
@@ -30336,7 +30129,7 @@
     </p:spTree>
     <p:extLst>
       <p:ext uri="{BB962C8B-B14F-4D97-AF65-F5344CB8AC3E}">
-        <p14:creationId xmlns:p14="http://schemas.microsoft.com/office/powerpoint/2010/main" val="726345518"/>
+        <p14:creationId xmlns:p14="http://schemas.microsoft.com/office/powerpoint/2010/main" val="1753949715"/>
       </p:ext>
     </p:extLst>
   </p:cSld>
@@ -30456,8 +30249,23 @@
           </a:p>
           <a:p>
             <a:r>
+              <a:rPr lang="en-US" sz="3600" dirty="0" smtClean="0">
+                <a:solidFill>
+                  <a:schemeClr val="bg1">
+                    <a:lumMod val="65000"/>
+                  </a:schemeClr>
+                </a:solidFill>
+              </a:rPr>
+              <a:t>May indicate need for Façade pattern in core app</a:t>
+            </a:r>
+          </a:p>
+          <a:p>
+            <a:endParaRPr lang="en-US" sz="3600" dirty="0" smtClean="0"/>
+          </a:p>
+          <a:p>
+            <a:r>
               <a:rPr lang="en-US" sz="3600" dirty="0" smtClean="0"/>
-              <a:t>May indicate need for Façade pattern in core app</a:t>
+              <a:t>Complex code begets complex setup</a:t>
             </a:r>
           </a:p>
           <a:p>
@@ -30475,7 +30283,7 @@
     </p:spTree>
     <p:extLst>
       <p:ext uri="{BB962C8B-B14F-4D97-AF65-F5344CB8AC3E}">
-        <p14:creationId xmlns:p14="http://schemas.microsoft.com/office/powerpoint/2010/main" val="1753949715"/>
+        <p14:creationId xmlns:p14="http://schemas.microsoft.com/office/powerpoint/2010/main" val="3554967869"/>
       </p:ext>
     </p:extLst>
   </p:cSld>
@@ -30521,8 +30329,8 @@
         </p:nvSpPr>
         <p:spPr>
           <a:xfrm>
-            <a:off x="838199" y="365125"/>
-            <a:ext cx="10857271" cy="1325563"/>
+            <a:off x="486697" y="2217960"/>
+            <a:ext cx="11371007" cy="2088569"/>
           </a:xfrm>
         </p:spPr>
         <p:txBody>
@@ -30531,105 +30339,41 @@
           </a:bodyPr>
           <a:lstStyle/>
           <a:p>
-            <a:r>
-              <a:rPr lang="en-US" sz="4800" dirty="0" smtClean="0"/>
-              <a:t>Key #3: Use Scenarios to reuse setup logic</a:t>
-            </a:r>
-            <a:endParaRPr lang="en-US" sz="4800" dirty="0"/>
-          </a:p>
-        </p:txBody>
-      </p:sp>
-      <p:sp>
-        <p:nvSpPr>
-          <p:cNvPr id="3" name="Content Placeholder 2"/>
-          <p:cNvSpPr>
-            <a:spLocks noGrp="1"/>
-          </p:cNvSpPr>
-          <p:nvPr>
-            <p:ph idx="1"/>
-          </p:nvPr>
-        </p:nvSpPr>
-        <p:spPr>
-          <a:xfrm>
-            <a:off x="838199" y="1825625"/>
-            <a:ext cx="10621297" cy="4351338"/>
-          </a:xfrm>
-        </p:spPr>
-        <p:txBody>
-          <a:bodyPr>
-            <a:normAutofit/>
-          </a:bodyPr>
-          <a:lstStyle/>
-          <a:p>
-            <a:pPr marL="0" indent="0">
-              <a:buNone/>
-            </a:pPr>
+            <a:pPr algn="ctr"/>
+            <a:r>
+              <a:rPr lang="en-US" sz="4800" u="sng" dirty="0" smtClean="0"/>
+              <a:t>Key Practice #4</a:t>
+            </a:r>
+            <a:br>
+              <a:rPr lang="en-US" sz="4800" u="sng" dirty="0" smtClean="0"/>
+            </a:br>
+            <a:r>
+              <a:rPr lang="en-US" sz="4800" u="sng" dirty="0" smtClean="0"/>
+              <a:t/>
+            </a:r>
+            <a:br>
+              <a:rPr lang="en-US" sz="4800" u="sng" dirty="0" smtClean="0"/>
+            </a:br>
             <a:r>
               <a:rPr lang="en-US" sz="4000" dirty="0" smtClean="0"/>
-              <a:t>Drawbacks and warnings</a:t>
-            </a:r>
-            <a:br>
+              <a:t>Same helpers for unit </a:t>
+            </a:r>
+            <a:r>
+              <a:rPr lang="en-US" sz="4000" i="1" dirty="0" smtClean="0"/>
+              <a:t>and </a:t>
+            </a:r>
+            <a:r>
               <a:rPr lang="en-US" sz="4000" dirty="0" smtClean="0"/>
-            </a:br>
-            <a:endParaRPr lang="en-US" sz="4000" dirty="0" smtClean="0"/>
-          </a:p>
-          <a:p>
-            <a:r>
-              <a:rPr lang="en-US" sz="3600" dirty="0" smtClean="0">
-                <a:solidFill>
-                  <a:schemeClr val="bg1">
-                    <a:lumMod val="65000"/>
-                  </a:schemeClr>
-                </a:solidFill>
-              </a:rPr>
-              <a:t>Need balance between specialization &amp; customization</a:t>
-            </a:r>
-            <a:r>
-              <a:rPr lang="en-US" sz="3600" dirty="0" smtClean="0"/>
-              <a:t/>
-            </a:r>
-            <a:br>
-              <a:rPr lang="en-US" sz="3600" dirty="0" smtClean="0"/>
-            </a:br>
-            <a:endParaRPr lang="en-US" sz="3600" dirty="0" smtClean="0"/>
-          </a:p>
-          <a:p>
-            <a:r>
-              <a:rPr lang="en-US" sz="3600" dirty="0" smtClean="0">
-                <a:solidFill>
-                  <a:schemeClr val="bg1">
-                    <a:lumMod val="65000"/>
-                  </a:schemeClr>
-                </a:solidFill>
-              </a:rPr>
-              <a:t>May indicate need for Façade pattern in core app</a:t>
-            </a:r>
-          </a:p>
-          <a:p>
-            <a:endParaRPr lang="en-US" sz="3600" dirty="0" smtClean="0"/>
-          </a:p>
-          <a:p>
-            <a:r>
-              <a:rPr lang="en-US" sz="3600" dirty="0" smtClean="0"/>
-              <a:t>Complex code begets complex setup</a:t>
-            </a:r>
-          </a:p>
-          <a:p>
-            <a:pPr marL="0" indent="0">
-              <a:buNone/>
-            </a:pPr>
-            <a:endParaRPr lang="en-US" dirty="0"/>
-          </a:p>
-          <a:p>
-            <a:pPr lvl="1"/>
-            <a:endParaRPr lang="en-US" dirty="0"/>
+              <a:t>integration tests</a:t>
+            </a:r>
+            <a:endParaRPr lang="en-US" sz="4000" dirty="0"/>
           </a:p>
         </p:txBody>
       </p:sp>
     </p:spTree>
     <p:extLst>
       <p:ext uri="{BB962C8B-B14F-4D97-AF65-F5344CB8AC3E}">
-        <p14:creationId xmlns:p14="http://schemas.microsoft.com/office/powerpoint/2010/main" val="3554967869"/>
+        <p14:creationId xmlns:p14="http://schemas.microsoft.com/office/powerpoint/2010/main" val="908458437"/>
       </p:ext>
     </p:extLst>
   </p:cSld>
@@ -30675,8 +30419,8 @@
         </p:nvSpPr>
         <p:spPr>
           <a:xfrm>
-            <a:off x="486697" y="2217960"/>
-            <a:ext cx="11371007" cy="2088569"/>
+            <a:off x="838199" y="365125"/>
+            <a:ext cx="10857271" cy="1325563"/>
           </a:xfrm>
         </p:spPr>
         <p:txBody>
@@ -30685,41 +30429,73 @@
           </a:bodyPr>
           <a:lstStyle/>
           <a:p>
-            <a:pPr algn="ctr"/>
-            <a:r>
-              <a:rPr lang="en-US" sz="4800" u="sng" dirty="0" smtClean="0"/>
-              <a:t>Key Practice #4</a:t>
-            </a:r>
-            <a:br>
-              <a:rPr lang="en-US" sz="4800" u="sng" dirty="0" smtClean="0"/>
-            </a:br>
-            <a:r>
-              <a:rPr lang="en-US" sz="4800" u="sng" dirty="0" smtClean="0"/>
-              <a:t/>
-            </a:r>
-            <a:br>
-              <a:rPr lang="en-US" sz="4800" u="sng" dirty="0" smtClean="0"/>
-            </a:br>
+            <a:r>
+              <a:rPr lang="en-US" sz="4800" dirty="0"/>
+              <a:t>Key </a:t>
+            </a:r>
+            <a:r>
+              <a:rPr lang="en-US" sz="4800" dirty="0" smtClean="0"/>
+              <a:t>#4: Integration tests</a:t>
+            </a:r>
+            <a:endParaRPr lang="en-US" sz="4800" dirty="0"/>
+          </a:p>
+        </p:txBody>
+      </p:sp>
+      <p:sp>
+        <p:nvSpPr>
+          <p:cNvPr id="3" name="Content Placeholder 2"/>
+          <p:cNvSpPr>
+            <a:spLocks noGrp="1"/>
+          </p:cNvSpPr>
+          <p:nvPr>
+            <p:ph idx="1"/>
+          </p:nvPr>
+        </p:nvSpPr>
+        <p:spPr>
+          <a:xfrm>
+            <a:off x="838199" y="1825625"/>
+            <a:ext cx="10621297" cy="4351338"/>
+          </a:xfrm>
+        </p:spPr>
+        <p:txBody>
+          <a:bodyPr>
+            <a:normAutofit/>
+          </a:bodyPr>
+          <a:lstStyle/>
+          <a:p>
             <a:r>
               <a:rPr lang="en-US" sz="4000" dirty="0" smtClean="0"/>
-              <a:t>Same helpers for unit </a:t>
-            </a:r>
-            <a:r>
-              <a:rPr lang="en-US" sz="4000" i="1" dirty="0" smtClean="0"/>
-              <a:t>and </a:t>
-            </a:r>
-            <a:r>
-              <a:rPr lang="en-US" sz="4000" dirty="0" smtClean="0"/>
-              <a:t>integration tests</a:t>
-            </a:r>
-            <a:endParaRPr lang="en-US" sz="4000" dirty="0"/>
+              <a:t>Foreign keys</a:t>
+            </a:r>
+          </a:p>
+          <a:p>
+            <a:pPr marL="0" indent="0">
+              <a:buNone/>
+            </a:pPr>
+            <a:endParaRPr lang="en-US" sz="3600" dirty="0" smtClean="0"/>
+          </a:p>
+          <a:p>
+            <a:pPr marL="0" indent="0">
+              <a:buNone/>
+            </a:pPr>
+            <a:endParaRPr lang="en-US" sz="3600" dirty="0" smtClean="0"/>
+          </a:p>
+          <a:p>
+            <a:pPr marL="0" indent="0">
+              <a:buNone/>
+            </a:pPr>
+            <a:endParaRPr lang="en-US" dirty="0"/>
+          </a:p>
+          <a:p>
+            <a:pPr lvl="1"/>
+            <a:endParaRPr lang="en-US" dirty="0"/>
           </a:p>
         </p:txBody>
       </p:sp>
     </p:spTree>
     <p:extLst>
       <p:ext uri="{BB962C8B-B14F-4D97-AF65-F5344CB8AC3E}">
-        <p14:creationId xmlns:p14="http://schemas.microsoft.com/office/powerpoint/2010/main" val="908458437"/>
+        <p14:creationId xmlns:p14="http://schemas.microsoft.com/office/powerpoint/2010/main" val="3501759557"/>
       </p:ext>
     </p:extLst>
   </p:cSld>
@@ -30781,9 +30557,12 @@
             </a:r>
             <a:r>
               <a:rPr lang="en-US" sz="4800" dirty="0" smtClean="0"/>
-              <a:t>#4: Integration tests</a:t>
-            </a:r>
-            <a:endParaRPr lang="en-US" sz="4800" dirty="0"/>
+              <a:t>#4: </a:t>
+            </a:r>
+            <a:r>
+              <a:rPr lang="en-US" sz="4800" dirty="0"/>
+              <a:t>Integration tests</a:t>
+            </a:r>
           </a:p>
         </p:txBody>
       </p:sp>
@@ -30800,7 +30579,7 @@
         <p:spPr>
           <a:xfrm>
             <a:off x="838199" y="1825625"/>
-            <a:ext cx="10621297" cy="4351338"/>
+            <a:ext cx="10621297" cy="4457188"/>
           </a:xfrm>
         </p:spPr>
         <p:txBody>
@@ -30810,9 +30589,41 @@
           <a:lstStyle/>
           <a:p>
             <a:r>
+              <a:rPr lang="en-US" sz="4000" dirty="0" smtClean="0">
+                <a:solidFill>
+                  <a:schemeClr val="bg1">
+                    <a:lumMod val="65000"/>
+                  </a:schemeClr>
+                </a:solidFill>
+              </a:rPr>
+              <a:t>Foreign keys</a:t>
+            </a:r>
+            <a:br>
+              <a:rPr lang="en-US" sz="4000" dirty="0" smtClean="0">
+                <a:solidFill>
+                  <a:schemeClr val="bg1">
+                    <a:lumMod val="65000"/>
+                  </a:schemeClr>
+                </a:solidFill>
+              </a:rPr>
+            </a:br>
+            <a:endParaRPr lang="en-US" sz="4000" dirty="0" smtClean="0">
+              <a:solidFill>
+                <a:schemeClr val="bg1">
+                  <a:lumMod val="65000"/>
+                </a:schemeClr>
+              </a:solidFill>
+            </a:endParaRPr>
+          </a:p>
+          <a:p>
+            <a:r>
               <a:rPr lang="en-US" sz="4000" dirty="0" smtClean="0"/>
-              <a:t>Foreign keys</a:t>
-            </a:r>
+              <a:t>Primary keys</a:t>
+            </a:r>
+            <a:br>
+              <a:rPr lang="en-US" sz="4000" dirty="0" smtClean="0"/>
+            </a:br>
+            <a:endParaRPr lang="en-US" sz="4000" dirty="0" smtClean="0"/>
           </a:p>
           <a:p>
             <a:pPr marL="0" indent="0">
@@ -30841,7 +30652,7 @@
     </p:spTree>
     <p:extLst>
       <p:ext uri="{BB962C8B-B14F-4D97-AF65-F5344CB8AC3E}">
-        <p14:creationId xmlns:p14="http://schemas.microsoft.com/office/powerpoint/2010/main" val="3501759557"/>
+        <p14:creationId xmlns:p14="http://schemas.microsoft.com/office/powerpoint/2010/main" val="251885141"/>
       </p:ext>
     </p:extLst>
   </p:cSld>
@@ -31000,8 +30811,8 @@
         </p:nvSpPr>
         <p:spPr>
           <a:xfrm>
-            <a:off x="838199" y="1825625"/>
-            <a:ext cx="10621297" cy="4457188"/>
+            <a:off x="838199" y="1825624"/>
+            <a:ext cx="10621297" cy="4501433"/>
           </a:xfrm>
         </p:spPr>
         <p:txBody>
@@ -31039,8 +30850,18 @@
           </a:p>
           <a:p>
             <a:r>
+              <a:rPr lang="en-US" sz="4000" dirty="0" smtClean="0">
+                <a:solidFill>
+                  <a:schemeClr val="bg1">
+                    <a:lumMod val="65000"/>
+                  </a:schemeClr>
+                </a:solidFill>
+              </a:rPr>
+              <a:t>Primary keys</a:t>
+            </a:r>
+            <a:r>
               <a:rPr lang="en-US" sz="4000" dirty="0" smtClean="0"/>
-              <a:t>Primary keys</a:t>
+              <a:t/>
             </a:r>
             <a:br>
               <a:rPr lang="en-US" sz="4000" dirty="0" smtClean="0"/>
@@ -31048,6 +30869,15 @@
             <a:endParaRPr lang="en-US" sz="4000" dirty="0" smtClean="0"/>
           </a:p>
           <a:p>
+            <a:r>
+              <a:rPr lang="en-US" sz="4000" dirty="0" smtClean="0"/>
+              <a:t>Column constraints</a:t>
+            </a:r>
+          </a:p>
+          <a:p>
+            <a:endParaRPr lang="en-US" sz="4000" dirty="0" smtClean="0"/>
+          </a:p>
+          <a:p>
             <a:pPr marL="0" indent="0">
               <a:buNone/>
             </a:pPr>
@@ -31074,7 +30904,7 @@
     </p:spTree>
     <p:extLst>
       <p:ext uri="{BB962C8B-B14F-4D97-AF65-F5344CB8AC3E}">
-        <p14:creationId xmlns:p14="http://schemas.microsoft.com/office/powerpoint/2010/main" val="251885141"/>
+        <p14:creationId xmlns:p14="http://schemas.microsoft.com/office/powerpoint/2010/main" val="3817477996"/>
       </p:ext>
     </p:extLst>
   </p:cSld>
@@ -31132,182 +30962,6 @@
           <a:p>
             <a:r>
               <a:rPr lang="en-US" sz="4800" dirty="0"/>
-              <a:t>Key </a:t>
-            </a:r>
-            <a:r>
-              <a:rPr lang="en-US" sz="4800" dirty="0" smtClean="0"/>
-              <a:t>#4: </a:t>
-            </a:r>
-            <a:r>
-              <a:rPr lang="en-US" sz="4800" dirty="0"/>
-              <a:t>Integration tests</a:t>
-            </a:r>
-          </a:p>
-        </p:txBody>
-      </p:sp>
-      <p:sp>
-        <p:nvSpPr>
-          <p:cNvPr id="3" name="Content Placeholder 2"/>
-          <p:cNvSpPr>
-            <a:spLocks noGrp="1"/>
-          </p:cNvSpPr>
-          <p:nvPr>
-            <p:ph idx="1"/>
-          </p:nvPr>
-        </p:nvSpPr>
-        <p:spPr>
-          <a:xfrm>
-            <a:off x="838199" y="1825624"/>
-            <a:ext cx="10621297" cy="4501433"/>
-          </a:xfrm>
-        </p:spPr>
-        <p:txBody>
-          <a:bodyPr>
-            <a:normAutofit/>
-          </a:bodyPr>
-          <a:lstStyle/>
-          <a:p>
-            <a:r>
-              <a:rPr lang="en-US" sz="4000" dirty="0" smtClean="0">
-                <a:solidFill>
-                  <a:schemeClr val="bg1">
-                    <a:lumMod val="65000"/>
-                  </a:schemeClr>
-                </a:solidFill>
-              </a:rPr>
-              <a:t>Foreign keys</a:t>
-            </a:r>
-            <a:br>
-              <a:rPr lang="en-US" sz="4000" dirty="0" smtClean="0">
-                <a:solidFill>
-                  <a:schemeClr val="bg1">
-                    <a:lumMod val="65000"/>
-                  </a:schemeClr>
-                </a:solidFill>
-              </a:rPr>
-            </a:br>
-            <a:endParaRPr lang="en-US" sz="4000" dirty="0" smtClean="0">
-              <a:solidFill>
-                <a:schemeClr val="bg1">
-                  <a:lumMod val="65000"/>
-                </a:schemeClr>
-              </a:solidFill>
-            </a:endParaRPr>
-          </a:p>
-          <a:p>
-            <a:r>
-              <a:rPr lang="en-US" sz="4000" dirty="0" smtClean="0">
-                <a:solidFill>
-                  <a:schemeClr val="bg1">
-                    <a:lumMod val="65000"/>
-                  </a:schemeClr>
-                </a:solidFill>
-              </a:rPr>
-              <a:t>Primary keys</a:t>
-            </a:r>
-            <a:r>
-              <a:rPr lang="en-US" sz="4000" dirty="0" smtClean="0"/>
-              <a:t/>
-            </a:r>
-            <a:br>
-              <a:rPr lang="en-US" sz="4000" dirty="0" smtClean="0"/>
-            </a:br>
-            <a:endParaRPr lang="en-US" sz="4000" dirty="0" smtClean="0"/>
-          </a:p>
-          <a:p>
-            <a:r>
-              <a:rPr lang="en-US" sz="4000" dirty="0" smtClean="0"/>
-              <a:t>Column constraints</a:t>
-            </a:r>
-          </a:p>
-          <a:p>
-            <a:endParaRPr lang="en-US" sz="4000" dirty="0" smtClean="0"/>
-          </a:p>
-          <a:p>
-            <a:pPr marL="0" indent="0">
-              <a:buNone/>
-            </a:pPr>
-            <a:endParaRPr lang="en-US" sz="3600" dirty="0" smtClean="0"/>
-          </a:p>
-          <a:p>
-            <a:pPr marL="0" indent="0">
-              <a:buNone/>
-            </a:pPr>
-            <a:endParaRPr lang="en-US" sz="3600" dirty="0" smtClean="0"/>
-          </a:p>
-          <a:p>
-            <a:pPr marL="0" indent="0">
-              <a:buNone/>
-            </a:pPr>
-            <a:endParaRPr lang="en-US" dirty="0"/>
-          </a:p>
-          <a:p>
-            <a:pPr lvl="1"/>
-            <a:endParaRPr lang="en-US" dirty="0"/>
-          </a:p>
-        </p:txBody>
-      </p:sp>
-    </p:spTree>
-    <p:extLst>
-      <p:ext uri="{BB962C8B-B14F-4D97-AF65-F5344CB8AC3E}">
-        <p14:creationId xmlns:p14="http://schemas.microsoft.com/office/powerpoint/2010/main" val="3817477996"/>
-      </p:ext>
-    </p:extLst>
-  </p:cSld>
-  <p:clrMapOvr>
-    <a:masterClrMapping/>
-  </p:clrMapOvr>
-  <p:timing>
-    <p:tnLst>
-      <p:par>
-        <p:cTn id="1" dur="indefinite" restart="never" nodeType="tmRoot"/>
-      </p:par>
-    </p:tnLst>
-  </p:timing>
-</p:sld>
-</file>
-
-<file path=ppt/slides/slide82.xml><?xml version="1.0" encoding="utf-8"?>
-<p:sld xmlns:a="http://schemas.openxmlformats.org/drawingml/2006/main" xmlns:r="http://schemas.openxmlformats.org/officeDocument/2006/relationships" xmlns:p="http://schemas.openxmlformats.org/presentationml/2006/main">
-  <p:cSld>
-    <p:spTree>
-      <p:nvGrpSpPr>
-        <p:cNvPr id="1" name=""/>
-        <p:cNvGrpSpPr/>
-        <p:nvPr/>
-      </p:nvGrpSpPr>
-      <p:grpSpPr>
-        <a:xfrm>
-          <a:off x="0" y="0"/>
-          <a:ext cx="0" cy="0"/>
-          <a:chOff x="0" y="0"/>
-          <a:chExt cx="0" cy="0"/>
-        </a:xfrm>
-      </p:grpSpPr>
-      <p:sp>
-        <p:nvSpPr>
-          <p:cNvPr id="2" name="Title 1"/>
-          <p:cNvSpPr>
-            <a:spLocks noGrp="1"/>
-          </p:cNvSpPr>
-          <p:nvPr>
-            <p:ph type="title"/>
-          </p:nvPr>
-        </p:nvSpPr>
-        <p:spPr>
-          <a:xfrm>
-            <a:off x="838199" y="365125"/>
-            <a:ext cx="10857271" cy="1325563"/>
-          </a:xfrm>
-        </p:spPr>
-        <p:txBody>
-          <a:bodyPr>
-            <a:noAutofit/>
-          </a:bodyPr>
-          <a:lstStyle/>
-          <a:p>
-            <a:r>
-              <a:rPr lang="en-US" sz="4800" dirty="0"/>
               <a:t>Key #4: Integration tests</a:t>
             </a:r>
           </a:p>
@@ -31455,7 +31109,7 @@
 </p:sld>
 </file>
 
-<file path=ppt/slides/slide83.xml><?xml version="1.0" encoding="utf-8"?>
+<file path=ppt/slides/slide82.xml><?xml version="1.0" encoding="utf-8"?>
 <p:sld xmlns:a="http://schemas.openxmlformats.org/drawingml/2006/main" xmlns:r="http://schemas.openxmlformats.org/officeDocument/2006/relationships" xmlns:p="http://schemas.openxmlformats.org/presentationml/2006/main">
   <p:cSld>
     <p:spTree>
@@ -31548,7 +31202,7 @@
 </p:sld>
 </file>
 
-<file path=ppt/slides/slide84.xml><?xml version="1.0" encoding="utf-8"?>
+<file path=ppt/slides/slide83.xml><?xml version="1.0" encoding="utf-8"?>
 <p:sld xmlns:a="http://schemas.openxmlformats.org/drawingml/2006/main" xmlns:r="http://schemas.openxmlformats.org/officeDocument/2006/relationships" xmlns:p="http://schemas.openxmlformats.org/presentationml/2006/main">
   <p:cSld>
     <p:spTree>
@@ -31641,7 +31295,7 @@
 </p:sld>
 </file>
 
-<file path=ppt/slides/slide85.xml><?xml version="1.0" encoding="utf-8"?>
+<file path=ppt/slides/slide84.xml><?xml version="1.0" encoding="utf-8"?>
 <p:sld xmlns:a="http://schemas.openxmlformats.org/drawingml/2006/main" xmlns:r="http://schemas.openxmlformats.org/officeDocument/2006/relationships" xmlns:p="http://schemas.openxmlformats.org/presentationml/2006/main">
   <p:cSld>
     <p:spTree>
@@ -31769,7 +31423,7 @@
 </p:sld>
 </file>
 
-<file path=ppt/slides/slide86.xml><?xml version="1.0" encoding="utf-8"?>
+<file path=ppt/slides/slide85.xml><?xml version="1.0" encoding="utf-8"?>
 <p:sld xmlns:a="http://schemas.openxmlformats.org/drawingml/2006/main" xmlns:r="http://schemas.openxmlformats.org/officeDocument/2006/relationships" xmlns:p="http://schemas.openxmlformats.org/presentationml/2006/main">
   <p:cSld>
     <p:spTree>
@@ -31897,7 +31551,7 @@
 </p:sld>
 </file>
 
-<file path=ppt/slides/slide87.xml><?xml version="1.0" encoding="utf-8"?>
+<file path=ppt/slides/slide86.xml><?xml version="1.0" encoding="utf-8"?>
 <p:sld xmlns:a="http://schemas.openxmlformats.org/drawingml/2006/main" xmlns:r="http://schemas.openxmlformats.org/officeDocument/2006/relationships" xmlns:p="http://schemas.openxmlformats.org/presentationml/2006/main">
   <p:cSld>
     <p:spTree>
@@ -32025,7 +31679,7 @@
 </p:sld>
 </file>
 
-<file path=ppt/slides/slide88.xml><?xml version="1.0" encoding="utf-8"?>
+<file path=ppt/slides/slide87.xml><?xml version="1.0" encoding="utf-8"?>
 <p:sld xmlns:a="http://schemas.openxmlformats.org/drawingml/2006/main" xmlns:r="http://schemas.openxmlformats.org/officeDocument/2006/relationships" xmlns:p="http://schemas.openxmlformats.org/presentationml/2006/main">
   <p:cSld>
     <p:spTree>
@@ -32162,7 +31816,7 @@
 </p:sld>
 </file>
 
-<file path=ppt/slides/slide89.xml><?xml version="1.0" encoding="utf-8"?>
+<file path=ppt/slides/slide88.xml><?xml version="1.0" encoding="utf-8"?>
 <p:sld xmlns:a="http://schemas.openxmlformats.org/drawingml/2006/main" xmlns:r="http://schemas.openxmlformats.org/officeDocument/2006/relationships" xmlns:p="http://schemas.openxmlformats.org/presentationml/2006/main">
   <p:cSld>
     <p:spTree>
@@ -32248,83 +31902,7 @@
 </p:sld>
 </file>
 
-<file path=ppt/slides/slide9.xml><?xml version="1.0" encoding="utf-8"?>
-<p:sld xmlns:a="http://schemas.openxmlformats.org/drawingml/2006/main" xmlns:r="http://schemas.openxmlformats.org/officeDocument/2006/relationships" xmlns:p="http://schemas.openxmlformats.org/presentationml/2006/main">
-  <p:cSld>
-    <p:spTree>
-      <p:nvGrpSpPr>
-        <p:cNvPr id="1" name=""/>
-        <p:cNvGrpSpPr/>
-        <p:nvPr/>
-      </p:nvGrpSpPr>
-      <p:grpSpPr>
-        <a:xfrm>
-          <a:off x="0" y="0"/>
-          <a:ext cx="0" cy="0"/>
-          <a:chOff x="0" y="0"/>
-          <a:chExt cx="0" cy="0"/>
-        </a:xfrm>
-      </p:grpSpPr>
-      <p:sp>
-        <p:nvSpPr>
-          <p:cNvPr id="2" name="Title 1"/>
-          <p:cNvSpPr>
-            <a:spLocks noGrp="1"/>
-          </p:cNvSpPr>
-          <p:nvPr>
-            <p:ph type="title"/>
-          </p:nvPr>
-        </p:nvSpPr>
-        <p:spPr>
-          <a:xfrm>
-            <a:off x="905934" y="2380192"/>
-            <a:ext cx="10515600" cy="1325563"/>
-          </a:xfrm>
-        </p:spPr>
-        <p:txBody>
-          <a:bodyPr>
-            <a:normAutofit/>
-          </a:bodyPr>
-          <a:lstStyle/>
-          <a:p>
-            <a:pPr algn="ctr"/>
-            <a:r>
-              <a:rPr lang="en-US" sz="4800" dirty="0" smtClean="0"/>
-              <a:t>Why is test setup</a:t>
-            </a:r>
-            <a:r>
-              <a:rPr lang="en-US" sz="4800" dirty="0"/>
-              <a:t> </a:t>
-            </a:r>
-            <a:r>
-              <a:rPr lang="en-US" sz="4800" dirty="0" smtClean="0"/>
-              <a:t>so important?</a:t>
-            </a:r>
-            <a:endParaRPr lang="en-US" sz="4800" dirty="0"/>
-          </a:p>
-        </p:txBody>
-      </p:sp>
-    </p:spTree>
-    <p:extLst>
-      <p:ext uri="{BB962C8B-B14F-4D97-AF65-F5344CB8AC3E}">
-        <p14:creationId xmlns:p14="http://schemas.microsoft.com/office/powerpoint/2010/main" val="3988240435"/>
-      </p:ext>
-    </p:extLst>
-  </p:cSld>
-  <p:clrMapOvr>
-    <a:masterClrMapping/>
-  </p:clrMapOvr>
-  <p:timing>
-    <p:tnLst>
-      <p:par>
-        <p:cTn id="1" dur="indefinite" restart="never" nodeType="tmRoot"/>
-      </p:par>
-    </p:tnLst>
-  </p:timing>
-</p:sld>
-</file>
-
-<file path=ppt/slides/slide90.xml><?xml version="1.0" encoding="utf-8"?>
+<file path=ppt/slides/slide89.xml><?xml version="1.0" encoding="utf-8"?>
 <p:sld xmlns:a="http://schemas.openxmlformats.org/drawingml/2006/main" xmlns:r="http://schemas.openxmlformats.org/officeDocument/2006/relationships" xmlns:p="http://schemas.openxmlformats.org/presentationml/2006/main">
   <p:cSld>
     <p:spTree>
@@ -32385,7 +31963,83 @@
 </p:sld>
 </file>
 
-<file path=ppt/slides/slide91.xml><?xml version="1.0" encoding="utf-8"?>
+<file path=ppt/slides/slide9.xml><?xml version="1.0" encoding="utf-8"?>
+<p:sld xmlns:a="http://schemas.openxmlformats.org/drawingml/2006/main" xmlns:r="http://schemas.openxmlformats.org/officeDocument/2006/relationships" xmlns:p="http://schemas.openxmlformats.org/presentationml/2006/main">
+  <p:cSld>
+    <p:spTree>
+      <p:nvGrpSpPr>
+        <p:cNvPr id="1" name=""/>
+        <p:cNvGrpSpPr/>
+        <p:nvPr/>
+      </p:nvGrpSpPr>
+      <p:grpSpPr>
+        <a:xfrm>
+          <a:off x="0" y="0"/>
+          <a:ext cx="0" cy="0"/>
+          <a:chOff x="0" y="0"/>
+          <a:chExt cx="0" cy="0"/>
+        </a:xfrm>
+      </p:grpSpPr>
+      <p:sp>
+        <p:nvSpPr>
+          <p:cNvPr id="2" name="Title 1"/>
+          <p:cNvSpPr>
+            <a:spLocks noGrp="1"/>
+          </p:cNvSpPr>
+          <p:nvPr>
+            <p:ph type="title"/>
+          </p:nvPr>
+        </p:nvSpPr>
+        <p:spPr>
+          <a:xfrm>
+            <a:off x="905934" y="2380192"/>
+            <a:ext cx="10515600" cy="1325563"/>
+          </a:xfrm>
+        </p:spPr>
+        <p:txBody>
+          <a:bodyPr>
+            <a:normAutofit/>
+          </a:bodyPr>
+          <a:lstStyle/>
+          <a:p>
+            <a:pPr algn="ctr"/>
+            <a:r>
+              <a:rPr lang="en-US" sz="4800" dirty="0" smtClean="0"/>
+              <a:t>Why is test setup</a:t>
+            </a:r>
+            <a:r>
+              <a:rPr lang="en-US" sz="4800" dirty="0"/>
+              <a:t> </a:t>
+            </a:r>
+            <a:r>
+              <a:rPr lang="en-US" sz="4800" dirty="0" smtClean="0"/>
+              <a:t>so important?</a:t>
+            </a:r>
+            <a:endParaRPr lang="en-US" sz="4800" dirty="0"/>
+          </a:p>
+        </p:txBody>
+      </p:sp>
+    </p:spTree>
+    <p:extLst>
+      <p:ext uri="{BB962C8B-B14F-4D97-AF65-F5344CB8AC3E}">
+        <p14:creationId xmlns:p14="http://schemas.microsoft.com/office/powerpoint/2010/main" val="3988240435"/>
+      </p:ext>
+    </p:extLst>
+  </p:cSld>
+  <p:clrMapOvr>
+    <a:masterClrMapping/>
+  </p:clrMapOvr>
+  <p:timing>
+    <p:tnLst>
+      <p:par>
+        <p:cTn id="1" dur="indefinite" restart="never" nodeType="tmRoot"/>
+      </p:par>
+    </p:tnLst>
+  </p:timing>
+</p:sld>
+</file>
+
+<file path=ppt/slides/slide90.xml><?xml version="1.0" encoding="utf-8"?>
 <p:sld xmlns:a="http://schemas.openxmlformats.org/drawingml/2006/main" xmlns:r="http://schemas.openxmlformats.org/officeDocument/2006/relationships" xmlns:p="http://schemas.openxmlformats.org/presentationml/2006/main">
   <p:cSld>
     <p:spTree>
@@ -32446,7 +32100,7 @@
 </p:sld>
 </file>
 
-<file path=ppt/slides/slide92.xml><?xml version="1.0" encoding="utf-8"?>
+<file path=ppt/slides/slide91.xml><?xml version="1.0" encoding="utf-8"?>
 <p:sld xmlns:a="http://schemas.openxmlformats.org/drawingml/2006/main" xmlns:r="http://schemas.openxmlformats.org/officeDocument/2006/relationships" xmlns:p="http://schemas.openxmlformats.org/presentationml/2006/main">
   <p:cSld>
     <p:spTree>
@@ -32556,7 +32210,7 @@
 </p:sld>
 </file>
 
-<file path=ppt/slides/slide93.xml><?xml version="1.0" encoding="utf-8"?>
+<file path=ppt/slides/slide92.xml><?xml version="1.0" encoding="utf-8"?>
 <p:sld xmlns:a="http://schemas.openxmlformats.org/drawingml/2006/main" xmlns:r="http://schemas.openxmlformats.org/officeDocument/2006/relationships" xmlns:p="http://schemas.openxmlformats.org/presentationml/2006/main">
   <p:cSld>
     <p:spTree>
@@ -32710,7 +32364,7 @@
 </p:sld>
 </file>
 
-<file path=ppt/slides/slide94.xml><?xml version="1.0" encoding="utf-8"?>
+<file path=ppt/slides/slide93.xml><?xml version="1.0" encoding="utf-8"?>
 <p:sld xmlns:a="http://schemas.openxmlformats.org/drawingml/2006/main" xmlns:r="http://schemas.openxmlformats.org/officeDocument/2006/relationships" xmlns:p="http://schemas.openxmlformats.org/presentationml/2006/main">
   <p:cSld>
     <p:spTree>

--- a/POETS - CodeMash 2017.pptx
+++ b/POETS - CodeMash 2017.pptx
@@ -5,7 +5,7 @@
     <p:sldMasterId id="2147483749" r:id="rId1"/>
   </p:sldMasterIdLst>
   <p:notesMasterIdLst>
-    <p:notesMasterId r:id="rId95"/>
+    <p:notesMasterId r:id="rId96"/>
   </p:notesMasterIdLst>
   <p:sldIdLst>
     <p:sldId id="395" r:id="rId2"/>
@@ -94,13 +94,14 @@
     <p:sldId id="384" r:id="rId85"/>
     <p:sldId id="385" r:id="rId86"/>
     <p:sldId id="386" r:id="rId87"/>
-    <p:sldId id="343" r:id="rId88"/>
-    <p:sldId id="389" r:id="rId89"/>
-    <p:sldId id="390" r:id="rId90"/>
-    <p:sldId id="391" r:id="rId91"/>
-    <p:sldId id="273" r:id="rId92"/>
-    <p:sldId id="441" r:id="rId93"/>
-    <p:sldId id="443" r:id="rId94"/>
+    <p:sldId id="486" r:id="rId88"/>
+    <p:sldId id="343" r:id="rId89"/>
+    <p:sldId id="389" r:id="rId90"/>
+    <p:sldId id="390" r:id="rId91"/>
+    <p:sldId id="391" r:id="rId92"/>
+    <p:sldId id="273" r:id="rId93"/>
+    <p:sldId id="441" r:id="rId94"/>
+    <p:sldId id="443" r:id="rId95"/>
   </p:sldIdLst>
   <p:sldSz cx="12192000" cy="6858000"/>
   <p:notesSz cx="6858000" cy="9144000"/>
@@ -12369,16 +12370,16 @@
           <a:lstStyle/>
           <a:p>
             <a:r>
-              <a:rPr lang="en-US" sz="1200" kern="1200" smtClean="0">
-                <a:solidFill>
-                  <a:schemeClr val="tx1"/>
-                </a:solidFill>
-                <a:effectLst/>
-                <a:latin typeface="+mn-lt"/>
-                <a:ea typeface="+mn-ea"/>
-                <a:cs typeface="+mn-cs"/>
-              </a:rPr>
-              <a:t>Also, remember that Scenarios are helpful because they simplify the coordination of multiple related objects into a single abstraction. If you need a lot of Scenarios, that might be a code smell indicating that you should simplify your main application code instead. </a:t>
+              <a:rPr lang="en-US" sz="1200" kern="1200" dirty="0" smtClean="0">
+                <a:solidFill>
+                  <a:schemeClr val="tx1"/>
+                </a:solidFill>
+                <a:effectLst/>
+                <a:latin typeface="+mn-lt"/>
+                <a:ea typeface="+mn-ea"/>
+                <a:cs typeface="+mn-cs"/>
+              </a:rPr>
+              <a:t>Put another way, complex code begets complex setup. </a:t>
             </a:r>
           </a:p>
           <a:p>
@@ -12403,56 +12404,19 @@
                 <a:ea typeface="+mn-ea"/>
                 <a:cs typeface="+mn-cs"/>
               </a:rPr>
-              <a:t>For instance, in that e-commerce example I just showed you, I had to set up an Order, and Customer, and some Line Items, and I had to wire all that stuff together so that I could test code that deals with all of those objects. If I find myself doing that a lot, then maybe there’s the need for some kind of flattened, simplified “Order Summary” object in the main app. </a:t>
-            </a:r>
-          </a:p>
-          <a:p>
-            <a:endParaRPr lang="en-US" sz="1200" kern="1200" smtClean="0">
-              <a:solidFill>
-                <a:schemeClr val="tx1"/>
-              </a:solidFill>
-              <a:effectLst/>
-              <a:latin typeface="+mn-lt"/>
-              <a:ea typeface="+mn-ea"/>
-              <a:cs typeface="+mn-cs"/>
-            </a:endParaRPr>
-          </a:p>
-          <a:p>
-            <a:r>
-              <a:rPr lang="en-US" sz="1200" kern="1200" smtClean="0">
-                <a:solidFill>
-                  <a:schemeClr val="tx1"/>
-                </a:solidFill>
-                <a:effectLst/>
-                <a:latin typeface="+mn-lt"/>
-                <a:ea typeface="+mn-ea"/>
-                <a:cs typeface="+mn-cs"/>
-              </a:rPr>
-              <a:t>And generally speaking, anything that you do to SIMPLIFY YOUR MAIN AP</a:t>
-            </a:r>
-            <a:r>
-              <a:rPr lang="en-US" sz="1200" kern="1200" baseline="0" smtClean="0">
-                <a:solidFill>
-                  <a:schemeClr val="tx1"/>
-                </a:solidFill>
-                <a:effectLst/>
-                <a:latin typeface="+mn-lt"/>
-                <a:ea typeface="+mn-ea"/>
-                <a:cs typeface="+mn-cs"/>
-              </a:rPr>
-              <a:t>P </a:t>
-            </a:r>
-            <a:r>
-              <a:rPr lang="en-US" sz="1200" kern="1200" smtClean="0">
-                <a:solidFill>
-                  <a:schemeClr val="tx1"/>
-                </a:solidFill>
-                <a:effectLst/>
-                <a:latin typeface="+mn-lt"/>
-                <a:ea typeface="+mn-ea"/>
-                <a:cs typeface="+mn-cs"/>
-              </a:rPr>
-              <a:t>will also simplify your tests.</a:t>
+              <a:t>If </a:t>
+            </a:r>
+            <a:r>
+              <a:rPr lang="en-US" sz="1200" kern="1200" dirty="0" smtClean="0">
+                <a:solidFill>
+                  <a:schemeClr val="tx1"/>
+                </a:solidFill>
+                <a:effectLst/>
+                <a:latin typeface="+mn-lt"/>
+                <a:ea typeface="+mn-ea"/>
+                <a:cs typeface="+mn-cs"/>
+              </a:rPr>
+              <a:t>you find yourself doing a lot of stuff in your test projects to compensate for complexity in your application code, try to simplify the app first. Scenario objects are great tools, but it’s even better to not need them.</a:t>
             </a:r>
             <a:endParaRPr lang="en-US" sz="1200" kern="1200" dirty="0">
               <a:solidFill>
@@ -14291,6 +14255,23 @@
             </a:r>
           </a:p>
           <a:p>
+            <a:pPr marL="0" marR="0" lvl="0" indent="0" algn="l" defTabSz="914400" rtl="0" eaLnBrk="1" fontAlgn="auto" latinLnBrk="0" hangingPunct="1">
+              <a:lnSpc>
+                <a:spcPct val="100000"/>
+              </a:lnSpc>
+              <a:spcBef>
+                <a:spcPts val="0"/>
+              </a:spcBef>
+              <a:spcAft>
+                <a:spcPts val="0"/>
+              </a:spcAft>
+              <a:buClrTx/>
+              <a:buSzTx/>
+              <a:buFontTx/>
+              <a:buNone/>
+              <a:tabLst/>
+              <a:defRPr/>
+            </a:pPr>
             <a:endParaRPr lang="en-US" sz="1200" kern="1200" dirty="0" smtClean="0">
               <a:solidFill>
                 <a:schemeClr val="tx1"/>
@@ -14302,6 +14283,23 @@
             </a:endParaRPr>
           </a:p>
           <a:p>
+            <a:pPr marL="0" marR="0" lvl="0" indent="0" algn="l" defTabSz="914400" rtl="0" eaLnBrk="1" fontAlgn="auto" latinLnBrk="0" hangingPunct="1">
+              <a:lnSpc>
+                <a:spcPct val="100000"/>
+              </a:lnSpc>
+              <a:spcBef>
+                <a:spcPts val="0"/>
+              </a:spcBef>
+              <a:spcAft>
+                <a:spcPts val="0"/>
+              </a:spcAft>
+              <a:buClrTx/>
+              <a:buSzTx/>
+              <a:buFontTx/>
+              <a:buNone/>
+              <a:tabLst/>
+              <a:defRPr/>
+            </a:pPr>
             <a:r>
               <a:rPr lang="en-US" sz="1200" kern="1200" dirty="0" smtClean="0">
                 <a:solidFill>
@@ -14312,22 +14310,44 @@
                 <a:ea typeface="+mn-ea"/>
                 <a:cs typeface="+mn-cs"/>
               </a:rPr>
-              <a:t>If you follow this pattern then you can basically write a bunch of unit tests with in-memory data, copy and paste the setup code from one of them into an integration test, add a few calls to this Save method, and you’re done. It’s pretty sweet when it comes together</a:t>
-            </a:r>
-            <a:r>
-              <a:rPr lang="en-US" sz="1200" kern="1200" dirty="0" smtClean="0">
-                <a:solidFill>
-                  <a:schemeClr val="tx1"/>
-                </a:solidFill>
-                <a:effectLst/>
-                <a:latin typeface="+mn-lt"/>
-                <a:ea typeface="+mn-ea"/>
-                <a:cs typeface="+mn-cs"/>
-              </a:rPr>
-              <a:t>.</a:t>
-            </a:r>
-          </a:p>
-          <a:p>
+              <a:t>In</a:t>
+            </a:r>
+            <a:r>
+              <a:rPr lang="en-US" sz="1200" kern="1200" baseline="0" dirty="0" smtClean="0">
+                <a:solidFill>
+                  <a:schemeClr val="tx1"/>
+                </a:solidFill>
+                <a:effectLst/>
+                <a:latin typeface="+mn-lt"/>
+                <a:ea typeface="+mn-ea"/>
+                <a:cs typeface="+mn-cs"/>
+              </a:rPr>
+              <a:t> addition to managing primary keys with the </a:t>
+            </a:r>
+            <a:r>
+              <a:rPr lang="en-US" sz="1200" kern="1200" baseline="0" dirty="0" err="1" smtClean="0">
+                <a:solidFill>
+                  <a:schemeClr val="tx1"/>
+                </a:solidFill>
+                <a:effectLst/>
+                <a:latin typeface="+mn-lt"/>
+                <a:ea typeface="+mn-ea"/>
+                <a:cs typeface="+mn-cs"/>
+              </a:rPr>
+              <a:t>IdSequencer</a:t>
+            </a:r>
+            <a:r>
+              <a:rPr lang="en-US" sz="1200" kern="1200" baseline="0" dirty="0" smtClean="0">
+                <a:solidFill>
+                  <a:schemeClr val="tx1"/>
+                </a:solidFill>
+                <a:effectLst/>
+                <a:latin typeface="+mn-lt"/>
+                <a:ea typeface="+mn-ea"/>
+                <a:cs typeface="+mn-cs"/>
+              </a:rPr>
+              <a:t>, the main benefit of using helpers to save these objects, rather than calling ORM directly, is that it gives you extension points to add test-specific logic. It doesn't happen a lot, but there are times when I need to massage test data in a certain way before saving it. Having this wrapper in place gives a consistent place to do that.</a:t>
+            </a:r>
             <a:endParaRPr lang="en-US" sz="1200" kern="1200" dirty="0" smtClean="0">
               <a:solidFill>
                 <a:schemeClr val="tx1"/>
@@ -14339,54 +14359,6 @@
             </a:endParaRPr>
           </a:p>
           <a:p>
-            <a:r>
-              <a:rPr lang="en-US" sz="1200" kern="1200" dirty="0" smtClean="0">
-                <a:solidFill>
-                  <a:schemeClr val="tx1"/>
-                </a:solidFill>
-                <a:effectLst/>
-                <a:latin typeface="+mn-lt"/>
-                <a:ea typeface="+mn-ea"/>
-                <a:cs typeface="+mn-cs"/>
-              </a:rPr>
-              <a:t>In</a:t>
-            </a:r>
-            <a:r>
-              <a:rPr lang="en-US" sz="1200" kern="1200" baseline="0" dirty="0" smtClean="0">
-                <a:solidFill>
-                  <a:schemeClr val="tx1"/>
-                </a:solidFill>
-                <a:effectLst/>
-                <a:latin typeface="+mn-lt"/>
-                <a:ea typeface="+mn-ea"/>
-                <a:cs typeface="+mn-cs"/>
-              </a:rPr>
-              <a:t> addition to managing primary keys with the </a:t>
-            </a:r>
-            <a:r>
-              <a:rPr lang="en-US" sz="1200" kern="1200" baseline="0" dirty="0" err="1" smtClean="0">
-                <a:solidFill>
-                  <a:schemeClr val="tx1"/>
-                </a:solidFill>
-                <a:effectLst/>
-                <a:latin typeface="+mn-lt"/>
-                <a:ea typeface="+mn-ea"/>
-                <a:cs typeface="+mn-cs"/>
-              </a:rPr>
-              <a:t>IdSequencer</a:t>
-            </a:r>
-            <a:r>
-              <a:rPr lang="en-US" sz="1200" kern="1200" baseline="0" dirty="0" smtClean="0">
-                <a:solidFill>
-                  <a:schemeClr val="tx1"/>
-                </a:solidFill>
-                <a:effectLst/>
-                <a:latin typeface="+mn-lt"/>
-                <a:ea typeface="+mn-ea"/>
-                <a:cs typeface="+mn-cs"/>
-              </a:rPr>
-              <a:t>, the main benefit of using your helpers to save these objects, rather than just calling the ORM directly in your test, is that it gives you extension points to add test-specific logic. It doesn't happen a lot, but there are certainly times when I need to massage the test data in a certain way before saving it. Having this wrapper in place gives me a consistent place to do that.</a:t>
-            </a:r>
             <a:endParaRPr lang="en-US" sz="1200" kern="1200" dirty="0" smtClean="0">
               <a:solidFill>
                 <a:schemeClr val="tx1"/>
@@ -14398,6 +14370,102 @@
             </a:endParaRPr>
           </a:p>
           <a:p>
+            <a:r>
+              <a:rPr lang="en-US" sz="1200" kern="1200" dirty="0" smtClean="0">
+                <a:solidFill>
+                  <a:schemeClr val="tx1"/>
+                </a:solidFill>
+                <a:effectLst/>
+                <a:latin typeface="+mn-lt"/>
+                <a:ea typeface="+mn-ea"/>
+                <a:cs typeface="+mn-cs"/>
+              </a:rPr>
+              <a:t>Also,</a:t>
+            </a:r>
+            <a:r>
+              <a:rPr lang="en-US" sz="1200" kern="1200" baseline="0" dirty="0" smtClean="0">
+                <a:solidFill>
+                  <a:schemeClr val="tx1"/>
+                </a:solidFill>
+                <a:effectLst/>
+                <a:latin typeface="+mn-lt"/>
+                <a:ea typeface="+mn-ea"/>
+                <a:cs typeface="+mn-cs"/>
+              </a:rPr>
+              <a:t> </a:t>
+            </a:r>
+            <a:r>
+              <a:rPr lang="en-US" sz="1200" kern="1200" dirty="0" smtClean="0">
+                <a:solidFill>
+                  <a:schemeClr val="tx1"/>
+                </a:solidFill>
+                <a:effectLst/>
+                <a:latin typeface="+mn-lt"/>
+                <a:ea typeface="+mn-ea"/>
+                <a:cs typeface="+mn-cs"/>
+              </a:rPr>
+              <a:t>if </a:t>
+            </a:r>
+            <a:r>
+              <a:rPr lang="en-US" sz="1200" kern="1200" dirty="0" smtClean="0">
+                <a:solidFill>
+                  <a:schemeClr val="tx1"/>
+                </a:solidFill>
+                <a:effectLst/>
+                <a:latin typeface="+mn-lt"/>
+                <a:ea typeface="+mn-ea"/>
+                <a:cs typeface="+mn-cs"/>
+              </a:rPr>
+              <a:t>you follow this pattern then you can </a:t>
+            </a:r>
+            <a:r>
+              <a:rPr lang="en-US" sz="1200" kern="1200" dirty="0" smtClean="0">
+                <a:solidFill>
+                  <a:schemeClr val="tx1"/>
+                </a:solidFill>
+                <a:effectLst/>
+                <a:latin typeface="+mn-lt"/>
+                <a:ea typeface="+mn-ea"/>
+                <a:cs typeface="+mn-cs"/>
+              </a:rPr>
+              <a:t>use the same setup statements for both unit AND integration tests. The only difference is a </a:t>
+            </a:r>
+            <a:r>
+              <a:rPr lang="en-US" sz="1200" kern="1200" baseline="0" dirty="0" smtClean="0">
+                <a:solidFill>
+                  <a:schemeClr val="tx1"/>
+                </a:solidFill>
+                <a:effectLst/>
+                <a:latin typeface="+mn-lt"/>
+                <a:ea typeface="+mn-ea"/>
+                <a:cs typeface="+mn-cs"/>
+              </a:rPr>
+              <a:t>few calls to the Save methods. </a:t>
+            </a:r>
+            <a:r>
+              <a:rPr lang="en-US" sz="1200" kern="1200" dirty="0" smtClean="0">
+                <a:solidFill>
+                  <a:schemeClr val="tx1"/>
+                </a:solidFill>
+                <a:effectLst/>
+                <a:latin typeface="+mn-lt"/>
+                <a:ea typeface="+mn-ea"/>
+                <a:cs typeface="+mn-cs"/>
+              </a:rPr>
+              <a:t>It’s really sweet when this comes together</a:t>
+            </a:r>
+            <a:r>
+              <a:rPr lang="en-US" sz="1200" kern="1200" baseline="0" dirty="0" smtClean="0">
+                <a:solidFill>
+                  <a:schemeClr val="tx1"/>
+                </a:solidFill>
+                <a:effectLst/>
+                <a:latin typeface="+mn-lt"/>
+                <a:ea typeface="+mn-ea"/>
+                <a:cs typeface="+mn-cs"/>
+              </a:rPr>
+              <a:t>.</a:t>
+            </a:r>
             <a:endParaRPr lang="en-US" sz="1200" kern="1200" dirty="0" smtClean="0">
               <a:solidFill>
                 <a:schemeClr val="tx1"/>
@@ -14409,20 +14477,6 @@
             </a:endParaRPr>
           </a:p>
           <a:p>
-            <a:r>
-              <a:rPr lang="en-US" sz="1200" kern="1200" dirty="0" smtClean="0">
-                <a:solidFill>
-                  <a:schemeClr val="tx1"/>
-                </a:solidFill>
-                <a:effectLst/>
-                <a:latin typeface="+mn-lt"/>
-                <a:ea typeface="+mn-ea"/>
-                <a:cs typeface="+mn-cs"/>
-              </a:rPr>
-              <a:t>But how do prevent this test data from lingering in the database when the test run is over?</a:t>
-            </a:r>
-          </a:p>
-          <a:p>
             <a:endParaRPr lang="en-US" sz="1200" kern="1200" dirty="0" smtClean="0">
               <a:solidFill>
                 <a:schemeClr val="tx1"/>
@@ -14444,7 +14498,19 @@
                 <a:ea typeface="+mn-ea"/>
                 <a:cs typeface="+mn-cs"/>
               </a:rPr>
-              <a:t>One possibility is to reset the database to a known state at the start of each test run. This works, but I don’t recommend it. One reason is that it’s a massive pain to maintain that baseline backup every time the schema changes or new data is added. Another reason is that I use the same database for unit tests as I do for manual testing. It really sucks to spend a bunch of time crafting data for a manual test and then lose it because you accidently ran an integration test that wiped the slate clean. </a:t>
+              <a:t>(click</a:t>
+            </a:r>
+            <a:r>
+              <a:rPr lang="en-US" sz="1200" kern="1200" baseline="0" dirty="0" smtClean="0">
+                <a:solidFill>
+                  <a:schemeClr val="tx1"/>
+                </a:solidFill>
+                <a:effectLst/>
+                <a:latin typeface="+mn-lt"/>
+                <a:ea typeface="+mn-ea"/>
+                <a:cs typeface="+mn-cs"/>
+              </a:rPr>
+              <a:t> for "how to clean up")</a:t>
             </a:r>
             <a:endParaRPr lang="en-US" sz="1200" kern="1200" dirty="0">
               <a:solidFill>
@@ -14538,20 +14604,6 @@
           <a:bodyPr/>
           <a:lstStyle/>
           <a:p>
-            <a:r>
-              <a:rPr lang="en-US" sz="1200" kern="1200" dirty="0" smtClean="0">
-                <a:solidFill>
-                  <a:schemeClr val="tx1"/>
-                </a:solidFill>
-                <a:effectLst/>
-                <a:latin typeface="+mn-lt"/>
-                <a:ea typeface="+mn-ea"/>
-                <a:cs typeface="+mn-cs"/>
-              </a:rPr>
-              <a:t>Another option is to start a database transaction when each test starts, and then roll that transaction back when the test is over.</a:t>
-            </a:r>
-          </a:p>
-          <a:p>
             <a:endParaRPr lang="en-US" sz="1200" kern="1200" dirty="0" smtClean="0">
               <a:solidFill>
                 <a:schemeClr val="tx1"/>
@@ -14573,20 +14625,21 @@
                 <a:ea typeface="+mn-ea"/>
                 <a:cs typeface="+mn-cs"/>
               </a:rPr>
-              <a:t>Years ago I wrote a custom </a:t>
-            </a:r>
-            <a:r>
-              <a:rPr lang="en-US" sz="1200" kern="1200" dirty="0" err="1" smtClean="0">
-                <a:solidFill>
-                  <a:schemeClr val="tx1"/>
-                </a:solidFill>
-                <a:effectLst/>
-                <a:latin typeface="+mn-lt"/>
-                <a:ea typeface="+mn-ea"/>
-                <a:cs typeface="+mn-cs"/>
-              </a:rPr>
-              <a:t>NUnit</a:t>
-            </a:r>
+              <a:t>But how do prevent this test data from lingering in the database when the test run is over?</a:t>
+            </a:r>
+          </a:p>
+          <a:p>
+            <a:endParaRPr lang="en-US" sz="1200" kern="1200" dirty="0" smtClean="0">
+              <a:solidFill>
+                <a:schemeClr val="tx1"/>
+              </a:solidFill>
+              <a:effectLst/>
+              <a:latin typeface="+mn-lt"/>
+              <a:ea typeface="+mn-ea"/>
+              <a:cs typeface="+mn-cs"/>
+            </a:endParaRPr>
+          </a:p>
+          <a:p>
             <a:r>
               <a:rPr lang="en-US" sz="1200" kern="1200" dirty="0" smtClean="0">
                 <a:solidFill>
@@ -14597,21 +14650,17 @@
                 <a:ea typeface="+mn-ea"/>
                 <a:cs typeface="+mn-cs"/>
               </a:rPr>
-              <a:t> attribute called Rollback that does this for us. Any test that has this attribute is automatically executed inside of a transaction that is discarded when the test finishes. The implementation for this is on my GitHub, but at this point it’s like seven years old. There are probably newer and better ways of doing it now, but you’re welcome to copy my approach if you’re using </a:t>
-            </a:r>
-            <a:r>
-              <a:rPr lang="en-US" sz="1200" kern="1200" dirty="0" err="1" smtClean="0">
-                <a:solidFill>
-                  <a:schemeClr val="tx1"/>
-                </a:solidFill>
-                <a:effectLst/>
-                <a:latin typeface="+mn-lt"/>
-                <a:ea typeface="+mn-ea"/>
-                <a:cs typeface="+mn-cs"/>
-              </a:rPr>
-              <a:t>NUnit</a:t>
-            </a:r>
-            <a:endParaRPr lang="en-US" dirty="0"/>
+              <a:t>One possibility is to reset the database to a known state at the start of each test run. This works, but I don’t recommend it. One reason is that it’s a massive pain to maintain that baseline backup every time the schema changes or new data is added. Another reason is that I use the same database for unit tests as I do for manual testing. It really sucks to spend a bunch of time crafting data for a manual test and then lose it because you accidently ran an integration test that wiped the slate clean. </a:t>
+            </a:r>
+            <a:endParaRPr lang="en-US" sz="1200" kern="1200" dirty="0">
+              <a:solidFill>
+                <a:schemeClr val="tx1"/>
+              </a:solidFill>
+              <a:effectLst/>
+              <a:latin typeface="+mn-lt"/>
+              <a:ea typeface="+mn-ea"/>
+              <a:cs typeface="+mn-cs"/>
+            </a:endParaRPr>
           </a:p>
         </p:txBody>
       </p:sp>
@@ -14641,7 +14690,7 @@
     </p:spTree>
     <p:extLst>
       <p:ext uri="{BB962C8B-B14F-4D97-AF65-F5344CB8AC3E}">
-        <p14:creationId xmlns:p14="http://schemas.microsoft.com/office/powerpoint/2010/main" val="3266683685"/>
+        <p14:creationId xmlns:p14="http://schemas.microsoft.com/office/powerpoint/2010/main" val="1385556920"/>
       </p:ext>
     </p:extLst>
   </p:cSld>
@@ -14705,9 +14754,11 @@
                 <a:ea typeface="+mn-ea"/>
                 <a:cs typeface="+mn-cs"/>
               </a:rPr>
-              <a:t>As an example of how powerful these techniques can be, let’s first revisit that nasty chunk of setup code I showed at the start…</a:t>
-            </a:r>
-            <a:endParaRPr lang="en-US" sz="1200" kern="1200" dirty="0">
+              <a:t>Another option is to start a database transaction when each test starts, and then roll that transaction back when the test is over.</a:t>
+            </a:r>
+          </a:p>
+          <a:p>
+            <a:endParaRPr lang="en-US" sz="1200" kern="1200" dirty="0" smtClean="0">
               <a:solidFill>
                 <a:schemeClr val="tx1"/>
               </a:solidFill>
@@ -14717,6 +14768,57 @@
               <a:cs typeface="+mn-cs"/>
             </a:endParaRPr>
           </a:p>
+          <a:p>
+            <a:r>
+              <a:rPr lang="en-US" sz="1200" kern="1200" dirty="0" smtClean="0">
+                <a:solidFill>
+                  <a:schemeClr val="tx1"/>
+                </a:solidFill>
+                <a:effectLst/>
+                <a:latin typeface="+mn-lt"/>
+                <a:ea typeface="+mn-ea"/>
+                <a:cs typeface="+mn-cs"/>
+              </a:rPr>
+              <a:t>Years ago I wrote a custom </a:t>
+            </a:r>
+            <a:r>
+              <a:rPr lang="en-US" sz="1200" kern="1200" dirty="0" err="1" smtClean="0">
+                <a:solidFill>
+                  <a:schemeClr val="tx1"/>
+                </a:solidFill>
+                <a:effectLst/>
+                <a:latin typeface="+mn-lt"/>
+                <a:ea typeface="+mn-ea"/>
+                <a:cs typeface="+mn-cs"/>
+              </a:rPr>
+              <a:t>NUnit</a:t>
+            </a:r>
+            <a:r>
+              <a:rPr lang="en-US" sz="1200" kern="1200" dirty="0" smtClean="0">
+                <a:solidFill>
+                  <a:schemeClr val="tx1"/>
+                </a:solidFill>
+                <a:effectLst/>
+                <a:latin typeface="+mn-lt"/>
+                <a:ea typeface="+mn-ea"/>
+                <a:cs typeface="+mn-cs"/>
+              </a:rPr>
+              <a:t> attribute called Rollback that does this for us. Any test that has this attribute is automatically executed inside of a transaction that is discarded when the test finishes. The implementation for this is on my GitHub, but at this point it’s like seven years old. There are probably newer and better ways of doing it now, but you’re welcome to copy my approach if you’re using </a:t>
+            </a:r>
+            <a:r>
+              <a:rPr lang="en-US" sz="1200" kern="1200" dirty="0" err="1" smtClean="0">
+                <a:solidFill>
+                  <a:schemeClr val="tx1"/>
+                </a:solidFill>
+                <a:effectLst/>
+                <a:latin typeface="+mn-lt"/>
+                <a:ea typeface="+mn-ea"/>
+                <a:cs typeface="+mn-cs"/>
+              </a:rPr>
+              <a:t>NUnit</a:t>
+            </a:r>
+            <a:endParaRPr lang="en-US" dirty="0"/>
+          </a:p>
         </p:txBody>
       </p:sp>
       <p:sp>
@@ -14745,7 +14847,7 @@
     </p:spTree>
     <p:extLst>
       <p:ext uri="{BB962C8B-B14F-4D97-AF65-F5344CB8AC3E}">
-        <p14:creationId xmlns:p14="http://schemas.microsoft.com/office/powerpoint/2010/main" val="621233375"/>
+        <p14:creationId xmlns:p14="http://schemas.microsoft.com/office/powerpoint/2010/main" val="3266683685"/>
       </p:ext>
     </p:extLst>
   </p:cSld>
@@ -14799,7 +14901,27 @@
           <a:bodyPr/>
           <a:lstStyle/>
           <a:p>
-            <a:endParaRPr lang="en-US" dirty="0"/>
+            <a:r>
+              <a:rPr lang="en-US" sz="1200" kern="1200" dirty="0" smtClean="0">
+                <a:solidFill>
+                  <a:schemeClr val="tx1"/>
+                </a:solidFill>
+                <a:effectLst/>
+                <a:latin typeface="+mn-lt"/>
+                <a:ea typeface="+mn-ea"/>
+                <a:cs typeface="+mn-cs"/>
+              </a:rPr>
+              <a:t>As an example of how powerful these techniques can be, let’s first revisit that nasty chunk of setup code I showed at the start…</a:t>
+            </a:r>
+            <a:endParaRPr lang="en-US" sz="1200" kern="1200" dirty="0">
+              <a:solidFill>
+                <a:schemeClr val="tx1"/>
+              </a:solidFill>
+              <a:effectLst/>
+              <a:latin typeface="+mn-lt"/>
+              <a:ea typeface="+mn-ea"/>
+              <a:cs typeface="+mn-cs"/>
+            </a:endParaRPr>
           </a:p>
         </p:txBody>
       </p:sp>
@@ -14829,7 +14951,7 @@
     </p:spTree>
     <p:extLst>
       <p:ext uri="{BB962C8B-B14F-4D97-AF65-F5344CB8AC3E}">
-        <p14:creationId xmlns:p14="http://schemas.microsoft.com/office/powerpoint/2010/main" val="871096793"/>
+        <p14:creationId xmlns:p14="http://schemas.microsoft.com/office/powerpoint/2010/main" val="621233375"/>
       </p:ext>
     </p:extLst>
   </p:cSld>
@@ -15232,62 +15354,7 @@
           <a:bodyPr/>
           <a:lstStyle/>
           <a:p>
-            <a:pPr marL="0" marR="0" lvl="0" indent="0" algn="l" defTabSz="914400" rtl="0" eaLnBrk="1" fontAlgn="auto" latinLnBrk="0" hangingPunct="1">
-              <a:lnSpc>
-                <a:spcPct val="100000"/>
-              </a:lnSpc>
-              <a:spcBef>
-                <a:spcPts val="0"/>
-              </a:spcBef>
-              <a:spcAft>
-                <a:spcPts val="0"/>
-              </a:spcAft>
-              <a:buClrTx/>
-              <a:buSzTx/>
-              <a:buFontTx/>
-              <a:buNone/>
-              <a:tabLst/>
-              <a:defRPr/>
-            </a:pPr>
-            <a:r>
-              <a:rPr lang="en-US" sz="1200" kern="1200" dirty="0" smtClean="0">
-                <a:solidFill>
-                  <a:schemeClr val="tx1"/>
-                </a:solidFill>
-                <a:effectLst/>
-                <a:latin typeface="+mn-lt"/>
-                <a:ea typeface="+mn-ea"/>
-                <a:cs typeface="+mn-cs"/>
-              </a:rPr>
-              <a:t>All three </a:t>
-            </a:r>
-            <a:r>
-              <a:rPr lang="en-US" sz="1200" kern="1200" dirty="0" err="1" smtClean="0">
-                <a:solidFill>
-                  <a:schemeClr val="tx1"/>
-                </a:solidFill>
-                <a:effectLst/>
-                <a:latin typeface="+mn-lt"/>
-                <a:ea typeface="+mn-ea"/>
-                <a:cs typeface="+mn-cs"/>
-              </a:rPr>
-              <a:t>screenfulls</a:t>
-            </a:r>
-            <a:r>
-              <a:rPr lang="en-US" sz="1200" kern="1200" dirty="0" smtClean="0">
-                <a:solidFill>
-                  <a:schemeClr val="tx1"/>
-                </a:solidFill>
-                <a:effectLst/>
-                <a:latin typeface="+mn-lt"/>
-                <a:ea typeface="+mn-ea"/>
-                <a:cs typeface="+mn-cs"/>
-              </a:rPr>
-              <a:t> of it.</a:t>
-            </a:r>
-          </a:p>
-          <a:p>
-            <a:endParaRPr lang="en-US" dirty="0" smtClean="0"/>
+            <a:endParaRPr lang="en-US" dirty="0"/>
           </a:p>
         </p:txBody>
       </p:sp>
@@ -15317,7 +15384,7 @@
     </p:spTree>
     <p:extLst>
       <p:ext uri="{BB962C8B-B14F-4D97-AF65-F5344CB8AC3E}">
-        <p14:creationId xmlns:p14="http://schemas.microsoft.com/office/powerpoint/2010/main" val="2885101328"/>
+        <p14:creationId xmlns:p14="http://schemas.microsoft.com/office/powerpoint/2010/main" val="871096793"/>
       </p:ext>
     </p:extLst>
   </p:cSld>
@@ -15371,6 +15438,23 @@
           <a:bodyPr/>
           <a:lstStyle/>
           <a:p>
+            <a:pPr marL="0" marR="0" lvl="0" indent="0" algn="l" defTabSz="914400" rtl="0" eaLnBrk="1" fontAlgn="auto" latinLnBrk="0" hangingPunct="1">
+              <a:lnSpc>
+                <a:spcPct val="100000"/>
+              </a:lnSpc>
+              <a:spcBef>
+                <a:spcPts val="0"/>
+              </a:spcBef>
+              <a:spcAft>
+                <a:spcPts val="0"/>
+              </a:spcAft>
+              <a:buClrTx/>
+              <a:buSzTx/>
+              <a:buFontTx/>
+              <a:buNone/>
+              <a:tabLst/>
+              <a:defRPr/>
+            </a:pPr>
             <a:r>
               <a:rPr lang="en-US" sz="1200" kern="1200" dirty="0" smtClean="0">
                 <a:solidFill>
@@ -15381,21 +15465,20 @@
                 <a:ea typeface="+mn-ea"/>
                 <a:cs typeface="+mn-cs"/>
               </a:rPr>
-              <a:t>Here’s that same chunk of code, cleaned up and rewritten using Test Helpers. Most of the values and objects being created were irrelevant dependencies that didn’t impact the outcomes. After pushing all of that stuff into helpers, this is all that’s left and it’s way, way more readable.</a:t>
-            </a:r>
-          </a:p>
-          <a:p>
-            <a:endParaRPr lang="en-US" sz="1200" kern="1200" dirty="0" smtClean="0">
-              <a:solidFill>
-                <a:schemeClr val="tx1"/>
-              </a:solidFill>
-              <a:effectLst/>
-              <a:latin typeface="+mn-lt"/>
-              <a:ea typeface="+mn-ea"/>
-              <a:cs typeface="+mn-cs"/>
-            </a:endParaRPr>
-          </a:p>
-          <a:p>
+              <a:t>All three </a:t>
+            </a:r>
+            <a:r>
+              <a:rPr lang="en-US" sz="1200" kern="1200" dirty="0" err="1" smtClean="0">
+                <a:solidFill>
+                  <a:schemeClr val="tx1"/>
+                </a:solidFill>
+                <a:effectLst/>
+                <a:latin typeface="+mn-lt"/>
+                <a:ea typeface="+mn-ea"/>
+                <a:cs typeface="+mn-cs"/>
+              </a:rPr>
+              <a:t>screenfulls</a:t>
+            </a:r>
             <a:r>
               <a:rPr lang="en-US" sz="1200" kern="1200" dirty="0" smtClean="0">
                 <a:solidFill>
@@ -15406,17 +15489,11 @@
                 <a:ea typeface="+mn-ea"/>
                 <a:cs typeface="+mn-cs"/>
               </a:rPr>
-              <a:t>I’ve said it before and I’ll say it again; the single most important thing you can do is build a good helper library and stop creating data by hand.</a:t>
-            </a:r>
-            <a:endParaRPr lang="en-US" sz="1200" kern="1200" dirty="0">
-              <a:solidFill>
-                <a:schemeClr val="tx1"/>
-              </a:solidFill>
-              <a:effectLst/>
-              <a:latin typeface="+mn-lt"/>
-              <a:ea typeface="+mn-ea"/>
-              <a:cs typeface="+mn-cs"/>
-            </a:endParaRPr>
+              <a:t> of it.</a:t>
+            </a:r>
+          </a:p>
+          <a:p>
+            <a:endParaRPr lang="en-US" dirty="0" smtClean="0"/>
           </a:p>
         </p:txBody>
       </p:sp>
@@ -15446,7 +15523,7 @@
     </p:spTree>
     <p:extLst>
       <p:ext uri="{BB962C8B-B14F-4D97-AF65-F5344CB8AC3E}">
-        <p14:creationId xmlns:p14="http://schemas.microsoft.com/office/powerpoint/2010/main" val="2408674174"/>
+        <p14:creationId xmlns:p14="http://schemas.microsoft.com/office/powerpoint/2010/main" val="2885101328"/>
       </p:ext>
     </p:extLst>
   </p:cSld>
@@ -15510,7 +15587,7 @@
                 <a:ea typeface="+mn-ea"/>
                 <a:cs typeface="+mn-cs"/>
               </a:rPr>
-              <a:t>To wrap up, I have some quick suggestions for how to get started with these patterns in your own code.</a:t>
+              <a:t>Here’s that same chunk of code, cleaned up and rewritten using Test Helpers. Most of the values and objects being created were irrelevant dependencies that didn’t impact the outcomes. After pushing all of that stuff into helpers, this is all that’s left and it’s way, way more readable.</a:t>
             </a:r>
           </a:p>
           <a:p>
@@ -15535,35 +15612,9 @@
                 <a:ea typeface="+mn-ea"/>
                 <a:cs typeface="+mn-cs"/>
               </a:rPr>
-              <a:t>First, start by creating helpers for your simple objects first, the ones that don’t have lots of dependencies or child data. Then move up to more complex objects, delegating to the simple helpers as needed. If you try and start with that huge, massive, ancient beast that lives at the heart of your legacy system, it’s </a:t>
-            </a:r>
-            <a:r>
-              <a:rPr lang="en-US" sz="1200" kern="1200" dirty="0" err="1" smtClean="0">
-                <a:solidFill>
-                  <a:schemeClr val="tx1"/>
-                </a:solidFill>
-                <a:effectLst/>
-                <a:latin typeface="+mn-lt"/>
-                <a:ea typeface="+mn-ea"/>
-                <a:cs typeface="+mn-cs"/>
-              </a:rPr>
-              <a:t>gonna</a:t>
-            </a:r>
-            <a:r>
-              <a:rPr lang="en-US" sz="1200" kern="1200" dirty="0" smtClean="0">
-                <a:solidFill>
-                  <a:schemeClr val="tx1"/>
-                </a:solidFill>
-                <a:effectLst/>
-                <a:latin typeface="+mn-lt"/>
-                <a:ea typeface="+mn-ea"/>
-                <a:cs typeface="+mn-cs"/>
-              </a:rPr>
-              <a:t> hurt.</a:t>
-            </a:r>
-          </a:p>
-          <a:p>
-            <a:endParaRPr lang="en-US" sz="1200" kern="1200" dirty="0" smtClean="0">
+              <a:t>I’ve said it before and I’ll say it again; the single most important thing you can do is build a good helper library and stop creating data by hand.</a:t>
+            </a:r>
+            <a:endParaRPr lang="en-US" sz="1200" kern="1200" dirty="0">
               <a:solidFill>
                 <a:schemeClr val="tx1"/>
               </a:solidFill>
@@ -15573,104 +15624,6 @@
               <a:cs typeface="+mn-cs"/>
             </a:endParaRPr>
           </a:p>
-          <a:p>
-            <a:r>
-              <a:rPr lang="en-US" sz="1200" kern="1200" dirty="0" smtClean="0">
-                <a:solidFill>
-                  <a:schemeClr val="tx1"/>
-                </a:solidFill>
-                <a:effectLst/>
-                <a:latin typeface="+mn-lt"/>
-                <a:ea typeface="+mn-ea"/>
-                <a:cs typeface="+mn-cs"/>
-              </a:rPr>
-              <a:t>Second, continually refactor your helpers as needed. Remember that test code </a:t>
-            </a:r>
-            <a:r>
-              <a:rPr lang="en-US" sz="1200" i="1" kern="1200" dirty="0" smtClean="0">
-                <a:solidFill>
-                  <a:schemeClr val="tx1"/>
-                </a:solidFill>
-                <a:effectLst/>
-                <a:latin typeface="+mn-lt"/>
-                <a:ea typeface="+mn-ea"/>
-                <a:cs typeface="+mn-cs"/>
-              </a:rPr>
-              <a:t>is </a:t>
-            </a:r>
-            <a:r>
-              <a:rPr lang="en-US" sz="1200" kern="1200" dirty="0" smtClean="0">
-                <a:solidFill>
-                  <a:schemeClr val="tx1"/>
-                </a:solidFill>
-                <a:effectLst/>
-                <a:latin typeface="+mn-lt"/>
-                <a:ea typeface="+mn-ea"/>
-                <a:cs typeface="+mn-cs"/>
-              </a:rPr>
-              <a:t>“real code”; keep it clean and tidy just like you would anything else.</a:t>
-            </a:r>
-          </a:p>
-          <a:p>
-            <a:endParaRPr lang="en-US" sz="1200" kern="1200" dirty="0" smtClean="0">
-              <a:solidFill>
-                <a:schemeClr val="tx1"/>
-              </a:solidFill>
-              <a:effectLst/>
-              <a:latin typeface="+mn-lt"/>
-              <a:ea typeface="+mn-ea"/>
-              <a:cs typeface="+mn-cs"/>
-            </a:endParaRPr>
-          </a:p>
-          <a:p>
-            <a:r>
-              <a:rPr lang="en-US" sz="1200" kern="1200" dirty="0" smtClean="0">
-                <a:solidFill>
-                  <a:schemeClr val="tx1"/>
-                </a:solidFill>
-                <a:effectLst/>
-                <a:latin typeface="+mn-lt"/>
-                <a:ea typeface="+mn-ea"/>
-                <a:cs typeface="+mn-cs"/>
-              </a:rPr>
-              <a:t>Lastly, the sooner you start implementing these patterns, the sooner you’ll notice the payoff. There </a:t>
-            </a:r>
-            <a:r>
-              <a:rPr lang="en-US" sz="1200" i="1" kern="1200" dirty="0" smtClean="0">
-                <a:solidFill>
-                  <a:schemeClr val="tx1"/>
-                </a:solidFill>
-                <a:effectLst/>
-                <a:latin typeface="+mn-lt"/>
-                <a:ea typeface="+mn-ea"/>
-                <a:cs typeface="+mn-cs"/>
-              </a:rPr>
-              <a:t>is </a:t>
-            </a:r>
-            <a:r>
-              <a:rPr lang="en-US" sz="1200" kern="1200" dirty="0" smtClean="0">
-                <a:solidFill>
-                  <a:schemeClr val="tx1"/>
-                </a:solidFill>
-                <a:effectLst/>
-                <a:latin typeface="+mn-lt"/>
-                <a:ea typeface="+mn-ea"/>
-                <a:cs typeface="+mn-cs"/>
-              </a:rPr>
-              <a:t>an investment to add these to a legacy system, but the promised land of clean, simple unit AND integration tests is totally worth it.</a:t>
-            </a:r>
-          </a:p>
-          <a:p>
-            <a:endParaRPr lang="en-US" sz="1200" kern="1200" dirty="0" smtClean="0">
-              <a:solidFill>
-                <a:schemeClr val="tx1"/>
-              </a:solidFill>
-              <a:effectLst/>
-              <a:latin typeface="+mn-lt"/>
-              <a:ea typeface="+mn-ea"/>
-              <a:cs typeface="+mn-cs"/>
-            </a:endParaRPr>
-          </a:p>
         </p:txBody>
       </p:sp>
       <p:sp>
@@ -15699,7 +15652,7 @@
     </p:spTree>
     <p:extLst>
       <p:ext uri="{BB962C8B-B14F-4D97-AF65-F5344CB8AC3E}">
-        <p14:creationId xmlns:p14="http://schemas.microsoft.com/office/powerpoint/2010/main" val="4116676846"/>
+        <p14:creationId xmlns:p14="http://schemas.microsoft.com/office/powerpoint/2010/main" val="2408674174"/>
       </p:ext>
     </p:extLst>
   </p:cSld>
@@ -15763,45 +15716,7 @@
                 <a:ea typeface="+mn-ea"/>
                 <a:cs typeface="+mn-cs"/>
               </a:rPr>
-              <a:t>And that brings us to the end of this session. Here are the 4 keys to effective test setup as well as links to these slides on </a:t>
-            </a:r>
-            <a:r>
-              <a:rPr lang="en-US" sz="1200" kern="1200" dirty="0" err="1" smtClean="0">
-                <a:solidFill>
-                  <a:schemeClr val="tx1"/>
-                </a:solidFill>
-                <a:effectLst/>
-                <a:latin typeface="+mn-lt"/>
-                <a:ea typeface="+mn-ea"/>
-                <a:cs typeface="+mn-cs"/>
-              </a:rPr>
-              <a:t>Github</a:t>
-            </a:r>
-            <a:r>
-              <a:rPr lang="en-US" sz="1200" kern="1200" dirty="0" smtClean="0">
-                <a:solidFill>
-                  <a:schemeClr val="tx1"/>
-                </a:solidFill>
-                <a:effectLst/>
-                <a:latin typeface="+mn-lt"/>
-                <a:ea typeface="+mn-ea"/>
-                <a:cs typeface="+mn-cs"/>
-              </a:rPr>
-              <a:t>, my website, and my twitter account. If you have any questions or comments I think we have a few minutes right now, or please feel free to seek me out online. </a:t>
-            </a:r>
-          </a:p>
-          <a:p>
-            <a:r>
-              <a:rPr lang="en-US" sz="1200" kern="1200" dirty="0" smtClean="0">
-                <a:solidFill>
-                  <a:schemeClr val="tx1"/>
-                </a:solidFill>
-                <a:effectLst/>
-                <a:latin typeface="+mn-lt"/>
-                <a:ea typeface="+mn-ea"/>
-                <a:cs typeface="+mn-cs"/>
-              </a:rPr>
-              <a:t>THANK YOU!</a:t>
+              <a:t>To wrap up, I have some quick suggestions for how to get started with these patterns in your own code.</a:t>
             </a:r>
           </a:p>
           <a:p>
@@ -15815,6 +15730,153 @@
               <a:cs typeface="+mn-cs"/>
             </a:endParaRPr>
           </a:p>
+          <a:p>
+            <a:r>
+              <a:rPr lang="en-US" sz="1200" kern="1200" dirty="0" smtClean="0">
+                <a:solidFill>
+                  <a:schemeClr val="tx1"/>
+                </a:solidFill>
+                <a:effectLst/>
+                <a:latin typeface="+mn-lt"/>
+                <a:ea typeface="+mn-ea"/>
+                <a:cs typeface="+mn-cs"/>
+              </a:rPr>
+              <a:t>First, start by creating helpers for your simple objects first, the ones that don’t have lots of dependencies or child data. Then move up to more complex objects, delegating to the simple helpers as needed. If you try and start with that huge, massive, ancient beast that lives at the heart of your legacy system, it’s </a:t>
+            </a:r>
+            <a:r>
+              <a:rPr lang="en-US" sz="1200" kern="1200" dirty="0" err="1" smtClean="0">
+                <a:solidFill>
+                  <a:schemeClr val="tx1"/>
+                </a:solidFill>
+                <a:effectLst/>
+                <a:latin typeface="+mn-lt"/>
+                <a:ea typeface="+mn-ea"/>
+                <a:cs typeface="+mn-cs"/>
+              </a:rPr>
+              <a:t>gonna</a:t>
+            </a:r>
+            <a:r>
+              <a:rPr lang="en-US" sz="1200" kern="1200" dirty="0" smtClean="0">
+                <a:solidFill>
+                  <a:schemeClr val="tx1"/>
+                </a:solidFill>
+                <a:effectLst/>
+                <a:latin typeface="+mn-lt"/>
+                <a:ea typeface="+mn-ea"/>
+                <a:cs typeface="+mn-cs"/>
+              </a:rPr>
+              <a:t> hurt.</a:t>
+            </a:r>
+          </a:p>
+          <a:p>
+            <a:endParaRPr lang="en-US" sz="1200" kern="1200" dirty="0" smtClean="0">
+              <a:solidFill>
+                <a:schemeClr val="tx1"/>
+              </a:solidFill>
+              <a:effectLst/>
+              <a:latin typeface="+mn-lt"/>
+              <a:ea typeface="+mn-ea"/>
+              <a:cs typeface="+mn-cs"/>
+            </a:endParaRPr>
+          </a:p>
+          <a:p>
+            <a:r>
+              <a:rPr lang="en-US" sz="1200" kern="1200" dirty="0" smtClean="0">
+                <a:solidFill>
+                  <a:schemeClr val="tx1"/>
+                </a:solidFill>
+                <a:effectLst/>
+                <a:latin typeface="+mn-lt"/>
+                <a:ea typeface="+mn-ea"/>
+                <a:cs typeface="+mn-cs"/>
+              </a:rPr>
+              <a:t>Second, continually refactor your helpers as needed. Remember that test code </a:t>
+            </a:r>
+            <a:r>
+              <a:rPr lang="en-US" sz="1200" i="1" kern="1200" dirty="0" smtClean="0">
+                <a:solidFill>
+                  <a:schemeClr val="tx1"/>
+                </a:solidFill>
+                <a:effectLst/>
+                <a:latin typeface="+mn-lt"/>
+                <a:ea typeface="+mn-ea"/>
+                <a:cs typeface="+mn-cs"/>
+              </a:rPr>
+              <a:t>is </a:t>
+            </a:r>
+            <a:r>
+              <a:rPr lang="en-US" sz="1200" kern="1200" dirty="0" smtClean="0">
+                <a:solidFill>
+                  <a:schemeClr val="tx1"/>
+                </a:solidFill>
+                <a:effectLst/>
+                <a:latin typeface="+mn-lt"/>
+                <a:ea typeface="+mn-ea"/>
+                <a:cs typeface="+mn-cs"/>
+              </a:rPr>
+              <a:t>“real code”; keep it clean and tidy just like you would anything else.</a:t>
+            </a:r>
+          </a:p>
+          <a:p>
+            <a:endParaRPr lang="en-US" sz="1200" kern="1200" dirty="0" smtClean="0">
+              <a:solidFill>
+                <a:schemeClr val="tx1"/>
+              </a:solidFill>
+              <a:effectLst/>
+              <a:latin typeface="+mn-lt"/>
+              <a:ea typeface="+mn-ea"/>
+              <a:cs typeface="+mn-cs"/>
+            </a:endParaRPr>
+          </a:p>
+          <a:p>
+            <a:r>
+              <a:rPr lang="en-US" sz="1200" kern="1200" dirty="0" smtClean="0">
+                <a:solidFill>
+                  <a:schemeClr val="tx1"/>
+                </a:solidFill>
+                <a:effectLst/>
+                <a:latin typeface="+mn-lt"/>
+                <a:ea typeface="+mn-ea"/>
+                <a:cs typeface="+mn-cs"/>
+              </a:rPr>
+              <a:t>Lastly, the sooner you start implementing these patterns, the sooner you’ll notice the payoff. There </a:t>
+            </a:r>
+            <a:r>
+              <a:rPr lang="en-US" sz="1200" i="1" kern="1200" dirty="0" smtClean="0">
+                <a:solidFill>
+                  <a:schemeClr val="tx1"/>
+                </a:solidFill>
+                <a:effectLst/>
+                <a:latin typeface="+mn-lt"/>
+                <a:ea typeface="+mn-ea"/>
+                <a:cs typeface="+mn-cs"/>
+              </a:rPr>
+              <a:t>is </a:t>
+            </a:r>
+            <a:r>
+              <a:rPr lang="en-US" sz="1200" kern="1200" dirty="0" smtClean="0">
+                <a:solidFill>
+                  <a:schemeClr val="tx1"/>
+                </a:solidFill>
+                <a:effectLst/>
+                <a:latin typeface="+mn-lt"/>
+                <a:ea typeface="+mn-ea"/>
+                <a:cs typeface="+mn-cs"/>
+              </a:rPr>
+              <a:t>an investment to add these to a legacy system, but the promised land of clean, simple unit AND integration tests is totally worth it.</a:t>
+            </a:r>
+          </a:p>
+          <a:p>
+            <a:endParaRPr lang="en-US" sz="1200" kern="1200" dirty="0" smtClean="0">
+              <a:solidFill>
+                <a:schemeClr val="tx1"/>
+              </a:solidFill>
+              <a:effectLst/>
+              <a:latin typeface="+mn-lt"/>
+              <a:ea typeface="+mn-ea"/>
+              <a:cs typeface="+mn-cs"/>
+            </a:endParaRPr>
+          </a:p>
         </p:txBody>
       </p:sp>
       <p:sp>
@@ -15835,6 +15897,150 @@
             <a:fld id="{89029652-62E7-43D6-83B5-097D7B7AA5D8}" type="slidenum">
               <a:rPr lang="en-US" smtClean="0"/>
               <a:t>93</a:t>
+            </a:fld>
+            <a:endParaRPr lang="en-US"/>
+          </a:p>
+        </p:txBody>
+      </p:sp>
+    </p:spTree>
+    <p:extLst>
+      <p:ext uri="{BB962C8B-B14F-4D97-AF65-F5344CB8AC3E}">
+        <p14:creationId xmlns:p14="http://schemas.microsoft.com/office/powerpoint/2010/main" val="4116676846"/>
+      </p:ext>
+    </p:extLst>
+  </p:cSld>
+  <p:clrMapOvr>
+    <a:masterClrMapping/>
+  </p:clrMapOvr>
+</p:notes>
+</file>
+
+<file path=ppt/notesSlides/notesSlide94.xml><?xml version="1.0" encoding="utf-8"?>
+<p:notes xmlns:a="http://schemas.openxmlformats.org/drawingml/2006/main" xmlns:r="http://schemas.openxmlformats.org/officeDocument/2006/relationships" xmlns:p="http://schemas.openxmlformats.org/presentationml/2006/main">
+  <p:cSld>
+    <p:spTree>
+      <p:nvGrpSpPr>
+        <p:cNvPr id="1" name=""/>
+        <p:cNvGrpSpPr/>
+        <p:nvPr/>
+      </p:nvGrpSpPr>
+      <p:grpSpPr>
+        <a:xfrm>
+          <a:off x="0" y="0"/>
+          <a:ext cx="0" cy="0"/>
+          <a:chOff x="0" y="0"/>
+          <a:chExt cx="0" cy="0"/>
+        </a:xfrm>
+      </p:grpSpPr>
+      <p:sp>
+        <p:nvSpPr>
+          <p:cNvPr id="2" name="Slide Image Placeholder 1"/>
+          <p:cNvSpPr>
+            <a:spLocks noGrp="1" noRot="1" noChangeAspect="1"/>
+          </p:cNvSpPr>
+          <p:nvPr>
+            <p:ph type="sldImg"/>
+          </p:nvPr>
+        </p:nvSpPr>
+        <p:spPr/>
+      </p:sp>
+      <p:sp>
+        <p:nvSpPr>
+          <p:cNvPr id="3" name="Notes Placeholder 2"/>
+          <p:cNvSpPr>
+            <a:spLocks noGrp="1"/>
+          </p:cNvSpPr>
+          <p:nvPr>
+            <p:ph type="body" idx="1"/>
+          </p:nvPr>
+        </p:nvSpPr>
+        <p:spPr/>
+        <p:txBody>
+          <a:bodyPr/>
+          <a:lstStyle/>
+          <a:p>
+            <a:r>
+              <a:rPr lang="en-US" sz="1200" kern="1200" dirty="0" smtClean="0">
+                <a:solidFill>
+                  <a:schemeClr val="tx1"/>
+                </a:solidFill>
+                <a:effectLst/>
+                <a:latin typeface="+mn-lt"/>
+                <a:ea typeface="+mn-ea"/>
+                <a:cs typeface="+mn-cs"/>
+              </a:rPr>
+              <a:t>And that brings us to the end of this session. Here are the 4 keys to effective test setup as well as links to these slides on </a:t>
+            </a:r>
+            <a:r>
+              <a:rPr lang="en-US" sz="1200" kern="1200" dirty="0" err="1" smtClean="0">
+                <a:solidFill>
+                  <a:schemeClr val="tx1"/>
+                </a:solidFill>
+                <a:effectLst/>
+                <a:latin typeface="+mn-lt"/>
+                <a:ea typeface="+mn-ea"/>
+                <a:cs typeface="+mn-cs"/>
+              </a:rPr>
+              <a:t>Github</a:t>
+            </a:r>
+            <a:r>
+              <a:rPr lang="en-US" sz="1200" kern="1200" dirty="0" smtClean="0">
+                <a:solidFill>
+                  <a:schemeClr val="tx1"/>
+                </a:solidFill>
+                <a:effectLst/>
+                <a:latin typeface="+mn-lt"/>
+                <a:ea typeface="+mn-ea"/>
+                <a:cs typeface="+mn-cs"/>
+              </a:rPr>
+              <a:t>, my website, and my twitter account. If you have any questions or comments I think we have a few minutes right now, or please feel free to seek me out online. </a:t>
+            </a:r>
+          </a:p>
+          <a:p>
+            <a:r>
+              <a:rPr lang="en-US" sz="1200" kern="1200" dirty="0" smtClean="0">
+                <a:solidFill>
+                  <a:schemeClr val="tx1"/>
+                </a:solidFill>
+                <a:effectLst/>
+                <a:latin typeface="+mn-lt"/>
+                <a:ea typeface="+mn-ea"/>
+                <a:cs typeface="+mn-cs"/>
+              </a:rPr>
+              <a:t>THANK YOU!</a:t>
+            </a:r>
+          </a:p>
+          <a:p>
+            <a:endParaRPr lang="en-US" sz="1200" kern="1200" dirty="0" smtClean="0">
+              <a:solidFill>
+                <a:schemeClr val="tx1"/>
+              </a:solidFill>
+              <a:effectLst/>
+              <a:latin typeface="+mn-lt"/>
+              <a:ea typeface="+mn-ea"/>
+              <a:cs typeface="+mn-cs"/>
+            </a:endParaRPr>
+          </a:p>
+        </p:txBody>
+      </p:sp>
+      <p:sp>
+        <p:nvSpPr>
+          <p:cNvPr id="4" name="Slide Number Placeholder 3"/>
+          <p:cNvSpPr>
+            <a:spLocks noGrp="1"/>
+          </p:cNvSpPr>
+          <p:nvPr>
+            <p:ph type="sldNum" sz="quarter" idx="10"/>
+          </p:nvPr>
+        </p:nvSpPr>
+        <p:spPr/>
+        <p:txBody>
+          <a:bodyPr/>
+          <a:lstStyle/>
+          <a:p>
+            <a:fld id="{89029652-62E7-43D6-83B5-097D7B7AA5D8}" type="slidenum">
+              <a:rPr lang="en-US" smtClean="0"/>
+              <a:t>94</a:t>
             </a:fld>
             <a:endParaRPr lang="en-US"/>
           </a:p>
@@ -31730,6 +31936,134 @@
             <p:ph idx="1"/>
           </p:nvPr>
         </p:nvSpPr>
+        <p:spPr>
+          <a:xfrm>
+            <a:off x="838200" y="1825625"/>
+            <a:ext cx="10515600" cy="4357462"/>
+          </a:xfrm>
+        </p:spPr>
+        <p:txBody>
+          <a:bodyPr>
+            <a:normAutofit/>
+          </a:bodyPr>
+          <a:lstStyle/>
+          <a:p>
+            <a:pPr marL="914400" lvl="2" indent="0">
+              <a:buNone/>
+            </a:pPr>
+            <a:r>
+              <a:rPr lang="en-US" dirty="0" smtClean="0"/>
+              <a:t>	</a:t>
+            </a:r>
+          </a:p>
+          <a:p>
+            <a:endParaRPr lang="en-US" dirty="0"/>
+          </a:p>
+        </p:txBody>
+      </p:sp>
+      <p:pic>
+        <p:nvPicPr>
+          <p:cNvPr id="4" name="Picture 3"/>
+          <p:cNvPicPr>
+            <a:picLocks noChangeAspect="1"/>
+          </p:cNvPicPr>
+          <p:nvPr/>
+        </p:nvPicPr>
+        <p:blipFill>
+          <a:blip r:embed="rId3"/>
+          <a:stretch>
+            <a:fillRect/>
+          </a:stretch>
+        </p:blipFill>
+        <p:spPr>
+          <a:xfrm>
+            <a:off x="838200" y="1690688"/>
+            <a:ext cx="9744075" cy="4533900"/>
+          </a:xfrm>
+          <a:prstGeom prst="rect">
+            <a:avLst/>
+          </a:prstGeom>
+        </p:spPr>
+      </p:pic>
+    </p:spTree>
+    <p:extLst>
+      <p:ext uri="{BB962C8B-B14F-4D97-AF65-F5344CB8AC3E}">
+        <p14:creationId xmlns:p14="http://schemas.microsoft.com/office/powerpoint/2010/main" val="3421843920"/>
+      </p:ext>
+    </p:extLst>
+  </p:cSld>
+  <p:clrMapOvr>
+    <a:masterClrMapping/>
+  </p:clrMapOvr>
+  <mc:AlternateContent xmlns:mc="http://schemas.openxmlformats.org/markup-compatibility/2006" xmlns:p14="http://schemas.microsoft.com/office/powerpoint/2010/main">
+    <mc:Choice Requires="p14">
+      <p:transition spd="slow" p14:dur="2000"/>
+    </mc:Choice>
+    <mc:Fallback xmlns="">
+      <p:transition spd="slow"/>
+    </mc:Fallback>
+  </mc:AlternateContent>
+  <p:timing>
+    <p:tnLst>
+      <p:par>
+        <p:cTn id="1" dur="indefinite" restart="never" nodeType="tmRoot"/>
+      </p:par>
+    </p:tnLst>
+  </p:timing>
+</p:sld>
+</file>
+
+<file path=ppt/slides/slide88.xml><?xml version="1.0" encoding="utf-8"?>
+<p:sld xmlns:a="http://schemas.openxmlformats.org/drawingml/2006/main" xmlns:r="http://schemas.openxmlformats.org/officeDocument/2006/relationships" xmlns:p="http://schemas.openxmlformats.org/presentationml/2006/main">
+  <p:cSld>
+    <p:spTree>
+      <p:nvGrpSpPr>
+        <p:cNvPr id="1" name=""/>
+        <p:cNvGrpSpPr/>
+        <p:nvPr/>
+      </p:nvGrpSpPr>
+      <p:grpSpPr>
+        <a:xfrm>
+          <a:off x="0" y="0"/>
+          <a:ext cx="0" cy="0"/>
+          <a:chOff x="0" y="0"/>
+          <a:chExt cx="0" cy="0"/>
+        </a:xfrm>
+      </p:grpSpPr>
+      <p:sp>
+        <p:nvSpPr>
+          <p:cNvPr id="2" name="Title 1"/>
+          <p:cNvSpPr>
+            <a:spLocks noGrp="1"/>
+          </p:cNvSpPr>
+          <p:nvPr>
+            <p:ph type="title"/>
+          </p:nvPr>
+        </p:nvSpPr>
+        <p:spPr/>
+        <p:txBody>
+          <a:bodyPr>
+            <a:normAutofit/>
+          </a:bodyPr>
+          <a:lstStyle/>
+          <a:p>
+            <a:r>
+              <a:rPr lang="en-US" sz="4800" dirty="0"/>
+              <a:t>Key #4: Integration tests</a:t>
+            </a:r>
+          </a:p>
+        </p:txBody>
+      </p:sp>
+      <p:sp>
+        <p:nvSpPr>
+          <p:cNvPr id="3" name="Content Placeholder 2"/>
+          <p:cNvSpPr>
+            <a:spLocks noGrp="1"/>
+          </p:cNvSpPr>
+          <p:nvPr>
+            <p:ph idx="1"/>
+          </p:nvPr>
+        </p:nvSpPr>
         <p:spPr/>
         <p:txBody>
           <a:bodyPr>
@@ -31816,7 +32150,7 @@
 </p:sld>
 </file>
 
-<file path=ppt/slides/slide88.xml><?xml version="1.0" encoding="utf-8"?>
+<file path=ppt/slides/slide89.xml><?xml version="1.0" encoding="utf-8"?>
 <p:sld xmlns:a="http://schemas.openxmlformats.org/drawingml/2006/main" xmlns:r="http://schemas.openxmlformats.org/officeDocument/2006/relationships" xmlns:p="http://schemas.openxmlformats.org/presentationml/2006/main">
   <p:cSld>
     <p:spTree>
@@ -31902,7 +32236,83 @@
 </p:sld>
 </file>
 
-<file path=ppt/slides/slide89.xml><?xml version="1.0" encoding="utf-8"?>
+<file path=ppt/slides/slide9.xml><?xml version="1.0" encoding="utf-8"?>
+<p:sld xmlns:a="http://schemas.openxmlformats.org/drawingml/2006/main" xmlns:r="http://schemas.openxmlformats.org/officeDocument/2006/relationships" xmlns:p="http://schemas.openxmlformats.org/presentationml/2006/main">
+  <p:cSld>
+    <p:spTree>
+      <p:nvGrpSpPr>
+        <p:cNvPr id="1" name=""/>
+        <p:cNvGrpSpPr/>
+        <p:nvPr/>
+      </p:nvGrpSpPr>
+      <p:grpSpPr>
+        <a:xfrm>
+          <a:off x="0" y="0"/>
+          <a:ext cx="0" cy="0"/>
+          <a:chOff x="0" y="0"/>
+          <a:chExt cx="0" cy="0"/>
+        </a:xfrm>
+      </p:grpSpPr>
+      <p:sp>
+        <p:nvSpPr>
+          <p:cNvPr id="2" name="Title 1"/>
+          <p:cNvSpPr>
+            <a:spLocks noGrp="1"/>
+          </p:cNvSpPr>
+          <p:nvPr>
+            <p:ph type="title"/>
+          </p:nvPr>
+        </p:nvSpPr>
+        <p:spPr>
+          <a:xfrm>
+            <a:off x="905934" y="2380192"/>
+            <a:ext cx="10515600" cy="1325563"/>
+          </a:xfrm>
+        </p:spPr>
+        <p:txBody>
+          <a:bodyPr>
+            <a:normAutofit/>
+          </a:bodyPr>
+          <a:lstStyle/>
+          <a:p>
+            <a:pPr algn="ctr"/>
+            <a:r>
+              <a:rPr lang="en-US" sz="4800" dirty="0" smtClean="0"/>
+              <a:t>Why is test setup</a:t>
+            </a:r>
+            <a:r>
+              <a:rPr lang="en-US" sz="4800" dirty="0"/>
+              <a:t> </a:t>
+            </a:r>
+            <a:r>
+              <a:rPr lang="en-US" sz="4800" dirty="0" smtClean="0"/>
+              <a:t>so important?</a:t>
+            </a:r>
+            <a:endParaRPr lang="en-US" sz="4800" dirty="0"/>
+          </a:p>
+        </p:txBody>
+      </p:sp>
+    </p:spTree>
+    <p:extLst>
+      <p:ext uri="{BB962C8B-B14F-4D97-AF65-F5344CB8AC3E}">
+        <p14:creationId xmlns:p14="http://schemas.microsoft.com/office/powerpoint/2010/main" val="3988240435"/>
+      </p:ext>
+    </p:extLst>
+  </p:cSld>
+  <p:clrMapOvr>
+    <a:masterClrMapping/>
+  </p:clrMapOvr>
+  <p:timing>
+    <p:tnLst>
+      <p:par>
+        <p:cTn id="1" dur="indefinite" restart="never" nodeType="tmRoot"/>
+      </p:par>
+    </p:tnLst>
+  </p:timing>
+</p:sld>
+</file>
+
+<file path=ppt/slides/slide90.xml><?xml version="1.0" encoding="utf-8"?>
 <p:sld xmlns:a="http://schemas.openxmlformats.org/drawingml/2006/main" xmlns:r="http://schemas.openxmlformats.org/officeDocument/2006/relationships" xmlns:p="http://schemas.openxmlformats.org/presentationml/2006/main">
   <p:cSld>
     <p:spTree>
@@ -31963,83 +32373,7 @@
 </p:sld>
 </file>
 
-<file path=ppt/slides/slide9.xml><?xml version="1.0" encoding="utf-8"?>
-<p:sld xmlns:a="http://schemas.openxmlformats.org/drawingml/2006/main" xmlns:r="http://schemas.openxmlformats.org/officeDocument/2006/relationships" xmlns:p="http://schemas.openxmlformats.org/presentationml/2006/main">
-  <p:cSld>
-    <p:spTree>
-      <p:nvGrpSpPr>
-        <p:cNvPr id="1" name=""/>
-        <p:cNvGrpSpPr/>
-        <p:nvPr/>
-      </p:nvGrpSpPr>
-      <p:grpSpPr>
-        <a:xfrm>
-          <a:off x="0" y="0"/>
-          <a:ext cx="0" cy="0"/>
-          <a:chOff x="0" y="0"/>
-          <a:chExt cx="0" cy="0"/>
-        </a:xfrm>
-      </p:grpSpPr>
-      <p:sp>
-        <p:nvSpPr>
-          <p:cNvPr id="2" name="Title 1"/>
-          <p:cNvSpPr>
-            <a:spLocks noGrp="1"/>
-          </p:cNvSpPr>
-          <p:nvPr>
-            <p:ph type="title"/>
-          </p:nvPr>
-        </p:nvSpPr>
-        <p:spPr>
-          <a:xfrm>
-            <a:off x="905934" y="2380192"/>
-            <a:ext cx="10515600" cy="1325563"/>
-          </a:xfrm>
-        </p:spPr>
-        <p:txBody>
-          <a:bodyPr>
-            <a:normAutofit/>
-          </a:bodyPr>
-          <a:lstStyle/>
-          <a:p>
-            <a:pPr algn="ctr"/>
-            <a:r>
-              <a:rPr lang="en-US" sz="4800" dirty="0" smtClean="0"/>
-              <a:t>Why is test setup</a:t>
-            </a:r>
-            <a:r>
-              <a:rPr lang="en-US" sz="4800" dirty="0"/>
-              <a:t> </a:t>
-            </a:r>
-            <a:r>
-              <a:rPr lang="en-US" sz="4800" dirty="0" smtClean="0"/>
-              <a:t>so important?</a:t>
-            </a:r>
-            <a:endParaRPr lang="en-US" sz="4800" dirty="0"/>
-          </a:p>
-        </p:txBody>
-      </p:sp>
-    </p:spTree>
-    <p:extLst>
-      <p:ext uri="{BB962C8B-B14F-4D97-AF65-F5344CB8AC3E}">
-        <p14:creationId xmlns:p14="http://schemas.microsoft.com/office/powerpoint/2010/main" val="3988240435"/>
-      </p:ext>
-    </p:extLst>
-  </p:cSld>
-  <p:clrMapOvr>
-    <a:masterClrMapping/>
-  </p:clrMapOvr>
-  <p:timing>
-    <p:tnLst>
-      <p:par>
-        <p:cTn id="1" dur="indefinite" restart="never" nodeType="tmRoot"/>
-      </p:par>
-    </p:tnLst>
-  </p:timing>
-</p:sld>
-</file>
-
-<file path=ppt/slides/slide90.xml><?xml version="1.0" encoding="utf-8"?>
+<file path=ppt/slides/slide91.xml><?xml version="1.0" encoding="utf-8"?>
 <p:sld xmlns:a="http://schemas.openxmlformats.org/drawingml/2006/main" xmlns:r="http://schemas.openxmlformats.org/officeDocument/2006/relationships" xmlns:p="http://schemas.openxmlformats.org/presentationml/2006/main">
   <p:cSld>
     <p:spTree>
@@ -32100,7 +32434,7 @@
 </p:sld>
 </file>
 
-<file path=ppt/slides/slide91.xml><?xml version="1.0" encoding="utf-8"?>
+<file path=ppt/slides/slide92.xml><?xml version="1.0" encoding="utf-8"?>
 <p:sld xmlns:a="http://schemas.openxmlformats.org/drawingml/2006/main" xmlns:r="http://schemas.openxmlformats.org/officeDocument/2006/relationships" xmlns:p="http://schemas.openxmlformats.org/presentationml/2006/main">
   <p:cSld>
     <p:spTree>
@@ -32210,7 +32544,7 @@
 </p:sld>
 </file>
 
-<file path=ppt/slides/slide92.xml><?xml version="1.0" encoding="utf-8"?>
+<file path=ppt/slides/slide93.xml><?xml version="1.0" encoding="utf-8"?>
 <p:sld xmlns:a="http://schemas.openxmlformats.org/drawingml/2006/main" xmlns:r="http://schemas.openxmlformats.org/officeDocument/2006/relationships" xmlns:p="http://schemas.openxmlformats.org/presentationml/2006/main">
   <p:cSld>
     <p:spTree>
@@ -32364,7 +32698,7 @@
 </p:sld>
 </file>
 
-<file path=ppt/slides/slide93.xml><?xml version="1.0" encoding="utf-8"?>
+<file path=ppt/slides/slide94.xml><?xml version="1.0" encoding="utf-8"?>
 <p:sld xmlns:a="http://schemas.openxmlformats.org/drawingml/2006/main" xmlns:r="http://schemas.openxmlformats.org/officeDocument/2006/relationships" xmlns:p="http://schemas.openxmlformats.org/presentationml/2006/main">
   <p:cSld>
     <p:spTree>
